--- a/Présentation/Soutenance_Groupe25.pptx
+++ b/Présentation/Soutenance_Groupe25.pptx
@@ -9,10 +9,10 @@
     <p:sldMasterId id="2147483672" r:id="rId5"/>
   </p:sldMasterIdLst>
   <p:notesMasterIdLst>
-    <p:notesMasterId r:id="rId34"/>
+    <p:notesMasterId r:id="rId35"/>
   </p:notesMasterIdLst>
   <p:handoutMasterIdLst>
-    <p:handoutMasterId r:id="rId35"/>
+    <p:handoutMasterId r:id="rId36"/>
   </p:handoutMasterIdLst>
   <p:sldIdLst>
     <p:sldId id="257" r:id="rId6"/>
@@ -32,17 +32,18 @@
     <p:sldId id="279" r:id="rId20"/>
     <p:sldId id="280" r:id="rId21"/>
     <p:sldId id="281" r:id="rId22"/>
-    <p:sldId id="269" r:id="rId23"/>
-    <p:sldId id="270" r:id="rId24"/>
-    <p:sldId id="282" r:id="rId25"/>
-    <p:sldId id="283" r:id="rId26"/>
-    <p:sldId id="284" r:id="rId27"/>
-    <p:sldId id="285" r:id="rId28"/>
-    <p:sldId id="272" r:id="rId29"/>
-    <p:sldId id="271" r:id="rId30"/>
-    <p:sldId id="261" r:id="rId31"/>
-    <p:sldId id="273" r:id="rId32"/>
-    <p:sldId id="274" r:id="rId33"/>
+    <p:sldId id="286" r:id="rId23"/>
+    <p:sldId id="269" r:id="rId24"/>
+    <p:sldId id="270" r:id="rId25"/>
+    <p:sldId id="282" r:id="rId26"/>
+    <p:sldId id="283" r:id="rId27"/>
+    <p:sldId id="284" r:id="rId28"/>
+    <p:sldId id="285" r:id="rId29"/>
+    <p:sldId id="272" r:id="rId30"/>
+    <p:sldId id="271" r:id="rId31"/>
+    <p:sldId id="261" r:id="rId32"/>
+    <p:sldId id="273" r:id="rId33"/>
+    <p:sldId id="274" r:id="rId34"/>
   </p:sldIdLst>
   <p:sldSz cx="12192000" cy="6858000"/>
   <p:notesSz cx="6858000" cy="9144000"/>
@@ -1415,13 +1416,31 @@
           <a:bodyPr wrap="square">
             <a:spAutoFit/>
           </a:bodyPr>
-          <a:lstStyle/>
+          <a:lstStyle>
+            <a:defPPr>
+              <a:defRPr lang="fr-FR"/>
+            </a:defPPr>
+            <a:lvl1pPr algn="ctr">
+              <a:defRPr sz="4801" b="1">
+                <a:solidFill>
+                  <a:srgbClr val="006A5A"/>
+                </a:solidFill>
+                <a:effectLst>
+                  <a:glow rad="101600">
+                    <a:schemeClr val="accent3">
+                      <a:satMod val="175000"/>
+                      <a:alpha val="40000"/>
+                    </a:schemeClr>
+                  </a:glow>
+                </a:effectLst>
+                <a:latin typeface="Gill Sans MT" panose="020B0502020104020203" pitchFamily="34" charset="0"/>
+              </a:defRPr>
+            </a:lvl1pPr>
+          </a:lstStyle>
           <a:p>
-            <a:pPr algn="ctr"/>
+            <a:pPr lvl="0"/>
             <a:r>
-              <a:rPr lang="fr-FR" sz="4801" dirty="0">
-                <a:latin typeface="Gill Sans MT" panose="020B0502020104020203" pitchFamily="34" charset="0"/>
-              </a:rPr>
+              <a:rPr lang="fr-FR" dirty="0"/>
               <a:t>Présentation du contexte</a:t>
             </a:r>
           </a:p>
@@ -1757,13 +1776,31 @@
           <a:bodyPr wrap="square">
             <a:spAutoFit/>
           </a:bodyPr>
-          <a:lstStyle/>
+          <a:lstStyle>
+            <a:defPPr>
+              <a:defRPr lang="fr-FR"/>
+            </a:defPPr>
+            <a:lvl1pPr lvl="0" algn="ctr">
+              <a:defRPr sz="4801" b="1">
+                <a:solidFill>
+                  <a:srgbClr val="006A5A"/>
+                </a:solidFill>
+                <a:effectLst>
+                  <a:glow rad="101600">
+                    <a:schemeClr val="accent3">
+                      <a:satMod val="175000"/>
+                      <a:alpha val="40000"/>
+                    </a:schemeClr>
+                  </a:glow>
+                </a:effectLst>
+                <a:latin typeface="Gill Sans MT" panose="020B0502020104020203" pitchFamily="34" charset="0"/>
+              </a:defRPr>
+            </a:lvl1pPr>
+          </a:lstStyle>
           <a:p>
-            <a:pPr algn="ctr"/>
+            <a:pPr lvl="0"/>
             <a:r>
-              <a:rPr lang="fr-FR" sz="4801" dirty="0">
-                <a:latin typeface="Gill Sans MT" panose="020B0502020104020203" pitchFamily="34" charset="0"/>
-              </a:rPr>
+              <a:rPr lang="fr-FR" dirty="0"/>
               <a:t>Méthodologie</a:t>
             </a:r>
           </a:p>
@@ -2099,13 +2136,31 @@
           <a:bodyPr wrap="square">
             <a:spAutoFit/>
           </a:bodyPr>
-          <a:lstStyle/>
+          <a:lstStyle>
+            <a:defPPr>
+              <a:defRPr lang="fr-FR"/>
+            </a:defPPr>
+            <a:lvl1pPr lvl="0" algn="ctr">
+              <a:defRPr sz="4801" b="1">
+                <a:solidFill>
+                  <a:srgbClr val="006A5A"/>
+                </a:solidFill>
+                <a:effectLst>
+                  <a:glow rad="101600">
+                    <a:schemeClr val="accent3">
+                      <a:satMod val="175000"/>
+                      <a:alpha val="40000"/>
+                    </a:schemeClr>
+                  </a:glow>
+                </a:effectLst>
+                <a:latin typeface="Gill Sans MT" panose="020B0502020104020203" pitchFamily="34" charset="0"/>
+              </a:defRPr>
+            </a:lvl1pPr>
+          </a:lstStyle>
           <a:p>
-            <a:pPr algn="ctr"/>
+            <a:pPr lvl="0"/>
             <a:r>
-              <a:rPr lang="fr-FR" sz="4801" dirty="0">
-                <a:latin typeface="Gill Sans MT" panose="020B0502020104020203" pitchFamily="34" charset="0"/>
-              </a:rPr>
+              <a:rPr lang="fr-FR" dirty="0"/>
               <a:t>Analyse descriptive</a:t>
             </a:r>
           </a:p>
@@ -2445,8 +2500,21 @@
           <a:p>
             <a:pPr algn="ctr"/>
             <a:r>
-              <a:rPr lang="fr-FR" sz="4801" dirty="0">
+              <a:rPr lang="fr-FR" sz="4801" b="1" kern="1200" dirty="0">
+                <a:solidFill>
+                  <a:srgbClr val="006A5A"/>
+                </a:solidFill>
+                <a:effectLst>
+                  <a:glow rad="101600">
+                    <a:schemeClr val="accent3">
+                      <a:satMod val="175000"/>
+                      <a:alpha val="40000"/>
+                    </a:schemeClr>
+                  </a:glow>
+                </a:effectLst>
                 <a:latin typeface="Gill Sans MT" panose="020B0502020104020203" pitchFamily="34" charset="0"/>
+                <a:ea typeface="+mn-ea"/>
+                <a:cs typeface="+mn-cs"/>
               </a:rPr>
               <a:t>Modélisation</a:t>
             </a:r>
@@ -2787,8 +2855,21 @@
           <a:p>
             <a:pPr algn="ctr"/>
             <a:r>
-              <a:rPr lang="fr-FR" sz="4801" dirty="0">
+              <a:rPr lang="fr-FR" sz="4801" b="1" kern="1200" dirty="0">
+                <a:solidFill>
+                  <a:srgbClr val="006A5A"/>
+                </a:solidFill>
+                <a:effectLst>
+                  <a:glow rad="101600">
+                    <a:schemeClr val="accent3">
+                      <a:satMod val="175000"/>
+                      <a:alpha val="40000"/>
+                    </a:schemeClr>
+                  </a:glow>
+                </a:effectLst>
                 <a:latin typeface="Gill Sans MT" panose="020B0502020104020203" pitchFamily="34" charset="0"/>
+                <a:ea typeface="+mn-ea"/>
+                <a:cs typeface="+mn-cs"/>
               </a:rPr>
               <a:t>Discussion</a:t>
             </a:r>
@@ -6680,7 +6761,7 @@
                 </a:solidFill>
                 <a:latin typeface="Gill Sans MT" panose="020B0502020104020203" pitchFamily="34" charset="0"/>
               </a:rPr>
-              <a:t> ABDELWAHID,</a:t>
+              <a:t> ABDELWAHID</a:t>
             </a:r>
           </a:p>
           <a:p>
@@ -7350,6 +7431,42 @@
           </a:prstGeom>
         </p:spPr>
       </p:pic>
+      <p:pic>
+        <p:nvPicPr>
+          <p:cNvPr id="6" name="Image 5">
+            <a:extLst>
+              <a:ext uri="{FF2B5EF4-FFF2-40B4-BE49-F238E27FC236}">
+                <a16:creationId xmlns:a16="http://schemas.microsoft.com/office/drawing/2014/main" id="{5339FC60-85E4-F425-FF8C-EEE5DBDE192C}"/>
+              </a:ext>
+            </a:extLst>
+          </p:cNvPr>
+          <p:cNvPicPr>
+            <a:picLocks noChangeAspect="1"/>
+          </p:cNvPicPr>
+          <p:nvPr/>
+        </p:nvPicPr>
+        <p:blipFill>
+          <a:blip r:embed="rId4">
+            <a:extLst>
+              <a:ext uri="{28A0092B-C50C-407E-A947-70E740481C1C}">
+                <a14:useLocalDpi xmlns:a14="http://schemas.microsoft.com/office/drawing/2010/main" val="0"/>
+              </a:ext>
+            </a:extLst>
+          </a:blip>
+          <a:stretch>
+            <a:fillRect/>
+          </a:stretch>
+        </p:blipFill>
+        <p:spPr>
+          <a:xfrm>
+            <a:off x="4023052" y="1703428"/>
+            <a:ext cx="7584310" cy="4176074"/>
+          </a:xfrm>
+          <a:prstGeom prst="rect">
+            <a:avLst/>
+          </a:prstGeom>
+        </p:spPr>
+      </p:pic>
     </p:spTree>
     <p:extLst>
       <p:ext uri="{BB962C8B-B14F-4D97-AF65-F5344CB8AC3E}">
@@ -7692,6 +7809,42 @@
           <a:xfrm>
             <a:off x="11078692" y="266700"/>
             <a:ext cx="1170459" cy="1170459"/>
+          </a:xfrm>
+          <a:prstGeom prst="rect">
+            <a:avLst/>
+          </a:prstGeom>
+        </p:spPr>
+      </p:pic>
+      <p:pic>
+        <p:nvPicPr>
+          <p:cNvPr id="6" name="Image 5">
+            <a:extLst>
+              <a:ext uri="{FF2B5EF4-FFF2-40B4-BE49-F238E27FC236}">
+                <a16:creationId xmlns:a16="http://schemas.microsoft.com/office/drawing/2014/main" id="{58EDE191-80B6-E256-D070-BA0E959C43C1}"/>
+              </a:ext>
+            </a:extLst>
+          </p:cNvPr>
+          <p:cNvPicPr>
+            <a:picLocks noChangeAspect="1"/>
+          </p:cNvPicPr>
+          <p:nvPr/>
+        </p:nvPicPr>
+        <p:blipFill>
+          <a:blip r:embed="rId4">
+            <a:extLst>
+              <a:ext uri="{28A0092B-C50C-407E-A947-70E740481C1C}">
+                <a14:useLocalDpi xmlns:a14="http://schemas.microsoft.com/office/drawing/2010/main" val="0"/>
+              </a:ext>
+            </a:extLst>
+          </a:blip>
+          <a:stretch>
+            <a:fillRect/>
+          </a:stretch>
+        </p:blipFill>
+        <p:spPr>
+          <a:xfrm>
+            <a:off x="4864231" y="1703428"/>
+            <a:ext cx="6327324" cy="2601890"/>
           </a:xfrm>
           <a:prstGeom prst="rect">
             <a:avLst/>
@@ -8030,6 +8183,42 @@
           </a:prstGeom>
         </p:spPr>
       </p:pic>
+      <p:pic>
+        <p:nvPicPr>
+          <p:cNvPr id="10" name="Image 9">
+            <a:extLst>
+              <a:ext uri="{FF2B5EF4-FFF2-40B4-BE49-F238E27FC236}">
+                <a16:creationId xmlns:a16="http://schemas.microsoft.com/office/drawing/2014/main" id="{506D8B6A-6540-DE0F-D902-BAFDC4D7FC2E}"/>
+              </a:ext>
+            </a:extLst>
+          </p:cNvPr>
+          <p:cNvPicPr>
+            <a:picLocks noChangeAspect="1"/>
+          </p:cNvPicPr>
+          <p:nvPr/>
+        </p:nvPicPr>
+        <p:blipFill>
+          <a:blip r:embed="rId4">
+            <a:extLst>
+              <a:ext uri="{28A0092B-C50C-407E-A947-70E740481C1C}">
+                <a14:useLocalDpi xmlns:a14="http://schemas.microsoft.com/office/drawing/2010/main" val="0"/>
+              </a:ext>
+            </a:extLst>
+          </a:blip>
+          <a:stretch>
+            <a:fillRect/>
+          </a:stretch>
+        </p:blipFill>
+        <p:spPr>
+          <a:xfrm>
+            <a:off x="390421" y="1983683"/>
+            <a:ext cx="5476978" cy="3791754"/>
+          </a:xfrm>
+          <a:prstGeom prst="rect">
+            <a:avLst/>
+          </a:prstGeom>
+        </p:spPr>
+      </p:pic>
     </p:spTree>
     <p:extLst>
       <p:ext uri="{BB962C8B-B14F-4D97-AF65-F5344CB8AC3E}">
@@ -8048,7 +8237,13 @@
   <p:cSld>
     <p:spTree>
       <p:nvGrpSpPr>
-        <p:cNvPr id="1" name=""/>
+        <p:cNvPr id="1" name="">
+          <a:extLst>
+            <a:ext uri="{FF2B5EF4-FFF2-40B4-BE49-F238E27FC236}">
+              <a16:creationId xmlns:a16="http://schemas.microsoft.com/office/drawing/2014/main" id="{905C0218-4730-E7FC-389E-E2DFB35D845C}"/>
+            </a:ext>
+          </a:extLst>
+        </p:cNvPr>
         <p:cNvGrpSpPr/>
         <p:nvPr/>
       </p:nvGrpSpPr>
@@ -8065,7 +8260,7 @@
           <p:cNvPr id="2" name="Espace réservé du numéro de diapositive 1">
             <a:extLst>
               <a:ext uri="{FF2B5EF4-FFF2-40B4-BE49-F238E27FC236}">
-                <a16:creationId xmlns:a16="http://schemas.microsoft.com/office/drawing/2014/main" id="{99099CF5-8A9C-3CE8-6FAF-040793C642E9}"/>
+                <a16:creationId xmlns:a16="http://schemas.microsoft.com/office/drawing/2014/main" id="{BA0CA7D5-9545-5F30-1B00-C339B55C4A5A}"/>
               </a:ext>
             </a:extLst>
           </p:cNvPr>
@@ -8090,10 +8285,127 @@
           </a:p>
         </p:txBody>
       </p:sp>
+      <p:sp>
+        <p:nvSpPr>
+          <p:cNvPr id="3" name="ZoneTexte 2">
+            <a:extLst>
+              <a:ext uri="{FF2B5EF4-FFF2-40B4-BE49-F238E27FC236}">
+                <a16:creationId xmlns:a16="http://schemas.microsoft.com/office/drawing/2014/main" id="{0744BEE0-ACF6-7AA0-7C96-ACBDE12D1D38}"/>
+              </a:ext>
+            </a:extLst>
+          </p:cNvPr>
+          <p:cNvSpPr txBox="1"/>
+          <p:nvPr/>
+        </p:nvSpPr>
+        <p:spPr>
+          <a:xfrm>
+            <a:off x="2" y="532969"/>
+            <a:ext cx="12191999" cy="646331"/>
+          </a:xfrm>
+          <a:prstGeom prst="rect">
+            <a:avLst/>
+          </a:prstGeom>
+          <a:solidFill>
+            <a:srgbClr val="006A5A"/>
+          </a:solidFill>
+        </p:spPr>
+        <p:txBody>
+          <a:bodyPr wrap="square" rtlCol="0">
+            <a:spAutoFit/>
+          </a:bodyPr>
+          <a:lstStyle/>
+          <a:p>
+            <a:r>
+              <a:rPr lang="fr-FR" sz="3600" b="1" dirty="0">
+                <a:solidFill>
+                  <a:schemeClr val="bg1"/>
+                </a:solidFill>
+                <a:latin typeface="Gill Sans MT" panose="020B0502020104020203" pitchFamily="34" charset="0"/>
+              </a:rPr>
+              <a:t>3.4. Analyse spatiale</a:t>
+            </a:r>
+          </a:p>
+        </p:txBody>
+      </p:sp>
+      <p:pic>
+        <p:nvPicPr>
+          <p:cNvPr id="4" name="Graphique 3" descr="Flèches de chevron">
+            <a:extLst>
+              <a:ext uri="{FF2B5EF4-FFF2-40B4-BE49-F238E27FC236}">
+                <a16:creationId xmlns:a16="http://schemas.microsoft.com/office/drawing/2014/main" id="{494D4D24-E698-F55E-9951-D464D56B12C0}"/>
+              </a:ext>
+            </a:extLst>
+          </p:cNvPr>
+          <p:cNvPicPr>
+            <a:picLocks noChangeAspect="1"/>
+          </p:cNvPicPr>
+          <p:nvPr/>
+        </p:nvPicPr>
+        <p:blipFill>
+          <a:blip r:embed="rId2">
+            <a:extLst>
+              <a:ext uri="{28A0092B-C50C-407E-A947-70E740481C1C}">
+                <a14:useLocalDpi xmlns:a14="http://schemas.microsoft.com/office/drawing/2010/main" val="0"/>
+              </a:ext>
+              <a:ext uri="{96DAC541-7B7A-43D3-8B79-37D633B846F1}">
+                <asvg:svgBlip xmlns:asvg="http://schemas.microsoft.com/office/drawing/2016/SVG/main" r:embed="rId3"/>
+              </a:ext>
+            </a:extLst>
+          </a:blip>
+          <a:stretch>
+            <a:fillRect/>
+          </a:stretch>
+        </p:blipFill>
+        <p:spPr>
+          <a:xfrm>
+            <a:off x="11078692" y="266700"/>
+            <a:ext cx="1170459" cy="1170459"/>
+          </a:xfrm>
+          <a:prstGeom prst="rect">
+            <a:avLst/>
+          </a:prstGeom>
+        </p:spPr>
+      </p:pic>
+      <p:pic>
+        <p:nvPicPr>
+          <p:cNvPr id="8" name="Image 7">
+            <a:extLst>
+              <a:ext uri="{FF2B5EF4-FFF2-40B4-BE49-F238E27FC236}">
+                <a16:creationId xmlns:a16="http://schemas.microsoft.com/office/drawing/2014/main" id="{A4506E19-AFB1-D647-C157-3C009B0B76E9}"/>
+              </a:ext>
+            </a:extLst>
+          </p:cNvPr>
+          <p:cNvPicPr>
+            <a:picLocks noChangeAspect="1"/>
+          </p:cNvPicPr>
+          <p:nvPr/>
+        </p:nvPicPr>
+        <p:blipFill>
+          <a:blip r:embed="rId4">
+            <a:extLst>
+              <a:ext uri="{28A0092B-C50C-407E-A947-70E740481C1C}">
+                <a14:useLocalDpi xmlns:a14="http://schemas.microsoft.com/office/drawing/2010/main" val="0"/>
+              </a:ext>
+            </a:extLst>
+          </a:blip>
+          <a:stretch>
+            <a:fillRect/>
+          </a:stretch>
+        </p:blipFill>
+        <p:spPr>
+          <a:xfrm>
+            <a:off x="1489436" y="1437159"/>
+            <a:ext cx="6386141" cy="4887224"/>
+          </a:xfrm>
+          <a:prstGeom prst="rect">
+            <a:avLst/>
+          </a:prstGeom>
+        </p:spPr>
+      </p:pic>
     </p:spTree>
     <p:extLst>
       <p:ext uri="{BB962C8B-B14F-4D97-AF65-F5344CB8AC3E}">
-        <p14:creationId xmlns:p14="http://schemas.microsoft.com/office/powerpoint/2010/main" val="1774505122"/>
+        <p14:creationId xmlns:p14="http://schemas.microsoft.com/office/powerpoint/2010/main" val="948134466"/>
       </p:ext>
     </p:extLst>
   </p:cSld>
@@ -8108,13 +8420,7 @@
   <p:cSld>
     <p:spTree>
       <p:nvGrpSpPr>
-        <p:cNvPr id="1" name="">
-          <a:extLst>
-            <a:ext uri="{FF2B5EF4-FFF2-40B4-BE49-F238E27FC236}">
-              <a16:creationId xmlns:a16="http://schemas.microsoft.com/office/drawing/2014/main" id="{F30D924C-E715-F9B4-8AFC-FD07EA503B33}"/>
-            </a:ext>
-          </a:extLst>
-        </p:cNvPr>
+        <p:cNvPr id="1" name=""/>
         <p:cNvGrpSpPr/>
         <p:nvPr/>
       </p:nvGrpSpPr>
@@ -8131,7 +8437,7 @@
           <p:cNvPr id="2" name="Espace réservé du numéro de diapositive 1">
             <a:extLst>
               <a:ext uri="{FF2B5EF4-FFF2-40B4-BE49-F238E27FC236}">
-                <a16:creationId xmlns:a16="http://schemas.microsoft.com/office/drawing/2014/main" id="{882A90CC-7389-1CA4-89EF-B85F758E4EB7}"/>
+                <a16:creationId xmlns:a16="http://schemas.microsoft.com/office/drawing/2014/main" id="{99099CF5-8A9C-3CE8-6FAF-040793C642E9}"/>
               </a:ext>
             </a:extLst>
           </p:cNvPr>
@@ -8156,91 +8462,10 @@
           </a:p>
         </p:txBody>
       </p:sp>
-      <p:sp>
-        <p:nvSpPr>
-          <p:cNvPr id="3" name="ZoneTexte 2">
-            <a:extLst>
-              <a:ext uri="{FF2B5EF4-FFF2-40B4-BE49-F238E27FC236}">
-                <a16:creationId xmlns:a16="http://schemas.microsoft.com/office/drawing/2014/main" id="{9169FD9A-0F1A-F62A-EAF4-74284432E518}"/>
-              </a:ext>
-            </a:extLst>
-          </p:cNvPr>
-          <p:cNvSpPr txBox="1"/>
-          <p:nvPr/>
-        </p:nvSpPr>
-        <p:spPr>
-          <a:xfrm>
-            <a:off x="2" y="532969"/>
-            <a:ext cx="12191999" cy="646331"/>
-          </a:xfrm>
-          <a:prstGeom prst="rect">
-            <a:avLst/>
-          </a:prstGeom>
-          <a:solidFill>
-            <a:srgbClr val="006A5A"/>
-          </a:solidFill>
-        </p:spPr>
-        <p:txBody>
-          <a:bodyPr wrap="square" rtlCol="0">
-            <a:spAutoFit/>
-          </a:bodyPr>
-          <a:lstStyle/>
-          <a:p>
-            <a:r>
-              <a:rPr lang="fr-FR" sz="3600" b="1" dirty="0">
-                <a:solidFill>
-                  <a:schemeClr val="bg1"/>
-                </a:solidFill>
-                <a:latin typeface="Gill Sans MT" panose="020B0502020104020203" pitchFamily="34" charset="0"/>
-              </a:rPr>
-              <a:t>4.1. Choix des variables dans la modélisation</a:t>
-            </a:r>
-          </a:p>
-        </p:txBody>
-      </p:sp>
-      <p:pic>
-        <p:nvPicPr>
-          <p:cNvPr id="4" name="Graphique 3" descr="Flèches de chevron">
-            <a:extLst>
-              <a:ext uri="{FF2B5EF4-FFF2-40B4-BE49-F238E27FC236}">
-                <a16:creationId xmlns:a16="http://schemas.microsoft.com/office/drawing/2014/main" id="{1A92E601-022D-F8F3-C090-920665EE7490}"/>
-              </a:ext>
-            </a:extLst>
-          </p:cNvPr>
-          <p:cNvPicPr>
-            <a:picLocks noChangeAspect="1"/>
-          </p:cNvPicPr>
-          <p:nvPr/>
-        </p:nvPicPr>
-        <p:blipFill>
-          <a:blip r:embed="rId2">
-            <a:extLst>
-              <a:ext uri="{28A0092B-C50C-407E-A947-70E740481C1C}">
-                <a14:useLocalDpi xmlns:a14="http://schemas.microsoft.com/office/drawing/2010/main" val="0"/>
-              </a:ext>
-              <a:ext uri="{96DAC541-7B7A-43D3-8B79-37D633B846F1}">
-                <asvg:svgBlip xmlns:asvg="http://schemas.microsoft.com/office/drawing/2016/SVG/main" r:embed="rId3"/>
-              </a:ext>
-            </a:extLst>
-          </a:blip>
-          <a:stretch>
-            <a:fillRect/>
-          </a:stretch>
-        </p:blipFill>
-        <p:spPr>
-          <a:xfrm>
-            <a:off x="11078692" y="266700"/>
-            <a:ext cx="1170459" cy="1170459"/>
-          </a:xfrm>
-          <a:prstGeom prst="rect">
-            <a:avLst/>
-          </a:prstGeom>
-        </p:spPr>
-      </p:pic>
     </p:spTree>
     <p:extLst>
       <p:ext uri="{BB962C8B-B14F-4D97-AF65-F5344CB8AC3E}">
-        <p14:creationId xmlns:p14="http://schemas.microsoft.com/office/powerpoint/2010/main" val="982776663"/>
+        <p14:creationId xmlns:p14="http://schemas.microsoft.com/office/powerpoint/2010/main" val="1774505122"/>
       </p:ext>
     </p:extLst>
   </p:cSld>
@@ -8296,6 +8521,1042 @@
           </a:p>
         </p:txBody>
       </p:sp>
+      <p:sp>
+        <p:nvSpPr>
+          <p:cNvPr id="37" name="ZoneTexte 36">
+            <a:extLst>
+              <a:ext uri="{FF2B5EF4-FFF2-40B4-BE49-F238E27FC236}">
+                <a16:creationId xmlns:a16="http://schemas.microsoft.com/office/drawing/2014/main" id="{FA0D879D-042A-4F25-1CD5-D96DEFB6454D}"/>
+              </a:ext>
+            </a:extLst>
+          </p:cNvPr>
+          <p:cNvSpPr txBox="1"/>
+          <p:nvPr/>
+        </p:nvSpPr>
+        <p:spPr>
+          <a:xfrm>
+            <a:off x="608325" y="1137618"/>
+            <a:ext cx="5349415" cy="523348"/>
+          </a:xfrm>
+          <a:prstGeom prst="rect">
+            <a:avLst/>
+          </a:prstGeom>
+          <a:solidFill>
+            <a:srgbClr val="203864"/>
+          </a:solidFill>
+        </p:spPr>
+        <p:txBody>
+          <a:bodyPr wrap="square" rtlCol="0">
+            <a:spAutoFit/>
+          </a:bodyPr>
+          <a:lstStyle>
+            <a:defPPr>
+              <a:defRPr lang="fr-FR"/>
+            </a:defPPr>
+            <a:lvl1pPr>
+              <a:defRPr sz="2800">
+                <a:latin typeface="Gill Sans MT" panose="020B0502020104020203" pitchFamily="34" charset="0"/>
+              </a:defRPr>
+            </a:lvl1pPr>
+          </a:lstStyle>
+          <a:p>
+            <a:pPr algn="ctr"/>
+            <a:r>
+              <a:rPr lang="fr-FR" sz="2801" dirty="0">
+                <a:solidFill>
+                  <a:schemeClr val="bg1"/>
+                </a:solidFill>
+              </a:rPr>
+              <a:t>Introduction</a:t>
+            </a:r>
+          </a:p>
+        </p:txBody>
+      </p:sp>
+      <p:sp>
+        <p:nvSpPr>
+          <p:cNvPr id="38" name="ZoneTexte 37">
+            <a:extLst>
+              <a:ext uri="{FF2B5EF4-FFF2-40B4-BE49-F238E27FC236}">
+                <a16:creationId xmlns:a16="http://schemas.microsoft.com/office/drawing/2014/main" id="{E6E416B3-72D9-0991-E65A-5B6A86928C8F}"/>
+              </a:ext>
+            </a:extLst>
+          </p:cNvPr>
+          <p:cNvSpPr txBox="1"/>
+          <p:nvPr/>
+        </p:nvSpPr>
+        <p:spPr>
+          <a:xfrm>
+            <a:off x="632035" y="5689079"/>
+            <a:ext cx="5325706" cy="523348"/>
+          </a:xfrm>
+          <a:prstGeom prst="rect">
+            <a:avLst/>
+          </a:prstGeom>
+          <a:solidFill>
+            <a:srgbClr val="203864"/>
+          </a:solidFill>
+        </p:spPr>
+        <p:txBody>
+          <a:bodyPr wrap="square" rtlCol="0">
+            <a:spAutoFit/>
+          </a:bodyPr>
+          <a:lstStyle>
+            <a:defPPr>
+              <a:defRPr lang="fr-FR"/>
+            </a:defPPr>
+            <a:lvl1pPr>
+              <a:defRPr sz="2800">
+                <a:solidFill>
+                  <a:schemeClr val="bg1"/>
+                </a:solidFill>
+                <a:latin typeface="Gill Sans MT" panose="020B0502020104020203" pitchFamily="34" charset="0"/>
+              </a:defRPr>
+            </a:lvl1pPr>
+          </a:lstStyle>
+          <a:p>
+            <a:pPr algn="ctr"/>
+            <a:r>
+              <a:rPr lang="fr-FR" sz="2801" dirty="0"/>
+              <a:t>Conclusion</a:t>
+            </a:r>
+          </a:p>
+        </p:txBody>
+      </p:sp>
+      <p:grpSp>
+        <p:nvGrpSpPr>
+          <p:cNvPr id="39" name="Groupe 38">
+            <a:extLst>
+              <a:ext uri="{FF2B5EF4-FFF2-40B4-BE49-F238E27FC236}">
+                <a16:creationId xmlns:a16="http://schemas.microsoft.com/office/drawing/2014/main" id="{EBDDB659-3E60-7E43-28F9-3636987C695A}"/>
+              </a:ext>
+            </a:extLst>
+          </p:cNvPr>
+          <p:cNvGrpSpPr/>
+          <p:nvPr/>
+        </p:nvGrpSpPr>
+        <p:grpSpPr>
+          <a:xfrm>
+            <a:off x="608324" y="1768735"/>
+            <a:ext cx="7648575" cy="646331"/>
+            <a:chOff x="985837" y="1886746"/>
+            <a:chExt cx="7648575" cy="646331"/>
+          </a:xfrm>
+        </p:grpSpPr>
+        <p:sp>
+          <p:nvSpPr>
+            <p:cNvPr id="40" name="ZoneTexte 39">
+              <a:extLst>
+                <a:ext uri="{FF2B5EF4-FFF2-40B4-BE49-F238E27FC236}">
+                  <a16:creationId xmlns:a16="http://schemas.microsoft.com/office/drawing/2014/main" id="{709AD6AB-46FD-ACFE-EA20-1856B0FB6936}"/>
+                </a:ext>
+              </a:extLst>
+            </p:cNvPr>
+            <p:cNvSpPr txBox="1"/>
+            <p:nvPr/>
+          </p:nvSpPr>
+          <p:spPr>
+            <a:xfrm>
+              <a:off x="1690687" y="1957827"/>
+              <a:ext cx="6943725" cy="523348"/>
+            </a:xfrm>
+            <a:prstGeom prst="rect">
+              <a:avLst/>
+            </a:prstGeom>
+            <a:noFill/>
+          </p:spPr>
+          <p:txBody>
+            <a:bodyPr wrap="square" rtlCol="0">
+              <a:spAutoFit/>
+            </a:bodyPr>
+            <a:lstStyle/>
+            <a:p>
+              <a:r>
+                <a:rPr lang="fr-FR" sz="2801" dirty="0">
+                  <a:latin typeface="Gill Sans MT" panose="020B0502020104020203" pitchFamily="34" charset="0"/>
+                </a:rPr>
+                <a:t>Présentation du contexte</a:t>
+              </a:r>
+            </a:p>
+          </p:txBody>
+        </p:sp>
+        <p:grpSp>
+          <p:nvGrpSpPr>
+            <p:cNvPr id="41" name="Groupe 40">
+              <a:extLst>
+                <a:ext uri="{FF2B5EF4-FFF2-40B4-BE49-F238E27FC236}">
+                  <a16:creationId xmlns:a16="http://schemas.microsoft.com/office/drawing/2014/main" id="{2640F53B-107F-1046-E511-77DCDC3E8DF1}"/>
+                </a:ext>
+              </a:extLst>
+            </p:cNvPr>
+            <p:cNvGrpSpPr/>
+            <p:nvPr/>
+          </p:nvGrpSpPr>
+          <p:grpSpPr>
+            <a:xfrm>
+              <a:off x="985837" y="1886746"/>
+              <a:ext cx="523875" cy="646331"/>
+              <a:chOff x="981075" y="1562896"/>
+              <a:chExt cx="523875" cy="646331"/>
+            </a:xfrm>
+          </p:grpSpPr>
+          <p:sp>
+            <p:nvSpPr>
+              <p:cNvPr id="42" name="Cercle : creux 41">
+                <a:extLst>
+                  <a:ext uri="{FF2B5EF4-FFF2-40B4-BE49-F238E27FC236}">
+                    <a16:creationId xmlns:a16="http://schemas.microsoft.com/office/drawing/2014/main" id="{193C0C7B-61C9-75A9-2AF3-6D3AEF3AD5E4}"/>
+                  </a:ext>
+                </a:extLst>
+              </p:cNvPr>
+              <p:cNvSpPr/>
+              <p:nvPr/>
+            </p:nvSpPr>
+            <p:spPr>
+              <a:xfrm>
+                <a:off x="981075" y="1633650"/>
+                <a:ext cx="523875" cy="523875"/>
+              </a:xfrm>
+              <a:prstGeom prst="donut">
+                <a:avLst>
+                  <a:gd name="adj" fmla="val 6665"/>
+                </a:avLst>
+              </a:prstGeom>
+              <a:solidFill>
+                <a:srgbClr val="006A5A"/>
+              </a:solidFill>
+              <a:ln>
+                <a:solidFill>
+                  <a:srgbClr val="006A5A"/>
+                </a:solidFill>
+              </a:ln>
+            </p:spPr>
+            <p:style>
+              <a:lnRef idx="2">
+                <a:schemeClr val="accent1">
+                  <a:shade val="15000"/>
+                </a:schemeClr>
+              </a:lnRef>
+              <a:fillRef idx="1">
+                <a:schemeClr val="accent1"/>
+              </a:fillRef>
+              <a:effectRef idx="0">
+                <a:schemeClr val="accent1"/>
+              </a:effectRef>
+              <a:fontRef idx="minor">
+                <a:schemeClr val="lt1"/>
+              </a:fontRef>
+            </p:style>
+            <p:txBody>
+              <a:bodyPr rtlCol="0" anchor="ctr"/>
+              <a:lstStyle/>
+              <a:p>
+                <a:pPr algn="ctr"/>
+                <a:endParaRPr lang="fr-FR" sz="1801" dirty="0">
+                  <a:solidFill>
+                    <a:schemeClr val="tx1"/>
+                  </a:solidFill>
+                </a:endParaRPr>
+              </a:p>
+            </p:txBody>
+          </p:sp>
+          <p:sp>
+            <p:nvSpPr>
+              <p:cNvPr id="43" name="Rectangle 42">
+                <a:extLst>
+                  <a:ext uri="{FF2B5EF4-FFF2-40B4-BE49-F238E27FC236}">
+                    <a16:creationId xmlns:a16="http://schemas.microsoft.com/office/drawing/2014/main" id="{28F490B2-7DA6-0768-1755-F15EA2FF6CEA}"/>
+                  </a:ext>
+                </a:extLst>
+              </p:cNvPr>
+              <p:cNvSpPr/>
+              <p:nvPr/>
+            </p:nvSpPr>
+            <p:spPr>
+              <a:xfrm>
+                <a:off x="1033660" y="1562896"/>
+                <a:ext cx="418704" cy="646331"/>
+              </a:xfrm>
+              <a:prstGeom prst="rect">
+                <a:avLst/>
+              </a:prstGeom>
+              <a:noFill/>
+            </p:spPr>
+            <p:txBody>
+              <a:bodyPr wrap="none" lIns="91440" tIns="45720" rIns="91440" bIns="45720">
+                <a:spAutoFit/>
+              </a:bodyPr>
+              <a:lstStyle/>
+              <a:p>
+                <a:pPr algn="ctr"/>
+                <a:r>
+                  <a:rPr lang="fr-FR" sz="3600" b="1" dirty="0">
+                    <a:ln w="0"/>
+                    <a:solidFill>
+                      <a:srgbClr val="006A5A"/>
+                    </a:solidFill>
+                    <a:effectLst>
+                      <a:outerShdw blurRad="38100" dist="19050" dir="2700000" algn="tl" rotWithShape="0">
+                        <a:schemeClr val="dk1">
+                          <a:alpha val="40000"/>
+                        </a:schemeClr>
+                      </a:outerShdw>
+                    </a:effectLst>
+                  </a:rPr>
+                  <a:t>1</a:t>
+                </a:r>
+              </a:p>
+            </p:txBody>
+          </p:sp>
+        </p:grpSp>
+      </p:grpSp>
+      <p:grpSp>
+        <p:nvGrpSpPr>
+          <p:cNvPr id="44" name="Groupe 43">
+            <a:extLst>
+              <a:ext uri="{FF2B5EF4-FFF2-40B4-BE49-F238E27FC236}">
+                <a16:creationId xmlns:a16="http://schemas.microsoft.com/office/drawing/2014/main" id="{9288D26F-2E4D-F953-0988-5B2103F6C0D7}"/>
+              </a:ext>
+            </a:extLst>
+          </p:cNvPr>
+          <p:cNvGrpSpPr/>
+          <p:nvPr/>
+        </p:nvGrpSpPr>
+        <p:grpSpPr>
+          <a:xfrm>
+            <a:off x="608323" y="3342274"/>
+            <a:ext cx="7343775" cy="646331"/>
+            <a:chOff x="985837" y="3278639"/>
+            <a:chExt cx="7343775" cy="646329"/>
+          </a:xfrm>
+        </p:grpSpPr>
+        <p:sp>
+          <p:nvSpPr>
+            <p:cNvPr id="45" name="ZoneTexte 44">
+              <a:extLst>
+                <a:ext uri="{FF2B5EF4-FFF2-40B4-BE49-F238E27FC236}">
+                  <a16:creationId xmlns:a16="http://schemas.microsoft.com/office/drawing/2014/main" id="{0178353F-6B3C-1A17-E773-4BACB6F4FE9C}"/>
+                </a:ext>
+              </a:extLst>
+            </p:cNvPr>
+            <p:cNvSpPr txBox="1"/>
+            <p:nvPr/>
+          </p:nvSpPr>
+          <p:spPr>
+            <a:xfrm>
+              <a:off x="1728787" y="3340194"/>
+              <a:ext cx="6600825" cy="523347"/>
+            </a:xfrm>
+            <a:prstGeom prst="rect">
+              <a:avLst/>
+            </a:prstGeom>
+            <a:noFill/>
+          </p:spPr>
+          <p:txBody>
+            <a:bodyPr wrap="square" rtlCol="0">
+              <a:spAutoFit/>
+            </a:bodyPr>
+            <a:lstStyle/>
+            <a:p>
+              <a:r>
+                <a:rPr lang="fr-FR" sz="2801" dirty="0">
+                  <a:latin typeface="Gill Sans MT" panose="020B0502020104020203" pitchFamily="34" charset="0"/>
+                </a:rPr>
+                <a:t>Analyse descriptive</a:t>
+              </a:r>
+            </a:p>
+          </p:txBody>
+        </p:sp>
+        <p:grpSp>
+          <p:nvGrpSpPr>
+            <p:cNvPr id="46" name="Groupe 45">
+              <a:extLst>
+                <a:ext uri="{FF2B5EF4-FFF2-40B4-BE49-F238E27FC236}">
+                  <a16:creationId xmlns:a16="http://schemas.microsoft.com/office/drawing/2014/main" id="{147AA981-0894-EE40-9042-ADBD324D32E1}"/>
+                </a:ext>
+              </a:extLst>
+            </p:cNvPr>
+            <p:cNvGrpSpPr/>
+            <p:nvPr/>
+          </p:nvGrpSpPr>
+          <p:grpSpPr>
+            <a:xfrm>
+              <a:off x="985837" y="3278639"/>
+              <a:ext cx="523875" cy="646329"/>
+              <a:chOff x="981075" y="1562896"/>
+              <a:chExt cx="523875" cy="646329"/>
+            </a:xfrm>
+          </p:grpSpPr>
+          <p:sp>
+            <p:nvSpPr>
+              <p:cNvPr id="47" name="Cercle : creux 46">
+                <a:extLst>
+                  <a:ext uri="{FF2B5EF4-FFF2-40B4-BE49-F238E27FC236}">
+                    <a16:creationId xmlns:a16="http://schemas.microsoft.com/office/drawing/2014/main" id="{8CA64879-7ADD-B4C1-2163-63C26635A73B}"/>
+                  </a:ext>
+                </a:extLst>
+              </p:cNvPr>
+              <p:cNvSpPr/>
+              <p:nvPr/>
+            </p:nvSpPr>
+            <p:spPr>
+              <a:xfrm>
+                <a:off x="981075" y="1633650"/>
+                <a:ext cx="523875" cy="523875"/>
+              </a:xfrm>
+              <a:prstGeom prst="donut">
+                <a:avLst>
+                  <a:gd name="adj" fmla="val 6665"/>
+                </a:avLst>
+              </a:prstGeom>
+              <a:solidFill>
+                <a:srgbClr val="006A5A"/>
+              </a:solidFill>
+              <a:ln>
+                <a:solidFill>
+                  <a:srgbClr val="006A5A"/>
+                </a:solidFill>
+              </a:ln>
+            </p:spPr>
+            <p:style>
+              <a:lnRef idx="2">
+                <a:schemeClr val="accent1">
+                  <a:shade val="15000"/>
+                </a:schemeClr>
+              </a:lnRef>
+              <a:fillRef idx="1">
+                <a:schemeClr val="accent1"/>
+              </a:fillRef>
+              <a:effectRef idx="0">
+                <a:schemeClr val="accent1"/>
+              </a:effectRef>
+              <a:fontRef idx="minor">
+                <a:schemeClr val="lt1"/>
+              </a:fontRef>
+            </p:style>
+            <p:txBody>
+              <a:bodyPr rtlCol="0" anchor="ctr"/>
+              <a:lstStyle/>
+              <a:p>
+                <a:pPr algn="ctr"/>
+                <a:endParaRPr lang="fr-FR" sz="1801">
+                  <a:solidFill>
+                    <a:schemeClr val="tx1"/>
+                  </a:solidFill>
+                </a:endParaRPr>
+              </a:p>
+            </p:txBody>
+          </p:sp>
+          <p:sp>
+            <p:nvSpPr>
+              <p:cNvPr id="48" name="Rectangle 47">
+                <a:extLst>
+                  <a:ext uri="{FF2B5EF4-FFF2-40B4-BE49-F238E27FC236}">
+                    <a16:creationId xmlns:a16="http://schemas.microsoft.com/office/drawing/2014/main" id="{551D671B-FFAC-5149-6A40-5A0B9443D2FF}"/>
+                  </a:ext>
+                </a:extLst>
+              </p:cNvPr>
+              <p:cNvSpPr/>
+              <p:nvPr/>
+            </p:nvSpPr>
+            <p:spPr>
+              <a:xfrm>
+                <a:off x="1033660" y="1562896"/>
+                <a:ext cx="418704" cy="646329"/>
+              </a:xfrm>
+              <a:prstGeom prst="rect">
+                <a:avLst/>
+              </a:prstGeom>
+              <a:noFill/>
+            </p:spPr>
+            <p:txBody>
+              <a:bodyPr wrap="none" lIns="91440" tIns="45720" rIns="91440" bIns="45720">
+                <a:spAutoFit/>
+              </a:bodyPr>
+              <a:lstStyle/>
+              <a:p>
+                <a:pPr algn="ctr"/>
+                <a:r>
+                  <a:rPr lang="fr-FR" sz="3600" b="1" dirty="0">
+                    <a:ln w="0"/>
+                    <a:solidFill>
+                      <a:srgbClr val="006A5A"/>
+                    </a:solidFill>
+                    <a:effectLst>
+                      <a:outerShdw blurRad="38100" dist="19050" dir="2700000" algn="tl" rotWithShape="0">
+                        <a:schemeClr val="dk1">
+                          <a:alpha val="40000"/>
+                        </a:schemeClr>
+                      </a:outerShdw>
+                    </a:effectLst>
+                  </a:rPr>
+                  <a:t>3</a:t>
+                </a:r>
+              </a:p>
+            </p:txBody>
+          </p:sp>
+        </p:grpSp>
+      </p:grpSp>
+      <p:grpSp>
+        <p:nvGrpSpPr>
+          <p:cNvPr id="49" name="Groupe 48">
+            <a:extLst>
+              <a:ext uri="{FF2B5EF4-FFF2-40B4-BE49-F238E27FC236}">
+                <a16:creationId xmlns:a16="http://schemas.microsoft.com/office/drawing/2014/main" id="{62E5D361-8AE1-FA7F-2F3A-26E0E5B6111E}"/>
+              </a:ext>
+            </a:extLst>
+          </p:cNvPr>
+          <p:cNvGrpSpPr/>
+          <p:nvPr/>
+        </p:nvGrpSpPr>
+        <p:grpSpPr>
+          <a:xfrm>
+            <a:off x="608323" y="2598007"/>
+            <a:ext cx="7343775" cy="646331"/>
+            <a:chOff x="985837" y="2603831"/>
+            <a:chExt cx="7343775" cy="646330"/>
+          </a:xfrm>
+        </p:grpSpPr>
+        <p:sp>
+          <p:nvSpPr>
+            <p:cNvPr id="50" name="ZoneTexte 49">
+              <a:extLst>
+                <a:ext uri="{FF2B5EF4-FFF2-40B4-BE49-F238E27FC236}">
+                  <a16:creationId xmlns:a16="http://schemas.microsoft.com/office/drawing/2014/main" id="{21E2CF4A-E88F-DE07-DF38-A0A8DDAF67BC}"/>
+                </a:ext>
+              </a:extLst>
+            </p:cNvPr>
+            <p:cNvSpPr txBox="1"/>
+            <p:nvPr/>
+          </p:nvSpPr>
+          <p:spPr>
+            <a:xfrm>
+              <a:off x="1728787" y="2617771"/>
+              <a:ext cx="6600825" cy="523347"/>
+            </a:xfrm>
+            <a:prstGeom prst="rect">
+              <a:avLst/>
+            </a:prstGeom>
+            <a:noFill/>
+          </p:spPr>
+          <p:txBody>
+            <a:bodyPr wrap="square" rtlCol="0">
+              <a:spAutoFit/>
+            </a:bodyPr>
+            <a:lstStyle/>
+            <a:p>
+              <a:r>
+                <a:rPr lang="fr-FR" sz="2801" dirty="0">
+                  <a:latin typeface="Gill Sans MT" panose="020B0502020104020203" pitchFamily="34" charset="0"/>
+                </a:rPr>
+                <a:t>Méthodologie</a:t>
+              </a:r>
+            </a:p>
+          </p:txBody>
+        </p:sp>
+        <p:grpSp>
+          <p:nvGrpSpPr>
+            <p:cNvPr id="51" name="Groupe 50">
+              <a:extLst>
+                <a:ext uri="{FF2B5EF4-FFF2-40B4-BE49-F238E27FC236}">
+                  <a16:creationId xmlns:a16="http://schemas.microsoft.com/office/drawing/2014/main" id="{E8677924-A07F-5FA7-AAAC-836D37DD1B16}"/>
+                </a:ext>
+              </a:extLst>
+            </p:cNvPr>
+            <p:cNvGrpSpPr/>
+            <p:nvPr/>
+          </p:nvGrpSpPr>
+          <p:grpSpPr>
+            <a:xfrm>
+              <a:off x="985837" y="2603831"/>
+              <a:ext cx="523875" cy="646330"/>
+              <a:chOff x="981075" y="1562896"/>
+              <a:chExt cx="523875" cy="646330"/>
+            </a:xfrm>
+          </p:grpSpPr>
+          <p:sp>
+            <p:nvSpPr>
+              <p:cNvPr id="52" name="Cercle : creux 51">
+                <a:extLst>
+                  <a:ext uri="{FF2B5EF4-FFF2-40B4-BE49-F238E27FC236}">
+                    <a16:creationId xmlns:a16="http://schemas.microsoft.com/office/drawing/2014/main" id="{25F76A91-21AA-0911-E7CB-5819FD285864}"/>
+                  </a:ext>
+                </a:extLst>
+              </p:cNvPr>
+              <p:cNvSpPr/>
+              <p:nvPr/>
+            </p:nvSpPr>
+            <p:spPr>
+              <a:xfrm>
+                <a:off x="981075" y="1633650"/>
+                <a:ext cx="523875" cy="523875"/>
+              </a:xfrm>
+              <a:prstGeom prst="donut">
+                <a:avLst>
+                  <a:gd name="adj" fmla="val 6665"/>
+                </a:avLst>
+              </a:prstGeom>
+              <a:solidFill>
+                <a:srgbClr val="006A5A"/>
+              </a:solidFill>
+              <a:ln>
+                <a:solidFill>
+                  <a:srgbClr val="006A5A"/>
+                </a:solidFill>
+              </a:ln>
+            </p:spPr>
+            <p:style>
+              <a:lnRef idx="2">
+                <a:schemeClr val="accent1">
+                  <a:shade val="15000"/>
+                </a:schemeClr>
+              </a:lnRef>
+              <a:fillRef idx="1">
+                <a:schemeClr val="accent1"/>
+              </a:fillRef>
+              <a:effectRef idx="0">
+                <a:schemeClr val="accent1"/>
+              </a:effectRef>
+              <a:fontRef idx="minor">
+                <a:schemeClr val="lt1"/>
+              </a:fontRef>
+            </p:style>
+            <p:txBody>
+              <a:bodyPr rtlCol="0" anchor="ctr"/>
+              <a:lstStyle/>
+              <a:p>
+                <a:pPr algn="ctr"/>
+                <a:endParaRPr lang="fr-FR" sz="1801">
+                  <a:solidFill>
+                    <a:schemeClr val="tx1"/>
+                  </a:solidFill>
+                </a:endParaRPr>
+              </a:p>
+            </p:txBody>
+          </p:sp>
+          <p:sp>
+            <p:nvSpPr>
+              <p:cNvPr id="53" name="Rectangle 52">
+                <a:extLst>
+                  <a:ext uri="{FF2B5EF4-FFF2-40B4-BE49-F238E27FC236}">
+                    <a16:creationId xmlns:a16="http://schemas.microsoft.com/office/drawing/2014/main" id="{4D2F1366-D15A-C4C8-5411-8748F4372BD7}"/>
+                  </a:ext>
+                </a:extLst>
+              </p:cNvPr>
+              <p:cNvSpPr/>
+              <p:nvPr/>
+            </p:nvSpPr>
+            <p:spPr>
+              <a:xfrm>
+                <a:off x="1033660" y="1562896"/>
+                <a:ext cx="418704" cy="646330"/>
+              </a:xfrm>
+              <a:prstGeom prst="rect">
+                <a:avLst/>
+              </a:prstGeom>
+              <a:noFill/>
+            </p:spPr>
+            <p:txBody>
+              <a:bodyPr wrap="none" lIns="91440" tIns="45720" rIns="91440" bIns="45720">
+                <a:spAutoFit/>
+              </a:bodyPr>
+              <a:lstStyle/>
+              <a:p>
+                <a:pPr algn="ctr"/>
+                <a:r>
+                  <a:rPr lang="fr-FR" sz="3600" b="1" dirty="0">
+                    <a:ln w="0"/>
+                    <a:solidFill>
+                      <a:srgbClr val="006A5A"/>
+                    </a:solidFill>
+                    <a:effectLst>
+                      <a:outerShdw blurRad="38100" dist="19050" dir="2700000" algn="tl" rotWithShape="0">
+                        <a:schemeClr val="dk1">
+                          <a:alpha val="40000"/>
+                        </a:schemeClr>
+                      </a:outerShdw>
+                    </a:effectLst>
+                  </a:rPr>
+                  <a:t>2</a:t>
+                </a:r>
+              </a:p>
+            </p:txBody>
+          </p:sp>
+        </p:grpSp>
+      </p:grpSp>
+      <p:grpSp>
+        <p:nvGrpSpPr>
+          <p:cNvPr id="54" name="Groupe 53">
+            <a:extLst>
+              <a:ext uri="{FF2B5EF4-FFF2-40B4-BE49-F238E27FC236}">
+                <a16:creationId xmlns:a16="http://schemas.microsoft.com/office/drawing/2014/main" id="{8018736C-97D8-7D21-9DD2-3D49EE35D250}"/>
+              </a:ext>
+            </a:extLst>
+          </p:cNvPr>
+          <p:cNvGrpSpPr/>
+          <p:nvPr/>
+        </p:nvGrpSpPr>
+        <p:grpSpPr>
+          <a:xfrm>
+            <a:off x="660908" y="4118897"/>
+            <a:ext cx="8201026" cy="646331"/>
+            <a:chOff x="985837" y="3975226"/>
+            <a:chExt cx="8201025" cy="646329"/>
+          </a:xfrm>
+        </p:grpSpPr>
+        <p:sp>
+          <p:nvSpPr>
+            <p:cNvPr id="55" name="ZoneTexte 54">
+              <a:extLst>
+                <a:ext uri="{FF2B5EF4-FFF2-40B4-BE49-F238E27FC236}">
+                  <a16:creationId xmlns:a16="http://schemas.microsoft.com/office/drawing/2014/main" id="{0B42BC64-6471-55D3-5F19-DDDFAEED3D98}"/>
+                </a:ext>
+              </a:extLst>
+            </p:cNvPr>
+            <p:cNvSpPr txBox="1"/>
+            <p:nvPr/>
+          </p:nvSpPr>
+          <p:spPr>
+            <a:xfrm>
+              <a:off x="1728787" y="4036781"/>
+              <a:ext cx="7458075" cy="523347"/>
+            </a:xfrm>
+            <a:prstGeom prst="rect">
+              <a:avLst/>
+            </a:prstGeom>
+            <a:noFill/>
+          </p:spPr>
+          <p:txBody>
+            <a:bodyPr wrap="square" rtlCol="0">
+              <a:spAutoFit/>
+            </a:bodyPr>
+            <a:lstStyle/>
+            <a:p>
+              <a:r>
+                <a:rPr lang="fr-FR" sz="2801" dirty="0">
+                  <a:latin typeface="Gill Sans MT" panose="020B0502020104020203" pitchFamily="34" charset="0"/>
+                </a:rPr>
+                <a:t>Modélisation</a:t>
+              </a:r>
+            </a:p>
+          </p:txBody>
+        </p:sp>
+        <p:grpSp>
+          <p:nvGrpSpPr>
+            <p:cNvPr id="56" name="Groupe 55">
+              <a:extLst>
+                <a:ext uri="{FF2B5EF4-FFF2-40B4-BE49-F238E27FC236}">
+                  <a16:creationId xmlns:a16="http://schemas.microsoft.com/office/drawing/2014/main" id="{4F8C7CB2-8232-A767-9B2A-34B47A05FBC5}"/>
+                </a:ext>
+              </a:extLst>
+            </p:cNvPr>
+            <p:cNvGrpSpPr/>
+            <p:nvPr/>
+          </p:nvGrpSpPr>
+          <p:grpSpPr>
+            <a:xfrm>
+              <a:off x="985837" y="3975226"/>
+              <a:ext cx="523875" cy="646329"/>
+              <a:chOff x="981075" y="1562896"/>
+              <a:chExt cx="523875" cy="646329"/>
+            </a:xfrm>
+          </p:grpSpPr>
+          <p:sp>
+            <p:nvSpPr>
+              <p:cNvPr id="57" name="Cercle : creux 56">
+                <a:extLst>
+                  <a:ext uri="{FF2B5EF4-FFF2-40B4-BE49-F238E27FC236}">
+                    <a16:creationId xmlns:a16="http://schemas.microsoft.com/office/drawing/2014/main" id="{4D84922F-6579-14ED-5433-CFA4DE117825}"/>
+                  </a:ext>
+                </a:extLst>
+              </p:cNvPr>
+              <p:cNvSpPr/>
+              <p:nvPr/>
+            </p:nvSpPr>
+            <p:spPr>
+              <a:xfrm>
+                <a:off x="981075" y="1633650"/>
+                <a:ext cx="523875" cy="523875"/>
+              </a:xfrm>
+              <a:prstGeom prst="donut">
+                <a:avLst>
+                  <a:gd name="adj" fmla="val 6665"/>
+                </a:avLst>
+              </a:prstGeom>
+              <a:solidFill>
+                <a:srgbClr val="006A5A"/>
+              </a:solidFill>
+              <a:ln>
+                <a:solidFill>
+                  <a:srgbClr val="006A5A"/>
+                </a:solidFill>
+              </a:ln>
+            </p:spPr>
+            <p:style>
+              <a:lnRef idx="2">
+                <a:schemeClr val="accent1">
+                  <a:shade val="15000"/>
+                </a:schemeClr>
+              </a:lnRef>
+              <a:fillRef idx="1">
+                <a:schemeClr val="accent1"/>
+              </a:fillRef>
+              <a:effectRef idx="0">
+                <a:schemeClr val="accent1"/>
+              </a:effectRef>
+              <a:fontRef idx="minor">
+                <a:schemeClr val="lt1"/>
+              </a:fontRef>
+            </p:style>
+            <p:txBody>
+              <a:bodyPr rtlCol="0" anchor="ctr"/>
+              <a:lstStyle/>
+              <a:p>
+                <a:pPr algn="ctr"/>
+                <a:endParaRPr lang="fr-FR" sz="1801">
+                  <a:solidFill>
+                    <a:schemeClr val="tx1"/>
+                  </a:solidFill>
+                </a:endParaRPr>
+              </a:p>
+            </p:txBody>
+          </p:sp>
+          <p:sp>
+            <p:nvSpPr>
+              <p:cNvPr id="58" name="Rectangle 57">
+                <a:extLst>
+                  <a:ext uri="{FF2B5EF4-FFF2-40B4-BE49-F238E27FC236}">
+                    <a16:creationId xmlns:a16="http://schemas.microsoft.com/office/drawing/2014/main" id="{4AA4C81D-C38A-38F5-C158-4B6B656180A9}"/>
+                  </a:ext>
+                </a:extLst>
+              </p:cNvPr>
+              <p:cNvSpPr/>
+              <p:nvPr/>
+            </p:nvSpPr>
+            <p:spPr>
+              <a:xfrm>
+                <a:off x="1033660" y="1562896"/>
+                <a:ext cx="418704" cy="646329"/>
+              </a:xfrm>
+              <a:prstGeom prst="rect">
+                <a:avLst/>
+              </a:prstGeom>
+              <a:noFill/>
+            </p:spPr>
+            <p:txBody>
+              <a:bodyPr wrap="none" lIns="91440" tIns="45720" rIns="91440" bIns="45720">
+                <a:spAutoFit/>
+              </a:bodyPr>
+              <a:lstStyle/>
+              <a:p>
+                <a:pPr algn="ctr"/>
+                <a:r>
+                  <a:rPr lang="fr-FR" sz="3600" b="1" dirty="0">
+                    <a:ln w="0"/>
+                    <a:solidFill>
+                      <a:srgbClr val="006A5A"/>
+                    </a:solidFill>
+                    <a:effectLst>
+                      <a:outerShdw blurRad="38100" dist="19050" dir="2700000" algn="tl" rotWithShape="0">
+                        <a:schemeClr val="dk1">
+                          <a:alpha val="40000"/>
+                        </a:schemeClr>
+                      </a:outerShdw>
+                    </a:effectLst>
+                  </a:rPr>
+                  <a:t>4</a:t>
+                </a:r>
+              </a:p>
+            </p:txBody>
+          </p:sp>
+        </p:grpSp>
+      </p:grpSp>
+      <p:grpSp>
+        <p:nvGrpSpPr>
+          <p:cNvPr id="59" name="Groupe 58">
+            <a:extLst>
+              <a:ext uri="{FF2B5EF4-FFF2-40B4-BE49-F238E27FC236}">
+                <a16:creationId xmlns:a16="http://schemas.microsoft.com/office/drawing/2014/main" id="{A52A3784-3785-DFD6-2A71-16E9A10ED0BC}"/>
+              </a:ext>
+            </a:extLst>
+          </p:cNvPr>
+          <p:cNvGrpSpPr/>
+          <p:nvPr/>
+        </p:nvGrpSpPr>
+        <p:grpSpPr>
+          <a:xfrm>
+            <a:off x="660909" y="4914559"/>
+            <a:ext cx="8162925" cy="646331"/>
+            <a:chOff x="985837" y="4689476"/>
+            <a:chExt cx="8162925" cy="677137"/>
+          </a:xfrm>
+        </p:grpSpPr>
+        <p:grpSp>
+          <p:nvGrpSpPr>
+            <p:cNvPr id="60" name="Groupe 59">
+              <a:extLst>
+                <a:ext uri="{FF2B5EF4-FFF2-40B4-BE49-F238E27FC236}">
+                  <a16:creationId xmlns:a16="http://schemas.microsoft.com/office/drawing/2014/main" id="{433F604A-C2A7-BF19-3A1C-82F1B53065A0}"/>
+                </a:ext>
+              </a:extLst>
+            </p:cNvPr>
+            <p:cNvGrpSpPr/>
+            <p:nvPr/>
+          </p:nvGrpSpPr>
+          <p:grpSpPr>
+            <a:xfrm>
+              <a:off x="985837" y="4689476"/>
+              <a:ext cx="523875" cy="677137"/>
+              <a:chOff x="981075" y="1562896"/>
+              <a:chExt cx="523875" cy="677137"/>
+            </a:xfrm>
+          </p:grpSpPr>
+          <p:sp>
+            <p:nvSpPr>
+              <p:cNvPr id="62" name="Cercle : creux 61">
+                <a:extLst>
+                  <a:ext uri="{FF2B5EF4-FFF2-40B4-BE49-F238E27FC236}">
+                    <a16:creationId xmlns:a16="http://schemas.microsoft.com/office/drawing/2014/main" id="{0384AE3B-9C2C-2C20-2DEA-49C3F630B3FC}"/>
+                  </a:ext>
+                </a:extLst>
+              </p:cNvPr>
+              <p:cNvSpPr/>
+              <p:nvPr/>
+            </p:nvSpPr>
+            <p:spPr>
+              <a:xfrm>
+                <a:off x="981075" y="1633650"/>
+                <a:ext cx="523875" cy="523875"/>
+              </a:xfrm>
+              <a:prstGeom prst="donut">
+                <a:avLst>
+                  <a:gd name="adj" fmla="val 6665"/>
+                </a:avLst>
+              </a:prstGeom>
+              <a:solidFill>
+                <a:srgbClr val="006A5A"/>
+              </a:solidFill>
+              <a:ln>
+                <a:solidFill>
+                  <a:srgbClr val="006A5A"/>
+                </a:solidFill>
+              </a:ln>
+            </p:spPr>
+            <p:style>
+              <a:lnRef idx="2">
+                <a:schemeClr val="accent1">
+                  <a:shade val="15000"/>
+                </a:schemeClr>
+              </a:lnRef>
+              <a:fillRef idx="1">
+                <a:schemeClr val="accent1"/>
+              </a:fillRef>
+              <a:effectRef idx="0">
+                <a:schemeClr val="accent1"/>
+              </a:effectRef>
+              <a:fontRef idx="minor">
+                <a:schemeClr val="lt1"/>
+              </a:fontRef>
+            </p:style>
+            <p:txBody>
+              <a:bodyPr rtlCol="0" anchor="ctr"/>
+              <a:lstStyle/>
+              <a:p>
+                <a:pPr algn="ctr"/>
+                <a:endParaRPr lang="fr-FR" sz="1801">
+                  <a:solidFill>
+                    <a:srgbClr val="006A5A"/>
+                  </a:solidFill>
+                </a:endParaRPr>
+              </a:p>
+            </p:txBody>
+          </p:sp>
+          <p:sp>
+            <p:nvSpPr>
+              <p:cNvPr id="63" name="Rectangle 62">
+                <a:extLst>
+                  <a:ext uri="{FF2B5EF4-FFF2-40B4-BE49-F238E27FC236}">
+                    <a16:creationId xmlns:a16="http://schemas.microsoft.com/office/drawing/2014/main" id="{D8D23376-65CE-679D-7256-13965BF7B9A0}"/>
+                  </a:ext>
+                </a:extLst>
+              </p:cNvPr>
+              <p:cNvSpPr/>
+              <p:nvPr/>
+            </p:nvSpPr>
+            <p:spPr>
+              <a:xfrm>
+                <a:off x="1033660" y="1562896"/>
+                <a:ext cx="418704" cy="677137"/>
+              </a:xfrm>
+              <a:prstGeom prst="rect">
+                <a:avLst/>
+              </a:prstGeom>
+              <a:noFill/>
+            </p:spPr>
+            <p:txBody>
+              <a:bodyPr wrap="none" lIns="91440" tIns="45720" rIns="91440" bIns="45720">
+                <a:spAutoFit/>
+              </a:bodyPr>
+              <a:lstStyle/>
+              <a:p>
+                <a:pPr algn="ctr"/>
+                <a:r>
+                  <a:rPr lang="fr-FR" sz="3600" b="1" dirty="0">
+                    <a:ln w="0"/>
+                    <a:solidFill>
+                      <a:srgbClr val="006A5A"/>
+                    </a:solidFill>
+                    <a:effectLst>
+                      <a:outerShdw blurRad="38100" dist="19050" dir="2700000" algn="tl" rotWithShape="0">
+                        <a:schemeClr val="dk1">
+                          <a:alpha val="40000"/>
+                        </a:schemeClr>
+                      </a:outerShdw>
+                    </a:effectLst>
+                  </a:rPr>
+                  <a:t>5</a:t>
+                </a:r>
+              </a:p>
+            </p:txBody>
+          </p:sp>
+        </p:grpSp>
+        <p:sp>
+          <p:nvSpPr>
+            <p:cNvPr id="61" name="ZoneTexte 60">
+              <a:extLst>
+                <a:ext uri="{FF2B5EF4-FFF2-40B4-BE49-F238E27FC236}">
+                  <a16:creationId xmlns:a16="http://schemas.microsoft.com/office/drawing/2014/main" id="{4DFF1519-0D03-D7CA-5E0D-A098EE8FEE91}"/>
+                </a:ext>
+              </a:extLst>
+            </p:cNvPr>
+            <p:cNvSpPr txBox="1"/>
+            <p:nvPr/>
+          </p:nvSpPr>
+          <p:spPr>
+            <a:xfrm>
+              <a:off x="1690686" y="4750475"/>
+              <a:ext cx="7458076" cy="548292"/>
+            </a:xfrm>
+            <a:prstGeom prst="rect">
+              <a:avLst/>
+            </a:prstGeom>
+            <a:noFill/>
+          </p:spPr>
+          <p:txBody>
+            <a:bodyPr wrap="square" rtlCol="0">
+              <a:spAutoFit/>
+            </a:bodyPr>
+            <a:lstStyle/>
+            <a:p>
+              <a:r>
+                <a:rPr lang="fr-FR" sz="2801" dirty="0">
+                  <a:latin typeface="Gill Sans MT" panose="020B0502020104020203" pitchFamily="34" charset="0"/>
+                </a:rPr>
+                <a:t>Discussion</a:t>
+              </a:r>
+            </a:p>
+          </p:txBody>
+        </p:sp>
+      </p:grpSp>
     </p:spTree>
     <p:extLst>
       <p:ext uri="{BB962C8B-B14F-4D97-AF65-F5344CB8AC3E}">
@@ -8306,10 +9567,506 @@
   <p:clrMapOvr>
     <a:masterClrMapping/>
   </p:clrMapOvr>
+  <p:timing>
+    <p:tnLst>
+      <p:par>
+        <p:cTn id="1" dur="indefinite" restart="never" nodeType="tmRoot">
+          <p:childTnLst>
+            <p:seq concurrent="1" nextAc="seek">
+              <p:cTn id="2" dur="indefinite" nodeType="mainSeq">
+                <p:childTnLst>
+                  <p:par>
+                    <p:cTn id="3" fill="hold">
+                      <p:stCondLst>
+                        <p:cond delay="indefinite"/>
+                      </p:stCondLst>
+                      <p:childTnLst>
+                        <p:par>
+                          <p:cTn id="4" fill="hold">
+                            <p:stCondLst>
+                              <p:cond delay="0"/>
+                            </p:stCondLst>
+                            <p:childTnLst>
+                              <p:par>
+                                <p:cTn id="5" presetID="1" presetClass="entr" presetSubtype="0" fill="hold" grpId="0" nodeType="clickEffect">
+                                  <p:stCondLst>
+                                    <p:cond delay="0"/>
+                                  </p:stCondLst>
+                                  <p:childTnLst>
+                                    <p:set>
+                                      <p:cBhvr>
+                                        <p:cTn id="6" dur="1" fill="hold">
+                                          <p:stCondLst>
+                                            <p:cond delay="0"/>
+                                          </p:stCondLst>
+                                        </p:cTn>
+                                        <p:tgtEl>
+                                          <p:spTgt spid="37"/>
+                                        </p:tgtEl>
+                                        <p:attrNameLst>
+                                          <p:attrName>style.visibility</p:attrName>
+                                        </p:attrNameLst>
+                                      </p:cBhvr>
+                                      <p:to>
+                                        <p:strVal val="visible"/>
+                                      </p:to>
+                                    </p:set>
+                                  </p:childTnLst>
+                                </p:cTn>
+                              </p:par>
+                            </p:childTnLst>
+                          </p:cTn>
+                        </p:par>
+                      </p:childTnLst>
+                    </p:cTn>
+                  </p:par>
+                  <p:par>
+                    <p:cTn id="7" fill="hold">
+                      <p:stCondLst>
+                        <p:cond delay="indefinite"/>
+                      </p:stCondLst>
+                      <p:childTnLst>
+                        <p:par>
+                          <p:cTn id="8" fill="hold">
+                            <p:stCondLst>
+                              <p:cond delay="0"/>
+                            </p:stCondLst>
+                            <p:childTnLst>
+                              <p:par>
+                                <p:cTn id="9" presetID="1" presetClass="entr" presetSubtype="0" fill="hold" nodeType="clickEffect">
+                                  <p:stCondLst>
+                                    <p:cond delay="0"/>
+                                  </p:stCondLst>
+                                  <p:childTnLst>
+                                    <p:set>
+                                      <p:cBhvr>
+                                        <p:cTn id="10" dur="1" fill="hold">
+                                          <p:stCondLst>
+                                            <p:cond delay="0"/>
+                                          </p:stCondLst>
+                                        </p:cTn>
+                                        <p:tgtEl>
+                                          <p:spTgt spid="39"/>
+                                        </p:tgtEl>
+                                        <p:attrNameLst>
+                                          <p:attrName>style.visibility</p:attrName>
+                                        </p:attrNameLst>
+                                      </p:cBhvr>
+                                      <p:to>
+                                        <p:strVal val="visible"/>
+                                      </p:to>
+                                    </p:set>
+                                  </p:childTnLst>
+                                </p:cTn>
+                              </p:par>
+                            </p:childTnLst>
+                          </p:cTn>
+                        </p:par>
+                      </p:childTnLst>
+                    </p:cTn>
+                  </p:par>
+                  <p:par>
+                    <p:cTn id="11" fill="hold">
+                      <p:stCondLst>
+                        <p:cond delay="indefinite"/>
+                      </p:stCondLst>
+                      <p:childTnLst>
+                        <p:par>
+                          <p:cTn id="12" fill="hold">
+                            <p:stCondLst>
+                              <p:cond delay="0"/>
+                            </p:stCondLst>
+                            <p:childTnLst>
+                              <p:par>
+                                <p:cTn id="13" presetID="1" presetClass="entr" presetSubtype="0" fill="hold" nodeType="clickEffect">
+                                  <p:stCondLst>
+                                    <p:cond delay="0"/>
+                                  </p:stCondLst>
+                                  <p:childTnLst>
+                                    <p:set>
+                                      <p:cBhvr>
+                                        <p:cTn id="14" dur="1" fill="hold">
+                                          <p:stCondLst>
+                                            <p:cond delay="0"/>
+                                          </p:stCondLst>
+                                        </p:cTn>
+                                        <p:tgtEl>
+                                          <p:spTgt spid="49"/>
+                                        </p:tgtEl>
+                                        <p:attrNameLst>
+                                          <p:attrName>style.visibility</p:attrName>
+                                        </p:attrNameLst>
+                                      </p:cBhvr>
+                                      <p:to>
+                                        <p:strVal val="visible"/>
+                                      </p:to>
+                                    </p:set>
+                                  </p:childTnLst>
+                                </p:cTn>
+                              </p:par>
+                            </p:childTnLst>
+                          </p:cTn>
+                        </p:par>
+                      </p:childTnLst>
+                    </p:cTn>
+                  </p:par>
+                  <p:par>
+                    <p:cTn id="15" fill="hold">
+                      <p:stCondLst>
+                        <p:cond delay="indefinite"/>
+                      </p:stCondLst>
+                      <p:childTnLst>
+                        <p:par>
+                          <p:cTn id="16" fill="hold">
+                            <p:stCondLst>
+                              <p:cond delay="0"/>
+                            </p:stCondLst>
+                            <p:childTnLst>
+                              <p:par>
+                                <p:cTn id="17" presetID="1" presetClass="entr" presetSubtype="0" fill="hold" nodeType="clickEffect">
+                                  <p:stCondLst>
+                                    <p:cond delay="0"/>
+                                  </p:stCondLst>
+                                  <p:childTnLst>
+                                    <p:set>
+                                      <p:cBhvr>
+                                        <p:cTn id="18" dur="1" fill="hold">
+                                          <p:stCondLst>
+                                            <p:cond delay="0"/>
+                                          </p:stCondLst>
+                                        </p:cTn>
+                                        <p:tgtEl>
+                                          <p:spTgt spid="44"/>
+                                        </p:tgtEl>
+                                        <p:attrNameLst>
+                                          <p:attrName>style.visibility</p:attrName>
+                                        </p:attrNameLst>
+                                      </p:cBhvr>
+                                      <p:to>
+                                        <p:strVal val="visible"/>
+                                      </p:to>
+                                    </p:set>
+                                  </p:childTnLst>
+                                </p:cTn>
+                              </p:par>
+                            </p:childTnLst>
+                          </p:cTn>
+                        </p:par>
+                      </p:childTnLst>
+                    </p:cTn>
+                  </p:par>
+                  <p:par>
+                    <p:cTn id="19" fill="hold">
+                      <p:stCondLst>
+                        <p:cond delay="indefinite"/>
+                      </p:stCondLst>
+                      <p:childTnLst>
+                        <p:par>
+                          <p:cTn id="20" fill="hold">
+                            <p:stCondLst>
+                              <p:cond delay="0"/>
+                            </p:stCondLst>
+                            <p:childTnLst>
+                              <p:par>
+                                <p:cTn id="21" presetID="1" presetClass="entr" presetSubtype="0" fill="hold" nodeType="clickEffect">
+                                  <p:stCondLst>
+                                    <p:cond delay="0"/>
+                                  </p:stCondLst>
+                                  <p:childTnLst>
+                                    <p:set>
+                                      <p:cBhvr>
+                                        <p:cTn id="22" dur="1" fill="hold">
+                                          <p:stCondLst>
+                                            <p:cond delay="0"/>
+                                          </p:stCondLst>
+                                        </p:cTn>
+                                        <p:tgtEl>
+                                          <p:spTgt spid="54"/>
+                                        </p:tgtEl>
+                                        <p:attrNameLst>
+                                          <p:attrName>style.visibility</p:attrName>
+                                        </p:attrNameLst>
+                                      </p:cBhvr>
+                                      <p:to>
+                                        <p:strVal val="visible"/>
+                                      </p:to>
+                                    </p:set>
+                                  </p:childTnLst>
+                                </p:cTn>
+                              </p:par>
+                            </p:childTnLst>
+                          </p:cTn>
+                        </p:par>
+                      </p:childTnLst>
+                    </p:cTn>
+                  </p:par>
+                  <p:par>
+                    <p:cTn id="23" fill="hold">
+                      <p:stCondLst>
+                        <p:cond delay="indefinite"/>
+                      </p:stCondLst>
+                      <p:childTnLst>
+                        <p:par>
+                          <p:cTn id="24" fill="hold">
+                            <p:stCondLst>
+                              <p:cond delay="0"/>
+                            </p:stCondLst>
+                            <p:childTnLst>
+                              <p:par>
+                                <p:cTn id="25" presetID="1" presetClass="entr" presetSubtype="0" fill="hold" nodeType="clickEffect">
+                                  <p:stCondLst>
+                                    <p:cond delay="0"/>
+                                  </p:stCondLst>
+                                  <p:childTnLst>
+                                    <p:set>
+                                      <p:cBhvr>
+                                        <p:cTn id="26" dur="1" fill="hold">
+                                          <p:stCondLst>
+                                            <p:cond delay="0"/>
+                                          </p:stCondLst>
+                                        </p:cTn>
+                                        <p:tgtEl>
+                                          <p:spTgt spid="59"/>
+                                        </p:tgtEl>
+                                        <p:attrNameLst>
+                                          <p:attrName>style.visibility</p:attrName>
+                                        </p:attrNameLst>
+                                      </p:cBhvr>
+                                      <p:to>
+                                        <p:strVal val="visible"/>
+                                      </p:to>
+                                    </p:set>
+                                  </p:childTnLst>
+                                </p:cTn>
+                              </p:par>
+                            </p:childTnLst>
+                          </p:cTn>
+                        </p:par>
+                      </p:childTnLst>
+                    </p:cTn>
+                  </p:par>
+                  <p:par>
+                    <p:cTn id="27" fill="hold">
+                      <p:stCondLst>
+                        <p:cond delay="indefinite"/>
+                      </p:stCondLst>
+                      <p:childTnLst>
+                        <p:par>
+                          <p:cTn id="28" fill="hold">
+                            <p:stCondLst>
+                              <p:cond delay="0"/>
+                            </p:stCondLst>
+                            <p:childTnLst>
+                              <p:par>
+                                <p:cTn id="29" presetID="1" presetClass="entr" presetSubtype="0" fill="hold" grpId="0" nodeType="clickEffect">
+                                  <p:stCondLst>
+                                    <p:cond delay="0"/>
+                                  </p:stCondLst>
+                                  <p:childTnLst>
+                                    <p:set>
+                                      <p:cBhvr>
+                                        <p:cTn id="30" dur="1" fill="hold">
+                                          <p:stCondLst>
+                                            <p:cond delay="0"/>
+                                          </p:stCondLst>
+                                        </p:cTn>
+                                        <p:tgtEl>
+                                          <p:spTgt spid="38"/>
+                                        </p:tgtEl>
+                                        <p:attrNameLst>
+                                          <p:attrName>style.visibility</p:attrName>
+                                        </p:attrNameLst>
+                                      </p:cBhvr>
+                                      <p:to>
+                                        <p:strVal val="visible"/>
+                                      </p:to>
+                                    </p:set>
+                                  </p:childTnLst>
+                                </p:cTn>
+                              </p:par>
+                            </p:childTnLst>
+                          </p:cTn>
+                        </p:par>
+                      </p:childTnLst>
+                    </p:cTn>
+                  </p:par>
+                </p:childTnLst>
+              </p:cTn>
+              <p:prevCondLst>
+                <p:cond evt="onPrev" delay="0">
+                  <p:tgtEl>
+                    <p:sldTgt/>
+                  </p:tgtEl>
+                </p:cond>
+              </p:prevCondLst>
+              <p:nextCondLst>
+                <p:cond evt="onNext" delay="0">
+                  <p:tgtEl>
+                    <p:sldTgt/>
+                  </p:tgtEl>
+                </p:cond>
+              </p:nextCondLst>
+            </p:seq>
+          </p:childTnLst>
+        </p:cTn>
+      </p:par>
+    </p:tnLst>
+    <p:bldLst>
+      <p:bldP spid="37" grpId="0" animBg="1"/>
+      <p:bldP spid="38" grpId="0" animBg="1"/>
+    </p:bldLst>
+  </p:timing>
 </p:sld>
 </file>
 
 <file path=ppt/slides/slide20.xml><?xml version="1.0" encoding="utf-8"?>
+<p:sld xmlns:a="http://schemas.openxmlformats.org/drawingml/2006/main" xmlns:r="http://schemas.openxmlformats.org/officeDocument/2006/relationships" xmlns:p="http://schemas.openxmlformats.org/presentationml/2006/main">
+  <p:cSld>
+    <p:spTree>
+      <p:nvGrpSpPr>
+        <p:cNvPr id="1" name="">
+          <a:extLst>
+            <a:ext uri="{FF2B5EF4-FFF2-40B4-BE49-F238E27FC236}">
+              <a16:creationId xmlns:a16="http://schemas.microsoft.com/office/drawing/2014/main" id="{F30D924C-E715-F9B4-8AFC-FD07EA503B33}"/>
+            </a:ext>
+          </a:extLst>
+        </p:cNvPr>
+        <p:cNvGrpSpPr/>
+        <p:nvPr/>
+      </p:nvGrpSpPr>
+      <p:grpSpPr>
+        <a:xfrm>
+          <a:off x="0" y="0"/>
+          <a:ext cx="0" cy="0"/>
+          <a:chOff x="0" y="0"/>
+          <a:chExt cx="0" cy="0"/>
+        </a:xfrm>
+      </p:grpSpPr>
+      <p:sp>
+        <p:nvSpPr>
+          <p:cNvPr id="2" name="Espace réservé du numéro de diapositive 1">
+            <a:extLst>
+              <a:ext uri="{FF2B5EF4-FFF2-40B4-BE49-F238E27FC236}">
+                <a16:creationId xmlns:a16="http://schemas.microsoft.com/office/drawing/2014/main" id="{882A90CC-7389-1CA4-89EF-B85F758E4EB7}"/>
+              </a:ext>
+            </a:extLst>
+          </p:cNvPr>
+          <p:cNvSpPr>
+            <a:spLocks noGrp="1"/>
+          </p:cNvSpPr>
+          <p:nvPr>
+            <p:ph type="sldNum" sz="quarter" idx="4"/>
+          </p:nvPr>
+        </p:nvSpPr>
+        <p:spPr/>
+        <p:txBody>
+          <a:bodyPr/>
+          <a:lstStyle/>
+          <a:p>
+            <a:fld id="{F546B7B7-7D14-4795-A998-350CFB2BDD43}" type="slidenum">
+              <a:rPr lang="fr-FR" smtClean="0"/>
+              <a:pPr/>
+              <a:t>20</a:t>
+            </a:fld>
+            <a:endParaRPr lang="fr-FR"/>
+          </a:p>
+        </p:txBody>
+      </p:sp>
+      <p:sp>
+        <p:nvSpPr>
+          <p:cNvPr id="3" name="ZoneTexte 2">
+            <a:extLst>
+              <a:ext uri="{FF2B5EF4-FFF2-40B4-BE49-F238E27FC236}">
+                <a16:creationId xmlns:a16="http://schemas.microsoft.com/office/drawing/2014/main" id="{9169FD9A-0F1A-F62A-EAF4-74284432E518}"/>
+              </a:ext>
+            </a:extLst>
+          </p:cNvPr>
+          <p:cNvSpPr txBox="1"/>
+          <p:nvPr/>
+        </p:nvSpPr>
+        <p:spPr>
+          <a:xfrm>
+            <a:off x="2" y="532969"/>
+            <a:ext cx="12191999" cy="646331"/>
+          </a:xfrm>
+          <a:prstGeom prst="rect">
+            <a:avLst/>
+          </a:prstGeom>
+          <a:solidFill>
+            <a:srgbClr val="006A5A"/>
+          </a:solidFill>
+        </p:spPr>
+        <p:txBody>
+          <a:bodyPr wrap="square" rtlCol="0">
+            <a:spAutoFit/>
+          </a:bodyPr>
+          <a:lstStyle/>
+          <a:p>
+            <a:r>
+              <a:rPr lang="fr-FR" sz="3600" b="1" dirty="0">
+                <a:solidFill>
+                  <a:schemeClr val="bg1"/>
+                </a:solidFill>
+                <a:latin typeface="Gill Sans MT" panose="020B0502020104020203" pitchFamily="34" charset="0"/>
+              </a:rPr>
+              <a:t>4.1. Choix des variables dans la modélisation</a:t>
+            </a:r>
+          </a:p>
+        </p:txBody>
+      </p:sp>
+      <p:pic>
+        <p:nvPicPr>
+          <p:cNvPr id="4" name="Graphique 3" descr="Flèches de chevron">
+            <a:extLst>
+              <a:ext uri="{FF2B5EF4-FFF2-40B4-BE49-F238E27FC236}">
+                <a16:creationId xmlns:a16="http://schemas.microsoft.com/office/drawing/2014/main" id="{1A92E601-022D-F8F3-C090-920665EE7490}"/>
+              </a:ext>
+            </a:extLst>
+          </p:cNvPr>
+          <p:cNvPicPr>
+            <a:picLocks noChangeAspect="1"/>
+          </p:cNvPicPr>
+          <p:nvPr/>
+        </p:nvPicPr>
+        <p:blipFill>
+          <a:blip r:embed="rId2">
+            <a:extLst>
+              <a:ext uri="{28A0092B-C50C-407E-A947-70E740481C1C}">
+                <a14:useLocalDpi xmlns:a14="http://schemas.microsoft.com/office/drawing/2010/main" val="0"/>
+              </a:ext>
+              <a:ext uri="{96DAC541-7B7A-43D3-8B79-37D633B846F1}">
+                <asvg:svgBlip xmlns:asvg="http://schemas.microsoft.com/office/drawing/2016/SVG/main" r:embed="rId3"/>
+              </a:ext>
+            </a:extLst>
+          </a:blip>
+          <a:stretch>
+            <a:fillRect/>
+          </a:stretch>
+        </p:blipFill>
+        <p:spPr>
+          <a:xfrm>
+            <a:off x="11078692" y="266700"/>
+            <a:ext cx="1170459" cy="1170459"/>
+          </a:xfrm>
+          <a:prstGeom prst="rect">
+            <a:avLst/>
+          </a:prstGeom>
+        </p:spPr>
+      </p:pic>
+    </p:spTree>
+    <p:extLst>
+      <p:ext uri="{BB962C8B-B14F-4D97-AF65-F5344CB8AC3E}">
+        <p14:creationId xmlns:p14="http://schemas.microsoft.com/office/powerpoint/2010/main" val="982776663"/>
+      </p:ext>
+    </p:extLst>
+  </p:cSld>
+  <p:clrMapOvr>
+    <a:masterClrMapping/>
+  </p:clrMapOvr>
+</p:sld>
+</file>
+
+<file path=ppt/slides/slide21.xml><?xml version="1.0" encoding="utf-8"?>
 <p:sld xmlns:a="http://schemas.openxmlformats.org/drawingml/2006/main" xmlns:r="http://schemas.openxmlformats.org/officeDocument/2006/relationships" xmlns:p="http://schemas.openxmlformats.org/presentationml/2006/main">
   <p:cSld>
     <p:spTree>
@@ -8356,7 +10113,7 @@
             <a:fld id="{F546B7B7-7D14-4795-A998-350CFB2BDD43}" type="slidenum">
               <a:rPr lang="fr-FR" smtClean="0"/>
               <a:pPr/>
-              <a:t>20</a:t>
+              <a:t>21</a:t>
             </a:fld>
             <a:endParaRPr lang="fr-FR"/>
           </a:p>
@@ -8474,7 +10231,7 @@
 </p:sld>
 </file>
 
-<file path=ppt/slides/slide21.xml><?xml version="1.0" encoding="utf-8"?>
+<file path=ppt/slides/slide22.xml><?xml version="1.0" encoding="utf-8"?>
 <p:sld xmlns:a="http://schemas.openxmlformats.org/drawingml/2006/main" xmlns:r="http://schemas.openxmlformats.org/officeDocument/2006/relationships" xmlns:p="http://schemas.openxmlformats.org/presentationml/2006/main">
   <p:cSld>
     <p:spTree>
@@ -8521,7 +10278,7 @@
             <a:fld id="{F546B7B7-7D14-4795-A998-350CFB2BDD43}" type="slidenum">
               <a:rPr lang="fr-FR" smtClean="0"/>
               <a:pPr/>
-              <a:t>21</a:t>
+              <a:t>22</a:t>
             </a:fld>
             <a:endParaRPr lang="fr-FR"/>
           </a:p>
@@ -8621,7 +10378,7 @@
 </p:sld>
 </file>
 
-<file path=ppt/slides/slide22.xml><?xml version="1.0" encoding="utf-8"?>
+<file path=ppt/slides/slide23.xml><?xml version="1.0" encoding="utf-8"?>
 <p:sld xmlns:a="http://schemas.openxmlformats.org/drawingml/2006/main" xmlns:r="http://schemas.openxmlformats.org/officeDocument/2006/relationships" xmlns:p="http://schemas.openxmlformats.org/presentationml/2006/main">
   <p:cSld>
     <p:spTree>
@@ -8668,7 +10425,7 @@
             <a:fld id="{F546B7B7-7D14-4795-A998-350CFB2BDD43}" type="slidenum">
               <a:rPr lang="fr-FR" smtClean="0"/>
               <a:pPr/>
-              <a:t>22</a:t>
+              <a:t>23</a:t>
             </a:fld>
             <a:endParaRPr lang="fr-FR"/>
           </a:p>
@@ -8768,7 +10525,7 @@
 </p:sld>
 </file>
 
-<file path=ppt/slides/slide23.xml><?xml version="1.0" encoding="utf-8"?>
+<file path=ppt/slides/slide24.xml><?xml version="1.0" encoding="utf-8"?>
 <p:sld xmlns:a="http://schemas.openxmlformats.org/drawingml/2006/main" xmlns:r="http://schemas.openxmlformats.org/officeDocument/2006/relationships" xmlns:p="http://schemas.openxmlformats.org/presentationml/2006/main">
   <p:cSld>
     <p:spTree>
@@ -8815,7 +10572,7 @@
             <a:fld id="{F546B7B7-7D14-4795-A998-350CFB2BDD43}" type="slidenum">
               <a:rPr lang="fr-FR" smtClean="0"/>
               <a:pPr/>
-              <a:t>23</a:t>
+              <a:t>24</a:t>
             </a:fld>
             <a:endParaRPr lang="fr-FR"/>
           </a:p>
@@ -8902,6 +10659,42 @@
           </a:prstGeom>
         </p:spPr>
       </p:pic>
+      <p:pic>
+        <p:nvPicPr>
+          <p:cNvPr id="6" name="Image 5">
+            <a:extLst>
+              <a:ext uri="{FF2B5EF4-FFF2-40B4-BE49-F238E27FC236}">
+                <a16:creationId xmlns:a16="http://schemas.microsoft.com/office/drawing/2014/main" id="{D23AC962-1BBC-5893-FA64-FBBF3CB72B31}"/>
+              </a:ext>
+            </a:extLst>
+          </p:cNvPr>
+          <p:cNvPicPr>
+            <a:picLocks noChangeAspect="1"/>
+          </p:cNvPicPr>
+          <p:nvPr/>
+        </p:nvPicPr>
+        <p:blipFill>
+          <a:blip r:embed="rId4">
+            <a:extLst>
+              <a:ext uri="{28A0092B-C50C-407E-A947-70E740481C1C}">
+                <a14:useLocalDpi xmlns:a14="http://schemas.microsoft.com/office/drawing/2010/main" val="0"/>
+              </a:ext>
+            </a:extLst>
+          </a:blip>
+          <a:stretch>
+            <a:fillRect/>
+          </a:stretch>
+        </p:blipFill>
+        <p:spPr>
+          <a:xfrm>
+            <a:off x="4395237" y="1879555"/>
+            <a:ext cx="6958563" cy="4004928"/>
+          </a:xfrm>
+          <a:prstGeom prst="rect">
+            <a:avLst/>
+          </a:prstGeom>
+        </p:spPr>
+      </p:pic>
     </p:spTree>
     <p:extLst>
       <p:ext uri="{BB962C8B-B14F-4D97-AF65-F5344CB8AC3E}">
@@ -8915,7 +10708,7 @@
 </p:sld>
 </file>
 
-<file path=ppt/slides/slide24.xml><?xml version="1.0" encoding="utf-8"?>
+<file path=ppt/slides/slide25.xml><?xml version="1.0" encoding="utf-8"?>
 <p:sld xmlns:a="http://schemas.openxmlformats.org/drawingml/2006/main" xmlns:r="http://schemas.openxmlformats.org/officeDocument/2006/relationships" xmlns:p="http://schemas.openxmlformats.org/presentationml/2006/main">
   <p:cSld>
     <p:spTree>
@@ -8956,7 +10749,7 @@
             <a:fld id="{F546B7B7-7D14-4795-A998-350CFB2BDD43}" type="slidenum">
               <a:rPr lang="fr-FR" smtClean="0"/>
               <a:pPr/>
-              <a:t>24</a:t>
+              <a:t>25</a:t>
             </a:fld>
             <a:endParaRPr lang="fr-FR"/>
           </a:p>
@@ -8975,7 +10768,7 @@
 </p:sld>
 </file>
 
-<file path=ppt/slides/slide25.xml><?xml version="1.0" encoding="utf-8"?>
+<file path=ppt/slides/slide26.xml><?xml version="1.0" encoding="utf-8"?>
 <p:sld xmlns:a="http://schemas.openxmlformats.org/drawingml/2006/main" xmlns:r="http://schemas.openxmlformats.org/officeDocument/2006/relationships" xmlns:p="http://schemas.openxmlformats.org/presentationml/2006/main">
   <p:cSld>
     <p:spTree>
@@ -9022,7 +10815,7 @@
             <a:fld id="{F546B7B7-7D14-4795-A998-350CFB2BDD43}" type="slidenum">
               <a:rPr lang="fr-FR" smtClean="0"/>
               <a:pPr/>
-              <a:t>25</a:t>
+              <a:t>26</a:t>
             </a:fld>
             <a:endParaRPr lang="fr-FR"/>
           </a:p>
@@ -9041,7 +10834,7 @@
 </p:sld>
 </file>
 
-<file path=ppt/slides/slide26.xml><?xml version="1.0" encoding="utf-8"?>
+<file path=ppt/slides/slide27.xml><?xml version="1.0" encoding="utf-8"?>
 <p:sld xmlns:a="http://schemas.openxmlformats.org/drawingml/2006/main" xmlns:r="http://schemas.openxmlformats.org/officeDocument/2006/relationships" xmlns:p="http://schemas.openxmlformats.org/presentationml/2006/main">
   <p:cSld>
     <p:spTree>
@@ -9082,7 +10875,7 @@
             <a:fld id="{F546B7B7-7D14-4795-A998-350CFB2BDD43}" type="slidenum">
               <a:rPr lang="fr-FR" smtClean="0"/>
               <a:pPr/>
-              <a:t>26</a:t>
+              <a:t>27</a:t>
             </a:fld>
             <a:endParaRPr lang="fr-FR"/>
           </a:p>
@@ -9101,7 +10894,7 @@
 </p:sld>
 </file>
 
-<file path=ppt/slides/slide27.xml><?xml version="1.0" encoding="utf-8"?>
+<file path=ppt/slides/slide28.xml><?xml version="1.0" encoding="utf-8"?>
 <p:sld xmlns:a="http://schemas.openxmlformats.org/drawingml/2006/main" xmlns:r="http://schemas.openxmlformats.org/officeDocument/2006/relationships" xmlns:p="http://schemas.openxmlformats.org/presentationml/2006/main">
   <p:cSld>
     <p:spTree>
@@ -9148,12 +10941,93 @@
             <a:fld id="{F546B7B7-7D14-4795-A998-350CFB2BDD43}" type="slidenum">
               <a:rPr lang="fr-FR" smtClean="0"/>
               <a:pPr/>
-              <a:t>27</a:t>
+              <a:t>28</a:t>
             </a:fld>
             <a:endParaRPr lang="fr-FR" dirty="0"/>
           </a:p>
         </p:txBody>
       </p:sp>
+      <p:sp>
+        <p:nvSpPr>
+          <p:cNvPr id="3" name="ZoneTexte 2">
+            <a:extLst>
+              <a:ext uri="{FF2B5EF4-FFF2-40B4-BE49-F238E27FC236}">
+                <a16:creationId xmlns:a16="http://schemas.microsoft.com/office/drawing/2014/main" id="{CE5A935D-6C97-6D69-D581-24F8704F08B1}"/>
+              </a:ext>
+            </a:extLst>
+          </p:cNvPr>
+          <p:cNvSpPr txBox="1"/>
+          <p:nvPr/>
+        </p:nvSpPr>
+        <p:spPr>
+          <a:xfrm>
+            <a:off x="2" y="532969"/>
+            <a:ext cx="12191999" cy="646331"/>
+          </a:xfrm>
+          <a:prstGeom prst="rect">
+            <a:avLst/>
+          </a:prstGeom>
+          <a:solidFill>
+            <a:srgbClr val="006A5A"/>
+          </a:solidFill>
+        </p:spPr>
+        <p:txBody>
+          <a:bodyPr wrap="square" rtlCol="0">
+            <a:spAutoFit/>
+          </a:bodyPr>
+          <a:lstStyle/>
+          <a:p>
+            <a:r>
+              <a:rPr lang="fr-FR" sz="3600" b="1" dirty="0">
+                <a:solidFill>
+                  <a:schemeClr val="bg1"/>
+                </a:solidFill>
+                <a:latin typeface="Gill Sans MT" panose="020B0502020104020203" pitchFamily="34" charset="0"/>
+              </a:rPr>
+              <a:t>Conclusion</a:t>
+            </a:r>
+          </a:p>
+        </p:txBody>
+      </p:sp>
+      <p:pic>
+        <p:nvPicPr>
+          <p:cNvPr id="4" name="Graphique 3" descr="Flèches de chevron">
+            <a:extLst>
+              <a:ext uri="{FF2B5EF4-FFF2-40B4-BE49-F238E27FC236}">
+                <a16:creationId xmlns:a16="http://schemas.microsoft.com/office/drawing/2014/main" id="{5656D646-2ADE-3673-AEFA-DA2A546191F0}"/>
+              </a:ext>
+            </a:extLst>
+          </p:cNvPr>
+          <p:cNvPicPr>
+            <a:picLocks noChangeAspect="1"/>
+          </p:cNvPicPr>
+          <p:nvPr/>
+        </p:nvPicPr>
+        <p:blipFill>
+          <a:blip r:embed="rId2">
+            <a:extLst>
+              <a:ext uri="{28A0092B-C50C-407E-A947-70E740481C1C}">
+                <a14:useLocalDpi xmlns:a14="http://schemas.microsoft.com/office/drawing/2010/main" val="0"/>
+              </a:ext>
+              <a:ext uri="{96DAC541-7B7A-43D3-8B79-37D633B846F1}">
+                <asvg:svgBlip xmlns:asvg="http://schemas.microsoft.com/office/drawing/2016/SVG/main" r:embed="rId3"/>
+              </a:ext>
+            </a:extLst>
+          </a:blip>
+          <a:stretch>
+            <a:fillRect/>
+          </a:stretch>
+        </p:blipFill>
+        <p:spPr>
+          <a:xfrm>
+            <a:off x="11078692" y="266700"/>
+            <a:ext cx="1170459" cy="1170459"/>
+          </a:xfrm>
+          <a:prstGeom prst="rect">
+            <a:avLst/>
+          </a:prstGeom>
+        </p:spPr>
+      </p:pic>
     </p:spTree>
     <p:extLst>
       <p:ext uri="{BB962C8B-B14F-4D97-AF65-F5344CB8AC3E}">
@@ -9167,7 +11041,7 @@
 </p:sld>
 </file>
 
-<file path=ppt/slides/slide28.xml><?xml version="1.0" encoding="utf-8"?>
+<file path=ppt/slides/slide29.xml><?xml version="1.0" encoding="utf-8"?>
 <p:sld xmlns:a="http://schemas.openxmlformats.org/drawingml/2006/main" xmlns:r="http://schemas.openxmlformats.org/officeDocument/2006/relationships" xmlns:p="http://schemas.openxmlformats.org/presentationml/2006/main">
   <p:cSld>
     <p:spTree>
@@ -9314,7 +11188,7 @@
                 <a:latin typeface="Montserrat" panose="02000505000000020004" pitchFamily="2" charset="0"/>
               </a:rPr>
               <a:pPr algn="r"/>
-              <a:t>28</a:t>
+              <a:t>29</a:t>
             </a:fld>
             <a:endParaRPr lang="fr-FR" dirty="0">
               <a:solidFill>
@@ -9636,6 +11510,87 @@
           </a:p>
         </p:txBody>
       </p:sp>
+      <p:sp>
+        <p:nvSpPr>
+          <p:cNvPr id="2" name="ZoneTexte 1">
+            <a:extLst>
+              <a:ext uri="{FF2B5EF4-FFF2-40B4-BE49-F238E27FC236}">
+                <a16:creationId xmlns:a16="http://schemas.microsoft.com/office/drawing/2014/main" id="{0A4C5EA5-8EC5-BD2E-0FB5-DC298C4E156C}"/>
+              </a:ext>
+            </a:extLst>
+          </p:cNvPr>
+          <p:cNvSpPr txBox="1"/>
+          <p:nvPr/>
+        </p:nvSpPr>
+        <p:spPr>
+          <a:xfrm>
+            <a:off x="2" y="532969"/>
+            <a:ext cx="12191999" cy="646331"/>
+          </a:xfrm>
+          <a:prstGeom prst="rect">
+            <a:avLst/>
+          </a:prstGeom>
+          <a:solidFill>
+            <a:srgbClr val="006A5A"/>
+          </a:solidFill>
+        </p:spPr>
+        <p:txBody>
+          <a:bodyPr wrap="square" rtlCol="0">
+            <a:spAutoFit/>
+          </a:bodyPr>
+          <a:lstStyle/>
+          <a:p>
+            <a:r>
+              <a:rPr lang="fr-FR" sz="3600" b="1" dirty="0">
+                <a:solidFill>
+                  <a:schemeClr val="bg1"/>
+                </a:solidFill>
+                <a:latin typeface="Gill Sans MT" panose="020B0502020104020203" pitchFamily="34" charset="0"/>
+              </a:rPr>
+              <a:t>Introduction</a:t>
+            </a:r>
+          </a:p>
+        </p:txBody>
+      </p:sp>
+      <p:pic>
+        <p:nvPicPr>
+          <p:cNvPr id="4" name="Graphique 3" descr="Flèches de chevron">
+            <a:extLst>
+              <a:ext uri="{FF2B5EF4-FFF2-40B4-BE49-F238E27FC236}">
+                <a16:creationId xmlns:a16="http://schemas.microsoft.com/office/drawing/2014/main" id="{358D0F2A-5D55-3BCA-A5C6-BEE40DA79E83}"/>
+              </a:ext>
+            </a:extLst>
+          </p:cNvPr>
+          <p:cNvPicPr>
+            <a:picLocks noChangeAspect="1"/>
+          </p:cNvPicPr>
+          <p:nvPr/>
+        </p:nvPicPr>
+        <p:blipFill>
+          <a:blip r:embed="rId2">
+            <a:extLst>
+              <a:ext uri="{28A0092B-C50C-407E-A947-70E740481C1C}">
+                <a14:useLocalDpi xmlns:a14="http://schemas.microsoft.com/office/drawing/2010/main" val="0"/>
+              </a:ext>
+              <a:ext uri="{96DAC541-7B7A-43D3-8B79-37D633B846F1}">
+                <asvg:svgBlip xmlns:asvg="http://schemas.microsoft.com/office/drawing/2016/SVG/main" r:embed="rId3"/>
+              </a:ext>
+            </a:extLst>
+          </a:blip>
+          <a:stretch>
+            <a:fillRect/>
+          </a:stretch>
+        </p:blipFill>
+        <p:spPr>
+          <a:xfrm>
+            <a:off x="11078692" y="266700"/>
+            <a:ext cx="1170459" cy="1170459"/>
+          </a:xfrm>
+          <a:prstGeom prst="rect">
+            <a:avLst/>
+          </a:prstGeom>
+        </p:spPr>
+      </p:pic>
     </p:spTree>
     <p:extLst>
       <p:ext uri="{BB962C8B-B14F-4D97-AF65-F5344CB8AC3E}">

--- a/Présentation/Soutenance_Groupe25.pptx
+++ b/Présentation/Soutenance_Groupe25.pptx
@@ -9,41 +9,45 @@
     <p:sldMasterId id="2147483672" r:id="rId5"/>
   </p:sldMasterIdLst>
   <p:notesMasterIdLst>
-    <p:notesMasterId r:id="rId35"/>
+    <p:notesMasterId r:id="rId39"/>
   </p:notesMasterIdLst>
   <p:handoutMasterIdLst>
-    <p:handoutMasterId r:id="rId36"/>
+    <p:handoutMasterId r:id="rId40"/>
   </p:handoutMasterIdLst>
   <p:sldIdLst>
     <p:sldId id="257" r:id="rId6"/>
     <p:sldId id="258" r:id="rId7"/>
     <p:sldId id="259" r:id="rId8"/>
     <p:sldId id="260" r:id="rId9"/>
-    <p:sldId id="263" r:id="rId10"/>
-    <p:sldId id="264" r:id="rId11"/>
-    <p:sldId id="275" r:id="rId12"/>
-    <p:sldId id="265" r:id="rId13"/>
-    <p:sldId id="266" r:id="rId14"/>
-    <p:sldId id="276" r:id="rId15"/>
-    <p:sldId id="277" r:id="rId16"/>
-    <p:sldId id="278" r:id="rId17"/>
-    <p:sldId id="267" r:id="rId18"/>
-    <p:sldId id="268" r:id="rId19"/>
-    <p:sldId id="279" r:id="rId20"/>
-    <p:sldId id="280" r:id="rId21"/>
-    <p:sldId id="281" r:id="rId22"/>
-    <p:sldId id="286" r:id="rId23"/>
-    <p:sldId id="269" r:id="rId24"/>
-    <p:sldId id="270" r:id="rId25"/>
-    <p:sldId id="282" r:id="rId26"/>
-    <p:sldId id="283" r:id="rId27"/>
-    <p:sldId id="284" r:id="rId28"/>
-    <p:sldId id="285" r:id="rId29"/>
-    <p:sldId id="272" r:id="rId30"/>
-    <p:sldId id="271" r:id="rId31"/>
-    <p:sldId id="261" r:id="rId32"/>
-    <p:sldId id="273" r:id="rId33"/>
-    <p:sldId id="274" r:id="rId34"/>
+    <p:sldId id="288" r:id="rId10"/>
+    <p:sldId id="263" r:id="rId11"/>
+    <p:sldId id="264" r:id="rId12"/>
+    <p:sldId id="289" r:id="rId13"/>
+    <p:sldId id="275" r:id="rId14"/>
+    <p:sldId id="293" r:id="rId15"/>
+    <p:sldId id="291" r:id="rId16"/>
+    <p:sldId id="265" r:id="rId17"/>
+    <p:sldId id="266" r:id="rId18"/>
+    <p:sldId id="276" r:id="rId19"/>
+    <p:sldId id="277" r:id="rId20"/>
+    <p:sldId id="278" r:id="rId21"/>
+    <p:sldId id="267" r:id="rId22"/>
+    <p:sldId id="268" r:id="rId23"/>
+    <p:sldId id="279" r:id="rId24"/>
+    <p:sldId id="280" r:id="rId25"/>
+    <p:sldId id="281" r:id="rId26"/>
+    <p:sldId id="286" r:id="rId27"/>
+    <p:sldId id="269" r:id="rId28"/>
+    <p:sldId id="270" r:id="rId29"/>
+    <p:sldId id="282" r:id="rId30"/>
+    <p:sldId id="283" r:id="rId31"/>
+    <p:sldId id="284" r:id="rId32"/>
+    <p:sldId id="285" r:id="rId33"/>
+    <p:sldId id="272" r:id="rId34"/>
+    <p:sldId id="271" r:id="rId35"/>
+    <p:sldId id="261" r:id="rId36"/>
+    <p:sldId id="273" r:id="rId37"/>
+    <p:sldId id="274" r:id="rId38"/>
   </p:sldIdLst>
   <p:sldSz cx="12192000" cy="6858000"/>
   <p:notesSz cx="6858000" cy="9144000"/>
@@ -244,7 +248,7 @@
           <a:p>
             <a:fld id="{02EF5511-433E-438D-93BB-1E1EB804EB9E}" type="datetimeFigureOut">
               <a:rPr lang="fr-FR" smtClean="0"/>
-              <a:t>13/04/2025</a:t>
+              <a:t>19/04/2025</a:t>
             </a:fld>
             <a:endParaRPr lang="fr-FR"/>
           </a:p>
@@ -422,7 +426,7 @@
           <a:p>
             <a:fld id="{173019D8-EACC-4538-984E-33CCC42DAA4E}" type="datetimeFigureOut">
               <a:rPr lang="fr-FR" smtClean="0"/>
-              <a:t>13/04/2025</a:t>
+              <a:t>19/04/2025</a:t>
             </a:fld>
             <a:endParaRPr lang="fr-FR"/>
           </a:p>
@@ -915,7 +919,7 @@
             <a:fld id="{B4BDA9CF-F2B2-41BE-8486-9C59032E0655}" type="datetime4">
               <a:rPr lang="fr-FR" smtClean="0"/>
               <a:pPr/>
-              <a:t>13 avril 2025</a:t>
+              <a:t>19 avril 2025</a:t>
             </a:fld>
             <a:endParaRPr lang="fr-FR" dirty="0"/>
           </a:p>
@@ -7011,7 +7015,7 @@
         <p:cNvPr id="1" name="">
           <a:extLst>
             <a:ext uri="{FF2B5EF4-FFF2-40B4-BE49-F238E27FC236}">
-              <a16:creationId xmlns:a16="http://schemas.microsoft.com/office/drawing/2014/main" id="{9D13170E-A7F5-0DD7-25CF-965B06E13C35}"/>
+              <a16:creationId xmlns:a16="http://schemas.microsoft.com/office/drawing/2014/main" id="{5900AD3D-343A-C379-EDB0-F2C8E19E28E1}"/>
             </a:ext>
           </a:extLst>
         </p:cNvPr>
@@ -7028,10 +7032,10 @@
       </p:grpSpPr>
       <p:sp>
         <p:nvSpPr>
-          <p:cNvPr id="2" name="Espace réservé du numéro de diapositive 1">
-            <a:extLst>
-              <a:ext uri="{FF2B5EF4-FFF2-40B4-BE49-F238E27FC236}">
-                <a16:creationId xmlns:a16="http://schemas.microsoft.com/office/drawing/2014/main" id="{063D944C-3C21-BB3D-D02B-3CDF035BF080}"/>
+          <p:cNvPr id="3" name="Espace réservé du numéro de diapositive 2">
+            <a:extLst>
+              <a:ext uri="{FF2B5EF4-FFF2-40B4-BE49-F238E27FC236}">
+                <a16:creationId xmlns:a16="http://schemas.microsoft.com/office/drawing/2014/main" id="{CCFB11F8-ACFC-836C-4375-31E29B73C366}"/>
               </a:ext>
             </a:extLst>
           </p:cNvPr>
@@ -7042,7 +7046,12 @@
             <p:ph type="sldNum" sz="quarter" idx="4"/>
           </p:nvPr>
         </p:nvSpPr>
-        <p:spPr/>
+        <p:spPr>
+          <a:xfrm>
+            <a:off x="8610600" y="6356350"/>
+            <a:ext cx="2743200" cy="365125"/>
+          </a:xfrm>
+        </p:spPr>
         <p:txBody>
           <a:bodyPr/>
           <a:lstStyle/>
@@ -7058,10 +7067,10 @@
       </p:sp>
       <p:sp>
         <p:nvSpPr>
-          <p:cNvPr id="3" name="ZoneTexte 2">
-            <a:extLst>
-              <a:ext uri="{FF2B5EF4-FFF2-40B4-BE49-F238E27FC236}">
-                <a16:creationId xmlns:a16="http://schemas.microsoft.com/office/drawing/2014/main" id="{A88BB36C-22B0-C514-5127-3F70D4409339}"/>
+          <p:cNvPr id="2" name="ZoneTexte 1">
+            <a:extLst>
+              <a:ext uri="{FF2B5EF4-FFF2-40B4-BE49-F238E27FC236}">
+                <a16:creationId xmlns:a16="http://schemas.microsoft.com/office/drawing/2014/main" id="{1C98E2B9-A4CA-A865-4233-15D3C187F1F7}"/>
               </a:ext>
             </a:extLst>
           </p:cNvPr>
@@ -7093,7 +7102,7 @@
                 </a:solidFill>
                 <a:latin typeface="Gill Sans MT" panose="020B0502020104020203" pitchFamily="34" charset="0"/>
               </a:rPr>
-              <a:t>2.2. Traitements réalisés sur la base de données</a:t>
+              <a:t>1.2. Revue de littérature</a:t>
             </a:r>
           </a:p>
         </p:txBody>
@@ -7103,7 +7112,7 @@
           <p:cNvPr id="4" name="Graphique 3" descr="Flèches de chevron">
             <a:extLst>
               <a:ext uri="{FF2B5EF4-FFF2-40B4-BE49-F238E27FC236}">
-                <a16:creationId xmlns:a16="http://schemas.microsoft.com/office/drawing/2014/main" id="{E7CBEBBD-EC89-234C-5549-1D98CA7C0843}"/>
+                <a16:creationId xmlns:a16="http://schemas.microsoft.com/office/drawing/2014/main" id="{AB73524E-1DA0-D3E7-AEEC-E55EB1E9DCD9}"/>
               </a:ext>
             </a:extLst>
           </p:cNvPr>
@@ -7137,10 +7146,392 @@
           </a:prstGeom>
         </p:spPr>
       </p:pic>
+      <p:sp>
+        <p:nvSpPr>
+          <p:cNvPr id="7" name="ZoneTexte 6">
+            <a:extLst>
+              <a:ext uri="{FF2B5EF4-FFF2-40B4-BE49-F238E27FC236}">
+                <a16:creationId xmlns:a16="http://schemas.microsoft.com/office/drawing/2014/main" id="{F65E87B2-1646-2D2B-B06A-82C9C68AE0F6}"/>
+              </a:ext>
+            </a:extLst>
+          </p:cNvPr>
+          <p:cNvSpPr txBox="1"/>
+          <p:nvPr/>
+        </p:nvSpPr>
+        <p:spPr>
+          <a:xfrm>
+            <a:off x="0" y="1437159"/>
+            <a:ext cx="12192000" cy="375552"/>
+          </a:xfrm>
+          <a:prstGeom prst="rect">
+            <a:avLst/>
+          </a:prstGeom>
+          <a:solidFill>
+            <a:srgbClr val="006A5A"/>
+          </a:solidFill>
+        </p:spPr>
+        <p:txBody>
+          <a:bodyPr wrap="square">
+            <a:spAutoFit/>
+          </a:bodyPr>
+          <a:lstStyle/>
+          <a:p>
+            <a:pPr algn="ctr">
+              <a:lnSpc>
+                <a:spcPts val="2143"/>
+              </a:lnSpc>
+              <a:spcBef>
+                <a:spcPts val="1372"/>
+              </a:spcBef>
+              <a:spcAft>
+                <a:spcPts val="1029"/>
+              </a:spcAft>
+            </a:pPr>
+            <a:r>
+              <a:rPr lang="fr-FR" sz="2400" b="1" dirty="0">
+                <a:solidFill>
+                  <a:schemeClr val="bg1"/>
+                </a:solidFill>
+              </a:rPr>
+              <a:t>Principaux déterminants des consultations médicales</a:t>
+            </a:r>
+          </a:p>
+        </p:txBody>
+      </p:sp>
+      <p:sp>
+        <p:nvSpPr>
+          <p:cNvPr id="11" name="ZoneTexte 10">
+            <a:extLst>
+              <a:ext uri="{FF2B5EF4-FFF2-40B4-BE49-F238E27FC236}">
+                <a16:creationId xmlns:a16="http://schemas.microsoft.com/office/drawing/2014/main" id="{3D32B540-2C92-2D78-5A95-A4AC0AF32766}"/>
+              </a:ext>
+            </a:extLst>
+          </p:cNvPr>
+          <p:cNvSpPr txBox="1"/>
+          <p:nvPr/>
+        </p:nvSpPr>
+        <p:spPr>
+          <a:xfrm>
+            <a:off x="0" y="2269359"/>
+            <a:ext cx="12191999" cy="4120167"/>
+          </a:xfrm>
+          <a:prstGeom prst="rect">
+            <a:avLst/>
+          </a:prstGeom>
+          <a:noFill/>
+        </p:spPr>
+        <p:txBody>
+          <a:bodyPr wrap="square">
+            <a:spAutoFit/>
+          </a:bodyPr>
+          <a:lstStyle/>
+          <a:p>
+            <a:pPr marL="342900" indent="-342900" algn="l">
+              <a:lnSpc>
+                <a:spcPts val="2143"/>
+              </a:lnSpc>
+              <a:spcBef>
+                <a:spcPts val="1372"/>
+              </a:spcBef>
+              <a:spcAft>
+                <a:spcPts val="1029"/>
+              </a:spcAft>
+              <a:buFont typeface="Wingdings" panose="05000000000000000000" pitchFamily="2" charset="2"/>
+              <a:buChar char="§"/>
+            </a:pPr>
+            <a:r>
+              <a:rPr lang="fr-FR" sz="2400" b="1" i="0" dirty="0">
+                <a:solidFill>
+                  <a:srgbClr val="404040"/>
+                </a:solidFill>
+                <a:effectLst/>
+                <a:latin typeface="DeepSeek-CJK-patch"/>
+              </a:rPr>
+              <a:t>Accès géographique</a:t>
+            </a:r>
+            <a:endParaRPr lang="fr-FR" sz="2400" b="0" i="0" dirty="0">
+              <a:solidFill>
+                <a:srgbClr val="404040"/>
+              </a:solidFill>
+              <a:effectLst/>
+              <a:latin typeface="DeepSeek-CJK-patch"/>
+            </a:endParaRPr>
+          </a:p>
+          <a:p>
+            <a:pPr marL="800100" lvl="1" indent="-342900">
+              <a:lnSpc>
+                <a:spcPts val="2143"/>
+              </a:lnSpc>
+              <a:spcBef>
+                <a:spcPts val="1029"/>
+              </a:spcBef>
+              <a:spcAft>
+                <a:spcPts val="1029"/>
+              </a:spcAft>
+              <a:buFont typeface="Wingdings" panose="05000000000000000000" pitchFamily="2" charset="2"/>
+              <a:buChar char="ü"/>
+            </a:pPr>
+            <a:r>
+              <a:rPr lang="fr-FR" sz="2400" b="1" i="0" dirty="0">
+                <a:solidFill>
+                  <a:srgbClr val="404040"/>
+                </a:solidFill>
+                <a:effectLst/>
+                <a:latin typeface="DeepSeek-CJK-patch"/>
+              </a:rPr>
+              <a:t>Densité médicale</a:t>
+            </a:r>
+            <a:r>
+              <a:rPr lang="fr-FR" sz="2400" b="0" i="0" dirty="0">
+                <a:solidFill>
+                  <a:srgbClr val="404040"/>
+                </a:solidFill>
+                <a:effectLst/>
+                <a:latin typeface="DeepSeek-CJK-patch"/>
+              </a:rPr>
+              <a:t> (</a:t>
+            </a:r>
+            <a:r>
+              <a:rPr lang="fr-FR" sz="2400" dirty="0" err="1"/>
+              <a:t>Irdes</a:t>
+            </a:r>
+            <a:r>
+              <a:rPr lang="fr-FR" sz="2400" dirty="0"/>
+              <a:t>, 2020) </a:t>
+            </a:r>
+            <a:r>
+              <a:rPr lang="fr-FR" sz="2400" b="0" i="0" dirty="0">
+                <a:solidFill>
+                  <a:srgbClr val="404040"/>
+                </a:solidFill>
+                <a:effectLst/>
+                <a:latin typeface="DeepSeek-CJK-patch"/>
+              </a:rPr>
+              <a:t>:</a:t>
+            </a:r>
+            <a:br>
+              <a:rPr lang="fr-FR" sz="2400" b="0" i="0" dirty="0">
+                <a:solidFill>
+                  <a:srgbClr val="404040"/>
+                </a:solidFill>
+                <a:effectLst/>
+                <a:latin typeface="DeepSeek-CJK-patch"/>
+              </a:rPr>
+            </a:br>
+            <a:r>
+              <a:rPr lang="fr-FR" sz="2400" b="0" i="0" dirty="0">
+                <a:solidFill>
+                  <a:srgbClr val="404040"/>
+                </a:solidFill>
+                <a:effectLst/>
+                <a:latin typeface="DeepSeek-CJK-patch"/>
+              </a:rPr>
+              <a:t>↗ Zones urbaines = accès facilité.</a:t>
+            </a:r>
+            <a:br>
+              <a:rPr lang="fr-FR" sz="2400" b="0" i="0" dirty="0">
+                <a:solidFill>
+                  <a:srgbClr val="404040"/>
+                </a:solidFill>
+                <a:effectLst/>
+                <a:latin typeface="DeepSeek-CJK-patch"/>
+              </a:rPr>
+            </a:br>
+            <a:r>
+              <a:rPr lang="fr-FR" sz="2400" b="0" i="0" dirty="0">
+                <a:solidFill>
+                  <a:srgbClr val="404040"/>
+                </a:solidFill>
+                <a:effectLst/>
+                <a:latin typeface="DeepSeek-CJK-patch"/>
+              </a:rPr>
+              <a:t>↘ Zones rurales = déserts médicaux (distance, délais).</a:t>
+            </a:r>
+          </a:p>
+          <a:p>
+            <a:pPr marL="800100" lvl="1" indent="-342900">
+              <a:lnSpc>
+                <a:spcPts val="2143"/>
+              </a:lnSpc>
+              <a:spcBef>
+                <a:spcPts val="300"/>
+              </a:spcBef>
+              <a:spcAft>
+                <a:spcPts val="1029"/>
+              </a:spcAft>
+              <a:buFont typeface="Wingdings" panose="05000000000000000000" pitchFamily="2" charset="2"/>
+              <a:buChar char="ü"/>
+            </a:pPr>
+            <a:r>
+              <a:rPr lang="fr-FR" sz="2400" b="1" i="0" dirty="0">
+                <a:solidFill>
+                  <a:srgbClr val="404040"/>
+                </a:solidFill>
+                <a:effectLst/>
+                <a:latin typeface="DeepSeek-CJK-patch"/>
+              </a:rPr>
+              <a:t>Renoncement aux soins</a:t>
+            </a:r>
+            <a:r>
+              <a:rPr lang="fr-FR" sz="2400" b="0" i="0" dirty="0">
+                <a:solidFill>
+                  <a:srgbClr val="404040"/>
+                </a:solidFill>
+                <a:effectLst/>
+                <a:latin typeface="DeepSeek-CJK-patch"/>
+              </a:rPr>
+              <a:t> (</a:t>
+            </a:r>
+            <a:r>
+              <a:rPr lang="fr-FR" sz="2400" dirty="0"/>
+              <a:t>Ministère des Solidarités et de la Santé, 2021) :</a:t>
+            </a:r>
+            <a:br>
+              <a:rPr lang="fr-FR" sz="2400" b="0" i="0" dirty="0">
+                <a:solidFill>
+                  <a:srgbClr val="404040"/>
+                </a:solidFill>
+                <a:effectLst/>
+                <a:latin typeface="DeepSeek-CJK-patch"/>
+              </a:rPr>
+            </a:br>
+            <a:r>
+              <a:rPr lang="fr-FR" sz="2400" b="0" i="0" dirty="0">
+                <a:solidFill>
+                  <a:srgbClr val="404040"/>
+                </a:solidFill>
+                <a:effectLst/>
+                <a:latin typeface="DeepSeek-CJK-patch"/>
+              </a:rPr>
+              <a:t>3,1 % des Français renoncent (8× plus chez les pauvres en zones sous-dotées).</a:t>
+            </a:r>
+          </a:p>
+          <a:p>
+            <a:pPr algn="l">
+              <a:lnSpc>
+                <a:spcPts val="2143"/>
+              </a:lnSpc>
+              <a:spcBef>
+                <a:spcPts val="300"/>
+              </a:spcBef>
+              <a:spcAft>
+                <a:spcPts val="1029"/>
+              </a:spcAft>
+            </a:pPr>
+            <a:endParaRPr lang="fr-FR" sz="2400" dirty="0">
+              <a:solidFill>
+                <a:srgbClr val="404040"/>
+              </a:solidFill>
+            </a:endParaRPr>
+          </a:p>
+          <a:p>
+            <a:pPr marL="342900" indent="-342900" algn="l">
+              <a:lnSpc>
+                <a:spcPts val="2143"/>
+              </a:lnSpc>
+              <a:spcBef>
+                <a:spcPts val="1372"/>
+              </a:spcBef>
+              <a:spcAft>
+                <a:spcPts val="1029"/>
+              </a:spcAft>
+              <a:buFont typeface="Wingdings" panose="05000000000000000000" pitchFamily="2" charset="2"/>
+              <a:buChar char="§"/>
+            </a:pPr>
+            <a:r>
+              <a:rPr lang="fr-FR" sz="2400" b="1" i="0" dirty="0">
+                <a:solidFill>
+                  <a:srgbClr val="404040"/>
+                </a:solidFill>
+                <a:effectLst/>
+                <a:latin typeface="DeepSeek-CJK-patch"/>
+              </a:rPr>
+              <a:t>Perception de la santé </a:t>
+            </a:r>
+            <a:r>
+              <a:rPr lang="fr-FR" sz="2400" i="0" dirty="0">
+                <a:solidFill>
+                  <a:srgbClr val="404040"/>
+                </a:solidFill>
+                <a:effectLst/>
+                <a:latin typeface="DeepSeek-CJK-patch"/>
+              </a:rPr>
+              <a:t>(</a:t>
+            </a:r>
+            <a:r>
+              <a:rPr lang="fr-FR" sz="2400" dirty="0"/>
+              <a:t>Statistique Canada, 2022</a:t>
+            </a:r>
+            <a:r>
+              <a:rPr lang="fr-FR" sz="2400" i="0" dirty="0">
+                <a:solidFill>
+                  <a:srgbClr val="404040"/>
+                </a:solidFill>
+                <a:effectLst/>
+                <a:latin typeface="DeepSeek-CJK-patch"/>
+              </a:rPr>
+              <a:t>)</a:t>
+            </a:r>
+            <a:endParaRPr lang="fr-FR" sz="2400" b="0" i="0" dirty="0">
+              <a:solidFill>
+                <a:srgbClr val="404040"/>
+              </a:solidFill>
+              <a:effectLst/>
+              <a:latin typeface="DeepSeek-CJK-patch"/>
+            </a:endParaRPr>
+          </a:p>
+          <a:p>
+            <a:pPr lvl="1">
+              <a:lnSpc>
+                <a:spcPts val="2143"/>
+              </a:lnSpc>
+              <a:spcBef>
+                <a:spcPts val="1029"/>
+              </a:spcBef>
+              <a:spcAft>
+                <a:spcPts val="1029"/>
+              </a:spcAft>
+            </a:pPr>
+            <a:r>
+              <a:rPr lang="fr-FR" sz="2400" b="0" i="0" dirty="0">
+                <a:solidFill>
+                  <a:srgbClr val="404040"/>
+                </a:solidFill>
+                <a:effectLst/>
+                <a:latin typeface="DeepSeek-CJK-patch"/>
+              </a:rPr>
+              <a:t>↗ Auto-évaluation négative = consultations fréquentes.</a:t>
+            </a:r>
+          </a:p>
+          <a:p>
+            <a:pPr lvl="1">
+              <a:lnSpc>
+                <a:spcPts val="2143"/>
+              </a:lnSpc>
+              <a:spcBef>
+                <a:spcPts val="300"/>
+              </a:spcBef>
+              <a:spcAft>
+                <a:spcPts val="1029"/>
+              </a:spcAft>
+            </a:pPr>
+            <a:r>
+              <a:rPr lang="fr-FR" sz="2400" b="0" i="0" dirty="0">
+                <a:solidFill>
+                  <a:srgbClr val="404040"/>
+                </a:solidFill>
+                <a:effectLst/>
+                <a:latin typeface="DeepSeek-CJK-patch"/>
+              </a:rPr>
+              <a:t>↘ Santé perçue comme bonne = moins de recours.</a:t>
+            </a:r>
+          </a:p>
+        </p:txBody>
+      </p:sp>
     </p:spTree>
     <p:extLst>
       <p:ext uri="{BB962C8B-B14F-4D97-AF65-F5344CB8AC3E}">
-        <p14:creationId xmlns:p14="http://schemas.microsoft.com/office/powerpoint/2010/main" val="3958834888"/>
+        <p14:creationId xmlns:p14="http://schemas.microsoft.com/office/powerpoint/2010/main" val="1674074081"/>
       </p:ext>
     </p:extLst>
   </p:cSld>
@@ -7158,7 +7549,7 @@
         <p:cNvPr id="1" name="">
           <a:extLst>
             <a:ext uri="{FF2B5EF4-FFF2-40B4-BE49-F238E27FC236}">
-              <a16:creationId xmlns:a16="http://schemas.microsoft.com/office/drawing/2014/main" id="{17A87212-A232-0151-F75B-A7B4FAC68B10}"/>
+              <a16:creationId xmlns:a16="http://schemas.microsoft.com/office/drawing/2014/main" id="{E6241B86-8E7D-90B3-9C81-3BDF445D67A5}"/>
             </a:ext>
           </a:extLst>
         </p:cNvPr>
@@ -7175,10 +7566,10 @@
       </p:grpSpPr>
       <p:sp>
         <p:nvSpPr>
-          <p:cNvPr id="2" name="Espace réservé du numéro de diapositive 1">
-            <a:extLst>
-              <a:ext uri="{FF2B5EF4-FFF2-40B4-BE49-F238E27FC236}">
-                <a16:creationId xmlns:a16="http://schemas.microsoft.com/office/drawing/2014/main" id="{72B02DE8-CBBF-3C7D-4EAE-4D8C59C7BF51}"/>
+          <p:cNvPr id="3" name="Espace réservé du numéro de diapositive 2">
+            <a:extLst>
+              <a:ext uri="{FF2B5EF4-FFF2-40B4-BE49-F238E27FC236}">
+                <a16:creationId xmlns:a16="http://schemas.microsoft.com/office/drawing/2014/main" id="{06C1BD33-3102-6148-2C28-9BC659076D70}"/>
               </a:ext>
             </a:extLst>
           </p:cNvPr>
@@ -7189,7 +7580,12 @@
             <p:ph type="sldNum" sz="quarter" idx="4"/>
           </p:nvPr>
         </p:nvSpPr>
-        <p:spPr/>
+        <p:spPr>
+          <a:xfrm>
+            <a:off x="8610600" y="6356350"/>
+            <a:ext cx="2743200" cy="365125"/>
+          </a:xfrm>
+        </p:spPr>
         <p:txBody>
           <a:bodyPr/>
           <a:lstStyle/>
@@ -7205,10 +7601,10 @@
       </p:sp>
       <p:sp>
         <p:nvSpPr>
-          <p:cNvPr id="3" name="ZoneTexte 2">
-            <a:extLst>
-              <a:ext uri="{FF2B5EF4-FFF2-40B4-BE49-F238E27FC236}">
-                <a16:creationId xmlns:a16="http://schemas.microsoft.com/office/drawing/2014/main" id="{77799782-4492-2B68-93B1-81779BB005B2}"/>
+          <p:cNvPr id="2" name="ZoneTexte 1">
+            <a:extLst>
+              <a:ext uri="{FF2B5EF4-FFF2-40B4-BE49-F238E27FC236}">
+                <a16:creationId xmlns:a16="http://schemas.microsoft.com/office/drawing/2014/main" id="{60868D0B-ED35-F808-6D83-05507129356A}"/>
               </a:ext>
             </a:extLst>
           </p:cNvPr>
@@ -7240,7 +7636,7 @@
                 </a:solidFill>
                 <a:latin typeface="Gill Sans MT" panose="020B0502020104020203" pitchFamily="34" charset="0"/>
               </a:rPr>
-              <a:t>2.3. Concepts fondamentaux en économétrie spatiale</a:t>
+              <a:t>1.2. Revue de littérature</a:t>
             </a:r>
           </a:p>
         </p:txBody>
@@ -7250,7 +7646,7 @@
           <p:cNvPr id="4" name="Graphique 3" descr="Flèches de chevron">
             <a:extLst>
               <a:ext uri="{FF2B5EF4-FFF2-40B4-BE49-F238E27FC236}">
-                <a16:creationId xmlns:a16="http://schemas.microsoft.com/office/drawing/2014/main" id="{0E234149-892C-04F7-1E37-E661D2AA2103}"/>
+                <a16:creationId xmlns:a16="http://schemas.microsoft.com/office/drawing/2014/main" id="{C6042DE6-4112-6205-5E3C-7E38A4AE54F2}"/>
               </a:ext>
             </a:extLst>
           </p:cNvPr>
@@ -7284,10 +7680,345 @@
           </a:prstGeom>
         </p:spPr>
       </p:pic>
+      <p:sp>
+        <p:nvSpPr>
+          <p:cNvPr id="6" name="ZoneTexte 5">
+            <a:extLst>
+              <a:ext uri="{FF2B5EF4-FFF2-40B4-BE49-F238E27FC236}">
+                <a16:creationId xmlns:a16="http://schemas.microsoft.com/office/drawing/2014/main" id="{B99BA82A-6A49-2480-8AF1-92E36FD5DF5E}"/>
+              </a:ext>
+            </a:extLst>
+          </p:cNvPr>
+          <p:cNvSpPr txBox="1"/>
+          <p:nvPr/>
+        </p:nvSpPr>
+        <p:spPr>
+          <a:xfrm>
+            <a:off x="0" y="2280436"/>
+            <a:ext cx="12191999" cy="3863686"/>
+          </a:xfrm>
+          <a:prstGeom prst="rect">
+            <a:avLst/>
+          </a:prstGeom>
+          <a:noFill/>
+          <a:ln>
+            <a:noFill/>
+          </a:ln>
+        </p:spPr>
+        <p:txBody>
+          <a:bodyPr wrap="square">
+            <a:spAutoFit/>
+          </a:bodyPr>
+          <a:lstStyle/>
+          <a:p>
+            <a:pPr marL="342900" indent="-342900">
+              <a:lnSpc>
+                <a:spcPts val="2143"/>
+              </a:lnSpc>
+              <a:spcBef>
+                <a:spcPts val="1372"/>
+              </a:spcBef>
+              <a:spcAft>
+                <a:spcPts val="1029"/>
+              </a:spcAft>
+              <a:buFont typeface="Wingdings" panose="05000000000000000000" pitchFamily="2" charset="2"/>
+              <a:buChar char="§"/>
+            </a:pPr>
+            <a:r>
+              <a:rPr lang="fr-FR" sz="2400" b="1" dirty="0"/>
+              <a:t>Facteurs organisationnels</a:t>
+            </a:r>
+          </a:p>
+          <a:p>
+            <a:pPr marL="800100" lvl="1" indent="-342900">
+              <a:spcBef>
+                <a:spcPts val="300"/>
+              </a:spcBef>
+              <a:buFont typeface="Wingdings" panose="05000000000000000000" pitchFamily="2" charset="2"/>
+              <a:buChar char="ü"/>
+            </a:pPr>
+            <a:r>
+              <a:rPr lang="fr-FR" sz="2400" dirty="0">
+                <a:solidFill>
+                  <a:srgbClr val="404040"/>
+                </a:solidFill>
+                <a:latin typeface="DeepSeek-CJK-patch"/>
+              </a:rPr>
+              <a:t>Disponibilité des structures de soins et </a:t>
+            </a:r>
+            <a:r>
+              <a:rPr lang="fr-FR" sz="2400" dirty="0"/>
+              <a:t>qualité des infrastructures</a:t>
+            </a:r>
+            <a:endParaRPr lang="fr-FR" sz="2400" dirty="0">
+              <a:solidFill>
+                <a:srgbClr val="404040"/>
+              </a:solidFill>
+              <a:latin typeface="DeepSeek-CJK-patch"/>
+            </a:endParaRPr>
+          </a:p>
+          <a:p>
+            <a:pPr marL="800100" lvl="1" indent="-342900">
+              <a:spcBef>
+                <a:spcPts val="300"/>
+              </a:spcBef>
+              <a:buFont typeface="Wingdings" panose="05000000000000000000" pitchFamily="2" charset="2"/>
+              <a:buChar char="ü"/>
+            </a:pPr>
+            <a:r>
+              <a:rPr lang="fr-FR" sz="2400" dirty="0"/>
+              <a:t>Accès aux équipements médicaux et disponibilité des services d’urgence</a:t>
+            </a:r>
+            <a:endParaRPr lang="fr-FR" sz="2400" dirty="0">
+              <a:solidFill>
+                <a:srgbClr val="404040"/>
+              </a:solidFill>
+              <a:latin typeface="DeepSeek-CJK-patch"/>
+            </a:endParaRPr>
+          </a:p>
+          <a:p>
+            <a:pPr marL="800100" lvl="1" indent="-342900">
+              <a:spcBef>
+                <a:spcPts val="300"/>
+              </a:spcBef>
+              <a:buFont typeface="Wingdings" panose="05000000000000000000" pitchFamily="2" charset="2"/>
+              <a:buChar char="ü"/>
+            </a:pPr>
+            <a:r>
+              <a:rPr lang="fr-FR" sz="2400" dirty="0">
+                <a:solidFill>
+                  <a:srgbClr val="404040"/>
+                </a:solidFill>
+                <a:latin typeface="DeepSeek-CJK-patch"/>
+              </a:rPr>
+              <a:t>Horaires d’ouverture des cabinets</a:t>
+            </a:r>
+          </a:p>
+          <a:p>
+            <a:pPr marL="800100" lvl="1" indent="-342900">
+              <a:spcBef>
+                <a:spcPts val="300"/>
+              </a:spcBef>
+              <a:buFont typeface="Wingdings" panose="05000000000000000000" pitchFamily="2" charset="2"/>
+              <a:buChar char="ü"/>
+            </a:pPr>
+            <a:r>
+              <a:rPr lang="fr-FR" sz="2400" dirty="0">
+                <a:solidFill>
+                  <a:srgbClr val="404040"/>
+                </a:solidFill>
+                <a:latin typeface="DeepSeek-CJK-patch"/>
+              </a:rPr>
+              <a:t>Collaboration </a:t>
+            </a:r>
+            <a:r>
+              <a:rPr lang="fr-FR" sz="2400" b="0" i="0" dirty="0">
+                <a:solidFill>
+                  <a:srgbClr val="404040"/>
+                </a:solidFill>
+                <a:effectLst/>
+                <a:latin typeface="DeepSeek-CJK-patch"/>
+              </a:rPr>
+              <a:t>entre professionnels de santé</a:t>
+            </a:r>
+          </a:p>
+          <a:p>
+            <a:pPr marL="800100" lvl="1" indent="-342900">
+              <a:spcBef>
+                <a:spcPts val="300"/>
+              </a:spcBef>
+              <a:buFont typeface="Wingdings" panose="05000000000000000000" pitchFamily="2" charset="2"/>
+              <a:buChar char="ü"/>
+            </a:pPr>
+            <a:r>
+              <a:rPr lang="fr-FR" sz="2400" b="0" i="0" dirty="0">
+                <a:solidFill>
+                  <a:srgbClr val="404040"/>
+                </a:solidFill>
+                <a:effectLst/>
+                <a:latin typeface="DeepSeek-CJK-patch"/>
+              </a:rPr>
+              <a:t>Formation des médecins</a:t>
+            </a:r>
+          </a:p>
+          <a:p>
+            <a:pPr marL="342900" indent="-342900">
+              <a:lnSpc>
+                <a:spcPts val="2143"/>
+              </a:lnSpc>
+              <a:spcBef>
+                <a:spcPts val="1372"/>
+              </a:spcBef>
+              <a:spcAft>
+                <a:spcPts val="1029"/>
+              </a:spcAft>
+              <a:buFont typeface="Wingdings" panose="05000000000000000000" pitchFamily="2" charset="2"/>
+              <a:buChar char="§"/>
+            </a:pPr>
+            <a:r>
+              <a:rPr lang="fr-FR" sz="2400" b="1" dirty="0"/>
+              <a:t>Facteurs personnels</a:t>
+            </a:r>
+          </a:p>
+          <a:p>
+            <a:pPr marL="800100" lvl="1" indent="-342900">
+              <a:lnSpc>
+                <a:spcPts val="2143"/>
+              </a:lnSpc>
+              <a:spcBef>
+                <a:spcPts val="300"/>
+              </a:spcBef>
+              <a:spcAft>
+                <a:spcPts val="1029"/>
+              </a:spcAft>
+              <a:buFont typeface="Wingdings" panose="05000000000000000000" pitchFamily="2" charset="2"/>
+              <a:buChar char="ü"/>
+            </a:pPr>
+            <a:r>
+              <a:rPr lang="fr-FR" sz="2400" dirty="0">
+                <a:solidFill>
+                  <a:srgbClr val="404040"/>
+                </a:solidFill>
+                <a:latin typeface="DeepSeek-CJK-patch"/>
+              </a:rPr>
+              <a:t>Expérience professionnelle, formation continue et confiance </a:t>
+            </a:r>
+            <a:r>
+              <a:rPr lang="fr-FR" sz="2400" dirty="0"/>
+              <a:t>en soi des médecins</a:t>
+            </a:r>
+          </a:p>
+          <a:p>
+            <a:pPr marL="800100" lvl="1" indent="-342900">
+              <a:lnSpc>
+                <a:spcPts val="2143"/>
+              </a:lnSpc>
+              <a:spcBef>
+                <a:spcPts val="300"/>
+              </a:spcBef>
+              <a:spcAft>
+                <a:spcPts val="1029"/>
+              </a:spcAft>
+              <a:buFont typeface="Wingdings" panose="05000000000000000000" pitchFamily="2" charset="2"/>
+              <a:buChar char="ü"/>
+            </a:pPr>
+            <a:r>
+              <a:rPr lang="fr-FR" sz="2400" dirty="0"/>
+              <a:t>Présentation des patients, leur niveau d’urgence perçu et leurs attentes</a:t>
+            </a:r>
+          </a:p>
+        </p:txBody>
+      </p:sp>
+      <p:sp>
+        <p:nvSpPr>
+          <p:cNvPr id="7" name="ZoneTexte 6">
+            <a:extLst>
+              <a:ext uri="{FF2B5EF4-FFF2-40B4-BE49-F238E27FC236}">
+                <a16:creationId xmlns:a16="http://schemas.microsoft.com/office/drawing/2014/main" id="{004CC40A-B8D3-007A-5F26-0188E5989988}"/>
+              </a:ext>
+            </a:extLst>
+          </p:cNvPr>
+          <p:cNvSpPr txBox="1"/>
+          <p:nvPr/>
+        </p:nvSpPr>
+        <p:spPr>
+          <a:xfrm>
+            <a:off x="0" y="1437159"/>
+            <a:ext cx="12192000" cy="375552"/>
+          </a:xfrm>
+          <a:prstGeom prst="rect">
+            <a:avLst/>
+          </a:prstGeom>
+          <a:solidFill>
+            <a:srgbClr val="006A5A"/>
+          </a:solidFill>
+        </p:spPr>
+        <p:txBody>
+          <a:bodyPr wrap="square">
+            <a:spAutoFit/>
+          </a:bodyPr>
+          <a:lstStyle/>
+          <a:p>
+            <a:pPr algn="ctr">
+              <a:lnSpc>
+                <a:spcPts val="2143"/>
+              </a:lnSpc>
+              <a:spcBef>
+                <a:spcPts val="1372"/>
+              </a:spcBef>
+              <a:spcAft>
+                <a:spcPts val="1029"/>
+              </a:spcAft>
+            </a:pPr>
+            <a:r>
+              <a:rPr lang="fr-FR" sz="2400" b="1" dirty="0">
+                <a:solidFill>
+                  <a:schemeClr val="bg1"/>
+                </a:solidFill>
+              </a:rPr>
+              <a:t>Facteurs influençant la prise en charge des urgences en médecine générale</a:t>
+            </a:r>
+          </a:p>
+        </p:txBody>
+      </p:sp>
+      <p:sp>
+        <p:nvSpPr>
+          <p:cNvPr id="8" name="ZoneTexte 7">
+            <a:extLst>
+              <a:ext uri="{FF2B5EF4-FFF2-40B4-BE49-F238E27FC236}">
+                <a16:creationId xmlns:a16="http://schemas.microsoft.com/office/drawing/2014/main" id="{A34279CD-87D1-44B7-03DA-204D46F65251}"/>
+              </a:ext>
+            </a:extLst>
+          </p:cNvPr>
+          <p:cNvSpPr txBox="1"/>
+          <p:nvPr/>
+        </p:nvSpPr>
+        <p:spPr>
+          <a:xfrm>
+            <a:off x="-4493" y="1818571"/>
+            <a:ext cx="12192000" cy="375552"/>
+          </a:xfrm>
+          <a:prstGeom prst="rect">
+            <a:avLst/>
+          </a:prstGeom>
+          <a:noFill/>
+        </p:spPr>
+        <p:txBody>
+          <a:bodyPr wrap="square">
+            <a:spAutoFit/>
+          </a:bodyPr>
+          <a:lstStyle/>
+          <a:p>
+            <a:pPr algn="ctr">
+              <a:lnSpc>
+                <a:spcPts val="2143"/>
+              </a:lnSpc>
+              <a:spcBef>
+                <a:spcPts val="1372"/>
+              </a:spcBef>
+              <a:spcAft>
+                <a:spcPts val="1029"/>
+              </a:spcAft>
+            </a:pPr>
+            <a:r>
+              <a:rPr lang="fr-FR" sz="2400" dirty="0">
+                <a:solidFill>
+                  <a:srgbClr val="404040"/>
+                </a:solidFill>
+              </a:rPr>
+              <a:t>(</a:t>
+            </a:r>
+            <a:r>
+              <a:rPr lang="fr-FR" sz="2400" dirty="0"/>
+              <a:t>Julie Dumouchel, 2012)</a:t>
+            </a:r>
+          </a:p>
+        </p:txBody>
+      </p:sp>
     </p:spTree>
     <p:extLst>
       <p:ext uri="{BB962C8B-B14F-4D97-AF65-F5344CB8AC3E}">
-        <p14:creationId xmlns:p14="http://schemas.microsoft.com/office/powerpoint/2010/main" val="2392160713"/>
+        <p14:creationId xmlns:p14="http://schemas.microsoft.com/office/powerpoint/2010/main" val="235381260"/>
       </p:ext>
     </p:extLst>
   </p:cSld>
@@ -7302,13 +8033,7 @@
   <p:cSld>
     <p:spTree>
       <p:nvGrpSpPr>
-        <p:cNvPr id="1" name="">
-          <a:extLst>
-            <a:ext uri="{FF2B5EF4-FFF2-40B4-BE49-F238E27FC236}">
-              <a16:creationId xmlns:a16="http://schemas.microsoft.com/office/drawing/2014/main" id="{98B0D1BF-5844-EDB5-F573-31335D368525}"/>
-            </a:ext>
-          </a:extLst>
-        </p:cNvPr>
+        <p:cNvPr id="1" name=""/>
         <p:cNvGrpSpPr/>
         <p:nvPr/>
       </p:nvGrpSpPr>
@@ -7325,7 +8050,7 @@
           <p:cNvPr id="2" name="Espace réservé du numéro de diapositive 1">
             <a:extLst>
               <a:ext uri="{FF2B5EF4-FFF2-40B4-BE49-F238E27FC236}">
-                <a16:creationId xmlns:a16="http://schemas.microsoft.com/office/drawing/2014/main" id="{15E57845-333C-D9B0-61B9-E44608ADEAA3}"/>
+                <a16:creationId xmlns:a16="http://schemas.microsoft.com/office/drawing/2014/main" id="{E166AE0D-2FAB-3003-2BD1-E74A9391CFB5}"/>
               </a:ext>
             </a:extLst>
           </p:cNvPr>
@@ -7350,127 +8075,10 @@
           </a:p>
         </p:txBody>
       </p:sp>
-      <p:sp>
-        <p:nvSpPr>
-          <p:cNvPr id="3" name="ZoneTexte 2">
-            <a:extLst>
-              <a:ext uri="{FF2B5EF4-FFF2-40B4-BE49-F238E27FC236}">
-                <a16:creationId xmlns:a16="http://schemas.microsoft.com/office/drawing/2014/main" id="{7A5700A4-2F79-0C0D-2093-533521F29605}"/>
-              </a:ext>
-            </a:extLst>
-          </p:cNvPr>
-          <p:cNvSpPr txBox="1"/>
-          <p:nvPr/>
-        </p:nvSpPr>
-        <p:spPr>
-          <a:xfrm>
-            <a:off x="2" y="532969"/>
-            <a:ext cx="12191999" cy="646331"/>
-          </a:xfrm>
-          <a:prstGeom prst="rect">
-            <a:avLst/>
-          </a:prstGeom>
-          <a:solidFill>
-            <a:srgbClr val="006A5A"/>
-          </a:solidFill>
-        </p:spPr>
-        <p:txBody>
-          <a:bodyPr wrap="square" rtlCol="0">
-            <a:spAutoFit/>
-          </a:bodyPr>
-          <a:lstStyle/>
-          <a:p>
-            <a:r>
-              <a:rPr lang="fr-FR" sz="3600" b="1" dirty="0">
-                <a:solidFill>
-                  <a:schemeClr val="bg1"/>
-                </a:solidFill>
-                <a:latin typeface="Gill Sans MT" panose="020B0502020104020203" pitchFamily="34" charset="0"/>
-              </a:rPr>
-              <a:t>2.4. Modélisation en économétrie spatiale</a:t>
-            </a:r>
-          </a:p>
-        </p:txBody>
-      </p:sp>
-      <p:pic>
-        <p:nvPicPr>
-          <p:cNvPr id="4" name="Graphique 3" descr="Flèches de chevron">
-            <a:extLst>
-              <a:ext uri="{FF2B5EF4-FFF2-40B4-BE49-F238E27FC236}">
-                <a16:creationId xmlns:a16="http://schemas.microsoft.com/office/drawing/2014/main" id="{280B7A1C-90CA-A1EF-957B-AF158B9ACE97}"/>
-              </a:ext>
-            </a:extLst>
-          </p:cNvPr>
-          <p:cNvPicPr>
-            <a:picLocks noChangeAspect="1"/>
-          </p:cNvPicPr>
-          <p:nvPr/>
-        </p:nvPicPr>
-        <p:blipFill>
-          <a:blip r:embed="rId2">
-            <a:extLst>
-              <a:ext uri="{28A0092B-C50C-407E-A947-70E740481C1C}">
-                <a14:useLocalDpi xmlns:a14="http://schemas.microsoft.com/office/drawing/2010/main" val="0"/>
-              </a:ext>
-              <a:ext uri="{96DAC541-7B7A-43D3-8B79-37D633B846F1}">
-                <asvg:svgBlip xmlns:asvg="http://schemas.microsoft.com/office/drawing/2016/SVG/main" r:embed="rId3"/>
-              </a:ext>
-            </a:extLst>
-          </a:blip>
-          <a:stretch>
-            <a:fillRect/>
-          </a:stretch>
-        </p:blipFill>
-        <p:spPr>
-          <a:xfrm>
-            <a:off x="11078692" y="266700"/>
-            <a:ext cx="1170459" cy="1170459"/>
-          </a:xfrm>
-          <a:prstGeom prst="rect">
-            <a:avLst/>
-          </a:prstGeom>
-        </p:spPr>
-      </p:pic>
-      <p:pic>
-        <p:nvPicPr>
-          <p:cNvPr id="6" name="Image 5">
-            <a:extLst>
-              <a:ext uri="{FF2B5EF4-FFF2-40B4-BE49-F238E27FC236}">
-                <a16:creationId xmlns:a16="http://schemas.microsoft.com/office/drawing/2014/main" id="{5339FC60-85E4-F425-FF8C-EEE5DBDE192C}"/>
-              </a:ext>
-            </a:extLst>
-          </p:cNvPr>
-          <p:cNvPicPr>
-            <a:picLocks noChangeAspect="1"/>
-          </p:cNvPicPr>
-          <p:nvPr/>
-        </p:nvPicPr>
-        <p:blipFill>
-          <a:blip r:embed="rId4">
-            <a:extLst>
-              <a:ext uri="{28A0092B-C50C-407E-A947-70E740481C1C}">
-                <a14:useLocalDpi xmlns:a14="http://schemas.microsoft.com/office/drawing/2010/main" val="0"/>
-              </a:ext>
-            </a:extLst>
-          </a:blip>
-          <a:stretch>
-            <a:fillRect/>
-          </a:stretch>
-        </p:blipFill>
-        <p:spPr>
-          <a:xfrm>
-            <a:off x="4023052" y="1703428"/>
-            <a:ext cx="7584310" cy="4176074"/>
-          </a:xfrm>
-          <a:prstGeom prst="rect">
-            <a:avLst/>
-          </a:prstGeom>
-        </p:spPr>
-      </p:pic>
     </p:spTree>
     <p:extLst>
       <p:ext uri="{BB962C8B-B14F-4D97-AF65-F5344CB8AC3E}">
-        <p14:creationId xmlns:p14="http://schemas.microsoft.com/office/powerpoint/2010/main" val="3610963717"/>
+        <p14:creationId xmlns:p14="http://schemas.microsoft.com/office/powerpoint/2010/main" val="1312687224"/>
       </p:ext>
     </p:extLst>
   </p:cSld>
@@ -7502,7 +8110,7 @@
           <p:cNvPr id="2" name="Espace réservé du numéro de diapositive 1">
             <a:extLst>
               <a:ext uri="{FF2B5EF4-FFF2-40B4-BE49-F238E27FC236}">
-                <a16:creationId xmlns:a16="http://schemas.microsoft.com/office/drawing/2014/main" id="{3D19EAEE-31AF-8448-3723-67D1606D148E}"/>
+                <a16:creationId xmlns:a16="http://schemas.microsoft.com/office/drawing/2014/main" id="{3C9AC15D-D109-9768-8977-CF168595D874}"/>
               </a:ext>
             </a:extLst>
           </p:cNvPr>
@@ -7527,10 +8135,158 @@
           </a:p>
         </p:txBody>
       </p:sp>
+      <p:sp>
+        <p:nvSpPr>
+          <p:cNvPr id="3" name="ZoneTexte 2">
+            <a:extLst>
+              <a:ext uri="{FF2B5EF4-FFF2-40B4-BE49-F238E27FC236}">
+                <a16:creationId xmlns:a16="http://schemas.microsoft.com/office/drawing/2014/main" id="{ABD51FAC-0FBC-21FF-D03C-FE7F761AA6BC}"/>
+              </a:ext>
+            </a:extLst>
+          </p:cNvPr>
+          <p:cNvSpPr txBox="1"/>
+          <p:nvPr/>
+        </p:nvSpPr>
+        <p:spPr>
+          <a:xfrm>
+            <a:off x="2" y="532969"/>
+            <a:ext cx="12191999" cy="646331"/>
+          </a:xfrm>
+          <a:prstGeom prst="rect">
+            <a:avLst/>
+          </a:prstGeom>
+          <a:solidFill>
+            <a:srgbClr val="006A5A"/>
+          </a:solidFill>
+        </p:spPr>
+        <p:txBody>
+          <a:bodyPr wrap="square" rtlCol="0">
+            <a:spAutoFit/>
+          </a:bodyPr>
+          <a:lstStyle/>
+          <a:p>
+            <a:r>
+              <a:rPr lang="fr-FR" sz="3600" b="1" dirty="0">
+                <a:solidFill>
+                  <a:schemeClr val="bg1"/>
+                </a:solidFill>
+                <a:latin typeface="Gill Sans MT" panose="020B0502020104020203" pitchFamily="34" charset="0"/>
+              </a:rPr>
+              <a:t>2.1. Source des données</a:t>
+            </a:r>
+          </a:p>
+        </p:txBody>
+      </p:sp>
+      <p:pic>
+        <p:nvPicPr>
+          <p:cNvPr id="4" name="Graphique 3" descr="Flèches de chevron">
+            <a:extLst>
+              <a:ext uri="{FF2B5EF4-FFF2-40B4-BE49-F238E27FC236}">
+                <a16:creationId xmlns:a16="http://schemas.microsoft.com/office/drawing/2014/main" id="{D71963C9-5194-2A25-334D-CD10B379A8C4}"/>
+              </a:ext>
+            </a:extLst>
+          </p:cNvPr>
+          <p:cNvPicPr>
+            <a:picLocks noChangeAspect="1"/>
+          </p:cNvPicPr>
+          <p:nvPr/>
+        </p:nvPicPr>
+        <p:blipFill>
+          <a:blip r:embed="rId2">
+            <a:extLst>
+              <a:ext uri="{28A0092B-C50C-407E-A947-70E740481C1C}">
+                <a14:useLocalDpi xmlns:a14="http://schemas.microsoft.com/office/drawing/2010/main" val="0"/>
+              </a:ext>
+              <a:ext uri="{96DAC541-7B7A-43D3-8B79-37D633B846F1}">
+                <asvg:svgBlip xmlns:asvg="http://schemas.microsoft.com/office/drawing/2016/SVG/main" r:embed="rId3"/>
+              </a:ext>
+            </a:extLst>
+          </a:blip>
+          <a:stretch>
+            <a:fillRect/>
+          </a:stretch>
+        </p:blipFill>
+        <p:spPr>
+          <a:xfrm>
+            <a:off x="11078692" y="266700"/>
+            <a:ext cx="1170459" cy="1170459"/>
+          </a:xfrm>
+          <a:prstGeom prst="rect">
+            <a:avLst/>
+          </a:prstGeom>
+        </p:spPr>
+      </p:pic>
+      <p:sp>
+        <p:nvSpPr>
+          <p:cNvPr id="6" name="ZoneTexte 5">
+            <a:extLst>
+              <a:ext uri="{FF2B5EF4-FFF2-40B4-BE49-F238E27FC236}">
+                <a16:creationId xmlns:a16="http://schemas.microsoft.com/office/drawing/2014/main" id="{76926F46-4729-E131-5ACF-C44D7CAC1CE7}"/>
+              </a:ext>
+            </a:extLst>
+          </p:cNvPr>
+          <p:cNvSpPr txBox="1"/>
+          <p:nvPr/>
+        </p:nvSpPr>
+        <p:spPr>
+          <a:xfrm>
+            <a:off x="10273" y="1703428"/>
+            <a:ext cx="12191999" cy="683329"/>
+          </a:xfrm>
+          <a:prstGeom prst="rect">
+            <a:avLst/>
+          </a:prstGeom>
+          <a:noFill/>
+        </p:spPr>
+        <p:txBody>
+          <a:bodyPr wrap="square">
+            <a:spAutoFit/>
+          </a:bodyPr>
+          <a:lstStyle/>
+          <a:p>
+            <a:pPr algn="l">
+              <a:lnSpc>
+                <a:spcPts val="2143"/>
+              </a:lnSpc>
+              <a:spcBef>
+                <a:spcPts val="300"/>
+              </a:spcBef>
+            </a:pPr>
+            <a:r>
+              <a:rPr lang="fr-FR" sz="2400" b="0" i="0" dirty="0">
+                <a:solidFill>
+                  <a:srgbClr val="404040"/>
+                </a:solidFill>
+                <a:effectLst/>
+              </a:rPr>
+              <a:t>Système National des Données de Santé (SNDS, 2019).</a:t>
+            </a:r>
+          </a:p>
+          <a:p>
+            <a:pPr algn="l">
+              <a:lnSpc>
+                <a:spcPts val="2143"/>
+              </a:lnSpc>
+              <a:spcBef>
+                <a:spcPts val="300"/>
+              </a:spcBef>
+            </a:pPr>
+            <a:r>
+              <a:rPr lang="fr-FR" sz="2400" b="0" i="0" dirty="0">
+                <a:solidFill>
+                  <a:srgbClr val="404040"/>
+                </a:solidFill>
+                <a:effectLst/>
+              </a:rPr>
+              <a:t>Données socio-démographiques de 3 273 communes.</a:t>
+            </a:r>
+          </a:p>
+        </p:txBody>
+      </p:sp>
     </p:spTree>
     <p:extLst>
       <p:ext uri="{BB962C8B-B14F-4D97-AF65-F5344CB8AC3E}">
-        <p14:creationId xmlns:p14="http://schemas.microsoft.com/office/powerpoint/2010/main" val="494346519"/>
+        <p14:creationId xmlns:p14="http://schemas.microsoft.com/office/powerpoint/2010/main" val="4153329176"/>
       </p:ext>
     </p:extLst>
   </p:cSld>
@@ -7541,6 +8297,584 @@
 </file>
 
 <file path=ppt/slides/slide14.xml><?xml version="1.0" encoding="utf-8"?>
+<p:sld xmlns:a="http://schemas.openxmlformats.org/drawingml/2006/main" xmlns:r="http://schemas.openxmlformats.org/officeDocument/2006/relationships" xmlns:p="http://schemas.openxmlformats.org/presentationml/2006/main">
+  <p:cSld>
+    <p:spTree>
+      <p:nvGrpSpPr>
+        <p:cNvPr id="1" name="">
+          <a:extLst>
+            <a:ext uri="{FF2B5EF4-FFF2-40B4-BE49-F238E27FC236}">
+              <a16:creationId xmlns:a16="http://schemas.microsoft.com/office/drawing/2014/main" id="{9D13170E-A7F5-0DD7-25CF-965B06E13C35}"/>
+            </a:ext>
+          </a:extLst>
+        </p:cNvPr>
+        <p:cNvGrpSpPr/>
+        <p:nvPr/>
+      </p:nvGrpSpPr>
+      <p:grpSpPr>
+        <a:xfrm>
+          <a:off x="0" y="0"/>
+          <a:ext cx="0" cy="0"/>
+          <a:chOff x="0" y="0"/>
+          <a:chExt cx="0" cy="0"/>
+        </a:xfrm>
+      </p:grpSpPr>
+      <p:sp>
+        <p:nvSpPr>
+          <p:cNvPr id="2" name="Espace réservé du numéro de diapositive 1">
+            <a:extLst>
+              <a:ext uri="{FF2B5EF4-FFF2-40B4-BE49-F238E27FC236}">
+                <a16:creationId xmlns:a16="http://schemas.microsoft.com/office/drawing/2014/main" id="{063D944C-3C21-BB3D-D02B-3CDF035BF080}"/>
+              </a:ext>
+            </a:extLst>
+          </p:cNvPr>
+          <p:cNvSpPr>
+            <a:spLocks noGrp="1"/>
+          </p:cNvSpPr>
+          <p:nvPr>
+            <p:ph type="sldNum" sz="quarter" idx="4"/>
+          </p:nvPr>
+        </p:nvSpPr>
+        <p:spPr/>
+        <p:txBody>
+          <a:bodyPr/>
+          <a:lstStyle/>
+          <a:p>
+            <a:fld id="{F546B7B7-7D14-4795-A998-350CFB2BDD43}" type="slidenum">
+              <a:rPr lang="fr-FR" smtClean="0"/>
+              <a:pPr/>
+              <a:t>14</a:t>
+            </a:fld>
+            <a:endParaRPr lang="fr-FR"/>
+          </a:p>
+        </p:txBody>
+      </p:sp>
+      <p:sp>
+        <p:nvSpPr>
+          <p:cNvPr id="3" name="ZoneTexte 2">
+            <a:extLst>
+              <a:ext uri="{FF2B5EF4-FFF2-40B4-BE49-F238E27FC236}">
+                <a16:creationId xmlns:a16="http://schemas.microsoft.com/office/drawing/2014/main" id="{A88BB36C-22B0-C514-5127-3F70D4409339}"/>
+              </a:ext>
+            </a:extLst>
+          </p:cNvPr>
+          <p:cNvSpPr txBox="1"/>
+          <p:nvPr/>
+        </p:nvSpPr>
+        <p:spPr>
+          <a:xfrm>
+            <a:off x="2" y="532969"/>
+            <a:ext cx="12191999" cy="646331"/>
+          </a:xfrm>
+          <a:prstGeom prst="rect">
+            <a:avLst/>
+          </a:prstGeom>
+          <a:solidFill>
+            <a:srgbClr val="006A5A"/>
+          </a:solidFill>
+        </p:spPr>
+        <p:txBody>
+          <a:bodyPr wrap="square" rtlCol="0">
+            <a:spAutoFit/>
+          </a:bodyPr>
+          <a:lstStyle/>
+          <a:p>
+            <a:r>
+              <a:rPr lang="fr-FR" sz="3600" b="1" dirty="0">
+                <a:solidFill>
+                  <a:schemeClr val="bg1"/>
+                </a:solidFill>
+                <a:latin typeface="Gill Sans MT" panose="020B0502020104020203" pitchFamily="34" charset="0"/>
+              </a:rPr>
+              <a:t>2.2. Traitements réalisés sur la base de données</a:t>
+            </a:r>
+          </a:p>
+        </p:txBody>
+      </p:sp>
+      <p:pic>
+        <p:nvPicPr>
+          <p:cNvPr id="4" name="Graphique 3" descr="Flèches de chevron">
+            <a:extLst>
+              <a:ext uri="{FF2B5EF4-FFF2-40B4-BE49-F238E27FC236}">
+                <a16:creationId xmlns:a16="http://schemas.microsoft.com/office/drawing/2014/main" id="{E7CBEBBD-EC89-234C-5549-1D98CA7C0843}"/>
+              </a:ext>
+            </a:extLst>
+          </p:cNvPr>
+          <p:cNvPicPr>
+            <a:picLocks noChangeAspect="1"/>
+          </p:cNvPicPr>
+          <p:nvPr/>
+        </p:nvPicPr>
+        <p:blipFill>
+          <a:blip r:embed="rId2">
+            <a:extLst>
+              <a:ext uri="{28A0092B-C50C-407E-A947-70E740481C1C}">
+                <a14:useLocalDpi xmlns:a14="http://schemas.microsoft.com/office/drawing/2010/main" val="0"/>
+              </a:ext>
+              <a:ext uri="{96DAC541-7B7A-43D3-8B79-37D633B846F1}">
+                <asvg:svgBlip xmlns:asvg="http://schemas.microsoft.com/office/drawing/2016/SVG/main" r:embed="rId3"/>
+              </a:ext>
+            </a:extLst>
+          </a:blip>
+          <a:stretch>
+            <a:fillRect/>
+          </a:stretch>
+        </p:blipFill>
+        <p:spPr>
+          <a:xfrm>
+            <a:off x="11078692" y="266700"/>
+            <a:ext cx="1170459" cy="1170459"/>
+          </a:xfrm>
+          <a:prstGeom prst="rect">
+            <a:avLst/>
+          </a:prstGeom>
+        </p:spPr>
+      </p:pic>
+      <p:sp>
+        <p:nvSpPr>
+          <p:cNvPr id="6" name="ZoneTexte 5">
+            <a:extLst>
+              <a:ext uri="{FF2B5EF4-FFF2-40B4-BE49-F238E27FC236}">
+                <a16:creationId xmlns:a16="http://schemas.microsoft.com/office/drawing/2014/main" id="{3A61602A-B875-F1EE-6CD5-F3F498F133F6}"/>
+              </a:ext>
+            </a:extLst>
+          </p:cNvPr>
+          <p:cNvSpPr txBox="1"/>
+          <p:nvPr/>
+        </p:nvSpPr>
+        <p:spPr>
+          <a:xfrm>
+            <a:off x="0" y="1599029"/>
+            <a:ext cx="12191999" cy="1247586"/>
+          </a:xfrm>
+          <a:prstGeom prst="rect">
+            <a:avLst/>
+          </a:prstGeom>
+          <a:noFill/>
+        </p:spPr>
+        <p:txBody>
+          <a:bodyPr wrap="square">
+            <a:spAutoFit/>
+          </a:bodyPr>
+          <a:lstStyle/>
+          <a:p>
+            <a:pPr marL="742950" lvl="1" indent="-285750" algn="l">
+              <a:lnSpc>
+                <a:spcPts val="2143"/>
+              </a:lnSpc>
+              <a:spcBef>
+                <a:spcPts val="300"/>
+              </a:spcBef>
+              <a:spcAft>
+                <a:spcPts val="1029"/>
+              </a:spcAft>
+              <a:buFont typeface="Arial" panose="020B0604020202020204" pitchFamily="34" charset="0"/>
+              <a:buChar char="•"/>
+            </a:pPr>
+            <a:r>
+              <a:rPr lang="fr-FR" sz="2400" b="0" i="0" dirty="0">
+                <a:solidFill>
+                  <a:srgbClr val="404040"/>
+                </a:solidFill>
+                <a:effectLst/>
+              </a:rPr>
+              <a:t>Fusion des bases via le code commune.</a:t>
+            </a:r>
+          </a:p>
+          <a:p>
+            <a:pPr marL="742950" lvl="1" indent="-285750" algn="l">
+              <a:lnSpc>
+                <a:spcPts val="2143"/>
+              </a:lnSpc>
+              <a:spcBef>
+                <a:spcPts val="300"/>
+              </a:spcBef>
+              <a:spcAft>
+                <a:spcPts val="1029"/>
+              </a:spcAft>
+              <a:buFont typeface="Arial" panose="020B0604020202020204" pitchFamily="34" charset="0"/>
+              <a:buChar char="•"/>
+            </a:pPr>
+            <a:r>
+              <a:rPr lang="fr-FR" sz="2400" b="0" i="0" dirty="0">
+                <a:solidFill>
+                  <a:srgbClr val="404040"/>
+                </a:solidFill>
+                <a:effectLst/>
+              </a:rPr>
+              <a:t>Calcul du taux de consultations.</a:t>
+            </a:r>
+          </a:p>
+          <a:p>
+            <a:pPr marL="742950" lvl="1" indent="-285750" algn="l">
+              <a:lnSpc>
+                <a:spcPts val="2143"/>
+              </a:lnSpc>
+              <a:spcBef>
+                <a:spcPts val="300"/>
+              </a:spcBef>
+              <a:spcAft>
+                <a:spcPts val="1029"/>
+              </a:spcAft>
+              <a:buFont typeface="Arial" panose="020B0604020202020204" pitchFamily="34" charset="0"/>
+              <a:buChar char="•"/>
+            </a:pPr>
+            <a:r>
+              <a:rPr lang="fr-FR" sz="2400" b="0" i="0" dirty="0">
+                <a:solidFill>
+                  <a:srgbClr val="404040"/>
+                </a:solidFill>
+                <a:effectLst/>
+              </a:rPr>
+              <a:t>Correction des coordonnées géographiques.</a:t>
+            </a:r>
+          </a:p>
+        </p:txBody>
+      </p:sp>
+    </p:spTree>
+    <p:extLst>
+      <p:ext uri="{BB962C8B-B14F-4D97-AF65-F5344CB8AC3E}">
+        <p14:creationId xmlns:p14="http://schemas.microsoft.com/office/powerpoint/2010/main" val="3958834888"/>
+      </p:ext>
+    </p:extLst>
+  </p:cSld>
+  <p:clrMapOvr>
+    <a:masterClrMapping/>
+  </p:clrMapOvr>
+</p:sld>
+</file>
+
+<file path=ppt/slides/slide15.xml><?xml version="1.0" encoding="utf-8"?>
+<p:sld xmlns:a="http://schemas.openxmlformats.org/drawingml/2006/main" xmlns:r="http://schemas.openxmlformats.org/officeDocument/2006/relationships" xmlns:p="http://schemas.openxmlformats.org/presentationml/2006/main">
+  <p:cSld>
+    <p:spTree>
+      <p:nvGrpSpPr>
+        <p:cNvPr id="1" name="">
+          <a:extLst>
+            <a:ext uri="{FF2B5EF4-FFF2-40B4-BE49-F238E27FC236}">
+              <a16:creationId xmlns:a16="http://schemas.microsoft.com/office/drawing/2014/main" id="{17A87212-A232-0151-F75B-A7B4FAC68B10}"/>
+            </a:ext>
+          </a:extLst>
+        </p:cNvPr>
+        <p:cNvGrpSpPr/>
+        <p:nvPr/>
+      </p:nvGrpSpPr>
+      <p:grpSpPr>
+        <a:xfrm>
+          <a:off x="0" y="0"/>
+          <a:ext cx="0" cy="0"/>
+          <a:chOff x="0" y="0"/>
+          <a:chExt cx="0" cy="0"/>
+        </a:xfrm>
+      </p:grpSpPr>
+      <p:sp>
+        <p:nvSpPr>
+          <p:cNvPr id="2" name="Espace réservé du numéro de diapositive 1">
+            <a:extLst>
+              <a:ext uri="{FF2B5EF4-FFF2-40B4-BE49-F238E27FC236}">
+                <a16:creationId xmlns:a16="http://schemas.microsoft.com/office/drawing/2014/main" id="{72B02DE8-CBBF-3C7D-4EAE-4D8C59C7BF51}"/>
+              </a:ext>
+            </a:extLst>
+          </p:cNvPr>
+          <p:cNvSpPr>
+            <a:spLocks noGrp="1"/>
+          </p:cNvSpPr>
+          <p:nvPr>
+            <p:ph type="sldNum" sz="quarter" idx="4"/>
+          </p:nvPr>
+        </p:nvSpPr>
+        <p:spPr/>
+        <p:txBody>
+          <a:bodyPr/>
+          <a:lstStyle/>
+          <a:p>
+            <a:fld id="{F546B7B7-7D14-4795-A998-350CFB2BDD43}" type="slidenum">
+              <a:rPr lang="fr-FR" smtClean="0"/>
+              <a:pPr/>
+              <a:t>15</a:t>
+            </a:fld>
+            <a:endParaRPr lang="fr-FR"/>
+          </a:p>
+        </p:txBody>
+      </p:sp>
+      <p:sp>
+        <p:nvSpPr>
+          <p:cNvPr id="3" name="ZoneTexte 2">
+            <a:extLst>
+              <a:ext uri="{FF2B5EF4-FFF2-40B4-BE49-F238E27FC236}">
+                <a16:creationId xmlns:a16="http://schemas.microsoft.com/office/drawing/2014/main" id="{77799782-4492-2B68-93B1-81779BB005B2}"/>
+              </a:ext>
+            </a:extLst>
+          </p:cNvPr>
+          <p:cNvSpPr txBox="1"/>
+          <p:nvPr/>
+        </p:nvSpPr>
+        <p:spPr>
+          <a:xfrm>
+            <a:off x="2" y="532969"/>
+            <a:ext cx="12191999" cy="646331"/>
+          </a:xfrm>
+          <a:prstGeom prst="rect">
+            <a:avLst/>
+          </a:prstGeom>
+          <a:solidFill>
+            <a:srgbClr val="006A5A"/>
+          </a:solidFill>
+        </p:spPr>
+        <p:txBody>
+          <a:bodyPr wrap="square" rtlCol="0">
+            <a:spAutoFit/>
+          </a:bodyPr>
+          <a:lstStyle/>
+          <a:p>
+            <a:r>
+              <a:rPr lang="fr-FR" sz="3600" b="1" dirty="0">
+                <a:solidFill>
+                  <a:schemeClr val="bg1"/>
+                </a:solidFill>
+                <a:latin typeface="Gill Sans MT" panose="020B0502020104020203" pitchFamily="34" charset="0"/>
+              </a:rPr>
+              <a:t>2.3. Concepts fondamentaux en économétrie spatiale</a:t>
+            </a:r>
+          </a:p>
+        </p:txBody>
+      </p:sp>
+      <p:pic>
+        <p:nvPicPr>
+          <p:cNvPr id="4" name="Graphique 3" descr="Flèches de chevron">
+            <a:extLst>
+              <a:ext uri="{FF2B5EF4-FFF2-40B4-BE49-F238E27FC236}">
+                <a16:creationId xmlns:a16="http://schemas.microsoft.com/office/drawing/2014/main" id="{0E234149-892C-04F7-1E37-E661D2AA2103}"/>
+              </a:ext>
+            </a:extLst>
+          </p:cNvPr>
+          <p:cNvPicPr>
+            <a:picLocks noChangeAspect="1"/>
+          </p:cNvPicPr>
+          <p:nvPr/>
+        </p:nvPicPr>
+        <p:blipFill>
+          <a:blip r:embed="rId2">
+            <a:extLst>
+              <a:ext uri="{28A0092B-C50C-407E-A947-70E740481C1C}">
+                <a14:useLocalDpi xmlns:a14="http://schemas.microsoft.com/office/drawing/2010/main" val="0"/>
+              </a:ext>
+              <a:ext uri="{96DAC541-7B7A-43D3-8B79-37D633B846F1}">
+                <asvg:svgBlip xmlns:asvg="http://schemas.microsoft.com/office/drawing/2016/SVG/main" r:embed="rId3"/>
+              </a:ext>
+            </a:extLst>
+          </a:blip>
+          <a:stretch>
+            <a:fillRect/>
+          </a:stretch>
+        </p:blipFill>
+        <p:spPr>
+          <a:xfrm>
+            <a:off x="11078692" y="266700"/>
+            <a:ext cx="1170459" cy="1170459"/>
+          </a:xfrm>
+          <a:prstGeom prst="rect">
+            <a:avLst/>
+          </a:prstGeom>
+        </p:spPr>
+      </p:pic>
+    </p:spTree>
+    <p:extLst>
+      <p:ext uri="{BB962C8B-B14F-4D97-AF65-F5344CB8AC3E}">
+        <p14:creationId xmlns:p14="http://schemas.microsoft.com/office/powerpoint/2010/main" val="2392160713"/>
+      </p:ext>
+    </p:extLst>
+  </p:cSld>
+  <p:clrMapOvr>
+    <a:masterClrMapping/>
+  </p:clrMapOvr>
+</p:sld>
+</file>
+
+<file path=ppt/slides/slide16.xml><?xml version="1.0" encoding="utf-8"?>
+<p:sld xmlns:a="http://schemas.openxmlformats.org/drawingml/2006/main" xmlns:r="http://schemas.openxmlformats.org/officeDocument/2006/relationships" xmlns:p="http://schemas.openxmlformats.org/presentationml/2006/main">
+  <p:cSld>
+    <p:spTree>
+      <p:nvGrpSpPr>
+        <p:cNvPr id="1" name="">
+          <a:extLst>
+            <a:ext uri="{FF2B5EF4-FFF2-40B4-BE49-F238E27FC236}">
+              <a16:creationId xmlns:a16="http://schemas.microsoft.com/office/drawing/2014/main" id="{98B0D1BF-5844-EDB5-F573-31335D368525}"/>
+            </a:ext>
+          </a:extLst>
+        </p:cNvPr>
+        <p:cNvGrpSpPr/>
+        <p:nvPr/>
+      </p:nvGrpSpPr>
+      <p:grpSpPr>
+        <a:xfrm>
+          <a:off x="0" y="0"/>
+          <a:ext cx="0" cy="0"/>
+          <a:chOff x="0" y="0"/>
+          <a:chExt cx="0" cy="0"/>
+        </a:xfrm>
+      </p:grpSpPr>
+      <p:sp>
+        <p:nvSpPr>
+          <p:cNvPr id="2" name="Espace réservé du numéro de diapositive 1">
+            <a:extLst>
+              <a:ext uri="{FF2B5EF4-FFF2-40B4-BE49-F238E27FC236}">
+                <a16:creationId xmlns:a16="http://schemas.microsoft.com/office/drawing/2014/main" id="{15E57845-333C-D9B0-61B9-E44608ADEAA3}"/>
+              </a:ext>
+            </a:extLst>
+          </p:cNvPr>
+          <p:cNvSpPr>
+            <a:spLocks noGrp="1"/>
+          </p:cNvSpPr>
+          <p:nvPr>
+            <p:ph type="sldNum" sz="quarter" idx="4"/>
+          </p:nvPr>
+        </p:nvSpPr>
+        <p:spPr/>
+        <p:txBody>
+          <a:bodyPr/>
+          <a:lstStyle/>
+          <a:p>
+            <a:fld id="{F546B7B7-7D14-4795-A998-350CFB2BDD43}" type="slidenum">
+              <a:rPr lang="fr-FR" smtClean="0"/>
+              <a:pPr/>
+              <a:t>16</a:t>
+            </a:fld>
+            <a:endParaRPr lang="fr-FR"/>
+          </a:p>
+        </p:txBody>
+      </p:sp>
+      <p:sp>
+        <p:nvSpPr>
+          <p:cNvPr id="3" name="ZoneTexte 2">
+            <a:extLst>
+              <a:ext uri="{FF2B5EF4-FFF2-40B4-BE49-F238E27FC236}">
+                <a16:creationId xmlns:a16="http://schemas.microsoft.com/office/drawing/2014/main" id="{7A5700A4-2F79-0C0D-2093-533521F29605}"/>
+              </a:ext>
+            </a:extLst>
+          </p:cNvPr>
+          <p:cNvSpPr txBox="1"/>
+          <p:nvPr/>
+        </p:nvSpPr>
+        <p:spPr>
+          <a:xfrm>
+            <a:off x="2" y="532969"/>
+            <a:ext cx="12191999" cy="646331"/>
+          </a:xfrm>
+          <a:prstGeom prst="rect">
+            <a:avLst/>
+          </a:prstGeom>
+          <a:solidFill>
+            <a:srgbClr val="006A5A"/>
+          </a:solidFill>
+        </p:spPr>
+        <p:txBody>
+          <a:bodyPr wrap="square" rtlCol="0">
+            <a:spAutoFit/>
+          </a:bodyPr>
+          <a:lstStyle/>
+          <a:p>
+            <a:r>
+              <a:rPr lang="fr-FR" sz="3600" b="1" dirty="0">
+                <a:solidFill>
+                  <a:schemeClr val="bg1"/>
+                </a:solidFill>
+                <a:latin typeface="Gill Sans MT" panose="020B0502020104020203" pitchFamily="34" charset="0"/>
+              </a:rPr>
+              <a:t>2.4. Modélisation en économétrie spatiale</a:t>
+            </a:r>
+          </a:p>
+        </p:txBody>
+      </p:sp>
+      <p:pic>
+        <p:nvPicPr>
+          <p:cNvPr id="4" name="Graphique 3" descr="Flèches de chevron">
+            <a:extLst>
+              <a:ext uri="{FF2B5EF4-FFF2-40B4-BE49-F238E27FC236}">
+                <a16:creationId xmlns:a16="http://schemas.microsoft.com/office/drawing/2014/main" id="{280B7A1C-90CA-A1EF-957B-AF158B9ACE97}"/>
+              </a:ext>
+            </a:extLst>
+          </p:cNvPr>
+          <p:cNvPicPr>
+            <a:picLocks noChangeAspect="1"/>
+          </p:cNvPicPr>
+          <p:nvPr/>
+        </p:nvPicPr>
+        <p:blipFill>
+          <a:blip r:embed="rId2">
+            <a:extLst>
+              <a:ext uri="{28A0092B-C50C-407E-A947-70E740481C1C}">
+                <a14:useLocalDpi xmlns:a14="http://schemas.microsoft.com/office/drawing/2010/main" val="0"/>
+              </a:ext>
+              <a:ext uri="{96DAC541-7B7A-43D3-8B79-37D633B846F1}">
+                <asvg:svgBlip xmlns:asvg="http://schemas.microsoft.com/office/drawing/2016/SVG/main" r:embed="rId3"/>
+              </a:ext>
+            </a:extLst>
+          </a:blip>
+          <a:stretch>
+            <a:fillRect/>
+          </a:stretch>
+        </p:blipFill>
+        <p:spPr>
+          <a:xfrm>
+            <a:off x="11078692" y="266700"/>
+            <a:ext cx="1170459" cy="1170459"/>
+          </a:xfrm>
+          <a:prstGeom prst="rect">
+            <a:avLst/>
+          </a:prstGeom>
+        </p:spPr>
+      </p:pic>
+      <p:pic>
+        <p:nvPicPr>
+          <p:cNvPr id="6" name="Image 5">
+            <a:extLst>
+              <a:ext uri="{FF2B5EF4-FFF2-40B4-BE49-F238E27FC236}">
+                <a16:creationId xmlns:a16="http://schemas.microsoft.com/office/drawing/2014/main" id="{5339FC60-85E4-F425-FF8C-EEE5DBDE192C}"/>
+              </a:ext>
+            </a:extLst>
+          </p:cNvPr>
+          <p:cNvPicPr>
+            <a:picLocks noChangeAspect="1"/>
+          </p:cNvPicPr>
+          <p:nvPr/>
+        </p:nvPicPr>
+        <p:blipFill>
+          <a:blip r:embed="rId4">
+            <a:extLst>
+              <a:ext uri="{28A0092B-C50C-407E-A947-70E740481C1C}">
+                <a14:useLocalDpi xmlns:a14="http://schemas.microsoft.com/office/drawing/2010/main" val="0"/>
+              </a:ext>
+            </a:extLst>
+          </a:blip>
+          <a:stretch>
+            <a:fillRect/>
+          </a:stretch>
+        </p:blipFill>
+        <p:spPr>
+          <a:xfrm>
+            <a:off x="4023052" y="1703428"/>
+            <a:ext cx="7584310" cy="4176074"/>
+          </a:xfrm>
+          <a:prstGeom prst="rect">
+            <a:avLst/>
+          </a:prstGeom>
+        </p:spPr>
+      </p:pic>
+    </p:spTree>
+    <p:extLst>
+      <p:ext uri="{BB962C8B-B14F-4D97-AF65-F5344CB8AC3E}">
+        <p14:creationId xmlns:p14="http://schemas.microsoft.com/office/powerpoint/2010/main" val="3610963717"/>
+      </p:ext>
+    </p:extLst>
+  </p:cSld>
+  <p:clrMapOvr>
+    <a:masterClrMapping/>
+  </p:clrMapOvr>
+</p:sld>
+</file>
+
+<file path=ppt/slides/slide17.xml><?xml version="1.0" encoding="utf-8"?>
 <p:sld xmlns:a="http://schemas.openxmlformats.org/drawingml/2006/main" xmlns:r="http://schemas.openxmlformats.org/officeDocument/2006/relationships" xmlns:p="http://schemas.openxmlformats.org/presentationml/2006/main">
   <p:cSld>
     <p:spTree>
@@ -7562,7 +8896,7 @@
           <p:cNvPr id="2" name="Espace réservé du numéro de diapositive 1">
             <a:extLst>
               <a:ext uri="{FF2B5EF4-FFF2-40B4-BE49-F238E27FC236}">
-                <a16:creationId xmlns:a16="http://schemas.microsoft.com/office/drawing/2014/main" id="{E4BFB0CA-6837-4558-BE28-CA96C9493E49}"/>
+                <a16:creationId xmlns:a16="http://schemas.microsoft.com/office/drawing/2014/main" id="{3D19EAEE-31AF-8448-3723-67D1606D148E}"/>
               </a:ext>
             </a:extLst>
           </p:cNvPr>
@@ -7581,7 +8915,67 @@
             <a:fld id="{F546B7B7-7D14-4795-A998-350CFB2BDD43}" type="slidenum">
               <a:rPr lang="fr-FR" smtClean="0"/>
               <a:pPr/>
-              <a:t>14</a:t>
+              <a:t>17</a:t>
+            </a:fld>
+            <a:endParaRPr lang="fr-FR"/>
+          </a:p>
+        </p:txBody>
+      </p:sp>
+    </p:spTree>
+    <p:extLst>
+      <p:ext uri="{BB962C8B-B14F-4D97-AF65-F5344CB8AC3E}">
+        <p14:creationId xmlns:p14="http://schemas.microsoft.com/office/powerpoint/2010/main" val="494346519"/>
+      </p:ext>
+    </p:extLst>
+  </p:cSld>
+  <p:clrMapOvr>
+    <a:masterClrMapping/>
+  </p:clrMapOvr>
+</p:sld>
+</file>
+
+<file path=ppt/slides/slide18.xml><?xml version="1.0" encoding="utf-8"?>
+<p:sld xmlns:a="http://schemas.openxmlformats.org/drawingml/2006/main" xmlns:r="http://schemas.openxmlformats.org/officeDocument/2006/relationships" xmlns:p="http://schemas.openxmlformats.org/presentationml/2006/main">
+  <p:cSld>
+    <p:spTree>
+      <p:nvGrpSpPr>
+        <p:cNvPr id="1" name=""/>
+        <p:cNvGrpSpPr/>
+        <p:nvPr/>
+      </p:nvGrpSpPr>
+      <p:grpSpPr>
+        <a:xfrm>
+          <a:off x="0" y="0"/>
+          <a:ext cx="0" cy="0"/>
+          <a:chOff x="0" y="0"/>
+          <a:chExt cx="0" cy="0"/>
+        </a:xfrm>
+      </p:grpSpPr>
+      <p:sp>
+        <p:nvSpPr>
+          <p:cNvPr id="2" name="Espace réservé du numéro de diapositive 1">
+            <a:extLst>
+              <a:ext uri="{FF2B5EF4-FFF2-40B4-BE49-F238E27FC236}">
+                <a16:creationId xmlns:a16="http://schemas.microsoft.com/office/drawing/2014/main" id="{E4BFB0CA-6837-4558-BE28-CA96C9493E49}"/>
+              </a:ext>
+            </a:extLst>
+          </p:cNvPr>
+          <p:cNvSpPr>
+            <a:spLocks noGrp="1"/>
+          </p:cNvSpPr>
+          <p:nvPr>
+            <p:ph type="sldNum" sz="quarter" idx="4"/>
+          </p:nvPr>
+        </p:nvSpPr>
+        <p:spPr/>
+        <p:txBody>
+          <a:bodyPr/>
+          <a:lstStyle/>
+          <a:p>
+            <a:fld id="{F546B7B7-7D14-4795-A998-350CFB2BDD43}" type="slidenum">
+              <a:rPr lang="fr-FR" smtClean="0"/>
+              <a:pPr/>
+              <a:t>18</a:t>
             </a:fld>
             <a:endParaRPr lang="fr-FR"/>
           </a:p>
@@ -7681,7 +9075,7 @@
 </p:sld>
 </file>
 
-<file path=ppt/slides/slide15.xml><?xml version="1.0" encoding="utf-8"?>
+<file path=ppt/slides/slide19.xml><?xml version="1.0" encoding="utf-8"?>
 <p:sld xmlns:a="http://schemas.openxmlformats.org/drawingml/2006/main" xmlns:r="http://schemas.openxmlformats.org/officeDocument/2006/relationships" xmlns:p="http://schemas.openxmlformats.org/presentationml/2006/main">
   <p:cSld>
     <p:spTree>
@@ -7728,7 +9122,7 @@
             <a:fld id="{F546B7B7-7D14-4795-A998-350CFB2BDD43}" type="slidenum">
               <a:rPr lang="fr-FR" smtClean="0"/>
               <a:pPr/>
-              <a:t>15</a:t>
+              <a:t>19</a:t>
             </a:fld>
             <a:endParaRPr lang="fr-FR"/>
           </a:p>
@@ -7855,617 +9249,6 @@
     <p:extLst>
       <p:ext uri="{BB962C8B-B14F-4D97-AF65-F5344CB8AC3E}">
         <p14:creationId xmlns:p14="http://schemas.microsoft.com/office/powerpoint/2010/main" val="1330824998"/>
-      </p:ext>
-    </p:extLst>
-  </p:cSld>
-  <p:clrMapOvr>
-    <a:masterClrMapping/>
-  </p:clrMapOvr>
-</p:sld>
-</file>
-
-<file path=ppt/slides/slide16.xml><?xml version="1.0" encoding="utf-8"?>
-<p:sld xmlns:a="http://schemas.openxmlformats.org/drawingml/2006/main" xmlns:r="http://schemas.openxmlformats.org/officeDocument/2006/relationships" xmlns:p="http://schemas.openxmlformats.org/presentationml/2006/main">
-  <p:cSld>
-    <p:spTree>
-      <p:nvGrpSpPr>
-        <p:cNvPr id="1" name="">
-          <a:extLst>
-            <a:ext uri="{FF2B5EF4-FFF2-40B4-BE49-F238E27FC236}">
-              <a16:creationId xmlns:a16="http://schemas.microsoft.com/office/drawing/2014/main" id="{193A7ACD-2A1B-AC0E-F329-7CBB11351696}"/>
-            </a:ext>
-          </a:extLst>
-        </p:cNvPr>
-        <p:cNvGrpSpPr/>
-        <p:nvPr/>
-      </p:nvGrpSpPr>
-      <p:grpSpPr>
-        <a:xfrm>
-          <a:off x="0" y="0"/>
-          <a:ext cx="0" cy="0"/>
-          <a:chOff x="0" y="0"/>
-          <a:chExt cx="0" cy="0"/>
-        </a:xfrm>
-      </p:grpSpPr>
-      <p:sp>
-        <p:nvSpPr>
-          <p:cNvPr id="2" name="Espace réservé du numéro de diapositive 1">
-            <a:extLst>
-              <a:ext uri="{FF2B5EF4-FFF2-40B4-BE49-F238E27FC236}">
-                <a16:creationId xmlns:a16="http://schemas.microsoft.com/office/drawing/2014/main" id="{B714C479-D635-8DC9-C2E2-0AE742E9CD30}"/>
-              </a:ext>
-            </a:extLst>
-          </p:cNvPr>
-          <p:cNvSpPr>
-            <a:spLocks noGrp="1"/>
-          </p:cNvSpPr>
-          <p:nvPr>
-            <p:ph type="sldNum" sz="quarter" idx="4"/>
-          </p:nvPr>
-        </p:nvSpPr>
-        <p:spPr/>
-        <p:txBody>
-          <a:bodyPr/>
-          <a:lstStyle/>
-          <a:p>
-            <a:fld id="{F546B7B7-7D14-4795-A998-350CFB2BDD43}" type="slidenum">
-              <a:rPr lang="fr-FR" smtClean="0"/>
-              <a:pPr/>
-              <a:t>16</a:t>
-            </a:fld>
-            <a:endParaRPr lang="fr-FR"/>
-          </a:p>
-        </p:txBody>
-      </p:sp>
-      <p:sp>
-        <p:nvSpPr>
-          <p:cNvPr id="3" name="ZoneTexte 2">
-            <a:extLst>
-              <a:ext uri="{FF2B5EF4-FFF2-40B4-BE49-F238E27FC236}">
-                <a16:creationId xmlns:a16="http://schemas.microsoft.com/office/drawing/2014/main" id="{B5EE6512-DC26-4090-606E-89CCCDEB859A}"/>
-              </a:ext>
-            </a:extLst>
-          </p:cNvPr>
-          <p:cNvSpPr txBox="1"/>
-          <p:nvPr/>
-        </p:nvSpPr>
-        <p:spPr>
-          <a:xfrm>
-            <a:off x="2" y="532969"/>
-            <a:ext cx="12191999" cy="646331"/>
-          </a:xfrm>
-          <a:prstGeom prst="rect">
-            <a:avLst/>
-          </a:prstGeom>
-          <a:solidFill>
-            <a:srgbClr val="006A5A"/>
-          </a:solidFill>
-        </p:spPr>
-        <p:txBody>
-          <a:bodyPr wrap="square" rtlCol="0">
-            <a:spAutoFit/>
-          </a:bodyPr>
-          <a:lstStyle/>
-          <a:p>
-            <a:pPr>
-              <a:buNone/>
-            </a:pPr>
-            <a:r>
-              <a:rPr lang="fr-FR" sz="3600" b="1" dirty="0">
-                <a:solidFill>
-                  <a:schemeClr val="bg1"/>
-                </a:solidFill>
-                <a:latin typeface="Gill Sans MT" panose="020B0502020104020203" pitchFamily="34" charset="0"/>
-              </a:rPr>
-              <a:t>3.3. </a:t>
-            </a:r>
-            <a:r>
-              <a:rPr lang="fr-FR" sz="3600" b="1" dirty="0">
-                <a:solidFill>
-                  <a:schemeClr val="bg1"/>
-                </a:solidFill>
-                <a:effectLst/>
-                <a:latin typeface="Gill Sans MT" panose="020B0502020104020203" pitchFamily="34" charset="0"/>
-              </a:rPr>
-              <a:t>Taux de consultations et </a:t>
-            </a:r>
-            <a:r>
-              <a:rPr lang="fr-FR" sz="3600" b="1" dirty="0">
-                <a:solidFill>
-                  <a:schemeClr val="bg1"/>
-                </a:solidFill>
-                <a:latin typeface="Gill Sans MT" panose="020B0502020104020203" pitchFamily="34" charset="0"/>
-              </a:rPr>
-              <a:t>autre</a:t>
-            </a:r>
-            <a:r>
-              <a:rPr lang="fr-FR" sz="3600" b="1" dirty="0">
-                <a:solidFill>
-                  <a:schemeClr val="bg1"/>
-                </a:solidFill>
-                <a:effectLst/>
-                <a:latin typeface="Gill Sans MT" panose="020B0502020104020203" pitchFamily="34" charset="0"/>
-              </a:rPr>
-              <a:t>s variables</a:t>
-            </a:r>
-            <a:endParaRPr lang="fr-FR" sz="3600" b="1" dirty="0">
-              <a:solidFill>
-                <a:schemeClr val="bg1"/>
-              </a:solidFill>
-              <a:latin typeface="Gill Sans MT" panose="020B0502020104020203" pitchFamily="34" charset="0"/>
-            </a:endParaRPr>
-          </a:p>
-        </p:txBody>
-      </p:sp>
-      <p:pic>
-        <p:nvPicPr>
-          <p:cNvPr id="4" name="Graphique 3" descr="Flèches de chevron">
-            <a:extLst>
-              <a:ext uri="{FF2B5EF4-FFF2-40B4-BE49-F238E27FC236}">
-                <a16:creationId xmlns:a16="http://schemas.microsoft.com/office/drawing/2014/main" id="{23E52591-03C7-4585-490F-C1B34F3A810E}"/>
-              </a:ext>
-            </a:extLst>
-          </p:cNvPr>
-          <p:cNvPicPr>
-            <a:picLocks noChangeAspect="1"/>
-          </p:cNvPicPr>
-          <p:nvPr/>
-        </p:nvPicPr>
-        <p:blipFill>
-          <a:blip r:embed="rId2">
-            <a:extLst>
-              <a:ext uri="{28A0092B-C50C-407E-A947-70E740481C1C}">
-                <a14:useLocalDpi xmlns:a14="http://schemas.microsoft.com/office/drawing/2010/main" val="0"/>
-              </a:ext>
-              <a:ext uri="{96DAC541-7B7A-43D3-8B79-37D633B846F1}">
-                <asvg:svgBlip xmlns:asvg="http://schemas.microsoft.com/office/drawing/2016/SVG/main" r:embed="rId3"/>
-              </a:ext>
-            </a:extLst>
-          </a:blip>
-          <a:stretch>
-            <a:fillRect/>
-          </a:stretch>
-        </p:blipFill>
-        <p:spPr>
-          <a:xfrm>
-            <a:off x="11078692" y="266700"/>
-            <a:ext cx="1170459" cy="1170459"/>
-          </a:xfrm>
-          <a:prstGeom prst="rect">
-            <a:avLst/>
-          </a:prstGeom>
-        </p:spPr>
-      </p:pic>
-    </p:spTree>
-    <p:extLst>
-      <p:ext uri="{BB962C8B-B14F-4D97-AF65-F5344CB8AC3E}">
-        <p14:creationId xmlns:p14="http://schemas.microsoft.com/office/powerpoint/2010/main" val="483483113"/>
-      </p:ext>
-    </p:extLst>
-  </p:cSld>
-  <p:clrMapOvr>
-    <a:masterClrMapping/>
-  </p:clrMapOvr>
-</p:sld>
-</file>
-
-<file path=ppt/slides/slide17.xml><?xml version="1.0" encoding="utf-8"?>
-<p:sld xmlns:a="http://schemas.openxmlformats.org/drawingml/2006/main" xmlns:r="http://schemas.openxmlformats.org/officeDocument/2006/relationships" xmlns:p="http://schemas.openxmlformats.org/presentationml/2006/main">
-  <p:cSld>
-    <p:spTree>
-      <p:nvGrpSpPr>
-        <p:cNvPr id="1" name="">
-          <a:extLst>
-            <a:ext uri="{FF2B5EF4-FFF2-40B4-BE49-F238E27FC236}">
-              <a16:creationId xmlns:a16="http://schemas.microsoft.com/office/drawing/2014/main" id="{A85BC548-9013-9E28-3C00-71BFAA209028}"/>
-            </a:ext>
-          </a:extLst>
-        </p:cNvPr>
-        <p:cNvGrpSpPr/>
-        <p:nvPr/>
-      </p:nvGrpSpPr>
-      <p:grpSpPr>
-        <a:xfrm>
-          <a:off x="0" y="0"/>
-          <a:ext cx="0" cy="0"/>
-          <a:chOff x="0" y="0"/>
-          <a:chExt cx="0" cy="0"/>
-        </a:xfrm>
-      </p:grpSpPr>
-      <p:sp>
-        <p:nvSpPr>
-          <p:cNvPr id="2" name="Espace réservé du numéro de diapositive 1">
-            <a:extLst>
-              <a:ext uri="{FF2B5EF4-FFF2-40B4-BE49-F238E27FC236}">
-                <a16:creationId xmlns:a16="http://schemas.microsoft.com/office/drawing/2014/main" id="{307CD35D-C196-8AB1-FFF9-AB018C366CEA}"/>
-              </a:ext>
-            </a:extLst>
-          </p:cNvPr>
-          <p:cNvSpPr>
-            <a:spLocks noGrp="1"/>
-          </p:cNvSpPr>
-          <p:nvPr>
-            <p:ph type="sldNum" sz="quarter" idx="4"/>
-          </p:nvPr>
-        </p:nvSpPr>
-        <p:spPr/>
-        <p:txBody>
-          <a:bodyPr/>
-          <a:lstStyle/>
-          <a:p>
-            <a:fld id="{F546B7B7-7D14-4795-A998-350CFB2BDD43}" type="slidenum">
-              <a:rPr lang="fr-FR" smtClean="0"/>
-              <a:pPr/>
-              <a:t>17</a:t>
-            </a:fld>
-            <a:endParaRPr lang="fr-FR"/>
-          </a:p>
-        </p:txBody>
-      </p:sp>
-      <p:sp>
-        <p:nvSpPr>
-          <p:cNvPr id="3" name="ZoneTexte 2">
-            <a:extLst>
-              <a:ext uri="{FF2B5EF4-FFF2-40B4-BE49-F238E27FC236}">
-                <a16:creationId xmlns:a16="http://schemas.microsoft.com/office/drawing/2014/main" id="{878B9E7B-FEF6-801C-F4E4-1CAEF85A2D4A}"/>
-              </a:ext>
-            </a:extLst>
-          </p:cNvPr>
-          <p:cNvSpPr txBox="1"/>
-          <p:nvPr/>
-        </p:nvSpPr>
-        <p:spPr>
-          <a:xfrm>
-            <a:off x="2" y="532969"/>
-            <a:ext cx="12191999" cy="646331"/>
-          </a:xfrm>
-          <a:prstGeom prst="rect">
-            <a:avLst/>
-          </a:prstGeom>
-          <a:solidFill>
-            <a:srgbClr val="006A5A"/>
-          </a:solidFill>
-        </p:spPr>
-        <p:txBody>
-          <a:bodyPr wrap="square" rtlCol="0">
-            <a:spAutoFit/>
-          </a:bodyPr>
-          <a:lstStyle/>
-          <a:p>
-            <a:r>
-              <a:rPr lang="fr-FR" sz="3600" b="1" dirty="0">
-                <a:solidFill>
-                  <a:schemeClr val="bg1"/>
-                </a:solidFill>
-                <a:latin typeface="Gill Sans MT" panose="020B0502020104020203" pitchFamily="34" charset="0"/>
-              </a:rPr>
-              <a:t>3.4. Analyse spatiale</a:t>
-            </a:r>
-          </a:p>
-        </p:txBody>
-      </p:sp>
-      <p:pic>
-        <p:nvPicPr>
-          <p:cNvPr id="4" name="Graphique 3" descr="Flèches de chevron">
-            <a:extLst>
-              <a:ext uri="{FF2B5EF4-FFF2-40B4-BE49-F238E27FC236}">
-                <a16:creationId xmlns:a16="http://schemas.microsoft.com/office/drawing/2014/main" id="{8288C3CE-3777-3364-D5FF-62CE4CE53844}"/>
-              </a:ext>
-            </a:extLst>
-          </p:cNvPr>
-          <p:cNvPicPr>
-            <a:picLocks noChangeAspect="1"/>
-          </p:cNvPicPr>
-          <p:nvPr/>
-        </p:nvPicPr>
-        <p:blipFill>
-          <a:blip r:embed="rId2">
-            <a:extLst>
-              <a:ext uri="{28A0092B-C50C-407E-A947-70E740481C1C}">
-                <a14:useLocalDpi xmlns:a14="http://schemas.microsoft.com/office/drawing/2010/main" val="0"/>
-              </a:ext>
-              <a:ext uri="{96DAC541-7B7A-43D3-8B79-37D633B846F1}">
-                <asvg:svgBlip xmlns:asvg="http://schemas.microsoft.com/office/drawing/2016/SVG/main" r:embed="rId3"/>
-              </a:ext>
-            </a:extLst>
-          </a:blip>
-          <a:stretch>
-            <a:fillRect/>
-          </a:stretch>
-        </p:blipFill>
-        <p:spPr>
-          <a:xfrm>
-            <a:off x="11078692" y="266700"/>
-            <a:ext cx="1170459" cy="1170459"/>
-          </a:xfrm>
-          <a:prstGeom prst="rect">
-            <a:avLst/>
-          </a:prstGeom>
-        </p:spPr>
-      </p:pic>
-      <p:pic>
-        <p:nvPicPr>
-          <p:cNvPr id="10" name="Image 9">
-            <a:extLst>
-              <a:ext uri="{FF2B5EF4-FFF2-40B4-BE49-F238E27FC236}">
-                <a16:creationId xmlns:a16="http://schemas.microsoft.com/office/drawing/2014/main" id="{506D8B6A-6540-DE0F-D902-BAFDC4D7FC2E}"/>
-              </a:ext>
-            </a:extLst>
-          </p:cNvPr>
-          <p:cNvPicPr>
-            <a:picLocks noChangeAspect="1"/>
-          </p:cNvPicPr>
-          <p:nvPr/>
-        </p:nvPicPr>
-        <p:blipFill>
-          <a:blip r:embed="rId4">
-            <a:extLst>
-              <a:ext uri="{28A0092B-C50C-407E-A947-70E740481C1C}">
-                <a14:useLocalDpi xmlns:a14="http://schemas.microsoft.com/office/drawing/2010/main" val="0"/>
-              </a:ext>
-            </a:extLst>
-          </a:blip>
-          <a:stretch>
-            <a:fillRect/>
-          </a:stretch>
-        </p:blipFill>
-        <p:spPr>
-          <a:xfrm>
-            <a:off x="390421" y="1983683"/>
-            <a:ext cx="5476978" cy="3791754"/>
-          </a:xfrm>
-          <a:prstGeom prst="rect">
-            <a:avLst/>
-          </a:prstGeom>
-        </p:spPr>
-      </p:pic>
-    </p:spTree>
-    <p:extLst>
-      <p:ext uri="{BB962C8B-B14F-4D97-AF65-F5344CB8AC3E}">
-        <p14:creationId xmlns:p14="http://schemas.microsoft.com/office/powerpoint/2010/main" val="3701572500"/>
-      </p:ext>
-    </p:extLst>
-  </p:cSld>
-  <p:clrMapOvr>
-    <a:masterClrMapping/>
-  </p:clrMapOvr>
-</p:sld>
-</file>
-
-<file path=ppt/slides/slide18.xml><?xml version="1.0" encoding="utf-8"?>
-<p:sld xmlns:a="http://schemas.openxmlformats.org/drawingml/2006/main" xmlns:r="http://schemas.openxmlformats.org/officeDocument/2006/relationships" xmlns:p="http://schemas.openxmlformats.org/presentationml/2006/main">
-  <p:cSld>
-    <p:spTree>
-      <p:nvGrpSpPr>
-        <p:cNvPr id="1" name="">
-          <a:extLst>
-            <a:ext uri="{FF2B5EF4-FFF2-40B4-BE49-F238E27FC236}">
-              <a16:creationId xmlns:a16="http://schemas.microsoft.com/office/drawing/2014/main" id="{905C0218-4730-E7FC-389E-E2DFB35D845C}"/>
-            </a:ext>
-          </a:extLst>
-        </p:cNvPr>
-        <p:cNvGrpSpPr/>
-        <p:nvPr/>
-      </p:nvGrpSpPr>
-      <p:grpSpPr>
-        <a:xfrm>
-          <a:off x="0" y="0"/>
-          <a:ext cx="0" cy="0"/>
-          <a:chOff x="0" y="0"/>
-          <a:chExt cx="0" cy="0"/>
-        </a:xfrm>
-      </p:grpSpPr>
-      <p:sp>
-        <p:nvSpPr>
-          <p:cNvPr id="2" name="Espace réservé du numéro de diapositive 1">
-            <a:extLst>
-              <a:ext uri="{FF2B5EF4-FFF2-40B4-BE49-F238E27FC236}">
-                <a16:creationId xmlns:a16="http://schemas.microsoft.com/office/drawing/2014/main" id="{BA0CA7D5-9545-5F30-1B00-C339B55C4A5A}"/>
-              </a:ext>
-            </a:extLst>
-          </p:cNvPr>
-          <p:cNvSpPr>
-            <a:spLocks noGrp="1"/>
-          </p:cNvSpPr>
-          <p:nvPr>
-            <p:ph type="sldNum" sz="quarter" idx="4"/>
-          </p:nvPr>
-        </p:nvSpPr>
-        <p:spPr/>
-        <p:txBody>
-          <a:bodyPr/>
-          <a:lstStyle/>
-          <a:p>
-            <a:fld id="{F546B7B7-7D14-4795-A998-350CFB2BDD43}" type="slidenum">
-              <a:rPr lang="fr-FR" smtClean="0"/>
-              <a:pPr/>
-              <a:t>18</a:t>
-            </a:fld>
-            <a:endParaRPr lang="fr-FR"/>
-          </a:p>
-        </p:txBody>
-      </p:sp>
-      <p:sp>
-        <p:nvSpPr>
-          <p:cNvPr id="3" name="ZoneTexte 2">
-            <a:extLst>
-              <a:ext uri="{FF2B5EF4-FFF2-40B4-BE49-F238E27FC236}">
-                <a16:creationId xmlns:a16="http://schemas.microsoft.com/office/drawing/2014/main" id="{0744BEE0-ACF6-7AA0-7C96-ACBDE12D1D38}"/>
-              </a:ext>
-            </a:extLst>
-          </p:cNvPr>
-          <p:cNvSpPr txBox="1"/>
-          <p:nvPr/>
-        </p:nvSpPr>
-        <p:spPr>
-          <a:xfrm>
-            <a:off x="2" y="532969"/>
-            <a:ext cx="12191999" cy="646331"/>
-          </a:xfrm>
-          <a:prstGeom prst="rect">
-            <a:avLst/>
-          </a:prstGeom>
-          <a:solidFill>
-            <a:srgbClr val="006A5A"/>
-          </a:solidFill>
-        </p:spPr>
-        <p:txBody>
-          <a:bodyPr wrap="square" rtlCol="0">
-            <a:spAutoFit/>
-          </a:bodyPr>
-          <a:lstStyle/>
-          <a:p>
-            <a:r>
-              <a:rPr lang="fr-FR" sz="3600" b="1" dirty="0">
-                <a:solidFill>
-                  <a:schemeClr val="bg1"/>
-                </a:solidFill>
-                <a:latin typeface="Gill Sans MT" panose="020B0502020104020203" pitchFamily="34" charset="0"/>
-              </a:rPr>
-              <a:t>3.4. Analyse spatiale</a:t>
-            </a:r>
-          </a:p>
-        </p:txBody>
-      </p:sp>
-      <p:pic>
-        <p:nvPicPr>
-          <p:cNvPr id="4" name="Graphique 3" descr="Flèches de chevron">
-            <a:extLst>
-              <a:ext uri="{FF2B5EF4-FFF2-40B4-BE49-F238E27FC236}">
-                <a16:creationId xmlns:a16="http://schemas.microsoft.com/office/drawing/2014/main" id="{494D4D24-E698-F55E-9951-D464D56B12C0}"/>
-              </a:ext>
-            </a:extLst>
-          </p:cNvPr>
-          <p:cNvPicPr>
-            <a:picLocks noChangeAspect="1"/>
-          </p:cNvPicPr>
-          <p:nvPr/>
-        </p:nvPicPr>
-        <p:blipFill>
-          <a:blip r:embed="rId2">
-            <a:extLst>
-              <a:ext uri="{28A0092B-C50C-407E-A947-70E740481C1C}">
-                <a14:useLocalDpi xmlns:a14="http://schemas.microsoft.com/office/drawing/2010/main" val="0"/>
-              </a:ext>
-              <a:ext uri="{96DAC541-7B7A-43D3-8B79-37D633B846F1}">
-                <asvg:svgBlip xmlns:asvg="http://schemas.microsoft.com/office/drawing/2016/SVG/main" r:embed="rId3"/>
-              </a:ext>
-            </a:extLst>
-          </a:blip>
-          <a:stretch>
-            <a:fillRect/>
-          </a:stretch>
-        </p:blipFill>
-        <p:spPr>
-          <a:xfrm>
-            <a:off x="11078692" y="266700"/>
-            <a:ext cx="1170459" cy="1170459"/>
-          </a:xfrm>
-          <a:prstGeom prst="rect">
-            <a:avLst/>
-          </a:prstGeom>
-        </p:spPr>
-      </p:pic>
-      <p:pic>
-        <p:nvPicPr>
-          <p:cNvPr id="8" name="Image 7">
-            <a:extLst>
-              <a:ext uri="{FF2B5EF4-FFF2-40B4-BE49-F238E27FC236}">
-                <a16:creationId xmlns:a16="http://schemas.microsoft.com/office/drawing/2014/main" id="{A4506E19-AFB1-D647-C157-3C009B0B76E9}"/>
-              </a:ext>
-            </a:extLst>
-          </p:cNvPr>
-          <p:cNvPicPr>
-            <a:picLocks noChangeAspect="1"/>
-          </p:cNvPicPr>
-          <p:nvPr/>
-        </p:nvPicPr>
-        <p:blipFill>
-          <a:blip r:embed="rId4">
-            <a:extLst>
-              <a:ext uri="{28A0092B-C50C-407E-A947-70E740481C1C}">
-                <a14:useLocalDpi xmlns:a14="http://schemas.microsoft.com/office/drawing/2010/main" val="0"/>
-              </a:ext>
-            </a:extLst>
-          </a:blip>
-          <a:stretch>
-            <a:fillRect/>
-          </a:stretch>
-        </p:blipFill>
-        <p:spPr>
-          <a:xfrm>
-            <a:off x="1489436" y="1437159"/>
-            <a:ext cx="6386141" cy="4887224"/>
-          </a:xfrm>
-          <a:prstGeom prst="rect">
-            <a:avLst/>
-          </a:prstGeom>
-        </p:spPr>
-      </p:pic>
-    </p:spTree>
-    <p:extLst>
-      <p:ext uri="{BB962C8B-B14F-4D97-AF65-F5344CB8AC3E}">
-        <p14:creationId xmlns:p14="http://schemas.microsoft.com/office/powerpoint/2010/main" val="948134466"/>
-      </p:ext>
-    </p:extLst>
-  </p:cSld>
-  <p:clrMapOvr>
-    <a:masterClrMapping/>
-  </p:clrMapOvr>
-</p:sld>
-</file>
-
-<file path=ppt/slides/slide19.xml><?xml version="1.0" encoding="utf-8"?>
-<p:sld xmlns:a="http://schemas.openxmlformats.org/drawingml/2006/main" xmlns:r="http://schemas.openxmlformats.org/officeDocument/2006/relationships" xmlns:p="http://schemas.openxmlformats.org/presentationml/2006/main">
-  <p:cSld>
-    <p:spTree>
-      <p:nvGrpSpPr>
-        <p:cNvPr id="1" name=""/>
-        <p:cNvGrpSpPr/>
-        <p:nvPr/>
-      </p:nvGrpSpPr>
-      <p:grpSpPr>
-        <a:xfrm>
-          <a:off x="0" y="0"/>
-          <a:ext cx="0" cy="0"/>
-          <a:chOff x="0" y="0"/>
-          <a:chExt cx="0" cy="0"/>
-        </a:xfrm>
-      </p:grpSpPr>
-      <p:sp>
-        <p:nvSpPr>
-          <p:cNvPr id="2" name="Espace réservé du numéro de diapositive 1">
-            <a:extLst>
-              <a:ext uri="{FF2B5EF4-FFF2-40B4-BE49-F238E27FC236}">
-                <a16:creationId xmlns:a16="http://schemas.microsoft.com/office/drawing/2014/main" id="{99099CF5-8A9C-3CE8-6FAF-040793C642E9}"/>
-              </a:ext>
-            </a:extLst>
-          </p:cNvPr>
-          <p:cNvSpPr>
-            <a:spLocks noGrp="1"/>
-          </p:cNvSpPr>
-          <p:nvPr>
-            <p:ph type="sldNum" sz="quarter" idx="4"/>
-          </p:nvPr>
-        </p:nvSpPr>
-        <p:spPr/>
-        <p:txBody>
-          <a:bodyPr/>
-          <a:lstStyle/>
-          <a:p>
-            <a:fld id="{F546B7B7-7D14-4795-A998-350CFB2BDD43}" type="slidenum">
-              <a:rPr lang="fr-FR" smtClean="0"/>
-              <a:pPr/>
-              <a:t>19</a:t>
-            </a:fld>
-            <a:endParaRPr lang="fr-FR"/>
-          </a:p>
-        </p:txBody>
-      </p:sp>
-    </p:spTree>
-    <p:extLst>
-      <p:ext uri="{BB962C8B-B14F-4D97-AF65-F5344CB8AC3E}">
-        <p14:creationId xmlns:p14="http://schemas.microsoft.com/office/powerpoint/2010/main" val="1774505122"/>
       </p:ext>
     </p:extLst>
   </p:cSld>
@@ -9927,6 +10710,617 @@
         <p:cNvPr id="1" name="">
           <a:extLst>
             <a:ext uri="{FF2B5EF4-FFF2-40B4-BE49-F238E27FC236}">
+              <a16:creationId xmlns:a16="http://schemas.microsoft.com/office/drawing/2014/main" id="{193A7ACD-2A1B-AC0E-F329-7CBB11351696}"/>
+            </a:ext>
+          </a:extLst>
+        </p:cNvPr>
+        <p:cNvGrpSpPr/>
+        <p:nvPr/>
+      </p:nvGrpSpPr>
+      <p:grpSpPr>
+        <a:xfrm>
+          <a:off x="0" y="0"/>
+          <a:ext cx="0" cy="0"/>
+          <a:chOff x="0" y="0"/>
+          <a:chExt cx="0" cy="0"/>
+        </a:xfrm>
+      </p:grpSpPr>
+      <p:sp>
+        <p:nvSpPr>
+          <p:cNvPr id="2" name="Espace réservé du numéro de diapositive 1">
+            <a:extLst>
+              <a:ext uri="{FF2B5EF4-FFF2-40B4-BE49-F238E27FC236}">
+                <a16:creationId xmlns:a16="http://schemas.microsoft.com/office/drawing/2014/main" id="{B714C479-D635-8DC9-C2E2-0AE742E9CD30}"/>
+              </a:ext>
+            </a:extLst>
+          </p:cNvPr>
+          <p:cNvSpPr>
+            <a:spLocks noGrp="1"/>
+          </p:cNvSpPr>
+          <p:nvPr>
+            <p:ph type="sldNum" sz="quarter" idx="4"/>
+          </p:nvPr>
+        </p:nvSpPr>
+        <p:spPr/>
+        <p:txBody>
+          <a:bodyPr/>
+          <a:lstStyle/>
+          <a:p>
+            <a:fld id="{F546B7B7-7D14-4795-A998-350CFB2BDD43}" type="slidenum">
+              <a:rPr lang="fr-FR" smtClean="0"/>
+              <a:pPr/>
+              <a:t>20</a:t>
+            </a:fld>
+            <a:endParaRPr lang="fr-FR"/>
+          </a:p>
+        </p:txBody>
+      </p:sp>
+      <p:sp>
+        <p:nvSpPr>
+          <p:cNvPr id="3" name="ZoneTexte 2">
+            <a:extLst>
+              <a:ext uri="{FF2B5EF4-FFF2-40B4-BE49-F238E27FC236}">
+                <a16:creationId xmlns:a16="http://schemas.microsoft.com/office/drawing/2014/main" id="{B5EE6512-DC26-4090-606E-89CCCDEB859A}"/>
+              </a:ext>
+            </a:extLst>
+          </p:cNvPr>
+          <p:cNvSpPr txBox="1"/>
+          <p:nvPr/>
+        </p:nvSpPr>
+        <p:spPr>
+          <a:xfrm>
+            <a:off x="2" y="532969"/>
+            <a:ext cx="12191999" cy="646331"/>
+          </a:xfrm>
+          <a:prstGeom prst="rect">
+            <a:avLst/>
+          </a:prstGeom>
+          <a:solidFill>
+            <a:srgbClr val="006A5A"/>
+          </a:solidFill>
+        </p:spPr>
+        <p:txBody>
+          <a:bodyPr wrap="square" rtlCol="0">
+            <a:spAutoFit/>
+          </a:bodyPr>
+          <a:lstStyle/>
+          <a:p>
+            <a:pPr>
+              <a:buNone/>
+            </a:pPr>
+            <a:r>
+              <a:rPr lang="fr-FR" sz="3600" b="1" dirty="0">
+                <a:solidFill>
+                  <a:schemeClr val="bg1"/>
+                </a:solidFill>
+                <a:latin typeface="Gill Sans MT" panose="020B0502020104020203" pitchFamily="34" charset="0"/>
+              </a:rPr>
+              <a:t>3.3. </a:t>
+            </a:r>
+            <a:r>
+              <a:rPr lang="fr-FR" sz="3600" b="1" dirty="0">
+                <a:solidFill>
+                  <a:schemeClr val="bg1"/>
+                </a:solidFill>
+                <a:effectLst/>
+                <a:latin typeface="Gill Sans MT" panose="020B0502020104020203" pitchFamily="34" charset="0"/>
+              </a:rPr>
+              <a:t>Taux de consultations et </a:t>
+            </a:r>
+            <a:r>
+              <a:rPr lang="fr-FR" sz="3600" b="1" dirty="0">
+                <a:solidFill>
+                  <a:schemeClr val="bg1"/>
+                </a:solidFill>
+                <a:latin typeface="Gill Sans MT" panose="020B0502020104020203" pitchFamily="34" charset="0"/>
+              </a:rPr>
+              <a:t>autre</a:t>
+            </a:r>
+            <a:r>
+              <a:rPr lang="fr-FR" sz="3600" b="1" dirty="0">
+                <a:solidFill>
+                  <a:schemeClr val="bg1"/>
+                </a:solidFill>
+                <a:effectLst/>
+                <a:latin typeface="Gill Sans MT" panose="020B0502020104020203" pitchFamily="34" charset="0"/>
+              </a:rPr>
+              <a:t>s variables</a:t>
+            </a:r>
+            <a:endParaRPr lang="fr-FR" sz="3600" b="1" dirty="0">
+              <a:solidFill>
+                <a:schemeClr val="bg1"/>
+              </a:solidFill>
+              <a:latin typeface="Gill Sans MT" panose="020B0502020104020203" pitchFamily="34" charset="0"/>
+            </a:endParaRPr>
+          </a:p>
+        </p:txBody>
+      </p:sp>
+      <p:pic>
+        <p:nvPicPr>
+          <p:cNvPr id="4" name="Graphique 3" descr="Flèches de chevron">
+            <a:extLst>
+              <a:ext uri="{FF2B5EF4-FFF2-40B4-BE49-F238E27FC236}">
+                <a16:creationId xmlns:a16="http://schemas.microsoft.com/office/drawing/2014/main" id="{23E52591-03C7-4585-490F-C1B34F3A810E}"/>
+              </a:ext>
+            </a:extLst>
+          </p:cNvPr>
+          <p:cNvPicPr>
+            <a:picLocks noChangeAspect="1"/>
+          </p:cNvPicPr>
+          <p:nvPr/>
+        </p:nvPicPr>
+        <p:blipFill>
+          <a:blip r:embed="rId2">
+            <a:extLst>
+              <a:ext uri="{28A0092B-C50C-407E-A947-70E740481C1C}">
+                <a14:useLocalDpi xmlns:a14="http://schemas.microsoft.com/office/drawing/2010/main" val="0"/>
+              </a:ext>
+              <a:ext uri="{96DAC541-7B7A-43D3-8B79-37D633B846F1}">
+                <asvg:svgBlip xmlns:asvg="http://schemas.microsoft.com/office/drawing/2016/SVG/main" r:embed="rId3"/>
+              </a:ext>
+            </a:extLst>
+          </a:blip>
+          <a:stretch>
+            <a:fillRect/>
+          </a:stretch>
+        </p:blipFill>
+        <p:spPr>
+          <a:xfrm>
+            <a:off x="11078692" y="266700"/>
+            <a:ext cx="1170459" cy="1170459"/>
+          </a:xfrm>
+          <a:prstGeom prst="rect">
+            <a:avLst/>
+          </a:prstGeom>
+        </p:spPr>
+      </p:pic>
+    </p:spTree>
+    <p:extLst>
+      <p:ext uri="{BB962C8B-B14F-4D97-AF65-F5344CB8AC3E}">
+        <p14:creationId xmlns:p14="http://schemas.microsoft.com/office/powerpoint/2010/main" val="483483113"/>
+      </p:ext>
+    </p:extLst>
+  </p:cSld>
+  <p:clrMapOvr>
+    <a:masterClrMapping/>
+  </p:clrMapOvr>
+</p:sld>
+</file>
+
+<file path=ppt/slides/slide21.xml><?xml version="1.0" encoding="utf-8"?>
+<p:sld xmlns:a="http://schemas.openxmlformats.org/drawingml/2006/main" xmlns:r="http://schemas.openxmlformats.org/officeDocument/2006/relationships" xmlns:p="http://schemas.openxmlformats.org/presentationml/2006/main">
+  <p:cSld>
+    <p:spTree>
+      <p:nvGrpSpPr>
+        <p:cNvPr id="1" name="">
+          <a:extLst>
+            <a:ext uri="{FF2B5EF4-FFF2-40B4-BE49-F238E27FC236}">
+              <a16:creationId xmlns:a16="http://schemas.microsoft.com/office/drawing/2014/main" id="{A85BC548-9013-9E28-3C00-71BFAA209028}"/>
+            </a:ext>
+          </a:extLst>
+        </p:cNvPr>
+        <p:cNvGrpSpPr/>
+        <p:nvPr/>
+      </p:nvGrpSpPr>
+      <p:grpSpPr>
+        <a:xfrm>
+          <a:off x="0" y="0"/>
+          <a:ext cx="0" cy="0"/>
+          <a:chOff x="0" y="0"/>
+          <a:chExt cx="0" cy="0"/>
+        </a:xfrm>
+      </p:grpSpPr>
+      <p:sp>
+        <p:nvSpPr>
+          <p:cNvPr id="2" name="Espace réservé du numéro de diapositive 1">
+            <a:extLst>
+              <a:ext uri="{FF2B5EF4-FFF2-40B4-BE49-F238E27FC236}">
+                <a16:creationId xmlns:a16="http://schemas.microsoft.com/office/drawing/2014/main" id="{307CD35D-C196-8AB1-FFF9-AB018C366CEA}"/>
+              </a:ext>
+            </a:extLst>
+          </p:cNvPr>
+          <p:cNvSpPr>
+            <a:spLocks noGrp="1"/>
+          </p:cNvSpPr>
+          <p:nvPr>
+            <p:ph type="sldNum" sz="quarter" idx="4"/>
+          </p:nvPr>
+        </p:nvSpPr>
+        <p:spPr/>
+        <p:txBody>
+          <a:bodyPr/>
+          <a:lstStyle/>
+          <a:p>
+            <a:fld id="{F546B7B7-7D14-4795-A998-350CFB2BDD43}" type="slidenum">
+              <a:rPr lang="fr-FR" smtClean="0"/>
+              <a:pPr/>
+              <a:t>21</a:t>
+            </a:fld>
+            <a:endParaRPr lang="fr-FR"/>
+          </a:p>
+        </p:txBody>
+      </p:sp>
+      <p:sp>
+        <p:nvSpPr>
+          <p:cNvPr id="3" name="ZoneTexte 2">
+            <a:extLst>
+              <a:ext uri="{FF2B5EF4-FFF2-40B4-BE49-F238E27FC236}">
+                <a16:creationId xmlns:a16="http://schemas.microsoft.com/office/drawing/2014/main" id="{878B9E7B-FEF6-801C-F4E4-1CAEF85A2D4A}"/>
+              </a:ext>
+            </a:extLst>
+          </p:cNvPr>
+          <p:cNvSpPr txBox="1"/>
+          <p:nvPr/>
+        </p:nvSpPr>
+        <p:spPr>
+          <a:xfrm>
+            <a:off x="2" y="532969"/>
+            <a:ext cx="12191999" cy="646331"/>
+          </a:xfrm>
+          <a:prstGeom prst="rect">
+            <a:avLst/>
+          </a:prstGeom>
+          <a:solidFill>
+            <a:srgbClr val="006A5A"/>
+          </a:solidFill>
+        </p:spPr>
+        <p:txBody>
+          <a:bodyPr wrap="square" rtlCol="0">
+            <a:spAutoFit/>
+          </a:bodyPr>
+          <a:lstStyle/>
+          <a:p>
+            <a:r>
+              <a:rPr lang="fr-FR" sz="3600" b="1" dirty="0">
+                <a:solidFill>
+                  <a:schemeClr val="bg1"/>
+                </a:solidFill>
+                <a:latin typeface="Gill Sans MT" panose="020B0502020104020203" pitchFamily="34" charset="0"/>
+              </a:rPr>
+              <a:t>3.4. Analyse spatiale</a:t>
+            </a:r>
+          </a:p>
+        </p:txBody>
+      </p:sp>
+      <p:pic>
+        <p:nvPicPr>
+          <p:cNvPr id="4" name="Graphique 3" descr="Flèches de chevron">
+            <a:extLst>
+              <a:ext uri="{FF2B5EF4-FFF2-40B4-BE49-F238E27FC236}">
+                <a16:creationId xmlns:a16="http://schemas.microsoft.com/office/drawing/2014/main" id="{8288C3CE-3777-3364-D5FF-62CE4CE53844}"/>
+              </a:ext>
+            </a:extLst>
+          </p:cNvPr>
+          <p:cNvPicPr>
+            <a:picLocks noChangeAspect="1"/>
+          </p:cNvPicPr>
+          <p:nvPr/>
+        </p:nvPicPr>
+        <p:blipFill>
+          <a:blip r:embed="rId2">
+            <a:extLst>
+              <a:ext uri="{28A0092B-C50C-407E-A947-70E740481C1C}">
+                <a14:useLocalDpi xmlns:a14="http://schemas.microsoft.com/office/drawing/2010/main" val="0"/>
+              </a:ext>
+              <a:ext uri="{96DAC541-7B7A-43D3-8B79-37D633B846F1}">
+                <asvg:svgBlip xmlns:asvg="http://schemas.microsoft.com/office/drawing/2016/SVG/main" r:embed="rId3"/>
+              </a:ext>
+            </a:extLst>
+          </a:blip>
+          <a:stretch>
+            <a:fillRect/>
+          </a:stretch>
+        </p:blipFill>
+        <p:spPr>
+          <a:xfrm>
+            <a:off x="11078692" y="266700"/>
+            <a:ext cx="1170459" cy="1170459"/>
+          </a:xfrm>
+          <a:prstGeom prst="rect">
+            <a:avLst/>
+          </a:prstGeom>
+        </p:spPr>
+      </p:pic>
+      <p:pic>
+        <p:nvPicPr>
+          <p:cNvPr id="10" name="Image 9">
+            <a:extLst>
+              <a:ext uri="{FF2B5EF4-FFF2-40B4-BE49-F238E27FC236}">
+                <a16:creationId xmlns:a16="http://schemas.microsoft.com/office/drawing/2014/main" id="{506D8B6A-6540-DE0F-D902-BAFDC4D7FC2E}"/>
+              </a:ext>
+            </a:extLst>
+          </p:cNvPr>
+          <p:cNvPicPr>
+            <a:picLocks noChangeAspect="1"/>
+          </p:cNvPicPr>
+          <p:nvPr/>
+        </p:nvPicPr>
+        <p:blipFill>
+          <a:blip r:embed="rId4">
+            <a:extLst>
+              <a:ext uri="{28A0092B-C50C-407E-A947-70E740481C1C}">
+                <a14:useLocalDpi xmlns:a14="http://schemas.microsoft.com/office/drawing/2010/main" val="0"/>
+              </a:ext>
+            </a:extLst>
+          </a:blip>
+          <a:stretch>
+            <a:fillRect/>
+          </a:stretch>
+        </p:blipFill>
+        <p:spPr>
+          <a:xfrm>
+            <a:off x="390421" y="1983683"/>
+            <a:ext cx="5476978" cy="3791754"/>
+          </a:xfrm>
+          <a:prstGeom prst="rect">
+            <a:avLst/>
+          </a:prstGeom>
+        </p:spPr>
+      </p:pic>
+    </p:spTree>
+    <p:extLst>
+      <p:ext uri="{BB962C8B-B14F-4D97-AF65-F5344CB8AC3E}">
+        <p14:creationId xmlns:p14="http://schemas.microsoft.com/office/powerpoint/2010/main" val="3701572500"/>
+      </p:ext>
+    </p:extLst>
+  </p:cSld>
+  <p:clrMapOvr>
+    <a:masterClrMapping/>
+  </p:clrMapOvr>
+</p:sld>
+</file>
+
+<file path=ppt/slides/slide22.xml><?xml version="1.0" encoding="utf-8"?>
+<p:sld xmlns:a="http://schemas.openxmlformats.org/drawingml/2006/main" xmlns:r="http://schemas.openxmlformats.org/officeDocument/2006/relationships" xmlns:p="http://schemas.openxmlformats.org/presentationml/2006/main">
+  <p:cSld>
+    <p:spTree>
+      <p:nvGrpSpPr>
+        <p:cNvPr id="1" name="">
+          <a:extLst>
+            <a:ext uri="{FF2B5EF4-FFF2-40B4-BE49-F238E27FC236}">
+              <a16:creationId xmlns:a16="http://schemas.microsoft.com/office/drawing/2014/main" id="{905C0218-4730-E7FC-389E-E2DFB35D845C}"/>
+            </a:ext>
+          </a:extLst>
+        </p:cNvPr>
+        <p:cNvGrpSpPr/>
+        <p:nvPr/>
+      </p:nvGrpSpPr>
+      <p:grpSpPr>
+        <a:xfrm>
+          <a:off x="0" y="0"/>
+          <a:ext cx="0" cy="0"/>
+          <a:chOff x="0" y="0"/>
+          <a:chExt cx="0" cy="0"/>
+        </a:xfrm>
+      </p:grpSpPr>
+      <p:sp>
+        <p:nvSpPr>
+          <p:cNvPr id="2" name="Espace réservé du numéro de diapositive 1">
+            <a:extLst>
+              <a:ext uri="{FF2B5EF4-FFF2-40B4-BE49-F238E27FC236}">
+                <a16:creationId xmlns:a16="http://schemas.microsoft.com/office/drawing/2014/main" id="{BA0CA7D5-9545-5F30-1B00-C339B55C4A5A}"/>
+              </a:ext>
+            </a:extLst>
+          </p:cNvPr>
+          <p:cNvSpPr>
+            <a:spLocks noGrp="1"/>
+          </p:cNvSpPr>
+          <p:nvPr>
+            <p:ph type="sldNum" sz="quarter" idx="4"/>
+          </p:nvPr>
+        </p:nvSpPr>
+        <p:spPr/>
+        <p:txBody>
+          <a:bodyPr/>
+          <a:lstStyle/>
+          <a:p>
+            <a:fld id="{F546B7B7-7D14-4795-A998-350CFB2BDD43}" type="slidenum">
+              <a:rPr lang="fr-FR" smtClean="0"/>
+              <a:pPr/>
+              <a:t>22</a:t>
+            </a:fld>
+            <a:endParaRPr lang="fr-FR"/>
+          </a:p>
+        </p:txBody>
+      </p:sp>
+      <p:sp>
+        <p:nvSpPr>
+          <p:cNvPr id="3" name="ZoneTexte 2">
+            <a:extLst>
+              <a:ext uri="{FF2B5EF4-FFF2-40B4-BE49-F238E27FC236}">
+                <a16:creationId xmlns:a16="http://schemas.microsoft.com/office/drawing/2014/main" id="{0744BEE0-ACF6-7AA0-7C96-ACBDE12D1D38}"/>
+              </a:ext>
+            </a:extLst>
+          </p:cNvPr>
+          <p:cNvSpPr txBox="1"/>
+          <p:nvPr/>
+        </p:nvSpPr>
+        <p:spPr>
+          <a:xfrm>
+            <a:off x="2" y="532969"/>
+            <a:ext cx="12191999" cy="646331"/>
+          </a:xfrm>
+          <a:prstGeom prst="rect">
+            <a:avLst/>
+          </a:prstGeom>
+          <a:solidFill>
+            <a:srgbClr val="006A5A"/>
+          </a:solidFill>
+        </p:spPr>
+        <p:txBody>
+          <a:bodyPr wrap="square" rtlCol="0">
+            <a:spAutoFit/>
+          </a:bodyPr>
+          <a:lstStyle/>
+          <a:p>
+            <a:r>
+              <a:rPr lang="fr-FR" sz="3600" b="1" dirty="0">
+                <a:solidFill>
+                  <a:schemeClr val="bg1"/>
+                </a:solidFill>
+                <a:latin typeface="Gill Sans MT" panose="020B0502020104020203" pitchFamily="34" charset="0"/>
+              </a:rPr>
+              <a:t>3.4. Analyse spatiale</a:t>
+            </a:r>
+          </a:p>
+        </p:txBody>
+      </p:sp>
+      <p:pic>
+        <p:nvPicPr>
+          <p:cNvPr id="4" name="Graphique 3" descr="Flèches de chevron">
+            <a:extLst>
+              <a:ext uri="{FF2B5EF4-FFF2-40B4-BE49-F238E27FC236}">
+                <a16:creationId xmlns:a16="http://schemas.microsoft.com/office/drawing/2014/main" id="{494D4D24-E698-F55E-9951-D464D56B12C0}"/>
+              </a:ext>
+            </a:extLst>
+          </p:cNvPr>
+          <p:cNvPicPr>
+            <a:picLocks noChangeAspect="1"/>
+          </p:cNvPicPr>
+          <p:nvPr/>
+        </p:nvPicPr>
+        <p:blipFill>
+          <a:blip r:embed="rId2">
+            <a:extLst>
+              <a:ext uri="{28A0092B-C50C-407E-A947-70E740481C1C}">
+                <a14:useLocalDpi xmlns:a14="http://schemas.microsoft.com/office/drawing/2010/main" val="0"/>
+              </a:ext>
+              <a:ext uri="{96DAC541-7B7A-43D3-8B79-37D633B846F1}">
+                <asvg:svgBlip xmlns:asvg="http://schemas.microsoft.com/office/drawing/2016/SVG/main" r:embed="rId3"/>
+              </a:ext>
+            </a:extLst>
+          </a:blip>
+          <a:stretch>
+            <a:fillRect/>
+          </a:stretch>
+        </p:blipFill>
+        <p:spPr>
+          <a:xfrm>
+            <a:off x="11078692" y="266700"/>
+            <a:ext cx="1170459" cy="1170459"/>
+          </a:xfrm>
+          <a:prstGeom prst="rect">
+            <a:avLst/>
+          </a:prstGeom>
+        </p:spPr>
+      </p:pic>
+      <p:pic>
+        <p:nvPicPr>
+          <p:cNvPr id="8" name="Image 7">
+            <a:extLst>
+              <a:ext uri="{FF2B5EF4-FFF2-40B4-BE49-F238E27FC236}">
+                <a16:creationId xmlns:a16="http://schemas.microsoft.com/office/drawing/2014/main" id="{A4506E19-AFB1-D647-C157-3C009B0B76E9}"/>
+              </a:ext>
+            </a:extLst>
+          </p:cNvPr>
+          <p:cNvPicPr>
+            <a:picLocks noChangeAspect="1"/>
+          </p:cNvPicPr>
+          <p:nvPr/>
+        </p:nvPicPr>
+        <p:blipFill>
+          <a:blip r:embed="rId4">
+            <a:extLst>
+              <a:ext uri="{28A0092B-C50C-407E-A947-70E740481C1C}">
+                <a14:useLocalDpi xmlns:a14="http://schemas.microsoft.com/office/drawing/2010/main" val="0"/>
+              </a:ext>
+            </a:extLst>
+          </a:blip>
+          <a:stretch>
+            <a:fillRect/>
+          </a:stretch>
+        </p:blipFill>
+        <p:spPr>
+          <a:xfrm>
+            <a:off x="1489436" y="1437159"/>
+            <a:ext cx="6386141" cy="4887224"/>
+          </a:xfrm>
+          <a:prstGeom prst="rect">
+            <a:avLst/>
+          </a:prstGeom>
+        </p:spPr>
+      </p:pic>
+    </p:spTree>
+    <p:extLst>
+      <p:ext uri="{BB962C8B-B14F-4D97-AF65-F5344CB8AC3E}">
+        <p14:creationId xmlns:p14="http://schemas.microsoft.com/office/powerpoint/2010/main" val="948134466"/>
+      </p:ext>
+    </p:extLst>
+  </p:cSld>
+  <p:clrMapOvr>
+    <a:masterClrMapping/>
+  </p:clrMapOvr>
+</p:sld>
+</file>
+
+<file path=ppt/slides/slide23.xml><?xml version="1.0" encoding="utf-8"?>
+<p:sld xmlns:a="http://schemas.openxmlformats.org/drawingml/2006/main" xmlns:r="http://schemas.openxmlformats.org/officeDocument/2006/relationships" xmlns:p="http://schemas.openxmlformats.org/presentationml/2006/main">
+  <p:cSld>
+    <p:spTree>
+      <p:nvGrpSpPr>
+        <p:cNvPr id="1" name=""/>
+        <p:cNvGrpSpPr/>
+        <p:nvPr/>
+      </p:nvGrpSpPr>
+      <p:grpSpPr>
+        <a:xfrm>
+          <a:off x="0" y="0"/>
+          <a:ext cx="0" cy="0"/>
+          <a:chOff x="0" y="0"/>
+          <a:chExt cx="0" cy="0"/>
+        </a:xfrm>
+      </p:grpSpPr>
+      <p:sp>
+        <p:nvSpPr>
+          <p:cNvPr id="2" name="Espace réservé du numéro de diapositive 1">
+            <a:extLst>
+              <a:ext uri="{FF2B5EF4-FFF2-40B4-BE49-F238E27FC236}">
+                <a16:creationId xmlns:a16="http://schemas.microsoft.com/office/drawing/2014/main" id="{99099CF5-8A9C-3CE8-6FAF-040793C642E9}"/>
+              </a:ext>
+            </a:extLst>
+          </p:cNvPr>
+          <p:cNvSpPr>
+            <a:spLocks noGrp="1"/>
+          </p:cNvSpPr>
+          <p:nvPr>
+            <p:ph type="sldNum" sz="quarter" idx="4"/>
+          </p:nvPr>
+        </p:nvSpPr>
+        <p:spPr/>
+        <p:txBody>
+          <a:bodyPr/>
+          <a:lstStyle/>
+          <a:p>
+            <a:fld id="{F546B7B7-7D14-4795-A998-350CFB2BDD43}" type="slidenum">
+              <a:rPr lang="fr-FR" smtClean="0"/>
+              <a:pPr/>
+              <a:t>23</a:t>
+            </a:fld>
+            <a:endParaRPr lang="fr-FR"/>
+          </a:p>
+        </p:txBody>
+      </p:sp>
+    </p:spTree>
+    <p:extLst>
+      <p:ext uri="{BB962C8B-B14F-4D97-AF65-F5344CB8AC3E}">
+        <p14:creationId xmlns:p14="http://schemas.microsoft.com/office/powerpoint/2010/main" val="1774505122"/>
+      </p:ext>
+    </p:extLst>
+  </p:cSld>
+  <p:clrMapOvr>
+    <a:masterClrMapping/>
+  </p:clrMapOvr>
+</p:sld>
+</file>
+
+<file path=ppt/slides/slide24.xml><?xml version="1.0" encoding="utf-8"?>
+<p:sld xmlns:a="http://schemas.openxmlformats.org/drawingml/2006/main" xmlns:r="http://schemas.openxmlformats.org/officeDocument/2006/relationships" xmlns:p="http://schemas.openxmlformats.org/presentationml/2006/main">
+  <p:cSld>
+    <p:spTree>
+      <p:nvGrpSpPr>
+        <p:cNvPr id="1" name="">
+          <a:extLst>
+            <a:ext uri="{FF2B5EF4-FFF2-40B4-BE49-F238E27FC236}">
               <a16:creationId xmlns:a16="http://schemas.microsoft.com/office/drawing/2014/main" id="{F30D924C-E715-F9B4-8AFC-FD07EA503B33}"/>
             </a:ext>
           </a:extLst>
@@ -9966,7 +11360,7 @@
             <a:fld id="{F546B7B7-7D14-4795-A998-350CFB2BDD43}" type="slidenum">
               <a:rPr lang="fr-FR" smtClean="0"/>
               <a:pPr/>
-              <a:t>20</a:t>
+              <a:t>24</a:t>
             </a:fld>
             <a:endParaRPr lang="fr-FR"/>
           </a:p>
@@ -10066,7 +11460,7 @@
 </p:sld>
 </file>
 
-<file path=ppt/slides/slide21.xml><?xml version="1.0" encoding="utf-8"?>
+<file path=ppt/slides/slide25.xml><?xml version="1.0" encoding="utf-8"?>
 <p:sld xmlns:a="http://schemas.openxmlformats.org/drawingml/2006/main" xmlns:r="http://schemas.openxmlformats.org/officeDocument/2006/relationships" xmlns:p="http://schemas.openxmlformats.org/presentationml/2006/main">
   <p:cSld>
     <p:spTree>
@@ -10113,7 +11507,7 @@
             <a:fld id="{F546B7B7-7D14-4795-A998-350CFB2BDD43}" type="slidenum">
               <a:rPr lang="fr-FR" smtClean="0"/>
               <a:pPr/>
-              <a:t>21</a:t>
+              <a:t>25</a:t>
             </a:fld>
             <a:endParaRPr lang="fr-FR"/>
           </a:p>
@@ -10231,7 +11625,7 @@
 </p:sld>
 </file>
 
-<file path=ppt/slides/slide22.xml><?xml version="1.0" encoding="utf-8"?>
+<file path=ppt/slides/slide26.xml><?xml version="1.0" encoding="utf-8"?>
 <p:sld xmlns:a="http://schemas.openxmlformats.org/drawingml/2006/main" xmlns:r="http://schemas.openxmlformats.org/officeDocument/2006/relationships" xmlns:p="http://schemas.openxmlformats.org/presentationml/2006/main">
   <p:cSld>
     <p:spTree>
@@ -10278,7 +11672,7 @@
             <a:fld id="{F546B7B7-7D14-4795-A998-350CFB2BDD43}" type="slidenum">
               <a:rPr lang="fr-FR" smtClean="0"/>
               <a:pPr/>
-              <a:t>22</a:t>
+              <a:t>26</a:t>
             </a:fld>
             <a:endParaRPr lang="fr-FR"/>
           </a:p>
@@ -10378,7 +11772,7 @@
 </p:sld>
 </file>
 
-<file path=ppt/slides/slide23.xml><?xml version="1.0" encoding="utf-8"?>
+<file path=ppt/slides/slide27.xml><?xml version="1.0" encoding="utf-8"?>
 <p:sld xmlns:a="http://schemas.openxmlformats.org/drawingml/2006/main" xmlns:r="http://schemas.openxmlformats.org/officeDocument/2006/relationships" xmlns:p="http://schemas.openxmlformats.org/presentationml/2006/main">
   <p:cSld>
     <p:spTree>
@@ -10425,7 +11819,7 @@
             <a:fld id="{F546B7B7-7D14-4795-A998-350CFB2BDD43}" type="slidenum">
               <a:rPr lang="fr-FR" smtClean="0"/>
               <a:pPr/>
-              <a:t>23</a:t>
+              <a:t>27</a:t>
             </a:fld>
             <a:endParaRPr lang="fr-FR"/>
           </a:p>
@@ -10525,7 +11919,7 @@
 </p:sld>
 </file>
 
-<file path=ppt/slides/slide24.xml><?xml version="1.0" encoding="utf-8"?>
+<file path=ppt/slides/slide28.xml><?xml version="1.0" encoding="utf-8"?>
 <p:sld xmlns:a="http://schemas.openxmlformats.org/drawingml/2006/main" xmlns:r="http://schemas.openxmlformats.org/officeDocument/2006/relationships" xmlns:p="http://schemas.openxmlformats.org/presentationml/2006/main">
   <p:cSld>
     <p:spTree>
@@ -10572,7 +11966,7 @@
             <a:fld id="{F546B7B7-7D14-4795-A998-350CFB2BDD43}" type="slidenum">
               <a:rPr lang="fr-FR" smtClean="0"/>
               <a:pPr/>
-              <a:t>24</a:t>
+              <a:t>28</a:t>
             </a:fld>
             <a:endParaRPr lang="fr-FR"/>
           </a:p>
@@ -10708,7 +12102,7 @@
 </p:sld>
 </file>
 
-<file path=ppt/slides/slide25.xml><?xml version="1.0" encoding="utf-8"?>
+<file path=ppt/slides/slide29.xml><?xml version="1.0" encoding="utf-8"?>
 <p:sld xmlns:a="http://schemas.openxmlformats.org/drawingml/2006/main" xmlns:r="http://schemas.openxmlformats.org/officeDocument/2006/relationships" xmlns:p="http://schemas.openxmlformats.org/presentationml/2006/main">
   <p:cSld>
     <p:spTree>
@@ -10749,7 +12143,7 @@
             <a:fld id="{F546B7B7-7D14-4795-A998-350CFB2BDD43}" type="slidenum">
               <a:rPr lang="fr-FR" smtClean="0"/>
               <a:pPr/>
-              <a:t>25</a:t>
+              <a:t>29</a:t>
             </a:fld>
             <a:endParaRPr lang="fr-FR"/>
           </a:p>
@@ -10768,7 +12162,67 @@
 </p:sld>
 </file>
 
-<file path=ppt/slides/slide26.xml><?xml version="1.0" encoding="utf-8"?>
+<file path=ppt/slides/slide3.xml><?xml version="1.0" encoding="utf-8"?>
+<p:sld xmlns:a="http://schemas.openxmlformats.org/drawingml/2006/main" xmlns:r="http://schemas.openxmlformats.org/officeDocument/2006/relationships" xmlns:p="http://schemas.openxmlformats.org/presentationml/2006/main">
+  <p:cSld>
+    <p:spTree>
+      <p:nvGrpSpPr>
+        <p:cNvPr id="1" name=""/>
+        <p:cNvGrpSpPr/>
+        <p:nvPr/>
+      </p:nvGrpSpPr>
+      <p:grpSpPr>
+        <a:xfrm>
+          <a:off x="0" y="0"/>
+          <a:ext cx="0" cy="0"/>
+          <a:chOff x="0" y="0"/>
+          <a:chExt cx="0" cy="0"/>
+        </a:xfrm>
+      </p:grpSpPr>
+      <p:sp>
+        <p:nvSpPr>
+          <p:cNvPr id="4" name="Espace réservé du numéro de diapositive 3">
+            <a:extLst>
+              <a:ext uri="{FF2B5EF4-FFF2-40B4-BE49-F238E27FC236}">
+                <a16:creationId xmlns:a16="http://schemas.microsoft.com/office/drawing/2014/main" id="{0BDA0677-C19B-D077-2572-F5A403C2CE4E}"/>
+              </a:ext>
+            </a:extLst>
+          </p:cNvPr>
+          <p:cNvSpPr>
+            <a:spLocks noGrp="1"/>
+          </p:cNvSpPr>
+          <p:nvPr>
+            <p:ph type="sldNum" sz="quarter" idx="4"/>
+          </p:nvPr>
+        </p:nvSpPr>
+        <p:spPr/>
+        <p:txBody>
+          <a:bodyPr/>
+          <a:lstStyle/>
+          <a:p>
+            <a:fld id="{F546B7B7-7D14-4795-A998-350CFB2BDD43}" type="slidenum">
+              <a:rPr lang="fr-FR" smtClean="0"/>
+              <a:pPr/>
+              <a:t>3</a:t>
+            </a:fld>
+            <a:endParaRPr lang="fr-FR"/>
+          </a:p>
+        </p:txBody>
+      </p:sp>
+    </p:spTree>
+    <p:extLst>
+      <p:ext uri="{BB962C8B-B14F-4D97-AF65-F5344CB8AC3E}">
+        <p14:creationId xmlns:p14="http://schemas.microsoft.com/office/powerpoint/2010/main" val="81490865"/>
+      </p:ext>
+    </p:extLst>
+  </p:cSld>
+  <p:clrMapOvr>
+    <a:masterClrMapping/>
+  </p:clrMapOvr>
+</p:sld>
+</file>
+
+<file path=ppt/slides/slide30.xml><?xml version="1.0" encoding="utf-8"?>
 <p:sld xmlns:a="http://schemas.openxmlformats.org/drawingml/2006/main" xmlns:r="http://schemas.openxmlformats.org/officeDocument/2006/relationships" xmlns:p="http://schemas.openxmlformats.org/presentationml/2006/main">
   <p:cSld>
     <p:spTree>
@@ -10815,7 +12269,7 @@
             <a:fld id="{F546B7B7-7D14-4795-A998-350CFB2BDD43}" type="slidenum">
               <a:rPr lang="fr-FR" smtClean="0"/>
               <a:pPr/>
-              <a:t>26</a:t>
+              <a:t>30</a:t>
             </a:fld>
             <a:endParaRPr lang="fr-FR"/>
           </a:p>
@@ -10834,7 +12288,7 @@
 </p:sld>
 </file>
 
-<file path=ppt/slides/slide27.xml><?xml version="1.0" encoding="utf-8"?>
+<file path=ppt/slides/slide31.xml><?xml version="1.0" encoding="utf-8"?>
 <p:sld xmlns:a="http://schemas.openxmlformats.org/drawingml/2006/main" xmlns:r="http://schemas.openxmlformats.org/officeDocument/2006/relationships" xmlns:p="http://schemas.openxmlformats.org/presentationml/2006/main">
   <p:cSld>
     <p:spTree>
@@ -10875,7 +12329,7 @@
             <a:fld id="{F546B7B7-7D14-4795-A998-350CFB2BDD43}" type="slidenum">
               <a:rPr lang="fr-FR" smtClean="0"/>
               <a:pPr/>
-              <a:t>27</a:t>
+              <a:t>31</a:t>
             </a:fld>
             <a:endParaRPr lang="fr-FR"/>
           </a:p>
@@ -10894,7 +12348,7 @@
 </p:sld>
 </file>
 
-<file path=ppt/slides/slide28.xml><?xml version="1.0" encoding="utf-8"?>
+<file path=ppt/slides/slide32.xml><?xml version="1.0" encoding="utf-8"?>
 <p:sld xmlns:a="http://schemas.openxmlformats.org/drawingml/2006/main" xmlns:r="http://schemas.openxmlformats.org/officeDocument/2006/relationships" xmlns:p="http://schemas.openxmlformats.org/presentationml/2006/main">
   <p:cSld>
     <p:spTree>
@@ -10941,7 +12395,7 @@
             <a:fld id="{F546B7B7-7D14-4795-A998-350CFB2BDD43}" type="slidenum">
               <a:rPr lang="fr-FR" smtClean="0"/>
               <a:pPr/>
-              <a:t>28</a:t>
+              <a:t>32</a:t>
             </a:fld>
             <a:endParaRPr lang="fr-FR" dirty="0"/>
           </a:p>
@@ -11041,7 +12495,7 @@
 </p:sld>
 </file>
 
-<file path=ppt/slides/slide29.xml><?xml version="1.0" encoding="utf-8"?>
+<file path=ppt/slides/slide33.xml><?xml version="1.0" encoding="utf-8"?>
 <p:sld xmlns:a="http://schemas.openxmlformats.org/drawingml/2006/main" xmlns:r="http://schemas.openxmlformats.org/officeDocument/2006/relationships" xmlns:p="http://schemas.openxmlformats.org/presentationml/2006/main">
   <p:cSld>
     <p:spTree>
@@ -11188,7 +12642,7 @@
                 <a:latin typeface="Montserrat" panose="02000505000000020004" pitchFamily="2" charset="0"/>
               </a:rPr>
               <a:pPr algn="r"/>
-              <a:t>29</a:t>
+              <a:t>33</a:t>
             </a:fld>
             <a:endParaRPr lang="fr-FR" dirty="0">
               <a:solidFill>
@@ -11398,66 +12852,6 @@
 </p:sld>
 </file>
 
-<file path=ppt/slides/slide3.xml><?xml version="1.0" encoding="utf-8"?>
-<p:sld xmlns:a="http://schemas.openxmlformats.org/drawingml/2006/main" xmlns:r="http://schemas.openxmlformats.org/officeDocument/2006/relationships" xmlns:p="http://schemas.openxmlformats.org/presentationml/2006/main">
-  <p:cSld>
-    <p:spTree>
-      <p:nvGrpSpPr>
-        <p:cNvPr id="1" name=""/>
-        <p:cNvGrpSpPr/>
-        <p:nvPr/>
-      </p:nvGrpSpPr>
-      <p:grpSpPr>
-        <a:xfrm>
-          <a:off x="0" y="0"/>
-          <a:ext cx="0" cy="0"/>
-          <a:chOff x="0" y="0"/>
-          <a:chExt cx="0" cy="0"/>
-        </a:xfrm>
-      </p:grpSpPr>
-      <p:sp>
-        <p:nvSpPr>
-          <p:cNvPr id="4" name="Espace réservé du numéro de diapositive 3">
-            <a:extLst>
-              <a:ext uri="{FF2B5EF4-FFF2-40B4-BE49-F238E27FC236}">
-                <a16:creationId xmlns:a16="http://schemas.microsoft.com/office/drawing/2014/main" id="{0BDA0677-C19B-D077-2572-F5A403C2CE4E}"/>
-              </a:ext>
-            </a:extLst>
-          </p:cNvPr>
-          <p:cNvSpPr>
-            <a:spLocks noGrp="1"/>
-          </p:cNvSpPr>
-          <p:nvPr>
-            <p:ph type="sldNum" sz="quarter" idx="4"/>
-          </p:nvPr>
-        </p:nvSpPr>
-        <p:spPr/>
-        <p:txBody>
-          <a:bodyPr/>
-          <a:lstStyle/>
-          <a:p>
-            <a:fld id="{F546B7B7-7D14-4795-A998-350CFB2BDD43}" type="slidenum">
-              <a:rPr lang="fr-FR" smtClean="0"/>
-              <a:pPr/>
-              <a:t>3</a:t>
-            </a:fld>
-            <a:endParaRPr lang="fr-FR"/>
-          </a:p>
-        </p:txBody>
-      </p:sp>
-    </p:spTree>
-    <p:extLst>
-      <p:ext uri="{BB962C8B-B14F-4D97-AF65-F5344CB8AC3E}">
-        <p14:creationId xmlns:p14="http://schemas.microsoft.com/office/powerpoint/2010/main" val="81490865"/>
-      </p:ext>
-    </p:extLst>
-  </p:cSld>
-  <p:clrMapOvr>
-    <a:masterClrMapping/>
-  </p:clrMapOvr>
-</p:sld>
-</file>
-
 <file path=ppt/slides/slide4.xml><?xml version="1.0" encoding="utf-8"?>
 <p:sld xmlns:a="http://schemas.openxmlformats.org/drawingml/2006/main" xmlns:r="http://schemas.openxmlformats.org/officeDocument/2006/relationships" xmlns:p="http://schemas.openxmlformats.org/presentationml/2006/main">
   <p:cSld>
@@ -11591,6 +12985,242 @@
           </a:prstGeom>
         </p:spPr>
       </p:pic>
+      <p:sp>
+        <p:nvSpPr>
+          <p:cNvPr id="8" name="ZoneTexte 7">
+            <a:extLst>
+              <a:ext uri="{FF2B5EF4-FFF2-40B4-BE49-F238E27FC236}">
+                <a16:creationId xmlns:a16="http://schemas.microsoft.com/office/drawing/2014/main" id="{CDA3B022-3B8D-2B7C-C02F-660DEFB862E6}"/>
+              </a:ext>
+            </a:extLst>
+          </p:cNvPr>
+          <p:cNvSpPr txBox="1"/>
+          <p:nvPr/>
+        </p:nvSpPr>
+        <p:spPr>
+          <a:xfrm>
+            <a:off x="0" y="2186070"/>
+            <a:ext cx="12191999" cy="644857"/>
+          </a:xfrm>
+          <a:prstGeom prst="rect">
+            <a:avLst/>
+          </a:prstGeom>
+          <a:noFill/>
+        </p:spPr>
+        <p:txBody>
+          <a:bodyPr wrap="square">
+            <a:spAutoFit/>
+          </a:bodyPr>
+          <a:lstStyle/>
+          <a:p>
+            <a:pPr algn="just">
+              <a:lnSpc>
+                <a:spcPts val="2143"/>
+              </a:lnSpc>
+              <a:spcBef>
+                <a:spcPts val="1029"/>
+              </a:spcBef>
+              <a:spcAft>
+                <a:spcPts val="1029"/>
+              </a:spcAft>
+            </a:pPr>
+            <a:r>
+              <a:rPr lang="fr-FR" sz="2400" b="1" dirty="0"/>
+              <a:t>Disparités territoriales d’accès aux soins en France </a:t>
+            </a:r>
+            <a:r>
+              <a:rPr lang="fr-FR" sz="2400" dirty="0"/>
+              <a:t>(3,9 consultations/an en moyenne, mais </a:t>
+            </a:r>
+            <a:r>
+              <a:rPr lang="fr-FR" sz="2400" b="1" dirty="0"/>
+              <a:t>déserts médicaux en zones rurales</a:t>
+            </a:r>
+            <a:r>
+              <a:rPr lang="fr-FR" sz="2400" dirty="0"/>
+              <a:t>) (INSEE, 2021).</a:t>
+            </a:r>
+          </a:p>
+        </p:txBody>
+      </p:sp>
+      <p:sp>
+        <p:nvSpPr>
+          <p:cNvPr id="9" name="Flèche : bas 8">
+            <a:extLst>
+              <a:ext uri="{FF2B5EF4-FFF2-40B4-BE49-F238E27FC236}">
+                <a16:creationId xmlns:a16="http://schemas.microsoft.com/office/drawing/2014/main" id="{6FBA090B-867E-37B7-B9BA-BFD094911B54}"/>
+              </a:ext>
+            </a:extLst>
+          </p:cNvPr>
+          <p:cNvSpPr/>
+          <p:nvPr/>
+        </p:nvSpPr>
+        <p:spPr>
+          <a:xfrm>
+            <a:off x="5853682" y="2880332"/>
+            <a:ext cx="680682" cy="541453"/>
+          </a:xfrm>
+          <a:prstGeom prst="downArrow">
+            <a:avLst/>
+          </a:prstGeom>
+          <a:solidFill>
+            <a:srgbClr val="006A5A"/>
+          </a:solidFill>
+        </p:spPr>
+        <p:style>
+          <a:lnRef idx="2">
+            <a:schemeClr val="accent1">
+              <a:shade val="15000"/>
+            </a:schemeClr>
+          </a:lnRef>
+          <a:fillRef idx="1">
+            <a:schemeClr val="accent1"/>
+          </a:fillRef>
+          <a:effectRef idx="0">
+            <a:schemeClr val="accent1"/>
+          </a:effectRef>
+          <a:fontRef idx="minor">
+            <a:schemeClr val="lt1"/>
+          </a:fontRef>
+        </p:style>
+        <p:txBody>
+          <a:bodyPr rtlCol="0" anchor="ctr"/>
+          <a:lstStyle/>
+          <a:p>
+            <a:pPr algn="ctr"/>
+            <a:endParaRPr lang="en-US"/>
+          </a:p>
+        </p:txBody>
+      </p:sp>
+      <p:sp>
+        <p:nvSpPr>
+          <p:cNvPr id="11" name="ZoneTexte 10">
+            <a:extLst>
+              <a:ext uri="{FF2B5EF4-FFF2-40B4-BE49-F238E27FC236}">
+                <a16:creationId xmlns:a16="http://schemas.microsoft.com/office/drawing/2014/main" id="{DE44A447-12A0-D5D3-CD89-4C3290013389}"/>
+              </a:ext>
+            </a:extLst>
+          </p:cNvPr>
+          <p:cNvSpPr txBox="1"/>
+          <p:nvPr/>
+        </p:nvSpPr>
+        <p:spPr>
+          <a:xfrm>
+            <a:off x="-1" y="3471190"/>
+            <a:ext cx="12192000" cy="1569660"/>
+          </a:xfrm>
+          <a:prstGeom prst="rect">
+            <a:avLst/>
+          </a:prstGeom>
+          <a:noFill/>
+        </p:spPr>
+        <p:txBody>
+          <a:bodyPr wrap="square">
+            <a:spAutoFit/>
+          </a:bodyPr>
+          <a:lstStyle/>
+          <a:p>
+            <a:pPr algn="just"/>
+            <a:r>
+              <a:rPr lang="fr-FR" sz="2400" dirty="0"/>
+              <a:t>Dans des </a:t>
+            </a:r>
+            <a:r>
+              <a:rPr lang="fr-FR" sz="2400" b="1" dirty="0"/>
+              <a:t>zones sous-dotées</a:t>
+            </a:r>
+            <a:r>
+              <a:rPr lang="fr-FR" sz="2400" dirty="0"/>
+              <a:t>, identifiées comme des zones d’intervention prioritaire (ZIP), les </a:t>
+            </a:r>
+            <a:r>
+              <a:rPr lang="fr-FR" sz="2400" b="1" dirty="0"/>
+              <a:t>professionnels de santé tendent à intensifier leur charge de travail</a:t>
+            </a:r>
+            <a:r>
+              <a:rPr lang="fr-FR" sz="2400" dirty="0"/>
+              <a:t> pour répondre à une demande croissante, ce qui pourrait affecter la </a:t>
+            </a:r>
+            <a:r>
+              <a:rPr lang="fr-FR" sz="2400" b="1" dirty="0"/>
+              <a:t>qualité des soins médicaux fournis </a:t>
+            </a:r>
+            <a:r>
+              <a:rPr lang="fr-FR" sz="2400" dirty="0"/>
+              <a:t>(INSEE, 2020). Cette situation affecte donc de façon directe la </a:t>
+            </a:r>
+            <a:r>
+              <a:rPr lang="fr-FR" sz="2400" b="1" dirty="0"/>
+              <a:t>santé des populations locales</a:t>
+            </a:r>
+            <a:r>
+              <a:rPr lang="fr-FR" sz="2400" dirty="0"/>
+              <a:t>.</a:t>
+            </a:r>
+            <a:endParaRPr lang="en-US" sz="2400" dirty="0"/>
+          </a:p>
+        </p:txBody>
+      </p:sp>
+      <p:sp>
+        <p:nvSpPr>
+          <p:cNvPr id="13" name="ZoneTexte 12">
+            <a:extLst>
+              <a:ext uri="{FF2B5EF4-FFF2-40B4-BE49-F238E27FC236}">
+                <a16:creationId xmlns:a16="http://schemas.microsoft.com/office/drawing/2014/main" id="{FE8FA23B-61E8-7CBD-ECE3-556334FDE01F}"/>
+              </a:ext>
+            </a:extLst>
+          </p:cNvPr>
+          <p:cNvSpPr txBox="1"/>
+          <p:nvPr/>
+        </p:nvSpPr>
+        <p:spPr>
+          <a:xfrm>
+            <a:off x="0" y="1463893"/>
+            <a:ext cx="12192000" cy="402674"/>
+          </a:xfrm>
+          <a:prstGeom prst="rect">
+            <a:avLst/>
+          </a:prstGeom>
+          <a:solidFill>
+            <a:srgbClr val="006A5A"/>
+          </a:solidFill>
+        </p:spPr>
+        <p:txBody>
+          <a:bodyPr wrap="square">
+            <a:spAutoFit/>
+          </a:bodyPr>
+          <a:lstStyle/>
+          <a:p>
+            <a:pPr algn="ctr">
+              <a:lnSpc>
+                <a:spcPts val="2143"/>
+              </a:lnSpc>
+              <a:spcBef>
+                <a:spcPts val="1029"/>
+              </a:spcBef>
+              <a:spcAft>
+                <a:spcPts val="1029"/>
+              </a:spcAft>
+            </a:pPr>
+            <a:r>
+              <a:rPr lang="fr-FR" sz="3200" b="1" i="0" dirty="0">
+                <a:solidFill>
+                  <a:schemeClr val="bg1"/>
+                </a:solidFill>
+                <a:effectLst/>
+                <a:latin typeface="DeepSeek-CJK-patch"/>
+              </a:rPr>
+              <a:t>Contexte</a:t>
+            </a:r>
+            <a:endParaRPr lang="fr-FR" sz="3200" dirty="0">
+              <a:solidFill>
+                <a:schemeClr val="bg1"/>
+              </a:solidFill>
+              <a:latin typeface="DeepSeek-CJK-patch"/>
+            </a:endParaRPr>
+          </a:p>
+        </p:txBody>
+      </p:sp>
     </p:spTree>
     <p:extLst>
       <p:ext uri="{BB962C8B-B14F-4D97-AF65-F5344CB8AC3E}">
@@ -11605,6 +13235,525 @@
 </file>
 
 <file path=ppt/slides/slide5.xml><?xml version="1.0" encoding="utf-8"?>
+<p:sld xmlns:a="http://schemas.openxmlformats.org/drawingml/2006/main" xmlns:r="http://schemas.openxmlformats.org/officeDocument/2006/relationships" xmlns:p="http://schemas.openxmlformats.org/presentationml/2006/main">
+  <p:cSld>
+    <p:spTree>
+      <p:nvGrpSpPr>
+        <p:cNvPr id="1" name="">
+          <a:extLst>
+            <a:ext uri="{FF2B5EF4-FFF2-40B4-BE49-F238E27FC236}">
+              <a16:creationId xmlns:a16="http://schemas.microsoft.com/office/drawing/2014/main" id="{1DC3E05C-46C0-FCBC-FEB3-4152F415D075}"/>
+            </a:ext>
+          </a:extLst>
+        </p:cNvPr>
+        <p:cNvGrpSpPr/>
+        <p:nvPr/>
+      </p:nvGrpSpPr>
+      <p:grpSpPr>
+        <a:xfrm>
+          <a:off x="0" y="0"/>
+          <a:ext cx="0" cy="0"/>
+          <a:chOff x="0" y="0"/>
+          <a:chExt cx="0" cy="0"/>
+        </a:xfrm>
+      </p:grpSpPr>
+      <p:sp>
+        <p:nvSpPr>
+          <p:cNvPr id="3" name="Espace réservé du numéro de diapositive 2">
+            <a:extLst>
+              <a:ext uri="{FF2B5EF4-FFF2-40B4-BE49-F238E27FC236}">
+                <a16:creationId xmlns:a16="http://schemas.microsoft.com/office/drawing/2014/main" id="{61B3844F-6602-DE5B-07F8-BE888BA7C3B8}"/>
+              </a:ext>
+            </a:extLst>
+          </p:cNvPr>
+          <p:cNvSpPr>
+            <a:spLocks noGrp="1"/>
+          </p:cNvSpPr>
+          <p:nvPr>
+            <p:ph type="sldNum" sz="quarter" idx="4"/>
+          </p:nvPr>
+        </p:nvSpPr>
+        <p:spPr>
+          <a:xfrm>
+            <a:off x="8610600" y="6356350"/>
+            <a:ext cx="2743200" cy="365125"/>
+          </a:xfrm>
+        </p:spPr>
+        <p:txBody>
+          <a:bodyPr/>
+          <a:lstStyle/>
+          <a:p>
+            <a:fld id="{F546B7B7-7D14-4795-A998-350CFB2BDD43}" type="slidenum">
+              <a:rPr lang="fr-FR" smtClean="0"/>
+              <a:pPr/>
+              <a:t>5</a:t>
+            </a:fld>
+            <a:endParaRPr lang="fr-FR"/>
+          </a:p>
+        </p:txBody>
+      </p:sp>
+      <p:sp>
+        <p:nvSpPr>
+          <p:cNvPr id="2" name="ZoneTexte 1">
+            <a:extLst>
+              <a:ext uri="{FF2B5EF4-FFF2-40B4-BE49-F238E27FC236}">
+                <a16:creationId xmlns:a16="http://schemas.microsoft.com/office/drawing/2014/main" id="{B9B15575-E3E1-F421-3BDD-CE5913A92E1E}"/>
+              </a:ext>
+            </a:extLst>
+          </p:cNvPr>
+          <p:cNvSpPr txBox="1"/>
+          <p:nvPr/>
+        </p:nvSpPr>
+        <p:spPr>
+          <a:xfrm>
+            <a:off x="2" y="532969"/>
+            <a:ext cx="12191999" cy="646331"/>
+          </a:xfrm>
+          <a:prstGeom prst="rect">
+            <a:avLst/>
+          </a:prstGeom>
+          <a:solidFill>
+            <a:srgbClr val="006A5A"/>
+          </a:solidFill>
+        </p:spPr>
+        <p:txBody>
+          <a:bodyPr wrap="square" rtlCol="0">
+            <a:spAutoFit/>
+          </a:bodyPr>
+          <a:lstStyle/>
+          <a:p>
+            <a:r>
+              <a:rPr lang="fr-FR" sz="3600" b="1" dirty="0">
+                <a:solidFill>
+                  <a:schemeClr val="bg1"/>
+                </a:solidFill>
+                <a:latin typeface="Gill Sans MT" panose="020B0502020104020203" pitchFamily="34" charset="0"/>
+              </a:rPr>
+              <a:t>Introduction</a:t>
+            </a:r>
+          </a:p>
+        </p:txBody>
+      </p:sp>
+      <p:pic>
+        <p:nvPicPr>
+          <p:cNvPr id="4" name="Graphique 3" descr="Flèches de chevron">
+            <a:extLst>
+              <a:ext uri="{FF2B5EF4-FFF2-40B4-BE49-F238E27FC236}">
+                <a16:creationId xmlns:a16="http://schemas.microsoft.com/office/drawing/2014/main" id="{D99A80A9-7C5C-F7F9-808E-14F9AA54B2D5}"/>
+              </a:ext>
+            </a:extLst>
+          </p:cNvPr>
+          <p:cNvPicPr>
+            <a:picLocks noChangeAspect="1"/>
+          </p:cNvPicPr>
+          <p:nvPr/>
+        </p:nvPicPr>
+        <p:blipFill>
+          <a:blip r:embed="rId2">
+            <a:extLst>
+              <a:ext uri="{28A0092B-C50C-407E-A947-70E740481C1C}">
+                <a14:useLocalDpi xmlns:a14="http://schemas.microsoft.com/office/drawing/2010/main" val="0"/>
+              </a:ext>
+              <a:ext uri="{96DAC541-7B7A-43D3-8B79-37D633B846F1}">
+                <asvg:svgBlip xmlns:asvg="http://schemas.microsoft.com/office/drawing/2016/SVG/main" r:embed="rId3"/>
+              </a:ext>
+            </a:extLst>
+          </a:blip>
+          <a:stretch>
+            <a:fillRect/>
+          </a:stretch>
+        </p:blipFill>
+        <p:spPr>
+          <a:xfrm>
+            <a:off x="11078692" y="266700"/>
+            <a:ext cx="1170459" cy="1170459"/>
+          </a:xfrm>
+          <a:prstGeom prst="rect">
+            <a:avLst/>
+          </a:prstGeom>
+        </p:spPr>
+      </p:pic>
+      <p:sp>
+        <p:nvSpPr>
+          <p:cNvPr id="8" name="ZoneTexte 7">
+            <a:extLst>
+              <a:ext uri="{FF2B5EF4-FFF2-40B4-BE49-F238E27FC236}">
+                <a16:creationId xmlns:a16="http://schemas.microsoft.com/office/drawing/2014/main" id="{F0CCCD4C-73B8-500E-6EFC-DBF78E6F546F}"/>
+              </a:ext>
+            </a:extLst>
+          </p:cNvPr>
+          <p:cNvSpPr txBox="1"/>
+          <p:nvPr/>
+        </p:nvSpPr>
+        <p:spPr>
+          <a:xfrm>
+            <a:off x="0" y="2186070"/>
+            <a:ext cx="12191999" cy="644857"/>
+          </a:xfrm>
+          <a:prstGeom prst="rect">
+            <a:avLst/>
+          </a:prstGeom>
+          <a:noFill/>
+        </p:spPr>
+        <p:txBody>
+          <a:bodyPr wrap="square">
+            <a:spAutoFit/>
+          </a:bodyPr>
+          <a:lstStyle/>
+          <a:p>
+            <a:pPr algn="ctr">
+              <a:lnSpc>
+                <a:spcPts val="2143"/>
+              </a:lnSpc>
+              <a:spcBef>
+                <a:spcPts val="1029"/>
+              </a:spcBef>
+              <a:spcAft>
+                <a:spcPts val="1029"/>
+              </a:spcAft>
+            </a:pPr>
+            <a:r>
+              <a:rPr lang="fr-FR" sz="2400" b="0" i="0" dirty="0">
+                <a:solidFill>
+                  <a:srgbClr val="404040"/>
+                </a:solidFill>
+                <a:effectLst/>
+              </a:rPr>
+              <a:t>Identifier les facteurs socio-économiques, démographiques et spatiaux influençant le taux de consultations</a:t>
+            </a:r>
+            <a:endParaRPr lang="fr-FR" sz="2400" dirty="0"/>
+          </a:p>
+        </p:txBody>
+      </p:sp>
+      <p:sp>
+        <p:nvSpPr>
+          <p:cNvPr id="11" name="ZoneTexte 10">
+            <a:extLst>
+              <a:ext uri="{FF2B5EF4-FFF2-40B4-BE49-F238E27FC236}">
+                <a16:creationId xmlns:a16="http://schemas.microsoft.com/office/drawing/2014/main" id="{C5D807AF-A898-62C2-0BBB-4E63A5AD0FFD}"/>
+              </a:ext>
+            </a:extLst>
+          </p:cNvPr>
+          <p:cNvSpPr txBox="1"/>
+          <p:nvPr/>
+        </p:nvSpPr>
+        <p:spPr>
+          <a:xfrm>
+            <a:off x="0" y="3738320"/>
+            <a:ext cx="12191999" cy="375552"/>
+          </a:xfrm>
+          <a:prstGeom prst="rect">
+            <a:avLst/>
+          </a:prstGeom>
+          <a:noFill/>
+        </p:spPr>
+        <p:txBody>
+          <a:bodyPr wrap="square">
+            <a:spAutoFit/>
+          </a:bodyPr>
+          <a:lstStyle/>
+          <a:p>
+            <a:pPr lvl="1" algn="ctr">
+              <a:lnSpc>
+                <a:spcPts val="2143"/>
+              </a:lnSpc>
+              <a:spcBef>
+                <a:spcPts val="300"/>
+              </a:spcBef>
+              <a:spcAft>
+                <a:spcPts val="1029"/>
+              </a:spcAft>
+            </a:pPr>
+            <a:r>
+              <a:rPr lang="fr-FR" sz="2400" b="0" i="0" dirty="0">
+                <a:solidFill>
+                  <a:srgbClr val="404040"/>
+                </a:solidFill>
+                <a:effectLst/>
+              </a:rPr>
+              <a:t>Modéliser le taux de consultations avec une approche spatiale.</a:t>
+            </a:r>
+          </a:p>
+        </p:txBody>
+      </p:sp>
+      <p:sp>
+        <p:nvSpPr>
+          <p:cNvPr id="5" name="ZoneTexte 4">
+            <a:extLst>
+              <a:ext uri="{FF2B5EF4-FFF2-40B4-BE49-F238E27FC236}">
+                <a16:creationId xmlns:a16="http://schemas.microsoft.com/office/drawing/2014/main" id="{84F77960-7084-8E83-960E-19F553C99623}"/>
+              </a:ext>
+            </a:extLst>
+          </p:cNvPr>
+          <p:cNvSpPr txBox="1"/>
+          <p:nvPr/>
+        </p:nvSpPr>
+        <p:spPr>
+          <a:xfrm>
+            <a:off x="1" y="3190426"/>
+            <a:ext cx="12191998" cy="402674"/>
+          </a:xfrm>
+          <a:prstGeom prst="rect">
+            <a:avLst/>
+          </a:prstGeom>
+          <a:solidFill>
+            <a:srgbClr val="006A5A"/>
+          </a:solidFill>
+        </p:spPr>
+        <p:txBody>
+          <a:bodyPr wrap="square">
+            <a:spAutoFit/>
+          </a:bodyPr>
+          <a:lstStyle/>
+          <a:p>
+            <a:pPr algn="ctr">
+              <a:lnSpc>
+                <a:spcPts val="2143"/>
+              </a:lnSpc>
+              <a:spcBef>
+                <a:spcPts val="1029"/>
+              </a:spcBef>
+              <a:spcAft>
+                <a:spcPts val="1029"/>
+              </a:spcAft>
+            </a:pPr>
+            <a:r>
+              <a:rPr lang="fr-FR" sz="3200" b="1" i="0" dirty="0">
+                <a:solidFill>
+                  <a:schemeClr val="bg1"/>
+                </a:solidFill>
+                <a:effectLst/>
+                <a:latin typeface="DeepSeek-CJK-patch"/>
+              </a:rPr>
+              <a:t>Objectifs</a:t>
+            </a:r>
+            <a:endParaRPr lang="fr-FR" sz="3200" dirty="0">
+              <a:solidFill>
+                <a:schemeClr val="bg1"/>
+              </a:solidFill>
+              <a:latin typeface="DeepSeek-CJK-patch"/>
+            </a:endParaRPr>
+          </a:p>
+        </p:txBody>
+      </p:sp>
+      <p:sp>
+        <p:nvSpPr>
+          <p:cNvPr id="12" name="ZoneTexte 11">
+            <a:extLst>
+              <a:ext uri="{FF2B5EF4-FFF2-40B4-BE49-F238E27FC236}">
+                <a16:creationId xmlns:a16="http://schemas.microsoft.com/office/drawing/2014/main" id="{88C966F4-44C2-83A0-A526-40BA622A26D3}"/>
+              </a:ext>
+            </a:extLst>
+          </p:cNvPr>
+          <p:cNvSpPr txBox="1"/>
+          <p:nvPr/>
+        </p:nvSpPr>
+        <p:spPr>
+          <a:xfrm>
+            <a:off x="0" y="4829326"/>
+            <a:ext cx="12191999" cy="1799723"/>
+          </a:xfrm>
+          <a:prstGeom prst="rect">
+            <a:avLst/>
+          </a:prstGeom>
+          <a:noFill/>
+        </p:spPr>
+        <p:txBody>
+          <a:bodyPr wrap="square">
+            <a:spAutoFit/>
+          </a:bodyPr>
+          <a:lstStyle/>
+          <a:p>
+            <a:pPr marL="742950" lvl="1" indent="-285750" algn="l">
+              <a:lnSpc>
+                <a:spcPts val="2143"/>
+              </a:lnSpc>
+              <a:spcBef>
+                <a:spcPts val="300"/>
+              </a:spcBef>
+              <a:spcAft>
+                <a:spcPts val="1029"/>
+              </a:spcAft>
+              <a:buFont typeface="Arial" panose="020B0604020202020204" pitchFamily="34" charset="0"/>
+              <a:buChar char="•"/>
+            </a:pPr>
+            <a:r>
+              <a:rPr lang="fr-FR" sz="2800" dirty="0">
+                <a:solidFill>
+                  <a:srgbClr val="404040"/>
+                </a:solidFill>
+              </a:rPr>
+              <a:t>Visualiser la répartition spatiale de ces taux en vue d’identifier les zones à fort et faible taux</a:t>
+            </a:r>
+          </a:p>
+          <a:p>
+            <a:pPr marL="742950" lvl="1" indent="-285750" algn="l">
+              <a:lnSpc>
+                <a:spcPts val="2143"/>
+              </a:lnSpc>
+              <a:spcBef>
+                <a:spcPts val="300"/>
+              </a:spcBef>
+              <a:spcAft>
+                <a:spcPts val="1029"/>
+              </a:spcAft>
+              <a:buFont typeface="Arial" panose="020B0604020202020204" pitchFamily="34" charset="0"/>
+              <a:buChar char="•"/>
+            </a:pPr>
+            <a:r>
+              <a:rPr lang="fr-FR" sz="2800" dirty="0"/>
+              <a:t>Identifier les facteurs socio-économiques et démographiques qui influencent le taux de consultations</a:t>
+            </a:r>
+          </a:p>
+          <a:p>
+            <a:pPr marL="742950" lvl="1" indent="-285750" algn="l">
+              <a:lnSpc>
+                <a:spcPts val="2143"/>
+              </a:lnSpc>
+              <a:spcBef>
+                <a:spcPts val="300"/>
+              </a:spcBef>
+              <a:spcAft>
+                <a:spcPts val="1029"/>
+              </a:spcAft>
+              <a:buFont typeface="Arial" panose="020B0604020202020204" pitchFamily="34" charset="0"/>
+              <a:buChar char="•"/>
+            </a:pPr>
+            <a:r>
+              <a:rPr lang="fr-FR" sz="2800" b="0" i="0" dirty="0">
+                <a:solidFill>
+                  <a:srgbClr val="404040"/>
+                </a:solidFill>
+                <a:effectLst/>
+              </a:rPr>
+              <a:t>Proposer des recommandations pour réduire les inégalités.</a:t>
+            </a:r>
+          </a:p>
+        </p:txBody>
+      </p:sp>
+      <p:sp>
+        <p:nvSpPr>
+          <p:cNvPr id="13" name="Flèche : bas 12">
+            <a:extLst>
+              <a:ext uri="{FF2B5EF4-FFF2-40B4-BE49-F238E27FC236}">
+                <a16:creationId xmlns:a16="http://schemas.microsoft.com/office/drawing/2014/main" id="{84949886-7639-C5D1-5B65-A476511A03DF}"/>
+              </a:ext>
+            </a:extLst>
+          </p:cNvPr>
+          <p:cNvSpPr/>
+          <p:nvPr/>
+        </p:nvSpPr>
+        <p:spPr>
+          <a:xfrm>
+            <a:off x="5755658" y="4127401"/>
+            <a:ext cx="680682" cy="541453"/>
+          </a:xfrm>
+          <a:prstGeom prst="downArrow">
+            <a:avLst/>
+          </a:prstGeom>
+          <a:solidFill>
+            <a:srgbClr val="006A5A"/>
+          </a:solidFill>
+        </p:spPr>
+        <p:style>
+          <a:lnRef idx="2">
+            <a:schemeClr val="accent1">
+              <a:shade val="15000"/>
+            </a:schemeClr>
+          </a:lnRef>
+          <a:fillRef idx="1">
+            <a:schemeClr val="accent1"/>
+          </a:fillRef>
+          <a:effectRef idx="0">
+            <a:schemeClr val="accent1"/>
+          </a:effectRef>
+          <a:fontRef idx="minor">
+            <a:schemeClr val="lt1"/>
+          </a:fontRef>
+        </p:style>
+        <p:txBody>
+          <a:bodyPr rtlCol="0" anchor="ctr"/>
+          <a:lstStyle/>
+          <a:p>
+            <a:pPr algn="ctr"/>
+            <a:endParaRPr lang="en-US"/>
+          </a:p>
+        </p:txBody>
+      </p:sp>
+      <p:sp>
+        <p:nvSpPr>
+          <p:cNvPr id="15" name="ZoneTexte 14">
+            <a:extLst>
+              <a:ext uri="{FF2B5EF4-FFF2-40B4-BE49-F238E27FC236}">
+                <a16:creationId xmlns:a16="http://schemas.microsoft.com/office/drawing/2014/main" id="{FEA3A605-4B04-EBA8-C8FF-3263A9BCC82A}"/>
+              </a:ext>
+            </a:extLst>
+          </p:cNvPr>
+          <p:cNvSpPr txBox="1"/>
+          <p:nvPr/>
+        </p:nvSpPr>
+        <p:spPr>
+          <a:xfrm>
+            <a:off x="0" y="1449387"/>
+            <a:ext cx="12191999" cy="406905"/>
+          </a:xfrm>
+          <a:prstGeom prst="rect">
+            <a:avLst/>
+          </a:prstGeom>
+          <a:solidFill>
+            <a:srgbClr val="006A5A"/>
+          </a:solidFill>
+        </p:spPr>
+        <p:txBody>
+          <a:bodyPr wrap="square">
+            <a:spAutoFit/>
+          </a:bodyPr>
+          <a:lstStyle/>
+          <a:p>
+            <a:pPr algn="ctr">
+              <a:lnSpc>
+                <a:spcPts val="2143"/>
+              </a:lnSpc>
+              <a:spcBef>
+                <a:spcPts val="1029"/>
+              </a:spcBef>
+              <a:spcAft>
+                <a:spcPts val="1029"/>
+              </a:spcAft>
+            </a:pPr>
+            <a:r>
+              <a:rPr lang="fr-FR" sz="3200" b="1" i="0" dirty="0">
+                <a:solidFill>
+                  <a:schemeClr val="bg1"/>
+                </a:solidFill>
+                <a:effectLst/>
+                <a:latin typeface="DeepSeek-CJK-patch"/>
+              </a:rPr>
+              <a:t>Problématique</a:t>
+            </a:r>
+            <a:endParaRPr lang="fr-FR" sz="3200" dirty="0">
+              <a:solidFill>
+                <a:schemeClr val="bg1"/>
+              </a:solidFill>
+              <a:latin typeface="DeepSeek-CJK-patch"/>
+            </a:endParaRPr>
+          </a:p>
+        </p:txBody>
+      </p:sp>
+    </p:spTree>
+    <p:extLst>
+      <p:ext uri="{BB962C8B-B14F-4D97-AF65-F5344CB8AC3E}">
+        <p14:creationId xmlns:p14="http://schemas.microsoft.com/office/powerpoint/2010/main" val="1413526045"/>
+      </p:ext>
+    </p:extLst>
+  </p:cSld>
+  <p:clrMapOvr>
+    <a:masterClrMapping/>
+  </p:clrMapOvr>
+</p:sld>
+</file>
+
+<file path=ppt/slides/slide6.xml><?xml version="1.0" encoding="utf-8"?>
 <p:sld xmlns:a="http://schemas.openxmlformats.org/drawingml/2006/main" xmlns:r="http://schemas.openxmlformats.org/officeDocument/2006/relationships" xmlns:p="http://schemas.openxmlformats.org/presentationml/2006/main">
   <p:cSld>
     <p:spTree>
@@ -11645,7 +13794,7 @@
             <a:fld id="{F546B7B7-7D14-4795-A998-350CFB2BDD43}" type="slidenum">
               <a:rPr lang="fr-FR" smtClean="0"/>
               <a:pPr/>
-              <a:t>5</a:t>
+              <a:t>6</a:t>
             </a:fld>
             <a:endParaRPr lang="fr-FR"/>
           </a:p>
@@ -11664,7 +13813,7 @@
 </p:sld>
 </file>
 
-<file path=ppt/slides/slide6.xml><?xml version="1.0" encoding="utf-8"?>
+<file path=ppt/slides/slide7.xml><?xml version="1.0" encoding="utf-8"?>
 <p:sld xmlns:a="http://schemas.openxmlformats.org/drawingml/2006/main" xmlns:r="http://schemas.openxmlformats.org/officeDocument/2006/relationships" xmlns:p="http://schemas.openxmlformats.org/presentationml/2006/main">
   <p:cSld>
     <p:spTree>
@@ -11716,7 +13865,7 @@
             <a:fld id="{F546B7B7-7D14-4795-A998-350CFB2BDD43}" type="slidenum">
               <a:rPr lang="fr-FR" smtClean="0"/>
               <a:pPr/>
-              <a:t>6</a:t>
+              <a:t>7</a:t>
             </a:fld>
             <a:endParaRPr lang="fr-FR"/>
           </a:p>
@@ -11803,6 +13952,1041 @@
           </a:prstGeom>
         </p:spPr>
       </p:pic>
+      <mc:AlternateContent xmlns:mc="http://schemas.openxmlformats.org/markup-compatibility/2006">
+        <mc:Choice xmlns:a14="http://schemas.microsoft.com/office/drawing/2010/main" Requires="a14">
+          <p:sp>
+            <p:nvSpPr>
+              <p:cNvPr id="6" name="ZoneTexte 5">
+                <a:extLst>
+                  <a:ext uri="{FF2B5EF4-FFF2-40B4-BE49-F238E27FC236}">
+                    <a16:creationId xmlns:a16="http://schemas.microsoft.com/office/drawing/2014/main" id="{16044062-2647-3BDD-6E66-9E907B89CFA5}"/>
+                  </a:ext>
+                </a:extLst>
+              </p:cNvPr>
+              <p:cNvSpPr txBox="1"/>
+              <p:nvPr/>
+            </p:nvSpPr>
+            <p:spPr>
+              <a:xfrm>
+                <a:off x="1" y="1187142"/>
+                <a:ext cx="12192000" cy="1895262"/>
+              </a:xfrm>
+              <a:prstGeom prst="rect">
+                <a:avLst/>
+              </a:prstGeom>
+              <a:noFill/>
+            </p:spPr>
+            <p:txBody>
+              <a:bodyPr wrap="square">
+                <a:spAutoFit/>
+              </a:bodyPr>
+              <a:lstStyle/>
+              <a:p>
+                <a:pPr marL="342900" indent="-342900">
+                  <a:buFont typeface="Arial" panose="020B0604020202020204" pitchFamily="34" charset="0"/>
+                  <a:buChar char="•"/>
+                </a:pPr>
+                <a:r>
+                  <a:rPr lang="fr-FR" sz="2400" dirty="0"/>
+                  <a:t>Le </a:t>
+                </a:r>
+                <a:r>
+                  <a:rPr lang="fr-FR" sz="2400" b="1" dirty="0"/>
+                  <a:t>taux de consultations</a:t>
+                </a:r>
+                <a:r>
+                  <a:rPr lang="fr-FR" sz="2400" dirty="0"/>
+                  <a:t>  est le nombre moyen de consultations dans chaque commune :</a:t>
+                </a:r>
+              </a:p>
+              <a:p>
+                <a:pPr algn="ctr"/>
+                <a14:m>
+                  <m:oMathPara xmlns:m="http://schemas.openxmlformats.org/officeDocument/2006/math">
+                    <m:oMathParaPr>
+                      <m:jc m:val="centerGroup"/>
+                    </m:oMathParaPr>
+                    <m:oMath xmlns:m="http://schemas.openxmlformats.org/officeDocument/2006/math">
+                      <m:sSub>
+                        <m:sSubPr>
+                          <m:ctrlPr>
+                            <a:rPr lang="en-US" sz="2400" i="1" smtClean="0">
+                              <a:latin typeface="Cambria Math" panose="02040503050406030204" pitchFamily="18" charset="0"/>
+                            </a:rPr>
+                          </m:ctrlPr>
+                        </m:sSubPr>
+                        <m:e>
+                          <m:r>
+                            <a:rPr lang="en-US" sz="2400" i="1" smtClean="0">
+                              <a:latin typeface="Cambria Math" panose="02040503050406030204" pitchFamily="18" charset="0"/>
+                              <a:ea typeface="Cambria Math" panose="02040503050406030204" pitchFamily="18" charset="0"/>
+                            </a:rPr>
+                            <m:t>𝜏</m:t>
+                          </m:r>
+                        </m:e>
+                        <m:sub>
+                          <m:r>
+                            <a:rPr lang="fr-FR" sz="2400" b="0" i="1" smtClean="0">
+                              <a:latin typeface="Cambria Math" panose="02040503050406030204" pitchFamily="18" charset="0"/>
+                            </a:rPr>
+                            <m:t>𝑖</m:t>
+                          </m:r>
+                        </m:sub>
+                      </m:sSub>
+                      <m:r>
+                        <a:rPr lang="fr-FR" sz="2400" b="0" i="1" smtClean="0">
+                          <a:latin typeface="Cambria Math" panose="02040503050406030204" pitchFamily="18" charset="0"/>
+                        </a:rPr>
+                        <m:t>=</m:t>
+                      </m:r>
+                      <m:f>
+                        <m:fPr>
+                          <m:ctrlPr>
+                            <a:rPr lang="fr-FR" sz="2400" b="0" i="1" smtClean="0">
+                              <a:latin typeface="Cambria Math" panose="02040503050406030204" pitchFamily="18" charset="0"/>
+                            </a:rPr>
+                          </m:ctrlPr>
+                        </m:fPr>
+                        <m:num>
+                          <m:sSub>
+                            <m:sSubPr>
+                              <m:ctrlPr>
+                                <a:rPr lang="fr-FR" sz="2400" b="0" i="1" smtClean="0">
+                                  <a:latin typeface="Cambria Math" panose="02040503050406030204" pitchFamily="18" charset="0"/>
+                                </a:rPr>
+                              </m:ctrlPr>
+                            </m:sSubPr>
+                            <m:e>
+                              <m:r>
+                                <a:rPr lang="fr-FR" sz="2400" b="0" i="1" smtClean="0">
+                                  <a:latin typeface="Cambria Math" panose="02040503050406030204" pitchFamily="18" charset="0"/>
+                                </a:rPr>
+                                <m:t>𝑛</m:t>
+                              </m:r>
+                            </m:e>
+                            <m:sub>
+                              <m:r>
+                                <a:rPr lang="fr-FR" sz="2400" b="0" i="1" smtClean="0">
+                                  <a:latin typeface="Cambria Math" panose="02040503050406030204" pitchFamily="18" charset="0"/>
+                                </a:rPr>
+                                <m:t>𝑖</m:t>
+                              </m:r>
+                            </m:sub>
+                          </m:sSub>
+                        </m:num>
+                        <m:den>
+                          <m:sSub>
+                            <m:sSubPr>
+                              <m:ctrlPr>
+                                <a:rPr lang="fr-FR" sz="2400" b="0" i="1" smtClean="0">
+                                  <a:latin typeface="Cambria Math" panose="02040503050406030204" pitchFamily="18" charset="0"/>
+                                </a:rPr>
+                              </m:ctrlPr>
+                            </m:sSubPr>
+                            <m:e>
+                              <m:r>
+                                <a:rPr lang="fr-FR" sz="2400" b="0" i="1" smtClean="0">
+                                  <a:latin typeface="Cambria Math" panose="02040503050406030204" pitchFamily="18" charset="0"/>
+                                </a:rPr>
+                                <m:t>𝑃</m:t>
+                              </m:r>
+                            </m:e>
+                            <m:sub>
+                              <m:r>
+                                <a:rPr lang="fr-FR" sz="2400" b="0" i="1" smtClean="0">
+                                  <a:latin typeface="Cambria Math" panose="02040503050406030204" pitchFamily="18" charset="0"/>
+                                </a:rPr>
+                                <m:t>𝑖</m:t>
+                              </m:r>
+                            </m:sub>
+                          </m:sSub>
+                        </m:den>
+                      </m:f>
+                    </m:oMath>
+                  </m:oMathPara>
+                </a14:m>
+                <a:endParaRPr lang="en-US" sz="2400" dirty="0"/>
+              </a:p>
+              <a:p>
+                <a:r>
+                  <a:rPr lang="fr-FR" sz="2400" dirty="0"/>
+                  <a:t>où </a:t>
+                </a:r>
+                <a14:m>
+                  <m:oMath xmlns:m="http://schemas.openxmlformats.org/officeDocument/2006/math">
+                    <m:sSub>
+                      <m:sSubPr>
+                        <m:ctrlPr>
+                          <a:rPr lang="en-US" sz="2400" i="1" smtClean="0">
+                            <a:latin typeface="Cambria Math" panose="02040503050406030204" pitchFamily="18" charset="0"/>
+                          </a:rPr>
+                        </m:ctrlPr>
+                      </m:sSubPr>
+                      <m:e>
+                        <m:r>
+                          <a:rPr lang="en-US" sz="2400" i="1" smtClean="0">
+                            <a:latin typeface="Cambria Math" panose="02040503050406030204" pitchFamily="18" charset="0"/>
+                            <a:ea typeface="Cambria Math" panose="02040503050406030204" pitchFamily="18" charset="0"/>
+                          </a:rPr>
+                          <m:t>𝜏</m:t>
+                        </m:r>
+                      </m:e>
+                      <m:sub>
+                        <m:r>
+                          <a:rPr lang="fr-FR" sz="2400" b="0" i="1" smtClean="0">
+                            <a:latin typeface="Cambria Math" panose="02040503050406030204" pitchFamily="18" charset="0"/>
+                          </a:rPr>
+                          <m:t>𝑖</m:t>
+                        </m:r>
+                      </m:sub>
+                    </m:sSub>
+                  </m:oMath>
+                </a14:m>
+                <a:r>
+                  <a:rPr lang="fr-FR" sz="2400" dirty="0"/>
+                  <a:t> , </a:t>
+                </a:r>
+                <a14:m>
+                  <m:oMath xmlns:m="http://schemas.openxmlformats.org/officeDocument/2006/math">
+                    <m:sSub>
+                      <m:sSubPr>
+                        <m:ctrlPr>
+                          <a:rPr lang="fr-FR" sz="2400" i="1">
+                            <a:latin typeface="Cambria Math" panose="02040503050406030204" pitchFamily="18" charset="0"/>
+                          </a:rPr>
+                        </m:ctrlPr>
+                      </m:sSubPr>
+                      <m:e>
+                        <m:r>
+                          <a:rPr lang="fr-FR" sz="2400" i="1">
+                            <a:latin typeface="Cambria Math" panose="02040503050406030204" pitchFamily="18" charset="0"/>
+                          </a:rPr>
+                          <m:t>𝑛</m:t>
+                        </m:r>
+                      </m:e>
+                      <m:sub>
+                        <m:r>
+                          <a:rPr lang="fr-FR" sz="2400" i="1">
+                            <a:latin typeface="Cambria Math" panose="02040503050406030204" pitchFamily="18" charset="0"/>
+                          </a:rPr>
+                          <m:t>𝑖</m:t>
+                        </m:r>
+                      </m:sub>
+                    </m:sSub>
+                  </m:oMath>
+                </a14:m>
+                <a:r>
+                  <a:rPr lang="fr-FR" sz="2400" dirty="0"/>
+                  <a:t> et </a:t>
+                </a:r>
+                <a14:m>
+                  <m:oMath xmlns:m="http://schemas.openxmlformats.org/officeDocument/2006/math">
+                    <m:sSub>
+                      <m:sSubPr>
+                        <m:ctrlPr>
+                          <a:rPr lang="fr-FR" sz="2400" i="1">
+                            <a:latin typeface="Cambria Math" panose="02040503050406030204" pitchFamily="18" charset="0"/>
+                          </a:rPr>
+                        </m:ctrlPr>
+                      </m:sSubPr>
+                      <m:e>
+                        <m:r>
+                          <a:rPr lang="fr-FR" sz="2400" i="1">
+                            <a:latin typeface="Cambria Math" panose="02040503050406030204" pitchFamily="18" charset="0"/>
+                          </a:rPr>
+                          <m:t>𝑃</m:t>
+                        </m:r>
+                      </m:e>
+                      <m:sub>
+                        <m:r>
+                          <a:rPr lang="fr-FR" sz="2400" i="1">
+                            <a:latin typeface="Cambria Math" panose="02040503050406030204" pitchFamily="18" charset="0"/>
+                          </a:rPr>
+                          <m:t>𝑖</m:t>
+                        </m:r>
+                      </m:sub>
+                    </m:sSub>
+                  </m:oMath>
+                </a14:m>
+                <a:r>
+                  <a:rPr lang="fr-FR" sz="2400" dirty="0"/>
+                  <a:t> sont respectivement le taux de consultations, le nombre de consultations et la population de la commune i.</a:t>
+                </a:r>
+                <a:endParaRPr lang="en-US" sz="2400" dirty="0"/>
+              </a:p>
+            </p:txBody>
+          </p:sp>
+        </mc:Choice>
+        <mc:Fallback>
+          <p:sp>
+            <p:nvSpPr>
+              <p:cNvPr id="6" name="ZoneTexte 5">
+                <a:extLst>
+                  <a:ext uri="{FF2B5EF4-FFF2-40B4-BE49-F238E27FC236}">
+                    <a16:creationId xmlns:a16="http://schemas.microsoft.com/office/drawing/2014/main" id="{16044062-2647-3BDD-6E66-9E907B89CFA5}"/>
+                  </a:ext>
+                </a:extLst>
+              </p:cNvPr>
+              <p:cNvSpPr txBox="1">
+                <a:spLocks noRot="1" noChangeAspect="1" noMove="1" noResize="1" noEditPoints="1" noAdjustHandles="1" noChangeArrowheads="1" noChangeShapeType="1" noTextEdit="1"/>
+              </p:cNvSpPr>
+              <p:nvPr/>
+            </p:nvSpPr>
+            <p:spPr>
+              <a:xfrm>
+                <a:off x="1" y="1187142"/>
+                <a:ext cx="12192000" cy="1895262"/>
+              </a:xfrm>
+              <a:prstGeom prst="rect">
+                <a:avLst/>
+              </a:prstGeom>
+              <a:blipFill>
+                <a:blip r:embed="rId4"/>
+                <a:stretch>
+                  <a:fillRect l="-750" t="-2572" b="-6431"/>
+                </a:stretch>
+              </a:blipFill>
+            </p:spPr>
+            <p:txBody>
+              <a:bodyPr/>
+              <a:lstStyle/>
+              <a:p>
+                <a:r>
+                  <a:rPr lang="en-US">
+                    <a:noFill/>
+                  </a:rPr>
+                  <a:t> </a:t>
+                </a:r>
+              </a:p>
+            </p:txBody>
+          </p:sp>
+        </mc:Fallback>
+      </mc:AlternateContent>
+      <mc:AlternateContent xmlns:mc="http://schemas.openxmlformats.org/markup-compatibility/2006">
+        <mc:Choice xmlns:a14="http://schemas.microsoft.com/office/drawing/2010/main" Requires="a14">
+          <p:sp>
+            <p:nvSpPr>
+              <p:cNvPr id="8" name="ZoneTexte 7">
+                <a:extLst>
+                  <a:ext uri="{FF2B5EF4-FFF2-40B4-BE49-F238E27FC236}">
+                    <a16:creationId xmlns:a16="http://schemas.microsoft.com/office/drawing/2014/main" id="{9F81570F-F297-B13B-ABA1-DE1E4FC2354A}"/>
+                  </a:ext>
+                </a:extLst>
+              </p:cNvPr>
+              <p:cNvSpPr txBox="1"/>
+              <p:nvPr/>
+            </p:nvSpPr>
+            <p:spPr>
+              <a:xfrm>
+                <a:off x="0" y="3246908"/>
+                <a:ext cx="12192000" cy="3157788"/>
+              </a:xfrm>
+              <a:prstGeom prst="rect">
+                <a:avLst/>
+              </a:prstGeom>
+              <a:noFill/>
+            </p:spPr>
+            <p:txBody>
+              <a:bodyPr wrap="square">
+                <a:spAutoFit/>
+              </a:bodyPr>
+              <a:lstStyle/>
+              <a:p>
+                <a:pPr marL="342900" indent="-342900">
+                  <a:buFont typeface="Arial" panose="020B0604020202020204" pitchFamily="34" charset="0"/>
+                  <a:buChar char="•"/>
+                </a:pPr>
+                <a:r>
+                  <a:rPr lang="fr-FR" sz="2400" dirty="0"/>
+                  <a:t>La </a:t>
+                </a:r>
+                <a:r>
+                  <a:rPr lang="fr-FR" sz="2400" b="1" dirty="0"/>
+                  <a:t>distance de </a:t>
+                </a:r>
+                <a:r>
+                  <a:rPr lang="fr-FR" sz="2400" b="1" dirty="0" err="1"/>
+                  <a:t>Haversine</a:t>
+                </a:r>
+                <a:r>
+                  <a:rPr lang="fr-FR" sz="2400" b="1" dirty="0"/>
+                  <a:t> </a:t>
+                </a:r>
+                <a:r>
+                  <a:rPr lang="fr-FR" sz="2400" dirty="0"/>
+                  <a:t>est une mesure de la distance entre deux points sur une sphère, basée sur leurs coordonnées géographiques :</a:t>
+                </a:r>
+              </a:p>
+              <a:p>
+                <a:pPr algn="ctr"/>
+                <a14:m>
+                  <m:oMathPara xmlns:m="http://schemas.openxmlformats.org/officeDocument/2006/math">
+                    <m:oMathParaPr>
+                      <m:jc m:val="centerGroup"/>
+                    </m:oMathParaPr>
+                    <m:oMath xmlns:m="http://schemas.openxmlformats.org/officeDocument/2006/math">
+                      <m:sSub>
+                        <m:sSubPr>
+                          <m:ctrlPr>
+                            <a:rPr lang="fr-FR" sz="2400" i="1">
+                              <a:latin typeface="Cambria Math" panose="02040503050406030204" pitchFamily="18" charset="0"/>
+                            </a:rPr>
+                          </m:ctrlPr>
+                        </m:sSubPr>
+                        <m:e>
+                          <m:r>
+                            <a:rPr lang="fr-FR" sz="2400">
+                              <a:latin typeface="Cambria Math" panose="02040503050406030204" pitchFamily="18" charset="0"/>
+                            </a:rPr>
+                            <m:t>𝑑</m:t>
+                          </m:r>
+                        </m:e>
+                        <m:sub>
+                          <m:r>
+                            <a:rPr lang="fr-FR" sz="2400">
+                              <a:latin typeface="Cambria Math" panose="02040503050406030204" pitchFamily="18" charset="0"/>
+                            </a:rPr>
+                            <m:t>𝑖𝑗</m:t>
+                          </m:r>
+                        </m:sub>
+                      </m:sSub>
+                      <m:r>
+                        <a:rPr lang="fr-FR" sz="2400">
+                          <a:latin typeface="Cambria Math" panose="02040503050406030204" pitchFamily="18" charset="0"/>
+                        </a:rPr>
+                        <m:t>=2∙</m:t>
+                      </m:r>
+                      <m:r>
+                        <a:rPr lang="fr-FR" sz="2400">
+                          <a:latin typeface="Cambria Math" panose="02040503050406030204" pitchFamily="18" charset="0"/>
+                        </a:rPr>
+                        <m:t>𝑟</m:t>
+                      </m:r>
+                      <m:r>
+                        <a:rPr lang="fr-FR" sz="2400">
+                          <a:latin typeface="Cambria Math" panose="02040503050406030204" pitchFamily="18" charset="0"/>
+                        </a:rPr>
+                        <m:t>∙</m:t>
+                      </m:r>
+                      <m:r>
+                        <a:rPr lang="fr-FR" sz="2400">
+                          <a:latin typeface="Cambria Math" panose="02040503050406030204" pitchFamily="18" charset="0"/>
+                        </a:rPr>
+                        <m:t>𝑎𝑟𝑐𝑠𝑖𝑛</m:t>
+                      </m:r>
+                      <m:d>
+                        <m:dPr>
+                          <m:ctrlPr>
+                            <a:rPr lang="fr-FR" sz="2400" i="1">
+                              <a:latin typeface="Cambria Math" panose="02040503050406030204" pitchFamily="18" charset="0"/>
+                            </a:rPr>
+                          </m:ctrlPr>
+                        </m:dPr>
+                        <m:e>
+                          <m:rad>
+                            <m:radPr>
+                              <m:degHide m:val="on"/>
+                              <m:ctrlPr>
+                                <a:rPr lang="fr-FR" sz="2400" i="1">
+                                  <a:latin typeface="Cambria Math" panose="02040503050406030204" pitchFamily="18" charset="0"/>
+                                </a:rPr>
+                              </m:ctrlPr>
+                            </m:radPr>
+                            <m:deg/>
+                            <m:e>
+                              <m:sSup>
+                                <m:sSupPr>
+                                  <m:ctrlPr>
+                                    <a:rPr lang="fr-FR" sz="2400" i="1">
+                                      <a:latin typeface="Cambria Math" panose="02040503050406030204" pitchFamily="18" charset="0"/>
+                                    </a:rPr>
+                                  </m:ctrlPr>
+                                </m:sSupPr>
+                                <m:e>
+                                  <m:r>
+                                    <a:rPr lang="fr-FR" sz="2400">
+                                      <a:latin typeface="Cambria Math" panose="02040503050406030204" pitchFamily="18" charset="0"/>
+                                    </a:rPr>
+                                    <m:t>𝑠𝑖𝑛</m:t>
+                                  </m:r>
+                                </m:e>
+                                <m:sup>
+                                  <m:r>
+                                    <a:rPr lang="fr-FR" sz="2400">
+                                      <a:latin typeface="Cambria Math" panose="02040503050406030204" pitchFamily="18" charset="0"/>
+                                    </a:rPr>
+                                    <m:t>2</m:t>
+                                  </m:r>
+                                </m:sup>
+                              </m:sSup>
+                              <m:d>
+                                <m:dPr>
+                                  <m:ctrlPr>
+                                    <a:rPr lang="fr-FR" sz="2400" i="1">
+                                      <a:latin typeface="Cambria Math" panose="02040503050406030204" pitchFamily="18" charset="0"/>
+                                    </a:rPr>
+                                  </m:ctrlPr>
+                                </m:dPr>
+                                <m:e>
+                                  <m:f>
+                                    <m:fPr>
+                                      <m:ctrlPr>
+                                        <a:rPr lang="fr-FR" sz="2400" i="1">
+                                          <a:latin typeface="Cambria Math" panose="02040503050406030204" pitchFamily="18" charset="0"/>
+                                        </a:rPr>
+                                      </m:ctrlPr>
+                                    </m:fPr>
+                                    <m:num>
+                                      <m:sSub>
+                                        <m:sSubPr>
+                                          <m:ctrlPr>
+                                            <a:rPr lang="fr-FR" sz="2400" i="1">
+                                              <a:latin typeface="Cambria Math" panose="02040503050406030204" pitchFamily="18" charset="0"/>
+                                            </a:rPr>
+                                          </m:ctrlPr>
+                                        </m:sSubPr>
+                                        <m:e>
+                                          <m:r>
+                                            <a:rPr lang="fr-FR" sz="2400">
+                                              <a:latin typeface="Cambria Math" panose="02040503050406030204" pitchFamily="18" charset="0"/>
+                                            </a:rPr>
+                                            <m:t>𝜑</m:t>
+                                          </m:r>
+                                        </m:e>
+                                        <m:sub>
+                                          <m:r>
+                                            <a:rPr lang="fr-FR" sz="2400">
+                                              <a:latin typeface="Cambria Math" panose="02040503050406030204" pitchFamily="18" charset="0"/>
+                                            </a:rPr>
+                                            <m:t>𝑗</m:t>
+                                          </m:r>
+                                        </m:sub>
+                                      </m:sSub>
+                                      <m:r>
+                                        <a:rPr lang="fr-FR" sz="2400">
+                                          <a:latin typeface="Cambria Math" panose="02040503050406030204" pitchFamily="18" charset="0"/>
+                                        </a:rPr>
+                                        <m:t>−</m:t>
+                                      </m:r>
+                                      <m:sSub>
+                                        <m:sSubPr>
+                                          <m:ctrlPr>
+                                            <a:rPr lang="fr-FR" sz="2400" i="1">
+                                              <a:latin typeface="Cambria Math" panose="02040503050406030204" pitchFamily="18" charset="0"/>
+                                            </a:rPr>
+                                          </m:ctrlPr>
+                                        </m:sSubPr>
+                                        <m:e>
+                                          <m:r>
+                                            <a:rPr lang="fr-FR" sz="2400">
+                                              <a:latin typeface="Cambria Math" panose="02040503050406030204" pitchFamily="18" charset="0"/>
+                                            </a:rPr>
+                                            <m:t>𝜑</m:t>
+                                          </m:r>
+                                        </m:e>
+                                        <m:sub>
+                                          <m:r>
+                                            <a:rPr lang="fr-FR" sz="2400">
+                                              <a:latin typeface="Cambria Math" panose="02040503050406030204" pitchFamily="18" charset="0"/>
+                                            </a:rPr>
+                                            <m:t>𝑖</m:t>
+                                          </m:r>
+                                        </m:sub>
+                                      </m:sSub>
+                                    </m:num>
+                                    <m:den>
+                                      <m:r>
+                                        <a:rPr lang="fr-FR" sz="2400">
+                                          <a:latin typeface="Cambria Math" panose="02040503050406030204" pitchFamily="18" charset="0"/>
+                                        </a:rPr>
+                                        <m:t>2</m:t>
+                                      </m:r>
+                                    </m:den>
+                                  </m:f>
+                                </m:e>
+                              </m:d>
+                              <m:r>
+                                <a:rPr lang="fr-FR" sz="2400">
+                                  <a:latin typeface="Cambria Math" panose="02040503050406030204" pitchFamily="18" charset="0"/>
+                                </a:rPr>
+                                <m:t>+</m:t>
+                              </m:r>
+                              <m:r>
+                                <a:rPr lang="fr-FR" sz="2400">
+                                  <a:latin typeface="Cambria Math" panose="02040503050406030204" pitchFamily="18" charset="0"/>
+                                </a:rPr>
+                                <m:t>𝑐𝑜𝑠</m:t>
+                              </m:r>
+                              <m:d>
+                                <m:dPr>
+                                  <m:ctrlPr>
+                                    <a:rPr lang="fr-FR" sz="2400" i="1">
+                                      <a:latin typeface="Cambria Math" panose="02040503050406030204" pitchFamily="18" charset="0"/>
+                                    </a:rPr>
+                                  </m:ctrlPr>
+                                </m:dPr>
+                                <m:e>
+                                  <m:sSub>
+                                    <m:sSubPr>
+                                      <m:ctrlPr>
+                                        <a:rPr lang="fr-FR" sz="2400" i="1">
+                                          <a:latin typeface="Cambria Math" panose="02040503050406030204" pitchFamily="18" charset="0"/>
+                                        </a:rPr>
+                                      </m:ctrlPr>
+                                    </m:sSubPr>
+                                    <m:e>
+                                      <m:r>
+                                        <a:rPr lang="fr-FR" sz="2400">
+                                          <a:latin typeface="Cambria Math" panose="02040503050406030204" pitchFamily="18" charset="0"/>
+                                        </a:rPr>
+                                        <m:t>𝜑</m:t>
+                                      </m:r>
+                                    </m:e>
+                                    <m:sub>
+                                      <m:r>
+                                        <a:rPr lang="fr-FR" sz="2400">
+                                          <a:latin typeface="Cambria Math" panose="02040503050406030204" pitchFamily="18" charset="0"/>
+                                        </a:rPr>
+                                        <m:t>𝑖</m:t>
+                                      </m:r>
+                                    </m:sub>
+                                  </m:sSub>
+                                </m:e>
+                              </m:d>
+                              <m:r>
+                                <a:rPr lang="fr-FR" sz="2400">
+                                  <a:latin typeface="Cambria Math" panose="02040503050406030204" pitchFamily="18" charset="0"/>
+                                </a:rPr>
+                                <m:t>𝑐𝑜𝑠</m:t>
+                              </m:r>
+                              <m:d>
+                                <m:dPr>
+                                  <m:ctrlPr>
+                                    <a:rPr lang="fr-FR" sz="2400" i="1">
+                                      <a:latin typeface="Cambria Math" panose="02040503050406030204" pitchFamily="18" charset="0"/>
+                                    </a:rPr>
+                                  </m:ctrlPr>
+                                </m:dPr>
+                                <m:e>
+                                  <m:sSub>
+                                    <m:sSubPr>
+                                      <m:ctrlPr>
+                                        <a:rPr lang="fr-FR" sz="2400" i="1">
+                                          <a:latin typeface="Cambria Math" panose="02040503050406030204" pitchFamily="18" charset="0"/>
+                                        </a:rPr>
+                                      </m:ctrlPr>
+                                    </m:sSubPr>
+                                    <m:e>
+                                      <m:r>
+                                        <a:rPr lang="fr-FR" sz="2400">
+                                          <a:latin typeface="Cambria Math" panose="02040503050406030204" pitchFamily="18" charset="0"/>
+                                        </a:rPr>
+                                        <m:t>𝜑</m:t>
+                                      </m:r>
+                                    </m:e>
+                                    <m:sub>
+                                      <m:r>
+                                        <a:rPr lang="fr-FR" sz="2400">
+                                          <a:latin typeface="Cambria Math" panose="02040503050406030204" pitchFamily="18" charset="0"/>
+                                        </a:rPr>
+                                        <m:t>𝑗</m:t>
+                                      </m:r>
+                                    </m:sub>
+                                  </m:sSub>
+                                </m:e>
+                              </m:d>
+                              <m:sSup>
+                                <m:sSupPr>
+                                  <m:ctrlPr>
+                                    <a:rPr lang="fr-FR" sz="2400" i="1">
+                                      <a:latin typeface="Cambria Math" panose="02040503050406030204" pitchFamily="18" charset="0"/>
+                                    </a:rPr>
+                                  </m:ctrlPr>
+                                </m:sSupPr>
+                                <m:e>
+                                  <m:r>
+                                    <a:rPr lang="fr-FR" sz="2400">
+                                      <a:latin typeface="Cambria Math" panose="02040503050406030204" pitchFamily="18" charset="0"/>
+                                    </a:rPr>
+                                    <m:t>𝑠𝑖𝑛</m:t>
+                                  </m:r>
+                                </m:e>
+                                <m:sup>
+                                  <m:r>
+                                    <a:rPr lang="fr-FR" sz="2400">
+                                      <a:latin typeface="Cambria Math" panose="02040503050406030204" pitchFamily="18" charset="0"/>
+                                    </a:rPr>
+                                    <m:t>2</m:t>
+                                  </m:r>
+                                </m:sup>
+                              </m:sSup>
+                              <m:d>
+                                <m:dPr>
+                                  <m:ctrlPr>
+                                    <a:rPr lang="fr-FR" sz="2400" i="1">
+                                      <a:latin typeface="Cambria Math" panose="02040503050406030204" pitchFamily="18" charset="0"/>
+                                    </a:rPr>
+                                  </m:ctrlPr>
+                                </m:dPr>
+                                <m:e>
+                                  <m:f>
+                                    <m:fPr>
+                                      <m:ctrlPr>
+                                        <a:rPr lang="fr-FR" sz="2400" i="1">
+                                          <a:latin typeface="Cambria Math" panose="02040503050406030204" pitchFamily="18" charset="0"/>
+                                        </a:rPr>
+                                      </m:ctrlPr>
+                                    </m:fPr>
+                                    <m:num>
+                                      <m:sSub>
+                                        <m:sSubPr>
+                                          <m:ctrlPr>
+                                            <a:rPr lang="fr-FR" sz="2400" i="1">
+                                              <a:latin typeface="Cambria Math" panose="02040503050406030204" pitchFamily="18" charset="0"/>
+                                            </a:rPr>
+                                          </m:ctrlPr>
+                                        </m:sSubPr>
+                                        <m:e>
+                                          <m:r>
+                                            <a:rPr lang="fr-FR" sz="2400">
+                                              <a:latin typeface="Cambria Math" panose="02040503050406030204" pitchFamily="18" charset="0"/>
+                                            </a:rPr>
+                                            <m:t>𝜆</m:t>
+                                          </m:r>
+                                        </m:e>
+                                        <m:sub>
+                                          <m:r>
+                                            <a:rPr lang="fr-FR" sz="2400">
+                                              <a:latin typeface="Cambria Math" panose="02040503050406030204" pitchFamily="18" charset="0"/>
+                                            </a:rPr>
+                                            <m:t>𝑗</m:t>
+                                          </m:r>
+                                        </m:sub>
+                                      </m:sSub>
+                                      <m:r>
+                                        <a:rPr lang="fr-FR" sz="2400">
+                                          <a:latin typeface="Cambria Math" panose="02040503050406030204" pitchFamily="18" charset="0"/>
+                                        </a:rPr>
+                                        <m:t>−</m:t>
+                                      </m:r>
+                                      <m:sSub>
+                                        <m:sSubPr>
+                                          <m:ctrlPr>
+                                            <a:rPr lang="fr-FR" sz="2400" i="1">
+                                              <a:latin typeface="Cambria Math" panose="02040503050406030204" pitchFamily="18" charset="0"/>
+                                            </a:rPr>
+                                          </m:ctrlPr>
+                                        </m:sSubPr>
+                                        <m:e>
+                                          <m:r>
+                                            <a:rPr lang="fr-FR" sz="2400">
+                                              <a:latin typeface="Cambria Math" panose="02040503050406030204" pitchFamily="18" charset="0"/>
+                                            </a:rPr>
+                                            <m:t>𝜆</m:t>
+                                          </m:r>
+                                        </m:e>
+                                        <m:sub>
+                                          <m:r>
+                                            <a:rPr lang="fr-FR" sz="2400">
+                                              <a:latin typeface="Cambria Math" panose="02040503050406030204" pitchFamily="18" charset="0"/>
+                                            </a:rPr>
+                                            <m:t>𝑖</m:t>
+                                          </m:r>
+                                        </m:sub>
+                                      </m:sSub>
+                                    </m:num>
+                                    <m:den>
+                                      <m:r>
+                                        <a:rPr lang="fr-FR" sz="2400">
+                                          <a:latin typeface="Cambria Math" panose="02040503050406030204" pitchFamily="18" charset="0"/>
+                                        </a:rPr>
+                                        <m:t>2</m:t>
+                                      </m:r>
+                                    </m:den>
+                                  </m:f>
+                                </m:e>
+                              </m:d>
+                            </m:e>
+                          </m:rad>
+                        </m:e>
+                      </m:d>
+                    </m:oMath>
+                  </m:oMathPara>
+                </a14:m>
+                <a:endParaRPr lang="fr-FR" sz="2400" b="1" dirty="0"/>
+              </a:p>
+              <a:p>
+                <a:pPr marL="800100" lvl="1" indent="-342900" algn="just">
+                  <a:buFont typeface="Wingdings" panose="05000000000000000000" pitchFamily="2" charset="2"/>
+                  <a:buChar char="ü"/>
+                </a:pPr>
+                <a14:m>
+                  <m:oMath xmlns:m="http://schemas.openxmlformats.org/officeDocument/2006/math">
+                    <m:r>
+                      <a:rPr lang="fr-FR" sz="2400">
+                        <a:latin typeface="Cambria Math" panose="02040503050406030204" pitchFamily="18" charset="0"/>
+                      </a:rPr>
+                      <m:t>𝑟</m:t>
+                    </m:r>
+                  </m:oMath>
+                </a14:m>
+                <a:r>
+                  <a:rPr lang="fr-FR" sz="2400" dirty="0"/>
+                  <a:t> est le rayon de la terre (environ 6371 km).</a:t>
+                </a:r>
+              </a:p>
+              <a:p>
+                <a:pPr marL="800100" lvl="1" indent="-342900" algn="just">
+                  <a:buFont typeface="Wingdings" panose="05000000000000000000" pitchFamily="2" charset="2"/>
+                  <a:buChar char="ü"/>
+                </a:pPr>
+                <a:r>
+                  <a:rPr lang="fr-FR" sz="2400" dirty="0"/>
+                  <a:t> </a:t>
+                </a:r>
+                <a14:m>
+                  <m:oMath xmlns:m="http://schemas.openxmlformats.org/officeDocument/2006/math">
+                    <m:sSub>
+                      <m:sSubPr>
+                        <m:ctrlPr>
+                          <a:rPr lang="fr-FR" sz="2400" i="1" smtClean="0">
+                            <a:latin typeface="Cambria Math" panose="02040503050406030204" pitchFamily="18" charset="0"/>
+                          </a:rPr>
+                        </m:ctrlPr>
+                      </m:sSubPr>
+                      <m:e>
+                        <m:r>
+                          <a:rPr lang="fr-FR" sz="2400">
+                            <a:latin typeface="Cambria Math" panose="02040503050406030204" pitchFamily="18" charset="0"/>
+                          </a:rPr>
+                          <m:t>𝜑</m:t>
+                        </m:r>
+                      </m:e>
+                      <m:sub>
+                        <m:r>
+                          <a:rPr lang="fr-FR" sz="2400">
+                            <a:latin typeface="Cambria Math" panose="02040503050406030204" pitchFamily="18" charset="0"/>
+                          </a:rPr>
+                          <m:t>𝑖</m:t>
+                        </m:r>
+                      </m:sub>
+                    </m:sSub>
+                  </m:oMath>
+                </a14:m>
+                <a:r>
+                  <a:rPr lang="fr-FR" sz="2400" dirty="0"/>
+                  <a:t> , </a:t>
+                </a:r>
+                <a14:m>
+                  <m:oMath xmlns:m="http://schemas.openxmlformats.org/officeDocument/2006/math">
+                    <m:sSub>
+                      <m:sSubPr>
+                        <m:ctrlPr>
+                          <a:rPr lang="fr-FR" sz="2400" i="1">
+                            <a:latin typeface="Cambria Math" panose="02040503050406030204" pitchFamily="18" charset="0"/>
+                          </a:rPr>
+                        </m:ctrlPr>
+                      </m:sSubPr>
+                      <m:e>
+                        <m:r>
+                          <a:rPr lang="fr-FR" sz="2400">
+                            <a:latin typeface="Cambria Math" panose="02040503050406030204" pitchFamily="18" charset="0"/>
+                          </a:rPr>
+                          <m:t>𝜑</m:t>
+                        </m:r>
+                      </m:e>
+                      <m:sub>
+                        <m:r>
+                          <a:rPr lang="fr-FR" sz="2400" b="0" i="1" smtClean="0">
+                            <a:latin typeface="Cambria Math" panose="02040503050406030204" pitchFamily="18" charset="0"/>
+                          </a:rPr>
+                          <m:t>𝑗</m:t>
+                        </m:r>
+                      </m:sub>
+                    </m:sSub>
+                  </m:oMath>
+                </a14:m>
+                <a:r>
+                  <a:rPr lang="fr-FR" sz="2400" dirty="0"/>
+                  <a:t> sont les latitudes des points </a:t>
+                </a:r>
+                <a14:m>
+                  <m:oMath xmlns:m="http://schemas.openxmlformats.org/officeDocument/2006/math">
+                    <m:r>
+                      <a:rPr lang="fr-FR" sz="2400" b="0" i="1" smtClean="0">
+                        <a:latin typeface="Cambria Math" panose="02040503050406030204" pitchFamily="18" charset="0"/>
+                      </a:rPr>
+                      <m:t>𝑖</m:t>
+                    </m:r>
+                  </m:oMath>
+                </a14:m>
+                <a:r>
+                  <a:rPr lang="fr-FR" sz="2400" dirty="0"/>
+                  <a:t> et </a:t>
+                </a:r>
+                <a14:m>
+                  <m:oMath xmlns:m="http://schemas.openxmlformats.org/officeDocument/2006/math">
+                    <m:r>
+                      <a:rPr lang="fr-FR" sz="2400" b="0" i="1" smtClean="0">
+                        <a:latin typeface="Cambria Math" panose="02040503050406030204" pitchFamily="18" charset="0"/>
+                      </a:rPr>
+                      <m:t>𝑗</m:t>
+                    </m:r>
+                  </m:oMath>
+                </a14:m>
+                <a:r>
+                  <a:rPr lang="fr-FR" sz="2400" dirty="0"/>
+                  <a:t> (en radians).</a:t>
+                </a:r>
+              </a:p>
+              <a:p>
+                <a:pPr marL="800100" lvl="1" indent="-342900" algn="just">
+                  <a:buFont typeface="Wingdings" panose="05000000000000000000" pitchFamily="2" charset="2"/>
+                  <a:buChar char="ü"/>
+                </a:pPr>
+                <a14:m>
+                  <m:oMath xmlns:m="http://schemas.openxmlformats.org/officeDocument/2006/math">
+                    <m:sSub>
+                      <m:sSubPr>
+                        <m:ctrlPr>
+                          <a:rPr lang="fr-FR" sz="2400" i="1" smtClean="0">
+                            <a:latin typeface="Cambria Math" panose="02040503050406030204" pitchFamily="18" charset="0"/>
+                          </a:rPr>
+                        </m:ctrlPr>
+                      </m:sSubPr>
+                      <m:e>
+                        <m:r>
+                          <a:rPr lang="fr-FR" sz="2400">
+                            <a:latin typeface="Cambria Math" panose="02040503050406030204" pitchFamily="18" charset="0"/>
+                          </a:rPr>
+                          <m:t>𝜆</m:t>
+                        </m:r>
+                      </m:e>
+                      <m:sub>
+                        <m:r>
+                          <a:rPr lang="fr-FR" sz="2400">
+                            <a:latin typeface="Cambria Math" panose="02040503050406030204" pitchFamily="18" charset="0"/>
+                          </a:rPr>
+                          <m:t>𝑖</m:t>
+                        </m:r>
+                      </m:sub>
+                    </m:sSub>
+                  </m:oMath>
+                </a14:m>
+                <a:r>
+                  <a:rPr lang="fr-FR" sz="2400" dirty="0"/>
+                  <a:t>, </a:t>
+                </a:r>
+                <a14:m>
+                  <m:oMath xmlns:m="http://schemas.openxmlformats.org/officeDocument/2006/math">
+                    <m:sSub>
+                      <m:sSubPr>
+                        <m:ctrlPr>
+                          <a:rPr lang="fr-FR" sz="2400" i="1">
+                            <a:latin typeface="Cambria Math" panose="02040503050406030204" pitchFamily="18" charset="0"/>
+                          </a:rPr>
+                        </m:ctrlPr>
+                      </m:sSubPr>
+                      <m:e>
+                        <m:r>
+                          <a:rPr lang="fr-FR" sz="2400">
+                            <a:latin typeface="Cambria Math" panose="02040503050406030204" pitchFamily="18" charset="0"/>
+                          </a:rPr>
+                          <m:t>𝜆</m:t>
+                        </m:r>
+                      </m:e>
+                      <m:sub>
+                        <m:r>
+                          <a:rPr lang="fr-FR" sz="2400" b="0" i="1" smtClean="0">
+                            <a:latin typeface="Cambria Math" panose="02040503050406030204" pitchFamily="18" charset="0"/>
+                          </a:rPr>
+                          <m:t>𝑗</m:t>
+                        </m:r>
+                      </m:sub>
+                    </m:sSub>
+                  </m:oMath>
+                </a14:m>
+                <a:r>
+                  <a:rPr lang="fr-FR" sz="2400" dirty="0"/>
+                  <a:t> : les longitudes des points </a:t>
+                </a:r>
+                <a14:m>
+                  <m:oMath xmlns:m="http://schemas.openxmlformats.org/officeDocument/2006/math">
+                    <m:r>
+                      <a:rPr lang="fr-FR" sz="2400" i="1">
+                        <a:latin typeface="Cambria Math" panose="02040503050406030204" pitchFamily="18" charset="0"/>
+                      </a:rPr>
+                      <m:t>𝑖</m:t>
+                    </m:r>
+                  </m:oMath>
+                </a14:m>
+                <a:r>
+                  <a:rPr lang="fr-FR" sz="2400" dirty="0"/>
+                  <a:t> et </a:t>
+                </a:r>
+                <a14:m>
+                  <m:oMath xmlns:m="http://schemas.openxmlformats.org/officeDocument/2006/math">
+                    <m:r>
+                      <a:rPr lang="fr-FR" sz="2400" i="1">
+                        <a:latin typeface="Cambria Math" panose="02040503050406030204" pitchFamily="18" charset="0"/>
+                      </a:rPr>
+                      <m:t>𝑗</m:t>
+                    </m:r>
+                  </m:oMath>
+                </a14:m>
+                <a:r>
+                  <a:rPr lang="fr-FR" sz="2400" dirty="0"/>
+                  <a:t> (en radians).</a:t>
+                </a:r>
+              </a:p>
+            </p:txBody>
+          </p:sp>
+        </mc:Choice>
+        <mc:Fallback>
+          <p:sp>
+            <p:nvSpPr>
+              <p:cNvPr id="8" name="ZoneTexte 7">
+                <a:extLst>
+                  <a:ext uri="{FF2B5EF4-FFF2-40B4-BE49-F238E27FC236}">
+                    <a16:creationId xmlns:a16="http://schemas.microsoft.com/office/drawing/2014/main" id="{9F81570F-F297-B13B-ABA1-DE1E4FC2354A}"/>
+                  </a:ext>
+                </a:extLst>
+              </p:cNvPr>
+              <p:cNvSpPr txBox="1">
+                <a:spLocks noRot="1" noChangeAspect="1" noMove="1" noResize="1" noEditPoints="1" noAdjustHandles="1" noChangeArrowheads="1" noChangeShapeType="1" noTextEdit="1"/>
+              </p:cNvSpPr>
+              <p:nvPr/>
+            </p:nvSpPr>
+            <p:spPr>
+              <a:xfrm>
+                <a:off x="0" y="3246908"/>
+                <a:ext cx="12192000" cy="3157788"/>
+              </a:xfrm>
+              <a:prstGeom prst="rect">
+                <a:avLst/>
+              </a:prstGeom>
+              <a:blipFill>
+                <a:blip r:embed="rId5"/>
+                <a:stretch>
+                  <a:fillRect l="-650" t="-1544" b="-3668"/>
+                </a:stretch>
+              </a:blipFill>
+            </p:spPr>
+            <p:txBody>
+              <a:bodyPr/>
+              <a:lstStyle/>
+              <a:p>
+                <a:r>
+                  <a:rPr lang="en-US">
+                    <a:noFill/>
+                  </a:rPr>
+                  <a:t> </a:t>
+                </a:r>
+              </a:p>
+            </p:txBody>
+          </p:sp>
+        </mc:Fallback>
+      </mc:AlternateContent>
     </p:spTree>
     <p:extLst>
       <p:ext uri="{BB962C8B-B14F-4D97-AF65-F5344CB8AC3E}">
@@ -11816,7 +15000,263 @@
 </p:sld>
 </file>
 
-<file path=ppt/slides/slide7.xml><?xml version="1.0" encoding="utf-8"?>
+<file path=ppt/slides/slide8.xml><?xml version="1.0" encoding="utf-8"?>
+<p:sld xmlns:a="http://schemas.openxmlformats.org/drawingml/2006/main" xmlns:r="http://schemas.openxmlformats.org/officeDocument/2006/relationships" xmlns:p="http://schemas.openxmlformats.org/presentationml/2006/main">
+  <p:cSld>
+    <p:spTree>
+      <p:nvGrpSpPr>
+        <p:cNvPr id="1" name="">
+          <a:extLst>
+            <a:ext uri="{FF2B5EF4-FFF2-40B4-BE49-F238E27FC236}">
+              <a16:creationId xmlns:a16="http://schemas.microsoft.com/office/drawing/2014/main" id="{C67557DB-E485-B1ED-5FD9-327415A607DF}"/>
+            </a:ext>
+          </a:extLst>
+        </p:cNvPr>
+        <p:cNvGrpSpPr/>
+        <p:nvPr/>
+      </p:nvGrpSpPr>
+      <p:grpSpPr>
+        <a:xfrm>
+          <a:off x="0" y="0"/>
+          <a:ext cx="0" cy="0"/>
+          <a:chOff x="0" y="0"/>
+          <a:chExt cx="0" cy="0"/>
+        </a:xfrm>
+      </p:grpSpPr>
+      <p:sp>
+        <p:nvSpPr>
+          <p:cNvPr id="3" name="Espace réservé du numéro de diapositive 2">
+            <a:extLst>
+              <a:ext uri="{FF2B5EF4-FFF2-40B4-BE49-F238E27FC236}">
+                <a16:creationId xmlns:a16="http://schemas.microsoft.com/office/drawing/2014/main" id="{CE4AAA5A-E668-F3E9-7981-CF3DB415D332}"/>
+              </a:ext>
+            </a:extLst>
+          </p:cNvPr>
+          <p:cNvSpPr>
+            <a:spLocks noGrp="1"/>
+          </p:cNvSpPr>
+          <p:nvPr>
+            <p:ph type="sldNum" sz="quarter" idx="4"/>
+          </p:nvPr>
+        </p:nvSpPr>
+        <p:spPr>
+          <a:xfrm>
+            <a:off x="8610600" y="6356350"/>
+            <a:ext cx="2743200" cy="365125"/>
+          </a:xfrm>
+        </p:spPr>
+        <p:txBody>
+          <a:bodyPr/>
+          <a:lstStyle/>
+          <a:p>
+            <a:fld id="{F546B7B7-7D14-4795-A998-350CFB2BDD43}" type="slidenum">
+              <a:rPr lang="fr-FR" smtClean="0"/>
+              <a:pPr/>
+              <a:t>8</a:t>
+            </a:fld>
+            <a:endParaRPr lang="fr-FR"/>
+          </a:p>
+        </p:txBody>
+      </p:sp>
+      <p:sp>
+        <p:nvSpPr>
+          <p:cNvPr id="2" name="ZoneTexte 1">
+            <a:extLst>
+              <a:ext uri="{FF2B5EF4-FFF2-40B4-BE49-F238E27FC236}">
+                <a16:creationId xmlns:a16="http://schemas.microsoft.com/office/drawing/2014/main" id="{7DB62A4C-01F7-8146-ADBE-E4040BDCC217}"/>
+              </a:ext>
+            </a:extLst>
+          </p:cNvPr>
+          <p:cNvSpPr txBox="1"/>
+          <p:nvPr/>
+        </p:nvSpPr>
+        <p:spPr>
+          <a:xfrm>
+            <a:off x="2" y="532969"/>
+            <a:ext cx="12191999" cy="646331"/>
+          </a:xfrm>
+          <a:prstGeom prst="rect">
+            <a:avLst/>
+          </a:prstGeom>
+          <a:solidFill>
+            <a:srgbClr val="006A5A"/>
+          </a:solidFill>
+        </p:spPr>
+        <p:txBody>
+          <a:bodyPr wrap="square" rtlCol="0">
+            <a:spAutoFit/>
+          </a:bodyPr>
+          <a:lstStyle/>
+          <a:p>
+            <a:r>
+              <a:rPr lang="fr-FR" sz="3600" b="1" dirty="0">
+                <a:solidFill>
+                  <a:schemeClr val="bg1"/>
+                </a:solidFill>
+                <a:latin typeface="Gill Sans MT" panose="020B0502020104020203" pitchFamily="34" charset="0"/>
+              </a:rPr>
+              <a:t>1.1. Cadre conceptuel de l’étude</a:t>
+            </a:r>
+          </a:p>
+        </p:txBody>
+      </p:sp>
+      <p:pic>
+        <p:nvPicPr>
+          <p:cNvPr id="4" name="Graphique 3" descr="Flèches de chevron">
+            <a:extLst>
+              <a:ext uri="{FF2B5EF4-FFF2-40B4-BE49-F238E27FC236}">
+                <a16:creationId xmlns:a16="http://schemas.microsoft.com/office/drawing/2014/main" id="{364AF47F-2B95-0F93-CE36-A0B2B11D4774}"/>
+              </a:ext>
+            </a:extLst>
+          </p:cNvPr>
+          <p:cNvPicPr>
+            <a:picLocks noChangeAspect="1"/>
+          </p:cNvPicPr>
+          <p:nvPr/>
+        </p:nvPicPr>
+        <p:blipFill>
+          <a:blip r:embed="rId2">
+            <a:extLst>
+              <a:ext uri="{28A0092B-C50C-407E-A947-70E740481C1C}">
+                <a14:useLocalDpi xmlns:a14="http://schemas.microsoft.com/office/drawing/2010/main" val="0"/>
+              </a:ext>
+              <a:ext uri="{96DAC541-7B7A-43D3-8B79-37D633B846F1}">
+                <asvg:svgBlip xmlns:asvg="http://schemas.microsoft.com/office/drawing/2016/SVG/main" r:embed="rId3"/>
+              </a:ext>
+            </a:extLst>
+          </a:blip>
+          <a:stretch>
+            <a:fillRect/>
+          </a:stretch>
+        </p:blipFill>
+        <p:spPr>
+          <a:xfrm>
+            <a:off x="11078692" y="266700"/>
+            <a:ext cx="1170459" cy="1170459"/>
+          </a:xfrm>
+          <a:prstGeom prst="rect">
+            <a:avLst/>
+          </a:prstGeom>
+        </p:spPr>
+      </p:pic>
+      <p:sp>
+        <p:nvSpPr>
+          <p:cNvPr id="8" name="ZoneTexte 7">
+            <a:extLst>
+              <a:ext uri="{FF2B5EF4-FFF2-40B4-BE49-F238E27FC236}">
+                <a16:creationId xmlns:a16="http://schemas.microsoft.com/office/drawing/2014/main" id="{19BDDB0E-5ED2-616F-556E-CC6866C48709}"/>
+              </a:ext>
+            </a:extLst>
+          </p:cNvPr>
+          <p:cNvSpPr txBox="1"/>
+          <p:nvPr/>
+        </p:nvSpPr>
+        <p:spPr>
+          <a:xfrm>
+            <a:off x="0" y="1192075"/>
+            <a:ext cx="12192000" cy="3785652"/>
+          </a:xfrm>
+          <a:prstGeom prst="rect">
+            <a:avLst/>
+          </a:prstGeom>
+          <a:noFill/>
+        </p:spPr>
+        <p:txBody>
+          <a:bodyPr wrap="square">
+            <a:spAutoFit/>
+          </a:bodyPr>
+          <a:lstStyle/>
+          <a:p>
+            <a:pPr marL="342900" indent="-342900">
+              <a:buFont typeface="Arial" panose="020B0604020202020204" pitchFamily="34" charset="0"/>
+              <a:buChar char="•"/>
+            </a:pPr>
+            <a:r>
+              <a:rPr lang="fr-FR" sz="2400" b="1" dirty="0"/>
+              <a:t>Notion de voisinage</a:t>
+            </a:r>
+          </a:p>
+          <a:p>
+            <a:endParaRPr lang="fr-FR" sz="2400" dirty="0"/>
+          </a:p>
+          <a:p>
+            <a:pPr marL="800100" lvl="1" indent="-342900">
+              <a:buFont typeface="Wingdings" panose="05000000000000000000" pitchFamily="2" charset="2"/>
+              <a:buChar char="ü"/>
+            </a:pPr>
+            <a:r>
+              <a:rPr lang="fr-FR" sz="2400" b="1" dirty="0"/>
+              <a:t>Basée sur la distance </a:t>
+            </a:r>
+            <a:r>
+              <a:rPr lang="fr-FR" sz="2400" dirty="0"/>
+              <a:t>: Deux localités sont voisines si la distance entre elles est inférieure à un seuil prédéfini.</a:t>
+            </a:r>
+            <a:endParaRPr lang="fr-FR" sz="2400" b="1" dirty="0"/>
+          </a:p>
+          <a:p>
+            <a:pPr marL="800100" lvl="1" indent="-342900">
+              <a:buFont typeface="Wingdings" panose="05000000000000000000" pitchFamily="2" charset="2"/>
+              <a:buChar char="ü"/>
+            </a:pPr>
+            <a:endParaRPr lang="fr-FR" sz="2400" dirty="0"/>
+          </a:p>
+          <a:p>
+            <a:pPr marL="800100" lvl="1" indent="-342900">
+              <a:buFont typeface="Wingdings" panose="05000000000000000000" pitchFamily="2" charset="2"/>
+              <a:buChar char="ü"/>
+            </a:pPr>
+            <a:r>
+              <a:rPr lang="fr-FR" sz="2400" b="1" dirty="0"/>
+              <a:t>Basée sur la contiguïté </a:t>
+            </a:r>
+            <a:r>
+              <a:rPr lang="fr-FR" sz="2400" dirty="0"/>
+              <a:t>: On distingue par exemple la contiguïté </a:t>
+            </a:r>
+            <a:r>
+              <a:rPr lang="fr-FR" sz="2400" dirty="0" err="1"/>
+              <a:t>Rook</a:t>
+            </a:r>
+            <a:r>
+              <a:rPr lang="fr-FR" sz="2400" dirty="0"/>
+              <a:t> (deux zones sont voisines si elles partagent un segment de frontière) et la contiguïté Queen (elles sont voisines si elles partagent au moins un point)</a:t>
+            </a:r>
+          </a:p>
+          <a:p>
+            <a:pPr marL="800100" lvl="1" indent="-342900">
+              <a:buFont typeface="Wingdings" panose="05000000000000000000" pitchFamily="2" charset="2"/>
+              <a:buChar char="ü"/>
+            </a:pPr>
+            <a:endParaRPr lang="fr-FR" sz="2400" dirty="0"/>
+          </a:p>
+          <a:p>
+            <a:pPr marL="800100" lvl="1" indent="-342900">
+              <a:buFont typeface="Wingdings" panose="05000000000000000000" pitchFamily="2" charset="2"/>
+              <a:buChar char="ü"/>
+            </a:pPr>
+            <a:r>
+              <a:rPr lang="fr-FR" sz="2400" b="1" dirty="0"/>
+              <a:t>Basée sur l’optimisation d’une trajectoire</a:t>
+            </a:r>
+            <a:endParaRPr lang="en-US" sz="2400" b="1" dirty="0"/>
+          </a:p>
+        </p:txBody>
+      </p:sp>
+    </p:spTree>
+    <p:extLst>
+      <p:ext uri="{BB962C8B-B14F-4D97-AF65-F5344CB8AC3E}">
+        <p14:creationId xmlns:p14="http://schemas.microsoft.com/office/powerpoint/2010/main" val="2150441019"/>
+      </p:ext>
+    </p:extLst>
+  </p:cSld>
+  <p:clrMapOvr>
+    <a:masterClrMapping/>
+  </p:clrMapOvr>
+</p:sld>
+</file>
+
+<file path=ppt/slides/slide9.xml><?xml version="1.0" encoding="utf-8"?>
 <p:sld xmlns:a="http://schemas.openxmlformats.org/drawingml/2006/main" xmlns:r="http://schemas.openxmlformats.org/officeDocument/2006/relationships" xmlns:p="http://schemas.openxmlformats.org/presentationml/2006/main">
   <p:cSld>
     <p:spTree>
@@ -11868,7 +15308,7 @@
             <a:fld id="{F546B7B7-7D14-4795-A998-350CFB2BDD43}" type="slidenum">
               <a:rPr lang="fr-FR" smtClean="0"/>
               <a:pPr/>
-              <a:t>7</a:t>
+              <a:t>9</a:t>
             </a:fld>
             <a:endParaRPr lang="fr-FR"/>
           </a:p>
@@ -11955,132 +15395,12 @@
           </a:prstGeom>
         </p:spPr>
       </p:pic>
-    </p:spTree>
-    <p:extLst>
-      <p:ext uri="{BB962C8B-B14F-4D97-AF65-F5344CB8AC3E}">
-        <p14:creationId xmlns:p14="http://schemas.microsoft.com/office/powerpoint/2010/main" val="3735440625"/>
-      </p:ext>
-    </p:extLst>
-  </p:cSld>
-  <p:clrMapOvr>
-    <a:masterClrMapping/>
-  </p:clrMapOvr>
-</p:sld>
-</file>
-
-<file path=ppt/slides/slide8.xml><?xml version="1.0" encoding="utf-8"?>
-<p:sld xmlns:a="http://schemas.openxmlformats.org/drawingml/2006/main" xmlns:r="http://schemas.openxmlformats.org/officeDocument/2006/relationships" xmlns:p="http://schemas.openxmlformats.org/presentationml/2006/main">
-  <p:cSld>
-    <p:spTree>
-      <p:nvGrpSpPr>
-        <p:cNvPr id="1" name=""/>
-        <p:cNvGrpSpPr/>
-        <p:nvPr/>
-      </p:nvGrpSpPr>
-      <p:grpSpPr>
-        <a:xfrm>
-          <a:off x="0" y="0"/>
-          <a:ext cx="0" cy="0"/>
-          <a:chOff x="0" y="0"/>
-          <a:chExt cx="0" cy="0"/>
-        </a:xfrm>
-      </p:grpSpPr>
       <p:sp>
         <p:nvSpPr>
-          <p:cNvPr id="2" name="Espace réservé du numéro de diapositive 1">
-            <a:extLst>
-              <a:ext uri="{FF2B5EF4-FFF2-40B4-BE49-F238E27FC236}">
-                <a16:creationId xmlns:a16="http://schemas.microsoft.com/office/drawing/2014/main" id="{E166AE0D-2FAB-3003-2BD1-E74A9391CFB5}"/>
-              </a:ext>
-            </a:extLst>
-          </p:cNvPr>
-          <p:cNvSpPr>
-            <a:spLocks noGrp="1"/>
-          </p:cNvSpPr>
-          <p:nvPr>
-            <p:ph type="sldNum" sz="quarter" idx="4"/>
-          </p:nvPr>
-        </p:nvSpPr>
-        <p:spPr/>
-        <p:txBody>
-          <a:bodyPr/>
-          <a:lstStyle/>
-          <a:p>
-            <a:fld id="{F546B7B7-7D14-4795-A998-350CFB2BDD43}" type="slidenum">
-              <a:rPr lang="fr-FR" smtClean="0"/>
-              <a:pPr/>
-              <a:t>8</a:t>
-            </a:fld>
-            <a:endParaRPr lang="fr-FR"/>
-          </a:p>
-        </p:txBody>
-      </p:sp>
-    </p:spTree>
-    <p:extLst>
-      <p:ext uri="{BB962C8B-B14F-4D97-AF65-F5344CB8AC3E}">
-        <p14:creationId xmlns:p14="http://schemas.microsoft.com/office/powerpoint/2010/main" val="1312687224"/>
-      </p:ext>
-    </p:extLst>
-  </p:cSld>
-  <p:clrMapOvr>
-    <a:masterClrMapping/>
-  </p:clrMapOvr>
-</p:sld>
-</file>
-
-<file path=ppt/slides/slide9.xml><?xml version="1.0" encoding="utf-8"?>
-<p:sld xmlns:a="http://schemas.openxmlformats.org/drawingml/2006/main" xmlns:r="http://schemas.openxmlformats.org/officeDocument/2006/relationships" xmlns:p="http://schemas.openxmlformats.org/presentationml/2006/main">
-  <p:cSld>
-    <p:spTree>
-      <p:nvGrpSpPr>
-        <p:cNvPr id="1" name=""/>
-        <p:cNvGrpSpPr/>
-        <p:nvPr/>
-      </p:nvGrpSpPr>
-      <p:grpSpPr>
-        <a:xfrm>
-          <a:off x="0" y="0"/>
-          <a:ext cx="0" cy="0"/>
-          <a:chOff x="0" y="0"/>
-          <a:chExt cx="0" cy="0"/>
-        </a:xfrm>
-      </p:grpSpPr>
-      <p:sp>
-        <p:nvSpPr>
-          <p:cNvPr id="2" name="Espace réservé du numéro de diapositive 1">
-            <a:extLst>
-              <a:ext uri="{FF2B5EF4-FFF2-40B4-BE49-F238E27FC236}">
-                <a16:creationId xmlns:a16="http://schemas.microsoft.com/office/drawing/2014/main" id="{3C9AC15D-D109-9768-8977-CF168595D874}"/>
-              </a:ext>
-            </a:extLst>
-          </p:cNvPr>
-          <p:cNvSpPr>
-            <a:spLocks noGrp="1"/>
-          </p:cNvSpPr>
-          <p:nvPr>
-            <p:ph type="sldNum" sz="quarter" idx="4"/>
-          </p:nvPr>
-        </p:nvSpPr>
-        <p:spPr/>
-        <p:txBody>
-          <a:bodyPr/>
-          <a:lstStyle/>
-          <a:p>
-            <a:fld id="{F546B7B7-7D14-4795-A998-350CFB2BDD43}" type="slidenum">
-              <a:rPr lang="fr-FR" smtClean="0"/>
-              <a:pPr/>
-              <a:t>9</a:t>
-            </a:fld>
-            <a:endParaRPr lang="fr-FR"/>
-          </a:p>
-        </p:txBody>
-      </p:sp>
-      <p:sp>
-        <p:nvSpPr>
-          <p:cNvPr id="3" name="ZoneTexte 2">
-            <a:extLst>
-              <a:ext uri="{FF2B5EF4-FFF2-40B4-BE49-F238E27FC236}">
-                <a16:creationId xmlns:a16="http://schemas.microsoft.com/office/drawing/2014/main" id="{ABD51FAC-0FBC-21FF-D03C-FE7F761AA6BC}"/>
+          <p:cNvPr id="6" name="ZoneTexte 5">
+            <a:extLst>
+              <a:ext uri="{FF2B5EF4-FFF2-40B4-BE49-F238E27FC236}">
+                <a16:creationId xmlns:a16="http://schemas.microsoft.com/office/drawing/2014/main" id="{32DE9D35-86E6-8037-6D4A-D1034D2D0BEF}"/>
               </a:ext>
             </a:extLst>
           </p:cNvPr>
@@ -12089,8 +15409,346 @@
         </p:nvSpPr>
         <p:spPr>
           <a:xfrm>
-            <a:off x="2" y="532969"/>
-            <a:ext cx="12191999" cy="646331"/>
+            <a:off x="0" y="2270158"/>
+            <a:ext cx="12191999" cy="4235583"/>
+          </a:xfrm>
+          <a:prstGeom prst="rect">
+            <a:avLst/>
+          </a:prstGeom>
+          <a:noFill/>
+        </p:spPr>
+        <p:txBody>
+          <a:bodyPr wrap="square">
+            <a:spAutoFit/>
+          </a:bodyPr>
+          <a:lstStyle/>
+          <a:p>
+            <a:pPr marL="457200" indent="-457200" algn="l">
+              <a:lnSpc>
+                <a:spcPts val="2143"/>
+              </a:lnSpc>
+              <a:spcBef>
+                <a:spcPts val="1372"/>
+              </a:spcBef>
+              <a:spcAft>
+                <a:spcPts val="1029"/>
+              </a:spcAft>
+              <a:buFont typeface="Wingdings" panose="05000000000000000000" pitchFamily="2" charset="2"/>
+              <a:buChar char="§"/>
+            </a:pPr>
+            <a:r>
+              <a:rPr lang="fr-FR" sz="2400" b="1" i="0" dirty="0">
+                <a:solidFill>
+                  <a:srgbClr val="404040"/>
+                </a:solidFill>
+                <a:effectLst/>
+              </a:rPr>
+              <a:t>Facteurs démographiques</a:t>
+            </a:r>
+            <a:endParaRPr lang="fr-FR" sz="2400" b="0" i="0" dirty="0">
+              <a:solidFill>
+                <a:srgbClr val="404040"/>
+              </a:solidFill>
+              <a:effectLst/>
+            </a:endParaRPr>
+          </a:p>
+          <a:p>
+            <a:pPr marL="800100" lvl="1" indent="-342900">
+              <a:lnSpc>
+                <a:spcPts val="2143"/>
+              </a:lnSpc>
+              <a:spcBef>
+                <a:spcPts val="1029"/>
+              </a:spcBef>
+              <a:spcAft>
+                <a:spcPts val="1029"/>
+              </a:spcAft>
+              <a:buFont typeface="Wingdings" panose="05000000000000000000" pitchFamily="2" charset="2"/>
+              <a:buChar char="ü"/>
+            </a:pPr>
+            <a:r>
+              <a:rPr lang="fr-FR" sz="2400" b="1" i="0" dirty="0">
+                <a:solidFill>
+                  <a:srgbClr val="404040"/>
+                </a:solidFill>
+                <a:effectLst/>
+              </a:rPr>
+              <a:t>Âge</a:t>
+            </a:r>
+            <a:r>
+              <a:rPr lang="fr-FR" sz="2400" b="0" i="0" dirty="0">
+                <a:solidFill>
+                  <a:srgbClr val="404040"/>
+                </a:solidFill>
+                <a:effectLst/>
+              </a:rPr>
+              <a:t> (</a:t>
+            </a:r>
+            <a:r>
+              <a:rPr lang="fr-FR" sz="2400" dirty="0"/>
+              <a:t>Ministère de la Santé et des Services sociaux Québec, 2014</a:t>
+            </a:r>
+            <a:r>
+              <a:rPr lang="fr-FR" sz="2400" b="0" i="0" dirty="0">
+                <a:solidFill>
+                  <a:srgbClr val="404040"/>
+                </a:solidFill>
+                <a:effectLst/>
+              </a:rPr>
+              <a:t>) :</a:t>
+            </a:r>
+            <a:br>
+              <a:rPr lang="fr-FR" sz="2400" b="0" i="0" dirty="0">
+                <a:solidFill>
+                  <a:srgbClr val="404040"/>
+                </a:solidFill>
+                <a:effectLst/>
+              </a:rPr>
+            </a:br>
+            <a:r>
+              <a:rPr lang="fr-FR" sz="2400" b="0" i="0" dirty="0">
+                <a:solidFill>
+                  <a:srgbClr val="404040"/>
+                </a:solidFill>
+                <a:effectLst/>
+              </a:rPr>
+              <a:t>↗ Consultation fréquente chez les 65-79 ans (maladies chroniques).</a:t>
+            </a:r>
+            <a:br>
+              <a:rPr lang="fr-FR" sz="2400" b="0" i="0" dirty="0">
+                <a:solidFill>
+                  <a:srgbClr val="404040"/>
+                </a:solidFill>
+                <a:effectLst/>
+              </a:rPr>
+            </a:br>
+            <a:r>
+              <a:rPr lang="fr-FR" sz="2400" b="0" i="0" dirty="0">
+                <a:solidFill>
+                  <a:srgbClr val="404040"/>
+                </a:solidFill>
+                <a:effectLst/>
+              </a:rPr>
+              <a:t>↘ Jeunes adultes (18-35 ans) : recours sporadique.</a:t>
+            </a:r>
+          </a:p>
+          <a:p>
+            <a:pPr marL="800100" lvl="1" indent="-342900">
+              <a:lnSpc>
+                <a:spcPts val="2143"/>
+              </a:lnSpc>
+              <a:spcBef>
+                <a:spcPts val="300"/>
+              </a:spcBef>
+              <a:spcAft>
+                <a:spcPts val="1029"/>
+              </a:spcAft>
+              <a:buFont typeface="Wingdings" panose="05000000000000000000" pitchFamily="2" charset="2"/>
+              <a:buChar char="ü"/>
+            </a:pPr>
+            <a:r>
+              <a:rPr lang="fr-FR" sz="2400" b="1" i="0" dirty="0">
+                <a:solidFill>
+                  <a:srgbClr val="404040"/>
+                </a:solidFill>
+                <a:effectLst/>
+              </a:rPr>
+              <a:t>Sexe</a:t>
+            </a:r>
+            <a:r>
+              <a:rPr lang="fr-FR" sz="2400" b="0" i="0" dirty="0">
+                <a:solidFill>
+                  <a:srgbClr val="404040"/>
+                </a:solidFill>
+                <a:effectLst/>
+              </a:rPr>
+              <a:t> (</a:t>
+            </a:r>
+            <a:r>
+              <a:rPr lang="fr-FR" sz="2400" dirty="0"/>
+              <a:t>Office fédéral de la santé publique, 2024</a:t>
+            </a:r>
+            <a:r>
+              <a:rPr lang="fr-FR" sz="2400" b="0" i="0" dirty="0">
+                <a:solidFill>
+                  <a:srgbClr val="404040"/>
+                </a:solidFill>
+                <a:effectLst/>
+              </a:rPr>
+              <a:t>) :</a:t>
+            </a:r>
+            <a:br>
+              <a:rPr lang="fr-FR" sz="2400" b="0" i="0" dirty="0">
+                <a:solidFill>
+                  <a:srgbClr val="404040"/>
+                </a:solidFill>
+                <a:effectLst/>
+              </a:rPr>
+            </a:br>
+            <a:r>
+              <a:rPr lang="fr-FR" sz="2400" b="0" i="0" dirty="0">
+                <a:solidFill>
+                  <a:srgbClr val="404040"/>
+                </a:solidFill>
+                <a:effectLst/>
+              </a:rPr>
+              <a:t>↗ Femmes consultent davantage (santé reproductive, prévention).</a:t>
+            </a:r>
+            <a:br>
+              <a:rPr lang="fr-FR" sz="2400" b="0" i="0" dirty="0">
+                <a:solidFill>
+                  <a:srgbClr val="404040"/>
+                </a:solidFill>
+                <a:effectLst/>
+              </a:rPr>
+            </a:br>
+            <a:r>
+              <a:rPr lang="fr-FR" sz="2400" b="0" i="0" dirty="0">
+                <a:solidFill>
+                  <a:srgbClr val="404040"/>
+                </a:solidFill>
+                <a:effectLst/>
+              </a:rPr>
+              <a:t>↘ Hommes sous-utilisent les services (diagnostics tardifs).</a:t>
+            </a:r>
+            <a:endParaRPr lang="fr-FR" sz="2400" dirty="0">
+              <a:solidFill>
+                <a:srgbClr val="404040"/>
+              </a:solidFill>
+            </a:endParaRPr>
+          </a:p>
+          <a:p>
+            <a:pPr algn="l">
+              <a:lnSpc>
+                <a:spcPts val="2143"/>
+              </a:lnSpc>
+              <a:spcBef>
+                <a:spcPts val="300"/>
+              </a:spcBef>
+              <a:spcAft>
+                <a:spcPts val="1029"/>
+              </a:spcAft>
+            </a:pPr>
+            <a:endParaRPr lang="fr-FR" sz="2400" dirty="0">
+              <a:solidFill>
+                <a:srgbClr val="404040"/>
+              </a:solidFill>
+            </a:endParaRPr>
+          </a:p>
+          <a:p>
+            <a:pPr marL="457200" indent="-457200" algn="l">
+              <a:lnSpc>
+                <a:spcPts val="2143"/>
+              </a:lnSpc>
+              <a:spcBef>
+                <a:spcPts val="1372"/>
+              </a:spcBef>
+              <a:spcAft>
+                <a:spcPts val="1029"/>
+              </a:spcAft>
+              <a:buFont typeface="Wingdings" panose="05000000000000000000" pitchFamily="2" charset="2"/>
+              <a:buChar char="§"/>
+            </a:pPr>
+            <a:r>
+              <a:rPr lang="fr-FR" sz="2400" b="1" i="0" dirty="0">
+                <a:solidFill>
+                  <a:srgbClr val="404040"/>
+                </a:solidFill>
+                <a:effectLst/>
+                <a:latin typeface="DeepSeek-CJK-patch"/>
+              </a:rPr>
+              <a:t>Statut socio-économique </a:t>
+            </a:r>
+            <a:r>
+              <a:rPr lang="fr-FR" sz="2400" i="0" dirty="0">
+                <a:solidFill>
+                  <a:srgbClr val="404040"/>
+                </a:solidFill>
+                <a:effectLst/>
+                <a:latin typeface="DeepSeek-CJK-patch"/>
+              </a:rPr>
+              <a:t>(</a:t>
+            </a:r>
+            <a:r>
+              <a:rPr lang="fr-FR" sz="2400" dirty="0"/>
+              <a:t>BVS Santé, 2023)</a:t>
+            </a:r>
+            <a:br>
+              <a:rPr lang="fr-FR" sz="2400" b="0" i="0" dirty="0">
+                <a:solidFill>
+                  <a:srgbClr val="404040"/>
+                </a:solidFill>
+                <a:effectLst/>
+                <a:latin typeface="DeepSeek-CJK-patch"/>
+              </a:rPr>
+            </a:br>
+            <a:r>
+              <a:rPr lang="fr-FR" sz="2400" b="0" i="0" dirty="0">
+                <a:solidFill>
+                  <a:srgbClr val="404040"/>
+                </a:solidFill>
+                <a:effectLst/>
+                <a:latin typeface="DeepSeek-CJK-patch"/>
+              </a:rPr>
+              <a:t>↗ Revenus élevés = meilleur accès (couverture sociale).</a:t>
+            </a:r>
+            <a:br>
+              <a:rPr lang="fr-FR" sz="2400" b="0" i="0" dirty="0">
+                <a:solidFill>
+                  <a:srgbClr val="404040"/>
+                </a:solidFill>
+                <a:effectLst/>
+                <a:latin typeface="DeepSeek-CJK-patch"/>
+              </a:rPr>
+            </a:br>
+            <a:r>
+              <a:rPr lang="fr-FR" sz="2400" b="0" i="0" dirty="0">
+                <a:solidFill>
+                  <a:srgbClr val="404040"/>
+                </a:solidFill>
+                <a:effectLst/>
+                <a:latin typeface="DeepSeek-CJK-patch"/>
+              </a:rPr>
+              <a:t>↘ Précarité = obstacles financiers/culturels.</a:t>
+            </a:r>
+            <a:br>
+              <a:rPr lang="fr-FR" sz="2400" b="0" i="0" dirty="0">
+                <a:solidFill>
+                  <a:srgbClr val="404040"/>
+                </a:solidFill>
+                <a:effectLst/>
+                <a:latin typeface="DeepSeek-CJK-patch"/>
+              </a:rPr>
+            </a:br>
+            <a:r>
+              <a:rPr lang="fr-FR" sz="2400" b="0" i="0" dirty="0">
+                <a:solidFill>
+                  <a:srgbClr val="404040"/>
+                </a:solidFill>
+                <a:effectLst/>
+                <a:latin typeface="DeepSeek-CJK-patch"/>
+              </a:rPr>
+              <a:t>↗ Niveau d’éducation élevé = recours préventif accru.</a:t>
+            </a:r>
+          </a:p>
+        </p:txBody>
+      </p:sp>
+      <p:sp>
+        <p:nvSpPr>
+          <p:cNvPr id="7" name="ZoneTexte 6">
+            <a:extLst>
+              <a:ext uri="{FF2B5EF4-FFF2-40B4-BE49-F238E27FC236}">
+                <a16:creationId xmlns:a16="http://schemas.microsoft.com/office/drawing/2014/main" id="{596D28E5-DCBC-C1DE-DF15-34254EC3543B}"/>
+              </a:ext>
+            </a:extLst>
+          </p:cNvPr>
+          <p:cNvSpPr txBox="1"/>
+          <p:nvPr/>
+        </p:nvSpPr>
+        <p:spPr>
+          <a:xfrm>
+            <a:off x="0" y="1437159"/>
+            <a:ext cx="12192000" cy="375552"/>
           </a:xfrm>
           <a:prstGeom prst="rect">
             <a:avLst/>
@@ -12100,66 +15758,37 @@
           </a:solidFill>
         </p:spPr>
         <p:txBody>
-          <a:bodyPr wrap="square" rtlCol="0">
+          <a:bodyPr wrap="square">
             <a:spAutoFit/>
           </a:bodyPr>
           <a:lstStyle/>
           <a:p>
+            <a:pPr algn="ctr">
+              <a:lnSpc>
+                <a:spcPts val="2143"/>
+              </a:lnSpc>
+              <a:spcBef>
+                <a:spcPts val="1372"/>
+              </a:spcBef>
+              <a:spcAft>
+                <a:spcPts val="1029"/>
+              </a:spcAft>
+            </a:pPr>
             <a:r>
-              <a:rPr lang="fr-FR" sz="3600" b="1" dirty="0">
+              <a:rPr lang="fr-FR" sz="2400" b="1" dirty="0">
                 <a:solidFill>
                   <a:schemeClr val="bg1"/>
                 </a:solidFill>
-                <a:latin typeface="Gill Sans MT" panose="020B0502020104020203" pitchFamily="34" charset="0"/>
               </a:rPr>
-              <a:t>2.1. Source des données</a:t>
+              <a:t>Principaux déterminants des consultations médicales</a:t>
             </a:r>
           </a:p>
         </p:txBody>
       </p:sp>
-      <p:pic>
-        <p:nvPicPr>
-          <p:cNvPr id="4" name="Graphique 3" descr="Flèches de chevron">
-            <a:extLst>
-              <a:ext uri="{FF2B5EF4-FFF2-40B4-BE49-F238E27FC236}">
-                <a16:creationId xmlns:a16="http://schemas.microsoft.com/office/drawing/2014/main" id="{D71963C9-5194-2A25-334D-CD10B379A8C4}"/>
-              </a:ext>
-            </a:extLst>
-          </p:cNvPr>
-          <p:cNvPicPr>
-            <a:picLocks noChangeAspect="1"/>
-          </p:cNvPicPr>
-          <p:nvPr/>
-        </p:nvPicPr>
-        <p:blipFill>
-          <a:blip r:embed="rId2">
-            <a:extLst>
-              <a:ext uri="{28A0092B-C50C-407E-A947-70E740481C1C}">
-                <a14:useLocalDpi xmlns:a14="http://schemas.microsoft.com/office/drawing/2010/main" val="0"/>
-              </a:ext>
-              <a:ext uri="{96DAC541-7B7A-43D3-8B79-37D633B846F1}">
-                <asvg:svgBlip xmlns:asvg="http://schemas.microsoft.com/office/drawing/2016/SVG/main" r:embed="rId3"/>
-              </a:ext>
-            </a:extLst>
-          </a:blip>
-          <a:stretch>
-            <a:fillRect/>
-          </a:stretch>
-        </p:blipFill>
-        <p:spPr>
-          <a:xfrm>
-            <a:off x="11078692" y="266700"/>
-            <a:ext cx="1170459" cy="1170459"/>
-          </a:xfrm>
-          <a:prstGeom prst="rect">
-            <a:avLst/>
-          </a:prstGeom>
-        </p:spPr>
-      </p:pic>
     </p:spTree>
     <p:extLst>
       <p:ext uri="{BB962C8B-B14F-4D97-AF65-F5344CB8AC3E}">
-        <p14:creationId xmlns:p14="http://schemas.microsoft.com/office/powerpoint/2010/main" val="4153329176"/>
+        <p14:creationId xmlns:p14="http://schemas.microsoft.com/office/powerpoint/2010/main" val="3735440625"/>
       </p:ext>
     </p:extLst>
   </p:cSld>

--- a/Présentation/Soutenance_Groupe25.pptx
+++ b/Présentation/Soutenance_Groupe25.pptx
@@ -16,7 +16,7 @@
   </p:handoutMasterIdLst>
   <p:sldIdLst>
     <p:sldId id="257" r:id="rId6"/>
-    <p:sldId id="258" r:id="rId7"/>
+    <p:sldId id="295" r:id="rId7"/>
     <p:sldId id="259" r:id="rId8"/>
     <p:sldId id="260" r:id="rId9"/>
     <p:sldId id="288" r:id="rId10"/>
@@ -28,9 +28,9 @@
     <p:sldId id="291" r:id="rId16"/>
     <p:sldId id="265" r:id="rId17"/>
     <p:sldId id="266" r:id="rId18"/>
-    <p:sldId id="276" r:id="rId19"/>
-    <p:sldId id="277" r:id="rId20"/>
-    <p:sldId id="278" r:id="rId21"/>
+    <p:sldId id="277" r:id="rId19"/>
+    <p:sldId id="278" r:id="rId20"/>
+    <p:sldId id="296" r:id="rId21"/>
     <p:sldId id="267" r:id="rId22"/>
     <p:sldId id="268" r:id="rId23"/>
     <p:sldId id="279" r:id="rId24"/>
@@ -248,7 +248,7 @@
           <a:p>
             <a:fld id="{02EF5511-433E-438D-93BB-1E1EB804EB9E}" type="datetimeFigureOut">
               <a:rPr lang="fr-FR" smtClean="0"/>
-              <a:t>19/04/2025</a:t>
+              <a:t>21/04/2025</a:t>
             </a:fld>
             <a:endParaRPr lang="fr-FR"/>
           </a:p>
@@ -426,7 +426,7 @@
           <a:p>
             <a:fld id="{173019D8-EACC-4538-984E-33CCC42DAA4E}" type="datetimeFigureOut">
               <a:rPr lang="fr-FR" smtClean="0"/>
-              <a:t>19/04/2025</a:t>
+              <a:t>21/04/2025</a:t>
             </a:fld>
             <a:endParaRPr lang="fr-FR"/>
           </a:p>
@@ -919,7 +919,7 @@
             <a:fld id="{B4BDA9CF-F2B2-41BE-8486-9C59032E0655}" type="datetime4">
               <a:rPr lang="fr-FR" smtClean="0"/>
               <a:pPr/>
-              <a:t>19 avril 2025</a:t>
+              <a:t>21 avril 2025</a:t>
             </a:fld>
             <a:endParaRPr lang="fr-FR" dirty="0"/>
           </a:p>
@@ -8172,7 +8172,25 @@
                 </a:solidFill>
                 <a:latin typeface="Gill Sans MT" panose="020B0502020104020203" pitchFamily="34" charset="0"/>
               </a:rPr>
-              <a:t>2.1. Source des données</a:t>
+              <a:t>2.1. Données (</a:t>
+            </a:r>
+            <a:r>
+              <a:rPr lang="fr-FR" sz="3600" b="1" dirty="0">
+                <a:solidFill>
+                  <a:srgbClr val="FF0000"/>
+                </a:solidFill>
+                <a:latin typeface="Gill Sans MT" panose="020B0502020104020203" pitchFamily="34" charset="0"/>
+              </a:rPr>
+              <a:t>Toussaint</a:t>
+            </a:r>
+            <a:r>
+              <a:rPr lang="fr-FR" sz="3600" b="1" dirty="0">
+                <a:solidFill>
+                  <a:schemeClr val="bg1"/>
+                </a:solidFill>
+                <a:latin typeface="Gill Sans MT" panose="020B0502020104020203" pitchFamily="34" charset="0"/>
+              </a:rPr>
+              <a:t>)</a:t>
             </a:r>
           </a:p>
         </p:txBody>
@@ -8297,254 +8315,6 @@
 </file>
 
 <file path=ppt/slides/slide14.xml><?xml version="1.0" encoding="utf-8"?>
-<p:sld xmlns:a="http://schemas.openxmlformats.org/drawingml/2006/main" xmlns:r="http://schemas.openxmlformats.org/officeDocument/2006/relationships" xmlns:p="http://schemas.openxmlformats.org/presentationml/2006/main">
-  <p:cSld>
-    <p:spTree>
-      <p:nvGrpSpPr>
-        <p:cNvPr id="1" name="">
-          <a:extLst>
-            <a:ext uri="{FF2B5EF4-FFF2-40B4-BE49-F238E27FC236}">
-              <a16:creationId xmlns:a16="http://schemas.microsoft.com/office/drawing/2014/main" id="{9D13170E-A7F5-0DD7-25CF-965B06E13C35}"/>
-            </a:ext>
-          </a:extLst>
-        </p:cNvPr>
-        <p:cNvGrpSpPr/>
-        <p:nvPr/>
-      </p:nvGrpSpPr>
-      <p:grpSpPr>
-        <a:xfrm>
-          <a:off x="0" y="0"/>
-          <a:ext cx="0" cy="0"/>
-          <a:chOff x="0" y="0"/>
-          <a:chExt cx="0" cy="0"/>
-        </a:xfrm>
-      </p:grpSpPr>
-      <p:sp>
-        <p:nvSpPr>
-          <p:cNvPr id="2" name="Espace réservé du numéro de diapositive 1">
-            <a:extLst>
-              <a:ext uri="{FF2B5EF4-FFF2-40B4-BE49-F238E27FC236}">
-                <a16:creationId xmlns:a16="http://schemas.microsoft.com/office/drawing/2014/main" id="{063D944C-3C21-BB3D-D02B-3CDF035BF080}"/>
-              </a:ext>
-            </a:extLst>
-          </p:cNvPr>
-          <p:cNvSpPr>
-            <a:spLocks noGrp="1"/>
-          </p:cNvSpPr>
-          <p:nvPr>
-            <p:ph type="sldNum" sz="quarter" idx="4"/>
-          </p:nvPr>
-        </p:nvSpPr>
-        <p:spPr/>
-        <p:txBody>
-          <a:bodyPr/>
-          <a:lstStyle/>
-          <a:p>
-            <a:fld id="{F546B7B7-7D14-4795-A998-350CFB2BDD43}" type="slidenum">
-              <a:rPr lang="fr-FR" smtClean="0"/>
-              <a:pPr/>
-              <a:t>14</a:t>
-            </a:fld>
-            <a:endParaRPr lang="fr-FR"/>
-          </a:p>
-        </p:txBody>
-      </p:sp>
-      <p:sp>
-        <p:nvSpPr>
-          <p:cNvPr id="3" name="ZoneTexte 2">
-            <a:extLst>
-              <a:ext uri="{FF2B5EF4-FFF2-40B4-BE49-F238E27FC236}">
-                <a16:creationId xmlns:a16="http://schemas.microsoft.com/office/drawing/2014/main" id="{A88BB36C-22B0-C514-5127-3F70D4409339}"/>
-              </a:ext>
-            </a:extLst>
-          </p:cNvPr>
-          <p:cNvSpPr txBox="1"/>
-          <p:nvPr/>
-        </p:nvSpPr>
-        <p:spPr>
-          <a:xfrm>
-            <a:off x="2" y="532969"/>
-            <a:ext cx="12191999" cy="646331"/>
-          </a:xfrm>
-          <a:prstGeom prst="rect">
-            <a:avLst/>
-          </a:prstGeom>
-          <a:solidFill>
-            <a:srgbClr val="006A5A"/>
-          </a:solidFill>
-        </p:spPr>
-        <p:txBody>
-          <a:bodyPr wrap="square" rtlCol="0">
-            <a:spAutoFit/>
-          </a:bodyPr>
-          <a:lstStyle/>
-          <a:p>
-            <a:r>
-              <a:rPr lang="fr-FR" sz="3600" b="1" dirty="0">
-                <a:solidFill>
-                  <a:schemeClr val="bg1"/>
-                </a:solidFill>
-                <a:latin typeface="Gill Sans MT" panose="020B0502020104020203" pitchFamily="34" charset="0"/>
-              </a:rPr>
-              <a:t>2.2. Traitements réalisés sur la base de données</a:t>
-            </a:r>
-          </a:p>
-        </p:txBody>
-      </p:sp>
-      <p:pic>
-        <p:nvPicPr>
-          <p:cNvPr id="4" name="Graphique 3" descr="Flèches de chevron">
-            <a:extLst>
-              <a:ext uri="{FF2B5EF4-FFF2-40B4-BE49-F238E27FC236}">
-                <a16:creationId xmlns:a16="http://schemas.microsoft.com/office/drawing/2014/main" id="{E7CBEBBD-EC89-234C-5549-1D98CA7C0843}"/>
-              </a:ext>
-            </a:extLst>
-          </p:cNvPr>
-          <p:cNvPicPr>
-            <a:picLocks noChangeAspect="1"/>
-          </p:cNvPicPr>
-          <p:nvPr/>
-        </p:nvPicPr>
-        <p:blipFill>
-          <a:blip r:embed="rId2">
-            <a:extLst>
-              <a:ext uri="{28A0092B-C50C-407E-A947-70E740481C1C}">
-                <a14:useLocalDpi xmlns:a14="http://schemas.microsoft.com/office/drawing/2010/main" val="0"/>
-              </a:ext>
-              <a:ext uri="{96DAC541-7B7A-43D3-8B79-37D633B846F1}">
-                <asvg:svgBlip xmlns:asvg="http://schemas.microsoft.com/office/drawing/2016/SVG/main" r:embed="rId3"/>
-              </a:ext>
-            </a:extLst>
-          </a:blip>
-          <a:stretch>
-            <a:fillRect/>
-          </a:stretch>
-        </p:blipFill>
-        <p:spPr>
-          <a:xfrm>
-            <a:off x="11078692" y="266700"/>
-            <a:ext cx="1170459" cy="1170459"/>
-          </a:xfrm>
-          <a:prstGeom prst="rect">
-            <a:avLst/>
-          </a:prstGeom>
-        </p:spPr>
-      </p:pic>
-      <p:sp>
-        <p:nvSpPr>
-          <p:cNvPr id="6" name="ZoneTexte 5">
-            <a:extLst>
-              <a:ext uri="{FF2B5EF4-FFF2-40B4-BE49-F238E27FC236}">
-                <a16:creationId xmlns:a16="http://schemas.microsoft.com/office/drawing/2014/main" id="{3A61602A-B875-F1EE-6CD5-F3F498F133F6}"/>
-              </a:ext>
-            </a:extLst>
-          </p:cNvPr>
-          <p:cNvSpPr txBox="1"/>
-          <p:nvPr/>
-        </p:nvSpPr>
-        <p:spPr>
-          <a:xfrm>
-            <a:off x="0" y="1599029"/>
-            <a:ext cx="12191999" cy="1247586"/>
-          </a:xfrm>
-          <a:prstGeom prst="rect">
-            <a:avLst/>
-          </a:prstGeom>
-          <a:noFill/>
-        </p:spPr>
-        <p:txBody>
-          <a:bodyPr wrap="square">
-            <a:spAutoFit/>
-          </a:bodyPr>
-          <a:lstStyle/>
-          <a:p>
-            <a:pPr marL="742950" lvl="1" indent="-285750" algn="l">
-              <a:lnSpc>
-                <a:spcPts val="2143"/>
-              </a:lnSpc>
-              <a:spcBef>
-                <a:spcPts val="300"/>
-              </a:spcBef>
-              <a:spcAft>
-                <a:spcPts val="1029"/>
-              </a:spcAft>
-              <a:buFont typeface="Arial" panose="020B0604020202020204" pitchFamily="34" charset="0"/>
-              <a:buChar char="•"/>
-            </a:pPr>
-            <a:r>
-              <a:rPr lang="fr-FR" sz="2400" b="0" i="0" dirty="0">
-                <a:solidFill>
-                  <a:srgbClr val="404040"/>
-                </a:solidFill>
-                <a:effectLst/>
-              </a:rPr>
-              <a:t>Fusion des bases via le code commune.</a:t>
-            </a:r>
-          </a:p>
-          <a:p>
-            <a:pPr marL="742950" lvl="1" indent="-285750" algn="l">
-              <a:lnSpc>
-                <a:spcPts val="2143"/>
-              </a:lnSpc>
-              <a:spcBef>
-                <a:spcPts val="300"/>
-              </a:spcBef>
-              <a:spcAft>
-                <a:spcPts val="1029"/>
-              </a:spcAft>
-              <a:buFont typeface="Arial" panose="020B0604020202020204" pitchFamily="34" charset="0"/>
-              <a:buChar char="•"/>
-            </a:pPr>
-            <a:r>
-              <a:rPr lang="fr-FR" sz="2400" b="0" i="0" dirty="0">
-                <a:solidFill>
-                  <a:srgbClr val="404040"/>
-                </a:solidFill>
-                <a:effectLst/>
-              </a:rPr>
-              <a:t>Calcul du taux de consultations.</a:t>
-            </a:r>
-          </a:p>
-          <a:p>
-            <a:pPr marL="742950" lvl="1" indent="-285750" algn="l">
-              <a:lnSpc>
-                <a:spcPts val="2143"/>
-              </a:lnSpc>
-              <a:spcBef>
-                <a:spcPts val="300"/>
-              </a:spcBef>
-              <a:spcAft>
-                <a:spcPts val="1029"/>
-              </a:spcAft>
-              <a:buFont typeface="Arial" panose="020B0604020202020204" pitchFamily="34" charset="0"/>
-              <a:buChar char="•"/>
-            </a:pPr>
-            <a:r>
-              <a:rPr lang="fr-FR" sz="2400" b="0" i="0" dirty="0">
-                <a:solidFill>
-                  <a:srgbClr val="404040"/>
-                </a:solidFill>
-                <a:effectLst/>
-              </a:rPr>
-              <a:t>Correction des coordonnées géographiques.</a:t>
-            </a:r>
-          </a:p>
-        </p:txBody>
-      </p:sp>
-    </p:spTree>
-    <p:extLst>
-      <p:ext uri="{BB962C8B-B14F-4D97-AF65-F5344CB8AC3E}">
-        <p14:creationId xmlns:p14="http://schemas.microsoft.com/office/powerpoint/2010/main" val="3958834888"/>
-      </p:ext>
-    </p:extLst>
-  </p:cSld>
-  <p:clrMapOvr>
-    <a:masterClrMapping/>
-  </p:clrMapOvr>
-</p:sld>
-</file>
-
-<file path=ppt/slides/slide15.xml><?xml version="1.0" encoding="utf-8"?>
 <p:sld xmlns:a="http://schemas.openxmlformats.org/drawingml/2006/main" xmlns:r="http://schemas.openxmlformats.org/officeDocument/2006/relationships" xmlns:p="http://schemas.openxmlformats.org/presentationml/2006/main">
   <p:cSld>
     <p:spTree>
@@ -8583,6 +8353,176 @@
             <p:ph type="sldNum" sz="quarter" idx="4"/>
           </p:nvPr>
         </p:nvSpPr>
+        <p:spPr>
+          <a:xfrm>
+            <a:off x="8630334" y="6326664"/>
+            <a:ext cx="2743200" cy="365125"/>
+          </a:xfrm>
+        </p:spPr>
+        <p:txBody>
+          <a:bodyPr/>
+          <a:lstStyle/>
+          <a:p>
+            <a:fld id="{F546B7B7-7D14-4795-A998-350CFB2BDD43}" type="slidenum">
+              <a:rPr lang="fr-FR" smtClean="0"/>
+              <a:pPr/>
+              <a:t>14</a:t>
+            </a:fld>
+            <a:endParaRPr lang="fr-FR" dirty="0"/>
+          </a:p>
+        </p:txBody>
+      </p:sp>
+      <p:sp>
+        <p:nvSpPr>
+          <p:cNvPr id="3" name="ZoneTexte 2">
+            <a:extLst>
+              <a:ext uri="{FF2B5EF4-FFF2-40B4-BE49-F238E27FC236}">
+                <a16:creationId xmlns:a16="http://schemas.microsoft.com/office/drawing/2014/main" id="{77799782-4492-2B68-93B1-81779BB005B2}"/>
+              </a:ext>
+            </a:extLst>
+          </p:cNvPr>
+          <p:cNvSpPr txBox="1"/>
+          <p:nvPr/>
+        </p:nvSpPr>
+        <p:spPr>
+          <a:xfrm>
+            <a:off x="1" y="348773"/>
+            <a:ext cx="12191999" cy="646331"/>
+          </a:xfrm>
+          <a:prstGeom prst="rect">
+            <a:avLst/>
+          </a:prstGeom>
+          <a:solidFill>
+            <a:srgbClr val="006A5A"/>
+          </a:solidFill>
+        </p:spPr>
+        <p:txBody>
+          <a:bodyPr wrap="square" rtlCol="0">
+            <a:spAutoFit/>
+          </a:bodyPr>
+          <a:lstStyle/>
+          <a:p>
+            <a:r>
+              <a:rPr lang="fr-FR" sz="3600" b="1" dirty="0">
+                <a:solidFill>
+                  <a:schemeClr val="bg1"/>
+                </a:solidFill>
+                <a:latin typeface="Gill Sans MT" panose="020B0502020104020203" pitchFamily="34" charset="0"/>
+              </a:rPr>
+              <a:t>2.2. Concepts fondamentaux (</a:t>
+            </a:r>
+            <a:r>
+              <a:rPr lang="fr-FR" sz="3600" b="1" dirty="0">
+                <a:solidFill>
+                  <a:srgbClr val="FF0000"/>
+                </a:solidFill>
+                <a:latin typeface="Gill Sans MT" panose="020B0502020104020203" pitchFamily="34" charset="0"/>
+              </a:rPr>
+              <a:t>Toussaint</a:t>
+            </a:r>
+            <a:r>
+              <a:rPr lang="fr-FR" sz="3600" b="1" dirty="0">
+                <a:solidFill>
+                  <a:schemeClr val="bg1"/>
+                </a:solidFill>
+                <a:latin typeface="Gill Sans MT" panose="020B0502020104020203" pitchFamily="34" charset="0"/>
+              </a:rPr>
+              <a:t>)</a:t>
+            </a:r>
+          </a:p>
+        </p:txBody>
+      </p:sp>
+      <p:pic>
+        <p:nvPicPr>
+          <p:cNvPr id="4" name="Graphique 3" descr="Flèches de chevron">
+            <a:extLst>
+              <a:ext uri="{FF2B5EF4-FFF2-40B4-BE49-F238E27FC236}">
+                <a16:creationId xmlns:a16="http://schemas.microsoft.com/office/drawing/2014/main" id="{0E234149-892C-04F7-1E37-E661D2AA2103}"/>
+              </a:ext>
+            </a:extLst>
+          </p:cNvPr>
+          <p:cNvPicPr>
+            <a:picLocks noChangeAspect="1"/>
+          </p:cNvPicPr>
+          <p:nvPr/>
+        </p:nvPicPr>
+        <p:blipFill>
+          <a:blip r:embed="rId2">
+            <a:extLst>
+              <a:ext uri="{28A0092B-C50C-407E-A947-70E740481C1C}">
+                <a14:useLocalDpi xmlns:a14="http://schemas.microsoft.com/office/drawing/2010/main" val="0"/>
+              </a:ext>
+              <a:ext uri="{96DAC541-7B7A-43D3-8B79-37D633B846F1}">
+                <asvg:svgBlip xmlns:asvg="http://schemas.microsoft.com/office/drawing/2016/SVG/main" r:embed="rId3"/>
+              </a:ext>
+            </a:extLst>
+          </a:blip>
+          <a:stretch>
+            <a:fillRect/>
+          </a:stretch>
+        </p:blipFill>
+        <p:spPr>
+          <a:xfrm>
+            <a:off x="11078691" y="82504"/>
+            <a:ext cx="1170459" cy="1170459"/>
+          </a:xfrm>
+          <a:prstGeom prst="rect">
+            <a:avLst/>
+          </a:prstGeom>
+        </p:spPr>
+      </p:pic>
+    </p:spTree>
+    <p:extLst>
+      <p:ext uri="{BB962C8B-B14F-4D97-AF65-F5344CB8AC3E}">
+        <p14:creationId xmlns:p14="http://schemas.microsoft.com/office/powerpoint/2010/main" val="2392160713"/>
+      </p:ext>
+    </p:extLst>
+  </p:cSld>
+  <p:clrMapOvr>
+    <a:masterClrMapping/>
+  </p:clrMapOvr>
+</p:sld>
+</file>
+
+<file path=ppt/slides/slide15.xml><?xml version="1.0" encoding="utf-8"?>
+<p:sld xmlns:a="http://schemas.openxmlformats.org/drawingml/2006/main" xmlns:r="http://schemas.openxmlformats.org/officeDocument/2006/relationships" xmlns:p="http://schemas.openxmlformats.org/presentationml/2006/main">
+  <p:cSld>
+    <p:spTree>
+      <p:nvGrpSpPr>
+        <p:cNvPr id="1" name="">
+          <a:extLst>
+            <a:ext uri="{FF2B5EF4-FFF2-40B4-BE49-F238E27FC236}">
+              <a16:creationId xmlns:a16="http://schemas.microsoft.com/office/drawing/2014/main" id="{98B0D1BF-5844-EDB5-F573-31335D368525}"/>
+            </a:ext>
+          </a:extLst>
+        </p:cNvPr>
+        <p:cNvGrpSpPr/>
+        <p:nvPr/>
+      </p:nvGrpSpPr>
+      <p:grpSpPr>
+        <a:xfrm>
+          <a:off x="0" y="0"/>
+          <a:ext cx="0" cy="0"/>
+          <a:chOff x="0" y="0"/>
+          <a:chExt cx="0" cy="0"/>
+        </a:xfrm>
+      </p:grpSpPr>
+      <p:sp>
+        <p:nvSpPr>
+          <p:cNvPr id="2" name="Espace réservé du numéro de diapositive 1">
+            <a:extLst>
+              <a:ext uri="{FF2B5EF4-FFF2-40B4-BE49-F238E27FC236}">
+                <a16:creationId xmlns:a16="http://schemas.microsoft.com/office/drawing/2014/main" id="{15E57845-333C-D9B0-61B9-E44608ADEAA3}"/>
+              </a:ext>
+            </a:extLst>
+          </p:cNvPr>
+          <p:cNvSpPr>
+            <a:spLocks noGrp="1"/>
+          </p:cNvSpPr>
+          <p:nvPr>
+            <p:ph type="sldNum" sz="quarter" idx="4"/>
+          </p:nvPr>
+        </p:nvSpPr>
         <p:spPr/>
         <p:txBody>
           <a:bodyPr/>
@@ -8602,7 +8542,7 @@
           <p:cNvPr id="3" name="ZoneTexte 2">
             <a:extLst>
               <a:ext uri="{FF2B5EF4-FFF2-40B4-BE49-F238E27FC236}">
-                <a16:creationId xmlns:a16="http://schemas.microsoft.com/office/drawing/2014/main" id="{77799782-4492-2B68-93B1-81779BB005B2}"/>
+                <a16:creationId xmlns:a16="http://schemas.microsoft.com/office/drawing/2014/main" id="{7A5700A4-2F79-0C0D-2093-533521F29605}"/>
               </a:ext>
             </a:extLst>
           </p:cNvPr>
@@ -8634,7 +8574,25 @@
                 </a:solidFill>
                 <a:latin typeface="Gill Sans MT" panose="020B0502020104020203" pitchFamily="34" charset="0"/>
               </a:rPr>
-              <a:t>2.3. Concepts fondamentaux en économétrie spatiale</a:t>
+              <a:t>2.4. Modèles (</a:t>
+            </a:r>
+            <a:r>
+              <a:rPr lang="fr-FR" sz="3600" b="1" dirty="0">
+                <a:solidFill>
+                  <a:srgbClr val="FF0000"/>
+                </a:solidFill>
+                <a:latin typeface="Gill Sans MT" panose="020B0502020104020203" pitchFamily="34" charset="0"/>
+              </a:rPr>
+              <a:t>Richard</a:t>
+            </a:r>
+            <a:r>
+              <a:rPr lang="fr-FR" sz="3600" b="1" dirty="0">
+                <a:solidFill>
+                  <a:schemeClr val="bg1"/>
+                </a:solidFill>
+                <a:latin typeface="Gill Sans MT" panose="020B0502020104020203" pitchFamily="34" charset="0"/>
+              </a:rPr>
+              <a:t>)</a:t>
             </a:r>
           </a:p>
         </p:txBody>
@@ -8644,7 +8602,7 @@
           <p:cNvPr id="4" name="Graphique 3" descr="Flèches de chevron">
             <a:extLst>
               <a:ext uri="{FF2B5EF4-FFF2-40B4-BE49-F238E27FC236}">
-                <a16:creationId xmlns:a16="http://schemas.microsoft.com/office/drawing/2014/main" id="{0E234149-892C-04F7-1E37-E661D2AA2103}"/>
+                <a16:creationId xmlns:a16="http://schemas.microsoft.com/office/drawing/2014/main" id="{280B7A1C-90CA-A1EF-957B-AF158B9ACE97}"/>
               </a:ext>
             </a:extLst>
           </p:cNvPr>
@@ -8681,7 +8639,7 @@
     </p:spTree>
     <p:extLst>
       <p:ext uri="{BB962C8B-B14F-4D97-AF65-F5344CB8AC3E}">
-        <p14:creationId xmlns:p14="http://schemas.microsoft.com/office/powerpoint/2010/main" val="2392160713"/>
+        <p14:creationId xmlns:p14="http://schemas.microsoft.com/office/powerpoint/2010/main" val="3610963717"/>
       </p:ext>
     </p:extLst>
   </p:cSld>
@@ -8781,7 +8739,7 @@
                 </a:solidFill>
                 <a:latin typeface="Gill Sans MT" panose="020B0502020104020203" pitchFamily="34" charset="0"/>
               </a:rPr>
-              <a:t>2.4. Modélisation en économétrie spatiale</a:t>
+              <a:t>2.4. Modèles</a:t>
             </a:r>
           </a:p>
         </p:txBody>
@@ -8853,8 +8811,8 @@
         </p:blipFill>
         <p:spPr>
           <a:xfrm>
-            <a:off x="4023052" y="1703428"/>
-            <a:ext cx="7584310" cy="4176074"/>
+            <a:off x="1059125" y="1236666"/>
+            <a:ext cx="9315038" cy="5062317"/>
           </a:xfrm>
           <a:prstGeom prst="rect">
             <a:avLst/>
@@ -8864,7 +8822,7 @@
     </p:spTree>
     <p:extLst>
       <p:ext uri="{BB962C8B-B14F-4D97-AF65-F5344CB8AC3E}">
-        <p14:creationId xmlns:p14="http://schemas.microsoft.com/office/powerpoint/2010/main" val="3610963717"/>
+        <p14:creationId xmlns:p14="http://schemas.microsoft.com/office/powerpoint/2010/main" val="3843628031"/>
       </p:ext>
     </p:extLst>
   </p:cSld>
@@ -8918,6 +8876,47 @@
               <a:t>17</a:t>
             </a:fld>
             <a:endParaRPr lang="fr-FR"/>
+          </a:p>
+        </p:txBody>
+      </p:sp>
+      <p:sp>
+        <p:nvSpPr>
+          <p:cNvPr id="3" name="ZoneTexte 2">
+            <a:extLst>
+              <a:ext uri="{FF2B5EF4-FFF2-40B4-BE49-F238E27FC236}">
+                <a16:creationId xmlns:a16="http://schemas.microsoft.com/office/drawing/2014/main" id="{8C7A9209-43A5-4EC1-8923-66DC1EBB94AB}"/>
+              </a:ext>
+            </a:extLst>
+          </p:cNvPr>
+          <p:cNvSpPr txBox="1"/>
+          <p:nvPr/>
+        </p:nvSpPr>
+        <p:spPr>
+          <a:xfrm>
+            <a:off x="3545767" y="4960127"/>
+            <a:ext cx="4802245" cy="646331"/>
+          </a:xfrm>
+          <a:prstGeom prst="rect">
+            <a:avLst/>
+          </a:prstGeom>
+          <a:noFill/>
+        </p:spPr>
+        <p:txBody>
+          <a:bodyPr wrap="square" rtlCol="0">
+            <a:spAutoFit/>
+          </a:bodyPr>
+          <a:lstStyle/>
+          <a:p>
+            <a:pPr algn="ctr"/>
+            <a:r>
+              <a:rPr lang="fr-FR" sz="3600" b="1" dirty="0">
+                <a:solidFill>
+                  <a:srgbClr val="FF0000"/>
+                </a:solidFill>
+                <a:latin typeface="Gill Sans MT" panose="020B0502020104020203" pitchFamily="34" charset="0"/>
+              </a:rPr>
+              <a:t>Ali et Alex</a:t>
+            </a:r>
           </a:p>
         </p:txBody>
       </p:sp>
@@ -9280,7 +9279,7 @@
           <p:cNvPr id="2" name="Espace réservé du numéro de diapositive 1">
             <a:extLst>
               <a:ext uri="{FF2B5EF4-FFF2-40B4-BE49-F238E27FC236}">
-                <a16:creationId xmlns:a16="http://schemas.microsoft.com/office/drawing/2014/main" id="{13C29215-135A-F8DE-B645-88C4FB843ED2}"/>
+                <a16:creationId xmlns:a16="http://schemas.microsoft.com/office/drawing/2014/main" id="{8C01E1E5-CF31-43CE-B673-7FD9ACDEA53D}"/>
               </a:ext>
             </a:extLst>
           </p:cNvPr>
@@ -9288,7 +9287,7 @@
             <a:spLocks noGrp="1"/>
           </p:cNvSpPr>
           <p:nvPr>
-            <p:ph type="sldNum" sz="quarter" idx="12"/>
+            <p:ph type="sldNum" sz="quarter" idx="4"/>
           </p:nvPr>
         </p:nvSpPr>
         <p:spPr/>
@@ -9298,6 +9297,7 @@
           <a:p>
             <a:fld id="{F546B7B7-7D14-4795-A998-350CFB2BDD43}" type="slidenum">
               <a:rPr lang="fr-FR" smtClean="0"/>
+              <a:pPr/>
               <a:t>2</a:t>
             </a:fld>
             <a:endParaRPr lang="fr-FR" dirty="0"/>
@@ -9306,10 +9306,10 @@
       </p:sp>
       <p:sp>
         <p:nvSpPr>
-          <p:cNvPr id="37" name="ZoneTexte 36">
-            <a:extLst>
-              <a:ext uri="{FF2B5EF4-FFF2-40B4-BE49-F238E27FC236}">
-                <a16:creationId xmlns:a16="http://schemas.microsoft.com/office/drawing/2014/main" id="{FA0D879D-042A-4F25-1CD5-D96DEFB6454D}"/>
+          <p:cNvPr id="3" name="ZoneTexte 2">
+            <a:extLst>
+              <a:ext uri="{FF2B5EF4-FFF2-40B4-BE49-F238E27FC236}">
+                <a16:creationId xmlns:a16="http://schemas.microsoft.com/office/drawing/2014/main" id="{DCA9429B-D3C5-4B58-B7FB-94AEE6F0D1FF}"/>
               </a:ext>
             </a:extLst>
           </p:cNvPr>
@@ -9318,99 +9318,173 @@
         </p:nvSpPr>
         <p:spPr>
           <a:xfrm>
-            <a:off x="608325" y="1137618"/>
-            <a:ext cx="5349415" cy="523348"/>
+            <a:off x="407039" y="858984"/>
+            <a:ext cx="11276229" cy="48838"/>
           </a:xfrm>
           <a:prstGeom prst="rect">
             <a:avLst/>
           </a:prstGeom>
           <a:solidFill>
-            <a:srgbClr val="203864"/>
+            <a:srgbClr val="006A5A"/>
           </a:solidFill>
         </p:spPr>
         <p:txBody>
-          <a:bodyPr wrap="square" rtlCol="0">
+          <a:bodyPr wrap="square">
             <a:spAutoFit/>
           </a:bodyPr>
+          <a:lstStyle/>
+          <a:p>
+            <a:pPr algn="ctr">
+              <a:lnSpc>
+                <a:spcPts val="2143"/>
+              </a:lnSpc>
+              <a:spcBef>
+                <a:spcPts val="1029"/>
+              </a:spcBef>
+              <a:spcAft>
+                <a:spcPts val="1029"/>
+              </a:spcAft>
+            </a:pPr>
+            <a:endParaRPr lang="fr-FR" sz="3200" dirty="0">
+              <a:solidFill>
+                <a:schemeClr val="bg1"/>
+              </a:solidFill>
+              <a:latin typeface="DeepSeek-CJK-patch"/>
+            </a:endParaRPr>
+          </a:p>
+        </p:txBody>
+      </p:sp>
+      <p:sp>
+        <p:nvSpPr>
+          <p:cNvPr id="4" name="Espace réservé du numéro de diapositive 1">
+            <a:extLst>
+              <a:ext uri="{FF2B5EF4-FFF2-40B4-BE49-F238E27FC236}">
+                <a16:creationId xmlns:a16="http://schemas.microsoft.com/office/drawing/2014/main" id="{E9C80AF1-A5BB-4436-92D8-F3407CB1AA8A}"/>
+              </a:ext>
+            </a:extLst>
+          </p:cNvPr>
+          <p:cNvSpPr txBox="1">
+            <a:spLocks/>
+          </p:cNvSpPr>
+          <p:nvPr/>
+        </p:nvSpPr>
+        <p:spPr>
+          <a:xfrm>
+            <a:off x="8610600" y="6356350"/>
+            <a:ext cx="2704278" cy="365125"/>
+          </a:xfrm>
+          <a:prstGeom prst="rect">
+            <a:avLst/>
+          </a:prstGeom>
+        </p:spPr>
+        <p:txBody>
+          <a:bodyPr/>
           <a:lstStyle>
             <a:defPPr>
               <a:defRPr lang="fr-FR"/>
             </a:defPPr>
-            <a:lvl1pPr>
-              <a:defRPr sz="2800">
-                <a:latin typeface="Gill Sans MT" panose="020B0502020104020203" pitchFamily="34" charset="0"/>
+            <a:lvl1pPr marL="0" algn="l" defTabSz="914400" rtl="0" eaLnBrk="1" latinLnBrk="0" hangingPunct="1">
+              <a:defRPr sz="1800" kern="1200">
+                <a:solidFill>
+                  <a:schemeClr val="tx1"/>
+                </a:solidFill>
+                <a:latin typeface="+mn-lt"/>
+                <a:ea typeface="+mn-ea"/>
+                <a:cs typeface="+mn-cs"/>
               </a:defRPr>
             </a:lvl1pPr>
+            <a:lvl2pPr marL="457200" algn="l" defTabSz="914400" rtl="0" eaLnBrk="1" latinLnBrk="0" hangingPunct="1">
+              <a:defRPr sz="1800" kern="1200">
+                <a:solidFill>
+                  <a:schemeClr val="tx1"/>
+                </a:solidFill>
+                <a:latin typeface="+mn-lt"/>
+                <a:ea typeface="+mn-ea"/>
+                <a:cs typeface="+mn-cs"/>
+              </a:defRPr>
+            </a:lvl2pPr>
+            <a:lvl3pPr marL="914400" algn="l" defTabSz="914400" rtl="0" eaLnBrk="1" latinLnBrk="0" hangingPunct="1">
+              <a:defRPr sz="1800" kern="1200">
+                <a:solidFill>
+                  <a:schemeClr val="tx1"/>
+                </a:solidFill>
+                <a:latin typeface="+mn-lt"/>
+                <a:ea typeface="+mn-ea"/>
+                <a:cs typeface="+mn-cs"/>
+              </a:defRPr>
+            </a:lvl3pPr>
+            <a:lvl4pPr marL="1371600" algn="l" defTabSz="914400" rtl="0" eaLnBrk="1" latinLnBrk="0" hangingPunct="1">
+              <a:defRPr sz="1800" kern="1200">
+                <a:solidFill>
+                  <a:schemeClr val="tx1"/>
+                </a:solidFill>
+                <a:latin typeface="+mn-lt"/>
+                <a:ea typeface="+mn-ea"/>
+                <a:cs typeface="+mn-cs"/>
+              </a:defRPr>
+            </a:lvl4pPr>
+            <a:lvl5pPr marL="1828800" algn="l" defTabSz="914400" rtl="0" eaLnBrk="1" latinLnBrk="0" hangingPunct="1">
+              <a:defRPr sz="1800" kern="1200">
+                <a:solidFill>
+                  <a:schemeClr val="tx1"/>
+                </a:solidFill>
+                <a:latin typeface="+mn-lt"/>
+                <a:ea typeface="+mn-ea"/>
+                <a:cs typeface="+mn-cs"/>
+              </a:defRPr>
+            </a:lvl5pPr>
+            <a:lvl6pPr marL="2286000" algn="l" defTabSz="914400" rtl="0" eaLnBrk="1" latinLnBrk="0" hangingPunct="1">
+              <a:defRPr sz="1800" kern="1200">
+                <a:solidFill>
+                  <a:schemeClr val="tx1"/>
+                </a:solidFill>
+                <a:latin typeface="+mn-lt"/>
+                <a:ea typeface="+mn-ea"/>
+                <a:cs typeface="+mn-cs"/>
+              </a:defRPr>
+            </a:lvl6pPr>
+            <a:lvl7pPr marL="2743200" algn="l" defTabSz="914400" rtl="0" eaLnBrk="1" latinLnBrk="0" hangingPunct="1">
+              <a:defRPr sz="1800" kern="1200">
+                <a:solidFill>
+                  <a:schemeClr val="tx1"/>
+                </a:solidFill>
+                <a:latin typeface="+mn-lt"/>
+                <a:ea typeface="+mn-ea"/>
+                <a:cs typeface="+mn-cs"/>
+              </a:defRPr>
+            </a:lvl7pPr>
+            <a:lvl8pPr marL="3200400" algn="l" defTabSz="914400" rtl="0" eaLnBrk="1" latinLnBrk="0" hangingPunct="1">
+              <a:defRPr sz="1800" kern="1200">
+                <a:solidFill>
+                  <a:schemeClr val="tx1"/>
+                </a:solidFill>
+                <a:latin typeface="+mn-lt"/>
+                <a:ea typeface="+mn-ea"/>
+                <a:cs typeface="+mn-cs"/>
+              </a:defRPr>
+            </a:lvl8pPr>
+            <a:lvl9pPr marL="3657600" algn="l" defTabSz="914400" rtl="0" eaLnBrk="1" latinLnBrk="0" hangingPunct="1">
+              <a:defRPr sz="1800" kern="1200">
+                <a:solidFill>
+                  <a:schemeClr val="tx1"/>
+                </a:solidFill>
+                <a:latin typeface="+mn-lt"/>
+                <a:ea typeface="+mn-ea"/>
+                <a:cs typeface="+mn-cs"/>
+              </a:defRPr>
+            </a:lvl9pPr>
           </a:lstStyle>
           <a:p>
-            <a:pPr algn="ctr"/>
-            <a:r>
-              <a:rPr lang="fr-FR" sz="2801" dirty="0">
-                <a:solidFill>
-                  <a:schemeClr val="bg1"/>
-                </a:solidFill>
-              </a:rPr>
-              <a:t>Introduction</a:t>
-            </a:r>
-          </a:p>
-        </p:txBody>
-      </p:sp>
-      <p:sp>
-        <p:nvSpPr>
-          <p:cNvPr id="38" name="ZoneTexte 37">
-            <a:extLst>
-              <a:ext uri="{FF2B5EF4-FFF2-40B4-BE49-F238E27FC236}">
-                <a16:creationId xmlns:a16="http://schemas.microsoft.com/office/drawing/2014/main" id="{E6E416B3-72D9-0991-E65A-5B6A86928C8F}"/>
-              </a:ext>
-            </a:extLst>
-          </p:cNvPr>
-          <p:cNvSpPr txBox="1"/>
-          <p:nvPr/>
-        </p:nvSpPr>
-        <p:spPr>
-          <a:xfrm>
-            <a:off x="632035" y="5689079"/>
-            <a:ext cx="5325706" cy="523348"/>
-          </a:xfrm>
-          <a:prstGeom prst="rect">
-            <a:avLst/>
-          </a:prstGeom>
-          <a:solidFill>
-            <a:srgbClr val="203864"/>
-          </a:solidFill>
-        </p:spPr>
-        <p:txBody>
-          <a:bodyPr wrap="square" rtlCol="0">
-            <a:spAutoFit/>
-          </a:bodyPr>
-          <a:lstStyle>
-            <a:defPPr>
-              <a:defRPr lang="fr-FR"/>
-            </a:defPPr>
-            <a:lvl1pPr>
-              <a:defRPr sz="2800">
-                <a:solidFill>
-                  <a:schemeClr val="bg1"/>
-                </a:solidFill>
-                <a:latin typeface="Gill Sans MT" panose="020B0502020104020203" pitchFamily="34" charset="0"/>
-              </a:defRPr>
-            </a:lvl1pPr>
-          </a:lstStyle>
-          <a:p>
-            <a:pPr algn="ctr"/>
-            <a:r>
-              <a:rPr lang="fr-FR" sz="2801" dirty="0"/>
-              <a:t>Conclusion</a:t>
-            </a:r>
+            <a:endParaRPr lang="fr-FR" dirty="0"/>
           </a:p>
         </p:txBody>
       </p:sp>
       <p:grpSp>
         <p:nvGrpSpPr>
-          <p:cNvPr id="39" name="Groupe 38">
-            <a:extLst>
-              <a:ext uri="{FF2B5EF4-FFF2-40B4-BE49-F238E27FC236}">
-                <a16:creationId xmlns:a16="http://schemas.microsoft.com/office/drawing/2014/main" id="{EBDDB659-3E60-7E43-28F9-3636987C695A}"/>
+          <p:cNvPr id="5" name="Groupe 4">
+            <a:extLst>
+              <a:ext uri="{FF2B5EF4-FFF2-40B4-BE49-F238E27FC236}">
+                <a16:creationId xmlns:a16="http://schemas.microsoft.com/office/drawing/2014/main" id="{59F9D4A7-2416-405E-BBE0-03055436D312}"/>
               </a:ext>
             </a:extLst>
           </p:cNvPr>
@@ -9427,10 +9501,10 @@
         </p:grpSpPr>
         <p:sp>
           <p:nvSpPr>
-            <p:cNvPr id="40" name="ZoneTexte 39">
+            <p:cNvPr id="6" name="ZoneTexte 5">
               <a:extLst>
                 <a:ext uri="{FF2B5EF4-FFF2-40B4-BE49-F238E27FC236}">
-                  <a16:creationId xmlns:a16="http://schemas.microsoft.com/office/drawing/2014/main" id="{709AD6AB-46FD-ACFE-EA20-1856B0FB6936}"/>
+                  <a16:creationId xmlns:a16="http://schemas.microsoft.com/office/drawing/2014/main" id="{0F262350-90A5-4142-85C2-5930CB37AAE4}"/>
                 </a:ext>
               </a:extLst>
             </p:cNvPr>
@@ -9464,10 +9538,10 @@
         </p:sp>
         <p:grpSp>
           <p:nvGrpSpPr>
-            <p:cNvPr id="41" name="Groupe 40">
+            <p:cNvPr id="7" name="Groupe 6">
               <a:extLst>
                 <a:ext uri="{FF2B5EF4-FFF2-40B4-BE49-F238E27FC236}">
-                  <a16:creationId xmlns:a16="http://schemas.microsoft.com/office/drawing/2014/main" id="{2640F53B-107F-1046-E511-77DCDC3E8DF1}"/>
+                  <a16:creationId xmlns:a16="http://schemas.microsoft.com/office/drawing/2014/main" id="{4E9FB72F-0228-4ABB-900C-D0434E725F20}"/>
                 </a:ext>
               </a:extLst>
             </p:cNvPr>
@@ -9484,10 +9558,10 @@
           </p:grpSpPr>
           <p:sp>
             <p:nvSpPr>
-              <p:cNvPr id="42" name="Cercle : creux 41">
+              <p:cNvPr id="8" name="Cercle : creux 7">
                 <a:extLst>
                   <a:ext uri="{FF2B5EF4-FFF2-40B4-BE49-F238E27FC236}">
-                    <a16:creationId xmlns:a16="http://schemas.microsoft.com/office/drawing/2014/main" id="{193C0C7B-61C9-75A9-2AF3-6D3AEF3AD5E4}"/>
+                    <a16:creationId xmlns:a16="http://schemas.microsoft.com/office/drawing/2014/main" id="{8D5E8AEB-150F-4907-9F1B-7FBAF5C80384}"/>
                   </a:ext>
                 </a:extLst>
               </p:cNvPr>
@@ -9544,10 +9618,10 @@
           </p:sp>
           <p:sp>
             <p:nvSpPr>
-              <p:cNvPr id="43" name="Rectangle 42">
+              <p:cNvPr id="9" name="Rectangle 8">
                 <a:extLst>
                   <a:ext uri="{FF2B5EF4-FFF2-40B4-BE49-F238E27FC236}">
-                    <a16:creationId xmlns:a16="http://schemas.microsoft.com/office/drawing/2014/main" id="{28F490B2-7DA6-0768-1755-F15EA2FF6CEA}"/>
+                    <a16:creationId xmlns:a16="http://schemas.microsoft.com/office/drawing/2014/main" id="{9BD40985-1F27-47DE-B65B-6A8AB0A6E6D0}"/>
                   </a:ext>
                 </a:extLst>
               </p:cNvPr>
@@ -9594,10 +9668,10 @@
       </p:grpSp>
       <p:grpSp>
         <p:nvGrpSpPr>
-          <p:cNvPr id="44" name="Groupe 43">
-            <a:extLst>
-              <a:ext uri="{FF2B5EF4-FFF2-40B4-BE49-F238E27FC236}">
-                <a16:creationId xmlns:a16="http://schemas.microsoft.com/office/drawing/2014/main" id="{9288D26F-2E4D-F953-0988-5B2103F6C0D7}"/>
+          <p:cNvPr id="10" name="Groupe 9">
+            <a:extLst>
+              <a:ext uri="{FF2B5EF4-FFF2-40B4-BE49-F238E27FC236}">
+                <a16:creationId xmlns:a16="http://schemas.microsoft.com/office/drawing/2014/main" id="{9EB94F0D-A7C1-411C-B25A-FBAC6D6B2882}"/>
               </a:ext>
             </a:extLst>
           </p:cNvPr>
@@ -9614,10 +9688,10 @@
         </p:grpSpPr>
         <p:sp>
           <p:nvSpPr>
-            <p:cNvPr id="45" name="ZoneTexte 44">
+            <p:cNvPr id="11" name="ZoneTexte 10">
               <a:extLst>
                 <a:ext uri="{FF2B5EF4-FFF2-40B4-BE49-F238E27FC236}">
-                  <a16:creationId xmlns:a16="http://schemas.microsoft.com/office/drawing/2014/main" id="{0178353F-6B3C-1A17-E773-4BACB6F4FE9C}"/>
+                  <a16:creationId xmlns:a16="http://schemas.microsoft.com/office/drawing/2014/main" id="{763974EA-7F85-424D-A7D8-D0AE71B22B58}"/>
                 </a:ext>
               </a:extLst>
             </p:cNvPr>
@@ -9651,10 +9725,10 @@
         </p:sp>
         <p:grpSp>
           <p:nvGrpSpPr>
-            <p:cNvPr id="46" name="Groupe 45">
+            <p:cNvPr id="12" name="Groupe 11">
               <a:extLst>
                 <a:ext uri="{FF2B5EF4-FFF2-40B4-BE49-F238E27FC236}">
-                  <a16:creationId xmlns:a16="http://schemas.microsoft.com/office/drawing/2014/main" id="{147AA981-0894-EE40-9042-ADBD324D32E1}"/>
+                  <a16:creationId xmlns:a16="http://schemas.microsoft.com/office/drawing/2014/main" id="{25CD77AF-CEF9-4972-85BE-38F9121C3DE8}"/>
                 </a:ext>
               </a:extLst>
             </p:cNvPr>
@@ -9671,10 +9745,10 @@
           </p:grpSpPr>
           <p:sp>
             <p:nvSpPr>
-              <p:cNvPr id="47" name="Cercle : creux 46">
+              <p:cNvPr id="13" name="Cercle : creux 12">
                 <a:extLst>
                   <a:ext uri="{FF2B5EF4-FFF2-40B4-BE49-F238E27FC236}">
-                    <a16:creationId xmlns:a16="http://schemas.microsoft.com/office/drawing/2014/main" id="{8CA64879-7ADD-B4C1-2163-63C26635A73B}"/>
+                    <a16:creationId xmlns:a16="http://schemas.microsoft.com/office/drawing/2014/main" id="{CA6AEEBA-7438-4C5F-9570-B60857290B87}"/>
                   </a:ext>
                 </a:extLst>
               </p:cNvPr>
@@ -9731,10 +9805,10 @@
           </p:sp>
           <p:sp>
             <p:nvSpPr>
-              <p:cNvPr id="48" name="Rectangle 47">
+              <p:cNvPr id="14" name="Rectangle 13">
                 <a:extLst>
                   <a:ext uri="{FF2B5EF4-FFF2-40B4-BE49-F238E27FC236}">
-                    <a16:creationId xmlns:a16="http://schemas.microsoft.com/office/drawing/2014/main" id="{551D671B-FFAC-5149-6A40-5A0B9443D2FF}"/>
+                    <a16:creationId xmlns:a16="http://schemas.microsoft.com/office/drawing/2014/main" id="{440149E8-68B7-4369-8E56-2344F31B4B34}"/>
                   </a:ext>
                 </a:extLst>
               </p:cNvPr>
@@ -9781,10 +9855,10 @@
       </p:grpSp>
       <p:grpSp>
         <p:nvGrpSpPr>
-          <p:cNvPr id="49" name="Groupe 48">
-            <a:extLst>
-              <a:ext uri="{FF2B5EF4-FFF2-40B4-BE49-F238E27FC236}">
-                <a16:creationId xmlns:a16="http://schemas.microsoft.com/office/drawing/2014/main" id="{62E5D361-8AE1-FA7F-2F3A-26E0E5B6111E}"/>
+          <p:cNvPr id="15" name="Groupe 14">
+            <a:extLst>
+              <a:ext uri="{FF2B5EF4-FFF2-40B4-BE49-F238E27FC236}">
+                <a16:creationId xmlns:a16="http://schemas.microsoft.com/office/drawing/2014/main" id="{36766DF8-C0F9-40F5-B98C-38F2490EE981}"/>
               </a:ext>
             </a:extLst>
           </p:cNvPr>
@@ -9801,10 +9875,10 @@
         </p:grpSpPr>
         <p:sp>
           <p:nvSpPr>
-            <p:cNvPr id="50" name="ZoneTexte 49">
+            <p:cNvPr id="16" name="ZoneTexte 15">
               <a:extLst>
                 <a:ext uri="{FF2B5EF4-FFF2-40B4-BE49-F238E27FC236}">
-                  <a16:creationId xmlns:a16="http://schemas.microsoft.com/office/drawing/2014/main" id="{21E2CF4A-E88F-DE07-DF38-A0A8DDAF67BC}"/>
+                  <a16:creationId xmlns:a16="http://schemas.microsoft.com/office/drawing/2014/main" id="{EA15076D-41F0-47AC-B455-0C0F08A873CC}"/>
                 </a:ext>
               </a:extLst>
             </p:cNvPr>
@@ -9838,10 +9912,10 @@
         </p:sp>
         <p:grpSp>
           <p:nvGrpSpPr>
-            <p:cNvPr id="51" name="Groupe 50">
+            <p:cNvPr id="17" name="Groupe 16">
               <a:extLst>
                 <a:ext uri="{FF2B5EF4-FFF2-40B4-BE49-F238E27FC236}">
-                  <a16:creationId xmlns:a16="http://schemas.microsoft.com/office/drawing/2014/main" id="{E8677924-A07F-5FA7-AAAC-836D37DD1B16}"/>
+                  <a16:creationId xmlns:a16="http://schemas.microsoft.com/office/drawing/2014/main" id="{595EB68B-D894-4916-A52D-3837E28C413C}"/>
                 </a:ext>
               </a:extLst>
             </p:cNvPr>
@@ -9858,10 +9932,10 @@
           </p:grpSpPr>
           <p:sp>
             <p:nvSpPr>
-              <p:cNvPr id="52" name="Cercle : creux 51">
+              <p:cNvPr id="18" name="Cercle : creux 17">
                 <a:extLst>
                   <a:ext uri="{FF2B5EF4-FFF2-40B4-BE49-F238E27FC236}">
-                    <a16:creationId xmlns:a16="http://schemas.microsoft.com/office/drawing/2014/main" id="{25F76A91-21AA-0911-E7CB-5819FD285864}"/>
+                    <a16:creationId xmlns:a16="http://schemas.microsoft.com/office/drawing/2014/main" id="{10B02FDF-275D-43F3-B5A7-0BF9865AA6E0}"/>
                   </a:ext>
                 </a:extLst>
               </p:cNvPr>
@@ -9918,10 +9992,10 @@
           </p:sp>
           <p:sp>
             <p:nvSpPr>
-              <p:cNvPr id="53" name="Rectangle 52">
+              <p:cNvPr id="19" name="Rectangle 18">
                 <a:extLst>
                   <a:ext uri="{FF2B5EF4-FFF2-40B4-BE49-F238E27FC236}">
-                    <a16:creationId xmlns:a16="http://schemas.microsoft.com/office/drawing/2014/main" id="{4D2F1366-D15A-C4C8-5411-8748F4372BD7}"/>
+                    <a16:creationId xmlns:a16="http://schemas.microsoft.com/office/drawing/2014/main" id="{3C36B7DB-2CC3-41DA-948E-E1440F780FB6}"/>
                   </a:ext>
                 </a:extLst>
               </p:cNvPr>
@@ -9968,10 +10042,10 @@
       </p:grpSp>
       <p:grpSp>
         <p:nvGrpSpPr>
-          <p:cNvPr id="54" name="Groupe 53">
-            <a:extLst>
-              <a:ext uri="{FF2B5EF4-FFF2-40B4-BE49-F238E27FC236}">
-                <a16:creationId xmlns:a16="http://schemas.microsoft.com/office/drawing/2014/main" id="{8018736C-97D8-7D21-9DD2-3D49EE35D250}"/>
+          <p:cNvPr id="20" name="Groupe 19">
+            <a:extLst>
+              <a:ext uri="{FF2B5EF4-FFF2-40B4-BE49-F238E27FC236}">
+                <a16:creationId xmlns:a16="http://schemas.microsoft.com/office/drawing/2014/main" id="{A553D76E-8747-40A8-95A1-CE531F755900}"/>
               </a:ext>
             </a:extLst>
           </p:cNvPr>
@@ -9988,10 +10062,10 @@
         </p:grpSpPr>
         <p:sp>
           <p:nvSpPr>
-            <p:cNvPr id="55" name="ZoneTexte 54">
+            <p:cNvPr id="21" name="ZoneTexte 20">
               <a:extLst>
                 <a:ext uri="{FF2B5EF4-FFF2-40B4-BE49-F238E27FC236}">
-                  <a16:creationId xmlns:a16="http://schemas.microsoft.com/office/drawing/2014/main" id="{0B42BC64-6471-55D3-5F19-DDDFAEED3D98}"/>
+                  <a16:creationId xmlns:a16="http://schemas.microsoft.com/office/drawing/2014/main" id="{BCFDD510-CA1A-414D-8090-375CAE330DEC}"/>
                 </a:ext>
               </a:extLst>
             </p:cNvPr>
@@ -10025,10 +10099,10 @@
         </p:sp>
         <p:grpSp>
           <p:nvGrpSpPr>
-            <p:cNvPr id="56" name="Groupe 55">
+            <p:cNvPr id="22" name="Groupe 21">
               <a:extLst>
                 <a:ext uri="{FF2B5EF4-FFF2-40B4-BE49-F238E27FC236}">
-                  <a16:creationId xmlns:a16="http://schemas.microsoft.com/office/drawing/2014/main" id="{4F8C7CB2-8232-A767-9B2A-34B47A05FBC5}"/>
+                  <a16:creationId xmlns:a16="http://schemas.microsoft.com/office/drawing/2014/main" id="{C3595E46-230A-4B9D-BA9A-E4886D3EDBB4}"/>
                 </a:ext>
               </a:extLst>
             </p:cNvPr>
@@ -10045,10 +10119,10 @@
           </p:grpSpPr>
           <p:sp>
             <p:nvSpPr>
-              <p:cNvPr id="57" name="Cercle : creux 56">
+              <p:cNvPr id="23" name="Cercle : creux 22">
                 <a:extLst>
                   <a:ext uri="{FF2B5EF4-FFF2-40B4-BE49-F238E27FC236}">
-                    <a16:creationId xmlns:a16="http://schemas.microsoft.com/office/drawing/2014/main" id="{4D84922F-6579-14ED-5433-CFA4DE117825}"/>
+                    <a16:creationId xmlns:a16="http://schemas.microsoft.com/office/drawing/2014/main" id="{20C4C8EA-A8AC-45E3-9226-ED211D6D8B28}"/>
                   </a:ext>
                 </a:extLst>
               </p:cNvPr>
@@ -10105,10 +10179,10 @@
           </p:sp>
           <p:sp>
             <p:nvSpPr>
-              <p:cNvPr id="58" name="Rectangle 57">
+              <p:cNvPr id="24" name="Rectangle 23">
                 <a:extLst>
                   <a:ext uri="{FF2B5EF4-FFF2-40B4-BE49-F238E27FC236}">
-                    <a16:creationId xmlns:a16="http://schemas.microsoft.com/office/drawing/2014/main" id="{4AA4C81D-C38A-38F5-C158-4B6B656180A9}"/>
+                    <a16:creationId xmlns:a16="http://schemas.microsoft.com/office/drawing/2014/main" id="{D5512D47-51A7-48DD-94F0-9146AB945B43}"/>
                   </a:ext>
                 </a:extLst>
               </p:cNvPr>
@@ -10155,10 +10229,10 @@
       </p:grpSp>
       <p:grpSp>
         <p:nvGrpSpPr>
-          <p:cNvPr id="59" name="Groupe 58">
-            <a:extLst>
-              <a:ext uri="{FF2B5EF4-FFF2-40B4-BE49-F238E27FC236}">
-                <a16:creationId xmlns:a16="http://schemas.microsoft.com/office/drawing/2014/main" id="{A52A3784-3785-DFD6-2A71-16E9A10ED0BC}"/>
+          <p:cNvPr id="25" name="Groupe 24">
+            <a:extLst>
+              <a:ext uri="{FF2B5EF4-FFF2-40B4-BE49-F238E27FC236}">
+                <a16:creationId xmlns:a16="http://schemas.microsoft.com/office/drawing/2014/main" id="{112F6F79-4161-432A-81D3-E1265BBB790D}"/>
               </a:ext>
             </a:extLst>
           </p:cNvPr>
@@ -10175,10 +10249,10 @@
         </p:grpSpPr>
         <p:grpSp>
           <p:nvGrpSpPr>
-            <p:cNvPr id="60" name="Groupe 59">
+            <p:cNvPr id="26" name="Groupe 25">
               <a:extLst>
                 <a:ext uri="{FF2B5EF4-FFF2-40B4-BE49-F238E27FC236}">
-                  <a16:creationId xmlns:a16="http://schemas.microsoft.com/office/drawing/2014/main" id="{433F604A-C2A7-BF19-3A1C-82F1B53065A0}"/>
+                  <a16:creationId xmlns:a16="http://schemas.microsoft.com/office/drawing/2014/main" id="{A3AE196A-9B5D-4B86-BC33-5B2C0AD2175D}"/>
                 </a:ext>
               </a:extLst>
             </p:cNvPr>
@@ -10195,10 +10269,10 @@
           </p:grpSpPr>
           <p:sp>
             <p:nvSpPr>
-              <p:cNvPr id="62" name="Cercle : creux 61">
+              <p:cNvPr id="28" name="Cercle : creux 27">
                 <a:extLst>
                   <a:ext uri="{FF2B5EF4-FFF2-40B4-BE49-F238E27FC236}">
-                    <a16:creationId xmlns:a16="http://schemas.microsoft.com/office/drawing/2014/main" id="{0384AE3B-9C2C-2C20-2DEA-49C3F630B3FC}"/>
+                    <a16:creationId xmlns:a16="http://schemas.microsoft.com/office/drawing/2014/main" id="{3C048E6B-EBB6-4CF3-8604-C70163E755A9}"/>
                   </a:ext>
                 </a:extLst>
               </p:cNvPr>
@@ -10255,10 +10329,10 @@
           </p:sp>
           <p:sp>
             <p:nvSpPr>
-              <p:cNvPr id="63" name="Rectangle 62">
+              <p:cNvPr id="29" name="Rectangle 28">
                 <a:extLst>
                   <a:ext uri="{FF2B5EF4-FFF2-40B4-BE49-F238E27FC236}">
-                    <a16:creationId xmlns:a16="http://schemas.microsoft.com/office/drawing/2014/main" id="{D8D23376-65CE-679D-7256-13965BF7B9A0}"/>
+                    <a16:creationId xmlns:a16="http://schemas.microsoft.com/office/drawing/2014/main" id="{9D643DA9-0323-4876-8494-B13998B45C47}"/>
                   </a:ext>
                 </a:extLst>
               </p:cNvPr>
@@ -10304,10 +10378,10 @@
         </p:grpSp>
         <p:sp>
           <p:nvSpPr>
-            <p:cNvPr id="61" name="ZoneTexte 60">
+            <p:cNvPr id="27" name="ZoneTexte 26">
               <a:extLst>
                 <a:ext uri="{FF2B5EF4-FFF2-40B4-BE49-F238E27FC236}">
-                  <a16:creationId xmlns:a16="http://schemas.microsoft.com/office/drawing/2014/main" id="{4DFF1519-0D03-D7CA-5E0D-A098EE8FEE91}"/>
+                  <a16:creationId xmlns:a16="http://schemas.microsoft.com/office/drawing/2014/main" id="{4FAAA7E8-159A-4A34-BCBC-6D93009909BA}"/>
                 </a:ext>
               </a:extLst>
             </p:cNvPr>
@@ -10340,10 +10414,50 @@
           </p:txBody>
         </p:sp>
       </p:grpSp>
+      <p:sp>
+        <p:nvSpPr>
+          <p:cNvPr id="30" name="ZoneTexte 29">
+            <a:extLst>
+              <a:ext uri="{FF2B5EF4-FFF2-40B4-BE49-F238E27FC236}">
+                <a16:creationId xmlns:a16="http://schemas.microsoft.com/office/drawing/2014/main" id="{A16DBB7D-6970-437A-AD12-89C5B0761AAC}"/>
+              </a:ext>
+            </a:extLst>
+          </p:cNvPr>
+          <p:cNvSpPr txBox="1"/>
+          <p:nvPr/>
+        </p:nvSpPr>
+        <p:spPr>
+          <a:xfrm>
+            <a:off x="407039" y="384602"/>
+            <a:ext cx="3085277" cy="523220"/>
+          </a:xfrm>
+          <a:prstGeom prst="rect">
+            <a:avLst/>
+          </a:prstGeom>
+          <a:noFill/>
+        </p:spPr>
+        <p:txBody>
+          <a:bodyPr wrap="square" rtlCol="0">
+            <a:spAutoFit/>
+          </a:bodyPr>
+          <a:lstStyle/>
+          <a:p>
+            <a:r>
+              <a:rPr lang="fr-FR" sz="2800" b="1" dirty="0">
+                <a:solidFill>
+                  <a:srgbClr val="006A5A"/>
+                </a:solidFill>
+                <a:latin typeface="Gill Sans MT" panose="020B0502020104020203" pitchFamily="34" charset="0"/>
+              </a:rPr>
+              <a:t>SOMMAIRE</a:t>
+            </a:r>
+          </a:p>
+        </p:txBody>
+      </p:sp>
     </p:spTree>
     <p:extLst>
       <p:ext uri="{BB962C8B-B14F-4D97-AF65-F5344CB8AC3E}">
-        <p14:creationId xmlns:p14="http://schemas.microsoft.com/office/powerpoint/2010/main" val="1883667098"/>
+        <p14:creationId xmlns:p14="http://schemas.microsoft.com/office/powerpoint/2010/main" val="2701273255"/>
       </p:ext>
     </p:extLst>
   </p:cSld>
@@ -10371,7 +10485,7 @@
                             </p:stCondLst>
                             <p:childTnLst>
                               <p:par>
-                                <p:cTn id="5" presetID="1" presetClass="entr" presetSubtype="0" fill="hold" grpId="0" nodeType="clickEffect">
+                                <p:cTn id="5" presetID="1" presetClass="entr" presetSubtype="0" fill="hold" nodeType="clickEffect">
                                   <p:stCondLst>
                                     <p:cond delay="0"/>
                                   </p:stCondLst>
@@ -10384,7 +10498,7 @@
                                           </p:stCondLst>
                                         </p:cTn>
                                         <p:tgtEl>
-                                          <p:spTgt spid="37"/>
+                                          <p:spTgt spid="5"/>
                                         </p:tgtEl>
                                         <p:attrNameLst>
                                           <p:attrName>style.visibility</p:attrName>
@@ -10429,7 +10543,7 @@
                                           </p:stCondLst>
                                         </p:cTn>
                                         <p:tgtEl>
-                                          <p:spTgt spid="39"/>
+                                          <p:spTgt spid="15"/>
                                         </p:tgtEl>
                                         <p:attrNameLst>
                                           <p:attrName>style.visibility</p:attrName>
@@ -10474,7 +10588,7 @@
                                           </p:stCondLst>
                                         </p:cTn>
                                         <p:tgtEl>
-                                          <p:spTgt spid="49"/>
+                                          <p:spTgt spid="10"/>
                                         </p:tgtEl>
                                         <p:attrNameLst>
                                           <p:attrName>style.visibility</p:attrName>
@@ -10519,7 +10633,7 @@
                                           </p:stCondLst>
                                         </p:cTn>
                                         <p:tgtEl>
-                                          <p:spTgt spid="44"/>
+                                          <p:spTgt spid="20"/>
                                         </p:tgtEl>
                                         <p:attrNameLst>
                                           <p:attrName>style.visibility</p:attrName>
@@ -10564,97 +10678,7 @@
                                           </p:stCondLst>
                                         </p:cTn>
                                         <p:tgtEl>
-                                          <p:spTgt spid="54"/>
-                                        </p:tgtEl>
-                                        <p:attrNameLst>
-                                          <p:attrName>style.visibility</p:attrName>
-                                        </p:attrNameLst>
-                                      </p:cBhvr>
-                                      <p:to>
-                                        <p:strVal val="visible"/>
-                                      </p:to>
-                                    </p:set>
-                                  </p:childTnLst>
-                                </p:cTn>
-                              </p:par>
-                            </p:childTnLst>
-                          </p:cTn>
-                        </p:par>
-                      </p:childTnLst>
-                    </p:cTn>
-                  </p:par>
-                  <p:par>
-                    <p:cTn id="23" fill="hold">
-                      <p:stCondLst>
-                        <p:cond delay="indefinite"/>
-                      </p:stCondLst>
-                      <p:childTnLst>
-                        <p:par>
-                          <p:cTn id="24" fill="hold">
-                            <p:stCondLst>
-                              <p:cond delay="0"/>
-                            </p:stCondLst>
-                            <p:childTnLst>
-                              <p:par>
-                                <p:cTn id="25" presetID="1" presetClass="entr" presetSubtype="0" fill="hold" nodeType="clickEffect">
-                                  <p:stCondLst>
-                                    <p:cond delay="0"/>
-                                  </p:stCondLst>
-                                  <p:childTnLst>
-                                    <p:set>
-                                      <p:cBhvr>
-                                        <p:cTn id="26" dur="1" fill="hold">
-                                          <p:stCondLst>
-                                            <p:cond delay="0"/>
-                                          </p:stCondLst>
-                                        </p:cTn>
-                                        <p:tgtEl>
-                                          <p:spTgt spid="59"/>
-                                        </p:tgtEl>
-                                        <p:attrNameLst>
-                                          <p:attrName>style.visibility</p:attrName>
-                                        </p:attrNameLst>
-                                      </p:cBhvr>
-                                      <p:to>
-                                        <p:strVal val="visible"/>
-                                      </p:to>
-                                    </p:set>
-                                  </p:childTnLst>
-                                </p:cTn>
-                              </p:par>
-                            </p:childTnLst>
-                          </p:cTn>
-                        </p:par>
-                      </p:childTnLst>
-                    </p:cTn>
-                  </p:par>
-                  <p:par>
-                    <p:cTn id="27" fill="hold">
-                      <p:stCondLst>
-                        <p:cond delay="indefinite"/>
-                      </p:stCondLst>
-                      <p:childTnLst>
-                        <p:par>
-                          <p:cTn id="28" fill="hold">
-                            <p:stCondLst>
-                              <p:cond delay="0"/>
-                            </p:stCondLst>
-                            <p:childTnLst>
-                              <p:par>
-                                <p:cTn id="29" presetID="1" presetClass="entr" presetSubtype="0" fill="hold" grpId="0" nodeType="clickEffect">
-                                  <p:stCondLst>
-                                    <p:cond delay="0"/>
-                                  </p:stCondLst>
-                                  <p:childTnLst>
-                                    <p:set>
-                                      <p:cBhvr>
-                                        <p:cTn id="30" dur="1" fill="hold">
-                                          <p:stCondLst>
-                                            <p:cond delay="0"/>
-                                          </p:stCondLst>
-                                        </p:cTn>
-                                        <p:tgtEl>
-                                          <p:spTgt spid="38"/>
+                                          <p:spTgt spid="25"/>
                                         </p:tgtEl>
                                         <p:attrNameLst>
                                           <p:attrName>style.visibility</p:attrName>
@@ -10694,10 +10718,6 @@
         </p:cTn>
       </p:par>
     </p:tnLst>
-    <p:bldLst>
-      <p:bldP spid="37" grpId="0" animBg="1"/>
-      <p:bldP spid="38" grpId="0" animBg="1"/>
-    </p:bldLst>
   </p:timing>
 </p:sld>
 </file>
@@ -11403,7 +11423,25 @@
                 </a:solidFill>
                 <a:latin typeface="Gill Sans MT" panose="020B0502020104020203" pitchFamily="34" charset="0"/>
               </a:rPr>
-              <a:t>4.1. Choix des variables dans la modélisation</a:t>
+              <a:t>4.1. Choix des variables (</a:t>
+            </a:r>
+            <a:r>
+              <a:rPr lang="fr-FR" sz="3600" b="1" dirty="0">
+                <a:solidFill>
+                  <a:srgbClr val="FF0000"/>
+                </a:solidFill>
+                <a:latin typeface="Gill Sans MT" panose="020B0502020104020203" pitchFamily="34" charset="0"/>
+              </a:rPr>
+              <a:t>Toussaint</a:t>
+            </a:r>
+            <a:r>
+              <a:rPr lang="fr-FR" sz="3600" b="1" dirty="0">
+                <a:solidFill>
+                  <a:schemeClr val="bg1"/>
+                </a:solidFill>
+                <a:latin typeface="Gill Sans MT" panose="020B0502020104020203" pitchFamily="34" charset="0"/>
+              </a:rPr>
+              <a:t>)</a:t>
             </a:r>
           </a:p>
         </p:txBody>
@@ -11550,25 +11588,25 @@
                 </a:solidFill>
                 <a:latin typeface="Gill Sans MT" panose="020B0502020104020203" pitchFamily="34" charset="0"/>
               </a:rPr>
-              <a:t>4.2. Tests de Moran et de </a:t>
-            </a:r>
-            <a:r>
-              <a:rPr lang="fr-FR" sz="3600" b="1" dirty="0" err="1">
-                <a:solidFill>
-                  <a:schemeClr val="bg1"/>
-                </a:solidFill>
-                <a:latin typeface="Gill Sans MT" panose="020B0502020104020203" pitchFamily="34" charset="0"/>
-              </a:rPr>
-              <a:t>Rao’s</a:t>
+              <a:t>4.2. Tests (</a:t>
             </a:r>
             <a:r>
               <a:rPr lang="fr-FR" sz="3600" b="1" dirty="0">
                 <a:solidFill>
-                  <a:schemeClr val="bg1"/>
+                  <a:srgbClr val="FF0000"/>
                 </a:solidFill>
                 <a:latin typeface="Gill Sans MT" panose="020B0502020104020203" pitchFamily="34" charset="0"/>
               </a:rPr>
-              <a:t> score</a:t>
+              <a:t>Richard</a:t>
+            </a:r>
+            <a:r>
+              <a:rPr lang="fr-FR" sz="3600" b="1" dirty="0">
+                <a:solidFill>
+                  <a:schemeClr val="bg1"/>
+                </a:solidFill>
+                <a:latin typeface="Gill Sans MT" panose="020B0502020104020203" pitchFamily="34" charset="0"/>
+              </a:rPr>
+              <a:t>)</a:t>
             </a:r>
           </a:p>
         </p:txBody>
@@ -11715,7 +11753,25 @@
                 </a:solidFill>
                 <a:latin typeface="Gill Sans MT" panose="020B0502020104020203" pitchFamily="34" charset="0"/>
               </a:rPr>
-              <a:t>4.3. Comparaison des modèles estimés</a:t>
+              <a:t>4.3. Comparaison des modèles (</a:t>
+            </a:r>
+            <a:r>
+              <a:rPr lang="fr-FR" sz="3600" b="1" dirty="0">
+                <a:solidFill>
+                  <a:srgbClr val="FF0000"/>
+                </a:solidFill>
+                <a:latin typeface="Gill Sans MT" panose="020B0502020104020203" pitchFamily="34" charset="0"/>
+              </a:rPr>
+              <a:t>Richard</a:t>
+            </a:r>
+            <a:r>
+              <a:rPr lang="fr-FR" sz="3600" b="1" dirty="0">
+                <a:solidFill>
+                  <a:schemeClr val="bg1"/>
+                </a:solidFill>
+                <a:latin typeface="Gill Sans MT" panose="020B0502020104020203" pitchFamily="34" charset="0"/>
+              </a:rPr>
+              <a:t>)</a:t>
             </a:r>
           </a:p>
         </p:txBody>
@@ -11862,7 +11918,25 @@
                 </a:solidFill>
                 <a:latin typeface="Gill Sans MT" panose="020B0502020104020203" pitchFamily="34" charset="0"/>
               </a:rPr>
-              <a:t>4.4. Sélection des variables et modèle final</a:t>
+              <a:t>4.4. Résultats du modèle final (</a:t>
+            </a:r>
+            <a:r>
+              <a:rPr lang="fr-FR" sz="3600" b="1" dirty="0">
+                <a:solidFill>
+                  <a:srgbClr val="FF0000"/>
+                </a:solidFill>
+                <a:latin typeface="Gill Sans MT" panose="020B0502020104020203" pitchFamily="34" charset="0"/>
+              </a:rPr>
+              <a:t>Richard</a:t>
+            </a:r>
+            <a:r>
+              <a:rPr lang="fr-FR" sz="3600" b="1" dirty="0">
+                <a:solidFill>
+                  <a:schemeClr val="bg1"/>
+                </a:solidFill>
+                <a:latin typeface="Gill Sans MT" panose="020B0502020104020203" pitchFamily="34" charset="0"/>
+              </a:rPr>
+              <a:t>)</a:t>
             </a:r>
           </a:p>
         </p:txBody>
@@ -12009,7 +12083,25 @@
                 </a:solidFill>
                 <a:latin typeface="Gill Sans MT" panose="020B0502020104020203" pitchFamily="34" charset="0"/>
               </a:rPr>
-              <a:t>4.5. Importance des variables</a:t>
+              <a:t>4.5. Importance des variables (</a:t>
+            </a:r>
+            <a:r>
+              <a:rPr lang="fr-FR" sz="3600" b="1" dirty="0">
+                <a:solidFill>
+                  <a:srgbClr val="FF0000"/>
+                </a:solidFill>
+                <a:latin typeface="Gill Sans MT" panose="020B0502020104020203" pitchFamily="34" charset="0"/>
+              </a:rPr>
+              <a:t>Richard</a:t>
+            </a:r>
+            <a:r>
+              <a:rPr lang="fr-FR" sz="3600" b="1" dirty="0">
+                <a:solidFill>
+                  <a:schemeClr val="bg1"/>
+                </a:solidFill>
+                <a:latin typeface="Gill Sans MT" panose="020B0502020104020203" pitchFamily="34" charset="0"/>
+              </a:rPr>
+              <a:t>)</a:t>
             </a:r>
           </a:p>
         </p:txBody>
@@ -12081,7 +12173,7 @@
         </p:blipFill>
         <p:spPr>
           <a:xfrm>
-            <a:off x="4395237" y="1879555"/>
+            <a:off x="185050" y="1965074"/>
             <a:ext cx="6958563" cy="4004928"/>
           </a:xfrm>
           <a:prstGeom prst="rect">
@@ -12146,6 +12238,46 @@
               <a:t>29</a:t>
             </a:fld>
             <a:endParaRPr lang="fr-FR"/>
+          </a:p>
+        </p:txBody>
+      </p:sp>
+      <p:sp>
+        <p:nvSpPr>
+          <p:cNvPr id="3" name="ZoneTexte 2">
+            <a:extLst>
+              <a:ext uri="{FF2B5EF4-FFF2-40B4-BE49-F238E27FC236}">
+                <a16:creationId xmlns:a16="http://schemas.microsoft.com/office/drawing/2014/main" id="{A3F2E86E-ED1B-4477-A0EF-E314068F0577}"/>
+              </a:ext>
+            </a:extLst>
+          </p:cNvPr>
+          <p:cNvSpPr txBox="1"/>
+          <p:nvPr/>
+        </p:nvSpPr>
+        <p:spPr>
+          <a:xfrm>
+            <a:off x="4664098" y="5025911"/>
+            <a:ext cx="2835298" cy="707886"/>
+          </a:xfrm>
+          <a:prstGeom prst="rect">
+            <a:avLst/>
+          </a:prstGeom>
+          <a:noFill/>
+        </p:spPr>
+        <p:txBody>
+          <a:bodyPr wrap="square" rtlCol="0">
+            <a:spAutoFit/>
+          </a:bodyPr>
+          <a:lstStyle/>
+          <a:p>
+            <a:pPr algn="ctr"/>
+            <a:r>
+              <a:rPr lang="fr-FR" sz="4000" b="1" dirty="0">
+                <a:solidFill>
+                  <a:srgbClr val="FF0000"/>
+                </a:solidFill>
+              </a:rPr>
+              <a:t>Toussaint</a:t>
+            </a:r>
           </a:p>
         </p:txBody>
       </p:sp>
@@ -12261,7 +12393,12 @@
             <p:ph type="sldNum" sz="quarter" idx="4"/>
           </p:nvPr>
         </p:nvSpPr>
-        <p:spPr/>
+        <p:spPr>
+          <a:xfrm>
+            <a:off x="8636914" y="6356350"/>
+            <a:ext cx="2743200" cy="365125"/>
+          </a:xfrm>
+        </p:spPr>
         <p:txBody>
           <a:bodyPr/>
           <a:lstStyle/>
@@ -12271,7 +12408,7 @@
               <a:pPr/>
               <a:t>30</a:t>
             </a:fld>
-            <a:endParaRPr lang="fr-FR"/>
+            <a:endParaRPr lang="fr-FR" dirty="0"/>
           </a:p>
         </p:txBody>
       </p:sp>
@@ -12941,7 +13078,25 @@
                 </a:solidFill>
                 <a:latin typeface="Gill Sans MT" panose="020B0502020104020203" pitchFamily="34" charset="0"/>
               </a:rPr>
-              <a:t>Introduction</a:t>
+              <a:t>Introduction (</a:t>
+            </a:r>
+            <a:r>
+              <a:rPr lang="fr-FR" sz="3600" b="1" dirty="0">
+                <a:solidFill>
+                  <a:srgbClr val="FF0000"/>
+                </a:solidFill>
+                <a:latin typeface="Gill Sans MT" panose="020B0502020104020203" pitchFamily="34" charset="0"/>
+              </a:rPr>
+              <a:t>Toussaint: revoir sur une seule diapo</a:t>
+            </a:r>
+            <a:r>
+              <a:rPr lang="fr-FR" sz="3600" b="1" dirty="0">
+                <a:solidFill>
+                  <a:schemeClr val="bg1"/>
+                </a:solidFill>
+                <a:latin typeface="Gill Sans MT" panose="020B0502020104020203" pitchFamily="34" charset="0"/>
+              </a:rPr>
+              <a:t>)</a:t>
             </a:r>
           </a:p>
         </p:txBody>
@@ -13908,7 +14063,25 @@
                 </a:solidFill>
                 <a:latin typeface="Gill Sans MT" panose="020B0502020104020203" pitchFamily="34" charset="0"/>
               </a:rPr>
-              <a:t>1.1. Cadre conceptuel de l’étude</a:t>
+              <a:t>1.1. Cadre conceptuel (</a:t>
+            </a:r>
+            <a:r>
+              <a:rPr lang="fr-FR" sz="3600" b="1" dirty="0">
+                <a:solidFill>
+                  <a:srgbClr val="FF0000"/>
+                </a:solidFill>
+                <a:latin typeface="Gill Sans MT" panose="020B0502020104020203" pitchFamily="34" charset="0"/>
+              </a:rPr>
+              <a:t>Toussaint revoir</a:t>
+            </a:r>
+            <a:r>
+              <a:rPr lang="fr-FR" sz="3600" b="1" dirty="0">
+                <a:solidFill>
+                  <a:schemeClr val="bg1"/>
+                </a:solidFill>
+                <a:latin typeface="Gill Sans MT" panose="020B0502020104020203" pitchFamily="34" charset="0"/>
+              </a:rPr>
+              <a:t>)</a:t>
             </a:r>
           </a:p>
         </p:txBody>
@@ -13952,8 +14125,8 @@
           </a:prstGeom>
         </p:spPr>
       </p:pic>
-      <mc:AlternateContent xmlns:mc="http://schemas.openxmlformats.org/markup-compatibility/2006">
-        <mc:Choice xmlns:a14="http://schemas.microsoft.com/office/drawing/2010/main" Requires="a14">
+      <mc:AlternateContent xmlns:mc="http://schemas.openxmlformats.org/markup-compatibility/2006" xmlns:a14="http://schemas.microsoft.com/office/drawing/2010/main">
+        <mc:Choice Requires="a14">
           <p:sp>
             <p:nvSpPr>
               <p:cNvPr id="6" name="ZoneTexte 5">
@@ -14217,7 +14390,7 @@
             </p:txBody>
           </p:sp>
         </mc:Choice>
-        <mc:Fallback>
+        <mc:Fallback xmlns="">
           <p:sp>
             <p:nvSpPr>
               <p:cNvPr id="6" name="ZoneTexte 5">
@@ -14262,8 +14435,8 @@
           </p:sp>
         </mc:Fallback>
       </mc:AlternateContent>
-      <mc:AlternateContent xmlns:mc="http://schemas.openxmlformats.org/markup-compatibility/2006">
-        <mc:Choice xmlns:a14="http://schemas.microsoft.com/office/drawing/2010/main" Requires="a14">
+      <mc:AlternateContent xmlns:mc="http://schemas.openxmlformats.org/markup-compatibility/2006" xmlns:a14="http://schemas.microsoft.com/office/drawing/2010/main">
+        <mc:Choice Requires="a14">
           <p:sp>
             <p:nvSpPr>
               <p:cNvPr id="8" name="ZoneTexte 7">
@@ -14942,7 +15115,7 @@
             </p:txBody>
           </p:sp>
         </mc:Choice>
-        <mc:Fallback>
+        <mc:Fallback xmlns="">
           <p:sp>
             <p:nvSpPr>
               <p:cNvPr id="8" name="ZoneTexte 7">
@@ -15351,7 +15524,25 @@
                 </a:solidFill>
                 <a:latin typeface="Gill Sans MT" panose="020B0502020104020203" pitchFamily="34" charset="0"/>
               </a:rPr>
-              <a:t>1.2. Revue de littérature</a:t>
+              <a:t>1.2. Revue de littérature (</a:t>
+            </a:r>
+            <a:r>
+              <a:rPr lang="fr-FR" sz="2400" b="1" dirty="0">
+                <a:solidFill>
+                  <a:srgbClr val="FF0000"/>
+                </a:solidFill>
+                <a:latin typeface="Gill Sans MT" panose="020B0502020104020203" pitchFamily="34" charset="0"/>
+              </a:rPr>
+              <a:t>Alex: réorganiser si possible sur 2 diapo</a:t>
+            </a:r>
+            <a:r>
+              <a:rPr lang="fr-FR" sz="3600" b="1" dirty="0">
+                <a:solidFill>
+                  <a:schemeClr val="bg1"/>
+                </a:solidFill>
+                <a:latin typeface="Gill Sans MT" panose="020B0502020104020203" pitchFamily="34" charset="0"/>
+              </a:rPr>
+              <a:t>)</a:t>
             </a:r>
           </a:p>
         </p:txBody>
@@ -15409,7 +15600,7 @@
         </p:nvSpPr>
         <p:spPr>
           <a:xfrm>
-            <a:off x="0" y="2270158"/>
+            <a:off x="0" y="2276736"/>
             <a:ext cx="12191999" cy="4235583"/>
           </a:xfrm>
           <a:prstGeom prst="rect">

--- a/Présentation/Soutenance_Groupe25.pptx
+++ b/Présentation/Soutenance_Groupe25.pptx
@@ -16,10 +16,10 @@
   </p:handoutMasterIdLst>
   <p:sldIdLst>
     <p:sldId id="257" r:id="rId6"/>
-    <p:sldId id="295" r:id="rId7"/>
-    <p:sldId id="259" r:id="rId8"/>
-    <p:sldId id="260" r:id="rId9"/>
-    <p:sldId id="288" r:id="rId10"/>
+    <p:sldId id="259" r:id="rId7"/>
+    <p:sldId id="260" r:id="rId8"/>
+    <p:sldId id="288" r:id="rId9"/>
+    <p:sldId id="295" r:id="rId10"/>
     <p:sldId id="263" r:id="rId11"/>
     <p:sldId id="264" r:id="rId12"/>
     <p:sldId id="289" r:id="rId13"/>
@@ -248,7 +248,7 @@
           <a:p>
             <a:fld id="{02EF5511-433E-438D-93BB-1E1EB804EB9E}" type="datetimeFigureOut">
               <a:rPr lang="fr-FR" smtClean="0"/>
-              <a:t>21/04/2025</a:t>
+              <a:t>22/04/2025</a:t>
             </a:fld>
             <a:endParaRPr lang="fr-FR"/>
           </a:p>
@@ -426,7 +426,7 @@
           <a:p>
             <a:fld id="{173019D8-EACC-4538-984E-33CCC42DAA4E}" type="datetimeFigureOut">
               <a:rPr lang="fr-FR" smtClean="0"/>
-              <a:t>21/04/2025</a:t>
+              <a:t>22/04/2025</a:t>
             </a:fld>
             <a:endParaRPr lang="fr-FR"/>
           </a:p>
@@ -919,7 +919,7 @@
             <a:fld id="{B4BDA9CF-F2B2-41BE-8486-9C59032E0655}" type="datetime4">
               <a:rPr lang="fr-FR" smtClean="0"/>
               <a:pPr/>
-              <a:t>21 avril 2025</a:t>
+              <a:t>22 avril 2025</a:t>
             </a:fld>
             <a:endParaRPr lang="fr-FR" dirty="0"/>
           </a:p>
@@ -9276,10 +9276,10 @@
       </p:grpSpPr>
       <p:sp>
         <p:nvSpPr>
-          <p:cNvPr id="2" name="Espace réservé du numéro de diapositive 1">
-            <a:extLst>
-              <a:ext uri="{FF2B5EF4-FFF2-40B4-BE49-F238E27FC236}">
-                <a16:creationId xmlns:a16="http://schemas.microsoft.com/office/drawing/2014/main" id="{8C01E1E5-CF31-43CE-B673-7FD9ACDEA53D}"/>
+          <p:cNvPr id="4" name="Espace réservé du numéro de diapositive 3">
+            <a:extLst>
+              <a:ext uri="{FF2B5EF4-FFF2-40B4-BE49-F238E27FC236}">
+                <a16:creationId xmlns:a16="http://schemas.microsoft.com/office/drawing/2014/main" id="{0BDA0677-C19B-D077-2572-F5A403C2CE4E}"/>
               </a:ext>
             </a:extLst>
           </p:cNvPr>
@@ -9299,6 +9299,3192 @@
               <a:rPr lang="fr-FR" smtClean="0"/>
               <a:pPr/>
               <a:t>2</a:t>
+            </a:fld>
+            <a:endParaRPr lang="fr-FR"/>
+          </a:p>
+        </p:txBody>
+      </p:sp>
+    </p:spTree>
+    <p:extLst>
+      <p:ext uri="{BB962C8B-B14F-4D97-AF65-F5344CB8AC3E}">
+        <p14:creationId xmlns:p14="http://schemas.microsoft.com/office/powerpoint/2010/main" val="81490865"/>
+      </p:ext>
+    </p:extLst>
+  </p:cSld>
+  <p:clrMapOvr>
+    <a:masterClrMapping/>
+  </p:clrMapOvr>
+</p:sld>
+</file>
+
+<file path=ppt/slides/slide20.xml><?xml version="1.0" encoding="utf-8"?>
+<p:sld xmlns:a="http://schemas.openxmlformats.org/drawingml/2006/main" xmlns:r="http://schemas.openxmlformats.org/officeDocument/2006/relationships" xmlns:p="http://schemas.openxmlformats.org/presentationml/2006/main">
+  <p:cSld>
+    <p:spTree>
+      <p:nvGrpSpPr>
+        <p:cNvPr id="1" name="">
+          <a:extLst>
+            <a:ext uri="{FF2B5EF4-FFF2-40B4-BE49-F238E27FC236}">
+              <a16:creationId xmlns:a16="http://schemas.microsoft.com/office/drawing/2014/main" id="{193A7ACD-2A1B-AC0E-F329-7CBB11351696}"/>
+            </a:ext>
+          </a:extLst>
+        </p:cNvPr>
+        <p:cNvGrpSpPr/>
+        <p:nvPr/>
+      </p:nvGrpSpPr>
+      <p:grpSpPr>
+        <a:xfrm>
+          <a:off x="0" y="0"/>
+          <a:ext cx="0" cy="0"/>
+          <a:chOff x="0" y="0"/>
+          <a:chExt cx="0" cy="0"/>
+        </a:xfrm>
+      </p:grpSpPr>
+      <p:sp>
+        <p:nvSpPr>
+          <p:cNvPr id="2" name="Espace réservé du numéro de diapositive 1">
+            <a:extLst>
+              <a:ext uri="{FF2B5EF4-FFF2-40B4-BE49-F238E27FC236}">
+                <a16:creationId xmlns:a16="http://schemas.microsoft.com/office/drawing/2014/main" id="{B714C479-D635-8DC9-C2E2-0AE742E9CD30}"/>
+              </a:ext>
+            </a:extLst>
+          </p:cNvPr>
+          <p:cNvSpPr>
+            <a:spLocks noGrp="1"/>
+          </p:cNvSpPr>
+          <p:nvPr>
+            <p:ph type="sldNum" sz="quarter" idx="4"/>
+          </p:nvPr>
+        </p:nvSpPr>
+        <p:spPr/>
+        <p:txBody>
+          <a:bodyPr/>
+          <a:lstStyle/>
+          <a:p>
+            <a:fld id="{F546B7B7-7D14-4795-A998-350CFB2BDD43}" type="slidenum">
+              <a:rPr lang="fr-FR" smtClean="0"/>
+              <a:pPr/>
+              <a:t>20</a:t>
+            </a:fld>
+            <a:endParaRPr lang="fr-FR"/>
+          </a:p>
+        </p:txBody>
+      </p:sp>
+      <p:sp>
+        <p:nvSpPr>
+          <p:cNvPr id="3" name="ZoneTexte 2">
+            <a:extLst>
+              <a:ext uri="{FF2B5EF4-FFF2-40B4-BE49-F238E27FC236}">
+                <a16:creationId xmlns:a16="http://schemas.microsoft.com/office/drawing/2014/main" id="{B5EE6512-DC26-4090-606E-89CCCDEB859A}"/>
+              </a:ext>
+            </a:extLst>
+          </p:cNvPr>
+          <p:cNvSpPr txBox="1"/>
+          <p:nvPr/>
+        </p:nvSpPr>
+        <p:spPr>
+          <a:xfrm>
+            <a:off x="2" y="532969"/>
+            <a:ext cx="12191999" cy="646331"/>
+          </a:xfrm>
+          <a:prstGeom prst="rect">
+            <a:avLst/>
+          </a:prstGeom>
+          <a:solidFill>
+            <a:srgbClr val="006A5A"/>
+          </a:solidFill>
+        </p:spPr>
+        <p:txBody>
+          <a:bodyPr wrap="square" rtlCol="0">
+            <a:spAutoFit/>
+          </a:bodyPr>
+          <a:lstStyle/>
+          <a:p>
+            <a:pPr>
+              <a:buNone/>
+            </a:pPr>
+            <a:r>
+              <a:rPr lang="fr-FR" sz="3600" b="1" dirty="0">
+                <a:solidFill>
+                  <a:schemeClr val="bg1"/>
+                </a:solidFill>
+                <a:latin typeface="Gill Sans MT" panose="020B0502020104020203" pitchFamily="34" charset="0"/>
+              </a:rPr>
+              <a:t>3.3. </a:t>
+            </a:r>
+            <a:r>
+              <a:rPr lang="fr-FR" sz="3600" b="1" dirty="0">
+                <a:solidFill>
+                  <a:schemeClr val="bg1"/>
+                </a:solidFill>
+                <a:effectLst/>
+                <a:latin typeface="Gill Sans MT" panose="020B0502020104020203" pitchFamily="34" charset="0"/>
+              </a:rPr>
+              <a:t>Taux de consultations et </a:t>
+            </a:r>
+            <a:r>
+              <a:rPr lang="fr-FR" sz="3600" b="1" dirty="0">
+                <a:solidFill>
+                  <a:schemeClr val="bg1"/>
+                </a:solidFill>
+                <a:latin typeface="Gill Sans MT" panose="020B0502020104020203" pitchFamily="34" charset="0"/>
+              </a:rPr>
+              <a:t>autre</a:t>
+            </a:r>
+            <a:r>
+              <a:rPr lang="fr-FR" sz="3600" b="1" dirty="0">
+                <a:solidFill>
+                  <a:schemeClr val="bg1"/>
+                </a:solidFill>
+                <a:effectLst/>
+                <a:latin typeface="Gill Sans MT" panose="020B0502020104020203" pitchFamily="34" charset="0"/>
+              </a:rPr>
+              <a:t>s variables</a:t>
+            </a:r>
+            <a:endParaRPr lang="fr-FR" sz="3600" b="1" dirty="0">
+              <a:solidFill>
+                <a:schemeClr val="bg1"/>
+              </a:solidFill>
+              <a:latin typeface="Gill Sans MT" panose="020B0502020104020203" pitchFamily="34" charset="0"/>
+            </a:endParaRPr>
+          </a:p>
+        </p:txBody>
+      </p:sp>
+      <p:pic>
+        <p:nvPicPr>
+          <p:cNvPr id="4" name="Graphique 3" descr="Flèches de chevron">
+            <a:extLst>
+              <a:ext uri="{FF2B5EF4-FFF2-40B4-BE49-F238E27FC236}">
+                <a16:creationId xmlns:a16="http://schemas.microsoft.com/office/drawing/2014/main" id="{23E52591-03C7-4585-490F-C1B34F3A810E}"/>
+              </a:ext>
+            </a:extLst>
+          </p:cNvPr>
+          <p:cNvPicPr>
+            <a:picLocks noChangeAspect="1"/>
+          </p:cNvPicPr>
+          <p:nvPr/>
+        </p:nvPicPr>
+        <p:blipFill>
+          <a:blip r:embed="rId2">
+            <a:extLst>
+              <a:ext uri="{28A0092B-C50C-407E-A947-70E740481C1C}">
+                <a14:useLocalDpi xmlns:a14="http://schemas.microsoft.com/office/drawing/2010/main" val="0"/>
+              </a:ext>
+              <a:ext uri="{96DAC541-7B7A-43D3-8B79-37D633B846F1}">
+                <asvg:svgBlip xmlns:asvg="http://schemas.microsoft.com/office/drawing/2016/SVG/main" r:embed="rId3"/>
+              </a:ext>
+            </a:extLst>
+          </a:blip>
+          <a:stretch>
+            <a:fillRect/>
+          </a:stretch>
+        </p:blipFill>
+        <p:spPr>
+          <a:xfrm>
+            <a:off x="11078692" y="266700"/>
+            <a:ext cx="1170459" cy="1170459"/>
+          </a:xfrm>
+          <a:prstGeom prst="rect">
+            <a:avLst/>
+          </a:prstGeom>
+        </p:spPr>
+      </p:pic>
+    </p:spTree>
+    <p:extLst>
+      <p:ext uri="{BB962C8B-B14F-4D97-AF65-F5344CB8AC3E}">
+        <p14:creationId xmlns:p14="http://schemas.microsoft.com/office/powerpoint/2010/main" val="483483113"/>
+      </p:ext>
+    </p:extLst>
+  </p:cSld>
+  <p:clrMapOvr>
+    <a:masterClrMapping/>
+  </p:clrMapOvr>
+</p:sld>
+</file>
+
+<file path=ppt/slides/slide21.xml><?xml version="1.0" encoding="utf-8"?>
+<p:sld xmlns:a="http://schemas.openxmlformats.org/drawingml/2006/main" xmlns:r="http://schemas.openxmlformats.org/officeDocument/2006/relationships" xmlns:p="http://schemas.openxmlformats.org/presentationml/2006/main">
+  <p:cSld>
+    <p:spTree>
+      <p:nvGrpSpPr>
+        <p:cNvPr id="1" name="">
+          <a:extLst>
+            <a:ext uri="{FF2B5EF4-FFF2-40B4-BE49-F238E27FC236}">
+              <a16:creationId xmlns:a16="http://schemas.microsoft.com/office/drawing/2014/main" id="{A85BC548-9013-9E28-3C00-71BFAA209028}"/>
+            </a:ext>
+          </a:extLst>
+        </p:cNvPr>
+        <p:cNvGrpSpPr/>
+        <p:nvPr/>
+      </p:nvGrpSpPr>
+      <p:grpSpPr>
+        <a:xfrm>
+          <a:off x="0" y="0"/>
+          <a:ext cx="0" cy="0"/>
+          <a:chOff x="0" y="0"/>
+          <a:chExt cx="0" cy="0"/>
+        </a:xfrm>
+      </p:grpSpPr>
+      <p:sp>
+        <p:nvSpPr>
+          <p:cNvPr id="2" name="Espace réservé du numéro de diapositive 1">
+            <a:extLst>
+              <a:ext uri="{FF2B5EF4-FFF2-40B4-BE49-F238E27FC236}">
+                <a16:creationId xmlns:a16="http://schemas.microsoft.com/office/drawing/2014/main" id="{307CD35D-C196-8AB1-FFF9-AB018C366CEA}"/>
+              </a:ext>
+            </a:extLst>
+          </p:cNvPr>
+          <p:cNvSpPr>
+            <a:spLocks noGrp="1"/>
+          </p:cNvSpPr>
+          <p:nvPr>
+            <p:ph type="sldNum" sz="quarter" idx="4"/>
+          </p:nvPr>
+        </p:nvSpPr>
+        <p:spPr/>
+        <p:txBody>
+          <a:bodyPr/>
+          <a:lstStyle/>
+          <a:p>
+            <a:fld id="{F546B7B7-7D14-4795-A998-350CFB2BDD43}" type="slidenum">
+              <a:rPr lang="fr-FR" smtClean="0"/>
+              <a:pPr/>
+              <a:t>21</a:t>
+            </a:fld>
+            <a:endParaRPr lang="fr-FR"/>
+          </a:p>
+        </p:txBody>
+      </p:sp>
+      <p:sp>
+        <p:nvSpPr>
+          <p:cNvPr id="3" name="ZoneTexte 2">
+            <a:extLst>
+              <a:ext uri="{FF2B5EF4-FFF2-40B4-BE49-F238E27FC236}">
+                <a16:creationId xmlns:a16="http://schemas.microsoft.com/office/drawing/2014/main" id="{878B9E7B-FEF6-801C-F4E4-1CAEF85A2D4A}"/>
+              </a:ext>
+            </a:extLst>
+          </p:cNvPr>
+          <p:cNvSpPr txBox="1"/>
+          <p:nvPr/>
+        </p:nvSpPr>
+        <p:spPr>
+          <a:xfrm>
+            <a:off x="2" y="532969"/>
+            <a:ext cx="12191999" cy="646331"/>
+          </a:xfrm>
+          <a:prstGeom prst="rect">
+            <a:avLst/>
+          </a:prstGeom>
+          <a:solidFill>
+            <a:srgbClr val="006A5A"/>
+          </a:solidFill>
+        </p:spPr>
+        <p:txBody>
+          <a:bodyPr wrap="square" rtlCol="0">
+            <a:spAutoFit/>
+          </a:bodyPr>
+          <a:lstStyle/>
+          <a:p>
+            <a:r>
+              <a:rPr lang="fr-FR" sz="3600" b="1" dirty="0">
+                <a:solidFill>
+                  <a:schemeClr val="bg1"/>
+                </a:solidFill>
+                <a:latin typeface="Gill Sans MT" panose="020B0502020104020203" pitchFamily="34" charset="0"/>
+              </a:rPr>
+              <a:t>3.4. Analyse spatiale</a:t>
+            </a:r>
+          </a:p>
+        </p:txBody>
+      </p:sp>
+      <p:pic>
+        <p:nvPicPr>
+          <p:cNvPr id="4" name="Graphique 3" descr="Flèches de chevron">
+            <a:extLst>
+              <a:ext uri="{FF2B5EF4-FFF2-40B4-BE49-F238E27FC236}">
+                <a16:creationId xmlns:a16="http://schemas.microsoft.com/office/drawing/2014/main" id="{8288C3CE-3777-3364-D5FF-62CE4CE53844}"/>
+              </a:ext>
+            </a:extLst>
+          </p:cNvPr>
+          <p:cNvPicPr>
+            <a:picLocks noChangeAspect="1"/>
+          </p:cNvPicPr>
+          <p:nvPr/>
+        </p:nvPicPr>
+        <p:blipFill>
+          <a:blip r:embed="rId2">
+            <a:extLst>
+              <a:ext uri="{28A0092B-C50C-407E-A947-70E740481C1C}">
+                <a14:useLocalDpi xmlns:a14="http://schemas.microsoft.com/office/drawing/2010/main" val="0"/>
+              </a:ext>
+              <a:ext uri="{96DAC541-7B7A-43D3-8B79-37D633B846F1}">
+                <asvg:svgBlip xmlns:asvg="http://schemas.microsoft.com/office/drawing/2016/SVG/main" r:embed="rId3"/>
+              </a:ext>
+            </a:extLst>
+          </a:blip>
+          <a:stretch>
+            <a:fillRect/>
+          </a:stretch>
+        </p:blipFill>
+        <p:spPr>
+          <a:xfrm>
+            <a:off x="11078692" y="266700"/>
+            <a:ext cx="1170459" cy="1170459"/>
+          </a:xfrm>
+          <a:prstGeom prst="rect">
+            <a:avLst/>
+          </a:prstGeom>
+        </p:spPr>
+      </p:pic>
+      <p:pic>
+        <p:nvPicPr>
+          <p:cNvPr id="10" name="Image 9">
+            <a:extLst>
+              <a:ext uri="{FF2B5EF4-FFF2-40B4-BE49-F238E27FC236}">
+                <a16:creationId xmlns:a16="http://schemas.microsoft.com/office/drawing/2014/main" id="{506D8B6A-6540-DE0F-D902-BAFDC4D7FC2E}"/>
+              </a:ext>
+            </a:extLst>
+          </p:cNvPr>
+          <p:cNvPicPr>
+            <a:picLocks noChangeAspect="1"/>
+          </p:cNvPicPr>
+          <p:nvPr/>
+        </p:nvPicPr>
+        <p:blipFill>
+          <a:blip r:embed="rId4">
+            <a:extLst>
+              <a:ext uri="{28A0092B-C50C-407E-A947-70E740481C1C}">
+                <a14:useLocalDpi xmlns:a14="http://schemas.microsoft.com/office/drawing/2010/main" val="0"/>
+              </a:ext>
+            </a:extLst>
+          </a:blip>
+          <a:stretch>
+            <a:fillRect/>
+          </a:stretch>
+        </p:blipFill>
+        <p:spPr>
+          <a:xfrm>
+            <a:off x="390421" y="1983683"/>
+            <a:ext cx="5476978" cy="3791754"/>
+          </a:xfrm>
+          <a:prstGeom prst="rect">
+            <a:avLst/>
+          </a:prstGeom>
+        </p:spPr>
+      </p:pic>
+    </p:spTree>
+    <p:extLst>
+      <p:ext uri="{BB962C8B-B14F-4D97-AF65-F5344CB8AC3E}">
+        <p14:creationId xmlns:p14="http://schemas.microsoft.com/office/powerpoint/2010/main" val="3701572500"/>
+      </p:ext>
+    </p:extLst>
+  </p:cSld>
+  <p:clrMapOvr>
+    <a:masterClrMapping/>
+  </p:clrMapOvr>
+</p:sld>
+</file>
+
+<file path=ppt/slides/slide22.xml><?xml version="1.0" encoding="utf-8"?>
+<p:sld xmlns:a="http://schemas.openxmlformats.org/drawingml/2006/main" xmlns:r="http://schemas.openxmlformats.org/officeDocument/2006/relationships" xmlns:p="http://schemas.openxmlformats.org/presentationml/2006/main">
+  <p:cSld>
+    <p:spTree>
+      <p:nvGrpSpPr>
+        <p:cNvPr id="1" name="">
+          <a:extLst>
+            <a:ext uri="{FF2B5EF4-FFF2-40B4-BE49-F238E27FC236}">
+              <a16:creationId xmlns:a16="http://schemas.microsoft.com/office/drawing/2014/main" id="{905C0218-4730-E7FC-389E-E2DFB35D845C}"/>
+            </a:ext>
+          </a:extLst>
+        </p:cNvPr>
+        <p:cNvGrpSpPr/>
+        <p:nvPr/>
+      </p:nvGrpSpPr>
+      <p:grpSpPr>
+        <a:xfrm>
+          <a:off x="0" y="0"/>
+          <a:ext cx="0" cy="0"/>
+          <a:chOff x="0" y="0"/>
+          <a:chExt cx="0" cy="0"/>
+        </a:xfrm>
+      </p:grpSpPr>
+      <p:sp>
+        <p:nvSpPr>
+          <p:cNvPr id="2" name="Espace réservé du numéro de diapositive 1">
+            <a:extLst>
+              <a:ext uri="{FF2B5EF4-FFF2-40B4-BE49-F238E27FC236}">
+                <a16:creationId xmlns:a16="http://schemas.microsoft.com/office/drawing/2014/main" id="{BA0CA7D5-9545-5F30-1B00-C339B55C4A5A}"/>
+              </a:ext>
+            </a:extLst>
+          </p:cNvPr>
+          <p:cNvSpPr>
+            <a:spLocks noGrp="1"/>
+          </p:cNvSpPr>
+          <p:nvPr>
+            <p:ph type="sldNum" sz="quarter" idx="4"/>
+          </p:nvPr>
+        </p:nvSpPr>
+        <p:spPr/>
+        <p:txBody>
+          <a:bodyPr/>
+          <a:lstStyle/>
+          <a:p>
+            <a:fld id="{F546B7B7-7D14-4795-A998-350CFB2BDD43}" type="slidenum">
+              <a:rPr lang="fr-FR" smtClean="0"/>
+              <a:pPr/>
+              <a:t>22</a:t>
+            </a:fld>
+            <a:endParaRPr lang="fr-FR"/>
+          </a:p>
+        </p:txBody>
+      </p:sp>
+      <p:sp>
+        <p:nvSpPr>
+          <p:cNvPr id="3" name="ZoneTexte 2">
+            <a:extLst>
+              <a:ext uri="{FF2B5EF4-FFF2-40B4-BE49-F238E27FC236}">
+                <a16:creationId xmlns:a16="http://schemas.microsoft.com/office/drawing/2014/main" id="{0744BEE0-ACF6-7AA0-7C96-ACBDE12D1D38}"/>
+              </a:ext>
+            </a:extLst>
+          </p:cNvPr>
+          <p:cNvSpPr txBox="1"/>
+          <p:nvPr/>
+        </p:nvSpPr>
+        <p:spPr>
+          <a:xfrm>
+            <a:off x="2" y="532969"/>
+            <a:ext cx="12191999" cy="646331"/>
+          </a:xfrm>
+          <a:prstGeom prst="rect">
+            <a:avLst/>
+          </a:prstGeom>
+          <a:solidFill>
+            <a:srgbClr val="006A5A"/>
+          </a:solidFill>
+        </p:spPr>
+        <p:txBody>
+          <a:bodyPr wrap="square" rtlCol="0">
+            <a:spAutoFit/>
+          </a:bodyPr>
+          <a:lstStyle/>
+          <a:p>
+            <a:r>
+              <a:rPr lang="fr-FR" sz="3600" b="1" dirty="0">
+                <a:solidFill>
+                  <a:schemeClr val="bg1"/>
+                </a:solidFill>
+                <a:latin typeface="Gill Sans MT" panose="020B0502020104020203" pitchFamily="34" charset="0"/>
+              </a:rPr>
+              <a:t>3.4. Analyse spatiale</a:t>
+            </a:r>
+          </a:p>
+        </p:txBody>
+      </p:sp>
+      <p:pic>
+        <p:nvPicPr>
+          <p:cNvPr id="4" name="Graphique 3" descr="Flèches de chevron">
+            <a:extLst>
+              <a:ext uri="{FF2B5EF4-FFF2-40B4-BE49-F238E27FC236}">
+                <a16:creationId xmlns:a16="http://schemas.microsoft.com/office/drawing/2014/main" id="{494D4D24-E698-F55E-9951-D464D56B12C0}"/>
+              </a:ext>
+            </a:extLst>
+          </p:cNvPr>
+          <p:cNvPicPr>
+            <a:picLocks noChangeAspect="1"/>
+          </p:cNvPicPr>
+          <p:nvPr/>
+        </p:nvPicPr>
+        <p:blipFill>
+          <a:blip r:embed="rId2">
+            <a:extLst>
+              <a:ext uri="{28A0092B-C50C-407E-A947-70E740481C1C}">
+                <a14:useLocalDpi xmlns:a14="http://schemas.microsoft.com/office/drawing/2010/main" val="0"/>
+              </a:ext>
+              <a:ext uri="{96DAC541-7B7A-43D3-8B79-37D633B846F1}">
+                <asvg:svgBlip xmlns:asvg="http://schemas.microsoft.com/office/drawing/2016/SVG/main" r:embed="rId3"/>
+              </a:ext>
+            </a:extLst>
+          </a:blip>
+          <a:stretch>
+            <a:fillRect/>
+          </a:stretch>
+        </p:blipFill>
+        <p:spPr>
+          <a:xfrm>
+            <a:off x="11078692" y="266700"/>
+            <a:ext cx="1170459" cy="1170459"/>
+          </a:xfrm>
+          <a:prstGeom prst="rect">
+            <a:avLst/>
+          </a:prstGeom>
+        </p:spPr>
+      </p:pic>
+      <p:pic>
+        <p:nvPicPr>
+          <p:cNvPr id="8" name="Image 7">
+            <a:extLst>
+              <a:ext uri="{FF2B5EF4-FFF2-40B4-BE49-F238E27FC236}">
+                <a16:creationId xmlns:a16="http://schemas.microsoft.com/office/drawing/2014/main" id="{A4506E19-AFB1-D647-C157-3C009B0B76E9}"/>
+              </a:ext>
+            </a:extLst>
+          </p:cNvPr>
+          <p:cNvPicPr>
+            <a:picLocks noChangeAspect="1"/>
+          </p:cNvPicPr>
+          <p:nvPr/>
+        </p:nvPicPr>
+        <p:blipFill>
+          <a:blip r:embed="rId4">
+            <a:extLst>
+              <a:ext uri="{28A0092B-C50C-407E-A947-70E740481C1C}">
+                <a14:useLocalDpi xmlns:a14="http://schemas.microsoft.com/office/drawing/2010/main" val="0"/>
+              </a:ext>
+            </a:extLst>
+          </a:blip>
+          <a:stretch>
+            <a:fillRect/>
+          </a:stretch>
+        </p:blipFill>
+        <p:spPr>
+          <a:xfrm>
+            <a:off x="1489436" y="1437159"/>
+            <a:ext cx="6386141" cy="4887224"/>
+          </a:xfrm>
+          <a:prstGeom prst="rect">
+            <a:avLst/>
+          </a:prstGeom>
+        </p:spPr>
+      </p:pic>
+    </p:spTree>
+    <p:extLst>
+      <p:ext uri="{BB962C8B-B14F-4D97-AF65-F5344CB8AC3E}">
+        <p14:creationId xmlns:p14="http://schemas.microsoft.com/office/powerpoint/2010/main" val="948134466"/>
+      </p:ext>
+    </p:extLst>
+  </p:cSld>
+  <p:clrMapOvr>
+    <a:masterClrMapping/>
+  </p:clrMapOvr>
+</p:sld>
+</file>
+
+<file path=ppt/slides/slide23.xml><?xml version="1.0" encoding="utf-8"?>
+<p:sld xmlns:a="http://schemas.openxmlformats.org/drawingml/2006/main" xmlns:r="http://schemas.openxmlformats.org/officeDocument/2006/relationships" xmlns:p="http://schemas.openxmlformats.org/presentationml/2006/main">
+  <p:cSld>
+    <p:spTree>
+      <p:nvGrpSpPr>
+        <p:cNvPr id="1" name=""/>
+        <p:cNvGrpSpPr/>
+        <p:nvPr/>
+      </p:nvGrpSpPr>
+      <p:grpSpPr>
+        <a:xfrm>
+          <a:off x="0" y="0"/>
+          <a:ext cx="0" cy="0"/>
+          <a:chOff x="0" y="0"/>
+          <a:chExt cx="0" cy="0"/>
+        </a:xfrm>
+      </p:grpSpPr>
+      <p:sp>
+        <p:nvSpPr>
+          <p:cNvPr id="2" name="Espace réservé du numéro de diapositive 1">
+            <a:extLst>
+              <a:ext uri="{FF2B5EF4-FFF2-40B4-BE49-F238E27FC236}">
+                <a16:creationId xmlns:a16="http://schemas.microsoft.com/office/drawing/2014/main" id="{99099CF5-8A9C-3CE8-6FAF-040793C642E9}"/>
+              </a:ext>
+            </a:extLst>
+          </p:cNvPr>
+          <p:cNvSpPr>
+            <a:spLocks noGrp="1"/>
+          </p:cNvSpPr>
+          <p:nvPr>
+            <p:ph type="sldNum" sz="quarter" idx="4"/>
+          </p:nvPr>
+        </p:nvSpPr>
+        <p:spPr/>
+        <p:txBody>
+          <a:bodyPr/>
+          <a:lstStyle/>
+          <a:p>
+            <a:fld id="{F546B7B7-7D14-4795-A998-350CFB2BDD43}" type="slidenum">
+              <a:rPr lang="fr-FR" smtClean="0"/>
+              <a:pPr/>
+              <a:t>23</a:t>
+            </a:fld>
+            <a:endParaRPr lang="fr-FR"/>
+          </a:p>
+        </p:txBody>
+      </p:sp>
+    </p:spTree>
+    <p:extLst>
+      <p:ext uri="{BB962C8B-B14F-4D97-AF65-F5344CB8AC3E}">
+        <p14:creationId xmlns:p14="http://schemas.microsoft.com/office/powerpoint/2010/main" val="1774505122"/>
+      </p:ext>
+    </p:extLst>
+  </p:cSld>
+  <p:clrMapOvr>
+    <a:masterClrMapping/>
+  </p:clrMapOvr>
+</p:sld>
+</file>
+
+<file path=ppt/slides/slide24.xml><?xml version="1.0" encoding="utf-8"?>
+<p:sld xmlns:a="http://schemas.openxmlformats.org/drawingml/2006/main" xmlns:r="http://schemas.openxmlformats.org/officeDocument/2006/relationships" xmlns:p="http://schemas.openxmlformats.org/presentationml/2006/main">
+  <p:cSld>
+    <p:spTree>
+      <p:nvGrpSpPr>
+        <p:cNvPr id="1" name="">
+          <a:extLst>
+            <a:ext uri="{FF2B5EF4-FFF2-40B4-BE49-F238E27FC236}">
+              <a16:creationId xmlns:a16="http://schemas.microsoft.com/office/drawing/2014/main" id="{F30D924C-E715-F9B4-8AFC-FD07EA503B33}"/>
+            </a:ext>
+          </a:extLst>
+        </p:cNvPr>
+        <p:cNvGrpSpPr/>
+        <p:nvPr/>
+      </p:nvGrpSpPr>
+      <p:grpSpPr>
+        <a:xfrm>
+          <a:off x="0" y="0"/>
+          <a:ext cx="0" cy="0"/>
+          <a:chOff x="0" y="0"/>
+          <a:chExt cx="0" cy="0"/>
+        </a:xfrm>
+      </p:grpSpPr>
+      <p:sp>
+        <p:nvSpPr>
+          <p:cNvPr id="2" name="Espace réservé du numéro de diapositive 1">
+            <a:extLst>
+              <a:ext uri="{FF2B5EF4-FFF2-40B4-BE49-F238E27FC236}">
+                <a16:creationId xmlns:a16="http://schemas.microsoft.com/office/drawing/2014/main" id="{882A90CC-7389-1CA4-89EF-B85F758E4EB7}"/>
+              </a:ext>
+            </a:extLst>
+          </p:cNvPr>
+          <p:cNvSpPr>
+            <a:spLocks noGrp="1"/>
+          </p:cNvSpPr>
+          <p:nvPr>
+            <p:ph type="sldNum" sz="quarter" idx="4"/>
+          </p:nvPr>
+        </p:nvSpPr>
+        <p:spPr/>
+        <p:txBody>
+          <a:bodyPr/>
+          <a:lstStyle/>
+          <a:p>
+            <a:fld id="{F546B7B7-7D14-4795-A998-350CFB2BDD43}" type="slidenum">
+              <a:rPr lang="fr-FR" smtClean="0"/>
+              <a:pPr/>
+              <a:t>24</a:t>
+            </a:fld>
+            <a:endParaRPr lang="fr-FR"/>
+          </a:p>
+        </p:txBody>
+      </p:sp>
+      <p:sp>
+        <p:nvSpPr>
+          <p:cNvPr id="3" name="ZoneTexte 2">
+            <a:extLst>
+              <a:ext uri="{FF2B5EF4-FFF2-40B4-BE49-F238E27FC236}">
+                <a16:creationId xmlns:a16="http://schemas.microsoft.com/office/drawing/2014/main" id="{9169FD9A-0F1A-F62A-EAF4-74284432E518}"/>
+              </a:ext>
+            </a:extLst>
+          </p:cNvPr>
+          <p:cNvSpPr txBox="1"/>
+          <p:nvPr/>
+        </p:nvSpPr>
+        <p:spPr>
+          <a:xfrm>
+            <a:off x="2" y="532969"/>
+            <a:ext cx="12191999" cy="646331"/>
+          </a:xfrm>
+          <a:prstGeom prst="rect">
+            <a:avLst/>
+          </a:prstGeom>
+          <a:solidFill>
+            <a:srgbClr val="006A5A"/>
+          </a:solidFill>
+        </p:spPr>
+        <p:txBody>
+          <a:bodyPr wrap="square" rtlCol="0">
+            <a:spAutoFit/>
+          </a:bodyPr>
+          <a:lstStyle/>
+          <a:p>
+            <a:r>
+              <a:rPr lang="fr-FR" sz="3600" b="1" dirty="0">
+                <a:solidFill>
+                  <a:schemeClr val="bg1"/>
+                </a:solidFill>
+                <a:latin typeface="Gill Sans MT" panose="020B0502020104020203" pitchFamily="34" charset="0"/>
+              </a:rPr>
+              <a:t>4.1. Choix des variables (</a:t>
+            </a:r>
+            <a:r>
+              <a:rPr lang="fr-FR" sz="3600" b="1" dirty="0">
+                <a:solidFill>
+                  <a:srgbClr val="FF0000"/>
+                </a:solidFill>
+                <a:latin typeface="Gill Sans MT" panose="020B0502020104020203" pitchFamily="34" charset="0"/>
+              </a:rPr>
+              <a:t>Toussaint</a:t>
+            </a:r>
+            <a:r>
+              <a:rPr lang="fr-FR" sz="3600" b="1" dirty="0">
+                <a:solidFill>
+                  <a:schemeClr val="bg1"/>
+                </a:solidFill>
+                <a:latin typeface="Gill Sans MT" panose="020B0502020104020203" pitchFamily="34" charset="0"/>
+              </a:rPr>
+              <a:t>)</a:t>
+            </a:r>
+          </a:p>
+        </p:txBody>
+      </p:sp>
+      <p:pic>
+        <p:nvPicPr>
+          <p:cNvPr id="4" name="Graphique 3" descr="Flèches de chevron">
+            <a:extLst>
+              <a:ext uri="{FF2B5EF4-FFF2-40B4-BE49-F238E27FC236}">
+                <a16:creationId xmlns:a16="http://schemas.microsoft.com/office/drawing/2014/main" id="{1A92E601-022D-F8F3-C090-920665EE7490}"/>
+              </a:ext>
+            </a:extLst>
+          </p:cNvPr>
+          <p:cNvPicPr>
+            <a:picLocks noChangeAspect="1"/>
+          </p:cNvPicPr>
+          <p:nvPr/>
+        </p:nvPicPr>
+        <p:blipFill>
+          <a:blip r:embed="rId2">
+            <a:extLst>
+              <a:ext uri="{28A0092B-C50C-407E-A947-70E740481C1C}">
+                <a14:useLocalDpi xmlns:a14="http://schemas.microsoft.com/office/drawing/2010/main" val="0"/>
+              </a:ext>
+              <a:ext uri="{96DAC541-7B7A-43D3-8B79-37D633B846F1}">
+                <asvg:svgBlip xmlns:asvg="http://schemas.microsoft.com/office/drawing/2016/SVG/main" r:embed="rId3"/>
+              </a:ext>
+            </a:extLst>
+          </a:blip>
+          <a:stretch>
+            <a:fillRect/>
+          </a:stretch>
+        </p:blipFill>
+        <p:spPr>
+          <a:xfrm>
+            <a:off x="11078692" y="266700"/>
+            <a:ext cx="1170459" cy="1170459"/>
+          </a:xfrm>
+          <a:prstGeom prst="rect">
+            <a:avLst/>
+          </a:prstGeom>
+        </p:spPr>
+      </p:pic>
+    </p:spTree>
+    <p:extLst>
+      <p:ext uri="{BB962C8B-B14F-4D97-AF65-F5344CB8AC3E}">
+        <p14:creationId xmlns:p14="http://schemas.microsoft.com/office/powerpoint/2010/main" val="982776663"/>
+      </p:ext>
+    </p:extLst>
+  </p:cSld>
+  <p:clrMapOvr>
+    <a:masterClrMapping/>
+  </p:clrMapOvr>
+</p:sld>
+</file>
+
+<file path=ppt/slides/slide25.xml><?xml version="1.0" encoding="utf-8"?>
+<p:sld xmlns:a="http://schemas.openxmlformats.org/drawingml/2006/main" xmlns:r="http://schemas.openxmlformats.org/officeDocument/2006/relationships" xmlns:p="http://schemas.openxmlformats.org/presentationml/2006/main">
+  <p:cSld>
+    <p:spTree>
+      <p:nvGrpSpPr>
+        <p:cNvPr id="1" name="">
+          <a:extLst>
+            <a:ext uri="{FF2B5EF4-FFF2-40B4-BE49-F238E27FC236}">
+              <a16:creationId xmlns:a16="http://schemas.microsoft.com/office/drawing/2014/main" id="{B19C3A5D-790B-C712-DF62-3118579AABFD}"/>
+            </a:ext>
+          </a:extLst>
+        </p:cNvPr>
+        <p:cNvGrpSpPr/>
+        <p:nvPr/>
+      </p:nvGrpSpPr>
+      <p:grpSpPr>
+        <a:xfrm>
+          <a:off x="0" y="0"/>
+          <a:ext cx="0" cy="0"/>
+          <a:chOff x="0" y="0"/>
+          <a:chExt cx="0" cy="0"/>
+        </a:xfrm>
+      </p:grpSpPr>
+      <p:sp>
+        <p:nvSpPr>
+          <p:cNvPr id="2" name="Espace réservé du numéro de diapositive 1">
+            <a:extLst>
+              <a:ext uri="{FF2B5EF4-FFF2-40B4-BE49-F238E27FC236}">
+                <a16:creationId xmlns:a16="http://schemas.microsoft.com/office/drawing/2014/main" id="{195BBB1B-0DB9-7FA2-BB62-A9745BBFB6FA}"/>
+              </a:ext>
+            </a:extLst>
+          </p:cNvPr>
+          <p:cNvSpPr>
+            <a:spLocks noGrp="1"/>
+          </p:cNvSpPr>
+          <p:nvPr>
+            <p:ph type="sldNum" sz="quarter" idx="4"/>
+          </p:nvPr>
+        </p:nvSpPr>
+        <p:spPr/>
+        <p:txBody>
+          <a:bodyPr/>
+          <a:lstStyle/>
+          <a:p>
+            <a:fld id="{F546B7B7-7D14-4795-A998-350CFB2BDD43}" type="slidenum">
+              <a:rPr lang="fr-FR" smtClean="0"/>
+              <a:pPr/>
+              <a:t>25</a:t>
+            </a:fld>
+            <a:endParaRPr lang="fr-FR"/>
+          </a:p>
+        </p:txBody>
+      </p:sp>
+      <p:sp>
+        <p:nvSpPr>
+          <p:cNvPr id="3" name="ZoneTexte 2">
+            <a:extLst>
+              <a:ext uri="{FF2B5EF4-FFF2-40B4-BE49-F238E27FC236}">
+                <a16:creationId xmlns:a16="http://schemas.microsoft.com/office/drawing/2014/main" id="{AD3E7E05-2FDB-F46A-324C-6550B7004EE8}"/>
+              </a:ext>
+            </a:extLst>
+          </p:cNvPr>
+          <p:cNvSpPr txBox="1"/>
+          <p:nvPr/>
+        </p:nvSpPr>
+        <p:spPr>
+          <a:xfrm>
+            <a:off x="2" y="532969"/>
+            <a:ext cx="12191999" cy="646331"/>
+          </a:xfrm>
+          <a:prstGeom prst="rect">
+            <a:avLst/>
+          </a:prstGeom>
+          <a:solidFill>
+            <a:srgbClr val="006A5A"/>
+          </a:solidFill>
+        </p:spPr>
+        <p:txBody>
+          <a:bodyPr wrap="square" rtlCol="0">
+            <a:spAutoFit/>
+          </a:bodyPr>
+          <a:lstStyle/>
+          <a:p>
+            <a:r>
+              <a:rPr lang="fr-FR" sz="3600" b="1" dirty="0">
+                <a:solidFill>
+                  <a:schemeClr val="bg1"/>
+                </a:solidFill>
+                <a:latin typeface="Gill Sans MT" panose="020B0502020104020203" pitchFamily="34" charset="0"/>
+              </a:rPr>
+              <a:t>4.2. Tests (</a:t>
+            </a:r>
+            <a:r>
+              <a:rPr lang="fr-FR" sz="3600" b="1" dirty="0">
+                <a:solidFill>
+                  <a:srgbClr val="FF0000"/>
+                </a:solidFill>
+                <a:latin typeface="Gill Sans MT" panose="020B0502020104020203" pitchFamily="34" charset="0"/>
+              </a:rPr>
+              <a:t>Richard</a:t>
+            </a:r>
+            <a:r>
+              <a:rPr lang="fr-FR" sz="3600" b="1" dirty="0">
+                <a:solidFill>
+                  <a:schemeClr val="bg1"/>
+                </a:solidFill>
+                <a:latin typeface="Gill Sans MT" panose="020B0502020104020203" pitchFamily="34" charset="0"/>
+              </a:rPr>
+              <a:t>)</a:t>
+            </a:r>
+          </a:p>
+        </p:txBody>
+      </p:sp>
+      <p:pic>
+        <p:nvPicPr>
+          <p:cNvPr id="4" name="Graphique 3" descr="Flèches de chevron">
+            <a:extLst>
+              <a:ext uri="{FF2B5EF4-FFF2-40B4-BE49-F238E27FC236}">
+                <a16:creationId xmlns:a16="http://schemas.microsoft.com/office/drawing/2014/main" id="{48E4791C-7A3C-4138-CA50-FF7B885DB4B7}"/>
+              </a:ext>
+            </a:extLst>
+          </p:cNvPr>
+          <p:cNvPicPr>
+            <a:picLocks noChangeAspect="1"/>
+          </p:cNvPicPr>
+          <p:nvPr/>
+        </p:nvPicPr>
+        <p:blipFill>
+          <a:blip r:embed="rId2">
+            <a:extLst>
+              <a:ext uri="{28A0092B-C50C-407E-A947-70E740481C1C}">
+                <a14:useLocalDpi xmlns:a14="http://schemas.microsoft.com/office/drawing/2010/main" val="0"/>
+              </a:ext>
+              <a:ext uri="{96DAC541-7B7A-43D3-8B79-37D633B846F1}">
+                <asvg:svgBlip xmlns:asvg="http://schemas.microsoft.com/office/drawing/2016/SVG/main" r:embed="rId3"/>
+              </a:ext>
+            </a:extLst>
+          </a:blip>
+          <a:stretch>
+            <a:fillRect/>
+          </a:stretch>
+        </p:blipFill>
+        <p:spPr>
+          <a:xfrm>
+            <a:off x="11078692" y="266700"/>
+            <a:ext cx="1170459" cy="1170459"/>
+          </a:xfrm>
+          <a:prstGeom prst="rect">
+            <a:avLst/>
+          </a:prstGeom>
+        </p:spPr>
+      </p:pic>
+    </p:spTree>
+    <p:extLst>
+      <p:ext uri="{BB962C8B-B14F-4D97-AF65-F5344CB8AC3E}">
+        <p14:creationId xmlns:p14="http://schemas.microsoft.com/office/powerpoint/2010/main" val="2916537731"/>
+      </p:ext>
+    </p:extLst>
+  </p:cSld>
+  <p:clrMapOvr>
+    <a:masterClrMapping/>
+  </p:clrMapOvr>
+</p:sld>
+</file>
+
+<file path=ppt/slides/slide26.xml><?xml version="1.0" encoding="utf-8"?>
+<p:sld xmlns:a="http://schemas.openxmlformats.org/drawingml/2006/main" xmlns:r="http://schemas.openxmlformats.org/officeDocument/2006/relationships" xmlns:p="http://schemas.openxmlformats.org/presentationml/2006/main">
+  <p:cSld>
+    <p:spTree>
+      <p:nvGrpSpPr>
+        <p:cNvPr id="1" name="">
+          <a:extLst>
+            <a:ext uri="{FF2B5EF4-FFF2-40B4-BE49-F238E27FC236}">
+              <a16:creationId xmlns:a16="http://schemas.microsoft.com/office/drawing/2014/main" id="{8C5DA1D8-9FB7-6D35-1207-8793CDED3E57}"/>
+            </a:ext>
+          </a:extLst>
+        </p:cNvPr>
+        <p:cNvGrpSpPr/>
+        <p:nvPr/>
+      </p:nvGrpSpPr>
+      <p:grpSpPr>
+        <a:xfrm>
+          <a:off x="0" y="0"/>
+          <a:ext cx="0" cy="0"/>
+          <a:chOff x="0" y="0"/>
+          <a:chExt cx="0" cy="0"/>
+        </a:xfrm>
+      </p:grpSpPr>
+      <p:sp>
+        <p:nvSpPr>
+          <p:cNvPr id="2" name="Espace réservé du numéro de diapositive 1">
+            <a:extLst>
+              <a:ext uri="{FF2B5EF4-FFF2-40B4-BE49-F238E27FC236}">
+                <a16:creationId xmlns:a16="http://schemas.microsoft.com/office/drawing/2014/main" id="{0BEE1BA7-D77E-F880-C976-70D1C890E370}"/>
+              </a:ext>
+            </a:extLst>
+          </p:cNvPr>
+          <p:cNvSpPr>
+            <a:spLocks noGrp="1"/>
+          </p:cNvSpPr>
+          <p:nvPr>
+            <p:ph type="sldNum" sz="quarter" idx="4"/>
+          </p:nvPr>
+        </p:nvSpPr>
+        <p:spPr/>
+        <p:txBody>
+          <a:bodyPr/>
+          <a:lstStyle/>
+          <a:p>
+            <a:fld id="{F546B7B7-7D14-4795-A998-350CFB2BDD43}" type="slidenum">
+              <a:rPr lang="fr-FR" smtClean="0"/>
+              <a:pPr/>
+              <a:t>26</a:t>
+            </a:fld>
+            <a:endParaRPr lang="fr-FR"/>
+          </a:p>
+        </p:txBody>
+      </p:sp>
+      <p:sp>
+        <p:nvSpPr>
+          <p:cNvPr id="3" name="ZoneTexte 2">
+            <a:extLst>
+              <a:ext uri="{FF2B5EF4-FFF2-40B4-BE49-F238E27FC236}">
+                <a16:creationId xmlns:a16="http://schemas.microsoft.com/office/drawing/2014/main" id="{CAAAA9F3-C7BF-5BB9-F363-202EDA19CDE4}"/>
+              </a:ext>
+            </a:extLst>
+          </p:cNvPr>
+          <p:cNvSpPr txBox="1"/>
+          <p:nvPr/>
+        </p:nvSpPr>
+        <p:spPr>
+          <a:xfrm>
+            <a:off x="2" y="532969"/>
+            <a:ext cx="12191999" cy="646331"/>
+          </a:xfrm>
+          <a:prstGeom prst="rect">
+            <a:avLst/>
+          </a:prstGeom>
+          <a:solidFill>
+            <a:srgbClr val="006A5A"/>
+          </a:solidFill>
+        </p:spPr>
+        <p:txBody>
+          <a:bodyPr wrap="square" rtlCol="0">
+            <a:spAutoFit/>
+          </a:bodyPr>
+          <a:lstStyle/>
+          <a:p>
+            <a:r>
+              <a:rPr lang="fr-FR" sz="3600" b="1" dirty="0">
+                <a:solidFill>
+                  <a:schemeClr val="bg1"/>
+                </a:solidFill>
+                <a:latin typeface="Gill Sans MT" panose="020B0502020104020203" pitchFamily="34" charset="0"/>
+              </a:rPr>
+              <a:t>4.3. Comparaison des modèles (</a:t>
+            </a:r>
+            <a:r>
+              <a:rPr lang="fr-FR" sz="3600" b="1" dirty="0">
+                <a:solidFill>
+                  <a:srgbClr val="FF0000"/>
+                </a:solidFill>
+                <a:latin typeface="Gill Sans MT" panose="020B0502020104020203" pitchFamily="34" charset="0"/>
+              </a:rPr>
+              <a:t>Richard</a:t>
+            </a:r>
+            <a:r>
+              <a:rPr lang="fr-FR" sz="3600" b="1" dirty="0">
+                <a:solidFill>
+                  <a:schemeClr val="bg1"/>
+                </a:solidFill>
+                <a:latin typeface="Gill Sans MT" panose="020B0502020104020203" pitchFamily="34" charset="0"/>
+              </a:rPr>
+              <a:t>)</a:t>
+            </a:r>
+          </a:p>
+        </p:txBody>
+      </p:sp>
+      <p:pic>
+        <p:nvPicPr>
+          <p:cNvPr id="4" name="Graphique 3" descr="Flèches de chevron">
+            <a:extLst>
+              <a:ext uri="{FF2B5EF4-FFF2-40B4-BE49-F238E27FC236}">
+                <a16:creationId xmlns:a16="http://schemas.microsoft.com/office/drawing/2014/main" id="{79B6F6E5-6550-0A1C-CFBA-B81349B6BCF5}"/>
+              </a:ext>
+            </a:extLst>
+          </p:cNvPr>
+          <p:cNvPicPr>
+            <a:picLocks noChangeAspect="1"/>
+          </p:cNvPicPr>
+          <p:nvPr/>
+        </p:nvPicPr>
+        <p:blipFill>
+          <a:blip r:embed="rId2">
+            <a:extLst>
+              <a:ext uri="{28A0092B-C50C-407E-A947-70E740481C1C}">
+                <a14:useLocalDpi xmlns:a14="http://schemas.microsoft.com/office/drawing/2010/main" val="0"/>
+              </a:ext>
+              <a:ext uri="{96DAC541-7B7A-43D3-8B79-37D633B846F1}">
+                <asvg:svgBlip xmlns:asvg="http://schemas.microsoft.com/office/drawing/2016/SVG/main" r:embed="rId3"/>
+              </a:ext>
+            </a:extLst>
+          </a:blip>
+          <a:stretch>
+            <a:fillRect/>
+          </a:stretch>
+        </p:blipFill>
+        <p:spPr>
+          <a:xfrm>
+            <a:off x="11078692" y="266700"/>
+            <a:ext cx="1170459" cy="1170459"/>
+          </a:xfrm>
+          <a:prstGeom prst="rect">
+            <a:avLst/>
+          </a:prstGeom>
+        </p:spPr>
+      </p:pic>
+    </p:spTree>
+    <p:extLst>
+      <p:ext uri="{BB962C8B-B14F-4D97-AF65-F5344CB8AC3E}">
+        <p14:creationId xmlns:p14="http://schemas.microsoft.com/office/powerpoint/2010/main" val="3979927716"/>
+      </p:ext>
+    </p:extLst>
+  </p:cSld>
+  <p:clrMapOvr>
+    <a:masterClrMapping/>
+  </p:clrMapOvr>
+</p:sld>
+</file>
+
+<file path=ppt/slides/slide27.xml><?xml version="1.0" encoding="utf-8"?>
+<p:sld xmlns:a="http://schemas.openxmlformats.org/drawingml/2006/main" xmlns:r="http://schemas.openxmlformats.org/officeDocument/2006/relationships" xmlns:p="http://schemas.openxmlformats.org/presentationml/2006/main">
+  <p:cSld>
+    <p:spTree>
+      <p:nvGrpSpPr>
+        <p:cNvPr id="1" name="">
+          <a:extLst>
+            <a:ext uri="{FF2B5EF4-FFF2-40B4-BE49-F238E27FC236}">
+              <a16:creationId xmlns:a16="http://schemas.microsoft.com/office/drawing/2014/main" id="{DE57E7BF-7E63-CDCE-3B39-D62386786CFC}"/>
+            </a:ext>
+          </a:extLst>
+        </p:cNvPr>
+        <p:cNvGrpSpPr/>
+        <p:nvPr/>
+      </p:nvGrpSpPr>
+      <p:grpSpPr>
+        <a:xfrm>
+          <a:off x="0" y="0"/>
+          <a:ext cx="0" cy="0"/>
+          <a:chOff x="0" y="0"/>
+          <a:chExt cx="0" cy="0"/>
+        </a:xfrm>
+      </p:grpSpPr>
+      <p:sp>
+        <p:nvSpPr>
+          <p:cNvPr id="2" name="Espace réservé du numéro de diapositive 1">
+            <a:extLst>
+              <a:ext uri="{FF2B5EF4-FFF2-40B4-BE49-F238E27FC236}">
+                <a16:creationId xmlns:a16="http://schemas.microsoft.com/office/drawing/2014/main" id="{828E9B66-400B-46FD-9F1E-58BE96CF638D}"/>
+              </a:ext>
+            </a:extLst>
+          </p:cNvPr>
+          <p:cNvSpPr>
+            <a:spLocks noGrp="1"/>
+          </p:cNvSpPr>
+          <p:nvPr>
+            <p:ph type="sldNum" sz="quarter" idx="4"/>
+          </p:nvPr>
+        </p:nvSpPr>
+        <p:spPr/>
+        <p:txBody>
+          <a:bodyPr/>
+          <a:lstStyle/>
+          <a:p>
+            <a:fld id="{F546B7B7-7D14-4795-A998-350CFB2BDD43}" type="slidenum">
+              <a:rPr lang="fr-FR" smtClean="0"/>
+              <a:pPr/>
+              <a:t>27</a:t>
+            </a:fld>
+            <a:endParaRPr lang="fr-FR"/>
+          </a:p>
+        </p:txBody>
+      </p:sp>
+      <p:sp>
+        <p:nvSpPr>
+          <p:cNvPr id="3" name="ZoneTexte 2">
+            <a:extLst>
+              <a:ext uri="{FF2B5EF4-FFF2-40B4-BE49-F238E27FC236}">
+                <a16:creationId xmlns:a16="http://schemas.microsoft.com/office/drawing/2014/main" id="{53AFD727-8ADD-A2C1-1CD7-40226AF81120}"/>
+              </a:ext>
+            </a:extLst>
+          </p:cNvPr>
+          <p:cNvSpPr txBox="1"/>
+          <p:nvPr/>
+        </p:nvSpPr>
+        <p:spPr>
+          <a:xfrm>
+            <a:off x="2" y="532969"/>
+            <a:ext cx="12191999" cy="646331"/>
+          </a:xfrm>
+          <a:prstGeom prst="rect">
+            <a:avLst/>
+          </a:prstGeom>
+          <a:solidFill>
+            <a:srgbClr val="006A5A"/>
+          </a:solidFill>
+        </p:spPr>
+        <p:txBody>
+          <a:bodyPr wrap="square" rtlCol="0">
+            <a:spAutoFit/>
+          </a:bodyPr>
+          <a:lstStyle/>
+          <a:p>
+            <a:r>
+              <a:rPr lang="fr-FR" sz="3600" b="1" dirty="0">
+                <a:solidFill>
+                  <a:schemeClr val="bg1"/>
+                </a:solidFill>
+                <a:latin typeface="Gill Sans MT" panose="020B0502020104020203" pitchFamily="34" charset="0"/>
+              </a:rPr>
+              <a:t>4.4. Résultats du modèle final (</a:t>
+            </a:r>
+            <a:r>
+              <a:rPr lang="fr-FR" sz="3600" b="1" dirty="0">
+                <a:solidFill>
+                  <a:srgbClr val="FF0000"/>
+                </a:solidFill>
+                <a:latin typeface="Gill Sans MT" panose="020B0502020104020203" pitchFamily="34" charset="0"/>
+              </a:rPr>
+              <a:t>Richard</a:t>
+            </a:r>
+            <a:r>
+              <a:rPr lang="fr-FR" sz="3600" b="1" dirty="0">
+                <a:solidFill>
+                  <a:schemeClr val="bg1"/>
+                </a:solidFill>
+                <a:latin typeface="Gill Sans MT" panose="020B0502020104020203" pitchFamily="34" charset="0"/>
+              </a:rPr>
+              <a:t>)</a:t>
+            </a:r>
+          </a:p>
+        </p:txBody>
+      </p:sp>
+      <p:pic>
+        <p:nvPicPr>
+          <p:cNvPr id="4" name="Graphique 3" descr="Flèches de chevron">
+            <a:extLst>
+              <a:ext uri="{FF2B5EF4-FFF2-40B4-BE49-F238E27FC236}">
+                <a16:creationId xmlns:a16="http://schemas.microsoft.com/office/drawing/2014/main" id="{F75BEB96-AC2C-D93F-ED0D-23CE9E5050D3}"/>
+              </a:ext>
+            </a:extLst>
+          </p:cNvPr>
+          <p:cNvPicPr>
+            <a:picLocks noChangeAspect="1"/>
+          </p:cNvPicPr>
+          <p:nvPr/>
+        </p:nvPicPr>
+        <p:blipFill>
+          <a:blip r:embed="rId2">
+            <a:extLst>
+              <a:ext uri="{28A0092B-C50C-407E-A947-70E740481C1C}">
+                <a14:useLocalDpi xmlns:a14="http://schemas.microsoft.com/office/drawing/2010/main" val="0"/>
+              </a:ext>
+              <a:ext uri="{96DAC541-7B7A-43D3-8B79-37D633B846F1}">
+                <asvg:svgBlip xmlns:asvg="http://schemas.microsoft.com/office/drawing/2016/SVG/main" r:embed="rId3"/>
+              </a:ext>
+            </a:extLst>
+          </a:blip>
+          <a:stretch>
+            <a:fillRect/>
+          </a:stretch>
+        </p:blipFill>
+        <p:spPr>
+          <a:xfrm>
+            <a:off x="11078692" y="266700"/>
+            <a:ext cx="1170459" cy="1170459"/>
+          </a:xfrm>
+          <a:prstGeom prst="rect">
+            <a:avLst/>
+          </a:prstGeom>
+        </p:spPr>
+      </p:pic>
+    </p:spTree>
+    <p:extLst>
+      <p:ext uri="{BB962C8B-B14F-4D97-AF65-F5344CB8AC3E}">
+        <p14:creationId xmlns:p14="http://schemas.microsoft.com/office/powerpoint/2010/main" val="3452338476"/>
+      </p:ext>
+    </p:extLst>
+  </p:cSld>
+  <p:clrMapOvr>
+    <a:masterClrMapping/>
+  </p:clrMapOvr>
+</p:sld>
+</file>
+
+<file path=ppt/slides/slide28.xml><?xml version="1.0" encoding="utf-8"?>
+<p:sld xmlns:a="http://schemas.openxmlformats.org/drawingml/2006/main" xmlns:r="http://schemas.openxmlformats.org/officeDocument/2006/relationships" xmlns:p="http://schemas.openxmlformats.org/presentationml/2006/main">
+  <p:cSld>
+    <p:spTree>
+      <p:nvGrpSpPr>
+        <p:cNvPr id="1" name="">
+          <a:extLst>
+            <a:ext uri="{FF2B5EF4-FFF2-40B4-BE49-F238E27FC236}">
+              <a16:creationId xmlns:a16="http://schemas.microsoft.com/office/drawing/2014/main" id="{D0883E41-4E42-7945-61B6-CAD013D6BEFE}"/>
+            </a:ext>
+          </a:extLst>
+        </p:cNvPr>
+        <p:cNvGrpSpPr/>
+        <p:nvPr/>
+      </p:nvGrpSpPr>
+      <p:grpSpPr>
+        <a:xfrm>
+          <a:off x="0" y="0"/>
+          <a:ext cx="0" cy="0"/>
+          <a:chOff x="0" y="0"/>
+          <a:chExt cx="0" cy="0"/>
+        </a:xfrm>
+      </p:grpSpPr>
+      <p:sp>
+        <p:nvSpPr>
+          <p:cNvPr id="2" name="Espace réservé du numéro de diapositive 1">
+            <a:extLst>
+              <a:ext uri="{FF2B5EF4-FFF2-40B4-BE49-F238E27FC236}">
+                <a16:creationId xmlns:a16="http://schemas.microsoft.com/office/drawing/2014/main" id="{18374531-05B7-D43C-7ECE-E3551515F7E6}"/>
+              </a:ext>
+            </a:extLst>
+          </p:cNvPr>
+          <p:cNvSpPr>
+            <a:spLocks noGrp="1"/>
+          </p:cNvSpPr>
+          <p:nvPr>
+            <p:ph type="sldNum" sz="quarter" idx="4"/>
+          </p:nvPr>
+        </p:nvSpPr>
+        <p:spPr/>
+        <p:txBody>
+          <a:bodyPr/>
+          <a:lstStyle/>
+          <a:p>
+            <a:fld id="{F546B7B7-7D14-4795-A998-350CFB2BDD43}" type="slidenum">
+              <a:rPr lang="fr-FR" smtClean="0"/>
+              <a:pPr/>
+              <a:t>28</a:t>
+            </a:fld>
+            <a:endParaRPr lang="fr-FR"/>
+          </a:p>
+        </p:txBody>
+      </p:sp>
+      <p:sp>
+        <p:nvSpPr>
+          <p:cNvPr id="3" name="ZoneTexte 2">
+            <a:extLst>
+              <a:ext uri="{FF2B5EF4-FFF2-40B4-BE49-F238E27FC236}">
+                <a16:creationId xmlns:a16="http://schemas.microsoft.com/office/drawing/2014/main" id="{871FD580-3A6E-B316-8BC7-9CB96F2D45AA}"/>
+              </a:ext>
+            </a:extLst>
+          </p:cNvPr>
+          <p:cNvSpPr txBox="1"/>
+          <p:nvPr/>
+        </p:nvSpPr>
+        <p:spPr>
+          <a:xfrm>
+            <a:off x="2" y="532969"/>
+            <a:ext cx="12191999" cy="646331"/>
+          </a:xfrm>
+          <a:prstGeom prst="rect">
+            <a:avLst/>
+          </a:prstGeom>
+          <a:solidFill>
+            <a:srgbClr val="006A5A"/>
+          </a:solidFill>
+        </p:spPr>
+        <p:txBody>
+          <a:bodyPr wrap="square" rtlCol="0">
+            <a:spAutoFit/>
+          </a:bodyPr>
+          <a:lstStyle/>
+          <a:p>
+            <a:r>
+              <a:rPr lang="fr-FR" sz="3600" b="1" dirty="0">
+                <a:solidFill>
+                  <a:schemeClr val="bg1"/>
+                </a:solidFill>
+                <a:latin typeface="Gill Sans MT" panose="020B0502020104020203" pitchFamily="34" charset="0"/>
+              </a:rPr>
+              <a:t>4.5. Importance des variables (</a:t>
+            </a:r>
+            <a:r>
+              <a:rPr lang="fr-FR" sz="3600" b="1" dirty="0">
+                <a:solidFill>
+                  <a:srgbClr val="FF0000"/>
+                </a:solidFill>
+                <a:latin typeface="Gill Sans MT" panose="020B0502020104020203" pitchFamily="34" charset="0"/>
+              </a:rPr>
+              <a:t>Richard</a:t>
+            </a:r>
+            <a:r>
+              <a:rPr lang="fr-FR" sz="3600" b="1" dirty="0">
+                <a:solidFill>
+                  <a:schemeClr val="bg1"/>
+                </a:solidFill>
+                <a:latin typeface="Gill Sans MT" panose="020B0502020104020203" pitchFamily="34" charset="0"/>
+              </a:rPr>
+              <a:t>)</a:t>
+            </a:r>
+          </a:p>
+        </p:txBody>
+      </p:sp>
+      <p:pic>
+        <p:nvPicPr>
+          <p:cNvPr id="4" name="Graphique 3" descr="Flèches de chevron">
+            <a:extLst>
+              <a:ext uri="{FF2B5EF4-FFF2-40B4-BE49-F238E27FC236}">
+                <a16:creationId xmlns:a16="http://schemas.microsoft.com/office/drawing/2014/main" id="{E6BBA90F-BC7E-705D-974E-92597471D422}"/>
+              </a:ext>
+            </a:extLst>
+          </p:cNvPr>
+          <p:cNvPicPr>
+            <a:picLocks noChangeAspect="1"/>
+          </p:cNvPicPr>
+          <p:nvPr/>
+        </p:nvPicPr>
+        <p:blipFill>
+          <a:blip r:embed="rId2">
+            <a:extLst>
+              <a:ext uri="{28A0092B-C50C-407E-A947-70E740481C1C}">
+                <a14:useLocalDpi xmlns:a14="http://schemas.microsoft.com/office/drawing/2010/main" val="0"/>
+              </a:ext>
+              <a:ext uri="{96DAC541-7B7A-43D3-8B79-37D633B846F1}">
+                <asvg:svgBlip xmlns:asvg="http://schemas.microsoft.com/office/drawing/2016/SVG/main" r:embed="rId3"/>
+              </a:ext>
+            </a:extLst>
+          </a:blip>
+          <a:stretch>
+            <a:fillRect/>
+          </a:stretch>
+        </p:blipFill>
+        <p:spPr>
+          <a:xfrm>
+            <a:off x="11078692" y="266700"/>
+            <a:ext cx="1170459" cy="1170459"/>
+          </a:xfrm>
+          <a:prstGeom prst="rect">
+            <a:avLst/>
+          </a:prstGeom>
+        </p:spPr>
+      </p:pic>
+      <p:pic>
+        <p:nvPicPr>
+          <p:cNvPr id="6" name="Image 5">
+            <a:extLst>
+              <a:ext uri="{FF2B5EF4-FFF2-40B4-BE49-F238E27FC236}">
+                <a16:creationId xmlns:a16="http://schemas.microsoft.com/office/drawing/2014/main" id="{D23AC962-1BBC-5893-FA64-FBBF3CB72B31}"/>
+              </a:ext>
+            </a:extLst>
+          </p:cNvPr>
+          <p:cNvPicPr>
+            <a:picLocks noChangeAspect="1"/>
+          </p:cNvPicPr>
+          <p:nvPr/>
+        </p:nvPicPr>
+        <p:blipFill>
+          <a:blip r:embed="rId4">
+            <a:extLst>
+              <a:ext uri="{28A0092B-C50C-407E-A947-70E740481C1C}">
+                <a14:useLocalDpi xmlns:a14="http://schemas.microsoft.com/office/drawing/2010/main" val="0"/>
+              </a:ext>
+            </a:extLst>
+          </a:blip>
+          <a:stretch>
+            <a:fillRect/>
+          </a:stretch>
+        </p:blipFill>
+        <p:spPr>
+          <a:xfrm>
+            <a:off x="185050" y="1965074"/>
+            <a:ext cx="6958563" cy="4004928"/>
+          </a:xfrm>
+          <a:prstGeom prst="rect">
+            <a:avLst/>
+          </a:prstGeom>
+        </p:spPr>
+      </p:pic>
+    </p:spTree>
+    <p:extLst>
+      <p:ext uri="{BB962C8B-B14F-4D97-AF65-F5344CB8AC3E}">
+        <p14:creationId xmlns:p14="http://schemas.microsoft.com/office/powerpoint/2010/main" val="218831556"/>
+      </p:ext>
+    </p:extLst>
+  </p:cSld>
+  <p:clrMapOvr>
+    <a:masterClrMapping/>
+  </p:clrMapOvr>
+</p:sld>
+</file>
+
+<file path=ppt/slides/slide29.xml><?xml version="1.0" encoding="utf-8"?>
+<p:sld xmlns:a="http://schemas.openxmlformats.org/drawingml/2006/main" xmlns:r="http://schemas.openxmlformats.org/officeDocument/2006/relationships" xmlns:p="http://schemas.openxmlformats.org/presentationml/2006/main">
+  <p:cSld>
+    <p:spTree>
+      <p:nvGrpSpPr>
+        <p:cNvPr id="1" name=""/>
+        <p:cNvGrpSpPr/>
+        <p:nvPr/>
+      </p:nvGrpSpPr>
+      <p:grpSpPr>
+        <a:xfrm>
+          <a:off x="0" y="0"/>
+          <a:ext cx="0" cy="0"/>
+          <a:chOff x="0" y="0"/>
+          <a:chExt cx="0" cy="0"/>
+        </a:xfrm>
+      </p:grpSpPr>
+      <p:sp>
+        <p:nvSpPr>
+          <p:cNvPr id="2" name="Espace réservé du numéro de diapositive 1">
+            <a:extLst>
+              <a:ext uri="{FF2B5EF4-FFF2-40B4-BE49-F238E27FC236}">
+                <a16:creationId xmlns:a16="http://schemas.microsoft.com/office/drawing/2014/main" id="{F02A9202-F6F4-34FD-8D75-2802F86863BE}"/>
+              </a:ext>
+            </a:extLst>
+          </p:cNvPr>
+          <p:cNvSpPr>
+            <a:spLocks noGrp="1"/>
+          </p:cNvSpPr>
+          <p:nvPr>
+            <p:ph type="sldNum" sz="quarter" idx="4"/>
+          </p:nvPr>
+        </p:nvSpPr>
+        <p:spPr/>
+        <p:txBody>
+          <a:bodyPr/>
+          <a:lstStyle/>
+          <a:p>
+            <a:fld id="{F546B7B7-7D14-4795-A998-350CFB2BDD43}" type="slidenum">
+              <a:rPr lang="fr-FR" smtClean="0"/>
+              <a:pPr/>
+              <a:t>29</a:t>
+            </a:fld>
+            <a:endParaRPr lang="fr-FR"/>
+          </a:p>
+        </p:txBody>
+      </p:sp>
+      <p:sp>
+        <p:nvSpPr>
+          <p:cNvPr id="3" name="ZoneTexte 2">
+            <a:extLst>
+              <a:ext uri="{FF2B5EF4-FFF2-40B4-BE49-F238E27FC236}">
+                <a16:creationId xmlns:a16="http://schemas.microsoft.com/office/drawing/2014/main" id="{A3F2E86E-ED1B-4477-A0EF-E314068F0577}"/>
+              </a:ext>
+            </a:extLst>
+          </p:cNvPr>
+          <p:cNvSpPr txBox="1"/>
+          <p:nvPr/>
+        </p:nvSpPr>
+        <p:spPr>
+          <a:xfrm>
+            <a:off x="4664098" y="5025911"/>
+            <a:ext cx="2835298" cy="707886"/>
+          </a:xfrm>
+          <a:prstGeom prst="rect">
+            <a:avLst/>
+          </a:prstGeom>
+          <a:noFill/>
+        </p:spPr>
+        <p:txBody>
+          <a:bodyPr wrap="square" rtlCol="0">
+            <a:spAutoFit/>
+          </a:bodyPr>
+          <a:lstStyle/>
+          <a:p>
+            <a:pPr algn="ctr"/>
+            <a:r>
+              <a:rPr lang="fr-FR" sz="4000" b="1" dirty="0">
+                <a:solidFill>
+                  <a:srgbClr val="FF0000"/>
+                </a:solidFill>
+              </a:rPr>
+              <a:t>Toussaint</a:t>
+            </a:r>
+          </a:p>
+        </p:txBody>
+      </p:sp>
+    </p:spTree>
+    <p:extLst>
+      <p:ext uri="{BB962C8B-B14F-4D97-AF65-F5344CB8AC3E}">
+        <p14:creationId xmlns:p14="http://schemas.microsoft.com/office/powerpoint/2010/main" val="2684318139"/>
+      </p:ext>
+    </p:extLst>
+  </p:cSld>
+  <p:clrMapOvr>
+    <a:masterClrMapping/>
+  </p:clrMapOvr>
+</p:sld>
+</file>
+
+<file path=ppt/slides/slide3.xml><?xml version="1.0" encoding="utf-8"?>
+<p:sld xmlns:a="http://schemas.openxmlformats.org/drawingml/2006/main" xmlns:r="http://schemas.openxmlformats.org/officeDocument/2006/relationships" xmlns:p="http://schemas.openxmlformats.org/presentationml/2006/main">
+  <p:cSld>
+    <p:spTree>
+      <p:nvGrpSpPr>
+        <p:cNvPr id="1" name=""/>
+        <p:cNvGrpSpPr/>
+        <p:nvPr/>
+      </p:nvGrpSpPr>
+      <p:grpSpPr>
+        <a:xfrm>
+          <a:off x="0" y="0"/>
+          <a:ext cx="0" cy="0"/>
+          <a:chOff x="0" y="0"/>
+          <a:chExt cx="0" cy="0"/>
+        </a:xfrm>
+      </p:grpSpPr>
+      <p:sp>
+        <p:nvSpPr>
+          <p:cNvPr id="3" name="Espace réservé du numéro de diapositive 2">
+            <a:extLst>
+              <a:ext uri="{FF2B5EF4-FFF2-40B4-BE49-F238E27FC236}">
+                <a16:creationId xmlns:a16="http://schemas.microsoft.com/office/drawing/2014/main" id="{68EEE016-1B4D-27DD-4ADA-3B73EB64F3E1}"/>
+              </a:ext>
+            </a:extLst>
+          </p:cNvPr>
+          <p:cNvSpPr>
+            <a:spLocks noGrp="1"/>
+          </p:cNvSpPr>
+          <p:nvPr>
+            <p:ph type="sldNum" sz="quarter" idx="4"/>
+          </p:nvPr>
+        </p:nvSpPr>
+        <p:spPr>
+          <a:xfrm>
+            <a:off x="8610600" y="6356350"/>
+            <a:ext cx="2743200" cy="365125"/>
+          </a:xfrm>
+        </p:spPr>
+        <p:txBody>
+          <a:bodyPr/>
+          <a:lstStyle/>
+          <a:p>
+            <a:fld id="{F546B7B7-7D14-4795-A998-350CFB2BDD43}" type="slidenum">
+              <a:rPr lang="fr-FR" smtClean="0"/>
+              <a:pPr/>
+              <a:t>3</a:t>
+            </a:fld>
+            <a:endParaRPr lang="fr-FR"/>
+          </a:p>
+        </p:txBody>
+      </p:sp>
+      <p:sp>
+        <p:nvSpPr>
+          <p:cNvPr id="2" name="ZoneTexte 1">
+            <a:extLst>
+              <a:ext uri="{FF2B5EF4-FFF2-40B4-BE49-F238E27FC236}">
+                <a16:creationId xmlns:a16="http://schemas.microsoft.com/office/drawing/2014/main" id="{0A4C5EA5-8EC5-BD2E-0FB5-DC298C4E156C}"/>
+              </a:ext>
+            </a:extLst>
+          </p:cNvPr>
+          <p:cNvSpPr txBox="1"/>
+          <p:nvPr/>
+        </p:nvSpPr>
+        <p:spPr>
+          <a:xfrm>
+            <a:off x="2" y="532969"/>
+            <a:ext cx="12191999" cy="646331"/>
+          </a:xfrm>
+          <a:prstGeom prst="rect">
+            <a:avLst/>
+          </a:prstGeom>
+          <a:solidFill>
+            <a:srgbClr val="006A5A"/>
+          </a:solidFill>
+        </p:spPr>
+        <p:txBody>
+          <a:bodyPr wrap="square" rtlCol="0">
+            <a:spAutoFit/>
+          </a:bodyPr>
+          <a:lstStyle/>
+          <a:p>
+            <a:r>
+              <a:rPr lang="fr-FR" sz="3600" b="1" dirty="0">
+                <a:solidFill>
+                  <a:schemeClr val="bg1"/>
+                </a:solidFill>
+                <a:latin typeface="Gill Sans MT" panose="020B0502020104020203" pitchFamily="34" charset="0"/>
+              </a:rPr>
+              <a:t>Introduction (</a:t>
+            </a:r>
+            <a:r>
+              <a:rPr lang="fr-FR" sz="3600" b="1" dirty="0">
+                <a:solidFill>
+                  <a:srgbClr val="FF0000"/>
+                </a:solidFill>
+                <a:latin typeface="Gill Sans MT" panose="020B0502020104020203" pitchFamily="34" charset="0"/>
+              </a:rPr>
+              <a:t>Toussaint: revoir sur une seule diapo</a:t>
+            </a:r>
+            <a:r>
+              <a:rPr lang="fr-FR" sz="3600" b="1" dirty="0">
+                <a:solidFill>
+                  <a:schemeClr val="bg1"/>
+                </a:solidFill>
+                <a:latin typeface="Gill Sans MT" panose="020B0502020104020203" pitchFamily="34" charset="0"/>
+              </a:rPr>
+              <a:t>)</a:t>
+            </a:r>
+          </a:p>
+        </p:txBody>
+      </p:sp>
+      <p:pic>
+        <p:nvPicPr>
+          <p:cNvPr id="4" name="Graphique 3" descr="Flèches de chevron">
+            <a:extLst>
+              <a:ext uri="{FF2B5EF4-FFF2-40B4-BE49-F238E27FC236}">
+                <a16:creationId xmlns:a16="http://schemas.microsoft.com/office/drawing/2014/main" id="{358D0F2A-5D55-3BCA-A5C6-BEE40DA79E83}"/>
+              </a:ext>
+            </a:extLst>
+          </p:cNvPr>
+          <p:cNvPicPr>
+            <a:picLocks noChangeAspect="1"/>
+          </p:cNvPicPr>
+          <p:nvPr/>
+        </p:nvPicPr>
+        <p:blipFill>
+          <a:blip r:embed="rId2">
+            <a:extLst>
+              <a:ext uri="{28A0092B-C50C-407E-A947-70E740481C1C}">
+                <a14:useLocalDpi xmlns:a14="http://schemas.microsoft.com/office/drawing/2010/main" val="0"/>
+              </a:ext>
+              <a:ext uri="{96DAC541-7B7A-43D3-8B79-37D633B846F1}">
+                <asvg:svgBlip xmlns:asvg="http://schemas.microsoft.com/office/drawing/2016/SVG/main" r:embed="rId3"/>
+              </a:ext>
+            </a:extLst>
+          </a:blip>
+          <a:stretch>
+            <a:fillRect/>
+          </a:stretch>
+        </p:blipFill>
+        <p:spPr>
+          <a:xfrm>
+            <a:off x="11078692" y="266700"/>
+            <a:ext cx="1170459" cy="1170459"/>
+          </a:xfrm>
+          <a:prstGeom prst="rect">
+            <a:avLst/>
+          </a:prstGeom>
+        </p:spPr>
+      </p:pic>
+      <p:sp>
+        <p:nvSpPr>
+          <p:cNvPr id="8" name="ZoneTexte 7">
+            <a:extLst>
+              <a:ext uri="{FF2B5EF4-FFF2-40B4-BE49-F238E27FC236}">
+                <a16:creationId xmlns:a16="http://schemas.microsoft.com/office/drawing/2014/main" id="{CDA3B022-3B8D-2B7C-C02F-660DEFB862E6}"/>
+              </a:ext>
+            </a:extLst>
+          </p:cNvPr>
+          <p:cNvSpPr txBox="1"/>
+          <p:nvPr/>
+        </p:nvSpPr>
+        <p:spPr>
+          <a:xfrm>
+            <a:off x="0" y="2186070"/>
+            <a:ext cx="12191999" cy="644857"/>
+          </a:xfrm>
+          <a:prstGeom prst="rect">
+            <a:avLst/>
+          </a:prstGeom>
+          <a:noFill/>
+        </p:spPr>
+        <p:txBody>
+          <a:bodyPr wrap="square">
+            <a:spAutoFit/>
+          </a:bodyPr>
+          <a:lstStyle/>
+          <a:p>
+            <a:pPr algn="just">
+              <a:lnSpc>
+                <a:spcPts val="2143"/>
+              </a:lnSpc>
+              <a:spcBef>
+                <a:spcPts val="1029"/>
+              </a:spcBef>
+              <a:spcAft>
+                <a:spcPts val="1029"/>
+              </a:spcAft>
+            </a:pPr>
+            <a:r>
+              <a:rPr lang="fr-FR" sz="2400" b="1" dirty="0"/>
+              <a:t>Disparités territoriales d’accès aux soins en France </a:t>
+            </a:r>
+            <a:r>
+              <a:rPr lang="fr-FR" sz="2400" dirty="0"/>
+              <a:t>(3,9 consultations/an en moyenne, mais </a:t>
+            </a:r>
+            <a:r>
+              <a:rPr lang="fr-FR" sz="2400" b="1" dirty="0"/>
+              <a:t>déserts médicaux en zones rurales</a:t>
+            </a:r>
+            <a:r>
+              <a:rPr lang="fr-FR" sz="2400" dirty="0"/>
+              <a:t>) (INSEE, 2021).</a:t>
+            </a:r>
+          </a:p>
+        </p:txBody>
+      </p:sp>
+      <p:sp>
+        <p:nvSpPr>
+          <p:cNvPr id="9" name="Flèche : bas 8">
+            <a:extLst>
+              <a:ext uri="{FF2B5EF4-FFF2-40B4-BE49-F238E27FC236}">
+                <a16:creationId xmlns:a16="http://schemas.microsoft.com/office/drawing/2014/main" id="{6FBA090B-867E-37B7-B9BA-BFD094911B54}"/>
+              </a:ext>
+            </a:extLst>
+          </p:cNvPr>
+          <p:cNvSpPr/>
+          <p:nvPr/>
+        </p:nvSpPr>
+        <p:spPr>
+          <a:xfrm>
+            <a:off x="5853682" y="2880332"/>
+            <a:ext cx="680682" cy="541453"/>
+          </a:xfrm>
+          <a:prstGeom prst="downArrow">
+            <a:avLst/>
+          </a:prstGeom>
+          <a:solidFill>
+            <a:srgbClr val="006A5A"/>
+          </a:solidFill>
+        </p:spPr>
+        <p:style>
+          <a:lnRef idx="2">
+            <a:schemeClr val="accent1">
+              <a:shade val="15000"/>
+            </a:schemeClr>
+          </a:lnRef>
+          <a:fillRef idx="1">
+            <a:schemeClr val="accent1"/>
+          </a:fillRef>
+          <a:effectRef idx="0">
+            <a:schemeClr val="accent1"/>
+          </a:effectRef>
+          <a:fontRef idx="minor">
+            <a:schemeClr val="lt1"/>
+          </a:fontRef>
+        </p:style>
+        <p:txBody>
+          <a:bodyPr rtlCol="0" anchor="ctr"/>
+          <a:lstStyle/>
+          <a:p>
+            <a:pPr algn="ctr"/>
+            <a:endParaRPr lang="en-US"/>
+          </a:p>
+        </p:txBody>
+      </p:sp>
+      <p:sp>
+        <p:nvSpPr>
+          <p:cNvPr id="11" name="ZoneTexte 10">
+            <a:extLst>
+              <a:ext uri="{FF2B5EF4-FFF2-40B4-BE49-F238E27FC236}">
+                <a16:creationId xmlns:a16="http://schemas.microsoft.com/office/drawing/2014/main" id="{DE44A447-12A0-D5D3-CD89-4C3290013389}"/>
+              </a:ext>
+            </a:extLst>
+          </p:cNvPr>
+          <p:cNvSpPr txBox="1"/>
+          <p:nvPr/>
+        </p:nvSpPr>
+        <p:spPr>
+          <a:xfrm>
+            <a:off x="-1" y="3471190"/>
+            <a:ext cx="12192000" cy="1569660"/>
+          </a:xfrm>
+          <a:prstGeom prst="rect">
+            <a:avLst/>
+          </a:prstGeom>
+          <a:noFill/>
+        </p:spPr>
+        <p:txBody>
+          <a:bodyPr wrap="square">
+            <a:spAutoFit/>
+          </a:bodyPr>
+          <a:lstStyle/>
+          <a:p>
+            <a:pPr algn="just"/>
+            <a:r>
+              <a:rPr lang="fr-FR" sz="2400" dirty="0"/>
+              <a:t>Dans des </a:t>
+            </a:r>
+            <a:r>
+              <a:rPr lang="fr-FR" sz="2400" b="1" dirty="0"/>
+              <a:t>zones sous-dotées</a:t>
+            </a:r>
+            <a:r>
+              <a:rPr lang="fr-FR" sz="2400" dirty="0"/>
+              <a:t>, identifiées comme des zones d’intervention prioritaire (ZIP), les </a:t>
+            </a:r>
+            <a:r>
+              <a:rPr lang="fr-FR" sz="2400" b="1" dirty="0"/>
+              <a:t>professionnels de santé tendent à intensifier leur charge de travail</a:t>
+            </a:r>
+            <a:r>
+              <a:rPr lang="fr-FR" sz="2400" dirty="0"/>
+              <a:t> pour répondre à une demande croissante, ce qui pourrait affecter la </a:t>
+            </a:r>
+            <a:r>
+              <a:rPr lang="fr-FR" sz="2400" b="1" dirty="0"/>
+              <a:t>qualité des soins médicaux fournis </a:t>
+            </a:r>
+            <a:r>
+              <a:rPr lang="fr-FR" sz="2400" dirty="0"/>
+              <a:t>(INSEE, 2020). Cette situation affecte donc de façon directe la </a:t>
+            </a:r>
+            <a:r>
+              <a:rPr lang="fr-FR" sz="2400" b="1" dirty="0"/>
+              <a:t>santé des populations locales</a:t>
+            </a:r>
+            <a:r>
+              <a:rPr lang="fr-FR" sz="2400" dirty="0"/>
+              <a:t>.</a:t>
+            </a:r>
+            <a:endParaRPr lang="en-US" sz="2400" dirty="0"/>
+          </a:p>
+        </p:txBody>
+      </p:sp>
+      <p:sp>
+        <p:nvSpPr>
+          <p:cNvPr id="13" name="ZoneTexte 12">
+            <a:extLst>
+              <a:ext uri="{FF2B5EF4-FFF2-40B4-BE49-F238E27FC236}">
+                <a16:creationId xmlns:a16="http://schemas.microsoft.com/office/drawing/2014/main" id="{FE8FA23B-61E8-7CBD-ECE3-556334FDE01F}"/>
+              </a:ext>
+            </a:extLst>
+          </p:cNvPr>
+          <p:cNvSpPr txBox="1"/>
+          <p:nvPr/>
+        </p:nvSpPr>
+        <p:spPr>
+          <a:xfrm>
+            <a:off x="0" y="1463893"/>
+            <a:ext cx="12192000" cy="402674"/>
+          </a:xfrm>
+          <a:prstGeom prst="rect">
+            <a:avLst/>
+          </a:prstGeom>
+          <a:solidFill>
+            <a:srgbClr val="006A5A"/>
+          </a:solidFill>
+        </p:spPr>
+        <p:txBody>
+          <a:bodyPr wrap="square">
+            <a:spAutoFit/>
+          </a:bodyPr>
+          <a:lstStyle/>
+          <a:p>
+            <a:pPr algn="ctr">
+              <a:lnSpc>
+                <a:spcPts val="2143"/>
+              </a:lnSpc>
+              <a:spcBef>
+                <a:spcPts val="1029"/>
+              </a:spcBef>
+              <a:spcAft>
+                <a:spcPts val="1029"/>
+              </a:spcAft>
+            </a:pPr>
+            <a:r>
+              <a:rPr lang="fr-FR" sz="3200" b="1" i="0" dirty="0">
+                <a:solidFill>
+                  <a:schemeClr val="bg1"/>
+                </a:solidFill>
+                <a:effectLst/>
+                <a:latin typeface="DeepSeek-CJK-patch"/>
+              </a:rPr>
+              <a:t>Contexte</a:t>
+            </a:r>
+            <a:endParaRPr lang="fr-FR" sz="3200" dirty="0">
+              <a:solidFill>
+                <a:schemeClr val="bg1"/>
+              </a:solidFill>
+              <a:latin typeface="DeepSeek-CJK-patch"/>
+            </a:endParaRPr>
+          </a:p>
+        </p:txBody>
+      </p:sp>
+    </p:spTree>
+    <p:extLst>
+      <p:ext uri="{BB962C8B-B14F-4D97-AF65-F5344CB8AC3E}">
+        <p14:creationId xmlns:p14="http://schemas.microsoft.com/office/powerpoint/2010/main" val="413827849"/>
+      </p:ext>
+    </p:extLst>
+  </p:cSld>
+  <p:clrMapOvr>
+    <a:masterClrMapping/>
+  </p:clrMapOvr>
+</p:sld>
+</file>
+
+<file path=ppt/slides/slide30.xml><?xml version="1.0" encoding="utf-8"?>
+<p:sld xmlns:a="http://schemas.openxmlformats.org/drawingml/2006/main" xmlns:r="http://schemas.openxmlformats.org/officeDocument/2006/relationships" xmlns:p="http://schemas.openxmlformats.org/presentationml/2006/main">
+  <p:cSld>
+    <p:spTree>
+      <p:nvGrpSpPr>
+        <p:cNvPr id="1" name="">
+          <a:extLst>
+            <a:ext uri="{FF2B5EF4-FFF2-40B4-BE49-F238E27FC236}">
+              <a16:creationId xmlns:a16="http://schemas.microsoft.com/office/drawing/2014/main" id="{6404518D-9B83-A97A-B402-64AD57E2AE10}"/>
+            </a:ext>
+          </a:extLst>
+        </p:cNvPr>
+        <p:cNvGrpSpPr/>
+        <p:nvPr/>
+      </p:nvGrpSpPr>
+      <p:grpSpPr>
+        <a:xfrm>
+          <a:off x="0" y="0"/>
+          <a:ext cx="0" cy="0"/>
+          <a:chOff x="0" y="0"/>
+          <a:chExt cx="0" cy="0"/>
+        </a:xfrm>
+      </p:grpSpPr>
+      <p:sp>
+        <p:nvSpPr>
+          <p:cNvPr id="2" name="Espace réservé du numéro de diapositive 1">
+            <a:extLst>
+              <a:ext uri="{FF2B5EF4-FFF2-40B4-BE49-F238E27FC236}">
+                <a16:creationId xmlns:a16="http://schemas.microsoft.com/office/drawing/2014/main" id="{7675A0EF-2B93-9A84-E82F-8E4533DAF721}"/>
+              </a:ext>
+            </a:extLst>
+          </p:cNvPr>
+          <p:cNvSpPr>
+            <a:spLocks noGrp="1"/>
+          </p:cNvSpPr>
+          <p:nvPr>
+            <p:ph type="sldNum" sz="quarter" idx="4"/>
+          </p:nvPr>
+        </p:nvSpPr>
+        <p:spPr>
+          <a:xfrm>
+            <a:off x="8636914" y="6356350"/>
+            <a:ext cx="2743200" cy="365125"/>
+          </a:xfrm>
+        </p:spPr>
+        <p:txBody>
+          <a:bodyPr/>
+          <a:lstStyle/>
+          <a:p>
+            <a:fld id="{F546B7B7-7D14-4795-A998-350CFB2BDD43}" type="slidenum">
+              <a:rPr lang="fr-FR" smtClean="0"/>
+              <a:pPr/>
+              <a:t>30</a:t>
+            </a:fld>
+            <a:endParaRPr lang="fr-FR" dirty="0"/>
+          </a:p>
+        </p:txBody>
+      </p:sp>
+    </p:spTree>
+    <p:extLst>
+      <p:ext uri="{BB962C8B-B14F-4D97-AF65-F5344CB8AC3E}">
+        <p14:creationId xmlns:p14="http://schemas.microsoft.com/office/powerpoint/2010/main" val="2743845950"/>
+      </p:ext>
+    </p:extLst>
+  </p:cSld>
+  <p:clrMapOvr>
+    <a:masterClrMapping/>
+  </p:clrMapOvr>
+</p:sld>
+</file>
+
+<file path=ppt/slides/slide31.xml><?xml version="1.0" encoding="utf-8"?>
+<p:sld xmlns:a="http://schemas.openxmlformats.org/drawingml/2006/main" xmlns:r="http://schemas.openxmlformats.org/officeDocument/2006/relationships" xmlns:p="http://schemas.openxmlformats.org/presentationml/2006/main">
+  <p:cSld>
+    <p:spTree>
+      <p:nvGrpSpPr>
+        <p:cNvPr id="1" name=""/>
+        <p:cNvGrpSpPr/>
+        <p:nvPr/>
+      </p:nvGrpSpPr>
+      <p:grpSpPr>
+        <a:xfrm>
+          <a:off x="0" y="0"/>
+          <a:ext cx="0" cy="0"/>
+          <a:chOff x="0" y="0"/>
+          <a:chExt cx="0" cy="0"/>
+        </a:xfrm>
+      </p:grpSpPr>
+      <p:sp>
+        <p:nvSpPr>
+          <p:cNvPr id="2" name="Espace réservé du numéro de diapositive 1">
+            <a:extLst>
+              <a:ext uri="{FF2B5EF4-FFF2-40B4-BE49-F238E27FC236}">
+                <a16:creationId xmlns:a16="http://schemas.microsoft.com/office/drawing/2014/main" id="{C6774523-1B01-5B97-0F0B-BF284CC498C9}"/>
+              </a:ext>
+            </a:extLst>
+          </p:cNvPr>
+          <p:cNvSpPr>
+            <a:spLocks noGrp="1"/>
+          </p:cNvSpPr>
+          <p:nvPr>
+            <p:ph type="sldNum" sz="quarter" idx="4"/>
+          </p:nvPr>
+        </p:nvSpPr>
+        <p:spPr/>
+        <p:txBody>
+          <a:bodyPr/>
+          <a:lstStyle/>
+          <a:p>
+            <a:fld id="{F546B7B7-7D14-4795-A998-350CFB2BDD43}" type="slidenum">
+              <a:rPr lang="fr-FR" smtClean="0"/>
+              <a:pPr/>
+              <a:t>31</a:t>
+            </a:fld>
+            <a:endParaRPr lang="fr-FR"/>
+          </a:p>
+        </p:txBody>
+      </p:sp>
+    </p:spTree>
+    <p:extLst>
+      <p:ext uri="{BB962C8B-B14F-4D97-AF65-F5344CB8AC3E}">
+        <p14:creationId xmlns:p14="http://schemas.microsoft.com/office/powerpoint/2010/main" val="499719419"/>
+      </p:ext>
+    </p:extLst>
+  </p:cSld>
+  <p:clrMapOvr>
+    <a:masterClrMapping/>
+  </p:clrMapOvr>
+</p:sld>
+</file>
+
+<file path=ppt/slides/slide32.xml><?xml version="1.0" encoding="utf-8"?>
+<p:sld xmlns:a="http://schemas.openxmlformats.org/drawingml/2006/main" xmlns:r="http://schemas.openxmlformats.org/officeDocument/2006/relationships" xmlns:p="http://schemas.openxmlformats.org/presentationml/2006/main">
+  <p:cSld>
+    <p:spTree>
+      <p:nvGrpSpPr>
+        <p:cNvPr id="1" name="">
+          <a:extLst>
+            <a:ext uri="{FF2B5EF4-FFF2-40B4-BE49-F238E27FC236}">
+              <a16:creationId xmlns:a16="http://schemas.microsoft.com/office/drawing/2014/main" id="{9658799F-B625-DA42-E33E-CAA5585B1433}"/>
+            </a:ext>
+          </a:extLst>
+        </p:cNvPr>
+        <p:cNvGrpSpPr/>
+        <p:nvPr/>
+      </p:nvGrpSpPr>
+      <p:grpSpPr>
+        <a:xfrm>
+          <a:off x="0" y="0"/>
+          <a:ext cx="0" cy="0"/>
+          <a:chOff x="0" y="0"/>
+          <a:chExt cx="0" cy="0"/>
+        </a:xfrm>
+      </p:grpSpPr>
+      <p:sp>
+        <p:nvSpPr>
+          <p:cNvPr id="2" name="Espace réservé du numéro de diapositive 1">
+            <a:extLst>
+              <a:ext uri="{FF2B5EF4-FFF2-40B4-BE49-F238E27FC236}">
+                <a16:creationId xmlns:a16="http://schemas.microsoft.com/office/drawing/2014/main" id="{8F636E6D-2DFC-B1D8-B6A5-5D16D9A7B834}"/>
+              </a:ext>
+            </a:extLst>
+          </p:cNvPr>
+          <p:cNvSpPr>
+            <a:spLocks noGrp="1"/>
+          </p:cNvSpPr>
+          <p:nvPr>
+            <p:ph type="sldNum" sz="quarter" idx="4"/>
+          </p:nvPr>
+        </p:nvSpPr>
+        <p:spPr/>
+        <p:txBody>
+          <a:bodyPr/>
+          <a:lstStyle/>
+          <a:p>
+            <a:fld id="{F546B7B7-7D14-4795-A998-350CFB2BDD43}" type="slidenum">
+              <a:rPr lang="fr-FR" smtClean="0"/>
+              <a:pPr/>
+              <a:t>32</a:t>
+            </a:fld>
+            <a:endParaRPr lang="fr-FR" dirty="0"/>
+          </a:p>
+        </p:txBody>
+      </p:sp>
+      <p:sp>
+        <p:nvSpPr>
+          <p:cNvPr id="3" name="ZoneTexte 2">
+            <a:extLst>
+              <a:ext uri="{FF2B5EF4-FFF2-40B4-BE49-F238E27FC236}">
+                <a16:creationId xmlns:a16="http://schemas.microsoft.com/office/drawing/2014/main" id="{CE5A935D-6C97-6D69-D581-24F8704F08B1}"/>
+              </a:ext>
+            </a:extLst>
+          </p:cNvPr>
+          <p:cNvSpPr txBox="1"/>
+          <p:nvPr/>
+        </p:nvSpPr>
+        <p:spPr>
+          <a:xfrm>
+            <a:off x="2" y="532969"/>
+            <a:ext cx="12191999" cy="646331"/>
+          </a:xfrm>
+          <a:prstGeom prst="rect">
+            <a:avLst/>
+          </a:prstGeom>
+          <a:solidFill>
+            <a:srgbClr val="006A5A"/>
+          </a:solidFill>
+        </p:spPr>
+        <p:txBody>
+          <a:bodyPr wrap="square" rtlCol="0">
+            <a:spAutoFit/>
+          </a:bodyPr>
+          <a:lstStyle/>
+          <a:p>
+            <a:r>
+              <a:rPr lang="fr-FR" sz="3600" b="1" dirty="0">
+                <a:solidFill>
+                  <a:schemeClr val="bg1"/>
+                </a:solidFill>
+                <a:latin typeface="Gill Sans MT" panose="020B0502020104020203" pitchFamily="34" charset="0"/>
+              </a:rPr>
+              <a:t>Conclusion</a:t>
+            </a:r>
+          </a:p>
+        </p:txBody>
+      </p:sp>
+      <p:pic>
+        <p:nvPicPr>
+          <p:cNvPr id="4" name="Graphique 3" descr="Flèches de chevron">
+            <a:extLst>
+              <a:ext uri="{FF2B5EF4-FFF2-40B4-BE49-F238E27FC236}">
+                <a16:creationId xmlns:a16="http://schemas.microsoft.com/office/drawing/2014/main" id="{5656D646-2ADE-3673-AEFA-DA2A546191F0}"/>
+              </a:ext>
+            </a:extLst>
+          </p:cNvPr>
+          <p:cNvPicPr>
+            <a:picLocks noChangeAspect="1"/>
+          </p:cNvPicPr>
+          <p:nvPr/>
+        </p:nvPicPr>
+        <p:blipFill>
+          <a:blip r:embed="rId2">
+            <a:extLst>
+              <a:ext uri="{28A0092B-C50C-407E-A947-70E740481C1C}">
+                <a14:useLocalDpi xmlns:a14="http://schemas.microsoft.com/office/drawing/2010/main" val="0"/>
+              </a:ext>
+              <a:ext uri="{96DAC541-7B7A-43D3-8B79-37D633B846F1}">
+                <asvg:svgBlip xmlns:asvg="http://schemas.microsoft.com/office/drawing/2016/SVG/main" r:embed="rId3"/>
+              </a:ext>
+            </a:extLst>
+          </a:blip>
+          <a:stretch>
+            <a:fillRect/>
+          </a:stretch>
+        </p:blipFill>
+        <p:spPr>
+          <a:xfrm>
+            <a:off x="11078692" y="266700"/>
+            <a:ext cx="1170459" cy="1170459"/>
+          </a:xfrm>
+          <a:prstGeom prst="rect">
+            <a:avLst/>
+          </a:prstGeom>
+        </p:spPr>
+      </p:pic>
+    </p:spTree>
+    <p:extLst>
+      <p:ext uri="{BB962C8B-B14F-4D97-AF65-F5344CB8AC3E}">
+        <p14:creationId xmlns:p14="http://schemas.microsoft.com/office/powerpoint/2010/main" val="1770795297"/>
+      </p:ext>
+    </p:extLst>
+  </p:cSld>
+  <p:clrMapOvr>
+    <a:masterClrMapping/>
+  </p:clrMapOvr>
+</p:sld>
+</file>
+
+<file path=ppt/slides/slide33.xml><?xml version="1.0" encoding="utf-8"?>
+<p:sld xmlns:a="http://schemas.openxmlformats.org/drawingml/2006/main" xmlns:r="http://schemas.openxmlformats.org/officeDocument/2006/relationships" xmlns:p="http://schemas.openxmlformats.org/presentationml/2006/main">
+  <p:cSld>
+    <p:spTree>
+      <p:nvGrpSpPr>
+        <p:cNvPr id="1" name=""/>
+        <p:cNvGrpSpPr/>
+        <p:nvPr/>
+      </p:nvGrpSpPr>
+      <p:grpSpPr>
+        <a:xfrm>
+          <a:off x="0" y="0"/>
+          <a:ext cx="0" cy="0"/>
+          <a:chOff x="0" y="0"/>
+          <a:chExt cx="0" cy="0"/>
+        </a:xfrm>
+      </p:grpSpPr>
+      <p:sp>
+        <p:nvSpPr>
+          <p:cNvPr id="2" name="Espace réservé du numéro de diapositive 1">
+            <a:extLst>
+              <a:ext uri="{FF2B5EF4-FFF2-40B4-BE49-F238E27FC236}">
+                <a16:creationId xmlns:a16="http://schemas.microsoft.com/office/drawing/2014/main" id="{D3EBC552-5039-AD2A-33FE-AAF3F6AA0B9C}"/>
+              </a:ext>
+            </a:extLst>
+          </p:cNvPr>
+          <p:cNvSpPr txBox="1">
+            <a:spLocks/>
+          </p:cNvSpPr>
+          <p:nvPr/>
+        </p:nvSpPr>
+        <p:spPr>
+          <a:xfrm>
+            <a:off x="8610600" y="6356350"/>
+            <a:ext cx="2743200" cy="365125"/>
+          </a:xfrm>
+          <a:prstGeom prst="rect">
+            <a:avLst/>
+          </a:prstGeom>
+        </p:spPr>
+        <p:txBody>
+          <a:bodyPr/>
+          <a:lstStyle>
+            <a:defPPr>
+              <a:defRPr lang="fr-FR"/>
+            </a:defPPr>
+            <a:lvl1pPr marL="0" algn="l" defTabSz="914400" rtl="0" eaLnBrk="1" latinLnBrk="0" hangingPunct="1">
+              <a:defRPr sz="1800" kern="1200">
+                <a:solidFill>
+                  <a:schemeClr val="tx1"/>
+                </a:solidFill>
+                <a:latin typeface="+mn-lt"/>
+                <a:ea typeface="+mn-ea"/>
+                <a:cs typeface="+mn-cs"/>
+              </a:defRPr>
+            </a:lvl1pPr>
+            <a:lvl2pPr marL="457200" algn="l" defTabSz="914400" rtl="0" eaLnBrk="1" latinLnBrk="0" hangingPunct="1">
+              <a:defRPr sz="1800" kern="1200">
+                <a:solidFill>
+                  <a:schemeClr val="tx1"/>
+                </a:solidFill>
+                <a:latin typeface="+mn-lt"/>
+                <a:ea typeface="+mn-ea"/>
+                <a:cs typeface="+mn-cs"/>
+              </a:defRPr>
+            </a:lvl2pPr>
+            <a:lvl3pPr marL="914400" algn="l" defTabSz="914400" rtl="0" eaLnBrk="1" latinLnBrk="0" hangingPunct="1">
+              <a:defRPr sz="1800" kern="1200">
+                <a:solidFill>
+                  <a:schemeClr val="tx1"/>
+                </a:solidFill>
+                <a:latin typeface="+mn-lt"/>
+                <a:ea typeface="+mn-ea"/>
+                <a:cs typeface="+mn-cs"/>
+              </a:defRPr>
+            </a:lvl3pPr>
+            <a:lvl4pPr marL="1371600" algn="l" defTabSz="914400" rtl="0" eaLnBrk="1" latinLnBrk="0" hangingPunct="1">
+              <a:defRPr sz="1800" kern="1200">
+                <a:solidFill>
+                  <a:schemeClr val="tx1"/>
+                </a:solidFill>
+                <a:latin typeface="+mn-lt"/>
+                <a:ea typeface="+mn-ea"/>
+                <a:cs typeface="+mn-cs"/>
+              </a:defRPr>
+            </a:lvl4pPr>
+            <a:lvl5pPr marL="1828800" algn="l" defTabSz="914400" rtl="0" eaLnBrk="1" latinLnBrk="0" hangingPunct="1">
+              <a:defRPr sz="1800" kern="1200">
+                <a:solidFill>
+                  <a:schemeClr val="tx1"/>
+                </a:solidFill>
+                <a:latin typeface="+mn-lt"/>
+                <a:ea typeface="+mn-ea"/>
+                <a:cs typeface="+mn-cs"/>
+              </a:defRPr>
+            </a:lvl5pPr>
+            <a:lvl6pPr marL="2286000" algn="l" defTabSz="914400" rtl="0" eaLnBrk="1" latinLnBrk="0" hangingPunct="1">
+              <a:defRPr sz="1800" kern="1200">
+                <a:solidFill>
+                  <a:schemeClr val="tx1"/>
+                </a:solidFill>
+                <a:latin typeface="+mn-lt"/>
+                <a:ea typeface="+mn-ea"/>
+                <a:cs typeface="+mn-cs"/>
+              </a:defRPr>
+            </a:lvl6pPr>
+            <a:lvl7pPr marL="2743200" algn="l" defTabSz="914400" rtl="0" eaLnBrk="1" latinLnBrk="0" hangingPunct="1">
+              <a:defRPr sz="1800" kern="1200">
+                <a:solidFill>
+                  <a:schemeClr val="tx1"/>
+                </a:solidFill>
+                <a:latin typeface="+mn-lt"/>
+                <a:ea typeface="+mn-ea"/>
+                <a:cs typeface="+mn-cs"/>
+              </a:defRPr>
+            </a:lvl7pPr>
+            <a:lvl8pPr marL="3200400" algn="l" defTabSz="914400" rtl="0" eaLnBrk="1" latinLnBrk="0" hangingPunct="1">
+              <a:defRPr sz="1800" kern="1200">
+                <a:solidFill>
+                  <a:schemeClr val="tx1"/>
+                </a:solidFill>
+                <a:latin typeface="+mn-lt"/>
+                <a:ea typeface="+mn-ea"/>
+                <a:cs typeface="+mn-cs"/>
+              </a:defRPr>
+            </a:lvl8pPr>
+            <a:lvl9pPr marL="3657600" algn="l" defTabSz="914400" rtl="0" eaLnBrk="1" latinLnBrk="0" hangingPunct="1">
+              <a:defRPr sz="1800" kern="1200">
+                <a:solidFill>
+                  <a:schemeClr val="tx1"/>
+                </a:solidFill>
+                <a:latin typeface="+mn-lt"/>
+                <a:ea typeface="+mn-ea"/>
+                <a:cs typeface="+mn-cs"/>
+              </a:defRPr>
+            </a:lvl9pPr>
+          </a:lstStyle>
+          <a:p>
+            <a:pPr algn="r"/>
+            <a:fld id="{F546B7B7-7D14-4795-A998-350CFB2BDD43}" type="slidenum">
+              <a:rPr lang="fr-FR" smtClean="0">
+                <a:solidFill>
+                  <a:srgbClr val="006A5A"/>
+                </a:solidFill>
+                <a:latin typeface="Montserrat" panose="02000505000000020004" pitchFamily="2" charset="0"/>
+              </a:rPr>
+              <a:pPr algn="r"/>
+              <a:t>33</a:t>
+            </a:fld>
+            <a:endParaRPr lang="fr-FR" dirty="0">
+              <a:solidFill>
+                <a:srgbClr val="006A5A"/>
+              </a:solidFill>
+              <a:latin typeface="Montserrat" panose="02000505000000020004" pitchFamily="2" charset="0"/>
+            </a:endParaRPr>
+          </a:p>
+        </p:txBody>
+      </p:sp>
+      <p:sp>
+        <p:nvSpPr>
+          <p:cNvPr id="3" name="ZoneTexte 2">
+            <a:extLst>
+              <a:ext uri="{FF2B5EF4-FFF2-40B4-BE49-F238E27FC236}">
+                <a16:creationId xmlns:a16="http://schemas.microsoft.com/office/drawing/2014/main" id="{C6E3FE66-E499-2D62-34D8-F7F6C322E193}"/>
+              </a:ext>
+            </a:extLst>
+          </p:cNvPr>
+          <p:cNvSpPr txBox="1"/>
+          <p:nvPr/>
+        </p:nvSpPr>
+        <p:spPr>
+          <a:xfrm>
+            <a:off x="1781176" y="3013502"/>
+            <a:ext cx="8629651" cy="831125"/>
+          </a:xfrm>
+          <a:prstGeom prst="rect">
+            <a:avLst/>
+          </a:prstGeom>
+          <a:noFill/>
+        </p:spPr>
+        <p:txBody>
+          <a:bodyPr wrap="square" rtlCol="0">
+            <a:spAutoFit/>
+          </a:bodyPr>
+          <a:lstStyle/>
+          <a:p>
+            <a:pPr algn="ctr"/>
+            <a:r>
+              <a:rPr lang="fr-FR" sz="4801" dirty="0">
+                <a:solidFill>
+                  <a:schemeClr val="bg1"/>
+                </a:solidFill>
+                <a:latin typeface="Gill Sans MT" panose="020B0502020104020203" pitchFamily="34" charset="0"/>
+              </a:rPr>
+              <a:t>Merci de votre attention</a:t>
+            </a:r>
+          </a:p>
+        </p:txBody>
+      </p:sp>
+    </p:spTree>
+    <p:extLst>
+      <p:ext uri="{BB962C8B-B14F-4D97-AF65-F5344CB8AC3E}">
+        <p14:creationId xmlns:p14="http://schemas.microsoft.com/office/powerpoint/2010/main" val="2413220496"/>
+      </p:ext>
+    </p:extLst>
+  </p:cSld>
+  <p:clrMapOvr>
+    <a:masterClrMapping/>
+  </p:clrMapOvr>
+  <p:timing>
+    <p:tnLst>
+      <p:par>
+        <p:cTn id="1" dur="indefinite" restart="never" nodeType="tmRoot">
+          <p:childTnLst>
+            <p:seq concurrent="1" nextAc="seek">
+              <p:cTn id="2" dur="indefinite" nodeType="mainSeq">
+                <p:childTnLst>
+                  <p:par>
+                    <p:cTn id="3" fill="hold">
+                      <p:stCondLst>
+                        <p:cond delay="indefinite"/>
+                        <p:cond evt="onBegin" delay="0">
+                          <p:tn val="2"/>
+                        </p:cond>
+                      </p:stCondLst>
+                      <p:childTnLst>
+                        <p:par>
+                          <p:cTn id="4" fill="hold">
+                            <p:stCondLst>
+                              <p:cond delay="0"/>
+                            </p:stCondLst>
+                            <p:childTnLst>
+                              <p:par>
+                                <p:cTn id="5" presetID="32" presetClass="emph" presetSubtype="0" repeatCount="indefinite" fill="hold" grpId="0" nodeType="afterEffect">
+                                  <p:stCondLst>
+                                    <p:cond delay="0"/>
+                                  </p:stCondLst>
+                                  <p:endCondLst>
+                                    <p:cond evt="onNext" delay="0">
+                                      <p:tgtEl>
+                                        <p:sldTgt/>
+                                      </p:tgtEl>
+                                    </p:cond>
+                                  </p:endCondLst>
+                                  <p:childTnLst>
+                                    <p:animRot by="120000">
+                                      <p:cBhvr>
+                                        <p:cTn id="6" dur="100" fill="hold">
+                                          <p:stCondLst>
+                                            <p:cond delay="0"/>
+                                          </p:stCondLst>
+                                        </p:cTn>
+                                        <p:tgtEl>
+                                          <p:spTgt spid="3"/>
+                                        </p:tgtEl>
+                                        <p:attrNameLst>
+                                          <p:attrName>r</p:attrName>
+                                        </p:attrNameLst>
+                                      </p:cBhvr>
+                                    </p:animRot>
+                                    <p:animRot by="-240000">
+                                      <p:cBhvr>
+                                        <p:cTn id="7" dur="200" fill="hold">
+                                          <p:stCondLst>
+                                            <p:cond delay="200"/>
+                                          </p:stCondLst>
+                                        </p:cTn>
+                                        <p:tgtEl>
+                                          <p:spTgt spid="3"/>
+                                        </p:tgtEl>
+                                        <p:attrNameLst>
+                                          <p:attrName>r</p:attrName>
+                                        </p:attrNameLst>
+                                      </p:cBhvr>
+                                    </p:animRot>
+                                    <p:animRot by="240000">
+                                      <p:cBhvr>
+                                        <p:cTn id="8" dur="200" fill="hold">
+                                          <p:stCondLst>
+                                            <p:cond delay="400"/>
+                                          </p:stCondLst>
+                                        </p:cTn>
+                                        <p:tgtEl>
+                                          <p:spTgt spid="3"/>
+                                        </p:tgtEl>
+                                        <p:attrNameLst>
+                                          <p:attrName>r</p:attrName>
+                                        </p:attrNameLst>
+                                      </p:cBhvr>
+                                    </p:animRot>
+                                    <p:animRot by="-240000">
+                                      <p:cBhvr>
+                                        <p:cTn id="9" dur="200" fill="hold">
+                                          <p:stCondLst>
+                                            <p:cond delay="600"/>
+                                          </p:stCondLst>
+                                        </p:cTn>
+                                        <p:tgtEl>
+                                          <p:spTgt spid="3"/>
+                                        </p:tgtEl>
+                                        <p:attrNameLst>
+                                          <p:attrName>r</p:attrName>
+                                        </p:attrNameLst>
+                                      </p:cBhvr>
+                                    </p:animRot>
+                                    <p:animRot by="120000">
+                                      <p:cBhvr>
+                                        <p:cTn id="10" dur="200" fill="hold">
+                                          <p:stCondLst>
+                                            <p:cond delay="800"/>
+                                          </p:stCondLst>
+                                        </p:cTn>
+                                        <p:tgtEl>
+                                          <p:spTgt spid="3"/>
+                                        </p:tgtEl>
+                                        <p:attrNameLst>
+                                          <p:attrName>r</p:attrName>
+                                        </p:attrNameLst>
+                                      </p:cBhvr>
+                                    </p:animRot>
+                                  </p:childTnLst>
+                                </p:cTn>
+                              </p:par>
+                            </p:childTnLst>
+                          </p:cTn>
+                        </p:par>
+                      </p:childTnLst>
+                    </p:cTn>
+                  </p:par>
+                </p:childTnLst>
+              </p:cTn>
+              <p:prevCondLst>
+                <p:cond evt="onPrev" delay="0">
+                  <p:tgtEl>
+                    <p:sldTgt/>
+                  </p:tgtEl>
+                </p:cond>
+              </p:prevCondLst>
+              <p:nextCondLst>
+                <p:cond evt="onNext" delay="0">
+                  <p:tgtEl>
+                    <p:sldTgt/>
+                  </p:tgtEl>
+                </p:cond>
+              </p:nextCondLst>
+            </p:seq>
+          </p:childTnLst>
+        </p:cTn>
+      </p:par>
+    </p:tnLst>
+    <p:bldLst>
+      <p:bldP spid="3" grpId="0"/>
+    </p:bldLst>
+  </p:timing>
+</p:sld>
+</file>
+
+<file path=ppt/slides/slide4.xml><?xml version="1.0" encoding="utf-8"?>
+<p:sld xmlns:a="http://schemas.openxmlformats.org/drawingml/2006/main" xmlns:r="http://schemas.openxmlformats.org/officeDocument/2006/relationships" xmlns:p="http://schemas.openxmlformats.org/presentationml/2006/main">
+  <p:cSld>
+    <p:spTree>
+      <p:nvGrpSpPr>
+        <p:cNvPr id="1" name="">
+          <a:extLst>
+            <a:ext uri="{FF2B5EF4-FFF2-40B4-BE49-F238E27FC236}">
+              <a16:creationId xmlns:a16="http://schemas.microsoft.com/office/drawing/2014/main" id="{1DC3E05C-46C0-FCBC-FEB3-4152F415D075}"/>
+            </a:ext>
+          </a:extLst>
+        </p:cNvPr>
+        <p:cNvGrpSpPr/>
+        <p:nvPr/>
+      </p:nvGrpSpPr>
+      <p:grpSpPr>
+        <a:xfrm>
+          <a:off x="0" y="0"/>
+          <a:ext cx="0" cy="0"/>
+          <a:chOff x="0" y="0"/>
+          <a:chExt cx="0" cy="0"/>
+        </a:xfrm>
+      </p:grpSpPr>
+      <p:sp>
+        <p:nvSpPr>
+          <p:cNvPr id="3" name="Espace réservé du numéro de diapositive 2">
+            <a:extLst>
+              <a:ext uri="{FF2B5EF4-FFF2-40B4-BE49-F238E27FC236}">
+                <a16:creationId xmlns:a16="http://schemas.microsoft.com/office/drawing/2014/main" id="{61B3844F-6602-DE5B-07F8-BE888BA7C3B8}"/>
+              </a:ext>
+            </a:extLst>
+          </p:cNvPr>
+          <p:cNvSpPr>
+            <a:spLocks noGrp="1"/>
+          </p:cNvSpPr>
+          <p:nvPr>
+            <p:ph type="sldNum" sz="quarter" idx="4"/>
+          </p:nvPr>
+        </p:nvSpPr>
+        <p:spPr>
+          <a:xfrm>
+            <a:off x="8610600" y="6356350"/>
+            <a:ext cx="2743200" cy="365125"/>
+          </a:xfrm>
+        </p:spPr>
+        <p:txBody>
+          <a:bodyPr/>
+          <a:lstStyle/>
+          <a:p>
+            <a:fld id="{F546B7B7-7D14-4795-A998-350CFB2BDD43}" type="slidenum">
+              <a:rPr lang="fr-FR" smtClean="0"/>
+              <a:pPr/>
+              <a:t>4</a:t>
+            </a:fld>
+            <a:endParaRPr lang="fr-FR"/>
+          </a:p>
+        </p:txBody>
+      </p:sp>
+      <p:sp>
+        <p:nvSpPr>
+          <p:cNvPr id="2" name="ZoneTexte 1">
+            <a:extLst>
+              <a:ext uri="{FF2B5EF4-FFF2-40B4-BE49-F238E27FC236}">
+                <a16:creationId xmlns:a16="http://schemas.microsoft.com/office/drawing/2014/main" id="{B9B15575-E3E1-F421-3BDD-CE5913A92E1E}"/>
+              </a:ext>
+            </a:extLst>
+          </p:cNvPr>
+          <p:cNvSpPr txBox="1"/>
+          <p:nvPr/>
+        </p:nvSpPr>
+        <p:spPr>
+          <a:xfrm>
+            <a:off x="2" y="532969"/>
+            <a:ext cx="12191999" cy="646331"/>
+          </a:xfrm>
+          <a:prstGeom prst="rect">
+            <a:avLst/>
+          </a:prstGeom>
+          <a:solidFill>
+            <a:srgbClr val="006A5A"/>
+          </a:solidFill>
+        </p:spPr>
+        <p:txBody>
+          <a:bodyPr wrap="square" rtlCol="0">
+            <a:spAutoFit/>
+          </a:bodyPr>
+          <a:lstStyle/>
+          <a:p>
+            <a:r>
+              <a:rPr lang="fr-FR" sz="3600" b="1" dirty="0">
+                <a:solidFill>
+                  <a:schemeClr val="bg1"/>
+                </a:solidFill>
+                <a:latin typeface="Gill Sans MT" panose="020B0502020104020203" pitchFamily="34" charset="0"/>
+              </a:rPr>
+              <a:t>Introduction</a:t>
+            </a:r>
+          </a:p>
+        </p:txBody>
+      </p:sp>
+      <p:pic>
+        <p:nvPicPr>
+          <p:cNvPr id="4" name="Graphique 3" descr="Flèches de chevron">
+            <a:extLst>
+              <a:ext uri="{FF2B5EF4-FFF2-40B4-BE49-F238E27FC236}">
+                <a16:creationId xmlns:a16="http://schemas.microsoft.com/office/drawing/2014/main" id="{D99A80A9-7C5C-F7F9-808E-14F9AA54B2D5}"/>
+              </a:ext>
+            </a:extLst>
+          </p:cNvPr>
+          <p:cNvPicPr>
+            <a:picLocks noChangeAspect="1"/>
+          </p:cNvPicPr>
+          <p:nvPr/>
+        </p:nvPicPr>
+        <p:blipFill>
+          <a:blip r:embed="rId2">
+            <a:extLst>
+              <a:ext uri="{28A0092B-C50C-407E-A947-70E740481C1C}">
+                <a14:useLocalDpi xmlns:a14="http://schemas.microsoft.com/office/drawing/2010/main" val="0"/>
+              </a:ext>
+              <a:ext uri="{96DAC541-7B7A-43D3-8B79-37D633B846F1}">
+                <asvg:svgBlip xmlns:asvg="http://schemas.microsoft.com/office/drawing/2016/SVG/main" r:embed="rId3"/>
+              </a:ext>
+            </a:extLst>
+          </a:blip>
+          <a:stretch>
+            <a:fillRect/>
+          </a:stretch>
+        </p:blipFill>
+        <p:spPr>
+          <a:xfrm>
+            <a:off x="11078692" y="266700"/>
+            <a:ext cx="1170459" cy="1170459"/>
+          </a:xfrm>
+          <a:prstGeom prst="rect">
+            <a:avLst/>
+          </a:prstGeom>
+        </p:spPr>
+      </p:pic>
+      <p:sp>
+        <p:nvSpPr>
+          <p:cNvPr id="8" name="ZoneTexte 7">
+            <a:extLst>
+              <a:ext uri="{FF2B5EF4-FFF2-40B4-BE49-F238E27FC236}">
+                <a16:creationId xmlns:a16="http://schemas.microsoft.com/office/drawing/2014/main" id="{F0CCCD4C-73B8-500E-6EFC-DBF78E6F546F}"/>
+              </a:ext>
+            </a:extLst>
+          </p:cNvPr>
+          <p:cNvSpPr txBox="1"/>
+          <p:nvPr/>
+        </p:nvSpPr>
+        <p:spPr>
+          <a:xfrm>
+            <a:off x="0" y="2186070"/>
+            <a:ext cx="12191999" cy="644857"/>
+          </a:xfrm>
+          <a:prstGeom prst="rect">
+            <a:avLst/>
+          </a:prstGeom>
+          <a:noFill/>
+        </p:spPr>
+        <p:txBody>
+          <a:bodyPr wrap="square">
+            <a:spAutoFit/>
+          </a:bodyPr>
+          <a:lstStyle/>
+          <a:p>
+            <a:pPr algn="ctr">
+              <a:lnSpc>
+                <a:spcPts val="2143"/>
+              </a:lnSpc>
+              <a:spcBef>
+                <a:spcPts val="1029"/>
+              </a:spcBef>
+              <a:spcAft>
+                <a:spcPts val="1029"/>
+              </a:spcAft>
+            </a:pPr>
+            <a:r>
+              <a:rPr lang="fr-FR" sz="2400" b="0" i="0" dirty="0">
+                <a:solidFill>
+                  <a:srgbClr val="404040"/>
+                </a:solidFill>
+                <a:effectLst/>
+              </a:rPr>
+              <a:t>Identifier les facteurs socio-économiques, démographiques et spatiaux influençant le taux de consultations</a:t>
+            </a:r>
+            <a:endParaRPr lang="fr-FR" sz="2400" dirty="0"/>
+          </a:p>
+        </p:txBody>
+      </p:sp>
+      <p:sp>
+        <p:nvSpPr>
+          <p:cNvPr id="11" name="ZoneTexte 10">
+            <a:extLst>
+              <a:ext uri="{FF2B5EF4-FFF2-40B4-BE49-F238E27FC236}">
+                <a16:creationId xmlns:a16="http://schemas.microsoft.com/office/drawing/2014/main" id="{C5D807AF-A898-62C2-0BBB-4E63A5AD0FFD}"/>
+              </a:ext>
+            </a:extLst>
+          </p:cNvPr>
+          <p:cNvSpPr txBox="1"/>
+          <p:nvPr/>
+        </p:nvSpPr>
+        <p:spPr>
+          <a:xfrm>
+            <a:off x="0" y="3738320"/>
+            <a:ext cx="12191999" cy="375552"/>
+          </a:xfrm>
+          <a:prstGeom prst="rect">
+            <a:avLst/>
+          </a:prstGeom>
+          <a:noFill/>
+        </p:spPr>
+        <p:txBody>
+          <a:bodyPr wrap="square">
+            <a:spAutoFit/>
+          </a:bodyPr>
+          <a:lstStyle/>
+          <a:p>
+            <a:pPr lvl="1" algn="ctr">
+              <a:lnSpc>
+                <a:spcPts val="2143"/>
+              </a:lnSpc>
+              <a:spcBef>
+                <a:spcPts val="300"/>
+              </a:spcBef>
+              <a:spcAft>
+                <a:spcPts val="1029"/>
+              </a:spcAft>
+            </a:pPr>
+            <a:r>
+              <a:rPr lang="fr-FR" sz="2400" b="0" i="0" dirty="0">
+                <a:solidFill>
+                  <a:srgbClr val="404040"/>
+                </a:solidFill>
+                <a:effectLst/>
+              </a:rPr>
+              <a:t>Modéliser le taux de consultations avec une approche spatiale.</a:t>
+            </a:r>
+          </a:p>
+        </p:txBody>
+      </p:sp>
+      <p:sp>
+        <p:nvSpPr>
+          <p:cNvPr id="5" name="ZoneTexte 4">
+            <a:extLst>
+              <a:ext uri="{FF2B5EF4-FFF2-40B4-BE49-F238E27FC236}">
+                <a16:creationId xmlns:a16="http://schemas.microsoft.com/office/drawing/2014/main" id="{84F77960-7084-8E83-960E-19F553C99623}"/>
+              </a:ext>
+            </a:extLst>
+          </p:cNvPr>
+          <p:cNvSpPr txBox="1"/>
+          <p:nvPr/>
+        </p:nvSpPr>
+        <p:spPr>
+          <a:xfrm>
+            <a:off x="1" y="3190426"/>
+            <a:ext cx="12191998" cy="402674"/>
+          </a:xfrm>
+          <a:prstGeom prst="rect">
+            <a:avLst/>
+          </a:prstGeom>
+          <a:solidFill>
+            <a:srgbClr val="006A5A"/>
+          </a:solidFill>
+        </p:spPr>
+        <p:txBody>
+          <a:bodyPr wrap="square">
+            <a:spAutoFit/>
+          </a:bodyPr>
+          <a:lstStyle/>
+          <a:p>
+            <a:pPr algn="ctr">
+              <a:lnSpc>
+                <a:spcPts val="2143"/>
+              </a:lnSpc>
+              <a:spcBef>
+                <a:spcPts val="1029"/>
+              </a:spcBef>
+              <a:spcAft>
+                <a:spcPts val="1029"/>
+              </a:spcAft>
+            </a:pPr>
+            <a:r>
+              <a:rPr lang="fr-FR" sz="3200" b="1" i="0" dirty="0">
+                <a:solidFill>
+                  <a:schemeClr val="bg1"/>
+                </a:solidFill>
+                <a:effectLst/>
+                <a:latin typeface="DeepSeek-CJK-patch"/>
+              </a:rPr>
+              <a:t>Objectifs</a:t>
+            </a:r>
+            <a:endParaRPr lang="fr-FR" sz="3200" dirty="0">
+              <a:solidFill>
+                <a:schemeClr val="bg1"/>
+              </a:solidFill>
+              <a:latin typeface="DeepSeek-CJK-patch"/>
+            </a:endParaRPr>
+          </a:p>
+        </p:txBody>
+      </p:sp>
+      <p:sp>
+        <p:nvSpPr>
+          <p:cNvPr id="12" name="ZoneTexte 11">
+            <a:extLst>
+              <a:ext uri="{FF2B5EF4-FFF2-40B4-BE49-F238E27FC236}">
+                <a16:creationId xmlns:a16="http://schemas.microsoft.com/office/drawing/2014/main" id="{88C966F4-44C2-83A0-A526-40BA622A26D3}"/>
+              </a:ext>
+            </a:extLst>
+          </p:cNvPr>
+          <p:cNvSpPr txBox="1"/>
+          <p:nvPr/>
+        </p:nvSpPr>
+        <p:spPr>
+          <a:xfrm>
+            <a:off x="0" y="4829326"/>
+            <a:ext cx="12191999" cy="1799723"/>
+          </a:xfrm>
+          <a:prstGeom prst="rect">
+            <a:avLst/>
+          </a:prstGeom>
+          <a:noFill/>
+        </p:spPr>
+        <p:txBody>
+          <a:bodyPr wrap="square">
+            <a:spAutoFit/>
+          </a:bodyPr>
+          <a:lstStyle/>
+          <a:p>
+            <a:pPr marL="742950" lvl="1" indent="-285750" algn="l">
+              <a:lnSpc>
+                <a:spcPts val="2143"/>
+              </a:lnSpc>
+              <a:spcBef>
+                <a:spcPts val="300"/>
+              </a:spcBef>
+              <a:spcAft>
+                <a:spcPts val="1029"/>
+              </a:spcAft>
+              <a:buFont typeface="Arial" panose="020B0604020202020204" pitchFamily="34" charset="0"/>
+              <a:buChar char="•"/>
+            </a:pPr>
+            <a:r>
+              <a:rPr lang="fr-FR" sz="2800" dirty="0">
+                <a:solidFill>
+                  <a:srgbClr val="404040"/>
+                </a:solidFill>
+              </a:rPr>
+              <a:t>Visualiser la répartition spatiale de ces taux en vue d’identifier les zones à fort et faible taux</a:t>
+            </a:r>
+          </a:p>
+          <a:p>
+            <a:pPr marL="742950" lvl="1" indent="-285750" algn="l">
+              <a:lnSpc>
+                <a:spcPts val="2143"/>
+              </a:lnSpc>
+              <a:spcBef>
+                <a:spcPts val="300"/>
+              </a:spcBef>
+              <a:spcAft>
+                <a:spcPts val="1029"/>
+              </a:spcAft>
+              <a:buFont typeface="Arial" panose="020B0604020202020204" pitchFamily="34" charset="0"/>
+              <a:buChar char="•"/>
+            </a:pPr>
+            <a:r>
+              <a:rPr lang="fr-FR" sz="2800" dirty="0"/>
+              <a:t>Identifier les facteurs socio-économiques et démographiques qui influencent le taux de consultations</a:t>
+            </a:r>
+          </a:p>
+          <a:p>
+            <a:pPr marL="742950" lvl="1" indent="-285750" algn="l">
+              <a:lnSpc>
+                <a:spcPts val="2143"/>
+              </a:lnSpc>
+              <a:spcBef>
+                <a:spcPts val="300"/>
+              </a:spcBef>
+              <a:spcAft>
+                <a:spcPts val="1029"/>
+              </a:spcAft>
+              <a:buFont typeface="Arial" panose="020B0604020202020204" pitchFamily="34" charset="0"/>
+              <a:buChar char="•"/>
+            </a:pPr>
+            <a:r>
+              <a:rPr lang="fr-FR" sz="2800" b="0" i="0" dirty="0">
+                <a:solidFill>
+                  <a:srgbClr val="404040"/>
+                </a:solidFill>
+                <a:effectLst/>
+              </a:rPr>
+              <a:t>Proposer des recommandations pour réduire les inégalités.</a:t>
+            </a:r>
+          </a:p>
+        </p:txBody>
+      </p:sp>
+      <p:sp>
+        <p:nvSpPr>
+          <p:cNvPr id="13" name="Flèche : bas 12">
+            <a:extLst>
+              <a:ext uri="{FF2B5EF4-FFF2-40B4-BE49-F238E27FC236}">
+                <a16:creationId xmlns:a16="http://schemas.microsoft.com/office/drawing/2014/main" id="{84949886-7639-C5D1-5B65-A476511A03DF}"/>
+              </a:ext>
+            </a:extLst>
+          </p:cNvPr>
+          <p:cNvSpPr/>
+          <p:nvPr/>
+        </p:nvSpPr>
+        <p:spPr>
+          <a:xfrm>
+            <a:off x="5755658" y="4127401"/>
+            <a:ext cx="680682" cy="541453"/>
+          </a:xfrm>
+          <a:prstGeom prst="downArrow">
+            <a:avLst/>
+          </a:prstGeom>
+          <a:solidFill>
+            <a:srgbClr val="006A5A"/>
+          </a:solidFill>
+        </p:spPr>
+        <p:style>
+          <a:lnRef idx="2">
+            <a:schemeClr val="accent1">
+              <a:shade val="15000"/>
+            </a:schemeClr>
+          </a:lnRef>
+          <a:fillRef idx="1">
+            <a:schemeClr val="accent1"/>
+          </a:fillRef>
+          <a:effectRef idx="0">
+            <a:schemeClr val="accent1"/>
+          </a:effectRef>
+          <a:fontRef idx="minor">
+            <a:schemeClr val="lt1"/>
+          </a:fontRef>
+        </p:style>
+        <p:txBody>
+          <a:bodyPr rtlCol="0" anchor="ctr"/>
+          <a:lstStyle/>
+          <a:p>
+            <a:pPr algn="ctr"/>
+            <a:endParaRPr lang="en-US"/>
+          </a:p>
+        </p:txBody>
+      </p:sp>
+      <p:sp>
+        <p:nvSpPr>
+          <p:cNvPr id="15" name="ZoneTexte 14">
+            <a:extLst>
+              <a:ext uri="{FF2B5EF4-FFF2-40B4-BE49-F238E27FC236}">
+                <a16:creationId xmlns:a16="http://schemas.microsoft.com/office/drawing/2014/main" id="{FEA3A605-4B04-EBA8-C8FF-3263A9BCC82A}"/>
+              </a:ext>
+            </a:extLst>
+          </p:cNvPr>
+          <p:cNvSpPr txBox="1"/>
+          <p:nvPr/>
+        </p:nvSpPr>
+        <p:spPr>
+          <a:xfrm>
+            <a:off x="0" y="1449387"/>
+            <a:ext cx="12191999" cy="406905"/>
+          </a:xfrm>
+          <a:prstGeom prst="rect">
+            <a:avLst/>
+          </a:prstGeom>
+          <a:solidFill>
+            <a:srgbClr val="006A5A"/>
+          </a:solidFill>
+        </p:spPr>
+        <p:txBody>
+          <a:bodyPr wrap="square">
+            <a:spAutoFit/>
+          </a:bodyPr>
+          <a:lstStyle/>
+          <a:p>
+            <a:pPr algn="ctr">
+              <a:lnSpc>
+                <a:spcPts val="2143"/>
+              </a:lnSpc>
+              <a:spcBef>
+                <a:spcPts val="1029"/>
+              </a:spcBef>
+              <a:spcAft>
+                <a:spcPts val="1029"/>
+              </a:spcAft>
+            </a:pPr>
+            <a:r>
+              <a:rPr lang="fr-FR" sz="3200" b="1" i="0" dirty="0">
+                <a:solidFill>
+                  <a:schemeClr val="bg1"/>
+                </a:solidFill>
+                <a:effectLst/>
+                <a:latin typeface="DeepSeek-CJK-patch"/>
+              </a:rPr>
+              <a:t>Problématique</a:t>
+            </a:r>
+            <a:endParaRPr lang="fr-FR" sz="3200" dirty="0">
+              <a:solidFill>
+                <a:schemeClr val="bg1"/>
+              </a:solidFill>
+              <a:latin typeface="DeepSeek-CJK-patch"/>
+            </a:endParaRPr>
+          </a:p>
+        </p:txBody>
+      </p:sp>
+    </p:spTree>
+    <p:extLst>
+      <p:ext uri="{BB962C8B-B14F-4D97-AF65-F5344CB8AC3E}">
+        <p14:creationId xmlns:p14="http://schemas.microsoft.com/office/powerpoint/2010/main" val="1413526045"/>
+      </p:ext>
+    </p:extLst>
+  </p:cSld>
+  <p:clrMapOvr>
+    <a:masterClrMapping/>
+  </p:clrMapOvr>
+</p:sld>
+</file>
+
+<file path=ppt/slides/slide5.xml><?xml version="1.0" encoding="utf-8"?>
+<p:sld xmlns:a="http://schemas.openxmlformats.org/drawingml/2006/main" xmlns:r="http://schemas.openxmlformats.org/officeDocument/2006/relationships" xmlns:p="http://schemas.openxmlformats.org/presentationml/2006/main">
+  <p:cSld>
+    <p:spTree>
+      <p:nvGrpSpPr>
+        <p:cNvPr id="1" name=""/>
+        <p:cNvGrpSpPr/>
+        <p:nvPr/>
+      </p:nvGrpSpPr>
+      <p:grpSpPr>
+        <a:xfrm>
+          <a:off x="0" y="0"/>
+          <a:ext cx="0" cy="0"/>
+          <a:chOff x="0" y="0"/>
+          <a:chExt cx="0" cy="0"/>
+        </a:xfrm>
+      </p:grpSpPr>
+      <p:sp>
+        <p:nvSpPr>
+          <p:cNvPr id="2" name="Espace réservé du numéro de diapositive 1">
+            <a:extLst>
+              <a:ext uri="{FF2B5EF4-FFF2-40B4-BE49-F238E27FC236}">
+                <a16:creationId xmlns:a16="http://schemas.microsoft.com/office/drawing/2014/main" id="{8C01E1E5-CF31-43CE-B673-7FD9ACDEA53D}"/>
+              </a:ext>
+            </a:extLst>
+          </p:cNvPr>
+          <p:cNvSpPr>
+            <a:spLocks noGrp="1"/>
+          </p:cNvSpPr>
+          <p:nvPr>
+            <p:ph type="sldNum" sz="quarter" idx="4"/>
+          </p:nvPr>
+        </p:nvSpPr>
+        <p:spPr/>
+        <p:txBody>
+          <a:bodyPr/>
+          <a:lstStyle/>
+          <a:p>
+            <a:fld id="{F546B7B7-7D14-4795-A998-350CFB2BDD43}" type="slidenum">
+              <a:rPr lang="fr-FR" smtClean="0"/>
+              <a:pPr/>
+              <a:t>5</a:t>
             </a:fld>
             <a:endParaRPr lang="fr-FR" dirty="0"/>
           </a:p>
@@ -10719,3192 +13905,6 @@
       </p:par>
     </p:tnLst>
   </p:timing>
-</p:sld>
-</file>
-
-<file path=ppt/slides/slide20.xml><?xml version="1.0" encoding="utf-8"?>
-<p:sld xmlns:a="http://schemas.openxmlformats.org/drawingml/2006/main" xmlns:r="http://schemas.openxmlformats.org/officeDocument/2006/relationships" xmlns:p="http://schemas.openxmlformats.org/presentationml/2006/main">
-  <p:cSld>
-    <p:spTree>
-      <p:nvGrpSpPr>
-        <p:cNvPr id="1" name="">
-          <a:extLst>
-            <a:ext uri="{FF2B5EF4-FFF2-40B4-BE49-F238E27FC236}">
-              <a16:creationId xmlns:a16="http://schemas.microsoft.com/office/drawing/2014/main" id="{193A7ACD-2A1B-AC0E-F329-7CBB11351696}"/>
-            </a:ext>
-          </a:extLst>
-        </p:cNvPr>
-        <p:cNvGrpSpPr/>
-        <p:nvPr/>
-      </p:nvGrpSpPr>
-      <p:grpSpPr>
-        <a:xfrm>
-          <a:off x="0" y="0"/>
-          <a:ext cx="0" cy="0"/>
-          <a:chOff x="0" y="0"/>
-          <a:chExt cx="0" cy="0"/>
-        </a:xfrm>
-      </p:grpSpPr>
-      <p:sp>
-        <p:nvSpPr>
-          <p:cNvPr id="2" name="Espace réservé du numéro de diapositive 1">
-            <a:extLst>
-              <a:ext uri="{FF2B5EF4-FFF2-40B4-BE49-F238E27FC236}">
-                <a16:creationId xmlns:a16="http://schemas.microsoft.com/office/drawing/2014/main" id="{B714C479-D635-8DC9-C2E2-0AE742E9CD30}"/>
-              </a:ext>
-            </a:extLst>
-          </p:cNvPr>
-          <p:cNvSpPr>
-            <a:spLocks noGrp="1"/>
-          </p:cNvSpPr>
-          <p:nvPr>
-            <p:ph type="sldNum" sz="quarter" idx="4"/>
-          </p:nvPr>
-        </p:nvSpPr>
-        <p:spPr/>
-        <p:txBody>
-          <a:bodyPr/>
-          <a:lstStyle/>
-          <a:p>
-            <a:fld id="{F546B7B7-7D14-4795-A998-350CFB2BDD43}" type="slidenum">
-              <a:rPr lang="fr-FR" smtClean="0"/>
-              <a:pPr/>
-              <a:t>20</a:t>
-            </a:fld>
-            <a:endParaRPr lang="fr-FR"/>
-          </a:p>
-        </p:txBody>
-      </p:sp>
-      <p:sp>
-        <p:nvSpPr>
-          <p:cNvPr id="3" name="ZoneTexte 2">
-            <a:extLst>
-              <a:ext uri="{FF2B5EF4-FFF2-40B4-BE49-F238E27FC236}">
-                <a16:creationId xmlns:a16="http://schemas.microsoft.com/office/drawing/2014/main" id="{B5EE6512-DC26-4090-606E-89CCCDEB859A}"/>
-              </a:ext>
-            </a:extLst>
-          </p:cNvPr>
-          <p:cNvSpPr txBox="1"/>
-          <p:nvPr/>
-        </p:nvSpPr>
-        <p:spPr>
-          <a:xfrm>
-            <a:off x="2" y="532969"/>
-            <a:ext cx="12191999" cy="646331"/>
-          </a:xfrm>
-          <a:prstGeom prst="rect">
-            <a:avLst/>
-          </a:prstGeom>
-          <a:solidFill>
-            <a:srgbClr val="006A5A"/>
-          </a:solidFill>
-        </p:spPr>
-        <p:txBody>
-          <a:bodyPr wrap="square" rtlCol="0">
-            <a:spAutoFit/>
-          </a:bodyPr>
-          <a:lstStyle/>
-          <a:p>
-            <a:pPr>
-              <a:buNone/>
-            </a:pPr>
-            <a:r>
-              <a:rPr lang="fr-FR" sz="3600" b="1" dirty="0">
-                <a:solidFill>
-                  <a:schemeClr val="bg1"/>
-                </a:solidFill>
-                <a:latin typeface="Gill Sans MT" panose="020B0502020104020203" pitchFamily="34" charset="0"/>
-              </a:rPr>
-              <a:t>3.3. </a:t>
-            </a:r>
-            <a:r>
-              <a:rPr lang="fr-FR" sz="3600" b="1" dirty="0">
-                <a:solidFill>
-                  <a:schemeClr val="bg1"/>
-                </a:solidFill>
-                <a:effectLst/>
-                <a:latin typeface="Gill Sans MT" panose="020B0502020104020203" pitchFamily="34" charset="0"/>
-              </a:rPr>
-              <a:t>Taux de consultations et </a:t>
-            </a:r>
-            <a:r>
-              <a:rPr lang="fr-FR" sz="3600" b="1" dirty="0">
-                <a:solidFill>
-                  <a:schemeClr val="bg1"/>
-                </a:solidFill>
-                <a:latin typeface="Gill Sans MT" panose="020B0502020104020203" pitchFamily="34" charset="0"/>
-              </a:rPr>
-              <a:t>autre</a:t>
-            </a:r>
-            <a:r>
-              <a:rPr lang="fr-FR" sz="3600" b="1" dirty="0">
-                <a:solidFill>
-                  <a:schemeClr val="bg1"/>
-                </a:solidFill>
-                <a:effectLst/>
-                <a:latin typeface="Gill Sans MT" panose="020B0502020104020203" pitchFamily="34" charset="0"/>
-              </a:rPr>
-              <a:t>s variables</a:t>
-            </a:r>
-            <a:endParaRPr lang="fr-FR" sz="3600" b="1" dirty="0">
-              <a:solidFill>
-                <a:schemeClr val="bg1"/>
-              </a:solidFill>
-              <a:latin typeface="Gill Sans MT" panose="020B0502020104020203" pitchFamily="34" charset="0"/>
-            </a:endParaRPr>
-          </a:p>
-        </p:txBody>
-      </p:sp>
-      <p:pic>
-        <p:nvPicPr>
-          <p:cNvPr id="4" name="Graphique 3" descr="Flèches de chevron">
-            <a:extLst>
-              <a:ext uri="{FF2B5EF4-FFF2-40B4-BE49-F238E27FC236}">
-                <a16:creationId xmlns:a16="http://schemas.microsoft.com/office/drawing/2014/main" id="{23E52591-03C7-4585-490F-C1B34F3A810E}"/>
-              </a:ext>
-            </a:extLst>
-          </p:cNvPr>
-          <p:cNvPicPr>
-            <a:picLocks noChangeAspect="1"/>
-          </p:cNvPicPr>
-          <p:nvPr/>
-        </p:nvPicPr>
-        <p:blipFill>
-          <a:blip r:embed="rId2">
-            <a:extLst>
-              <a:ext uri="{28A0092B-C50C-407E-A947-70E740481C1C}">
-                <a14:useLocalDpi xmlns:a14="http://schemas.microsoft.com/office/drawing/2010/main" val="0"/>
-              </a:ext>
-              <a:ext uri="{96DAC541-7B7A-43D3-8B79-37D633B846F1}">
-                <asvg:svgBlip xmlns:asvg="http://schemas.microsoft.com/office/drawing/2016/SVG/main" r:embed="rId3"/>
-              </a:ext>
-            </a:extLst>
-          </a:blip>
-          <a:stretch>
-            <a:fillRect/>
-          </a:stretch>
-        </p:blipFill>
-        <p:spPr>
-          <a:xfrm>
-            <a:off x="11078692" y="266700"/>
-            <a:ext cx="1170459" cy="1170459"/>
-          </a:xfrm>
-          <a:prstGeom prst="rect">
-            <a:avLst/>
-          </a:prstGeom>
-        </p:spPr>
-      </p:pic>
-    </p:spTree>
-    <p:extLst>
-      <p:ext uri="{BB962C8B-B14F-4D97-AF65-F5344CB8AC3E}">
-        <p14:creationId xmlns:p14="http://schemas.microsoft.com/office/powerpoint/2010/main" val="483483113"/>
-      </p:ext>
-    </p:extLst>
-  </p:cSld>
-  <p:clrMapOvr>
-    <a:masterClrMapping/>
-  </p:clrMapOvr>
-</p:sld>
-</file>
-
-<file path=ppt/slides/slide21.xml><?xml version="1.0" encoding="utf-8"?>
-<p:sld xmlns:a="http://schemas.openxmlformats.org/drawingml/2006/main" xmlns:r="http://schemas.openxmlformats.org/officeDocument/2006/relationships" xmlns:p="http://schemas.openxmlformats.org/presentationml/2006/main">
-  <p:cSld>
-    <p:spTree>
-      <p:nvGrpSpPr>
-        <p:cNvPr id="1" name="">
-          <a:extLst>
-            <a:ext uri="{FF2B5EF4-FFF2-40B4-BE49-F238E27FC236}">
-              <a16:creationId xmlns:a16="http://schemas.microsoft.com/office/drawing/2014/main" id="{A85BC548-9013-9E28-3C00-71BFAA209028}"/>
-            </a:ext>
-          </a:extLst>
-        </p:cNvPr>
-        <p:cNvGrpSpPr/>
-        <p:nvPr/>
-      </p:nvGrpSpPr>
-      <p:grpSpPr>
-        <a:xfrm>
-          <a:off x="0" y="0"/>
-          <a:ext cx="0" cy="0"/>
-          <a:chOff x="0" y="0"/>
-          <a:chExt cx="0" cy="0"/>
-        </a:xfrm>
-      </p:grpSpPr>
-      <p:sp>
-        <p:nvSpPr>
-          <p:cNvPr id="2" name="Espace réservé du numéro de diapositive 1">
-            <a:extLst>
-              <a:ext uri="{FF2B5EF4-FFF2-40B4-BE49-F238E27FC236}">
-                <a16:creationId xmlns:a16="http://schemas.microsoft.com/office/drawing/2014/main" id="{307CD35D-C196-8AB1-FFF9-AB018C366CEA}"/>
-              </a:ext>
-            </a:extLst>
-          </p:cNvPr>
-          <p:cNvSpPr>
-            <a:spLocks noGrp="1"/>
-          </p:cNvSpPr>
-          <p:nvPr>
-            <p:ph type="sldNum" sz="quarter" idx="4"/>
-          </p:nvPr>
-        </p:nvSpPr>
-        <p:spPr/>
-        <p:txBody>
-          <a:bodyPr/>
-          <a:lstStyle/>
-          <a:p>
-            <a:fld id="{F546B7B7-7D14-4795-A998-350CFB2BDD43}" type="slidenum">
-              <a:rPr lang="fr-FR" smtClean="0"/>
-              <a:pPr/>
-              <a:t>21</a:t>
-            </a:fld>
-            <a:endParaRPr lang="fr-FR"/>
-          </a:p>
-        </p:txBody>
-      </p:sp>
-      <p:sp>
-        <p:nvSpPr>
-          <p:cNvPr id="3" name="ZoneTexte 2">
-            <a:extLst>
-              <a:ext uri="{FF2B5EF4-FFF2-40B4-BE49-F238E27FC236}">
-                <a16:creationId xmlns:a16="http://schemas.microsoft.com/office/drawing/2014/main" id="{878B9E7B-FEF6-801C-F4E4-1CAEF85A2D4A}"/>
-              </a:ext>
-            </a:extLst>
-          </p:cNvPr>
-          <p:cNvSpPr txBox="1"/>
-          <p:nvPr/>
-        </p:nvSpPr>
-        <p:spPr>
-          <a:xfrm>
-            <a:off x="2" y="532969"/>
-            <a:ext cx="12191999" cy="646331"/>
-          </a:xfrm>
-          <a:prstGeom prst="rect">
-            <a:avLst/>
-          </a:prstGeom>
-          <a:solidFill>
-            <a:srgbClr val="006A5A"/>
-          </a:solidFill>
-        </p:spPr>
-        <p:txBody>
-          <a:bodyPr wrap="square" rtlCol="0">
-            <a:spAutoFit/>
-          </a:bodyPr>
-          <a:lstStyle/>
-          <a:p>
-            <a:r>
-              <a:rPr lang="fr-FR" sz="3600" b="1" dirty="0">
-                <a:solidFill>
-                  <a:schemeClr val="bg1"/>
-                </a:solidFill>
-                <a:latin typeface="Gill Sans MT" panose="020B0502020104020203" pitchFamily="34" charset="0"/>
-              </a:rPr>
-              <a:t>3.4. Analyse spatiale</a:t>
-            </a:r>
-          </a:p>
-        </p:txBody>
-      </p:sp>
-      <p:pic>
-        <p:nvPicPr>
-          <p:cNvPr id="4" name="Graphique 3" descr="Flèches de chevron">
-            <a:extLst>
-              <a:ext uri="{FF2B5EF4-FFF2-40B4-BE49-F238E27FC236}">
-                <a16:creationId xmlns:a16="http://schemas.microsoft.com/office/drawing/2014/main" id="{8288C3CE-3777-3364-D5FF-62CE4CE53844}"/>
-              </a:ext>
-            </a:extLst>
-          </p:cNvPr>
-          <p:cNvPicPr>
-            <a:picLocks noChangeAspect="1"/>
-          </p:cNvPicPr>
-          <p:nvPr/>
-        </p:nvPicPr>
-        <p:blipFill>
-          <a:blip r:embed="rId2">
-            <a:extLst>
-              <a:ext uri="{28A0092B-C50C-407E-A947-70E740481C1C}">
-                <a14:useLocalDpi xmlns:a14="http://schemas.microsoft.com/office/drawing/2010/main" val="0"/>
-              </a:ext>
-              <a:ext uri="{96DAC541-7B7A-43D3-8B79-37D633B846F1}">
-                <asvg:svgBlip xmlns:asvg="http://schemas.microsoft.com/office/drawing/2016/SVG/main" r:embed="rId3"/>
-              </a:ext>
-            </a:extLst>
-          </a:blip>
-          <a:stretch>
-            <a:fillRect/>
-          </a:stretch>
-        </p:blipFill>
-        <p:spPr>
-          <a:xfrm>
-            <a:off x="11078692" y="266700"/>
-            <a:ext cx="1170459" cy="1170459"/>
-          </a:xfrm>
-          <a:prstGeom prst="rect">
-            <a:avLst/>
-          </a:prstGeom>
-        </p:spPr>
-      </p:pic>
-      <p:pic>
-        <p:nvPicPr>
-          <p:cNvPr id="10" name="Image 9">
-            <a:extLst>
-              <a:ext uri="{FF2B5EF4-FFF2-40B4-BE49-F238E27FC236}">
-                <a16:creationId xmlns:a16="http://schemas.microsoft.com/office/drawing/2014/main" id="{506D8B6A-6540-DE0F-D902-BAFDC4D7FC2E}"/>
-              </a:ext>
-            </a:extLst>
-          </p:cNvPr>
-          <p:cNvPicPr>
-            <a:picLocks noChangeAspect="1"/>
-          </p:cNvPicPr>
-          <p:nvPr/>
-        </p:nvPicPr>
-        <p:blipFill>
-          <a:blip r:embed="rId4">
-            <a:extLst>
-              <a:ext uri="{28A0092B-C50C-407E-A947-70E740481C1C}">
-                <a14:useLocalDpi xmlns:a14="http://schemas.microsoft.com/office/drawing/2010/main" val="0"/>
-              </a:ext>
-            </a:extLst>
-          </a:blip>
-          <a:stretch>
-            <a:fillRect/>
-          </a:stretch>
-        </p:blipFill>
-        <p:spPr>
-          <a:xfrm>
-            <a:off x="390421" y="1983683"/>
-            <a:ext cx="5476978" cy="3791754"/>
-          </a:xfrm>
-          <a:prstGeom prst="rect">
-            <a:avLst/>
-          </a:prstGeom>
-        </p:spPr>
-      </p:pic>
-    </p:spTree>
-    <p:extLst>
-      <p:ext uri="{BB962C8B-B14F-4D97-AF65-F5344CB8AC3E}">
-        <p14:creationId xmlns:p14="http://schemas.microsoft.com/office/powerpoint/2010/main" val="3701572500"/>
-      </p:ext>
-    </p:extLst>
-  </p:cSld>
-  <p:clrMapOvr>
-    <a:masterClrMapping/>
-  </p:clrMapOvr>
-</p:sld>
-</file>
-
-<file path=ppt/slides/slide22.xml><?xml version="1.0" encoding="utf-8"?>
-<p:sld xmlns:a="http://schemas.openxmlformats.org/drawingml/2006/main" xmlns:r="http://schemas.openxmlformats.org/officeDocument/2006/relationships" xmlns:p="http://schemas.openxmlformats.org/presentationml/2006/main">
-  <p:cSld>
-    <p:spTree>
-      <p:nvGrpSpPr>
-        <p:cNvPr id="1" name="">
-          <a:extLst>
-            <a:ext uri="{FF2B5EF4-FFF2-40B4-BE49-F238E27FC236}">
-              <a16:creationId xmlns:a16="http://schemas.microsoft.com/office/drawing/2014/main" id="{905C0218-4730-E7FC-389E-E2DFB35D845C}"/>
-            </a:ext>
-          </a:extLst>
-        </p:cNvPr>
-        <p:cNvGrpSpPr/>
-        <p:nvPr/>
-      </p:nvGrpSpPr>
-      <p:grpSpPr>
-        <a:xfrm>
-          <a:off x="0" y="0"/>
-          <a:ext cx="0" cy="0"/>
-          <a:chOff x="0" y="0"/>
-          <a:chExt cx="0" cy="0"/>
-        </a:xfrm>
-      </p:grpSpPr>
-      <p:sp>
-        <p:nvSpPr>
-          <p:cNvPr id="2" name="Espace réservé du numéro de diapositive 1">
-            <a:extLst>
-              <a:ext uri="{FF2B5EF4-FFF2-40B4-BE49-F238E27FC236}">
-                <a16:creationId xmlns:a16="http://schemas.microsoft.com/office/drawing/2014/main" id="{BA0CA7D5-9545-5F30-1B00-C339B55C4A5A}"/>
-              </a:ext>
-            </a:extLst>
-          </p:cNvPr>
-          <p:cNvSpPr>
-            <a:spLocks noGrp="1"/>
-          </p:cNvSpPr>
-          <p:nvPr>
-            <p:ph type="sldNum" sz="quarter" idx="4"/>
-          </p:nvPr>
-        </p:nvSpPr>
-        <p:spPr/>
-        <p:txBody>
-          <a:bodyPr/>
-          <a:lstStyle/>
-          <a:p>
-            <a:fld id="{F546B7B7-7D14-4795-A998-350CFB2BDD43}" type="slidenum">
-              <a:rPr lang="fr-FR" smtClean="0"/>
-              <a:pPr/>
-              <a:t>22</a:t>
-            </a:fld>
-            <a:endParaRPr lang="fr-FR"/>
-          </a:p>
-        </p:txBody>
-      </p:sp>
-      <p:sp>
-        <p:nvSpPr>
-          <p:cNvPr id="3" name="ZoneTexte 2">
-            <a:extLst>
-              <a:ext uri="{FF2B5EF4-FFF2-40B4-BE49-F238E27FC236}">
-                <a16:creationId xmlns:a16="http://schemas.microsoft.com/office/drawing/2014/main" id="{0744BEE0-ACF6-7AA0-7C96-ACBDE12D1D38}"/>
-              </a:ext>
-            </a:extLst>
-          </p:cNvPr>
-          <p:cNvSpPr txBox="1"/>
-          <p:nvPr/>
-        </p:nvSpPr>
-        <p:spPr>
-          <a:xfrm>
-            <a:off x="2" y="532969"/>
-            <a:ext cx="12191999" cy="646331"/>
-          </a:xfrm>
-          <a:prstGeom prst="rect">
-            <a:avLst/>
-          </a:prstGeom>
-          <a:solidFill>
-            <a:srgbClr val="006A5A"/>
-          </a:solidFill>
-        </p:spPr>
-        <p:txBody>
-          <a:bodyPr wrap="square" rtlCol="0">
-            <a:spAutoFit/>
-          </a:bodyPr>
-          <a:lstStyle/>
-          <a:p>
-            <a:r>
-              <a:rPr lang="fr-FR" sz="3600" b="1" dirty="0">
-                <a:solidFill>
-                  <a:schemeClr val="bg1"/>
-                </a:solidFill>
-                <a:latin typeface="Gill Sans MT" panose="020B0502020104020203" pitchFamily="34" charset="0"/>
-              </a:rPr>
-              <a:t>3.4. Analyse spatiale</a:t>
-            </a:r>
-          </a:p>
-        </p:txBody>
-      </p:sp>
-      <p:pic>
-        <p:nvPicPr>
-          <p:cNvPr id="4" name="Graphique 3" descr="Flèches de chevron">
-            <a:extLst>
-              <a:ext uri="{FF2B5EF4-FFF2-40B4-BE49-F238E27FC236}">
-                <a16:creationId xmlns:a16="http://schemas.microsoft.com/office/drawing/2014/main" id="{494D4D24-E698-F55E-9951-D464D56B12C0}"/>
-              </a:ext>
-            </a:extLst>
-          </p:cNvPr>
-          <p:cNvPicPr>
-            <a:picLocks noChangeAspect="1"/>
-          </p:cNvPicPr>
-          <p:nvPr/>
-        </p:nvPicPr>
-        <p:blipFill>
-          <a:blip r:embed="rId2">
-            <a:extLst>
-              <a:ext uri="{28A0092B-C50C-407E-A947-70E740481C1C}">
-                <a14:useLocalDpi xmlns:a14="http://schemas.microsoft.com/office/drawing/2010/main" val="0"/>
-              </a:ext>
-              <a:ext uri="{96DAC541-7B7A-43D3-8B79-37D633B846F1}">
-                <asvg:svgBlip xmlns:asvg="http://schemas.microsoft.com/office/drawing/2016/SVG/main" r:embed="rId3"/>
-              </a:ext>
-            </a:extLst>
-          </a:blip>
-          <a:stretch>
-            <a:fillRect/>
-          </a:stretch>
-        </p:blipFill>
-        <p:spPr>
-          <a:xfrm>
-            <a:off x="11078692" y="266700"/>
-            <a:ext cx="1170459" cy="1170459"/>
-          </a:xfrm>
-          <a:prstGeom prst="rect">
-            <a:avLst/>
-          </a:prstGeom>
-        </p:spPr>
-      </p:pic>
-      <p:pic>
-        <p:nvPicPr>
-          <p:cNvPr id="8" name="Image 7">
-            <a:extLst>
-              <a:ext uri="{FF2B5EF4-FFF2-40B4-BE49-F238E27FC236}">
-                <a16:creationId xmlns:a16="http://schemas.microsoft.com/office/drawing/2014/main" id="{A4506E19-AFB1-D647-C157-3C009B0B76E9}"/>
-              </a:ext>
-            </a:extLst>
-          </p:cNvPr>
-          <p:cNvPicPr>
-            <a:picLocks noChangeAspect="1"/>
-          </p:cNvPicPr>
-          <p:nvPr/>
-        </p:nvPicPr>
-        <p:blipFill>
-          <a:blip r:embed="rId4">
-            <a:extLst>
-              <a:ext uri="{28A0092B-C50C-407E-A947-70E740481C1C}">
-                <a14:useLocalDpi xmlns:a14="http://schemas.microsoft.com/office/drawing/2010/main" val="0"/>
-              </a:ext>
-            </a:extLst>
-          </a:blip>
-          <a:stretch>
-            <a:fillRect/>
-          </a:stretch>
-        </p:blipFill>
-        <p:spPr>
-          <a:xfrm>
-            <a:off x="1489436" y="1437159"/>
-            <a:ext cx="6386141" cy="4887224"/>
-          </a:xfrm>
-          <a:prstGeom prst="rect">
-            <a:avLst/>
-          </a:prstGeom>
-        </p:spPr>
-      </p:pic>
-    </p:spTree>
-    <p:extLst>
-      <p:ext uri="{BB962C8B-B14F-4D97-AF65-F5344CB8AC3E}">
-        <p14:creationId xmlns:p14="http://schemas.microsoft.com/office/powerpoint/2010/main" val="948134466"/>
-      </p:ext>
-    </p:extLst>
-  </p:cSld>
-  <p:clrMapOvr>
-    <a:masterClrMapping/>
-  </p:clrMapOvr>
-</p:sld>
-</file>
-
-<file path=ppt/slides/slide23.xml><?xml version="1.0" encoding="utf-8"?>
-<p:sld xmlns:a="http://schemas.openxmlformats.org/drawingml/2006/main" xmlns:r="http://schemas.openxmlformats.org/officeDocument/2006/relationships" xmlns:p="http://schemas.openxmlformats.org/presentationml/2006/main">
-  <p:cSld>
-    <p:spTree>
-      <p:nvGrpSpPr>
-        <p:cNvPr id="1" name=""/>
-        <p:cNvGrpSpPr/>
-        <p:nvPr/>
-      </p:nvGrpSpPr>
-      <p:grpSpPr>
-        <a:xfrm>
-          <a:off x="0" y="0"/>
-          <a:ext cx="0" cy="0"/>
-          <a:chOff x="0" y="0"/>
-          <a:chExt cx="0" cy="0"/>
-        </a:xfrm>
-      </p:grpSpPr>
-      <p:sp>
-        <p:nvSpPr>
-          <p:cNvPr id="2" name="Espace réservé du numéro de diapositive 1">
-            <a:extLst>
-              <a:ext uri="{FF2B5EF4-FFF2-40B4-BE49-F238E27FC236}">
-                <a16:creationId xmlns:a16="http://schemas.microsoft.com/office/drawing/2014/main" id="{99099CF5-8A9C-3CE8-6FAF-040793C642E9}"/>
-              </a:ext>
-            </a:extLst>
-          </p:cNvPr>
-          <p:cNvSpPr>
-            <a:spLocks noGrp="1"/>
-          </p:cNvSpPr>
-          <p:nvPr>
-            <p:ph type="sldNum" sz="quarter" idx="4"/>
-          </p:nvPr>
-        </p:nvSpPr>
-        <p:spPr/>
-        <p:txBody>
-          <a:bodyPr/>
-          <a:lstStyle/>
-          <a:p>
-            <a:fld id="{F546B7B7-7D14-4795-A998-350CFB2BDD43}" type="slidenum">
-              <a:rPr lang="fr-FR" smtClean="0"/>
-              <a:pPr/>
-              <a:t>23</a:t>
-            </a:fld>
-            <a:endParaRPr lang="fr-FR"/>
-          </a:p>
-        </p:txBody>
-      </p:sp>
-    </p:spTree>
-    <p:extLst>
-      <p:ext uri="{BB962C8B-B14F-4D97-AF65-F5344CB8AC3E}">
-        <p14:creationId xmlns:p14="http://schemas.microsoft.com/office/powerpoint/2010/main" val="1774505122"/>
-      </p:ext>
-    </p:extLst>
-  </p:cSld>
-  <p:clrMapOvr>
-    <a:masterClrMapping/>
-  </p:clrMapOvr>
-</p:sld>
-</file>
-
-<file path=ppt/slides/slide24.xml><?xml version="1.0" encoding="utf-8"?>
-<p:sld xmlns:a="http://schemas.openxmlformats.org/drawingml/2006/main" xmlns:r="http://schemas.openxmlformats.org/officeDocument/2006/relationships" xmlns:p="http://schemas.openxmlformats.org/presentationml/2006/main">
-  <p:cSld>
-    <p:spTree>
-      <p:nvGrpSpPr>
-        <p:cNvPr id="1" name="">
-          <a:extLst>
-            <a:ext uri="{FF2B5EF4-FFF2-40B4-BE49-F238E27FC236}">
-              <a16:creationId xmlns:a16="http://schemas.microsoft.com/office/drawing/2014/main" id="{F30D924C-E715-F9B4-8AFC-FD07EA503B33}"/>
-            </a:ext>
-          </a:extLst>
-        </p:cNvPr>
-        <p:cNvGrpSpPr/>
-        <p:nvPr/>
-      </p:nvGrpSpPr>
-      <p:grpSpPr>
-        <a:xfrm>
-          <a:off x="0" y="0"/>
-          <a:ext cx="0" cy="0"/>
-          <a:chOff x="0" y="0"/>
-          <a:chExt cx="0" cy="0"/>
-        </a:xfrm>
-      </p:grpSpPr>
-      <p:sp>
-        <p:nvSpPr>
-          <p:cNvPr id="2" name="Espace réservé du numéro de diapositive 1">
-            <a:extLst>
-              <a:ext uri="{FF2B5EF4-FFF2-40B4-BE49-F238E27FC236}">
-                <a16:creationId xmlns:a16="http://schemas.microsoft.com/office/drawing/2014/main" id="{882A90CC-7389-1CA4-89EF-B85F758E4EB7}"/>
-              </a:ext>
-            </a:extLst>
-          </p:cNvPr>
-          <p:cNvSpPr>
-            <a:spLocks noGrp="1"/>
-          </p:cNvSpPr>
-          <p:nvPr>
-            <p:ph type="sldNum" sz="quarter" idx="4"/>
-          </p:nvPr>
-        </p:nvSpPr>
-        <p:spPr/>
-        <p:txBody>
-          <a:bodyPr/>
-          <a:lstStyle/>
-          <a:p>
-            <a:fld id="{F546B7B7-7D14-4795-A998-350CFB2BDD43}" type="slidenum">
-              <a:rPr lang="fr-FR" smtClean="0"/>
-              <a:pPr/>
-              <a:t>24</a:t>
-            </a:fld>
-            <a:endParaRPr lang="fr-FR"/>
-          </a:p>
-        </p:txBody>
-      </p:sp>
-      <p:sp>
-        <p:nvSpPr>
-          <p:cNvPr id="3" name="ZoneTexte 2">
-            <a:extLst>
-              <a:ext uri="{FF2B5EF4-FFF2-40B4-BE49-F238E27FC236}">
-                <a16:creationId xmlns:a16="http://schemas.microsoft.com/office/drawing/2014/main" id="{9169FD9A-0F1A-F62A-EAF4-74284432E518}"/>
-              </a:ext>
-            </a:extLst>
-          </p:cNvPr>
-          <p:cNvSpPr txBox="1"/>
-          <p:nvPr/>
-        </p:nvSpPr>
-        <p:spPr>
-          <a:xfrm>
-            <a:off x="2" y="532969"/>
-            <a:ext cx="12191999" cy="646331"/>
-          </a:xfrm>
-          <a:prstGeom prst="rect">
-            <a:avLst/>
-          </a:prstGeom>
-          <a:solidFill>
-            <a:srgbClr val="006A5A"/>
-          </a:solidFill>
-        </p:spPr>
-        <p:txBody>
-          <a:bodyPr wrap="square" rtlCol="0">
-            <a:spAutoFit/>
-          </a:bodyPr>
-          <a:lstStyle/>
-          <a:p>
-            <a:r>
-              <a:rPr lang="fr-FR" sz="3600" b="1" dirty="0">
-                <a:solidFill>
-                  <a:schemeClr val="bg1"/>
-                </a:solidFill>
-                <a:latin typeface="Gill Sans MT" panose="020B0502020104020203" pitchFamily="34" charset="0"/>
-              </a:rPr>
-              <a:t>4.1. Choix des variables (</a:t>
-            </a:r>
-            <a:r>
-              <a:rPr lang="fr-FR" sz="3600" b="1" dirty="0">
-                <a:solidFill>
-                  <a:srgbClr val="FF0000"/>
-                </a:solidFill>
-                <a:latin typeface="Gill Sans MT" panose="020B0502020104020203" pitchFamily="34" charset="0"/>
-              </a:rPr>
-              <a:t>Toussaint</a:t>
-            </a:r>
-            <a:r>
-              <a:rPr lang="fr-FR" sz="3600" b="1" dirty="0">
-                <a:solidFill>
-                  <a:schemeClr val="bg1"/>
-                </a:solidFill>
-                <a:latin typeface="Gill Sans MT" panose="020B0502020104020203" pitchFamily="34" charset="0"/>
-              </a:rPr>
-              <a:t>)</a:t>
-            </a:r>
-          </a:p>
-        </p:txBody>
-      </p:sp>
-      <p:pic>
-        <p:nvPicPr>
-          <p:cNvPr id="4" name="Graphique 3" descr="Flèches de chevron">
-            <a:extLst>
-              <a:ext uri="{FF2B5EF4-FFF2-40B4-BE49-F238E27FC236}">
-                <a16:creationId xmlns:a16="http://schemas.microsoft.com/office/drawing/2014/main" id="{1A92E601-022D-F8F3-C090-920665EE7490}"/>
-              </a:ext>
-            </a:extLst>
-          </p:cNvPr>
-          <p:cNvPicPr>
-            <a:picLocks noChangeAspect="1"/>
-          </p:cNvPicPr>
-          <p:nvPr/>
-        </p:nvPicPr>
-        <p:blipFill>
-          <a:blip r:embed="rId2">
-            <a:extLst>
-              <a:ext uri="{28A0092B-C50C-407E-A947-70E740481C1C}">
-                <a14:useLocalDpi xmlns:a14="http://schemas.microsoft.com/office/drawing/2010/main" val="0"/>
-              </a:ext>
-              <a:ext uri="{96DAC541-7B7A-43D3-8B79-37D633B846F1}">
-                <asvg:svgBlip xmlns:asvg="http://schemas.microsoft.com/office/drawing/2016/SVG/main" r:embed="rId3"/>
-              </a:ext>
-            </a:extLst>
-          </a:blip>
-          <a:stretch>
-            <a:fillRect/>
-          </a:stretch>
-        </p:blipFill>
-        <p:spPr>
-          <a:xfrm>
-            <a:off x="11078692" y="266700"/>
-            <a:ext cx="1170459" cy="1170459"/>
-          </a:xfrm>
-          <a:prstGeom prst="rect">
-            <a:avLst/>
-          </a:prstGeom>
-        </p:spPr>
-      </p:pic>
-    </p:spTree>
-    <p:extLst>
-      <p:ext uri="{BB962C8B-B14F-4D97-AF65-F5344CB8AC3E}">
-        <p14:creationId xmlns:p14="http://schemas.microsoft.com/office/powerpoint/2010/main" val="982776663"/>
-      </p:ext>
-    </p:extLst>
-  </p:cSld>
-  <p:clrMapOvr>
-    <a:masterClrMapping/>
-  </p:clrMapOvr>
-</p:sld>
-</file>
-
-<file path=ppt/slides/slide25.xml><?xml version="1.0" encoding="utf-8"?>
-<p:sld xmlns:a="http://schemas.openxmlformats.org/drawingml/2006/main" xmlns:r="http://schemas.openxmlformats.org/officeDocument/2006/relationships" xmlns:p="http://schemas.openxmlformats.org/presentationml/2006/main">
-  <p:cSld>
-    <p:spTree>
-      <p:nvGrpSpPr>
-        <p:cNvPr id="1" name="">
-          <a:extLst>
-            <a:ext uri="{FF2B5EF4-FFF2-40B4-BE49-F238E27FC236}">
-              <a16:creationId xmlns:a16="http://schemas.microsoft.com/office/drawing/2014/main" id="{B19C3A5D-790B-C712-DF62-3118579AABFD}"/>
-            </a:ext>
-          </a:extLst>
-        </p:cNvPr>
-        <p:cNvGrpSpPr/>
-        <p:nvPr/>
-      </p:nvGrpSpPr>
-      <p:grpSpPr>
-        <a:xfrm>
-          <a:off x="0" y="0"/>
-          <a:ext cx="0" cy="0"/>
-          <a:chOff x="0" y="0"/>
-          <a:chExt cx="0" cy="0"/>
-        </a:xfrm>
-      </p:grpSpPr>
-      <p:sp>
-        <p:nvSpPr>
-          <p:cNvPr id="2" name="Espace réservé du numéro de diapositive 1">
-            <a:extLst>
-              <a:ext uri="{FF2B5EF4-FFF2-40B4-BE49-F238E27FC236}">
-                <a16:creationId xmlns:a16="http://schemas.microsoft.com/office/drawing/2014/main" id="{195BBB1B-0DB9-7FA2-BB62-A9745BBFB6FA}"/>
-              </a:ext>
-            </a:extLst>
-          </p:cNvPr>
-          <p:cNvSpPr>
-            <a:spLocks noGrp="1"/>
-          </p:cNvSpPr>
-          <p:nvPr>
-            <p:ph type="sldNum" sz="quarter" idx="4"/>
-          </p:nvPr>
-        </p:nvSpPr>
-        <p:spPr/>
-        <p:txBody>
-          <a:bodyPr/>
-          <a:lstStyle/>
-          <a:p>
-            <a:fld id="{F546B7B7-7D14-4795-A998-350CFB2BDD43}" type="slidenum">
-              <a:rPr lang="fr-FR" smtClean="0"/>
-              <a:pPr/>
-              <a:t>25</a:t>
-            </a:fld>
-            <a:endParaRPr lang="fr-FR"/>
-          </a:p>
-        </p:txBody>
-      </p:sp>
-      <p:sp>
-        <p:nvSpPr>
-          <p:cNvPr id="3" name="ZoneTexte 2">
-            <a:extLst>
-              <a:ext uri="{FF2B5EF4-FFF2-40B4-BE49-F238E27FC236}">
-                <a16:creationId xmlns:a16="http://schemas.microsoft.com/office/drawing/2014/main" id="{AD3E7E05-2FDB-F46A-324C-6550B7004EE8}"/>
-              </a:ext>
-            </a:extLst>
-          </p:cNvPr>
-          <p:cNvSpPr txBox="1"/>
-          <p:nvPr/>
-        </p:nvSpPr>
-        <p:spPr>
-          <a:xfrm>
-            <a:off x="2" y="532969"/>
-            <a:ext cx="12191999" cy="646331"/>
-          </a:xfrm>
-          <a:prstGeom prst="rect">
-            <a:avLst/>
-          </a:prstGeom>
-          <a:solidFill>
-            <a:srgbClr val="006A5A"/>
-          </a:solidFill>
-        </p:spPr>
-        <p:txBody>
-          <a:bodyPr wrap="square" rtlCol="0">
-            <a:spAutoFit/>
-          </a:bodyPr>
-          <a:lstStyle/>
-          <a:p>
-            <a:r>
-              <a:rPr lang="fr-FR" sz="3600" b="1" dirty="0">
-                <a:solidFill>
-                  <a:schemeClr val="bg1"/>
-                </a:solidFill>
-                <a:latin typeface="Gill Sans MT" panose="020B0502020104020203" pitchFamily="34" charset="0"/>
-              </a:rPr>
-              <a:t>4.2. Tests (</a:t>
-            </a:r>
-            <a:r>
-              <a:rPr lang="fr-FR" sz="3600" b="1" dirty="0">
-                <a:solidFill>
-                  <a:srgbClr val="FF0000"/>
-                </a:solidFill>
-                <a:latin typeface="Gill Sans MT" panose="020B0502020104020203" pitchFamily="34" charset="0"/>
-              </a:rPr>
-              <a:t>Richard</a:t>
-            </a:r>
-            <a:r>
-              <a:rPr lang="fr-FR" sz="3600" b="1" dirty="0">
-                <a:solidFill>
-                  <a:schemeClr val="bg1"/>
-                </a:solidFill>
-                <a:latin typeface="Gill Sans MT" panose="020B0502020104020203" pitchFamily="34" charset="0"/>
-              </a:rPr>
-              <a:t>)</a:t>
-            </a:r>
-          </a:p>
-        </p:txBody>
-      </p:sp>
-      <p:pic>
-        <p:nvPicPr>
-          <p:cNvPr id="4" name="Graphique 3" descr="Flèches de chevron">
-            <a:extLst>
-              <a:ext uri="{FF2B5EF4-FFF2-40B4-BE49-F238E27FC236}">
-                <a16:creationId xmlns:a16="http://schemas.microsoft.com/office/drawing/2014/main" id="{48E4791C-7A3C-4138-CA50-FF7B885DB4B7}"/>
-              </a:ext>
-            </a:extLst>
-          </p:cNvPr>
-          <p:cNvPicPr>
-            <a:picLocks noChangeAspect="1"/>
-          </p:cNvPicPr>
-          <p:nvPr/>
-        </p:nvPicPr>
-        <p:blipFill>
-          <a:blip r:embed="rId2">
-            <a:extLst>
-              <a:ext uri="{28A0092B-C50C-407E-A947-70E740481C1C}">
-                <a14:useLocalDpi xmlns:a14="http://schemas.microsoft.com/office/drawing/2010/main" val="0"/>
-              </a:ext>
-              <a:ext uri="{96DAC541-7B7A-43D3-8B79-37D633B846F1}">
-                <asvg:svgBlip xmlns:asvg="http://schemas.microsoft.com/office/drawing/2016/SVG/main" r:embed="rId3"/>
-              </a:ext>
-            </a:extLst>
-          </a:blip>
-          <a:stretch>
-            <a:fillRect/>
-          </a:stretch>
-        </p:blipFill>
-        <p:spPr>
-          <a:xfrm>
-            <a:off x="11078692" y="266700"/>
-            <a:ext cx="1170459" cy="1170459"/>
-          </a:xfrm>
-          <a:prstGeom prst="rect">
-            <a:avLst/>
-          </a:prstGeom>
-        </p:spPr>
-      </p:pic>
-    </p:spTree>
-    <p:extLst>
-      <p:ext uri="{BB962C8B-B14F-4D97-AF65-F5344CB8AC3E}">
-        <p14:creationId xmlns:p14="http://schemas.microsoft.com/office/powerpoint/2010/main" val="2916537731"/>
-      </p:ext>
-    </p:extLst>
-  </p:cSld>
-  <p:clrMapOvr>
-    <a:masterClrMapping/>
-  </p:clrMapOvr>
-</p:sld>
-</file>
-
-<file path=ppt/slides/slide26.xml><?xml version="1.0" encoding="utf-8"?>
-<p:sld xmlns:a="http://schemas.openxmlformats.org/drawingml/2006/main" xmlns:r="http://schemas.openxmlformats.org/officeDocument/2006/relationships" xmlns:p="http://schemas.openxmlformats.org/presentationml/2006/main">
-  <p:cSld>
-    <p:spTree>
-      <p:nvGrpSpPr>
-        <p:cNvPr id="1" name="">
-          <a:extLst>
-            <a:ext uri="{FF2B5EF4-FFF2-40B4-BE49-F238E27FC236}">
-              <a16:creationId xmlns:a16="http://schemas.microsoft.com/office/drawing/2014/main" id="{8C5DA1D8-9FB7-6D35-1207-8793CDED3E57}"/>
-            </a:ext>
-          </a:extLst>
-        </p:cNvPr>
-        <p:cNvGrpSpPr/>
-        <p:nvPr/>
-      </p:nvGrpSpPr>
-      <p:grpSpPr>
-        <a:xfrm>
-          <a:off x="0" y="0"/>
-          <a:ext cx="0" cy="0"/>
-          <a:chOff x="0" y="0"/>
-          <a:chExt cx="0" cy="0"/>
-        </a:xfrm>
-      </p:grpSpPr>
-      <p:sp>
-        <p:nvSpPr>
-          <p:cNvPr id="2" name="Espace réservé du numéro de diapositive 1">
-            <a:extLst>
-              <a:ext uri="{FF2B5EF4-FFF2-40B4-BE49-F238E27FC236}">
-                <a16:creationId xmlns:a16="http://schemas.microsoft.com/office/drawing/2014/main" id="{0BEE1BA7-D77E-F880-C976-70D1C890E370}"/>
-              </a:ext>
-            </a:extLst>
-          </p:cNvPr>
-          <p:cNvSpPr>
-            <a:spLocks noGrp="1"/>
-          </p:cNvSpPr>
-          <p:nvPr>
-            <p:ph type="sldNum" sz="quarter" idx="4"/>
-          </p:nvPr>
-        </p:nvSpPr>
-        <p:spPr/>
-        <p:txBody>
-          <a:bodyPr/>
-          <a:lstStyle/>
-          <a:p>
-            <a:fld id="{F546B7B7-7D14-4795-A998-350CFB2BDD43}" type="slidenum">
-              <a:rPr lang="fr-FR" smtClean="0"/>
-              <a:pPr/>
-              <a:t>26</a:t>
-            </a:fld>
-            <a:endParaRPr lang="fr-FR"/>
-          </a:p>
-        </p:txBody>
-      </p:sp>
-      <p:sp>
-        <p:nvSpPr>
-          <p:cNvPr id="3" name="ZoneTexte 2">
-            <a:extLst>
-              <a:ext uri="{FF2B5EF4-FFF2-40B4-BE49-F238E27FC236}">
-                <a16:creationId xmlns:a16="http://schemas.microsoft.com/office/drawing/2014/main" id="{CAAAA9F3-C7BF-5BB9-F363-202EDA19CDE4}"/>
-              </a:ext>
-            </a:extLst>
-          </p:cNvPr>
-          <p:cNvSpPr txBox="1"/>
-          <p:nvPr/>
-        </p:nvSpPr>
-        <p:spPr>
-          <a:xfrm>
-            <a:off x="2" y="532969"/>
-            <a:ext cx="12191999" cy="646331"/>
-          </a:xfrm>
-          <a:prstGeom prst="rect">
-            <a:avLst/>
-          </a:prstGeom>
-          <a:solidFill>
-            <a:srgbClr val="006A5A"/>
-          </a:solidFill>
-        </p:spPr>
-        <p:txBody>
-          <a:bodyPr wrap="square" rtlCol="0">
-            <a:spAutoFit/>
-          </a:bodyPr>
-          <a:lstStyle/>
-          <a:p>
-            <a:r>
-              <a:rPr lang="fr-FR" sz="3600" b="1" dirty="0">
-                <a:solidFill>
-                  <a:schemeClr val="bg1"/>
-                </a:solidFill>
-                <a:latin typeface="Gill Sans MT" panose="020B0502020104020203" pitchFamily="34" charset="0"/>
-              </a:rPr>
-              <a:t>4.3. Comparaison des modèles (</a:t>
-            </a:r>
-            <a:r>
-              <a:rPr lang="fr-FR" sz="3600" b="1" dirty="0">
-                <a:solidFill>
-                  <a:srgbClr val="FF0000"/>
-                </a:solidFill>
-                <a:latin typeface="Gill Sans MT" panose="020B0502020104020203" pitchFamily="34" charset="0"/>
-              </a:rPr>
-              <a:t>Richard</a:t>
-            </a:r>
-            <a:r>
-              <a:rPr lang="fr-FR" sz="3600" b="1" dirty="0">
-                <a:solidFill>
-                  <a:schemeClr val="bg1"/>
-                </a:solidFill>
-                <a:latin typeface="Gill Sans MT" panose="020B0502020104020203" pitchFamily="34" charset="0"/>
-              </a:rPr>
-              <a:t>)</a:t>
-            </a:r>
-          </a:p>
-        </p:txBody>
-      </p:sp>
-      <p:pic>
-        <p:nvPicPr>
-          <p:cNvPr id="4" name="Graphique 3" descr="Flèches de chevron">
-            <a:extLst>
-              <a:ext uri="{FF2B5EF4-FFF2-40B4-BE49-F238E27FC236}">
-                <a16:creationId xmlns:a16="http://schemas.microsoft.com/office/drawing/2014/main" id="{79B6F6E5-6550-0A1C-CFBA-B81349B6BCF5}"/>
-              </a:ext>
-            </a:extLst>
-          </p:cNvPr>
-          <p:cNvPicPr>
-            <a:picLocks noChangeAspect="1"/>
-          </p:cNvPicPr>
-          <p:nvPr/>
-        </p:nvPicPr>
-        <p:blipFill>
-          <a:blip r:embed="rId2">
-            <a:extLst>
-              <a:ext uri="{28A0092B-C50C-407E-A947-70E740481C1C}">
-                <a14:useLocalDpi xmlns:a14="http://schemas.microsoft.com/office/drawing/2010/main" val="0"/>
-              </a:ext>
-              <a:ext uri="{96DAC541-7B7A-43D3-8B79-37D633B846F1}">
-                <asvg:svgBlip xmlns:asvg="http://schemas.microsoft.com/office/drawing/2016/SVG/main" r:embed="rId3"/>
-              </a:ext>
-            </a:extLst>
-          </a:blip>
-          <a:stretch>
-            <a:fillRect/>
-          </a:stretch>
-        </p:blipFill>
-        <p:spPr>
-          <a:xfrm>
-            <a:off x="11078692" y="266700"/>
-            <a:ext cx="1170459" cy="1170459"/>
-          </a:xfrm>
-          <a:prstGeom prst="rect">
-            <a:avLst/>
-          </a:prstGeom>
-        </p:spPr>
-      </p:pic>
-    </p:spTree>
-    <p:extLst>
-      <p:ext uri="{BB962C8B-B14F-4D97-AF65-F5344CB8AC3E}">
-        <p14:creationId xmlns:p14="http://schemas.microsoft.com/office/powerpoint/2010/main" val="3979927716"/>
-      </p:ext>
-    </p:extLst>
-  </p:cSld>
-  <p:clrMapOvr>
-    <a:masterClrMapping/>
-  </p:clrMapOvr>
-</p:sld>
-</file>
-
-<file path=ppt/slides/slide27.xml><?xml version="1.0" encoding="utf-8"?>
-<p:sld xmlns:a="http://schemas.openxmlformats.org/drawingml/2006/main" xmlns:r="http://schemas.openxmlformats.org/officeDocument/2006/relationships" xmlns:p="http://schemas.openxmlformats.org/presentationml/2006/main">
-  <p:cSld>
-    <p:spTree>
-      <p:nvGrpSpPr>
-        <p:cNvPr id="1" name="">
-          <a:extLst>
-            <a:ext uri="{FF2B5EF4-FFF2-40B4-BE49-F238E27FC236}">
-              <a16:creationId xmlns:a16="http://schemas.microsoft.com/office/drawing/2014/main" id="{DE57E7BF-7E63-CDCE-3B39-D62386786CFC}"/>
-            </a:ext>
-          </a:extLst>
-        </p:cNvPr>
-        <p:cNvGrpSpPr/>
-        <p:nvPr/>
-      </p:nvGrpSpPr>
-      <p:grpSpPr>
-        <a:xfrm>
-          <a:off x="0" y="0"/>
-          <a:ext cx="0" cy="0"/>
-          <a:chOff x="0" y="0"/>
-          <a:chExt cx="0" cy="0"/>
-        </a:xfrm>
-      </p:grpSpPr>
-      <p:sp>
-        <p:nvSpPr>
-          <p:cNvPr id="2" name="Espace réservé du numéro de diapositive 1">
-            <a:extLst>
-              <a:ext uri="{FF2B5EF4-FFF2-40B4-BE49-F238E27FC236}">
-                <a16:creationId xmlns:a16="http://schemas.microsoft.com/office/drawing/2014/main" id="{828E9B66-400B-46FD-9F1E-58BE96CF638D}"/>
-              </a:ext>
-            </a:extLst>
-          </p:cNvPr>
-          <p:cNvSpPr>
-            <a:spLocks noGrp="1"/>
-          </p:cNvSpPr>
-          <p:nvPr>
-            <p:ph type="sldNum" sz="quarter" idx="4"/>
-          </p:nvPr>
-        </p:nvSpPr>
-        <p:spPr/>
-        <p:txBody>
-          <a:bodyPr/>
-          <a:lstStyle/>
-          <a:p>
-            <a:fld id="{F546B7B7-7D14-4795-A998-350CFB2BDD43}" type="slidenum">
-              <a:rPr lang="fr-FR" smtClean="0"/>
-              <a:pPr/>
-              <a:t>27</a:t>
-            </a:fld>
-            <a:endParaRPr lang="fr-FR"/>
-          </a:p>
-        </p:txBody>
-      </p:sp>
-      <p:sp>
-        <p:nvSpPr>
-          <p:cNvPr id="3" name="ZoneTexte 2">
-            <a:extLst>
-              <a:ext uri="{FF2B5EF4-FFF2-40B4-BE49-F238E27FC236}">
-                <a16:creationId xmlns:a16="http://schemas.microsoft.com/office/drawing/2014/main" id="{53AFD727-8ADD-A2C1-1CD7-40226AF81120}"/>
-              </a:ext>
-            </a:extLst>
-          </p:cNvPr>
-          <p:cNvSpPr txBox="1"/>
-          <p:nvPr/>
-        </p:nvSpPr>
-        <p:spPr>
-          <a:xfrm>
-            <a:off x="2" y="532969"/>
-            <a:ext cx="12191999" cy="646331"/>
-          </a:xfrm>
-          <a:prstGeom prst="rect">
-            <a:avLst/>
-          </a:prstGeom>
-          <a:solidFill>
-            <a:srgbClr val="006A5A"/>
-          </a:solidFill>
-        </p:spPr>
-        <p:txBody>
-          <a:bodyPr wrap="square" rtlCol="0">
-            <a:spAutoFit/>
-          </a:bodyPr>
-          <a:lstStyle/>
-          <a:p>
-            <a:r>
-              <a:rPr lang="fr-FR" sz="3600" b="1" dirty="0">
-                <a:solidFill>
-                  <a:schemeClr val="bg1"/>
-                </a:solidFill>
-                <a:latin typeface="Gill Sans MT" panose="020B0502020104020203" pitchFamily="34" charset="0"/>
-              </a:rPr>
-              <a:t>4.4. Résultats du modèle final (</a:t>
-            </a:r>
-            <a:r>
-              <a:rPr lang="fr-FR" sz="3600" b="1" dirty="0">
-                <a:solidFill>
-                  <a:srgbClr val="FF0000"/>
-                </a:solidFill>
-                <a:latin typeface="Gill Sans MT" panose="020B0502020104020203" pitchFamily="34" charset="0"/>
-              </a:rPr>
-              <a:t>Richard</a:t>
-            </a:r>
-            <a:r>
-              <a:rPr lang="fr-FR" sz="3600" b="1" dirty="0">
-                <a:solidFill>
-                  <a:schemeClr val="bg1"/>
-                </a:solidFill>
-                <a:latin typeface="Gill Sans MT" panose="020B0502020104020203" pitchFamily="34" charset="0"/>
-              </a:rPr>
-              <a:t>)</a:t>
-            </a:r>
-          </a:p>
-        </p:txBody>
-      </p:sp>
-      <p:pic>
-        <p:nvPicPr>
-          <p:cNvPr id="4" name="Graphique 3" descr="Flèches de chevron">
-            <a:extLst>
-              <a:ext uri="{FF2B5EF4-FFF2-40B4-BE49-F238E27FC236}">
-                <a16:creationId xmlns:a16="http://schemas.microsoft.com/office/drawing/2014/main" id="{F75BEB96-AC2C-D93F-ED0D-23CE9E5050D3}"/>
-              </a:ext>
-            </a:extLst>
-          </p:cNvPr>
-          <p:cNvPicPr>
-            <a:picLocks noChangeAspect="1"/>
-          </p:cNvPicPr>
-          <p:nvPr/>
-        </p:nvPicPr>
-        <p:blipFill>
-          <a:blip r:embed="rId2">
-            <a:extLst>
-              <a:ext uri="{28A0092B-C50C-407E-A947-70E740481C1C}">
-                <a14:useLocalDpi xmlns:a14="http://schemas.microsoft.com/office/drawing/2010/main" val="0"/>
-              </a:ext>
-              <a:ext uri="{96DAC541-7B7A-43D3-8B79-37D633B846F1}">
-                <asvg:svgBlip xmlns:asvg="http://schemas.microsoft.com/office/drawing/2016/SVG/main" r:embed="rId3"/>
-              </a:ext>
-            </a:extLst>
-          </a:blip>
-          <a:stretch>
-            <a:fillRect/>
-          </a:stretch>
-        </p:blipFill>
-        <p:spPr>
-          <a:xfrm>
-            <a:off x="11078692" y="266700"/>
-            <a:ext cx="1170459" cy="1170459"/>
-          </a:xfrm>
-          <a:prstGeom prst="rect">
-            <a:avLst/>
-          </a:prstGeom>
-        </p:spPr>
-      </p:pic>
-    </p:spTree>
-    <p:extLst>
-      <p:ext uri="{BB962C8B-B14F-4D97-AF65-F5344CB8AC3E}">
-        <p14:creationId xmlns:p14="http://schemas.microsoft.com/office/powerpoint/2010/main" val="3452338476"/>
-      </p:ext>
-    </p:extLst>
-  </p:cSld>
-  <p:clrMapOvr>
-    <a:masterClrMapping/>
-  </p:clrMapOvr>
-</p:sld>
-</file>
-
-<file path=ppt/slides/slide28.xml><?xml version="1.0" encoding="utf-8"?>
-<p:sld xmlns:a="http://schemas.openxmlformats.org/drawingml/2006/main" xmlns:r="http://schemas.openxmlformats.org/officeDocument/2006/relationships" xmlns:p="http://schemas.openxmlformats.org/presentationml/2006/main">
-  <p:cSld>
-    <p:spTree>
-      <p:nvGrpSpPr>
-        <p:cNvPr id="1" name="">
-          <a:extLst>
-            <a:ext uri="{FF2B5EF4-FFF2-40B4-BE49-F238E27FC236}">
-              <a16:creationId xmlns:a16="http://schemas.microsoft.com/office/drawing/2014/main" id="{D0883E41-4E42-7945-61B6-CAD013D6BEFE}"/>
-            </a:ext>
-          </a:extLst>
-        </p:cNvPr>
-        <p:cNvGrpSpPr/>
-        <p:nvPr/>
-      </p:nvGrpSpPr>
-      <p:grpSpPr>
-        <a:xfrm>
-          <a:off x="0" y="0"/>
-          <a:ext cx="0" cy="0"/>
-          <a:chOff x="0" y="0"/>
-          <a:chExt cx="0" cy="0"/>
-        </a:xfrm>
-      </p:grpSpPr>
-      <p:sp>
-        <p:nvSpPr>
-          <p:cNvPr id="2" name="Espace réservé du numéro de diapositive 1">
-            <a:extLst>
-              <a:ext uri="{FF2B5EF4-FFF2-40B4-BE49-F238E27FC236}">
-                <a16:creationId xmlns:a16="http://schemas.microsoft.com/office/drawing/2014/main" id="{18374531-05B7-D43C-7ECE-E3551515F7E6}"/>
-              </a:ext>
-            </a:extLst>
-          </p:cNvPr>
-          <p:cNvSpPr>
-            <a:spLocks noGrp="1"/>
-          </p:cNvSpPr>
-          <p:nvPr>
-            <p:ph type="sldNum" sz="quarter" idx="4"/>
-          </p:nvPr>
-        </p:nvSpPr>
-        <p:spPr/>
-        <p:txBody>
-          <a:bodyPr/>
-          <a:lstStyle/>
-          <a:p>
-            <a:fld id="{F546B7B7-7D14-4795-A998-350CFB2BDD43}" type="slidenum">
-              <a:rPr lang="fr-FR" smtClean="0"/>
-              <a:pPr/>
-              <a:t>28</a:t>
-            </a:fld>
-            <a:endParaRPr lang="fr-FR"/>
-          </a:p>
-        </p:txBody>
-      </p:sp>
-      <p:sp>
-        <p:nvSpPr>
-          <p:cNvPr id="3" name="ZoneTexte 2">
-            <a:extLst>
-              <a:ext uri="{FF2B5EF4-FFF2-40B4-BE49-F238E27FC236}">
-                <a16:creationId xmlns:a16="http://schemas.microsoft.com/office/drawing/2014/main" id="{871FD580-3A6E-B316-8BC7-9CB96F2D45AA}"/>
-              </a:ext>
-            </a:extLst>
-          </p:cNvPr>
-          <p:cNvSpPr txBox="1"/>
-          <p:nvPr/>
-        </p:nvSpPr>
-        <p:spPr>
-          <a:xfrm>
-            <a:off x="2" y="532969"/>
-            <a:ext cx="12191999" cy="646331"/>
-          </a:xfrm>
-          <a:prstGeom prst="rect">
-            <a:avLst/>
-          </a:prstGeom>
-          <a:solidFill>
-            <a:srgbClr val="006A5A"/>
-          </a:solidFill>
-        </p:spPr>
-        <p:txBody>
-          <a:bodyPr wrap="square" rtlCol="0">
-            <a:spAutoFit/>
-          </a:bodyPr>
-          <a:lstStyle/>
-          <a:p>
-            <a:r>
-              <a:rPr lang="fr-FR" sz="3600" b="1" dirty="0">
-                <a:solidFill>
-                  <a:schemeClr val="bg1"/>
-                </a:solidFill>
-                <a:latin typeface="Gill Sans MT" panose="020B0502020104020203" pitchFamily="34" charset="0"/>
-              </a:rPr>
-              <a:t>4.5. Importance des variables (</a:t>
-            </a:r>
-            <a:r>
-              <a:rPr lang="fr-FR" sz="3600" b="1" dirty="0">
-                <a:solidFill>
-                  <a:srgbClr val="FF0000"/>
-                </a:solidFill>
-                <a:latin typeface="Gill Sans MT" panose="020B0502020104020203" pitchFamily="34" charset="0"/>
-              </a:rPr>
-              <a:t>Richard</a:t>
-            </a:r>
-            <a:r>
-              <a:rPr lang="fr-FR" sz="3600" b="1" dirty="0">
-                <a:solidFill>
-                  <a:schemeClr val="bg1"/>
-                </a:solidFill>
-                <a:latin typeface="Gill Sans MT" panose="020B0502020104020203" pitchFamily="34" charset="0"/>
-              </a:rPr>
-              <a:t>)</a:t>
-            </a:r>
-          </a:p>
-        </p:txBody>
-      </p:sp>
-      <p:pic>
-        <p:nvPicPr>
-          <p:cNvPr id="4" name="Graphique 3" descr="Flèches de chevron">
-            <a:extLst>
-              <a:ext uri="{FF2B5EF4-FFF2-40B4-BE49-F238E27FC236}">
-                <a16:creationId xmlns:a16="http://schemas.microsoft.com/office/drawing/2014/main" id="{E6BBA90F-BC7E-705D-974E-92597471D422}"/>
-              </a:ext>
-            </a:extLst>
-          </p:cNvPr>
-          <p:cNvPicPr>
-            <a:picLocks noChangeAspect="1"/>
-          </p:cNvPicPr>
-          <p:nvPr/>
-        </p:nvPicPr>
-        <p:blipFill>
-          <a:blip r:embed="rId2">
-            <a:extLst>
-              <a:ext uri="{28A0092B-C50C-407E-A947-70E740481C1C}">
-                <a14:useLocalDpi xmlns:a14="http://schemas.microsoft.com/office/drawing/2010/main" val="0"/>
-              </a:ext>
-              <a:ext uri="{96DAC541-7B7A-43D3-8B79-37D633B846F1}">
-                <asvg:svgBlip xmlns:asvg="http://schemas.microsoft.com/office/drawing/2016/SVG/main" r:embed="rId3"/>
-              </a:ext>
-            </a:extLst>
-          </a:blip>
-          <a:stretch>
-            <a:fillRect/>
-          </a:stretch>
-        </p:blipFill>
-        <p:spPr>
-          <a:xfrm>
-            <a:off x="11078692" y="266700"/>
-            <a:ext cx="1170459" cy="1170459"/>
-          </a:xfrm>
-          <a:prstGeom prst="rect">
-            <a:avLst/>
-          </a:prstGeom>
-        </p:spPr>
-      </p:pic>
-      <p:pic>
-        <p:nvPicPr>
-          <p:cNvPr id="6" name="Image 5">
-            <a:extLst>
-              <a:ext uri="{FF2B5EF4-FFF2-40B4-BE49-F238E27FC236}">
-                <a16:creationId xmlns:a16="http://schemas.microsoft.com/office/drawing/2014/main" id="{D23AC962-1BBC-5893-FA64-FBBF3CB72B31}"/>
-              </a:ext>
-            </a:extLst>
-          </p:cNvPr>
-          <p:cNvPicPr>
-            <a:picLocks noChangeAspect="1"/>
-          </p:cNvPicPr>
-          <p:nvPr/>
-        </p:nvPicPr>
-        <p:blipFill>
-          <a:blip r:embed="rId4">
-            <a:extLst>
-              <a:ext uri="{28A0092B-C50C-407E-A947-70E740481C1C}">
-                <a14:useLocalDpi xmlns:a14="http://schemas.microsoft.com/office/drawing/2010/main" val="0"/>
-              </a:ext>
-            </a:extLst>
-          </a:blip>
-          <a:stretch>
-            <a:fillRect/>
-          </a:stretch>
-        </p:blipFill>
-        <p:spPr>
-          <a:xfrm>
-            <a:off x="185050" y="1965074"/>
-            <a:ext cx="6958563" cy="4004928"/>
-          </a:xfrm>
-          <a:prstGeom prst="rect">
-            <a:avLst/>
-          </a:prstGeom>
-        </p:spPr>
-      </p:pic>
-    </p:spTree>
-    <p:extLst>
-      <p:ext uri="{BB962C8B-B14F-4D97-AF65-F5344CB8AC3E}">
-        <p14:creationId xmlns:p14="http://schemas.microsoft.com/office/powerpoint/2010/main" val="218831556"/>
-      </p:ext>
-    </p:extLst>
-  </p:cSld>
-  <p:clrMapOvr>
-    <a:masterClrMapping/>
-  </p:clrMapOvr>
-</p:sld>
-</file>
-
-<file path=ppt/slides/slide29.xml><?xml version="1.0" encoding="utf-8"?>
-<p:sld xmlns:a="http://schemas.openxmlformats.org/drawingml/2006/main" xmlns:r="http://schemas.openxmlformats.org/officeDocument/2006/relationships" xmlns:p="http://schemas.openxmlformats.org/presentationml/2006/main">
-  <p:cSld>
-    <p:spTree>
-      <p:nvGrpSpPr>
-        <p:cNvPr id="1" name=""/>
-        <p:cNvGrpSpPr/>
-        <p:nvPr/>
-      </p:nvGrpSpPr>
-      <p:grpSpPr>
-        <a:xfrm>
-          <a:off x="0" y="0"/>
-          <a:ext cx="0" cy="0"/>
-          <a:chOff x="0" y="0"/>
-          <a:chExt cx="0" cy="0"/>
-        </a:xfrm>
-      </p:grpSpPr>
-      <p:sp>
-        <p:nvSpPr>
-          <p:cNvPr id="2" name="Espace réservé du numéro de diapositive 1">
-            <a:extLst>
-              <a:ext uri="{FF2B5EF4-FFF2-40B4-BE49-F238E27FC236}">
-                <a16:creationId xmlns:a16="http://schemas.microsoft.com/office/drawing/2014/main" id="{F02A9202-F6F4-34FD-8D75-2802F86863BE}"/>
-              </a:ext>
-            </a:extLst>
-          </p:cNvPr>
-          <p:cNvSpPr>
-            <a:spLocks noGrp="1"/>
-          </p:cNvSpPr>
-          <p:nvPr>
-            <p:ph type="sldNum" sz="quarter" idx="4"/>
-          </p:nvPr>
-        </p:nvSpPr>
-        <p:spPr/>
-        <p:txBody>
-          <a:bodyPr/>
-          <a:lstStyle/>
-          <a:p>
-            <a:fld id="{F546B7B7-7D14-4795-A998-350CFB2BDD43}" type="slidenum">
-              <a:rPr lang="fr-FR" smtClean="0"/>
-              <a:pPr/>
-              <a:t>29</a:t>
-            </a:fld>
-            <a:endParaRPr lang="fr-FR"/>
-          </a:p>
-        </p:txBody>
-      </p:sp>
-      <p:sp>
-        <p:nvSpPr>
-          <p:cNvPr id="3" name="ZoneTexte 2">
-            <a:extLst>
-              <a:ext uri="{FF2B5EF4-FFF2-40B4-BE49-F238E27FC236}">
-                <a16:creationId xmlns:a16="http://schemas.microsoft.com/office/drawing/2014/main" id="{A3F2E86E-ED1B-4477-A0EF-E314068F0577}"/>
-              </a:ext>
-            </a:extLst>
-          </p:cNvPr>
-          <p:cNvSpPr txBox="1"/>
-          <p:nvPr/>
-        </p:nvSpPr>
-        <p:spPr>
-          <a:xfrm>
-            <a:off x="4664098" y="5025911"/>
-            <a:ext cx="2835298" cy="707886"/>
-          </a:xfrm>
-          <a:prstGeom prst="rect">
-            <a:avLst/>
-          </a:prstGeom>
-          <a:noFill/>
-        </p:spPr>
-        <p:txBody>
-          <a:bodyPr wrap="square" rtlCol="0">
-            <a:spAutoFit/>
-          </a:bodyPr>
-          <a:lstStyle/>
-          <a:p>
-            <a:pPr algn="ctr"/>
-            <a:r>
-              <a:rPr lang="fr-FR" sz="4000" b="1" dirty="0">
-                <a:solidFill>
-                  <a:srgbClr val="FF0000"/>
-                </a:solidFill>
-              </a:rPr>
-              <a:t>Toussaint</a:t>
-            </a:r>
-          </a:p>
-        </p:txBody>
-      </p:sp>
-    </p:spTree>
-    <p:extLst>
-      <p:ext uri="{BB962C8B-B14F-4D97-AF65-F5344CB8AC3E}">
-        <p14:creationId xmlns:p14="http://schemas.microsoft.com/office/powerpoint/2010/main" val="2684318139"/>
-      </p:ext>
-    </p:extLst>
-  </p:cSld>
-  <p:clrMapOvr>
-    <a:masterClrMapping/>
-  </p:clrMapOvr>
-</p:sld>
-</file>
-
-<file path=ppt/slides/slide3.xml><?xml version="1.0" encoding="utf-8"?>
-<p:sld xmlns:a="http://schemas.openxmlformats.org/drawingml/2006/main" xmlns:r="http://schemas.openxmlformats.org/officeDocument/2006/relationships" xmlns:p="http://schemas.openxmlformats.org/presentationml/2006/main">
-  <p:cSld>
-    <p:spTree>
-      <p:nvGrpSpPr>
-        <p:cNvPr id="1" name=""/>
-        <p:cNvGrpSpPr/>
-        <p:nvPr/>
-      </p:nvGrpSpPr>
-      <p:grpSpPr>
-        <a:xfrm>
-          <a:off x="0" y="0"/>
-          <a:ext cx="0" cy="0"/>
-          <a:chOff x="0" y="0"/>
-          <a:chExt cx="0" cy="0"/>
-        </a:xfrm>
-      </p:grpSpPr>
-      <p:sp>
-        <p:nvSpPr>
-          <p:cNvPr id="4" name="Espace réservé du numéro de diapositive 3">
-            <a:extLst>
-              <a:ext uri="{FF2B5EF4-FFF2-40B4-BE49-F238E27FC236}">
-                <a16:creationId xmlns:a16="http://schemas.microsoft.com/office/drawing/2014/main" id="{0BDA0677-C19B-D077-2572-F5A403C2CE4E}"/>
-              </a:ext>
-            </a:extLst>
-          </p:cNvPr>
-          <p:cNvSpPr>
-            <a:spLocks noGrp="1"/>
-          </p:cNvSpPr>
-          <p:nvPr>
-            <p:ph type="sldNum" sz="quarter" idx="4"/>
-          </p:nvPr>
-        </p:nvSpPr>
-        <p:spPr/>
-        <p:txBody>
-          <a:bodyPr/>
-          <a:lstStyle/>
-          <a:p>
-            <a:fld id="{F546B7B7-7D14-4795-A998-350CFB2BDD43}" type="slidenum">
-              <a:rPr lang="fr-FR" smtClean="0"/>
-              <a:pPr/>
-              <a:t>3</a:t>
-            </a:fld>
-            <a:endParaRPr lang="fr-FR"/>
-          </a:p>
-        </p:txBody>
-      </p:sp>
-    </p:spTree>
-    <p:extLst>
-      <p:ext uri="{BB962C8B-B14F-4D97-AF65-F5344CB8AC3E}">
-        <p14:creationId xmlns:p14="http://schemas.microsoft.com/office/powerpoint/2010/main" val="81490865"/>
-      </p:ext>
-    </p:extLst>
-  </p:cSld>
-  <p:clrMapOvr>
-    <a:masterClrMapping/>
-  </p:clrMapOvr>
-</p:sld>
-</file>
-
-<file path=ppt/slides/slide30.xml><?xml version="1.0" encoding="utf-8"?>
-<p:sld xmlns:a="http://schemas.openxmlformats.org/drawingml/2006/main" xmlns:r="http://schemas.openxmlformats.org/officeDocument/2006/relationships" xmlns:p="http://schemas.openxmlformats.org/presentationml/2006/main">
-  <p:cSld>
-    <p:spTree>
-      <p:nvGrpSpPr>
-        <p:cNvPr id="1" name="">
-          <a:extLst>
-            <a:ext uri="{FF2B5EF4-FFF2-40B4-BE49-F238E27FC236}">
-              <a16:creationId xmlns:a16="http://schemas.microsoft.com/office/drawing/2014/main" id="{6404518D-9B83-A97A-B402-64AD57E2AE10}"/>
-            </a:ext>
-          </a:extLst>
-        </p:cNvPr>
-        <p:cNvGrpSpPr/>
-        <p:nvPr/>
-      </p:nvGrpSpPr>
-      <p:grpSpPr>
-        <a:xfrm>
-          <a:off x="0" y="0"/>
-          <a:ext cx="0" cy="0"/>
-          <a:chOff x="0" y="0"/>
-          <a:chExt cx="0" cy="0"/>
-        </a:xfrm>
-      </p:grpSpPr>
-      <p:sp>
-        <p:nvSpPr>
-          <p:cNvPr id="2" name="Espace réservé du numéro de diapositive 1">
-            <a:extLst>
-              <a:ext uri="{FF2B5EF4-FFF2-40B4-BE49-F238E27FC236}">
-                <a16:creationId xmlns:a16="http://schemas.microsoft.com/office/drawing/2014/main" id="{7675A0EF-2B93-9A84-E82F-8E4533DAF721}"/>
-              </a:ext>
-            </a:extLst>
-          </p:cNvPr>
-          <p:cNvSpPr>
-            <a:spLocks noGrp="1"/>
-          </p:cNvSpPr>
-          <p:nvPr>
-            <p:ph type="sldNum" sz="quarter" idx="4"/>
-          </p:nvPr>
-        </p:nvSpPr>
-        <p:spPr>
-          <a:xfrm>
-            <a:off x="8636914" y="6356350"/>
-            <a:ext cx="2743200" cy="365125"/>
-          </a:xfrm>
-        </p:spPr>
-        <p:txBody>
-          <a:bodyPr/>
-          <a:lstStyle/>
-          <a:p>
-            <a:fld id="{F546B7B7-7D14-4795-A998-350CFB2BDD43}" type="slidenum">
-              <a:rPr lang="fr-FR" smtClean="0"/>
-              <a:pPr/>
-              <a:t>30</a:t>
-            </a:fld>
-            <a:endParaRPr lang="fr-FR" dirty="0"/>
-          </a:p>
-        </p:txBody>
-      </p:sp>
-    </p:spTree>
-    <p:extLst>
-      <p:ext uri="{BB962C8B-B14F-4D97-AF65-F5344CB8AC3E}">
-        <p14:creationId xmlns:p14="http://schemas.microsoft.com/office/powerpoint/2010/main" val="2743845950"/>
-      </p:ext>
-    </p:extLst>
-  </p:cSld>
-  <p:clrMapOvr>
-    <a:masterClrMapping/>
-  </p:clrMapOvr>
-</p:sld>
-</file>
-
-<file path=ppt/slides/slide31.xml><?xml version="1.0" encoding="utf-8"?>
-<p:sld xmlns:a="http://schemas.openxmlformats.org/drawingml/2006/main" xmlns:r="http://schemas.openxmlformats.org/officeDocument/2006/relationships" xmlns:p="http://schemas.openxmlformats.org/presentationml/2006/main">
-  <p:cSld>
-    <p:spTree>
-      <p:nvGrpSpPr>
-        <p:cNvPr id="1" name=""/>
-        <p:cNvGrpSpPr/>
-        <p:nvPr/>
-      </p:nvGrpSpPr>
-      <p:grpSpPr>
-        <a:xfrm>
-          <a:off x="0" y="0"/>
-          <a:ext cx="0" cy="0"/>
-          <a:chOff x="0" y="0"/>
-          <a:chExt cx="0" cy="0"/>
-        </a:xfrm>
-      </p:grpSpPr>
-      <p:sp>
-        <p:nvSpPr>
-          <p:cNvPr id="2" name="Espace réservé du numéro de diapositive 1">
-            <a:extLst>
-              <a:ext uri="{FF2B5EF4-FFF2-40B4-BE49-F238E27FC236}">
-                <a16:creationId xmlns:a16="http://schemas.microsoft.com/office/drawing/2014/main" id="{C6774523-1B01-5B97-0F0B-BF284CC498C9}"/>
-              </a:ext>
-            </a:extLst>
-          </p:cNvPr>
-          <p:cNvSpPr>
-            <a:spLocks noGrp="1"/>
-          </p:cNvSpPr>
-          <p:nvPr>
-            <p:ph type="sldNum" sz="quarter" idx="4"/>
-          </p:nvPr>
-        </p:nvSpPr>
-        <p:spPr/>
-        <p:txBody>
-          <a:bodyPr/>
-          <a:lstStyle/>
-          <a:p>
-            <a:fld id="{F546B7B7-7D14-4795-A998-350CFB2BDD43}" type="slidenum">
-              <a:rPr lang="fr-FR" smtClean="0"/>
-              <a:pPr/>
-              <a:t>31</a:t>
-            </a:fld>
-            <a:endParaRPr lang="fr-FR"/>
-          </a:p>
-        </p:txBody>
-      </p:sp>
-    </p:spTree>
-    <p:extLst>
-      <p:ext uri="{BB962C8B-B14F-4D97-AF65-F5344CB8AC3E}">
-        <p14:creationId xmlns:p14="http://schemas.microsoft.com/office/powerpoint/2010/main" val="499719419"/>
-      </p:ext>
-    </p:extLst>
-  </p:cSld>
-  <p:clrMapOvr>
-    <a:masterClrMapping/>
-  </p:clrMapOvr>
-</p:sld>
-</file>
-
-<file path=ppt/slides/slide32.xml><?xml version="1.0" encoding="utf-8"?>
-<p:sld xmlns:a="http://schemas.openxmlformats.org/drawingml/2006/main" xmlns:r="http://schemas.openxmlformats.org/officeDocument/2006/relationships" xmlns:p="http://schemas.openxmlformats.org/presentationml/2006/main">
-  <p:cSld>
-    <p:spTree>
-      <p:nvGrpSpPr>
-        <p:cNvPr id="1" name="">
-          <a:extLst>
-            <a:ext uri="{FF2B5EF4-FFF2-40B4-BE49-F238E27FC236}">
-              <a16:creationId xmlns:a16="http://schemas.microsoft.com/office/drawing/2014/main" id="{9658799F-B625-DA42-E33E-CAA5585B1433}"/>
-            </a:ext>
-          </a:extLst>
-        </p:cNvPr>
-        <p:cNvGrpSpPr/>
-        <p:nvPr/>
-      </p:nvGrpSpPr>
-      <p:grpSpPr>
-        <a:xfrm>
-          <a:off x="0" y="0"/>
-          <a:ext cx="0" cy="0"/>
-          <a:chOff x="0" y="0"/>
-          <a:chExt cx="0" cy="0"/>
-        </a:xfrm>
-      </p:grpSpPr>
-      <p:sp>
-        <p:nvSpPr>
-          <p:cNvPr id="2" name="Espace réservé du numéro de diapositive 1">
-            <a:extLst>
-              <a:ext uri="{FF2B5EF4-FFF2-40B4-BE49-F238E27FC236}">
-                <a16:creationId xmlns:a16="http://schemas.microsoft.com/office/drawing/2014/main" id="{8F636E6D-2DFC-B1D8-B6A5-5D16D9A7B834}"/>
-              </a:ext>
-            </a:extLst>
-          </p:cNvPr>
-          <p:cNvSpPr>
-            <a:spLocks noGrp="1"/>
-          </p:cNvSpPr>
-          <p:nvPr>
-            <p:ph type="sldNum" sz="quarter" idx="4"/>
-          </p:nvPr>
-        </p:nvSpPr>
-        <p:spPr/>
-        <p:txBody>
-          <a:bodyPr/>
-          <a:lstStyle/>
-          <a:p>
-            <a:fld id="{F546B7B7-7D14-4795-A998-350CFB2BDD43}" type="slidenum">
-              <a:rPr lang="fr-FR" smtClean="0"/>
-              <a:pPr/>
-              <a:t>32</a:t>
-            </a:fld>
-            <a:endParaRPr lang="fr-FR" dirty="0"/>
-          </a:p>
-        </p:txBody>
-      </p:sp>
-      <p:sp>
-        <p:nvSpPr>
-          <p:cNvPr id="3" name="ZoneTexte 2">
-            <a:extLst>
-              <a:ext uri="{FF2B5EF4-FFF2-40B4-BE49-F238E27FC236}">
-                <a16:creationId xmlns:a16="http://schemas.microsoft.com/office/drawing/2014/main" id="{CE5A935D-6C97-6D69-D581-24F8704F08B1}"/>
-              </a:ext>
-            </a:extLst>
-          </p:cNvPr>
-          <p:cNvSpPr txBox="1"/>
-          <p:nvPr/>
-        </p:nvSpPr>
-        <p:spPr>
-          <a:xfrm>
-            <a:off x="2" y="532969"/>
-            <a:ext cx="12191999" cy="646331"/>
-          </a:xfrm>
-          <a:prstGeom prst="rect">
-            <a:avLst/>
-          </a:prstGeom>
-          <a:solidFill>
-            <a:srgbClr val="006A5A"/>
-          </a:solidFill>
-        </p:spPr>
-        <p:txBody>
-          <a:bodyPr wrap="square" rtlCol="0">
-            <a:spAutoFit/>
-          </a:bodyPr>
-          <a:lstStyle/>
-          <a:p>
-            <a:r>
-              <a:rPr lang="fr-FR" sz="3600" b="1" dirty="0">
-                <a:solidFill>
-                  <a:schemeClr val="bg1"/>
-                </a:solidFill>
-                <a:latin typeface="Gill Sans MT" panose="020B0502020104020203" pitchFamily="34" charset="0"/>
-              </a:rPr>
-              <a:t>Conclusion</a:t>
-            </a:r>
-          </a:p>
-        </p:txBody>
-      </p:sp>
-      <p:pic>
-        <p:nvPicPr>
-          <p:cNvPr id="4" name="Graphique 3" descr="Flèches de chevron">
-            <a:extLst>
-              <a:ext uri="{FF2B5EF4-FFF2-40B4-BE49-F238E27FC236}">
-                <a16:creationId xmlns:a16="http://schemas.microsoft.com/office/drawing/2014/main" id="{5656D646-2ADE-3673-AEFA-DA2A546191F0}"/>
-              </a:ext>
-            </a:extLst>
-          </p:cNvPr>
-          <p:cNvPicPr>
-            <a:picLocks noChangeAspect="1"/>
-          </p:cNvPicPr>
-          <p:nvPr/>
-        </p:nvPicPr>
-        <p:blipFill>
-          <a:blip r:embed="rId2">
-            <a:extLst>
-              <a:ext uri="{28A0092B-C50C-407E-A947-70E740481C1C}">
-                <a14:useLocalDpi xmlns:a14="http://schemas.microsoft.com/office/drawing/2010/main" val="0"/>
-              </a:ext>
-              <a:ext uri="{96DAC541-7B7A-43D3-8B79-37D633B846F1}">
-                <asvg:svgBlip xmlns:asvg="http://schemas.microsoft.com/office/drawing/2016/SVG/main" r:embed="rId3"/>
-              </a:ext>
-            </a:extLst>
-          </a:blip>
-          <a:stretch>
-            <a:fillRect/>
-          </a:stretch>
-        </p:blipFill>
-        <p:spPr>
-          <a:xfrm>
-            <a:off x="11078692" y="266700"/>
-            <a:ext cx="1170459" cy="1170459"/>
-          </a:xfrm>
-          <a:prstGeom prst="rect">
-            <a:avLst/>
-          </a:prstGeom>
-        </p:spPr>
-      </p:pic>
-    </p:spTree>
-    <p:extLst>
-      <p:ext uri="{BB962C8B-B14F-4D97-AF65-F5344CB8AC3E}">
-        <p14:creationId xmlns:p14="http://schemas.microsoft.com/office/powerpoint/2010/main" val="1770795297"/>
-      </p:ext>
-    </p:extLst>
-  </p:cSld>
-  <p:clrMapOvr>
-    <a:masterClrMapping/>
-  </p:clrMapOvr>
-</p:sld>
-</file>
-
-<file path=ppt/slides/slide33.xml><?xml version="1.0" encoding="utf-8"?>
-<p:sld xmlns:a="http://schemas.openxmlformats.org/drawingml/2006/main" xmlns:r="http://schemas.openxmlformats.org/officeDocument/2006/relationships" xmlns:p="http://schemas.openxmlformats.org/presentationml/2006/main">
-  <p:cSld>
-    <p:spTree>
-      <p:nvGrpSpPr>
-        <p:cNvPr id="1" name=""/>
-        <p:cNvGrpSpPr/>
-        <p:nvPr/>
-      </p:nvGrpSpPr>
-      <p:grpSpPr>
-        <a:xfrm>
-          <a:off x="0" y="0"/>
-          <a:ext cx="0" cy="0"/>
-          <a:chOff x="0" y="0"/>
-          <a:chExt cx="0" cy="0"/>
-        </a:xfrm>
-      </p:grpSpPr>
-      <p:sp>
-        <p:nvSpPr>
-          <p:cNvPr id="2" name="Espace réservé du numéro de diapositive 1">
-            <a:extLst>
-              <a:ext uri="{FF2B5EF4-FFF2-40B4-BE49-F238E27FC236}">
-                <a16:creationId xmlns:a16="http://schemas.microsoft.com/office/drawing/2014/main" id="{D3EBC552-5039-AD2A-33FE-AAF3F6AA0B9C}"/>
-              </a:ext>
-            </a:extLst>
-          </p:cNvPr>
-          <p:cNvSpPr txBox="1">
-            <a:spLocks/>
-          </p:cNvSpPr>
-          <p:nvPr/>
-        </p:nvSpPr>
-        <p:spPr>
-          <a:xfrm>
-            <a:off x="8610600" y="6356350"/>
-            <a:ext cx="2743200" cy="365125"/>
-          </a:xfrm>
-          <a:prstGeom prst="rect">
-            <a:avLst/>
-          </a:prstGeom>
-        </p:spPr>
-        <p:txBody>
-          <a:bodyPr/>
-          <a:lstStyle>
-            <a:defPPr>
-              <a:defRPr lang="fr-FR"/>
-            </a:defPPr>
-            <a:lvl1pPr marL="0" algn="l" defTabSz="914400" rtl="0" eaLnBrk="1" latinLnBrk="0" hangingPunct="1">
-              <a:defRPr sz="1800" kern="1200">
-                <a:solidFill>
-                  <a:schemeClr val="tx1"/>
-                </a:solidFill>
-                <a:latin typeface="+mn-lt"/>
-                <a:ea typeface="+mn-ea"/>
-                <a:cs typeface="+mn-cs"/>
-              </a:defRPr>
-            </a:lvl1pPr>
-            <a:lvl2pPr marL="457200" algn="l" defTabSz="914400" rtl="0" eaLnBrk="1" latinLnBrk="0" hangingPunct="1">
-              <a:defRPr sz="1800" kern="1200">
-                <a:solidFill>
-                  <a:schemeClr val="tx1"/>
-                </a:solidFill>
-                <a:latin typeface="+mn-lt"/>
-                <a:ea typeface="+mn-ea"/>
-                <a:cs typeface="+mn-cs"/>
-              </a:defRPr>
-            </a:lvl2pPr>
-            <a:lvl3pPr marL="914400" algn="l" defTabSz="914400" rtl="0" eaLnBrk="1" latinLnBrk="0" hangingPunct="1">
-              <a:defRPr sz="1800" kern="1200">
-                <a:solidFill>
-                  <a:schemeClr val="tx1"/>
-                </a:solidFill>
-                <a:latin typeface="+mn-lt"/>
-                <a:ea typeface="+mn-ea"/>
-                <a:cs typeface="+mn-cs"/>
-              </a:defRPr>
-            </a:lvl3pPr>
-            <a:lvl4pPr marL="1371600" algn="l" defTabSz="914400" rtl="0" eaLnBrk="1" latinLnBrk="0" hangingPunct="1">
-              <a:defRPr sz="1800" kern="1200">
-                <a:solidFill>
-                  <a:schemeClr val="tx1"/>
-                </a:solidFill>
-                <a:latin typeface="+mn-lt"/>
-                <a:ea typeface="+mn-ea"/>
-                <a:cs typeface="+mn-cs"/>
-              </a:defRPr>
-            </a:lvl4pPr>
-            <a:lvl5pPr marL="1828800" algn="l" defTabSz="914400" rtl="0" eaLnBrk="1" latinLnBrk="0" hangingPunct="1">
-              <a:defRPr sz="1800" kern="1200">
-                <a:solidFill>
-                  <a:schemeClr val="tx1"/>
-                </a:solidFill>
-                <a:latin typeface="+mn-lt"/>
-                <a:ea typeface="+mn-ea"/>
-                <a:cs typeface="+mn-cs"/>
-              </a:defRPr>
-            </a:lvl5pPr>
-            <a:lvl6pPr marL="2286000" algn="l" defTabSz="914400" rtl="0" eaLnBrk="1" latinLnBrk="0" hangingPunct="1">
-              <a:defRPr sz="1800" kern="1200">
-                <a:solidFill>
-                  <a:schemeClr val="tx1"/>
-                </a:solidFill>
-                <a:latin typeface="+mn-lt"/>
-                <a:ea typeface="+mn-ea"/>
-                <a:cs typeface="+mn-cs"/>
-              </a:defRPr>
-            </a:lvl6pPr>
-            <a:lvl7pPr marL="2743200" algn="l" defTabSz="914400" rtl="0" eaLnBrk="1" latinLnBrk="0" hangingPunct="1">
-              <a:defRPr sz="1800" kern="1200">
-                <a:solidFill>
-                  <a:schemeClr val="tx1"/>
-                </a:solidFill>
-                <a:latin typeface="+mn-lt"/>
-                <a:ea typeface="+mn-ea"/>
-                <a:cs typeface="+mn-cs"/>
-              </a:defRPr>
-            </a:lvl7pPr>
-            <a:lvl8pPr marL="3200400" algn="l" defTabSz="914400" rtl="0" eaLnBrk="1" latinLnBrk="0" hangingPunct="1">
-              <a:defRPr sz="1800" kern="1200">
-                <a:solidFill>
-                  <a:schemeClr val="tx1"/>
-                </a:solidFill>
-                <a:latin typeface="+mn-lt"/>
-                <a:ea typeface="+mn-ea"/>
-                <a:cs typeface="+mn-cs"/>
-              </a:defRPr>
-            </a:lvl8pPr>
-            <a:lvl9pPr marL="3657600" algn="l" defTabSz="914400" rtl="0" eaLnBrk="1" latinLnBrk="0" hangingPunct="1">
-              <a:defRPr sz="1800" kern="1200">
-                <a:solidFill>
-                  <a:schemeClr val="tx1"/>
-                </a:solidFill>
-                <a:latin typeface="+mn-lt"/>
-                <a:ea typeface="+mn-ea"/>
-                <a:cs typeface="+mn-cs"/>
-              </a:defRPr>
-            </a:lvl9pPr>
-          </a:lstStyle>
-          <a:p>
-            <a:pPr algn="r"/>
-            <a:fld id="{F546B7B7-7D14-4795-A998-350CFB2BDD43}" type="slidenum">
-              <a:rPr lang="fr-FR" smtClean="0">
-                <a:solidFill>
-                  <a:srgbClr val="006A5A"/>
-                </a:solidFill>
-                <a:latin typeface="Montserrat" panose="02000505000000020004" pitchFamily="2" charset="0"/>
-              </a:rPr>
-              <a:pPr algn="r"/>
-              <a:t>33</a:t>
-            </a:fld>
-            <a:endParaRPr lang="fr-FR" dirty="0">
-              <a:solidFill>
-                <a:srgbClr val="006A5A"/>
-              </a:solidFill>
-              <a:latin typeface="Montserrat" panose="02000505000000020004" pitchFamily="2" charset="0"/>
-            </a:endParaRPr>
-          </a:p>
-        </p:txBody>
-      </p:sp>
-      <p:sp>
-        <p:nvSpPr>
-          <p:cNvPr id="3" name="ZoneTexte 2">
-            <a:extLst>
-              <a:ext uri="{FF2B5EF4-FFF2-40B4-BE49-F238E27FC236}">
-                <a16:creationId xmlns:a16="http://schemas.microsoft.com/office/drawing/2014/main" id="{C6E3FE66-E499-2D62-34D8-F7F6C322E193}"/>
-              </a:ext>
-            </a:extLst>
-          </p:cNvPr>
-          <p:cNvSpPr txBox="1"/>
-          <p:nvPr/>
-        </p:nvSpPr>
-        <p:spPr>
-          <a:xfrm>
-            <a:off x="1781176" y="3013502"/>
-            <a:ext cx="8629651" cy="831125"/>
-          </a:xfrm>
-          <a:prstGeom prst="rect">
-            <a:avLst/>
-          </a:prstGeom>
-          <a:noFill/>
-        </p:spPr>
-        <p:txBody>
-          <a:bodyPr wrap="square" rtlCol="0">
-            <a:spAutoFit/>
-          </a:bodyPr>
-          <a:lstStyle/>
-          <a:p>
-            <a:pPr algn="ctr"/>
-            <a:r>
-              <a:rPr lang="fr-FR" sz="4801" dirty="0">
-                <a:solidFill>
-                  <a:schemeClr val="bg1"/>
-                </a:solidFill>
-                <a:latin typeface="Gill Sans MT" panose="020B0502020104020203" pitchFamily="34" charset="0"/>
-              </a:rPr>
-              <a:t>Merci de votre attention</a:t>
-            </a:r>
-          </a:p>
-        </p:txBody>
-      </p:sp>
-    </p:spTree>
-    <p:extLst>
-      <p:ext uri="{BB962C8B-B14F-4D97-AF65-F5344CB8AC3E}">
-        <p14:creationId xmlns:p14="http://schemas.microsoft.com/office/powerpoint/2010/main" val="2413220496"/>
-      </p:ext>
-    </p:extLst>
-  </p:cSld>
-  <p:clrMapOvr>
-    <a:masterClrMapping/>
-  </p:clrMapOvr>
-  <p:timing>
-    <p:tnLst>
-      <p:par>
-        <p:cTn id="1" dur="indefinite" restart="never" nodeType="tmRoot">
-          <p:childTnLst>
-            <p:seq concurrent="1" nextAc="seek">
-              <p:cTn id="2" dur="indefinite" nodeType="mainSeq">
-                <p:childTnLst>
-                  <p:par>
-                    <p:cTn id="3" fill="hold">
-                      <p:stCondLst>
-                        <p:cond delay="indefinite"/>
-                        <p:cond evt="onBegin" delay="0">
-                          <p:tn val="2"/>
-                        </p:cond>
-                      </p:stCondLst>
-                      <p:childTnLst>
-                        <p:par>
-                          <p:cTn id="4" fill="hold">
-                            <p:stCondLst>
-                              <p:cond delay="0"/>
-                            </p:stCondLst>
-                            <p:childTnLst>
-                              <p:par>
-                                <p:cTn id="5" presetID="32" presetClass="emph" presetSubtype="0" repeatCount="indefinite" fill="hold" grpId="0" nodeType="afterEffect">
-                                  <p:stCondLst>
-                                    <p:cond delay="0"/>
-                                  </p:stCondLst>
-                                  <p:endCondLst>
-                                    <p:cond evt="onNext" delay="0">
-                                      <p:tgtEl>
-                                        <p:sldTgt/>
-                                      </p:tgtEl>
-                                    </p:cond>
-                                  </p:endCondLst>
-                                  <p:childTnLst>
-                                    <p:animRot by="120000">
-                                      <p:cBhvr>
-                                        <p:cTn id="6" dur="100" fill="hold">
-                                          <p:stCondLst>
-                                            <p:cond delay="0"/>
-                                          </p:stCondLst>
-                                        </p:cTn>
-                                        <p:tgtEl>
-                                          <p:spTgt spid="3"/>
-                                        </p:tgtEl>
-                                        <p:attrNameLst>
-                                          <p:attrName>r</p:attrName>
-                                        </p:attrNameLst>
-                                      </p:cBhvr>
-                                    </p:animRot>
-                                    <p:animRot by="-240000">
-                                      <p:cBhvr>
-                                        <p:cTn id="7" dur="200" fill="hold">
-                                          <p:stCondLst>
-                                            <p:cond delay="200"/>
-                                          </p:stCondLst>
-                                        </p:cTn>
-                                        <p:tgtEl>
-                                          <p:spTgt spid="3"/>
-                                        </p:tgtEl>
-                                        <p:attrNameLst>
-                                          <p:attrName>r</p:attrName>
-                                        </p:attrNameLst>
-                                      </p:cBhvr>
-                                    </p:animRot>
-                                    <p:animRot by="240000">
-                                      <p:cBhvr>
-                                        <p:cTn id="8" dur="200" fill="hold">
-                                          <p:stCondLst>
-                                            <p:cond delay="400"/>
-                                          </p:stCondLst>
-                                        </p:cTn>
-                                        <p:tgtEl>
-                                          <p:spTgt spid="3"/>
-                                        </p:tgtEl>
-                                        <p:attrNameLst>
-                                          <p:attrName>r</p:attrName>
-                                        </p:attrNameLst>
-                                      </p:cBhvr>
-                                    </p:animRot>
-                                    <p:animRot by="-240000">
-                                      <p:cBhvr>
-                                        <p:cTn id="9" dur="200" fill="hold">
-                                          <p:stCondLst>
-                                            <p:cond delay="600"/>
-                                          </p:stCondLst>
-                                        </p:cTn>
-                                        <p:tgtEl>
-                                          <p:spTgt spid="3"/>
-                                        </p:tgtEl>
-                                        <p:attrNameLst>
-                                          <p:attrName>r</p:attrName>
-                                        </p:attrNameLst>
-                                      </p:cBhvr>
-                                    </p:animRot>
-                                    <p:animRot by="120000">
-                                      <p:cBhvr>
-                                        <p:cTn id="10" dur="200" fill="hold">
-                                          <p:stCondLst>
-                                            <p:cond delay="800"/>
-                                          </p:stCondLst>
-                                        </p:cTn>
-                                        <p:tgtEl>
-                                          <p:spTgt spid="3"/>
-                                        </p:tgtEl>
-                                        <p:attrNameLst>
-                                          <p:attrName>r</p:attrName>
-                                        </p:attrNameLst>
-                                      </p:cBhvr>
-                                    </p:animRot>
-                                  </p:childTnLst>
-                                </p:cTn>
-                              </p:par>
-                            </p:childTnLst>
-                          </p:cTn>
-                        </p:par>
-                      </p:childTnLst>
-                    </p:cTn>
-                  </p:par>
-                </p:childTnLst>
-              </p:cTn>
-              <p:prevCondLst>
-                <p:cond evt="onPrev" delay="0">
-                  <p:tgtEl>
-                    <p:sldTgt/>
-                  </p:tgtEl>
-                </p:cond>
-              </p:prevCondLst>
-              <p:nextCondLst>
-                <p:cond evt="onNext" delay="0">
-                  <p:tgtEl>
-                    <p:sldTgt/>
-                  </p:tgtEl>
-                </p:cond>
-              </p:nextCondLst>
-            </p:seq>
-          </p:childTnLst>
-        </p:cTn>
-      </p:par>
-    </p:tnLst>
-    <p:bldLst>
-      <p:bldP spid="3" grpId="0"/>
-    </p:bldLst>
-  </p:timing>
-</p:sld>
-</file>
-
-<file path=ppt/slides/slide4.xml><?xml version="1.0" encoding="utf-8"?>
-<p:sld xmlns:a="http://schemas.openxmlformats.org/drawingml/2006/main" xmlns:r="http://schemas.openxmlformats.org/officeDocument/2006/relationships" xmlns:p="http://schemas.openxmlformats.org/presentationml/2006/main">
-  <p:cSld>
-    <p:spTree>
-      <p:nvGrpSpPr>
-        <p:cNvPr id="1" name=""/>
-        <p:cNvGrpSpPr/>
-        <p:nvPr/>
-      </p:nvGrpSpPr>
-      <p:grpSpPr>
-        <a:xfrm>
-          <a:off x="0" y="0"/>
-          <a:ext cx="0" cy="0"/>
-          <a:chOff x="0" y="0"/>
-          <a:chExt cx="0" cy="0"/>
-        </a:xfrm>
-      </p:grpSpPr>
-      <p:sp>
-        <p:nvSpPr>
-          <p:cNvPr id="3" name="Espace réservé du numéro de diapositive 2">
-            <a:extLst>
-              <a:ext uri="{FF2B5EF4-FFF2-40B4-BE49-F238E27FC236}">
-                <a16:creationId xmlns:a16="http://schemas.microsoft.com/office/drawing/2014/main" id="{68EEE016-1B4D-27DD-4ADA-3B73EB64F3E1}"/>
-              </a:ext>
-            </a:extLst>
-          </p:cNvPr>
-          <p:cNvSpPr>
-            <a:spLocks noGrp="1"/>
-          </p:cNvSpPr>
-          <p:nvPr>
-            <p:ph type="sldNum" sz="quarter" idx="4"/>
-          </p:nvPr>
-        </p:nvSpPr>
-        <p:spPr>
-          <a:xfrm>
-            <a:off x="8610600" y="6356350"/>
-            <a:ext cx="2743200" cy="365125"/>
-          </a:xfrm>
-        </p:spPr>
-        <p:txBody>
-          <a:bodyPr/>
-          <a:lstStyle/>
-          <a:p>
-            <a:fld id="{F546B7B7-7D14-4795-A998-350CFB2BDD43}" type="slidenum">
-              <a:rPr lang="fr-FR" smtClean="0"/>
-              <a:pPr/>
-              <a:t>4</a:t>
-            </a:fld>
-            <a:endParaRPr lang="fr-FR"/>
-          </a:p>
-        </p:txBody>
-      </p:sp>
-      <p:sp>
-        <p:nvSpPr>
-          <p:cNvPr id="2" name="ZoneTexte 1">
-            <a:extLst>
-              <a:ext uri="{FF2B5EF4-FFF2-40B4-BE49-F238E27FC236}">
-                <a16:creationId xmlns:a16="http://schemas.microsoft.com/office/drawing/2014/main" id="{0A4C5EA5-8EC5-BD2E-0FB5-DC298C4E156C}"/>
-              </a:ext>
-            </a:extLst>
-          </p:cNvPr>
-          <p:cNvSpPr txBox="1"/>
-          <p:nvPr/>
-        </p:nvSpPr>
-        <p:spPr>
-          <a:xfrm>
-            <a:off x="2" y="532969"/>
-            <a:ext cx="12191999" cy="646331"/>
-          </a:xfrm>
-          <a:prstGeom prst="rect">
-            <a:avLst/>
-          </a:prstGeom>
-          <a:solidFill>
-            <a:srgbClr val="006A5A"/>
-          </a:solidFill>
-        </p:spPr>
-        <p:txBody>
-          <a:bodyPr wrap="square" rtlCol="0">
-            <a:spAutoFit/>
-          </a:bodyPr>
-          <a:lstStyle/>
-          <a:p>
-            <a:r>
-              <a:rPr lang="fr-FR" sz="3600" b="1" dirty="0">
-                <a:solidFill>
-                  <a:schemeClr val="bg1"/>
-                </a:solidFill>
-                <a:latin typeface="Gill Sans MT" panose="020B0502020104020203" pitchFamily="34" charset="0"/>
-              </a:rPr>
-              <a:t>Introduction (</a:t>
-            </a:r>
-            <a:r>
-              <a:rPr lang="fr-FR" sz="3600" b="1" dirty="0">
-                <a:solidFill>
-                  <a:srgbClr val="FF0000"/>
-                </a:solidFill>
-                <a:latin typeface="Gill Sans MT" panose="020B0502020104020203" pitchFamily="34" charset="0"/>
-              </a:rPr>
-              <a:t>Toussaint: revoir sur une seule diapo</a:t>
-            </a:r>
-            <a:r>
-              <a:rPr lang="fr-FR" sz="3600" b="1" dirty="0">
-                <a:solidFill>
-                  <a:schemeClr val="bg1"/>
-                </a:solidFill>
-                <a:latin typeface="Gill Sans MT" panose="020B0502020104020203" pitchFamily="34" charset="0"/>
-              </a:rPr>
-              <a:t>)</a:t>
-            </a:r>
-          </a:p>
-        </p:txBody>
-      </p:sp>
-      <p:pic>
-        <p:nvPicPr>
-          <p:cNvPr id="4" name="Graphique 3" descr="Flèches de chevron">
-            <a:extLst>
-              <a:ext uri="{FF2B5EF4-FFF2-40B4-BE49-F238E27FC236}">
-                <a16:creationId xmlns:a16="http://schemas.microsoft.com/office/drawing/2014/main" id="{358D0F2A-5D55-3BCA-A5C6-BEE40DA79E83}"/>
-              </a:ext>
-            </a:extLst>
-          </p:cNvPr>
-          <p:cNvPicPr>
-            <a:picLocks noChangeAspect="1"/>
-          </p:cNvPicPr>
-          <p:nvPr/>
-        </p:nvPicPr>
-        <p:blipFill>
-          <a:blip r:embed="rId2">
-            <a:extLst>
-              <a:ext uri="{28A0092B-C50C-407E-A947-70E740481C1C}">
-                <a14:useLocalDpi xmlns:a14="http://schemas.microsoft.com/office/drawing/2010/main" val="0"/>
-              </a:ext>
-              <a:ext uri="{96DAC541-7B7A-43D3-8B79-37D633B846F1}">
-                <asvg:svgBlip xmlns:asvg="http://schemas.microsoft.com/office/drawing/2016/SVG/main" r:embed="rId3"/>
-              </a:ext>
-            </a:extLst>
-          </a:blip>
-          <a:stretch>
-            <a:fillRect/>
-          </a:stretch>
-        </p:blipFill>
-        <p:spPr>
-          <a:xfrm>
-            <a:off x="11078692" y="266700"/>
-            <a:ext cx="1170459" cy="1170459"/>
-          </a:xfrm>
-          <a:prstGeom prst="rect">
-            <a:avLst/>
-          </a:prstGeom>
-        </p:spPr>
-      </p:pic>
-      <p:sp>
-        <p:nvSpPr>
-          <p:cNvPr id="8" name="ZoneTexte 7">
-            <a:extLst>
-              <a:ext uri="{FF2B5EF4-FFF2-40B4-BE49-F238E27FC236}">
-                <a16:creationId xmlns:a16="http://schemas.microsoft.com/office/drawing/2014/main" id="{CDA3B022-3B8D-2B7C-C02F-660DEFB862E6}"/>
-              </a:ext>
-            </a:extLst>
-          </p:cNvPr>
-          <p:cNvSpPr txBox="1"/>
-          <p:nvPr/>
-        </p:nvSpPr>
-        <p:spPr>
-          <a:xfrm>
-            <a:off x="0" y="2186070"/>
-            <a:ext cx="12191999" cy="644857"/>
-          </a:xfrm>
-          <a:prstGeom prst="rect">
-            <a:avLst/>
-          </a:prstGeom>
-          <a:noFill/>
-        </p:spPr>
-        <p:txBody>
-          <a:bodyPr wrap="square">
-            <a:spAutoFit/>
-          </a:bodyPr>
-          <a:lstStyle/>
-          <a:p>
-            <a:pPr algn="just">
-              <a:lnSpc>
-                <a:spcPts val="2143"/>
-              </a:lnSpc>
-              <a:spcBef>
-                <a:spcPts val="1029"/>
-              </a:spcBef>
-              <a:spcAft>
-                <a:spcPts val="1029"/>
-              </a:spcAft>
-            </a:pPr>
-            <a:r>
-              <a:rPr lang="fr-FR" sz="2400" b="1" dirty="0"/>
-              <a:t>Disparités territoriales d’accès aux soins en France </a:t>
-            </a:r>
-            <a:r>
-              <a:rPr lang="fr-FR" sz="2400" dirty="0"/>
-              <a:t>(3,9 consultations/an en moyenne, mais </a:t>
-            </a:r>
-            <a:r>
-              <a:rPr lang="fr-FR" sz="2400" b="1" dirty="0"/>
-              <a:t>déserts médicaux en zones rurales</a:t>
-            </a:r>
-            <a:r>
-              <a:rPr lang="fr-FR" sz="2400" dirty="0"/>
-              <a:t>) (INSEE, 2021).</a:t>
-            </a:r>
-          </a:p>
-        </p:txBody>
-      </p:sp>
-      <p:sp>
-        <p:nvSpPr>
-          <p:cNvPr id="9" name="Flèche : bas 8">
-            <a:extLst>
-              <a:ext uri="{FF2B5EF4-FFF2-40B4-BE49-F238E27FC236}">
-                <a16:creationId xmlns:a16="http://schemas.microsoft.com/office/drawing/2014/main" id="{6FBA090B-867E-37B7-B9BA-BFD094911B54}"/>
-              </a:ext>
-            </a:extLst>
-          </p:cNvPr>
-          <p:cNvSpPr/>
-          <p:nvPr/>
-        </p:nvSpPr>
-        <p:spPr>
-          <a:xfrm>
-            <a:off x="5853682" y="2880332"/>
-            <a:ext cx="680682" cy="541453"/>
-          </a:xfrm>
-          <a:prstGeom prst="downArrow">
-            <a:avLst/>
-          </a:prstGeom>
-          <a:solidFill>
-            <a:srgbClr val="006A5A"/>
-          </a:solidFill>
-        </p:spPr>
-        <p:style>
-          <a:lnRef idx="2">
-            <a:schemeClr val="accent1">
-              <a:shade val="15000"/>
-            </a:schemeClr>
-          </a:lnRef>
-          <a:fillRef idx="1">
-            <a:schemeClr val="accent1"/>
-          </a:fillRef>
-          <a:effectRef idx="0">
-            <a:schemeClr val="accent1"/>
-          </a:effectRef>
-          <a:fontRef idx="minor">
-            <a:schemeClr val="lt1"/>
-          </a:fontRef>
-        </p:style>
-        <p:txBody>
-          <a:bodyPr rtlCol="0" anchor="ctr"/>
-          <a:lstStyle/>
-          <a:p>
-            <a:pPr algn="ctr"/>
-            <a:endParaRPr lang="en-US"/>
-          </a:p>
-        </p:txBody>
-      </p:sp>
-      <p:sp>
-        <p:nvSpPr>
-          <p:cNvPr id="11" name="ZoneTexte 10">
-            <a:extLst>
-              <a:ext uri="{FF2B5EF4-FFF2-40B4-BE49-F238E27FC236}">
-                <a16:creationId xmlns:a16="http://schemas.microsoft.com/office/drawing/2014/main" id="{DE44A447-12A0-D5D3-CD89-4C3290013389}"/>
-              </a:ext>
-            </a:extLst>
-          </p:cNvPr>
-          <p:cNvSpPr txBox="1"/>
-          <p:nvPr/>
-        </p:nvSpPr>
-        <p:spPr>
-          <a:xfrm>
-            <a:off x="-1" y="3471190"/>
-            <a:ext cx="12192000" cy="1569660"/>
-          </a:xfrm>
-          <a:prstGeom prst="rect">
-            <a:avLst/>
-          </a:prstGeom>
-          <a:noFill/>
-        </p:spPr>
-        <p:txBody>
-          <a:bodyPr wrap="square">
-            <a:spAutoFit/>
-          </a:bodyPr>
-          <a:lstStyle/>
-          <a:p>
-            <a:pPr algn="just"/>
-            <a:r>
-              <a:rPr lang="fr-FR" sz="2400" dirty="0"/>
-              <a:t>Dans des </a:t>
-            </a:r>
-            <a:r>
-              <a:rPr lang="fr-FR" sz="2400" b="1" dirty="0"/>
-              <a:t>zones sous-dotées</a:t>
-            </a:r>
-            <a:r>
-              <a:rPr lang="fr-FR" sz="2400" dirty="0"/>
-              <a:t>, identifiées comme des zones d’intervention prioritaire (ZIP), les </a:t>
-            </a:r>
-            <a:r>
-              <a:rPr lang="fr-FR" sz="2400" b="1" dirty="0"/>
-              <a:t>professionnels de santé tendent à intensifier leur charge de travail</a:t>
-            </a:r>
-            <a:r>
-              <a:rPr lang="fr-FR" sz="2400" dirty="0"/>
-              <a:t> pour répondre à une demande croissante, ce qui pourrait affecter la </a:t>
-            </a:r>
-            <a:r>
-              <a:rPr lang="fr-FR" sz="2400" b="1" dirty="0"/>
-              <a:t>qualité des soins médicaux fournis </a:t>
-            </a:r>
-            <a:r>
-              <a:rPr lang="fr-FR" sz="2400" dirty="0"/>
-              <a:t>(INSEE, 2020). Cette situation affecte donc de façon directe la </a:t>
-            </a:r>
-            <a:r>
-              <a:rPr lang="fr-FR" sz="2400" b="1" dirty="0"/>
-              <a:t>santé des populations locales</a:t>
-            </a:r>
-            <a:r>
-              <a:rPr lang="fr-FR" sz="2400" dirty="0"/>
-              <a:t>.</a:t>
-            </a:r>
-            <a:endParaRPr lang="en-US" sz="2400" dirty="0"/>
-          </a:p>
-        </p:txBody>
-      </p:sp>
-      <p:sp>
-        <p:nvSpPr>
-          <p:cNvPr id="13" name="ZoneTexte 12">
-            <a:extLst>
-              <a:ext uri="{FF2B5EF4-FFF2-40B4-BE49-F238E27FC236}">
-                <a16:creationId xmlns:a16="http://schemas.microsoft.com/office/drawing/2014/main" id="{FE8FA23B-61E8-7CBD-ECE3-556334FDE01F}"/>
-              </a:ext>
-            </a:extLst>
-          </p:cNvPr>
-          <p:cNvSpPr txBox="1"/>
-          <p:nvPr/>
-        </p:nvSpPr>
-        <p:spPr>
-          <a:xfrm>
-            <a:off x="0" y="1463893"/>
-            <a:ext cx="12192000" cy="402674"/>
-          </a:xfrm>
-          <a:prstGeom prst="rect">
-            <a:avLst/>
-          </a:prstGeom>
-          <a:solidFill>
-            <a:srgbClr val="006A5A"/>
-          </a:solidFill>
-        </p:spPr>
-        <p:txBody>
-          <a:bodyPr wrap="square">
-            <a:spAutoFit/>
-          </a:bodyPr>
-          <a:lstStyle/>
-          <a:p>
-            <a:pPr algn="ctr">
-              <a:lnSpc>
-                <a:spcPts val="2143"/>
-              </a:lnSpc>
-              <a:spcBef>
-                <a:spcPts val="1029"/>
-              </a:spcBef>
-              <a:spcAft>
-                <a:spcPts val="1029"/>
-              </a:spcAft>
-            </a:pPr>
-            <a:r>
-              <a:rPr lang="fr-FR" sz="3200" b="1" i="0" dirty="0">
-                <a:solidFill>
-                  <a:schemeClr val="bg1"/>
-                </a:solidFill>
-                <a:effectLst/>
-                <a:latin typeface="DeepSeek-CJK-patch"/>
-              </a:rPr>
-              <a:t>Contexte</a:t>
-            </a:r>
-            <a:endParaRPr lang="fr-FR" sz="3200" dirty="0">
-              <a:solidFill>
-                <a:schemeClr val="bg1"/>
-              </a:solidFill>
-              <a:latin typeface="DeepSeek-CJK-patch"/>
-            </a:endParaRPr>
-          </a:p>
-        </p:txBody>
-      </p:sp>
-    </p:spTree>
-    <p:extLst>
-      <p:ext uri="{BB962C8B-B14F-4D97-AF65-F5344CB8AC3E}">
-        <p14:creationId xmlns:p14="http://schemas.microsoft.com/office/powerpoint/2010/main" val="413827849"/>
-      </p:ext>
-    </p:extLst>
-  </p:cSld>
-  <p:clrMapOvr>
-    <a:masterClrMapping/>
-  </p:clrMapOvr>
-</p:sld>
-</file>
-
-<file path=ppt/slides/slide5.xml><?xml version="1.0" encoding="utf-8"?>
-<p:sld xmlns:a="http://schemas.openxmlformats.org/drawingml/2006/main" xmlns:r="http://schemas.openxmlformats.org/officeDocument/2006/relationships" xmlns:p="http://schemas.openxmlformats.org/presentationml/2006/main">
-  <p:cSld>
-    <p:spTree>
-      <p:nvGrpSpPr>
-        <p:cNvPr id="1" name="">
-          <a:extLst>
-            <a:ext uri="{FF2B5EF4-FFF2-40B4-BE49-F238E27FC236}">
-              <a16:creationId xmlns:a16="http://schemas.microsoft.com/office/drawing/2014/main" id="{1DC3E05C-46C0-FCBC-FEB3-4152F415D075}"/>
-            </a:ext>
-          </a:extLst>
-        </p:cNvPr>
-        <p:cNvGrpSpPr/>
-        <p:nvPr/>
-      </p:nvGrpSpPr>
-      <p:grpSpPr>
-        <a:xfrm>
-          <a:off x="0" y="0"/>
-          <a:ext cx="0" cy="0"/>
-          <a:chOff x="0" y="0"/>
-          <a:chExt cx="0" cy="0"/>
-        </a:xfrm>
-      </p:grpSpPr>
-      <p:sp>
-        <p:nvSpPr>
-          <p:cNvPr id="3" name="Espace réservé du numéro de diapositive 2">
-            <a:extLst>
-              <a:ext uri="{FF2B5EF4-FFF2-40B4-BE49-F238E27FC236}">
-                <a16:creationId xmlns:a16="http://schemas.microsoft.com/office/drawing/2014/main" id="{61B3844F-6602-DE5B-07F8-BE888BA7C3B8}"/>
-              </a:ext>
-            </a:extLst>
-          </p:cNvPr>
-          <p:cNvSpPr>
-            <a:spLocks noGrp="1"/>
-          </p:cNvSpPr>
-          <p:nvPr>
-            <p:ph type="sldNum" sz="quarter" idx="4"/>
-          </p:nvPr>
-        </p:nvSpPr>
-        <p:spPr>
-          <a:xfrm>
-            <a:off x="8610600" y="6356350"/>
-            <a:ext cx="2743200" cy="365125"/>
-          </a:xfrm>
-        </p:spPr>
-        <p:txBody>
-          <a:bodyPr/>
-          <a:lstStyle/>
-          <a:p>
-            <a:fld id="{F546B7B7-7D14-4795-A998-350CFB2BDD43}" type="slidenum">
-              <a:rPr lang="fr-FR" smtClean="0"/>
-              <a:pPr/>
-              <a:t>5</a:t>
-            </a:fld>
-            <a:endParaRPr lang="fr-FR"/>
-          </a:p>
-        </p:txBody>
-      </p:sp>
-      <p:sp>
-        <p:nvSpPr>
-          <p:cNvPr id="2" name="ZoneTexte 1">
-            <a:extLst>
-              <a:ext uri="{FF2B5EF4-FFF2-40B4-BE49-F238E27FC236}">
-                <a16:creationId xmlns:a16="http://schemas.microsoft.com/office/drawing/2014/main" id="{B9B15575-E3E1-F421-3BDD-CE5913A92E1E}"/>
-              </a:ext>
-            </a:extLst>
-          </p:cNvPr>
-          <p:cNvSpPr txBox="1"/>
-          <p:nvPr/>
-        </p:nvSpPr>
-        <p:spPr>
-          <a:xfrm>
-            <a:off x="2" y="532969"/>
-            <a:ext cx="12191999" cy="646331"/>
-          </a:xfrm>
-          <a:prstGeom prst="rect">
-            <a:avLst/>
-          </a:prstGeom>
-          <a:solidFill>
-            <a:srgbClr val="006A5A"/>
-          </a:solidFill>
-        </p:spPr>
-        <p:txBody>
-          <a:bodyPr wrap="square" rtlCol="0">
-            <a:spAutoFit/>
-          </a:bodyPr>
-          <a:lstStyle/>
-          <a:p>
-            <a:r>
-              <a:rPr lang="fr-FR" sz="3600" b="1" dirty="0">
-                <a:solidFill>
-                  <a:schemeClr val="bg1"/>
-                </a:solidFill>
-                <a:latin typeface="Gill Sans MT" panose="020B0502020104020203" pitchFamily="34" charset="0"/>
-              </a:rPr>
-              <a:t>Introduction</a:t>
-            </a:r>
-          </a:p>
-        </p:txBody>
-      </p:sp>
-      <p:pic>
-        <p:nvPicPr>
-          <p:cNvPr id="4" name="Graphique 3" descr="Flèches de chevron">
-            <a:extLst>
-              <a:ext uri="{FF2B5EF4-FFF2-40B4-BE49-F238E27FC236}">
-                <a16:creationId xmlns:a16="http://schemas.microsoft.com/office/drawing/2014/main" id="{D99A80A9-7C5C-F7F9-808E-14F9AA54B2D5}"/>
-              </a:ext>
-            </a:extLst>
-          </p:cNvPr>
-          <p:cNvPicPr>
-            <a:picLocks noChangeAspect="1"/>
-          </p:cNvPicPr>
-          <p:nvPr/>
-        </p:nvPicPr>
-        <p:blipFill>
-          <a:blip r:embed="rId2">
-            <a:extLst>
-              <a:ext uri="{28A0092B-C50C-407E-A947-70E740481C1C}">
-                <a14:useLocalDpi xmlns:a14="http://schemas.microsoft.com/office/drawing/2010/main" val="0"/>
-              </a:ext>
-              <a:ext uri="{96DAC541-7B7A-43D3-8B79-37D633B846F1}">
-                <asvg:svgBlip xmlns:asvg="http://schemas.microsoft.com/office/drawing/2016/SVG/main" r:embed="rId3"/>
-              </a:ext>
-            </a:extLst>
-          </a:blip>
-          <a:stretch>
-            <a:fillRect/>
-          </a:stretch>
-        </p:blipFill>
-        <p:spPr>
-          <a:xfrm>
-            <a:off x="11078692" y="266700"/>
-            <a:ext cx="1170459" cy="1170459"/>
-          </a:xfrm>
-          <a:prstGeom prst="rect">
-            <a:avLst/>
-          </a:prstGeom>
-        </p:spPr>
-      </p:pic>
-      <p:sp>
-        <p:nvSpPr>
-          <p:cNvPr id="8" name="ZoneTexte 7">
-            <a:extLst>
-              <a:ext uri="{FF2B5EF4-FFF2-40B4-BE49-F238E27FC236}">
-                <a16:creationId xmlns:a16="http://schemas.microsoft.com/office/drawing/2014/main" id="{F0CCCD4C-73B8-500E-6EFC-DBF78E6F546F}"/>
-              </a:ext>
-            </a:extLst>
-          </p:cNvPr>
-          <p:cNvSpPr txBox="1"/>
-          <p:nvPr/>
-        </p:nvSpPr>
-        <p:spPr>
-          <a:xfrm>
-            <a:off x="0" y="2186070"/>
-            <a:ext cx="12191999" cy="644857"/>
-          </a:xfrm>
-          <a:prstGeom prst="rect">
-            <a:avLst/>
-          </a:prstGeom>
-          <a:noFill/>
-        </p:spPr>
-        <p:txBody>
-          <a:bodyPr wrap="square">
-            <a:spAutoFit/>
-          </a:bodyPr>
-          <a:lstStyle/>
-          <a:p>
-            <a:pPr algn="ctr">
-              <a:lnSpc>
-                <a:spcPts val="2143"/>
-              </a:lnSpc>
-              <a:spcBef>
-                <a:spcPts val="1029"/>
-              </a:spcBef>
-              <a:spcAft>
-                <a:spcPts val="1029"/>
-              </a:spcAft>
-            </a:pPr>
-            <a:r>
-              <a:rPr lang="fr-FR" sz="2400" b="0" i="0" dirty="0">
-                <a:solidFill>
-                  <a:srgbClr val="404040"/>
-                </a:solidFill>
-                <a:effectLst/>
-              </a:rPr>
-              <a:t>Identifier les facteurs socio-économiques, démographiques et spatiaux influençant le taux de consultations</a:t>
-            </a:r>
-            <a:endParaRPr lang="fr-FR" sz="2400" dirty="0"/>
-          </a:p>
-        </p:txBody>
-      </p:sp>
-      <p:sp>
-        <p:nvSpPr>
-          <p:cNvPr id="11" name="ZoneTexte 10">
-            <a:extLst>
-              <a:ext uri="{FF2B5EF4-FFF2-40B4-BE49-F238E27FC236}">
-                <a16:creationId xmlns:a16="http://schemas.microsoft.com/office/drawing/2014/main" id="{C5D807AF-A898-62C2-0BBB-4E63A5AD0FFD}"/>
-              </a:ext>
-            </a:extLst>
-          </p:cNvPr>
-          <p:cNvSpPr txBox="1"/>
-          <p:nvPr/>
-        </p:nvSpPr>
-        <p:spPr>
-          <a:xfrm>
-            <a:off x="0" y="3738320"/>
-            <a:ext cx="12191999" cy="375552"/>
-          </a:xfrm>
-          <a:prstGeom prst="rect">
-            <a:avLst/>
-          </a:prstGeom>
-          <a:noFill/>
-        </p:spPr>
-        <p:txBody>
-          <a:bodyPr wrap="square">
-            <a:spAutoFit/>
-          </a:bodyPr>
-          <a:lstStyle/>
-          <a:p>
-            <a:pPr lvl="1" algn="ctr">
-              <a:lnSpc>
-                <a:spcPts val="2143"/>
-              </a:lnSpc>
-              <a:spcBef>
-                <a:spcPts val="300"/>
-              </a:spcBef>
-              <a:spcAft>
-                <a:spcPts val="1029"/>
-              </a:spcAft>
-            </a:pPr>
-            <a:r>
-              <a:rPr lang="fr-FR" sz="2400" b="0" i="0" dirty="0">
-                <a:solidFill>
-                  <a:srgbClr val="404040"/>
-                </a:solidFill>
-                <a:effectLst/>
-              </a:rPr>
-              <a:t>Modéliser le taux de consultations avec une approche spatiale.</a:t>
-            </a:r>
-          </a:p>
-        </p:txBody>
-      </p:sp>
-      <p:sp>
-        <p:nvSpPr>
-          <p:cNvPr id="5" name="ZoneTexte 4">
-            <a:extLst>
-              <a:ext uri="{FF2B5EF4-FFF2-40B4-BE49-F238E27FC236}">
-                <a16:creationId xmlns:a16="http://schemas.microsoft.com/office/drawing/2014/main" id="{84F77960-7084-8E83-960E-19F553C99623}"/>
-              </a:ext>
-            </a:extLst>
-          </p:cNvPr>
-          <p:cNvSpPr txBox="1"/>
-          <p:nvPr/>
-        </p:nvSpPr>
-        <p:spPr>
-          <a:xfrm>
-            <a:off x="1" y="3190426"/>
-            <a:ext cx="12191998" cy="402674"/>
-          </a:xfrm>
-          <a:prstGeom prst="rect">
-            <a:avLst/>
-          </a:prstGeom>
-          <a:solidFill>
-            <a:srgbClr val="006A5A"/>
-          </a:solidFill>
-        </p:spPr>
-        <p:txBody>
-          <a:bodyPr wrap="square">
-            <a:spAutoFit/>
-          </a:bodyPr>
-          <a:lstStyle/>
-          <a:p>
-            <a:pPr algn="ctr">
-              <a:lnSpc>
-                <a:spcPts val="2143"/>
-              </a:lnSpc>
-              <a:spcBef>
-                <a:spcPts val="1029"/>
-              </a:spcBef>
-              <a:spcAft>
-                <a:spcPts val="1029"/>
-              </a:spcAft>
-            </a:pPr>
-            <a:r>
-              <a:rPr lang="fr-FR" sz="3200" b="1" i="0" dirty="0">
-                <a:solidFill>
-                  <a:schemeClr val="bg1"/>
-                </a:solidFill>
-                <a:effectLst/>
-                <a:latin typeface="DeepSeek-CJK-patch"/>
-              </a:rPr>
-              <a:t>Objectifs</a:t>
-            </a:r>
-            <a:endParaRPr lang="fr-FR" sz="3200" dirty="0">
-              <a:solidFill>
-                <a:schemeClr val="bg1"/>
-              </a:solidFill>
-              <a:latin typeface="DeepSeek-CJK-patch"/>
-            </a:endParaRPr>
-          </a:p>
-        </p:txBody>
-      </p:sp>
-      <p:sp>
-        <p:nvSpPr>
-          <p:cNvPr id="12" name="ZoneTexte 11">
-            <a:extLst>
-              <a:ext uri="{FF2B5EF4-FFF2-40B4-BE49-F238E27FC236}">
-                <a16:creationId xmlns:a16="http://schemas.microsoft.com/office/drawing/2014/main" id="{88C966F4-44C2-83A0-A526-40BA622A26D3}"/>
-              </a:ext>
-            </a:extLst>
-          </p:cNvPr>
-          <p:cNvSpPr txBox="1"/>
-          <p:nvPr/>
-        </p:nvSpPr>
-        <p:spPr>
-          <a:xfrm>
-            <a:off x="0" y="4829326"/>
-            <a:ext cx="12191999" cy="1799723"/>
-          </a:xfrm>
-          <a:prstGeom prst="rect">
-            <a:avLst/>
-          </a:prstGeom>
-          <a:noFill/>
-        </p:spPr>
-        <p:txBody>
-          <a:bodyPr wrap="square">
-            <a:spAutoFit/>
-          </a:bodyPr>
-          <a:lstStyle/>
-          <a:p>
-            <a:pPr marL="742950" lvl="1" indent="-285750" algn="l">
-              <a:lnSpc>
-                <a:spcPts val="2143"/>
-              </a:lnSpc>
-              <a:spcBef>
-                <a:spcPts val="300"/>
-              </a:spcBef>
-              <a:spcAft>
-                <a:spcPts val="1029"/>
-              </a:spcAft>
-              <a:buFont typeface="Arial" panose="020B0604020202020204" pitchFamily="34" charset="0"/>
-              <a:buChar char="•"/>
-            </a:pPr>
-            <a:r>
-              <a:rPr lang="fr-FR" sz="2800" dirty="0">
-                <a:solidFill>
-                  <a:srgbClr val="404040"/>
-                </a:solidFill>
-              </a:rPr>
-              <a:t>Visualiser la répartition spatiale de ces taux en vue d’identifier les zones à fort et faible taux</a:t>
-            </a:r>
-          </a:p>
-          <a:p>
-            <a:pPr marL="742950" lvl="1" indent="-285750" algn="l">
-              <a:lnSpc>
-                <a:spcPts val="2143"/>
-              </a:lnSpc>
-              <a:spcBef>
-                <a:spcPts val="300"/>
-              </a:spcBef>
-              <a:spcAft>
-                <a:spcPts val="1029"/>
-              </a:spcAft>
-              <a:buFont typeface="Arial" panose="020B0604020202020204" pitchFamily="34" charset="0"/>
-              <a:buChar char="•"/>
-            </a:pPr>
-            <a:r>
-              <a:rPr lang="fr-FR" sz="2800" dirty="0"/>
-              <a:t>Identifier les facteurs socio-économiques et démographiques qui influencent le taux de consultations</a:t>
-            </a:r>
-          </a:p>
-          <a:p>
-            <a:pPr marL="742950" lvl="1" indent="-285750" algn="l">
-              <a:lnSpc>
-                <a:spcPts val="2143"/>
-              </a:lnSpc>
-              <a:spcBef>
-                <a:spcPts val="300"/>
-              </a:spcBef>
-              <a:spcAft>
-                <a:spcPts val="1029"/>
-              </a:spcAft>
-              <a:buFont typeface="Arial" panose="020B0604020202020204" pitchFamily="34" charset="0"/>
-              <a:buChar char="•"/>
-            </a:pPr>
-            <a:r>
-              <a:rPr lang="fr-FR" sz="2800" b="0" i="0" dirty="0">
-                <a:solidFill>
-                  <a:srgbClr val="404040"/>
-                </a:solidFill>
-                <a:effectLst/>
-              </a:rPr>
-              <a:t>Proposer des recommandations pour réduire les inégalités.</a:t>
-            </a:r>
-          </a:p>
-        </p:txBody>
-      </p:sp>
-      <p:sp>
-        <p:nvSpPr>
-          <p:cNvPr id="13" name="Flèche : bas 12">
-            <a:extLst>
-              <a:ext uri="{FF2B5EF4-FFF2-40B4-BE49-F238E27FC236}">
-                <a16:creationId xmlns:a16="http://schemas.microsoft.com/office/drawing/2014/main" id="{84949886-7639-C5D1-5B65-A476511A03DF}"/>
-              </a:ext>
-            </a:extLst>
-          </p:cNvPr>
-          <p:cNvSpPr/>
-          <p:nvPr/>
-        </p:nvSpPr>
-        <p:spPr>
-          <a:xfrm>
-            <a:off x="5755658" y="4127401"/>
-            <a:ext cx="680682" cy="541453"/>
-          </a:xfrm>
-          <a:prstGeom prst="downArrow">
-            <a:avLst/>
-          </a:prstGeom>
-          <a:solidFill>
-            <a:srgbClr val="006A5A"/>
-          </a:solidFill>
-        </p:spPr>
-        <p:style>
-          <a:lnRef idx="2">
-            <a:schemeClr val="accent1">
-              <a:shade val="15000"/>
-            </a:schemeClr>
-          </a:lnRef>
-          <a:fillRef idx="1">
-            <a:schemeClr val="accent1"/>
-          </a:fillRef>
-          <a:effectRef idx="0">
-            <a:schemeClr val="accent1"/>
-          </a:effectRef>
-          <a:fontRef idx="minor">
-            <a:schemeClr val="lt1"/>
-          </a:fontRef>
-        </p:style>
-        <p:txBody>
-          <a:bodyPr rtlCol="0" anchor="ctr"/>
-          <a:lstStyle/>
-          <a:p>
-            <a:pPr algn="ctr"/>
-            <a:endParaRPr lang="en-US"/>
-          </a:p>
-        </p:txBody>
-      </p:sp>
-      <p:sp>
-        <p:nvSpPr>
-          <p:cNvPr id="15" name="ZoneTexte 14">
-            <a:extLst>
-              <a:ext uri="{FF2B5EF4-FFF2-40B4-BE49-F238E27FC236}">
-                <a16:creationId xmlns:a16="http://schemas.microsoft.com/office/drawing/2014/main" id="{FEA3A605-4B04-EBA8-C8FF-3263A9BCC82A}"/>
-              </a:ext>
-            </a:extLst>
-          </p:cNvPr>
-          <p:cNvSpPr txBox="1"/>
-          <p:nvPr/>
-        </p:nvSpPr>
-        <p:spPr>
-          <a:xfrm>
-            <a:off x="0" y="1449387"/>
-            <a:ext cx="12191999" cy="406905"/>
-          </a:xfrm>
-          <a:prstGeom prst="rect">
-            <a:avLst/>
-          </a:prstGeom>
-          <a:solidFill>
-            <a:srgbClr val="006A5A"/>
-          </a:solidFill>
-        </p:spPr>
-        <p:txBody>
-          <a:bodyPr wrap="square">
-            <a:spAutoFit/>
-          </a:bodyPr>
-          <a:lstStyle/>
-          <a:p>
-            <a:pPr algn="ctr">
-              <a:lnSpc>
-                <a:spcPts val="2143"/>
-              </a:lnSpc>
-              <a:spcBef>
-                <a:spcPts val="1029"/>
-              </a:spcBef>
-              <a:spcAft>
-                <a:spcPts val="1029"/>
-              </a:spcAft>
-            </a:pPr>
-            <a:r>
-              <a:rPr lang="fr-FR" sz="3200" b="1" i="0" dirty="0">
-                <a:solidFill>
-                  <a:schemeClr val="bg1"/>
-                </a:solidFill>
-                <a:effectLst/>
-                <a:latin typeface="DeepSeek-CJK-patch"/>
-              </a:rPr>
-              <a:t>Problématique</a:t>
-            </a:r>
-            <a:endParaRPr lang="fr-FR" sz="3200" dirty="0">
-              <a:solidFill>
-                <a:schemeClr val="bg1"/>
-              </a:solidFill>
-              <a:latin typeface="DeepSeek-CJK-patch"/>
-            </a:endParaRPr>
-          </a:p>
-        </p:txBody>
-      </p:sp>
-    </p:spTree>
-    <p:extLst>
-      <p:ext uri="{BB962C8B-B14F-4D97-AF65-F5344CB8AC3E}">
-        <p14:creationId xmlns:p14="http://schemas.microsoft.com/office/powerpoint/2010/main" val="1413526045"/>
-      </p:ext>
-    </p:extLst>
-  </p:cSld>
-  <p:clrMapOvr>
-    <a:masterClrMapping/>
-  </p:clrMapOvr>
 </p:sld>
 </file>
 

--- a/Présentation/Soutenance_Groupe25.pptx
+++ b/Présentation/Soutenance_Groupe25.pptx
@@ -248,7 +248,7 @@
           <a:p>
             <a:fld id="{02EF5511-433E-438D-93BB-1E1EB804EB9E}" type="datetimeFigureOut">
               <a:rPr lang="fr-FR" smtClean="0"/>
-              <a:t>19/04/2025</a:t>
+              <a:t>20/04/2025</a:t>
             </a:fld>
             <a:endParaRPr lang="fr-FR"/>
           </a:p>
@@ -426,7 +426,7 @@
           <a:p>
             <a:fld id="{173019D8-EACC-4538-984E-33CCC42DAA4E}" type="datetimeFigureOut">
               <a:rPr lang="fr-FR" smtClean="0"/>
-              <a:t>19/04/2025</a:t>
+              <a:t>20/04/2025</a:t>
             </a:fld>
             <a:endParaRPr lang="fr-FR"/>
           </a:p>
@@ -919,7 +919,7 @@
             <a:fld id="{B4BDA9CF-F2B2-41BE-8486-9C59032E0655}" type="datetime4">
               <a:rPr lang="fr-FR" smtClean="0"/>
               <a:pPr/>
-              <a:t>19 avril 2025</a:t>
+              <a:t>20 avril 2025</a:t>
             </a:fld>
             <a:endParaRPr lang="fr-FR" dirty="0"/>
           </a:p>
@@ -13550,7 +13550,7 @@
         </p:nvSpPr>
         <p:spPr>
           <a:xfrm>
-            <a:off x="0" y="4829326"/>
+            <a:off x="0" y="4697246"/>
             <a:ext cx="12191999" cy="1799723"/>
           </a:xfrm>
           <a:prstGeom prst="rect">
@@ -13645,7 +13645,7 @@
         </p:nvSpPr>
         <p:spPr>
           <a:xfrm>
-            <a:off x="5755658" y="4127401"/>
+            <a:off x="5755658" y="4076601"/>
             <a:ext cx="680682" cy="541453"/>
           </a:xfrm>
           <a:prstGeom prst="downArrow">
@@ -13952,8 +13952,8 @@
           </a:prstGeom>
         </p:spPr>
       </p:pic>
-      <mc:AlternateContent xmlns:mc="http://schemas.openxmlformats.org/markup-compatibility/2006">
-        <mc:Choice xmlns:a14="http://schemas.microsoft.com/office/drawing/2010/main" Requires="a14">
+      <mc:AlternateContent xmlns:mc="http://schemas.openxmlformats.org/markup-compatibility/2006" xmlns:a14="http://schemas.microsoft.com/office/drawing/2010/main">
+        <mc:Choice Requires="a14">
           <p:sp>
             <p:nvSpPr>
               <p:cNvPr id="6" name="ZoneTexte 5">
@@ -14217,7 +14217,7 @@
             </p:txBody>
           </p:sp>
         </mc:Choice>
-        <mc:Fallback>
+        <mc:Fallback xmlns="">
           <p:sp>
             <p:nvSpPr>
               <p:cNvPr id="6" name="ZoneTexte 5">
@@ -14262,8 +14262,8 @@
           </p:sp>
         </mc:Fallback>
       </mc:AlternateContent>
-      <mc:AlternateContent xmlns:mc="http://schemas.openxmlformats.org/markup-compatibility/2006">
-        <mc:Choice xmlns:a14="http://schemas.microsoft.com/office/drawing/2010/main" Requires="a14">
+      <mc:AlternateContent xmlns:mc="http://schemas.openxmlformats.org/markup-compatibility/2006" xmlns:a14="http://schemas.microsoft.com/office/drawing/2010/main">
+        <mc:Choice Requires="a14">
           <p:sp>
             <p:nvSpPr>
               <p:cNvPr id="8" name="ZoneTexte 7">
@@ -14942,7 +14942,7 @@
             </p:txBody>
           </p:sp>
         </mc:Choice>
-        <mc:Fallback>
+        <mc:Fallback xmlns="">
           <p:sp>
             <p:nvSpPr>
               <p:cNvPr id="8" name="ZoneTexte 7">

--- a/Présentation/Soutenance_Groupe25.pptx
+++ b/Présentation/Soutenance_Groupe25.pptx
@@ -18,33 +18,33 @@
     <p:sldId id="257" r:id="rId6"/>
     <p:sldId id="259" r:id="rId7"/>
     <p:sldId id="260" r:id="rId8"/>
-    <p:sldId id="288" r:id="rId9"/>
-    <p:sldId id="295" r:id="rId10"/>
-    <p:sldId id="263" r:id="rId11"/>
-    <p:sldId id="264" r:id="rId12"/>
-    <p:sldId id="289" r:id="rId13"/>
-    <p:sldId id="275" r:id="rId14"/>
-    <p:sldId id="293" r:id="rId15"/>
-    <p:sldId id="291" r:id="rId16"/>
-    <p:sldId id="265" r:id="rId17"/>
-    <p:sldId id="266" r:id="rId18"/>
-    <p:sldId id="277" r:id="rId19"/>
-    <p:sldId id="278" r:id="rId20"/>
-    <p:sldId id="296" r:id="rId21"/>
-    <p:sldId id="267" r:id="rId22"/>
-    <p:sldId id="268" r:id="rId23"/>
-    <p:sldId id="279" r:id="rId24"/>
-    <p:sldId id="280" r:id="rId25"/>
-    <p:sldId id="281" r:id="rId26"/>
-    <p:sldId id="286" r:id="rId27"/>
-    <p:sldId id="269" r:id="rId28"/>
-    <p:sldId id="270" r:id="rId29"/>
-    <p:sldId id="282" r:id="rId30"/>
-    <p:sldId id="283" r:id="rId31"/>
-    <p:sldId id="284" r:id="rId32"/>
-    <p:sldId id="285" r:id="rId33"/>
-    <p:sldId id="272" r:id="rId34"/>
-    <p:sldId id="271" r:id="rId35"/>
+    <p:sldId id="295" r:id="rId9"/>
+    <p:sldId id="263" r:id="rId10"/>
+    <p:sldId id="264" r:id="rId11"/>
+    <p:sldId id="289" r:id="rId12"/>
+    <p:sldId id="275" r:id="rId13"/>
+    <p:sldId id="293" r:id="rId14"/>
+    <p:sldId id="291" r:id="rId15"/>
+    <p:sldId id="265" r:id="rId16"/>
+    <p:sldId id="266" r:id="rId17"/>
+    <p:sldId id="277" r:id="rId18"/>
+    <p:sldId id="278" r:id="rId19"/>
+    <p:sldId id="296" r:id="rId20"/>
+    <p:sldId id="267" r:id="rId21"/>
+    <p:sldId id="268" r:id="rId22"/>
+    <p:sldId id="279" r:id="rId23"/>
+    <p:sldId id="280" r:id="rId24"/>
+    <p:sldId id="281" r:id="rId25"/>
+    <p:sldId id="286" r:id="rId26"/>
+    <p:sldId id="269" r:id="rId27"/>
+    <p:sldId id="270" r:id="rId28"/>
+    <p:sldId id="282" r:id="rId29"/>
+    <p:sldId id="283" r:id="rId30"/>
+    <p:sldId id="284" r:id="rId31"/>
+    <p:sldId id="285" r:id="rId32"/>
+    <p:sldId id="272" r:id="rId33"/>
+    <p:sldId id="271" r:id="rId34"/>
+    <p:sldId id="297" r:id="rId35"/>
     <p:sldId id="261" r:id="rId36"/>
     <p:sldId id="273" r:id="rId37"/>
     <p:sldId id="274" r:id="rId38"/>
@@ -769,6 +769,630 @@
     <p:extLst>
       <p:ext uri="{BB962C8B-B14F-4D97-AF65-F5344CB8AC3E}">
         <p14:creationId xmlns:p14="http://schemas.microsoft.com/office/powerpoint/2010/main" val="4056806860"/>
+      </p:ext>
+    </p:extLst>
+  </p:cSld>
+  <p:clrMapOvr>
+    <a:masterClrMapping/>
+  </p:clrMapOvr>
+</p:notes>
+</file>
+
+<file path=ppt/notesSlides/notesSlide2.xml><?xml version="1.0" encoding="utf-8"?>
+<p:notes xmlns:a="http://schemas.openxmlformats.org/drawingml/2006/main" xmlns:r="http://schemas.openxmlformats.org/officeDocument/2006/relationships" xmlns:p="http://schemas.openxmlformats.org/presentationml/2006/main">
+  <p:cSld>
+    <p:spTree>
+      <p:nvGrpSpPr>
+        <p:cNvPr id="1" name=""/>
+        <p:cNvGrpSpPr/>
+        <p:nvPr/>
+      </p:nvGrpSpPr>
+      <p:grpSpPr>
+        <a:xfrm>
+          <a:off x="0" y="0"/>
+          <a:ext cx="0" cy="0"/>
+          <a:chOff x="0" y="0"/>
+          <a:chExt cx="0" cy="0"/>
+        </a:xfrm>
+      </p:grpSpPr>
+      <p:sp>
+        <p:nvSpPr>
+          <p:cNvPr id="2" name="Espace réservé de l'image des diapositives 1"/>
+          <p:cNvSpPr>
+            <a:spLocks noGrp="1" noRot="1" noChangeAspect="1"/>
+          </p:cNvSpPr>
+          <p:nvPr>
+            <p:ph type="sldImg"/>
+          </p:nvPr>
+        </p:nvSpPr>
+        <p:spPr/>
+      </p:sp>
+      <p:sp>
+        <p:nvSpPr>
+          <p:cNvPr id="3" name="Espace réservé des notes 2"/>
+          <p:cNvSpPr>
+            <a:spLocks noGrp="1"/>
+          </p:cNvSpPr>
+          <p:nvPr>
+            <p:ph type="body" idx="1"/>
+          </p:nvPr>
+        </p:nvSpPr>
+        <p:spPr/>
+        <p:txBody>
+          <a:bodyPr/>
+          <a:lstStyle/>
+          <a:p>
+            <a:pPr marL="0" marR="0" lvl="0" indent="0" algn="l" defTabSz="914400" rtl="0" eaLnBrk="1" fontAlgn="auto" latinLnBrk="0" hangingPunct="1">
+              <a:lnSpc>
+                <a:spcPct val="100000"/>
+              </a:lnSpc>
+              <a:spcBef>
+                <a:spcPts val="0"/>
+              </a:spcBef>
+              <a:spcAft>
+                <a:spcPts val="0"/>
+              </a:spcAft>
+              <a:buClrTx/>
+              <a:buSzTx/>
+              <a:buFontTx/>
+              <a:buNone/>
+              <a:tabLst/>
+              <a:defRPr/>
+            </a:pPr>
+            <a:r>
+              <a:rPr lang="fr-FR" sz="1200" dirty="0">
+                <a:solidFill>
+                  <a:schemeClr val="tx1"/>
+                </a:solidFill>
+                <a:latin typeface="Gill Sans MT" panose="020B0502020104020203" pitchFamily="34" charset="0"/>
+              </a:rPr>
+              <a:t>L’étude s’appuie sur une base de données couvrant </a:t>
+            </a:r>
+            <a:r>
+              <a:rPr lang="fr-FR" sz="1200" b="1" i="1" dirty="0">
+                <a:solidFill>
+                  <a:schemeClr val="tx1"/>
+                </a:solidFill>
+                <a:latin typeface="Gill Sans MT" panose="020B0502020104020203" pitchFamily="34" charset="0"/>
+              </a:rPr>
+              <a:t>3273</a:t>
+            </a:r>
+            <a:r>
+              <a:rPr lang="fr-FR" sz="1200" dirty="0">
+                <a:solidFill>
+                  <a:schemeClr val="tx1"/>
+                </a:solidFill>
+                <a:latin typeface="Gill Sans MT" panose="020B0502020104020203" pitchFamily="34" charset="0"/>
+              </a:rPr>
+              <a:t> communes françaises sur l’année </a:t>
+            </a:r>
+            <a:r>
+              <a:rPr lang="fr-FR" sz="1200" b="1" i="1" dirty="0">
+                <a:solidFill>
+                  <a:schemeClr val="tx1"/>
+                </a:solidFill>
+                <a:latin typeface="Gill Sans MT" panose="020B0502020104020203" pitchFamily="34" charset="0"/>
+              </a:rPr>
+              <a:t>2019</a:t>
+            </a:r>
+            <a:r>
+              <a:rPr lang="fr-FR" sz="1200" dirty="0">
+                <a:solidFill>
+                  <a:schemeClr val="tx1"/>
+                </a:solidFill>
+                <a:latin typeface="Gill Sans MT" panose="020B0502020104020203" pitchFamily="34" charset="0"/>
+              </a:rPr>
+              <a:t>, issue principalement du Système National des Données de Santé (SNDS) et enrichie par des sources socio-économiques et géographiques. Les données ont été agrégées à l’échelle communale et ont nécessité plusieurs traitements : nettoyage, traitement des valeurs manquantes ou incorrectes, création de variables spatiales (voisinage) et transformation de certaines variables pour améliorer leur interprétabilité. Ces étapes ont permis de structurer un jeu de données pour le rendre cohérent, adapté aux méthodes statistiques mobilisées dans l’analyse.</a:t>
+            </a:r>
+          </a:p>
+          <a:p>
+            <a:endParaRPr lang="fr-FR" dirty="0"/>
+          </a:p>
+        </p:txBody>
+      </p:sp>
+      <p:sp>
+        <p:nvSpPr>
+          <p:cNvPr id="4" name="Espace réservé du numéro de diapositive 3"/>
+          <p:cNvSpPr>
+            <a:spLocks noGrp="1"/>
+          </p:cNvSpPr>
+          <p:nvPr>
+            <p:ph type="sldNum" sz="quarter" idx="5"/>
+          </p:nvPr>
+        </p:nvSpPr>
+        <p:spPr/>
+        <p:txBody>
+          <a:bodyPr/>
+          <a:lstStyle/>
+          <a:p>
+            <a:fld id="{45C44DBB-F87B-49EA-91FB-EDB78BBE8593}" type="slidenum">
+              <a:rPr lang="fr-FR" smtClean="0"/>
+              <a:t>12</a:t>
+            </a:fld>
+            <a:endParaRPr lang="fr-FR"/>
+          </a:p>
+        </p:txBody>
+      </p:sp>
+    </p:spTree>
+    <p:extLst>
+      <p:ext uri="{BB962C8B-B14F-4D97-AF65-F5344CB8AC3E}">
+        <p14:creationId xmlns:p14="http://schemas.microsoft.com/office/powerpoint/2010/main" val="3236030429"/>
+      </p:ext>
+    </p:extLst>
+  </p:cSld>
+  <p:clrMapOvr>
+    <a:masterClrMapping/>
+  </p:clrMapOvr>
+</p:notes>
+</file>
+
+<file path=ppt/notesSlides/notesSlide3.xml><?xml version="1.0" encoding="utf-8"?>
+<p:notes xmlns:a="http://schemas.openxmlformats.org/drawingml/2006/main" xmlns:r="http://schemas.openxmlformats.org/officeDocument/2006/relationships" xmlns:p="http://schemas.openxmlformats.org/presentationml/2006/main">
+  <p:cSld>
+    <p:spTree>
+      <p:nvGrpSpPr>
+        <p:cNvPr id="1" name=""/>
+        <p:cNvGrpSpPr/>
+        <p:nvPr/>
+      </p:nvGrpSpPr>
+      <p:grpSpPr>
+        <a:xfrm>
+          <a:off x="0" y="0"/>
+          <a:ext cx="0" cy="0"/>
+          <a:chOff x="0" y="0"/>
+          <a:chExt cx="0" cy="0"/>
+        </a:xfrm>
+      </p:grpSpPr>
+      <p:sp>
+        <p:nvSpPr>
+          <p:cNvPr id="2" name="Espace réservé de l'image des diapositives 1"/>
+          <p:cNvSpPr>
+            <a:spLocks noGrp="1" noRot="1" noChangeAspect="1"/>
+          </p:cNvSpPr>
+          <p:nvPr>
+            <p:ph type="sldImg"/>
+          </p:nvPr>
+        </p:nvSpPr>
+        <p:spPr/>
+      </p:sp>
+      <p:sp>
+        <p:nvSpPr>
+          <p:cNvPr id="3" name="Espace réservé des notes 2"/>
+          <p:cNvSpPr>
+            <a:spLocks noGrp="1"/>
+          </p:cNvSpPr>
+          <p:nvPr>
+            <p:ph type="body" idx="1"/>
+          </p:nvPr>
+        </p:nvSpPr>
+        <p:spPr/>
+        <p:txBody>
+          <a:bodyPr/>
+          <a:lstStyle/>
+          <a:p>
+            <a:pPr>
+              <a:buNone/>
+            </a:pPr>
+            <a:r>
+              <a:rPr lang="fr-FR" i="1" dirty="0"/>
+              <a:t>« L’autocorrélation spatiale nous dit si la proximité géographique est liée à des valeurs similaires – comme deux communes voisines avec beaucoup ou peu de consultations. »</a:t>
+            </a:r>
+          </a:p>
+          <a:p>
+            <a:pPr>
+              <a:buNone/>
+            </a:pPr>
+            <a:endParaRPr lang="fr-FR" dirty="0"/>
+          </a:p>
+          <a:p>
+            <a:pPr>
+              <a:buNone/>
+            </a:pPr>
+            <a:r>
+              <a:rPr lang="fr-FR" i="1" dirty="0"/>
+              <a:t>« La matrice W est essentielle : elle formalise "qui est voisin de qui" pour intégrer l’effet spatial dans les calculs. »</a:t>
+            </a:r>
+          </a:p>
+          <a:p>
+            <a:pPr>
+              <a:buNone/>
+            </a:pPr>
+            <a:endParaRPr lang="fr-FR" dirty="0"/>
+          </a:p>
+          <a:p>
+            <a:pPr>
+              <a:buNone/>
+            </a:pPr>
+            <a:r>
+              <a:rPr lang="fr-FR" i="1" dirty="0"/>
+              <a:t>« L’indice de Moran permet de vérifier si les données sont regroupées ou dispersées dans l’espace – ici, un I &gt; 0 signifie qu’il y a bien des clusters. »</a:t>
+            </a:r>
+          </a:p>
+          <a:p>
+            <a:pPr>
+              <a:buNone/>
+            </a:pPr>
+            <a:endParaRPr lang="fr-FR" dirty="0"/>
+          </a:p>
+          <a:p>
+            <a:r>
+              <a:rPr lang="fr-FR" i="1" dirty="0"/>
+              <a:t>« Enfin, le diagramme de Moran affine cette analyse en montrant le type exact d’association par commune, ce qui est crucial pour cibler les politiques de santé. »</a:t>
+            </a:r>
+            <a:endParaRPr lang="fr-FR" dirty="0"/>
+          </a:p>
+          <a:p>
+            <a:endParaRPr lang="fr-FR" dirty="0"/>
+          </a:p>
+        </p:txBody>
+      </p:sp>
+      <p:sp>
+        <p:nvSpPr>
+          <p:cNvPr id="4" name="Espace réservé du numéro de diapositive 3"/>
+          <p:cNvSpPr>
+            <a:spLocks noGrp="1"/>
+          </p:cNvSpPr>
+          <p:nvPr>
+            <p:ph type="sldNum" sz="quarter" idx="5"/>
+          </p:nvPr>
+        </p:nvSpPr>
+        <p:spPr/>
+        <p:txBody>
+          <a:bodyPr/>
+          <a:lstStyle/>
+          <a:p>
+            <a:fld id="{45C44DBB-F87B-49EA-91FB-EDB78BBE8593}" type="slidenum">
+              <a:rPr lang="fr-FR" smtClean="0"/>
+              <a:t>13</a:t>
+            </a:fld>
+            <a:endParaRPr lang="fr-FR"/>
+          </a:p>
+        </p:txBody>
+      </p:sp>
+    </p:spTree>
+    <p:extLst>
+      <p:ext uri="{BB962C8B-B14F-4D97-AF65-F5344CB8AC3E}">
+        <p14:creationId xmlns:p14="http://schemas.microsoft.com/office/powerpoint/2010/main" val="1031477356"/>
+      </p:ext>
+    </p:extLst>
+  </p:cSld>
+  <p:clrMapOvr>
+    <a:masterClrMapping/>
+  </p:clrMapOvr>
+</p:notes>
+</file>
+
+<file path=ppt/notesSlides/notesSlide4.xml><?xml version="1.0" encoding="utf-8"?>
+<p:notes xmlns:a="http://schemas.openxmlformats.org/drawingml/2006/main" xmlns:r="http://schemas.openxmlformats.org/officeDocument/2006/relationships" xmlns:p="http://schemas.openxmlformats.org/presentationml/2006/main">
+  <p:cSld>
+    <p:spTree>
+      <p:nvGrpSpPr>
+        <p:cNvPr id="1" name=""/>
+        <p:cNvGrpSpPr/>
+        <p:nvPr/>
+      </p:nvGrpSpPr>
+      <p:grpSpPr>
+        <a:xfrm>
+          <a:off x="0" y="0"/>
+          <a:ext cx="0" cy="0"/>
+          <a:chOff x="0" y="0"/>
+          <a:chExt cx="0" cy="0"/>
+        </a:xfrm>
+      </p:grpSpPr>
+      <p:sp>
+        <p:nvSpPr>
+          <p:cNvPr id="2" name="Espace réservé de l'image des diapositives 1"/>
+          <p:cNvSpPr>
+            <a:spLocks noGrp="1" noRot="1" noChangeAspect="1"/>
+          </p:cNvSpPr>
+          <p:nvPr>
+            <p:ph type="sldImg"/>
+          </p:nvPr>
+        </p:nvSpPr>
+        <p:spPr/>
+      </p:sp>
+      <p:sp>
+        <p:nvSpPr>
+          <p:cNvPr id="3" name="Espace réservé des notes 2"/>
+          <p:cNvSpPr>
+            <a:spLocks noGrp="1"/>
+          </p:cNvSpPr>
+          <p:nvPr>
+            <p:ph type="body" idx="1"/>
+          </p:nvPr>
+        </p:nvSpPr>
+        <p:spPr/>
+        <p:txBody>
+          <a:bodyPr/>
+          <a:lstStyle/>
+          <a:p>
+            <a:pPr marL="0" marR="0" lvl="0" indent="0" algn="l" defTabSz="914400" rtl="0" eaLnBrk="1" fontAlgn="auto" latinLnBrk="0" hangingPunct="1">
+              <a:lnSpc>
+                <a:spcPct val="100000"/>
+              </a:lnSpc>
+              <a:spcBef>
+                <a:spcPts val="0"/>
+              </a:spcBef>
+              <a:spcAft>
+                <a:spcPts val="0"/>
+              </a:spcAft>
+              <a:buClrTx/>
+              <a:buSzTx/>
+              <a:buFontTx/>
+              <a:buNone/>
+              <a:tabLst/>
+              <a:defRPr/>
+            </a:pPr>
+            <a:r>
+              <a:rPr lang="fr-FR" i="1" dirty="0"/>
+              <a:t>« Le choix des variables repose à la fois sur une méthode statistique rigoureuse (ACP) et une validation par la littérature. Nous avons cherché un compromis entre cohérence théorique et pouvoir explicatif, tout en évitant les redondances entre variables. »</a:t>
+            </a:r>
+          </a:p>
+          <a:p>
+            <a:pPr marL="0" marR="0" lvl="0" indent="0" algn="l" defTabSz="914400" rtl="0" eaLnBrk="1" fontAlgn="auto" latinLnBrk="0" hangingPunct="1">
+              <a:lnSpc>
+                <a:spcPct val="100000"/>
+              </a:lnSpc>
+              <a:spcBef>
+                <a:spcPts val="0"/>
+              </a:spcBef>
+              <a:spcAft>
+                <a:spcPts val="0"/>
+              </a:spcAft>
+              <a:buClrTx/>
+              <a:buSzTx/>
+              <a:buFontTx/>
+              <a:buNone/>
+              <a:tabLst/>
+              <a:defRPr/>
+            </a:pPr>
+            <a:br>
+              <a:rPr lang="fr-FR" dirty="0"/>
+            </a:br>
+            <a:r>
+              <a:rPr lang="fr-FR" i="1" dirty="0"/>
+              <a:t>« L'accent a été mis sur des variables démographiques et socio-économiques connues pour influencer le recours aux soins. »</a:t>
+            </a:r>
+            <a:endParaRPr lang="fr-FR" dirty="0"/>
+          </a:p>
+          <a:p>
+            <a:endParaRPr lang="fr-FR" dirty="0"/>
+          </a:p>
+        </p:txBody>
+      </p:sp>
+      <p:sp>
+        <p:nvSpPr>
+          <p:cNvPr id="4" name="Espace réservé du numéro de diapositive 3"/>
+          <p:cNvSpPr>
+            <a:spLocks noGrp="1"/>
+          </p:cNvSpPr>
+          <p:nvPr>
+            <p:ph type="sldNum" sz="quarter" idx="5"/>
+          </p:nvPr>
+        </p:nvSpPr>
+        <p:spPr/>
+        <p:txBody>
+          <a:bodyPr/>
+          <a:lstStyle/>
+          <a:p>
+            <a:fld id="{45C44DBB-F87B-49EA-91FB-EDB78BBE8593}" type="slidenum">
+              <a:rPr lang="fr-FR" smtClean="0"/>
+              <a:t>23</a:t>
+            </a:fld>
+            <a:endParaRPr lang="fr-FR"/>
+          </a:p>
+        </p:txBody>
+      </p:sp>
+    </p:spTree>
+    <p:extLst>
+      <p:ext uri="{BB962C8B-B14F-4D97-AF65-F5344CB8AC3E}">
+        <p14:creationId xmlns:p14="http://schemas.microsoft.com/office/powerpoint/2010/main" val="2251595791"/>
+      </p:ext>
+    </p:extLst>
+  </p:cSld>
+  <p:clrMapOvr>
+    <a:masterClrMapping/>
+  </p:clrMapOvr>
+</p:notes>
+</file>
+
+<file path=ppt/notesSlides/notesSlide5.xml><?xml version="1.0" encoding="utf-8"?>
+<p:notes xmlns:a="http://schemas.openxmlformats.org/drawingml/2006/main" xmlns:r="http://schemas.openxmlformats.org/officeDocument/2006/relationships" xmlns:p="http://schemas.openxmlformats.org/presentationml/2006/main">
+  <p:cSld>
+    <p:spTree>
+      <p:nvGrpSpPr>
+        <p:cNvPr id="1" name=""/>
+        <p:cNvGrpSpPr/>
+        <p:nvPr/>
+      </p:nvGrpSpPr>
+      <p:grpSpPr>
+        <a:xfrm>
+          <a:off x="0" y="0"/>
+          <a:ext cx="0" cy="0"/>
+          <a:chOff x="0" y="0"/>
+          <a:chExt cx="0" cy="0"/>
+        </a:xfrm>
+      </p:grpSpPr>
+      <p:sp>
+        <p:nvSpPr>
+          <p:cNvPr id="2" name="Espace réservé de l'image des diapositives 1"/>
+          <p:cNvSpPr>
+            <a:spLocks noGrp="1" noRot="1" noChangeAspect="1"/>
+          </p:cNvSpPr>
+          <p:nvPr>
+            <p:ph type="sldImg"/>
+          </p:nvPr>
+        </p:nvSpPr>
+        <p:spPr/>
+      </p:sp>
+      <p:sp>
+        <p:nvSpPr>
+          <p:cNvPr id="3" name="Espace réservé des notes 2"/>
+          <p:cNvSpPr>
+            <a:spLocks noGrp="1"/>
+          </p:cNvSpPr>
+          <p:nvPr>
+            <p:ph type="body" idx="1"/>
+          </p:nvPr>
+        </p:nvSpPr>
+        <p:spPr/>
+        <p:txBody>
+          <a:bodyPr/>
+          <a:lstStyle/>
+          <a:p>
+            <a:r>
+              <a:rPr lang="fr-FR" dirty="0"/>
+              <a:t>Nous insistons ici sur les </a:t>
+            </a:r>
+            <a:r>
+              <a:rPr lang="fr-FR" b="1" dirty="0"/>
+              <a:t>grands déterminants</a:t>
+            </a:r>
+            <a:r>
+              <a:rPr lang="fr-FR" dirty="0"/>
+              <a:t> de l’accès aux soins : géographie, démographie et situation sociale. La corrélation négative avec les personnes âgées est un point important à discuter avec le jury, en soulignant les barrières comme la mobilité ou l’attente.</a:t>
+            </a:r>
+          </a:p>
+        </p:txBody>
+      </p:sp>
+      <p:sp>
+        <p:nvSpPr>
+          <p:cNvPr id="4" name="Espace réservé du numéro de diapositive 3"/>
+          <p:cNvSpPr>
+            <a:spLocks noGrp="1"/>
+          </p:cNvSpPr>
+          <p:nvPr>
+            <p:ph type="sldNum" sz="quarter" idx="5"/>
+          </p:nvPr>
+        </p:nvSpPr>
+        <p:spPr/>
+        <p:txBody>
+          <a:bodyPr/>
+          <a:lstStyle/>
+          <a:p>
+            <a:fld id="{45C44DBB-F87B-49EA-91FB-EDB78BBE8593}" type="slidenum">
+              <a:rPr lang="fr-FR" smtClean="0"/>
+              <a:t>29</a:t>
+            </a:fld>
+            <a:endParaRPr lang="fr-FR"/>
+          </a:p>
+        </p:txBody>
+      </p:sp>
+    </p:spTree>
+    <p:extLst>
+      <p:ext uri="{BB962C8B-B14F-4D97-AF65-F5344CB8AC3E}">
+        <p14:creationId xmlns:p14="http://schemas.microsoft.com/office/powerpoint/2010/main" val="1986272852"/>
+      </p:ext>
+    </p:extLst>
+  </p:cSld>
+  <p:clrMapOvr>
+    <a:masterClrMapping/>
+  </p:clrMapOvr>
+</p:notes>
+</file>
+
+<file path=ppt/notesSlides/notesSlide6.xml><?xml version="1.0" encoding="utf-8"?>
+<p:notes xmlns:a="http://schemas.openxmlformats.org/drawingml/2006/main" xmlns:r="http://schemas.openxmlformats.org/officeDocument/2006/relationships" xmlns:p="http://schemas.openxmlformats.org/presentationml/2006/main">
+  <p:cSld>
+    <p:spTree>
+      <p:nvGrpSpPr>
+        <p:cNvPr id="1" name=""/>
+        <p:cNvGrpSpPr/>
+        <p:nvPr/>
+      </p:nvGrpSpPr>
+      <p:grpSpPr>
+        <a:xfrm>
+          <a:off x="0" y="0"/>
+          <a:ext cx="0" cy="0"/>
+          <a:chOff x="0" y="0"/>
+          <a:chExt cx="0" cy="0"/>
+        </a:xfrm>
+      </p:grpSpPr>
+      <p:sp>
+        <p:nvSpPr>
+          <p:cNvPr id="2" name="Espace réservé de l'image des diapositives 1"/>
+          <p:cNvSpPr>
+            <a:spLocks noGrp="1" noRot="1" noChangeAspect="1"/>
+          </p:cNvSpPr>
+          <p:nvPr>
+            <p:ph type="sldImg"/>
+          </p:nvPr>
+        </p:nvSpPr>
+        <p:spPr/>
+      </p:sp>
+      <p:sp>
+        <p:nvSpPr>
+          <p:cNvPr id="3" name="Espace réservé des notes 2"/>
+          <p:cNvSpPr>
+            <a:spLocks noGrp="1"/>
+          </p:cNvSpPr>
+          <p:nvPr>
+            <p:ph type="body" idx="1"/>
+          </p:nvPr>
+        </p:nvSpPr>
+        <p:spPr/>
+        <p:txBody>
+          <a:bodyPr/>
+          <a:lstStyle/>
+          <a:p>
+            <a:r>
+              <a:rPr lang="fr-FR" dirty="0"/>
+              <a:t>Revenons sur les </a:t>
+            </a:r>
+            <a:r>
+              <a:rPr lang="fr-FR" b="1" dirty="0"/>
+              <a:t>implications concrètes</a:t>
+            </a:r>
+            <a:r>
+              <a:rPr lang="fr-FR" dirty="0"/>
+              <a:t> pour les politiques publiques. Il ne s’agit pas seulement de moyens, mais de </a:t>
+            </a:r>
+            <a:r>
+              <a:rPr lang="fr-FR" b="1" dirty="0"/>
+              <a:t>répartition intelligente</a:t>
+            </a:r>
+            <a:r>
+              <a:rPr lang="fr-FR" dirty="0"/>
+              <a:t> des services. Le concept d’</a:t>
+            </a:r>
+            <a:r>
+              <a:rPr lang="fr-FR" b="1" dirty="0"/>
+              <a:t>exode sanitaire</a:t>
+            </a:r>
+            <a:r>
+              <a:rPr lang="fr-FR" dirty="0"/>
+              <a:t> peut illustrer le déséquilibre et justifier des politiques ciblées.</a:t>
+            </a:r>
+          </a:p>
+        </p:txBody>
+      </p:sp>
+      <p:sp>
+        <p:nvSpPr>
+          <p:cNvPr id="4" name="Espace réservé du numéro de diapositive 3"/>
+          <p:cNvSpPr>
+            <a:spLocks noGrp="1"/>
+          </p:cNvSpPr>
+          <p:nvPr>
+            <p:ph type="sldNum" sz="quarter" idx="5"/>
+          </p:nvPr>
+        </p:nvSpPr>
+        <p:spPr/>
+        <p:txBody>
+          <a:bodyPr/>
+          <a:lstStyle/>
+          <a:p>
+            <a:fld id="{45C44DBB-F87B-49EA-91FB-EDB78BBE8593}" type="slidenum">
+              <a:rPr lang="fr-FR" smtClean="0"/>
+              <a:t>30</a:t>
+            </a:fld>
+            <a:endParaRPr lang="fr-FR"/>
+          </a:p>
+        </p:txBody>
+      </p:sp>
+    </p:spTree>
+    <p:extLst>
+      <p:ext uri="{BB962C8B-B14F-4D97-AF65-F5344CB8AC3E}">
+        <p14:creationId xmlns:p14="http://schemas.microsoft.com/office/powerpoint/2010/main" val="1814091251"/>
       </p:ext>
     </p:extLst>
   </p:cSld>
@@ -7015,540 +7639,6 @@
         <p:cNvPr id="1" name="">
           <a:extLst>
             <a:ext uri="{FF2B5EF4-FFF2-40B4-BE49-F238E27FC236}">
-              <a16:creationId xmlns:a16="http://schemas.microsoft.com/office/drawing/2014/main" id="{5900AD3D-343A-C379-EDB0-F2C8E19E28E1}"/>
-            </a:ext>
-          </a:extLst>
-        </p:cNvPr>
-        <p:cNvGrpSpPr/>
-        <p:nvPr/>
-      </p:nvGrpSpPr>
-      <p:grpSpPr>
-        <a:xfrm>
-          <a:off x="0" y="0"/>
-          <a:ext cx="0" cy="0"/>
-          <a:chOff x="0" y="0"/>
-          <a:chExt cx="0" cy="0"/>
-        </a:xfrm>
-      </p:grpSpPr>
-      <p:sp>
-        <p:nvSpPr>
-          <p:cNvPr id="3" name="Espace réservé du numéro de diapositive 2">
-            <a:extLst>
-              <a:ext uri="{FF2B5EF4-FFF2-40B4-BE49-F238E27FC236}">
-                <a16:creationId xmlns:a16="http://schemas.microsoft.com/office/drawing/2014/main" id="{CCFB11F8-ACFC-836C-4375-31E29B73C366}"/>
-              </a:ext>
-            </a:extLst>
-          </p:cNvPr>
-          <p:cNvSpPr>
-            <a:spLocks noGrp="1"/>
-          </p:cNvSpPr>
-          <p:nvPr>
-            <p:ph type="sldNum" sz="quarter" idx="4"/>
-          </p:nvPr>
-        </p:nvSpPr>
-        <p:spPr>
-          <a:xfrm>
-            <a:off x="8610600" y="6356350"/>
-            <a:ext cx="2743200" cy="365125"/>
-          </a:xfrm>
-        </p:spPr>
-        <p:txBody>
-          <a:bodyPr/>
-          <a:lstStyle/>
-          <a:p>
-            <a:fld id="{F546B7B7-7D14-4795-A998-350CFB2BDD43}" type="slidenum">
-              <a:rPr lang="fr-FR" smtClean="0"/>
-              <a:pPr/>
-              <a:t>10</a:t>
-            </a:fld>
-            <a:endParaRPr lang="fr-FR"/>
-          </a:p>
-        </p:txBody>
-      </p:sp>
-      <p:sp>
-        <p:nvSpPr>
-          <p:cNvPr id="2" name="ZoneTexte 1">
-            <a:extLst>
-              <a:ext uri="{FF2B5EF4-FFF2-40B4-BE49-F238E27FC236}">
-                <a16:creationId xmlns:a16="http://schemas.microsoft.com/office/drawing/2014/main" id="{1C98E2B9-A4CA-A865-4233-15D3C187F1F7}"/>
-              </a:ext>
-            </a:extLst>
-          </p:cNvPr>
-          <p:cNvSpPr txBox="1"/>
-          <p:nvPr/>
-        </p:nvSpPr>
-        <p:spPr>
-          <a:xfrm>
-            <a:off x="2" y="532969"/>
-            <a:ext cx="12191999" cy="646331"/>
-          </a:xfrm>
-          <a:prstGeom prst="rect">
-            <a:avLst/>
-          </a:prstGeom>
-          <a:solidFill>
-            <a:srgbClr val="006A5A"/>
-          </a:solidFill>
-        </p:spPr>
-        <p:txBody>
-          <a:bodyPr wrap="square" rtlCol="0">
-            <a:spAutoFit/>
-          </a:bodyPr>
-          <a:lstStyle/>
-          <a:p>
-            <a:r>
-              <a:rPr lang="fr-FR" sz="3600" b="1" dirty="0">
-                <a:solidFill>
-                  <a:schemeClr val="bg1"/>
-                </a:solidFill>
-                <a:latin typeface="Gill Sans MT" panose="020B0502020104020203" pitchFamily="34" charset="0"/>
-              </a:rPr>
-              <a:t>1.2. Revue de littérature</a:t>
-            </a:r>
-          </a:p>
-        </p:txBody>
-      </p:sp>
-      <p:pic>
-        <p:nvPicPr>
-          <p:cNvPr id="4" name="Graphique 3" descr="Flèches de chevron">
-            <a:extLst>
-              <a:ext uri="{FF2B5EF4-FFF2-40B4-BE49-F238E27FC236}">
-                <a16:creationId xmlns:a16="http://schemas.microsoft.com/office/drawing/2014/main" id="{AB73524E-1DA0-D3E7-AEEC-E55EB1E9DCD9}"/>
-              </a:ext>
-            </a:extLst>
-          </p:cNvPr>
-          <p:cNvPicPr>
-            <a:picLocks noChangeAspect="1"/>
-          </p:cNvPicPr>
-          <p:nvPr/>
-        </p:nvPicPr>
-        <p:blipFill>
-          <a:blip r:embed="rId2">
-            <a:extLst>
-              <a:ext uri="{28A0092B-C50C-407E-A947-70E740481C1C}">
-                <a14:useLocalDpi xmlns:a14="http://schemas.microsoft.com/office/drawing/2010/main" val="0"/>
-              </a:ext>
-              <a:ext uri="{96DAC541-7B7A-43D3-8B79-37D633B846F1}">
-                <asvg:svgBlip xmlns:asvg="http://schemas.microsoft.com/office/drawing/2016/SVG/main" r:embed="rId3"/>
-              </a:ext>
-            </a:extLst>
-          </a:blip>
-          <a:stretch>
-            <a:fillRect/>
-          </a:stretch>
-        </p:blipFill>
-        <p:spPr>
-          <a:xfrm>
-            <a:off x="11078692" y="266700"/>
-            <a:ext cx="1170459" cy="1170459"/>
-          </a:xfrm>
-          <a:prstGeom prst="rect">
-            <a:avLst/>
-          </a:prstGeom>
-        </p:spPr>
-      </p:pic>
-      <p:sp>
-        <p:nvSpPr>
-          <p:cNvPr id="7" name="ZoneTexte 6">
-            <a:extLst>
-              <a:ext uri="{FF2B5EF4-FFF2-40B4-BE49-F238E27FC236}">
-                <a16:creationId xmlns:a16="http://schemas.microsoft.com/office/drawing/2014/main" id="{F65E87B2-1646-2D2B-B06A-82C9C68AE0F6}"/>
-              </a:ext>
-            </a:extLst>
-          </p:cNvPr>
-          <p:cNvSpPr txBox="1"/>
-          <p:nvPr/>
-        </p:nvSpPr>
-        <p:spPr>
-          <a:xfrm>
-            <a:off x="0" y="1437159"/>
-            <a:ext cx="12192000" cy="375552"/>
-          </a:xfrm>
-          <a:prstGeom prst="rect">
-            <a:avLst/>
-          </a:prstGeom>
-          <a:solidFill>
-            <a:srgbClr val="006A5A"/>
-          </a:solidFill>
-        </p:spPr>
-        <p:txBody>
-          <a:bodyPr wrap="square">
-            <a:spAutoFit/>
-          </a:bodyPr>
-          <a:lstStyle/>
-          <a:p>
-            <a:pPr algn="ctr">
-              <a:lnSpc>
-                <a:spcPts val="2143"/>
-              </a:lnSpc>
-              <a:spcBef>
-                <a:spcPts val="1372"/>
-              </a:spcBef>
-              <a:spcAft>
-                <a:spcPts val="1029"/>
-              </a:spcAft>
-            </a:pPr>
-            <a:r>
-              <a:rPr lang="fr-FR" sz="2400" b="1" dirty="0">
-                <a:solidFill>
-                  <a:schemeClr val="bg1"/>
-                </a:solidFill>
-              </a:rPr>
-              <a:t>Principaux déterminants des consultations médicales</a:t>
-            </a:r>
-          </a:p>
-        </p:txBody>
-      </p:sp>
-      <p:sp>
-        <p:nvSpPr>
-          <p:cNvPr id="11" name="ZoneTexte 10">
-            <a:extLst>
-              <a:ext uri="{FF2B5EF4-FFF2-40B4-BE49-F238E27FC236}">
-                <a16:creationId xmlns:a16="http://schemas.microsoft.com/office/drawing/2014/main" id="{3D32B540-2C92-2D78-5A95-A4AC0AF32766}"/>
-              </a:ext>
-            </a:extLst>
-          </p:cNvPr>
-          <p:cNvSpPr txBox="1"/>
-          <p:nvPr/>
-        </p:nvSpPr>
-        <p:spPr>
-          <a:xfrm>
-            <a:off x="0" y="2269359"/>
-            <a:ext cx="12191999" cy="4120167"/>
-          </a:xfrm>
-          <a:prstGeom prst="rect">
-            <a:avLst/>
-          </a:prstGeom>
-          <a:noFill/>
-        </p:spPr>
-        <p:txBody>
-          <a:bodyPr wrap="square">
-            <a:spAutoFit/>
-          </a:bodyPr>
-          <a:lstStyle/>
-          <a:p>
-            <a:pPr marL="342900" indent="-342900" algn="l">
-              <a:lnSpc>
-                <a:spcPts val="2143"/>
-              </a:lnSpc>
-              <a:spcBef>
-                <a:spcPts val="1372"/>
-              </a:spcBef>
-              <a:spcAft>
-                <a:spcPts val="1029"/>
-              </a:spcAft>
-              <a:buFont typeface="Wingdings" panose="05000000000000000000" pitchFamily="2" charset="2"/>
-              <a:buChar char="§"/>
-            </a:pPr>
-            <a:r>
-              <a:rPr lang="fr-FR" sz="2400" b="1" i="0" dirty="0">
-                <a:solidFill>
-                  <a:srgbClr val="404040"/>
-                </a:solidFill>
-                <a:effectLst/>
-                <a:latin typeface="DeepSeek-CJK-patch"/>
-              </a:rPr>
-              <a:t>Accès géographique</a:t>
-            </a:r>
-            <a:endParaRPr lang="fr-FR" sz="2400" b="0" i="0" dirty="0">
-              <a:solidFill>
-                <a:srgbClr val="404040"/>
-              </a:solidFill>
-              <a:effectLst/>
-              <a:latin typeface="DeepSeek-CJK-patch"/>
-            </a:endParaRPr>
-          </a:p>
-          <a:p>
-            <a:pPr marL="800100" lvl="1" indent="-342900">
-              <a:lnSpc>
-                <a:spcPts val="2143"/>
-              </a:lnSpc>
-              <a:spcBef>
-                <a:spcPts val="1029"/>
-              </a:spcBef>
-              <a:spcAft>
-                <a:spcPts val="1029"/>
-              </a:spcAft>
-              <a:buFont typeface="Wingdings" panose="05000000000000000000" pitchFamily="2" charset="2"/>
-              <a:buChar char="ü"/>
-            </a:pPr>
-            <a:r>
-              <a:rPr lang="fr-FR" sz="2400" b="1" i="0" dirty="0">
-                <a:solidFill>
-                  <a:srgbClr val="404040"/>
-                </a:solidFill>
-                <a:effectLst/>
-                <a:latin typeface="DeepSeek-CJK-patch"/>
-              </a:rPr>
-              <a:t>Densité médicale</a:t>
-            </a:r>
-            <a:r>
-              <a:rPr lang="fr-FR" sz="2400" b="0" i="0" dirty="0">
-                <a:solidFill>
-                  <a:srgbClr val="404040"/>
-                </a:solidFill>
-                <a:effectLst/>
-                <a:latin typeface="DeepSeek-CJK-patch"/>
-              </a:rPr>
-              <a:t> (</a:t>
-            </a:r>
-            <a:r>
-              <a:rPr lang="fr-FR" sz="2400" dirty="0" err="1"/>
-              <a:t>Irdes</a:t>
-            </a:r>
-            <a:r>
-              <a:rPr lang="fr-FR" sz="2400" dirty="0"/>
-              <a:t>, 2020) </a:t>
-            </a:r>
-            <a:r>
-              <a:rPr lang="fr-FR" sz="2400" b="0" i="0" dirty="0">
-                <a:solidFill>
-                  <a:srgbClr val="404040"/>
-                </a:solidFill>
-                <a:effectLst/>
-                <a:latin typeface="DeepSeek-CJK-patch"/>
-              </a:rPr>
-              <a:t>:</a:t>
-            </a:r>
-            <a:br>
-              <a:rPr lang="fr-FR" sz="2400" b="0" i="0" dirty="0">
-                <a:solidFill>
-                  <a:srgbClr val="404040"/>
-                </a:solidFill>
-                <a:effectLst/>
-                <a:latin typeface="DeepSeek-CJK-patch"/>
-              </a:rPr>
-            </a:br>
-            <a:r>
-              <a:rPr lang="fr-FR" sz="2400" b="0" i="0" dirty="0">
-                <a:solidFill>
-                  <a:srgbClr val="404040"/>
-                </a:solidFill>
-                <a:effectLst/>
-                <a:latin typeface="DeepSeek-CJK-patch"/>
-              </a:rPr>
-              <a:t>↗ Zones urbaines = accès facilité.</a:t>
-            </a:r>
-            <a:br>
-              <a:rPr lang="fr-FR" sz="2400" b="0" i="0" dirty="0">
-                <a:solidFill>
-                  <a:srgbClr val="404040"/>
-                </a:solidFill>
-                <a:effectLst/>
-                <a:latin typeface="DeepSeek-CJK-patch"/>
-              </a:rPr>
-            </a:br>
-            <a:r>
-              <a:rPr lang="fr-FR" sz="2400" b="0" i="0" dirty="0">
-                <a:solidFill>
-                  <a:srgbClr val="404040"/>
-                </a:solidFill>
-                <a:effectLst/>
-                <a:latin typeface="DeepSeek-CJK-patch"/>
-              </a:rPr>
-              <a:t>↘ Zones rurales = déserts médicaux (distance, délais).</a:t>
-            </a:r>
-          </a:p>
-          <a:p>
-            <a:pPr marL="800100" lvl="1" indent="-342900">
-              <a:lnSpc>
-                <a:spcPts val="2143"/>
-              </a:lnSpc>
-              <a:spcBef>
-                <a:spcPts val="300"/>
-              </a:spcBef>
-              <a:spcAft>
-                <a:spcPts val="1029"/>
-              </a:spcAft>
-              <a:buFont typeface="Wingdings" panose="05000000000000000000" pitchFamily="2" charset="2"/>
-              <a:buChar char="ü"/>
-            </a:pPr>
-            <a:r>
-              <a:rPr lang="fr-FR" sz="2400" b="1" i="0" dirty="0">
-                <a:solidFill>
-                  <a:srgbClr val="404040"/>
-                </a:solidFill>
-                <a:effectLst/>
-                <a:latin typeface="DeepSeek-CJK-patch"/>
-              </a:rPr>
-              <a:t>Renoncement aux soins</a:t>
-            </a:r>
-            <a:r>
-              <a:rPr lang="fr-FR" sz="2400" b="0" i="0" dirty="0">
-                <a:solidFill>
-                  <a:srgbClr val="404040"/>
-                </a:solidFill>
-                <a:effectLst/>
-                <a:latin typeface="DeepSeek-CJK-patch"/>
-              </a:rPr>
-              <a:t> (</a:t>
-            </a:r>
-            <a:r>
-              <a:rPr lang="fr-FR" sz="2400" dirty="0"/>
-              <a:t>Ministère des Solidarités et de la Santé, 2021) :</a:t>
-            </a:r>
-            <a:br>
-              <a:rPr lang="fr-FR" sz="2400" b="0" i="0" dirty="0">
-                <a:solidFill>
-                  <a:srgbClr val="404040"/>
-                </a:solidFill>
-                <a:effectLst/>
-                <a:latin typeface="DeepSeek-CJK-patch"/>
-              </a:rPr>
-            </a:br>
-            <a:r>
-              <a:rPr lang="fr-FR" sz="2400" b="0" i="0" dirty="0">
-                <a:solidFill>
-                  <a:srgbClr val="404040"/>
-                </a:solidFill>
-                <a:effectLst/>
-                <a:latin typeface="DeepSeek-CJK-patch"/>
-              </a:rPr>
-              <a:t>3,1 % des Français renoncent (8× plus chez les pauvres en zones sous-dotées).</a:t>
-            </a:r>
-          </a:p>
-          <a:p>
-            <a:pPr algn="l">
-              <a:lnSpc>
-                <a:spcPts val="2143"/>
-              </a:lnSpc>
-              <a:spcBef>
-                <a:spcPts val="300"/>
-              </a:spcBef>
-              <a:spcAft>
-                <a:spcPts val="1029"/>
-              </a:spcAft>
-            </a:pPr>
-            <a:endParaRPr lang="fr-FR" sz="2400" dirty="0">
-              <a:solidFill>
-                <a:srgbClr val="404040"/>
-              </a:solidFill>
-            </a:endParaRPr>
-          </a:p>
-          <a:p>
-            <a:pPr marL="342900" indent="-342900" algn="l">
-              <a:lnSpc>
-                <a:spcPts val="2143"/>
-              </a:lnSpc>
-              <a:spcBef>
-                <a:spcPts val="1372"/>
-              </a:spcBef>
-              <a:spcAft>
-                <a:spcPts val="1029"/>
-              </a:spcAft>
-              <a:buFont typeface="Wingdings" panose="05000000000000000000" pitchFamily="2" charset="2"/>
-              <a:buChar char="§"/>
-            </a:pPr>
-            <a:r>
-              <a:rPr lang="fr-FR" sz="2400" b="1" i="0" dirty="0">
-                <a:solidFill>
-                  <a:srgbClr val="404040"/>
-                </a:solidFill>
-                <a:effectLst/>
-                <a:latin typeface="DeepSeek-CJK-patch"/>
-              </a:rPr>
-              <a:t>Perception de la santé </a:t>
-            </a:r>
-            <a:r>
-              <a:rPr lang="fr-FR" sz="2400" i="0" dirty="0">
-                <a:solidFill>
-                  <a:srgbClr val="404040"/>
-                </a:solidFill>
-                <a:effectLst/>
-                <a:latin typeface="DeepSeek-CJK-patch"/>
-              </a:rPr>
-              <a:t>(</a:t>
-            </a:r>
-            <a:r>
-              <a:rPr lang="fr-FR" sz="2400" dirty="0"/>
-              <a:t>Statistique Canada, 2022</a:t>
-            </a:r>
-            <a:r>
-              <a:rPr lang="fr-FR" sz="2400" i="0" dirty="0">
-                <a:solidFill>
-                  <a:srgbClr val="404040"/>
-                </a:solidFill>
-                <a:effectLst/>
-                <a:latin typeface="DeepSeek-CJK-patch"/>
-              </a:rPr>
-              <a:t>)</a:t>
-            </a:r>
-            <a:endParaRPr lang="fr-FR" sz="2400" b="0" i="0" dirty="0">
-              <a:solidFill>
-                <a:srgbClr val="404040"/>
-              </a:solidFill>
-              <a:effectLst/>
-              <a:latin typeface="DeepSeek-CJK-patch"/>
-            </a:endParaRPr>
-          </a:p>
-          <a:p>
-            <a:pPr lvl="1">
-              <a:lnSpc>
-                <a:spcPts val="2143"/>
-              </a:lnSpc>
-              <a:spcBef>
-                <a:spcPts val="1029"/>
-              </a:spcBef>
-              <a:spcAft>
-                <a:spcPts val="1029"/>
-              </a:spcAft>
-            </a:pPr>
-            <a:r>
-              <a:rPr lang="fr-FR" sz="2400" b="0" i="0" dirty="0">
-                <a:solidFill>
-                  <a:srgbClr val="404040"/>
-                </a:solidFill>
-                <a:effectLst/>
-                <a:latin typeface="DeepSeek-CJK-patch"/>
-              </a:rPr>
-              <a:t>↗ Auto-évaluation négative = consultations fréquentes.</a:t>
-            </a:r>
-          </a:p>
-          <a:p>
-            <a:pPr lvl="1">
-              <a:lnSpc>
-                <a:spcPts val="2143"/>
-              </a:lnSpc>
-              <a:spcBef>
-                <a:spcPts val="300"/>
-              </a:spcBef>
-              <a:spcAft>
-                <a:spcPts val="1029"/>
-              </a:spcAft>
-            </a:pPr>
-            <a:r>
-              <a:rPr lang="fr-FR" sz="2400" b="0" i="0" dirty="0">
-                <a:solidFill>
-                  <a:srgbClr val="404040"/>
-                </a:solidFill>
-                <a:effectLst/>
-                <a:latin typeface="DeepSeek-CJK-patch"/>
-              </a:rPr>
-              <a:t>↘ Santé perçue comme bonne = moins de recours.</a:t>
-            </a:r>
-          </a:p>
-        </p:txBody>
-      </p:sp>
-    </p:spTree>
-    <p:extLst>
-      <p:ext uri="{BB962C8B-B14F-4D97-AF65-F5344CB8AC3E}">
-        <p14:creationId xmlns:p14="http://schemas.microsoft.com/office/powerpoint/2010/main" val="1674074081"/>
-      </p:ext>
-    </p:extLst>
-  </p:cSld>
-  <p:clrMapOvr>
-    <a:masterClrMapping/>
-  </p:clrMapOvr>
-</p:sld>
-</file>
-
-<file path=ppt/slides/slide11.xml><?xml version="1.0" encoding="utf-8"?>
-<p:sld xmlns:a="http://schemas.openxmlformats.org/drawingml/2006/main" xmlns:r="http://schemas.openxmlformats.org/officeDocument/2006/relationships" xmlns:p="http://schemas.openxmlformats.org/presentationml/2006/main">
-  <p:cSld>
-    <p:spTree>
-      <p:nvGrpSpPr>
-        <p:cNvPr id="1" name="">
-          <a:extLst>
-            <a:ext uri="{FF2B5EF4-FFF2-40B4-BE49-F238E27FC236}">
               <a16:creationId xmlns:a16="http://schemas.microsoft.com/office/drawing/2014/main" id="{E6241B86-8E7D-90B3-9C81-3BDF445D67A5}"/>
             </a:ext>
           </a:extLst>
@@ -7593,7 +7683,7 @@
             <a:fld id="{F546B7B7-7D14-4795-A998-350CFB2BDD43}" type="slidenum">
               <a:rPr lang="fr-FR" smtClean="0"/>
               <a:pPr/>
-              <a:t>11</a:t>
+              <a:t>10</a:t>
             </a:fld>
             <a:endParaRPr lang="fr-FR"/>
           </a:p>
@@ -8019,6 +8109,66 @@
     <p:extLst>
       <p:ext uri="{BB962C8B-B14F-4D97-AF65-F5344CB8AC3E}">
         <p14:creationId xmlns:p14="http://schemas.microsoft.com/office/powerpoint/2010/main" val="235381260"/>
+      </p:ext>
+    </p:extLst>
+  </p:cSld>
+  <p:clrMapOvr>
+    <a:masterClrMapping/>
+  </p:clrMapOvr>
+</p:sld>
+</file>
+
+<file path=ppt/slides/slide11.xml><?xml version="1.0" encoding="utf-8"?>
+<p:sld xmlns:a="http://schemas.openxmlformats.org/drawingml/2006/main" xmlns:r="http://schemas.openxmlformats.org/officeDocument/2006/relationships" xmlns:p="http://schemas.openxmlformats.org/presentationml/2006/main">
+  <p:cSld>
+    <p:spTree>
+      <p:nvGrpSpPr>
+        <p:cNvPr id="1" name=""/>
+        <p:cNvGrpSpPr/>
+        <p:nvPr/>
+      </p:nvGrpSpPr>
+      <p:grpSpPr>
+        <a:xfrm>
+          <a:off x="0" y="0"/>
+          <a:ext cx="0" cy="0"/>
+          <a:chOff x="0" y="0"/>
+          <a:chExt cx="0" cy="0"/>
+        </a:xfrm>
+      </p:grpSpPr>
+      <p:sp>
+        <p:nvSpPr>
+          <p:cNvPr id="2" name="Espace réservé du numéro de diapositive 1">
+            <a:extLst>
+              <a:ext uri="{FF2B5EF4-FFF2-40B4-BE49-F238E27FC236}">
+                <a16:creationId xmlns:a16="http://schemas.microsoft.com/office/drawing/2014/main" id="{E166AE0D-2FAB-3003-2BD1-E74A9391CFB5}"/>
+              </a:ext>
+            </a:extLst>
+          </p:cNvPr>
+          <p:cNvSpPr>
+            <a:spLocks noGrp="1"/>
+          </p:cNvSpPr>
+          <p:nvPr>
+            <p:ph type="sldNum" sz="quarter" idx="4"/>
+          </p:nvPr>
+        </p:nvSpPr>
+        <p:spPr/>
+        <p:txBody>
+          <a:bodyPr/>
+          <a:lstStyle/>
+          <a:p>
+            <a:fld id="{F546B7B7-7D14-4795-A998-350CFB2BDD43}" type="slidenum">
+              <a:rPr lang="fr-FR" smtClean="0"/>
+              <a:pPr/>
+              <a:t>11</a:t>
+            </a:fld>
+            <a:endParaRPr lang="fr-FR"/>
+          </a:p>
+        </p:txBody>
+      </p:sp>
+    </p:spTree>
+    <p:extLst>
+      <p:ext uri="{BB962C8B-B14F-4D97-AF65-F5344CB8AC3E}">
+        <p14:creationId xmlns:p14="http://schemas.microsoft.com/office/powerpoint/2010/main" val="1312687224"/>
       </p:ext>
     </p:extLst>
   </p:cSld>
@@ -8050,7 +8200,7 @@
           <p:cNvPr id="2" name="Espace réservé du numéro de diapositive 1">
             <a:extLst>
               <a:ext uri="{FF2B5EF4-FFF2-40B4-BE49-F238E27FC236}">
-                <a16:creationId xmlns:a16="http://schemas.microsoft.com/office/drawing/2014/main" id="{E166AE0D-2FAB-3003-2BD1-E74A9391CFB5}"/>
+                <a16:creationId xmlns:a16="http://schemas.microsoft.com/office/drawing/2014/main" id="{3C9AC15D-D109-9768-8977-CF168595D874}"/>
               </a:ext>
             </a:extLst>
           </p:cNvPr>
@@ -8070,66 +8220,6 @@
               <a:rPr lang="fr-FR" smtClean="0"/>
               <a:pPr/>
               <a:t>12</a:t>
-            </a:fld>
-            <a:endParaRPr lang="fr-FR"/>
-          </a:p>
-        </p:txBody>
-      </p:sp>
-    </p:spTree>
-    <p:extLst>
-      <p:ext uri="{BB962C8B-B14F-4D97-AF65-F5344CB8AC3E}">
-        <p14:creationId xmlns:p14="http://schemas.microsoft.com/office/powerpoint/2010/main" val="1312687224"/>
-      </p:ext>
-    </p:extLst>
-  </p:cSld>
-  <p:clrMapOvr>
-    <a:masterClrMapping/>
-  </p:clrMapOvr>
-</p:sld>
-</file>
-
-<file path=ppt/slides/slide13.xml><?xml version="1.0" encoding="utf-8"?>
-<p:sld xmlns:a="http://schemas.openxmlformats.org/drawingml/2006/main" xmlns:r="http://schemas.openxmlformats.org/officeDocument/2006/relationships" xmlns:p="http://schemas.openxmlformats.org/presentationml/2006/main">
-  <p:cSld>
-    <p:spTree>
-      <p:nvGrpSpPr>
-        <p:cNvPr id="1" name=""/>
-        <p:cNvGrpSpPr/>
-        <p:nvPr/>
-      </p:nvGrpSpPr>
-      <p:grpSpPr>
-        <a:xfrm>
-          <a:off x="0" y="0"/>
-          <a:ext cx="0" cy="0"/>
-          <a:chOff x="0" y="0"/>
-          <a:chExt cx="0" cy="0"/>
-        </a:xfrm>
-      </p:grpSpPr>
-      <p:sp>
-        <p:nvSpPr>
-          <p:cNvPr id="2" name="Espace réservé du numéro de diapositive 1">
-            <a:extLst>
-              <a:ext uri="{FF2B5EF4-FFF2-40B4-BE49-F238E27FC236}">
-                <a16:creationId xmlns:a16="http://schemas.microsoft.com/office/drawing/2014/main" id="{3C9AC15D-D109-9768-8977-CF168595D874}"/>
-              </a:ext>
-            </a:extLst>
-          </p:cNvPr>
-          <p:cNvSpPr>
-            <a:spLocks noGrp="1"/>
-          </p:cNvSpPr>
-          <p:nvPr>
-            <p:ph type="sldNum" sz="quarter" idx="4"/>
-          </p:nvPr>
-        </p:nvSpPr>
-        <p:spPr/>
-        <p:txBody>
-          <a:bodyPr/>
-          <a:lstStyle/>
-          <a:p>
-            <a:fld id="{F546B7B7-7D14-4795-A998-350CFB2BDD43}" type="slidenum">
-              <a:rPr lang="fr-FR" smtClean="0"/>
-              <a:pPr/>
-              <a:t>13</a:t>
             </a:fld>
             <a:endParaRPr lang="fr-FR"/>
           </a:p>
@@ -8172,25 +8262,7 @@
                 </a:solidFill>
                 <a:latin typeface="Gill Sans MT" panose="020B0502020104020203" pitchFamily="34" charset="0"/>
               </a:rPr>
-              <a:t>2.1. Données (</a:t>
-            </a:r>
-            <a:r>
-              <a:rPr lang="fr-FR" sz="3600" b="1" dirty="0">
-                <a:solidFill>
-                  <a:srgbClr val="FF0000"/>
-                </a:solidFill>
-                <a:latin typeface="Gill Sans MT" panose="020B0502020104020203" pitchFamily="34" charset="0"/>
-              </a:rPr>
-              <a:t>Toussaint</a:t>
-            </a:r>
-            <a:r>
-              <a:rPr lang="fr-FR" sz="3600" b="1" dirty="0">
-                <a:solidFill>
-                  <a:schemeClr val="bg1"/>
-                </a:solidFill>
-                <a:latin typeface="Gill Sans MT" panose="020B0502020104020203" pitchFamily="34" charset="0"/>
-              </a:rPr>
-              <a:t>)</a:t>
+              <a:t>2.1. Données</a:t>
             </a:r>
           </a:p>
         </p:txBody>
@@ -8210,13 +8282,13 @@
           <p:nvPr/>
         </p:nvPicPr>
         <p:blipFill>
-          <a:blip r:embed="rId2">
+          <a:blip r:embed="rId3">
             <a:extLst>
               <a:ext uri="{28A0092B-C50C-407E-A947-70E740481C1C}">
                 <a14:useLocalDpi xmlns:a14="http://schemas.microsoft.com/office/drawing/2010/main" val="0"/>
               </a:ext>
               <a:ext uri="{96DAC541-7B7A-43D3-8B79-37D633B846F1}">
-                <asvg:svgBlip xmlns:asvg="http://schemas.microsoft.com/office/drawing/2016/SVG/main" r:embed="rId3"/>
+                <asvg:svgBlip xmlns:asvg="http://schemas.microsoft.com/office/drawing/2016/SVG/main" r:embed="rId4"/>
               </a:ext>
             </a:extLst>
           </a:blip>
@@ -8236,10 +8308,10 @@
       </p:pic>
       <p:sp>
         <p:nvSpPr>
-          <p:cNvPr id="6" name="ZoneTexte 5">
+          <p:cNvPr id="7" name="ZoneTexte 6">
             <a:extLst>
               <a:ext uri="{FF2B5EF4-FFF2-40B4-BE49-F238E27FC236}">
-                <a16:creationId xmlns:a16="http://schemas.microsoft.com/office/drawing/2014/main" id="{76926F46-4729-E131-5ACF-C44D7CAC1CE7}"/>
+                <a16:creationId xmlns:a16="http://schemas.microsoft.com/office/drawing/2014/main" id="{421C1F28-D4E2-D3EB-6C7B-89AB2B80A085}"/>
               </a:ext>
             </a:extLst>
           </p:cNvPr>
@@ -8248,8 +8320,8 @@
         </p:nvSpPr>
         <p:spPr>
           <a:xfrm>
-            <a:off x="10273" y="1703428"/>
-            <a:ext cx="12191999" cy="683329"/>
+            <a:off x="152400" y="1859340"/>
+            <a:ext cx="11310257" cy="3905236"/>
           </a:xfrm>
           <a:prstGeom prst="rect">
             <a:avLst/>
@@ -8262,41 +8334,159 @@
           </a:bodyPr>
           <a:lstStyle/>
           <a:p>
-            <a:pPr algn="l">
+            <a:pPr marL="342900" indent="-342900" algn="just">
               <a:lnSpc>
-                <a:spcPts val="2143"/>
+                <a:spcPct val="150000"/>
               </a:lnSpc>
-              <a:spcBef>
-                <a:spcPts val="300"/>
-              </a:spcBef>
+              <a:buFont typeface="Arial" panose="020B0604020202020204" pitchFamily="34" charset="0"/>
+              <a:buChar char="•"/>
             </a:pPr>
             <a:r>
-              <a:rPr lang="fr-FR" sz="2400" b="0" i="0" dirty="0">
+              <a:rPr lang="fr-FR" sz="2400" dirty="0">
+                <a:latin typeface="Gill Sans MT" panose="020B0502020104020203" pitchFamily="34" charset="0"/>
+              </a:rPr>
+              <a:t>D</a:t>
+            </a:r>
+            <a:r>
+              <a:rPr lang="fr-FR" sz="2400" dirty="0">
                 <a:solidFill>
-                  <a:srgbClr val="404040"/>
+                  <a:schemeClr val="tx1"/>
                 </a:solidFill>
-                <a:effectLst/>
+                <a:latin typeface="Gill Sans MT" panose="020B0502020104020203" pitchFamily="34" charset="0"/>
               </a:rPr>
-              <a:t>Système National des Données de Santé (SNDS, 2019).</a:t>
-            </a:r>
-          </a:p>
-          <a:p>
-            <a:pPr algn="l">
+              <a:t>onnées couvrant </a:t>
+            </a:r>
+            <a:r>
+              <a:rPr lang="fr-FR" sz="2400" b="1" i="1" dirty="0">
+                <a:solidFill>
+                  <a:schemeClr val="tx1"/>
+                </a:solidFill>
+                <a:latin typeface="Gill Sans MT" panose="020B0502020104020203" pitchFamily="34" charset="0"/>
+              </a:rPr>
+              <a:t>3273</a:t>
+            </a:r>
+            <a:r>
+              <a:rPr lang="fr-FR" sz="2400" dirty="0">
+                <a:solidFill>
+                  <a:schemeClr val="tx1"/>
+                </a:solidFill>
+                <a:latin typeface="Gill Sans MT" panose="020B0502020104020203" pitchFamily="34" charset="0"/>
+              </a:rPr>
+              <a:t> communes françaises sur l’année </a:t>
+            </a:r>
+            <a:r>
+              <a:rPr lang="fr-FR" sz="2400" b="1" i="1" dirty="0">
+                <a:solidFill>
+                  <a:schemeClr val="tx1"/>
+                </a:solidFill>
+                <a:latin typeface="Gill Sans MT" panose="020B0502020104020203" pitchFamily="34" charset="0"/>
+              </a:rPr>
+              <a:t>2019</a:t>
+            </a:r>
+            <a:r>
+              <a:rPr lang="fr-FR" sz="2400" dirty="0">
+                <a:solidFill>
+                  <a:schemeClr val="tx1"/>
+                </a:solidFill>
+                <a:latin typeface="Gill Sans MT" panose="020B0502020104020203" pitchFamily="34" charset="0"/>
+              </a:rPr>
+              <a:t>, issue principalement du Système National des Données de Santé (SNDS).</a:t>
+            </a:r>
+          </a:p>
+          <a:p>
+            <a:pPr marL="342900" indent="-342900" algn="just">
               <a:lnSpc>
-                <a:spcPts val="2143"/>
+                <a:spcPct val="150000"/>
               </a:lnSpc>
-              <a:spcBef>
-                <a:spcPts val="300"/>
-              </a:spcBef>
+              <a:buFont typeface="Arial" panose="020B0604020202020204" pitchFamily="34" charset="0"/>
+              <a:buChar char="•"/>
             </a:pPr>
             <a:r>
-              <a:rPr lang="fr-FR" sz="2400" b="0" i="0" dirty="0">
+              <a:rPr lang="fr-FR" sz="2400" dirty="0">
+                <a:latin typeface="Gill Sans MT" panose="020B0502020104020203" pitchFamily="34" charset="0"/>
+              </a:rPr>
+              <a:t>Données </a:t>
+            </a:r>
+            <a:r>
+              <a:rPr lang="fr-FR" sz="2400" dirty="0">
                 <a:solidFill>
-                  <a:srgbClr val="404040"/>
+                  <a:schemeClr val="tx1"/>
                 </a:solidFill>
-                <a:effectLst/>
+                <a:latin typeface="Gill Sans MT" panose="020B0502020104020203" pitchFamily="34" charset="0"/>
               </a:rPr>
-              <a:t>Données socio-démographiques de 3 273 communes.</a:t>
+              <a:t>enrichie</a:t>
+            </a:r>
+            <a:r>
+              <a:rPr lang="fr-FR" sz="2400" dirty="0">
+                <a:latin typeface="Gill Sans MT" panose="020B0502020104020203" pitchFamily="34" charset="0"/>
+              </a:rPr>
+              <a:t>s</a:t>
+            </a:r>
+            <a:r>
+              <a:rPr lang="fr-FR" sz="2400" dirty="0">
+                <a:solidFill>
+                  <a:schemeClr val="tx1"/>
+                </a:solidFill>
+                <a:latin typeface="Gill Sans MT" panose="020B0502020104020203" pitchFamily="34" charset="0"/>
+              </a:rPr>
+              <a:t> par des sources socio-économiques et géographiques.</a:t>
+            </a:r>
+          </a:p>
+          <a:p>
+            <a:pPr marL="342900" indent="-342900" algn="just">
+              <a:lnSpc>
+                <a:spcPct val="150000"/>
+              </a:lnSpc>
+              <a:buFont typeface="Arial" panose="020B0604020202020204" pitchFamily="34" charset="0"/>
+              <a:buChar char="•"/>
+            </a:pPr>
+            <a:r>
+              <a:rPr lang="fr-FR" sz="2400" dirty="0">
+                <a:latin typeface="Gill Sans MT" panose="020B0502020104020203" pitchFamily="34" charset="0"/>
+              </a:rPr>
+              <a:t>D</a:t>
+            </a:r>
+            <a:r>
+              <a:rPr lang="fr-FR" sz="2400" dirty="0">
+                <a:solidFill>
+                  <a:schemeClr val="tx1"/>
+                </a:solidFill>
+                <a:latin typeface="Gill Sans MT" panose="020B0502020104020203" pitchFamily="34" charset="0"/>
+              </a:rPr>
+              <a:t>onnées agrégées à l’échelle communale.</a:t>
+            </a:r>
+          </a:p>
+          <a:p>
+            <a:pPr marL="342900" indent="-342900" algn="just">
+              <a:lnSpc>
+                <a:spcPct val="150000"/>
+              </a:lnSpc>
+              <a:buFont typeface="Arial" panose="020B0604020202020204" pitchFamily="34" charset="0"/>
+              <a:buChar char="•"/>
+            </a:pPr>
+            <a:r>
+              <a:rPr lang="fr-FR" sz="2400" dirty="0">
+                <a:latin typeface="Gill Sans MT" panose="020B0502020104020203" pitchFamily="34" charset="0"/>
+              </a:rPr>
+              <a:t>Traitements </a:t>
+            </a:r>
+            <a:r>
+              <a:rPr lang="fr-FR" sz="2400" dirty="0" err="1">
+                <a:solidFill>
+                  <a:schemeClr val="tx1"/>
+                </a:solidFill>
+                <a:latin typeface="Gill Sans MT" panose="020B0502020104020203" pitchFamily="34" charset="0"/>
+              </a:rPr>
+              <a:t>initaux</a:t>
+            </a:r>
+            <a:r>
+              <a:rPr lang="fr-FR" sz="2400" dirty="0">
+                <a:solidFill>
+                  <a:schemeClr val="tx1"/>
+                </a:solidFill>
+                <a:latin typeface="Gill Sans MT" panose="020B0502020104020203" pitchFamily="34" charset="0"/>
+              </a:rPr>
+              <a:t> : nettoyage, traitement des valeurs manquantes ou incorrectes, création de variables spatiales et transformation de certaines variables pour améliorer leur interprétabilité. </a:t>
             </a:r>
           </a:p>
         </p:txBody>
@@ -8314,7 +8504,7 @@
 </p:sld>
 </file>
 
-<file path=ppt/slides/slide14.xml><?xml version="1.0" encoding="utf-8"?>
+<file path=ppt/slides/slide13.xml><?xml version="1.0" encoding="utf-8"?>
 <p:sld xmlns:a="http://schemas.openxmlformats.org/drawingml/2006/main" xmlns:r="http://schemas.openxmlformats.org/officeDocument/2006/relationships" xmlns:p="http://schemas.openxmlformats.org/presentationml/2006/main">
   <p:cSld>
     <p:spTree>
@@ -8366,7 +8556,7 @@
             <a:fld id="{F546B7B7-7D14-4795-A998-350CFB2BDD43}" type="slidenum">
               <a:rPr lang="fr-FR" smtClean="0"/>
               <a:pPr/>
-              <a:t>14</a:t>
+              <a:t>13</a:t>
             </a:fld>
             <a:endParaRPr lang="fr-FR" dirty="0"/>
           </a:p>
@@ -8409,25 +8599,7 @@
                 </a:solidFill>
                 <a:latin typeface="Gill Sans MT" panose="020B0502020104020203" pitchFamily="34" charset="0"/>
               </a:rPr>
-              <a:t>2.2. Concepts fondamentaux (</a:t>
-            </a:r>
-            <a:r>
-              <a:rPr lang="fr-FR" sz="3600" b="1" dirty="0">
-                <a:solidFill>
-                  <a:srgbClr val="FF0000"/>
-                </a:solidFill>
-                <a:latin typeface="Gill Sans MT" panose="020B0502020104020203" pitchFamily="34" charset="0"/>
-              </a:rPr>
-              <a:t>Toussaint</a:t>
-            </a:r>
-            <a:r>
-              <a:rPr lang="fr-FR" sz="3600" b="1" dirty="0">
-                <a:solidFill>
-                  <a:schemeClr val="bg1"/>
-                </a:solidFill>
-                <a:latin typeface="Gill Sans MT" panose="020B0502020104020203" pitchFamily="34" charset="0"/>
-              </a:rPr>
-              <a:t>)</a:t>
+              <a:t>2.2. Concepts fondamentaux</a:t>
             </a:r>
           </a:p>
         </p:txBody>
@@ -8447,13 +8619,13 @@
           <p:nvPr/>
         </p:nvPicPr>
         <p:blipFill>
-          <a:blip r:embed="rId2">
+          <a:blip r:embed="rId3">
             <a:extLst>
               <a:ext uri="{28A0092B-C50C-407E-A947-70E740481C1C}">
                 <a14:useLocalDpi xmlns:a14="http://schemas.microsoft.com/office/drawing/2010/main" val="0"/>
               </a:ext>
               <a:ext uri="{96DAC541-7B7A-43D3-8B79-37D633B846F1}">
-                <asvg:svgBlip xmlns:asvg="http://schemas.microsoft.com/office/drawing/2016/SVG/main" r:embed="rId3"/>
+                <asvg:svgBlip xmlns:asvg="http://schemas.microsoft.com/office/drawing/2016/SVG/main" r:embed="rId4"/>
               </a:ext>
             </a:extLst>
           </a:blip>
@@ -8471,10 +8643,1038 @@
           </a:prstGeom>
         </p:spPr>
       </p:pic>
+      <p:grpSp>
+        <p:nvGrpSpPr>
+          <p:cNvPr id="6" name="Groupe 5">
+            <a:extLst>
+              <a:ext uri="{FF2B5EF4-FFF2-40B4-BE49-F238E27FC236}">
+                <a16:creationId xmlns:a16="http://schemas.microsoft.com/office/drawing/2014/main" id="{AA957E8F-98D4-BACE-1A67-2AEB0A5AAEDF}"/>
+              </a:ext>
+            </a:extLst>
+          </p:cNvPr>
+          <p:cNvGrpSpPr/>
+          <p:nvPr/>
+        </p:nvGrpSpPr>
+        <p:grpSpPr>
+          <a:xfrm>
+            <a:off x="50345" y="1717713"/>
+            <a:ext cx="4966606" cy="538782"/>
+            <a:chOff x="1621973" y="1405339"/>
+            <a:chExt cx="4256312" cy="538782"/>
+          </a:xfrm>
+        </p:grpSpPr>
+        <p:sp>
+          <p:nvSpPr>
+            <p:cNvPr id="7" name="Rectangle : coins arrondis 6">
+              <a:extLst>
+                <a:ext uri="{FF2B5EF4-FFF2-40B4-BE49-F238E27FC236}">
+                  <a16:creationId xmlns:a16="http://schemas.microsoft.com/office/drawing/2014/main" id="{A0EB5B7A-A697-8A98-8EE2-AFB21616B9FD}"/>
+                </a:ext>
+              </a:extLst>
+            </p:cNvPr>
+            <p:cNvSpPr/>
+            <p:nvPr/>
+          </p:nvSpPr>
+          <p:spPr>
+            <a:xfrm>
+              <a:off x="1959429" y="1405339"/>
+              <a:ext cx="3918856" cy="522872"/>
+            </a:xfrm>
+            <a:prstGeom prst="roundRect">
+              <a:avLst>
+                <a:gd name="adj" fmla="val 50000"/>
+              </a:avLst>
+            </a:prstGeom>
+            <a:solidFill>
+              <a:srgbClr val="006A5A"/>
+            </a:solidFill>
+            <a:ln>
+              <a:noFill/>
+            </a:ln>
+          </p:spPr>
+          <p:style>
+            <a:lnRef idx="2">
+              <a:schemeClr val="accent1">
+                <a:shade val="15000"/>
+              </a:schemeClr>
+            </a:lnRef>
+            <a:fillRef idx="1">
+              <a:schemeClr val="accent1"/>
+            </a:fillRef>
+            <a:effectRef idx="0">
+              <a:schemeClr val="accent1"/>
+            </a:effectRef>
+            <a:fontRef idx="minor">
+              <a:schemeClr val="lt1"/>
+            </a:fontRef>
+          </p:style>
+          <p:txBody>
+            <a:bodyPr rtlCol="0" anchor="ctr"/>
+            <a:lstStyle/>
+            <a:p>
+              <a:pPr algn="ctr"/>
+              <a:r>
+                <a:rPr lang="fr-FR" sz="2400" b="1" dirty="0">
+                  <a:latin typeface="Gill Sans MT" panose="020B0502020104020203" pitchFamily="34" charset="0"/>
+                </a:rPr>
+                <a:t>Autocorrélation spatiale</a:t>
+              </a:r>
+            </a:p>
+          </p:txBody>
+        </p:sp>
+        <p:sp>
+          <p:nvSpPr>
+            <p:cNvPr id="8" name="Ellipse 7">
+              <a:extLst>
+                <a:ext uri="{FF2B5EF4-FFF2-40B4-BE49-F238E27FC236}">
+                  <a16:creationId xmlns:a16="http://schemas.microsoft.com/office/drawing/2014/main" id="{7EF578C6-E397-BBA2-8EB2-2DF5FB1E15BC}"/>
+                </a:ext>
+              </a:extLst>
+            </p:cNvPr>
+            <p:cNvSpPr/>
+            <p:nvPr/>
+          </p:nvSpPr>
+          <p:spPr>
+            <a:xfrm>
+              <a:off x="1621973" y="1421249"/>
+              <a:ext cx="448093" cy="522872"/>
+            </a:xfrm>
+            <a:prstGeom prst="ellipse">
+              <a:avLst/>
+            </a:prstGeom>
+            <a:solidFill>
+              <a:schemeClr val="accent2"/>
+            </a:solidFill>
+            <a:ln>
+              <a:noFill/>
+            </a:ln>
+          </p:spPr>
+          <p:style>
+            <a:lnRef idx="2">
+              <a:schemeClr val="accent1">
+                <a:shade val="15000"/>
+              </a:schemeClr>
+            </a:lnRef>
+            <a:fillRef idx="1">
+              <a:schemeClr val="accent1"/>
+            </a:fillRef>
+            <a:effectRef idx="0">
+              <a:schemeClr val="accent1"/>
+            </a:effectRef>
+            <a:fontRef idx="minor">
+              <a:schemeClr val="lt1"/>
+            </a:fontRef>
+          </p:style>
+          <p:txBody>
+            <a:bodyPr rtlCol="0" anchor="ctr"/>
+            <a:lstStyle/>
+            <a:p>
+              <a:pPr algn="ctr"/>
+              <a:r>
+                <a:rPr lang="fr-FR" sz="2400" dirty="0">
+                  <a:latin typeface="Montserrat" panose="02000505000000020004" pitchFamily="2" charset="0"/>
+                </a:rPr>
+                <a:t>1</a:t>
+              </a:r>
+            </a:p>
+          </p:txBody>
+        </p:sp>
+      </p:grpSp>
+      <p:sp>
+        <p:nvSpPr>
+          <p:cNvPr id="10" name="ZoneTexte 9">
+            <a:extLst>
+              <a:ext uri="{FF2B5EF4-FFF2-40B4-BE49-F238E27FC236}">
+                <a16:creationId xmlns:a16="http://schemas.microsoft.com/office/drawing/2014/main" id="{F5D24E7A-936C-5D13-4C3C-A42C62205B26}"/>
+              </a:ext>
+            </a:extLst>
+          </p:cNvPr>
+          <p:cNvSpPr txBox="1"/>
+          <p:nvPr/>
+        </p:nvSpPr>
+        <p:spPr>
+          <a:xfrm>
+            <a:off x="5086350" y="1621822"/>
+            <a:ext cx="6716118" cy="1337837"/>
+          </a:xfrm>
+          <a:prstGeom prst="rect">
+            <a:avLst/>
+          </a:prstGeom>
+          <a:noFill/>
+        </p:spPr>
+        <p:txBody>
+          <a:bodyPr wrap="square">
+            <a:spAutoFit/>
+          </a:bodyPr>
+          <a:lstStyle/>
+          <a:p>
+            <a:pPr marL="0" marR="0" lvl="0" indent="0" algn="just" defTabSz="914400" rtl="0" eaLnBrk="0" fontAlgn="base" latinLnBrk="0" hangingPunct="0">
+              <a:lnSpc>
+                <a:spcPct val="100000"/>
+              </a:lnSpc>
+              <a:spcBef>
+                <a:spcPct val="0"/>
+              </a:spcBef>
+              <a:spcAft>
+                <a:spcPct val="0"/>
+              </a:spcAft>
+              <a:buClrTx/>
+              <a:buSzTx/>
+              <a:buFontTx/>
+              <a:buNone/>
+              <a:tabLst/>
+            </a:pPr>
+            <a:r>
+              <a:rPr kumimoji="0" lang="fr-FR" altLang="fr-FR" sz="2000" b="0" i="0" u="none" strike="noStrike" cap="none" normalizeH="0" baseline="0" dirty="0">
+                <a:ln>
+                  <a:noFill/>
+                </a:ln>
+                <a:solidFill>
+                  <a:schemeClr val="tx1"/>
+                </a:solidFill>
+                <a:effectLst/>
+                <a:latin typeface="Gill Sans MT" panose="020B0502020104020203" pitchFamily="34" charset="0"/>
+              </a:rPr>
+              <a:t>Les observations proches géographiquement sont statistiquement corrélées. Trois types : endogène (valeurs voisines de la variable dépendante), exogène (valeurs voisines des </a:t>
+            </a:r>
+            <a:r>
+              <a:rPr kumimoji="0" lang="fr-FR" altLang="fr-FR" sz="2000" b="0" i="0" u="none" strike="noStrike" cap="none" normalizeH="0" baseline="0" dirty="0" err="1">
+                <a:ln>
+                  <a:noFill/>
+                </a:ln>
+                <a:solidFill>
+                  <a:schemeClr val="tx1"/>
+                </a:solidFill>
+                <a:effectLst/>
+                <a:latin typeface="Gill Sans MT" panose="020B0502020104020203" pitchFamily="34" charset="0"/>
+              </a:rPr>
+              <a:t>covariables</a:t>
+            </a:r>
+            <a:r>
+              <a:rPr kumimoji="0" lang="fr-FR" altLang="fr-FR" sz="2000" b="0" i="0" u="none" strike="noStrike" cap="none" normalizeH="0" baseline="0" dirty="0">
+                <a:ln>
+                  <a:noFill/>
+                </a:ln>
+                <a:solidFill>
+                  <a:schemeClr val="tx1"/>
+                </a:solidFill>
+                <a:effectLst/>
+                <a:latin typeface="Gill Sans MT" panose="020B0502020104020203" pitchFamily="34" charset="0"/>
+              </a:rPr>
+              <a:t>), et erreurs corrélées.</a:t>
+            </a:r>
+          </a:p>
+        </p:txBody>
+      </p:sp>
+      <p:grpSp>
+        <p:nvGrpSpPr>
+          <p:cNvPr id="11" name="Groupe 10">
+            <a:extLst>
+              <a:ext uri="{FF2B5EF4-FFF2-40B4-BE49-F238E27FC236}">
+                <a16:creationId xmlns:a16="http://schemas.microsoft.com/office/drawing/2014/main" id="{8F53469F-C3D6-7956-B20E-BDC4299A7C01}"/>
+              </a:ext>
+            </a:extLst>
+          </p:cNvPr>
+          <p:cNvGrpSpPr/>
+          <p:nvPr/>
+        </p:nvGrpSpPr>
+        <p:grpSpPr>
+          <a:xfrm>
+            <a:off x="50345" y="2917370"/>
+            <a:ext cx="4966606" cy="538782"/>
+            <a:chOff x="1621973" y="1405339"/>
+            <a:chExt cx="4474026" cy="538782"/>
+          </a:xfrm>
+        </p:grpSpPr>
+        <p:sp>
+          <p:nvSpPr>
+            <p:cNvPr id="12" name="Rectangle : coins arrondis 11">
+              <a:extLst>
+                <a:ext uri="{FF2B5EF4-FFF2-40B4-BE49-F238E27FC236}">
+                  <a16:creationId xmlns:a16="http://schemas.microsoft.com/office/drawing/2014/main" id="{54739161-3C4A-487D-8300-E010F4FFCB81}"/>
+                </a:ext>
+              </a:extLst>
+            </p:cNvPr>
+            <p:cNvSpPr/>
+            <p:nvPr/>
+          </p:nvSpPr>
+          <p:spPr>
+            <a:xfrm>
+              <a:off x="1959428" y="1405339"/>
+              <a:ext cx="4136571" cy="522872"/>
+            </a:xfrm>
+            <a:prstGeom prst="roundRect">
+              <a:avLst>
+                <a:gd name="adj" fmla="val 50000"/>
+              </a:avLst>
+            </a:prstGeom>
+            <a:solidFill>
+              <a:srgbClr val="006A5A"/>
+            </a:solidFill>
+            <a:ln>
+              <a:noFill/>
+            </a:ln>
+          </p:spPr>
+          <p:style>
+            <a:lnRef idx="2">
+              <a:schemeClr val="accent1">
+                <a:shade val="15000"/>
+              </a:schemeClr>
+            </a:lnRef>
+            <a:fillRef idx="1">
+              <a:schemeClr val="accent1"/>
+            </a:fillRef>
+            <a:effectRef idx="0">
+              <a:schemeClr val="accent1"/>
+            </a:effectRef>
+            <a:fontRef idx="minor">
+              <a:schemeClr val="lt1"/>
+            </a:fontRef>
+          </p:style>
+          <p:txBody>
+            <a:bodyPr rtlCol="0" anchor="ctr"/>
+            <a:lstStyle/>
+            <a:p>
+              <a:pPr algn="ctr"/>
+              <a:r>
+                <a:rPr lang="fr-FR" sz="2400" b="1" dirty="0">
+                  <a:latin typeface="Gill Sans MT" panose="020B0502020104020203" pitchFamily="34" charset="0"/>
+                </a:rPr>
+                <a:t>Matrice des poids spatiaux</a:t>
+              </a:r>
+            </a:p>
+          </p:txBody>
+        </p:sp>
+        <p:sp>
+          <p:nvSpPr>
+            <p:cNvPr id="13" name="Ellipse 12">
+              <a:extLst>
+                <a:ext uri="{FF2B5EF4-FFF2-40B4-BE49-F238E27FC236}">
+                  <a16:creationId xmlns:a16="http://schemas.microsoft.com/office/drawing/2014/main" id="{E4957D3E-285F-0EDF-00F2-CD34CED0BB97}"/>
+                </a:ext>
+              </a:extLst>
+            </p:cNvPr>
+            <p:cNvSpPr/>
+            <p:nvPr/>
+          </p:nvSpPr>
+          <p:spPr>
+            <a:xfrm>
+              <a:off x="1621973" y="1421249"/>
+              <a:ext cx="471014" cy="522872"/>
+            </a:xfrm>
+            <a:prstGeom prst="ellipse">
+              <a:avLst/>
+            </a:prstGeom>
+            <a:solidFill>
+              <a:schemeClr val="accent2"/>
+            </a:solidFill>
+            <a:ln>
+              <a:noFill/>
+            </a:ln>
+          </p:spPr>
+          <p:style>
+            <a:lnRef idx="2">
+              <a:schemeClr val="accent1">
+                <a:shade val="15000"/>
+              </a:schemeClr>
+            </a:lnRef>
+            <a:fillRef idx="1">
+              <a:schemeClr val="accent1"/>
+            </a:fillRef>
+            <a:effectRef idx="0">
+              <a:schemeClr val="accent1"/>
+            </a:effectRef>
+            <a:fontRef idx="minor">
+              <a:schemeClr val="lt1"/>
+            </a:fontRef>
+          </p:style>
+          <p:txBody>
+            <a:bodyPr rtlCol="0" anchor="ctr"/>
+            <a:lstStyle/>
+            <a:p>
+              <a:pPr algn="ctr"/>
+              <a:r>
+                <a:rPr lang="fr-FR" sz="2400" dirty="0">
+                  <a:latin typeface="Montserrat" panose="02000505000000020004" pitchFamily="2" charset="0"/>
+                </a:rPr>
+                <a:t>2</a:t>
+              </a:r>
+            </a:p>
+          </p:txBody>
+        </p:sp>
+      </p:grpSp>
+      <p:sp>
+        <p:nvSpPr>
+          <p:cNvPr id="15" name="ZoneTexte 14">
+            <a:extLst>
+              <a:ext uri="{FF2B5EF4-FFF2-40B4-BE49-F238E27FC236}">
+                <a16:creationId xmlns:a16="http://schemas.microsoft.com/office/drawing/2014/main" id="{22BFCE66-65C9-A59C-F336-AC34F7921068}"/>
+              </a:ext>
+            </a:extLst>
+          </p:cNvPr>
+          <p:cNvSpPr txBox="1"/>
+          <p:nvPr/>
+        </p:nvSpPr>
+        <p:spPr>
+          <a:xfrm>
+            <a:off x="5086351" y="2970973"/>
+            <a:ext cx="6664043" cy="707886"/>
+          </a:xfrm>
+          <a:prstGeom prst="rect">
+            <a:avLst/>
+          </a:prstGeom>
+          <a:noFill/>
+        </p:spPr>
+        <p:txBody>
+          <a:bodyPr wrap="square">
+            <a:spAutoFit/>
+          </a:bodyPr>
+          <a:lstStyle/>
+          <a:p>
+            <a:pPr marL="0" marR="0" lvl="0" indent="0" algn="just" defTabSz="914400" rtl="0" eaLnBrk="0" fontAlgn="base" latinLnBrk="0" hangingPunct="0">
+              <a:lnSpc>
+                <a:spcPct val="100000"/>
+              </a:lnSpc>
+              <a:spcBef>
+                <a:spcPct val="0"/>
+              </a:spcBef>
+              <a:spcAft>
+                <a:spcPct val="0"/>
+              </a:spcAft>
+              <a:buClrTx/>
+              <a:buSzTx/>
+              <a:buFontTx/>
+              <a:buNone/>
+              <a:tabLst/>
+            </a:pPr>
+            <a:r>
+              <a:rPr kumimoji="0" lang="fr-FR" altLang="fr-FR" sz="2000" b="0" i="0" u="none" strike="noStrike" cap="none" normalizeH="0" baseline="0" dirty="0">
+                <a:ln>
+                  <a:noFill/>
+                </a:ln>
+                <a:solidFill>
+                  <a:schemeClr val="tx1"/>
+                </a:solidFill>
+                <a:effectLst/>
+                <a:latin typeface="Gill Sans MT" panose="020B0502020104020203" pitchFamily="34" charset="0"/>
+              </a:rPr>
+              <a:t>Structure les relations de voisinage (distance, contiguïté).</a:t>
+            </a:r>
+          </a:p>
+          <a:p>
+            <a:pPr marL="0" marR="0" lvl="0" indent="0" algn="just" defTabSz="914400" rtl="0" eaLnBrk="0" fontAlgn="base" latinLnBrk="0" hangingPunct="0">
+              <a:lnSpc>
+                <a:spcPct val="100000"/>
+              </a:lnSpc>
+              <a:spcBef>
+                <a:spcPct val="0"/>
+              </a:spcBef>
+              <a:spcAft>
+                <a:spcPct val="0"/>
+              </a:spcAft>
+              <a:buClrTx/>
+              <a:buSzTx/>
+              <a:buFontTx/>
+              <a:buNone/>
+              <a:tabLst/>
+            </a:pPr>
+            <a:r>
+              <a:rPr kumimoji="0" lang="fr-FR" altLang="fr-FR" sz="2000" b="0" i="0" u="none" strike="noStrike" cap="none" normalizeH="0" baseline="0" dirty="0">
+                <a:ln>
+                  <a:noFill/>
+                </a:ln>
+                <a:solidFill>
+                  <a:schemeClr val="tx1"/>
+                </a:solidFill>
+                <a:effectLst/>
+                <a:latin typeface="Gill Sans MT" panose="020B0502020104020203" pitchFamily="34" charset="0"/>
+              </a:rPr>
+              <a:t>Permet de capturer l'influence spatiale dans les modèles.</a:t>
+            </a:r>
+          </a:p>
+        </p:txBody>
+      </p:sp>
+      <p:grpSp>
+        <p:nvGrpSpPr>
+          <p:cNvPr id="16" name="Groupe 15">
+            <a:extLst>
+              <a:ext uri="{FF2B5EF4-FFF2-40B4-BE49-F238E27FC236}">
+                <a16:creationId xmlns:a16="http://schemas.microsoft.com/office/drawing/2014/main" id="{8A8C56DF-E7B3-132E-3FAA-79F13A896563}"/>
+              </a:ext>
+            </a:extLst>
+          </p:cNvPr>
+          <p:cNvGrpSpPr/>
+          <p:nvPr/>
+        </p:nvGrpSpPr>
+        <p:grpSpPr>
+          <a:xfrm>
+            <a:off x="50344" y="3914051"/>
+            <a:ext cx="4966607" cy="538782"/>
+            <a:chOff x="1621972" y="1405339"/>
+            <a:chExt cx="4966607" cy="538782"/>
+          </a:xfrm>
+        </p:grpSpPr>
+        <p:sp>
+          <p:nvSpPr>
+            <p:cNvPr id="17" name="Rectangle : coins arrondis 16">
+              <a:extLst>
+                <a:ext uri="{FF2B5EF4-FFF2-40B4-BE49-F238E27FC236}">
+                  <a16:creationId xmlns:a16="http://schemas.microsoft.com/office/drawing/2014/main" id="{EC6E7F0B-D137-8FF2-600A-09915CF6F347}"/>
+                </a:ext>
+              </a:extLst>
+            </p:cNvPr>
+            <p:cNvSpPr/>
+            <p:nvPr/>
+          </p:nvSpPr>
+          <p:spPr>
+            <a:xfrm>
+              <a:off x="1959428" y="1405339"/>
+              <a:ext cx="4629151" cy="522872"/>
+            </a:xfrm>
+            <a:prstGeom prst="roundRect">
+              <a:avLst>
+                <a:gd name="adj" fmla="val 50000"/>
+              </a:avLst>
+            </a:prstGeom>
+            <a:solidFill>
+              <a:srgbClr val="006A5A"/>
+            </a:solidFill>
+            <a:ln>
+              <a:noFill/>
+            </a:ln>
+          </p:spPr>
+          <p:style>
+            <a:lnRef idx="2">
+              <a:schemeClr val="accent1">
+                <a:shade val="15000"/>
+              </a:schemeClr>
+            </a:lnRef>
+            <a:fillRef idx="1">
+              <a:schemeClr val="accent1"/>
+            </a:fillRef>
+            <a:effectRef idx="0">
+              <a:schemeClr val="accent1"/>
+            </a:effectRef>
+            <a:fontRef idx="minor">
+              <a:schemeClr val="lt1"/>
+            </a:fontRef>
+          </p:style>
+          <p:txBody>
+            <a:bodyPr rtlCol="0" anchor="ctr"/>
+            <a:lstStyle/>
+            <a:p>
+              <a:pPr algn="ctr"/>
+              <a:r>
+                <a:rPr lang="fr-FR" sz="2400" b="1" dirty="0">
+                  <a:latin typeface="Gill Sans MT" panose="020B0502020104020203" pitchFamily="34" charset="0"/>
+                </a:rPr>
+                <a:t>Indices de corrélation spatiale</a:t>
+              </a:r>
+            </a:p>
+          </p:txBody>
+        </p:sp>
+        <p:sp>
+          <p:nvSpPr>
+            <p:cNvPr id="18" name="Ellipse 17">
+              <a:extLst>
+                <a:ext uri="{FF2B5EF4-FFF2-40B4-BE49-F238E27FC236}">
+                  <a16:creationId xmlns:a16="http://schemas.microsoft.com/office/drawing/2014/main" id="{31FE8673-E253-8F4F-4670-3EB4A57E4403}"/>
+                </a:ext>
+              </a:extLst>
+            </p:cNvPr>
+            <p:cNvSpPr/>
+            <p:nvPr/>
+          </p:nvSpPr>
+          <p:spPr>
+            <a:xfrm>
+              <a:off x="1621972" y="1421249"/>
+              <a:ext cx="522872" cy="522872"/>
+            </a:xfrm>
+            <a:prstGeom prst="ellipse">
+              <a:avLst/>
+            </a:prstGeom>
+            <a:solidFill>
+              <a:schemeClr val="accent2"/>
+            </a:solidFill>
+            <a:ln>
+              <a:noFill/>
+            </a:ln>
+          </p:spPr>
+          <p:style>
+            <a:lnRef idx="2">
+              <a:schemeClr val="accent1">
+                <a:shade val="15000"/>
+              </a:schemeClr>
+            </a:lnRef>
+            <a:fillRef idx="1">
+              <a:schemeClr val="accent1"/>
+            </a:fillRef>
+            <a:effectRef idx="0">
+              <a:schemeClr val="accent1"/>
+            </a:effectRef>
+            <a:fontRef idx="minor">
+              <a:schemeClr val="lt1"/>
+            </a:fontRef>
+          </p:style>
+          <p:txBody>
+            <a:bodyPr rtlCol="0" anchor="ctr"/>
+            <a:lstStyle/>
+            <a:p>
+              <a:pPr algn="ctr"/>
+              <a:r>
+                <a:rPr lang="fr-FR" sz="2400" dirty="0">
+                  <a:latin typeface="Montserrat" panose="02000505000000020004" pitchFamily="2" charset="0"/>
+                </a:rPr>
+                <a:t>3</a:t>
+              </a:r>
+            </a:p>
+          </p:txBody>
+        </p:sp>
+      </p:grpSp>
+      <p:sp>
+        <p:nvSpPr>
+          <p:cNvPr id="20" name="ZoneTexte 19">
+            <a:extLst>
+              <a:ext uri="{FF2B5EF4-FFF2-40B4-BE49-F238E27FC236}">
+                <a16:creationId xmlns:a16="http://schemas.microsoft.com/office/drawing/2014/main" id="{5AB68035-CE9D-6F09-33B8-90BADBCB2FF0}"/>
+              </a:ext>
+            </a:extLst>
+          </p:cNvPr>
+          <p:cNvSpPr txBox="1"/>
+          <p:nvPr/>
+        </p:nvSpPr>
+        <p:spPr>
+          <a:xfrm>
+            <a:off x="5086350" y="3847813"/>
+            <a:ext cx="6664044" cy="1015663"/>
+          </a:xfrm>
+          <a:prstGeom prst="rect">
+            <a:avLst/>
+          </a:prstGeom>
+          <a:noFill/>
+        </p:spPr>
+        <p:txBody>
+          <a:bodyPr wrap="square">
+            <a:spAutoFit/>
+          </a:bodyPr>
+          <a:lstStyle>
+            <a:defPPr>
+              <a:defRPr lang="fr-FR"/>
+            </a:defPPr>
+            <a:lvl1pPr marR="0" lvl="0" indent="0" algn="just" eaLnBrk="0" fontAlgn="base" hangingPunct="0">
+              <a:lnSpc>
+                <a:spcPct val="100000"/>
+              </a:lnSpc>
+              <a:spcBef>
+                <a:spcPct val="0"/>
+              </a:spcBef>
+              <a:spcAft>
+                <a:spcPct val="0"/>
+              </a:spcAft>
+              <a:buClrTx/>
+              <a:buSzTx/>
+              <a:buFontTx/>
+              <a:buNone/>
+              <a:tabLst/>
+              <a:defRPr kumimoji="0" sz="2000" b="0" i="0" u="none" strike="noStrike" cap="none" normalizeH="0" baseline="0">
+                <a:ln>
+                  <a:noFill/>
+                </a:ln>
+                <a:effectLst/>
+                <a:latin typeface="Gill Sans MT" panose="020B0502020104020203" pitchFamily="34" charset="0"/>
+              </a:defRPr>
+            </a:lvl1pPr>
+          </a:lstStyle>
+          <a:p>
+            <a:r>
+              <a:rPr lang="fr-FR" altLang="fr-FR" dirty="0"/>
+              <a:t>L’indice de Moran mesure la similarité spatiale globale.</a:t>
+            </a:r>
+            <a:br>
+              <a:rPr lang="fr-FR" altLang="fr-FR" dirty="0"/>
+            </a:br>
+            <a:r>
+              <a:rPr lang="fr-FR" altLang="fr-FR" dirty="0"/>
+              <a:t>Interprétation : I &gt; 0 (positive), I &lt; 0 (négative), I ≈ 0 (aléatoire).</a:t>
+            </a:r>
+            <a:endParaRPr lang="fr-FR" dirty="0"/>
+          </a:p>
+        </p:txBody>
+      </p:sp>
+      <p:sp>
+        <p:nvSpPr>
+          <p:cNvPr id="22" name="ZoneTexte 21">
+            <a:extLst>
+              <a:ext uri="{FF2B5EF4-FFF2-40B4-BE49-F238E27FC236}">
+                <a16:creationId xmlns:a16="http://schemas.microsoft.com/office/drawing/2014/main" id="{AD790BBD-691C-A585-F9F9-B6E6CEA6AE64}"/>
+              </a:ext>
+            </a:extLst>
+          </p:cNvPr>
+          <p:cNvSpPr txBox="1"/>
+          <p:nvPr/>
+        </p:nvSpPr>
+        <p:spPr>
+          <a:xfrm>
+            <a:off x="5086350" y="5047470"/>
+            <a:ext cx="6664044" cy="1015663"/>
+          </a:xfrm>
+          <a:prstGeom prst="rect">
+            <a:avLst/>
+          </a:prstGeom>
+          <a:noFill/>
+        </p:spPr>
+        <p:txBody>
+          <a:bodyPr wrap="square">
+            <a:spAutoFit/>
+          </a:bodyPr>
+          <a:lstStyle>
+            <a:defPPr>
+              <a:defRPr lang="fr-FR"/>
+            </a:defPPr>
+            <a:lvl1pPr marR="0" lvl="0" indent="0" algn="just" eaLnBrk="0" fontAlgn="base" hangingPunct="0">
+              <a:lnSpc>
+                <a:spcPct val="100000"/>
+              </a:lnSpc>
+              <a:spcBef>
+                <a:spcPct val="0"/>
+              </a:spcBef>
+              <a:spcAft>
+                <a:spcPct val="0"/>
+              </a:spcAft>
+              <a:buClrTx/>
+              <a:buSzTx/>
+              <a:buFontTx/>
+              <a:buNone/>
+              <a:tabLst/>
+              <a:defRPr kumimoji="0" sz="2000" b="0" i="0" u="none" strike="noStrike" cap="none" normalizeH="0" baseline="0">
+                <a:ln>
+                  <a:noFill/>
+                </a:ln>
+                <a:effectLst/>
+                <a:latin typeface="Gill Sans MT" panose="020B0502020104020203" pitchFamily="34" charset="0"/>
+              </a:defRPr>
+            </a:lvl1pPr>
+          </a:lstStyle>
+          <a:p>
+            <a:r>
+              <a:rPr lang="fr-FR" altLang="fr-FR" dirty="0"/>
+              <a:t>Visualise les associations locales : HH (hauts entourés de hauts), LL (bas entourés de bas), HL, LH.</a:t>
+            </a:r>
+          </a:p>
+          <a:p>
+            <a:r>
+              <a:rPr lang="fr-FR" altLang="fr-FR" dirty="0"/>
+              <a:t>Met en évidence les clusters et les zones atypiques.</a:t>
+            </a:r>
+          </a:p>
+        </p:txBody>
+      </p:sp>
+      <p:grpSp>
+        <p:nvGrpSpPr>
+          <p:cNvPr id="23" name="Groupe 22">
+            <a:extLst>
+              <a:ext uri="{FF2B5EF4-FFF2-40B4-BE49-F238E27FC236}">
+                <a16:creationId xmlns:a16="http://schemas.microsoft.com/office/drawing/2014/main" id="{C2A97639-C4EB-8797-738F-924B24618183}"/>
+              </a:ext>
+            </a:extLst>
+          </p:cNvPr>
+          <p:cNvGrpSpPr/>
+          <p:nvPr/>
+        </p:nvGrpSpPr>
+        <p:grpSpPr>
+          <a:xfrm>
+            <a:off x="119743" y="5032430"/>
+            <a:ext cx="4966607" cy="538782"/>
+            <a:chOff x="1621972" y="1405339"/>
+            <a:chExt cx="4966607" cy="538782"/>
+          </a:xfrm>
+        </p:grpSpPr>
+        <p:sp>
+          <p:nvSpPr>
+            <p:cNvPr id="24" name="Rectangle : coins arrondis 23">
+              <a:extLst>
+                <a:ext uri="{FF2B5EF4-FFF2-40B4-BE49-F238E27FC236}">
+                  <a16:creationId xmlns:a16="http://schemas.microsoft.com/office/drawing/2014/main" id="{0540D5FE-5CC6-FD4E-A765-C77C7B50386F}"/>
+                </a:ext>
+              </a:extLst>
+            </p:cNvPr>
+            <p:cNvSpPr/>
+            <p:nvPr/>
+          </p:nvSpPr>
+          <p:spPr>
+            <a:xfrm>
+              <a:off x="1959428" y="1405339"/>
+              <a:ext cx="4629151" cy="522872"/>
+            </a:xfrm>
+            <a:prstGeom prst="roundRect">
+              <a:avLst>
+                <a:gd name="adj" fmla="val 50000"/>
+              </a:avLst>
+            </a:prstGeom>
+            <a:solidFill>
+              <a:srgbClr val="006A5A"/>
+            </a:solidFill>
+            <a:ln>
+              <a:noFill/>
+            </a:ln>
+          </p:spPr>
+          <p:style>
+            <a:lnRef idx="2">
+              <a:schemeClr val="accent1">
+                <a:shade val="15000"/>
+              </a:schemeClr>
+            </a:lnRef>
+            <a:fillRef idx="1">
+              <a:schemeClr val="accent1"/>
+            </a:fillRef>
+            <a:effectRef idx="0">
+              <a:schemeClr val="accent1"/>
+            </a:effectRef>
+            <a:fontRef idx="minor">
+              <a:schemeClr val="lt1"/>
+            </a:fontRef>
+          </p:style>
+          <p:txBody>
+            <a:bodyPr rtlCol="0" anchor="ctr"/>
+            <a:lstStyle/>
+            <a:p>
+              <a:pPr algn="ctr"/>
+              <a:r>
+                <a:rPr lang="fr-FR" sz="2400" b="1" dirty="0">
+                  <a:latin typeface="Gill Sans MT" panose="020B0502020104020203" pitchFamily="34" charset="0"/>
+                </a:rPr>
+                <a:t>Diagramme de Moran</a:t>
+              </a:r>
+            </a:p>
+          </p:txBody>
+        </p:sp>
+        <p:sp>
+          <p:nvSpPr>
+            <p:cNvPr id="25" name="Ellipse 24">
+              <a:extLst>
+                <a:ext uri="{FF2B5EF4-FFF2-40B4-BE49-F238E27FC236}">
+                  <a16:creationId xmlns:a16="http://schemas.microsoft.com/office/drawing/2014/main" id="{9E7FB602-C130-8E64-321A-535D14B1E150}"/>
+                </a:ext>
+              </a:extLst>
+            </p:cNvPr>
+            <p:cNvSpPr/>
+            <p:nvPr/>
+          </p:nvSpPr>
+          <p:spPr>
+            <a:xfrm>
+              <a:off x="1621972" y="1421249"/>
+              <a:ext cx="522872" cy="522872"/>
+            </a:xfrm>
+            <a:prstGeom prst="ellipse">
+              <a:avLst/>
+            </a:prstGeom>
+            <a:solidFill>
+              <a:schemeClr val="accent2"/>
+            </a:solidFill>
+            <a:ln>
+              <a:noFill/>
+            </a:ln>
+          </p:spPr>
+          <p:style>
+            <a:lnRef idx="2">
+              <a:schemeClr val="accent1">
+                <a:shade val="15000"/>
+              </a:schemeClr>
+            </a:lnRef>
+            <a:fillRef idx="1">
+              <a:schemeClr val="accent1"/>
+            </a:fillRef>
+            <a:effectRef idx="0">
+              <a:schemeClr val="accent1"/>
+            </a:effectRef>
+            <a:fontRef idx="minor">
+              <a:schemeClr val="lt1"/>
+            </a:fontRef>
+          </p:style>
+          <p:txBody>
+            <a:bodyPr rtlCol="0" anchor="ctr"/>
+            <a:lstStyle/>
+            <a:p>
+              <a:pPr algn="ctr"/>
+              <a:r>
+                <a:rPr lang="fr-FR" sz="2400" dirty="0">
+                  <a:latin typeface="Montserrat" panose="02000505000000020004" pitchFamily="2" charset="0"/>
+                </a:rPr>
+                <a:t>4</a:t>
+              </a:r>
+            </a:p>
+          </p:txBody>
+        </p:sp>
+      </p:grpSp>
     </p:spTree>
     <p:extLst>
       <p:ext uri="{BB962C8B-B14F-4D97-AF65-F5344CB8AC3E}">
         <p14:creationId xmlns:p14="http://schemas.microsoft.com/office/powerpoint/2010/main" val="2392160713"/>
+      </p:ext>
+    </p:extLst>
+  </p:cSld>
+  <p:clrMapOvr>
+    <a:masterClrMapping/>
+  </p:clrMapOvr>
+</p:sld>
+</file>
+
+<file path=ppt/slides/slide14.xml><?xml version="1.0" encoding="utf-8"?>
+<p:sld xmlns:a="http://schemas.openxmlformats.org/drawingml/2006/main" xmlns:r="http://schemas.openxmlformats.org/officeDocument/2006/relationships" xmlns:p="http://schemas.openxmlformats.org/presentationml/2006/main">
+  <p:cSld>
+    <p:spTree>
+      <p:nvGrpSpPr>
+        <p:cNvPr id="1" name="">
+          <a:extLst>
+            <a:ext uri="{FF2B5EF4-FFF2-40B4-BE49-F238E27FC236}">
+              <a16:creationId xmlns:a16="http://schemas.microsoft.com/office/drawing/2014/main" id="{98B0D1BF-5844-EDB5-F573-31335D368525}"/>
+            </a:ext>
+          </a:extLst>
+        </p:cNvPr>
+        <p:cNvGrpSpPr/>
+        <p:nvPr/>
+      </p:nvGrpSpPr>
+      <p:grpSpPr>
+        <a:xfrm>
+          <a:off x="0" y="0"/>
+          <a:ext cx="0" cy="0"/>
+          <a:chOff x="0" y="0"/>
+          <a:chExt cx="0" cy="0"/>
+        </a:xfrm>
+      </p:grpSpPr>
+      <p:sp>
+        <p:nvSpPr>
+          <p:cNvPr id="2" name="Espace réservé du numéro de diapositive 1">
+            <a:extLst>
+              <a:ext uri="{FF2B5EF4-FFF2-40B4-BE49-F238E27FC236}">
+                <a16:creationId xmlns:a16="http://schemas.microsoft.com/office/drawing/2014/main" id="{15E57845-333C-D9B0-61B9-E44608ADEAA3}"/>
+              </a:ext>
+            </a:extLst>
+          </p:cNvPr>
+          <p:cNvSpPr>
+            <a:spLocks noGrp="1"/>
+          </p:cNvSpPr>
+          <p:nvPr>
+            <p:ph type="sldNum" sz="quarter" idx="4"/>
+          </p:nvPr>
+        </p:nvSpPr>
+        <p:spPr/>
+        <p:txBody>
+          <a:bodyPr/>
+          <a:lstStyle/>
+          <a:p>
+            <a:fld id="{F546B7B7-7D14-4795-A998-350CFB2BDD43}" type="slidenum">
+              <a:rPr lang="fr-FR" smtClean="0"/>
+              <a:pPr/>
+              <a:t>14</a:t>
+            </a:fld>
+            <a:endParaRPr lang="fr-FR"/>
+          </a:p>
+        </p:txBody>
+      </p:sp>
+      <p:sp>
+        <p:nvSpPr>
+          <p:cNvPr id="3" name="ZoneTexte 2">
+            <a:extLst>
+              <a:ext uri="{FF2B5EF4-FFF2-40B4-BE49-F238E27FC236}">
+                <a16:creationId xmlns:a16="http://schemas.microsoft.com/office/drawing/2014/main" id="{7A5700A4-2F79-0C0D-2093-533521F29605}"/>
+              </a:ext>
+            </a:extLst>
+          </p:cNvPr>
+          <p:cNvSpPr txBox="1"/>
+          <p:nvPr/>
+        </p:nvSpPr>
+        <p:spPr>
+          <a:xfrm>
+            <a:off x="2" y="532969"/>
+            <a:ext cx="12191999" cy="646331"/>
+          </a:xfrm>
+          <a:prstGeom prst="rect">
+            <a:avLst/>
+          </a:prstGeom>
+          <a:solidFill>
+            <a:srgbClr val="006A5A"/>
+          </a:solidFill>
+        </p:spPr>
+        <p:txBody>
+          <a:bodyPr wrap="square" rtlCol="0">
+            <a:spAutoFit/>
+          </a:bodyPr>
+          <a:lstStyle/>
+          <a:p>
+            <a:r>
+              <a:rPr lang="fr-FR" sz="3600" b="1" dirty="0">
+                <a:solidFill>
+                  <a:schemeClr val="bg1"/>
+                </a:solidFill>
+                <a:latin typeface="Gill Sans MT" panose="020B0502020104020203" pitchFamily="34" charset="0"/>
+              </a:rPr>
+              <a:t>2.4. Modèles (</a:t>
+            </a:r>
+            <a:r>
+              <a:rPr lang="fr-FR" sz="3600" b="1" dirty="0">
+                <a:solidFill>
+                  <a:srgbClr val="FF0000"/>
+                </a:solidFill>
+                <a:latin typeface="Gill Sans MT" panose="020B0502020104020203" pitchFamily="34" charset="0"/>
+              </a:rPr>
+              <a:t>Richard</a:t>
+            </a:r>
+            <a:r>
+              <a:rPr lang="fr-FR" sz="3600" b="1" dirty="0">
+                <a:solidFill>
+                  <a:schemeClr val="bg1"/>
+                </a:solidFill>
+                <a:latin typeface="Gill Sans MT" panose="020B0502020104020203" pitchFamily="34" charset="0"/>
+              </a:rPr>
+              <a:t>)</a:t>
+            </a:r>
+          </a:p>
+        </p:txBody>
+      </p:sp>
+      <p:pic>
+        <p:nvPicPr>
+          <p:cNvPr id="4" name="Graphique 3" descr="Flèches de chevron">
+            <a:extLst>
+              <a:ext uri="{FF2B5EF4-FFF2-40B4-BE49-F238E27FC236}">
+                <a16:creationId xmlns:a16="http://schemas.microsoft.com/office/drawing/2014/main" id="{280B7A1C-90CA-A1EF-957B-AF158B9ACE97}"/>
+              </a:ext>
+            </a:extLst>
+          </p:cNvPr>
+          <p:cNvPicPr>
+            <a:picLocks noChangeAspect="1"/>
+          </p:cNvPicPr>
+          <p:nvPr/>
+        </p:nvPicPr>
+        <p:blipFill>
+          <a:blip r:embed="rId2">
+            <a:extLst>
+              <a:ext uri="{28A0092B-C50C-407E-A947-70E740481C1C}">
+                <a14:useLocalDpi xmlns:a14="http://schemas.microsoft.com/office/drawing/2010/main" val="0"/>
+              </a:ext>
+              <a:ext uri="{96DAC541-7B7A-43D3-8B79-37D633B846F1}">
+                <asvg:svgBlip xmlns:asvg="http://schemas.microsoft.com/office/drawing/2016/SVG/main" r:embed="rId3"/>
+              </a:ext>
+            </a:extLst>
+          </a:blip>
+          <a:stretch>
+            <a:fillRect/>
+          </a:stretch>
+        </p:blipFill>
+        <p:spPr>
+          <a:xfrm>
+            <a:off x="11078692" y="266700"/>
+            <a:ext cx="1170459" cy="1170459"/>
+          </a:xfrm>
+          <a:prstGeom prst="rect">
+            <a:avLst/>
+          </a:prstGeom>
+        </p:spPr>
+      </p:pic>
+    </p:spTree>
+    <p:extLst>
+      <p:ext uri="{BB962C8B-B14F-4D97-AF65-F5344CB8AC3E}">
+        <p14:creationId xmlns:p14="http://schemas.microsoft.com/office/powerpoint/2010/main" val="3610963717"/>
       </p:ext>
     </p:extLst>
   </p:cSld>
@@ -8574,171 +9774,6 @@
                 </a:solidFill>
                 <a:latin typeface="Gill Sans MT" panose="020B0502020104020203" pitchFamily="34" charset="0"/>
               </a:rPr>
-              <a:t>2.4. Modèles (</a:t>
-            </a:r>
-            <a:r>
-              <a:rPr lang="fr-FR" sz="3600" b="1" dirty="0">
-                <a:solidFill>
-                  <a:srgbClr val="FF0000"/>
-                </a:solidFill>
-                <a:latin typeface="Gill Sans MT" panose="020B0502020104020203" pitchFamily="34" charset="0"/>
-              </a:rPr>
-              <a:t>Richard</a:t>
-            </a:r>
-            <a:r>
-              <a:rPr lang="fr-FR" sz="3600" b="1" dirty="0">
-                <a:solidFill>
-                  <a:schemeClr val="bg1"/>
-                </a:solidFill>
-                <a:latin typeface="Gill Sans MT" panose="020B0502020104020203" pitchFamily="34" charset="0"/>
-              </a:rPr>
-              <a:t>)</a:t>
-            </a:r>
-          </a:p>
-        </p:txBody>
-      </p:sp>
-      <p:pic>
-        <p:nvPicPr>
-          <p:cNvPr id="4" name="Graphique 3" descr="Flèches de chevron">
-            <a:extLst>
-              <a:ext uri="{FF2B5EF4-FFF2-40B4-BE49-F238E27FC236}">
-                <a16:creationId xmlns:a16="http://schemas.microsoft.com/office/drawing/2014/main" id="{280B7A1C-90CA-A1EF-957B-AF158B9ACE97}"/>
-              </a:ext>
-            </a:extLst>
-          </p:cNvPr>
-          <p:cNvPicPr>
-            <a:picLocks noChangeAspect="1"/>
-          </p:cNvPicPr>
-          <p:nvPr/>
-        </p:nvPicPr>
-        <p:blipFill>
-          <a:blip r:embed="rId2">
-            <a:extLst>
-              <a:ext uri="{28A0092B-C50C-407E-A947-70E740481C1C}">
-                <a14:useLocalDpi xmlns:a14="http://schemas.microsoft.com/office/drawing/2010/main" val="0"/>
-              </a:ext>
-              <a:ext uri="{96DAC541-7B7A-43D3-8B79-37D633B846F1}">
-                <asvg:svgBlip xmlns:asvg="http://schemas.microsoft.com/office/drawing/2016/SVG/main" r:embed="rId3"/>
-              </a:ext>
-            </a:extLst>
-          </a:blip>
-          <a:stretch>
-            <a:fillRect/>
-          </a:stretch>
-        </p:blipFill>
-        <p:spPr>
-          <a:xfrm>
-            <a:off x="11078692" y="266700"/>
-            <a:ext cx="1170459" cy="1170459"/>
-          </a:xfrm>
-          <a:prstGeom prst="rect">
-            <a:avLst/>
-          </a:prstGeom>
-        </p:spPr>
-      </p:pic>
-    </p:spTree>
-    <p:extLst>
-      <p:ext uri="{BB962C8B-B14F-4D97-AF65-F5344CB8AC3E}">
-        <p14:creationId xmlns:p14="http://schemas.microsoft.com/office/powerpoint/2010/main" val="3610963717"/>
-      </p:ext>
-    </p:extLst>
-  </p:cSld>
-  <p:clrMapOvr>
-    <a:masterClrMapping/>
-  </p:clrMapOvr>
-</p:sld>
-</file>
-
-<file path=ppt/slides/slide16.xml><?xml version="1.0" encoding="utf-8"?>
-<p:sld xmlns:a="http://schemas.openxmlformats.org/drawingml/2006/main" xmlns:r="http://schemas.openxmlformats.org/officeDocument/2006/relationships" xmlns:p="http://schemas.openxmlformats.org/presentationml/2006/main">
-  <p:cSld>
-    <p:spTree>
-      <p:nvGrpSpPr>
-        <p:cNvPr id="1" name="">
-          <a:extLst>
-            <a:ext uri="{FF2B5EF4-FFF2-40B4-BE49-F238E27FC236}">
-              <a16:creationId xmlns:a16="http://schemas.microsoft.com/office/drawing/2014/main" id="{98B0D1BF-5844-EDB5-F573-31335D368525}"/>
-            </a:ext>
-          </a:extLst>
-        </p:cNvPr>
-        <p:cNvGrpSpPr/>
-        <p:nvPr/>
-      </p:nvGrpSpPr>
-      <p:grpSpPr>
-        <a:xfrm>
-          <a:off x="0" y="0"/>
-          <a:ext cx="0" cy="0"/>
-          <a:chOff x="0" y="0"/>
-          <a:chExt cx="0" cy="0"/>
-        </a:xfrm>
-      </p:grpSpPr>
-      <p:sp>
-        <p:nvSpPr>
-          <p:cNvPr id="2" name="Espace réservé du numéro de diapositive 1">
-            <a:extLst>
-              <a:ext uri="{FF2B5EF4-FFF2-40B4-BE49-F238E27FC236}">
-                <a16:creationId xmlns:a16="http://schemas.microsoft.com/office/drawing/2014/main" id="{15E57845-333C-D9B0-61B9-E44608ADEAA3}"/>
-              </a:ext>
-            </a:extLst>
-          </p:cNvPr>
-          <p:cNvSpPr>
-            <a:spLocks noGrp="1"/>
-          </p:cNvSpPr>
-          <p:nvPr>
-            <p:ph type="sldNum" sz="quarter" idx="4"/>
-          </p:nvPr>
-        </p:nvSpPr>
-        <p:spPr/>
-        <p:txBody>
-          <a:bodyPr/>
-          <a:lstStyle/>
-          <a:p>
-            <a:fld id="{F546B7B7-7D14-4795-A998-350CFB2BDD43}" type="slidenum">
-              <a:rPr lang="fr-FR" smtClean="0"/>
-              <a:pPr/>
-              <a:t>16</a:t>
-            </a:fld>
-            <a:endParaRPr lang="fr-FR"/>
-          </a:p>
-        </p:txBody>
-      </p:sp>
-      <p:sp>
-        <p:nvSpPr>
-          <p:cNvPr id="3" name="ZoneTexte 2">
-            <a:extLst>
-              <a:ext uri="{FF2B5EF4-FFF2-40B4-BE49-F238E27FC236}">
-                <a16:creationId xmlns:a16="http://schemas.microsoft.com/office/drawing/2014/main" id="{7A5700A4-2F79-0C0D-2093-533521F29605}"/>
-              </a:ext>
-            </a:extLst>
-          </p:cNvPr>
-          <p:cNvSpPr txBox="1"/>
-          <p:nvPr/>
-        </p:nvSpPr>
-        <p:spPr>
-          <a:xfrm>
-            <a:off x="2" y="532969"/>
-            <a:ext cx="12191999" cy="646331"/>
-          </a:xfrm>
-          <a:prstGeom prst="rect">
-            <a:avLst/>
-          </a:prstGeom>
-          <a:solidFill>
-            <a:srgbClr val="006A5A"/>
-          </a:solidFill>
-        </p:spPr>
-        <p:txBody>
-          <a:bodyPr wrap="square" rtlCol="0">
-            <a:spAutoFit/>
-          </a:bodyPr>
-          <a:lstStyle/>
-          <a:p>
-            <a:r>
-              <a:rPr lang="fr-FR" sz="3600" b="1" dirty="0">
-                <a:solidFill>
-                  <a:schemeClr val="bg1"/>
-                </a:solidFill>
-                <a:latin typeface="Gill Sans MT" panose="020B0502020104020203" pitchFamily="34" charset="0"/>
-              </a:rPr>
               <a:t>2.4. Modèles</a:t>
             </a:r>
           </a:p>
@@ -8823,6 +9858,107 @@
     <p:extLst>
       <p:ext uri="{BB962C8B-B14F-4D97-AF65-F5344CB8AC3E}">
         <p14:creationId xmlns:p14="http://schemas.microsoft.com/office/powerpoint/2010/main" val="3843628031"/>
+      </p:ext>
+    </p:extLst>
+  </p:cSld>
+  <p:clrMapOvr>
+    <a:masterClrMapping/>
+  </p:clrMapOvr>
+</p:sld>
+</file>
+
+<file path=ppt/slides/slide16.xml><?xml version="1.0" encoding="utf-8"?>
+<p:sld xmlns:a="http://schemas.openxmlformats.org/drawingml/2006/main" xmlns:r="http://schemas.openxmlformats.org/officeDocument/2006/relationships" xmlns:p="http://schemas.openxmlformats.org/presentationml/2006/main">
+  <p:cSld>
+    <p:spTree>
+      <p:nvGrpSpPr>
+        <p:cNvPr id="1" name=""/>
+        <p:cNvGrpSpPr/>
+        <p:nvPr/>
+      </p:nvGrpSpPr>
+      <p:grpSpPr>
+        <a:xfrm>
+          <a:off x="0" y="0"/>
+          <a:ext cx="0" cy="0"/>
+          <a:chOff x="0" y="0"/>
+          <a:chExt cx="0" cy="0"/>
+        </a:xfrm>
+      </p:grpSpPr>
+      <p:sp>
+        <p:nvSpPr>
+          <p:cNvPr id="2" name="Espace réservé du numéro de diapositive 1">
+            <a:extLst>
+              <a:ext uri="{FF2B5EF4-FFF2-40B4-BE49-F238E27FC236}">
+                <a16:creationId xmlns:a16="http://schemas.microsoft.com/office/drawing/2014/main" id="{3D19EAEE-31AF-8448-3723-67D1606D148E}"/>
+              </a:ext>
+            </a:extLst>
+          </p:cNvPr>
+          <p:cNvSpPr>
+            <a:spLocks noGrp="1"/>
+          </p:cNvSpPr>
+          <p:nvPr>
+            <p:ph type="sldNum" sz="quarter" idx="4"/>
+          </p:nvPr>
+        </p:nvSpPr>
+        <p:spPr/>
+        <p:txBody>
+          <a:bodyPr/>
+          <a:lstStyle/>
+          <a:p>
+            <a:fld id="{F546B7B7-7D14-4795-A998-350CFB2BDD43}" type="slidenum">
+              <a:rPr lang="fr-FR" smtClean="0"/>
+              <a:pPr/>
+              <a:t>16</a:t>
+            </a:fld>
+            <a:endParaRPr lang="fr-FR"/>
+          </a:p>
+        </p:txBody>
+      </p:sp>
+      <p:sp>
+        <p:nvSpPr>
+          <p:cNvPr id="3" name="ZoneTexte 2">
+            <a:extLst>
+              <a:ext uri="{FF2B5EF4-FFF2-40B4-BE49-F238E27FC236}">
+                <a16:creationId xmlns:a16="http://schemas.microsoft.com/office/drawing/2014/main" id="{8C7A9209-43A5-4EC1-8923-66DC1EBB94AB}"/>
+              </a:ext>
+            </a:extLst>
+          </p:cNvPr>
+          <p:cNvSpPr txBox="1"/>
+          <p:nvPr/>
+        </p:nvSpPr>
+        <p:spPr>
+          <a:xfrm>
+            <a:off x="3545767" y="4960127"/>
+            <a:ext cx="4802245" cy="646331"/>
+          </a:xfrm>
+          <a:prstGeom prst="rect">
+            <a:avLst/>
+          </a:prstGeom>
+          <a:noFill/>
+        </p:spPr>
+        <p:txBody>
+          <a:bodyPr wrap="square" rtlCol="0">
+            <a:spAutoFit/>
+          </a:bodyPr>
+          <a:lstStyle/>
+          <a:p>
+            <a:pPr algn="ctr"/>
+            <a:r>
+              <a:rPr lang="fr-FR" sz="3600" b="1" dirty="0">
+                <a:solidFill>
+                  <a:srgbClr val="FF0000"/>
+                </a:solidFill>
+                <a:latin typeface="Gill Sans MT" panose="020B0502020104020203" pitchFamily="34" charset="0"/>
+              </a:rPr>
+              <a:t>Ali et Alex</a:t>
+            </a:r>
+          </a:p>
+        </p:txBody>
+      </p:sp>
+    </p:spTree>
+    <p:extLst>
+      <p:ext uri="{BB962C8B-B14F-4D97-AF65-F5344CB8AC3E}">
+        <p14:creationId xmlns:p14="http://schemas.microsoft.com/office/powerpoint/2010/main" val="494346519"/>
       </p:ext>
     </p:extLst>
   </p:cSld>
@@ -8854,7 +9990,7 @@
           <p:cNvPr id="2" name="Espace réservé du numéro de diapositive 1">
             <a:extLst>
               <a:ext uri="{FF2B5EF4-FFF2-40B4-BE49-F238E27FC236}">
-                <a16:creationId xmlns:a16="http://schemas.microsoft.com/office/drawing/2014/main" id="{3D19EAEE-31AF-8448-3723-67D1606D148E}"/>
+                <a16:creationId xmlns:a16="http://schemas.microsoft.com/office/drawing/2014/main" id="{E4BFB0CA-6837-4558-BE28-CA96C9493E49}"/>
               </a:ext>
             </a:extLst>
           </p:cNvPr>
@@ -8874,107 +10010,6 @@
               <a:rPr lang="fr-FR" smtClean="0"/>
               <a:pPr/>
               <a:t>17</a:t>
-            </a:fld>
-            <a:endParaRPr lang="fr-FR"/>
-          </a:p>
-        </p:txBody>
-      </p:sp>
-      <p:sp>
-        <p:nvSpPr>
-          <p:cNvPr id="3" name="ZoneTexte 2">
-            <a:extLst>
-              <a:ext uri="{FF2B5EF4-FFF2-40B4-BE49-F238E27FC236}">
-                <a16:creationId xmlns:a16="http://schemas.microsoft.com/office/drawing/2014/main" id="{8C7A9209-43A5-4EC1-8923-66DC1EBB94AB}"/>
-              </a:ext>
-            </a:extLst>
-          </p:cNvPr>
-          <p:cNvSpPr txBox="1"/>
-          <p:nvPr/>
-        </p:nvSpPr>
-        <p:spPr>
-          <a:xfrm>
-            <a:off x="3545767" y="4960127"/>
-            <a:ext cx="4802245" cy="646331"/>
-          </a:xfrm>
-          <a:prstGeom prst="rect">
-            <a:avLst/>
-          </a:prstGeom>
-          <a:noFill/>
-        </p:spPr>
-        <p:txBody>
-          <a:bodyPr wrap="square" rtlCol="0">
-            <a:spAutoFit/>
-          </a:bodyPr>
-          <a:lstStyle/>
-          <a:p>
-            <a:pPr algn="ctr"/>
-            <a:r>
-              <a:rPr lang="fr-FR" sz="3600" b="1" dirty="0">
-                <a:solidFill>
-                  <a:srgbClr val="FF0000"/>
-                </a:solidFill>
-                <a:latin typeface="Gill Sans MT" panose="020B0502020104020203" pitchFamily="34" charset="0"/>
-              </a:rPr>
-              <a:t>Ali et Alex</a:t>
-            </a:r>
-          </a:p>
-        </p:txBody>
-      </p:sp>
-    </p:spTree>
-    <p:extLst>
-      <p:ext uri="{BB962C8B-B14F-4D97-AF65-F5344CB8AC3E}">
-        <p14:creationId xmlns:p14="http://schemas.microsoft.com/office/powerpoint/2010/main" val="494346519"/>
-      </p:ext>
-    </p:extLst>
-  </p:cSld>
-  <p:clrMapOvr>
-    <a:masterClrMapping/>
-  </p:clrMapOvr>
-</p:sld>
-</file>
-
-<file path=ppt/slides/slide18.xml><?xml version="1.0" encoding="utf-8"?>
-<p:sld xmlns:a="http://schemas.openxmlformats.org/drawingml/2006/main" xmlns:r="http://schemas.openxmlformats.org/officeDocument/2006/relationships" xmlns:p="http://schemas.openxmlformats.org/presentationml/2006/main">
-  <p:cSld>
-    <p:spTree>
-      <p:nvGrpSpPr>
-        <p:cNvPr id="1" name=""/>
-        <p:cNvGrpSpPr/>
-        <p:nvPr/>
-      </p:nvGrpSpPr>
-      <p:grpSpPr>
-        <a:xfrm>
-          <a:off x="0" y="0"/>
-          <a:ext cx="0" cy="0"/>
-          <a:chOff x="0" y="0"/>
-          <a:chExt cx="0" cy="0"/>
-        </a:xfrm>
-      </p:grpSpPr>
-      <p:sp>
-        <p:nvSpPr>
-          <p:cNvPr id="2" name="Espace réservé du numéro de diapositive 1">
-            <a:extLst>
-              <a:ext uri="{FF2B5EF4-FFF2-40B4-BE49-F238E27FC236}">
-                <a16:creationId xmlns:a16="http://schemas.microsoft.com/office/drawing/2014/main" id="{E4BFB0CA-6837-4558-BE28-CA96C9493E49}"/>
-              </a:ext>
-            </a:extLst>
-          </p:cNvPr>
-          <p:cNvSpPr>
-            <a:spLocks noGrp="1"/>
-          </p:cNvSpPr>
-          <p:nvPr>
-            <p:ph type="sldNum" sz="quarter" idx="4"/>
-          </p:nvPr>
-        </p:nvSpPr>
-        <p:spPr/>
-        <p:txBody>
-          <a:bodyPr/>
-          <a:lstStyle/>
-          <a:p>
-            <a:fld id="{F546B7B7-7D14-4795-A998-350CFB2BDD43}" type="slidenum">
-              <a:rPr lang="fr-FR" smtClean="0"/>
-              <a:pPr/>
-              <a:t>18</a:t>
             </a:fld>
             <a:endParaRPr lang="fr-FR"/>
           </a:p>
@@ -9074,7 +10109,7 @@
 </p:sld>
 </file>
 
-<file path=ppt/slides/slide19.xml><?xml version="1.0" encoding="utf-8"?>
+<file path=ppt/slides/slide18.xml><?xml version="1.0" encoding="utf-8"?>
 <p:sld xmlns:a="http://schemas.openxmlformats.org/drawingml/2006/main" xmlns:r="http://schemas.openxmlformats.org/officeDocument/2006/relationships" xmlns:p="http://schemas.openxmlformats.org/presentationml/2006/main">
   <p:cSld>
     <p:spTree>
@@ -9121,7 +10156,7 @@
             <a:fld id="{F546B7B7-7D14-4795-A998-350CFB2BDD43}" type="slidenum">
               <a:rPr lang="fr-FR" smtClean="0"/>
               <a:pPr/>
-              <a:t>19</a:t>
+              <a:t>18</a:t>
             </a:fld>
             <a:endParaRPr lang="fr-FR"/>
           </a:p>
@@ -9248,6 +10283,191 @@
     <p:extLst>
       <p:ext uri="{BB962C8B-B14F-4D97-AF65-F5344CB8AC3E}">
         <p14:creationId xmlns:p14="http://schemas.microsoft.com/office/powerpoint/2010/main" val="1330824998"/>
+      </p:ext>
+    </p:extLst>
+  </p:cSld>
+  <p:clrMapOvr>
+    <a:masterClrMapping/>
+  </p:clrMapOvr>
+</p:sld>
+</file>
+
+<file path=ppt/slides/slide19.xml><?xml version="1.0" encoding="utf-8"?>
+<p:sld xmlns:a="http://schemas.openxmlformats.org/drawingml/2006/main" xmlns:r="http://schemas.openxmlformats.org/officeDocument/2006/relationships" xmlns:p="http://schemas.openxmlformats.org/presentationml/2006/main">
+  <p:cSld>
+    <p:spTree>
+      <p:nvGrpSpPr>
+        <p:cNvPr id="1" name="">
+          <a:extLst>
+            <a:ext uri="{FF2B5EF4-FFF2-40B4-BE49-F238E27FC236}">
+              <a16:creationId xmlns:a16="http://schemas.microsoft.com/office/drawing/2014/main" id="{193A7ACD-2A1B-AC0E-F329-7CBB11351696}"/>
+            </a:ext>
+          </a:extLst>
+        </p:cNvPr>
+        <p:cNvGrpSpPr/>
+        <p:nvPr/>
+      </p:nvGrpSpPr>
+      <p:grpSpPr>
+        <a:xfrm>
+          <a:off x="0" y="0"/>
+          <a:ext cx="0" cy="0"/>
+          <a:chOff x="0" y="0"/>
+          <a:chExt cx="0" cy="0"/>
+        </a:xfrm>
+      </p:grpSpPr>
+      <p:sp>
+        <p:nvSpPr>
+          <p:cNvPr id="2" name="Espace réservé du numéro de diapositive 1">
+            <a:extLst>
+              <a:ext uri="{FF2B5EF4-FFF2-40B4-BE49-F238E27FC236}">
+                <a16:creationId xmlns:a16="http://schemas.microsoft.com/office/drawing/2014/main" id="{B714C479-D635-8DC9-C2E2-0AE742E9CD30}"/>
+              </a:ext>
+            </a:extLst>
+          </p:cNvPr>
+          <p:cNvSpPr>
+            <a:spLocks noGrp="1"/>
+          </p:cNvSpPr>
+          <p:nvPr>
+            <p:ph type="sldNum" sz="quarter" idx="4"/>
+          </p:nvPr>
+        </p:nvSpPr>
+        <p:spPr/>
+        <p:txBody>
+          <a:bodyPr/>
+          <a:lstStyle/>
+          <a:p>
+            <a:fld id="{F546B7B7-7D14-4795-A998-350CFB2BDD43}" type="slidenum">
+              <a:rPr lang="fr-FR" smtClean="0"/>
+              <a:pPr/>
+              <a:t>19</a:t>
+            </a:fld>
+            <a:endParaRPr lang="fr-FR"/>
+          </a:p>
+        </p:txBody>
+      </p:sp>
+      <p:sp>
+        <p:nvSpPr>
+          <p:cNvPr id="3" name="ZoneTexte 2">
+            <a:extLst>
+              <a:ext uri="{FF2B5EF4-FFF2-40B4-BE49-F238E27FC236}">
+                <a16:creationId xmlns:a16="http://schemas.microsoft.com/office/drawing/2014/main" id="{B5EE6512-DC26-4090-606E-89CCCDEB859A}"/>
+              </a:ext>
+            </a:extLst>
+          </p:cNvPr>
+          <p:cNvSpPr txBox="1"/>
+          <p:nvPr/>
+        </p:nvSpPr>
+        <p:spPr>
+          <a:xfrm>
+            <a:off x="2" y="532969"/>
+            <a:ext cx="12191999" cy="646331"/>
+          </a:xfrm>
+          <a:prstGeom prst="rect">
+            <a:avLst/>
+          </a:prstGeom>
+          <a:solidFill>
+            <a:srgbClr val="006A5A"/>
+          </a:solidFill>
+        </p:spPr>
+        <p:txBody>
+          <a:bodyPr wrap="square" rtlCol="0">
+            <a:spAutoFit/>
+          </a:bodyPr>
+          <a:lstStyle/>
+          <a:p>
+            <a:pPr>
+              <a:buNone/>
+            </a:pPr>
+            <a:r>
+              <a:rPr lang="fr-FR" sz="3600" b="1" dirty="0">
+                <a:solidFill>
+                  <a:schemeClr val="bg1"/>
+                </a:solidFill>
+                <a:latin typeface="Gill Sans MT" panose="020B0502020104020203" pitchFamily="34" charset="0"/>
+              </a:rPr>
+              <a:t>3.3. </a:t>
+            </a:r>
+            <a:r>
+              <a:rPr lang="fr-FR" sz="3600" b="1" dirty="0">
+                <a:solidFill>
+                  <a:schemeClr val="bg1"/>
+                </a:solidFill>
+                <a:effectLst/>
+                <a:latin typeface="Gill Sans MT" panose="020B0502020104020203" pitchFamily="34" charset="0"/>
+              </a:rPr>
+              <a:t>Taux de consultations et </a:t>
+            </a:r>
+            <a:r>
+              <a:rPr lang="fr-FR" sz="3600" b="1" dirty="0">
+                <a:solidFill>
+                  <a:schemeClr val="bg1"/>
+                </a:solidFill>
+                <a:latin typeface="Gill Sans MT" panose="020B0502020104020203" pitchFamily="34" charset="0"/>
+              </a:rPr>
+              <a:t>autre</a:t>
+            </a:r>
+            <a:r>
+              <a:rPr lang="fr-FR" sz="3600" b="1" dirty="0">
+                <a:solidFill>
+                  <a:schemeClr val="bg1"/>
+                </a:solidFill>
+                <a:effectLst/>
+                <a:latin typeface="Gill Sans MT" panose="020B0502020104020203" pitchFamily="34" charset="0"/>
+              </a:rPr>
+              <a:t>s variables</a:t>
+            </a:r>
+            <a:endParaRPr lang="fr-FR" sz="3600" b="1" dirty="0">
+              <a:solidFill>
+                <a:schemeClr val="bg1"/>
+              </a:solidFill>
+              <a:latin typeface="Gill Sans MT" panose="020B0502020104020203" pitchFamily="34" charset="0"/>
+            </a:endParaRPr>
+          </a:p>
+        </p:txBody>
+      </p:sp>
+      <p:pic>
+        <p:nvPicPr>
+          <p:cNvPr id="4" name="Graphique 3" descr="Flèches de chevron">
+            <a:extLst>
+              <a:ext uri="{FF2B5EF4-FFF2-40B4-BE49-F238E27FC236}">
+                <a16:creationId xmlns:a16="http://schemas.microsoft.com/office/drawing/2014/main" id="{23E52591-03C7-4585-490F-C1B34F3A810E}"/>
+              </a:ext>
+            </a:extLst>
+          </p:cNvPr>
+          <p:cNvPicPr>
+            <a:picLocks noChangeAspect="1"/>
+          </p:cNvPicPr>
+          <p:nvPr/>
+        </p:nvPicPr>
+        <p:blipFill>
+          <a:blip r:embed="rId2">
+            <a:extLst>
+              <a:ext uri="{28A0092B-C50C-407E-A947-70E740481C1C}">
+                <a14:useLocalDpi xmlns:a14="http://schemas.microsoft.com/office/drawing/2010/main" val="0"/>
+              </a:ext>
+              <a:ext uri="{96DAC541-7B7A-43D3-8B79-37D633B846F1}">
+                <asvg:svgBlip xmlns:asvg="http://schemas.microsoft.com/office/drawing/2016/SVG/main" r:embed="rId3"/>
+              </a:ext>
+            </a:extLst>
+          </a:blip>
+          <a:stretch>
+            <a:fillRect/>
+          </a:stretch>
+        </p:blipFill>
+        <p:spPr>
+          <a:xfrm>
+            <a:off x="11078692" y="266700"/>
+            <a:ext cx="1170459" cy="1170459"/>
+          </a:xfrm>
+          <a:prstGeom prst="rect">
+            <a:avLst/>
+          </a:prstGeom>
+        </p:spPr>
+      </p:pic>
+    </p:spTree>
+    <p:extLst>
+      <p:ext uri="{BB962C8B-B14F-4D97-AF65-F5344CB8AC3E}">
+        <p14:creationId xmlns:p14="http://schemas.microsoft.com/office/powerpoint/2010/main" val="483483113"/>
       </p:ext>
     </p:extLst>
   </p:cSld>
@@ -9325,191 +10545,6 @@
         <p:cNvPr id="1" name="">
           <a:extLst>
             <a:ext uri="{FF2B5EF4-FFF2-40B4-BE49-F238E27FC236}">
-              <a16:creationId xmlns:a16="http://schemas.microsoft.com/office/drawing/2014/main" id="{193A7ACD-2A1B-AC0E-F329-7CBB11351696}"/>
-            </a:ext>
-          </a:extLst>
-        </p:cNvPr>
-        <p:cNvGrpSpPr/>
-        <p:nvPr/>
-      </p:nvGrpSpPr>
-      <p:grpSpPr>
-        <a:xfrm>
-          <a:off x="0" y="0"/>
-          <a:ext cx="0" cy="0"/>
-          <a:chOff x="0" y="0"/>
-          <a:chExt cx="0" cy="0"/>
-        </a:xfrm>
-      </p:grpSpPr>
-      <p:sp>
-        <p:nvSpPr>
-          <p:cNvPr id="2" name="Espace réservé du numéro de diapositive 1">
-            <a:extLst>
-              <a:ext uri="{FF2B5EF4-FFF2-40B4-BE49-F238E27FC236}">
-                <a16:creationId xmlns:a16="http://schemas.microsoft.com/office/drawing/2014/main" id="{B714C479-D635-8DC9-C2E2-0AE742E9CD30}"/>
-              </a:ext>
-            </a:extLst>
-          </p:cNvPr>
-          <p:cNvSpPr>
-            <a:spLocks noGrp="1"/>
-          </p:cNvSpPr>
-          <p:nvPr>
-            <p:ph type="sldNum" sz="quarter" idx="4"/>
-          </p:nvPr>
-        </p:nvSpPr>
-        <p:spPr/>
-        <p:txBody>
-          <a:bodyPr/>
-          <a:lstStyle/>
-          <a:p>
-            <a:fld id="{F546B7B7-7D14-4795-A998-350CFB2BDD43}" type="slidenum">
-              <a:rPr lang="fr-FR" smtClean="0"/>
-              <a:pPr/>
-              <a:t>20</a:t>
-            </a:fld>
-            <a:endParaRPr lang="fr-FR"/>
-          </a:p>
-        </p:txBody>
-      </p:sp>
-      <p:sp>
-        <p:nvSpPr>
-          <p:cNvPr id="3" name="ZoneTexte 2">
-            <a:extLst>
-              <a:ext uri="{FF2B5EF4-FFF2-40B4-BE49-F238E27FC236}">
-                <a16:creationId xmlns:a16="http://schemas.microsoft.com/office/drawing/2014/main" id="{B5EE6512-DC26-4090-606E-89CCCDEB859A}"/>
-              </a:ext>
-            </a:extLst>
-          </p:cNvPr>
-          <p:cNvSpPr txBox="1"/>
-          <p:nvPr/>
-        </p:nvSpPr>
-        <p:spPr>
-          <a:xfrm>
-            <a:off x="2" y="532969"/>
-            <a:ext cx="12191999" cy="646331"/>
-          </a:xfrm>
-          <a:prstGeom prst="rect">
-            <a:avLst/>
-          </a:prstGeom>
-          <a:solidFill>
-            <a:srgbClr val="006A5A"/>
-          </a:solidFill>
-        </p:spPr>
-        <p:txBody>
-          <a:bodyPr wrap="square" rtlCol="0">
-            <a:spAutoFit/>
-          </a:bodyPr>
-          <a:lstStyle/>
-          <a:p>
-            <a:pPr>
-              <a:buNone/>
-            </a:pPr>
-            <a:r>
-              <a:rPr lang="fr-FR" sz="3600" b="1" dirty="0">
-                <a:solidFill>
-                  <a:schemeClr val="bg1"/>
-                </a:solidFill>
-                <a:latin typeface="Gill Sans MT" panose="020B0502020104020203" pitchFamily="34" charset="0"/>
-              </a:rPr>
-              <a:t>3.3. </a:t>
-            </a:r>
-            <a:r>
-              <a:rPr lang="fr-FR" sz="3600" b="1" dirty="0">
-                <a:solidFill>
-                  <a:schemeClr val="bg1"/>
-                </a:solidFill>
-                <a:effectLst/>
-                <a:latin typeface="Gill Sans MT" panose="020B0502020104020203" pitchFamily="34" charset="0"/>
-              </a:rPr>
-              <a:t>Taux de consultations et </a:t>
-            </a:r>
-            <a:r>
-              <a:rPr lang="fr-FR" sz="3600" b="1" dirty="0">
-                <a:solidFill>
-                  <a:schemeClr val="bg1"/>
-                </a:solidFill>
-                <a:latin typeface="Gill Sans MT" panose="020B0502020104020203" pitchFamily="34" charset="0"/>
-              </a:rPr>
-              <a:t>autre</a:t>
-            </a:r>
-            <a:r>
-              <a:rPr lang="fr-FR" sz="3600" b="1" dirty="0">
-                <a:solidFill>
-                  <a:schemeClr val="bg1"/>
-                </a:solidFill>
-                <a:effectLst/>
-                <a:latin typeface="Gill Sans MT" panose="020B0502020104020203" pitchFamily="34" charset="0"/>
-              </a:rPr>
-              <a:t>s variables</a:t>
-            </a:r>
-            <a:endParaRPr lang="fr-FR" sz="3600" b="1" dirty="0">
-              <a:solidFill>
-                <a:schemeClr val="bg1"/>
-              </a:solidFill>
-              <a:latin typeface="Gill Sans MT" panose="020B0502020104020203" pitchFamily="34" charset="0"/>
-            </a:endParaRPr>
-          </a:p>
-        </p:txBody>
-      </p:sp>
-      <p:pic>
-        <p:nvPicPr>
-          <p:cNvPr id="4" name="Graphique 3" descr="Flèches de chevron">
-            <a:extLst>
-              <a:ext uri="{FF2B5EF4-FFF2-40B4-BE49-F238E27FC236}">
-                <a16:creationId xmlns:a16="http://schemas.microsoft.com/office/drawing/2014/main" id="{23E52591-03C7-4585-490F-C1B34F3A810E}"/>
-              </a:ext>
-            </a:extLst>
-          </p:cNvPr>
-          <p:cNvPicPr>
-            <a:picLocks noChangeAspect="1"/>
-          </p:cNvPicPr>
-          <p:nvPr/>
-        </p:nvPicPr>
-        <p:blipFill>
-          <a:blip r:embed="rId2">
-            <a:extLst>
-              <a:ext uri="{28A0092B-C50C-407E-A947-70E740481C1C}">
-                <a14:useLocalDpi xmlns:a14="http://schemas.microsoft.com/office/drawing/2010/main" val="0"/>
-              </a:ext>
-              <a:ext uri="{96DAC541-7B7A-43D3-8B79-37D633B846F1}">
-                <asvg:svgBlip xmlns:asvg="http://schemas.microsoft.com/office/drawing/2016/SVG/main" r:embed="rId3"/>
-              </a:ext>
-            </a:extLst>
-          </a:blip>
-          <a:stretch>
-            <a:fillRect/>
-          </a:stretch>
-        </p:blipFill>
-        <p:spPr>
-          <a:xfrm>
-            <a:off x="11078692" y="266700"/>
-            <a:ext cx="1170459" cy="1170459"/>
-          </a:xfrm>
-          <a:prstGeom prst="rect">
-            <a:avLst/>
-          </a:prstGeom>
-        </p:spPr>
-      </p:pic>
-    </p:spTree>
-    <p:extLst>
-      <p:ext uri="{BB962C8B-B14F-4D97-AF65-F5344CB8AC3E}">
-        <p14:creationId xmlns:p14="http://schemas.microsoft.com/office/powerpoint/2010/main" val="483483113"/>
-      </p:ext>
-    </p:extLst>
-  </p:cSld>
-  <p:clrMapOvr>
-    <a:masterClrMapping/>
-  </p:clrMapOvr>
-</p:sld>
-</file>
-
-<file path=ppt/slides/slide21.xml><?xml version="1.0" encoding="utf-8"?>
-<p:sld xmlns:a="http://schemas.openxmlformats.org/drawingml/2006/main" xmlns:r="http://schemas.openxmlformats.org/officeDocument/2006/relationships" xmlns:p="http://schemas.openxmlformats.org/presentationml/2006/main">
-  <p:cSld>
-    <p:spTree>
-      <p:nvGrpSpPr>
-        <p:cNvPr id="1" name="">
-          <a:extLst>
-            <a:ext uri="{FF2B5EF4-FFF2-40B4-BE49-F238E27FC236}">
               <a16:creationId xmlns:a16="http://schemas.microsoft.com/office/drawing/2014/main" id="{A85BC548-9013-9E28-3C00-71BFAA209028}"/>
             </a:ext>
           </a:extLst>
@@ -9549,7 +10584,7 @@
             <a:fld id="{F546B7B7-7D14-4795-A998-350CFB2BDD43}" type="slidenum">
               <a:rPr lang="fr-FR" smtClean="0"/>
               <a:pPr/>
-              <a:t>21</a:t>
+              <a:t>20</a:t>
             </a:fld>
             <a:endParaRPr lang="fr-FR"/>
           </a:p>
@@ -9685,7 +10720,7 @@
 </p:sld>
 </file>
 
-<file path=ppt/slides/slide22.xml><?xml version="1.0" encoding="utf-8"?>
+<file path=ppt/slides/slide21.xml><?xml version="1.0" encoding="utf-8"?>
 <p:sld xmlns:a="http://schemas.openxmlformats.org/drawingml/2006/main" xmlns:r="http://schemas.openxmlformats.org/officeDocument/2006/relationships" xmlns:p="http://schemas.openxmlformats.org/presentationml/2006/main">
   <p:cSld>
     <p:spTree>
@@ -9732,7 +10767,7 @@
             <a:fld id="{F546B7B7-7D14-4795-A998-350CFB2BDD43}" type="slidenum">
               <a:rPr lang="fr-FR" smtClean="0"/>
               <a:pPr/>
-              <a:t>22</a:t>
+              <a:t>21</a:t>
             </a:fld>
             <a:endParaRPr lang="fr-FR"/>
           </a:p>
@@ -9868,7 +10903,7 @@
 </p:sld>
 </file>
 
-<file path=ppt/slides/slide23.xml><?xml version="1.0" encoding="utf-8"?>
+<file path=ppt/slides/slide22.xml><?xml version="1.0" encoding="utf-8"?>
 <p:sld xmlns:a="http://schemas.openxmlformats.org/drawingml/2006/main" xmlns:r="http://schemas.openxmlformats.org/officeDocument/2006/relationships" xmlns:p="http://schemas.openxmlformats.org/presentationml/2006/main">
   <p:cSld>
     <p:spTree>
@@ -9909,7 +10944,7 @@
             <a:fld id="{F546B7B7-7D14-4795-A998-350CFB2BDD43}" type="slidenum">
               <a:rPr lang="fr-FR" smtClean="0"/>
               <a:pPr/>
-              <a:t>23</a:t>
+              <a:t>22</a:t>
             </a:fld>
             <a:endParaRPr lang="fr-FR"/>
           </a:p>
@@ -9928,7 +10963,7 @@
 </p:sld>
 </file>
 
-<file path=ppt/slides/slide24.xml><?xml version="1.0" encoding="utf-8"?>
+<file path=ppt/slides/slide23.xml><?xml version="1.0" encoding="utf-8"?>
 <p:sld xmlns:a="http://schemas.openxmlformats.org/drawingml/2006/main" xmlns:r="http://schemas.openxmlformats.org/officeDocument/2006/relationships" xmlns:p="http://schemas.openxmlformats.org/presentationml/2006/main">
   <p:cSld>
     <p:spTree>
@@ -9975,7 +11010,7 @@
             <a:fld id="{F546B7B7-7D14-4795-A998-350CFB2BDD43}" type="slidenum">
               <a:rPr lang="fr-FR" smtClean="0"/>
               <a:pPr/>
-              <a:t>24</a:t>
+              <a:t>23</a:t>
             </a:fld>
             <a:endParaRPr lang="fr-FR"/>
           </a:p>
@@ -10018,25 +11053,7 @@
                 </a:solidFill>
                 <a:latin typeface="Gill Sans MT" panose="020B0502020104020203" pitchFamily="34" charset="0"/>
               </a:rPr>
-              <a:t>4.1. Choix des variables (</a:t>
-            </a:r>
-            <a:r>
-              <a:rPr lang="fr-FR" sz="3600" b="1" dirty="0">
-                <a:solidFill>
-                  <a:srgbClr val="FF0000"/>
-                </a:solidFill>
-                <a:latin typeface="Gill Sans MT" panose="020B0502020104020203" pitchFamily="34" charset="0"/>
-              </a:rPr>
-              <a:t>Toussaint</a:t>
-            </a:r>
-            <a:r>
-              <a:rPr lang="fr-FR" sz="3600" b="1" dirty="0">
-                <a:solidFill>
-                  <a:schemeClr val="bg1"/>
-                </a:solidFill>
-                <a:latin typeface="Gill Sans MT" panose="020B0502020104020203" pitchFamily="34" charset="0"/>
-              </a:rPr>
-              <a:t>)</a:t>
+              <a:t>4.1. Choix des variables</a:t>
             </a:r>
           </a:p>
         </p:txBody>
@@ -10056,13 +11073,13 @@
           <p:nvPr/>
         </p:nvPicPr>
         <p:blipFill>
-          <a:blip r:embed="rId2">
+          <a:blip r:embed="rId3">
             <a:extLst>
               <a:ext uri="{28A0092B-C50C-407E-A947-70E740481C1C}">
                 <a14:useLocalDpi xmlns:a14="http://schemas.microsoft.com/office/drawing/2010/main" val="0"/>
               </a:ext>
               <a:ext uri="{96DAC541-7B7A-43D3-8B79-37D633B846F1}">
-                <asvg:svgBlip xmlns:asvg="http://schemas.microsoft.com/office/drawing/2016/SVG/main" r:embed="rId3"/>
+                <asvg:svgBlip xmlns:asvg="http://schemas.microsoft.com/office/drawing/2016/SVG/main" r:embed="rId4"/>
               </a:ext>
             </a:extLst>
           </a:blip>
@@ -10080,6 +11097,184 @@
           </a:prstGeom>
         </p:spPr>
       </p:pic>
+      <p:sp>
+        <p:nvSpPr>
+          <p:cNvPr id="6" name="ZoneTexte 5">
+            <a:extLst>
+              <a:ext uri="{FF2B5EF4-FFF2-40B4-BE49-F238E27FC236}">
+                <a16:creationId xmlns:a16="http://schemas.microsoft.com/office/drawing/2014/main" id="{4766AD5E-2DA5-8650-5A3A-C9C8079E95CC}"/>
+              </a:ext>
+            </a:extLst>
+          </p:cNvPr>
+          <p:cNvSpPr txBox="1"/>
+          <p:nvPr/>
+        </p:nvSpPr>
+        <p:spPr>
+          <a:xfrm>
+            <a:off x="568347" y="1957762"/>
+            <a:ext cx="10510345" cy="1938992"/>
+          </a:xfrm>
+          <a:prstGeom prst="rect">
+            <a:avLst/>
+          </a:prstGeom>
+          <a:noFill/>
+        </p:spPr>
+        <p:txBody>
+          <a:bodyPr wrap="square">
+            <a:spAutoFit/>
+          </a:bodyPr>
+          <a:lstStyle/>
+          <a:p>
+            <a:pPr algn="just">
+              <a:buNone/>
+            </a:pPr>
+            <a:r>
+              <a:rPr lang="fr-FR" sz="2400" b="1" dirty="0">
+                <a:latin typeface="Gill Sans MT" panose="020B0502020104020203" pitchFamily="34" charset="0"/>
+              </a:rPr>
+              <a:t>Méthodologie adoptée :</a:t>
+            </a:r>
+            <a:endParaRPr lang="fr-FR" sz="2400" dirty="0">
+              <a:latin typeface="Gill Sans MT" panose="020B0502020104020203" pitchFamily="34" charset="0"/>
+            </a:endParaRPr>
+          </a:p>
+          <a:p>
+            <a:pPr marL="342900" indent="-342900" algn="just">
+              <a:buFont typeface="Arial" panose="020B0604020202020204" pitchFamily="34" charset="0"/>
+              <a:buChar char="•"/>
+            </a:pPr>
+            <a:r>
+              <a:rPr lang="fr-FR" sz="2400" dirty="0">
+                <a:latin typeface="Gill Sans MT" panose="020B0502020104020203" pitchFamily="34" charset="0"/>
+              </a:rPr>
+              <a:t>Utilisation d'une </a:t>
+            </a:r>
+            <a:r>
+              <a:rPr lang="fr-FR" sz="2400" b="1" dirty="0">
+                <a:latin typeface="Gill Sans MT" panose="020B0502020104020203" pitchFamily="34" charset="0"/>
+              </a:rPr>
+              <a:t>Analyse en Composantes Principales (ACP)</a:t>
+            </a:r>
+            <a:r>
+              <a:rPr lang="fr-FR" sz="2400" dirty="0">
+                <a:latin typeface="Gill Sans MT" panose="020B0502020104020203" pitchFamily="34" charset="0"/>
+              </a:rPr>
+              <a:t> pour identifier les associations entre variables.</a:t>
+            </a:r>
+          </a:p>
+          <a:p>
+            <a:pPr marL="342900" indent="-342900" algn="just">
+              <a:buFont typeface="Arial" panose="020B0604020202020204" pitchFamily="34" charset="0"/>
+              <a:buChar char="•"/>
+            </a:pPr>
+            <a:r>
+              <a:rPr lang="fr-FR" sz="2400" dirty="0">
+                <a:latin typeface="Gill Sans MT" panose="020B0502020104020203" pitchFamily="34" charset="0"/>
+              </a:rPr>
+              <a:t>Sélection guidée par la </a:t>
+            </a:r>
+            <a:r>
+              <a:rPr lang="fr-FR" sz="2400" b="1" dirty="0">
+                <a:latin typeface="Gill Sans MT" panose="020B0502020104020203" pitchFamily="34" charset="0"/>
+              </a:rPr>
+              <a:t>littérature scientifique</a:t>
+            </a:r>
+            <a:r>
+              <a:rPr lang="fr-FR" sz="2400" dirty="0">
+                <a:latin typeface="Gill Sans MT" panose="020B0502020104020203" pitchFamily="34" charset="0"/>
+              </a:rPr>
+              <a:t> et la </a:t>
+            </a:r>
+            <a:r>
+              <a:rPr lang="fr-FR" sz="2400" b="1" dirty="0">
+                <a:latin typeface="Gill Sans MT" panose="020B0502020104020203" pitchFamily="34" charset="0"/>
+              </a:rPr>
+              <a:t>pertinence explicative</a:t>
+            </a:r>
+            <a:r>
+              <a:rPr lang="fr-FR" sz="2400" dirty="0">
+                <a:latin typeface="Gill Sans MT" panose="020B0502020104020203" pitchFamily="34" charset="0"/>
+              </a:rPr>
+              <a:t> des variables.</a:t>
+            </a:r>
+          </a:p>
+        </p:txBody>
+      </p:sp>
+      <p:sp>
+        <p:nvSpPr>
+          <p:cNvPr id="8" name="ZoneTexte 7">
+            <a:extLst>
+              <a:ext uri="{FF2B5EF4-FFF2-40B4-BE49-F238E27FC236}">
+                <a16:creationId xmlns:a16="http://schemas.microsoft.com/office/drawing/2014/main" id="{1A1DCAA4-ADCA-43E0-6482-B4C275BCA01F}"/>
+              </a:ext>
+            </a:extLst>
+          </p:cNvPr>
+          <p:cNvSpPr txBox="1"/>
+          <p:nvPr/>
+        </p:nvSpPr>
+        <p:spPr>
+          <a:xfrm>
+            <a:off x="568347" y="4214555"/>
+            <a:ext cx="10604149" cy="1569660"/>
+          </a:xfrm>
+          <a:prstGeom prst="rect">
+            <a:avLst/>
+          </a:prstGeom>
+          <a:noFill/>
+        </p:spPr>
+        <p:txBody>
+          <a:bodyPr wrap="square">
+            <a:spAutoFit/>
+          </a:bodyPr>
+          <a:lstStyle>
+            <a:defPPr>
+              <a:defRPr lang="fr-FR"/>
+            </a:defPPr>
+            <a:lvl1pPr algn="just">
+              <a:buNone/>
+              <a:defRPr sz="2400" b="1">
+                <a:latin typeface="Gill Sans MT" panose="020B0502020104020203" pitchFamily="34" charset="0"/>
+              </a:defRPr>
+            </a:lvl1pPr>
+          </a:lstStyle>
+          <a:p>
+            <a:r>
+              <a:rPr lang="fr-FR" dirty="0"/>
+              <a:t>Variables retenues (en taux ou proportion) :</a:t>
+            </a:r>
+          </a:p>
+          <a:p>
+            <a:pPr marL="342900" indent="-342900">
+              <a:buFont typeface="Arial" panose="020B0604020202020204" pitchFamily="34" charset="0"/>
+              <a:buChar char="•"/>
+            </a:pPr>
+            <a:r>
+              <a:rPr lang="fr-FR" b="0" dirty="0"/>
+              <a:t>Démographiques : % 25-64 ans, % 65+ ans, taux de natalité.</a:t>
+            </a:r>
+          </a:p>
+          <a:p>
+            <a:pPr marL="342900" indent="-342900">
+              <a:buFont typeface="Arial" panose="020B0604020202020204" pitchFamily="34" charset="0"/>
+              <a:buChar char="•"/>
+            </a:pPr>
+            <a:r>
+              <a:rPr lang="fr-FR" b="0" dirty="0"/>
+              <a:t>Socio-économiques : % en union libre, % ouvriers, % sans emploi.</a:t>
+            </a:r>
+          </a:p>
+          <a:p>
+            <a:pPr marL="342900" indent="-342900">
+              <a:buFont typeface="Arial" panose="020B0604020202020204" pitchFamily="34" charset="0"/>
+              <a:buChar char="•"/>
+            </a:pPr>
+            <a:r>
+              <a:rPr lang="fr-FR" b="0" dirty="0"/>
+              <a:t>Famille : % foyers avec ≥ 3 enfants &lt; 25 ans.</a:t>
+            </a:r>
+          </a:p>
+        </p:txBody>
+      </p:sp>
     </p:spTree>
     <p:extLst>
       <p:ext uri="{BB962C8B-B14F-4D97-AF65-F5344CB8AC3E}">
@@ -10093,7 +11288,7 @@
 </p:sld>
 </file>
 
-<file path=ppt/slides/slide25.xml><?xml version="1.0" encoding="utf-8"?>
+<file path=ppt/slides/slide24.xml><?xml version="1.0" encoding="utf-8"?>
 <p:sld xmlns:a="http://schemas.openxmlformats.org/drawingml/2006/main" xmlns:r="http://schemas.openxmlformats.org/officeDocument/2006/relationships" xmlns:p="http://schemas.openxmlformats.org/presentationml/2006/main">
   <p:cSld>
     <p:spTree>
@@ -10140,7 +11335,7 @@
             <a:fld id="{F546B7B7-7D14-4795-A998-350CFB2BDD43}" type="slidenum">
               <a:rPr lang="fr-FR" smtClean="0"/>
               <a:pPr/>
-              <a:t>25</a:t>
+              <a:t>24</a:t>
             </a:fld>
             <a:endParaRPr lang="fr-FR"/>
           </a:p>
@@ -10258,7 +11453,7 @@
 </p:sld>
 </file>
 
-<file path=ppt/slides/slide26.xml><?xml version="1.0" encoding="utf-8"?>
+<file path=ppt/slides/slide25.xml><?xml version="1.0" encoding="utf-8"?>
 <p:sld xmlns:a="http://schemas.openxmlformats.org/drawingml/2006/main" xmlns:r="http://schemas.openxmlformats.org/officeDocument/2006/relationships" xmlns:p="http://schemas.openxmlformats.org/presentationml/2006/main">
   <p:cSld>
     <p:spTree>
@@ -10305,7 +11500,7 @@
             <a:fld id="{F546B7B7-7D14-4795-A998-350CFB2BDD43}" type="slidenum">
               <a:rPr lang="fr-FR" smtClean="0"/>
               <a:pPr/>
-              <a:t>26</a:t>
+              <a:t>25</a:t>
             </a:fld>
             <a:endParaRPr lang="fr-FR"/>
           </a:p>
@@ -10423,7 +11618,7 @@
 </p:sld>
 </file>
 
-<file path=ppt/slides/slide27.xml><?xml version="1.0" encoding="utf-8"?>
+<file path=ppt/slides/slide26.xml><?xml version="1.0" encoding="utf-8"?>
 <p:sld xmlns:a="http://schemas.openxmlformats.org/drawingml/2006/main" xmlns:r="http://schemas.openxmlformats.org/officeDocument/2006/relationships" xmlns:p="http://schemas.openxmlformats.org/presentationml/2006/main">
   <p:cSld>
     <p:spTree>
@@ -10470,7 +11665,7 @@
             <a:fld id="{F546B7B7-7D14-4795-A998-350CFB2BDD43}" type="slidenum">
               <a:rPr lang="fr-FR" smtClean="0"/>
               <a:pPr/>
-              <a:t>27</a:t>
+              <a:t>26</a:t>
             </a:fld>
             <a:endParaRPr lang="fr-FR"/>
           </a:p>
@@ -10588,7 +11783,7 @@
 </p:sld>
 </file>
 
-<file path=ppt/slides/slide28.xml><?xml version="1.0" encoding="utf-8"?>
+<file path=ppt/slides/slide27.xml><?xml version="1.0" encoding="utf-8"?>
 <p:sld xmlns:a="http://schemas.openxmlformats.org/drawingml/2006/main" xmlns:r="http://schemas.openxmlformats.org/officeDocument/2006/relationships" xmlns:p="http://schemas.openxmlformats.org/presentationml/2006/main">
   <p:cSld>
     <p:spTree>
@@ -10635,7 +11830,7 @@
             <a:fld id="{F546B7B7-7D14-4795-A998-350CFB2BDD43}" type="slidenum">
               <a:rPr lang="fr-FR" smtClean="0"/>
               <a:pPr/>
-              <a:t>28</a:t>
+              <a:t>27</a:t>
             </a:fld>
             <a:endParaRPr lang="fr-FR"/>
           </a:p>
@@ -10789,7 +11984,7 @@
 </p:sld>
 </file>
 
-<file path=ppt/slides/slide29.xml><?xml version="1.0" encoding="utf-8"?>
+<file path=ppt/slides/slide28.xml><?xml version="1.0" encoding="utf-8"?>
 <p:sld xmlns:a="http://schemas.openxmlformats.org/drawingml/2006/main" xmlns:r="http://schemas.openxmlformats.org/officeDocument/2006/relationships" xmlns:p="http://schemas.openxmlformats.org/presentationml/2006/main">
   <p:cSld>
     <p:spTree>
@@ -10830,9 +12025,80 @@
             <a:fld id="{F546B7B7-7D14-4795-A998-350CFB2BDD43}" type="slidenum">
               <a:rPr lang="fr-FR" smtClean="0"/>
               <a:pPr/>
+              <a:t>28</a:t>
+            </a:fld>
+            <a:endParaRPr lang="fr-FR"/>
+          </a:p>
+        </p:txBody>
+      </p:sp>
+    </p:spTree>
+    <p:extLst>
+      <p:ext uri="{BB962C8B-B14F-4D97-AF65-F5344CB8AC3E}">
+        <p14:creationId xmlns:p14="http://schemas.microsoft.com/office/powerpoint/2010/main" val="2684318139"/>
+      </p:ext>
+    </p:extLst>
+  </p:cSld>
+  <p:clrMapOvr>
+    <a:masterClrMapping/>
+  </p:clrMapOvr>
+</p:sld>
+</file>
+
+<file path=ppt/slides/slide29.xml><?xml version="1.0" encoding="utf-8"?>
+<p:sld xmlns:a="http://schemas.openxmlformats.org/drawingml/2006/main" xmlns:r="http://schemas.openxmlformats.org/officeDocument/2006/relationships" xmlns:p="http://schemas.openxmlformats.org/presentationml/2006/main">
+  <p:cSld>
+    <p:spTree>
+      <p:nvGrpSpPr>
+        <p:cNvPr id="1" name="">
+          <a:extLst>
+            <a:ext uri="{FF2B5EF4-FFF2-40B4-BE49-F238E27FC236}">
+              <a16:creationId xmlns:a16="http://schemas.microsoft.com/office/drawing/2014/main" id="{6404518D-9B83-A97A-B402-64AD57E2AE10}"/>
+            </a:ext>
+          </a:extLst>
+        </p:cNvPr>
+        <p:cNvGrpSpPr/>
+        <p:nvPr/>
+      </p:nvGrpSpPr>
+      <p:grpSpPr>
+        <a:xfrm>
+          <a:off x="0" y="0"/>
+          <a:ext cx="0" cy="0"/>
+          <a:chOff x="0" y="0"/>
+          <a:chExt cx="0" cy="0"/>
+        </a:xfrm>
+      </p:grpSpPr>
+      <p:sp>
+        <p:nvSpPr>
+          <p:cNvPr id="2" name="Espace réservé du numéro de diapositive 1">
+            <a:extLst>
+              <a:ext uri="{FF2B5EF4-FFF2-40B4-BE49-F238E27FC236}">
+                <a16:creationId xmlns:a16="http://schemas.microsoft.com/office/drawing/2014/main" id="{7675A0EF-2B93-9A84-E82F-8E4533DAF721}"/>
+              </a:ext>
+            </a:extLst>
+          </p:cNvPr>
+          <p:cNvSpPr>
+            <a:spLocks noGrp="1"/>
+          </p:cNvSpPr>
+          <p:nvPr>
+            <p:ph type="sldNum" sz="quarter" idx="4"/>
+          </p:nvPr>
+        </p:nvSpPr>
+        <p:spPr>
+          <a:xfrm>
+            <a:off x="8636914" y="6356350"/>
+            <a:ext cx="2743200" cy="365125"/>
+          </a:xfrm>
+        </p:spPr>
+        <p:txBody>
+          <a:bodyPr/>
+          <a:lstStyle/>
+          <a:p>
+            <a:fld id="{F546B7B7-7D14-4795-A998-350CFB2BDD43}" type="slidenum">
+              <a:rPr lang="fr-FR" smtClean="0"/>
+              <a:pPr/>
               <a:t>29</a:t>
             </a:fld>
-            <a:endParaRPr lang="fr-FR"/>
+            <a:endParaRPr lang="fr-FR" dirty="0"/>
           </a:p>
         </p:txBody>
       </p:sp>
@@ -10841,7 +12107,7 @@
           <p:cNvPr id="3" name="ZoneTexte 2">
             <a:extLst>
               <a:ext uri="{FF2B5EF4-FFF2-40B4-BE49-F238E27FC236}">
-                <a16:creationId xmlns:a16="http://schemas.microsoft.com/office/drawing/2014/main" id="{A3F2E86E-ED1B-4477-A0EF-E314068F0577}"/>
+                <a16:creationId xmlns:a16="http://schemas.microsoft.com/office/drawing/2014/main" id="{92951DE8-E220-7200-1D89-3BA45E404FA7}"/>
               </a:ext>
             </a:extLst>
           </p:cNvPr>
@@ -10850,13 +12116,15 @@
         </p:nvSpPr>
         <p:spPr>
           <a:xfrm>
-            <a:off x="4664098" y="5025911"/>
-            <a:ext cx="2835298" cy="707886"/>
+            <a:off x="2" y="532969"/>
+            <a:ext cx="12191999" cy="646331"/>
           </a:xfrm>
           <a:prstGeom prst="rect">
             <a:avLst/>
           </a:prstGeom>
-          <a:noFill/>
+          <a:solidFill>
+            <a:srgbClr val="006A5A"/>
+          </a:solidFill>
         </p:spPr>
         <p:txBody>
           <a:bodyPr wrap="square" rtlCol="0">
@@ -10864,22 +12132,500 @@
           </a:bodyPr>
           <a:lstStyle/>
           <a:p>
-            <a:pPr algn="ctr"/>
-            <a:r>
-              <a:rPr lang="fr-FR" sz="4000" b="1" dirty="0">
+            <a:r>
+              <a:rPr lang="fr-FR" sz="3600" b="1" dirty="0">
                 <a:solidFill>
-                  <a:srgbClr val="FF0000"/>
+                  <a:schemeClr val="bg1"/>
                 </a:solidFill>
+                <a:latin typeface="Gill Sans MT" panose="020B0502020104020203" pitchFamily="34" charset="0"/>
               </a:rPr>
-              <a:t>Toussaint</a:t>
+              <a:t>5.1. Inégalités territoriales d’accès aux soins</a:t>
             </a:r>
           </a:p>
         </p:txBody>
       </p:sp>
+      <p:pic>
+        <p:nvPicPr>
+          <p:cNvPr id="4" name="Graphique 3" descr="Flèches de chevron">
+            <a:extLst>
+              <a:ext uri="{FF2B5EF4-FFF2-40B4-BE49-F238E27FC236}">
+                <a16:creationId xmlns:a16="http://schemas.microsoft.com/office/drawing/2014/main" id="{2163C2DF-E4CC-0260-534E-788751810893}"/>
+              </a:ext>
+            </a:extLst>
+          </p:cNvPr>
+          <p:cNvPicPr>
+            <a:picLocks noChangeAspect="1"/>
+          </p:cNvPicPr>
+          <p:nvPr/>
+        </p:nvPicPr>
+        <p:blipFill>
+          <a:blip r:embed="rId3">
+            <a:extLst>
+              <a:ext uri="{28A0092B-C50C-407E-A947-70E740481C1C}">
+                <a14:useLocalDpi xmlns:a14="http://schemas.microsoft.com/office/drawing/2010/main" val="0"/>
+              </a:ext>
+              <a:ext uri="{96DAC541-7B7A-43D3-8B79-37D633B846F1}">
+                <asvg:svgBlip xmlns:asvg="http://schemas.microsoft.com/office/drawing/2016/SVG/main" r:embed="rId4"/>
+              </a:ext>
+            </a:extLst>
+          </a:blip>
+          <a:stretch>
+            <a:fillRect/>
+          </a:stretch>
+        </p:blipFill>
+        <p:spPr>
+          <a:xfrm>
+            <a:off x="11078692" y="266700"/>
+            <a:ext cx="1170459" cy="1170459"/>
+          </a:xfrm>
+          <a:prstGeom prst="rect">
+            <a:avLst/>
+          </a:prstGeom>
+        </p:spPr>
+      </p:pic>
+      <p:grpSp>
+        <p:nvGrpSpPr>
+          <p:cNvPr id="7" name="Groupe 6">
+            <a:extLst>
+              <a:ext uri="{FF2B5EF4-FFF2-40B4-BE49-F238E27FC236}">
+                <a16:creationId xmlns:a16="http://schemas.microsoft.com/office/drawing/2014/main" id="{C12F80D4-1350-C611-ADF5-0AAEC8AE8700}"/>
+              </a:ext>
+            </a:extLst>
+          </p:cNvPr>
+          <p:cNvGrpSpPr/>
+          <p:nvPr/>
+        </p:nvGrpSpPr>
+        <p:grpSpPr>
+          <a:xfrm>
+            <a:off x="306489" y="1400580"/>
+            <a:ext cx="11579021" cy="4738050"/>
+            <a:chOff x="210208" y="1754909"/>
+            <a:chExt cx="5549461" cy="4299050"/>
+          </a:xfrm>
+        </p:grpSpPr>
+        <p:sp>
+          <p:nvSpPr>
+            <p:cNvPr id="8" name="Rectangle : coins arrondis 7">
+              <a:extLst>
+                <a:ext uri="{FF2B5EF4-FFF2-40B4-BE49-F238E27FC236}">
+                  <a16:creationId xmlns:a16="http://schemas.microsoft.com/office/drawing/2014/main" id="{3D668D3A-8E08-CA60-3AEC-BE17B0E11D41}"/>
+                </a:ext>
+              </a:extLst>
+            </p:cNvPr>
+            <p:cNvSpPr/>
+            <p:nvPr/>
+          </p:nvSpPr>
+          <p:spPr>
+            <a:xfrm>
+              <a:off x="210208" y="2226075"/>
+              <a:ext cx="5549461" cy="3827884"/>
+            </a:xfrm>
+            <a:prstGeom prst="roundRect">
+              <a:avLst/>
+            </a:prstGeom>
+            <a:solidFill>
+              <a:srgbClr val="006A5A"/>
+            </a:solidFill>
+            <a:ln>
+              <a:noFill/>
+            </a:ln>
+          </p:spPr>
+          <p:style>
+            <a:lnRef idx="2">
+              <a:schemeClr val="accent1">
+                <a:shade val="15000"/>
+              </a:schemeClr>
+            </a:lnRef>
+            <a:fillRef idx="1">
+              <a:schemeClr val="accent1"/>
+            </a:fillRef>
+            <a:effectRef idx="0">
+              <a:schemeClr val="accent1"/>
+            </a:effectRef>
+            <a:fontRef idx="minor">
+              <a:schemeClr val="lt1"/>
+            </a:fontRef>
+          </p:style>
+          <p:txBody>
+            <a:bodyPr rtlCol="0" anchor="ctr"/>
+            <a:lstStyle/>
+            <a:p>
+              <a:pPr algn="ctr"/>
+              <a:endParaRPr lang="fr-FR" dirty="0">
+                <a:latin typeface="Gill Sans MT" panose="020B0502020104020203" pitchFamily="34" charset="0"/>
+              </a:endParaRPr>
+            </a:p>
+          </p:txBody>
+        </p:sp>
+        <p:sp>
+          <p:nvSpPr>
+            <p:cNvPr id="9" name="Rectangle 1">
+              <a:extLst>
+                <a:ext uri="{FF2B5EF4-FFF2-40B4-BE49-F238E27FC236}">
+                  <a16:creationId xmlns:a16="http://schemas.microsoft.com/office/drawing/2014/main" id="{69BCDF5F-CC28-BD8F-C71A-3A088902DFD2}"/>
+                </a:ext>
+              </a:extLst>
+            </p:cNvPr>
+            <p:cNvSpPr>
+              <a:spLocks noChangeArrowheads="1"/>
+            </p:cNvSpPr>
+            <p:nvPr/>
+          </p:nvSpPr>
+          <p:spPr bwMode="auto">
+            <a:xfrm>
+              <a:off x="292873" y="2769859"/>
+              <a:ext cx="5368479" cy="3099784"/>
+            </a:xfrm>
+            <a:prstGeom prst="rect">
+              <a:avLst/>
+            </a:prstGeom>
+            <a:noFill/>
+            <a:ln>
+              <a:noFill/>
+            </a:ln>
+            <a:effectLst/>
+            <a:extLst>
+              <a:ext uri="{909E8E84-426E-40DD-AFC4-6F175D3DCCD1}">
+                <a14:hiddenFill xmlns:a14="http://schemas.microsoft.com/office/drawing/2010/main">
+                  <a:solidFill>
+                    <a:schemeClr val="accent1"/>
+                  </a:solidFill>
+                </a14:hiddenFill>
+              </a:ext>
+              <a:ext uri="{91240B29-F687-4F45-9708-019B960494DF}">
+                <a14:hiddenLine xmlns:a14="http://schemas.microsoft.com/office/drawing/2010/main" w="9525">
+                  <a:solidFill>
+                    <a:schemeClr val="tx1"/>
+                  </a:solidFill>
+                  <a:miter lim="800000"/>
+                  <a:headEnd/>
+                  <a:tailEnd/>
+                </a14:hiddenLine>
+              </a:ext>
+              <a:ext uri="{AF507438-7753-43E0-B8FC-AC1667EBCBE1}">
+                <a14:hiddenEffects xmlns:a14="http://schemas.microsoft.com/office/drawing/2010/main">
+                  <a:effectLst>
+                    <a:outerShdw dist="35921" dir="2700000" algn="ctr" rotWithShape="0">
+                      <a:schemeClr val="bg2"/>
+                    </a:outerShdw>
+                  </a:effectLst>
+                </a14:hiddenEffects>
+              </a:ext>
+            </a:extLst>
+          </p:spPr>
+          <p:txBody>
+            <a:bodyPr vert="horz" wrap="square" lIns="91440" tIns="45720" rIns="91440" bIns="45720" numCol="1" anchor="ctr" anchorCtr="0" compatLnSpc="1">
+              <a:prstTxWarp prst="textNoShape">
+                <a:avLst/>
+              </a:prstTxWarp>
+              <a:spAutoFit/>
+            </a:bodyPr>
+            <a:lstStyle/>
+            <a:p>
+              <a:pPr marL="342900" marR="0" lvl="0" indent="-342900" algn="just" defTabSz="914400" rtl="0" eaLnBrk="0" fontAlgn="base" latinLnBrk="0" hangingPunct="0">
+                <a:lnSpc>
+                  <a:spcPct val="100000"/>
+                </a:lnSpc>
+                <a:spcBef>
+                  <a:spcPct val="0"/>
+                </a:spcBef>
+                <a:spcAft>
+                  <a:spcPct val="0"/>
+                </a:spcAft>
+                <a:buClrTx/>
+                <a:buSzTx/>
+                <a:buFont typeface="Arial" panose="020B0604020202020204" pitchFamily="34" charset="0"/>
+                <a:buChar char="•"/>
+                <a:tabLst/>
+              </a:pPr>
+              <a:r>
+                <a:rPr kumimoji="0" lang="fr-FR" altLang="fr-FR" sz="2400" b="0" i="0" u="none" strike="noStrike" cap="none" normalizeH="0" baseline="0" dirty="0">
+                  <a:ln>
+                    <a:noFill/>
+                  </a:ln>
+                  <a:solidFill>
+                    <a:schemeClr val="bg1"/>
+                  </a:solidFill>
+                  <a:effectLst/>
+                  <a:latin typeface="Gill Sans MT" panose="020B0502020104020203" pitchFamily="34" charset="0"/>
+                </a:rPr>
+                <a:t>Forte </a:t>
+              </a:r>
+              <a:r>
+                <a:rPr kumimoji="0" lang="fr-FR" altLang="fr-FR" sz="2400" b="1" i="0" u="none" strike="noStrike" cap="none" normalizeH="0" baseline="0" dirty="0">
+                  <a:ln>
+                    <a:noFill/>
+                  </a:ln>
+                  <a:solidFill>
+                    <a:schemeClr val="bg1"/>
+                  </a:solidFill>
+                  <a:effectLst/>
+                  <a:latin typeface="Gill Sans MT" panose="020B0502020104020203" pitchFamily="34" charset="0"/>
+                </a:rPr>
+                <a:t>autocorrélation spatiale</a:t>
+              </a:r>
+              <a:r>
+                <a:rPr kumimoji="0" lang="fr-FR" altLang="fr-FR" sz="2400" b="0" i="0" u="none" strike="noStrike" cap="none" normalizeH="0" baseline="0" dirty="0">
+                  <a:ln>
+                    <a:noFill/>
+                  </a:ln>
+                  <a:solidFill>
+                    <a:schemeClr val="bg1"/>
+                  </a:solidFill>
+                  <a:effectLst/>
+                  <a:latin typeface="Gill Sans MT" panose="020B0502020104020203" pitchFamily="34" charset="0"/>
+                </a:rPr>
+                <a:t> : des clusters de forte ou faible fréquentation médicale.</a:t>
+              </a:r>
+            </a:p>
+            <a:p>
+              <a:pPr marL="342900" marR="0" lvl="0" indent="-342900" algn="just" defTabSz="914400" rtl="0" eaLnBrk="0" fontAlgn="base" latinLnBrk="0" hangingPunct="0">
+                <a:lnSpc>
+                  <a:spcPct val="100000"/>
+                </a:lnSpc>
+                <a:spcBef>
+                  <a:spcPct val="0"/>
+                </a:spcBef>
+                <a:spcAft>
+                  <a:spcPct val="0"/>
+                </a:spcAft>
+                <a:buClrTx/>
+                <a:buSzTx/>
+                <a:buFont typeface="Arial" panose="020B0604020202020204" pitchFamily="34" charset="0"/>
+                <a:buChar char="•"/>
+                <a:tabLst/>
+              </a:pPr>
+              <a:r>
+                <a:rPr kumimoji="0" lang="fr-FR" altLang="fr-FR" sz="2400" b="0" i="0" u="none" strike="noStrike" cap="none" normalizeH="0" baseline="0" dirty="0">
+                  <a:ln>
+                    <a:noFill/>
+                  </a:ln>
+                  <a:solidFill>
+                    <a:schemeClr val="bg1"/>
+                  </a:solidFill>
+                  <a:effectLst/>
+                  <a:latin typeface="Gill Sans MT" panose="020B0502020104020203" pitchFamily="34" charset="0"/>
+                </a:rPr>
+                <a:t>Effet contre-intuitif : </a:t>
+              </a:r>
+              <a:r>
+                <a:rPr kumimoji="0" lang="fr-FR" altLang="fr-FR" sz="2400" b="1" i="0" u="none" strike="noStrike" cap="none" normalizeH="0" baseline="0" dirty="0">
+                  <a:ln>
+                    <a:noFill/>
+                  </a:ln>
+                  <a:solidFill>
+                    <a:schemeClr val="bg1"/>
+                  </a:solidFill>
+                  <a:effectLst/>
+                  <a:latin typeface="Gill Sans MT" panose="020B0502020104020203" pitchFamily="34" charset="0"/>
+                </a:rPr>
+                <a:t>moins de consultations</a:t>
+              </a:r>
+              <a:r>
+                <a:rPr kumimoji="0" lang="fr-FR" altLang="fr-FR" sz="2400" b="0" i="0" u="none" strike="noStrike" cap="none" normalizeH="0" baseline="0" dirty="0">
+                  <a:ln>
+                    <a:noFill/>
+                  </a:ln>
+                  <a:solidFill>
+                    <a:schemeClr val="bg1"/>
+                  </a:solidFill>
+                  <a:effectLst/>
+                  <a:latin typeface="Gill Sans MT" panose="020B0502020104020203" pitchFamily="34" charset="0"/>
+                </a:rPr>
+                <a:t> dans les communes à forte population âgée.</a:t>
+              </a:r>
+            </a:p>
+            <a:p>
+              <a:pPr marL="342900" marR="0" lvl="0" indent="-342900" algn="just" defTabSz="914400" rtl="0" eaLnBrk="0" fontAlgn="base" latinLnBrk="0" hangingPunct="0">
+                <a:lnSpc>
+                  <a:spcPct val="100000"/>
+                </a:lnSpc>
+                <a:spcBef>
+                  <a:spcPct val="0"/>
+                </a:spcBef>
+                <a:spcAft>
+                  <a:spcPct val="0"/>
+                </a:spcAft>
+                <a:buClrTx/>
+                <a:buSzTx/>
+                <a:buFont typeface="Arial" panose="020B0604020202020204" pitchFamily="34" charset="0"/>
+                <a:buChar char="•"/>
+                <a:tabLst/>
+              </a:pPr>
+              <a:r>
+                <a:rPr kumimoji="0" lang="fr-FR" altLang="fr-FR" sz="2400" b="1" i="0" u="none" strike="noStrike" cap="none" normalizeH="0" baseline="0" dirty="0">
+                  <a:ln>
+                    <a:noFill/>
+                  </a:ln>
+                  <a:solidFill>
+                    <a:schemeClr val="bg1"/>
+                  </a:solidFill>
+                  <a:effectLst/>
+                  <a:latin typeface="Gill Sans MT" panose="020B0502020104020203" pitchFamily="34" charset="0"/>
+                </a:rPr>
+                <a:t>Variables socio-économiques</a:t>
+              </a:r>
+              <a:r>
+                <a:rPr kumimoji="0" lang="fr-FR" altLang="fr-FR" sz="2400" b="0" i="0" u="none" strike="noStrike" cap="none" normalizeH="0" baseline="0" dirty="0">
+                  <a:ln>
+                    <a:noFill/>
+                  </a:ln>
+                  <a:solidFill>
+                    <a:schemeClr val="bg1"/>
+                  </a:solidFill>
+                  <a:effectLst/>
+                  <a:latin typeface="Gill Sans MT" panose="020B0502020104020203" pitchFamily="34" charset="0"/>
+                </a:rPr>
+                <a:t> importantes :</a:t>
+              </a:r>
+            </a:p>
+            <a:p>
+              <a:pPr marL="800100" lvl="1" indent="-342900" algn="just" eaLnBrk="0" fontAlgn="base" hangingPunct="0">
+                <a:spcBef>
+                  <a:spcPct val="0"/>
+                </a:spcBef>
+                <a:spcAft>
+                  <a:spcPct val="0"/>
+                </a:spcAft>
+                <a:buFont typeface="Wingdings" panose="05000000000000000000" pitchFamily="2" charset="2"/>
+                <a:buChar char="§"/>
+              </a:pPr>
+              <a:r>
+                <a:rPr lang="fr-FR" altLang="fr-FR" sz="2400" dirty="0">
+                  <a:solidFill>
+                    <a:schemeClr val="bg1"/>
+                  </a:solidFill>
+                  <a:latin typeface="Gill Sans MT" panose="020B0502020104020203" pitchFamily="34" charset="0"/>
+                </a:rPr>
+                <a:t>Une augmentation du </a:t>
+              </a:r>
+              <a:r>
+                <a:rPr kumimoji="0" lang="fr-FR" altLang="fr-FR" sz="2400" b="0" i="0" u="none" strike="noStrike" cap="none" normalizeH="0" baseline="0" dirty="0">
+                  <a:ln>
+                    <a:noFill/>
+                  </a:ln>
+                  <a:solidFill>
+                    <a:schemeClr val="bg1"/>
+                  </a:solidFill>
+                  <a:effectLst/>
+                  <a:latin typeface="Gill Sans MT" panose="020B0502020104020203" pitchFamily="34" charset="0"/>
+                </a:rPr>
+                <a:t>Taux de natalité contribue à l’augmentation du Taux de consultations (suivi périnatal).</a:t>
+              </a:r>
+            </a:p>
+            <a:p>
+              <a:pPr marL="800100" lvl="1" indent="-342900" algn="just" eaLnBrk="0" fontAlgn="base" hangingPunct="0">
+                <a:spcBef>
+                  <a:spcPct val="0"/>
+                </a:spcBef>
+                <a:spcAft>
+                  <a:spcPct val="0"/>
+                </a:spcAft>
+                <a:buFont typeface="Wingdings" panose="05000000000000000000" pitchFamily="2" charset="2"/>
+                <a:buChar char="§"/>
+              </a:pPr>
+              <a:r>
+                <a:rPr kumimoji="0" lang="fr-FR" altLang="fr-FR" sz="2400" b="0" i="0" u="none" strike="noStrike" cap="none" normalizeH="0" baseline="0" dirty="0">
+                  <a:ln>
+                    <a:noFill/>
+                  </a:ln>
+                  <a:solidFill>
+                    <a:schemeClr val="bg1"/>
+                  </a:solidFill>
+                  <a:effectLst/>
+                  <a:latin typeface="Gill Sans MT" panose="020B0502020104020203" pitchFamily="34" charset="0"/>
+                </a:rPr>
+                <a:t>Une Part élevée d’ouvriers / chômeurs entraîne une baisse du </a:t>
+              </a:r>
+              <a:r>
+                <a:rPr lang="fr-FR" altLang="fr-FR" sz="2400" dirty="0">
+                  <a:solidFill>
+                    <a:schemeClr val="bg1"/>
+                  </a:solidFill>
+                  <a:latin typeface="Gill Sans MT" panose="020B0502020104020203" pitchFamily="34" charset="0"/>
+                </a:rPr>
+                <a:t>Taux de </a:t>
+              </a:r>
+              <a:r>
+                <a:rPr kumimoji="0" lang="fr-FR" altLang="fr-FR" sz="2400" b="0" i="0" u="none" strike="noStrike" cap="none" normalizeH="0" baseline="0" dirty="0">
+                  <a:ln>
+                    <a:noFill/>
+                  </a:ln>
+                  <a:solidFill>
+                    <a:schemeClr val="bg1"/>
+                  </a:solidFill>
+                  <a:effectLst/>
+                  <a:latin typeface="Gill Sans MT" panose="020B0502020104020203" pitchFamily="34" charset="0"/>
+                </a:rPr>
+                <a:t>consultations (freins financiers, prévention négligée).</a:t>
+              </a:r>
+            </a:p>
+          </p:txBody>
+        </p:sp>
+        <p:sp>
+          <p:nvSpPr>
+            <p:cNvPr id="10" name="Rectangle : coins arrondis 9">
+              <a:extLst>
+                <a:ext uri="{FF2B5EF4-FFF2-40B4-BE49-F238E27FC236}">
+                  <a16:creationId xmlns:a16="http://schemas.microsoft.com/office/drawing/2014/main" id="{51CED48A-2836-5BD7-5CAF-7D5AB56B1DCF}"/>
+                </a:ext>
+              </a:extLst>
+            </p:cNvPr>
+            <p:cNvSpPr/>
+            <p:nvPr/>
+          </p:nvSpPr>
+          <p:spPr>
+            <a:xfrm>
+              <a:off x="483476" y="1754909"/>
+              <a:ext cx="4960883" cy="830635"/>
+            </a:xfrm>
+            <a:prstGeom prst="roundRect">
+              <a:avLst>
+                <a:gd name="adj" fmla="val 48010"/>
+              </a:avLst>
+            </a:prstGeom>
+            <a:solidFill>
+              <a:schemeClr val="accent2"/>
+            </a:solidFill>
+            <a:ln>
+              <a:noFill/>
+            </a:ln>
+          </p:spPr>
+          <p:style>
+            <a:lnRef idx="2">
+              <a:schemeClr val="accent1">
+                <a:shade val="15000"/>
+              </a:schemeClr>
+            </a:lnRef>
+            <a:fillRef idx="1">
+              <a:schemeClr val="accent1"/>
+            </a:fillRef>
+            <a:effectRef idx="0">
+              <a:schemeClr val="accent1"/>
+            </a:effectRef>
+            <a:fontRef idx="minor">
+              <a:schemeClr val="lt1"/>
+            </a:fontRef>
+          </p:style>
+          <p:txBody>
+            <a:bodyPr rtlCol="0" anchor="ctr"/>
+            <a:lstStyle/>
+            <a:p>
+              <a:pPr algn="ctr"/>
+              <a:r>
+                <a:rPr lang="fr-FR" sz="2800" dirty="0">
+                  <a:latin typeface="Gill Sans MT" panose="020B0502020104020203" pitchFamily="34" charset="0"/>
+                </a:rPr>
+                <a:t>Effets de débordement spatial</a:t>
+              </a:r>
+            </a:p>
+          </p:txBody>
+        </p:sp>
+      </p:grpSp>
     </p:spTree>
     <p:extLst>
       <p:ext uri="{BB962C8B-B14F-4D97-AF65-F5344CB8AC3E}">
-        <p14:creationId xmlns:p14="http://schemas.microsoft.com/office/powerpoint/2010/main" val="2684318139"/>
+        <p14:creationId xmlns:p14="http://schemas.microsoft.com/office/powerpoint/2010/main" val="2743845950"/>
       </p:ext>
     </p:extLst>
   </p:cSld>
@@ -10937,7 +12683,7 @@
               <a:pPr/>
               <a:t>3</a:t>
             </a:fld>
-            <a:endParaRPr lang="fr-FR"/>
+            <a:endParaRPr lang="fr-FR" dirty="0"/>
           </a:p>
         </p:txBody>
       </p:sp>
@@ -10978,25 +12724,7 @@
                 </a:solidFill>
                 <a:latin typeface="Gill Sans MT" panose="020B0502020104020203" pitchFamily="34" charset="0"/>
               </a:rPr>
-              <a:t>Introduction (</a:t>
-            </a:r>
-            <a:r>
-              <a:rPr lang="fr-FR" sz="3600" b="1" dirty="0">
-                <a:solidFill>
-                  <a:srgbClr val="FF0000"/>
-                </a:solidFill>
-                <a:latin typeface="Gill Sans MT" panose="020B0502020104020203" pitchFamily="34" charset="0"/>
-              </a:rPr>
-              <a:t>Toussaint: revoir sur une seule diapo</a:t>
-            </a:r>
-            <a:r>
-              <a:rPr lang="fr-FR" sz="3600" b="1" dirty="0">
-                <a:solidFill>
-                  <a:schemeClr val="bg1"/>
-                </a:solidFill>
-                <a:latin typeface="Gill Sans MT" panose="020B0502020104020203" pitchFamily="34" charset="0"/>
-              </a:rPr>
-              <a:t>)</a:t>
+              <a:t>Introduction</a:t>
             </a:r>
           </a:p>
         </p:txBody>
@@ -11054,8 +12782,8 @@
         </p:nvSpPr>
         <p:spPr>
           <a:xfrm>
-            <a:off x="0" y="2186070"/>
-            <a:ext cx="12191999" cy="644857"/>
+            <a:off x="2383971" y="1484388"/>
+            <a:ext cx="8871858" cy="906338"/>
           </a:xfrm>
           <a:prstGeom prst="rect">
             <a:avLst/>
@@ -11080,30 +12808,541 @@
               </a:spcAft>
             </a:pPr>
             <a:r>
-              <a:rPr lang="fr-FR" sz="2400" b="1" dirty="0"/>
+              <a:rPr lang="fr-FR" sz="2400" b="1" dirty="0">
+                <a:latin typeface="Gill Sans MT" panose="020B0502020104020203" pitchFamily="34" charset="0"/>
+              </a:rPr>
               <a:t>Disparités territoriales d’accès aux soins en France </a:t>
             </a:r>
             <a:r>
-              <a:rPr lang="fr-FR" sz="2400" dirty="0"/>
+              <a:rPr lang="fr-FR" sz="2400" dirty="0">
+                <a:latin typeface="Gill Sans MT" panose="020B0502020104020203" pitchFamily="34" charset="0"/>
+              </a:rPr>
               <a:t>(3,9 consultations/an en moyenne, mais </a:t>
             </a:r>
             <a:r>
-              <a:rPr lang="fr-FR" sz="2400" b="1" dirty="0"/>
+              <a:rPr lang="fr-FR" sz="2400" b="1" dirty="0">
+                <a:latin typeface="Gill Sans MT" panose="020B0502020104020203" pitchFamily="34" charset="0"/>
+              </a:rPr>
               <a:t>déserts médicaux en zones rurales</a:t>
             </a:r>
             <a:r>
-              <a:rPr lang="fr-FR" sz="2400" dirty="0"/>
+              <a:rPr lang="fr-FR" sz="2400" dirty="0">
+                <a:latin typeface="Gill Sans MT" panose="020B0502020104020203" pitchFamily="34" charset="0"/>
+              </a:rPr>
               <a:t>) (INSEE, 2021).</a:t>
+            </a:r>
+          </a:p>
+        </p:txBody>
+      </p:sp>
+      <p:grpSp>
+        <p:nvGrpSpPr>
+          <p:cNvPr id="7" name="Groupe 6">
+            <a:extLst>
+              <a:ext uri="{FF2B5EF4-FFF2-40B4-BE49-F238E27FC236}">
+                <a16:creationId xmlns:a16="http://schemas.microsoft.com/office/drawing/2014/main" id="{FF5EFF40-3651-5EDB-8412-378CD4EF499A}"/>
+              </a:ext>
+            </a:extLst>
+          </p:cNvPr>
+          <p:cNvGrpSpPr/>
+          <p:nvPr/>
+        </p:nvGrpSpPr>
+        <p:grpSpPr>
+          <a:xfrm>
+            <a:off x="152401" y="1506628"/>
+            <a:ext cx="2100942" cy="538782"/>
+            <a:chOff x="1621972" y="1405339"/>
+            <a:chExt cx="2100942" cy="538782"/>
+          </a:xfrm>
+        </p:grpSpPr>
+        <p:sp>
+          <p:nvSpPr>
+            <p:cNvPr id="5" name="Rectangle : coins arrondis 4">
+              <a:extLst>
+                <a:ext uri="{FF2B5EF4-FFF2-40B4-BE49-F238E27FC236}">
+                  <a16:creationId xmlns:a16="http://schemas.microsoft.com/office/drawing/2014/main" id="{E61FF78D-D4B7-8A0E-3A99-B11CA2BF9D35}"/>
+                </a:ext>
+              </a:extLst>
+            </p:cNvPr>
+            <p:cNvSpPr/>
+            <p:nvPr/>
+          </p:nvSpPr>
+          <p:spPr>
+            <a:xfrm>
+              <a:off x="1959429" y="1405339"/>
+              <a:ext cx="1763485" cy="522872"/>
+            </a:xfrm>
+            <a:prstGeom prst="roundRect">
+              <a:avLst>
+                <a:gd name="adj" fmla="val 50000"/>
+              </a:avLst>
+            </a:prstGeom>
+            <a:solidFill>
+              <a:srgbClr val="006A5A"/>
+            </a:solidFill>
+            <a:ln>
+              <a:noFill/>
+            </a:ln>
+          </p:spPr>
+          <p:style>
+            <a:lnRef idx="2">
+              <a:schemeClr val="accent1">
+                <a:shade val="15000"/>
+              </a:schemeClr>
+            </a:lnRef>
+            <a:fillRef idx="1">
+              <a:schemeClr val="accent1"/>
+            </a:fillRef>
+            <a:effectRef idx="0">
+              <a:schemeClr val="accent1"/>
+            </a:effectRef>
+            <a:fontRef idx="minor">
+              <a:schemeClr val="lt1"/>
+            </a:fontRef>
+          </p:style>
+          <p:txBody>
+            <a:bodyPr rtlCol="0" anchor="ctr"/>
+            <a:lstStyle/>
+            <a:p>
+              <a:pPr algn="ctr"/>
+              <a:r>
+                <a:rPr lang="fr-FR" sz="2400" b="1" dirty="0">
+                  <a:latin typeface="Gill Sans MT" panose="020B0502020104020203" pitchFamily="34" charset="0"/>
+                </a:rPr>
+                <a:t>Contexte</a:t>
+              </a:r>
+            </a:p>
+          </p:txBody>
+        </p:sp>
+        <p:sp>
+          <p:nvSpPr>
+            <p:cNvPr id="6" name="Ellipse 5">
+              <a:extLst>
+                <a:ext uri="{FF2B5EF4-FFF2-40B4-BE49-F238E27FC236}">
+                  <a16:creationId xmlns:a16="http://schemas.microsoft.com/office/drawing/2014/main" id="{CC05190E-5C02-D88A-51CD-8B54185D60C5}"/>
+                </a:ext>
+              </a:extLst>
+            </p:cNvPr>
+            <p:cNvSpPr/>
+            <p:nvPr/>
+          </p:nvSpPr>
+          <p:spPr>
+            <a:xfrm>
+              <a:off x="1621972" y="1421249"/>
+              <a:ext cx="522872" cy="522872"/>
+            </a:xfrm>
+            <a:prstGeom prst="ellipse">
+              <a:avLst/>
+            </a:prstGeom>
+            <a:solidFill>
+              <a:schemeClr val="accent2"/>
+            </a:solidFill>
+            <a:ln>
+              <a:noFill/>
+            </a:ln>
+          </p:spPr>
+          <p:style>
+            <a:lnRef idx="2">
+              <a:schemeClr val="accent1">
+                <a:shade val="15000"/>
+              </a:schemeClr>
+            </a:lnRef>
+            <a:fillRef idx="1">
+              <a:schemeClr val="accent1"/>
+            </a:fillRef>
+            <a:effectRef idx="0">
+              <a:schemeClr val="accent1"/>
+            </a:effectRef>
+            <a:fontRef idx="minor">
+              <a:schemeClr val="lt1"/>
+            </a:fontRef>
+          </p:style>
+          <p:txBody>
+            <a:bodyPr rtlCol="0" anchor="ctr"/>
+            <a:lstStyle/>
+            <a:p>
+              <a:pPr algn="ctr"/>
+              <a:endParaRPr lang="fr-FR"/>
+            </a:p>
+          </p:txBody>
+        </p:sp>
+      </p:grpSp>
+      <p:sp>
+        <p:nvSpPr>
+          <p:cNvPr id="15" name="ZoneTexte 14">
+            <a:extLst>
+              <a:ext uri="{FF2B5EF4-FFF2-40B4-BE49-F238E27FC236}">
+                <a16:creationId xmlns:a16="http://schemas.microsoft.com/office/drawing/2014/main" id="{F0CCCD4C-73B8-500E-6EFC-DBF78E6F546F}"/>
+              </a:ext>
+            </a:extLst>
+          </p:cNvPr>
+          <p:cNvSpPr txBox="1"/>
+          <p:nvPr/>
+        </p:nvSpPr>
+        <p:spPr>
+          <a:xfrm>
+            <a:off x="3271035" y="2647574"/>
+            <a:ext cx="7984793" cy="644857"/>
+          </a:xfrm>
+          <a:prstGeom prst="rect">
+            <a:avLst/>
+          </a:prstGeom>
+          <a:noFill/>
+        </p:spPr>
+        <p:txBody>
+          <a:bodyPr wrap="square">
+            <a:spAutoFit/>
+          </a:bodyPr>
+          <a:lstStyle/>
+          <a:p>
+            <a:pPr algn="just">
+              <a:lnSpc>
+                <a:spcPts val="2143"/>
+              </a:lnSpc>
+              <a:spcBef>
+                <a:spcPts val="1029"/>
+              </a:spcBef>
+              <a:spcAft>
+                <a:spcPts val="1029"/>
+              </a:spcAft>
+            </a:pPr>
+            <a:r>
+              <a:rPr lang="fr-FR" sz="2400" b="0" i="0" dirty="0">
+                <a:solidFill>
+                  <a:srgbClr val="404040"/>
+                </a:solidFill>
+                <a:effectLst/>
+                <a:latin typeface="Gill Sans MT" panose="020B0502020104020203" pitchFamily="34" charset="0"/>
+              </a:rPr>
+              <a:t>Identifier les facteurs socio-économiques, démographiques et spatiaux influençant le taux de consultations</a:t>
+            </a:r>
+            <a:endParaRPr lang="fr-FR" sz="2400" dirty="0">
+              <a:latin typeface="Gill Sans MT" panose="020B0502020104020203" pitchFamily="34" charset="0"/>
+            </a:endParaRPr>
+          </a:p>
+        </p:txBody>
+      </p:sp>
+      <p:grpSp>
+        <p:nvGrpSpPr>
+          <p:cNvPr id="19" name="Groupe 18">
+            <a:extLst>
+              <a:ext uri="{FF2B5EF4-FFF2-40B4-BE49-F238E27FC236}">
+                <a16:creationId xmlns:a16="http://schemas.microsoft.com/office/drawing/2014/main" id="{B32077B7-68FF-8583-E5BA-6D4C6199B2FF}"/>
+              </a:ext>
+            </a:extLst>
+          </p:cNvPr>
+          <p:cNvGrpSpPr/>
+          <p:nvPr/>
+        </p:nvGrpSpPr>
+        <p:grpSpPr>
+          <a:xfrm>
+            <a:off x="152401" y="2624966"/>
+            <a:ext cx="2883995" cy="538782"/>
+            <a:chOff x="1621972" y="1405339"/>
+            <a:chExt cx="2883995" cy="538782"/>
+          </a:xfrm>
+        </p:grpSpPr>
+        <p:sp>
+          <p:nvSpPr>
+            <p:cNvPr id="20" name="Rectangle : coins arrondis 19">
+              <a:extLst>
+                <a:ext uri="{FF2B5EF4-FFF2-40B4-BE49-F238E27FC236}">
+                  <a16:creationId xmlns:a16="http://schemas.microsoft.com/office/drawing/2014/main" id="{3F06EF53-242C-6BF9-C239-E6386CD4EE98}"/>
+                </a:ext>
+              </a:extLst>
+            </p:cNvPr>
+            <p:cNvSpPr/>
+            <p:nvPr/>
+          </p:nvSpPr>
+          <p:spPr>
+            <a:xfrm>
+              <a:off x="1959429" y="1405339"/>
+              <a:ext cx="2546538" cy="522872"/>
+            </a:xfrm>
+            <a:prstGeom prst="roundRect">
+              <a:avLst>
+                <a:gd name="adj" fmla="val 50000"/>
+              </a:avLst>
+            </a:prstGeom>
+            <a:solidFill>
+              <a:srgbClr val="006A5A"/>
+            </a:solidFill>
+            <a:ln>
+              <a:noFill/>
+            </a:ln>
+          </p:spPr>
+          <p:style>
+            <a:lnRef idx="2">
+              <a:schemeClr val="accent1">
+                <a:shade val="15000"/>
+              </a:schemeClr>
+            </a:lnRef>
+            <a:fillRef idx="1">
+              <a:schemeClr val="accent1"/>
+            </a:fillRef>
+            <a:effectRef idx="0">
+              <a:schemeClr val="accent1"/>
+            </a:effectRef>
+            <a:fontRef idx="minor">
+              <a:schemeClr val="lt1"/>
+            </a:fontRef>
+          </p:style>
+          <p:txBody>
+            <a:bodyPr rtlCol="0" anchor="ctr"/>
+            <a:lstStyle/>
+            <a:p>
+              <a:pPr algn="ctr"/>
+              <a:r>
+                <a:rPr lang="fr-FR" sz="2400" b="1" dirty="0">
+                  <a:latin typeface="Gill Sans MT" panose="020B0502020104020203" pitchFamily="34" charset="0"/>
+                </a:rPr>
+                <a:t>Problématique</a:t>
+              </a:r>
+            </a:p>
+          </p:txBody>
+        </p:sp>
+        <p:sp>
+          <p:nvSpPr>
+            <p:cNvPr id="21" name="Ellipse 20">
+              <a:extLst>
+                <a:ext uri="{FF2B5EF4-FFF2-40B4-BE49-F238E27FC236}">
+                  <a16:creationId xmlns:a16="http://schemas.microsoft.com/office/drawing/2014/main" id="{FCDD2A58-1E7E-68A5-7E44-A3204A77B173}"/>
+                </a:ext>
+              </a:extLst>
+            </p:cNvPr>
+            <p:cNvSpPr/>
+            <p:nvPr/>
+          </p:nvSpPr>
+          <p:spPr>
+            <a:xfrm>
+              <a:off x="1621972" y="1421249"/>
+              <a:ext cx="522872" cy="522872"/>
+            </a:xfrm>
+            <a:prstGeom prst="ellipse">
+              <a:avLst/>
+            </a:prstGeom>
+            <a:solidFill>
+              <a:schemeClr val="accent2"/>
+            </a:solidFill>
+            <a:ln>
+              <a:noFill/>
+            </a:ln>
+          </p:spPr>
+          <p:style>
+            <a:lnRef idx="2">
+              <a:schemeClr val="accent1">
+                <a:shade val="15000"/>
+              </a:schemeClr>
+            </a:lnRef>
+            <a:fillRef idx="1">
+              <a:schemeClr val="accent1"/>
+            </a:fillRef>
+            <a:effectRef idx="0">
+              <a:schemeClr val="accent1"/>
+            </a:effectRef>
+            <a:fontRef idx="minor">
+              <a:schemeClr val="lt1"/>
+            </a:fontRef>
+          </p:style>
+          <p:txBody>
+            <a:bodyPr rtlCol="0" anchor="ctr"/>
+            <a:lstStyle/>
+            <a:p>
+              <a:pPr algn="ctr"/>
+              <a:endParaRPr lang="fr-FR"/>
+            </a:p>
+          </p:txBody>
+        </p:sp>
+      </p:grpSp>
+      <p:grpSp>
+        <p:nvGrpSpPr>
+          <p:cNvPr id="22" name="Groupe 21">
+            <a:extLst>
+              <a:ext uri="{FF2B5EF4-FFF2-40B4-BE49-F238E27FC236}">
+                <a16:creationId xmlns:a16="http://schemas.microsoft.com/office/drawing/2014/main" id="{D6D82661-F38D-D88D-F8AC-3A6EAB4450B0}"/>
+              </a:ext>
+            </a:extLst>
+          </p:cNvPr>
+          <p:cNvGrpSpPr/>
+          <p:nvPr/>
+        </p:nvGrpSpPr>
+        <p:grpSpPr>
+          <a:xfrm>
+            <a:off x="152401" y="3669997"/>
+            <a:ext cx="2024742" cy="538782"/>
+            <a:chOff x="1621972" y="1405339"/>
+            <a:chExt cx="2024742" cy="538782"/>
+          </a:xfrm>
+        </p:grpSpPr>
+        <p:sp>
+          <p:nvSpPr>
+            <p:cNvPr id="23" name="Rectangle : coins arrondis 22">
+              <a:extLst>
+                <a:ext uri="{FF2B5EF4-FFF2-40B4-BE49-F238E27FC236}">
+                  <a16:creationId xmlns:a16="http://schemas.microsoft.com/office/drawing/2014/main" id="{0B4B3CA1-25EE-0DBC-61A6-EACDC061F948}"/>
+                </a:ext>
+              </a:extLst>
+            </p:cNvPr>
+            <p:cNvSpPr/>
+            <p:nvPr/>
+          </p:nvSpPr>
+          <p:spPr>
+            <a:xfrm>
+              <a:off x="1959429" y="1405339"/>
+              <a:ext cx="1687285" cy="522872"/>
+            </a:xfrm>
+            <a:prstGeom prst="roundRect">
+              <a:avLst>
+                <a:gd name="adj" fmla="val 50000"/>
+              </a:avLst>
+            </a:prstGeom>
+            <a:solidFill>
+              <a:srgbClr val="006A5A"/>
+            </a:solidFill>
+            <a:ln>
+              <a:noFill/>
+            </a:ln>
+          </p:spPr>
+          <p:style>
+            <a:lnRef idx="2">
+              <a:schemeClr val="accent1">
+                <a:shade val="15000"/>
+              </a:schemeClr>
+            </a:lnRef>
+            <a:fillRef idx="1">
+              <a:schemeClr val="accent1"/>
+            </a:fillRef>
+            <a:effectRef idx="0">
+              <a:schemeClr val="accent1"/>
+            </a:effectRef>
+            <a:fontRef idx="minor">
+              <a:schemeClr val="lt1"/>
+            </a:fontRef>
+          </p:style>
+          <p:txBody>
+            <a:bodyPr rtlCol="0" anchor="ctr"/>
+            <a:lstStyle/>
+            <a:p>
+              <a:pPr algn="ctr"/>
+              <a:r>
+                <a:rPr lang="fr-FR" sz="2400" b="1" dirty="0">
+                  <a:latin typeface="Gill Sans MT" panose="020B0502020104020203" pitchFamily="34" charset="0"/>
+                </a:rPr>
+                <a:t>Objectifs</a:t>
+              </a:r>
+            </a:p>
+          </p:txBody>
+        </p:sp>
+        <p:sp>
+          <p:nvSpPr>
+            <p:cNvPr id="24" name="Ellipse 23">
+              <a:extLst>
+                <a:ext uri="{FF2B5EF4-FFF2-40B4-BE49-F238E27FC236}">
+                  <a16:creationId xmlns:a16="http://schemas.microsoft.com/office/drawing/2014/main" id="{14B93CAC-4DFB-F0BB-8646-C8C6109CC018}"/>
+                </a:ext>
+              </a:extLst>
+            </p:cNvPr>
+            <p:cNvSpPr/>
+            <p:nvPr/>
+          </p:nvSpPr>
+          <p:spPr>
+            <a:xfrm>
+              <a:off x="1621972" y="1421249"/>
+              <a:ext cx="522872" cy="522872"/>
+            </a:xfrm>
+            <a:prstGeom prst="ellipse">
+              <a:avLst/>
+            </a:prstGeom>
+            <a:solidFill>
+              <a:schemeClr val="accent2"/>
+            </a:solidFill>
+            <a:ln>
+              <a:noFill/>
+            </a:ln>
+          </p:spPr>
+          <p:style>
+            <a:lnRef idx="2">
+              <a:schemeClr val="accent1">
+                <a:shade val="15000"/>
+              </a:schemeClr>
+            </a:lnRef>
+            <a:fillRef idx="1">
+              <a:schemeClr val="accent1"/>
+            </a:fillRef>
+            <a:effectRef idx="0">
+              <a:schemeClr val="accent1"/>
+            </a:effectRef>
+            <a:fontRef idx="minor">
+              <a:schemeClr val="lt1"/>
+            </a:fontRef>
+          </p:style>
+          <p:txBody>
+            <a:bodyPr rtlCol="0" anchor="ctr"/>
+            <a:lstStyle/>
+            <a:p>
+              <a:pPr algn="ctr"/>
+              <a:endParaRPr lang="fr-FR"/>
+            </a:p>
+          </p:txBody>
+        </p:sp>
+      </p:grpSp>
+      <p:sp>
+        <p:nvSpPr>
+          <p:cNvPr id="25" name="ZoneTexte 24">
+            <a:extLst>
+              <a:ext uri="{FF2B5EF4-FFF2-40B4-BE49-F238E27FC236}">
+                <a16:creationId xmlns:a16="http://schemas.microsoft.com/office/drawing/2014/main" id="{5272EEDB-5531-D0B6-EBD6-2438CB98641A}"/>
+              </a:ext>
+            </a:extLst>
+          </p:cNvPr>
+          <p:cNvSpPr txBox="1"/>
+          <p:nvPr/>
+        </p:nvSpPr>
+        <p:spPr>
+          <a:xfrm>
+            <a:off x="1997528" y="3847080"/>
+            <a:ext cx="8392885" cy="367729"/>
+          </a:xfrm>
+          <a:prstGeom prst="rect">
+            <a:avLst/>
+          </a:prstGeom>
+          <a:noFill/>
+        </p:spPr>
+        <p:txBody>
+          <a:bodyPr wrap="square">
+            <a:spAutoFit/>
+          </a:bodyPr>
+          <a:lstStyle/>
+          <a:p>
+            <a:pPr lvl="1" algn="ctr">
+              <a:lnSpc>
+                <a:spcPts val="2143"/>
+              </a:lnSpc>
+              <a:spcBef>
+                <a:spcPts val="300"/>
+              </a:spcBef>
+              <a:spcAft>
+                <a:spcPts val="1029"/>
+              </a:spcAft>
+            </a:pPr>
+            <a:r>
+              <a:rPr lang="fr-FR" sz="2400" b="0" i="0" dirty="0">
+                <a:solidFill>
+                  <a:srgbClr val="404040"/>
+                </a:solidFill>
+                <a:effectLst/>
+                <a:latin typeface="Gill Sans MT" panose="020B0502020104020203" pitchFamily="34" charset="0"/>
+              </a:rPr>
+              <a:t>Modéliser le taux de consultations avec une approche spatiale.</a:t>
             </a:r>
           </a:p>
         </p:txBody>
       </p:sp>
       <p:sp>
         <p:nvSpPr>
-          <p:cNvPr id="9" name="Flèche : bas 8">
+          <p:cNvPr id="28" name="Rectangle : coins arrondis 27">
             <a:extLst>
               <a:ext uri="{FF2B5EF4-FFF2-40B4-BE49-F238E27FC236}">
-                <a16:creationId xmlns:a16="http://schemas.microsoft.com/office/drawing/2014/main" id="{6FBA090B-867E-37B7-B9BA-BFD094911B54}"/>
+                <a16:creationId xmlns:a16="http://schemas.microsoft.com/office/drawing/2014/main" id="{24C3065A-1C45-96EA-E252-8CF3DCA501CC}"/>
               </a:ext>
             </a:extLst>
           </p:cNvPr>
@@ -11112,15 +13351,20 @@
         </p:nvSpPr>
         <p:spPr>
           <a:xfrm>
-            <a:off x="5853682" y="2880332"/>
-            <a:ext cx="680682" cy="541453"/>
+            <a:off x="2177143" y="4354905"/>
+            <a:ext cx="8599713" cy="2209181"/>
           </a:xfrm>
-          <a:prstGeom prst="downArrow">
-            <a:avLst/>
+          <a:prstGeom prst="roundRect">
+            <a:avLst>
+              <a:gd name="adj" fmla="val 25536"/>
+            </a:avLst>
           </a:prstGeom>
-          <a:solidFill>
-            <a:srgbClr val="006A5A"/>
-          </a:solidFill>
+          <a:noFill/>
+          <a:ln w="38100">
+            <a:solidFill>
+              <a:srgbClr val="006A5A"/>
+            </a:solidFill>
+          </a:ln>
         </p:spPr>
         <p:style>
           <a:lnRef idx="2">
@@ -11143,16 +13387,16 @@
           <a:lstStyle/>
           <a:p>
             <a:pPr algn="ctr"/>
-            <a:endParaRPr lang="en-US"/>
+            <a:endParaRPr lang="fr-FR"/>
           </a:p>
         </p:txBody>
       </p:sp>
       <p:sp>
         <p:nvSpPr>
-          <p:cNvPr id="11" name="ZoneTexte 10">
+          <p:cNvPr id="29" name="ZoneTexte 28">
             <a:extLst>
               <a:ext uri="{FF2B5EF4-FFF2-40B4-BE49-F238E27FC236}">
-                <a16:creationId xmlns:a16="http://schemas.microsoft.com/office/drawing/2014/main" id="{DE44A447-12A0-D5D3-CD89-4C3290013389}"/>
+                <a16:creationId xmlns:a16="http://schemas.microsoft.com/office/drawing/2014/main" id="{7C997150-358C-394F-6876-D61E7CFCA646}"/>
               </a:ext>
             </a:extLst>
           </p:cNvPr>
@@ -11161,8 +13405,8 @@
         </p:nvSpPr>
         <p:spPr>
           <a:xfrm>
-            <a:off x="-1" y="3471190"/>
-            <a:ext cx="12192000" cy="1569660"/>
+            <a:off x="1894115" y="4559633"/>
+            <a:ext cx="8599712" cy="1799723"/>
           </a:xfrm>
           <a:prstGeom prst="rect">
             <a:avLst/>
@@ -11175,104 +13419,74 @@
           </a:bodyPr>
           <a:lstStyle/>
           <a:p>
-            <a:pPr algn="just"/>
-            <a:r>
-              <a:rPr lang="fr-FR" sz="2400" dirty="0"/>
-              <a:t>Dans des </a:t>
-            </a:r>
-            <a:r>
-              <a:rPr lang="fr-FR" sz="2400" b="1" dirty="0"/>
-              <a:t>zones sous-dotées</a:t>
-            </a:r>
-            <a:r>
-              <a:rPr lang="fr-FR" sz="2400" dirty="0"/>
-              <a:t>, identifiées comme des zones d’intervention prioritaire (ZIP), les </a:t>
-            </a:r>
-            <a:r>
-              <a:rPr lang="fr-FR" sz="2400" b="1" dirty="0"/>
-              <a:t>professionnels de santé tendent à intensifier leur charge de travail</a:t>
-            </a:r>
-            <a:r>
-              <a:rPr lang="fr-FR" sz="2400" dirty="0"/>
-              <a:t> pour répondre à une demande croissante, ce qui pourrait affecter la </a:t>
-            </a:r>
-            <a:r>
-              <a:rPr lang="fr-FR" sz="2400" b="1" dirty="0"/>
-              <a:t>qualité des soins médicaux fournis </a:t>
-            </a:r>
-            <a:r>
-              <a:rPr lang="fr-FR" sz="2400" dirty="0"/>
-              <a:t>(INSEE, 2020). Cette situation affecte donc de façon directe la </a:t>
-            </a:r>
-            <a:r>
-              <a:rPr lang="fr-FR" sz="2400" b="1" dirty="0"/>
-              <a:t>santé des populations locales</a:t>
-            </a:r>
-            <a:r>
-              <a:rPr lang="fr-FR" sz="2400" dirty="0"/>
-              <a:t>.</a:t>
-            </a:r>
-            <a:endParaRPr lang="en-US" sz="2400" dirty="0"/>
-          </a:p>
-        </p:txBody>
-      </p:sp>
-      <p:sp>
-        <p:nvSpPr>
-          <p:cNvPr id="13" name="ZoneTexte 12">
-            <a:extLst>
-              <a:ext uri="{FF2B5EF4-FFF2-40B4-BE49-F238E27FC236}">
-                <a16:creationId xmlns:a16="http://schemas.microsoft.com/office/drawing/2014/main" id="{FE8FA23B-61E8-7CBD-ECE3-556334FDE01F}"/>
-              </a:ext>
-            </a:extLst>
-          </p:cNvPr>
-          <p:cNvSpPr txBox="1"/>
-          <p:nvPr/>
-        </p:nvSpPr>
-        <p:spPr>
-          <a:xfrm>
-            <a:off x="0" y="1463893"/>
-            <a:ext cx="12192000" cy="402674"/>
-          </a:xfrm>
-          <a:prstGeom prst="rect">
-            <a:avLst/>
-          </a:prstGeom>
-          <a:solidFill>
-            <a:srgbClr val="006A5A"/>
-          </a:solidFill>
-        </p:spPr>
-        <p:txBody>
-          <a:bodyPr wrap="square">
-            <a:spAutoFit/>
-          </a:bodyPr>
-          <a:lstStyle/>
-          <a:p>
-            <a:pPr algn="ctr">
+            <a:pPr marL="914400" lvl="1" indent="-457200" algn="just">
               <a:lnSpc>
                 <a:spcPts val="2143"/>
               </a:lnSpc>
               <a:spcBef>
-                <a:spcPts val="1029"/>
+                <a:spcPts val="300"/>
               </a:spcBef>
               <a:spcAft>
                 <a:spcPts val="1029"/>
               </a:spcAft>
+              <a:buFont typeface="+mj-lt"/>
+              <a:buAutoNum type="arabicPeriod"/>
             </a:pPr>
             <a:r>
-              <a:rPr lang="fr-FR" sz="3200" b="1" i="0" dirty="0">
+              <a:rPr lang="fr-FR" sz="2400" dirty="0">
                 <a:solidFill>
-                  <a:schemeClr val="bg1"/>
+                  <a:srgbClr val="404040"/>
+                </a:solidFill>
+                <a:latin typeface="Gill Sans MT" panose="020B0502020104020203" pitchFamily="34" charset="0"/>
+              </a:rPr>
+              <a:t>Visualiser la répartition spatiale de ces taux en vue d’identifier les zones à fort et faible taux</a:t>
+            </a:r>
+          </a:p>
+          <a:p>
+            <a:pPr marL="914400" lvl="1" indent="-457200" algn="just">
+              <a:lnSpc>
+                <a:spcPts val="2143"/>
+              </a:lnSpc>
+              <a:spcBef>
+                <a:spcPts val="300"/>
+              </a:spcBef>
+              <a:spcAft>
+                <a:spcPts val="1029"/>
+              </a:spcAft>
+              <a:buFont typeface="+mj-lt"/>
+              <a:buAutoNum type="arabicPeriod"/>
+            </a:pPr>
+            <a:r>
+              <a:rPr lang="fr-FR" sz="2400" dirty="0">
+                <a:latin typeface="Gill Sans MT" panose="020B0502020104020203" pitchFamily="34" charset="0"/>
+              </a:rPr>
+              <a:t>Identifier les facteurs socio-économiques et démographiques qui influencent le taux de consultations</a:t>
+            </a:r>
+          </a:p>
+          <a:p>
+            <a:pPr marL="914400" lvl="1" indent="-457200" algn="just">
+              <a:lnSpc>
+                <a:spcPts val="2143"/>
+              </a:lnSpc>
+              <a:spcBef>
+                <a:spcPts val="300"/>
+              </a:spcBef>
+              <a:spcAft>
+                <a:spcPts val="1029"/>
+              </a:spcAft>
+              <a:buFont typeface="+mj-lt"/>
+              <a:buAutoNum type="arabicPeriod"/>
+            </a:pPr>
+            <a:r>
+              <a:rPr lang="fr-FR" sz="2400" b="0" i="0" dirty="0">
+                <a:solidFill>
+                  <a:srgbClr val="404040"/>
                 </a:solidFill>
                 <a:effectLst/>
-                <a:latin typeface="DeepSeek-CJK-patch"/>
+                <a:latin typeface="Gill Sans MT" panose="020B0502020104020203" pitchFamily="34" charset="0"/>
               </a:rPr>
-              <a:t>Contexte</a:t>
-            </a:r>
-            <a:endParaRPr lang="fr-FR" sz="3200" dirty="0">
-              <a:solidFill>
-                <a:schemeClr val="bg1"/>
-              </a:solidFill>
-              <a:latin typeface="DeepSeek-CJK-patch"/>
-            </a:endParaRPr>
+              <a:t>Proposer des recommandations pour réduire les inégalités.</a:t>
+            </a:r>
           </a:p>
         </p:txBody>
       </p:sp>
@@ -11297,7 +13511,7 @@
         <p:cNvPr id="1" name="">
           <a:extLst>
             <a:ext uri="{FF2B5EF4-FFF2-40B4-BE49-F238E27FC236}">
-              <a16:creationId xmlns:a16="http://schemas.microsoft.com/office/drawing/2014/main" id="{6404518D-9B83-A97A-B402-64AD57E2AE10}"/>
+              <a16:creationId xmlns:a16="http://schemas.microsoft.com/office/drawing/2014/main" id="{4BB2DA57-6340-B51A-0138-F7E466F7B1C1}"/>
             </a:ext>
           </a:extLst>
         </p:cNvPr>
@@ -11317,7 +13531,7 @@
           <p:cNvPr id="2" name="Espace réservé du numéro de diapositive 1">
             <a:extLst>
               <a:ext uri="{FF2B5EF4-FFF2-40B4-BE49-F238E27FC236}">
-                <a16:creationId xmlns:a16="http://schemas.microsoft.com/office/drawing/2014/main" id="{7675A0EF-2B93-9A84-E82F-8E4533DAF721}"/>
+                <a16:creationId xmlns:a16="http://schemas.microsoft.com/office/drawing/2014/main" id="{86BD4D69-6F1A-835C-E358-49CD0FDC94F8}"/>
               </a:ext>
             </a:extLst>
           </p:cNvPr>
@@ -11347,10 +13561,614 @@
           </a:p>
         </p:txBody>
       </p:sp>
+      <p:sp>
+        <p:nvSpPr>
+          <p:cNvPr id="3" name="ZoneTexte 2">
+            <a:extLst>
+              <a:ext uri="{FF2B5EF4-FFF2-40B4-BE49-F238E27FC236}">
+                <a16:creationId xmlns:a16="http://schemas.microsoft.com/office/drawing/2014/main" id="{6125E550-3C37-FB8E-F802-5A06CE4EF6E6}"/>
+              </a:ext>
+            </a:extLst>
+          </p:cNvPr>
+          <p:cNvSpPr txBox="1"/>
+          <p:nvPr/>
+        </p:nvSpPr>
+        <p:spPr>
+          <a:xfrm>
+            <a:off x="2" y="532969"/>
+            <a:ext cx="12191999" cy="646331"/>
+          </a:xfrm>
+          <a:prstGeom prst="rect">
+            <a:avLst/>
+          </a:prstGeom>
+          <a:solidFill>
+            <a:srgbClr val="006A5A"/>
+          </a:solidFill>
+        </p:spPr>
+        <p:txBody>
+          <a:bodyPr wrap="square" rtlCol="0">
+            <a:spAutoFit/>
+          </a:bodyPr>
+          <a:lstStyle/>
+          <a:p>
+            <a:r>
+              <a:rPr lang="fr-FR" sz="3600" b="1" dirty="0">
+                <a:solidFill>
+                  <a:schemeClr val="bg1"/>
+                </a:solidFill>
+                <a:latin typeface="Gill Sans MT" panose="020B0502020104020203" pitchFamily="34" charset="0"/>
+              </a:rPr>
+              <a:t>5.2. Effets spatiaux et implications politiques</a:t>
+            </a:r>
+          </a:p>
+        </p:txBody>
+      </p:sp>
+      <p:pic>
+        <p:nvPicPr>
+          <p:cNvPr id="4" name="Graphique 3" descr="Flèches de chevron">
+            <a:extLst>
+              <a:ext uri="{FF2B5EF4-FFF2-40B4-BE49-F238E27FC236}">
+                <a16:creationId xmlns:a16="http://schemas.microsoft.com/office/drawing/2014/main" id="{FC9E72C5-C182-80D6-9567-B143730B966D}"/>
+              </a:ext>
+            </a:extLst>
+          </p:cNvPr>
+          <p:cNvPicPr>
+            <a:picLocks noChangeAspect="1"/>
+          </p:cNvPicPr>
+          <p:nvPr/>
+        </p:nvPicPr>
+        <p:blipFill>
+          <a:blip r:embed="rId3">
+            <a:extLst>
+              <a:ext uri="{28A0092B-C50C-407E-A947-70E740481C1C}">
+                <a14:useLocalDpi xmlns:a14="http://schemas.microsoft.com/office/drawing/2010/main" val="0"/>
+              </a:ext>
+              <a:ext uri="{96DAC541-7B7A-43D3-8B79-37D633B846F1}">
+                <asvg:svgBlip xmlns:asvg="http://schemas.microsoft.com/office/drawing/2016/SVG/main" r:embed="rId4"/>
+              </a:ext>
+            </a:extLst>
+          </a:blip>
+          <a:stretch>
+            <a:fillRect/>
+          </a:stretch>
+        </p:blipFill>
+        <p:spPr>
+          <a:xfrm>
+            <a:off x="11078692" y="266700"/>
+            <a:ext cx="1170459" cy="1170459"/>
+          </a:xfrm>
+          <a:prstGeom prst="rect">
+            <a:avLst/>
+          </a:prstGeom>
+        </p:spPr>
+      </p:pic>
+      <p:grpSp>
+        <p:nvGrpSpPr>
+          <p:cNvPr id="15" name="Groupe 14">
+            <a:extLst>
+              <a:ext uri="{FF2B5EF4-FFF2-40B4-BE49-F238E27FC236}">
+                <a16:creationId xmlns:a16="http://schemas.microsoft.com/office/drawing/2014/main" id="{72F4E1F8-2A4E-A451-CE79-5BC07BD2FB4A}"/>
+              </a:ext>
+            </a:extLst>
+          </p:cNvPr>
+          <p:cNvGrpSpPr/>
+          <p:nvPr/>
+        </p:nvGrpSpPr>
+        <p:grpSpPr>
+          <a:xfrm>
+            <a:off x="210208" y="1754909"/>
+            <a:ext cx="5549461" cy="4299050"/>
+            <a:chOff x="210208" y="1754909"/>
+            <a:chExt cx="5549461" cy="4299050"/>
+          </a:xfrm>
+        </p:grpSpPr>
+        <p:sp>
+          <p:nvSpPr>
+            <p:cNvPr id="8" name="Rectangle : coins arrondis 7">
+              <a:extLst>
+                <a:ext uri="{FF2B5EF4-FFF2-40B4-BE49-F238E27FC236}">
+                  <a16:creationId xmlns:a16="http://schemas.microsoft.com/office/drawing/2014/main" id="{328FAB0F-BB37-98D8-4C9D-8B6DCFEFAE83}"/>
+                </a:ext>
+              </a:extLst>
+            </p:cNvPr>
+            <p:cNvSpPr/>
+            <p:nvPr/>
+          </p:nvSpPr>
+          <p:spPr>
+            <a:xfrm>
+              <a:off x="210208" y="2226075"/>
+              <a:ext cx="5549461" cy="3827884"/>
+            </a:xfrm>
+            <a:prstGeom prst="roundRect">
+              <a:avLst/>
+            </a:prstGeom>
+            <a:solidFill>
+              <a:srgbClr val="006A5A"/>
+            </a:solidFill>
+            <a:ln>
+              <a:noFill/>
+            </a:ln>
+          </p:spPr>
+          <p:style>
+            <a:lnRef idx="2">
+              <a:schemeClr val="accent1">
+                <a:shade val="15000"/>
+              </a:schemeClr>
+            </a:lnRef>
+            <a:fillRef idx="1">
+              <a:schemeClr val="accent1"/>
+            </a:fillRef>
+            <a:effectRef idx="0">
+              <a:schemeClr val="accent1"/>
+            </a:effectRef>
+            <a:fontRef idx="minor">
+              <a:schemeClr val="lt1"/>
+            </a:fontRef>
+          </p:style>
+          <p:txBody>
+            <a:bodyPr rtlCol="0" anchor="ctr"/>
+            <a:lstStyle/>
+            <a:p>
+              <a:pPr algn="ctr"/>
+              <a:endParaRPr lang="fr-FR" dirty="0">
+                <a:latin typeface="Gill Sans MT" panose="020B0502020104020203" pitchFamily="34" charset="0"/>
+              </a:endParaRPr>
+            </a:p>
+          </p:txBody>
+        </p:sp>
+        <p:sp>
+          <p:nvSpPr>
+            <p:cNvPr id="9" name="Rectangle 1">
+              <a:extLst>
+                <a:ext uri="{FF2B5EF4-FFF2-40B4-BE49-F238E27FC236}">
+                  <a16:creationId xmlns:a16="http://schemas.microsoft.com/office/drawing/2014/main" id="{AAB74665-1EC2-4BE0-6E19-F1832D018936}"/>
+                </a:ext>
+              </a:extLst>
+            </p:cNvPr>
+            <p:cNvSpPr>
+              <a:spLocks noChangeArrowheads="1"/>
+            </p:cNvSpPr>
+            <p:nvPr/>
+          </p:nvSpPr>
+          <p:spPr bwMode="auto">
+            <a:xfrm>
+              <a:off x="320565" y="3094556"/>
+              <a:ext cx="4960883" cy="2797241"/>
+            </a:xfrm>
+            <a:prstGeom prst="rect">
+              <a:avLst/>
+            </a:prstGeom>
+            <a:noFill/>
+            <a:ln>
+              <a:noFill/>
+            </a:ln>
+            <a:effectLst/>
+            <a:extLst>
+              <a:ext uri="{909E8E84-426E-40DD-AFC4-6F175D3DCCD1}">
+                <a14:hiddenFill xmlns:a14="http://schemas.microsoft.com/office/drawing/2010/main">
+                  <a:solidFill>
+                    <a:schemeClr val="accent1"/>
+                  </a:solidFill>
+                </a14:hiddenFill>
+              </a:ext>
+              <a:ext uri="{91240B29-F687-4F45-9708-019B960494DF}">
+                <a14:hiddenLine xmlns:a14="http://schemas.microsoft.com/office/drawing/2010/main" w="9525">
+                  <a:solidFill>
+                    <a:schemeClr val="tx1"/>
+                  </a:solidFill>
+                  <a:miter lim="800000"/>
+                  <a:headEnd/>
+                  <a:tailEnd/>
+                </a14:hiddenLine>
+              </a:ext>
+              <a:ext uri="{AF507438-7753-43E0-B8FC-AC1667EBCBE1}">
+                <a14:hiddenEffects xmlns:a14="http://schemas.microsoft.com/office/drawing/2010/main">
+                  <a:effectLst>
+                    <a:outerShdw dist="35921" dir="2700000" algn="ctr" rotWithShape="0">
+                      <a:schemeClr val="bg2"/>
+                    </a:outerShdw>
+                  </a:effectLst>
+                </a14:hiddenEffects>
+              </a:ext>
+            </a:extLst>
+          </p:spPr>
+          <p:txBody>
+            <a:bodyPr vert="horz" wrap="square" lIns="91440" tIns="45720" rIns="91440" bIns="45720" numCol="1" anchor="ctr" anchorCtr="0" compatLnSpc="1">
+              <a:prstTxWarp prst="textNoShape">
+                <a:avLst/>
+              </a:prstTxWarp>
+              <a:spAutoFit/>
+            </a:bodyPr>
+            <a:lstStyle/>
+            <a:p>
+              <a:pPr marL="285750" marR="0" lvl="0" indent="-285750" algn="just" defTabSz="914400" rtl="0" eaLnBrk="0" fontAlgn="base" latinLnBrk="0" hangingPunct="0">
+                <a:lnSpc>
+                  <a:spcPct val="150000"/>
+                </a:lnSpc>
+                <a:spcBef>
+                  <a:spcPct val="0"/>
+                </a:spcBef>
+                <a:spcAft>
+                  <a:spcPct val="0"/>
+                </a:spcAft>
+                <a:buClrTx/>
+                <a:buSzTx/>
+                <a:buFont typeface="Arial" panose="020B0604020202020204" pitchFamily="34" charset="0"/>
+                <a:buChar char="•"/>
+                <a:tabLst/>
+              </a:pPr>
+              <a:r>
+                <a:rPr kumimoji="0" lang="fr-FR" altLang="fr-FR" sz="2400" b="0" i="0" u="none" strike="noStrike" cap="none" normalizeH="0" baseline="0" dirty="0">
+                  <a:ln>
+                    <a:noFill/>
+                  </a:ln>
+                  <a:solidFill>
+                    <a:schemeClr val="bg1"/>
+                  </a:solidFill>
+                  <a:effectLst/>
+                  <a:latin typeface="Gill Sans MT" panose="020B0502020104020203" pitchFamily="34" charset="0"/>
+                </a:rPr>
+                <a:t>Les communes voisines influencent le taux de consultation d’une commune.</a:t>
+              </a:r>
+            </a:p>
+            <a:p>
+              <a:pPr marL="285750" marR="0" lvl="0" indent="-285750" algn="just" defTabSz="914400" rtl="0" eaLnBrk="0" fontAlgn="base" latinLnBrk="0" hangingPunct="0">
+                <a:lnSpc>
+                  <a:spcPct val="150000"/>
+                </a:lnSpc>
+                <a:spcBef>
+                  <a:spcPct val="0"/>
+                </a:spcBef>
+                <a:spcAft>
+                  <a:spcPct val="0"/>
+                </a:spcAft>
+                <a:buClrTx/>
+                <a:buSzTx/>
+                <a:buFont typeface="Arial" panose="020B0604020202020204" pitchFamily="34" charset="0"/>
+                <a:buChar char="•"/>
+                <a:tabLst/>
+              </a:pPr>
+              <a:r>
+                <a:rPr kumimoji="0" lang="fr-FR" altLang="fr-FR" sz="2400" b="0" i="0" u="none" strike="noStrike" cap="none" normalizeH="0" baseline="0" dirty="0">
+                  <a:ln>
+                    <a:noFill/>
+                  </a:ln>
+                  <a:solidFill>
+                    <a:schemeClr val="bg1"/>
+                  </a:solidFill>
+                  <a:effectLst/>
+                  <a:latin typeface="Gill Sans MT" panose="020B0502020104020203" pitchFamily="34" charset="0"/>
+                </a:rPr>
+                <a:t>Exode sanitaire : déplacements vers zones mieux équipées.</a:t>
+              </a:r>
+            </a:p>
+          </p:txBody>
+        </p:sp>
+        <p:sp>
+          <p:nvSpPr>
+            <p:cNvPr id="12" name="Rectangle : coins arrondis 11">
+              <a:extLst>
+                <a:ext uri="{FF2B5EF4-FFF2-40B4-BE49-F238E27FC236}">
+                  <a16:creationId xmlns:a16="http://schemas.microsoft.com/office/drawing/2014/main" id="{B0459190-6533-D7AE-5294-BA084D7893C7}"/>
+                </a:ext>
+              </a:extLst>
+            </p:cNvPr>
+            <p:cNvSpPr/>
+            <p:nvPr/>
+          </p:nvSpPr>
+          <p:spPr>
+            <a:xfrm>
+              <a:off x="483476" y="1754909"/>
+              <a:ext cx="4960883" cy="830635"/>
+            </a:xfrm>
+            <a:prstGeom prst="roundRect">
+              <a:avLst>
+                <a:gd name="adj" fmla="val 48010"/>
+              </a:avLst>
+            </a:prstGeom>
+            <a:solidFill>
+              <a:schemeClr val="accent2"/>
+            </a:solidFill>
+            <a:ln>
+              <a:noFill/>
+            </a:ln>
+          </p:spPr>
+          <p:style>
+            <a:lnRef idx="2">
+              <a:schemeClr val="accent1">
+                <a:shade val="15000"/>
+              </a:schemeClr>
+            </a:lnRef>
+            <a:fillRef idx="1">
+              <a:schemeClr val="accent1"/>
+            </a:fillRef>
+            <a:effectRef idx="0">
+              <a:schemeClr val="accent1"/>
+            </a:effectRef>
+            <a:fontRef idx="minor">
+              <a:schemeClr val="lt1"/>
+            </a:fontRef>
+          </p:style>
+          <p:txBody>
+            <a:bodyPr rtlCol="0" anchor="ctr"/>
+            <a:lstStyle/>
+            <a:p>
+              <a:pPr algn="ctr"/>
+              <a:r>
+                <a:rPr lang="fr-FR" sz="2800" dirty="0">
+                  <a:latin typeface="Gill Sans MT" panose="020B0502020104020203" pitchFamily="34" charset="0"/>
+                </a:rPr>
+                <a:t>Effets de débordement spatial</a:t>
+              </a:r>
+            </a:p>
+          </p:txBody>
+        </p:sp>
+      </p:grpSp>
+      <p:grpSp>
+        <p:nvGrpSpPr>
+          <p:cNvPr id="16" name="Groupe 15">
+            <a:extLst>
+              <a:ext uri="{FF2B5EF4-FFF2-40B4-BE49-F238E27FC236}">
+                <a16:creationId xmlns:a16="http://schemas.microsoft.com/office/drawing/2014/main" id="{A89B5A83-7544-0977-3367-1DFF5299C3CE}"/>
+              </a:ext>
+            </a:extLst>
+          </p:cNvPr>
+          <p:cNvGrpSpPr/>
+          <p:nvPr/>
+        </p:nvGrpSpPr>
+        <p:grpSpPr>
+          <a:xfrm>
+            <a:off x="6432331" y="1754909"/>
+            <a:ext cx="5549461" cy="4299050"/>
+            <a:chOff x="6432331" y="1754909"/>
+            <a:chExt cx="5549461" cy="4299050"/>
+          </a:xfrm>
+        </p:grpSpPr>
+        <p:sp>
+          <p:nvSpPr>
+            <p:cNvPr id="10" name="Rectangle : coins arrondis 9">
+              <a:extLst>
+                <a:ext uri="{FF2B5EF4-FFF2-40B4-BE49-F238E27FC236}">
+                  <a16:creationId xmlns:a16="http://schemas.microsoft.com/office/drawing/2014/main" id="{11540AA5-B8FE-07C1-2DD0-0B7679D49C7E}"/>
+                </a:ext>
+              </a:extLst>
+            </p:cNvPr>
+            <p:cNvSpPr/>
+            <p:nvPr/>
+          </p:nvSpPr>
+          <p:spPr>
+            <a:xfrm>
+              <a:off x="6432331" y="2226074"/>
+              <a:ext cx="5549461" cy="3827885"/>
+            </a:xfrm>
+            <a:prstGeom prst="roundRect">
+              <a:avLst/>
+            </a:prstGeom>
+            <a:solidFill>
+              <a:srgbClr val="006A5A"/>
+            </a:solidFill>
+            <a:ln>
+              <a:noFill/>
+            </a:ln>
+          </p:spPr>
+          <p:style>
+            <a:lnRef idx="2">
+              <a:schemeClr val="accent1">
+                <a:shade val="15000"/>
+              </a:schemeClr>
+            </a:lnRef>
+            <a:fillRef idx="1">
+              <a:schemeClr val="accent1"/>
+            </a:fillRef>
+            <a:effectRef idx="0">
+              <a:schemeClr val="accent1"/>
+            </a:effectRef>
+            <a:fontRef idx="minor">
+              <a:schemeClr val="lt1"/>
+            </a:fontRef>
+          </p:style>
+          <p:txBody>
+            <a:bodyPr rtlCol="0" anchor="ctr"/>
+            <a:lstStyle/>
+            <a:p>
+              <a:pPr algn="ctr"/>
+              <a:endParaRPr lang="fr-FR" dirty="0">
+                <a:latin typeface="Gill Sans MT" panose="020B0502020104020203" pitchFamily="34" charset="0"/>
+              </a:endParaRPr>
+            </a:p>
+          </p:txBody>
+        </p:sp>
+        <p:sp>
+          <p:nvSpPr>
+            <p:cNvPr id="11" name="ZoneTexte 10">
+              <a:extLst>
+                <a:ext uri="{FF2B5EF4-FFF2-40B4-BE49-F238E27FC236}">
+                  <a16:creationId xmlns:a16="http://schemas.microsoft.com/office/drawing/2014/main" id="{C1C29EE3-86B4-4920-B589-A2ADC129C73D}"/>
+                </a:ext>
+              </a:extLst>
+            </p:cNvPr>
+            <p:cNvSpPr txBox="1"/>
+            <p:nvPr/>
+          </p:nvSpPr>
+          <p:spPr>
+            <a:xfrm>
+              <a:off x="6532283" y="3094557"/>
+              <a:ext cx="5131638" cy="2797241"/>
+            </a:xfrm>
+            <a:prstGeom prst="rect">
+              <a:avLst/>
+            </a:prstGeom>
+            <a:noFill/>
+            <a:ln>
+              <a:noFill/>
+            </a:ln>
+            <a:effectLst/>
+            <a:extLst>
+              <a:ext uri="{909E8E84-426E-40DD-AFC4-6F175D3DCCD1}">
+                <a14:hiddenFill xmlns:a14="http://schemas.microsoft.com/office/drawing/2010/main">
+                  <a:solidFill>
+                    <a:schemeClr val="accent1"/>
+                  </a:solidFill>
+                </a14:hiddenFill>
+              </a:ext>
+              <a:ext uri="{91240B29-F687-4F45-9708-019B960494DF}">
+                <a14:hiddenLine xmlns:a14="http://schemas.microsoft.com/office/drawing/2010/main" w="9525">
+                  <a:solidFill>
+                    <a:schemeClr val="tx1"/>
+                  </a:solidFill>
+                  <a:miter lim="800000"/>
+                  <a:headEnd/>
+                  <a:tailEnd/>
+                </a14:hiddenLine>
+              </a:ext>
+              <a:ext uri="{AF507438-7753-43E0-B8FC-AC1667EBCBE1}">
+                <a14:hiddenEffects xmlns:a14="http://schemas.microsoft.com/office/drawing/2010/main">
+                  <a:effectLst>
+                    <a:outerShdw dist="35921" dir="2700000" algn="ctr" rotWithShape="0">
+                      <a:schemeClr val="bg2"/>
+                    </a:outerShdw>
+                  </a:effectLst>
+                </a14:hiddenEffects>
+              </a:ext>
+            </a:extLst>
+          </p:spPr>
+          <p:txBody>
+            <a:bodyPr vert="horz" wrap="square" lIns="91440" tIns="45720" rIns="91440" bIns="45720" numCol="1" anchor="ctr" anchorCtr="0" compatLnSpc="1">
+              <a:prstTxWarp prst="textNoShape">
+                <a:avLst/>
+              </a:prstTxWarp>
+              <a:spAutoFit/>
+            </a:bodyPr>
+            <a:lstStyle>
+              <a:defPPr>
+                <a:defRPr lang="fr-FR"/>
+              </a:defPPr>
+              <a:lvl1pPr marL="285750" marR="0" lvl="0" indent="-285750" algn="just" eaLnBrk="0" fontAlgn="base" hangingPunct="0">
+                <a:lnSpc>
+                  <a:spcPct val="100000"/>
+                </a:lnSpc>
+                <a:spcBef>
+                  <a:spcPct val="0"/>
+                </a:spcBef>
+                <a:spcAft>
+                  <a:spcPct val="0"/>
+                </a:spcAft>
+                <a:buClrTx/>
+                <a:buSzTx/>
+                <a:buFont typeface="Arial" panose="020B0604020202020204" pitchFamily="34" charset="0"/>
+                <a:buChar char="•"/>
+                <a:tabLst/>
+                <a:defRPr kumimoji="0" sz="2400" b="0" i="0" u="none" strike="noStrike" cap="none" normalizeH="0" baseline="0">
+                  <a:ln>
+                    <a:noFill/>
+                  </a:ln>
+                  <a:solidFill>
+                    <a:schemeClr val="bg1"/>
+                  </a:solidFill>
+                  <a:effectLst/>
+                  <a:latin typeface="Gill Sans MT" panose="020B0502020104020203" pitchFamily="34" charset="0"/>
+                </a:defRPr>
+              </a:lvl1pPr>
+            </a:lstStyle>
+            <a:p>
+              <a:pPr>
+                <a:lnSpc>
+                  <a:spcPct val="150000"/>
+                </a:lnSpc>
+              </a:pPr>
+              <a:r>
+                <a:rPr lang="fr-FR" altLang="fr-FR" dirty="0"/>
+                <a:t>Besoin d’une politique de santé territorialisée.</a:t>
+              </a:r>
+            </a:p>
+            <a:p>
+              <a:pPr>
+                <a:lnSpc>
+                  <a:spcPct val="150000"/>
+                </a:lnSpc>
+              </a:pPr>
+              <a:r>
+                <a:rPr lang="fr-FR" altLang="fr-FR" dirty="0"/>
+                <a:t>Prioriser les zones sous-dotées.</a:t>
+              </a:r>
+            </a:p>
+            <a:p>
+              <a:pPr>
+                <a:lnSpc>
+                  <a:spcPct val="150000"/>
+                </a:lnSpc>
+              </a:pPr>
+              <a:r>
+                <a:rPr lang="fr-FR" altLang="fr-FR" dirty="0"/>
+                <a:t>Tenir compte des dynamiques locales pour une planification équitable.</a:t>
+              </a:r>
+            </a:p>
+          </p:txBody>
+        </p:sp>
+        <p:sp>
+          <p:nvSpPr>
+            <p:cNvPr id="13" name="Rectangle : coins arrondis 12">
+              <a:extLst>
+                <a:ext uri="{FF2B5EF4-FFF2-40B4-BE49-F238E27FC236}">
+                  <a16:creationId xmlns:a16="http://schemas.microsoft.com/office/drawing/2014/main" id="{D05943CC-6052-EAD7-140B-2738D2823E97}"/>
+                </a:ext>
+              </a:extLst>
+            </p:cNvPr>
+            <p:cNvSpPr/>
+            <p:nvPr/>
+          </p:nvSpPr>
+          <p:spPr>
+            <a:xfrm>
+              <a:off x="6726619" y="1754909"/>
+              <a:ext cx="4960883" cy="830635"/>
+            </a:xfrm>
+            <a:prstGeom prst="roundRect">
+              <a:avLst>
+                <a:gd name="adj" fmla="val 48010"/>
+              </a:avLst>
+            </a:prstGeom>
+            <a:solidFill>
+              <a:schemeClr val="accent2"/>
+            </a:solidFill>
+            <a:ln>
+              <a:noFill/>
+            </a:ln>
+          </p:spPr>
+          <p:style>
+            <a:lnRef idx="2">
+              <a:schemeClr val="accent1">
+                <a:shade val="15000"/>
+              </a:schemeClr>
+            </a:lnRef>
+            <a:fillRef idx="1">
+              <a:schemeClr val="accent1"/>
+            </a:fillRef>
+            <a:effectRef idx="0">
+              <a:schemeClr val="accent1"/>
+            </a:effectRef>
+            <a:fontRef idx="minor">
+              <a:schemeClr val="lt1"/>
+            </a:fontRef>
+          </p:style>
+          <p:txBody>
+            <a:bodyPr rtlCol="0" anchor="ctr"/>
+            <a:lstStyle/>
+            <a:p>
+              <a:pPr algn="ctr"/>
+              <a:r>
+                <a:rPr lang="fr-FR" sz="2800" dirty="0">
+                  <a:latin typeface="Gill Sans MT" panose="020B0502020104020203" pitchFamily="34" charset="0"/>
+                </a:rPr>
+                <a:t>Implications politiques</a:t>
+              </a:r>
+            </a:p>
+          </p:txBody>
+        </p:sp>
+      </p:grpSp>
     </p:spTree>
     <p:extLst>
       <p:ext uri="{BB962C8B-B14F-4D97-AF65-F5344CB8AC3E}">
-        <p14:creationId xmlns:p14="http://schemas.microsoft.com/office/powerpoint/2010/main" val="2743845950"/>
+        <p14:creationId xmlns:p14="http://schemas.microsoft.com/office/powerpoint/2010/main" val="2748232547"/>
       </p:ext>
     </p:extLst>
   </p:cSld>
@@ -11554,6 +14372,504 @@
           </a:prstGeom>
         </p:spPr>
       </p:pic>
+      <p:sp>
+        <p:nvSpPr>
+          <p:cNvPr id="8" name="ZoneTexte 7">
+            <a:extLst>
+              <a:ext uri="{FF2B5EF4-FFF2-40B4-BE49-F238E27FC236}">
+                <a16:creationId xmlns:a16="http://schemas.microsoft.com/office/drawing/2014/main" id="{571F1102-DC3C-873A-C117-FAC24511C7FB}"/>
+              </a:ext>
+            </a:extLst>
+          </p:cNvPr>
+          <p:cNvSpPr txBox="1"/>
+          <p:nvPr/>
+        </p:nvSpPr>
+        <p:spPr>
+          <a:xfrm>
+            <a:off x="393771" y="1865699"/>
+            <a:ext cx="11262201" cy="2677656"/>
+          </a:xfrm>
+          <a:prstGeom prst="rect">
+            <a:avLst/>
+          </a:prstGeom>
+          <a:noFill/>
+        </p:spPr>
+        <p:txBody>
+          <a:bodyPr wrap="square">
+            <a:spAutoFit/>
+          </a:bodyPr>
+          <a:lstStyle/>
+          <a:p>
+            <a:pPr marL="342900" indent="-342900" algn="just">
+              <a:buFont typeface="Arial" panose="020B0604020202020204" pitchFamily="34" charset="0"/>
+              <a:buChar char="•"/>
+            </a:pPr>
+            <a:r>
+              <a:rPr lang="fr-FR" sz="2400" dirty="0">
+                <a:latin typeface="Gill Sans MT" panose="020B0502020104020203" pitchFamily="34" charset="0"/>
+              </a:rPr>
+              <a:t>L’accès aux soins n’est </a:t>
+            </a:r>
+            <a:r>
+              <a:rPr lang="fr-FR" sz="2400" b="1" dirty="0">
+                <a:latin typeface="Gill Sans MT" panose="020B0502020104020203" pitchFamily="34" charset="0"/>
+              </a:rPr>
+              <a:t>ni homogène</a:t>
+            </a:r>
+            <a:r>
+              <a:rPr lang="fr-FR" sz="2400" dirty="0">
+                <a:latin typeface="Gill Sans MT" panose="020B0502020104020203" pitchFamily="34" charset="0"/>
+              </a:rPr>
+              <a:t>, ni purement médical : il est </a:t>
+            </a:r>
+            <a:r>
+              <a:rPr lang="fr-FR" sz="2400" b="1" dirty="0">
+                <a:latin typeface="Gill Sans MT" panose="020B0502020104020203" pitchFamily="34" charset="0"/>
+              </a:rPr>
+              <a:t>territorial, social et humain</a:t>
+            </a:r>
+            <a:r>
+              <a:rPr lang="fr-FR" sz="2400" dirty="0">
+                <a:latin typeface="Gill Sans MT" panose="020B0502020104020203" pitchFamily="34" charset="0"/>
+              </a:rPr>
+              <a:t>.</a:t>
+            </a:r>
+          </a:p>
+          <a:p>
+            <a:pPr marL="342900" indent="-342900" algn="just">
+              <a:buFont typeface="Arial" panose="020B0604020202020204" pitchFamily="34" charset="0"/>
+              <a:buChar char="•"/>
+            </a:pPr>
+            <a:r>
+              <a:rPr lang="fr-FR" sz="2400" dirty="0">
+                <a:latin typeface="Gill Sans MT" panose="020B0502020104020203" pitchFamily="34" charset="0"/>
+              </a:rPr>
+              <a:t>Les </a:t>
+            </a:r>
+            <a:r>
+              <a:rPr lang="fr-FR" sz="2400" b="1" dirty="0">
+                <a:latin typeface="Gill Sans MT" panose="020B0502020104020203" pitchFamily="34" charset="0"/>
+              </a:rPr>
+              <a:t>modèles spatiaux</a:t>
+            </a:r>
+            <a:r>
+              <a:rPr lang="fr-FR" sz="2400" dirty="0">
+                <a:latin typeface="Gill Sans MT" panose="020B0502020104020203" pitchFamily="34" charset="0"/>
+              </a:rPr>
+              <a:t> révèlent des </a:t>
+            </a:r>
+            <a:r>
+              <a:rPr lang="fr-FR" sz="2400" b="1" dirty="0">
+                <a:latin typeface="Gill Sans MT" panose="020B0502020104020203" pitchFamily="34" charset="0"/>
+              </a:rPr>
+              <a:t>effets de voisinage significatifs</a:t>
+            </a:r>
+            <a:r>
+              <a:rPr lang="fr-FR" sz="2400" dirty="0">
+                <a:latin typeface="Gill Sans MT" panose="020B0502020104020203" pitchFamily="34" charset="0"/>
+              </a:rPr>
+              <a:t> : une commune est influencée par ses voisines.</a:t>
+            </a:r>
+          </a:p>
+          <a:p>
+            <a:pPr marL="342900" indent="-342900" algn="just">
+              <a:buFont typeface="Arial" panose="020B0604020202020204" pitchFamily="34" charset="0"/>
+              <a:buChar char="•"/>
+            </a:pPr>
+            <a:r>
+              <a:rPr lang="fr-FR" sz="2400" dirty="0">
+                <a:latin typeface="Gill Sans MT" panose="020B0502020104020203" pitchFamily="34" charset="0"/>
+              </a:rPr>
+              <a:t>Certaines relations contre-intuitives (ex. : population âgée vs. consultations) montrent la </a:t>
+            </a:r>
+            <a:r>
+              <a:rPr lang="fr-FR" sz="2400" b="1" dirty="0">
+                <a:latin typeface="Gill Sans MT" panose="020B0502020104020203" pitchFamily="34" charset="0"/>
+              </a:rPr>
+              <a:t>complexité des comportements de recours aux soins</a:t>
+            </a:r>
+            <a:r>
+              <a:rPr lang="fr-FR" sz="2400" dirty="0">
+                <a:latin typeface="Gill Sans MT" panose="020B0502020104020203" pitchFamily="34" charset="0"/>
+              </a:rPr>
+              <a:t>.</a:t>
+            </a:r>
+          </a:p>
+          <a:p>
+            <a:pPr marL="342900" indent="-342900" algn="just">
+              <a:buFont typeface="Arial" panose="020B0604020202020204" pitchFamily="34" charset="0"/>
+              <a:buChar char="•"/>
+            </a:pPr>
+            <a:r>
+              <a:rPr lang="fr-FR" sz="2400" dirty="0">
+                <a:latin typeface="Gill Sans MT" panose="020B0502020104020203" pitchFamily="34" charset="0"/>
+              </a:rPr>
+              <a:t>Les résultats appellent à une </a:t>
+            </a:r>
+            <a:r>
+              <a:rPr lang="fr-FR" sz="2400" b="1" dirty="0">
+                <a:latin typeface="Gill Sans MT" panose="020B0502020104020203" pitchFamily="34" charset="0"/>
+              </a:rPr>
+              <a:t>planification territorialisée des politiques de santé</a:t>
+            </a:r>
+            <a:r>
+              <a:rPr lang="fr-FR" sz="2400" dirty="0">
+                <a:latin typeface="Gill Sans MT" panose="020B0502020104020203" pitchFamily="34" charset="0"/>
+              </a:rPr>
+              <a:t>.</a:t>
+            </a:r>
+          </a:p>
+        </p:txBody>
+      </p:sp>
+      <p:grpSp>
+        <p:nvGrpSpPr>
+          <p:cNvPr id="9" name="Groupe 8">
+            <a:extLst>
+              <a:ext uri="{FF2B5EF4-FFF2-40B4-BE49-F238E27FC236}">
+                <a16:creationId xmlns:a16="http://schemas.microsoft.com/office/drawing/2014/main" id="{A58E000D-C02A-9D9D-C441-2ED0FE4560C3}"/>
+              </a:ext>
+            </a:extLst>
+          </p:cNvPr>
+          <p:cNvGrpSpPr/>
+          <p:nvPr/>
+        </p:nvGrpSpPr>
+        <p:grpSpPr>
+          <a:xfrm>
+            <a:off x="0" y="1322851"/>
+            <a:ext cx="3289720" cy="538782"/>
+            <a:chOff x="1621973" y="1405339"/>
+            <a:chExt cx="2819244" cy="538782"/>
+          </a:xfrm>
+        </p:grpSpPr>
+        <p:sp>
+          <p:nvSpPr>
+            <p:cNvPr id="10" name="Rectangle : coins arrondis 9">
+              <a:extLst>
+                <a:ext uri="{FF2B5EF4-FFF2-40B4-BE49-F238E27FC236}">
+                  <a16:creationId xmlns:a16="http://schemas.microsoft.com/office/drawing/2014/main" id="{8F40F72E-7BEB-8605-0DD7-18BF7B784468}"/>
+                </a:ext>
+              </a:extLst>
+            </p:cNvPr>
+            <p:cNvSpPr/>
+            <p:nvPr/>
+          </p:nvSpPr>
+          <p:spPr>
+            <a:xfrm>
+              <a:off x="1959429" y="1405339"/>
+              <a:ext cx="2481788" cy="522872"/>
+            </a:xfrm>
+            <a:prstGeom prst="roundRect">
+              <a:avLst>
+                <a:gd name="adj" fmla="val 50000"/>
+              </a:avLst>
+            </a:prstGeom>
+            <a:solidFill>
+              <a:srgbClr val="006A5A"/>
+            </a:solidFill>
+            <a:ln>
+              <a:noFill/>
+            </a:ln>
+          </p:spPr>
+          <p:style>
+            <a:lnRef idx="2">
+              <a:schemeClr val="accent1">
+                <a:shade val="15000"/>
+              </a:schemeClr>
+            </a:lnRef>
+            <a:fillRef idx="1">
+              <a:schemeClr val="accent1"/>
+            </a:fillRef>
+            <a:effectRef idx="0">
+              <a:schemeClr val="accent1"/>
+            </a:effectRef>
+            <a:fontRef idx="minor">
+              <a:schemeClr val="lt1"/>
+            </a:fontRef>
+          </p:style>
+          <p:txBody>
+            <a:bodyPr rtlCol="0" anchor="ctr"/>
+            <a:lstStyle/>
+            <a:p>
+              <a:pPr algn="ctr"/>
+              <a:r>
+                <a:rPr lang="fr-FR" sz="2400" b="1" dirty="0">
+                  <a:latin typeface="Gill Sans MT" panose="020B0502020104020203" pitchFamily="34" charset="0"/>
+                </a:rPr>
+                <a:t>Points essentiels</a:t>
+              </a:r>
+            </a:p>
+          </p:txBody>
+        </p:sp>
+        <p:sp>
+          <p:nvSpPr>
+            <p:cNvPr id="11" name="Ellipse 10">
+              <a:extLst>
+                <a:ext uri="{FF2B5EF4-FFF2-40B4-BE49-F238E27FC236}">
+                  <a16:creationId xmlns:a16="http://schemas.microsoft.com/office/drawing/2014/main" id="{FA774F9F-FC06-6B60-423C-CE40E7D78333}"/>
+                </a:ext>
+              </a:extLst>
+            </p:cNvPr>
+            <p:cNvSpPr/>
+            <p:nvPr/>
+          </p:nvSpPr>
+          <p:spPr>
+            <a:xfrm>
+              <a:off x="1621973" y="1421249"/>
+              <a:ext cx="448093" cy="522872"/>
+            </a:xfrm>
+            <a:prstGeom prst="ellipse">
+              <a:avLst/>
+            </a:prstGeom>
+            <a:solidFill>
+              <a:schemeClr val="accent2"/>
+            </a:solidFill>
+            <a:ln>
+              <a:noFill/>
+            </a:ln>
+          </p:spPr>
+          <p:style>
+            <a:lnRef idx="2">
+              <a:schemeClr val="accent1">
+                <a:shade val="15000"/>
+              </a:schemeClr>
+            </a:lnRef>
+            <a:fillRef idx="1">
+              <a:schemeClr val="accent1"/>
+            </a:fillRef>
+            <a:effectRef idx="0">
+              <a:schemeClr val="accent1"/>
+            </a:effectRef>
+            <a:fontRef idx="minor">
+              <a:schemeClr val="lt1"/>
+            </a:fontRef>
+          </p:style>
+          <p:txBody>
+            <a:bodyPr rtlCol="0" anchor="ctr"/>
+            <a:lstStyle/>
+            <a:p>
+              <a:pPr algn="ctr"/>
+              <a:r>
+                <a:rPr lang="fr-FR" sz="2400" dirty="0">
+                  <a:latin typeface="Montserrat" panose="02000505000000020004" pitchFamily="2" charset="0"/>
+                </a:rPr>
+                <a:t>1</a:t>
+              </a:r>
+            </a:p>
+          </p:txBody>
+        </p:sp>
+      </p:grpSp>
+      <p:grpSp>
+        <p:nvGrpSpPr>
+          <p:cNvPr id="12" name="Groupe 11">
+            <a:extLst>
+              <a:ext uri="{FF2B5EF4-FFF2-40B4-BE49-F238E27FC236}">
+                <a16:creationId xmlns:a16="http://schemas.microsoft.com/office/drawing/2014/main" id="{35C03003-5A72-C632-A412-FB0184F68375}"/>
+              </a:ext>
+            </a:extLst>
+          </p:cNvPr>
+          <p:cNvGrpSpPr/>
+          <p:nvPr/>
+        </p:nvGrpSpPr>
+        <p:grpSpPr>
+          <a:xfrm>
+            <a:off x="0" y="4794575"/>
+            <a:ext cx="3289720" cy="538782"/>
+            <a:chOff x="1621973" y="1405339"/>
+            <a:chExt cx="2819244" cy="538782"/>
+          </a:xfrm>
+        </p:grpSpPr>
+        <p:sp>
+          <p:nvSpPr>
+            <p:cNvPr id="13" name="Rectangle : coins arrondis 12">
+              <a:extLst>
+                <a:ext uri="{FF2B5EF4-FFF2-40B4-BE49-F238E27FC236}">
+                  <a16:creationId xmlns:a16="http://schemas.microsoft.com/office/drawing/2014/main" id="{DAC740C1-4002-7B15-DAC0-1B1AAE8EAE72}"/>
+                </a:ext>
+              </a:extLst>
+            </p:cNvPr>
+            <p:cNvSpPr/>
+            <p:nvPr/>
+          </p:nvSpPr>
+          <p:spPr>
+            <a:xfrm>
+              <a:off x="1959429" y="1405339"/>
+              <a:ext cx="2481788" cy="522872"/>
+            </a:xfrm>
+            <a:prstGeom prst="roundRect">
+              <a:avLst>
+                <a:gd name="adj" fmla="val 50000"/>
+              </a:avLst>
+            </a:prstGeom>
+            <a:solidFill>
+              <a:srgbClr val="006A5A"/>
+            </a:solidFill>
+            <a:ln>
+              <a:noFill/>
+            </a:ln>
+          </p:spPr>
+          <p:style>
+            <a:lnRef idx="2">
+              <a:schemeClr val="accent1">
+                <a:shade val="15000"/>
+              </a:schemeClr>
+            </a:lnRef>
+            <a:fillRef idx="1">
+              <a:schemeClr val="accent1"/>
+            </a:fillRef>
+            <a:effectRef idx="0">
+              <a:schemeClr val="accent1"/>
+            </a:effectRef>
+            <a:fontRef idx="minor">
+              <a:schemeClr val="lt1"/>
+            </a:fontRef>
+          </p:style>
+          <p:txBody>
+            <a:bodyPr rtlCol="0" anchor="ctr"/>
+            <a:lstStyle/>
+            <a:p>
+              <a:pPr algn="ctr"/>
+              <a:r>
+                <a:rPr lang="fr-FR" sz="2400" b="1" dirty="0">
+                  <a:latin typeface="Gill Sans MT" panose="020B0502020104020203" pitchFamily="34" charset="0"/>
+                </a:rPr>
+                <a:t>Message final</a:t>
+              </a:r>
+            </a:p>
+          </p:txBody>
+        </p:sp>
+        <p:sp>
+          <p:nvSpPr>
+            <p:cNvPr id="14" name="Ellipse 13">
+              <a:extLst>
+                <a:ext uri="{FF2B5EF4-FFF2-40B4-BE49-F238E27FC236}">
+                  <a16:creationId xmlns:a16="http://schemas.microsoft.com/office/drawing/2014/main" id="{9031F2D3-6695-472D-6687-C880B300DB89}"/>
+                </a:ext>
+              </a:extLst>
+            </p:cNvPr>
+            <p:cNvSpPr/>
+            <p:nvPr/>
+          </p:nvSpPr>
+          <p:spPr>
+            <a:xfrm>
+              <a:off x="1621973" y="1421249"/>
+              <a:ext cx="448093" cy="522872"/>
+            </a:xfrm>
+            <a:prstGeom prst="ellipse">
+              <a:avLst/>
+            </a:prstGeom>
+            <a:solidFill>
+              <a:schemeClr val="accent2"/>
+            </a:solidFill>
+            <a:ln>
+              <a:noFill/>
+            </a:ln>
+          </p:spPr>
+          <p:style>
+            <a:lnRef idx="2">
+              <a:schemeClr val="accent1">
+                <a:shade val="15000"/>
+              </a:schemeClr>
+            </a:lnRef>
+            <a:fillRef idx="1">
+              <a:schemeClr val="accent1"/>
+            </a:fillRef>
+            <a:effectRef idx="0">
+              <a:schemeClr val="accent1"/>
+            </a:effectRef>
+            <a:fontRef idx="minor">
+              <a:schemeClr val="lt1"/>
+            </a:fontRef>
+          </p:style>
+          <p:txBody>
+            <a:bodyPr rtlCol="0" anchor="ctr"/>
+            <a:lstStyle/>
+            <a:p>
+              <a:pPr algn="ctr"/>
+              <a:r>
+                <a:rPr lang="fr-FR" sz="2400" dirty="0">
+                  <a:latin typeface="Montserrat" panose="02000505000000020004" pitchFamily="2" charset="0"/>
+                </a:rPr>
+                <a:t>2</a:t>
+              </a:r>
+            </a:p>
+          </p:txBody>
+        </p:sp>
+      </p:grpSp>
+      <p:sp>
+        <p:nvSpPr>
+          <p:cNvPr id="16" name="ZoneTexte 15">
+            <a:extLst>
+              <a:ext uri="{FF2B5EF4-FFF2-40B4-BE49-F238E27FC236}">
+                <a16:creationId xmlns:a16="http://schemas.microsoft.com/office/drawing/2014/main" id="{0B5FFF4B-CA5A-A757-4B17-454A154B0D43}"/>
+              </a:ext>
+            </a:extLst>
+          </p:cNvPr>
+          <p:cNvSpPr txBox="1"/>
+          <p:nvPr/>
+        </p:nvSpPr>
+        <p:spPr>
+          <a:xfrm>
+            <a:off x="522871" y="5342319"/>
+            <a:ext cx="11133101" cy="830997"/>
+          </a:xfrm>
+          <a:prstGeom prst="rect">
+            <a:avLst/>
+          </a:prstGeom>
+          <a:noFill/>
+        </p:spPr>
+        <p:txBody>
+          <a:bodyPr wrap="square">
+            <a:spAutoFit/>
+          </a:bodyPr>
+          <a:lstStyle/>
+          <a:p>
+            <a:pPr algn="just"/>
+            <a:r>
+              <a:rPr lang="fr-FR" sz="2400" dirty="0">
+                <a:latin typeface="Gill Sans MT" panose="020B0502020104020203" pitchFamily="34" charset="0"/>
+              </a:rPr>
+              <a:t>Derrière chaque donnée de consultation, il y a une </a:t>
+            </a:r>
+            <a:r>
+              <a:rPr lang="fr-FR" sz="2400" b="1" dirty="0">
+                <a:latin typeface="Gill Sans MT" panose="020B0502020104020203" pitchFamily="34" charset="0"/>
+              </a:rPr>
+              <a:t>réalité sociale</a:t>
+            </a:r>
+            <a:r>
+              <a:rPr lang="fr-FR" sz="2400" dirty="0">
+                <a:latin typeface="Gill Sans MT" panose="020B0502020104020203" pitchFamily="34" charset="0"/>
+              </a:rPr>
+              <a:t>, un </a:t>
+            </a:r>
+            <a:r>
+              <a:rPr lang="fr-FR" sz="2400" b="1" dirty="0">
+                <a:latin typeface="Gill Sans MT" panose="020B0502020104020203" pitchFamily="34" charset="0"/>
+              </a:rPr>
+              <a:t>contexte territorial</a:t>
+            </a:r>
+            <a:r>
+              <a:rPr lang="fr-FR" sz="2400" dirty="0">
+                <a:latin typeface="Gill Sans MT" panose="020B0502020104020203" pitchFamily="34" charset="0"/>
+              </a:rPr>
+              <a:t> et des </a:t>
+            </a:r>
+            <a:r>
+              <a:rPr lang="fr-FR" sz="2400" b="1" dirty="0">
+                <a:latin typeface="Gill Sans MT" panose="020B0502020104020203" pitchFamily="34" charset="0"/>
+              </a:rPr>
+              <a:t>besoins humains à entendre</a:t>
+            </a:r>
+            <a:r>
+              <a:rPr lang="fr-FR" sz="2400" dirty="0">
+                <a:latin typeface="Gill Sans MT" panose="020B0502020104020203" pitchFamily="34" charset="0"/>
+              </a:rPr>
+              <a:t>.</a:t>
+            </a:r>
+            <a:endParaRPr lang="fr-FR" sz="2400" dirty="0"/>
+          </a:p>
+        </p:txBody>
+      </p:sp>
     </p:spTree>
     <p:extLst>
       <p:ext uri="{BB962C8B-B14F-4D97-AF65-F5344CB8AC3E}">
@@ -11929,525 +15245,6 @@
   <p:cSld>
     <p:spTree>
       <p:nvGrpSpPr>
-        <p:cNvPr id="1" name="">
-          <a:extLst>
-            <a:ext uri="{FF2B5EF4-FFF2-40B4-BE49-F238E27FC236}">
-              <a16:creationId xmlns:a16="http://schemas.microsoft.com/office/drawing/2014/main" id="{1DC3E05C-46C0-FCBC-FEB3-4152F415D075}"/>
-            </a:ext>
-          </a:extLst>
-        </p:cNvPr>
-        <p:cNvGrpSpPr/>
-        <p:nvPr/>
-      </p:nvGrpSpPr>
-      <p:grpSpPr>
-        <a:xfrm>
-          <a:off x="0" y="0"/>
-          <a:ext cx="0" cy="0"/>
-          <a:chOff x="0" y="0"/>
-          <a:chExt cx="0" cy="0"/>
-        </a:xfrm>
-      </p:grpSpPr>
-      <p:sp>
-        <p:nvSpPr>
-          <p:cNvPr id="3" name="Espace réservé du numéro de diapositive 2">
-            <a:extLst>
-              <a:ext uri="{FF2B5EF4-FFF2-40B4-BE49-F238E27FC236}">
-                <a16:creationId xmlns:a16="http://schemas.microsoft.com/office/drawing/2014/main" id="{61B3844F-6602-DE5B-07F8-BE888BA7C3B8}"/>
-              </a:ext>
-            </a:extLst>
-          </p:cNvPr>
-          <p:cNvSpPr>
-            <a:spLocks noGrp="1"/>
-          </p:cNvSpPr>
-          <p:nvPr>
-            <p:ph type="sldNum" sz="quarter" idx="4"/>
-          </p:nvPr>
-        </p:nvSpPr>
-        <p:spPr>
-          <a:xfrm>
-            <a:off x="8610600" y="6356350"/>
-            <a:ext cx="2743200" cy="365125"/>
-          </a:xfrm>
-        </p:spPr>
-        <p:txBody>
-          <a:bodyPr/>
-          <a:lstStyle/>
-          <a:p>
-            <a:fld id="{F546B7B7-7D14-4795-A998-350CFB2BDD43}" type="slidenum">
-              <a:rPr lang="fr-FR" smtClean="0"/>
-              <a:pPr/>
-              <a:t>4</a:t>
-            </a:fld>
-            <a:endParaRPr lang="fr-FR"/>
-          </a:p>
-        </p:txBody>
-      </p:sp>
-      <p:sp>
-        <p:nvSpPr>
-          <p:cNvPr id="2" name="ZoneTexte 1">
-            <a:extLst>
-              <a:ext uri="{FF2B5EF4-FFF2-40B4-BE49-F238E27FC236}">
-                <a16:creationId xmlns:a16="http://schemas.microsoft.com/office/drawing/2014/main" id="{B9B15575-E3E1-F421-3BDD-CE5913A92E1E}"/>
-              </a:ext>
-            </a:extLst>
-          </p:cNvPr>
-          <p:cNvSpPr txBox="1"/>
-          <p:nvPr/>
-        </p:nvSpPr>
-        <p:spPr>
-          <a:xfrm>
-            <a:off x="2" y="532969"/>
-            <a:ext cx="12191999" cy="646331"/>
-          </a:xfrm>
-          <a:prstGeom prst="rect">
-            <a:avLst/>
-          </a:prstGeom>
-          <a:solidFill>
-            <a:srgbClr val="006A5A"/>
-          </a:solidFill>
-        </p:spPr>
-        <p:txBody>
-          <a:bodyPr wrap="square" rtlCol="0">
-            <a:spAutoFit/>
-          </a:bodyPr>
-          <a:lstStyle/>
-          <a:p>
-            <a:r>
-              <a:rPr lang="fr-FR" sz="3600" b="1" dirty="0">
-                <a:solidFill>
-                  <a:schemeClr val="bg1"/>
-                </a:solidFill>
-                <a:latin typeface="Gill Sans MT" panose="020B0502020104020203" pitchFamily="34" charset="0"/>
-              </a:rPr>
-              <a:t>Introduction</a:t>
-            </a:r>
-          </a:p>
-        </p:txBody>
-      </p:sp>
-      <p:pic>
-        <p:nvPicPr>
-          <p:cNvPr id="4" name="Graphique 3" descr="Flèches de chevron">
-            <a:extLst>
-              <a:ext uri="{FF2B5EF4-FFF2-40B4-BE49-F238E27FC236}">
-                <a16:creationId xmlns:a16="http://schemas.microsoft.com/office/drawing/2014/main" id="{D99A80A9-7C5C-F7F9-808E-14F9AA54B2D5}"/>
-              </a:ext>
-            </a:extLst>
-          </p:cNvPr>
-          <p:cNvPicPr>
-            <a:picLocks noChangeAspect="1"/>
-          </p:cNvPicPr>
-          <p:nvPr/>
-        </p:nvPicPr>
-        <p:blipFill>
-          <a:blip r:embed="rId2">
-            <a:extLst>
-              <a:ext uri="{28A0092B-C50C-407E-A947-70E740481C1C}">
-                <a14:useLocalDpi xmlns:a14="http://schemas.microsoft.com/office/drawing/2010/main" val="0"/>
-              </a:ext>
-              <a:ext uri="{96DAC541-7B7A-43D3-8B79-37D633B846F1}">
-                <asvg:svgBlip xmlns:asvg="http://schemas.microsoft.com/office/drawing/2016/SVG/main" r:embed="rId3"/>
-              </a:ext>
-            </a:extLst>
-          </a:blip>
-          <a:stretch>
-            <a:fillRect/>
-          </a:stretch>
-        </p:blipFill>
-        <p:spPr>
-          <a:xfrm>
-            <a:off x="11078692" y="266700"/>
-            <a:ext cx="1170459" cy="1170459"/>
-          </a:xfrm>
-          <a:prstGeom prst="rect">
-            <a:avLst/>
-          </a:prstGeom>
-        </p:spPr>
-      </p:pic>
-      <p:sp>
-        <p:nvSpPr>
-          <p:cNvPr id="8" name="ZoneTexte 7">
-            <a:extLst>
-              <a:ext uri="{FF2B5EF4-FFF2-40B4-BE49-F238E27FC236}">
-                <a16:creationId xmlns:a16="http://schemas.microsoft.com/office/drawing/2014/main" id="{F0CCCD4C-73B8-500E-6EFC-DBF78E6F546F}"/>
-              </a:ext>
-            </a:extLst>
-          </p:cNvPr>
-          <p:cNvSpPr txBox="1"/>
-          <p:nvPr/>
-        </p:nvSpPr>
-        <p:spPr>
-          <a:xfrm>
-            <a:off x="0" y="2186070"/>
-            <a:ext cx="12191999" cy="644857"/>
-          </a:xfrm>
-          <a:prstGeom prst="rect">
-            <a:avLst/>
-          </a:prstGeom>
-          <a:noFill/>
-        </p:spPr>
-        <p:txBody>
-          <a:bodyPr wrap="square">
-            <a:spAutoFit/>
-          </a:bodyPr>
-          <a:lstStyle/>
-          <a:p>
-            <a:pPr algn="ctr">
-              <a:lnSpc>
-                <a:spcPts val="2143"/>
-              </a:lnSpc>
-              <a:spcBef>
-                <a:spcPts val="1029"/>
-              </a:spcBef>
-              <a:spcAft>
-                <a:spcPts val="1029"/>
-              </a:spcAft>
-            </a:pPr>
-            <a:r>
-              <a:rPr lang="fr-FR" sz="2400" b="0" i="0" dirty="0">
-                <a:solidFill>
-                  <a:srgbClr val="404040"/>
-                </a:solidFill>
-                <a:effectLst/>
-              </a:rPr>
-              <a:t>Identifier les facteurs socio-économiques, démographiques et spatiaux influençant le taux de consultations</a:t>
-            </a:r>
-            <a:endParaRPr lang="fr-FR" sz="2400" dirty="0"/>
-          </a:p>
-        </p:txBody>
-      </p:sp>
-      <p:sp>
-        <p:nvSpPr>
-          <p:cNvPr id="11" name="ZoneTexte 10">
-            <a:extLst>
-              <a:ext uri="{FF2B5EF4-FFF2-40B4-BE49-F238E27FC236}">
-                <a16:creationId xmlns:a16="http://schemas.microsoft.com/office/drawing/2014/main" id="{C5D807AF-A898-62C2-0BBB-4E63A5AD0FFD}"/>
-              </a:ext>
-            </a:extLst>
-          </p:cNvPr>
-          <p:cNvSpPr txBox="1"/>
-          <p:nvPr/>
-        </p:nvSpPr>
-        <p:spPr>
-          <a:xfrm>
-            <a:off x="0" y="3738320"/>
-            <a:ext cx="12191999" cy="375552"/>
-          </a:xfrm>
-          <a:prstGeom prst="rect">
-            <a:avLst/>
-          </a:prstGeom>
-          <a:noFill/>
-        </p:spPr>
-        <p:txBody>
-          <a:bodyPr wrap="square">
-            <a:spAutoFit/>
-          </a:bodyPr>
-          <a:lstStyle/>
-          <a:p>
-            <a:pPr lvl="1" algn="ctr">
-              <a:lnSpc>
-                <a:spcPts val="2143"/>
-              </a:lnSpc>
-              <a:spcBef>
-                <a:spcPts val="300"/>
-              </a:spcBef>
-              <a:spcAft>
-                <a:spcPts val="1029"/>
-              </a:spcAft>
-            </a:pPr>
-            <a:r>
-              <a:rPr lang="fr-FR" sz="2400" b="0" i="0" dirty="0">
-                <a:solidFill>
-                  <a:srgbClr val="404040"/>
-                </a:solidFill>
-                <a:effectLst/>
-              </a:rPr>
-              <a:t>Modéliser le taux de consultations avec une approche spatiale.</a:t>
-            </a:r>
-          </a:p>
-        </p:txBody>
-      </p:sp>
-      <p:sp>
-        <p:nvSpPr>
-          <p:cNvPr id="5" name="ZoneTexte 4">
-            <a:extLst>
-              <a:ext uri="{FF2B5EF4-FFF2-40B4-BE49-F238E27FC236}">
-                <a16:creationId xmlns:a16="http://schemas.microsoft.com/office/drawing/2014/main" id="{84F77960-7084-8E83-960E-19F553C99623}"/>
-              </a:ext>
-            </a:extLst>
-          </p:cNvPr>
-          <p:cNvSpPr txBox="1"/>
-          <p:nvPr/>
-        </p:nvSpPr>
-        <p:spPr>
-          <a:xfrm>
-            <a:off x="1" y="3190426"/>
-            <a:ext cx="12191998" cy="402674"/>
-          </a:xfrm>
-          <a:prstGeom prst="rect">
-            <a:avLst/>
-          </a:prstGeom>
-          <a:solidFill>
-            <a:srgbClr val="006A5A"/>
-          </a:solidFill>
-        </p:spPr>
-        <p:txBody>
-          <a:bodyPr wrap="square">
-            <a:spAutoFit/>
-          </a:bodyPr>
-          <a:lstStyle/>
-          <a:p>
-            <a:pPr algn="ctr">
-              <a:lnSpc>
-                <a:spcPts val="2143"/>
-              </a:lnSpc>
-              <a:spcBef>
-                <a:spcPts val="1029"/>
-              </a:spcBef>
-              <a:spcAft>
-                <a:spcPts val="1029"/>
-              </a:spcAft>
-            </a:pPr>
-            <a:r>
-              <a:rPr lang="fr-FR" sz="3200" b="1" i="0" dirty="0">
-                <a:solidFill>
-                  <a:schemeClr val="bg1"/>
-                </a:solidFill>
-                <a:effectLst/>
-                <a:latin typeface="DeepSeek-CJK-patch"/>
-              </a:rPr>
-              <a:t>Objectifs</a:t>
-            </a:r>
-            <a:endParaRPr lang="fr-FR" sz="3200" dirty="0">
-              <a:solidFill>
-                <a:schemeClr val="bg1"/>
-              </a:solidFill>
-              <a:latin typeface="DeepSeek-CJK-patch"/>
-            </a:endParaRPr>
-          </a:p>
-        </p:txBody>
-      </p:sp>
-      <p:sp>
-        <p:nvSpPr>
-          <p:cNvPr id="12" name="ZoneTexte 11">
-            <a:extLst>
-              <a:ext uri="{FF2B5EF4-FFF2-40B4-BE49-F238E27FC236}">
-                <a16:creationId xmlns:a16="http://schemas.microsoft.com/office/drawing/2014/main" id="{88C966F4-44C2-83A0-A526-40BA622A26D3}"/>
-              </a:ext>
-            </a:extLst>
-          </p:cNvPr>
-          <p:cNvSpPr txBox="1"/>
-          <p:nvPr/>
-        </p:nvSpPr>
-        <p:spPr>
-          <a:xfrm>
-            <a:off x="0" y="4829326"/>
-            <a:ext cx="12191999" cy="1799723"/>
-          </a:xfrm>
-          <a:prstGeom prst="rect">
-            <a:avLst/>
-          </a:prstGeom>
-          <a:noFill/>
-        </p:spPr>
-        <p:txBody>
-          <a:bodyPr wrap="square">
-            <a:spAutoFit/>
-          </a:bodyPr>
-          <a:lstStyle/>
-          <a:p>
-            <a:pPr marL="742950" lvl="1" indent="-285750" algn="l">
-              <a:lnSpc>
-                <a:spcPts val="2143"/>
-              </a:lnSpc>
-              <a:spcBef>
-                <a:spcPts val="300"/>
-              </a:spcBef>
-              <a:spcAft>
-                <a:spcPts val="1029"/>
-              </a:spcAft>
-              <a:buFont typeface="Arial" panose="020B0604020202020204" pitchFamily="34" charset="0"/>
-              <a:buChar char="•"/>
-            </a:pPr>
-            <a:r>
-              <a:rPr lang="fr-FR" sz="2800" dirty="0">
-                <a:solidFill>
-                  <a:srgbClr val="404040"/>
-                </a:solidFill>
-              </a:rPr>
-              <a:t>Visualiser la répartition spatiale de ces taux en vue d’identifier les zones à fort et faible taux</a:t>
-            </a:r>
-          </a:p>
-          <a:p>
-            <a:pPr marL="742950" lvl="1" indent="-285750" algn="l">
-              <a:lnSpc>
-                <a:spcPts val="2143"/>
-              </a:lnSpc>
-              <a:spcBef>
-                <a:spcPts val="300"/>
-              </a:spcBef>
-              <a:spcAft>
-                <a:spcPts val="1029"/>
-              </a:spcAft>
-              <a:buFont typeface="Arial" panose="020B0604020202020204" pitchFamily="34" charset="0"/>
-              <a:buChar char="•"/>
-            </a:pPr>
-            <a:r>
-              <a:rPr lang="fr-FR" sz="2800" dirty="0"/>
-              <a:t>Identifier les facteurs socio-économiques et démographiques qui influencent le taux de consultations</a:t>
-            </a:r>
-          </a:p>
-          <a:p>
-            <a:pPr marL="742950" lvl="1" indent="-285750" algn="l">
-              <a:lnSpc>
-                <a:spcPts val="2143"/>
-              </a:lnSpc>
-              <a:spcBef>
-                <a:spcPts val="300"/>
-              </a:spcBef>
-              <a:spcAft>
-                <a:spcPts val="1029"/>
-              </a:spcAft>
-              <a:buFont typeface="Arial" panose="020B0604020202020204" pitchFamily="34" charset="0"/>
-              <a:buChar char="•"/>
-            </a:pPr>
-            <a:r>
-              <a:rPr lang="fr-FR" sz="2800" b="0" i="0" dirty="0">
-                <a:solidFill>
-                  <a:srgbClr val="404040"/>
-                </a:solidFill>
-                <a:effectLst/>
-              </a:rPr>
-              <a:t>Proposer des recommandations pour réduire les inégalités.</a:t>
-            </a:r>
-          </a:p>
-        </p:txBody>
-      </p:sp>
-      <p:sp>
-        <p:nvSpPr>
-          <p:cNvPr id="13" name="Flèche : bas 12">
-            <a:extLst>
-              <a:ext uri="{FF2B5EF4-FFF2-40B4-BE49-F238E27FC236}">
-                <a16:creationId xmlns:a16="http://schemas.microsoft.com/office/drawing/2014/main" id="{84949886-7639-C5D1-5B65-A476511A03DF}"/>
-              </a:ext>
-            </a:extLst>
-          </p:cNvPr>
-          <p:cNvSpPr/>
-          <p:nvPr/>
-        </p:nvSpPr>
-        <p:spPr>
-          <a:xfrm>
-            <a:off x="5755658" y="4127401"/>
-            <a:ext cx="680682" cy="541453"/>
-          </a:xfrm>
-          <a:prstGeom prst="downArrow">
-            <a:avLst/>
-          </a:prstGeom>
-          <a:solidFill>
-            <a:srgbClr val="006A5A"/>
-          </a:solidFill>
-        </p:spPr>
-        <p:style>
-          <a:lnRef idx="2">
-            <a:schemeClr val="accent1">
-              <a:shade val="15000"/>
-            </a:schemeClr>
-          </a:lnRef>
-          <a:fillRef idx="1">
-            <a:schemeClr val="accent1"/>
-          </a:fillRef>
-          <a:effectRef idx="0">
-            <a:schemeClr val="accent1"/>
-          </a:effectRef>
-          <a:fontRef idx="minor">
-            <a:schemeClr val="lt1"/>
-          </a:fontRef>
-        </p:style>
-        <p:txBody>
-          <a:bodyPr rtlCol="0" anchor="ctr"/>
-          <a:lstStyle/>
-          <a:p>
-            <a:pPr algn="ctr"/>
-            <a:endParaRPr lang="en-US"/>
-          </a:p>
-        </p:txBody>
-      </p:sp>
-      <p:sp>
-        <p:nvSpPr>
-          <p:cNvPr id="15" name="ZoneTexte 14">
-            <a:extLst>
-              <a:ext uri="{FF2B5EF4-FFF2-40B4-BE49-F238E27FC236}">
-                <a16:creationId xmlns:a16="http://schemas.microsoft.com/office/drawing/2014/main" id="{FEA3A605-4B04-EBA8-C8FF-3263A9BCC82A}"/>
-              </a:ext>
-            </a:extLst>
-          </p:cNvPr>
-          <p:cNvSpPr txBox="1"/>
-          <p:nvPr/>
-        </p:nvSpPr>
-        <p:spPr>
-          <a:xfrm>
-            <a:off x="0" y="1449387"/>
-            <a:ext cx="12191999" cy="406905"/>
-          </a:xfrm>
-          <a:prstGeom prst="rect">
-            <a:avLst/>
-          </a:prstGeom>
-          <a:solidFill>
-            <a:srgbClr val="006A5A"/>
-          </a:solidFill>
-        </p:spPr>
-        <p:txBody>
-          <a:bodyPr wrap="square">
-            <a:spAutoFit/>
-          </a:bodyPr>
-          <a:lstStyle/>
-          <a:p>
-            <a:pPr algn="ctr">
-              <a:lnSpc>
-                <a:spcPts val="2143"/>
-              </a:lnSpc>
-              <a:spcBef>
-                <a:spcPts val="1029"/>
-              </a:spcBef>
-              <a:spcAft>
-                <a:spcPts val="1029"/>
-              </a:spcAft>
-            </a:pPr>
-            <a:r>
-              <a:rPr lang="fr-FR" sz="3200" b="1" i="0" dirty="0">
-                <a:solidFill>
-                  <a:schemeClr val="bg1"/>
-                </a:solidFill>
-                <a:effectLst/>
-                <a:latin typeface="DeepSeek-CJK-patch"/>
-              </a:rPr>
-              <a:t>Problématique</a:t>
-            </a:r>
-            <a:endParaRPr lang="fr-FR" sz="3200" dirty="0">
-              <a:solidFill>
-                <a:schemeClr val="bg1"/>
-              </a:solidFill>
-              <a:latin typeface="DeepSeek-CJK-patch"/>
-            </a:endParaRPr>
-          </a:p>
-        </p:txBody>
-      </p:sp>
-    </p:spTree>
-    <p:extLst>
-      <p:ext uri="{BB962C8B-B14F-4D97-AF65-F5344CB8AC3E}">
-        <p14:creationId xmlns:p14="http://schemas.microsoft.com/office/powerpoint/2010/main" val="1413526045"/>
-      </p:ext>
-    </p:extLst>
-  </p:cSld>
-  <p:clrMapOvr>
-    <a:masterClrMapping/>
-  </p:clrMapOvr>
-</p:sld>
-</file>
-
-<file path=ppt/slides/slide5.xml><?xml version="1.0" encoding="utf-8"?>
-<p:sld xmlns:a="http://schemas.openxmlformats.org/drawingml/2006/main" xmlns:r="http://schemas.openxmlformats.org/officeDocument/2006/relationships" xmlns:p="http://schemas.openxmlformats.org/presentationml/2006/main">
-  <p:cSld>
-    <p:spTree>
-      <p:nvGrpSpPr>
         <p:cNvPr id="1" name=""/>
         <p:cNvGrpSpPr/>
         <p:nvPr/>
@@ -12484,7 +15281,7 @@
             <a:fld id="{F546B7B7-7D14-4795-A998-350CFB2BDD43}" type="slidenum">
               <a:rPr lang="fr-FR" smtClean="0"/>
               <a:pPr/>
-              <a:t>5</a:t>
+              <a:t>4</a:t>
             </a:fld>
             <a:endParaRPr lang="fr-FR" dirty="0"/>
           </a:p>
@@ -13908,7 +16705,7 @@
 </p:sld>
 </file>
 
-<file path=ppt/slides/slide6.xml><?xml version="1.0" encoding="utf-8"?>
+<file path=ppt/slides/slide5.xml><?xml version="1.0" encoding="utf-8"?>
 <p:sld xmlns:a="http://schemas.openxmlformats.org/drawingml/2006/main" xmlns:r="http://schemas.openxmlformats.org/officeDocument/2006/relationships" xmlns:p="http://schemas.openxmlformats.org/presentationml/2006/main">
   <p:cSld>
     <p:spTree>
@@ -13949,7 +16746,7 @@
             <a:fld id="{F546B7B7-7D14-4795-A998-350CFB2BDD43}" type="slidenum">
               <a:rPr lang="fr-FR" smtClean="0"/>
               <a:pPr/>
-              <a:t>6</a:t>
+              <a:t>5</a:t>
             </a:fld>
             <a:endParaRPr lang="fr-FR"/>
           </a:p>
@@ -13968,7 +16765,7 @@
 </p:sld>
 </file>
 
-<file path=ppt/slides/slide7.xml><?xml version="1.0" encoding="utf-8"?>
+<file path=ppt/slides/slide6.xml><?xml version="1.0" encoding="utf-8"?>
 <p:sld xmlns:a="http://schemas.openxmlformats.org/drawingml/2006/main" xmlns:r="http://schemas.openxmlformats.org/officeDocument/2006/relationships" xmlns:p="http://schemas.openxmlformats.org/presentationml/2006/main">
   <p:cSld>
     <p:spTree>
@@ -14020,7 +16817,7 @@
             <a:fld id="{F546B7B7-7D14-4795-A998-350CFB2BDD43}" type="slidenum">
               <a:rPr lang="fr-FR" smtClean="0"/>
               <a:pPr/>
-              <a:t>7</a:t>
+              <a:t>6</a:t>
             </a:fld>
             <a:endParaRPr lang="fr-FR"/>
           </a:p>
@@ -14063,25 +16860,7 @@
                 </a:solidFill>
                 <a:latin typeface="Gill Sans MT" panose="020B0502020104020203" pitchFamily="34" charset="0"/>
               </a:rPr>
-              <a:t>1.1. Cadre conceptuel (</a:t>
-            </a:r>
-            <a:r>
-              <a:rPr lang="fr-FR" sz="3600" b="1" dirty="0">
-                <a:solidFill>
-                  <a:srgbClr val="FF0000"/>
-                </a:solidFill>
-                <a:latin typeface="Gill Sans MT" panose="020B0502020104020203" pitchFamily="34" charset="0"/>
-              </a:rPr>
-              <a:t>Toussaint revoir</a:t>
-            </a:r>
-            <a:r>
-              <a:rPr lang="fr-FR" sz="3600" b="1" dirty="0">
-                <a:solidFill>
-                  <a:schemeClr val="bg1"/>
-                </a:solidFill>
-                <a:latin typeface="Gill Sans MT" panose="020B0502020104020203" pitchFamily="34" charset="0"/>
-              </a:rPr>
-              <a:t>)</a:t>
+              <a:t>1.1. Cadre conceptuel</a:t>
             </a:r>
           </a:p>
         </p:txBody>
@@ -14125,60 +16904,416 @@
           </a:prstGeom>
         </p:spPr>
       </p:pic>
-      <mc:AlternateContent xmlns:mc="http://schemas.openxmlformats.org/markup-compatibility/2006" xmlns:a14="http://schemas.microsoft.com/office/drawing/2010/main">
-        <mc:Choice Requires="a14">
-          <p:sp>
-            <p:nvSpPr>
-              <p:cNvPr id="6" name="ZoneTexte 5">
-                <a:extLst>
-                  <a:ext uri="{FF2B5EF4-FFF2-40B4-BE49-F238E27FC236}">
-                    <a16:creationId xmlns:a16="http://schemas.microsoft.com/office/drawing/2014/main" id="{16044062-2647-3BDD-6E66-9E907B89CFA5}"/>
-                  </a:ext>
-                </a:extLst>
-              </p:cNvPr>
-              <p:cNvSpPr txBox="1"/>
-              <p:nvPr/>
-            </p:nvSpPr>
-            <p:spPr>
-              <a:xfrm>
-                <a:off x="1" y="1187142"/>
-                <a:ext cx="12192000" cy="1895262"/>
-              </a:xfrm>
-              <a:prstGeom prst="rect">
-                <a:avLst/>
-              </a:prstGeom>
-              <a:noFill/>
-            </p:spPr>
-            <p:txBody>
-              <a:bodyPr wrap="square">
-                <a:spAutoFit/>
-              </a:bodyPr>
-              <a:lstStyle/>
-              <a:p>
-                <a:pPr marL="342900" indent="-342900">
-                  <a:buFont typeface="Arial" panose="020B0604020202020204" pitchFamily="34" charset="0"/>
-                  <a:buChar char="•"/>
-                </a:pPr>
-                <a:r>
-                  <a:rPr lang="fr-FR" sz="2400" dirty="0"/>
-                  <a:t>Le </a:t>
-                </a:r>
-                <a:r>
-                  <a:rPr lang="fr-FR" sz="2400" b="1" dirty="0"/>
-                  <a:t>taux de consultations</a:t>
-                </a:r>
-                <a:r>
-                  <a:rPr lang="fr-FR" sz="2400" dirty="0"/>
-                  <a:t>  est le nombre moyen de consultations dans chaque commune :</a:t>
-                </a:r>
-              </a:p>
-              <a:p>
-                <a:pPr algn="ctr"/>
-                <a14:m>
-                  <m:oMathPara xmlns:m="http://schemas.openxmlformats.org/officeDocument/2006/math">
-                    <m:oMathParaPr>
-                      <m:jc m:val="centerGroup"/>
-                    </m:oMathParaPr>
+      <p:sp>
+        <p:nvSpPr>
+          <p:cNvPr id="5" name="ZoneTexte 4">
+            <a:extLst>
+              <a:ext uri="{FF2B5EF4-FFF2-40B4-BE49-F238E27FC236}">
+                <a16:creationId xmlns:a16="http://schemas.microsoft.com/office/drawing/2014/main" id="{19BDDB0E-5ED2-616F-556E-CC6866C48709}"/>
+              </a:ext>
+            </a:extLst>
+          </p:cNvPr>
+          <p:cNvSpPr txBox="1"/>
+          <p:nvPr/>
+        </p:nvSpPr>
+        <p:spPr>
+          <a:xfrm>
+            <a:off x="382483" y="3874108"/>
+            <a:ext cx="10818917" cy="2308324"/>
+          </a:xfrm>
+          <a:prstGeom prst="rect">
+            <a:avLst/>
+          </a:prstGeom>
+          <a:noFill/>
+        </p:spPr>
+        <p:txBody>
+          <a:bodyPr wrap="square">
+            <a:spAutoFit/>
+          </a:bodyPr>
+          <a:lstStyle/>
+          <a:p>
+            <a:pPr marL="342900" indent="-342900">
+              <a:buFont typeface="Arial" panose="020B0604020202020204" pitchFamily="34" charset="0"/>
+              <a:buChar char="•"/>
+            </a:pPr>
+            <a:r>
+              <a:rPr lang="fr-FR" sz="2400" b="1" dirty="0">
+                <a:latin typeface="Gill Sans MT" panose="020B0502020104020203" pitchFamily="34" charset="0"/>
+              </a:rPr>
+              <a:t>Notion de voisinage</a:t>
+            </a:r>
+            <a:endParaRPr lang="fr-FR" sz="2400" dirty="0">
+              <a:latin typeface="Gill Sans MT" panose="020B0502020104020203" pitchFamily="34" charset="0"/>
+            </a:endParaRPr>
+          </a:p>
+          <a:p>
+            <a:pPr marL="800100" lvl="1" indent="-342900">
+              <a:buFont typeface="Wingdings" panose="05000000000000000000" pitchFamily="2" charset="2"/>
+              <a:buChar char="ü"/>
+            </a:pPr>
+            <a:r>
+              <a:rPr lang="fr-FR" sz="2400" b="1" dirty="0">
+                <a:latin typeface="Gill Sans MT" panose="020B0502020104020203" pitchFamily="34" charset="0"/>
+              </a:rPr>
+              <a:t>Basée sur la distance </a:t>
+            </a:r>
+            <a:r>
+              <a:rPr lang="fr-FR" sz="2400" dirty="0">
+                <a:latin typeface="Gill Sans MT" panose="020B0502020104020203" pitchFamily="34" charset="0"/>
+              </a:rPr>
+              <a:t>: Deux localités sont voisines si la distance entre elles est inférieure à un seuil prédéfini.</a:t>
+            </a:r>
+          </a:p>
+          <a:p>
+            <a:pPr marL="800100" lvl="1" indent="-342900">
+              <a:buFont typeface="Wingdings" panose="05000000000000000000" pitchFamily="2" charset="2"/>
+              <a:buChar char="ü"/>
+            </a:pPr>
+            <a:r>
+              <a:rPr lang="fr-FR" sz="2400" b="1" dirty="0">
+                <a:latin typeface="Gill Sans MT" panose="020B0502020104020203" pitchFamily="34" charset="0"/>
+              </a:rPr>
+              <a:t>Basée sur la contiguïté </a:t>
+            </a:r>
+            <a:r>
+              <a:rPr lang="fr-FR" sz="2400" dirty="0">
+                <a:latin typeface="Gill Sans MT" panose="020B0502020104020203" pitchFamily="34" charset="0"/>
+              </a:rPr>
+              <a:t>: On distingue par exemple la contiguïté et la contiguïté Queen.</a:t>
+            </a:r>
+          </a:p>
+          <a:p>
+            <a:pPr marL="800100" lvl="1" indent="-342900">
+              <a:buFont typeface="Wingdings" panose="05000000000000000000" pitchFamily="2" charset="2"/>
+              <a:buChar char="ü"/>
+            </a:pPr>
+            <a:r>
+              <a:rPr lang="fr-FR" sz="2400" b="1" dirty="0">
+                <a:latin typeface="Gill Sans MT" panose="020B0502020104020203" pitchFamily="34" charset="0"/>
+              </a:rPr>
+              <a:t>Basée sur l’optimisation d’une trajectoire</a:t>
+            </a:r>
+            <a:endParaRPr lang="en-US" sz="2400" b="1" dirty="0">
+              <a:latin typeface="Gill Sans MT" panose="020B0502020104020203" pitchFamily="34" charset="0"/>
+            </a:endParaRPr>
+          </a:p>
+        </p:txBody>
+      </p:sp>
+      <p:grpSp>
+        <p:nvGrpSpPr>
+          <p:cNvPr id="11" name="Groupe 10">
+            <a:extLst>
+              <a:ext uri="{FF2B5EF4-FFF2-40B4-BE49-F238E27FC236}">
+                <a16:creationId xmlns:a16="http://schemas.microsoft.com/office/drawing/2014/main" id="{3A67ACA6-3011-7E10-2157-844DD05DB304}"/>
+              </a:ext>
+            </a:extLst>
+          </p:cNvPr>
+          <p:cNvGrpSpPr/>
+          <p:nvPr/>
+        </p:nvGrpSpPr>
+        <p:grpSpPr>
+          <a:xfrm>
+            <a:off x="247771" y="1283157"/>
+            <a:ext cx="11106029" cy="4913704"/>
+            <a:chOff x="102053" y="1362165"/>
+            <a:chExt cx="11106029" cy="4711809"/>
+          </a:xfrm>
+        </p:grpSpPr>
+        <p:sp>
+          <p:nvSpPr>
+            <p:cNvPr id="10" name="Rectangle : coins arrondis 9">
+              <a:extLst>
+                <a:ext uri="{FF2B5EF4-FFF2-40B4-BE49-F238E27FC236}">
+                  <a16:creationId xmlns:a16="http://schemas.microsoft.com/office/drawing/2014/main" id="{6BB401D5-D84D-D920-FA55-64F792B2DA24}"/>
+                </a:ext>
+              </a:extLst>
+            </p:cNvPr>
+            <p:cNvSpPr/>
+            <p:nvPr/>
+          </p:nvSpPr>
+          <p:spPr>
+            <a:xfrm>
+              <a:off x="119743" y="1362165"/>
+              <a:ext cx="11088339" cy="2241167"/>
+            </a:xfrm>
+            <a:prstGeom prst="roundRect">
+              <a:avLst/>
+            </a:prstGeom>
+            <a:noFill/>
+          </p:spPr>
+          <p:style>
+            <a:lnRef idx="2">
+              <a:schemeClr val="accent1">
+                <a:shade val="15000"/>
+              </a:schemeClr>
+            </a:lnRef>
+            <a:fillRef idx="1">
+              <a:schemeClr val="accent1"/>
+            </a:fillRef>
+            <a:effectRef idx="0">
+              <a:schemeClr val="accent1"/>
+            </a:effectRef>
+            <a:fontRef idx="minor">
+              <a:schemeClr val="lt1"/>
+            </a:fontRef>
+          </p:style>
+          <p:txBody>
+            <a:bodyPr rtlCol="0" anchor="ctr"/>
+            <a:lstStyle/>
+            <a:p>
+              <a:pPr algn="ctr"/>
+              <a:endParaRPr lang="fr-FR" dirty="0"/>
+            </a:p>
+          </p:txBody>
+        </p:sp>
+        <mc:AlternateContent xmlns:mc="http://schemas.openxmlformats.org/markup-compatibility/2006" xmlns:a14="http://schemas.microsoft.com/office/drawing/2010/main">
+          <mc:Choice Requires="a14">
+            <p:sp>
+              <p:nvSpPr>
+                <p:cNvPr id="6" name="ZoneTexte 5">
+                  <a:extLst>
+                    <a:ext uri="{FF2B5EF4-FFF2-40B4-BE49-F238E27FC236}">
+                      <a16:creationId xmlns:a16="http://schemas.microsoft.com/office/drawing/2014/main" id="{16044062-2647-3BDD-6E66-9E907B89CFA5}"/>
+                    </a:ext>
+                  </a:extLst>
+                </p:cNvPr>
+                <p:cNvSpPr txBox="1"/>
+                <p:nvPr/>
+              </p:nvSpPr>
+              <p:spPr>
+                <a:xfrm>
+                  <a:off x="244929" y="1672224"/>
+                  <a:ext cx="5834743" cy="1895262"/>
+                </a:xfrm>
+                <a:prstGeom prst="rect">
+                  <a:avLst/>
+                </a:prstGeom>
+                <a:noFill/>
+              </p:spPr>
+              <p:txBody>
+                <a:bodyPr wrap="square">
+                  <a:spAutoFit/>
+                </a:bodyPr>
+                <a:lstStyle/>
+                <a:p>
+                  <a:pPr marL="342900" indent="-342900">
+                    <a:buFont typeface="Arial" panose="020B0604020202020204" pitchFamily="34" charset="0"/>
+                    <a:buChar char="•"/>
+                  </a:pPr>
+                  <a:r>
+                    <a:rPr lang="fr-FR" sz="2400" dirty="0">
+                      <a:latin typeface="Gill Sans MT" panose="020B0502020104020203" pitchFamily="34" charset="0"/>
+                    </a:rPr>
+                    <a:t>Le </a:t>
+                  </a:r>
+                  <a:r>
+                    <a:rPr lang="fr-FR" sz="2400" b="1" dirty="0">
+                      <a:latin typeface="Gill Sans MT" panose="020B0502020104020203" pitchFamily="34" charset="0"/>
+                    </a:rPr>
+                    <a:t>taux de consultations</a:t>
+                  </a:r>
+                  <a:r>
+                    <a:rPr lang="fr-FR" sz="2400" dirty="0">
+                      <a:latin typeface="Gill Sans MT" panose="020B0502020104020203" pitchFamily="34" charset="0"/>
+                    </a:rPr>
+                    <a:t>  est le nombre moyen de consultations dans chaque commune :</a:t>
+                  </a:r>
+                </a:p>
+                <a:p>
+                  <a:pPr algn="ctr"/>
+                  <a14:m>
+                    <m:oMathPara xmlns:m="http://schemas.openxmlformats.org/officeDocument/2006/math">
+                      <m:oMathParaPr>
+                        <m:jc m:val="centerGroup"/>
+                      </m:oMathParaPr>
+                      <m:oMath xmlns:m="http://schemas.openxmlformats.org/officeDocument/2006/math">
+                        <m:sSub>
+                          <m:sSubPr>
+                            <m:ctrlPr>
+                              <a:rPr lang="en-US" sz="2400" i="1" smtClean="0">
+                                <a:latin typeface="Cambria Math" panose="02040503050406030204" pitchFamily="18" charset="0"/>
+                              </a:rPr>
+                            </m:ctrlPr>
+                          </m:sSubPr>
+                          <m:e>
+                            <m:r>
+                              <a:rPr lang="en-US" sz="2400" i="1" smtClean="0">
+                                <a:latin typeface="Cambria Math" panose="02040503050406030204" pitchFamily="18" charset="0"/>
+                                <a:ea typeface="Cambria Math" panose="02040503050406030204" pitchFamily="18" charset="0"/>
+                              </a:rPr>
+                              <m:t>𝜏</m:t>
+                            </m:r>
+                          </m:e>
+                          <m:sub>
+                            <m:r>
+                              <a:rPr lang="fr-FR" sz="2400" b="0" i="1" smtClean="0">
+                                <a:latin typeface="Cambria Math" panose="02040503050406030204" pitchFamily="18" charset="0"/>
+                              </a:rPr>
+                              <m:t>𝑖</m:t>
+                            </m:r>
+                          </m:sub>
+                        </m:sSub>
+                        <m:r>
+                          <a:rPr lang="fr-FR" sz="2400" b="0" i="1" smtClean="0">
+                            <a:latin typeface="Cambria Math" panose="02040503050406030204" pitchFamily="18" charset="0"/>
+                          </a:rPr>
+                          <m:t>=</m:t>
+                        </m:r>
+                        <m:f>
+                          <m:fPr>
+                            <m:ctrlPr>
+                              <a:rPr lang="fr-FR" sz="2400" b="0" i="1" smtClean="0">
+                                <a:latin typeface="Cambria Math" panose="02040503050406030204" pitchFamily="18" charset="0"/>
+                              </a:rPr>
+                            </m:ctrlPr>
+                          </m:fPr>
+                          <m:num>
+                            <m:sSub>
+                              <m:sSubPr>
+                                <m:ctrlPr>
+                                  <a:rPr lang="fr-FR" sz="2400" b="0" i="1" smtClean="0">
+                                    <a:latin typeface="Cambria Math" panose="02040503050406030204" pitchFamily="18" charset="0"/>
+                                  </a:rPr>
+                                </m:ctrlPr>
+                              </m:sSubPr>
+                              <m:e>
+                                <m:r>
+                                  <a:rPr lang="fr-FR" sz="2400" b="0" i="1" smtClean="0">
+                                    <a:latin typeface="Cambria Math" panose="02040503050406030204" pitchFamily="18" charset="0"/>
+                                  </a:rPr>
+                                  <m:t>𝑛</m:t>
+                                </m:r>
+                              </m:e>
+                              <m:sub>
+                                <m:r>
+                                  <a:rPr lang="fr-FR" sz="2400" b="0" i="1" smtClean="0">
+                                    <a:latin typeface="Cambria Math" panose="02040503050406030204" pitchFamily="18" charset="0"/>
+                                  </a:rPr>
+                                  <m:t>𝑖</m:t>
+                                </m:r>
+                              </m:sub>
+                            </m:sSub>
+                          </m:num>
+                          <m:den>
+                            <m:sSub>
+                              <m:sSubPr>
+                                <m:ctrlPr>
+                                  <a:rPr lang="fr-FR" sz="2400" b="0" i="1" smtClean="0">
+                                    <a:latin typeface="Cambria Math" panose="02040503050406030204" pitchFamily="18" charset="0"/>
+                                  </a:rPr>
+                                </m:ctrlPr>
+                              </m:sSubPr>
+                              <m:e>
+                                <m:r>
+                                  <a:rPr lang="fr-FR" sz="2400" b="0" i="1" smtClean="0">
+                                    <a:latin typeface="Cambria Math" panose="02040503050406030204" pitchFamily="18" charset="0"/>
+                                  </a:rPr>
+                                  <m:t>𝑃</m:t>
+                                </m:r>
+                              </m:e>
+                              <m:sub>
+                                <m:r>
+                                  <a:rPr lang="fr-FR" sz="2400" b="0" i="1" smtClean="0">
+                                    <a:latin typeface="Cambria Math" panose="02040503050406030204" pitchFamily="18" charset="0"/>
+                                  </a:rPr>
+                                  <m:t>𝑖</m:t>
+                                </m:r>
+                              </m:sub>
+                            </m:sSub>
+                          </m:den>
+                        </m:f>
+                      </m:oMath>
+                    </m:oMathPara>
+                  </a14:m>
+                  <a:endParaRPr lang="en-US" sz="2400" dirty="0">
+                    <a:latin typeface="Gill Sans MT" panose="020B0502020104020203" pitchFamily="34" charset="0"/>
+                  </a:endParaRPr>
+                </a:p>
+              </p:txBody>
+            </p:sp>
+          </mc:Choice>
+          <mc:Fallback xmlns="">
+            <p:sp>
+              <p:nvSpPr>
+                <p:cNvPr id="6" name="ZoneTexte 5">
+                  <a:extLst>
+                    <a:ext uri="{FF2B5EF4-FFF2-40B4-BE49-F238E27FC236}">
+                      <a16:creationId xmlns:a16="http://schemas.microsoft.com/office/drawing/2014/main" id="{16044062-2647-3BDD-6E66-9E907B89CFA5}"/>
+                    </a:ext>
+                  </a:extLst>
+                </p:cNvPr>
+                <p:cNvSpPr txBox="1">
+                  <a:spLocks noRot="1" noChangeAspect="1" noMove="1" noResize="1" noEditPoints="1" noAdjustHandles="1" noChangeArrowheads="1" noChangeShapeType="1" noTextEdit="1"/>
+                </p:cNvSpPr>
+                <p:nvPr/>
+              </p:nvSpPr>
+              <p:spPr>
+                <a:xfrm>
+                  <a:off x="244929" y="1672224"/>
+                  <a:ext cx="5834743" cy="1895262"/>
+                </a:xfrm>
+                <a:prstGeom prst="rect">
+                  <a:avLst/>
+                </a:prstGeom>
+                <a:blipFill>
+                  <a:blip r:embed="rId4"/>
+                  <a:stretch>
+                    <a:fillRect l="-1358" t="-2469" r="-2821"/>
+                  </a:stretch>
+                </a:blipFill>
+              </p:spPr>
+              <p:txBody>
+                <a:bodyPr/>
+                <a:lstStyle/>
+                <a:p>
+                  <a:r>
+                    <a:rPr lang="fr-FR">
+                      <a:noFill/>
+                    </a:rPr>
+                    <a:t> </a:t>
+                  </a:r>
+                </a:p>
+              </p:txBody>
+            </p:sp>
+          </mc:Fallback>
+        </mc:AlternateContent>
+        <mc:AlternateContent xmlns:mc="http://schemas.openxmlformats.org/markup-compatibility/2006" xmlns:a14="http://schemas.microsoft.com/office/drawing/2010/main">
+          <mc:Choice Requires="a14">
+            <p:sp>
+              <p:nvSpPr>
+                <p:cNvPr id="9" name="ZoneTexte 8">
+                  <a:extLst>
+                    <a:ext uri="{FF2B5EF4-FFF2-40B4-BE49-F238E27FC236}">
+                      <a16:creationId xmlns:a16="http://schemas.microsoft.com/office/drawing/2014/main" id="{2C442562-28C8-D55B-3644-361E62740B73}"/>
+                    </a:ext>
+                  </a:extLst>
+                </p:cNvPr>
+                <p:cNvSpPr txBox="1"/>
+                <p:nvPr/>
+              </p:nvSpPr>
+              <p:spPr>
+                <a:xfrm>
+                  <a:off x="6173439" y="1672224"/>
+                  <a:ext cx="5034643" cy="1569660"/>
+                </a:xfrm>
+                <a:prstGeom prst="rect">
+                  <a:avLst/>
+                </a:prstGeom>
+                <a:noFill/>
+              </p:spPr>
+              <p:txBody>
+                <a:bodyPr wrap="square">
+                  <a:spAutoFit/>
+                </a:bodyPr>
+                <a:lstStyle/>
+                <a:p>
+                  <a:r>
+                    <a:rPr lang="fr-FR" sz="2400" dirty="0">
+                      <a:latin typeface="Gill Sans MT" panose="020B0502020104020203" pitchFamily="34" charset="0"/>
+                    </a:rPr>
+                    <a:t>Avec </a:t>
+                  </a:r>
+                  <a14:m>
                     <m:oMath xmlns:m="http://schemas.openxmlformats.org/officeDocument/2006/math">
                       <m:sSub>
                         <m:sSubPr>
@@ -14206,240 +17341,357 @@
                           </m:r>
                         </m:sub>
                       </m:sSub>
-                      <m:r>
-                        <a:rPr lang="fr-FR" sz="2400" b="0" i="1" smtClean="0">
-                          <a:latin typeface="Cambria Math" panose="02040503050406030204" pitchFamily="18" charset="0"/>
-                        </a:rPr>
-                        <m:t>=</m:t>
-                      </m:r>
-                      <m:f>
-                        <m:fPr>
+                    </m:oMath>
+                  </a14:m>
+                  <a:r>
+                    <a:rPr lang="fr-FR" sz="2400" dirty="0">
+                      <a:latin typeface="Gill Sans MT" panose="020B0502020104020203" pitchFamily="34" charset="0"/>
+                    </a:rPr>
+                    <a:t> , </a:t>
+                  </a:r>
+                  <a14:m>
+                    <m:oMath xmlns:m="http://schemas.openxmlformats.org/officeDocument/2006/math">
+                      <m:sSub>
+                        <m:sSubPr>
                           <m:ctrlPr>
-                            <a:rPr lang="fr-FR" sz="2400" b="0" i="1" smtClean="0">
+                            <a:rPr lang="fr-FR" sz="2400" i="1">
                               <a:latin typeface="Cambria Math" panose="02040503050406030204" pitchFamily="18" charset="0"/>
                             </a:rPr>
                           </m:ctrlPr>
-                        </m:fPr>
-                        <m:num>
-                          <m:sSub>
-                            <m:sSubPr>
-                              <m:ctrlPr>
-                                <a:rPr lang="fr-FR" sz="2400" b="0" i="1" smtClean="0">
-                                  <a:latin typeface="Cambria Math" panose="02040503050406030204" pitchFamily="18" charset="0"/>
-                                </a:rPr>
-                              </m:ctrlPr>
-                            </m:sSubPr>
-                            <m:e>
-                              <m:r>
-                                <a:rPr lang="fr-FR" sz="2400" b="0" i="1" smtClean="0">
-                                  <a:latin typeface="Cambria Math" panose="02040503050406030204" pitchFamily="18" charset="0"/>
-                                </a:rPr>
-                                <m:t>𝑛</m:t>
-                              </m:r>
-                            </m:e>
-                            <m:sub>
-                              <m:r>
-                                <a:rPr lang="fr-FR" sz="2400" b="0" i="1" smtClean="0">
-                                  <a:latin typeface="Cambria Math" panose="02040503050406030204" pitchFamily="18" charset="0"/>
-                                </a:rPr>
-                                <m:t>𝑖</m:t>
-                              </m:r>
-                            </m:sub>
-                          </m:sSub>
-                        </m:num>
-                        <m:den>
-                          <m:sSub>
-                            <m:sSubPr>
-                              <m:ctrlPr>
-                                <a:rPr lang="fr-FR" sz="2400" b="0" i="1" smtClean="0">
-                                  <a:latin typeface="Cambria Math" panose="02040503050406030204" pitchFamily="18" charset="0"/>
-                                </a:rPr>
-                              </m:ctrlPr>
-                            </m:sSubPr>
-                            <m:e>
-                              <m:r>
-                                <a:rPr lang="fr-FR" sz="2400" b="0" i="1" smtClean="0">
-                                  <a:latin typeface="Cambria Math" panose="02040503050406030204" pitchFamily="18" charset="0"/>
-                                </a:rPr>
-                                <m:t>𝑃</m:t>
-                              </m:r>
-                            </m:e>
-                            <m:sub>
-                              <m:r>
-                                <a:rPr lang="fr-FR" sz="2400" b="0" i="1" smtClean="0">
-                                  <a:latin typeface="Cambria Math" panose="02040503050406030204" pitchFamily="18" charset="0"/>
-                                </a:rPr>
-                                <m:t>𝑖</m:t>
-                              </m:r>
-                            </m:sub>
-                          </m:sSub>
-                        </m:den>
-                      </m:f>
+                        </m:sSubPr>
+                        <m:e>
+                          <m:r>
+                            <a:rPr lang="fr-FR" sz="2400" i="1">
+                              <a:latin typeface="Cambria Math" panose="02040503050406030204" pitchFamily="18" charset="0"/>
+                            </a:rPr>
+                            <m:t>𝑛</m:t>
+                          </m:r>
+                        </m:e>
+                        <m:sub>
+                          <m:r>
+                            <a:rPr lang="fr-FR" sz="2400" i="1">
+                              <a:latin typeface="Cambria Math" panose="02040503050406030204" pitchFamily="18" charset="0"/>
+                            </a:rPr>
+                            <m:t>𝑖</m:t>
+                          </m:r>
+                        </m:sub>
+                      </m:sSub>
                     </m:oMath>
-                  </m:oMathPara>
-                </a14:m>
-                <a:endParaRPr lang="en-US" sz="2400" dirty="0"/>
-              </a:p>
-              <a:p>
-                <a:r>
-                  <a:rPr lang="fr-FR" sz="2400" dirty="0"/>
-                  <a:t>où </a:t>
-                </a:r>
-                <a14:m>
-                  <m:oMath xmlns:m="http://schemas.openxmlformats.org/officeDocument/2006/math">
-                    <m:sSub>
-                      <m:sSubPr>
-                        <m:ctrlPr>
-                          <a:rPr lang="en-US" sz="2400" i="1" smtClean="0">
-                            <a:latin typeface="Cambria Math" panose="02040503050406030204" pitchFamily="18" charset="0"/>
-                          </a:rPr>
-                        </m:ctrlPr>
-                      </m:sSubPr>
-                      <m:e>
-                        <m:r>
-                          <a:rPr lang="en-US" sz="2400" i="1" smtClean="0">
-                            <a:latin typeface="Cambria Math" panose="02040503050406030204" pitchFamily="18" charset="0"/>
-                            <a:ea typeface="Cambria Math" panose="02040503050406030204" pitchFamily="18" charset="0"/>
-                          </a:rPr>
-                          <m:t>𝜏</m:t>
-                        </m:r>
-                      </m:e>
-                      <m:sub>
-                        <m:r>
-                          <a:rPr lang="fr-FR" sz="2400" b="0" i="1" smtClean="0">
-                            <a:latin typeface="Cambria Math" panose="02040503050406030204" pitchFamily="18" charset="0"/>
-                          </a:rPr>
-                          <m:t>𝑖</m:t>
-                        </m:r>
-                      </m:sub>
-                    </m:sSub>
-                  </m:oMath>
-                </a14:m>
-                <a:r>
-                  <a:rPr lang="fr-FR" sz="2400" dirty="0"/>
-                  <a:t> , </a:t>
-                </a:r>
-                <a14:m>
-                  <m:oMath xmlns:m="http://schemas.openxmlformats.org/officeDocument/2006/math">
-                    <m:sSub>
-                      <m:sSubPr>
-                        <m:ctrlPr>
-                          <a:rPr lang="fr-FR" sz="2400" i="1">
-                            <a:latin typeface="Cambria Math" panose="02040503050406030204" pitchFamily="18" charset="0"/>
-                          </a:rPr>
-                        </m:ctrlPr>
-                      </m:sSubPr>
-                      <m:e>
-                        <m:r>
-                          <a:rPr lang="fr-FR" sz="2400" i="1">
-                            <a:latin typeface="Cambria Math" panose="02040503050406030204" pitchFamily="18" charset="0"/>
-                          </a:rPr>
-                          <m:t>𝑛</m:t>
-                        </m:r>
-                      </m:e>
-                      <m:sub>
-                        <m:r>
-                          <a:rPr lang="fr-FR" sz="2400" i="1">
-                            <a:latin typeface="Cambria Math" panose="02040503050406030204" pitchFamily="18" charset="0"/>
-                          </a:rPr>
-                          <m:t>𝑖</m:t>
-                        </m:r>
-                      </m:sub>
-                    </m:sSub>
-                  </m:oMath>
-                </a14:m>
-                <a:r>
-                  <a:rPr lang="fr-FR" sz="2400" dirty="0"/>
-                  <a:t> et </a:t>
-                </a:r>
-                <a14:m>
-                  <m:oMath xmlns:m="http://schemas.openxmlformats.org/officeDocument/2006/math">
-                    <m:sSub>
-                      <m:sSubPr>
-                        <m:ctrlPr>
-                          <a:rPr lang="fr-FR" sz="2400" i="1">
-                            <a:latin typeface="Cambria Math" panose="02040503050406030204" pitchFamily="18" charset="0"/>
-                          </a:rPr>
-                        </m:ctrlPr>
-                      </m:sSubPr>
-                      <m:e>
-                        <m:r>
-                          <a:rPr lang="fr-FR" sz="2400" i="1">
-                            <a:latin typeface="Cambria Math" panose="02040503050406030204" pitchFamily="18" charset="0"/>
-                          </a:rPr>
-                          <m:t>𝑃</m:t>
-                        </m:r>
-                      </m:e>
-                      <m:sub>
-                        <m:r>
-                          <a:rPr lang="fr-FR" sz="2400" i="1">
-                            <a:latin typeface="Cambria Math" panose="02040503050406030204" pitchFamily="18" charset="0"/>
-                          </a:rPr>
-                          <m:t>𝑖</m:t>
-                        </m:r>
-                      </m:sub>
-                    </m:sSub>
-                  </m:oMath>
-                </a14:m>
-                <a:r>
-                  <a:rPr lang="fr-FR" sz="2400" dirty="0"/>
-                  <a:t> sont respectivement le taux de consultations, le nombre de consultations et la population de la commune i.</a:t>
-                </a:r>
-                <a:endParaRPr lang="en-US" sz="2400" dirty="0"/>
-              </a:p>
-            </p:txBody>
-          </p:sp>
-        </mc:Choice>
-        <mc:Fallback xmlns="">
-          <p:sp>
-            <p:nvSpPr>
-              <p:cNvPr id="6" name="ZoneTexte 5">
-                <a:extLst>
-                  <a:ext uri="{FF2B5EF4-FFF2-40B4-BE49-F238E27FC236}">
-                    <a16:creationId xmlns:a16="http://schemas.microsoft.com/office/drawing/2014/main" id="{16044062-2647-3BDD-6E66-9E907B89CFA5}"/>
-                  </a:ext>
-                </a:extLst>
-              </p:cNvPr>
-              <p:cNvSpPr txBox="1">
-                <a:spLocks noRot="1" noChangeAspect="1" noMove="1" noResize="1" noEditPoints="1" noAdjustHandles="1" noChangeArrowheads="1" noChangeShapeType="1" noTextEdit="1"/>
-              </p:cNvSpPr>
-              <p:nvPr/>
-            </p:nvSpPr>
-            <p:spPr>
-              <a:xfrm>
-                <a:off x="1" y="1187142"/>
-                <a:ext cx="12192000" cy="1895262"/>
-              </a:xfrm>
-              <a:prstGeom prst="rect">
-                <a:avLst/>
-              </a:prstGeom>
-              <a:blipFill>
-                <a:blip r:embed="rId4"/>
-                <a:stretch>
-                  <a:fillRect l="-750" t="-2572" b="-6431"/>
-                </a:stretch>
-              </a:blipFill>
-            </p:spPr>
-            <p:txBody>
-              <a:bodyPr/>
-              <a:lstStyle/>
-              <a:p>
-                <a:r>
-                  <a:rPr lang="en-US">
-                    <a:noFill/>
-                  </a:rPr>
-                  <a:t> </a:t>
-                </a:r>
-              </a:p>
-            </p:txBody>
-          </p:sp>
-        </mc:Fallback>
-      </mc:AlternateContent>
+                  </a14:m>
+                  <a:r>
+                    <a:rPr lang="fr-FR" sz="2400" dirty="0">
+                      <a:latin typeface="Gill Sans MT" panose="020B0502020104020203" pitchFamily="34" charset="0"/>
+                    </a:rPr>
+                    <a:t> et </a:t>
+                  </a:r>
+                  <a14:m>
+                    <m:oMath xmlns:m="http://schemas.openxmlformats.org/officeDocument/2006/math">
+                      <m:sSub>
+                        <m:sSubPr>
+                          <m:ctrlPr>
+                            <a:rPr lang="fr-FR" sz="2400" i="1">
+                              <a:latin typeface="Cambria Math" panose="02040503050406030204" pitchFamily="18" charset="0"/>
+                            </a:rPr>
+                          </m:ctrlPr>
+                        </m:sSubPr>
+                        <m:e>
+                          <m:r>
+                            <a:rPr lang="fr-FR" sz="2400" i="1">
+                              <a:latin typeface="Cambria Math" panose="02040503050406030204" pitchFamily="18" charset="0"/>
+                            </a:rPr>
+                            <m:t>𝑃</m:t>
+                          </m:r>
+                        </m:e>
+                        <m:sub>
+                          <m:r>
+                            <a:rPr lang="fr-FR" sz="2400" i="1">
+                              <a:latin typeface="Cambria Math" panose="02040503050406030204" pitchFamily="18" charset="0"/>
+                            </a:rPr>
+                            <m:t>𝑖</m:t>
+                          </m:r>
+                        </m:sub>
+                      </m:sSub>
+                    </m:oMath>
+                  </a14:m>
+                  <a:r>
+                    <a:rPr lang="fr-FR" sz="2400" dirty="0">
+                      <a:latin typeface="Gill Sans MT" panose="020B0502020104020203" pitchFamily="34" charset="0"/>
+                    </a:rPr>
+                    <a:t>, respectivement le taux de consultations, le nombre de consultations et la population de la commune </a:t>
+                  </a:r>
+                  <a14:m>
+                    <m:oMath xmlns:m="http://schemas.openxmlformats.org/officeDocument/2006/math">
+                      <m:r>
+                        <a:rPr lang="fr-FR" sz="2400" i="1" dirty="0" smtClean="0">
+                          <a:latin typeface="Cambria Math" panose="02040503050406030204" pitchFamily="18" charset="0"/>
+                        </a:rPr>
+                        <m:t>𝑖</m:t>
+                      </m:r>
+                    </m:oMath>
+                  </a14:m>
+                  <a:r>
+                    <a:rPr lang="fr-FR" sz="2400" dirty="0">
+                      <a:latin typeface="Gill Sans MT" panose="020B0502020104020203" pitchFamily="34" charset="0"/>
+                    </a:rPr>
+                    <a:t>.</a:t>
+                  </a:r>
+                  <a:endParaRPr lang="en-US" sz="2400" dirty="0">
+                    <a:latin typeface="Gill Sans MT" panose="020B0502020104020203" pitchFamily="34" charset="0"/>
+                  </a:endParaRPr>
+                </a:p>
+              </p:txBody>
+            </p:sp>
+          </mc:Choice>
+          <mc:Fallback xmlns="">
+            <p:sp>
+              <p:nvSpPr>
+                <p:cNvPr id="9" name="ZoneTexte 8">
+                  <a:extLst>
+                    <a:ext uri="{FF2B5EF4-FFF2-40B4-BE49-F238E27FC236}">
+                      <a16:creationId xmlns:a16="http://schemas.microsoft.com/office/drawing/2014/main" id="{2C442562-28C8-D55B-3644-361E62740B73}"/>
+                    </a:ext>
+                  </a:extLst>
+                </p:cNvPr>
+                <p:cNvSpPr txBox="1">
+                  <a:spLocks noRot="1" noChangeAspect="1" noMove="1" noResize="1" noEditPoints="1" noAdjustHandles="1" noChangeArrowheads="1" noChangeShapeType="1" noTextEdit="1"/>
+                </p:cNvSpPr>
+                <p:nvPr/>
+              </p:nvSpPr>
+              <p:spPr>
+                <a:xfrm>
+                  <a:off x="6173439" y="1672224"/>
+                  <a:ext cx="5034643" cy="1569660"/>
+                </a:xfrm>
+                <a:prstGeom prst="rect">
+                  <a:avLst/>
+                </a:prstGeom>
+                <a:blipFill>
+                  <a:blip r:embed="rId5"/>
+                  <a:stretch>
+                    <a:fillRect l="-1937" t="-2985" b="-3731"/>
+                  </a:stretch>
+                </a:blipFill>
+              </p:spPr>
+              <p:txBody>
+                <a:bodyPr/>
+                <a:lstStyle/>
+                <a:p>
+                  <a:r>
+                    <a:rPr lang="fr-FR">
+                      <a:noFill/>
+                    </a:rPr>
+                    <a:t> </a:t>
+                  </a:r>
+                </a:p>
+              </p:txBody>
+            </p:sp>
+          </mc:Fallback>
+        </mc:AlternateContent>
+        <p:sp>
+          <p:nvSpPr>
+            <p:cNvPr id="12" name="Rectangle : coins arrondis 11">
+              <a:extLst>
+                <a:ext uri="{FF2B5EF4-FFF2-40B4-BE49-F238E27FC236}">
+                  <a16:creationId xmlns:a16="http://schemas.microsoft.com/office/drawing/2014/main" id="{51FECEE6-D937-2875-5E80-45020A8753EB}"/>
+                </a:ext>
+              </a:extLst>
+            </p:cNvPr>
+            <p:cNvSpPr/>
+            <p:nvPr/>
+          </p:nvSpPr>
+          <p:spPr>
+            <a:xfrm>
+              <a:off x="102053" y="3832807"/>
+              <a:ext cx="11088339" cy="2241167"/>
+            </a:xfrm>
+            <a:prstGeom prst="roundRect">
+              <a:avLst/>
+            </a:prstGeom>
+            <a:noFill/>
+          </p:spPr>
+          <p:style>
+            <a:lnRef idx="2">
+              <a:schemeClr val="accent1">
+                <a:shade val="15000"/>
+              </a:schemeClr>
+            </a:lnRef>
+            <a:fillRef idx="1">
+              <a:schemeClr val="accent1"/>
+            </a:fillRef>
+            <a:effectRef idx="0">
+              <a:schemeClr val="accent1"/>
+            </a:effectRef>
+            <a:fontRef idx="minor">
+              <a:schemeClr val="lt1"/>
+            </a:fontRef>
+          </p:style>
+          <p:txBody>
+            <a:bodyPr rtlCol="0" anchor="ctr"/>
+            <a:lstStyle/>
+            <a:p>
+              <a:pPr algn="ctr"/>
+              <a:endParaRPr lang="fr-FR" dirty="0"/>
+            </a:p>
+          </p:txBody>
+        </p:sp>
+      </p:grpSp>
+    </p:spTree>
+    <p:extLst>
+      <p:ext uri="{BB962C8B-B14F-4D97-AF65-F5344CB8AC3E}">
+        <p14:creationId xmlns:p14="http://schemas.microsoft.com/office/powerpoint/2010/main" val="1964435662"/>
+      </p:ext>
+    </p:extLst>
+  </p:cSld>
+  <p:clrMapOvr>
+    <a:masterClrMapping/>
+  </p:clrMapOvr>
+</p:sld>
+</file>
+
+<file path=ppt/slides/slide7.xml><?xml version="1.0" encoding="utf-8"?>
+<p:sld xmlns:a="http://schemas.openxmlformats.org/drawingml/2006/main" xmlns:r="http://schemas.openxmlformats.org/officeDocument/2006/relationships" xmlns:p="http://schemas.openxmlformats.org/presentationml/2006/main">
+  <p:cSld>
+    <p:spTree>
+      <p:nvGrpSpPr>
+        <p:cNvPr id="1" name="">
+          <a:extLst>
+            <a:ext uri="{FF2B5EF4-FFF2-40B4-BE49-F238E27FC236}">
+              <a16:creationId xmlns:a16="http://schemas.microsoft.com/office/drawing/2014/main" id="{C67557DB-E485-B1ED-5FD9-327415A607DF}"/>
+            </a:ext>
+          </a:extLst>
+        </p:cNvPr>
+        <p:cNvGrpSpPr/>
+        <p:nvPr/>
+      </p:nvGrpSpPr>
+      <p:grpSpPr>
+        <a:xfrm>
+          <a:off x="0" y="0"/>
+          <a:ext cx="0" cy="0"/>
+          <a:chOff x="0" y="0"/>
+          <a:chExt cx="0" cy="0"/>
+        </a:xfrm>
+      </p:grpSpPr>
+      <p:sp>
+        <p:nvSpPr>
+          <p:cNvPr id="3" name="Espace réservé du numéro de diapositive 2">
+            <a:extLst>
+              <a:ext uri="{FF2B5EF4-FFF2-40B4-BE49-F238E27FC236}">
+                <a16:creationId xmlns:a16="http://schemas.microsoft.com/office/drawing/2014/main" id="{CE4AAA5A-E668-F3E9-7981-CF3DB415D332}"/>
+              </a:ext>
+            </a:extLst>
+          </p:cNvPr>
+          <p:cNvSpPr>
+            <a:spLocks noGrp="1"/>
+          </p:cNvSpPr>
+          <p:nvPr>
+            <p:ph type="sldNum" sz="quarter" idx="4"/>
+          </p:nvPr>
+        </p:nvSpPr>
+        <p:spPr>
+          <a:xfrm>
+            <a:off x="8610600" y="6356350"/>
+            <a:ext cx="2743200" cy="365125"/>
+          </a:xfrm>
+        </p:spPr>
+        <p:txBody>
+          <a:bodyPr/>
+          <a:lstStyle/>
+          <a:p>
+            <a:fld id="{F546B7B7-7D14-4795-A998-350CFB2BDD43}" type="slidenum">
+              <a:rPr lang="fr-FR" smtClean="0"/>
+              <a:pPr/>
+              <a:t>7</a:t>
+            </a:fld>
+            <a:endParaRPr lang="fr-FR"/>
+          </a:p>
+        </p:txBody>
+      </p:sp>
+      <p:sp>
+        <p:nvSpPr>
+          <p:cNvPr id="2" name="ZoneTexte 1">
+            <a:extLst>
+              <a:ext uri="{FF2B5EF4-FFF2-40B4-BE49-F238E27FC236}">
+                <a16:creationId xmlns:a16="http://schemas.microsoft.com/office/drawing/2014/main" id="{7DB62A4C-01F7-8146-ADBE-E4040BDCC217}"/>
+              </a:ext>
+            </a:extLst>
+          </p:cNvPr>
+          <p:cNvSpPr txBox="1"/>
+          <p:nvPr/>
+        </p:nvSpPr>
+        <p:spPr>
+          <a:xfrm>
+            <a:off x="2" y="532969"/>
+            <a:ext cx="12191999" cy="646331"/>
+          </a:xfrm>
+          <a:prstGeom prst="rect">
+            <a:avLst/>
+          </a:prstGeom>
+          <a:solidFill>
+            <a:srgbClr val="006A5A"/>
+          </a:solidFill>
+        </p:spPr>
+        <p:txBody>
+          <a:bodyPr wrap="square" rtlCol="0">
+            <a:spAutoFit/>
+          </a:bodyPr>
+          <a:lstStyle/>
+          <a:p>
+            <a:r>
+              <a:rPr lang="fr-FR" sz="3600" b="1" dirty="0">
+                <a:solidFill>
+                  <a:schemeClr val="bg1"/>
+                </a:solidFill>
+                <a:latin typeface="Gill Sans MT" panose="020B0502020104020203" pitchFamily="34" charset="0"/>
+              </a:rPr>
+              <a:t>1.1. Cadre conceptuel de l’étude</a:t>
+            </a:r>
+          </a:p>
+        </p:txBody>
+      </p:sp>
+      <p:pic>
+        <p:nvPicPr>
+          <p:cNvPr id="4" name="Graphique 3" descr="Flèches de chevron">
+            <a:extLst>
+              <a:ext uri="{FF2B5EF4-FFF2-40B4-BE49-F238E27FC236}">
+                <a16:creationId xmlns:a16="http://schemas.microsoft.com/office/drawing/2014/main" id="{364AF47F-2B95-0F93-CE36-A0B2B11D4774}"/>
+              </a:ext>
+            </a:extLst>
+          </p:cNvPr>
+          <p:cNvPicPr>
+            <a:picLocks noChangeAspect="1"/>
+          </p:cNvPicPr>
+          <p:nvPr/>
+        </p:nvPicPr>
+        <p:blipFill>
+          <a:blip r:embed="rId2">
+            <a:extLst>
+              <a:ext uri="{28A0092B-C50C-407E-A947-70E740481C1C}">
+                <a14:useLocalDpi xmlns:a14="http://schemas.microsoft.com/office/drawing/2010/main" val="0"/>
+              </a:ext>
+              <a:ext uri="{96DAC541-7B7A-43D3-8B79-37D633B846F1}">
+                <asvg:svgBlip xmlns:asvg="http://schemas.microsoft.com/office/drawing/2016/SVG/main" r:embed="rId3"/>
+              </a:ext>
+            </a:extLst>
+          </a:blip>
+          <a:stretch>
+            <a:fillRect/>
+          </a:stretch>
+        </p:blipFill>
+        <p:spPr>
+          <a:xfrm>
+            <a:off x="11078692" y="266700"/>
+            <a:ext cx="1170459" cy="1170459"/>
+          </a:xfrm>
+          <a:prstGeom prst="rect">
+            <a:avLst/>
+          </a:prstGeom>
+        </p:spPr>
+      </p:pic>
       <mc:AlternateContent xmlns:mc="http://schemas.openxmlformats.org/markup-compatibility/2006" xmlns:a14="http://schemas.microsoft.com/office/drawing/2010/main">
         <mc:Choice Requires="a14">
           <p:sp>
             <p:nvSpPr>
-              <p:cNvPr id="8" name="ZoneTexte 7">
+              <p:cNvPr id="5" name="ZoneTexte 4">
                 <a:extLst>
                   <a:ext uri="{FF2B5EF4-FFF2-40B4-BE49-F238E27FC236}">
                     <a16:creationId xmlns:a16="http://schemas.microsoft.com/office/drawing/2014/main" id="{9F81570F-F297-B13B-ABA1-DE1E4FC2354A}"/>
@@ -14451,8 +17703,8 @@
             </p:nvSpPr>
             <p:spPr>
               <a:xfrm>
-                <a:off x="0" y="3246908"/>
-                <a:ext cx="12192000" cy="3157788"/>
+                <a:off x="587829" y="2079171"/>
+                <a:ext cx="10308771" cy="3187539"/>
               </a:xfrm>
               <a:prstGeom prst="rect">
                 <a:avLst/>
@@ -14470,23 +17722,33 @@
                   <a:buChar char="•"/>
                 </a:pPr>
                 <a:r>
-                  <a:rPr lang="fr-FR" sz="2400" dirty="0"/>
+                  <a:rPr lang="fr-FR" sz="2400" dirty="0">
+                    <a:latin typeface="Gill Sans MT" panose="020B0502020104020203" pitchFamily="34" charset="0"/>
+                  </a:rPr>
                   <a:t>La </a:t>
                 </a:r>
                 <a:r>
-                  <a:rPr lang="fr-FR" sz="2400" b="1" dirty="0"/>
+                  <a:rPr lang="fr-FR" sz="2400" b="1" dirty="0">
+                    <a:latin typeface="Gill Sans MT" panose="020B0502020104020203" pitchFamily="34" charset="0"/>
+                  </a:rPr>
                   <a:t>distance de </a:t>
                 </a:r>
                 <a:r>
-                  <a:rPr lang="fr-FR" sz="2400" b="1" dirty="0" err="1"/>
+                  <a:rPr lang="fr-FR" sz="2400" b="1" dirty="0" err="1">
+                    <a:latin typeface="Gill Sans MT" panose="020B0502020104020203" pitchFamily="34" charset="0"/>
+                  </a:rPr>
                   <a:t>Haversine</a:t>
                 </a:r>
                 <a:r>
-                  <a:rPr lang="fr-FR" sz="2400" b="1" dirty="0"/>
+                  <a:rPr lang="fr-FR" sz="2400" b="1" dirty="0">
+                    <a:latin typeface="Gill Sans MT" panose="020B0502020104020203" pitchFamily="34" charset="0"/>
+                  </a:rPr>
                   <a:t> </a:t>
                 </a:r>
                 <a:r>
-                  <a:rPr lang="fr-FR" sz="2400" dirty="0"/>
+                  <a:rPr lang="fr-FR" sz="2400" dirty="0">
+                    <a:latin typeface="Gill Sans MT" panose="020B0502020104020203" pitchFamily="34" charset="0"/>
+                  </a:rPr>
                   <a:t>est une mesure de la distance entre deux points sur une sphère, basée sur leurs coordonnées géographiques :</a:t>
                 </a:r>
               </a:p>
@@ -14886,12 +18148,14 @@
                     </m:oMath>
                   </m:oMathPara>
                 </a14:m>
-                <a:endParaRPr lang="fr-FR" sz="2400" b="1" dirty="0"/>
+                <a:endParaRPr lang="fr-FR" sz="2400" b="1" dirty="0">
+                  <a:latin typeface="Gill Sans MT" panose="020B0502020104020203" pitchFamily="34" charset="0"/>
+                </a:endParaRPr>
               </a:p>
               <a:p>
                 <a:pPr marL="800100" lvl="1" indent="-342900" algn="just">
                   <a:buFont typeface="Wingdings" panose="05000000000000000000" pitchFamily="2" charset="2"/>
-                  <a:buChar char="ü"/>
+                  <a:buChar char="§"/>
                 </a:pPr>
                 <a14:m>
                   <m:oMath xmlns:m="http://schemas.openxmlformats.org/officeDocument/2006/math">
@@ -14904,17 +18168,21 @@
                   </m:oMath>
                 </a14:m>
                 <a:r>
-                  <a:rPr lang="fr-FR" sz="2400" dirty="0"/>
+                  <a:rPr lang="fr-FR" sz="2400" dirty="0">
+                    <a:latin typeface="Gill Sans MT" panose="020B0502020104020203" pitchFamily="34" charset="0"/>
+                  </a:rPr>
                   <a:t> est le rayon de la terre (environ 6371 km).</a:t>
                 </a:r>
               </a:p>
               <a:p>
                 <a:pPr marL="800100" lvl="1" indent="-342900" algn="just">
                   <a:buFont typeface="Wingdings" panose="05000000000000000000" pitchFamily="2" charset="2"/>
-                  <a:buChar char="ü"/>
+                  <a:buChar char="§"/>
                 </a:pPr>
                 <a:r>
-                  <a:rPr lang="fr-FR" sz="2400" dirty="0"/>
+                  <a:rPr lang="fr-FR" sz="2400" dirty="0">
+                    <a:latin typeface="Gill Sans MT" panose="020B0502020104020203" pitchFamily="34" charset="0"/>
+                  </a:rPr>
                   <a:t> </a:t>
                 </a:r>
                 <a14:m>
@@ -14947,7 +18215,9 @@
                   </m:oMath>
                 </a14:m>
                 <a:r>
-                  <a:rPr lang="fr-FR" sz="2400" dirty="0"/>
+                  <a:rPr lang="fr-FR" sz="2400" dirty="0">
+                    <a:latin typeface="Gill Sans MT" panose="020B0502020104020203" pitchFamily="34" charset="0"/>
+                  </a:rPr>
                   <a:t> , </a:t>
                 </a:r>
                 <a14:m>
@@ -14980,7 +18250,9 @@
                   </m:oMath>
                 </a14:m>
                 <a:r>
-                  <a:rPr lang="fr-FR" sz="2400" dirty="0"/>
+                  <a:rPr lang="fr-FR" sz="2400" dirty="0">
+                    <a:latin typeface="Gill Sans MT" panose="020B0502020104020203" pitchFamily="34" charset="0"/>
+                  </a:rPr>
                   <a:t> sont les latitudes des points </a:t>
                 </a:r>
                 <a14:m>
@@ -14994,7 +18266,9 @@
                   </m:oMath>
                 </a14:m>
                 <a:r>
-                  <a:rPr lang="fr-FR" sz="2400" dirty="0"/>
+                  <a:rPr lang="fr-FR" sz="2400" dirty="0">
+                    <a:latin typeface="Gill Sans MT" panose="020B0502020104020203" pitchFamily="34" charset="0"/>
+                  </a:rPr>
                   <a:t> et </a:t>
                 </a:r>
                 <a14:m>
@@ -15008,14 +18282,16 @@
                   </m:oMath>
                 </a14:m>
                 <a:r>
-                  <a:rPr lang="fr-FR" sz="2400" dirty="0"/>
+                  <a:rPr lang="fr-FR" sz="2400" dirty="0">
+                    <a:latin typeface="Gill Sans MT" panose="020B0502020104020203" pitchFamily="34" charset="0"/>
+                  </a:rPr>
                   <a:t> (en radians).</a:t>
                 </a:r>
               </a:p>
               <a:p>
                 <a:pPr marL="800100" lvl="1" indent="-342900" algn="just">
                   <a:buFont typeface="Wingdings" panose="05000000000000000000" pitchFamily="2" charset="2"/>
-                  <a:buChar char="ü"/>
+                  <a:buChar char="§"/>
                 </a:pPr>
                 <a14:m>
                   <m:oMath xmlns:m="http://schemas.openxmlformats.org/officeDocument/2006/math">
@@ -15047,7 +18323,9 @@
                   </m:oMath>
                 </a14:m>
                 <a:r>
-                  <a:rPr lang="fr-FR" sz="2400" dirty="0"/>
+                  <a:rPr lang="fr-FR" sz="2400" dirty="0">
+                    <a:latin typeface="Gill Sans MT" panose="020B0502020104020203" pitchFamily="34" charset="0"/>
+                  </a:rPr>
                   <a:t>, </a:t>
                 </a:r>
                 <a14:m>
@@ -15080,7 +18358,9 @@
                   </m:oMath>
                 </a14:m>
                 <a:r>
-                  <a:rPr lang="fr-FR" sz="2400" dirty="0"/>
+                  <a:rPr lang="fr-FR" sz="2400" dirty="0">
+                    <a:latin typeface="Gill Sans MT" panose="020B0502020104020203" pitchFamily="34" charset="0"/>
+                  </a:rPr>
                   <a:t> : les longitudes des points </a:t>
                 </a:r>
                 <a14:m>
@@ -15094,7 +18374,9 @@
                   </m:oMath>
                 </a14:m>
                 <a:r>
-                  <a:rPr lang="fr-FR" sz="2400" dirty="0"/>
+                  <a:rPr lang="fr-FR" sz="2400" dirty="0">
+                    <a:latin typeface="Gill Sans MT" panose="020B0502020104020203" pitchFamily="34" charset="0"/>
+                  </a:rPr>
                   <a:t> et </a:t>
                 </a:r>
                 <a14:m>
@@ -15108,7 +18390,9 @@
                   </m:oMath>
                 </a14:m>
                 <a:r>
-                  <a:rPr lang="fr-FR" sz="2400" dirty="0"/>
+                  <a:rPr lang="fr-FR" sz="2400" dirty="0">
+                    <a:latin typeface="Gill Sans MT" panose="020B0502020104020203" pitchFamily="34" charset="0"/>
+                  </a:rPr>
                   <a:t> (en radians).</a:t>
                 </a:r>
               </a:p>
@@ -15118,7 +18402,7 @@
         <mc:Fallback xmlns="">
           <p:sp>
             <p:nvSpPr>
-              <p:cNvPr id="8" name="ZoneTexte 7">
+              <p:cNvPr id="5" name="ZoneTexte 4">
                 <a:extLst>
                   <a:ext uri="{FF2B5EF4-FFF2-40B4-BE49-F238E27FC236}">
                     <a16:creationId xmlns:a16="http://schemas.microsoft.com/office/drawing/2014/main" id="{9F81570F-F297-B13B-ABA1-DE1E4FC2354A}"/>
@@ -15132,16 +18416,16 @@
             </p:nvSpPr>
             <p:spPr>
               <a:xfrm>
-                <a:off x="0" y="3246908"/>
-                <a:ext cx="12192000" cy="3157788"/>
+                <a:off x="587829" y="2079171"/>
+                <a:ext cx="10308771" cy="3187539"/>
               </a:xfrm>
               <a:prstGeom prst="rect">
                 <a:avLst/>
               </a:prstGeom>
               <a:blipFill>
-                <a:blip r:embed="rId5"/>
+                <a:blip r:embed="rId4"/>
                 <a:stretch>
-                  <a:fillRect l="-650" t="-1544" b="-3668"/>
+                  <a:fillRect l="-768" t="-1530" b="-2486"/>
                 </a:stretch>
               </a:blipFill>
             </p:spPr>
@@ -15150,7 +18434,7 @@
               <a:lstStyle/>
               <a:p>
                 <a:r>
-                  <a:rPr lang="en-US">
+                  <a:rPr lang="fr-FR">
                     <a:noFill/>
                   </a:rPr>
                   <a:t> </a:t>
@@ -15160,259 +18444,50 @@
           </p:sp>
         </mc:Fallback>
       </mc:AlternateContent>
-    </p:spTree>
-    <p:extLst>
-      <p:ext uri="{BB962C8B-B14F-4D97-AF65-F5344CB8AC3E}">
-        <p14:creationId xmlns:p14="http://schemas.microsoft.com/office/powerpoint/2010/main" val="1964435662"/>
-      </p:ext>
-    </p:extLst>
-  </p:cSld>
-  <p:clrMapOvr>
-    <a:masterClrMapping/>
-  </p:clrMapOvr>
-</p:sld>
-</file>
-
-<file path=ppt/slides/slide8.xml><?xml version="1.0" encoding="utf-8"?>
-<p:sld xmlns:a="http://schemas.openxmlformats.org/drawingml/2006/main" xmlns:r="http://schemas.openxmlformats.org/officeDocument/2006/relationships" xmlns:p="http://schemas.openxmlformats.org/presentationml/2006/main">
-  <p:cSld>
-    <p:spTree>
-      <p:nvGrpSpPr>
-        <p:cNvPr id="1" name="">
-          <a:extLst>
-            <a:ext uri="{FF2B5EF4-FFF2-40B4-BE49-F238E27FC236}">
-              <a16:creationId xmlns:a16="http://schemas.microsoft.com/office/drawing/2014/main" id="{C67557DB-E485-B1ED-5FD9-327415A607DF}"/>
-            </a:ext>
-          </a:extLst>
-        </p:cNvPr>
-        <p:cNvGrpSpPr/>
-        <p:nvPr/>
-      </p:nvGrpSpPr>
-      <p:grpSpPr>
-        <a:xfrm>
-          <a:off x="0" y="0"/>
-          <a:ext cx="0" cy="0"/>
-          <a:chOff x="0" y="0"/>
-          <a:chExt cx="0" cy="0"/>
-        </a:xfrm>
-      </p:grpSpPr>
       <p:sp>
         <p:nvSpPr>
-          <p:cNvPr id="3" name="Espace réservé du numéro de diapositive 2">
+          <p:cNvPr id="6" name="Rectangle : coins arrondis 5">
             <a:extLst>
               <a:ext uri="{FF2B5EF4-FFF2-40B4-BE49-F238E27FC236}">
-                <a16:creationId xmlns:a16="http://schemas.microsoft.com/office/drawing/2014/main" id="{CE4AAA5A-E668-F3E9-7981-CF3DB415D332}"/>
+                <a16:creationId xmlns:a16="http://schemas.microsoft.com/office/drawing/2014/main" id="{76CA1956-751F-88BA-9706-A459333F12C0}"/>
               </a:ext>
             </a:extLst>
           </p:cNvPr>
-          <p:cNvSpPr>
-            <a:spLocks noGrp="1"/>
-          </p:cNvSpPr>
-          <p:nvPr>
-            <p:ph type="sldNum" sz="quarter" idx="4"/>
-          </p:nvPr>
-        </p:nvSpPr>
-        <p:spPr>
-          <a:xfrm>
-            <a:off x="8610600" y="6356350"/>
-            <a:ext cx="2743200" cy="365125"/>
-          </a:xfrm>
-        </p:spPr>
-        <p:txBody>
-          <a:bodyPr/>
-          <a:lstStyle/>
-          <a:p>
-            <a:fld id="{F546B7B7-7D14-4795-A998-350CFB2BDD43}" type="slidenum">
-              <a:rPr lang="fr-FR" smtClean="0"/>
-              <a:pPr/>
-              <a:t>8</a:t>
-            </a:fld>
-            <a:endParaRPr lang="fr-FR"/>
-          </a:p>
-        </p:txBody>
-      </p:sp>
-      <p:sp>
-        <p:nvSpPr>
-          <p:cNvPr id="2" name="ZoneTexte 1">
-            <a:extLst>
-              <a:ext uri="{FF2B5EF4-FFF2-40B4-BE49-F238E27FC236}">
-                <a16:creationId xmlns:a16="http://schemas.microsoft.com/office/drawing/2014/main" id="{7DB62A4C-01F7-8146-ADBE-E4040BDCC217}"/>
-              </a:ext>
-            </a:extLst>
-          </p:cNvPr>
-          <p:cNvSpPr txBox="1"/>
+          <p:cNvSpPr/>
           <p:nvPr/>
         </p:nvSpPr>
         <p:spPr>
           <a:xfrm>
-            <a:off x="2" y="532969"/>
-            <a:ext cx="12191999" cy="646331"/>
+            <a:off x="194582" y="1413475"/>
+            <a:ext cx="11469339" cy="4518929"/>
           </a:xfrm>
-          <a:prstGeom prst="rect">
-            <a:avLst/>
-          </a:prstGeom>
-          <a:solidFill>
-            <a:srgbClr val="006A5A"/>
-          </a:solidFill>
-        </p:spPr>
-        <p:txBody>
-          <a:bodyPr wrap="square" rtlCol="0">
-            <a:spAutoFit/>
-          </a:bodyPr>
-          <a:lstStyle/>
-          <a:p>
-            <a:r>
-              <a:rPr lang="fr-FR" sz="3600" b="1" dirty="0">
-                <a:solidFill>
-                  <a:schemeClr val="bg1"/>
-                </a:solidFill>
-                <a:latin typeface="Gill Sans MT" panose="020B0502020104020203" pitchFamily="34" charset="0"/>
-              </a:rPr>
-              <a:t>1.1. Cadre conceptuel de l’étude</a:t>
-            </a:r>
-          </a:p>
-        </p:txBody>
-      </p:sp>
-      <p:pic>
-        <p:nvPicPr>
-          <p:cNvPr id="4" name="Graphique 3" descr="Flèches de chevron">
-            <a:extLst>
-              <a:ext uri="{FF2B5EF4-FFF2-40B4-BE49-F238E27FC236}">
-                <a16:creationId xmlns:a16="http://schemas.microsoft.com/office/drawing/2014/main" id="{364AF47F-2B95-0F93-CE36-A0B2B11D4774}"/>
-              </a:ext>
-            </a:extLst>
-          </p:cNvPr>
-          <p:cNvPicPr>
-            <a:picLocks noChangeAspect="1"/>
-          </p:cNvPicPr>
-          <p:nvPr/>
-        </p:nvPicPr>
-        <p:blipFill>
-          <a:blip r:embed="rId2">
-            <a:extLst>
-              <a:ext uri="{28A0092B-C50C-407E-A947-70E740481C1C}">
-                <a14:useLocalDpi xmlns:a14="http://schemas.microsoft.com/office/drawing/2010/main" val="0"/>
-              </a:ext>
-              <a:ext uri="{96DAC541-7B7A-43D3-8B79-37D633B846F1}">
-                <asvg:svgBlip xmlns:asvg="http://schemas.microsoft.com/office/drawing/2016/SVG/main" r:embed="rId3"/>
-              </a:ext>
-            </a:extLst>
-          </a:blip>
-          <a:stretch>
-            <a:fillRect/>
-          </a:stretch>
-        </p:blipFill>
-        <p:spPr>
-          <a:xfrm>
-            <a:off x="11078692" y="266700"/>
-            <a:ext cx="1170459" cy="1170459"/>
-          </a:xfrm>
-          <a:prstGeom prst="rect">
-            <a:avLst/>
-          </a:prstGeom>
-        </p:spPr>
-      </p:pic>
-      <p:sp>
-        <p:nvSpPr>
-          <p:cNvPr id="8" name="ZoneTexte 7">
-            <a:extLst>
-              <a:ext uri="{FF2B5EF4-FFF2-40B4-BE49-F238E27FC236}">
-                <a16:creationId xmlns:a16="http://schemas.microsoft.com/office/drawing/2014/main" id="{19BDDB0E-5ED2-616F-556E-CC6866C48709}"/>
-              </a:ext>
-            </a:extLst>
-          </p:cNvPr>
-          <p:cNvSpPr txBox="1"/>
-          <p:nvPr/>
-        </p:nvSpPr>
-        <p:spPr>
-          <a:xfrm>
-            <a:off x="0" y="1192075"/>
-            <a:ext cx="12192000" cy="3785652"/>
-          </a:xfrm>
-          <a:prstGeom prst="rect">
+          <a:prstGeom prst="roundRect">
             <a:avLst/>
           </a:prstGeom>
           <a:noFill/>
         </p:spPr>
+        <p:style>
+          <a:lnRef idx="2">
+            <a:schemeClr val="accent1">
+              <a:shade val="15000"/>
+            </a:schemeClr>
+          </a:lnRef>
+          <a:fillRef idx="1">
+            <a:schemeClr val="accent1"/>
+          </a:fillRef>
+          <a:effectRef idx="0">
+            <a:schemeClr val="accent1"/>
+          </a:effectRef>
+          <a:fontRef idx="minor">
+            <a:schemeClr val="lt1"/>
+          </a:fontRef>
+        </p:style>
         <p:txBody>
-          <a:bodyPr wrap="square">
-            <a:spAutoFit/>
-          </a:bodyPr>
+          <a:bodyPr rtlCol="0" anchor="ctr"/>
           <a:lstStyle/>
           <a:p>
-            <a:pPr marL="342900" indent="-342900">
-              <a:buFont typeface="Arial" panose="020B0604020202020204" pitchFamily="34" charset="0"/>
-              <a:buChar char="•"/>
-            </a:pPr>
-            <a:r>
-              <a:rPr lang="fr-FR" sz="2400" b="1" dirty="0"/>
-              <a:t>Notion de voisinage</a:t>
-            </a:r>
-          </a:p>
-          <a:p>
-            <a:endParaRPr lang="fr-FR" sz="2400" dirty="0"/>
-          </a:p>
-          <a:p>
-            <a:pPr marL="800100" lvl="1" indent="-342900">
-              <a:buFont typeface="Wingdings" panose="05000000000000000000" pitchFamily="2" charset="2"/>
-              <a:buChar char="ü"/>
-            </a:pPr>
-            <a:r>
-              <a:rPr lang="fr-FR" sz="2400" b="1" dirty="0"/>
-              <a:t>Basée sur la distance </a:t>
-            </a:r>
-            <a:r>
-              <a:rPr lang="fr-FR" sz="2400" dirty="0"/>
-              <a:t>: Deux localités sont voisines si la distance entre elles est inférieure à un seuil prédéfini.</a:t>
-            </a:r>
-            <a:endParaRPr lang="fr-FR" sz="2400" b="1" dirty="0"/>
-          </a:p>
-          <a:p>
-            <a:pPr marL="800100" lvl="1" indent="-342900">
-              <a:buFont typeface="Wingdings" panose="05000000000000000000" pitchFamily="2" charset="2"/>
-              <a:buChar char="ü"/>
-            </a:pPr>
-            <a:endParaRPr lang="fr-FR" sz="2400" dirty="0"/>
-          </a:p>
-          <a:p>
-            <a:pPr marL="800100" lvl="1" indent="-342900">
-              <a:buFont typeface="Wingdings" panose="05000000000000000000" pitchFamily="2" charset="2"/>
-              <a:buChar char="ü"/>
-            </a:pPr>
-            <a:r>
-              <a:rPr lang="fr-FR" sz="2400" b="1" dirty="0"/>
-              <a:t>Basée sur la contiguïté </a:t>
-            </a:r>
-            <a:r>
-              <a:rPr lang="fr-FR" sz="2400" dirty="0"/>
-              <a:t>: On distingue par exemple la contiguïté </a:t>
-            </a:r>
-            <a:r>
-              <a:rPr lang="fr-FR" sz="2400" dirty="0" err="1"/>
-              <a:t>Rook</a:t>
-            </a:r>
-            <a:r>
-              <a:rPr lang="fr-FR" sz="2400" dirty="0"/>
-              <a:t> (deux zones sont voisines si elles partagent un segment de frontière) et la contiguïté Queen (elles sont voisines si elles partagent au moins un point)</a:t>
-            </a:r>
-          </a:p>
-          <a:p>
-            <a:pPr marL="800100" lvl="1" indent="-342900">
-              <a:buFont typeface="Wingdings" panose="05000000000000000000" pitchFamily="2" charset="2"/>
-              <a:buChar char="ü"/>
-            </a:pPr>
-            <a:endParaRPr lang="fr-FR" sz="2400" dirty="0"/>
-          </a:p>
-          <a:p>
-            <a:pPr marL="800100" lvl="1" indent="-342900">
-              <a:buFont typeface="Wingdings" panose="05000000000000000000" pitchFamily="2" charset="2"/>
-              <a:buChar char="ü"/>
-            </a:pPr>
-            <a:r>
-              <a:rPr lang="fr-FR" sz="2400" b="1" dirty="0"/>
-              <a:t>Basée sur l’optimisation d’une trajectoire</a:t>
-            </a:r>
-            <a:endParaRPr lang="en-US" sz="2400" b="1" dirty="0"/>
+            <a:pPr algn="ctr"/>
+            <a:endParaRPr lang="fr-FR" dirty="0"/>
           </a:p>
         </p:txBody>
       </p:sp>
@@ -15429,7 +18504,7 @@
 </p:sld>
 </file>
 
-<file path=ppt/slides/slide9.xml><?xml version="1.0" encoding="utf-8"?>
+<file path=ppt/slides/slide8.xml><?xml version="1.0" encoding="utf-8"?>
 <p:sld xmlns:a="http://schemas.openxmlformats.org/drawingml/2006/main" xmlns:r="http://schemas.openxmlformats.org/officeDocument/2006/relationships" xmlns:p="http://schemas.openxmlformats.org/presentationml/2006/main">
   <p:cSld>
     <p:spTree>
@@ -15481,7 +18556,7 @@
             <a:fld id="{F546B7B7-7D14-4795-A998-350CFB2BDD43}" type="slidenum">
               <a:rPr lang="fr-FR" smtClean="0"/>
               <a:pPr/>
-              <a:t>9</a:t>
+              <a:t>8</a:t>
             </a:fld>
             <a:endParaRPr lang="fr-FR"/>
           </a:p>
@@ -15980,6 +19055,540 @@
     <p:extLst>
       <p:ext uri="{BB962C8B-B14F-4D97-AF65-F5344CB8AC3E}">
         <p14:creationId xmlns:p14="http://schemas.microsoft.com/office/powerpoint/2010/main" val="3735440625"/>
+      </p:ext>
+    </p:extLst>
+  </p:cSld>
+  <p:clrMapOvr>
+    <a:masterClrMapping/>
+  </p:clrMapOvr>
+</p:sld>
+</file>
+
+<file path=ppt/slides/slide9.xml><?xml version="1.0" encoding="utf-8"?>
+<p:sld xmlns:a="http://schemas.openxmlformats.org/drawingml/2006/main" xmlns:r="http://schemas.openxmlformats.org/officeDocument/2006/relationships" xmlns:p="http://schemas.openxmlformats.org/presentationml/2006/main">
+  <p:cSld>
+    <p:spTree>
+      <p:nvGrpSpPr>
+        <p:cNvPr id="1" name="">
+          <a:extLst>
+            <a:ext uri="{FF2B5EF4-FFF2-40B4-BE49-F238E27FC236}">
+              <a16:creationId xmlns:a16="http://schemas.microsoft.com/office/drawing/2014/main" id="{5900AD3D-343A-C379-EDB0-F2C8E19E28E1}"/>
+            </a:ext>
+          </a:extLst>
+        </p:cNvPr>
+        <p:cNvGrpSpPr/>
+        <p:nvPr/>
+      </p:nvGrpSpPr>
+      <p:grpSpPr>
+        <a:xfrm>
+          <a:off x="0" y="0"/>
+          <a:ext cx="0" cy="0"/>
+          <a:chOff x="0" y="0"/>
+          <a:chExt cx="0" cy="0"/>
+        </a:xfrm>
+      </p:grpSpPr>
+      <p:sp>
+        <p:nvSpPr>
+          <p:cNvPr id="3" name="Espace réservé du numéro de diapositive 2">
+            <a:extLst>
+              <a:ext uri="{FF2B5EF4-FFF2-40B4-BE49-F238E27FC236}">
+                <a16:creationId xmlns:a16="http://schemas.microsoft.com/office/drawing/2014/main" id="{CCFB11F8-ACFC-836C-4375-31E29B73C366}"/>
+              </a:ext>
+            </a:extLst>
+          </p:cNvPr>
+          <p:cNvSpPr>
+            <a:spLocks noGrp="1"/>
+          </p:cNvSpPr>
+          <p:nvPr>
+            <p:ph type="sldNum" sz="quarter" idx="4"/>
+          </p:nvPr>
+        </p:nvSpPr>
+        <p:spPr>
+          <a:xfrm>
+            <a:off x="8610600" y="6356350"/>
+            <a:ext cx="2743200" cy="365125"/>
+          </a:xfrm>
+        </p:spPr>
+        <p:txBody>
+          <a:bodyPr/>
+          <a:lstStyle/>
+          <a:p>
+            <a:fld id="{F546B7B7-7D14-4795-A998-350CFB2BDD43}" type="slidenum">
+              <a:rPr lang="fr-FR" smtClean="0"/>
+              <a:pPr/>
+              <a:t>9</a:t>
+            </a:fld>
+            <a:endParaRPr lang="fr-FR"/>
+          </a:p>
+        </p:txBody>
+      </p:sp>
+      <p:sp>
+        <p:nvSpPr>
+          <p:cNvPr id="2" name="ZoneTexte 1">
+            <a:extLst>
+              <a:ext uri="{FF2B5EF4-FFF2-40B4-BE49-F238E27FC236}">
+                <a16:creationId xmlns:a16="http://schemas.microsoft.com/office/drawing/2014/main" id="{1C98E2B9-A4CA-A865-4233-15D3C187F1F7}"/>
+              </a:ext>
+            </a:extLst>
+          </p:cNvPr>
+          <p:cNvSpPr txBox="1"/>
+          <p:nvPr/>
+        </p:nvSpPr>
+        <p:spPr>
+          <a:xfrm>
+            <a:off x="2" y="532969"/>
+            <a:ext cx="12191999" cy="646331"/>
+          </a:xfrm>
+          <a:prstGeom prst="rect">
+            <a:avLst/>
+          </a:prstGeom>
+          <a:solidFill>
+            <a:srgbClr val="006A5A"/>
+          </a:solidFill>
+        </p:spPr>
+        <p:txBody>
+          <a:bodyPr wrap="square" rtlCol="0">
+            <a:spAutoFit/>
+          </a:bodyPr>
+          <a:lstStyle/>
+          <a:p>
+            <a:r>
+              <a:rPr lang="fr-FR" sz="3600" b="1" dirty="0">
+                <a:solidFill>
+                  <a:schemeClr val="bg1"/>
+                </a:solidFill>
+                <a:latin typeface="Gill Sans MT" panose="020B0502020104020203" pitchFamily="34" charset="0"/>
+              </a:rPr>
+              <a:t>1.2. Revue de littérature</a:t>
+            </a:r>
+          </a:p>
+        </p:txBody>
+      </p:sp>
+      <p:pic>
+        <p:nvPicPr>
+          <p:cNvPr id="4" name="Graphique 3" descr="Flèches de chevron">
+            <a:extLst>
+              <a:ext uri="{FF2B5EF4-FFF2-40B4-BE49-F238E27FC236}">
+                <a16:creationId xmlns:a16="http://schemas.microsoft.com/office/drawing/2014/main" id="{AB73524E-1DA0-D3E7-AEEC-E55EB1E9DCD9}"/>
+              </a:ext>
+            </a:extLst>
+          </p:cNvPr>
+          <p:cNvPicPr>
+            <a:picLocks noChangeAspect="1"/>
+          </p:cNvPicPr>
+          <p:nvPr/>
+        </p:nvPicPr>
+        <p:blipFill>
+          <a:blip r:embed="rId2">
+            <a:extLst>
+              <a:ext uri="{28A0092B-C50C-407E-A947-70E740481C1C}">
+                <a14:useLocalDpi xmlns:a14="http://schemas.microsoft.com/office/drawing/2010/main" val="0"/>
+              </a:ext>
+              <a:ext uri="{96DAC541-7B7A-43D3-8B79-37D633B846F1}">
+                <asvg:svgBlip xmlns:asvg="http://schemas.microsoft.com/office/drawing/2016/SVG/main" r:embed="rId3"/>
+              </a:ext>
+            </a:extLst>
+          </a:blip>
+          <a:stretch>
+            <a:fillRect/>
+          </a:stretch>
+        </p:blipFill>
+        <p:spPr>
+          <a:xfrm>
+            <a:off x="11078692" y="266700"/>
+            <a:ext cx="1170459" cy="1170459"/>
+          </a:xfrm>
+          <a:prstGeom prst="rect">
+            <a:avLst/>
+          </a:prstGeom>
+        </p:spPr>
+      </p:pic>
+      <p:sp>
+        <p:nvSpPr>
+          <p:cNvPr id="7" name="ZoneTexte 6">
+            <a:extLst>
+              <a:ext uri="{FF2B5EF4-FFF2-40B4-BE49-F238E27FC236}">
+                <a16:creationId xmlns:a16="http://schemas.microsoft.com/office/drawing/2014/main" id="{F65E87B2-1646-2D2B-B06A-82C9C68AE0F6}"/>
+              </a:ext>
+            </a:extLst>
+          </p:cNvPr>
+          <p:cNvSpPr txBox="1"/>
+          <p:nvPr/>
+        </p:nvSpPr>
+        <p:spPr>
+          <a:xfrm>
+            <a:off x="0" y="1437159"/>
+            <a:ext cx="12192000" cy="375552"/>
+          </a:xfrm>
+          <a:prstGeom prst="rect">
+            <a:avLst/>
+          </a:prstGeom>
+          <a:solidFill>
+            <a:srgbClr val="006A5A"/>
+          </a:solidFill>
+        </p:spPr>
+        <p:txBody>
+          <a:bodyPr wrap="square">
+            <a:spAutoFit/>
+          </a:bodyPr>
+          <a:lstStyle/>
+          <a:p>
+            <a:pPr algn="ctr">
+              <a:lnSpc>
+                <a:spcPts val="2143"/>
+              </a:lnSpc>
+              <a:spcBef>
+                <a:spcPts val="1372"/>
+              </a:spcBef>
+              <a:spcAft>
+                <a:spcPts val="1029"/>
+              </a:spcAft>
+            </a:pPr>
+            <a:r>
+              <a:rPr lang="fr-FR" sz="2400" b="1" dirty="0">
+                <a:solidFill>
+                  <a:schemeClr val="bg1"/>
+                </a:solidFill>
+              </a:rPr>
+              <a:t>Principaux déterminants des consultations médicales</a:t>
+            </a:r>
+          </a:p>
+        </p:txBody>
+      </p:sp>
+      <p:sp>
+        <p:nvSpPr>
+          <p:cNvPr id="11" name="ZoneTexte 10">
+            <a:extLst>
+              <a:ext uri="{FF2B5EF4-FFF2-40B4-BE49-F238E27FC236}">
+                <a16:creationId xmlns:a16="http://schemas.microsoft.com/office/drawing/2014/main" id="{3D32B540-2C92-2D78-5A95-A4AC0AF32766}"/>
+              </a:ext>
+            </a:extLst>
+          </p:cNvPr>
+          <p:cNvSpPr txBox="1"/>
+          <p:nvPr/>
+        </p:nvSpPr>
+        <p:spPr>
+          <a:xfrm>
+            <a:off x="0" y="2269359"/>
+            <a:ext cx="12191999" cy="4120167"/>
+          </a:xfrm>
+          <a:prstGeom prst="rect">
+            <a:avLst/>
+          </a:prstGeom>
+          <a:noFill/>
+        </p:spPr>
+        <p:txBody>
+          <a:bodyPr wrap="square">
+            <a:spAutoFit/>
+          </a:bodyPr>
+          <a:lstStyle/>
+          <a:p>
+            <a:pPr marL="342900" indent="-342900" algn="l">
+              <a:lnSpc>
+                <a:spcPts val="2143"/>
+              </a:lnSpc>
+              <a:spcBef>
+                <a:spcPts val="1372"/>
+              </a:spcBef>
+              <a:spcAft>
+                <a:spcPts val="1029"/>
+              </a:spcAft>
+              <a:buFont typeface="Wingdings" panose="05000000000000000000" pitchFamily="2" charset="2"/>
+              <a:buChar char="§"/>
+            </a:pPr>
+            <a:r>
+              <a:rPr lang="fr-FR" sz="2400" b="1" i="0" dirty="0">
+                <a:solidFill>
+                  <a:srgbClr val="404040"/>
+                </a:solidFill>
+                <a:effectLst/>
+                <a:latin typeface="DeepSeek-CJK-patch"/>
+              </a:rPr>
+              <a:t>Accès géographique</a:t>
+            </a:r>
+            <a:endParaRPr lang="fr-FR" sz="2400" b="0" i="0" dirty="0">
+              <a:solidFill>
+                <a:srgbClr val="404040"/>
+              </a:solidFill>
+              <a:effectLst/>
+              <a:latin typeface="DeepSeek-CJK-patch"/>
+            </a:endParaRPr>
+          </a:p>
+          <a:p>
+            <a:pPr marL="800100" lvl="1" indent="-342900">
+              <a:lnSpc>
+                <a:spcPts val="2143"/>
+              </a:lnSpc>
+              <a:spcBef>
+                <a:spcPts val="1029"/>
+              </a:spcBef>
+              <a:spcAft>
+                <a:spcPts val="1029"/>
+              </a:spcAft>
+              <a:buFont typeface="Wingdings" panose="05000000000000000000" pitchFamily="2" charset="2"/>
+              <a:buChar char="ü"/>
+            </a:pPr>
+            <a:r>
+              <a:rPr lang="fr-FR" sz="2400" b="1" i="0" dirty="0">
+                <a:solidFill>
+                  <a:srgbClr val="404040"/>
+                </a:solidFill>
+                <a:effectLst/>
+                <a:latin typeface="DeepSeek-CJK-patch"/>
+              </a:rPr>
+              <a:t>Densité médicale</a:t>
+            </a:r>
+            <a:r>
+              <a:rPr lang="fr-FR" sz="2400" b="0" i="0" dirty="0">
+                <a:solidFill>
+                  <a:srgbClr val="404040"/>
+                </a:solidFill>
+                <a:effectLst/>
+                <a:latin typeface="DeepSeek-CJK-patch"/>
+              </a:rPr>
+              <a:t> (</a:t>
+            </a:r>
+            <a:r>
+              <a:rPr lang="fr-FR" sz="2400" dirty="0" err="1"/>
+              <a:t>Irdes</a:t>
+            </a:r>
+            <a:r>
+              <a:rPr lang="fr-FR" sz="2400" dirty="0"/>
+              <a:t>, 2020) </a:t>
+            </a:r>
+            <a:r>
+              <a:rPr lang="fr-FR" sz="2400" b="0" i="0" dirty="0">
+                <a:solidFill>
+                  <a:srgbClr val="404040"/>
+                </a:solidFill>
+                <a:effectLst/>
+                <a:latin typeface="DeepSeek-CJK-patch"/>
+              </a:rPr>
+              <a:t>:</a:t>
+            </a:r>
+            <a:br>
+              <a:rPr lang="fr-FR" sz="2400" b="0" i="0" dirty="0">
+                <a:solidFill>
+                  <a:srgbClr val="404040"/>
+                </a:solidFill>
+                <a:effectLst/>
+                <a:latin typeface="DeepSeek-CJK-patch"/>
+              </a:rPr>
+            </a:br>
+            <a:r>
+              <a:rPr lang="fr-FR" sz="2400" b="0" i="0" dirty="0">
+                <a:solidFill>
+                  <a:srgbClr val="404040"/>
+                </a:solidFill>
+                <a:effectLst/>
+                <a:latin typeface="DeepSeek-CJK-patch"/>
+              </a:rPr>
+              <a:t>↗ Zones urbaines = accès facilité.</a:t>
+            </a:r>
+            <a:br>
+              <a:rPr lang="fr-FR" sz="2400" b="0" i="0" dirty="0">
+                <a:solidFill>
+                  <a:srgbClr val="404040"/>
+                </a:solidFill>
+                <a:effectLst/>
+                <a:latin typeface="DeepSeek-CJK-patch"/>
+              </a:rPr>
+            </a:br>
+            <a:r>
+              <a:rPr lang="fr-FR" sz="2400" b="0" i="0" dirty="0">
+                <a:solidFill>
+                  <a:srgbClr val="404040"/>
+                </a:solidFill>
+                <a:effectLst/>
+                <a:latin typeface="DeepSeek-CJK-patch"/>
+              </a:rPr>
+              <a:t>↘ Zones rurales = déserts médicaux (distance, délais).</a:t>
+            </a:r>
+          </a:p>
+          <a:p>
+            <a:pPr marL="800100" lvl="1" indent="-342900">
+              <a:lnSpc>
+                <a:spcPts val="2143"/>
+              </a:lnSpc>
+              <a:spcBef>
+                <a:spcPts val="300"/>
+              </a:spcBef>
+              <a:spcAft>
+                <a:spcPts val="1029"/>
+              </a:spcAft>
+              <a:buFont typeface="Wingdings" panose="05000000000000000000" pitchFamily="2" charset="2"/>
+              <a:buChar char="ü"/>
+            </a:pPr>
+            <a:r>
+              <a:rPr lang="fr-FR" sz="2400" b="1" i="0" dirty="0">
+                <a:solidFill>
+                  <a:srgbClr val="404040"/>
+                </a:solidFill>
+                <a:effectLst/>
+                <a:latin typeface="DeepSeek-CJK-patch"/>
+              </a:rPr>
+              <a:t>Renoncement aux soins</a:t>
+            </a:r>
+            <a:r>
+              <a:rPr lang="fr-FR" sz="2400" b="0" i="0" dirty="0">
+                <a:solidFill>
+                  <a:srgbClr val="404040"/>
+                </a:solidFill>
+                <a:effectLst/>
+                <a:latin typeface="DeepSeek-CJK-patch"/>
+              </a:rPr>
+              <a:t> (</a:t>
+            </a:r>
+            <a:r>
+              <a:rPr lang="fr-FR" sz="2400" dirty="0"/>
+              <a:t>Ministère des Solidarités et de la Santé, 2021) :</a:t>
+            </a:r>
+            <a:br>
+              <a:rPr lang="fr-FR" sz="2400" b="0" i="0" dirty="0">
+                <a:solidFill>
+                  <a:srgbClr val="404040"/>
+                </a:solidFill>
+                <a:effectLst/>
+                <a:latin typeface="DeepSeek-CJK-patch"/>
+              </a:rPr>
+            </a:br>
+            <a:r>
+              <a:rPr lang="fr-FR" sz="2400" b="0" i="0" dirty="0">
+                <a:solidFill>
+                  <a:srgbClr val="404040"/>
+                </a:solidFill>
+                <a:effectLst/>
+                <a:latin typeface="DeepSeek-CJK-patch"/>
+              </a:rPr>
+              <a:t>3,1 % des Français renoncent (8× plus chez les pauvres en zones sous-dotées).</a:t>
+            </a:r>
+          </a:p>
+          <a:p>
+            <a:pPr algn="l">
+              <a:lnSpc>
+                <a:spcPts val="2143"/>
+              </a:lnSpc>
+              <a:spcBef>
+                <a:spcPts val="300"/>
+              </a:spcBef>
+              <a:spcAft>
+                <a:spcPts val="1029"/>
+              </a:spcAft>
+            </a:pPr>
+            <a:endParaRPr lang="fr-FR" sz="2400" dirty="0">
+              <a:solidFill>
+                <a:srgbClr val="404040"/>
+              </a:solidFill>
+            </a:endParaRPr>
+          </a:p>
+          <a:p>
+            <a:pPr marL="342900" indent="-342900" algn="l">
+              <a:lnSpc>
+                <a:spcPts val="2143"/>
+              </a:lnSpc>
+              <a:spcBef>
+                <a:spcPts val="1372"/>
+              </a:spcBef>
+              <a:spcAft>
+                <a:spcPts val="1029"/>
+              </a:spcAft>
+              <a:buFont typeface="Wingdings" panose="05000000000000000000" pitchFamily="2" charset="2"/>
+              <a:buChar char="§"/>
+            </a:pPr>
+            <a:r>
+              <a:rPr lang="fr-FR" sz="2400" b="1" i="0" dirty="0">
+                <a:solidFill>
+                  <a:srgbClr val="404040"/>
+                </a:solidFill>
+                <a:effectLst/>
+                <a:latin typeface="DeepSeek-CJK-patch"/>
+              </a:rPr>
+              <a:t>Perception de la santé </a:t>
+            </a:r>
+            <a:r>
+              <a:rPr lang="fr-FR" sz="2400" i="0" dirty="0">
+                <a:solidFill>
+                  <a:srgbClr val="404040"/>
+                </a:solidFill>
+                <a:effectLst/>
+                <a:latin typeface="DeepSeek-CJK-patch"/>
+              </a:rPr>
+              <a:t>(</a:t>
+            </a:r>
+            <a:r>
+              <a:rPr lang="fr-FR" sz="2400" dirty="0"/>
+              <a:t>Statistique Canada, 2022</a:t>
+            </a:r>
+            <a:r>
+              <a:rPr lang="fr-FR" sz="2400" i="0" dirty="0">
+                <a:solidFill>
+                  <a:srgbClr val="404040"/>
+                </a:solidFill>
+                <a:effectLst/>
+                <a:latin typeface="DeepSeek-CJK-patch"/>
+              </a:rPr>
+              <a:t>)</a:t>
+            </a:r>
+            <a:endParaRPr lang="fr-FR" sz="2400" b="0" i="0" dirty="0">
+              <a:solidFill>
+                <a:srgbClr val="404040"/>
+              </a:solidFill>
+              <a:effectLst/>
+              <a:latin typeface="DeepSeek-CJK-patch"/>
+            </a:endParaRPr>
+          </a:p>
+          <a:p>
+            <a:pPr lvl="1">
+              <a:lnSpc>
+                <a:spcPts val="2143"/>
+              </a:lnSpc>
+              <a:spcBef>
+                <a:spcPts val="1029"/>
+              </a:spcBef>
+              <a:spcAft>
+                <a:spcPts val="1029"/>
+              </a:spcAft>
+            </a:pPr>
+            <a:r>
+              <a:rPr lang="fr-FR" sz="2400" b="0" i="0" dirty="0">
+                <a:solidFill>
+                  <a:srgbClr val="404040"/>
+                </a:solidFill>
+                <a:effectLst/>
+                <a:latin typeface="DeepSeek-CJK-patch"/>
+              </a:rPr>
+              <a:t>↗ Auto-évaluation négative = consultations fréquentes.</a:t>
+            </a:r>
+          </a:p>
+          <a:p>
+            <a:pPr lvl="1">
+              <a:lnSpc>
+                <a:spcPts val="2143"/>
+              </a:lnSpc>
+              <a:spcBef>
+                <a:spcPts val="300"/>
+              </a:spcBef>
+              <a:spcAft>
+                <a:spcPts val="1029"/>
+              </a:spcAft>
+            </a:pPr>
+            <a:r>
+              <a:rPr lang="fr-FR" sz="2400" b="0" i="0" dirty="0">
+                <a:solidFill>
+                  <a:srgbClr val="404040"/>
+                </a:solidFill>
+                <a:effectLst/>
+                <a:latin typeface="DeepSeek-CJK-patch"/>
+              </a:rPr>
+              <a:t>↘ Santé perçue comme bonne = moins de recours.</a:t>
+            </a:r>
+          </a:p>
+        </p:txBody>
+      </p:sp>
+    </p:spTree>
+    <p:extLst>
+      <p:ext uri="{BB962C8B-B14F-4D97-AF65-F5344CB8AC3E}">
+        <p14:creationId xmlns:p14="http://schemas.microsoft.com/office/powerpoint/2010/main" val="1674074081"/>
       </p:ext>
     </p:extLst>
   </p:cSld>

--- a/Présentation/Soutenance_Groupe25.pptx
+++ b/Présentation/Soutenance_Groupe25.pptx
@@ -9,10 +9,10 @@
     <p:sldMasterId id="2147483672" r:id="rId5"/>
   </p:sldMasterIdLst>
   <p:notesMasterIdLst>
-    <p:notesMasterId r:id="rId39"/>
+    <p:notesMasterId r:id="rId41"/>
   </p:notesMasterIdLst>
   <p:handoutMasterIdLst>
-    <p:handoutMasterId r:id="rId40"/>
+    <p:handoutMasterId r:id="rId42"/>
   </p:handoutMasterIdLst>
   <p:sldIdLst>
     <p:sldId id="257" r:id="rId6"/>
@@ -41,13 +41,15 @@
     <p:sldId id="282" r:id="rId29"/>
     <p:sldId id="283" r:id="rId30"/>
     <p:sldId id="284" r:id="rId31"/>
-    <p:sldId id="285" r:id="rId32"/>
-    <p:sldId id="272" r:id="rId33"/>
-    <p:sldId id="271" r:id="rId34"/>
-    <p:sldId id="297" r:id="rId35"/>
-    <p:sldId id="261" r:id="rId36"/>
-    <p:sldId id="273" r:id="rId37"/>
-    <p:sldId id="274" r:id="rId38"/>
+    <p:sldId id="298" r:id="rId32"/>
+    <p:sldId id="285" r:id="rId33"/>
+    <p:sldId id="299" r:id="rId34"/>
+    <p:sldId id="272" r:id="rId35"/>
+    <p:sldId id="271" r:id="rId36"/>
+    <p:sldId id="297" r:id="rId37"/>
+    <p:sldId id="261" r:id="rId38"/>
+    <p:sldId id="273" r:id="rId39"/>
+    <p:sldId id="274" r:id="rId40"/>
   </p:sldIdLst>
   <p:sldSz cx="12192000" cy="6858000"/>
   <p:notesSz cx="6858000" cy="9144000"/>
@@ -1272,7 +1274,7 @@
           <a:p>
             <a:fld id="{45C44DBB-F87B-49EA-91FB-EDB78BBE8593}" type="slidenum">
               <a:rPr lang="fr-FR" smtClean="0"/>
-              <a:t>29</a:t>
+              <a:t>31</a:t>
             </a:fld>
             <a:endParaRPr lang="fr-FR"/>
           </a:p>
@@ -1383,7 +1385,7 @@
           <a:p>
             <a:fld id="{45C44DBB-F87B-49EA-91FB-EDB78BBE8593}" type="slidenum">
               <a:rPr lang="fr-FR" smtClean="0"/>
-              <a:t>30</a:t>
+              <a:t>32</a:t>
             </a:fld>
             <a:endParaRPr lang="fr-FR"/>
           </a:p>
@@ -9609,25 +9611,7 @@
                 </a:solidFill>
                 <a:latin typeface="Gill Sans MT" panose="020B0502020104020203" pitchFamily="34" charset="0"/>
               </a:rPr>
-              <a:t>2.4. Modèles (</a:t>
-            </a:r>
-            <a:r>
-              <a:rPr lang="fr-FR" sz="3600" b="1" dirty="0">
-                <a:solidFill>
-                  <a:srgbClr val="FF0000"/>
-                </a:solidFill>
-                <a:latin typeface="Gill Sans MT" panose="020B0502020104020203" pitchFamily="34" charset="0"/>
-              </a:rPr>
-              <a:t>Richard</a:t>
-            </a:r>
-            <a:r>
-              <a:rPr lang="fr-FR" sz="3600" b="1" dirty="0">
-                <a:solidFill>
-                  <a:schemeClr val="bg1"/>
-                </a:solidFill>
-                <a:latin typeface="Gill Sans MT" panose="020B0502020104020203" pitchFamily="34" charset="0"/>
-              </a:rPr>
-              <a:t>)</a:t>
+              <a:t>2.4. Modèles</a:t>
             </a:r>
           </a:p>
         </p:txBody>
@@ -9671,6 +9655,1381 @@
           </a:prstGeom>
         </p:spPr>
       </p:pic>
+      <p:sp>
+        <p:nvSpPr>
+          <p:cNvPr id="5" name="ZoneTexte 4">
+            <a:extLst>
+              <a:ext uri="{FF2B5EF4-FFF2-40B4-BE49-F238E27FC236}">
+                <a16:creationId xmlns:a16="http://schemas.microsoft.com/office/drawing/2014/main" id="{BE397EBF-F696-43A9-AB35-7698BD20AEF6}"/>
+              </a:ext>
+            </a:extLst>
+          </p:cNvPr>
+          <p:cNvSpPr txBox="1"/>
+          <p:nvPr/>
+        </p:nvSpPr>
+        <p:spPr>
+          <a:xfrm>
+            <a:off x="570676" y="1664256"/>
+            <a:ext cx="3585236" cy="461665"/>
+          </a:xfrm>
+          <a:prstGeom prst="rect">
+            <a:avLst/>
+          </a:prstGeom>
+          <a:noFill/>
+        </p:spPr>
+        <p:txBody>
+          <a:bodyPr wrap="square" rtlCol="0">
+            <a:spAutoFit/>
+          </a:bodyPr>
+          <a:lstStyle/>
+          <a:p>
+            <a:r>
+              <a:rPr lang="fr-FR" sz="2400" b="1" dirty="0">
+                <a:latin typeface="Gill Sans MT" panose="020B0502020104020203" pitchFamily="34" charset="0"/>
+              </a:rPr>
+              <a:t>MCO</a:t>
+            </a:r>
+            <a:r>
+              <a:rPr lang="fr-FR" sz="2400" dirty="0">
+                <a:latin typeface="Gill Sans MT" panose="020B0502020104020203" pitchFamily="34" charset="0"/>
+              </a:rPr>
+              <a:t>(Modèle classique) </a:t>
+            </a:r>
+          </a:p>
+        </p:txBody>
+      </p:sp>
+      <p:sp>
+        <p:nvSpPr>
+          <p:cNvPr id="6" name="ZoneTexte 5">
+            <a:extLst>
+              <a:ext uri="{FF2B5EF4-FFF2-40B4-BE49-F238E27FC236}">
+                <a16:creationId xmlns:a16="http://schemas.microsoft.com/office/drawing/2014/main" id="{908E050E-2F7A-4452-BA04-C789FD11C686}"/>
+              </a:ext>
+            </a:extLst>
+          </p:cNvPr>
+          <p:cNvSpPr txBox="1"/>
+          <p:nvPr/>
+        </p:nvSpPr>
+        <p:spPr>
+          <a:xfrm>
+            <a:off x="570676" y="3264703"/>
+            <a:ext cx="3697070" cy="461665"/>
+          </a:xfrm>
+          <a:prstGeom prst="rect">
+            <a:avLst/>
+          </a:prstGeom>
+          <a:noFill/>
+        </p:spPr>
+        <p:txBody>
+          <a:bodyPr wrap="square" rtlCol="0">
+            <a:spAutoFit/>
+          </a:bodyPr>
+          <a:lstStyle>
+            <a:defPPr>
+              <a:defRPr lang="fr-FR"/>
+            </a:defPPr>
+            <a:lvl1pPr>
+              <a:defRPr sz="2400">
+                <a:latin typeface="Gill Sans MT" panose="020B0502020104020203" pitchFamily="34" charset="0"/>
+              </a:defRPr>
+            </a:lvl1pPr>
+          </a:lstStyle>
+          <a:p>
+            <a:r>
+              <a:rPr lang="fr-FR" b="1" dirty="0"/>
+              <a:t>SAR </a:t>
+            </a:r>
+            <a:r>
+              <a:rPr lang="fr-FR" dirty="0"/>
+              <a:t>(</a:t>
+            </a:r>
+            <a:r>
+              <a:rPr lang="fr-FR" b="1" dirty="0">
+                <a:solidFill>
+                  <a:srgbClr val="006A5A"/>
+                </a:solidFill>
+              </a:rPr>
+              <a:t>S</a:t>
+            </a:r>
+            <a:r>
+              <a:rPr lang="fr-FR" dirty="0"/>
+              <a:t>patial </a:t>
+            </a:r>
+            <a:r>
+              <a:rPr lang="fr-FR" b="1" dirty="0" err="1">
+                <a:solidFill>
+                  <a:srgbClr val="006A5A"/>
+                </a:solidFill>
+              </a:rPr>
+              <a:t>A</a:t>
+            </a:r>
+            <a:r>
+              <a:rPr lang="fr-FR" dirty="0" err="1"/>
+              <a:t>uto</a:t>
+            </a:r>
+            <a:r>
+              <a:rPr lang="fr-FR" b="1" dirty="0" err="1">
+                <a:solidFill>
+                  <a:srgbClr val="006A5A"/>
+                </a:solidFill>
+              </a:rPr>
+              <a:t>R</a:t>
+            </a:r>
+            <a:r>
+              <a:rPr lang="fr-FR" dirty="0" err="1"/>
+              <a:t>egresif</a:t>
+            </a:r>
+            <a:r>
+              <a:rPr lang="fr-FR" dirty="0"/>
+              <a:t>)</a:t>
+            </a:r>
+          </a:p>
+        </p:txBody>
+      </p:sp>
+      <p:sp>
+        <p:nvSpPr>
+          <p:cNvPr id="7" name="ZoneTexte 6">
+            <a:extLst>
+              <a:ext uri="{FF2B5EF4-FFF2-40B4-BE49-F238E27FC236}">
+                <a16:creationId xmlns:a16="http://schemas.microsoft.com/office/drawing/2014/main" id="{F7AED6EA-09C3-489D-8973-FFAEB32F203C}"/>
+              </a:ext>
+            </a:extLst>
+          </p:cNvPr>
+          <p:cNvSpPr txBox="1"/>
+          <p:nvPr/>
+        </p:nvSpPr>
+        <p:spPr>
+          <a:xfrm>
+            <a:off x="7309260" y="1658361"/>
+            <a:ext cx="3585237" cy="461665"/>
+          </a:xfrm>
+          <a:prstGeom prst="rect">
+            <a:avLst/>
+          </a:prstGeom>
+          <a:noFill/>
+        </p:spPr>
+        <p:txBody>
+          <a:bodyPr wrap="square" rtlCol="0">
+            <a:spAutoFit/>
+          </a:bodyPr>
+          <a:lstStyle>
+            <a:defPPr>
+              <a:defRPr lang="fr-FR"/>
+            </a:defPPr>
+            <a:lvl1pPr>
+              <a:defRPr sz="2400">
+                <a:latin typeface="Gill Sans MT" panose="020B0502020104020203" pitchFamily="34" charset="0"/>
+              </a:defRPr>
+            </a:lvl1pPr>
+          </a:lstStyle>
+          <a:p>
+            <a:r>
+              <a:rPr lang="fr-FR" b="1" dirty="0"/>
+              <a:t>SEM</a:t>
+            </a:r>
+            <a:r>
+              <a:rPr lang="fr-FR" dirty="0"/>
+              <a:t>(</a:t>
+            </a:r>
+            <a:r>
+              <a:rPr lang="fr-FR" b="1" dirty="0">
+                <a:solidFill>
+                  <a:srgbClr val="006A5A"/>
+                </a:solidFill>
+              </a:rPr>
+              <a:t>S</a:t>
+            </a:r>
+            <a:r>
+              <a:rPr lang="fr-FR" dirty="0"/>
+              <a:t>patial </a:t>
+            </a:r>
+            <a:r>
+              <a:rPr lang="fr-FR" b="1" dirty="0" err="1">
+                <a:solidFill>
+                  <a:srgbClr val="006A5A"/>
+                </a:solidFill>
+              </a:rPr>
+              <a:t>E</a:t>
+            </a:r>
+            <a:r>
+              <a:rPr lang="fr-FR" dirty="0" err="1"/>
+              <a:t>rror</a:t>
+            </a:r>
+            <a:r>
+              <a:rPr lang="fr-FR" dirty="0"/>
+              <a:t> </a:t>
+            </a:r>
+            <a:r>
+              <a:rPr lang="fr-FR" b="1" dirty="0">
+                <a:solidFill>
+                  <a:srgbClr val="006A5A"/>
+                </a:solidFill>
+              </a:rPr>
+              <a:t>M</a:t>
+            </a:r>
+            <a:r>
+              <a:rPr lang="fr-FR" dirty="0"/>
+              <a:t>odel)</a:t>
+            </a:r>
+          </a:p>
+        </p:txBody>
+      </p:sp>
+      <p:sp>
+        <p:nvSpPr>
+          <p:cNvPr id="8" name="ZoneTexte 7">
+            <a:extLst>
+              <a:ext uri="{FF2B5EF4-FFF2-40B4-BE49-F238E27FC236}">
+                <a16:creationId xmlns:a16="http://schemas.microsoft.com/office/drawing/2014/main" id="{EC54D75E-F1A9-4991-822B-A4F4E8DA1A83}"/>
+              </a:ext>
+            </a:extLst>
+          </p:cNvPr>
+          <p:cNvSpPr txBox="1"/>
+          <p:nvPr/>
+        </p:nvSpPr>
+        <p:spPr>
+          <a:xfrm>
+            <a:off x="7309260" y="3127011"/>
+            <a:ext cx="4137186" cy="461665"/>
+          </a:xfrm>
+          <a:prstGeom prst="rect">
+            <a:avLst/>
+          </a:prstGeom>
+          <a:noFill/>
+        </p:spPr>
+        <p:txBody>
+          <a:bodyPr wrap="square" rtlCol="0">
+            <a:spAutoFit/>
+          </a:bodyPr>
+          <a:lstStyle>
+            <a:defPPr>
+              <a:defRPr lang="fr-FR"/>
+            </a:defPPr>
+            <a:lvl1pPr>
+              <a:defRPr sz="2400">
+                <a:latin typeface="Gill Sans MT" panose="020B0502020104020203" pitchFamily="34" charset="0"/>
+              </a:defRPr>
+            </a:lvl1pPr>
+          </a:lstStyle>
+          <a:p>
+            <a:r>
+              <a:rPr lang="fr-FR" b="1" dirty="0"/>
+              <a:t>SLX</a:t>
+            </a:r>
+            <a:r>
+              <a:rPr lang="fr-FR" dirty="0"/>
+              <a:t>(</a:t>
+            </a:r>
+            <a:r>
+              <a:rPr lang="fr-FR" b="1" dirty="0">
+                <a:solidFill>
+                  <a:srgbClr val="006A5A"/>
+                </a:solidFill>
+              </a:rPr>
+              <a:t>S</a:t>
+            </a:r>
+            <a:r>
+              <a:rPr lang="fr-FR" dirty="0"/>
+              <a:t>patial </a:t>
+            </a:r>
+            <a:r>
+              <a:rPr lang="fr-FR" b="1" dirty="0">
+                <a:solidFill>
+                  <a:srgbClr val="006A5A"/>
+                </a:solidFill>
+              </a:rPr>
+              <a:t>L</a:t>
+            </a:r>
+            <a:r>
+              <a:rPr lang="fr-FR" dirty="0"/>
+              <a:t>ag of </a:t>
+            </a:r>
+            <a:r>
+              <a:rPr lang="fr-FR" b="1" dirty="0">
+                <a:solidFill>
+                  <a:srgbClr val="006A5A"/>
+                </a:solidFill>
+              </a:rPr>
+              <a:t>X</a:t>
+            </a:r>
+            <a:r>
+              <a:rPr lang="fr-FR" dirty="0"/>
+              <a:t> model)</a:t>
+            </a:r>
+          </a:p>
+        </p:txBody>
+      </p:sp>
+      <p:sp>
+        <p:nvSpPr>
+          <p:cNvPr id="9" name="ZoneTexte 8">
+            <a:extLst>
+              <a:ext uri="{FF2B5EF4-FFF2-40B4-BE49-F238E27FC236}">
+                <a16:creationId xmlns:a16="http://schemas.microsoft.com/office/drawing/2014/main" id="{8ED130DF-3A65-4B3B-91E9-30C615965A0A}"/>
+              </a:ext>
+            </a:extLst>
+          </p:cNvPr>
+          <p:cNvSpPr txBox="1"/>
+          <p:nvPr/>
+        </p:nvSpPr>
+        <p:spPr>
+          <a:xfrm>
+            <a:off x="4267746" y="4967598"/>
+            <a:ext cx="3894422" cy="461665"/>
+          </a:xfrm>
+          <a:prstGeom prst="rect">
+            <a:avLst/>
+          </a:prstGeom>
+          <a:noFill/>
+        </p:spPr>
+        <p:txBody>
+          <a:bodyPr wrap="square" rtlCol="0">
+            <a:spAutoFit/>
+          </a:bodyPr>
+          <a:lstStyle>
+            <a:defPPr>
+              <a:defRPr lang="fr-FR"/>
+            </a:defPPr>
+            <a:lvl1pPr>
+              <a:defRPr sz="2400">
+                <a:latin typeface="Gill Sans MT" panose="020B0502020104020203" pitchFamily="34" charset="0"/>
+              </a:defRPr>
+            </a:lvl1pPr>
+          </a:lstStyle>
+          <a:p>
+            <a:r>
+              <a:rPr lang="fr-FR" b="1" dirty="0"/>
+              <a:t>SDM</a:t>
+            </a:r>
+            <a:r>
+              <a:rPr lang="fr-FR" dirty="0"/>
+              <a:t>(</a:t>
+            </a:r>
+            <a:r>
+              <a:rPr lang="fr-FR" b="1" dirty="0">
+                <a:solidFill>
+                  <a:srgbClr val="006A5A"/>
+                </a:solidFill>
+              </a:rPr>
+              <a:t>S</a:t>
+            </a:r>
+            <a:r>
+              <a:rPr lang="fr-FR" dirty="0"/>
+              <a:t>patial </a:t>
+            </a:r>
+            <a:r>
+              <a:rPr lang="fr-FR" b="1" dirty="0">
+                <a:solidFill>
+                  <a:srgbClr val="006A5A"/>
+                </a:solidFill>
+              </a:rPr>
+              <a:t>D</a:t>
+            </a:r>
+            <a:r>
+              <a:rPr lang="fr-FR" dirty="0"/>
+              <a:t>urbin </a:t>
+            </a:r>
+            <a:r>
+              <a:rPr lang="fr-FR" b="1" dirty="0">
+                <a:solidFill>
+                  <a:srgbClr val="006A5A"/>
+                </a:solidFill>
+              </a:rPr>
+              <a:t>M</a:t>
+            </a:r>
+            <a:r>
+              <a:rPr lang="fr-FR" dirty="0"/>
+              <a:t>odel)</a:t>
+            </a:r>
+          </a:p>
+        </p:txBody>
+      </p:sp>
+      <p:sp>
+        <p:nvSpPr>
+          <p:cNvPr id="10" name="Rectangle 9">
+            <a:extLst>
+              <a:ext uri="{FF2B5EF4-FFF2-40B4-BE49-F238E27FC236}">
+                <a16:creationId xmlns:a16="http://schemas.microsoft.com/office/drawing/2014/main" id="{0E3D93F1-05AD-4E8B-A3ED-C8D8254D94E4}"/>
+              </a:ext>
+            </a:extLst>
+          </p:cNvPr>
+          <p:cNvSpPr/>
+          <p:nvPr/>
+        </p:nvSpPr>
+        <p:spPr>
+          <a:xfrm>
+            <a:off x="317406" y="1817868"/>
+            <a:ext cx="203931" cy="197353"/>
+          </a:xfrm>
+          <a:prstGeom prst="rect">
+            <a:avLst/>
+          </a:prstGeom>
+          <a:solidFill>
+            <a:srgbClr val="006A5A"/>
+          </a:solidFill>
+        </p:spPr>
+        <p:style>
+          <a:lnRef idx="2">
+            <a:schemeClr val="accent1">
+              <a:shade val="50000"/>
+            </a:schemeClr>
+          </a:lnRef>
+          <a:fillRef idx="1">
+            <a:schemeClr val="accent1"/>
+          </a:fillRef>
+          <a:effectRef idx="0">
+            <a:schemeClr val="accent1"/>
+          </a:effectRef>
+          <a:fontRef idx="minor">
+            <a:schemeClr val="lt1"/>
+          </a:fontRef>
+        </p:style>
+        <p:txBody>
+          <a:bodyPr rtlCol="0" anchor="ctr"/>
+          <a:lstStyle/>
+          <a:p>
+            <a:pPr algn="ctr"/>
+            <a:endParaRPr lang="fr-FR"/>
+          </a:p>
+        </p:txBody>
+      </p:sp>
+      <p:sp>
+        <p:nvSpPr>
+          <p:cNvPr id="11" name="Rectangle 10">
+            <a:extLst>
+              <a:ext uri="{FF2B5EF4-FFF2-40B4-BE49-F238E27FC236}">
+                <a16:creationId xmlns:a16="http://schemas.microsoft.com/office/drawing/2014/main" id="{1D4F0291-506F-4EF2-9B91-4B4432012D97}"/>
+              </a:ext>
+            </a:extLst>
+          </p:cNvPr>
+          <p:cNvSpPr/>
+          <p:nvPr/>
+        </p:nvSpPr>
+        <p:spPr>
+          <a:xfrm>
+            <a:off x="317405" y="3396858"/>
+            <a:ext cx="203931" cy="197353"/>
+          </a:xfrm>
+          <a:prstGeom prst="rect">
+            <a:avLst/>
+          </a:prstGeom>
+          <a:solidFill>
+            <a:srgbClr val="006A5A"/>
+          </a:solidFill>
+        </p:spPr>
+        <p:style>
+          <a:lnRef idx="2">
+            <a:schemeClr val="accent1">
+              <a:shade val="50000"/>
+            </a:schemeClr>
+          </a:lnRef>
+          <a:fillRef idx="1">
+            <a:schemeClr val="accent1"/>
+          </a:fillRef>
+          <a:effectRef idx="0">
+            <a:schemeClr val="accent1"/>
+          </a:effectRef>
+          <a:fontRef idx="minor">
+            <a:schemeClr val="lt1"/>
+          </a:fontRef>
+        </p:style>
+        <p:txBody>
+          <a:bodyPr rtlCol="0" anchor="ctr"/>
+          <a:lstStyle/>
+          <a:p>
+            <a:pPr algn="ctr"/>
+            <a:endParaRPr lang="fr-FR"/>
+          </a:p>
+        </p:txBody>
+      </p:sp>
+      <p:sp>
+        <p:nvSpPr>
+          <p:cNvPr id="12" name="Rectangle 11">
+            <a:extLst>
+              <a:ext uri="{FF2B5EF4-FFF2-40B4-BE49-F238E27FC236}">
+                <a16:creationId xmlns:a16="http://schemas.microsoft.com/office/drawing/2014/main" id="{9178589A-CC7E-473B-884D-A479078A8174}"/>
+              </a:ext>
+            </a:extLst>
+          </p:cNvPr>
+          <p:cNvSpPr/>
+          <p:nvPr/>
+        </p:nvSpPr>
+        <p:spPr>
+          <a:xfrm>
+            <a:off x="7055991" y="1822049"/>
+            <a:ext cx="203931" cy="197353"/>
+          </a:xfrm>
+          <a:prstGeom prst="rect">
+            <a:avLst/>
+          </a:prstGeom>
+          <a:solidFill>
+            <a:srgbClr val="006A5A"/>
+          </a:solidFill>
+        </p:spPr>
+        <p:style>
+          <a:lnRef idx="2">
+            <a:schemeClr val="accent1">
+              <a:shade val="50000"/>
+            </a:schemeClr>
+          </a:lnRef>
+          <a:fillRef idx="1">
+            <a:schemeClr val="accent1"/>
+          </a:fillRef>
+          <a:effectRef idx="0">
+            <a:schemeClr val="accent1"/>
+          </a:effectRef>
+          <a:fontRef idx="minor">
+            <a:schemeClr val="lt1"/>
+          </a:fontRef>
+        </p:style>
+        <p:txBody>
+          <a:bodyPr rtlCol="0" anchor="ctr"/>
+          <a:lstStyle/>
+          <a:p>
+            <a:pPr algn="ctr"/>
+            <a:endParaRPr lang="fr-FR"/>
+          </a:p>
+        </p:txBody>
+      </p:sp>
+      <p:sp>
+        <p:nvSpPr>
+          <p:cNvPr id="13" name="Rectangle 12">
+            <a:extLst>
+              <a:ext uri="{FF2B5EF4-FFF2-40B4-BE49-F238E27FC236}">
+                <a16:creationId xmlns:a16="http://schemas.microsoft.com/office/drawing/2014/main" id="{B4E803D5-3B40-440D-8151-5EF4C6E7C9CA}"/>
+              </a:ext>
+            </a:extLst>
+          </p:cNvPr>
+          <p:cNvSpPr/>
+          <p:nvPr/>
+        </p:nvSpPr>
+        <p:spPr>
+          <a:xfrm>
+            <a:off x="7055990" y="3259166"/>
+            <a:ext cx="203931" cy="197353"/>
+          </a:xfrm>
+          <a:prstGeom prst="rect">
+            <a:avLst/>
+          </a:prstGeom>
+          <a:solidFill>
+            <a:srgbClr val="006A5A"/>
+          </a:solidFill>
+        </p:spPr>
+        <p:style>
+          <a:lnRef idx="2">
+            <a:schemeClr val="accent1">
+              <a:shade val="50000"/>
+            </a:schemeClr>
+          </a:lnRef>
+          <a:fillRef idx="1">
+            <a:schemeClr val="accent1"/>
+          </a:fillRef>
+          <a:effectRef idx="0">
+            <a:schemeClr val="accent1"/>
+          </a:effectRef>
+          <a:fontRef idx="minor">
+            <a:schemeClr val="lt1"/>
+          </a:fontRef>
+        </p:style>
+        <p:txBody>
+          <a:bodyPr rtlCol="0" anchor="ctr"/>
+          <a:lstStyle/>
+          <a:p>
+            <a:pPr algn="ctr"/>
+            <a:endParaRPr lang="fr-FR"/>
+          </a:p>
+        </p:txBody>
+      </p:sp>
+      <p:sp>
+        <p:nvSpPr>
+          <p:cNvPr id="14" name="Rectangle 13">
+            <a:extLst>
+              <a:ext uri="{FF2B5EF4-FFF2-40B4-BE49-F238E27FC236}">
+                <a16:creationId xmlns:a16="http://schemas.microsoft.com/office/drawing/2014/main" id="{1421FB3C-83A0-4FCD-904A-42050F6EBA00}"/>
+              </a:ext>
+            </a:extLst>
+          </p:cNvPr>
+          <p:cNvSpPr/>
+          <p:nvPr/>
+        </p:nvSpPr>
+        <p:spPr>
+          <a:xfrm>
+            <a:off x="3943848" y="5110928"/>
+            <a:ext cx="203931" cy="197353"/>
+          </a:xfrm>
+          <a:prstGeom prst="rect">
+            <a:avLst/>
+          </a:prstGeom>
+          <a:solidFill>
+            <a:srgbClr val="006A5A"/>
+          </a:solidFill>
+        </p:spPr>
+        <p:style>
+          <a:lnRef idx="2">
+            <a:schemeClr val="accent1">
+              <a:shade val="50000"/>
+            </a:schemeClr>
+          </a:lnRef>
+          <a:fillRef idx="1">
+            <a:schemeClr val="accent1"/>
+          </a:fillRef>
+          <a:effectRef idx="0">
+            <a:schemeClr val="accent1"/>
+          </a:effectRef>
+          <a:fontRef idx="minor">
+            <a:schemeClr val="lt1"/>
+          </a:fontRef>
+        </p:style>
+        <p:txBody>
+          <a:bodyPr rtlCol="0" anchor="ctr"/>
+          <a:lstStyle/>
+          <a:p>
+            <a:pPr algn="ctr"/>
+            <a:endParaRPr lang="fr-FR"/>
+          </a:p>
+        </p:txBody>
+      </p:sp>
+      <mc:AlternateContent xmlns:mc="http://schemas.openxmlformats.org/markup-compatibility/2006">
+        <mc:Choice xmlns:a14="http://schemas.microsoft.com/office/drawing/2010/main" Requires="a14">
+          <p:sp>
+            <p:nvSpPr>
+              <p:cNvPr id="15" name="ZoneTexte 14">
+                <a:extLst>
+                  <a:ext uri="{FF2B5EF4-FFF2-40B4-BE49-F238E27FC236}">
+                    <a16:creationId xmlns:a16="http://schemas.microsoft.com/office/drawing/2014/main" id="{CABFA3D5-464D-4F11-AF07-72B001F726A5}"/>
+                  </a:ext>
+                </a:extLst>
+              </p:cNvPr>
+              <p:cNvSpPr txBox="1"/>
+              <p:nvPr/>
+            </p:nvSpPr>
+            <p:spPr>
+              <a:xfrm>
+                <a:off x="962090" y="2257864"/>
+                <a:ext cx="1958870" cy="430887"/>
+              </a:xfrm>
+              <a:prstGeom prst="rect">
+                <a:avLst/>
+              </a:prstGeom>
+              <a:noFill/>
+            </p:spPr>
+            <p:txBody>
+              <a:bodyPr wrap="none" lIns="0" tIns="0" rIns="0" bIns="0" rtlCol="0">
+                <a:spAutoFit/>
+              </a:bodyPr>
+              <a:lstStyle/>
+              <a:p>
+                <a14:m>
+                  <m:oMathPara xmlns:m="http://schemas.openxmlformats.org/officeDocument/2006/math">
+                    <m:oMathParaPr>
+                      <m:jc m:val="centerGroup"/>
+                    </m:oMathParaPr>
+                    <m:oMath xmlns:m="http://schemas.openxmlformats.org/officeDocument/2006/math">
+                      <m:r>
+                        <a:rPr lang="fr-FR" sz="2800" b="0" i="1" smtClean="0">
+                          <a:latin typeface="Cambria Math" panose="02040503050406030204" pitchFamily="18" charset="0"/>
+                        </a:rPr>
+                        <m:t>𝑌</m:t>
+                      </m:r>
+                      <m:r>
+                        <a:rPr lang="fr-FR" sz="2800" b="0" i="1" smtClean="0">
+                          <a:latin typeface="Cambria Math" panose="02040503050406030204" pitchFamily="18" charset="0"/>
+                        </a:rPr>
+                        <m:t>=</m:t>
+                      </m:r>
+                      <m:r>
+                        <a:rPr lang="fr-FR" sz="2800" b="0" i="1" smtClean="0">
+                          <a:latin typeface="Cambria Math" panose="02040503050406030204" pitchFamily="18" charset="0"/>
+                        </a:rPr>
+                        <m:t>𝑋</m:t>
+                      </m:r>
+                      <m:r>
+                        <a:rPr lang="fr-FR" sz="2800" b="0" i="1" smtClean="0">
+                          <a:latin typeface="Cambria Math" panose="02040503050406030204" pitchFamily="18" charset="0"/>
+                          <a:ea typeface="Cambria Math" panose="02040503050406030204" pitchFamily="18" charset="0"/>
+                        </a:rPr>
+                        <m:t>𝛽</m:t>
+                      </m:r>
+                      <m:r>
+                        <a:rPr lang="fr-FR" sz="2800" b="0" i="1" smtClean="0">
+                          <a:latin typeface="Cambria Math" panose="02040503050406030204" pitchFamily="18" charset="0"/>
+                          <a:ea typeface="Cambria Math" panose="02040503050406030204" pitchFamily="18" charset="0"/>
+                        </a:rPr>
+                        <m:t>+ </m:t>
+                      </m:r>
+                      <m:r>
+                        <a:rPr lang="fr-FR" sz="2800" b="0" i="1" smtClean="0">
+                          <a:latin typeface="Cambria Math" panose="02040503050406030204" pitchFamily="18" charset="0"/>
+                          <a:ea typeface="Cambria Math" panose="02040503050406030204" pitchFamily="18" charset="0"/>
+                        </a:rPr>
+                        <m:t>𝜀</m:t>
+                      </m:r>
+                    </m:oMath>
+                  </m:oMathPara>
+                </a14:m>
+                <a:endParaRPr lang="fr-FR" sz="2800" dirty="0"/>
+              </a:p>
+            </p:txBody>
+          </p:sp>
+        </mc:Choice>
+        <mc:Fallback>
+          <p:sp>
+            <p:nvSpPr>
+              <p:cNvPr id="15" name="ZoneTexte 14">
+                <a:extLst>
+                  <a:ext uri="{FF2B5EF4-FFF2-40B4-BE49-F238E27FC236}">
+                    <a16:creationId xmlns:a16="http://schemas.microsoft.com/office/drawing/2014/main" id="{CABFA3D5-464D-4F11-AF07-72B001F726A5}"/>
+                  </a:ext>
+                </a:extLst>
+              </p:cNvPr>
+              <p:cNvSpPr txBox="1">
+                <a:spLocks noRot="1" noChangeAspect="1" noMove="1" noResize="1" noEditPoints="1" noAdjustHandles="1" noChangeArrowheads="1" noChangeShapeType="1" noTextEdit="1"/>
+              </p:cNvSpPr>
+              <p:nvPr/>
+            </p:nvSpPr>
+            <p:spPr>
+              <a:xfrm>
+                <a:off x="962090" y="2257864"/>
+                <a:ext cx="1958870" cy="430887"/>
+              </a:xfrm>
+              <a:prstGeom prst="rect">
+                <a:avLst/>
+              </a:prstGeom>
+              <a:blipFill>
+                <a:blip r:embed="rId4"/>
+                <a:stretch>
+                  <a:fillRect/>
+                </a:stretch>
+              </a:blipFill>
+            </p:spPr>
+            <p:txBody>
+              <a:bodyPr/>
+              <a:lstStyle/>
+              <a:p>
+                <a:r>
+                  <a:rPr lang="fr-FR">
+                    <a:noFill/>
+                  </a:rPr>
+                  <a:t> </a:t>
+                </a:r>
+              </a:p>
+            </p:txBody>
+          </p:sp>
+        </mc:Fallback>
+      </mc:AlternateContent>
+      <mc:AlternateContent xmlns:mc="http://schemas.openxmlformats.org/markup-compatibility/2006">
+        <mc:Choice xmlns:a14="http://schemas.microsoft.com/office/drawing/2010/main" Requires="a14">
+          <p:sp>
+            <p:nvSpPr>
+              <p:cNvPr id="16" name="ZoneTexte 15">
+                <a:extLst>
+                  <a:ext uri="{FF2B5EF4-FFF2-40B4-BE49-F238E27FC236}">
+                    <a16:creationId xmlns:a16="http://schemas.microsoft.com/office/drawing/2014/main" id="{58AF11F9-D5C7-40B6-9979-CBC8C2E5D26B}"/>
+                  </a:ext>
+                </a:extLst>
+              </p:cNvPr>
+              <p:cNvSpPr txBox="1"/>
+              <p:nvPr/>
+            </p:nvSpPr>
+            <p:spPr>
+              <a:xfrm>
+                <a:off x="521336" y="3797294"/>
+                <a:ext cx="3177986" cy="430887"/>
+              </a:xfrm>
+              <a:prstGeom prst="rect">
+                <a:avLst/>
+              </a:prstGeom>
+              <a:noFill/>
+            </p:spPr>
+            <p:txBody>
+              <a:bodyPr wrap="none" lIns="0" tIns="0" rIns="0" bIns="0" rtlCol="0">
+                <a:spAutoFit/>
+              </a:bodyPr>
+              <a:lstStyle/>
+              <a:p>
+                <a14:m>
+                  <m:oMathPara xmlns:m="http://schemas.openxmlformats.org/officeDocument/2006/math">
+                    <m:oMathParaPr>
+                      <m:jc m:val="centerGroup"/>
+                    </m:oMathParaPr>
+                    <m:oMath xmlns:m="http://schemas.openxmlformats.org/officeDocument/2006/math">
+                      <m:r>
+                        <a:rPr lang="fr-FR" sz="2800" b="0" i="1">
+                          <a:latin typeface="Cambria Math" panose="02040503050406030204" pitchFamily="18" charset="0"/>
+                        </a:rPr>
+                        <m:t>𝑌</m:t>
+                      </m:r>
+                      <m:r>
+                        <a:rPr lang="fr-FR" sz="2800" b="0" i="1">
+                          <a:latin typeface="Cambria Math" panose="02040503050406030204" pitchFamily="18" charset="0"/>
+                        </a:rPr>
+                        <m:t>=</m:t>
+                      </m:r>
+                      <m:r>
+                        <a:rPr lang="fr-FR" sz="2800" b="0" i="1">
+                          <a:latin typeface="Cambria Math" panose="02040503050406030204" pitchFamily="18" charset="0"/>
+                        </a:rPr>
+                        <m:t>𝜌</m:t>
+                      </m:r>
+                      <m:r>
+                        <a:rPr lang="fr-FR" sz="2800" b="0" i="1">
+                          <a:latin typeface="Cambria Math" panose="02040503050406030204" pitchFamily="18" charset="0"/>
+                        </a:rPr>
+                        <m:t>𝑊𝑌</m:t>
+                      </m:r>
+                      <m:r>
+                        <a:rPr lang="fr-FR" sz="2800" b="0" i="1">
+                          <a:latin typeface="Cambria Math" panose="02040503050406030204" pitchFamily="18" charset="0"/>
+                        </a:rPr>
+                        <m:t>+</m:t>
+                      </m:r>
+                      <m:r>
+                        <a:rPr lang="fr-FR" sz="2800" b="0" i="1">
+                          <a:latin typeface="Cambria Math" panose="02040503050406030204" pitchFamily="18" charset="0"/>
+                        </a:rPr>
+                        <m:t>𝑋</m:t>
+                      </m:r>
+                      <m:r>
+                        <a:rPr lang="fr-FR" sz="2800" b="0" i="1">
+                          <a:latin typeface="Cambria Math" panose="02040503050406030204" pitchFamily="18" charset="0"/>
+                        </a:rPr>
+                        <m:t>𝛽</m:t>
+                      </m:r>
+                      <m:r>
+                        <a:rPr lang="fr-FR" sz="2800" b="0" i="1">
+                          <a:latin typeface="Cambria Math" panose="02040503050406030204" pitchFamily="18" charset="0"/>
+                        </a:rPr>
+                        <m:t>+ </m:t>
+                      </m:r>
+                      <m:r>
+                        <a:rPr lang="fr-FR" sz="2800" b="0" i="1">
+                          <a:latin typeface="Cambria Math" panose="02040503050406030204" pitchFamily="18" charset="0"/>
+                        </a:rPr>
+                        <m:t>𝜖</m:t>
+                      </m:r>
+                    </m:oMath>
+                  </m:oMathPara>
+                </a14:m>
+                <a:endParaRPr lang="fr-FR" sz="2800" i="1" dirty="0">
+                  <a:latin typeface="Cambria Math" panose="02040503050406030204" pitchFamily="18" charset="0"/>
+                </a:endParaRPr>
+              </a:p>
+            </p:txBody>
+          </p:sp>
+        </mc:Choice>
+        <mc:Fallback>
+          <p:sp>
+            <p:nvSpPr>
+              <p:cNvPr id="16" name="ZoneTexte 15">
+                <a:extLst>
+                  <a:ext uri="{FF2B5EF4-FFF2-40B4-BE49-F238E27FC236}">
+                    <a16:creationId xmlns:a16="http://schemas.microsoft.com/office/drawing/2014/main" id="{58AF11F9-D5C7-40B6-9979-CBC8C2E5D26B}"/>
+                  </a:ext>
+                </a:extLst>
+              </p:cNvPr>
+              <p:cNvSpPr txBox="1">
+                <a:spLocks noRot="1" noChangeAspect="1" noMove="1" noResize="1" noEditPoints="1" noAdjustHandles="1" noChangeArrowheads="1" noChangeShapeType="1" noTextEdit="1"/>
+              </p:cNvSpPr>
+              <p:nvPr/>
+            </p:nvSpPr>
+            <p:spPr>
+              <a:xfrm>
+                <a:off x="521336" y="3797294"/>
+                <a:ext cx="3177986" cy="430887"/>
+              </a:xfrm>
+              <a:prstGeom prst="rect">
+                <a:avLst/>
+              </a:prstGeom>
+              <a:blipFill>
+                <a:blip r:embed="rId5"/>
+                <a:stretch>
+                  <a:fillRect/>
+                </a:stretch>
+              </a:blipFill>
+            </p:spPr>
+            <p:txBody>
+              <a:bodyPr/>
+              <a:lstStyle/>
+              <a:p>
+                <a:r>
+                  <a:rPr lang="fr-FR">
+                    <a:noFill/>
+                  </a:rPr>
+                  <a:t> </a:t>
+                </a:r>
+              </a:p>
+            </p:txBody>
+          </p:sp>
+        </mc:Fallback>
+      </mc:AlternateContent>
+      <mc:AlternateContent xmlns:mc="http://schemas.openxmlformats.org/markup-compatibility/2006">
+        <mc:Choice xmlns:a14="http://schemas.microsoft.com/office/drawing/2010/main" Requires="a14">
+          <p:sp>
+            <p:nvSpPr>
+              <p:cNvPr id="19" name="ZoneTexte 18">
+                <a:extLst>
+                  <a:ext uri="{FF2B5EF4-FFF2-40B4-BE49-F238E27FC236}">
+                    <a16:creationId xmlns:a16="http://schemas.microsoft.com/office/drawing/2014/main" id="{FE29D418-67E3-47A4-AFED-8247234C9374}"/>
+                  </a:ext>
+                </a:extLst>
+              </p:cNvPr>
+              <p:cNvSpPr txBox="1"/>
+              <p:nvPr/>
+            </p:nvSpPr>
+            <p:spPr>
+              <a:xfrm>
+                <a:off x="7378332" y="2257864"/>
+                <a:ext cx="3242105" cy="430887"/>
+              </a:xfrm>
+              <a:prstGeom prst="rect">
+                <a:avLst/>
+              </a:prstGeom>
+              <a:noFill/>
+            </p:spPr>
+            <p:txBody>
+              <a:bodyPr wrap="none" lIns="0" tIns="0" rIns="0" bIns="0" rtlCol="0">
+                <a:spAutoFit/>
+              </a:bodyPr>
+              <a:lstStyle/>
+              <a:p>
+                <a14:m>
+                  <m:oMathPara xmlns:m="http://schemas.openxmlformats.org/officeDocument/2006/math">
+                    <m:oMathParaPr>
+                      <m:jc m:val="centerGroup"/>
+                    </m:oMathParaPr>
+                    <m:oMath xmlns:m="http://schemas.openxmlformats.org/officeDocument/2006/math">
+                      <m:r>
+                        <a:rPr lang="fr-FR" sz="2800" b="0" i="1" smtClean="0">
+                          <a:latin typeface="Cambria Math" panose="02040503050406030204" pitchFamily="18" charset="0"/>
+                        </a:rPr>
+                        <m:t>𝑌</m:t>
+                      </m:r>
+                      <m:r>
+                        <a:rPr lang="fr-FR" sz="2800" b="0" i="1" smtClean="0">
+                          <a:latin typeface="Cambria Math" panose="02040503050406030204" pitchFamily="18" charset="0"/>
+                        </a:rPr>
+                        <m:t>=</m:t>
+                      </m:r>
+                      <m:r>
+                        <a:rPr lang="fr-FR" sz="2800" b="0" i="1" smtClean="0">
+                          <a:latin typeface="Cambria Math" panose="02040503050406030204" pitchFamily="18" charset="0"/>
+                        </a:rPr>
+                        <m:t>𝑋</m:t>
+                      </m:r>
+                      <m:r>
+                        <a:rPr lang="fr-FR" sz="2800" b="0" i="1" smtClean="0">
+                          <a:latin typeface="Cambria Math" panose="02040503050406030204" pitchFamily="18" charset="0"/>
+                        </a:rPr>
+                        <m:t>𝛽</m:t>
+                      </m:r>
+                      <m:r>
+                        <a:rPr lang="fr-FR" sz="2800" b="0" i="1" smtClean="0">
+                          <a:latin typeface="Cambria Math" panose="02040503050406030204" pitchFamily="18" charset="0"/>
+                        </a:rPr>
+                        <m:t>+ </m:t>
+                      </m:r>
+                      <m:r>
+                        <a:rPr lang="fr-FR" sz="2800" b="0" i="1" smtClean="0">
+                          <a:latin typeface="Cambria Math" panose="02040503050406030204" pitchFamily="18" charset="0"/>
+                          <a:ea typeface="Cambria Math" panose="02040503050406030204" pitchFamily="18" charset="0"/>
+                        </a:rPr>
+                        <m:t>𝜆</m:t>
+                      </m:r>
+                      <m:r>
+                        <a:rPr lang="fr-FR" sz="2800" b="0" i="1" smtClean="0">
+                          <a:latin typeface="Cambria Math" panose="02040503050406030204" pitchFamily="18" charset="0"/>
+                          <a:ea typeface="Cambria Math" panose="02040503050406030204" pitchFamily="18" charset="0"/>
+                        </a:rPr>
+                        <m:t>𝑊</m:t>
+                      </m:r>
+                      <m:r>
+                        <a:rPr lang="fr-FR" sz="2800" b="0" i="1" smtClean="0">
+                          <a:latin typeface="Cambria Math" panose="02040503050406030204" pitchFamily="18" charset="0"/>
+                          <a:ea typeface="Cambria Math" panose="02040503050406030204" pitchFamily="18" charset="0"/>
+                        </a:rPr>
+                        <m:t>𝜇</m:t>
+                      </m:r>
+                      <m:r>
+                        <a:rPr lang="fr-FR" sz="2800" b="0" i="1" smtClean="0">
+                          <a:latin typeface="Cambria Math" panose="02040503050406030204" pitchFamily="18" charset="0"/>
+                          <a:ea typeface="Cambria Math" panose="02040503050406030204" pitchFamily="18" charset="0"/>
+                        </a:rPr>
+                        <m:t>+ </m:t>
+                      </m:r>
+                      <m:r>
+                        <a:rPr lang="fr-FR" sz="2800" b="0" i="1" smtClean="0">
+                          <a:latin typeface="Cambria Math" panose="02040503050406030204" pitchFamily="18" charset="0"/>
+                          <a:ea typeface="Cambria Math" panose="02040503050406030204" pitchFamily="18" charset="0"/>
+                        </a:rPr>
+                        <m:t>𝜀</m:t>
+                      </m:r>
+                    </m:oMath>
+                  </m:oMathPara>
+                </a14:m>
+                <a:endParaRPr lang="fr-FR" sz="2800" i="1" dirty="0">
+                  <a:latin typeface="Cambria Math" panose="02040503050406030204" pitchFamily="18" charset="0"/>
+                </a:endParaRPr>
+              </a:p>
+            </p:txBody>
+          </p:sp>
+        </mc:Choice>
+        <mc:Fallback>
+          <p:sp>
+            <p:nvSpPr>
+              <p:cNvPr id="19" name="ZoneTexte 18">
+                <a:extLst>
+                  <a:ext uri="{FF2B5EF4-FFF2-40B4-BE49-F238E27FC236}">
+                    <a16:creationId xmlns:a16="http://schemas.microsoft.com/office/drawing/2014/main" id="{FE29D418-67E3-47A4-AFED-8247234C9374}"/>
+                  </a:ext>
+                </a:extLst>
+              </p:cNvPr>
+              <p:cNvSpPr txBox="1">
+                <a:spLocks noRot="1" noChangeAspect="1" noMove="1" noResize="1" noEditPoints="1" noAdjustHandles="1" noChangeArrowheads="1" noChangeShapeType="1" noTextEdit="1"/>
+              </p:cNvSpPr>
+              <p:nvPr/>
+            </p:nvSpPr>
+            <p:spPr>
+              <a:xfrm>
+                <a:off x="7378332" y="2257864"/>
+                <a:ext cx="3242105" cy="430887"/>
+              </a:xfrm>
+              <a:prstGeom prst="rect">
+                <a:avLst/>
+              </a:prstGeom>
+              <a:blipFill>
+                <a:blip r:embed="rId6"/>
+                <a:stretch>
+                  <a:fillRect/>
+                </a:stretch>
+              </a:blipFill>
+            </p:spPr>
+            <p:txBody>
+              <a:bodyPr/>
+              <a:lstStyle/>
+              <a:p>
+                <a:r>
+                  <a:rPr lang="fr-FR">
+                    <a:noFill/>
+                  </a:rPr>
+                  <a:t> </a:t>
+                </a:r>
+              </a:p>
+            </p:txBody>
+          </p:sp>
+        </mc:Fallback>
+      </mc:AlternateContent>
+      <mc:AlternateContent xmlns:mc="http://schemas.openxmlformats.org/markup-compatibility/2006">
+        <mc:Choice xmlns:a14="http://schemas.microsoft.com/office/drawing/2010/main" Requires="a14">
+          <p:sp>
+            <p:nvSpPr>
+              <p:cNvPr id="20" name="ZoneTexte 19">
+                <a:extLst>
+                  <a:ext uri="{FF2B5EF4-FFF2-40B4-BE49-F238E27FC236}">
+                    <a16:creationId xmlns:a16="http://schemas.microsoft.com/office/drawing/2014/main" id="{1D3E75DC-0CD8-4CD1-BFCA-8FFA28C7329F}"/>
+                  </a:ext>
+                </a:extLst>
+              </p:cNvPr>
+              <p:cNvSpPr txBox="1"/>
+              <p:nvPr/>
+            </p:nvSpPr>
+            <p:spPr>
+              <a:xfrm>
+                <a:off x="7378332" y="3797294"/>
+                <a:ext cx="3124894" cy="430887"/>
+              </a:xfrm>
+              <a:prstGeom prst="rect">
+                <a:avLst/>
+              </a:prstGeom>
+              <a:noFill/>
+            </p:spPr>
+            <p:txBody>
+              <a:bodyPr wrap="none" lIns="0" tIns="0" rIns="0" bIns="0" rtlCol="0">
+                <a:spAutoFit/>
+              </a:bodyPr>
+              <a:lstStyle/>
+              <a:p>
+                <a14:m>
+                  <m:oMathPara xmlns:m="http://schemas.openxmlformats.org/officeDocument/2006/math">
+                    <m:oMathParaPr>
+                      <m:jc m:val="centerGroup"/>
+                    </m:oMathParaPr>
+                    <m:oMath xmlns:m="http://schemas.openxmlformats.org/officeDocument/2006/math">
+                      <m:r>
+                        <a:rPr lang="fr-FR" sz="2800" i="1" smtClean="0">
+                          <a:latin typeface="Cambria Math" panose="02040503050406030204" pitchFamily="18" charset="0"/>
+                        </a:rPr>
+                        <m:t>𝑌</m:t>
+                      </m:r>
+                      <m:r>
+                        <a:rPr lang="fr-FR" sz="2800" i="1" smtClean="0">
+                          <a:latin typeface="Cambria Math" panose="02040503050406030204" pitchFamily="18" charset="0"/>
+                        </a:rPr>
+                        <m:t>=</m:t>
+                      </m:r>
+                      <m:r>
+                        <a:rPr lang="fr-FR" sz="2800" i="1" smtClean="0">
+                          <a:latin typeface="Cambria Math" panose="02040503050406030204" pitchFamily="18" charset="0"/>
+                        </a:rPr>
+                        <m:t>𝑋</m:t>
+                      </m:r>
+                      <m:r>
+                        <a:rPr lang="fr-FR" sz="2800" i="1" smtClean="0">
+                          <a:latin typeface="Cambria Math" panose="02040503050406030204" pitchFamily="18" charset="0"/>
+                        </a:rPr>
+                        <m:t>𝛽</m:t>
+                      </m:r>
+                      <m:r>
+                        <a:rPr lang="fr-FR" sz="2800" i="1" smtClean="0">
+                          <a:latin typeface="Cambria Math" panose="02040503050406030204" pitchFamily="18" charset="0"/>
+                        </a:rPr>
+                        <m:t>+</m:t>
+                      </m:r>
+                      <m:r>
+                        <a:rPr lang="fr-FR" sz="2800" i="1" smtClean="0">
+                          <a:latin typeface="Cambria Math" panose="02040503050406030204" pitchFamily="18" charset="0"/>
+                          <a:ea typeface="Cambria Math" panose="02040503050406030204" pitchFamily="18" charset="0"/>
+                        </a:rPr>
+                        <m:t>𝜃</m:t>
+                      </m:r>
+                      <m:r>
+                        <a:rPr lang="fr-FR" sz="2800" b="0" i="1" smtClean="0">
+                          <a:latin typeface="Cambria Math" panose="02040503050406030204" pitchFamily="18" charset="0"/>
+                          <a:ea typeface="Cambria Math" panose="02040503050406030204" pitchFamily="18" charset="0"/>
+                        </a:rPr>
+                        <m:t>𝑊𝑋</m:t>
+                      </m:r>
+                      <m:r>
+                        <a:rPr lang="fr-FR" sz="2800" b="0" i="1" smtClean="0">
+                          <a:latin typeface="Cambria Math" panose="02040503050406030204" pitchFamily="18" charset="0"/>
+                          <a:ea typeface="Cambria Math" panose="02040503050406030204" pitchFamily="18" charset="0"/>
+                        </a:rPr>
+                        <m:t>+ </m:t>
+                      </m:r>
+                      <m:r>
+                        <a:rPr lang="fr-FR" sz="2800" i="1">
+                          <a:latin typeface="Cambria Math" panose="02040503050406030204" pitchFamily="18" charset="0"/>
+                        </a:rPr>
+                        <m:t>𝜖</m:t>
+                      </m:r>
+                    </m:oMath>
+                  </m:oMathPara>
+                </a14:m>
+                <a:endParaRPr lang="fr-FR" sz="2800" i="1" dirty="0">
+                  <a:latin typeface="Cambria Math" panose="02040503050406030204" pitchFamily="18" charset="0"/>
+                </a:endParaRPr>
+              </a:p>
+            </p:txBody>
+          </p:sp>
+        </mc:Choice>
+        <mc:Fallback>
+          <p:sp>
+            <p:nvSpPr>
+              <p:cNvPr id="20" name="ZoneTexte 19">
+                <a:extLst>
+                  <a:ext uri="{FF2B5EF4-FFF2-40B4-BE49-F238E27FC236}">
+                    <a16:creationId xmlns:a16="http://schemas.microsoft.com/office/drawing/2014/main" id="{1D3E75DC-0CD8-4CD1-BFCA-8FFA28C7329F}"/>
+                  </a:ext>
+                </a:extLst>
+              </p:cNvPr>
+              <p:cNvSpPr txBox="1">
+                <a:spLocks noRot="1" noChangeAspect="1" noMove="1" noResize="1" noEditPoints="1" noAdjustHandles="1" noChangeArrowheads="1" noChangeShapeType="1" noTextEdit="1"/>
+              </p:cNvSpPr>
+              <p:nvPr/>
+            </p:nvSpPr>
+            <p:spPr>
+              <a:xfrm>
+                <a:off x="7378332" y="3797294"/>
+                <a:ext cx="3124894" cy="430887"/>
+              </a:xfrm>
+              <a:prstGeom prst="rect">
+                <a:avLst/>
+              </a:prstGeom>
+              <a:blipFill>
+                <a:blip r:embed="rId7"/>
+                <a:stretch>
+                  <a:fillRect/>
+                </a:stretch>
+              </a:blipFill>
+            </p:spPr>
+            <p:txBody>
+              <a:bodyPr/>
+              <a:lstStyle/>
+              <a:p>
+                <a:r>
+                  <a:rPr lang="fr-FR">
+                    <a:noFill/>
+                  </a:rPr>
+                  <a:t> </a:t>
+                </a:r>
+              </a:p>
+            </p:txBody>
+          </p:sp>
+        </mc:Fallback>
+      </mc:AlternateContent>
+      <mc:AlternateContent xmlns:mc="http://schemas.openxmlformats.org/markup-compatibility/2006">
+        <mc:Choice xmlns:a14="http://schemas.microsoft.com/office/drawing/2010/main" Requires="a14">
+          <p:sp>
+            <p:nvSpPr>
+              <p:cNvPr id="21" name="ZoneTexte 20">
+                <a:extLst>
+                  <a:ext uri="{FF2B5EF4-FFF2-40B4-BE49-F238E27FC236}">
+                    <a16:creationId xmlns:a16="http://schemas.microsoft.com/office/drawing/2014/main" id="{3073813A-3BFF-42E6-9753-72D3CB2ECB29}"/>
+                  </a:ext>
+                </a:extLst>
+              </p:cNvPr>
+              <p:cNvSpPr txBox="1"/>
+              <p:nvPr/>
+            </p:nvSpPr>
+            <p:spPr>
+              <a:xfrm>
+                <a:off x="3662532" y="5643626"/>
+                <a:ext cx="4430765" cy="430887"/>
+              </a:xfrm>
+              <a:prstGeom prst="rect">
+                <a:avLst/>
+              </a:prstGeom>
+              <a:noFill/>
+            </p:spPr>
+            <p:txBody>
+              <a:bodyPr wrap="none" lIns="0" tIns="0" rIns="0" bIns="0" rtlCol="0">
+                <a:spAutoFit/>
+              </a:bodyPr>
+              <a:lstStyle/>
+              <a:p>
+                <a14:m>
+                  <m:oMathPara xmlns:m="http://schemas.openxmlformats.org/officeDocument/2006/math">
+                    <m:oMathParaPr>
+                      <m:jc m:val="centerGroup"/>
+                    </m:oMathParaPr>
+                    <m:oMath xmlns:m="http://schemas.openxmlformats.org/officeDocument/2006/math">
+                      <m:r>
+                        <a:rPr lang="fr-FR" sz="2800" b="0" i="1" smtClean="0">
+                          <a:latin typeface="Cambria Math" panose="02040503050406030204" pitchFamily="18" charset="0"/>
+                        </a:rPr>
+                        <m:t>𝑌</m:t>
+                      </m:r>
+                      <m:r>
+                        <a:rPr lang="fr-FR" sz="2800" b="0" i="1" smtClean="0">
+                          <a:latin typeface="Cambria Math" panose="02040503050406030204" pitchFamily="18" charset="0"/>
+                        </a:rPr>
+                        <m:t>=</m:t>
+                      </m:r>
+                      <m:r>
+                        <a:rPr lang="fr-FR" sz="2800" b="0" i="1" smtClean="0">
+                          <a:latin typeface="Cambria Math" panose="02040503050406030204" pitchFamily="18" charset="0"/>
+                        </a:rPr>
+                        <m:t>𝜌</m:t>
+                      </m:r>
+                      <m:r>
+                        <a:rPr lang="fr-FR" sz="2800" b="0" i="1" smtClean="0">
+                          <a:latin typeface="Cambria Math" panose="02040503050406030204" pitchFamily="18" charset="0"/>
+                        </a:rPr>
+                        <m:t>𝑊𝑌</m:t>
+                      </m:r>
+                      <m:r>
+                        <a:rPr lang="fr-FR" sz="2800" b="0" i="1" smtClean="0">
+                          <a:latin typeface="Cambria Math" panose="02040503050406030204" pitchFamily="18" charset="0"/>
+                        </a:rPr>
+                        <m:t>+</m:t>
+                      </m:r>
+                      <m:r>
+                        <a:rPr lang="fr-FR" sz="2800" b="0" i="1" smtClean="0">
+                          <a:latin typeface="Cambria Math" panose="02040503050406030204" pitchFamily="18" charset="0"/>
+                        </a:rPr>
+                        <m:t>𝑋</m:t>
+                      </m:r>
+                      <m:r>
+                        <a:rPr lang="fr-FR" sz="2800" b="0" i="1" smtClean="0">
+                          <a:latin typeface="Cambria Math" panose="02040503050406030204" pitchFamily="18" charset="0"/>
+                        </a:rPr>
+                        <m:t>𝛽</m:t>
+                      </m:r>
+                      <m:r>
+                        <a:rPr lang="fr-FR" sz="2800" b="0" i="1" smtClean="0">
+                          <a:latin typeface="Cambria Math" panose="02040503050406030204" pitchFamily="18" charset="0"/>
+                        </a:rPr>
+                        <m:t>+</m:t>
+                      </m:r>
+                      <m:r>
+                        <a:rPr lang="fr-FR" sz="2800" b="0" i="1">
+                          <a:latin typeface="Cambria Math" panose="02040503050406030204" pitchFamily="18" charset="0"/>
+                          <a:ea typeface="Cambria Math" panose="02040503050406030204" pitchFamily="18" charset="0"/>
+                        </a:rPr>
+                        <m:t>𝜃</m:t>
+                      </m:r>
+                      <m:r>
+                        <a:rPr lang="fr-FR" sz="2800" b="0" i="1">
+                          <a:latin typeface="Cambria Math" panose="02040503050406030204" pitchFamily="18" charset="0"/>
+                          <a:ea typeface="Cambria Math" panose="02040503050406030204" pitchFamily="18" charset="0"/>
+                        </a:rPr>
+                        <m:t>𝑊𝑋</m:t>
+                      </m:r>
+                      <m:r>
+                        <a:rPr lang="fr-FR" sz="2800" b="0" i="1" smtClean="0">
+                          <a:latin typeface="Cambria Math" panose="02040503050406030204" pitchFamily="18" charset="0"/>
+                          <a:ea typeface="Cambria Math" panose="02040503050406030204" pitchFamily="18" charset="0"/>
+                        </a:rPr>
+                        <m:t>+ </m:t>
+                      </m:r>
+                      <m:r>
+                        <a:rPr lang="fr-FR" sz="2800" b="0" i="1">
+                          <a:latin typeface="Cambria Math" panose="02040503050406030204" pitchFamily="18" charset="0"/>
+                        </a:rPr>
+                        <m:t>𝜖</m:t>
+                      </m:r>
+                    </m:oMath>
+                  </m:oMathPara>
+                </a14:m>
+                <a:endParaRPr lang="fr-FR" sz="2800" i="1" dirty="0">
+                  <a:latin typeface="Cambria Math" panose="02040503050406030204" pitchFamily="18" charset="0"/>
+                </a:endParaRPr>
+              </a:p>
+            </p:txBody>
+          </p:sp>
+        </mc:Choice>
+        <mc:Fallback>
+          <p:sp>
+            <p:nvSpPr>
+              <p:cNvPr id="21" name="ZoneTexte 20">
+                <a:extLst>
+                  <a:ext uri="{FF2B5EF4-FFF2-40B4-BE49-F238E27FC236}">
+                    <a16:creationId xmlns:a16="http://schemas.microsoft.com/office/drawing/2014/main" id="{3073813A-3BFF-42E6-9753-72D3CB2ECB29}"/>
+                  </a:ext>
+                </a:extLst>
+              </p:cNvPr>
+              <p:cNvSpPr txBox="1">
+                <a:spLocks noRot="1" noChangeAspect="1" noMove="1" noResize="1" noEditPoints="1" noAdjustHandles="1" noChangeArrowheads="1" noChangeShapeType="1" noTextEdit="1"/>
+              </p:cNvSpPr>
+              <p:nvPr/>
+            </p:nvSpPr>
+            <p:spPr>
+              <a:xfrm>
+                <a:off x="3662532" y="5643626"/>
+                <a:ext cx="4430765" cy="430887"/>
+              </a:xfrm>
+              <a:prstGeom prst="rect">
+                <a:avLst/>
+              </a:prstGeom>
+              <a:blipFill>
+                <a:blip r:embed="rId8"/>
+                <a:stretch>
+                  <a:fillRect/>
+                </a:stretch>
+              </a:blipFill>
+            </p:spPr>
+            <p:txBody>
+              <a:bodyPr/>
+              <a:lstStyle/>
+              <a:p>
+                <a:r>
+                  <a:rPr lang="fr-FR">
+                    <a:noFill/>
+                  </a:rPr>
+                  <a:t> </a:t>
+                </a:r>
+              </a:p>
+            </p:txBody>
+          </p:sp>
+        </mc:Fallback>
+      </mc:AlternateContent>
     </p:spTree>
     <p:extLst>
       <p:ext uri="{BB962C8B-B14F-4D97-AF65-F5344CB8AC3E}">
@@ -11275,6 +12634,104 @@
           </a:p>
         </p:txBody>
       </p:sp>
+      <p:sp>
+        <p:nvSpPr>
+          <p:cNvPr id="7" name="Rectangle 6">
+            <a:extLst>
+              <a:ext uri="{FF2B5EF4-FFF2-40B4-BE49-F238E27FC236}">
+                <a16:creationId xmlns:a16="http://schemas.microsoft.com/office/drawing/2014/main" id="{A8AAC44F-4F43-4F2E-AEC3-61ACF46B9A1B}"/>
+              </a:ext>
+            </a:extLst>
+          </p:cNvPr>
+          <p:cNvSpPr/>
+          <p:nvPr/>
+        </p:nvSpPr>
+        <p:spPr>
+          <a:xfrm>
+            <a:off x="364415" y="2107319"/>
+            <a:ext cx="203931" cy="197353"/>
+          </a:xfrm>
+          <a:prstGeom prst="rect">
+            <a:avLst/>
+          </a:prstGeom>
+          <a:solidFill>
+            <a:srgbClr val="006A5A"/>
+          </a:solidFill>
+        </p:spPr>
+        <p:style>
+          <a:lnRef idx="2">
+            <a:schemeClr val="accent1">
+              <a:shade val="50000"/>
+            </a:schemeClr>
+          </a:lnRef>
+          <a:fillRef idx="1">
+            <a:schemeClr val="accent1"/>
+          </a:fillRef>
+          <a:effectRef idx="0">
+            <a:schemeClr val="accent1"/>
+          </a:effectRef>
+          <a:fontRef idx="minor">
+            <a:schemeClr val="lt1"/>
+          </a:fontRef>
+        </p:style>
+        <p:txBody>
+          <a:bodyPr rtlCol="0" anchor="ctr"/>
+          <a:lstStyle/>
+          <a:p>
+            <a:pPr algn="ctr"/>
+            <a:endParaRPr lang="fr-FR"/>
+          </a:p>
+        </p:txBody>
+      </p:sp>
+      <p:sp>
+        <p:nvSpPr>
+          <p:cNvPr id="9" name="Rectangle 8">
+            <a:extLst>
+              <a:ext uri="{FF2B5EF4-FFF2-40B4-BE49-F238E27FC236}">
+                <a16:creationId xmlns:a16="http://schemas.microsoft.com/office/drawing/2014/main" id="{80DCC880-D582-4818-951D-7060A46EC3DC}"/>
+              </a:ext>
+            </a:extLst>
+          </p:cNvPr>
+          <p:cNvSpPr/>
+          <p:nvPr/>
+        </p:nvSpPr>
+        <p:spPr>
+          <a:xfrm>
+            <a:off x="364415" y="4355976"/>
+            <a:ext cx="203931" cy="197353"/>
+          </a:xfrm>
+          <a:prstGeom prst="rect">
+            <a:avLst/>
+          </a:prstGeom>
+          <a:solidFill>
+            <a:srgbClr val="006A5A"/>
+          </a:solidFill>
+        </p:spPr>
+        <p:style>
+          <a:lnRef idx="2">
+            <a:schemeClr val="accent1">
+              <a:shade val="50000"/>
+            </a:schemeClr>
+          </a:lnRef>
+          <a:fillRef idx="1">
+            <a:schemeClr val="accent1"/>
+          </a:fillRef>
+          <a:effectRef idx="0">
+            <a:schemeClr val="accent1"/>
+          </a:effectRef>
+          <a:fontRef idx="minor">
+            <a:schemeClr val="lt1"/>
+          </a:fontRef>
+        </p:style>
+        <p:txBody>
+          <a:bodyPr rtlCol="0" anchor="ctr"/>
+          <a:lstStyle/>
+          <a:p>
+            <a:pPr algn="ctr"/>
+            <a:endParaRPr lang="fr-FR"/>
+          </a:p>
+        </p:txBody>
+      </p:sp>
     </p:spTree>
     <p:extLst>
       <p:ext uri="{BB962C8B-B14F-4D97-AF65-F5344CB8AC3E}">
@@ -11378,25 +12835,7 @@
                 </a:solidFill>
                 <a:latin typeface="Gill Sans MT" panose="020B0502020104020203" pitchFamily="34" charset="0"/>
               </a:rPr>
-              <a:t>4.2. Tests (</a:t>
-            </a:r>
-            <a:r>
-              <a:rPr lang="fr-FR" sz="3600" b="1" dirty="0">
-                <a:solidFill>
-                  <a:srgbClr val="FF0000"/>
-                </a:solidFill>
-                <a:latin typeface="Gill Sans MT" panose="020B0502020104020203" pitchFamily="34" charset="0"/>
-              </a:rPr>
-              <a:t>Richard</a:t>
-            </a:r>
-            <a:r>
-              <a:rPr lang="fr-FR" sz="3600" b="1" dirty="0">
-                <a:solidFill>
-                  <a:schemeClr val="bg1"/>
-                </a:solidFill>
-                <a:latin typeface="Gill Sans MT" panose="020B0502020104020203" pitchFamily="34" charset="0"/>
-              </a:rPr>
-              <a:t>)</a:t>
+              <a:t>4.2. Résultats des tests</a:t>
             </a:r>
           </a:p>
         </p:txBody>
@@ -11440,6 +12879,250 @@
           </a:prstGeom>
         </p:spPr>
       </p:pic>
+      <p:sp>
+        <p:nvSpPr>
+          <p:cNvPr id="5" name="ZoneTexte 4">
+            <a:extLst>
+              <a:ext uri="{FF2B5EF4-FFF2-40B4-BE49-F238E27FC236}">
+                <a16:creationId xmlns:a16="http://schemas.microsoft.com/office/drawing/2014/main" id="{704B0C7A-5B25-4AE4-8E8E-19A15F8207F7}"/>
+              </a:ext>
+            </a:extLst>
+          </p:cNvPr>
+          <p:cNvSpPr txBox="1"/>
+          <p:nvPr/>
+        </p:nvSpPr>
+        <p:spPr>
+          <a:xfrm>
+            <a:off x="1289370" y="1743281"/>
+            <a:ext cx="2657680" cy="523220"/>
+          </a:xfrm>
+          <a:prstGeom prst="rect">
+            <a:avLst/>
+          </a:prstGeom>
+          <a:noFill/>
+        </p:spPr>
+        <p:txBody>
+          <a:bodyPr wrap="square" rtlCol="0">
+            <a:spAutoFit/>
+          </a:bodyPr>
+          <a:lstStyle/>
+          <a:p>
+            <a:r>
+              <a:rPr lang="fr-FR" sz="2800" b="1" dirty="0">
+                <a:latin typeface="Gill Sans MT" panose="020B0502020104020203" pitchFamily="34" charset="0"/>
+              </a:rPr>
+              <a:t>Test de Moran</a:t>
+            </a:r>
+          </a:p>
+        </p:txBody>
+      </p:sp>
+      <p:pic>
+        <p:nvPicPr>
+          <p:cNvPr id="8" name="Image 7">
+            <a:extLst>
+              <a:ext uri="{FF2B5EF4-FFF2-40B4-BE49-F238E27FC236}">
+                <a16:creationId xmlns:a16="http://schemas.microsoft.com/office/drawing/2014/main" id="{08FA61C8-F3E5-4D0E-8AC3-E41D36977808}"/>
+              </a:ext>
+            </a:extLst>
+          </p:cNvPr>
+          <p:cNvPicPr>
+            <a:picLocks noChangeAspect="1"/>
+          </p:cNvPicPr>
+          <p:nvPr/>
+        </p:nvPicPr>
+        <p:blipFill>
+          <a:blip r:embed="rId4"/>
+          <a:stretch>
+            <a:fillRect/>
+          </a:stretch>
+        </p:blipFill>
+        <p:spPr>
+          <a:xfrm>
+            <a:off x="1470782" y="2310037"/>
+            <a:ext cx="7842653" cy="1341457"/>
+          </a:xfrm>
+          <a:prstGeom prst="rect">
+            <a:avLst/>
+          </a:prstGeom>
+        </p:spPr>
+      </p:pic>
+      <p:pic>
+        <p:nvPicPr>
+          <p:cNvPr id="10" name="Image 9">
+            <a:extLst>
+              <a:ext uri="{FF2B5EF4-FFF2-40B4-BE49-F238E27FC236}">
+                <a16:creationId xmlns:a16="http://schemas.microsoft.com/office/drawing/2014/main" id="{C796B334-C348-4ACD-8FBD-AEDD7BFB61B0}"/>
+              </a:ext>
+            </a:extLst>
+          </p:cNvPr>
+          <p:cNvPicPr>
+            <a:picLocks noChangeAspect="1"/>
+          </p:cNvPicPr>
+          <p:nvPr/>
+        </p:nvPicPr>
+        <p:blipFill>
+          <a:blip r:embed="rId5"/>
+          <a:stretch>
+            <a:fillRect/>
+          </a:stretch>
+        </p:blipFill>
+        <p:spPr>
+          <a:xfrm>
+            <a:off x="3108218" y="4659585"/>
+            <a:ext cx="5226637" cy="2261215"/>
+          </a:xfrm>
+          <a:prstGeom prst="rect">
+            <a:avLst/>
+          </a:prstGeom>
+        </p:spPr>
+      </p:pic>
+      <p:sp>
+        <p:nvSpPr>
+          <p:cNvPr id="11" name="ZoneTexte 10">
+            <a:extLst>
+              <a:ext uri="{FF2B5EF4-FFF2-40B4-BE49-F238E27FC236}">
+                <a16:creationId xmlns:a16="http://schemas.microsoft.com/office/drawing/2014/main" id="{877CA3D4-7B64-4FB5-A37A-84CBA3A5AEEC}"/>
+              </a:ext>
+            </a:extLst>
+          </p:cNvPr>
+          <p:cNvSpPr txBox="1"/>
+          <p:nvPr/>
+        </p:nvSpPr>
+        <p:spPr>
+          <a:xfrm>
+            <a:off x="1289369" y="4136365"/>
+            <a:ext cx="3748601" cy="523220"/>
+          </a:xfrm>
+          <a:prstGeom prst="rect">
+            <a:avLst/>
+          </a:prstGeom>
+          <a:noFill/>
+        </p:spPr>
+        <p:txBody>
+          <a:bodyPr wrap="square" rtlCol="0">
+            <a:spAutoFit/>
+          </a:bodyPr>
+          <a:lstStyle/>
+          <a:p>
+            <a:r>
+              <a:rPr lang="fr-FR" sz="2800" b="1" dirty="0">
+                <a:latin typeface="Gill Sans MT" panose="020B0502020104020203" pitchFamily="34" charset="0"/>
+              </a:rPr>
+              <a:t>Tests de </a:t>
+            </a:r>
+            <a:r>
+              <a:rPr lang="fr-FR" sz="2800" b="1" dirty="0" err="1">
+                <a:latin typeface="Gill Sans MT" panose="020B0502020104020203" pitchFamily="34" charset="0"/>
+              </a:rPr>
+              <a:t>Rao’s</a:t>
+            </a:r>
+            <a:r>
+              <a:rPr lang="fr-FR" sz="2800" b="1" dirty="0">
+                <a:latin typeface="Gill Sans MT" panose="020B0502020104020203" pitchFamily="34" charset="0"/>
+              </a:rPr>
+              <a:t> score</a:t>
+            </a:r>
+          </a:p>
+        </p:txBody>
+      </p:sp>
+      <p:sp>
+        <p:nvSpPr>
+          <p:cNvPr id="12" name="Rectangle 11">
+            <a:extLst>
+              <a:ext uri="{FF2B5EF4-FFF2-40B4-BE49-F238E27FC236}">
+                <a16:creationId xmlns:a16="http://schemas.microsoft.com/office/drawing/2014/main" id="{0CEA0246-CBE8-4B01-AE2A-041B3EB8346B}"/>
+              </a:ext>
+            </a:extLst>
+          </p:cNvPr>
+          <p:cNvSpPr/>
+          <p:nvPr/>
+        </p:nvSpPr>
+        <p:spPr>
+          <a:xfrm>
+            <a:off x="1085439" y="1906214"/>
+            <a:ext cx="203931" cy="197353"/>
+          </a:xfrm>
+          <a:prstGeom prst="rect">
+            <a:avLst/>
+          </a:prstGeom>
+          <a:solidFill>
+            <a:srgbClr val="006A5A"/>
+          </a:solidFill>
+        </p:spPr>
+        <p:style>
+          <a:lnRef idx="2">
+            <a:schemeClr val="accent1">
+              <a:shade val="50000"/>
+            </a:schemeClr>
+          </a:lnRef>
+          <a:fillRef idx="1">
+            <a:schemeClr val="accent1"/>
+          </a:fillRef>
+          <a:effectRef idx="0">
+            <a:schemeClr val="accent1"/>
+          </a:effectRef>
+          <a:fontRef idx="minor">
+            <a:schemeClr val="lt1"/>
+          </a:fontRef>
+        </p:style>
+        <p:txBody>
+          <a:bodyPr rtlCol="0" anchor="ctr"/>
+          <a:lstStyle/>
+          <a:p>
+            <a:pPr algn="ctr"/>
+            <a:endParaRPr lang="fr-FR"/>
+          </a:p>
+        </p:txBody>
+      </p:sp>
+      <p:sp>
+        <p:nvSpPr>
+          <p:cNvPr id="13" name="Rectangle 12">
+            <a:extLst>
+              <a:ext uri="{FF2B5EF4-FFF2-40B4-BE49-F238E27FC236}">
+                <a16:creationId xmlns:a16="http://schemas.microsoft.com/office/drawing/2014/main" id="{6668954D-80E0-460A-8E90-45E67C0C68D4}"/>
+              </a:ext>
+            </a:extLst>
+          </p:cNvPr>
+          <p:cNvSpPr/>
+          <p:nvPr/>
+        </p:nvSpPr>
+        <p:spPr>
+          <a:xfrm>
+            <a:off x="1085438" y="4312995"/>
+            <a:ext cx="203931" cy="197353"/>
+          </a:xfrm>
+          <a:prstGeom prst="rect">
+            <a:avLst/>
+          </a:prstGeom>
+          <a:solidFill>
+            <a:srgbClr val="006A5A"/>
+          </a:solidFill>
+        </p:spPr>
+        <p:style>
+          <a:lnRef idx="2">
+            <a:schemeClr val="accent1">
+              <a:shade val="50000"/>
+            </a:schemeClr>
+          </a:lnRef>
+          <a:fillRef idx="1">
+            <a:schemeClr val="accent1"/>
+          </a:fillRef>
+          <a:effectRef idx="0">
+            <a:schemeClr val="accent1"/>
+          </a:effectRef>
+          <a:fontRef idx="minor">
+            <a:schemeClr val="lt1"/>
+          </a:fontRef>
+        </p:style>
+        <p:txBody>
+          <a:bodyPr rtlCol="0" anchor="ctr"/>
+          <a:lstStyle/>
+          <a:p>
+            <a:pPr algn="ctr"/>
+            <a:endParaRPr lang="fr-FR"/>
+          </a:p>
+        </p:txBody>
+      </p:sp>
     </p:spTree>
     <p:extLst>
       <p:ext uri="{BB962C8B-B14F-4D97-AF65-F5344CB8AC3E}">
@@ -11543,25 +13226,7 @@
                 </a:solidFill>
                 <a:latin typeface="Gill Sans MT" panose="020B0502020104020203" pitchFamily="34" charset="0"/>
               </a:rPr>
-              <a:t>4.3. Comparaison des modèles (</a:t>
-            </a:r>
-            <a:r>
-              <a:rPr lang="fr-FR" sz="3600" b="1" dirty="0">
-                <a:solidFill>
-                  <a:srgbClr val="FF0000"/>
-                </a:solidFill>
-                <a:latin typeface="Gill Sans MT" panose="020B0502020104020203" pitchFamily="34" charset="0"/>
-              </a:rPr>
-              <a:t>Richard</a:t>
-            </a:r>
-            <a:r>
-              <a:rPr lang="fr-FR" sz="3600" b="1" dirty="0">
-                <a:solidFill>
-                  <a:schemeClr val="bg1"/>
-                </a:solidFill>
-                <a:latin typeface="Gill Sans MT" panose="020B0502020104020203" pitchFamily="34" charset="0"/>
-              </a:rPr>
-              <a:t>)</a:t>
+              <a:t>4.3. Comparaison des modèles</a:t>
             </a:r>
           </a:p>
         </p:txBody>
@@ -11605,6 +13270,85 @@
           </a:prstGeom>
         </p:spPr>
       </p:pic>
+      <p:pic>
+        <p:nvPicPr>
+          <p:cNvPr id="6" name="Image 5">
+            <a:extLst>
+              <a:ext uri="{FF2B5EF4-FFF2-40B4-BE49-F238E27FC236}">
+                <a16:creationId xmlns:a16="http://schemas.microsoft.com/office/drawing/2014/main" id="{2AB6183B-8184-4CBD-84AD-63536C0BD4D0}"/>
+              </a:ext>
+            </a:extLst>
+          </p:cNvPr>
+          <p:cNvPicPr>
+            <a:picLocks noChangeAspect="1"/>
+          </p:cNvPicPr>
+          <p:nvPr/>
+        </p:nvPicPr>
+        <p:blipFill>
+          <a:blip r:embed="rId4"/>
+          <a:stretch>
+            <a:fillRect/>
+          </a:stretch>
+        </p:blipFill>
+        <p:spPr>
+          <a:xfrm>
+            <a:off x="3197112" y="1694988"/>
+            <a:ext cx="5473242" cy="3765098"/>
+          </a:xfrm>
+          <a:prstGeom prst="rect">
+            <a:avLst/>
+          </a:prstGeom>
+        </p:spPr>
+      </p:pic>
+      <p:sp>
+        <p:nvSpPr>
+          <p:cNvPr id="7" name="ZoneTexte 6">
+            <a:extLst>
+              <a:ext uri="{FF2B5EF4-FFF2-40B4-BE49-F238E27FC236}">
+                <a16:creationId xmlns:a16="http://schemas.microsoft.com/office/drawing/2014/main" id="{95353583-A0C2-44EC-B63F-7CD626340E77}"/>
+              </a:ext>
+            </a:extLst>
+          </p:cNvPr>
+          <p:cNvSpPr txBox="1"/>
+          <p:nvPr/>
+        </p:nvSpPr>
+        <p:spPr>
+          <a:xfrm>
+            <a:off x="799278" y="5636826"/>
+            <a:ext cx="10268909" cy="461665"/>
+          </a:xfrm>
+          <a:prstGeom prst="rect">
+            <a:avLst/>
+          </a:prstGeom>
+          <a:noFill/>
+        </p:spPr>
+        <p:txBody>
+          <a:bodyPr wrap="square" rtlCol="0">
+            <a:spAutoFit/>
+          </a:bodyPr>
+          <a:lstStyle/>
+          <a:p>
+            <a:r>
+              <a:rPr lang="fr-FR" sz="2400" dirty="0">
+                <a:latin typeface="Gill Sans MT" panose="020B0502020104020203" pitchFamily="34" charset="0"/>
+              </a:rPr>
+              <a:t>Avec un AIC plus faible, le modèle </a:t>
+            </a:r>
+            <a:r>
+              <a:rPr lang="fr-FR" sz="2400" b="1" dirty="0">
+                <a:latin typeface="Gill Sans MT" panose="020B0502020104020203" pitchFamily="34" charset="0"/>
+              </a:rPr>
+              <a:t>SDM</a:t>
+            </a:r>
+            <a:r>
+              <a:rPr lang="fr-FR" sz="2400" dirty="0">
+                <a:latin typeface="Gill Sans MT" panose="020B0502020104020203" pitchFamily="34" charset="0"/>
+              </a:rPr>
+              <a:t> ressort comme étant le meilleur modèle </a:t>
+            </a:r>
+          </a:p>
+        </p:txBody>
+      </p:sp>
     </p:spTree>
     <p:extLst>
       <p:ext uri="{BB962C8B-B14F-4D97-AF65-F5344CB8AC3E}">
@@ -11708,25 +13452,7 @@
                 </a:solidFill>
                 <a:latin typeface="Gill Sans MT" panose="020B0502020104020203" pitchFamily="34" charset="0"/>
               </a:rPr>
-              <a:t>4.4. Résultats du modèle final (</a:t>
-            </a:r>
-            <a:r>
-              <a:rPr lang="fr-FR" sz="3600" b="1" dirty="0">
-                <a:solidFill>
-                  <a:srgbClr val="FF0000"/>
-                </a:solidFill>
-                <a:latin typeface="Gill Sans MT" panose="020B0502020104020203" pitchFamily="34" charset="0"/>
-              </a:rPr>
-              <a:t>Richard</a:t>
-            </a:r>
-            <a:r>
-              <a:rPr lang="fr-FR" sz="3600" b="1" dirty="0">
-                <a:solidFill>
-                  <a:schemeClr val="bg1"/>
-                </a:solidFill>
-                <a:latin typeface="Gill Sans MT" panose="020B0502020104020203" pitchFamily="34" charset="0"/>
-              </a:rPr>
-              <a:t>)</a:t>
+              <a:t>4.4. Résultats du modèle final</a:t>
             </a:r>
           </a:p>
         </p:txBody>
@@ -11764,6 +13490,36 @@
           <a:xfrm>
             <a:off x="11078692" y="266700"/>
             <a:ext cx="1170459" cy="1170459"/>
+          </a:xfrm>
+          <a:prstGeom prst="rect">
+            <a:avLst/>
+          </a:prstGeom>
+        </p:spPr>
+      </p:pic>
+      <p:pic>
+        <p:nvPicPr>
+          <p:cNvPr id="6" name="Image 5">
+            <a:extLst>
+              <a:ext uri="{FF2B5EF4-FFF2-40B4-BE49-F238E27FC236}">
+                <a16:creationId xmlns:a16="http://schemas.microsoft.com/office/drawing/2014/main" id="{D2AF2CAB-204D-446D-8D79-22F35F4C799C}"/>
+              </a:ext>
+            </a:extLst>
+          </p:cNvPr>
+          <p:cNvPicPr>
+            <a:picLocks noChangeAspect="1"/>
+          </p:cNvPicPr>
+          <p:nvPr/>
+        </p:nvPicPr>
+        <p:blipFill>
+          <a:blip r:embed="rId4"/>
+          <a:stretch>
+            <a:fillRect/>
+          </a:stretch>
+        </p:blipFill>
+        <p:spPr>
+          <a:xfrm>
+            <a:off x="1145428" y="1517834"/>
+            <a:ext cx="9506439" cy="4807197"/>
           </a:xfrm>
           <a:prstGeom prst="rect">
             <a:avLst/>
@@ -11791,7 +13547,7 @@
         <p:cNvPr id="1" name="">
           <a:extLst>
             <a:ext uri="{FF2B5EF4-FFF2-40B4-BE49-F238E27FC236}">
-              <a16:creationId xmlns:a16="http://schemas.microsoft.com/office/drawing/2014/main" id="{D0883E41-4E42-7945-61B6-CAD013D6BEFE}"/>
+              <a16:creationId xmlns:a16="http://schemas.microsoft.com/office/drawing/2014/main" id="{DE57E7BF-7E63-CDCE-3B39-D62386786CFC}"/>
             </a:ext>
           </a:extLst>
         </p:cNvPr>
@@ -11811,7 +13567,7 @@
           <p:cNvPr id="2" name="Espace réservé du numéro de diapositive 1">
             <a:extLst>
               <a:ext uri="{FF2B5EF4-FFF2-40B4-BE49-F238E27FC236}">
-                <a16:creationId xmlns:a16="http://schemas.microsoft.com/office/drawing/2014/main" id="{18374531-05B7-D43C-7ECE-E3551515F7E6}"/>
+                <a16:creationId xmlns:a16="http://schemas.microsoft.com/office/drawing/2014/main" id="{828E9B66-400B-46FD-9F1E-58BE96CF638D}"/>
               </a:ext>
             </a:extLst>
           </p:cNvPr>
@@ -11841,7 +13597,7 @@
           <p:cNvPr id="3" name="ZoneTexte 2">
             <a:extLst>
               <a:ext uri="{FF2B5EF4-FFF2-40B4-BE49-F238E27FC236}">
-                <a16:creationId xmlns:a16="http://schemas.microsoft.com/office/drawing/2014/main" id="{871FD580-3A6E-B316-8BC7-9CB96F2D45AA}"/>
+                <a16:creationId xmlns:a16="http://schemas.microsoft.com/office/drawing/2014/main" id="{53AFD727-8ADD-A2C1-1CD7-40226AF81120}"/>
               </a:ext>
             </a:extLst>
           </p:cNvPr>
@@ -11873,17 +13629,279 @@
                 </a:solidFill>
                 <a:latin typeface="Gill Sans MT" panose="020B0502020104020203" pitchFamily="34" charset="0"/>
               </a:rPr>
-              <a:t>4.5. Importance des variables (</a:t>
-            </a:r>
-            <a:r>
-              <a:rPr lang="fr-FR" sz="3600" b="1" dirty="0">
-                <a:solidFill>
-                  <a:srgbClr val="FF0000"/>
-                </a:solidFill>
-                <a:latin typeface="Gill Sans MT" panose="020B0502020104020203" pitchFamily="34" charset="0"/>
-              </a:rPr>
-              <a:t>Richard</a:t>
-            </a:r>
+              <a:t>4.4. Résultats du modèle final</a:t>
+            </a:r>
+          </a:p>
+        </p:txBody>
+      </p:sp>
+      <p:pic>
+        <p:nvPicPr>
+          <p:cNvPr id="4" name="Graphique 3" descr="Flèches de chevron">
+            <a:extLst>
+              <a:ext uri="{FF2B5EF4-FFF2-40B4-BE49-F238E27FC236}">
+                <a16:creationId xmlns:a16="http://schemas.microsoft.com/office/drawing/2014/main" id="{F75BEB96-AC2C-D93F-ED0D-23CE9E5050D3}"/>
+              </a:ext>
+            </a:extLst>
+          </p:cNvPr>
+          <p:cNvPicPr>
+            <a:picLocks noChangeAspect="1"/>
+          </p:cNvPicPr>
+          <p:nvPr/>
+        </p:nvPicPr>
+        <p:blipFill>
+          <a:blip r:embed="rId2">
+            <a:extLst>
+              <a:ext uri="{28A0092B-C50C-407E-A947-70E740481C1C}">
+                <a14:useLocalDpi xmlns:a14="http://schemas.microsoft.com/office/drawing/2010/main" val="0"/>
+              </a:ext>
+              <a:ext uri="{96DAC541-7B7A-43D3-8B79-37D633B846F1}">
+                <asvg:svgBlip xmlns:asvg="http://schemas.microsoft.com/office/drawing/2016/SVG/main" r:embed="rId3"/>
+              </a:ext>
+            </a:extLst>
+          </a:blip>
+          <a:stretch>
+            <a:fillRect/>
+          </a:stretch>
+        </p:blipFill>
+        <p:spPr>
+          <a:xfrm>
+            <a:off x="11078692" y="266700"/>
+            <a:ext cx="1170459" cy="1170459"/>
+          </a:xfrm>
+          <a:prstGeom prst="rect">
+            <a:avLst/>
+          </a:prstGeom>
+        </p:spPr>
+      </p:pic>
+      <p:pic>
+        <p:nvPicPr>
+          <p:cNvPr id="7" name="Image 6">
+            <a:extLst>
+              <a:ext uri="{FF2B5EF4-FFF2-40B4-BE49-F238E27FC236}">
+                <a16:creationId xmlns:a16="http://schemas.microsoft.com/office/drawing/2014/main" id="{85E00EB5-86B6-4B6D-81B2-AB61329BBD07}"/>
+              </a:ext>
+            </a:extLst>
+          </p:cNvPr>
+          <p:cNvPicPr>
+            <a:picLocks noChangeAspect="1"/>
+          </p:cNvPicPr>
+          <p:nvPr/>
+        </p:nvPicPr>
+        <p:blipFill>
+          <a:blip r:embed="rId4"/>
+          <a:stretch>
+            <a:fillRect/>
+          </a:stretch>
+        </p:blipFill>
+        <p:spPr>
+          <a:xfrm>
+            <a:off x="2074958" y="2153004"/>
+            <a:ext cx="7029571" cy="1754576"/>
+          </a:xfrm>
+          <a:prstGeom prst="rect">
+            <a:avLst/>
+          </a:prstGeom>
+        </p:spPr>
+      </p:pic>
+      <mc:AlternateContent xmlns:mc="http://schemas.openxmlformats.org/markup-compatibility/2006">
+        <mc:Choice xmlns:a14="http://schemas.microsoft.com/office/drawing/2010/main" Requires="a14">
+          <p:sp>
+            <p:nvSpPr>
+              <p:cNvPr id="8" name="ZoneTexte 7">
+                <a:extLst>
+                  <a:ext uri="{FF2B5EF4-FFF2-40B4-BE49-F238E27FC236}">
+                    <a16:creationId xmlns:a16="http://schemas.microsoft.com/office/drawing/2014/main" id="{536DA113-D0B1-43AB-BA86-5935A376D619}"/>
+                  </a:ext>
+                </a:extLst>
+              </p:cNvPr>
+              <p:cNvSpPr txBox="1"/>
+              <p:nvPr/>
+            </p:nvSpPr>
+            <p:spPr>
+              <a:xfrm>
+                <a:off x="1170957" y="4238099"/>
+                <a:ext cx="10387321" cy="1200329"/>
+              </a:xfrm>
+              <a:prstGeom prst="rect">
+                <a:avLst/>
+              </a:prstGeom>
+              <a:noFill/>
+            </p:spPr>
+            <p:txBody>
+              <a:bodyPr wrap="square" rtlCol="0">
+                <a:spAutoFit/>
+              </a:bodyPr>
+              <a:lstStyle/>
+              <a:p>
+                <a:pPr algn="just"/>
+                <a:r>
+                  <a:rPr lang="fr-FR" sz="2400" dirty="0">
+                    <a:latin typeface="Gill Sans MT" panose="020B0502020104020203" pitchFamily="34" charset="0"/>
+                  </a:rPr>
+                  <a:t>Le coefficient </a:t>
+                </a:r>
+                <a14:m>
+                  <m:oMath xmlns:m="http://schemas.openxmlformats.org/officeDocument/2006/math">
+                    <m:r>
+                      <a:rPr lang="fr-FR" sz="2400" b="1" i="1" smtClean="0">
+                        <a:latin typeface="Cambria Math" panose="02040503050406030204" pitchFamily="18" charset="0"/>
+                        <a:ea typeface="Cambria Math" panose="02040503050406030204" pitchFamily="18" charset="0"/>
+                      </a:rPr>
+                      <m:t>𝝆</m:t>
+                    </m:r>
+                  </m:oMath>
+                </a14:m>
+                <a:r>
+                  <a:rPr lang="fr-FR" sz="2400" dirty="0">
+                    <a:latin typeface="Gill Sans MT" panose="020B0502020104020203" pitchFamily="34" charset="0"/>
+                  </a:rPr>
+                  <a:t> du modèle SDM confirme l’existence d’un effet spatial significatif, indiquant une interdépendance dans le taux de consultations entre communes voisines</a:t>
+                </a:r>
+              </a:p>
+            </p:txBody>
+          </p:sp>
+        </mc:Choice>
+        <mc:Fallback>
+          <p:sp>
+            <p:nvSpPr>
+              <p:cNvPr id="8" name="ZoneTexte 7">
+                <a:extLst>
+                  <a:ext uri="{FF2B5EF4-FFF2-40B4-BE49-F238E27FC236}">
+                    <a16:creationId xmlns:a16="http://schemas.microsoft.com/office/drawing/2014/main" id="{536DA113-D0B1-43AB-BA86-5935A376D619}"/>
+                  </a:ext>
+                </a:extLst>
+              </p:cNvPr>
+              <p:cNvSpPr txBox="1">
+                <a:spLocks noRot="1" noChangeAspect="1" noMove="1" noResize="1" noEditPoints="1" noAdjustHandles="1" noChangeArrowheads="1" noChangeShapeType="1" noTextEdit="1"/>
+              </p:cNvSpPr>
+              <p:nvPr/>
+            </p:nvSpPr>
+            <p:spPr>
+              <a:xfrm>
+                <a:off x="1170957" y="4238099"/>
+                <a:ext cx="10387321" cy="1200329"/>
+              </a:xfrm>
+              <a:prstGeom prst="rect">
+                <a:avLst/>
+              </a:prstGeom>
+              <a:blipFill>
+                <a:blip r:embed="rId5"/>
+                <a:stretch>
+                  <a:fillRect l="-880" t="-4061" r="-939" b="-10660"/>
+                </a:stretch>
+              </a:blipFill>
+            </p:spPr>
+            <p:txBody>
+              <a:bodyPr/>
+              <a:lstStyle/>
+              <a:p>
+                <a:r>
+                  <a:rPr lang="fr-FR">
+                    <a:noFill/>
+                  </a:rPr>
+                  <a:t> </a:t>
+                </a:r>
+              </a:p>
+            </p:txBody>
+          </p:sp>
+        </mc:Fallback>
+      </mc:AlternateContent>
+    </p:spTree>
+    <p:extLst>
+      <p:ext uri="{BB962C8B-B14F-4D97-AF65-F5344CB8AC3E}">
+        <p14:creationId xmlns:p14="http://schemas.microsoft.com/office/powerpoint/2010/main" val="3022964590"/>
+      </p:ext>
+    </p:extLst>
+  </p:cSld>
+  <p:clrMapOvr>
+    <a:masterClrMapping/>
+  </p:clrMapOvr>
+</p:sld>
+</file>
+
+<file path=ppt/slides/slide28.xml><?xml version="1.0" encoding="utf-8"?>
+<p:sld xmlns:a="http://schemas.openxmlformats.org/drawingml/2006/main" xmlns:r="http://schemas.openxmlformats.org/officeDocument/2006/relationships" xmlns:p="http://schemas.openxmlformats.org/presentationml/2006/main">
+  <p:cSld>
+    <p:spTree>
+      <p:nvGrpSpPr>
+        <p:cNvPr id="1" name="">
+          <a:extLst>
+            <a:ext uri="{FF2B5EF4-FFF2-40B4-BE49-F238E27FC236}">
+              <a16:creationId xmlns:a16="http://schemas.microsoft.com/office/drawing/2014/main" id="{D0883E41-4E42-7945-61B6-CAD013D6BEFE}"/>
+            </a:ext>
+          </a:extLst>
+        </p:cNvPr>
+        <p:cNvGrpSpPr/>
+        <p:nvPr/>
+      </p:nvGrpSpPr>
+      <p:grpSpPr>
+        <a:xfrm>
+          <a:off x="0" y="0"/>
+          <a:ext cx="0" cy="0"/>
+          <a:chOff x="0" y="0"/>
+          <a:chExt cx="0" cy="0"/>
+        </a:xfrm>
+      </p:grpSpPr>
+      <p:sp>
+        <p:nvSpPr>
+          <p:cNvPr id="2" name="Espace réservé du numéro de diapositive 1">
+            <a:extLst>
+              <a:ext uri="{FF2B5EF4-FFF2-40B4-BE49-F238E27FC236}">
+                <a16:creationId xmlns:a16="http://schemas.microsoft.com/office/drawing/2014/main" id="{18374531-05B7-D43C-7ECE-E3551515F7E6}"/>
+              </a:ext>
+            </a:extLst>
+          </p:cNvPr>
+          <p:cNvSpPr>
+            <a:spLocks noGrp="1"/>
+          </p:cNvSpPr>
+          <p:nvPr>
+            <p:ph type="sldNum" sz="quarter" idx="4"/>
+          </p:nvPr>
+        </p:nvSpPr>
+        <p:spPr/>
+        <p:txBody>
+          <a:bodyPr/>
+          <a:lstStyle/>
+          <a:p>
+            <a:fld id="{F546B7B7-7D14-4795-A998-350CFB2BDD43}" type="slidenum">
+              <a:rPr lang="fr-FR" smtClean="0"/>
+              <a:pPr/>
+              <a:t>28</a:t>
+            </a:fld>
+            <a:endParaRPr lang="fr-FR"/>
+          </a:p>
+        </p:txBody>
+      </p:sp>
+      <p:sp>
+        <p:nvSpPr>
+          <p:cNvPr id="3" name="ZoneTexte 2">
+            <a:extLst>
+              <a:ext uri="{FF2B5EF4-FFF2-40B4-BE49-F238E27FC236}">
+                <a16:creationId xmlns:a16="http://schemas.microsoft.com/office/drawing/2014/main" id="{871FD580-3A6E-B316-8BC7-9CB96F2D45AA}"/>
+              </a:ext>
+            </a:extLst>
+          </p:cNvPr>
+          <p:cNvSpPr txBox="1"/>
+          <p:nvPr/>
+        </p:nvSpPr>
+        <p:spPr>
+          <a:xfrm>
+            <a:off x="2" y="532969"/>
+            <a:ext cx="12191999" cy="646331"/>
+          </a:xfrm>
+          <a:prstGeom prst="rect">
+            <a:avLst/>
+          </a:prstGeom>
+          <a:solidFill>
+            <a:srgbClr val="006A5A"/>
+          </a:solidFill>
+        </p:spPr>
+        <p:txBody>
+          <a:bodyPr wrap="square" rtlCol="0">
+            <a:spAutoFit/>
+          </a:bodyPr>
+          <a:lstStyle/>
+          <a:p>
             <a:r>
               <a:rPr lang="fr-FR" sz="3600" b="1" dirty="0">
                 <a:solidFill>
@@ -11891,7 +13909,7 @@
                 </a:solidFill>
                 <a:latin typeface="Gill Sans MT" panose="020B0502020104020203" pitchFamily="34" charset="0"/>
               </a:rPr>
-              <a:t>)</a:t>
+              <a:t>4.5. Importance des variables</a:t>
             </a:r>
           </a:p>
         </p:txBody>
@@ -11963,14 +13981,52 @@
         </p:blipFill>
         <p:spPr>
           <a:xfrm>
-            <a:off x="185050" y="1965074"/>
-            <a:ext cx="6958563" cy="4004928"/>
+            <a:off x="592910" y="1261182"/>
+            <a:ext cx="10182537" cy="4106805"/>
           </a:xfrm>
           <a:prstGeom prst="rect">
             <a:avLst/>
           </a:prstGeom>
         </p:spPr>
       </p:pic>
+      <p:sp>
+        <p:nvSpPr>
+          <p:cNvPr id="7" name="ZoneTexte 6">
+            <a:extLst>
+              <a:ext uri="{FF2B5EF4-FFF2-40B4-BE49-F238E27FC236}">
+                <a16:creationId xmlns:a16="http://schemas.microsoft.com/office/drawing/2014/main" id="{AF25388E-5C29-435C-B76B-DCAE60ECA572}"/>
+              </a:ext>
+            </a:extLst>
+          </p:cNvPr>
+          <p:cNvSpPr txBox="1"/>
+          <p:nvPr/>
+        </p:nvSpPr>
+        <p:spPr>
+          <a:xfrm>
+            <a:off x="1750955" y="5642832"/>
+            <a:ext cx="8690089" cy="830997"/>
+          </a:xfrm>
+          <a:prstGeom prst="rect">
+            <a:avLst/>
+          </a:prstGeom>
+          <a:noFill/>
+        </p:spPr>
+        <p:txBody>
+          <a:bodyPr wrap="square" rtlCol="0">
+            <a:spAutoFit/>
+          </a:bodyPr>
+          <a:lstStyle/>
+          <a:p>
+            <a:pPr algn="just"/>
+            <a:r>
+              <a:rPr lang="fr-FR" sz="2400" dirty="0">
+                <a:latin typeface="Gill Sans MT" panose="020B0502020104020203" pitchFamily="34" charset="0"/>
+              </a:rPr>
+              <a:t>Le graphique montre l’influence marquée des caractéristiques des communes voisines sur le taux de consultations</a:t>
+            </a:r>
+          </a:p>
+        </p:txBody>
+      </p:sp>
     </p:spTree>
     <p:extLst>
       <p:ext uri="{BB962C8B-B14F-4D97-AF65-F5344CB8AC3E}">
@@ -11984,7 +14040,1082 @@
 </p:sld>
 </file>
 
-<file path=ppt/slides/slide28.xml><?xml version="1.0" encoding="utf-8"?>
+<file path=ppt/slides/slide29.xml><?xml version="1.0" encoding="utf-8"?>
+<p:sld xmlns:a="http://schemas.openxmlformats.org/drawingml/2006/main" xmlns:r="http://schemas.openxmlformats.org/officeDocument/2006/relationships" xmlns:p="http://schemas.openxmlformats.org/presentationml/2006/main">
+  <p:cSld>
+    <p:spTree>
+      <p:nvGrpSpPr>
+        <p:cNvPr id="1" name="">
+          <a:extLst>
+            <a:ext uri="{FF2B5EF4-FFF2-40B4-BE49-F238E27FC236}">
+              <a16:creationId xmlns:a16="http://schemas.microsoft.com/office/drawing/2014/main" id="{D0883E41-4E42-7945-61B6-CAD013D6BEFE}"/>
+            </a:ext>
+          </a:extLst>
+        </p:cNvPr>
+        <p:cNvGrpSpPr/>
+        <p:nvPr/>
+      </p:nvGrpSpPr>
+      <p:grpSpPr>
+        <a:xfrm>
+          <a:off x="0" y="0"/>
+          <a:ext cx="0" cy="0"/>
+          <a:chOff x="0" y="0"/>
+          <a:chExt cx="0" cy="0"/>
+        </a:xfrm>
+      </p:grpSpPr>
+      <p:sp>
+        <p:nvSpPr>
+          <p:cNvPr id="2" name="Espace réservé du numéro de diapositive 1">
+            <a:extLst>
+              <a:ext uri="{FF2B5EF4-FFF2-40B4-BE49-F238E27FC236}">
+                <a16:creationId xmlns:a16="http://schemas.microsoft.com/office/drawing/2014/main" id="{18374531-05B7-D43C-7ECE-E3551515F7E6}"/>
+              </a:ext>
+            </a:extLst>
+          </p:cNvPr>
+          <p:cNvSpPr>
+            <a:spLocks noGrp="1"/>
+          </p:cNvSpPr>
+          <p:nvPr>
+            <p:ph type="sldNum" sz="quarter" idx="4"/>
+          </p:nvPr>
+        </p:nvSpPr>
+        <p:spPr/>
+        <p:txBody>
+          <a:bodyPr/>
+          <a:lstStyle/>
+          <a:p>
+            <a:fld id="{F546B7B7-7D14-4795-A998-350CFB2BDD43}" type="slidenum">
+              <a:rPr lang="fr-FR" smtClean="0"/>
+              <a:pPr/>
+              <a:t>29</a:t>
+            </a:fld>
+            <a:endParaRPr lang="fr-FR"/>
+          </a:p>
+        </p:txBody>
+      </p:sp>
+      <p:sp>
+        <p:nvSpPr>
+          <p:cNvPr id="3" name="ZoneTexte 2">
+            <a:extLst>
+              <a:ext uri="{FF2B5EF4-FFF2-40B4-BE49-F238E27FC236}">
+                <a16:creationId xmlns:a16="http://schemas.microsoft.com/office/drawing/2014/main" id="{871FD580-3A6E-B316-8BC7-9CB96F2D45AA}"/>
+              </a:ext>
+            </a:extLst>
+          </p:cNvPr>
+          <p:cNvSpPr txBox="1"/>
+          <p:nvPr/>
+        </p:nvSpPr>
+        <p:spPr>
+          <a:xfrm>
+            <a:off x="2" y="532969"/>
+            <a:ext cx="12191999" cy="646331"/>
+          </a:xfrm>
+          <a:prstGeom prst="rect">
+            <a:avLst/>
+          </a:prstGeom>
+          <a:solidFill>
+            <a:srgbClr val="006A5A"/>
+          </a:solidFill>
+        </p:spPr>
+        <p:txBody>
+          <a:bodyPr wrap="square" rtlCol="0">
+            <a:spAutoFit/>
+          </a:bodyPr>
+          <a:lstStyle/>
+          <a:p>
+            <a:r>
+              <a:rPr lang="fr-FR" sz="3600" b="1" dirty="0">
+                <a:solidFill>
+                  <a:schemeClr val="bg1"/>
+                </a:solidFill>
+                <a:latin typeface="Gill Sans MT" panose="020B0502020104020203" pitchFamily="34" charset="0"/>
+              </a:rPr>
+              <a:t>4.6. Observations VS prédictions</a:t>
+            </a:r>
+          </a:p>
+        </p:txBody>
+      </p:sp>
+      <p:pic>
+        <p:nvPicPr>
+          <p:cNvPr id="4" name="Graphique 3" descr="Flèches de chevron">
+            <a:extLst>
+              <a:ext uri="{FF2B5EF4-FFF2-40B4-BE49-F238E27FC236}">
+                <a16:creationId xmlns:a16="http://schemas.microsoft.com/office/drawing/2014/main" id="{E6BBA90F-BC7E-705D-974E-92597471D422}"/>
+              </a:ext>
+            </a:extLst>
+          </p:cNvPr>
+          <p:cNvPicPr>
+            <a:picLocks noChangeAspect="1"/>
+          </p:cNvPicPr>
+          <p:nvPr/>
+        </p:nvPicPr>
+        <p:blipFill>
+          <a:blip r:embed="rId2">
+            <a:extLst>
+              <a:ext uri="{28A0092B-C50C-407E-A947-70E740481C1C}">
+                <a14:useLocalDpi xmlns:a14="http://schemas.microsoft.com/office/drawing/2010/main" val="0"/>
+              </a:ext>
+              <a:ext uri="{96DAC541-7B7A-43D3-8B79-37D633B846F1}">
+                <asvg:svgBlip xmlns:asvg="http://schemas.microsoft.com/office/drawing/2016/SVG/main" r:embed="rId3"/>
+              </a:ext>
+            </a:extLst>
+          </a:blip>
+          <a:stretch>
+            <a:fillRect/>
+          </a:stretch>
+        </p:blipFill>
+        <p:spPr>
+          <a:xfrm>
+            <a:off x="11078692" y="266700"/>
+            <a:ext cx="1170459" cy="1170459"/>
+          </a:xfrm>
+          <a:prstGeom prst="rect">
+            <a:avLst/>
+          </a:prstGeom>
+        </p:spPr>
+      </p:pic>
+      <p:pic>
+        <p:nvPicPr>
+          <p:cNvPr id="7" name="Image 6">
+            <a:extLst>
+              <a:ext uri="{FF2B5EF4-FFF2-40B4-BE49-F238E27FC236}">
+                <a16:creationId xmlns:a16="http://schemas.microsoft.com/office/drawing/2014/main" id="{7DC43D8C-A4AA-496B-A608-EF8D8145529B}"/>
+              </a:ext>
+            </a:extLst>
+          </p:cNvPr>
+          <p:cNvPicPr>
+            <a:picLocks noChangeAspect="1"/>
+          </p:cNvPicPr>
+          <p:nvPr/>
+        </p:nvPicPr>
+        <p:blipFill>
+          <a:blip r:embed="rId4"/>
+          <a:stretch>
+            <a:fillRect/>
+          </a:stretch>
+        </p:blipFill>
+        <p:spPr>
+          <a:xfrm>
+            <a:off x="232727" y="1437159"/>
+            <a:ext cx="6069398" cy="4193966"/>
+          </a:xfrm>
+          <a:prstGeom prst="rect">
+            <a:avLst/>
+          </a:prstGeom>
+        </p:spPr>
+      </p:pic>
+      <p:pic>
+        <p:nvPicPr>
+          <p:cNvPr id="9" name="Image 8">
+            <a:extLst>
+              <a:ext uri="{FF2B5EF4-FFF2-40B4-BE49-F238E27FC236}">
+                <a16:creationId xmlns:a16="http://schemas.microsoft.com/office/drawing/2014/main" id="{1B06FCEC-C3A1-4723-B33B-78823BF3A0AA}"/>
+              </a:ext>
+            </a:extLst>
+          </p:cNvPr>
+          <p:cNvPicPr>
+            <a:picLocks noChangeAspect="1"/>
+          </p:cNvPicPr>
+          <p:nvPr/>
+        </p:nvPicPr>
+        <p:blipFill>
+          <a:blip r:embed="rId5"/>
+          <a:stretch>
+            <a:fillRect/>
+          </a:stretch>
+        </p:blipFill>
+        <p:spPr>
+          <a:xfrm>
+            <a:off x="5704427" y="1437159"/>
+            <a:ext cx="6366969" cy="4193966"/>
+          </a:xfrm>
+          <a:prstGeom prst="rect">
+            <a:avLst/>
+          </a:prstGeom>
+        </p:spPr>
+      </p:pic>
+    </p:spTree>
+    <p:extLst>
+      <p:ext uri="{BB962C8B-B14F-4D97-AF65-F5344CB8AC3E}">
+        <p14:creationId xmlns:p14="http://schemas.microsoft.com/office/powerpoint/2010/main" val="3381023947"/>
+      </p:ext>
+    </p:extLst>
+  </p:cSld>
+  <p:clrMapOvr>
+    <a:masterClrMapping/>
+  </p:clrMapOvr>
+</p:sld>
+</file>
+
+<file path=ppt/slides/slide3.xml><?xml version="1.0" encoding="utf-8"?>
+<p:sld xmlns:a="http://schemas.openxmlformats.org/drawingml/2006/main" xmlns:r="http://schemas.openxmlformats.org/officeDocument/2006/relationships" xmlns:p="http://schemas.openxmlformats.org/presentationml/2006/main">
+  <p:cSld>
+    <p:spTree>
+      <p:nvGrpSpPr>
+        <p:cNvPr id="1" name=""/>
+        <p:cNvGrpSpPr/>
+        <p:nvPr/>
+      </p:nvGrpSpPr>
+      <p:grpSpPr>
+        <a:xfrm>
+          <a:off x="0" y="0"/>
+          <a:ext cx="0" cy="0"/>
+          <a:chOff x="0" y="0"/>
+          <a:chExt cx="0" cy="0"/>
+        </a:xfrm>
+      </p:grpSpPr>
+      <p:sp>
+        <p:nvSpPr>
+          <p:cNvPr id="3" name="Espace réservé du numéro de diapositive 2">
+            <a:extLst>
+              <a:ext uri="{FF2B5EF4-FFF2-40B4-BE49-F238E27FC236}">
+                <a16:creationId xmlns:a16="http://schemas.microsoft.com/office/drawing/2014/main" id="{68EEE016-1B4D-27DD-4ADA-3B73EB64F3E1}"/>
+              </a:ext>
+            </a:extLst>
+          </p:cNvPr>
+          <p:cNvSpPr>
+            <a:spLocks noGrp="1"/>
+          </p:cNvSpPr>
+          <p:nvPr>
+            <p:ph type="sldNum" sz="quarter" idx="4"/>
+          </p:nvPr>
+        </p:nvSpPr>
+        <p:spPr>
+          <a:xfrm>
+            <a:off x="8610600" y="6356350"/>
+            <a:ext cx="2743200" cy="365125"/>
+          </a:xfrm>
+        </p:spPr>
+        <p:txBody>
+          <a:bodyPr/>
+          <a:lstStyle/>
+          <a:p>
+            <a:fld id="{F546B7B7-7D14-4795-A998-350CFB2BDD43}" type="slidenum">
+              <a:rPr lang="fr-FR" smtClean="0"/>
+              <a:pPr/>
+              <a:t>3</a:t>
+            </a:fld>
+            <a:endParaRPr lang="fr-FR" dirty="0"/>
+          </a:p>
+        </p:txBody>
+      </p:sp>
+      <p:sp>
+        <p:nvSpPr>
+          <p:cNvPr id="2" name="ZoneTexte 1">
+            <a:extLst>
+              <a:ext uri="{FF2B5EF4-FFF2-40B4-BE49-F238E27FC236}">
+                <a16:creationId xmlns:a16="http://schemas.microsoft.com/office/drawing/2014/main" id="{0A4C5EA5-8EC5-BD2E-0FB5-DC298C4E156C}"/>
+              </a:ext>
+            </a:extLst>
+          </p:cNvPr>
+          <p:cNvSpPr txBox="1"/>
+          <p:nvPr/>
+        </p:nvSpPr>
+        <p:spPr>
+          <a:xfrm>
+            <a:off x="2" y="532969"/>
+            <a:ext cx="12191999" cy="646331"/>
+          </a:xfrm>
+          <a:prstGeom prst="rect">
+            <a:avLst/>
+          </a:prstGeom>
+          <a:solidFill>
+            <a:srgbClr val="006A5A"/>
+          </a:solidFill>
+        </p:spPr>
+        <p:txBody>
+          <a:bodyPr wrap="square" rtlCol="0">
+            <a:spAutoFit/>
+          </a:bodyPr>
+          <a:lstStyle/>
+          <a:p>
+            <a:r>
+              <a:rPr lang="fr-FR" sz="3600" b="1" dirty="0">
+                <a:solidFill>
+                  <a:schemeClr val="bg1"/>
+                </a:solidFill>
+                <a:latin typeface="Gill Sans MT" panose="020B0502020104020203" pitchFamily="34" charset="0"/>
+              </a:rPr>
+              <a:t>Introduction</a:t>
+            </a:r>
+          </a:p>
+        </p:txBody>
+      </p:sp>
+      <p:pic>
+        <p:nvPicPr>
+          <p:cNvPr id="4" name="Graphique 3" descr="Flèches de chevron">
+            <a:extLst>
+              <a:ext uri="{FF2B5EF4-FFF2-40B4-BE49-F238E27FC236}">
+                <a16:creationId xmlns:a16="http://schemas.microsoft.com/office/drawing/2014/main" id="{358D0F2A-5D55-3BCA-A5C6-BEE40DA79E83}"/>
+              </a:ext>
+            </a:extLst>
+          </p:cNvPr>
+          <p:cNvPicPr>
+            <a:picLocks noChangeAspect="1"/>
+          </p:cNvPicPr>
+          <p:nvPr/>
+        </p:nvPicPr>
+        <p:blipFill>
+          <a:blip r:embed="rId2">
+            <a:extLst>
+              <a:ext uri="{28A0092B-C50C-407E-A947-70E740481C1C}">
+                <a14:useLocalDpi xmlns:a14="http://schemas.microsoft.com/office/drawing/2010/main" val="0"/>
+              </a:ext>
+              <a:ext uri="{96DAC541-7B7A-43D3-8B79-37D633B846F1}">
+                <asvg:svgBlip xmlns:asvg="http://schemas.microsoft.com/office/drawing/2016/SVG/main" r:embed="rId3"/>
+              </a:ext>
+            </a:extLst>
+          </a:blip>
+          <a:stretch>
+            <a:fillRect/>
+          </a:stretch>
+        </p:blipFill>
+        <p:spPr>
+          <a:xfrm>
+            <a:off x="11078692" y="266700"/>
+            <a:ext cx="1170459" cy="1170459"/>
+          </a:xfrm>
+          <a:prstGeom prst="rect">
+            <a:avLst/>
+          </a:prstGeom>
+        </p:spPr>
+      </p:pic>
+      <p:sp>
+        <p:nvSpPr>
+          <p:cNvPr id="8" name="ZoneTexte 7">
+            <a:extLst>
+              <a:ext uri="{FF2B5EF4-FFF2-40B4-BE49-F238E27FC236}">
+                <a16:creationId xmlns:a16="http://schemas.microsoft.com/office/drawing/2014/main" id="{CDA3B022-3B8D-2B7C-C02F-660DEFB862E6}"/>
+              </a:ext>
+            </a:extLst>
+          </p:cNvPr>
+          <p:cNvSpPr txBox="1"/>
+          <p:nvPr/>
+        </p:nvSpPr>
+        <p:spPr>
+          <a:xfrm>
+            <a:off x="2383971" y="1484388"/>
+            <a:ext cx="8871858" cy="906338"/>
+          </a:xfrm>
+          <a:prstGeom prst="rect">
+            <a:avLst/>
+          </a:prstGeom>
+          <a:noFill/>
+        </p:spPr>
+        <p:txBody>
+          <a:bodyPr wrap="square">
+            <a:spAutoFit/>
+          </a:bodyPr>
+          <a:lstStyle/>
+          <a:p>
+            <a:pPr algn="just">
+              <a:lnSpc>
+                <a:spcPts val="2143"/>
+              </a:lnSpc>
+              <a:spcBef>
+                <a:spcPts val="1029"/>
+              </a:spcBef>
+              <a:spcAft>
+                <a:spcPts val="1029"/>
+              </a:spcAft>
+            </a:pPr>
+            <a:r>
+              <a:rPr lang="fr-FR" sz="2400" b="1" dirty="0">
+                <a:latin typeface="Gill Sans MT" panose="020B0502020104020203" pitchFamily="34" charset="0"/>
+              </a:rPr>
+              <a:t>Disparités territoriales d’accès aux soins en France </a:t>
+            </a:r>
+            <a:r>
+              <a:rPr lang="fr-FR" sz="2400" dirty="0">
+                <a:latin typeface="Gill Sans MT" panose="020B0502020104020203" pitchFamily="34" charset="0"/>
+              </a:rPr>
+              <a:t>(3,9 consultations/an en moyenne, mais </a:t>
+            </a:r>
+            <a:r>
+              <a:rPr lang="fr-FR" sz="2400" b="1" dirty="0">
+                <a:latin typeface="Gill Sans MT" panose="020B0502020104020203" pitchFamily="34" charset="0"/>
+              </a:rPr>
+              <a:t>déserts médicaux en zones rurales</a:t>
+            </a:r>
+            <a:r>
+              <a:rPr lang="fr-FR" sz="2400" dirty="0">
+                <a:latin typeface="Gill Sans MT" panose="020B0502020104020203" pitchFamily="34" charset="0"/>
+              </a:rPr>
+              <a:t>) (INSEE, 2021).</a:t>
+            </a:r>
+          </a:p>
+        </p:txBody>
+      </p:sp>
+      <p:grpSp>
+        <p:nvGrpSpPr>
+          <p:cNvPr id="7" name="Groupe 6">
+            <a:extLst>
+              <a:ext uri="{FF2B5EF4-FFF2-40B4-BE49-F238E27FC236}">
+                <a16:creationId xmlns:a16="http://schemas.microsoft.com/office/drawing/2014/main" id="{FF5EFF40-3651-5EDB-8412-378CD4EF499A}"/>
+              </a:ext>
+            </a:extLst>
+          </p:cNvPr>
+          <p:cNvGrpSpPr/>
+          <p:nvPr/>
+        </p:nvGrpSpPr>
+        <p:grpSpPr>
+          <a:xfrm>
+            <a:off x="152401" y="1506628"/>
+            <a:ext cx="2100942" cy="538782"/>
+            <a:chOff x="1621972" y="1405339"/>
+            <a:chExt cx="2100942" cy="538782"/>
+          </a:xfrm>
+        </p:grpSpPr>
+        <p:sp>
+          <p:nvSpPr>
+            <p:cNvPr id="5" name="Rectangle : coins arrondis 4">
+              <a:extLst>
+                <a:ext uri="{FF2B5EF4-FFF2-40B4-BE49-F238E27FC236}">
+                  <a16:creationId xmlns:a16="http://schemas.microsoft.com/office/drawing/2014/main" id="{E61FF78D-D4B7-8A0E-3A99-B11CA2BF9D35}"/>
+                </a:ext>
+              </a:extLst>
+            </p:cNvPr>
+            <p:cNvSpPr/>
+            <p:nvPr/>
+          </p:nvSpPr>
+          <p:spPr>
+            <a:xfrm>
+              <a:off x="1959429" y="1405339"/>
+              <a:ext cx="1763485" cy="522872"/>
+            </a:xfrm>
+            <a:prstGeom prst="roundRect">
+              <a:avLst>
+                <a:gd name="adj" fmla="val 50000"/>
+              </a:avLst>
+            </a:prstGeom>
+            <a:solidFill>
+              <a:srgbClr val="006A5A"/>
+            </a:solidFill>
+            <a:ln>
+              <a:noFill/>
+            </a:ln>
+          </p:spPr>
+          <p:style>
+            <a:lnRef idx="2">
+              <a:schemeClr val="accent1">
+                <a:shade val="15000"/>
+              </a:schemeClr>
+            </a:lnRef>
+            <a:fillRef idx="1">
+              <a:schemeClr val="accent1"/>
+            </a:fillRef>
+            <a:effectRef idx="0">
+              <a:schemeClr val="accent1"/>
+            </a:effectRef>
+            <a:fontRef idx="minor">
+              <a:schemeClr val="lt1"/>
+            </a:fontRef>
+          </p:style>
+          <p:txBody>
+            <a:bodyPr rtlCol="0" anchor="ctr"/>
+            <a:lstStyle/>
+            <a:p>
+              <a:pPr algn="ctr"/>
+              <a:r>
+                <a:rPr lang="fr-FR" sz="2400" b="1" dirty="0">
+                  <a:latin typeface="Gill Sans MT" panose="020B0502020104020203" pitchFamily="34" charset="0"/>
+                </a:rPr>
+                <a:t>Contexte</a:t>
+              </a:r>
+            </a:p>
+          </p:txBody>
+        </p:sp>
+        <p:sp>
+          <p:nvSpPr>
+            <p:cNvPr id="6" name="Ellipse 5">
+              <a:extLst>
+                <a:ext uri="{FF2B5EF4-FFF2-40B4-BE49-F238E27FC236}">
+                  <a16:creationId xmlns:a16="http://schemas.microsoft.com/office/drawing/2014/main" id="{CC05190E-5C02-D88A-51CD-8B54185D60C5}"/>
+                </a:ext>
+              </a:extLst>
+            </p:cNvPr>
+            <p:cNvSpPr/>
+            <p:nvPr/>
+          </p:nvSpPr>
+          <p:spPr>
+            <a:xfrm>
+              <a:off x="1621972" y="1421249"/>
+              <a:ext cx="522872" cy="522872"/>
+            </a:xfrm>
+            <a:prstGeom prst="ellipse">
+              <a:avLst/>
+            </a:prstGeom>
+            <a:solidFill>
+              <a:schemeClr val="accent2"/>
+            </a:solidFill>
+            <a:ln>
+              <a:noFill/>
+            </a:ln>
+          </p:spPr>
+          <p:style>
+            <a:lnRef idx="2">
+              <a:schemeClr val="accent1">
+                <a:shade val="15000"/>
+              </a:schemeClr>
+            </a:lnRef>
+            <a:fillRef idx="1">
+              <a:schemeClr val="accent1"/>
+            </a:fillRef>
+            <a:effectRef idx="0">
+              <a:schemeClr val="accent1"/>
+            </a:effectRef>
+            <a:fontRef idx="minor">
+              <a:schemeClr val="lt1"/>
+            </a:fontRef>
+          </p:style>
+          <p:txBody>
+            <a:bodyPr rtlCol="0" anchor="ctr"/>
+            <a:lstStyle/>
+            <a:p>
+              <a:pPr algn="ctr"/>
+              <a:endParaRPr lang="fr-FR"/>
+            </a:p>
+          </p:txBody>
+        </p:sp>
+      </p:grpSp>
+      <p:sp>
+        <p:nvSpPr>
+          <p:cNvPr id="15" name="ZoneTexte 14">
+            <a:extLst>
+              <a:ext uri="{FF2B5EF4-FFF2-40B4-BE49-F238E27FC236}">
+                <a16:creationId xmlns:a16="http://schemas.microsoft.com/office/drawing/2014/main" id="{F0CCCD4C-73B8-500E-6EFC-DBF78E6F546F}"/>
+              </a:ext>
+            </a:extLst>
+          </p:cNvPr>
+          <p:cNvSpPr txBox="1"/>
+          <p:nvPr/>
+        </p:nvSpPr>
+        <p:spPr>
+          <a:xfrm>
+            <a:off x="3271035" y="2647574"/>
+            <a:ext cx="7984793" cy="644857"/>
+          </a:xfrm>
+          <a:prstGeom prst="rect">
+            <a:avLst/>
+          </a:prstGeom>
+          <a:noFill/>
+        </p:spPr>
+        <p:txBody>
+          <a:bodyPr wrap="square">
+            <a:spAutoFit/>
+          </a:bodyPr>
+          <a:lstStyle/>
+          <a:p>
+            <a:pPr algn="just">
+              <a:lnSpc>
+                <a:spcPts val="2143"/>
+              </a:lnSpc>
+              <a:spcBef>
+                <a:spcPts val="1029"/>
+              </a:spcBef>
+              <a:spcAft>
+                <a:spcPts val="1029"/>
+              </a:spcAft>
+            </a:pPr>
+            <a:r>
+              <a:rPr lang="fr-FR" sz="2400" b="0" i="0" dirty="0">
+                <a:solidFill>
+                  <a:srgbClr val="404040"/>
+                </a:solidFill>
+                <a:effectLst/>
+                <a:latin typeface="Gill Sans MT" panose="020B0502020104020203" pitchFamily="34" charset="0"/>
+              </a:rPr>
+              <a:t>Identifier les facteurs socio-économiques, démographiques et spatiaux influençant le taux de consultations</a:t>
+            </a:r>
+            <a:endParaRPr lang="fr-FR" sz="2400" dirty="0">
+              <a:latin typeface="Gill Sans MT" panose="020B0502020104020203" pitchFamily="34" charset="0"/>
+            </a:endParaRPr>
+          </a:p>
+        </p:txBody>
+      </p:sp>
+      <p:grpSp>
+        <p:nvGrpSpPr>
+          <p:cNvPr id="19" name="Groupe 18">
+            <a:extLst>
+              <a:ext uri="{FF2B5EF4-FFF2-40B4-BE49-F238E27FC236}">
+                <a16:creationId xmlns:a16="http://schemas.microsoft.com/office/drawing/2014/main" id="{B32077B7-68FF-8583-E5BA-6D4C6199B2FF}"/>
+              </a:ext>
+            </a:extLst>
+          </p:cNvPr>
+          <p:cNvGrpSpPr/>
+          <p:nvPr/>
+        </p:nvGrpSpPr>
+        <p:grpSpPr>
+          <a:xfrm>
+            <a:off x="152401" y="2624966"/>
+            <a:ext cx="2883995" cy="538782"/>
+            <a:chOff x="1621972" y="1405339"/>
+            <a:chExt cx="2883995" cy="538782"/>
+          </a:xfrm>
+        </p:grpSpPr>
+        <p:sp>
+          <p:nvSpPr>
+            <p:cNvPr id="20" name="Rectangle : coins arrondis 19">
+              <a:extLst>
+                <a:ext uri="{FF2B5EF4-FFF2-40B4-BE49-F238E27FC236}">
+                  <a16:creationId xmlns:a16="http://schemas.microsoft.com/office/drawing/2014/main" id="{3F06EF53-242C-6BF9-C239-E6386CD4EE98}"/>
+                </a:ext>
+              </a:extLst>
+            </p:cNvPr>
+            <p:cNvSpPr/>
+            <p:nvPr/>
+          </p:nvSpPr>
+          <p:spPr>
+            <a:xfrm>
+              <a:off x="1959429" y="1405339"/>
+              <a:ext cx="2546538" cy="522872"/>
+            </a:xfrm>
+            <a:prstGeom prst="roundRect">
+              <a:avLst>
+                <a:gd name="adj" fmla="val 50000"/>
+              </a:avLst>
+            </a:prstGeom>
+            <a:solidFill>
+              <a:srgbClr val="006A5A"/>
+            </a:solidFill>
+            <a:ln>
+              <a:noFill/>
+            </a:ln>
+          </p:spPr>
+          <p:style>
+            <a:lnRef idx="2">
+              <a:schemeClr val="accent1">
+                <a:shade val="15000"/>
+              </a:schemeClr>
+            </a:lnRef>
+            <a:fillRef idx="1">
+              <a:schemeClr val="accent1"/>
+            </a:fillRef>
+            <a:effectRef idx="0">
+              <a:schemeClr val="accent1"/>
+            </a:effectRef>
+            <a:fontRef idx="minor">
+              <a:schemeClr val="lt1"/>
+            </a:fontRef>
+          </p:style>
+          <p:txBody>
+            <a:bodyPr rtlCol="0" anchor="ctr"/>
+            <a:lstStyle/>
+            <a:p>
+              <a:pPr algn="ctr"/>
+              <a:r>
+                <a:rPr lang="fr-FR" sz="2400" b="1" dirty="0">
+                  <a:latin typeface="Gill Sans MT" panose="020B0502020104020203" pitchFamily="34" charset="0"/>
+                </a:rPr>
+                <a:t>Problématique</a:t>
+              </a:r>
+            </a:p>
+          </p:txBody>
+        </p:sp>
+        <p:sp>
+          <p:nvSpPr>
+            <p:cNvPr id="21" name="Ellipse 20">
+              <a:extLst>
+                <a:ext uri="{FF2B5EF4-FFF2-40B4-BE49-F238E27FC236}">
+                  <a16:creationId xmlns:a16="http://schemas.microsoft.com/office/drawing/2014/main" id="{FCDD2A58-1E7E-68A5-7E44-A3204A77B173}"/>
+                </a:ext>
+              </a:extLst>
+            </p:cNvPr>
+            <p:cNvSpPr/>
+            <p:nvPr/>
+          </p:nvSpPr>
+          <p:spPr>
+            <a:xfrm>
+              <a:off x="1621972" y="1421249"/>
+              <a:ext cx="522872" cy="522872"/>
+            </a:xfrm>
+            <a:prstGeom prst="ellipse">
+              <a:avLst/>
+            </a:prstGeom>
+            <a:solidFill>
+              <a:schemeClr val="accent2"/>
+            </a:solidFill>
+            <a:ln>
+              <a:noFill/>
+            </a:ln>
+          </p:spPr>
+          <p:style>
+            <a:lnRef idx="2">
+              <a:schemeClr val="accent1">
+                <a:shade val="15000"/>
+              </a:schemeClr>
+            </a:lnRef>
+            <a:fillRef idx="1">
+              <a:schemeClr val="accent1"/>
+            </a:fillRef>
+            <a:effectRef idx="0">
+              <a:schemeClr val="accent1"/>
+            </a:effectRef>
+            <a:fontRef idx="minor">
+              <a:schemeClr val="lt1"/>
+            </a:fontRef>
+          </p:style>
+          <p:txBody>
+            <a:bodyPr rtlCol="0" anchor="ctr"/>
+            <a:lstStyle/>
+            <a:p>
+              <a:pPr algn="ctr"/>
+              <a:endParaRPr lang="fr-FR"/>
+            </a:p>
+          </p:txBody>
+        </p:sp>
+      </p:grpSp>
+      <p:grpSp>
+        <p:nvGrpSpPr>
+          <p:cNvPr id="22" name="Groupe 21">
+            <a:extLst>
+              <a:ext uri="{FF2B5EF4-FFF2-40B4-BE49-F238E27FC236}">
+                <a16:creationId xmlns:a16="http://schemas.microsoft.com/office/drawing/2014/main" id="{D6D82661-F38D-D88D-F8AC-3A6EAB4450B0}"/>
+              </a:ext>
+            </a:extLst>
+          </p:cNvPr>
+          <p:cNvGrpSpPr/>
+          <p:nvPr/>
+        </p:nvGrpSpPr>
+        <p:grpSpPr>
+          <a:xfrm>
+            <a:off x="152401" y="3669997"/>
+            <a:ext cx="2024742" cy="538782"/>
+            <a:chOff x="1621972" y="1405339"/>
+            <a:chExt cx="2024742" cy="538782"/>
+          </a:xfrm>
+        </p:grpSpPr>
+        <p:sp>
+          <p:nvSpPr>
+            <p:cNvPr id="23" name="Rectangle : coins arrondis 22">
+              <a:extLst>
+                <a:ext uri="{FF2B5EF4-FFF2-40B4-BE49-F238E27FC236}">
+                  <a16:creationId xmlns:a16="http://schemas.microsoft.com/office/drawing/2014/main" id="{0B4B3CA1-25EE-0DBC-61A6-EACDC061F948}"/>
+                </a:ext>
+              </a:extLst>
+            </p:cNvPr>
+            <p:cNvSpPr/>
+            <p:nvPr/>
+          </p:nvSpPr>
+          <p:spPr>
+            <a:xfrm>
+              <a:off x="1959429" y="1405339"/>
+              <a:ext cx="1687285" cy="522872"/>
+            </a:xfrm>
+            <a:prstGeom prst="roundRect">
+              <a:avLst>
+                <a:gd name="adj" fmla="val 50000"/>
+              </a:avLst>
+            </a:prstGeom>
+            <a:solidFill>
+              <a:srgbClr val="006A5A"/>
+            </a:solidFill>
+            <a:ln>
+              <a:noFill/>
+            </a:ln>
+          </p:spPr>
+          <p:style>
+            <a:lnRef idx="2">
+              <a:schemeClr val="accent1">
+                <a:shade val="15000"/>
+              </a:schemeClr>
+            </a:lnRef>
+            <a:fillRef idx="1">
+              <a:schemeClr val="accent1"/>
+            </a:fillRef>
+            <a:effectRef idx="0">
+              <a:schemeClr val="accent1"/>
+            </a:effectRef>
+            <a:fontRef idx="minor">
+              <a:schemeClr val="lt1"/>
+            </a:fontRef>
+          </p:style>
+          <p:txBody>
+            <a:bodyPr rtlCol="0" anchor="ctr"/>
+            <a:lstStyle/>
+            <a:p>
+              <a:pPr algn="ctr"/>
+              <a:r>
+                <a:rPr lang="fr-FR" sz="2400" b="1" dirty="0">
+                  <a:latin typeface="Gill Sans MT" panose="020B0502020104020203" pitchFamily="34" charset="0"/>
+                </a:rPr>
+                <a:t>Objectifs</a:t>
+              </a:r>
+            </a:p>
+          </p:txBody>
+        </p:sp>
+        <p:sp>
+          <p:nvSpPr>
+            <p:cNvPr id="24" name="Ellipse 23">
+              <a:extLst>
+                <a:ext uri="{FF2B5EF4-FFF2-40B4-BE49-F238E27FC236}">
+                  <a16:creationId xmlns:a16="http://schemas.microsoft.com/office/drawing/2014/main" id="{14B93CAC-4DFB-F0BB-8646-C8C6109CC018}"/>
+                </a:ext>
+              </a:extLst>
+            </p:cNvPr>
+            <p:cNvSpPr/>
+            <p:nvPr/>
+          </p:nvSpPr>
+          <p:spPr>
+            <a:xfrm>
+              <a:off x="1621972" y="1421249"/>
+              <a:ext cx="522872" cy="522872"/>
+            </a:xfrm>
+            <a:prstGeom prst="ellipse">
+              <a:avLst/>
+            </a:prstGeom>
+            <a:solidFill>
+              <a:schemeClr val="accent2"/>
+            </a:solidFill>
+            <a:ln>
+              <a:noFill/>
+            </a:ln>
+          </p:spPr>
+          <p:style>
+            <a:lnRef idx="2">
+              <a:schemeClr val="accent1">
+                <a:shade val="15000"/>
+              </a:schemeClr>
+            </a:lnRef>
+            <a:fillRef idx="1">
+              <a:schemeClr val="accent1"/>
+            </a:fillRef>
+            <a:effectRef idx="0">
+              <a:schemeClr val="accent1"/>
+            </a:effectRef>
+            <a:fontRef idx="minor">
+              <a:schemeClr val="lt1"/>
+            </a:fontRef>
+          </p:style>
+          <p:txBody>
+            <a:bodyPr rtlCol="0" anchor="ctr"/>
+            <a:lstStyle/>
+            <a:p>
+              <a:pPr algn="ctr"/>
+              <a:endParaRPr lang="fr-FR"/>
+            </a:p>
+          </p:txBody>
+        </p:sp>
+      </p:grpSp>
+      <p:sp>
+        <p:nvSpPr>
+          <p:cNvPr id="25" name="ZoneTexte 24">
+            <a:extLst>
+              <a:ext uri="{FF2B5EF4-FFF2-40B4-BE49-F238E27FC236}">
+                <a16:creationId xmlns:a16="http://schemas.microsoft.com/office/drawing/2014/main" id="{5272EEDB-5531-D0B6-EBD6-2438CB98641A}"/>
+              </a:ext>
+            </a:extLst>
+          </p:cNvPr>
+          <p:cNvSpPr txBox="1"/>
+          <p:nvPr/>
+        </p:nvSpPr>
+        <p:spPr>
+          <a:xfrm>
+            <a:off x="1997528" y="3847080"/>
+            <a:ext cx="8392885" cy="367729"/>
+          </a:xfrm>
+          <a:prstGeom prst="rect">
+            <a:avLst/>
+          </a:prstGeom>
+          <a:noFill/>
+        </p:spPr>
+        <p:txBody>
+          <a:bodyPr wrap="square">
+            <a:spAutoFit/>
+          </a:bodyPr>
+          <a:lstStyle/>
+          <a:p>
+            <a:pPr lvl="1" algn="ctr">
+              <a:lnSpc>
+                <a:spcPts val="2143"/>
+              </a:lnSpc>
+              <a:spcBef>
+                <a:spcPts val="300"/>
+              </a:spcBef>
+              <a:spcAft>
+                <a:spcPts val="1029"/>
+              </a:spcAft>
+            </a:pPr>
+            <a:r>
+              <a:rPr lang="fr-FR" sz="2400" b="0" i="0" dirty="0">
+                <a:solidFill>
+                  <a:srgbClr val="404040"/>
+                </a:solidFill>
+                <a:effectLst/>
+                <a:latin typeface="Gill Sans MT" panose="020B0502020104020203" pitchFamily="34" charset="0"/>
+              </a:rPr>
+              <a:t>Modéliser le taux de consultations avec une approche spatiale.</a:t>
+            </a:r>
+          </a:p>
+        </p:txBody>
+      </p:sp>
+      <p:sp>
+        <p:nvSpPr>
+          <p:cNvPr id="28" name="Rectangle : coins arrondis 27">
+            <a:extLst>
+              <a:ext uri="{FF2B5EF4-FFF2-40B4-BE49-F238E27FC236}">
+                <a16:creationId xmlns:a16="http://schemas.microsoft.com/office/drawing/2014/main" id="{24C3065A-1C45-96EA-E252-8CF3DCA501CC}"/>
+              </a:ext>
+            </a:extLst>
+          </p:cNvPr>
+          <p:cNvSpPr/>
+          <p:nvPr/>
+        </p:nvSpPr>
+        <p:spPr>
+          <a:xfrm>
+            <a:off x="2177143" y="4354905"/>
+            <a:ext cx="8599713" cy="2209181"/>
+          </a:xfrm>
+          <a:prstGeom prst="roundRect">
+            <a:avLst>
+              <a:gd name="adj" fmla="val 25536"/>
+            </a:avLst>
+          </a:prstGeom>
+          <a:noFill/>
+          <a:ln w="38100">
+            <a:solidFill>
+              <a:srgbClr val="006A5A"/>
+            </a:solidFill>
+          </a:ln>
+        </p:spPr>
+        <p:style>
+          <a:lnRef idx="2">
+            <a:schemeClr val="accent1">
+              <a:shade val="15000"/>
+            </a:schemeClr>
+          </a:lnRef>
+          <a:fillRef idx="1">
+            <a:schemeClr val="accent1"/>
+          </a:fillRef>
+          <a:effectRef idx="0">
+            <a:schemeClr val="accent1"/>
+          </a:effectRef>
+          <a:fontRef idx="minor">
+            <a:schemeClr val="lt1"/>
+          </a:fontRef>
+        </p:style>
+        <p:txBody>
+          <a:bodyPr rtlCol="0" anchor="ctr"/>
+          <a:lstStyle/>
+          <a:p>
+            <a:pPr algn="ctr"/>
+            <a:endParaRPr lang="fr-FR"/>
+          </a:p>
+        </p:txBody>
+      </p:sp>
+      <p:sp>
+        <p:nvSpPr>
+          <p:cNvPr id="29" name="ZoneTexte 28">
+            <a:extLst>
+              <a:ext uri="{FF2B5EF4-FFF2-40B4-BE49-F238E27FC236}">
+                <a16:creationId xmlns:a16="http://schemas.microsoft.com/office/drawing/2014/main" id="{7C997150-358C-394F-6876-D61E7CFCA646}"/>
+              </a:ext>
+            </a:extLst>
+          </p:cNvPr>
+          <p:cNvSpPr txBox="1"/>
+          <p:nvPr/>
+        </p:nvSpPr>
+        <p:spPr>
+          <a:xfrm>
+            <a:off x="1894115" y="4559633"/>
+            <a:ext cx="8599712" cy="1799723"/>
+          </a:xfrm>
+          <a:prstGeom prst="rect">
+            <a:avLst/>
+          </a:prstGeom>
+          <a:noFill/>
+        </p:spPr>
+        <p:txBody>
+          <a:bodyPr wrap="square">
+            <a:spAutoFit/>
+          </a:bodyPr>
+          <a:lstStyle/>
+          <a:p>
+            <a:pPr marL="914400" lvl="1" indent="-457200" algn="just">
+              <a:lnSpc>
+                <a:spcPts val="2143"/>
+              </a:lnSpc>
+              <a:spcBef>
+                <a:spcPts val="300"/>
+              </a:spcBef>
+              <a:spcAft>
+                <a:spcPts val="1029"/>
+              </a:spcAft>
+              <a:buFont typeface="+mj-lt"/>
+              <a:buAutoNum type="arabicPeriod"/>
+            </a:pPr>
+            <a:r>
+              <a:rPr lang="fr-FR" sz="2400" dirty="0">
+                <a:solidFill>
+                  <a:srgbClr val="404040"/>
+                </a:solidFill>
+                <a:latin typeface="Gill Sans MT" panose="020B0502020104020203" pitchFamily="34" charset="0"/>
+              </a:rPr>
+              <a:t>Visualiser la répartition spatiale de ces taux en vue d’identifier les zones à fort et faible taux</a:t>
+            </a:r>
+          </a:p>
+          <a:p>
+            <a:pPr marL="914400" lvl="1" indent="-457200" algn="just">
+              <a:lnSpc>
+                <a:spcPts val="2143"/>
+              </a:lnSpc>
+              <a:spcBef>
+                <a:spcPts val="300"/>
+              </a:spcBef>
+              <a:spcAft>
+                <a:spcPts val="1029"/>
+              </a:spcAft>
+              <a:buFont typeface="+mj-lt"/>
+              <a:buAutoNum type="arabicPeriod"/>
+            </a:pPr>
+            <a:r>
+              <a:rPr lang="fr-FR" sz="2400" dirty="0">
+                <a:latin typeface="Gill Sans MT" panose="020B0502020104020203" pitchFamily="34" charset="0"/>
+              </a:rPr>
+              <a:t>Identifier les facteurs socio-économiques et démographiques qui influencent le taux de consultations</a:t>
+            </a:r>
+          </a:p>
+          <a:p>
+            <a:pPr marL="914400" lvl="1" indent="-457200" algn="just">
+              <a:lnSpc>
+                <a:spcPts val="2143"/>
+              </a:lnSpc>
+              <a:spcBef>
+                <a:spcPts val="300"/>
+              </a:spcBef>
+              <a:spcAft>
+                <a:spcPts val="1029"/>
+              </a:spcAft>
+              <a:buFont typeface="+mj-lt"/>
+              <a:buAutoNum type="arabicPeriod"/>
+            </a:pPr>
+            <a:r>
+              <a:rPr lang="fr-FR" sz="2400" b="0" i="0" dirty="0">
+                <a:solidFill>
+                  <a:srgbClr val="404040"/>
+                </a:solidFill>
+                <a:effectLst/>
+                <a:latin typeface="Gill Sans MT" panose="020B0502020104020203" pitchFamily="34" charset="0"/>
+              </a:rPr>
+              <a:t>Proposer des recommandations pour réduire les inégalités.</a:t>
+            </a:r>
+          </a:p>
+        </p:txBody>
+      </p:sp>
+    </p:spTree>
+    <p:extLst>
+      <p:ext uri="{BB962C8B-B14F-4D97-AF65-F5344CB8AC3E}">
+        <p14:creationId xmlns:p14="http://schemas.microsoft.com/office/powerpoint/2010/main" val="413827849"/>
+      </p:ext>
+    </p:extLst>
+  </p:cSld>
+  <p:clrMapOvr>
+    <a:masterClrMapping/>
+  </p:clrMapOvr>
+</p:sld>
+</file>
+
+<file path=ppt/slides/slide30.xml><?xml version="1.0" encoding="utf-8"?>
 <p:sld xmlns:a="http://schemas.openxmlformats.org/drawingml/2006/main" xmlns:r="http://schemas.openxmlformats.org/officeDocument/2006/relationships" xmlns:p="http://schemas.openxmlformats.org/presentationml/2006/main">
   <p:cSld>
     <p:spTree>
@@ -12025,7 +15156,7 @@
             <a:fld id="{F546B7B7-7D14-4795-A998-350CFB2BDD43}" type="slidenum">
               <a:rPr lang="fr-FR" smtClean="0"/>
               <a:pPr/>
-              <a:t>28</a:t>
+              <a:t>30</a:t>
             </a:fld>
             <a:endParaRPr lang="fr-FR"/>
           </a:p>
@@ -12044,7 +15175,7 @@
 </p:sld>
 </file>
 
-<file path=ppt/slides/slide29.xml><?xml version="1.0" encoding="utf-8"?>
+<file path=ppt/slides/slide31.xml><?xml version="1.0" encoding="utf-8"?>
 <p:sld xmlns:a="http://schemas.openxmlformats.org/drawingml/2006/main" xmlns:r="http://schemas.openxmlformats.org/officeDocument/2006/relationships" xmlns:p="http://schemas.openxmlformats.org/presentationml/2006/main">
   <p:cSld>
     <p:spTree>
@@ -12096,7 +15227,7 @@
             <a:fld id="{F546B7B7-7D14-4795-A998-350CFB2BDD43}" type="slidenum">
               <a:rPr lang="fr-FR" smtClean="0"/>
               <a:pPr/>
-              <a:t>29</a:t>
+              <a:t>31</a:t>
             </a:fld>
             <a:endParaRPr lang="fr-FR" dirty="0"/>
           </a:p>
@@ -12635,875 +15766,7 @@
 </p:sld>
 </file>
 
-<file path=ppt/slides/slide3.xml><?xml version="1.0" encoding="utf-8"?>
-<p:sld xmlns:a="http://schemas.openxmlformats.org/drawingml/2006/main" xmlns:r="http://schemas.openxmlformats.org/officeDocument/2006/relationships" xmlns:p="http://schemas.openxmlformats.org/presentationml/2006/main">
-  <p:cSld>
-    <p:spTree>
-      <p:nvGrpSpPr>
-        <p:cNvPr id="1" name=""/>
-        <p:cNvGrpSpPr/>
-        <p:nvPr/>
-      </p:nvGrpSpPr>
-      <p:grpSpPr>
-        <a:xfrm>
-          <a:off x="0" y="0"/>
-          <a:ext cx="0" cy="0"/>
-          <a:chOff x="0" y="0"/>
-          <a:chExt cx="0" cy="0"/>
-        </a:xfrm>
-      </p:grpSpPr>
-      <p:sp>
-        <p:nvSpPr>
-          <p:cNvPr id="3" name="Espace réservé du numéro de diapositive 2">
-            <a:extLst>
-              <a:ext uri="{FF2B5EF4-FFF2-40B4-BE49-F238E27FC236}">
-                <a16:creationId xmlns:a16="http://schemas.microsoft.com/office/drawing/2014/main" id="{68EEE016-1B4D-27DD-4ADA-3B73EB64F3E1}"/>
-              </a:ext>
-            </a:extLst>
-          </p:cNvPr>
-          <p:cNvSpPr>
-            <a:spLocks noGrp="1"/>
-          </p:cNvSpPr>
-          <p:nvPr>
-            <p:ph type="sldNum" sz="quarter" idx="4"/>
-          </p:nvPr>
-        </p:nvSpPr>
-        <p:spPr>
-          <a:xfrm>
-            <a:off x="8610600" y="6356350"/>
-            <a:ext cx="2743200" cy="365125"/>
-          </a:xfrm>
-        </p:spPr>
-        <p:txBody>
-          <a:bodyPr/>
-          <a:lstStyle/>
-          <a:p>
-            <a:fld id="{F546B7B7-7D14-4795-A998-350CFB2BDD43}" type="slidenum">
-              <a:rPr lang="fr-FR" smtClean="0"/>
-              <a:pPr/>
-              <a:t>3</a:t>
-            </a:fld>
-            <a:endParaRPr lang="fr-FR" dirty="0"/>
-          </a:p>
-        </p:txBody>
-      </p:sp>
-      <p:sp>
-        <p:nvSpPr>
-          <p:cNvPr id="2" name="ZoneTexte 1">
-            <a:extLst>
-              <a:ext uri="{FF2B5EF4-FFF2-40B4-BE49-F238E27FC236}">
-                <a16:creationId xmlns:a16="http://schemas.microsoft.com/office/drawing/2014/main" id="{0A4C5EA5-8EC5-BD2E-0FB5-DC298C4E156C}"/>
-              </a:ext>
-            </a:extLst>
-          </p:cNvPr>
-          <p:cNvSpPr txBox="1"/>
-          <p:nvPr/>
-        </p:nvSpPr>
-        <p:spPr>
-          <a:xfrm>
-            <a:off x="2" y="532969"/>
-            <a:ext cx="12191999" cy="646331"/>
-          </a:xfrm>
-          <a:prstGeom prst="rect">
-            <a:avLst/>
-          </a:prstGeom>
-          <a:solidFill>
-            <a:srgbClr val="006A5A"/>
-          </a:solidFill>
-        </p:spPr>
-        <p:txBody>
-          <a:bodyPr wrap="square" rtlCol="0">
-            <a:spAutoFit/>
-          </a:bodyPr>
-          <a:lstStyle/>
-          <a:p>
-            <a:r>
-              <a:rPr lang="fr-FR" sz="3600" b="1" dirty="0">
-                <a:solidFill>
-                  <a:schemeClr val="bg1"/>
-                </a:solidFill>
-                <a:latin typeface="Gill Sans MT" panose="020B0502020104020203" pitchFamily="34" charset="0"/>
-              </a:rPr>
-              <a:t>Introduction</a:t>
-            </a:r>
-          </a:p>
-        </p:txBody>
-      </p:sp>
-      <p:pic>
-        <p:nvPicPr>
-          <p:cNvPr id="4" name="Graphique 3" descr="Flèches de chevron">
-            <a:extLst>
-              <a:ext uri="{FF2B5EF4-FFF2-40B4-BE49-F238E27FC236}">
-                <a16:creationId xmlns:a16="http://schemas.microsoft.com/office/drawing/2014/main" id="{358D0F2A-5D55-3BCA-A5C6-BEE40DA79E83}"/>
-              </a:ext>
-            </a:extLst>
-          </p:cNvPr>
-          <p:cNvPicPr>
-            <a:picLocks noChangeAspect="1"/>
-          </p:cNvPicPr>
-          <p:nvPr/>
-        </p:nvPicPr>
-        <p:blipFill>
-          <a:blip r:embed="rId2">
-            <a:extLst>
-              <a:ext uri="{28A0092B-C50C-407E-A947-70E740481C1C}">
-                <a14:useLocalDpi xmlns:a14="http://schemas.microsoft.com/office/drawing/2010/main" val="0"/>
-              </a:ext>
-              <a:ext uri="{96DAC541-7B7A-43D3-8B79-37D633B846F1}">
-                <asvg:svgBlip xmlns:asvg="http://schemas.microsoft.com/office/drawing/2016/SVG/main" r:embed="rId3"/>
-              </a:ext>
-            </a:extLst>
-          </a:blip>
-          <a:stretch>
-            <a:fillRect/>
-          </a:stretch>
-        </p:blipFill>
-        <p:spPr>
-          <a:xfrm>
-            <a:off x="11078692" y="266700"/>
-            <a:ext cx="1170459" cy="1170459"/>
-          </a:xfrm>
-          <a:prstGeom prst="rect">
-            <a:avLst/>
-          </a:prstGeom>
-        </p:spPr>
-      </p:pic>
-      <p:sp>
-        <p:nvSpPr>
-          <p:cNvPr id="8" name="ZoneTexte 7">
-            <a:extLst>
-              <a:ext uri="{FF2B5EF4-FFF2-40B4-BE49-F238E27FC236}">
-                <a16:creationId xmlns:a16="http://schemas.microsoft.com/office/drawing/2014/main" id="{CDA3B022-3B8D-2B7C-C02F-660DEFB862E6}"/>
-              </a:ext>
-            </a:extLst>
-          </p:cNvPr>
-          <p:cNvSpPr txBox="1"/>
-          <p:nvPr/>
-        </p:nvSpPr>
-        <p:spPr>
-          <a:xfrm>
-            <a:off x="2383971" y="1484388"/>
-            <a:ext cx="8871858" cy="906338"/>
-          </a:xfrm>
-          <a:prstGeom prst="rect">
-            <a:avLst/>
-          </a:prstGeom>
-          <a:noFill/>
-        </p:spPr>
-        <p:txBody>
-          <a:bodyPr wrap="square">
-            <a:spAutoFit/>
-          </a:bodyPr>
-          <a:lstStyle/>
-          <a:p>
-            <a:pPr algn="just">
-              <a:lnSpc>
-                <a:spcPts val="2143"/>
-              </a:lnSpc>
-              <a:spcBef>
-                <a:spcPts val="1029"/>
-              </a:spcBef>
-              <a:spcAft>
-                <a:spcPts val="1029"/>
-              </a:spcAft>
-            </a:pPr>
-            <a:r>
-              <a:rPr lang="fr-FR" sz="2400" b="1" dirty="0">
-                <a:latin typeface="Gill Sans MT" panose="020B0502020104020203" pitchFamily="34" charset="0"/>
-              </a:rPr>
-              <a:t>Disparités territoriales d’accès aux soins en France </a:t>
-            </a:r>
-            <a:r>
-              <a:rPr lang="fr-FR" sz="2400" dirty="0">
-                <a:latin typeface="Gill Sans MT" panose="020B0502020104020203" pitchFamily="34" charset="0"/>
-              </a:rPr>
-              <a:t>(3,9 consultations/an en moyenne, mais </a:t>
-            </a:r>
-            <a:r>
-              <a:rPr lang="fr-FR" sz="2400" b="1" dirty="0">
-                <a:latin typeface="Gill Sans MT" panose="020B0502020104020203" pitchFamily="34" charset="0"/>
-              </a:rPr>
-              <a:t>déserts médicaux en zones rurales</a:t>
-            </a:r>
-            <a:r>
-              <a:rPr lang="fr-FR" sz="2400" dirty="0">
-                <a:latin typeface="Gill Sans MT" panose="020B0502020104020203" pitchFamily="34" charset="0"/>
-              </a:rPr>
-              <a:t>) (INSEE, 2021).</a:t>
-            </a:r>
-          </a:p>
-        </p:txBody>
-      </p:sp>
-      <p:grpSp>
-        <p:nvGrpSpPr>
-          <p:cNvPr id="7" name="Groupe 6">
-            <a:extLst>
-              <a:ext uri="{FF2B5EF4-FFF2-40B4-BE49-F238E27FC236}">
-                <a16:creationId xmlns:a16="http://schemas.microsoft.com/office/drawing/2014/main" id="{FF5EFF40-3651-5EDB-8412-378CD4EF499A}"/>
-              </a:ext>
-            </a:extLst>
-          </p:cNvPr>
-          <p:cNvGrpSpPr/>
-          <p:nvPr/>
-        </p:nvGrpSpPr>
-        <p:grpSpPr>
-          <a:xfrm>
-            <a:off x="152401" y="1506628"/>
-            <a:ext cx="2100942" cy="538782"/>
-            <a:chOff x="1621972" y="1405339"/>
-            <a:chExt cx="2100942" cy="538782"/>
-          </a:xfrm>
-        </p:grpSpPr>
-        <p:sp>
-          <p:nvSpPr>
-            <p:cNvPr id="5" name="Rectangle : coins arrondis 4">
-              <a:extLst>
-                <a:ext uri="{FF2B5EF4-FFF2-40B4-BE49-F238E27FC236}">
-                  <a16:creationId xmlns:a16="http://schemas.microsoft.com/office/drawing/2014/main" id="{E61FF78D-D4B7-8A0E-3A99-B11CA2BF9D35}"/>
-                </a:ext>
-              </a:extLst>
-            </p:cNvPr>
-            <p:cNvSpPr/>
-            <p:nvPr/>
-          </p:nvSpPr>
-          <p:spPr>
-            <a:xfrm>
-              <a:off x="1959429" y="1405339"/>
-              <a:ext cx="1763485" cy="522872"/>
-            </a:xfrm>
-            <a:prstGeom prst="roundRect">
-              <a:avLst>
-                <a:gd name="adj" fmla="val 50000"/>
-              </a:avLst>
-            </a:prstGeom>
-            <a:solidFill>
-              <a:srgbClr val="006A5A"/>
-            </a:solidFill>
-            <a:ln>
-              <a:noFill/>
-            </a:ln>
-          </p:spPr>
-          <p:style>
-            <a:lnRef idx="2">
-              <a:schemeClr val="accent1">
-                <a:shade val="15000"/>
-              </a:schemeClr>
-            </a:lnRef>
-            <a:fillRef idx="1">
-              <a:schemeClr val="accent1"/>
-            </a:fillRef>
-            <a:effectRef idx="0">
-              <a:schemeClr val="accent1"/>
-            </a:effectRef>
-            <a:fontRef idx="minor">
-              <a:schemeClr val="lt1"/>
-            </a:fontRef>
-          </p:style>
-          <p:txBody>
-            <a:bodyPr rtlCol="0" anchor="ctr"/>
-            <a:lstStyle/>
-            <a:p>
-              <a:pPr algn="ctr"/>
-              <a:r>
-                <a:rPr lang="fr-FR" sz="2400" b="1" dirty="0">
-                  <a:latin typeface="Gill Sans MT" panose="020B0502020104020203" pitchFamily="34" charset="0"/>
-                </a:rPr>
-                <a:t>Contexte</a:t>
-              </a:r>
-            </a:p>
-          </p:txBody>
-        </p:sp>
-        <p:sp>
-          <p:nvSpPr>
-            <p:cNvPr id="6" name="Ellipse 5">
-              <a:extLst>
-                <a:ext uri="{FF2B5EF4-FFF2-40B4-BE49-F238E27FC236}">
-                  <a16:creationId xmlns:a16="http://schemas.microsoft.com/office/drawing/2014/main" id="{CC05190E-5C02-D88A-51CD-8B54185D60C5}"/>
-                </a:ext>
-              </a:extLst>
-            </p:cNvPr>
-            <p:cNvSpPr/>
-            <p:nvPr/>
-          </p:nvSpPr>
-          <p:spPr>
-            <a:xfrm>
-              <a:off x="1621972" y="1421249"/>
-              <a:ext cx="522872" cy="522872"/>
-            </a:xfrm>
-            <a:prstGeom prst="ellipse">
-              <a:avLst/>
-            </a:prstGeom>
-            <a:solidFill>
-              <a:schemeClr val="accent2"/>
-            </a:solidFill>
-            <a:ln>
-              <a:noFill/>
-            </a:ln>
-          </p:spPr>
-          <p:style>
-            <a:lnRef idx="2">
-              <a:schemeClr val="accent1">
-                <a:shade val="15000"/>
-              </a:schemeClr>
-            </a:lnRef>
-            <a:fillRef idx="1">
-              <a:schemeClr val="accent1"/>
-            </a:fillRef>
-            <a:effectRef idx="0">
-              <a:schemeClr val="accent1"/>
-            </a:effectRef>
-            <a:fontRef idx="minor">
-              <a:schemeClr val="lt1"/>
-            </a:fontRef>
-          </p:style>
-          <p:txBody>
-            <a:bodyPr rtlCol="0" anchor="ctr"/>
-            <a:lstStyle/>
-            <a:p>
-              <a:pPr algn="ctr"/>
-              <a:endParaRPr lang="fr-FR"/>
-            </a:p>
-          </p:txBody>
-        </p:sp>
-      </p:grpSp>
-      <p:sp>
-        <p:nvSpPr>
-          <p:cNvPr id="15" name="ZoneTexte 14">
-            <a:extLst>
-              <a:ext uri="{FF2B5EF4-FFF2-40B4-BE49-F238E27FC236}">
-                <a16:creationId xmlns:a16="http://schemas.microsoft.com/office/drawing/2014/main" id="{F0CCCD4C-73B8-500E-6EFC-DBF78E6F546F}"/>
-              </a:ext>
-            </a:extLst>
-          </p:cNvPr>
-          <p:cNvSpPr txBox="1"/>
-          <p:nvPr/>
-        </p:nvSpPr>
-        <p:spPr>
-          <a:xfrm>
-            <a:off x="3271035" y="2647574"/>
-            <a:ext cx="7984793" cy="644857"/>
-          </a:xfrm>
-          <a:prstGeom prst="rect">
-            <a:avLst/>
-          </a:prstGeom>
-          <a:noFill/>
-        </p:spPr>
-        <p:txBody>
-          <a:bodyPr wrap="square">
-            <a:spAutoFit/>
-          </a:bodyPr>
-          <a:lstStyle/>
-          <a:p>
-            <a:pPr algn="just">
-              <a:lnSpc>
-                <a:spcPts val="2143"/>
-              </a:lnSpc>
-              <a:spcBef>
-                <a:spcPts val="1029"/>
-              </a:spcBef>
-              <a:spcAft>
-                <a:spcPts val="1029"/>
-              </a:spcAft>
-            </a:pPr>
-            <a:r>
-              <a:rPr lang="fr-FR" sz="2400" b="0" i="0" dirty="0">
-                <a:solidFill>
-                  <a:srgbClr val="404040"/>
-                </a:solidFill>
-                <a:effectLst/>
-                <a:latin typeface="Gill Sans MT" panose="020B0502020104020203" pitchFamily="34" charset="0"/>
-              </a:rPr>
-              <a:t>Identifier les facteurs socio-économiques, démographiques et spatiaux influençant le taux de consultations</a:t>
-            </a:r>
-            <a:endParaRPr lang="fr-FR" sz="2400" dirty="0">
-              <a:latin typeface="Gill Sans MT" panose="020B0502020104020203" pitchFamily="34" charset="0"/>
-            </a:endParaRPr>
-          </a:p>
-        </p:txBody>
-      </p:sp>
-      <p:grpSp>
-        <p:nvGrpSpPr>
-          <p:cNvPr id="19" name="Groupe 18">
-            <a:extLst>
-              <a:ext uri="{FF2B5EF4-FFF2-40B4-BE49-F238E27FC236}">
-                <a16:creationId xmlns:a16="http://schemas.microsoft.com/office/drawing/2014/main" id="{B32077B7-68FF-8583-E5BA-6D4C6199B2FF}"/>
-              </a:ext>
-            </a:extLst>
-          </p:cNvPr>
-          <p:cNvGrpSpPr/>
-          <p:nvPr/>
-        </p:nvGrpSpPr>
-        <p:grpSpPr>
-          <a:xfrm>
-            <a:off x="152401" y="2624966"/>
-            <a:ext cx="2883995" cy="538782"/>
-            <a:chOff x="1621972" y="1405339"/>
-            <a:chExt cx="2883995" cy="538782"/>
-          </a:xfrm>
-        </p:grpSpPr>
-        <p:sp>
-          <p:nvSpPr>
-            <p:cNvPr id="20" name="Rectangle : coins arrondis 19">
-              <a:extLst>
-                <a:ext uri="{FF2B5EF4-FFF2-40B4-BE49-F238E27FC236}">
-                  <a16:creationId xmlns:a16="http://schemas.microsoft.com/office/drawing/2014/main" id="{3F06EF53-242C-6BF9-C239-E6386CD4EE98}"/>
-                </a:ext>
-              </a:extLst>
-            </p:cNvPr>
-            <p:cNvSpPr/>
-            <p:nvPr/>
-          </p:nvSpPr>
-          <p:spPr>
-            <a:xfrm>
-              <a:off x="1959429" y="1405339"/>
-              <a:ext cx="2546538" cy="522872"/>
-            </a:xfrm>
-            <a:prstGeom prst="roundRect">
-              <a:avLst>
-                <a:gd name="adj" fmla="val 50000"/>
-              </a:avLst>
-            </a:prstGeom>
-            <a:solidFill>
-              <a:srgbClr val="006A5A"/>
-            </a:solidFill>
-            <a:ln>
-              <a:noFill/>
-            </a:ln>
-          </p:spPr>
-          <p:style>
-            <a:lnRef idx="2">
-              <a:schemeClr val="accent1">
-                <a:shade val="15000"/>
-              </a:schemeClr>
-            </a:lnRef>
-            <a:fillRef idx="1">
-              <a:schemeClr val="accent1"/>
-            </a:fillRef>
-            <a:effectRef idx="0">
-              <a:schemeClr val="accent1"/>
-            </a:effectRef>
-            <a:fontRef idx="minor">
-              <a:schemeClr val="lt1"/>
-            </a:fontRef>
-          </p:style>
-          <p:txBody>
-            <a:bodyPr rtlCol="0" anchor="ctr"/>
-            <a:lstStyle/>
-            <a:p>
-              <a:pPr algn="ctr"/>
-              <a:r>
-                <a:rPr lang="fr-FR" sz="2400" b="1" dirty="0">
-                  <a:latin typeface="Gill Sans MT" panose="020B0502020104020203" pitchFamily="34" charset="0"/>
-                </a:rPr>
-                <a:t>Problématique</a:t>
-              </a:r>
-            </a:p>
-          </p:txBody>
-        </p:sp>
-        <p:sp>
-          <p:nvSpPr>
-            <p:cNvPr id="21" name="Ellipse 20">
-              <a:extLst>
-                <a:ext uri="{FF2B5EF4-FFF2-40B4-BE49-F238E27FC236}">
-                  <a16:creationId xmlns:a16="http://schemas.microsoft.com/office/drawing/2014/main" id="{FCDD2A58-1E7E-68A5-7E44-A3204A77B173}"/>
-                </a:ext>
-              </a:extLst>
-            </p:cNvPr>
-            <p:cNvSpPr/>
-            <p:nvPr/>
-          </p:nvSpPr>
-          <p:spPr>
-            <a:xfrm>
-              <a:off x="1621972" y="1421249"/>
-              <a:ext cx="522872" cy="522872"/>
-            </a:xfrm>
-            <a:prstGeom prst="ellipse">
-              <a:avLst/>
-            </a:prstGeom>
-            <a:solidFill>
-              <a:schemeClr val="accent2"/>
-            </a:solidFill>
-            <a:ln>
-              <a:noFill/>
-            </a:ln>
-          </p:spPr>
-          <p:style>
-            <a:lnRef idx="2">
-              <a:schemeClr val="accent1">
-                <a:shade val="15000"/>
-              </a:schemeClr>
-            </a:lnRef>
-            <a:fillRef idx="1">
-              <a:schemeClr val="accent1"/>
-            </a:fillRef>
-            <a:effectRef idx="0">
-              <a:schemeClr val="accent1"/>
-            </a:effectRef>
-            <a:fontRef idx="minor">
-              <a:schemeClr val="lt1"/>
-            </a:fontRef>
-          </p:style>
-          <p:txBody>
-            <a:bodyPr rtlCol="0" anchor="ctr"/>
-            <a:lstStyle/>
-            <a:p>
-              <a:pPr algn="ctr"/>
-              <a:endParaRPr lang="fr-FR"/>
-            </a:p>
-          </p:txBody>
-        </p:sp>
-      </p:grpSp>
-      <p:grpSp>
-        <p:nvGrpSpPr>
-          <p:cNvPr id="22" name="Groupe 21">
-            <a:extLst>
-              <a:ext uri="{FF2B5EF4-FFF2-40B4-BE49-F238E27FC236}">
-                <a16:creationId xmlns:a16="http://schemas.microsoft.com/office/drawing/2014/main" id="{D6D82661-F38D-D88D-F8AC-3A6EAB4450B0}"/>
-              </a:ext>
-            </a:extLst>
-          </p:cNvPr>
-          <p:cNvGrpSpPr/>
-          <p:nvPr/>
-        </p:nvGrpSpPr>
-        <p:grpSpPr>
-          <a:xfrm>
-            <a:off x="152401" y="3669997"/>
-            <a:ext cx="2024742" cy="538782"/>
-            <a:chOff x="1621972" y="1405339"/>
-            <a:chExt cx="2024742" cy="538782"/>
-          </a:xfrm>
-        </p:grpSpPr>
-        <p:sp>
-          <p:nvSpPr>
-            <p:cNvPr id="23" name="Rectangle : coins arrondis 22">
-              <a:extLst>
-                <a:ext uri="{FF2B5EF4-FFF2-40B4-BE49-F238E27FC236}">
-                  <a16:creationId xmlns:a16="http://schemas.microsoft.com/office/drawing/2014/main" id="{0B4B3CA1-25EE-0DBC-61A6-EACDC061F948}"/>
-                </a:ext>
-              </a:extLst>
-            </p:cNvPr>
-            <p:cNvSpPr/>
-            <p:nvPr/>
-          </p:nvSpPr>
-          <p:spPr>
-            <a:xfrm>
-              <a:off x="1959429" y="1405339"/>
-              <a:ext cx="1687285" cy="522872"/>
-            </a:xfrm>
-            <a:prstGeom prst="roundRect">
-              <a:avLst>
-                <a:gd name="adj" fmla="val 50000"/>
-              </a:avLst>
-            </a:prstGeom>
-            <a:solidFill>
-              <a:srgbClr val="006A5A"/>
-            </a:solidFill>
-            <a:ln>
-              <a:noFill/>
-            </a:ln>
-          </p:spPr>
-          <p:style>
-            <a:lnRef idx="2">
-              <a:schemeClr val="accent1">
-                <a:shade val="15000"/>
-              </a:schemeClr>
-            </a:lnRef>
-            <a:fillRef idx="1">
-              <a:schemeClr val="accent1"/>
-            </a:fillRef>
-            <a:effectRef idx="0">
-              <a:schemeClr val="accent1"/>
-            </a:effectRef>
-            <a:fontRef idx="minor">
-              <a:schemeClr val="lt1"/>
-            </a:fontRef>
-          </p:style>
-          <p:txBody>
-            <a:bodyPr rtlCol="0" anchor="ctr"/>
-            <a:lstStyle/>
-            <a:p>
-              <a:pPr algn="ctr"/>
-              <a:r>
-                <a:rPr lang="fr-FR" sz="2400" b="1" dirty="0">
-                  <a:latin typeface="Gill Sans MT" panose="020B0502020104020203" pitchFamily="34" charset="0"/>
-                </a:rPr>
-                <a:t>Objectifs</a:t>
-              </a:r>
-            </a:p>
-          </p:txBody>
-        </p:sp>
-        <p:sp>
-          <p:nvSpPr>
-            <p:cNvPr id="24" name="Ellipse 23">
-              <a:extLst>
-                <a:ext uri="{FF2B5EF4-FFF2-40B4-BE49-F238E27FC236}">
-                  <a16:creationId xmlns:a16="http://schemas.microsoft.com/office/drawing/2014/main" id="{14B93CAC-4DFB-F0BB-8646-C8C6109CC018}"/>
-                </a:ext>
-              </a:extLst>
-            </p:cNvPr>
-            <p:cNvSpPr/>
-            <p:nvPr/>
-          </p:nvSpPr>
-          <p:spPr>
-            <a:xfrm>
-              <a:off x="1621972" y="1421249"/>
-              <a:ext cx="522872" cy="522872"/>
-            </a:xfrm>
-            <a:prstGeom prst="ellipse">
-              <a:avLst/>
-            </a:prstGeom>
-            <a:solidFill>
-              <a:schemeClr val="accent2"/>
-            </a:solidFill>
-            <a:ln>
-              <a:noFill/>
-            </a:ln>
-          </p:spPr>
-          <p:style>
-            <a:lnRef idx="2">
-              <a:schemeClr val="accent1">
-                <a:shade val="15000"/>
-              </a:schemeClr>
-            </a:lnRef>
-            <a:fillRef idx="1">
-              <a:schemeClr val="accent1"/>
-            </a:fillRef>
-            <a:effectRef idx="0">
-              <a:schemeClr val="accent1"/>
-            </a:effectRef>
-            <a:fontRef idx="minor">
-              <a:schemeClr val="lt1"/>
-            </a:fontRef>
-          </p:style>
-          <p:txBody>
-            <a:bodyPr rtlCol="0" anchor="ctr"/>
-            <a:lstStyle/>
-            <a:p>
-              <a:pPr algn="ctr"/>
-              <a:endParaRPr lang="fr-FR"/>
-            </a:p>
-          </p:txBody>
-        </p:sp>
-      </p:grpSp>
-      <p:sp>
-        <p:nvSpPr>
-          <p:cNvPr id="25" name="ZoneTexte 24">
-            <a:extLst>
-              <a:ext uri="{FF2B5EF4-FFF2-40B4-BE49-F238E27FC236}">
-                <a16:creationId xmlns:a16="http://schemas.microsoft.com/office/drawing/2014/main" id="{5272EEDB-5531-D0B6-EBD6-2438CB98641A}"/>
-              </a:ext>
-            </a:extLst>
-          </p:cNvPr>
-          <p:cNvSpPr txBox="1"/>
-          <p:nvPr/>
-        </p:nvSpPr>
-        <p:spPr>
-          <a:xfrm>
-            <a:off x="1997528" y="3847080"/>
-            <a:ext cx="8392885" cy="367729"/>
-          </a:xfrm>
-          <a:prstGeom prst="rect">
-            <a:avLst/>
-          </a:prstGeom>
-          <a:noFill/>
-        </p:spPr>
-        <p:txBody>
-          <a:bodyPr wrap="square">
-            <a:spAutoFit/>
-          </a:bodyPr>
-          <a:lstStyle/>
-          <a:p>
-            <a:pPr lvl="1" algn="ctr">
-              <a:lnSpc>
-                <a:spcPts val="2143"/>
-              </a:lnSpc>
-              <a:spcBef>
-                <a:spcPts val="300"/>
-              </a:spcBef>
-              <a:spcAft>
-                <a:spcPts val="1029"/>
-              </a:spcAft>
-            </a:pPr>
-            <a:r>
-              <a:rPr lang="fr-FR" sz="2400" b="0" i="0" dirty="0">
-                <a:solidFill>
-                  <a:srgbClr val="404040"/>
-                </a:solidFill>
-                <a:effectLst/>
-                <a:latin typeface="Gill Sans MT" panose="020B0502020104020203" pitchFamily="34" charset="0"/>
-              </a:rPr>
-              <a:t>Modéliser le taux de consultations avec une approche spatiale.</a:t>
-            </a:r>
-          </a:p>
-        </p:txBody>
-      </p:sp>
-      <p:sp>
-        <p:nvSpPr>
-          <p:cNvPr id="28" name="Rectangle : coins arrondis 27">
-            <a:extLst>
-              <a:ext uri="{FF2B5EF4-FFF2-40B4-BE49-F238E27FC236}">
-                <a16:creationId xmlns:a16="http://schemas.microsoft.com/office/drawing/2014/main" id="{24C3065A-1C45-96EA-E252-8CF3DCA501CC}"/>
-              </a:ext>
-            </a:extLst>
-          </p:cNvPr>
-          <p:cNvSpPr/>
-          <p:nvPr/>
-        </p:nvSpPr>
-        <p:spPr>
-          <a:xfrm>
-            <a:off x="2177143" y="4354905"/>
-            <a:ext cx="8599713" cy="2209181"/>
-          </a:xfrm>
-          <a:prstGeom prst="roundRect">
-            <a:avLst>
-              <a:gd name="adj" fmla="val 25536"/>
-            </a:avLst>
-          </a:prstGeom>
-          <a:noFill/>
-          <a:ln w="38100">
-            <a:solidFill>
-              <a:srgbClr val="006A5A"/>
-            </a:solidFill>
-          </a:ln>
-        </p:spPr>
-        <p:style>
-          <a:lnRef idx="2">
-            <a:schemeClr val="accent1">
-              <a:shade val="15000"/>
-            </a:schemeClr>
-          </a:lnRef>
-          <a:fillRef idx="1">
-            <a:schemeClr val="accent1"/>
-          </a:fillRef>
-          <a:effectRef idx="0">
-            <a:schemeClr val="accent1"/>
-          </a:effectRef>
-          <a:fontRef idx="minor">
-            <a:schemeClr val="lt1"/>
-          </a:fontRef>
-        </p:style>
-        <p:txBody>
-          <a:bodyPr rtlCol="0" anchor="ctr"/>
-          <a:lstStyle/>
-          <a:p>
-            <a:pPr algn="ctr"/>
-            <a:endParaRPr lang="fr-FR"/>
-          </a:p>
-        </p:txBody>
-      </p:sp>
-      <p:sp>
-        <p:nvSpPr>
-          <p:cNvPr id="29" name="ZoneTexte 28">
-            <a:extLst>
-              <a:ext uri="{FF2B5EF4-FFF2-40B4-BE49-F238E27FC236}">
-                <a16:creationId xmlns:a16="http://schemas.microsoft.com/office/drawing/2014/main" id="{7C997150-358C-394F-6876-D61E7CFCA646}"/>
-              </a:ext>
-            </a:extLst>
-          </p:cNvPr>
-          <p:cNvSpPr txBox="1"/>
-          <p:nvPr/>
-        </p:nvSpPr>
-        <p:spPr>
-          <a:xfrm>
-            <a:off x="1894115" y="4559633"/>
-            <a:ext cx="8599712" cy="1799723"/>
-          </a:xfrm>
-          <a:prstGeom prst="rect">
-            <a:avLst/>
-          </a:prstGeom>
-          <a:noFill/>
-        </p:spPr>
-        <p:txBody>
-          <a:bodyPr wrap="square">
-            <a:spAutoFit/>
-          </a:bodyPr>
-          <a:lstStyle/>
-          <a:p>
-            <a:pPr marL="914400" lvl="1" indent="-457200" algn="just">
-              <a:lnSpc>
-                <a:spcPts val="2143"/>
-              </a:lnSpc>
-              <a:spcBef>
-                <a:spcPts val="300"/>
-              </a:spcBef>
-              <a:spcAft>
-                <a:spcPts val="1029"/>
-              </a:spcAft>
-              <a:buFont typeface="+mj-lt"/>
-              <a:buAutoNum type="arabicPeriod"/>
-            </a:pPr>
-            <a:r>
-              <a:rPr lang="fr-FR" sz="2400" dirty="0">
-                <a:solidFill>
-                  <a:srgbClr val="404040"/>
-                </a:solidFill>
-                <a:latin typeface="Gill Sans MT" panose="020B0502020104020203" pitchFamily="34" charset="0"/>
-              </a:rPr>
-              <a:t>Visualiser la répartition spatiale de ces taux en vue d’identifier les zones à fort et faible taux</a:t>
-            </a:r>
-          </a:p>
-          <a:p>
-            <a:pPr marL="914400" lvl="1" indent="-457200" algn="just">
-              <a:lnSpc>
-                <a:spcPts val="2143"/>
-              </a:lnSpc>
-              <a:spcBef>
-                <a:spcPts val="300"/>
-              </a:spcBef>
-              <a:spcAft>
-                <a:spcPts val="1029"/>
-              </a:spcAft>
-              <a:buFont typeface="+mj-lt"/>
-              <a:buAutoNum type="arabicPeriod"/>
-            </a:pPr>
-            <a:r>
-              <a:rPr lang="fr-FR" sz="2400" dirty="0">
-                <a:latin typeface="Gill Sans MT" panose="020B0502020104020203" pitchFamily="34" charset="0"/>
-              </a:rPr>
-              <a:t>Identifier les facteurs socio-économiques et démographiques qui influencent le taux de consultations</a:t>
-            </a:r>
-          </a:p>
-          <a:p>
-            <a:pPr marL="914400" lvl="1" indent="-457200" algn="just">
-              <a:lnSpc>
-                <a:spcPts val="2143"/>
-              </a:lnSpc>
-              <a:spcBef>
-                <a:spcPts val="300"/>
-              </a:spcBef>
-              <a:spcAft>
-                <a:spcPts val="1029"/>
-              </a:spcAft>
-              <a:buFont typeface="+mj-lt"/>
-              <a:buAutoNum type="arabicPeriod"/>
-            </a:pPr>
-            <a:r>
-              <a:rPr lang="fr-FR" sz="2400" b="0" i="0" dirty="0">
-                <a:solidFill>
-                  <a:srgbClr val="404040"/>
-                </a:solidFill>
-                <a:effectLst/>
-                <a:latin typeface="Gill Sans MT" panose="020B0502020104020203" pitchFamily="34" charset="0"/>
-              </a:rPr>
-              <a:t>Proposer des recommandations pour réduire les inégalités.</a:t>
-            </a:r>
-          </a:p>
-        </p:txBody>
-      </p:sp>
-    </p:spTree>
-    <p:extLst>
-      <p:ext uri="{BB962C8B-B14F-4D97-AF65-F5344CB8AC3E}">
-        <p14:creationId xmlns:p14="http://schemas.microsoft.com/office/powerpoint/2010/main" val="413827849"/>
-      </p:ext>
-    </p:extLst>
-  </p:cSld>
-  <p:clrMapOvr>
-    <a:masterClrMapping/>
-  </p:clrMapOvr>
-</p:sld>
-</file>
-
-<file path=ppt/slides/slide30.xml><?xml version="1.0" encoding="utf-8"?>
+<file path=ppt/slides/slide32.xml><?xml version="1.0" encoding="utf-8"?>
 <p:sld xmlns:a="http://schemas.openxmlformats.org/drawingml/2006/main" xmlns:r="http://schemas.openxmlformats.org/officeDocument/2006/relationships" xmlns:p="http://schemas.openxmlformats.org/presentationml/2006/main">
   <p:cSld>
     <p:spTree>
@@ -13555,7 +15818,7 @@
             <a:fld id="{F546B7B7-7D14-4795-A998-350CFB2BDD43}" type="slidenum">
               <a:rPr lang="fr-FR" smtClean="0"/>
               <a:pPr/>
-              <a:t>30</a:t>
+              <a:t>32</a:t>
             </a:fld>
             <a:endParaRPr lang="fr-FR" dirty="0"/>
           </a:p>
@@ -14178,7 +16441,7 @@
 </p:sld>
 </file>
 
-<file path=ppt/slides/slide31.xml><?xml version="1.0" encoding="utf-8"?>
+<file path=ppt/slides/slide33.xml><?xml version="1.0" encoding="utf-8"?>
 <p:sld xmlns:a="http://schemas.openxmlformats.org/drawingml/2006/main" xmlns:r="http://schemas.openxmlformats.org/officeDocument/2006/relationships" xmlns:p="http://schemas.openxmlformats.org/presentationml/2006/main">
   <p:cSld>
     <p:spTree>
@@ -14219,7 +16482,7 @@
             <a:fld id="{F546B7B7-7D14-4795-A998-350CFB2BDD43}" type="slidenum">
               <a:rPr lang="fr-FR" smtClean="0"/>
               <a:pPr/>
-              <a:t>31</a:t>
+              <a:t>33</a:t>
             </a:fld>
             <a:endParaRPr lang="fr-FR"/>
           </a:p>
@@ -14238,7 +16501,7 @@
 </p:sld>
 </file>
 
-<file path=ppt/slides/slide32.xml><?xml version="1.0" encoding="utf-8"?>
+<file path=ppt/slides/slide34.xml><?xml version="1.0" encoding="utf-8"?>
 <p:sld xmlns:a="http://schemas.openxmlformats.org/drawingml/2006/main" xmlns:r="http://schemas.openxmlformats.org/officeDocument/2006/relationships" xmlns:p="http://schemas.openxmlformats.org/presentationml/2006/main">
   <p:cSld>
     <p:spTree>
@@ -14285,7 +16548,7 @@
             <a:fld id="{F546B7B7-7D14-4795-A998-350CFB2BDD43}" type="slidenum">
               <a:rPr lang="fr-FR" smtClean="0"/>
               <a:pPr/>
-              <a:t>32</a:t>
+              <a:t>34</a:t>
             </a:fld>
             <a:endParaRPr lang="fr-FR" dirty="0"/>
           </a:p>
@@ -14883,7 +17146,7 @@
 </p:sld>
 </file>
 
-<file path=ppt/slides/slide33.xml><?xml version="1.0" encoding="utf-8"?>
+<file path=ppt/slides/slide35.xml><?xml version="1.0" encoding="utf-8"?>
 <p:sld xmlns:a="http://schemas.openxmlformats.org/drawingml/2006/main" xmlns:r="http://schemas.openxmlformats.org/officeDocument/2006/relationships" xmlns:p="http://schemas.openxmlformats.org/presentationml/2006/main">
   <p:cSld>
     <p:spTree>
@@ -15030,7 +17293,7 @@
                 <a:latin typeface="Montserrat" panose="02000505000000020004" pitchFamily="2" charset="0"/>
               </a:rPr>
               <a:pPr algn="r"/>
-              <a:t>33</a:t>
+              <a:t>35</a:t>
             </a:fld>
             <a:endParaRPr lang="fr-FR" dirty="0">
               <a:solidFill>
@@ -16432,7 +18695,7 @@
                 </a:solidFill>
                 <a:latin typeface="Gill Sans MT" panose="020B0502020104020203" pitchFamily="34" charset="0"/>
               </a:rPr>
-              <a:t>SOMMAIRE</a:t>
+              <a:t>PLAN</a:t>
             </a:r>
           </a:p>
         </p:txBody>

--- a/Présentation/Soutenance_Groupe25.pptx
+++ b/Présentation/Soutenance_Groupe25.pptx
@@ -31,11 +31,11 @@
     <p:sldId id="278" r:id="rId19"/>
     <p:sldId id="296" r:id="rId20"/>
     <p:sldId id="267" r:id="rId21"/>
-    <p:sldId id="268" r:id="rId22"/>
-    <p:sldId id="279" r:id="rId23"/>
-    <p:sldId id="280" r:id="rId24"/>
-    <p:sldId id="281" r:id="rId25"/>
-    <p:sldId id="286" r:id="rId26"/>
+    <p:sldId id="301" r:id="rId22"/>
+    <p:sldId id="302" r:id="rId23"/>
+    <p:sldId id="303" r:id="rId24"/>
+    <p:sldId id="304" r:id="rId25"/>
+    <p:sldId id="305" r:id="rId26"/>
     <p:sldId id="269" r:id="rId27"/>
     <p:sldId id="270" r:id="rId28"/>
     <p:sldId id="282" r:id="rId29"/>
@@ -10287,8 +10287,8 @@
           </a:p>
         </p:txBody>
       </p:sp>
-      <mc:AlternateContent xmlns:mc="http://schemas.openxmlformats.org/markup-compatibility/2006">
-        <mc:Choice xmlns:a14="http://schemas.microsoft.com/office/drawing/2010/main" Requires="a14">
+      <mc:AlternateContent xmlns:mc="http://schemas.openxmlformats.org/markup-compatibility/2006" xmlns:a14="http://schemas.microsoft.com/office/drawing/2010/main">
+        <mc:Choice Requires="a14">
           <p:sp>
             <p:nvSpPr>
               <p:cNvPr id="15" name="ZoneTexte 14">
@@ -10317,6 +10317,7 @@
               </a:bodyPr>
               <a:lstStyle/>
               <a:p>
+                <a:pPr/>
                 <a14:m>
                   <m:oMathPara xmlns:m="http://schemas.openxmlformats.org/officeDocument/2006/math">
                     <m:oMathParaPr>
@@ -10370,7 +10371,7 @@
             </p:txBody>
           </p:sp>
         </mc:Choice>
-        <mc:Fallback>
+        <mc:Fallback xmlns="">
           <p:sp>
             <p:nvSpPr>
               <p:cNvPr id="15" name="ZoneTexte 14">
@@ -10415,8 +10416,8 @@
           </p:sp>
         </mc:Fallback>
       </mc:AlternateContent>
-      <mc:AlternateContent xmlns:mc="http://schemas.openxmlformats.org/markup-compatibility/2006">
-        <mc:Choice xmlns:a14="http://schemas.microsoft.com/office/drawing/2010/main" Requires="a14">
+      <mc:AlternateContent xmlns:mc="http://schemas.openxmlformats.org/markup-compatibility/2006" xmlns:a14="http://schemas.microsoft.com/office/drawing/2010/main">
+        <mc:Choice Requires="a14">
           <p:sp>
             <p:nvSpPr>
               <p:cNvPr id="16" name="ZoneTexte 15">
@@ -10445,6 +10446,7 @@
               </a:bodyPr>
               <a:lstStyle/>
               <a:p>
+                <a:pPr/>
                 <a14:m>
                   <m:oMathPara xmlns:m="http://schemas.openxmlformats.org/officeDocument/2006/math">
                     <m:oMathParaPr>
@@ -10515,7 +10517,7 @@
             </p:txBody>
           </p:sp>
         </mc:Choice>
-        <mc:Fallback>
+        <mc:Fallback xmlns="">
           <p:sp>
             <p:nvSpPr>
               <p:cNvPr id="16" name="ZoneTexte 15">
@@ -10560,8 +10562,8 @@
           </p:sp>
         </mc:Fallback>
       </mc:AlternateContent>
-      <mc:AlternateContent xmlns:mc="http://schemas.openxmlformats.org/markup-compatibility/2006">
-        <mc:Choice xmlns:a14="http://schemas.microsoft.com/office/drawing/2010/main" Requires="a14">
+      <mc:AlternateContent xmlns:mc="http://schemas.openxmlformats.org/markup-compatibility/2006" xmlns:a14="http://schemas.microsoft.com/office/drawing/2010/main">
+        <mc:Choice Requires="a14">
           <p:sp>
             <p:nvSpPr>
               <p:cNvPr id="19" name="ZoneTexte 18">
@@ -10590,6 +10592,7 @@
               </a:bodyPr>
               <a:lstStyle/>
               <a:p>
+                <a:pPr/>
                 <a14:m>
                   <m:oMathPara xmlns:m="http://schemas.openxmlformats.org/officeDocument/2006/math">
                     <m:oMathParaPr>
@@ -10671,7 +10674,7 @@
             </p:txBody>
           </p:sp>
         </mc:Choice>
-        <mc:Fallback>
+        <mc:Fallback xmlns="">
           <p:sp>
             <p:nvSpPr>
               <p:cNvPr id="19" name="ZoneTexte 18">
@@ -10716,8 +10719,8 @@
           </p:sp>
         </mc:Fallback>
       </mc:AlternateContent>
-      <mc:AlternateContent xmlns:mc="http://schemas.openxmlformats.org/markup-compatibility/2006">
-        <mc:Choice xmlns:a14="http://schemas.microsoft.com/office/drawing/2010/main" Requires="a14">
+      <mc:AlternateContent xmlns:mc="http://schemas.openxmlformats.org/markup-compatibility/2006" xmlns:a14="http://schemas.microsoft.com/office/drawing/2010/main">
+        <mc:Choice Requires="a14">
           <p:sp>
             <p:nvSpPr>
               <p:cNvPr id="20" name="ZoneTexte 19">
@@ -10746,6 +10749,7 @@
               </a:bodyPr>
               <a:lstStyle/>
               <a:p>
+                <a:pPr/>
                 <a14:m>
                   <m:oMathPara xmlns:m="http://schemas.openxmlformats.org/officeDocument/2006/math">
                     <m:oMathParaPr>
@@ -10819,7 +10823,7 @@
             </p:txBody>
           </p:sp>
         </mc:Choice>
-        <mc:Fallback>
+        <mc:Fallback xmlns="">
           <p:sp>
             <p:nvSpPr>
               <p:cNvPr id="20" name="ZoneTexte 19">
@@ -10864,8 +10868,8 @@
           </p:sp>
         </mc:Fallback>
       </mc:AlternateContent>
-      <mc:AlternateContent xmlns:mc="http://schemas.openxmlformats.org/markup-compatibility/2006">
-        <mc:Choice xmlns:a14="http://schemas.microsoft.com/office/drawing/2010/main" Requires="a14">
+      <mc:AlternateContent xmlns:mc="http://schemas.openxmlformats.org/markup-compatibility/2006" xmlns:a14="http://schemas.microsoft.com/office/drawing/2010/main">
+        <mc:Choice Requires="a14">
           <p:sp>
             <p:nvSpPr>
               <p:cNvPr id="21" name="ZoneTexte 20">
@@ -10894,6 +10898,7 @@
               </a:bodyPr>
               <a:lstStyle/>
               <a:p>
+                <a:pPr/>
                 <a14:m>
                   <m:oMathPara xmlns:m="http://schemas.openxmlformats.org/officeDocument/2006/math">
                     <m:oMathParaPr>
@@ -10985,7 +10990,7 @@
             </p:txBody>
           </p:sp>
         </mc:Choice>
-        <mc:Fallback>
+        <mc:Fallback xmlns="">
           <p:sp>
             <p:nvSpPr>
               <p:cNvPr id="21" name="ZoneTexte 20">
@@ -11273,47 +11278,6 @@
           </a:p>
         </p:txBody>
       </p:sp>
-      <p:sp>
-        <p:nvSpPr>
-          <p:cNvPr id="3" name="ZoneTexte 2">
-            <a:extLst>
-              <a:ext uri="{FF2B5EF4-FFF2-40B4-BE49-F238E27FC236}">
-                <a16:creationId xmlns:a16="http://schemas.microsoft.com/office/drawing/2014/main" id="{8C7A9209-43A5-4EC1-8923-66DC1EBB94AB}"/>
-              </a:ext>
-            </a:extLst>
-          </p:cNvPr>
-          <p:cNvSpPr txBox="1"/>
-          <p:nvPr/>
-        </p:nvSpPr>
-        <p:spPr>
-          <a:xfrm>
-            <a:off x="3545767" y="4960127"/>
-            <a:ext cx="4802245" cy="646331"/>
-          </a:xfrm>
-          <a:prstGeom prst="rect">
-            <a:avLst/>
-          </a:prstGeom>
-          <a:noFill/>
-        </p:spPr>
-        <p:txBody>
-          <a:bodyPr wrap="square" rtlCol="0">
-            <a:spAutoFit/>
-          </a:bodyPr>
-          <a:lstStyle/>
-          <a:p>
-            <a:pPr algn="ctr"/>
-            <a:r>
-              <a:rPr lang="fr-FR" sz="3600" b="1" dirty="0">
-                <a:solidFill>
-                  <a:srgbClr val="FF0000"/>
-                </a:solidFill>
-                <a:latin typeface="Gill Sans MT" panose="020B0502020104020203" pitchFamily="34" charset="0"/>
-              </a:rPr>
-              <a:t>Ali et Alex</a:t>
-            </a:r>
-          </a:p>
-        </p:txBody>
-      </p:sp>
     </p:spTree>
     <p:extLst>
       <p:ext uri="{BB962C8B-B14F-4D97-AF65-F5344CB8AC3E}">
@@ -11455,10 +11419,251 @@
           </a:prstGeom>
         </p:spPr>
       </p:pic>
+      <p:pic>
+        <p:nvPicPr>
+          <p:cNvPr id="6" name="Image 5">
+            <a:extLst>
+              <a:ext uri="{FF2B5EF4-FFF2-40B4-BE49-F238E27FC236}">
+                <a16:creationId xmlns:a16="http://schemas.microsoft.com/office/drawing/2014/main" id="{021BD10B-139F-D3E0-6664-2D59C53385A9}"/>
+              </a:ext>
+            </a:extLst>
+          </p:cNvPr>
+          <p:cNvPicPr>
+            <a:picLocks noChangeAspect="1"/>
+          </p:cNvPicPr>
+          <p:nvPr/>
+        </p:nvPicPr>
+        <p:blipFill>
+          <a:blip r:embed="rId4">
+            <a:extLst>
+              <a:ext uri="{28A0092B-C50C-407E-A947-70E740481C1C}">
+                <a14:useLocalDpi xmlns:a14="http://schemas.microsoft.com/office/drawing/2010/main" val="0"/>
+              </a:ext>
+            </a:extLst>
+          </a:blip>
+          <a:stretch>
+            <a:fillRect/>
+          </a:stretch>
+        </p:blipFill>
+        <p:spPr>
+          <a:xfrm>
+            <a:off x="5741044" y="1433994"/>
+            <a:ext cx="6204030" cy="4910781"/>
+          </a:xfrm>
+          <a:prstGeom prst="rect">
+            <a:avLst/>
+          </a:prstGeom>
+        </p:spPr>
+      </p:pic>
+      <p:sp>
+        <p:nvSpPr>
+          <p:cNvPr id="8" name="ZoneTexte 7">
+            <a:extLst>
+              <a:ext uri="{FF2B5EF4-FFF2-40B4-BE49-F238E27FC236}">
+                <a16:creationId xmlns:a16="http://schemas.microsoft.com/office/drawing/2014/main" id="{3DA8EC54-449C-F632-FC88-43B124E3F748}"/>
+              </a:ext>
+            </a:extLst>
+          </p:cNvPr>
+          <p:cNvSpPr txBox="1"/>
+          <p:nvPr/>
+        </p:nvSpPr>
+        <p:spPr>
+          <a:xfrm>
+            <a:off x="347241" y="1431599"/>
+            <a:ext cx="5069711" cy="4893647"/>
+          </a:xfrm>
+          <a:prstGeom prst="rect">
+            <a:avLst/>
+          </a:prstGeom>
+          <a:gradFill>
+            <a:gsLst>
+              <a:gs pos="97000">
+                <a:srgbClr val="56959F"/>
+              </a:gs>
+              <a:gs pos="5000">
+                <a:srgbClr val="008A76"/>
+              </a:gs>
+              <a:gs pos="100000">
+                <a:schemeClr val="accent1">
+                  <a:lumMod val="45000"/>
+                  <a:lumOff val="55000"/>
+                </a:schemeClr>
+              </a:gs>
+              <a:gs pos="0">
+                <a:schemeClr val="accent1">
+                  <a:lumMod val="45000"/>
+                  <a:lumOff val="55000"/>
+                </a:schemeClr>
+              </a:gs>
+              <a:gs pos="100000">
+                <a:schemeClr val="accent1">
+                  <a:lumMod val="30000"/>
+                  <a:lumOff val="70000"/>
+                </a:schemeClr>
+              </a:gs>
+            </a:gsLst>
+            <a:lin ang="5400000" scaled="1"/>
+          </a:gradFill>
+          <a:ln w="19050">
+            <a:solidFill>
+              <a:srgbClr val="006A5A"/>
+            </a:solidFill>
+          </a:ln>
+        </p:spPr>
+        <p:txBody>
+          <a:bodyPr wrap="square">
+            <a:spAutoFit/>
+          </a:bodyPr>
+          <a:lstStyle/>
+          <a:p>
+            <a:pPr marL="342900" indent="-342900" algn="just">
+              <a:buFont typeface="Wingdings" panose="05000000000000000000" pitchFamily="2" charset="2"/>
+              <a:buChar char="ü"/>
+            </a:pPr>
+            <a:r>
+              <a:rPr lang="fr-FR" sz="2400" dirty="0">
+                <a:solidFill>
+                  <a:schemeClr val="bg1"/>
+                </a:solidFill>
+              </a:rPr>
+              <a:t>Population assez homogène en matière d’âge.</a:t>
+            </a:r>
+          </a:p>
+          <a:p>
+            <a:pPr marL="342900" indent="-342900" algn="just">
+              <a:buFont typeface="Wingdings" panose="05000000000000000000" pitchFamily="2" charset="2"/>
+              <a:buChar char="ü"/>
+            </a:pPr>
+            <a:endParaRPr lang="fr-FR" sz="2400" dirty="0">
+              <a:solidFill>
+                <a:schemeClr val="bg1"/>
+              </a:solidFill>
+            </a:endParaRPr>
+          </a:p>
+          <a:p>
+            <a:pPr marL="342900" indent="-342900" algn="just">
+              <a:buFont typeface="Wingdings" panose="05000000000000000000" pitchFamily="2" charset="2"/>
+              <a:buChar char="ü"/>
+            </a:pPr>
+            <a:r>
+              <a:rPr lang="fr-FR" sz="2400" dirty="0">
+                <a:solidFill>
+                  <a:schemeClr val="bg1"/>
+                </a:solidFill>
+              </a:rPr>
+              <a:t>Beaucoup de jeunes (&lt;= forte natalité)</a:t>
+            </a:r>
+          </a:p>
+          <a:p>
+            <a:pPr marL="342900" indent="-342900" algn="just">
+              <a:buFont typeface="Wingdings" panose="05000000000000000000" pitchFamily="2" charset="2"/>
+              <a:buChar char="ü"/>
+            </a:pPr>
+            <a:endParaRPr lang="fr-FR" sz="2400" dirty="0">
+              <a:solidFill>
+                <a:schemeClr val="bg1"/>
+              </a:solidFill>
+            </a:endParaRPr>
+          </a:p>
+          <a:p>
+            <a:pPr marL="342900" indent="-342900" algn="just">
+              <a:buFont typeface="Wingdings" panose="05000000000000000000" pitchFamily="2" charset="2"/>
+              <a:buChar char="ü"/>
+            </a:pPr>
+            <a:r>
+              <a:rPr lang="fr-FR" sz="2400" dirty="0">
+                <a:solidFill>
+                  <a:schemeClr val="bg1"/>
+                </a:solidFill>
+              </a:rPr>
+              <a:t>Population active plus grande, mais elle diminue progressivement avec l’âge à cause de la mortalité naturelle.</a:t>
+            </a:r>
+          </a:p>
+          <a:p>
+            <a:pPr marL="342900" indent="-342900" algn="just">
+              <a:buFont typeface="Wingdings" panose="05000000000000000000" pitchFamily="2" charset="2"/>
+              <a:buChar char="ü"/>
+            </a:pPr>
+            <a:endParaRPr lang="fr-FR" sz="2400" dirty="0">
+              <a:solidFill>
+                <a:schemeClr val="bg1"/>
+              </a:solidFill>
+            </a:endParaRPr>
+          </a:p>
+          <a:p>
+            <a:pPr marL="342900" indent="-342900" algn="just">
+              <a:buFont typeface="Wingdings" panose="05000000000000000000" pitchFamily="2" charset="2"/>
+              <a:buChar char="ü"/>
+            </a:pPr>
+            <a:r>
+              <a:rPr lang="fr-FR" sz="2400" dirty="0">
+                <a:solidFill>
+                  <a:schemeClr val="bg1"/>
+                </a:solidFill>
+              </a:rPr>
+              <a:t>Les femmes vivent plus longtemps que les hommes</a:t>
+            </a:r>
+            <a:endParaRPr lang="en-US" sz="2400" dirty="0">
+              <a:solidFill>
+                <a:schemeClr val="bg1"/>
+              </a:solidFill>
+            </a:endParaRPr>
+          </a:p>
+        </p:txBody>
+      </p:sp>
+      <p:sp>
+        <p:nvSpPr>
+          <p:cNvPr id="10" name="Accolade ouvrante 9">
+            <a:extLst>
+              <a:ext uri="{FF2B5EF4-FFF2-40B4-BE49-F238E27FC236}">
+                <a16:creationId xmlns:a16="http://schemas.microsoft.com/office/drawing/2014/main" id="{52B25F2D-5007-2525-A862-DEB592ED1978}"/>
+              </a:ext>
+            </a:extLst>
+          </p:cNvPr>
+          <p:cNvSpPr/>
+          <p:nvPr/>
+        </p:nvSpPr>
+        <p:spPr>
+          <a:xfrm>
+            <a:off x="5457463" y="1717116"/>
+            <a:ext cx="243068" cy="4322611"/>
+          </a:xfrm>
+          <a:prstGeom prst="leftBrace">
+            <a:avLst/>
+          </a:prstGeom>
+          <a:ln w="19050">
+            <a:solidFill>
+              <a:srgbClr val="006A5A"/>
+            </a:solidFill>
+          </a:ln>
+        </p:spPr>
+        <p:style>
+          <a:lnRef idx="1">
+            <a:schemeClr val="accent1"/>
+          </a:lnRef>
+          <a:fillRef idx="0">
+            <a:schemeClr val="accent1"/>
+          </a:fillRef>
+          <a:effectRef idx="0">
+            <a:schemeClr val="accent1"/>
+          </a:effectRef>
+          <a:fontRef idx="minor">
+            <a:schemeClr val="tx1"/>
+          </a:fontRef>
+        </p:style>
+        <p:txBody>
+          <a:bodyPr rtlCol="0" anchor="ctr"/>
+          <a:lstStyle/>
+          <a:p>
+            <a:pPr algn="ctr"/>
+            <a:endParaRPr lang="en-US" dirty="0"/>
+          </a:p>
+        </p:txBody>
+      </p:sp>
     </p:spTree>
     <p:extLst>
       <p:ext uri="{BB962C8B-B14F-4D97-AF65-F5344CB8AC3E}">
-        <p14:creationId xmlns:p14="http://schemas.microsoft.com/office/powerpoint/2010/main" val="3439411684"/>
+        <p14:creationId xmlns:p14="http://schemas.microsoft.com/office/powerpoint/2010/main" val="1095280147"/>
       </p:ext>
     </p:extLst>
   </p:cSld>
@@ -11604,10 +11809,10 @@
       </p:pic>
       <p:pic>
         <p:nvPicPr>
-          <p:cNvPr id="6" name="Image 5">
+          <p:cNvPr id="9" name="Image 8">
             <a:extLst>
               <a:ext uri="{FF2B5EF4-FFF2-40B4-BE49-F238E27FC236}">
-                <a16:creationId xmlns:a16="http://schemas.microsoft.com/office/drawing/2014/main" id="{58EDE191-80B6-E256-D070-BA0E959C43C1}"/>
+                <a16:creationId xmlns:a16="http://schemas.microsoft.com/office/drawing/2014/main" id="{EDB31F18-2079-E373-1102-23C78FF1E6BA}"/>
               </a:ext>
             </a:extLst>
           </p:cNvPr>
@@ -11617,31 +11822,611 @@
           <p:nvPr/>
         </p:nvPicPr>
         <p:blipFill>
-          <a:blip r:embed="rId4">
-            <a:extLst>
-              <a:ext uri="{28A0092B-C50C-407E-A947-70E740481C1C}">
-                <a14:useLocalDpi xmlns:a14="http://schemas.microsoft.com/office/drawing/2010/main" val="0"/>
-              </a:ext>
-            </a:extLst>
-          </a:blip>
+          <a:blip r:embed="rId4"/>
           <a:stretch>
             <a:fillRect/>
           </a:stretch>
         </p:blipFill>
         <p:spPr>
           <a:xfrm>
-            <a:off x="4864231" y="1703428"/>
-            <a:ext cx="6327324" cy="2601890"/>
+            <a:off x="2984682" y="1399733"/>
+            <a:ext cx="3606279" cy="3417973"/>
           </a:xfrm>
           <a:prstGeom prst="rect">
             <a:avLst/>
           </a:prstGeom>
         </p:spPr>
       </p:pic>
+      <p:pic>
+        <p:nvPicPr>
+          <p:cNvPr id="11" name="Image 10">
+            <a:extLst>
+              <a:ext uri="{FF2B5EF4-FFF2-40B4-BE49-F238E27FC236}">
+                <a16:creationId xmlns:a16="http://schemas.microsoft.com/office/drawing/2014/main" id="{AD31099E-9945-A91F-B1C6-97BF21589496}"/>
+              </a:ext>
+            </a:extLst>
+          </p:cNvPr>
+          <p:cNvPicPr>
+            <a:picLocks noChangeAspect="1"/>
+          </p:cNvPicPr>
+          <p:nvPr/>
+        </p:nvPicPr>
+        <p:blipFill>
+          <a:blip r:embed="rId5"/>
+          <a:stretch>
+            <a:fillRect/>
+          </a:stretch>
+        </p:blipFill>
+        <p:spPr>
+          <a:xfrm>
+            <a:off x="8074296" y="1399733"/>
+            <a:ext cx="3606279" cy="3417973"/>
+          </a:xfrm>
+          <a:prstGeom prst="rect">
+            <a:avLst/>
+          </a:prstGeom>
+        </p:spPr>
+      </p:pic>
+      <p:sp>
+        <p:nvSpPr>
+          <p:cNvPr id="12" name="Flèche : droite 11">
+            <a:extLst>
+              <a:ext uri="{FF2B5EF4-FFF2-40B4-BE49-F238E27FC236}">
+                <a16:creationId xmlns:a16="http://schemas.microsoft.com/office/drawing/2014/main" id="{E9190E38-2D45-3996-9AE2-1D48C54F04FD}"/>
+              </a:ext>
+            </a:extLst>
+          </p:cNvPr>
+          <p:cNvSpPr/>
+          <p:nvPr/>
+        </p:nvSpPr>
+        <p:spPr>
+          <a:xfrm>
+            <a:off x="6798818" y="2831858"/>
+            <a:ext cx="978408" cy="484632"/>
+          </a:xfrm>
+          <a:prstGeom prst="rightArrow">
+            <a:avLst/>
+          </a:prstGeom>
+          <a:solidFill>
+            <a:srgbClr val="006A5A"/>
+          </a:solidFill>
+          <a:ln>
+            <a:noFill/>
+          </a:ln>
+        </p:spPr>
+        <p:style>
+          <a:lnRef idx="2">
+            <a:schemeClr val="accent1">
+              <a:shade val="15000"/>
+            </a:schemeClr>
+          </a:lnRef>
+          <a:fillRef idx="1">
+            <a:schemeClr val="accent1"/>
+          </a:fillRef>
+          <a:effectRef idx="0">
+            <a:schemeClr val="accent1"/>
+          </a:effectRef>
+          <a:fontRef idx="minor">
+            <a:schemeClr val="lt1"/>
+          </a:fontRef>
+        </p:style>
+        <p:txBody>
+          <a:bodyPr rtlCol="0" anchor="ctr"/>
+          <a:lstStyle/>
+          <a:p>
+            <a:pPr algn="ctr"/>
+            <a:endParaRPr lang="en-US" dirty="0"/>
+          </a:p>
+        </p:txBody>
+      </p:sp>
+      <p:sp>
+        <p:nvSpPr>
+          <p:cNvPr id="14" name="ZoneTexte 13">
+            <a:extLst>
+              <a:ext uri="{FF2B5EF4-FFF2-40B4-BE49-F238E27FC236}">
+                <a16:creationId xmlns:a16="http://schemas.microsoft.com/office/drawing/2014/main" id="{60F5BF76-1E16-382F-2A0D-480C84B5BDAA}"/>
+              </a:ext>
+            </a:extLst>
+          </p:cNvPr>
+          <p:cNvSpPr txBox="1"/>
+          <p:nvPr/>
+        </p:nvSpPr>
+        <p:spPr>
+          <a:xfrm>
+            <a:off x="6503595" y="2298399"/>
+            <a:ext cx="1570701" cy="461665"/>
+          </a:xfrm>
+          <a:prstGeom prst="rect">
+            <a:avLst/>
+          </a:prstGeom>
+          <a:noFill/>
+        </p:spPr>
+        <p:txBody>
+          <a:bodyPr wrap="square">
+            <a:spAutoFit/>
+          </a:bodyPr>
+          <a:lstStyle/>
+          <a:p>
+            <a:pPr algn="just"/>
+            <a:r>
+              <a:rPr lang="fr-FR" sz="2400" dirty="0"/>
+              <a:t>Effet taille</a:t>
+            </a:r>
+            <a:endParaRPr lang="en-US" sz="2400" dirty="0"/>
+          </a:p>
+        </p:txBody>
+      </p:sp>
+      <p:sp>
+        <p:nvSpPr>
+          <p:cNvPr id="16" name="ZoneTexte 15">
+            <a:extLst>
+              <a:ext uri="{FF2B5EF4-FFF2-40B4-BE49-F238E27FC236}">
+                <a16:creationId xmlns:a16="http://schemas.microsoft.com/office/drawing/2014/main" id="{1EDD8797-2E3C-C143-8AB4-154D2A315C04}"/>
+              </a:ext>
+            </a:extLst>
+          </p:cNvPr>
+          <p:cNvSpPr txBox="1"/>
+          <p:nvPr/>
+        </p:nvSpPr>
+        <p:spPr>
+          <a:xfrm>
+            <a:off x="290100" y="3490811"/>
+            <a:ext cx="2422494" cy="1569660"/>
+          </a:xfrm>
+          <a:prstGeom prst="rect">
+            <a:avLst/>
+          </a:prstGeom>
+          <a:gradFill>
+            <a:gsLst>
+              <a:gs pos="86000">
+                <a:srgbClr val="56959F"/>
+              </a:gs>
+              <a:gs pos="20000">
+                <a:srgbClr val="008A76"/>
+              </a:gs>
+              <a:gs pos="100000">
+                <a:schemeClr val="accent1">
+                  <a:lumMod val="45000"/>
+                  <a:lumOff val="55000"/>
+                </a:schemeClr>
+              </a:gs>
+              <a:gs pos="0">
+                <a:schemeClr val="accent1">
+                  <a:lumMod val="45000"/>
+                  <a:lumOff val="55000"/>
+                </a:schemeClr>
+              </a:gs>
+              <a:gs pos="100000">
+                <a:schemeClr val="accent1">
+                  <a:lumMod val="30000"/>
+                  <a:lumOff val="70000"/>
+                </a:schemeClr>
+              </a:gs>
+            </a:gsLst>
+            <a:lin ang="5400000" scaled="1"/>
+          </a:gradFill>
+          <a:ln w="19050">
+            <a:solidFill>
+              <a:srgbClr val="006A5A"/>
+            </a:solidFill>
+          </a:ln>
+        </p:spPr>
+        <p:txBody>
+          <a:bodyPr wrap="square">
+            <a:spAutoFit/>
+          </a:bodyPr>
+          <a:lstStyle/>
+          <a:p>
+            <a:r>
+              <a:rPr lang="fr-FR" sz="2400" dirty="0">
+                <a:solidFill>
+                  <a:schemeClr val="bg1"/>
+                </a:solidFill>
+                <a:latin typeface="DeepSeek-CJK-patch"/>
+              </a:rPr>
+              <a:t>Forte a</a:t>
+            </a:r>
+            <a:r>
+              <a:rPr lang="fr-FR" sz="2400" b="0" i="0" dirty="0">
+                <a:solidFill>
+                  <a:schemeClr val="bg1"/>
+                </a:solidFill>
+                <a:effectLst/>
+                <a:latin typeface="DeepSeek-CJK-patch"/>
+              </a:rPr>
+              <a:t>symétrie à droite (moyenne = 19 130 </a:t>
+            </a:r>
+            <a:r>
+              <a:rPr lang="fr-FR" sz="2400" b="1" i="0" dirty="0">
+                <a:solidFill>
+                  <a:schemeClr val="bg1"/>
+                </a:solidFill>
+                <a:effectLst/>
+                <a:latin typeface="DeepSeek-CJK-patch"/>
+              </a:rPr>
+              <a:t>vs</a:t>
+            </a:r>
+            <a:r>
+              <a:rPr lang="fr-FR" sz="2400" b="0" i="0" dirty="0">
+                <a:solidFill>
+                  <a:schemeClr val="bg1"/>
+                </a:solidFill>
+                <a:effectLst/>
+                <a:latin typeface="DeepSeek-CJK-patch"/>
+              </a:rPr>
+              <a:t> médiane = 9 127) </a:t>
+            </a:r>
+          </a:p>
+        </p:txBody>
+      </p:sp>
+      <p:sp>
+        <p:nvSpPr>
+          <p:cNvPr id="18" name="ZoneTexte 17">
+            <a:extLst>
+              <a:ext uri="{FF2B5EF4-FFF2-40B4-BE49-F238E27FC236}">
+                <a16:creationId xmlns:a16="http://schemas.microsoft.com/office/drawing/2014/main" id="{455D3CBB-406F-17E2-CA70-A3C8579F3A9E}"/>
+              </a:ext>
+            </a:extLst>
+          </p:cNvPr>
+          <p:cNvSpPr txBox="1"/>
+          <p:nvPr/>
+        </p:nvSpPr>
+        <p:spPr>
+          <a:xfrm>
+            <a:off x="273585" y="1429356"/>
+            <a:ext cx="2422494" cy="1569660"/>
+          </a:xfrm>
+          <a:prstGeom prst="rect">
+            <a:avLst/>
+          </a:prstGeom>
+          <a:gradFill>
+            <a:gsLst>
+              <a:gs pos="86000">
+                <a:srgbClr val="56959F"/>
+              </a:gs>
+              <a:gs pos="20000">
+                <a:srgbClr val="008A76"/>
+              </a:gs>
+              <a:gs pos="100000">
+                <a:schemeClr val="accent1">
+                  <a:lumMod val="45000"/>
+                  <a:lumOff val="55000"/>
+                </a:schemeClr>
+              </a:gs>
+              <a:gs pos="0">
+                <a:schemeClr val="accent1">
+                  <a:lumMod val="45000"/>
+                  <a:lumOff val="55000"/>
+                </a:schemeClr>
+              </a:gs>
+              <a:gs pos="100000">
+                <a:schemeClr val="accent1">
+                  <a:lumMod val="30000"/>
+                  <a:lumOff val="70000"/>
+                </a:schemeClr>
+              </a:gs>
+            </a:gsLst>
+            <a:lin ang="5400000" scaled="1"/>
+          </a:gradFill>
+          <a:ln w="19050">
+            <a:solidFill>
+              <a:srgbClr val="006A5A"/>
+            </a:solidFill>
+          </a:ln>
+        </p:spPr>
+        <p:txBody>
+          <a:bodyPr wrap="square">
+            <a:spAutoFit/>
+          </a:bodyPr>
+          <a:lstStyle/>
+          <a:p>
+            <a:pPr algn="just"/>
+            <a:r>
+              <a:rPr lang="fr-FR" sz="2400" dirty="0">
+                <a:solidFill>
+                  <a:schemeClr val="bg1"/>
+                </a:solidFill>
+              </a:rPr>
+              <a:t>Valeurs extrêmes tirant la distribution vers le haut</a:t>
+            </a:r>
+            <a:endParaRPr lang="en-US" sz="2400" dirty="0">
+              <a:solidFill>
+                <a:schemeClr val="bg1"/>
+              </a:solidFill>
+            </a:endParaRPr>
+          </a:p>
+        </p:txBody>
+      </p:sp>
+      <p:sp>
+        <p:nvSpPr>
+          <p:cNvPr id="20" name="ZoneTexte 19">
+            <a:extLst>
+              <a:ext uri="{FF2B5EF4-FFF2-40B4-BE49-F238E27FC236}">
+                <a16:creationId xmlns:a16="http://schemas.microsoft.com/office/drawing/2014/main" id="{C55272B6-1644-0F96-2A3E-395C7589AF06}"/>
+              </a:ext>
+            </a:extLst>
+          </p:cNvPr>
+          <p:cNvSpPr txBox="1"/>
+          <p:nvPr/>
+        </p:nvSpPr>
+        <p:spPr>
+          <a:xfrm>
+            <a:off x="265118" y="5486670"/>
+            <a:ext cx="5487500" cy="830997"/>
+          </a:xfrm>
+          <a:prstGeom prst="rect">
+            <a:avLst/>
+          </a:prstGeom>
+          <a:gradFill>
+            <a:gsLst>
+              <a:gs pos="86000">
+                <a:srgbClr val="56959F"/>
+              </a:gs>
+              <a:gs pos="20000">
+                <a:srgbClr val="008A76"/>
+              </a:gs>
+              <a:gs pos="100000">
+                <a:schemeClr val="accent1">
+                  <a:lumMod val="45000"/>
+                  <a:lumOff val="55000"/>
+                </a:schemeClr>
+              </a:gs>
+              <a:gs pos="0">
+                <a:schemeClr val="accent1">
+                  <a:lumMod val="45000"/>
+                  <a:lumOff val="55000"/>
+                </a:schemeClr>
+              </a:gs>
+              <a:gs pos="100000">
+                <a:schemeClr val="accent1">
+                  <a:lumMod val="30000"/>
+                  <a:lumOff val="70000"/>
+                </a:schemeClr>
+              </a:gs>
+            </a:gsLst>
+            <a:lin ang="5400000" scaled="1"/>
+          </a:gradFill>
+          <a:ln w="19050">
+            <a:solidFill>
+              <a:srgbClr val="006A5A"/>
+            </a:solidFill>
+          </a:ln>
+        </p:spPr>
+        <p:txBody>
+          <a:bodyPr wrap="square">
+            <a:spAutoFit/>
+          </a:bodyPr>
+          <a:lstStyle/>
+          <a:p>
+            <a:pPr algn="just"/>
+            <a:r>
+              <a:rPr lang="fr-FR" sz="2400" dirty="0">
+                <a:solidFill>
+                  <a:schemeClr val="bg1"/>
+                </a:solidFill>
+              </a:rPr>
+              <a:t>Ecart considérable entre les consultations par an (min = 1 037 et max = 76 5833)</a:t>
+            </a:r>
+            <a:endParaRPr lang="en-US" sz="2400" dirty="0">
+              <a:solidFill>
+                <a:schemeClr val="bg1"/>
+              </a:solidFill>
+            </a:endParaRPr>
+          </a:p>
+        </p:txBody>
+      </p:sp>
+      <p:sp>
+        <p:nvSpPr>
+          <p:cNvPr id="21" name="Flèche : droite 20">
+            <a:extLst>
+              <a:ext uri="{FF2B5EF4-FFF2-40B4-BE49-F238E27FC236}">
+                <a16:creationId xmlns:a16="http://schemas.microsoft.com/office/drawing/2014/main" id="{9418B25A-18C1-3C5B-9E74-5E615FE715C2}"/>
+              </a:ext>
+            </a:extLst>
+          </p:cNvPr>
+          <p:cNvSpPr/>
+          <p:nvPr/>
+        </p:nvSpPr>
+        <p:spPr>
+          <a:xfrm rot="5400000">
+            <a:off x="1292942" y="3028647"/>
+            <a:ext cx="366845" cy="484632"/>
+          </a:xfrm>
+          <a:prstGeom prst="rightArrow">
+            <a:avLst/>
+          </a:prstGeom>
+          <a:gradFill>
+            <a:gsLst>
+              <a:gs pos="86000">
+                <a:srgbClr val="56959F"/>
+              </a:gs>
+              <a:gs pos="20000">
+                <a:srgbClr val="008A76"/>
+              </a:gs>
+              <a:gs pos="100000">
+                <a:schemeClr val="accent1">
+                  <a:lumMod val="45000"/>
+                  <a:lumOff val="55000"/>
+                </a:schemeClr>
+              </a:gs>
+              <a:gs pos="0">
+                <a:schemeClr val="accent1">
+                  <a:lumMod val="45000"/>
+                  <a:lumOff val="55000"/>
+                </a:schemeClr>
+              </a:gs>
+              <a:gs pos="100000">
+                <a:schemeClr val="accent1">
+                  <a:lumMod val="30000"/>
+                  <a:lumOff val="70000"/>
+                </a:schemeClr>
+              </a:gs>
+            </a:gsLst>
+            <a:lin ang="5400000" scaled="1"/>
+          </a:gradFill>
+          <a:ln>
+            <a:noFill/>
+          </a:ln>
+        </p:spPr>
+        <p:style>
+          <a:lnRef idx="2">
+            <a:schemeClr val="accent1">
+              <a:shade val="15000"/>
+            </a:schemeClr>
+          </a:lnRef>
+          <a:fillRef idx="1">
+            <a:schemeClr val="accent1"/>
+          </a:fillRef>
+          <a:effectRef idx="0">
+            <a:schemeClr val="accent1"/>
+          </a:effectRef>
+          <a:fontRef idx="minor">
+            <a:schemeClr val="lt1"/>
+          </a:fontRef>
+        </p:style>
+        <p:txBody>
+          <a:bodyPr rtlCol="0" anchor="ctr"/>
+          <a:lstStyle/>
+          <a:p>
+            <a:pPr algn="ctr"/>
+            <a:endParaRPr lang="en-US" dirty="0"/>
+          </a:p>
+        </p:txBody>
+      </p:sp>
+      <p:sp>
+        <p:nvSpPr>
+          <p:cNvPr id="22" name="Flèche : droite 21">
+            <a:extLst>
+              <a:ext uri="{FF2B5EF4-FFF2-40B4-BE49-F238E27FC236}">
+                <a16:creationId xmlns:a16="http://schemas.microsoft.com/office/drawing/2014/main" id="{1F544735-6120-3F22-6C54-E5F7208D3946}"/>
+              </a:ext>
+            </a:extLst>
+          </p:cNvPr>
+          <p:cNvSpPr/>
+          <p:nvPr/>
+        </p:nvSpPr>
+        <p:spPr>
+          <a:xfrm rot="16200000">
+            <a:off x="1301410" y="5019680"/>
+            <a:ext cx="366845" cy="484632"/>
+          </a:xfrm>
+          <a:prstGeom prst="rightArrow">
+            <a:avLst/>
+          </a:prstGeom>
+          <a:solidFill>
+            <a:srgbClr val="006A5A"/>
+          </a:solidFill>
+          <a:ln>
+            <a:noFill/>
+          </a:ln>
+        </p:spPr>
+        <p:style>
+          <a:lnRef idx="2">
+            <a:schemeClr val="accent1">
+              <a:shade val="15000"/>
+            </a:schemeClr>
+          </a:lnRef>
+          <a:fillRef idx="1">
+            <a:schemeClr val="accent1"/>
+          </a:fillRef>
+          <a:effectRef idx="0">
+            <a:schemeClr val="accent1"/>
+          </a:effectRef>
+          <a:fontRef idx="minor">
+            <a:schemeClr val="lt1"/>
+          </a:fontRef>
+        </p:style>
+        <p:txBody>
+          <a:bodyPr rtlCol="0" anchor="ctr"/>
+          <a:lstStyle/>
+          <a:p>
+            <a:pPr algn="ctr"/>
+            <a:endParaRPr lang="en-US" dirty="0"/>
+          </a:p>
+        </p:txBody>
+      </p:sp>
+      <p:sp>
+        <p:nvSpPr>
+          <p:cNvPr id="24" name="ZoneTexte 23">
+            <a:extLst>
+              <a:ext uri="{FF2B5EF4-FFF2-40B4-BE49-F238E27FC236}">
+                <a16:creationId xmlns:a16="http://schemas.microsoft.com/office/drawing/2014/main" id="{3458A13A-F4C2-02C2-C29D-177A916DB679}"/>
+              </a:ext>
+            </a:extLst>
+          </p:cNvPr>
+          <p:cNvSpPr txBox="1"/>
+          <p:nvPr/>
+        </p:nvSpPr>
+        <p:spPr>
+          <a:xfrm>
+            <a:off x="6096000" y="5139173"/>
+            <a:ext cx="5910800" cy="1200329"/>
+          </a:xfrm>
+          <a:prstGeom prst="rect">
+            <a:avLst/>
+          </a:prstGeom>
+          <a:gradFill>
+            <a:gsLst>
+              <a:gs pos="86000">
+                <a:srgbClr val="56959F"/>
+              </a:gs>
+              <a:gs pos="20000">
+                <a:srgbClr val="008A76"/>
+              </a:gs>
+              <a:gs pos="100000">
+                <a:schemeClr val="accent1">
+                  <a:lumMod val="45000"/>
+                  <a:lumOff val="55000"/>
+                </a:schemeClr>
+              </a:gs>
+              <a:gs pos="0">
+                <a:schemeClr val="accent1">
+                  <a:lumMod val="45000"/>
+                  <a:lumOff val="55000"/>
+                </a:schemeClr>
+              </a:gs>
+              <a:gs pos="100000">
+                <a:schemeClr val="accent1">
+                  <a:lumMod val="30000"/>
+                  <a:lumOff val="70000"/>
+                </a:schemeClr>
+              </a:gs>
+            </a:gsLst>
+            <a:lin ang="5400000" scaled="1"/>
+          </a:gradFill>
+          <a:ln w="19050">
+            <a:solidFill>
+              <a:srgbClr val="006A5A"/>
+            </a:solidFill>
+          </a:ln>
+        </p:spPr>
+        <p:txBody>
+          <a:bodyPr wrap="square">
+            <a:spAutoFit/>
+          </a:bodyPr>
+          <a:lstStyle/>
+          <a:p>
+            <a:pPr algn="just"/>
+            <a:r>
+              <a:rPr lang="fr-FR" sz="2400" dirty="0">
+                <a:solidFill>
+                  <a:schemeClr val="bg1"/>
+                </a:solidFill>
+              </a:rPr>
+              <a:t>Distribution, centrée autour de la moyenne, légèrement asymétrique à droite (quelques zones à taux de consultation très élevé).</a:t>
+            </a:r>
+            <a:endParaRPr lang="en-US" sz="2400" dirty="0">
+              <a:solidFill>
+                <a:schemeClr val="bg1"/>
+              </a:solidFill>
+            </a:endParaRPr>
+          </a:p>
+        </p:txBody>
+      </p:sp>
     </p:spTree>
     <p:extLst>
       <p:ext uri="{BB962C8B-B14F-4D97-AF65-F5344CB8AC3E}">
-        <p14:creationId xmlns:p14="http://schemas.microsoft.com/office/powerpoint/2010/main" val="1330824998"/>
+        <p14:creationId xmlns:p14="http://schemas.microsoft.com/office/powerpoint/2010/main" val="38532534"/>
       </p:ext>
     </p:extLst>
   </p:cSld>
@@ -11823,10 +12608,124 @@
           </a:prstGeom>
         </p:spPr>
       </p:pic>
+      <p:pic>
+        <p:nvPicPr>
+          <p:cNvPr id="6" name="Image 5">
+            <a:extLst>
+              <a:ext uri="{FF2B5EF4-FFF2-40B4-BE49-F238E27FC236}">
+                <a16:creationId xmlns:a16="http://schemas.microsoft.com/office/drawing/2014/main" id="{338A5B00-5A83-2084-9ACD-0536BB01B0DA}"/>
+              </a:ext>
+            </a:extLst>
+          </p:cNvPr>
+          <p:cNvPicPr>
+            <a:picLocks noChangeAspect="1"/>
+          </p:cNvPicPr>
+          <p:nvPr/>
+        </p:nvPicPr>
+        <p:blipFill>
+          <a:blip r:embed="rId4">
+            <a:extLst>
+              <a:ext uri="{28A0092B-C50C-407E-A947-70E740481C1C}">
+                <a14:useLocalDpi xmlns:a14="http://schemas.microsoft.com/office/drawing/2010/main" val="0"/>
+              </a:ext>
+            </a:extLst>
+          </a:blip>
+          <a:stretch>
+            <a:fillRect/>
+          </a:stretch>
+        </p:blipFill>
+        <p:spPr>
+          <a:xfrm>
+            <a:off x="4730588" y="1653539"/>
+            <a:ext cx="6933333" cy="4228571"/>
+          </a:xfrm>
+          <a:prstGeom prst="rect">
+            <a:avLst/>
+          </a:prstGeom>
+        </p:spPr>
+      </p:pic>
+      <p:sp>
+        <p:nvSpPr>
+          <p:cNvPr id="8" name="ZoneTexte 7">
+            <a:extLst>
+              <a:ext uri="{FF2B5EF4-FFF2-40B4-BE49-F238E27FC236}">
+                <a16:creationId xmlns:a16="http://schemas.microsoft.com/office/drawing/2014/main" id="{0AF703A1-0F58-C89B-5428-5A450411620F}"/>
+              </a:ext>
+            </a:extLst>
+          </p:cNvPr>
+          <p:cNvSpPr txBox="1"/>
+          <p:nvPr/>
+        </p:nvSpPr>
+        <p:spPr>
+          <a:xfrm>
+            <a:off x="133109" y="2067799"/>
+            <a:ext cx="4415741" cy="3195578"/>
+          </a:xfrm>
+          <a:prstGeom prst="snip2DiagRect">
+            <a:avLst/>
+          </a:prstGeom>
+          <a:gradFill>
+            <a:gsLst>
+              <a:gs pos="86000">
+                <a:srgbClr val="56959F"/>
+              </a:gs>
+              <a:gs pos="20000">
+                <a:srgbClr val="008A76"/>
+              </a:gs>
+              <a:gs pos="100000">
+                <a:schemeClr val="accent1">
+                  <a:lumMod val="45000"/>
+                  <a:lumOff val="55000"/>
+                </a:schemeClr>
+              </a:gs>
+              <a:gs pos="0">
+                <a:schemeClr val="accent1">
+                  <a:lumMod val="45000"/>
+                  <a:lumOff val="55000"/>
+                </a:schemeClr>
+              </a:gs>
+              <a:gs pos="100000">
+                <a:schemeClr val="accent1">
+                  <a:lumMod val="30000"/>
+                  <a:lumOff val="70000"/>
+                </a:schemeClr>
+              </a:gs>
+            </a:gsLst>
+            <a:lin ang="5400000" scaled="1"/>
+          </a:gradFill>
+          <a:ln>
+            <a:solidFill>
+              <a:srgbClr val="006A5A"/>
+            </a:solidFill>
+          </a:ln>
+        </p:spPr>
+        <p:txBody>
+          <a:bodyPr wrap="square">
+            <a:spAutoFit/>
+          </a:bodyPr>
+          <a:lstStyle/>
+          <a:p>
+            <a:pPr algn="just"/>
+            <a:r>
+              <a:rPr lang="fr-FR" sz="2400" dirty="0">
+                <a:solidFill>
+                  <a:schemeClr val="bg1"/>
+                </a:solidFill>
+              </a:rPr>
+              <a:t>Les consultations augmentent avec le taux de natalité et la part des familles avec des enfants jeunes, mais évolue en sens inverse de la part des familles sans enfants et du taux de mortalité.</a:t>
+            </a:r>
+            <a:endParaRPr lang="en-US" sz="2400" dirty="0">
+              <a:solidFill>
+                <a:schemeClr val="bg1"/>
+              </a:solidFill>
+            </a:endParaRPr>
+          </a:p>
+        </p:txBody>
+      </p:sp>
     </p:spTree>
     <p:extLst>
       <p:ext uri="{BB962C8B-B14F-4D97-AF65-F5344CB8AC3E}">
-        <p14:creationId xmlns:p14="http://schemas.microsoft.com/office/powerpoint/2010/main" val="483483113"/>
+        <p14:creationId xmlns:p14="http://schemas.microsoft.com/office/powerpoint/2010/main" val="251220028"/>
       </p:ext>
     </p:extLst>
   </p:cSld>
@@ -12058,18 +12957,193 @@
         </p:blipFill>
         <p:spPr>
           <a:xfrm>
-            <a:off x="390421" y="1983683"/>
-            <a:ext cx="5476978" cy="3791754"/>
+            <a:off x="5558096" y="1783483"/>
+            <a:ext cx="6105007" cy="4226543"/>
           </a:xfrm>
           <a:prstGeom prst="rect">
             <a:avLst/>
           </a:prstGeom>
         </p:spPr>
       </p:pic>
+      <p:sp>
+        <p:nvSpPr>
+          <p:cNvPr id="5" name="ZoneTexte 4">
+            <a:extLst>
+              <a:ext uri="{FF2B5EF4-FFF2-40B4-BE49-F238E27FC236}">
+                <a16:creationId xmlns:a16="http://schemas.microsoft.com/office/drawing/2014/main" id="{9912AF2E-7928-9F06-8444-90D702511281}"/>
+              </a:ext>
+            </a:extLst>
+          </p:cNvPr>
+          <p:cNvSpPr txBox="1"/>
+          <p:nvPr/>
+        </p:nvSpPr>
+        <p:spPr>
+          <a:xfrm>
+            <a:off x="179408" y="1637811"/>
+            <a:ext cx="4971326" cy="4077117"/>
+          </a:xfrm>
+          <a:prstGeom prst="snip2DiagRect">
+            <a:avLst/>
+          </a:prstGeom>
+          <a:gradFill>
+            <a:gsLst>
+              <a:gs pos="86000">
+                <a:srgbClr val="56959F"/>
+              </a:gs>
+              <a:gs pos="20000">
+                <a:srgbClr val="008A76"/>
+              </a:gs>
+              <a:gs pos="100000">
+                <a:schemeClr val="accent1">
+                  <a:lumMod val="45000"/>
+                  <a:lumOff val="55000"/>
+                </a:schemeClr>
+              </a:gs>
+              <a:gs pos="0">
+                <a:schemeClr val="accent1">
+                  <a:lumMod val="45000"/>
+                  <a:lumOff val="55000"/>
+                </a:schemeClr>
+              </a:gs>
+              <a:gs pos="100000">
+                <a:schemeClr val="accent1">
+                  <a:lumMod val="30000"/>
+                  <a:lumOff val="70000"/>
+                </a:schemeClr>
+              </a:gs>
+            </a:gsLst>
+            <a:lin ang="5400000" scaled="1"/>
+          </a:gradFill>
+          <a:ln>
+            <a:solidFill>
+              <a:srgbClr val="006A5A"/>
+            </a:solidFill>
+          </a:ln>
+        </p:spPr>
+        <p:txBody>
+          <a:bodyPr wrap="square">
+            <a:spAutoFit/>
+          </a:bodyPr>
+          <a:lstStyle/>
+          <a:p>
+            <a:pPr algn="just"/>
+            <a:endParaRPr lang="fr-FR" sz="2400" dirty="0">
+              <a:solidFill>
+                <a:schemeClr val="bg1"/>
+              </a:solidFill>
+            </a:endParaRPr>
+          </a:p>
+          <a:p>
+            <a:pPr algn="ctr"/>
+            <a:r>
+              <a:rPr lang="fr-FR" sz="2400" b="1" u="sng" dirty="0">
+                <a:solidFill>
+                  <a:schemeClr val="bg1"/>
+                </a:solidFill>
+              </a:rPr>
+              <a:t>Diagramme de Moran </a:t>
+            </a:r>
+          </a:p>
+          <a:p>
+            <a:pPr algn="just"/>
+            <a:endParaRPr lang="fr-FR" sz="2400" dirty="0">
+              <a:solidFill>
+                <a:schemeClr val="bg1"/>
+              </a:solidFill>
+            </a:endParaRPr>
+          </a:p>
+          <a:p>
+            <a:pPr algn="just"/>
+            <a:r>
+              <a:rPr lang="fr-FR" sz="2400" dirty="0">
+                <a:solidFill>
+                  <a:schemeClr val="bg1"/>
+                </a:solidFill>
+              </a:rPr>
+              <a:t>Autocorrélation spatiale positive des taux de consultations</a:t>
+            </a:r>
+          </a:p>
+          <a:p>
+            <a:pPr algn="ctr"/>
+            <a:endParaRPr lang="fr-FR" sz="2400" dirty="0">
+              <a:solidFill>
+                <a:schemeClr val="bg1"/>
+              </a:solidFill>
+            </a:endParaRPr>
+          </a:p>
+          <a:p>
+            <a:pPr algn="just"/>
+            <a:r>
+              <a:rPr lang="fr-FR" sz="2400" dirty="0">
+                <a:solidFill>
+                  <a:schemeClr val="bg1"/>
+                </a:solidFill>
+              </a:rPr>
+              <a:t>Regroupements de communes à taux élevés (High-High) ou faibles (Low-Low).</a:t>
+            </a:r>
+          </a:p>
+        </p:txBody>
+      </p:sp>
+      <p:sp>
+        <p:nvSpPr>
+          <p:cNvPr id="8" name="Est égal à 7">
+            <a:extLst>
+              <a:ext uri="{FF2B5EF4-FFF2-40B4-BE49-F238E27FC236}">
+                <a16:creationId xmlns:a16="http://schemas.microsoft.com/office/drawing/2014/main" id="{80ED7658-CFC9-2EDA-98D6-74E9F26660BF}"/>
+              </a:ext>
+            </a:extLst>
+          </p:cNvPr>
+          <p:cNvSpPr/>
+          <p:nvPr/>
+        </p:nvSpPr>
+        <p:spPr>
+          <a:xfrm rot="5400000">
+            <a:off x="2431619" y="3729431"/>
+            <a:ext cx="466903" cy="616352"/>
+          </a:xfrm>
+          <a:prstGeom prst="mathEqual">
+            <a:avLst/>
+          </a:prstGeom>
+          <a:solidFill>
+            <a:schemeClr val="bg1"/>
+          </a:solidFill>
+          <a:ln>
+            <a:noFill/>
+          </a:ln>
+        </p:spPr>
+        <p:style>
+          <a:lnRef idx="2">
+            <a:schemeClr val="accent1">
+              <a:shade val="15000"/>
+            </a:schemeClr>
+          </a:lnRef>
+          <a:fillRef idx="1">
+            <a:schemeClr val="accent1"/>
+          </a:fillRef>
+          <a:effectRef idx="0">
+            <a:schemeClr val="accent1"/>
+          </a:effectRef>
+          <a:fontRef idx="minor">
+            <a:schemeClr val="lt1"/>
+          </a:fontRef>
+        </p:style>
+        <p:txBody>
+          <a:bodyPr rtlCol="0" anchor="ctr"/>
+          <a:lstStyle/>
+          <a:p>
+            <a:pPr algn="ctr"/>
+            <a:endParaRPr lang="en-US" dirty="0">
+              <a:solidFill>
+                <a:schemeClr val="tx1"/>
+              </a:solidFill>
+            </a:endParaRPr>
+          </a:p>
+        </p:txBody>
+      </p:sp>
     </p:spTree>
     <p:extLst>
       <p:ext uri="{BB962C8B-B14F-4D97-AF65-F5344CB8AC3E}">
-        <p14:creationId xmlns:p14="http://schemas.microsoft.com/office/powerpoint/2010/main" val="3701572500"/>
+        <p14:creationId xmlns:p14="http://schemas.microsoft.com/office/powerpoint/2010/main" val="1123347955"/>
       </p:ext>
     </p:extLst>
   </p:cSld>
@@ -12241,7 +13315,7 @@
         </p:blipFill>
         <p:spPr>
           <a:xfrm>
-            <a:off x="1489436" y="1437159"/>
+            <a:off x="5505853" y="1437159"/>
             <a:ext cx="6386141" cy="4887224"/>
           </a:xfrm>
           <a:prstGeom prst="rect">
@@ -12249,10 +13323,120 @@
           </a:prstGeom>
         </p:spPr>
       </p:pic>
+      <p:sp>
+        <p:nvSpPr>
+          <p:cNvPr id="5" name="ZoneTexte 4">
+            <a:extLst>
+              <a:ext uri="{FF2B5EF4-FFF2-40B4-BE49-F238E27FC236}">
+                <a16:creationId xmlns:a16="http://schemas.microsoft.com/office/drawing/2014/main" id="{13B2C0AE-A2A3-8663-6EAF-C726A47FCB31}"/>
+              </a:ext>
+            </a:extLst>
+          </p:cNvPr>
+          <p:cNvSpPr txBox="1"/>
+          <p:nvPr/>
+        </p:nvSpPr>
+        <p:spPr>
+          <a:xfrm>
+            <a:off x="179408" y="1637811"/>
+            <a:ext cx="4971326" cy="4517886"/>
+          </a:xfrm>
+          <a:prstGeom prst="snip2DiagRect">
+            <a:avLst/>
+          </a:prstGeom>
+          <a:solidFill>
+            <a:schemeClr val="accent6">
+              <a:lumMod val="20000"/>
+              <a:lumOff val="80000"/>
+            </a:schemeClr>
+          </a:solidFill>
+          <a:ln>
+            <a:solidFill>
+              <a:srgbClr val="006A5A"/>
+            </a:solidFill>
+          </a:ln>
+        </p:spPr>
+        <p:txBody>
+          <a:bodyPr wrap="square">
+            <a:spAutoFit/>
+          </a:bodyPr>
+          <a:lstStyle/>
+          <a:p>
+            <a:pPr algn="ctr"/>
+            <a:r>
+              <a:rPr lang="fr-FR" sz="2400" b="1" u="sng" dirty="0"/>
+              <a:t>Analyse LISA</a:t>
+            </a:r>
+          </a:p>
+          <a:p>
+            <a:pPr algn="just"/>
+            <a:endParaRPr lang="fr-FR" sz="2400" dirty="0"/>
+          </a:p>
+          <a:p>
+            <a:pPr algn="just"/>
+            <a:r>
+              <a:rPr lang="fr-FR" sz="2400" b="1" dirty="0">
+                <a:solidFill>
+                  <a:srgbClr val="C00000"/>
+                </a:solidFill>
+              </a:rPr>
+              <a:t>La majorité des communes appartiennent au cluster HH</a:t>
+            </a:r>
+            <a:r>
+              <a:rPr lang="fr-FR" sz="2400" dirty="0">
+                <a:solidFill>
+                  <a:schemeClr val="bg1"/>
+                </a:solidFill>
+              </a:rPr>
+              <a:t>, </a:t>
+            </a:r>
+            <a:r>
+              <a:rPr lang="fr-FR" sz="2400" dirty="0"/>
+              <a:t>suivi du </a:t>
+            </a:r>
+            <a:r>
+              <a:rPr lang="fr-FR" sz="2400" b="1" dirty="0">
+                <a:solidFill>
+                  <a:srgbClr val="006A5A"/>
+                </a:solidFill>
+              </a:rPr>
+              <a:t>cluster LH</a:t>
+            </a:r>
+            <a:r>
+              <a:rPr lang="fr-FR" sz="2400" dirty="0"/>
+              <a:t>, indiquant des </a:t>
+            </a:r>
+            <a:r>
+              <a:rPr lang="fr-FR" sz="2400" dirty="0">
+                <a:solidFill>
+                  <a:srgbClr val="C00000"/>
+                </a:solidFill>
+              </a:rPr>
+              <a:t>zones à taux élevés entourées de communes également à taux élevés</a:t>
+            </a:r>
+            <a:r>
+              <a:rPr lang="fr-FR" sz="2400" dirty="0"/>
+              <a:t>, ou à </a:t>
+            </a:r>
+            <a:r>
+              <a:rPr lang="fr-FR" sz="2400" dirty="0">
+                <a:solidFill>
+                  <a:srgbClr val="006A5A"/>
+                </a:solidFill>
+              </a:rPr>
+              <a:t>taux bas proches de zones à taux élevés.</a:t>
+            </a:r>
+            <a:endParaRPr lang="fr-FR" sz="2400" dirty="0">
+              <a:solidFill>
+                <a:schemeClr val="bg1"/>
+              </a:solidFill>
+            </a:endParaRPr>
+          </a:p>
+        </p:txBody>
+      </p:sp>
     </p:spTree>
     <p:extLst>
       <p:ext uri="{BB962C8B-B14F-4D97-AF65-F5344CB8AC3E}">
-        <p14:creationId xmlns:p14="http://schemas.microsoft.com/office/powerpoint/2010/main" val="948134466"/>
+        <p14:creationId xmlns:p14="http://schemas.microsoft.com/office/powerpoint/2010/main" val="998645017"/>
       </p:ext>
     </p:extLst>
   </p:cSld>
@@ -13703,8 +14887,8 @@
           </a:prstGeom>
         </p:spPr>
       </p:pic>
-      <mc:AlternateContent xmlns:mc="http://schemas.openxmlformats.org/markup-compatibility/2006">
-        <mc:Choice xmlns:a14="http://schemas.microsoft.com/office/drawing/2010/main" Requires="a14">
+      <mc:AlternateContent xmlns:mc="http://schemas.openxmlformats.org/markup-compatibility/2006" xmlns:a14="http://schemas.microsoft.com/office/drawing/2010/main">
+        <mc:Choice Requires="a14">
           <p:sp>
             <p:nvSpPr>
               <p:cNvPr id="8" name="ZoneTexte 7">
@@ -13761,7 +14945,7 @@
             </p:txBody>
           </p:sp>
         </mc:Choice>
-        <mc:Fallback>
+        <mc:Fallback xmlns="">
           <p:sp>
             <p:nvSpPr>
               <p:cNvPr id="8" name="ZoneTexte 7">

--- a/Présentation/Soutenance_Groupe25.pptx
+++ b/Présentation/Soutenance_Groupe25.pptx
@@ -9,10 +9,10 @@
     <p:sldMasterId id="2147483672" r:id="rId5"/>
   </p:sldMasterIdLst>
   <p:notesMasterIdLst>
-    <p:notesMasterId r:id="rId41"/>
+    <p:notesMasterId r:id="rId38"/>
   </p:notesMasterIdLst>
   <p:handoutMasterIdLst>
-    <p:handoutMasterId r:id="rId42"/>
+    <p:handoutMasterId r:id="rId39"/>
   </p:handoutMasterIdLst>
   <p:sldIdLst>
     <p:sldId id="257" r:id="rId6"/>
@@ -21,35 +21,32 @@
     <p:sldId id="295" r:id="rId9"/>
     <p:sldId id="263" r:id="rId10"/>
     <p:sldId id="264" r:id="rId11"/>
-    <p:sldId id="289" r:id="rId12"/>
-    <p:sldId id="275" r:id="rId13"/>
-    <p:sldId id="293" r:id="rId14"/>
-    <p:sldId id="291" r:id="rId15"/>
-    <p:sldId id="265" r:id="rId16"/>
-    <p:sldId id="266" r:id="rId17"/>
-    <p:sldId id="277" r:id="rId18"/>
-    <p:sldId id="278" r:id="rId19"/>
-    <p:sldId id="296" r:id="rId20"/>
-    <p:sldId id="267" r:id="rId21"/>
-    <p:sldId id="301" r:id="rId22"/>
-    <p:sldId id="302" r:id="rId23"/>
-    <p:sldId id="303" r:id="rId24"/>
-    <p:sldId id="304" r:id="rId25"/>
-    <p:sldId id="305" r:id="rId26"/>
-    <p:sldId id="269" r:id="rId27"/>
-    <p:sldId id="270" r:id="rId28"/>
-    <p:sldId id="282" r:id="rId29"/>
-    <p:sldId id="283" r:id="rId30"/>
-    <p:sldId id="284" r:id="rId31"/>
-    <p:sldId id="298" r:id="rId32"/>
-    <p:sldId id="285" r:id="rId33"/>
-    <p:sldId id="299" r:id="rId34"/>
-    <p:sldId id="272" r:id="rId35"/>
-    <p:sldId id="271" r:id="rId36"/>
-    <p:sldId id="297" r:id="rId37"/>
-    <p:sldId id="261" r:id="rId38"/>
-    <p:sldId id="273" r:id="rId39"/>
-    <p:sldId id="274" r:id="rId40"/>
+    <p:sldId id="275" r:id="rId12"/>
+    <p:sldId id="293" r:id="rId13"/>
+    <p:sldId id="265" r:id="rId14"/>
+    <p:sldId id="266" r:id="rId15"/>
+    <p:sldId id="277" r:id="rId16"/>
+    <p:sldId id="278" r:id="rId17"/>
+    <p:sldId id="267" r:id="rId18"/>
+    <p:sldId id="301" r:id="rId19"/>
+    <p:sldId id="302" r:id="rId20"/>
+    <p:sldId id="303" r:id="rId21"/>
+    <p:sldId id="304" r:id="rId22"/>
+    <p:sldId id="305" r:id="rId23"/>
+    <p:sldId id="269" r:id="rId24"/>
+    <p:sldId id="270" r:id="rId25"/>
+    <p:sldId id="282" r:id="rId26"/>
+    <p:sldId id="283" r:id="rId27"/>
+    <p:sldId id="284" r:id="rId28"/>
+    <p:sldId id="298" r:id="rId29"/>
+    <p:sldId id="285" r:id="rId30"/>
+    <p:sldId id="299" r:id="rId31"/>
+    <p:sldId id="272" r:id="rId32"/>
+    <p:sldId id="271" r:id="rId33"/>
+    <p:sldId id="297" r:id="rId34"/>
+    <p:sldId id="261" r:id="rId35"/>
+    <p:sldId id="273" r:id="rId36"/>
+    <p:sldId id="274" r:id="rId37"/>
   </p:sldIdLst>
   <p:sldSz cx="12192000" cy="6858000"/>
   <p:notesSz cx="6858000" cy="9144000"/>
@@ -250,7 +247,7 @@
           <a:p>
             <a:fld id="{02EF5511-433E-438D-93BB-1E1EB804EB9E}" type="datetimeFigureOut">
               <a:rPr lang="fr-FR" smtClean="0"/>
-              <a:t>23/04/2025</a:t>
+              <a:t>26/04/2025</a:t>
             </a:fld>
             <a:endParaRPr lang="fr-FR"/>
           </a:p>
@@ -428,7 +425,7 @@
           <a:p>
             <a:fld id="{173019D8-EACC-4538-984E-33CCC42DAA4E}" type="datetimeFigureOut">
               <a:rPr lang="fr-FR" smtClean="0"/>
-              <a:t>23/04/2025</a:t>
+              <a:t>26/04/2025</a:t>
             </a:fld>
             <a:endParaRPr lang="fr-FR"/>
           </a:p>
@@ -909,7 +906,7 @@
           <a:p>
             <a:fld id="{45C44DBB-F87B-49EA-91FB-EDB78BBE8593}" type="slidenum">
               <a:rPr lang="fr-FR" smtClean="0"/>
-              <a:t>12</a:t>
+              <a:t>10</a:t>
             </a:fld>
             <a:endParaRPr lang="fr-FR"/>
           </a:p>
@@ -1045,7 +1042,7 @@
           <a:p>
             <a:fld id="{45C44DBB-F87B-49EA-91FB-EDB78BBE8593}" type="slidenum">
               <a:rPr lang="fr-FR" smtClean="0"/>
-              <a:t>13</a:t>
+              <a:t>11</a:t>
             </a:fld>
             <a:endParaRPr lang="fr-FR"/>
           </a:p>
@@ -1179,7 +1176,7 @@
           <a:p>
             <a:fld id="{45C44DBB-F87B-49EA-91FB-EDB78BBE8593}" type="slidenum">
               <a:rPr lang="fr-FR" smtClean="0"/>
-              <a:t>23</a:t>
+              <a:t>20</a:t>
             </a:fld>
             <a:endParaRPr lang="fr-FR"/>
           </a:p>
@@ -1274,7 +1271,7 @@
           <a:p>
             <a:fld id="{45C44DBB-F87B-49EA-91FB-EDB78BBE8593}" type="slidenum">
               <a:rPr lang="fr-FR" smtClean="0"/>
-              <a:t>31</a:t>
+              <a:t>28</a:t>
             </a:fld>
             <a:endParaRPr lang="fr-FR"/>
           </a:p>
@@ -1385,7 +1382,7 @@
           <a:p>
             <a:fld id="{45C44DBB-F87B-49EA-91FB-EDB78BBE8593}" type="slidenum">
               <a:rPr lang="fr-FR" smtClean="0"/>
-              <a:t>32</a:t>
+              <a:t>29</a:t>
             </a:fld>
             <a:endParaRPr lang="fr-FR"/>
           </a:p>
@@ -1545,7 +1542,7 @@
             <a:fld id="{B4BDA9CF-F2B2-41BE-8486-9C59032E0655}" type="datetime4">
               <a:rPr lang="fr-FR" smtClean="0"/>
               <a:pPr/>
-              <a:t>23 avril 2025</a:t>
+              <a:t>26 avril 2025</a:t>
             </a:fld>
             <a:endParaRPr lang="fr-FR" dirty="0"/>
           </a:p>
@@ -7638,13 +7635,7 @@
   <p:cSld>
     <p:spTree>
       <p:nvGrpSpPr>
-        <p:cNvPr id="1" name="">
-          <a:extLst>
-            <a:ext uri="{FF2B5EF4-FFF2-40B4-BE49-F238E27FC236}">
-              <a16:creationId xmlns:a16="http://schemas.microsoft.com/office/drawing/2014/main" id="{E6241B86-8E7D-90B3-9C81-3BDF445D67A5}"/>
-            </a:ext>
-          </a:extLst>
-        </p:cNvPr>
+        <p:cNvPr id="1" name=""/>
         <p:cNvGrpSpPr/>
         <p:nvPr/>
       </p:nvGrpSpPr>
@@ -7658,10 +7649,10 @@
       </p:grpSpPr>
       <p:sp>
         <p:nvSpPr>
-          <p:cNvPr id="3" name="Espace réservé du numéro de diapositive 2">
+          <p:cNvPr id="2" name="Espace réservé du numéro de diapositive 1">
             <a:extLst>
               <a:ext uri="{FF2B5EF4-FFF2-40B4-BE49-F238E27FC236}">
-                <a16:creationId xmlns:a16="http://schemas.microsoft.com/office/drawing/2014/main" id="{06C1BD33-3102-6148-2C28-9BC659076D70}"/>
+                <a16:creationId xmlns:a16="http://schemas.microsoft.com/office/drawing/2014/main" id="{3C9AC15D-D109-9768-8977-CF168595D874}"/>
               </a:ext>
             </a:extLst>
           </p:cNvPr>
@@ -7672,12 +7663,7 @@
             <p:ph type="sldNum" sz="quarter" idx="4"/>
           </p:nvPr>
         </p:nvSpPr>
-        <p:spPr>
-          <a:xfrm>
-            <a:off x="8610600" y="6356350"/>
-            <a:ext cx="2743200" cy="365125"/>
-          </a:xfrm>
-        </p:spPr>
+        <p:spPr/>
         <p:txBody>
           <a:bodyPr/>
           <a:lstStyle/>
@@ -7693,10 +7679,10 @@
       </p:sp>
       <p:sp>
         <p:nvSpPr>
-          <p:cNvPr id="2" name="ZoneTexte 1">
+          <p:cNvPr id="3" name="ZoneTexte 2">
             <a:extLst>
               <a:ext uri="{FF2B5EF4-FFF2-40B4-BE49-F238E27FC236}">
-                <a16:creationId xmlns:a16="http://schemas.microsoft.com/office/drawing/2014/main" id="{60868D0B-ED35-F808-6D83-05507129356A}"/>
+                <a16:creationId xmlns:a16="http://schemas.microsoft.com/office/drawing/2014/main" id="{ABD51FAC-0FBC-21FF-D03C-FE7F761AA6BC}"/>
               </a:ext>
             </a:extLst>
           </p:cNvPr>
@@ -7728,542 +7714,6 @@
                 </a:solidFill>
                 <a:latin typeface="Gill Sans MT" panose="020B0502020104020203" pitchFamily="34" charset="0"/>
               </a:rPr>
-              <a:t>1.2. Revue de littérature</a:t>
-            </a:r>
-          </a:p>
-        </p:txBody>
-      </p:sp>
-      <p:pic>
-        <p:nvPicPr>
-          <p:cNvPr id="4" name="Graphique 3" descr="Flèches de chevron">
-            <a:extLst>
-              <a:ext uri="{FF2B5EF4-FFF2-40B4-BE49-F238E27FC236}">
-                <a16:creationId xmlns:a16="http://schemas.microsoft.com/office/drawing/2014/main" id="{C6042DE6-4112-6205-5E3C-7E38A4AE54F2}"/>
-              </a:ext>
-            </a:extLst>
-          </p:cNvPr>
-          <p:cNvPicPr>
-            <a:picLocks noChangeAspect="1"/>
-          </p:cNvPicPr>
-          <p:nvPr/>
-        </p:nvPicPr>
-        <p:blipFill>
-          <a:blip r:embed="rId2">
-            <a:extLst>
-              <a:ext uri="{28A0092B-C50C-407E-A947-70E740481C1C}">
-                <a14:useLocalDpi xmlns:a14="http://schemas.microsoft.com/office/drawing/2010/main" val="0"/>
-              </a:ext>
-              <a:ext uri="{96DAC541-7B7A-43D3-8B79-37D633B846F1}">
-                <asvg:svgBlip xmlns:asvg="http://schemas.microsoft.com/office/drawing/2016/SVG/main" r:embed="rId3"/>
-              </a:ext>
-            </a:extLst>
-          </a:blip>
-          <a:stretch>
-            <a:fillRect/>
-          </a:stretch>
-        </p:blipFill>
-        <p:spPr>
-          <a:xfrm>
-            <a:off x="11078692" y="266700"/>
-            <a:ext cx="1170459" cy="1170459"/>
-          </a:xfrm>
-          <a:prstGeom prst="rect">
-            <a:avLst/>
-          </a:prstGeom>
-        </p:spPr>
-      </p:pic>
-      <p:sp>
-        <p:nvSpPr>
-          <p:cNvPr id="6" name="ZoneTexte 5">
-            <a:extLst>
-              <a:ext uri="{FF2B5EF4-FFF2-40B4-BE49-F238E27FC236}">
-                <a16:creationId xmlns:a16="http://schemas.microsoft.com/office/drawing/2014/main" id="{B99BA82A-6A49-2480-8AF1-92E36FD5DF5E}"/>
-              </a:ext>
-            </a:extLst>
-          </p:cNvPr>
-          <p:cNvSpPr txBox="1"/>
-          <p:nvPr/>
-        </p:nvSpPr>
-        <p:spPr>
-          <a:xfrm>
-            <a:off x="0" y="2280436"/>
-            <a:ext cx="12191999" cy="3863686"/>
-          </a:xfrm>
-          <a:prstGeom prst="rect">
-            <a:avLst/>
-          </a:prstGeom>
-          <a:noFill/>
-          <a:ln>
-            <a:noFill/>
-          </a:ln>
-        </p:spPr>
-        <p:txBody>
-          <a:bodyPr wrap="square">
-            <a:spAutoFit/>
-          </a:bodyPr>
-          <a:lstStyle/>
-          <a:p>
-            <a:pPr marL="342900" indent="-342900">
-              <a:lnSpc>
-                <a:spcPts val="2143"/>
-              </a:lnSpc>
-              <a:spcBef>
-                <a:spcPts val="1372"/>
-              </a:spcBef>
-              <a:spcAft>
-                <a:spcPts val="1029"/>
-              </a:spcAft>
-              <a:buFont typeface="Wingdings" panose="05000000000000000000" pitchFamily="2" charset="2"/>
-              <a:buChar char="§"/>
-            </a:pPr>
-            <a:r>
-              <a:rPr lang="fr-FR" sz="2400" b="1" dirty="0"/>
-              <a:t>Facteurs organisationnels</a:t>
-            </a:r>
-          </a:p>
-          <a:p>
-            <a:pPr marL="800100" lvl="1" indent="-342900">
-              <a:spcBef>
-                <a:spcPts val="300"/>
-              </a:spcBef>
-              <a:buFont typeface="Wingdings" panose="05000000000000000000" pitchFamily="2" charset="2"/>
-              <a:buChar char="ü"/>
-            </a:pPr>
-            <a:r>
-              <a:rPr lang="fr-FR" sz="2400" dirty="0">
-                <a:solidFill>
-                  <a:srgbClr val="404040"/>
-                </a:solidFill>
-                <a:latin typeface="DeepSeek-CJK-patch"/>
-              </a:rPr>
-              <a:t>Disponibilité des structures de soins et </a:t>
-            </a:r>
-            <a:r>
-              <a:rPr lang="fr-FR" sz="2400" dirty="0"/>
-              <a:t>qualité des infrastructures</a:t>
-            </a:r>
-            <a:endParaRPr lang="fr-FR" sz="2400" dirty="0">
-              <a:solidFill>
-                <a:srgbClr val="404040"/>
-              </a:solidFill>
-              <a:latin typeface="DeepSeek-CJK-patch"/>
-            </a:endParaRPr>
-          </a:p>
-          <a:p>
-            <a:pPr marL="800100" lvl="1" indent="-342900">
-              <a:spcBef>
-                <a:spcPts val="300"/>
-              </a:spcBef>
-              <a:buFont typeface="Wingdings" panose="05000000000000000000" pitchFamily="2" charset="2"/>
-              <a:buChar char="ü"/>
-            </a:pPr>
-            <a:r>
-              <a:rPr lang="fr-FR" sz="2400" dirty="0"/>
-              <a:t>Accès aux équipements médicaux et disponibilité des services d’urgence</a:t>
-            </a:r>
-            <a:endParaRPr lang="fr-FR" sz="2400" dirty="0">
-              <a:solidFill>
-                <a:srgbClr val="404040"/>
-              </a:solidFill>
-              <a:latin typeface="DeepSeek-CJK-patch"/>
-            </a:endParaRPr>
-          </a:p>
-          <a:p>
-            <a:pPr marL="800100" lvl="1" indent="-342900">
-              <a:spcBef>
-                <a:spcPts val="300"/>
-              </a:spcBef>
-              <a:buFont typeface="Wingdings" panose="05000000000000000000" pitchFamily="2" charset="2"/>
-              <a:buChar char="ü"/>
-            </a:pPr>
-            <a:r>
-              <a:rPr lang="fr-FR" sz="2400" dirty="0">
-                <a:solidFill>
-                  <a:srgbClr val="404040"/>
-                </a:solidFill>
-                <a:latin typeface="DeepSeek-CJK-patch"/>
-              </a:rPr>
-              <a:t>Horaires d’ouverture des cabinets</a:t>
-            </a:r>
-          </a:p>
-          <a:p>
-            <a:pPr marL="800100" lvl="1" indent="-342900">
-              <a:spcBef>
-                <a:spcPts val="300"/>
-              </a:spcBef>
-              <a:buFont typeface="Wingdings" panose="05000000000000000000" pitchFamily="2" charset="2"/>
-              <a:buChar char="ü"/>
-            </a:pPr>
-            <a:r>
-              <a:rPr lang="fr-FR" sz="2400" dirty="0">
-                <a:solidFill>
-                  <a:srgbClr val="404040"/>
-                </a:solidFill>
-                <a:latin typeface="DeepSeek-CJK-patch"/>
-              </a:rPr>
-              <a:t>Collaboration </a:t>
-            </a:r>
-            <a:r>
-              <a:rPr lang="fr-FR" sz="2400" b="0" i="0" dirty="0">
-                <a:solidFill>
-                  <a:srgbClr val="404040"/>
-                </a:solidFill>
-                <a:effectLst/>
-                <a:latin typeface="DeepSeek-CJK-patch"/>
-              </a:rPr>
-              <a:t>entre professionnels de santé</a:t>
-            </a:r>
-          </a:p>
-          <a:p>
-            <a:pPr marL="800100" lvl="1" indent="-342900">
-              <a:spcBef>
-                <a:spcPts val="300"/>
-              </a:spcBef>
-              <a:buFont typeface="Wingdings" panose="05000000000000000000" pitchFamily="2" charset="2"/>
-              <a:buChar char="ü"/>
-            </a:pPr>
-            <a:r>
-              <a:rPr lang="fr-FR" sz="2400" b="0" i="0" dirty="0">
-                <a:solidFill>
-                  <a:srgbClr val="404040"/>
-                </a:solidFill>
-                <a:effectLst/>
-                <a:latin typeface="DeepSeek-CJK-patch"/>
-              </a:rPr>
-              <a:t>Formation des médecins</a:t>
-            </a:r>
-          </a:p>
-          <a:p>
-            <a:pPr marL="342900" indent="-342900">
-              <a:lnSpc>
-                <a:spcPts val="2143"/>
-              </a:lnSpc>
-              <a:spcBef>
-                <a:spcPts val="1372"/>
-              </a:spcBef>
-              <a:spcAft>
-                <a:spcPts val="1029"/>
-              </a:spcAft>
-              <a:buFont typeface="Wingdings" panose="05000000000000000000" pitchFamily="2" charset="2"/>
-              <a:buChar char="§"/>
-            </a:pPr>
-            <a:r>
-              <a:rPr lang="fr-FR" sz="2400" b="1" dirty="0"/>
-              <a:t>Facteurs personnels</a:t>
-            </a:r>
-          </a:p>
-          <a:p>
-            <a:pPr marL="800100" lvl="1" indent="-342900">
-              <a:lnSpc>
-                <a:spcPts val="2143"/>
-              </a:lnSpc>
-              <a:spcBef>
-                <a:spcPts val="300"/>
-              </a:spcBef>
-              <a:spcAft>
-                <a:spcPts val="1029"/>
-              </a:spcAft>
-              <a:buFont typeface="Wingdings" panose="05000000000000000000" pitchFamily="2" charset="2"/>
-              <a:buChar char="ü"/>
-            </a:pPr>
-            <a:r>
-              <a:rPr lang="fr-FR" sz="2400" dirty="0">
-                <a:solidFill>
-                  <a:srgbClr val="404040"/>
-                </a:solidFill>
-                <a:latin typeface="DeepSeek-CJK-patch"/>
-              </a:rPr>
-              <a:t>Expérience professionnelle, formation continue et confiance </a:t>
-            </a:r>
-            <a:r>
-              <a:rPr lang="fr-FR" sz="2400" dirty="0"/>
-              <a:t>en soi des médecins</a:t>
-            </a:r>
-          </a:p>
-          <a:p>
-            <a:pPr marL="800100" lvl="1" indent="-342900">
-              <a:lnSpc>
-                <a:spcPts val="2143"/>
-              </a:lnSpc>
-              <a:spcBef>
-                <a:spcPts val="300"/>
-              </a:spcBef>
-              <a:spcAft>
-                <a:spcPts val="1029"/>
-              </a:spcAft>
-              <a:buFont typeface="Wingdings" panose="05000000000000000000" pitchFamily="2" charset="2"/>
-              <a:buChar char="ü"/>
-            </a:pPr>
-            <a:r>
-              <a:rPr lang="fr-FR" sz="2400" dirty="0"/>
-              <a:t>Présentation des patients, leur niveau d’urgence perçu et leurs attentes</a:t>
-            </a:r>
-          </a:p>
-        </p:txBody>
-      </p:sp>
-      <p:sp>
-        <p:nvSpPr>
-          <p:cNvPr id="7" name="ZoneTexte 6">
-            <a:extLst>
-              <a:ext uri="{FF2B5EF4-FFF2-40B4-BE49-F238E27FC236}">
-                <a16:creationId xmlns:a16="http://schemas.microsoft.com/office/drawing/2014/main" id="{004CC40A-B8D3-007A-5F26-0188E5989988}"/>
-              </a:ext>
-            </a:extLst>
-          </p:cNvPr>
-          <p:cNvSpPr txBox="1"/>
-          <p:nvPr/>
-        </p:nvSpPr>
-        <p:spPr>
-          <a:xfrm>
-            <a:off x="0" y="1437159"/>
-            <a:ext cx="12192000" cy="375552"/>
-          </a:xfrm>
-          <a:prstGeom prst="rect">
-            <a:avLst/>
-          </a:prstGeom>
-          <a:solidFill>
-            <a:srgbClr val="006A5A"/>
-          </a:solidFill>
-        </p:spPr>
-        <p:txBody>
-          <a:bodyPr wrap="square">
-            <a:spAutoFit/>
-          </a:bodyPr>
-          <a:lstStyle/>
-          <a:p>
-            <a:pPr algn="ctr">
-              <a:lnSpc>
-                <a:spcPts val="2143"/>
-              </a:lnSpc>
-              <a:spcBef>
-                <a:spcPts val="1372"/>
-              </a:spcBef>
-              <a:spcAft>
-                <a:spcPts val="1029"/>
-              </a:spcAft>
-            </a:pPr>
-            <a:r>
-              <a:rPr lang="fr-FR" sz="2400" b="1" dirty="0">
-                <a:solidFill>
-                  <a:schemeClr val="bg1"/>
-                </a:solidFill>
-              </a:rPr>
-              <a:t>Facteurs influençant la prise en charge des urgences en médecine générale</a:t>
-            </a:r>
-          </a:p>
-        </p:txBody>
-      </p:sp>
-      <p:sp>
-        <p:nvSpPr>
-          <p:cNvPr id="8" name="ZoneTexte 7">
-            <a:extLst>
-              <a:ext uri="{FF2B5EF4-FFF2-40B4-BE49-F238E27FC236}">
-                <a16:creationId xmlns:a16="http://schemas.microsoft.com/office/drawing/2014/main" id="{A34279CD-87D1-44B7-03DA-204D46F65251}"/>
-              </a:ext>
-            </a:extLst>
-          </p:cNvPr>
-          <p:cNvSpPr txBox="1"/>
-          <p:nvPr/>
-        </p:nvSpPr>
-        <p:spPr>
-          <a:xfrm>
-            <a:off x="-4493" y="1818571"/>
-            <a:ext cx="12192000" cy="375552"/>
-          </a:xfrm>
-          <a:prstGeom prst="rect">
-            <a:avLst/>
-          </a:prstGeom>
-          <a:noFill/>
-        </p:spPr>
-        <p:txBody>
-          <a:bodyPr wrap="square">
-            <a:spAutoFit/>
-          </a:bodyPr>
-          <a:lstStyle/>
-          <a:p>
-            <a:pPr algn="ctr">
-              <a:lnSpc>
-                <a:spcPts val="2143"/>
-              </a:lnSpc>
-              <a:spcBef>
-                <a:spcPts val="1372"/>
-              </a:spcBef>
-              <a:spcAft>
-                <a:spcPts val="1029"/>
-              </a:spcAft>
-            </a:pPr>
-            <a:r>
-              <a:rPr lang="fr-FR" sz="2400" dirty="0">
-                <a:solidFill>
-                  <a:srgbClr val="404040"/>
-                </a:solidFill>
-              </a:rPr>
-              <a:t>(</a:t>
-            </a:r>
-            <a:r>
-              <a:rPr lang="fr-FR" sz="2400" dirty="0"/>
-              <a:t>Julie Dumouchel, 2012)</a:t>
-            </a:r>
-          </a:p>
-        </p:txBody>
-      </p:sp>
-    </p:spTree>
-    <p:extLst>
-      <p:ext uri="{BB962C8B-B14F-4D97-AF65-F5344CB8AC3E}">
-        <p14:creationId xmlns:p14="http://schemas.microsoft.com/office/powerpoint/2010/main" val="235381260"/>
-      </p:ext>
-    </p:extLst>
-  </p:cSld>
-  <p:clrMapOvr>
-    <a:masterClrMapping/>
-  </p:clrMapOvr>
-</p:sld>
-</file>
-
-<file path=ppt/slides/slide11.xml><?xml version="1.0" encoding="utf-8"?>
-<p:sld xmlns:a="http://schemas.openxmlformats.org/drawingml/2006/main" xmlns:r="http://schemas.openxmlformats.org/officeDocument/2006/relationships" xmlns:p="http://schemas.openxmlformats.org/presentationml/2006/main">
-  <p:cSld>
-    <p:spTree>
-      <p:nvGrpSpPr>
-        <p:cNvPr id="1" name=""/>
-        <p:cNvGrpSpPr/>
-        <p:nvPr/>
-      </p:nvGrpSpPr>
-      <p:grpSpPr>
-        <a:xfrm>
-          <a:off x="0" y="0"/>
-          <a:ext cx="0" cy="0"/>
-          <a:chOff x="0" y="0"/>
-          <a:chExt cx="0" cy="0"/>
-        </a:xfrm>
-      </p:grpSpPr>
-      <p:sp>
-        <p:nvSpPr>
-          <p:cNvPr id="2" name="Espace réservé du numéro de diapositive 1">
-            <a:extLst>
-              <a:ext uri="{FF2B5EF4-FFF2-40B4-BE49-F238E27FC236}">
-                <a16:creationId xmlns:a16="http://schemas.microsoft.com/office/drawing/2014/main" id="{E166AE0D-2FAB-3003-2BD1-E74A9391CFB5}"/>
-              </a:ext>
-            </a:extLst>
-          </p:cNvPr>
-          <p:cNvSpPr>
-            <a:spLocks noGrp="1"/>
-          </p:cNvSpPr>
-          <p:nvPr>
-            <p:ph type="sldNum" sz="quarter" idx="4"/>
-          </p:nvPr>
-        </p:nvSpPr>
-        <p:spPr/>
-        <p:txBody>
-          <a:bodyPr/>
-          <a:lstStyle/>
-          <a:p>
-            <a:fld id="{F546B7B7-7D14-4795-A998-350CFB2BDD43}" type="slidenum">
-              <a:rPr lang="fr-FR" smtClean="0"/>
-              <a:pPr/>
-              <a:t>11</a:t>
-            </a:fld>
-            <a:endParaRPr lang="fr-FR"/>
-          </a:p>
-        </p:txBody>
-      </p:sp>
-    </p:spTree>
-    <p:extLst>
-      <p:ext uri="{BB962C8B-B14F-4D97-AF65-F5344CB8AC3E}">
-        <p14:creationId xmlns:p14="http://schemas.microsoft.com/office/powerpoint/2010/main" val="1312687224"/>
-      </p:ext>
-    </p:extLst>
-  </p:cSld>
-  <p:clrMapOvr>
-    <a:masterClrMapping/>
-  </p:clrMapOvr>
-</p:sld>
-</file>
-
-<file path=ppt/slides/slide12.xml><?xml version="1.0" encoding="utf-8"?>
-<p:sld xmlns:a="http://schemas.openxmlformats.org/drawingml/2006/main" xmlns:r="http://schemas.openxmlformats.org/officeDocument/2006/relationships" xmlns:p="http://schemas.openxmlformats.org/presentationml/2006/main">
-  <p:cSld>
-    <p:spTree>
-      <p:nvGrpSpPr>
-        <p:cNvPr id="1" name=""/>
-        <p:cNvGrpSpPr/>
-        <p:nvPr/>
-      </p:nvGrpSpPr>
-      <p:grpSpPr>
-        <a:xfrm>
-          <a:off x="0" y="0"/>
-          <a:ext cx="0" cy="0"/>
-          <a:chOff x="0" y="0"/>
-          <a:chExt cx="0" cy="0"/>
-        </a:xfrm>
-      </p:grpSpPr>
-      <p:sp>
-        <p:nvSpPr>
-          <p:cNvPr id="2" name="Espace réservé du numéro de diapositive 1">
-            <a:extLst>
-              <a:ext uri="{FF2B5EF4-FFF2-40B4-BE49-F238E27FC236}">
-                <a16:creationId xmlns:a16="http://schemas.microsoft.com/office/drawing/2014/main" id="{3C9AC15D-D109-9768-8977-CF168595D874}"/>
-              </a:ext>
-            </a:extLst>
-          </p:cNvPr>
-          <p:cNvSpPr>
-            <a:spLocks noGrp="1"/>
-          </p:cNvSpPr>
-          <p:nvPr>
-            <p:ph type="sldNum" sz="quarter" idx="4"/>
-          </p:nvPr>
-        </p:nvSpPr>
-        <p:spPr/>
-        <p:txBody>
-          <a:bodyPr/>
-          <a:lstStyle/>
-          <a:p>
-            <a:fld id="{F546B7B7-7D14-4795-A998-350CFB2BDD43}" type="slidenum">
-              <a:rPr lang="fr-FR" smtClean="0"/>
-              <a:pPr/>
-              <a:t>12</a:t>
-            </a:fld>
-            <a:endParaRPr lang="fr-FR"/>
-          </a:p>
-        </p:txBody>
-      </p:sp>
-      <p:sp>
-        <p:nvSpPr>
-          <p:cNvPr id="3" name="ZoneTexte 2">
-            <a:extLst>
-              <a:ext uri="{FF2B5EF4-FFF2-40B4-BE49-F238E27FC236}">
-                <a16:creationId xmlns:a16="http://schemas.microsoft.com/office/drawing/2014/main" id="{ABD51FAC-0FBC-21FF-D03C-FE7F761AA6BC}"/>
-              </a:ext>
-            </a:extLst>
-          </p:cNvPr>
-          <p:cNvSpPr txBox="1"/>
-          <p:nvPr/>
-        </p:nvSpPr>
-        <p:spPr>
-          <a:xfrm>
-            <a:off x="2" y="532969"/>
-            <a:ext cx="12191999" cy="646331"/>
-          </a:xfrm>
-          <a:prstGeom prst="rect">
-            <a:avLst/>
-          </a:prstGeom>
-          <a:solidFill>
-            <a:srgbClr val="006A5A"/>
-          </a:solidFill>
-        </p:spPr>
-        <p:txBody>
-          <a:bodyPr wrap="square" rtlCol="0">
-            <a:spAutoFit/>
-          </a:bodyPr>
-          <a:lstStyle/>
-          <a:p>
-            <a:r>
-              <a:rPr lang="fr-FR" sz="3600" b="1" dirty="0">
-                <a:solidFill>
-                  <a:schemeClr val="bg1"/>
-                </a:solidFill>
-                <a:latin typeface="Gill Sans MT" panose="020B0502020104020203" pitchFamily="34" charset="0"/>
-              </a:rPr>
               <a:t>2.1. Données</a:t>
             </a:r>
           </a:p>
@@ -8473,22 +7923,13 @@
               <a:t>Traitements </a:t>
             </a:r>
             <a:r>
-              <a:rPr lang="fr-FR" sz="2400" dirty="0" err="1">
-                <a:solidFill>
-                  <a:schemeClr val="tx1"/>
-                </a:solidFill>
-                <a:latin typeface="Gill Sans MT" panose="020B0502020104020203" pitchFamily="34" charset="0"/>
-              </a:rPr>
-              <a:t>initaux</a:t>
-            </a:r>
-            <a:r>
               <a:rPr lang="fr-FR" sz="2400" dirty="0">
                 <a:solidFill>
                   <a:schemeClr val="tx1"/>
                 </a:solidFill>
                 <a:latin typeface="Gill Sans MT" panose="020B0502020104020203" pitchFamily="34" charset="0"/>
               </a:rPr>
-              <a:t> : nettoyage, traitement des valeurs manquantes ou incorrectes, création de variables spatiales et transformation de certaines variables pour améliorer leur interprétabilité. </a:t>
+              <a:t>initiaux : nettoyage, traitement des valeurs manquantes ou incorrectes, création de variables spatiales et transformation de certaines variables pour améliorer leur interprétabilité. </a:t>
             </a:r>
           </a:p>
         </p:txBody>
@@ -8506,7 +7947,7 @@
 </p:sld>
 </file>
 
-<file path=ppt/slides/slide13.xml><?xml version="1.0" encoding="utf-8"?>
+<file path=ppt/slides/slide11.xml><?xml version="1.0" encoding="utf-8"?>
 <p:sld xmlns:a="http://schemas.openxmlformats.org/drawingml/2006/main" xmlns:r="http://schemas.openxmlformats.org/officeDocument/2006/relationships" xmlns:p="http://schemas.openxmlformats.org/presentationml/2006/main">
   <p:cSld>
     <p:spTree>
@@ -8558,7 +7999,7 @@
             <a:fld id="{F546B7B7-7D14-4795-A998-350CFB2BDD43}" type="slidenum">
               <a:rPr lang="fr-FR" smtClean="0"/>
               <a:pPr/>
-              <a:t>13</a:t>
+              <a:t>11</a:t>
             </a:fld>
             <a:endParaRPr lang="fr-FR" dirty="0"/>
           </a:p>
@@ -9385,7 +8826,7 @@
         </p:nvGrpSpPr>
         <p:grpSpPr>
           <a:xfrm>
-            <a:off x="119743" y="5032430"/>
+            <a:off x="72608" y="5032430"/>
             <a:ext cx="4966607" cy="538782"/>
             <a:chOff x="1621972" y="1405339"/>
             <a:chExt cx="4966607" cy="538782"/>
@@ -9521,7 +8962,7 @@
 </p:sld>
 </file>
 
-<file path=ppt/slides/slide14.xml><?xml version="1.0" encoding="utf-8"?>
+<file path=ppt/slides/slide12.xml><?xml version="1.0" encoding="utf-8"?>
 <p:sld xmlns:a="http://schemas.openxmlformats.org/drawingml/2006/main" xmlns:r="http://schemas.openxmlformats.org/officeDocument/2006/relationships" xmlns:p="http://schemas.openxmlformats.org/presentationml/2006/main">
   <p:cSld>
     <p:spTree>
@@ -9568,7 +9009,7 @@
             <a:fld id="{F546B7B7-7D14-4795-A998-350CFB2BDD43}" type="slidenum">
               <a:rPr lang="fr-FR" smtClean="0"/>
               <a:pPr/>
-              <a:t>14</a:t>
+              <a:t>12</a:t>
             </a:fld>
             <a:endParaRPr lang="fr-FR"/>
           </a:p>
@@ -11048,190 +10489,7 @@
 </p:sld>
 </file>
 
-<file path=ppt/slides/slide15.xml><?xml version="1.0" encoding="utf-8"?>
-<p:sld xmlns:a="http://schemas.openxmlformats.org/drawingml/2006/main" xmlns:r="http://schemas.openxmlformats.org/officeDocument/2006/relationships" xmlns:p="http://schemas.openxmlformats.org/presentationml/2006/main">
-  <p:cSld>
-    <p:spTree>
-      <p:nvGrpSpPr>
-        <p:cNvPr id="1" name="">
-          <a:extLst>
-            <a:ext uri="{FF2B5EF4-FFF2-40B4-BE49-F238E27FC236}">
-              <a16:creationId xmlns:a16="http://schemas.microsoft.com/office/drawing/2014/main" id="{98B0D1BF-5844-EDB5-F573-31335D368525}"/>
-            </a:ext>
-          </a:extLst>
-        </p:cNvPr>
-        <p:cNvGrpSpPr/>
-        <p:nvPr/>
-      </p:nvGrpSpPr>
-      <p:grpSpPr>
-        <a:xfrm>
-          <a:off x="0" y="0"/>
-          <a:ext cx="0" cy="0"/>
-          <a:chOff x="0" y="0"/>
-          <a:chExt cx="0" cy="0"/>
-        </a:xfrm>
-      </p:grpSpPr>
-      <p:sp>
-        <p:nvSpPr>
-          <p:cNvPr id="2" name="Espace réservé du numéro de diapositive 1">
-            <a:extLst>
-              <a:ext uri="{FF2B5EF4-FFF2-40B4-BE49-F238E27FC236}">
-                <a16:creationId xmlns:a16="http://schemas.microsoft.com/office/drawing/2014/main" id="{15E57845-333C-D9B0-61B9-E44608ADEAA3}"/>
-              </a:ext>
-            </a:extLst>
-          </p:cNvPr>
-          <p:cNvSpPr>
-            <a:spLocks noGrp="1"/>
-          </p:cNvSpPr>
-          <p:nvPr>
-            <p:ph type="sldNum" sz="quarter" idx="4"/>
-          </p:nvPr>
-        </p:nvSpPr>
-        <p:spPr/>
-        <p:txBody>
-          <a:bodyPr/>
-          <a:lstStyle/>
-          <a:p>
-            <a:fld id="{F546B7B7-7D14-4795-A998-350CFB2BDD43}" type="slidenum">
-              <a:rPr lang="fr-FR" smtClean="0"/>
-              <a:pPr/>
-              <a:t>15</a:t>
-            </a:fld>
-            <a:endParaRPr lang="fr-FR"/>
-          </a:p>
-        </p:txBody>
-      </p:sp>
-      <p:sp>
-        <p:nvSpPr>
-          <p:cNvPr id="3" name="ZoneTexte 2">
-            <a:extLst>
-              <a:ext uri="{FF2B5EF4-FFF2-40B4-BE49-F238E27FC236}">
-                <a16:creationId xmlns:a16="http://schemas.microsoft.com/office/drawing/2014/main" id="{7A5700A4-2F79-0C0D-2093-533521F29605}"/>
-              </a:ext>
-            </a:extLst>
-          </p:cNvPr>
-          <p:cNvSpPr txBox="1"/>
-          <p:nvPr/>
-        </p:nvSpPr>
-        <p:spPr>
-          <a:xfrm>
-            <a:off x="2" y="532969"/>
-            <a:ext cx="12191999" cy="646331"/>
-          </a:xfrm>
-          <a:prstGeom prst="rect">
-            <a:avLst/>
-          </a:prstGeom>
-          <a:solidFill>
-            <a:srgbClr val="006A5A"/>
-          </a:solidFill>
-        </p:spPr>
-        <p:txBody>
-          <a:bodyPr wrap="square" rtlCol="0">
-            <a:spAutoFit/>
-          </a:bodyPr>
-          <a:lstStyle/>
-          <a:p>
-            <a:r>
-              <a:rPr lang="fr-FR" sz="3600" b="1" dirty="0">
-                <a:solidFill>
-                  <a:schemeClr val="bg1"/>
-                </a:solidFill>
-                <a:latin typeface="Gill Sans MT" panose="020B0502020104020203" pitchFamily="34" charset="0"/>
-              </a:rPr>
-              <a:t>2.4. Modèles</a:t>
-            </a:r>
-          </a:p>
-        </p:txBody>
-      </p:sp>
-      <p:pic>
-        <p:nvPicPr>
-          <p:cNvPr id="4" name="Graphique 3" descr="Flèches de chevron">
-            <a:extLst>
-              <a:ext uri="{FF2B5EF4-FFF2-40B4-BE49-F238E27FC236}">
-                <a16:creationId xmlns:a16="http://schemas.microsoft.com/office/drawing/2014/main" id="{280B7A1C-90CA-A1EF-957B-AF158B9ACE97}"/>
-              </a:ext>
-            </a:extLst>
-          </p:cNvPr>
-          <p:cNvPicPr>
-            <a:picLocks noChangeAspect="1"/>
-          </p:cNvPicPr>
-          <p:nvPr/>
-        </p:nvPicPr>
-        <p:blipFill>
-          <a:blip r:embed="rId2">
-            <a:extLst>
-              <a:ext uri="{28A0092B-C50C-407E-A947-70E740481C1C}">
-                <a14:useLocalDpi xmlns:a14="http://schemas.microsoft.com/office/drawing/2010/main" val="0"/>
-              </a:ext>
-              <a:ext uri="{96DAC541-7B7A-43D3-8B79-37D633B846F1}">
-                <asvg:svgBlip xmlns:asvg="http://schemas.microsoft.com/office/drawing/2016/SVG/main" r:embed="rId3"/>
-              </a:ext>
-            </a:extLst>
-          </a:blip>
-          <a:stretch>
-            <a:fillRect/>
-          </a:stretch>
-        </p:blipFill>
-        <p:spPr>
-          <a:xfrm>
-            <a:off x="11078692" y="266700"/>
-            <a:ext cx="1170459" cy="1170459"/>
-          </a:xfrm>
-          <a:prstGeom prst="rect">
-            <a:avLst/>
-          </a:prstGeom>
-        </p:spPr>
-      </p:pic>
-      <p:pic>
-        <p:nvPicPr>
-          <p:cNvPr id="6" name="Image 5">
-            <a:extLst>
-              <a:ext uri="{FF2B5EF4-FFF2-40B4-BE49-F238E27FC236}">
-                <a16:creationId xmlns:a16="http://schemas.microsoft.com/office/drawing/2014/main" id="{5339FC60-85E4-F425-FF8C-EEE5DBDE192C}"/>
-              </a:ext>
-            </a:extLst>
-          </p:cNvPr>
-          <p:cNvPicPr>
-            <a:picLocks noChangeAspect="1"/>
-          </p:cNvPicPr>
-          <p:nvPr/>
-        </p:nvPicPr>
-        <p:blipFill>
-          <a:blip r:embed="rId4">
-            <a:extLst>
-              <a:ext uri="{28A0092B-C50C-407E-A947-70E740481C1C}">
-                <a14:useLocalDpi xmlns:a14="http://schemas.microsoft.com/office/drawing/2010/main" val="0"/>
-              </a:ext>
-            </a:extLst>
-          </a:blip>
-          <a:stretch>
-            <a:fillRect/>
-          </a:stretch>
-        </p:blipFill>
-        <p:spPr>
-          <a:xfrm>
-            <a:off x="1059125" y="1236666"/>
-            <a:ext cx="9315038" cy="5062317"/>
-          </a:xfrm>
-          <a:prstGeom prst="rect">
-            <a:avLst/>
-          </a:prstGeom>
-        </p:spPr>
-      </p:pic>
-    </p:spTree>
-    <p:extLst>
-      <p:ext uri="{BB962C8B-B14F-4D97-AF65-F5344CB8AC3E}">
-        <p14:creationId xmlns:p14="http://schemas.microsoft.com/office/powerpoint/2010/main" val="3843628031"/>
-      </p:ext>
-    </p:extLst>
-  </p:cSld>
-  <p:clrMapOvr>
-    <a:masterClrMapping/>
-  </p:clrMapOvr>
-</p:sld>
-</file>
-
-<file path=ppt/slides/slide16.xml><?xml version="1.0" encoding="utf-8"?>
+<file path=ppt/slides/slide13.xml><?xml version="1.0" encoding="utf-8"?>
 <p:sld xmlns:a="http://schemas.openxmlformats.org/drawingml/2006/main" xmlns:r="http://schemas.openxmlformats.org/officeDocument/2006/relationships" xmlns:p="http://schemas.openxmlformats.org/presentationml/2006/main">
   <p:cSld>
     <p:spTree>
@@ -11272,7 +10530,7 @@
             <a:fld id="{F546B7B7-7D14-4795-A998-350CFB2BDD43}" type="slidenum">
               <a:rPr lang="fr-FR" smtClean="0"/>
               <a:pPr/>
-              <a:t>16</a:t>
+              <a:t>13</a:t>
             </a:fld>
             <a:endParaRPr lang="fr-FR"/>
           </a:p>
@@ -11291,7 +10549,7 @@
 </p:sld>
 </file>
 
-<file path=ppt/slides/slide17.xml><?xml version="1.0" encoding="utf-8"?>
+<file path=ppt/slides/slide14.xml><?xml version="1.0" encoding="utf-8"?>
 <p:sld xmlns:a="http://schemas.openxmlformats.org/drawingml/2006/main" xmlns:r="http://schemas.openxmlformats.org/officeDocument/2006/relationships" xmlns:p="http://schemas.openxmlformats.org/presentationml/2006/main">
   <p:cSld>
     <p:spTree>
@@ -11332,7 +10590,7 @@
             <a:fld id="{F546B7B7-7D14-4795-A998-350CFB2BDD43}" type="slidenum">
               <a:rPr lang="fr-FR" smtClean="0"/>
               <a:pPr/>
-              <a:t>17</a:t>
+              <a:t>14</a:t>
             </a:fld>
             <a:endParaRPr lang="fr-FR"/>
           </a:p>
@@ -11673,7 +10931,7 @@
 </p:sld>
 </file>
 
-<file path=ppt/slides/slide18.xml><?xml version="1.0" encoding="utf-8"?>
+<file path=ppt/slides/slide15.xml><?xml version="1.0" encoding="utf-8"?>
 <p:sld xmlns:a="http://schemas.openxmlformats.org/drawingml/2006/main" xmlns:r="http://schemas.openxmlformats.org/officeDocument/2006/relationships" xmlns:p="http://schemas.openxmlformats.org/presentationml/2006/main">
   <p:cSld>
     <p:spTree>
@@ -11720,7 +10978,7 @@
             <a:fld id="{F546B7B7-7D14-4795-A998-350CFB2BDD43}" type="slidenum">
               <a:rPr lang="fr-FR" smtClean="0"/>
               <a:pPr/>
-              <a:t>18</a:t>
+              <a:t>15</a:t>
             </a:fld>
             <a:endParaRPr lang="fr-FR"/>
           </a:p>
@@ -12436,7 +11694,7 @@
 </p:sld>
 </file>
 
-<file path=ppt/slides/slide19.xml><?xml version="1.0" encoding="utf-8"?>
+<file path=ppt/slides/slide16.xml><?xml version="1.0" encoding="utf-8"?>
 <p:sld xmlns:a="http://schemas.openxmlformats.org/drawingml/2006/main" xmlns:r="http://schemas.openxmlformats.org/officeDocument/2006/relationships" xmlns:p="http://schemas.openxmlformats.org/presentationml/2006/main">
   <p:cSld>
     <p:spTree>
@@ -12483,7 +11741,7 @@
             <a:fld id="{F546B7B7-7D14-4795-A998-350CFB2BDD43}" type="slidenum">
               <a:rPr lang="fr-FR" smtClean="0"/>
               <a:pPr/>
-              <a:t>19</a:t>
+              <a:t>16</a:t>
             </a:fld>
             <a:endParaRPr lang="fr-FR"/>
           </a:p>
@@ -12735,67 +11993,7 @@
 </p:sld>
 </file>
 
-<file path=ppt/slides/slide2.xml><?xml version="1.0" encoding="utf-8"?>
-<p:sld xmlns:a="http://schemas.openxmlformats.org/drawingml/2006/main" xmlns:r="http://schemas.openxmlformats.org/officeDocument/2006/relationships" xmlns:p="http://schemas.openxmlformats.org/presentationml/2006/main">
-  <p:cSld>
-    <p:spTree>
-      <p:nvGrpSpPr>
-        <p:cNvPr id="1" name=""/>
-        <p:cNvGrpSpPr/>
-        <p:nvPr/>
-      </p:nvGrpSpPr>
-      <p:grpSpPr>
-        <a:xfrm>
-          <a:off x="0" y="0"/>
-          <a:ext cx="0" cy="0"/>
-          <a:chOff x="0" y="0"/>
-          <a:chExt cx="0" cy="0"/>
-        </a:xfrm>
-      </p:grpSpPr>
-      <p:sp>
-        <p:nvSpPr>
-          <p:cNvPr id="4" name="Espace réservé du numéro de diapositive 3">
-            <a:extLst>
-              <a:ext uri="{FF2B5EF4-FFF2-40B4-BE49-F238E27FC236}">
-                <a16:creationId xmlns:a16="http://schemas.microsoft.com/office/drawing/2014/main" id="{0BDA0677-C19B-D077-2572-F5A403C2CE4E}"/>
-              </a:ext>
-            </a:extLst>
-          </p:cNvPr>
-          <p:cNvSpPr>
-            <a:spLocks noGrp="1"/>
-          </p:cNvSpPr>
-          <p:nvPr>
-            <p:ph type="sldNum" sz="quarter" idx="4"/>
-          </p:nvPr>
-        </p:nvSpPr>
-        <p:spPr/>
-        <p:txBody>
-          <a:bodyPr/>
-          <a:lstStyle/>
-          <a:p>
-            <a:fld id="{F546B7B7-7D14-4795-A998-350CFB2BDD43}" type="slidenum">
-              <a:rPr lang="fr-FR" smtClean="0"/>
-              <a:pPr/>
-              <a:t>2</a:t>
-            </a:fld>
-            <a:endParaRPr lang="fr-FR"/>
-          </a:p>
-        </p:txBody>
-      </p:sp>
-    </p:spTree>
-    <p:extLst>
-      <p:ext uri="{BB962C8B-B14F-4D97-AF65-F5344CB8AC3E}">
-        <p14:creationId xmlns:p14="http://schemas.microsoft.com/office/powerpoint/2010/main" val="81490865"/>
-      </p:ext>
-    </p:extLst>
-  </p:cSld>
-  <p:clrMapOvr>
-    <a:masterClrMapping/>
-  </p:clrMapOvr>
-</p:sld>
-</file>
-
-<file path=ppt/slides/slide20.xml><?xml version="1.0" encoding="utf-8"?>
+<file path=ppt/slides/slide17.xml><?xml version="1.0" encoding="utf-8"?>
 <p:sld xmlns:a="http://schemas.openxmlformats.org/drawingml/2006/main" xmlns:r="http://schemas.openxmlformats.org/officeDocument/2006/relationships" xmlns:p="http://schemas.openxmlformats.org/presentationml/2006/main">
   <p:cSld>
     <p:spTree>
@@ -12842,7 +12040,7 @@
             <a:fld id="{F546B7B7-7D14-4795-A998-350CFB2BDD43}" type="slidenum">
               <a:rPr lang="fr-FR" smtClean="0"/>
               <a:pPr/>
-              <a:t>20</a:t>
+              <a:t>17</a:t>
             </a:fld>
             <a:endParaRPr lang="fr-FR"/>
           </a:p>
@@ -13153,7 +12351,7 @@
 </p:sld>
 </file>
 
-<file path=ppt/slides/slide21.xml><?xml version="1.0" encoding="utf-8"?>
+<file path=ppt/slides/slide18.xml><?xml version="1.0" encoding="utf-8"?>
 <p:sld xmlns:a="http://schemas.openxmlformats.org/drawingml/2006/main" xmlns:r="http://schemas.openxmlformats.org/officeDocument/2006/relationships" xmlns:p="http://schemas.openxmlformats.org/presentationml/2006/main">
   <p:cSld>
     <p:spTree>
@@ -13200,7 +12398,7 @@
             <a:fld id="{F546B7B7-7D14-4795-A998-350CFB2BDD43}" type="slidenum">
               <a:rPr lang="fr-FR" smtClean="0"/>
               <a:pPr/>
-              <a:t>21</a:t>
+              <a:t>18</a:t>
             </a:fld>
             <a:endParaRPr lang="fr-FR"/>
           </a:p>
@@ -13446,7 +12644,7 @@
 </p:sld>
 </file>
 
-<file path=ppt/slides/slide22.xml><?xml version="1.0" encoding="utf-8"?>
+<file path=ppt/slides/slide19.xml><?xml version="1.0" encoding="utf-8"?>
 <p:sld xmlns:a="http://schemas.openxmlformats.org/drawingml/2006/main" xmlns:r="http://schemas.openxmlformats.org/officeDocument/2006/relationships" xmlns:p="http://schemas.openxmlformats.org/presentationml/2006/main">
   <p:cSld>
     <p:spTree>
@@ -13487,7 +12685,7 @@
             <a:fld id="{F546B7B7-7D14-4795-A998-350CFB2BDD43}" type="slidenum">
               <a:rPr lang="fr-FR" smtClean="0"/>
               <a:pPr/>
-              <a:t>22</a:t>
+              <a:t>19</a:t>
             </a:fld>
             <a:endParaRPr lang="fr-FR"/>
           </a:p>
@@ -13506,7 +12704,67 @@
 </p:sld>
 </file>
 
-<file path=ppt/slides/slide23.xml><?xml version="1.0" encoding="utf-8"?>
+<file path=ppt/slides/slide2.xml><?xml version="1.0" encoding="utf-8"?>
+<p:sld xmlns:a="http://schemas.openxmlformats.org/drawingml/2006/main" xmlns:r="http://schemas.openxmlformats.org/officeDocument/2006/relationships" xmlns:p="http://schemas.openxmlformats.org/presentationml/2006/main">
+  <p:cSld>
+    <p:spTree>
+      <p:nvGrpSpPr>
+        <p:cNvPr id="1" name=""/>
+        <p:cNvGrpSpPr/>
+        <p:nvPr/>
+      </p:nvGrpSpPr>
+      <p:grpSpPr>
+        <a:xfrm>
+          <a:off x="0" y="0"/>
+          <a:ext cx="0" cy="0"/>
+          <a:chOff x="0" y="0"/>
+          <a:chExt cx="0" cy="0"/>
+        </a:xfrm>
+      </p:grpSpPr>
+      <p:sp>
+        <p:nvSpPr>
+          <p:cNvPr id="4" name="Espace réservé du numéro de diapositive 3">
+            <a:extLst>
+              <a:ext uri="{FF2B5EF4-FFF2-40B4-BE49-F238E27FC236}">
+                <a16:creationId xmlns:a16="http://schemas.microsoft.com/office/drawing/2014/main" id="{0BDA0677-C19B-D077-2572-F5A403C2CE4E}"/>
+              </a:ext>
+            </a:extLst>
+          </p:cNvPr>
+          <p:cNvSpPr>
+            <a:spLocks noGrp="1"/>
+          </p:cNvSpPr>
+          <p:nvPr>
+            <p:ph type="sldNum" sz="quarter" idx="4"/>
+          </p:nvPr>
+        </p:nvSpPr>
+        <p:spPr/>
+        <p:txBody>
+          <a:bodyPr/>
+          <a:lstStyle/>
+          <a:p>
+            <a:fld id="{F546B7B7-7D14-4795-A998-350CFB2BDD43}" type="slidenum">
+              <a:rPr lang="fr-FR" smtClean="0"/>
+              <a:pPr/>
+              <a:t>2</a:t>
+            </a:fld>
+            <a:endParaRPr lang="fr-FR"/>
+          </a:p>
+        </p:txBody>
+      </p:sp>
+    </p:spTree>
+    <p:extLst>
+      <p:ext uri="{BB962C8B-B14F-4D97-AF65-F5344CB8AC3E}">
+        <p14:creationId xmlns:p14="http://schemas.microsoft.com/office/powerpoint/2010/main" val="81490865"/>
+      </p:ext>
+    </p:extLst>
+  </p:cSld>
+  <p:clrMapOvr>
+    <a:masterClrMapping/>
+  </p:clrMapOvr>
+</p:sld>
+</file>
+
+<file path=ppt/slides/slide20.xml><?xml version="1.0" encoding="utf-8"?>
 <p:sld xmlns:a="http://schemas.openxmlformats.org/drawingml/2006/main" xmlns:r="http://schemas.openxmlformats.org/officeDocument/2006/relationships" xmlns:p="http://schemas.openxmlformats.org/presentationml/2006/main">
   <p:cSld>
     <p:spTree>
@@ -13553,7 +12811,7 @@
             <a:fld id="{F546B7B7-7D14-4795-A998-350CFB2BDD43}" type="slidenum">
               <a:rPr lang="fr-FR" smtClean="0"/>
               <a:pPr/>
-              <a:t>23</a:t>
+              <a:t>20</a:t>
             </a:fld>
             <a:endParaRPr lang="fr-FR"/>
           </a:p>
@@ -13929,7 +13187,7 @@
 </p:sld>
 </file>
 
-<file path=ppt/slides/slide24.xml><?xml version="1.0" encoding="utf-8"?>
+<file path=ppt/slides/slide21.xml><?xml version="1.0" encoding="utf-8"?>
 <p:sld xmlns:a="http://schemas.openxmlformats.org/drawingml/2006/main" xmlns:r="http://schemas.openxmlformats.org/officeDocument/2006/relationships" xmlns:p="http://schemas.openxmlformats.org/presentationml/2006/main">
   <p:cSld>
     <p:spTree>
@@ -13976,7 +13234,7 @@
             <a:fld id="{F546B7B7-7D14-4795-A998-350CFB2BDD43}" type="slidenum">
               <a:rPr lang="fr-FR" smtClean="0"/>
               <a:pPr/>
-              <a:t>24</a:t>
+              <a:t>21</a:t>
             </a:fld>
             <a:endParaRPr lang="fr-FR"/>
           </a:p>
@@ -14152,7 +13410,7 @@
         </p:blipFill>
         <p:spPr>
           <a:xfrm>
-            <a:off x="3108218" y="4659585"/>
+            <a:off x="5037970" y="4277697"/>
             <a:ext cx="5226637" cy="2261215"/>
           </a:xfrm>
           <a:prstGeom prst="rect">
@@ -14320,7 +13578,7 @@
 </p:sld>
 </file>
 
-<file path=ppt/slides/slide25.xml><?xml version="1.0" encoding="utf-8"?>
+<file path=ppt/slides/slide22.xml><?xml version="1.0" encoding="utf-8"?>
 <p:sld xmlns:a="http://schemas.openxmlformats.org/drawingml/2006/main" xmlns:r="http://schemas.openxmlformats.org/officeDocument/2006/relationships" xmlns:p="http://schemas.openxmlformats.org/presentationml/2006/main">
   <p:cSld>
     <p:spTree>
@@ -14367,7 +13625,7 @@
             <a:fld id="{F546B7B7-7D14-4795-A998-350CFB2BDD43}" type="slidenum">
               <a:rPr lang="fr-FR" smtClean="0"/>
               <a:pPr/>
-              <a:t>25</a:t>
+              <a:t>22</a:t>
             </a:fld>
             <a:endParaRPr lang="fr-FR"/>
           </a:p>
@@ -14546,7 +13804,7 @@
 </p:sld>
 </file>
 
-<file path=ppt/slides/slide26.xml><?xml version="1.0" encoding="utf-8"?>
+<file path=ppt/slides/slide23.xml><?xml version="1.0" encoding="utf-8"?>
 <p:sld xmlns:a="http://schemas.openxmlformats.org/drawingml/2006/main" xmlns:r="http://schemas.openxmlformats.org/officeDocument/2006/relationships" xmlns:p="http://schemas.openxmlformats.org/presentationml/2006/main">
   <p:cSld>
     <p:spTree>
@@ -14593,7 +13851,7 @@
             <a:fld id="{F546B7B7-7D14-4795-A998-350CFB2BDD43}" type="slidenum">
               <a:rPr lang="fr-FR" smtClean="0"/>
               <a:pPr/>
-              <a:t>26</a:t>
+              <a:t>23</a:t>
             </a:fld>
             <a:endParaRPr lang="fr-FR"/>
           </a:p>
@@ -14723,7 +13981,7 @@
 </p:sld>
 </file>
 
-<file path=ppt/slides/slide27.xml><?xml version="1.0" encoding="utf-8"?>
+<file path=ppt/slides/slide24.xml><?xml version="1.0" encoding="utf-8"?>
 <p:sld xmlns:a="http://schemas.openxmlformats.org/drawingml/2006/main" xmlns:r="http://schemas.openxmlformats.org/officeDocument/2006/relationships" xmlns:p="http://schemas.openxmlformats.org/presentationml/2006/main">
   <p:cSld>
     <p:spTree>
@@ -14770,7 +14028,7 @@
             <a:fld id="{F546B7B7-7D14-4795-A998-350CFB2BDD43}" type="slidenum">
               <a:rPr lang="fr-FR" smtClean="0"/>
               <a:pPr/>
-              <a:t>27</a:t>
+              <a:t>24</a:t>
             </a:fld>
             <a:endParaRPr lang="fr-FR"/>
           </a:p>
@@ -15003,7 +14261,7 @@
 </p:sld>
 </file>
 
-<file path=ppt/slides/slide28.xml><?xml version="1.0" encoding="utf-8"?>
+<file path=ppt/slides/slide25.xml><?xml version="1.0" encoding="utf-8"?>
 <p:sld xmlns:a="http://schemas.openxmlformats.org/drawingml/2006/main" xmlns:r="http://schemas.openxmlformats.org/officeDocument/2006/relationships" xmlns:p="http://schemas.openxmlformats.org/presentationml/2006/main">
   <p:cSld>
     <p:spTree>
@@ -15050,7 +14308,7 @@
             <a:fld id="{F546B7B7-7D14-4795-A998-350CFB2BDD43}" type="slidenum">
               <a:rPr lang="fr-FR" smtClean="0"/>
               <a:pPr/>
-              <a:t>28</a:t>
+              <a:t>25</a:t>
             </a:fld>
             <a:endParaRPr lang="fr-FR"/>
           </a:p>
@@ -15165,8 +14423,8 @@
         </p:blipFill>
         <p:spPr>
           <a:xfrm>
-            <a:off x="592910" y="1261182"/>
-            <a:ext cx="10182537" cy="4106805"/>
+            <a:off x="1750954" y="1288381"/>
+            <a:ext cx="8690090" cy="4106805"/>
           </a:xfrm>
           <a:prstGeom prst="rect">
             <a:avLst/>
@@ -15224,7 +14482,7 @@
 </p:sld>
 </file>
 
-<file path=ppt/slides/slide29.xml><?xml version="1.0" encoding="utf-8"?>
+<file path=ppt/slides/slide26.xml><?xml version="1.0" encoding="utf-8"?>
 <p:sld xmlns:a="http://schemas.openxmlformats.org/drawingml/2006/main" xmlns:r="http://schemas.openxmlformats.org/officeDocument/2006/relationships" xmlns:p="http://schemas.openxmlformats.org/presentationml/2006/main">
   <p:cSld>
     <p:spTree>
@@ -15271,7 +14529,7 @@
             <a:fld id="{F546B7B7-7D14-4795-A998-350CFB2BDD43}" type="slidenum">
               <a:rPr lang="fr-FR" smtClean="0"/>
               <a:pPr/>
-              <a:t>29</a:t>
+              <a:t>26</a:t>
             </a:fld>
             <a:endParaRPr lang="fr-FR"/>
           </a:p>
@@ -15431,875 +14689,7 @@
 </p:sld>
 </file>
 
-<file path=ppt/slides/slide3.xml><?xml version="1.0" encoding="utf-8"?>
-<p:sld xmlns:a="http://schemas.openxmlformats.org/drawingml/2006/main" xmlns:r="http://schemas.openxmlformats.org/officeDocument/2006/relationships" xmlns:p="http://schemas.openxmlformats.org/presentationml/2006/main">
-  <p:cSld>
-    <p:spTree>
-      <p:nvGrpSpPr>
-        <p:cNvPr id="1" name=""/>
-        <p:cNvGrpSpPr/>
-        <p:nvPr/>
-      </p:nvGrpSpPr>
-      <p:grpSpPr>
-        <a:xfrm>
-          <a:off x="0" y="0"/>
-          <a:ext cx="0" cy="0"/>
-          <a:chOff x="0" y="0"/>
-          <a:chExt cx="0" cy="0"/>
-        </a:xfrm>
-      </p:grpSpPr>
-      <p:sp>
-        <p:nvSpPr>
-          <p:cNvPr id="3" name="Espace réservé du numéro de diapositive 2">
-            <a:extLst>
-              <a:ext uri="{FF2B5EF4-FFF2-40B4-BE49-F238E27FC236}">
-                <a16:creationId xmlns:a16="http://schemas.microsoft.com/office/drawing/2014/main" id="{68EEE016-1B4D-27DD-4ADA-3B73EB64F3E1}"/>
-              </a:ext>
-            </a:extLst>
-          </p:cNvPr>
-          <p:cNvSpPr>
-            <a:spLocks noGrp="1"/>
-          </p:cNvSpPr>
-          <p:nvPr>
-            <p:ph type="sldNum" sz="quarter" idx="4"/>
-          </p:nvPr>
-        </p:nvSpPr>
-        <p:spPr>
-          <a:xfrm>
-            <a:off x="8610600" y="6356350"/>
-            <a:ext cx="2743200" cy="365125"/>
-          </a:xfrm>
-        </p:spPr>
-        <p:txBody>
-          <a:bodyPr/>
-          <a:lstStyle/>
-          <a:p>
-            <a:fld id="{F546B7B7-7D14-4795-A998-350CFB2BDD43}" type="slidenum">
-              <a:rPr lang="fr-FR" smtClean="0"/>
-              <a:pPr/>
-              <a:t>3</a:t>
-            </a:fld>
-            <a:endParaRPr lang="fr-FR" dirty="0"/>
-          </a:p>
-        </p:txBody>
-      </p:sp>
-      <p:sp>
-        <p:nvSpPr>
-          <p:cNvPr id="2" name="ZoneTexte 1">
-            <a:extLst>
-              <a:ext uri="{FF2B5EF4-FFF2-40B4-BE49-F238E27FC236}">
-                <a16:creationId xmlns:a16="http://schemas.microsoft.com/office/drawing/2014/main" id="{0A4C5EA5-8EC5-BD2E-0FB5-DC298C4E156C}"/>
-              </a:ext>
-            </a:extLst>
-          </p:cNvPr>
-          <p:cNvSpPr txBox="1"/>
-          <p:nvPr/>
-        </p:nvSpPr>
-        <p:spPr>
-          <a:xfrm>
-            <a:off x="2" y="532969"/>
-            <a:ext cx="12191999" cy="646331"/>
-          </a:xfrm>
-          <a:prstGeom prst="rect">
-            <a:avLst/>
-          </a:prstGeom>
-          <a:solidFill>
-            <a:srgbClr val="006A5A"/>
-          </a:solidFill>
-        </p:spPr>
-        <p:txBody>
-          <a:bodyPr wrap="square" rtlCol="0">
-            <a:spAutoFit/>
-          </a:bodyPr>
-          <a:lstStyle/>
-          <a:p>
-            <a:r>
-              <a:rPr lang="fr-FR" sz="3600" b="1" dirty="0">
-                <a:solidFill>
-                  <a:schemeClr val="bg1"/>
-                </a:solidFill>
-                <a:latin typeface="Gill Sans MT" panose="020B0502020104020203" pitchFamily="34" charset="0"/>
-              </a:rPr>
-              <a:t>Introduction</a:t>
-            </a:r>
-          </a:p>
-        </p:txBody>
-      </p:sp>
-      <p:pic>
-        <p:nvPicPr>
-          <p:cNvPr id="4" name="Graphique 3" descr="Flèches de chevron">
-            <a:extLst>
-              <a:ext uri="{FF2B5EF4-FFF2-40B4-BE49-F238E27FC236}">
-                <a16:creationId xmlns:a16="http://schemas.microsoft.com/office/drawing/2014/main" id="{358D0F2A-5D55-3BCA-A5C6-BEE40DA79E83}"/>
-              </a:ext>
-            </a:extLst>
-          </p:cNvPr>
-          <p:cNvPicPr>
-            <a:picLocks noChangeAspect="1"/>
-          </p:cNvPicPr>
-          <p:nvPr/>
-        </p:nvPicPr>
-        <p:blipFill>
-          <a:blip r:embed="rId2">
-            <a:extLst>
-              <a:ext uri="{28A0092B-C50C-407E-A947-70E740481C1C}">
-                <a14:useLocalDpi xmlns:a14="http://schemas.microsoft.com/office/drawing/2010/main" val="0"/>
-              </a:ext>
-              <a:ext uri="{96DAC541-7B7A-43D3-8B79-37D633B846F1}">
-                <asvg:svgBlip xmlns:asvg="http://schemas.microsoft.com/office/drawing/2016/SVG/main" r:embed="rId3"/>
-              </a:ext>
-            </a:extLst>
-          </a:blip>
-          <a:stretch>
-            <a:fillRect/>
-          </a:stretch>
-        </p:blipFill>
-        <p:spPr>
-          <a:xfrm>
-            <a:off x="11078692" y="266700"/>
-            <a:ext cx="1170459" cy="1170459"/>
-          </a:xfrm>
-          <a:prstGeom prst="rect">
-            <a:avLst/>
-          </a:prstGeom>
-        </p:spPr>
-      </p:pic>
-      <p:sp>
-        <p:nvSpPr>
-          <p:cNvPr id="8" name="ZoneTexte 7">
-            <a:extLst>
-              <a:ext uri="{FF2B5EF4-FFF2-40B4-BE49-F238E27FC236}">
-                <a16:creationId xmlns:a16="http://schemas.microsoft.com/office/drawing/2014/main" id="{CDA3B022-3B8D-2B7C-C02F-660DEFB862E6}"/>
-              </a:ext>
-            </a:extLst>
-          </p:cNvPr>
-          <p:cNvSpPr txBox="1"/>
-          <p:nvPr/>
-        </p:nvSpPr>
-        <p:spPr>
-          <a:xfrm>
-            <a:off x="2383971" y="1484388"/>
-            <a:ext cx="8871858" cy="906338"/>
-          </a:xfrm>
-          <a:prstGeom prst="rect">
-            <a:avLst/>
-          </a:prstGeom>
-          <a:noFill/>
-        </p:spPr>
-        <p:txBody>
-          <a:bodyPr wrap="square">
-            <a:spAutoFit/>
-          </a:bodyPr>
-          <a:lstStyle/>
-          <a:p>
-            <a:pPr algn="just">
-              <a:lnSpc>
-                <a:spcPts val="2143"/>
-              </a:lnSpc>
-              <a:spcBef>
-                <a:spcPts val="1029"/>
-              </a:spcBef>
-              <a:spcAft>
-                <a:spcPts val="1029"/>
-              </a:spcAft>
-            </a:pPr>
-            <a:r>
-              <a:rPr lang="fr-FR" sz="2400" b="1" dirty="0">
-                <a:latin typeface="Gill Sans MT" panose="020B0502020104020203" pitchFamily="34" charset="0"/>
-              </a:rPr>
-              <a:t>Disparités territoriales d’accès aux soins en France </a:t>
-            </a:r>
-            <a:r>
-              <a:rPr lang="fr-FR" sz="2400" dirty="0">
-                <a:latin typeface="Gill Sans MT" panose="020B0502020104020203" pitchFamily="34" charset="0"/>
-              </a:rPr>
-              <a:t>(3,9 consultations/an en moyenne, mais </a:t>
-            </a:r>
-            <a:r>
-              <a:rPr lang="fr-FR" sz="2400" b="1" dirty="0">
-                <a:latin typeface="Gill Sans MT" panose="020B0502020104020203" pitchFamily="34" charset="0"/>
-              </a:rPr>
-              <a:t>déserts médicaux en zones rurales</a:t>
-            </a:r>
-            <a:r>
-              <a:rPr lang="fr-FR" sz="2400" dirty="0">
-                <a:latin typeface="Gill Sans MT" panose="020B0502020104020203" pitchFamily="34" charset="0"/>
-              </a:rPr>
-              <a:t>) (INSEE, 2021).</a:t>
-            </a:r>
-          </a:p>
-        </p:txBody>
-      </p:sp>
-      <p:grpSp>
-        <p:nvGrpSpPr>
-          <p:cNvPr id="7" name="Groupe 6">
-            <a:extLst>
-              <a:ext uri="{FF2B5EF4-FFF2-40B4-BE49-F238E27FC236}">
-                <a16:creationId xmlns:a16="http://schemas.microsoft.com/office/drawing/2014/main" id="{FF5EFF40-3651-5EDB-8412-378CD4EF499A}"/>
-              </a:ext>
-            </a:extLst>
-          </p:cNvPr>
-          <p:cNvGrpSpPr/>
-          <p:nvPr/>
-        </p:nvGrpSpPr>
-        <p:grpSpPr>
-          <a:xfrm>
-            <a:off x="152401" y="1506628"/>
-            <a:ext cx="2100942" cy="538782"/>
-            <a:chOff x="1621972" y="1405339"/>
-            <a:chExt cx="2100942" cy="538782"/>
-          </a:xfrm>
-        </p:grpSpPr>
-        <p:sp>
-          <p:nvSpPr>
-            <p:cNvPr id="5" name="Rectangle : coins arrondis 4">
-              <a:extLst>
-                <a:ext uri="{FF2B5EF4-FFF2-40B4-BE49-F238E27FC236}">
-                  <a16:creationId xmlns:a16="http://schemas.microsoft.com/office/drawing/2014/main" id="{E61FF78D-D4B7-8A0E-3A99-B11CA2BF9D35}"/>
-                </a:ext>
-              </a:extLst>
-            </p:cNvPr>
-            <p:cNvSpPr/>
-            <p:nvPr/>
-          </p:nvSpPr>
-          <p:spPr>
-            <a:xfrm>
-              <a:off x="1959429" y="1405339"/>
-              <a:ext cx="1763485" cy="522872"/>
-            </a:xfrm>
-            <a:prstGeom prst="roundRect">
-              <a:avLst>
-                <a:gd name="adj" fmla="val 50000"/>
-              </a:avLst>
-            </a:prstGeom>
-            <a:solidFill>
-              <a:srgbClr val="006A5A"/>
-            </a:solidFill>
-            <a:ln>
-              <a:noFill/>
-            </a:ln>
-          </p:spPr>
-          <p:style>
-            <a:lnRef idx="2">
-              <a:schemeClr val="accent1">
-                <a:shade val="15000"/>
-              </a:schemeClr>
-            </a:lnRef>
-            <a:fillRef idx="1">
-              <a:schemeClr val="accent1"/>
-            </a:fillRef>
-            <a:effectRef idx="0">
-              <a:schemeClr val="accent1"/>
-            </a:effectRef>
-            <a:fontRef idx="minor">
-              <a:schemeClr val="lt1"/>
-            </a:fontRef>
-          </p:style>
-          <p:txBody>
-            <a:bodyPr rtlCol="0" anchor="ctr"/>
-            <a:lstStyle/>
-            <a:p>
-              <a:pPr algn="ctr"/>
-              <a:r>
-                <a:rPr lang="fr-FR" sz="2400" b="1" dirty="0">
-                  <a:latin typeface="Gill Sans MT" panose="020B0502020104020203" pitchFamily="34" charset="0"/>
-                </a:rPr>
-                <a:t>Contexte</a:t>
-              </a:r>
-            </a:p>
-          </p:txBody>
-        </p:sp>
-        <p:sp>
-          <p:nvSpPr>
-            <p:cNvPr id="6" name="Ellipse 5">
-              <a:extLst>
-                <a:ext uri="{FF2B5EF4-FFF2-40B4-BE49-F238E27FC236}">
-                  <a16:creationId xmlns:a16="http://schemas.microsoft.com/office/drawing/2014/main" id="{CC05190E-5C02-D88A-51CD-8B54185D60C5}"/>
-                </a:ext>
-              </a:extLst>
-            </p:cNvPr>
-            <p:cNvSpPr/>
-            <p:nvPr/>
-          </p:nvSpPr>
-          <p:spPr>
-            <a:xfrm>
-              <a:off x="1621972" y="1421249"/>
-              <a:ext cx="522872" cy="522872"/>
-            </a:xfrm>
-            <a:prstGeom prst="ellipse">
-              <a:avLst/>
-            </a:prstGeom>
-            <a:solidFill>
-              <a:schemeClr val="accent2"/>
-            </a:solidFill>
-            <a:ln>
-              <a:noFill/>
-            </a:ln>
-          </p:spPr>
-          <p:style>
-            <a:lnRef idx="2">
-              <a:schemeClr val="accent1">
-                <a:shade val="15000"/>
-              </a:schemeClr>
-            </a:lnRef>
-            <a:fillRef idx="1">
-              <a:schemeClr val="accent1"/>
-            </a:fillRef>
-            <a:effectRef idx="0">
-              <a:schemeClr val="accent1"/>
-            </a:effectRef>
-            <a:fontRef idx="minor">
-              <a:schemeClr val="lt1"/>
-            </a:fontRef>
-          </p:style>
-          <p:txBody>
-            <a:bodyPr rtlCol="0" anchor="ctr"/>
-            <a:lstStyle/>
-            <a:p>
-              <a:pPr algn="ctr"/>
-              <a:endParaRPr lang="fr-FR"/>
-            </a:p>
-          </p:txBody>
-        </p:sp>
-      </p:grpSp>
-      <p:sp>
-        <p:nvSpPr>
-          <p:cNvPr id="15" name="ZoneTexte 14">
-            <a:extLst>
-              <a:ext uri="{FF2B5EF4-FFF2-40B4-BE49-F238E27FC236}">
-                <a16:creationId xmlns:a16="http://schemas.microsoft.com/office/drawing/2014/main" id="{F0CCCD4C-73B8-500E-6EFC-DBF78E6F546F}"/>
-              </a:ext>
-            </a:extLst>
-          </p:cNvPr>
-          <p:cNvSpPr txBox="1"/>
-          <p:nvPr/>
-        </p:nvSpPr>
-        <p:spPr>
-          <a:xfrm>
-            <a:off x="3271035" y="2647574"/>
-            <a:ext cx="7984793" cy="644857"/>
-          </a:xfrm>
-          <a:prstGeom prst="rect">
-            <a:avLst/>
-          </a:prstGeom>
-          <a:noFill/>
-        </p:spPr>
-        <p:txBody>
-          <a:bodyPr wrap="square">
-            <a:spAutoFit/>
-          </a:bodyPr>
-          <a:lstStyle/>
-          <a:p>
-            <a:pPr algn="just">
-              <a:lnSpc>
-                <a:spcPts val="2143"/>
-              </a:lnSpc>
-              <a:spcBef>
-                <a:spcPts val="1029"/>
-              </a:spcBef>
-              <a:spcAft>
-                <a:spcPts val="1029"/>
-              </a:spcAft>
-            </a:pPr>
-            <a:r>
-              <a:rPr lang="fr-FR" sz="2400" b="0" i="0" dirty="0">
-                <a:solidFill>
-                  <a:srgbClr val="404040"/>
-                </a:solidFill>
-                <a:effectLst/>
-                <a:latin typeface="Gill Sans MT" panose="020B0502020104020203" pitchFamily="34" charset="0"/>
-              </a:rPr>
-              <a:t>Identifier les facteurs socio-économiques, démographiques et spatiaux influençant le taux de consultations</a:t>
-            </a:r>
-            <a:endParaRPr lang="fr-FR" sz="2400" dirty="0">
-              <a:latin typeface="Gill Sans MT" panose="020B0502020104020203" pitchFamily="34" charset="0"/>
-            </a:endParaRPr>
-          </a:p>
-        </p:txBody>
-      </p:sp>
-      <p:grpSp>
-        <p:nvGrpSpPr>
-          <p:cNvPr id="19" name="Groupe 18">
-            <a:extLst>
-              <a:ext uri="{FF2B5EF4-FFF2-40B4-BE49-F238E27FC236}">
-                <a16:creationId xmlns:a16="http://schemas.microsoft.com/office/drawing/2014/main" id="{B32077B7-68FF-8583-E5BA-6D4C6199B2FF}"/>
-              </a:ext>
-            </a:extLst>
-          </p:cNvPr>
-          <p:cNvGrpSpPr/>
-          <p:nvPr/>
-        </p:nvGrpSpPr>
-        <p:grpSpPr>
-          <a:xfrm>
-            <a:off x="152401" y="2624966"/>
-            <a:ext cx="2883995" cy="538782"/>
-            <a:chOff x="1621972" y="1405339"/>
-            <a:chExt cx="2883995" cy="538782"/>
-          </a:xfrm>
-        </p:grpSpPr>
-        <p:sp>
-          <p:nvSpPr>
-            <p:cNvPr id="20" name="Rectangle : coins arrondis 19">
-              <a:extLst>
-                <a:ext uri="{FF2B5EF4-FFF2-40B4-BE49-F238E27FC236}">
-                  <a16:creationId xmlns:a16="http://schemas.microsoft.com/office/drawing/2014/main" id="{3F06EF53-242C-6BF9-C239-E6386CD4EE98}"/>
-                </a:ext>
-              </a:extLst>
-            </p:cNvPr>
-            <p:cNvSpPr/>
-            <p:nvPr/>
-          </p:nvSpPr>
-          <p:spPr>
-            <a:xfrm>
-              <a:off x="1959429" y="1405339"/>
-              <a:ext cx="2546538" cy="522872"/>
-            </a:xfrm>
-            <a:prstGeom prst="roundRect">
-              <a:avLst>
-                <a:gd name="adj" fmla="val 50000"/>
-              </a:avLst>
-            </a:prstGeom>
-            <a:solidFill>
-              <a:srgbClr val="006A5A"/>
-            </a:solidFill>
-            <a:ln>
-              <a:noFill/>
-            </a:ln>
-          </p:spPr>
-          <p:style>
-            <a:lnRef idx="2">
-              <a:schemeClr val="accent1">
-                <a:shade val="15000"/>
-              </a:schemeClr>
-            </a:lnRef>
-            <a:fillRef idx="1">
-              <a:schemeClr val="accent1"/>
-            </a:fillRef>
-            <a:effectRef idx="0">
-              <a:schemeClr val="accent1"/>
-            </a:effectRef>
-            <a:fontRef idx="minor">
-              <a:schemeClr val="lt1"/>
-            </a:fontRef>
-          </p:style>
-          <p:txBody>
-            <a:bodyPr rtlCol="0" anchor="ctr"/>
-            <a:lstStyle/>
-            <a:p>
-              <a:pPr algn="ctr"/>
-              <a:r>
-                <a:rPr lang="fr-FR" sz="2400" b="1" dirty="0">
-                  <a:latin typeface="Gill Sans MT" panose="020B0502020104020203" pitchFamily="34" charset="0"/>
-                </a:rPr>
-                <a:t>Problématique</a:t>
-              </a:r>
-            </a:p>
-          </p:txBody>
-        </p:sp>
-        <p:sp>
-          <p:nvSpPr>
-            <p:cNvPr id="21" name="Ellipse 20">
-              <a:extLst>
-                <a:ext uri="{FF2B5EF4-FFF2-40B4-BE49-F238E27FC236}">
-                  <a16:creationId xmlns:a16="http://schemas.microsoft.com/office/drawing/2014/main" id="{FCDD2A58-1E7E-68A5-7E44-A3204A77B173}"/>
-                </a:ext>
-              </a:extLst>
-            </p:cNvPr>
-            <p:cNvSpPr/>
-            <p:nvPr/>
-          </p:nvSpPr>
-          <p:spPr>
-            <a:xfrm>
-              <a:off x="1621972" y="1421249"/>
-              <a:ext cx="522872" cy="522872"/>
-            </a:xfrm>
-            <a:prstGeom prst="ellipse">
-              <a:avLst/>
-            </a:prstGeom>
-            <a:solidFill>
-              <a:schemeClr val="accent2"/>
-            </a:solidFill>
-            <a:ln>
-              <a:noFill/>
-            </a:ln>
-          </p:spPr>
-          <p:style>
-            <a:lnRef idx="2">
-              <a:schemeClr val="accent1">
-                <a:shade val="15000"/>
-              </a:schemeClr>
-            </a:lnRef>
-            <a:fillRef idx="1">
-              <a:schemeClr val="accent1"/>
-            </a:fillRef>
-            <a:effectRef idx="0">
-              <a:schemeClr val="accent1"/>
-            </a:effectRef>
-            <a:fontRef idx="minor">
-              <a:schemeClr val="lt1"/>
-            </a:fontRef>
-          </p:style>
-          <p:txBody>
-            <a:bodyPr rtlCol="0" anchor="ctr"/>
-            <a:lstStyle/>
-            <a:p>
-              <a:pPr algn="ctr"/>
-              <a:endParaRPr lang="fr-FR"/>
-            </a:p>
-          </p:txBody>
-        </p:sp>
-      </p:grpSp>
-      <p:grpSp>
-        <p:nvGrpSpPr>
-          <p:cNvPr id="22" name="Groupe 21">
-            <a:extLst>
-              <a:ext uri="{FF2B5EF4-FFF2-40B4-BE49-F238E27FC236}">
-                <a16:creationId xmlns:a16="http://schemas.microsoft.com/office/drawing/2014/main" id="{D6D82661-F38D-D88D-F8AC-3A6EAB4450B0}"/>
-              </a:ext>
-            </a:extLst>
-          </p:cNvPr>
-          <p:cNvGrpSpPr/>
-          <p:nvPr/>
-        </p:nvGrpSpPr>
-        <p:grpSpPr>
-          <a:xfrm>
-            <a:off x="152401" y="3669997"/>
-            <a:ext cx="2024742" cy="538782"/>
-            <a:chOff x="1621972" y="1405339"/>
-            <a:chExt cx="2024742" cy="538782"/>
-          </a:xfrm>
-        </p:grpSpPr>
-        <p:sp>
-          <p:nvSpPr>
-            <p:cNvPr id="23" name="Rectangle : coins arrondis 22">
-              <a:extLst>
-                <a:ext uri="{FF2B5EF4-FFF2-40B4-BE49-F238E27FC236}">
-                  <a16:creationId xmlns:a16="http://schemas.microsoft.com/office/drawing/2014/main" id="{0B4B3CA1-25EE-0DBC-61A6-EACDC061F948}"/>
-                </a:ext>
-              </a:extLst>
-            </p:cNvPr>
-            <p:cNvSpPr/>
-            <p:nvPr/>
-          </p:nvSpPr>
-          <p:spPr>
-            <a:xfrm>
-              <a:off x="1959429" y="1405339"/>
-              <a:ext cx="1687285" cy="522872"/>
-            </a:xfrm>
-            <a:prstGeom prst="roundRect">
-              <a:avLst>
-                <a:gd name="adj" fmla="val 50000"/>
-              </a:avLst>
-            </a:prstGeom>
-            <a:solidFill>
-              <a:srgbClr val="006A5A"/>
-            </a:solidFill>
-            <a:ln>
-              <a:noFill/>
-            </a:ln>
-          </p:spPr>
-          <p:style>
-            <a:lnRef idx="2">
-              <a:schemeClr val="accent1">
-                <a:shade val="15000"/>
-              </a:schemeClr>
-            </a:lnRef>
-            <a:fillRef idx="1">
-              <a:schemeClr val="accent1"/>
-            </a:fillRef>
-            <a:effectRef idx="0">
-              <a:schemeClr val="accent1"/>
-            </a:effectRef>
-            <a:fontRef idx="minor">
-              <a:schemeClr val="lt1"/>
-            </a:fontRef>
-          </p:style>
-          <p:txBody>
-            <a:bodyPr rtlCol="0" anchor="ctr"/>
-            <a:lstStyle/>
-            <a:p>
-              <a:pPr algn="ctr"/>
-              <a:r>
-                <a:rPr lang="fr-FR" sz="2400" b="1" dirty="0">
-                  <a:latin typeface="Gill Sans MT" panose="020B0502020104020203" pitchFamily="34" charset="0"/>
-                </a:rPr>
-                <a:t>Objectifs</a:t>
-              </a:r>
-            </a:p>
-          </p:txBody>
-        </p:sp>
-        <p:sp>
-          <p:nvSpPr>
-            <p:cNvPr id="24" name="Ellipse 23">
-              <a:extLst>
-                <a:ext uri="{FF2B5EF4-FFF2-40B4-BE49-F238E27FC236}">
-                  <a16:creationId xmlns:a16="http://schemas.microsoft.com/office/drawing/2014/main" id="{14B93CAC-4DFB-F0BB-8646-C8C6109CC018}"/>
-                </a:ext>
-              </a:extLst>
-            </p:cNvPr>
-            <p:cNvSpPr/>
-            <p:nvPr/>
-          </p:nvSpPr>
-          <p:spPr>
-            <a:xfrm>
-              <a:off x="1621972" y="1421249"/>
-              <a:ext cx="522872" cy="522872"/>
-            </a:xfrm>
-            <a:prstGeom prst="ellipse">
-              <a:avLst/>
-            </a:prstGeom>
-            <a:solidFill>
-              <a:schemeClr val="accent2"/>
-            </a:solidFill>
-            <a:ln>
-              <a:noFill/>
-            </a:ln>
-          </p:spPr>
-          <p:style>
-            <a:lnRef idx="2">
-              <a:schemeClr val="accent1">
-                <a:shade val="15000"/>
-              </a:schemeClr>
-            </a:lnRef>
-            <a:fillRef idx="1">
-              <a:schemeClr val="accent1"/>
-            </a:fillRef>
-            <a:effectRef idx="0">
-              <a:schemeClr val="accent1"/>
-            </a:effectRef>
-            <a:fontRef idx="minor">
-              <a:schemeClr val="lt1"/>
-            </a:fontRef>
-          </p:style>
-          <p:txBody>
-            <a:bodyPr rtlCol="0" anchor="ctr"/>
-            <a:lstStyle/>
-            <a:p>
-              <a:pPr algn="ctr"/>
-              <a:endParaRPr lang="fr-FR"/>
-            </a:p>
-          </p:txBody>
-        </p:sp>
-      </p:grpSp>
-      <p:sp>
-        <p:nvSpPr>
-          <p:cNvPr id="25" name="ZoneTexte 24">
-            <a:extLst>
-              <a:ext uri="{FF2B5EF4-FFF2-40B4-BE49-F238E27FC236}">
-                <a16:creationId xmlns:a16="http://schemas.microsoft.com/office/drawing/2014/main" id="{5272EEDB-5531-D0B6-EBD6-2438CB98641A}"/>
-              </a:ext>
-            </a:extLst>
-          </p:cNvPr>
-          <p:cNvSpPr txBox="1"/>
-          <p:nvPr/>
-        </p:nvSpPr>
-        <p:spPr>
-          <a:xfrm>
-            <a:off x="1997528" y="3847080"/>
-            <a:ext cx="8392885" cy="367729"/>
-          </a:xfrm>
-          <a:prstGeom prst="rect">
-            <a:avLst/>
-          </a:prstGeom>
-          <a:noFill/>
-        </p:spPr>
-        <p:txBody>
-          <a:bodyPr wrap="square">
-            <a:spAutoFit/>
-          </a:bodyPr>
-          <a:lstStyle/>
-          <a:p>
-            <a:pPr lvl="1" algn="ctr">
-              <a:lnSpc>
-                <a:spcPts val="2143"/>
-              </a:lnSpc>
-              <a:spcBef>
-                <a:spcPts val="300"/>
-              </a:spcBef>
-              <a:spcAft>
-                <a:spcPts val="1029"/>
-              </a:spcAft>
-            </a:pPr>
-            <a:r>
-              <a:rPr lang="fr-FR" sz="2400" b="0" i="0" dirty="0">
-                <a:solidFill>
-                  <a:srgbClr val="404040"/>
-                </a:solidFill>
-                <a:effectLst/>
-                <a:latin typeface="Gill Sans MT" panose="020B0502020104020203" pitchFamily="34" charset="0"/>
-              </a:rPr>
-              <a:t>Modéliser le taux de consultations avec une approche spatiale.</a:t>
-            </a:r>
-          </a:p>
-        </p:txBody>
-      </p:sp>
-      <p:sp>
-        <p:nvSpPr>
-          <p:cNvPr id="28" name="Rectangle : coins arrondis 27">
-            <a:extLst>
-              <a:ext uri="{FF2B5EF4-FFF2-40B4-BE49-F238E27FC236}">
-                <a16:creationId xmlns:a16="http://schemas.microsoft.com/office/drawing/2014/main" id="{24C3065A-1C45-96EA-E252-8CF3DCA501CC}"/>
-              </a:ext>
-            </a:extLst>
-          </p:cNvPr>
-          <p:cNvSpPr/>
-          <p:nvPr/>
-        </p:nvSpPr>
-        <p:spPr>
-          <a:xfrm>
-            <a:off x="2177143" y="4354905"/>
-            <a:ext cx="8599713" cy="2209181"/>
-          </a:xfrm>
-          <a:prstGeom prst="roundRect">
-            <a:avLst>
-              <a:gd name="adj" fmla="val 25536"/>
-            </a:avLst>
-          </a:prstGeom>
-          <a:noFill/>
-          <a:ln w="38100">
-            <a:solidFill>
-              <a:srgbClr val="006A5A"/>
-            </a:solidFill>
-          </a:ln>
-        </p:spPr>
-        <p:style>
-          <a:lnRef idx="2">
-            <a:schemeClr val="accent1">
-              <a:shade val="15000"/>
-            </a:schemeClr>
-          </a:lnRef>
-          <a:fillRef idx="1">
-            <a:schemeClr val="accent1"/>
-          </a:fillRef>
-          <a:effectRef idx="0">
-            <a:schemeClr val="accent1"/>
-          </a:effectRef>
-          <a:fontRef idx="minor">
-            <a:schemeClr val="lt1"/>
-          </a:fontRef>
-        </p:style>
-        <p:txBody>
-          <a:bodyPr rtlCol="0" anchor="ctr"/>
-          <a:lstStyle/>
-          <a:p>
-            <a:pPr algn="ctr"/>
-            <a:endParaRPr lang="fr-FR"/>
-          </a:p>
-        </p:txBody>
-      </p:sp>
-      <p:sp>
-        <p:nvSpPr>
-          <p:cNvPr id="29" name="ZoneTexte 28">
-            <a:extLst>
-              <a:ext uri="{FF2B5EF4-FFF2-40B4-BE49-F238E27FC236}">
-                <a16:creationId xmlns:a16="http://schemas.microsoft.com/office/drawing/2014/main" id="{7C997150-358C-394F-6876-D61E7CFCA646}"/>
-              </a:ext>
-            </a:extLst>
-          </p:cNvPr>
-          <p:cNvSpPr txBox="1"/>
-          <p:nvPr/>
-        </p:nvSpPr>
-        <p:spPr>
-          <a:xfrm>
-            <a:off x="1894115" y="4559633"/>
-            <a:ext cx="8599712" cy="1799723"/>
-          </a:xfrm>
-          <a:prstGeom prst="rect">
-            <a:avLst/>
-          </a:prstGeom>
-          <a:noFill/>
-        </p:spPr>
-        <p:txBody>
-          <a:bodyPr wrap="square">
-            <a:spAutoFit/>
-          </a:bodyPr>
-          <a:lstStyle/>
-          <a:p>
-            <a:pPr marL="914400" lvl="1" indent="-457200" algn="just">
-              <a:lnSpc>
-                <a:spcPts val="2143"/>
-              </a:lnSpc>
-              <a:spcBef>
-                <a:spcPts val="300"/>
-              </a:spcBef>
-              <a:spcAft>
-                <a:spcPts val="1029"/>
-              </a:spcAft>
-              <a:buFont typeface="+mj-lt"/>
-              <a:buAutoNum type="arabicPeriod"/>
-            </a:pPr>
-            <a:r>
-              <a:rPr lang="fr-FR" sz="2400" dirty="0">
-                <a:solidFill>
-                  <a:srgbClr val="404040"/>
-                </a:solidFill>
-                <a:latin typeface="Gill Sans MT" panose="020B0502020104020203" pitchFamily="34" charset="0"/>
-              </a:rPr>
-              <a:t>Visualiser la répartition spatiale de ces taux en vue d’identifier les zones à fort et faible taux</a:t>
-            </a:r>
-          </a:p>
-          <a:p>
-            <a:pPr marL="914400" lvl="1" indent="-457200" algn="just">
-              <a:lnSpc>
-                <a:spcPts val="2143"/>
-              </a:lnSpc>
-              <a:spcBef>
-                <a:spcPts val="300"/>
-              </a:spcBef>
-              <a:spcAft>
-                <a:spcPts val="1029"/>
-              </a:spcAft>
-              <a:buFont typeface="+mj-lt"/>
-              <a:buAutoNum type="arabicPeriod"/>
-            </a:pPr>
-            <a:r>
-              <a:rPr lang="fr-FR" sz="2400" dirty="0">
-                <a:latin typeface="Gill Sans MT" panose="020B0502020104020203" pitchFamily="34" charset="0"/>
-              </a:rPr>
-              <a:t>Identifier les facteurs socio-économiques et démographiques qui influencent le taux de consultations</a:t>
-            </a:r>
-          </a:p>
-          <a:p>
-            <a:pPr marL="914400" lvl="1" indent="-457200" algn="just">
-              <a:lnSpc>
-                <a:spcPts val="2143"/>
-              </a:lnSpc>
-              <a:spcBef>
-                <a:spcPts val="300"/>
-              </a:spcBef>
-              <a:spcAft>
-                <a:spcPts val="1029"/>
-              </a:spcAft>
-              <a:buFont typeface="+mj-lt"/>
-              <a:buAutoNum type="arabicPeriod"/>
-            </a:pPr>
-            <a:r>
-              <a:rPr lang="fr-FR" sz="2400" b="0" i="0" dirty="0">
-                <a:solidFill>
-                  <a:srgbClr val="404040"/>
-                </a:solidFill>
-                <a:effectLst/>
-                <a:latin typeface="Gill Sans MT" panose="020B0502020104020203" pitchFamily="34" charset="0"/>
-              </a:rPr>
-              <a:t>Proposer des recommandations pour réduire les inégalités.</a:t>
-            </a:r>
-          </a:p>
-        </p:txBody>
-      </p:sp>
-    </p:spTree>
-    <p:extLst>
-      <p:ext uri="{BB962C8B-B14F-4D97-AF65-F5344CB8AC3E}">
-        <p14:creationId xmlns:p14="http://schemas.microsoft.com/office/powerpoint/2010/main" val="413827849"/>
-      </p:ext>
-    </p:extLst>
-  </p:cSld>
-  <p:clrMapOvr>
-    <a:masterClrMapping/>
-  </p:clrMapOvr>
-</p:sld>
-</file>
-
-<file path=ppt/slides/slide30.xml><?xml version="1.0" encoding="utf-8"?>
+<file path=ppt/slides/slide27.xml><?xml version="1.0" encoding="utf-8"?>
 <p:sld xmlns:a="http://schemas.openxmlformats.org/drawingml/2006/main" xmlns:r="http://schemas.openxmlformats.org/officeDocument/2006/relationships" xmlns:p="http://schemas.openxmlformats.org/presentationml/2006/main">
   <p:cSld>
     <p:spTree>
@@ -16340,7 +14730,7 @@
             <a:fld id="{F546B7B7-7D14-4795-A998-350CFB2BDD43}" type="slidenum">
               <a:rPr lang="fr-FR" smtClean="0"/>
               <a:pPr/>
-              <a:t>30</a:t>
+              <a:t>27</a:t>
             </a:fld>
             <a:endParaRPr lang="fr-FR"/>
           </a:p>
@@ -16359,7 +14749,7 @@
 </p:sld>
 </file>
 
-<file path=ppt/slides/slide31.xml><?xml version="1.0" encoding="utf-8"?>
+<file path=ppt/slides/slide28.xml><?xml version="1.0" encoding="utf-8"?>
 <p:sld xmlns:a="http://schemas.openxmlformats.org/drawingml/2006/main" xmlns:r="http://schemas.openxmlformats.org/officeDocument/2006/relationships" xmlns:p="http://schemas.openxmlformats.org/presentationml/2006/main">
   <p:cSld>
     <p:spTree>
@@ -16411,7 +14801,7 @@
             <a:fld id="{F546B7B7-7D14-4795-A998-350CFB2BDD43}" type="slidenum">
               <a:rPr lang="fr-FR" smtClean="0"/>
               <a:pPr/>
-              <a:t>31</a:t>
+              <a:t>28</a:t>
             </a:fld>
             <a:endParaRPr lang="fr-FR" dirty="0"/>
           </a:p>
@@ -16931,7 +15321,7 @@
                 <a:rPr lang="fr-FR" sz="2800" dirty="0">
                   <a:latin typeface="Gill Sans MT" panose="020B0502020104020203" pitchFamily="34" charset="0"/>
                 </a:rPr>
-                <a:t>Effets de débordement spatial</a:t>
+                <a:t>Inégalités territoriales</a:t>
               </a:r>
             </a:p>
           </p:txBody>
@@ -16950,7 +15340,7 @@
 </p:sld>
 </file>
 
-<file path=ppt/slides/slide32.xml><?xml version="1.0" encoding="utf-8"?>
+<file path=ppt/slides/slide29.xml><?xml version="1.0" encoding="utf-8"?>
 <p:sld xmlns:a="http://schemas.openxmlformats.org/drawingml/2006/main" xmlns:r="http://schemas.openxmlformats.org/officeDocument/2006/relationships" xmlns:p="http://schemas.openxmlformats.org/presentationml/2006/main">
   <p:cSld>
     <p:spTree>
@@ -17002,7 +15392,7 @@
             <a:fld id="{F546B7B7-7D14-4795-A998-350CFB2BDD43}" type="slidenum">
               <a:rPr lang="fr-FR" smtClean="0"/>
               <a:pPr/>
-              <a:t>32</a:t>
+              <a:t>29</a:t>
             </a:fld>
             <a:endParaRPr lang="fr-FR" dirty="0"/>
           </a:p>
@@ -17625,7 +16015,875 @@
 </p:sld>
 </file>
 
-<file path=ppt/slides/slide33.xml><?xml version="1.0" encoding="utf-8"?>
+<file path=ppt/slides/slide3.xml><?xml version="1.0" encoding="utf-8"?>
+<p:sld xmlns:a="http://schemas.openxmlformats.org/drawingml/2006/main" xmlns:r="http://schemas.openxmlformats.org/officeDocument/2006/relationships" xmlns:p="http://schemas.openxmlformats.org/presentationml/2006/main">
+  <p:cSld>
+    <p:spTree>
+      <p:nvGrpSpPr>
+        <p:cNvPr id="1" name=""/>
+        <p:cNvGrpSpPr/>
+        <p:nvPr/>
+      </p:nvGrpSpPr>
+      <p:grpSpPr>
+        <a:xfrm>
+          <a:off x="0" y="0"/>
+          <a:ext cx="0" cy="0"/>
+          <a:chOff x="0" y="0"/>
+          <a:chExt cx="0" cy="0"/>
+        </a:xfrm>
+      </p:grpSpPr>
+      <p:sp>
+        <p:nvSpPr>
+          <p:cNvPr id="3" name="Espace réservé du numéro de diapositive 2">
+            <a:extLst>
+              <a:ext uri="{FF2B5EF4-FFF2-40B4-BE49-F238E27FC236}">
+                <a16:creationId xmlns:a16="http://schemas.microsoft.com/office/drawing/2014/main" id="{68EEE016-1B4D-27DD-4ADA-3B73EB64F3E1}"/>
+              </a:ext>
+            </a:extLst>
+          </p:cNvPr>
+          <p:cNvSpPr>
+            <a:spLocks noGrp="1"/>
+          </p:cNvSpPr>
+          <p:nvPr>
+            <p:ph type="sldNum" sz="quarter" idx="4"/>
+          </p:nvPr>
+        </p:nvSpPr>
+        <p:spPr>
+          <a:xfrm>
+            <a:off x="8610600" y="6356350"/>
+            <a:ext cx="2743200" cy="365125"/>
+          </a:xfrm>
+        </p:spPr>
+        <p:txBody>
+          <a:bodyPr/>
+          <a:lstStyle/>
+          <a:p>
+            <a:fld id="{F546B7B7-7D14-4795-A998-350CFB2BDD43}" type="slidenum">
+              <a:rPr lang="fr-FR" smtClean="0"/>
+              <a:pPr/>
+              <a:t>3</a:t>
+            </a:fld>
+            <a:endParaRPr lang="fr-FR" dirty="0"/>
+          </a:p>
+        </p:txBody>
+      </p:sp>
+      <p:sp>
+        <p:nvSpPr>
+          <p:cNvPr id="2" name="ZoneTexte 1">
+            <a:extLst>
+              <a:ext uri="{FF2B5EF4-FFF2-40B4-BE49-F238E27FC236}">
+                <a16:creationId xmlns:a16="http://schemas.microsoft.com/office/drawing/2014/main" id="{0A4C5EA5-8EC5-BD2E-0FB5-DC298C4E156C}"/>
+              </a:ext>
+            </a:extLst>
+          </p:cNvPr>
+          <p:cNvSpPr txBox="1"/>
+          <p:nvPr/>
+        </p:nvSpPr>
+        <p:spPr>
+          <a:xfrm>
+            <a:off x="2" y="532969"/>
+            <a:ext cx="12191999" cy="646331"/>
+          </a:xfrm>
+          <a:prstGeom prst="rect">
+            <a:avLst/>
+          </a:prstGeom>
+          <a:solidFill>
+            <a:srgbClr val="006A5A"/>
+          </a:solidFill>
+        </p:spPr>
+        <p:txBody>
+          <a:bodyPr wrap="square" rtlCol="0">
+            <a:spAutoFit/>
+          </a:bodyPr>
+          <a:lstStyle/>
+          <a:p>
+            <a:r>
+              <a:rPr lang="fr-FR" sz="3600" b="1" dirty="0">
+                <a:solidFill>
+                  <a:schemeClr val="bg1"/>
+                </a:solidFill>
+                <a:latin typeface="Gill Sans MT" panose="020B0502020104020203" pitchFamily="34" charset="0"/>
+              </a:rPr>
+              <a:t>Introduction</a:t>
+            </a:r>
+          </a:p>
+        </p:txBody>
+      </p:sp>
+      <p:pic>
+        <p:nvPicPr>
+          <p:cNvPr id="4" name="Graphique 3" descr="Flèches de chevron">
+            <a:extLst>
+              <a:ext uri="{FF2B5EF4-FFF2-40B4-BE49-F238E27FC236}">
+                <a16:creationId xmlns:a16="http://schemas.microsoft.com/office/drawing/2014/main" id="{358D0F2A-5D55-3BCA-A5C6-BEE40DA79E83}"/>
+              </a:ext>
+            </a:extLst>
+          </p:cNvPr>
+          <p:cNvPicPr>
+            <a:picLocks noChangeAspect="1"/>
+          </p:cNvPicPr>
+          <p:nvPr/>
+        </p:nvPicPr>
+        <p:blipFill>
+          <a:blip r:embed="rId2">
+            <a:extLst>
+              <a:ext uri="{28A0092B-C50C-407E-A947-70E740481C1C}">
+                <a14:useLocalDpi xmlns:a14="http://schemas.microsoft.com/office/drawing/2010/main" val="0"/>
+              </a:ext>
+              <a:ext uri="{96DAC541-7B7A-43D3-8B79-37D633B846F1}">
+                <asvg:svgBlip xmlns:asvg="http://schemas.microsoft.com/office/drawing/2016/SVG/main" r:embed="rId3"/>
+              </a:ext>
+            </a:extLst>
+          </a:blip>
+          <a:stretch>
+            <a:fillRect/>
+          </a:stretch>
+        </p:blipFill>
+        <p:spPr>
+          <a:xfrm>
+            <a:off x="11078692" y="266700"/>
+            <a:ext cx="1170459" cy="1170459"/>
+          </a:xfrm>
+          <a:prstGeom prst="rect">
+            <a:avLst/>
+          </a:prstGeom>
+        </p:spPr>
+      </p:pic>
+      <p:sp>
+        <p:nvSpPr>
+          <p:cNvPr id="8" name="ZoneTexte 7">
+            <a:extLst>
+              <a:ext uri="{FF2B5EF4-FFF2-40B4-BE49-F238E27FC236}">
+                <a16:creationId xmlns:a16="http://schemas.microsoft.com/office/drawing/2014/main" id="{CDA3B022-3B8D-2B7C-C02F-660DEFB862E6}"/>
+              </a:ext>
+            </a:extLst>
+          </p:cNvPr>
+          <p:cNvSpPr txBox="1"/>
+          <p:nvPr/>
+        </p:nvSpPr>
+        <p:spPr>
+          <a:xfrm>
+            <a:off x="2383971" y="1484388"/>
+            <a:ext cx="8871858" cy="906338"/>
+          </a:xfrm>
+          <a:prstGeom prst="rect">
+            <a:avLst/>
+          </a:prstGeom>
+          <a:noFill/>
+        </p:spPr>
+        <p:txBody>
+          <a:bodyPr wrap="square">
+            <a:spAutoFit/>
+          </a:bodyPr>
+          <a:lstStyle/>
+          <a:p>
+            <a:pPr algn="just">
+              <a:lnSpc>
+                <a:spcPts val="2143"/>
+              </a:lnSpc>
+              <a:spcBef>
+                <a:spcPts val="1029"/>
+              </a:spcBef>
+              <a:spcAft>
+                <a:spcPts val="1029"/>
+              </a:spcAft>
+            </a:pPr>
+            <a:r>
+              <a:rPr lang="fr-FR" sz="2400" b="1" dirty="0">
+                <a:latin typeface="Gill Sans MT" panose="020B0502020104020203" pitchFamily="34" charset="0"/>
+              </a:rPr>
+              <a:t>Disparités territoriales d’accès aux soins en France </a:t>
+            </a:r>
+            <a:r>
+              <a:rPr lang="fr-FR" sz="2400" dirty="0">
+                <a:latin typeface="Gill Sans MT" panose="020B0502020104020203" pitchFamily="34" charset="0"/>
+              </a:rPr>
+              <a:t>(3,9 consultations/an en moyenne, mais </a:t>
+            </a:r>
+            <a:r>
+              <a:rPr lang="fr-FR" sz="2400" b="1" dirty="0">
+                <a:latin typeface="Gill Sans MT" panose="020B0502020104020203" pitchFamily="34" charset="0"/>
+              </a:rPr>
+              <a:t>déserts médicaux en zones rurales</a:t>
+            </a:r>
+            <a:r>
+              <a:rPr lang="fr-FR" sz="2400" dirty="0">
+                <a:latin typeface="Gill Sans MT" panose="020B0502020104020203" pitchFamily="34" charset="0"/>
+              </a:rPr>
+              <a:t>) (INSEE, 2021).</a:t>
+            </a:r>
+          </a:p>
+        </p:txBody>
+      </p:sp>
+      <p:grpSp>
+        <p:nvGrpSpPr>
+          <p:cNvPr id="7" name="Groupe 6">
+            <a:extLst>
+              <a:ext uri="{FF2B5EF4-FFF2-40B4-BE49-F238E27FC236}">
+                <a16:creationId xmlns:a16="http://schemas.microsoft.com/office/drawing/2014/main" id="{FF5EFF40-3651-5EDB-8412-378CD4EF499A}"/>
+              </a:ext>
+            </a:extLst>
+          </p:cNvPr>
+          <p:cNvGrpSpPr/>
+          <p:nvPr/>
+        </p:nvGrpSpPr>
+        <p:grpSpPr>
+          <a:xfrm>
+            <a:off x="152401" y="1506628"/>
+            <a:ext cx="2100942" cy="538782"/>
+            <a:chOff x="1621972" y="1405339"/>
+            <a:chExt cx="2100942" cy="538782"/>
+          </a:xfrm>
+        </p:grpSpPr>
+        <p:sp>
+          <p:nvSpPr>
+            <p:cNvPr id="5" name="Rectangle : coins arrondis 4">
+              <a:extLst>
+                <a:ext uri="{FF2B5EF4-FFF2-40B4-BE49-F238E27FC236}">
+                  <a16:creationId xmlns:a16="http://schemas.microsoft.com/office/drawing/2014/main" id="{E61FF78D-D4B7-8A0E-3A99-B11CA2BF9D35}"/>
+                </a:ext>
+              </a:extLst>
+            </p:cNvPr>
+            <p:cNvSpPr/>
+            <p:nvPr/>
+          </p:nvSpPr>
+          <p:spPr>
+            <a:xfrm>
+              <a:off x="1959429" y="1405339"/>
+              <a:ext cx="1763485" cy="522872"/>
+            </a:xfrm>
+            <a:prstGeom prst="roundRect">
+              <a:avLst>
+                <a:gd name="adj" fmla="val 50000"/>
+              </a:avLst>
+            </a:prstGeom>
+            <a:solidFill>
+              <a:srgbClr val="006A5A"/>
+            </a:solidFill>
+            <a:ln>
+              <a:noFill/>
+            </a:ln>
+          </p:spPr>
+          <p:style>
+            <a:lnRef idx="2">
+              <a:schemeClr val="accent1">
+                <a:shade val="15000"/>
+              </a:schemeClr>
+            </a:lnRef>
+            <a:fillRef idx="1">
+              <a:schemeClr val="accent1"/>
+            </a:fillRef>
+            <a:effectRef idx="0">
+              <a:schemeClr val="accent1"/>
+            </a:effectRef>
+            <a:fontRef idx="minor">
+              <a:schemeClr val="lt1"/>
+            </a:fontRef>
+          </p:style>
+          <p:txBody>
+            <a:bodyPr rtlCol="0" anchor="ctr"/>
+            <a:lstStyle/>
+            <a:p>
+              <a:pPr algn="ctr"/>
+              <a:r>
+                <a:rPr lang="fr-FR" sz="2400" b="1" dirty="0">
+                  <a:latin typeface="Gill Sans MT" panose="020B0502020104020203" pitchFamily="34" charset="0"/>
+                </a:rPr>
+                <a:t>Contexte</a:t>
+              </a:r>
+            </a:p>
+          </p:txBody>
+        </p:sp>
+        <p:sp>
+          <p:nvSpPr>
+            <p:cNvPr id="6" name="Ellipse 5">
+              <a:extLst>
+                <a:ext uri="{FF2B5EF4-FFF2-40B4-BE49-F238E27FC236}">
+                  <a16:creationId xmlns:a16="http://schemas.microsoft.com/office/drawing/2014/main" id="{CC05190E-5C02-D88A-51CD-8B54185D60C5}"/>
+                </a:ext>
+              </a:extLst>
+            </p:cNvPr>
+            <p:cNvSpPr/>
+            <p:nvPr/>
+          </p:nvSpPr>
+          <p:spPr>
+            <a:xfrm>
+              <a:off x="1621972" y="1421249"/>
+              <a:ext cx="522872" cy="522872"/>
+            </a:xfrm>
+            <a:prstGeom prst="ellipse">
+              <a:avLst/>
+            </a:prstGeom>
+            <a:solidFill>
+              <a:schemeClr val="accent2"/>
+            </a:solidFill>
+            <a:ln>
+              <a:noFill/>
+            </a:ln>
+          </p:spPr>
+          <p:style>
+            <a:lnRef idx="2">
+              <a:schemeClr val="accent1">
+                <a:shade val="15000"/>
+              </a:schemeClr>
+            </a:lnRef>
+            <a:fillRef idx="1">
+              <a:schemeClr val="accent1"/>
+            </a:fillRef>
+            <a:effectRef idx="0">
+              <a:schemeClr val="accent1"/>
+            </a:effectRef>
+            <a:fontRef idx="minor">
+              <a:schemeClr val="lt1"/>
+            </a:fontRef>
+          </p:style>
+          <p:txBody>
+            <a:bodyPr rtlCol="0" anchor="ctr"/>
+            <a:lstStyle/>
+            <a:p>
+              <a:pPr algn="ctr"/>
+              <a:endParaRPr lang="fr-FR"/>
+            </a:p>
+          </p:txBody>
+        </p:sp>
+      </p:grpSp>
+      <p:sp>
+        <p:nvSpPr>
+          <p:cNvPr id="15" name="ZoneTexte 14">
+            <a:extLst>
+              <a:ext uri="{FF2B5EF4-FFF2-40B4-BE49-F238E27FC236}">
+                <a16:creationId xmlns:a16="http://schemas.microsoft.com/office/drawing/2014/main" id="{F0CCCD4C-73B8-500E-6EFC-DBF78E6F546F}"/>
+              </a:ext>
+            </a:extLst>
+          </p:cNvPr>
+          <p:cNvSpPr txBox="1"/>
+          <p:nvPr/>
+        </p:nvSpPr>
+        <p:spPr>
+          <a:xfrm>
+            <a:off x="3271035" y="2647574"/>
+            <a:ext cx="7984793" cy="644857"/>
+          </a:xfrm>
+          <a:prstGeom prst="rect">
+            <a:avLst/>
+          </a:prstGeom>
+          <a:noFill/>
+        </p:spPr>
+        <p:txBody>
+          <a:bodyPr wrap="square">
+            <a:spAutoFit/>
+          </a:bodyPr>
+          <a:lstStyle/>
+          <a:p>
+            <a:pPr algn="just">
+              <a:lnSpc>
+                <a:spcPts val="2143"/>
+              </a:lnSpc>
+              <a:spcBef>
+                <a:spcPts val="1029"/>
+              </a:spcBef>
+              <a:spcAft>
+                <a:spcPts val="1029"/>
+              </a:spcAft>
+            </a:pPr>
+            <a:r>
+              <a:rPr lang="fr-FR" sz="2400" b="0" i="0" dirty="0">
+                <a:solidFill>
+                  <a:srgbClr val="404040"/>
+                </a:solidFill>
+                <a:effectLst/>
+                <a:latin typeface="Gill Sans MT" panose="020B0502020104020203" pitchFamily="34" charset="0"/>
+              </a:rPr>
+              <a:t>Identifier les facteurs socio-économiques, démographiques et spatiaux influençant le taux de consultations</a:t>
+            </a:r>
+            <a:endParaRPr lang="fr-FR" sz="2400" dirty="0">
+              <a:latin typeface="Gill Sans MT" panose="020B0502020104020203" pitchFamily="34" charset="0"/>
+            </a:endParaRPr>
+          </a:p>
+        </p:txBody>
+      </p:sp>
+      <p:grpSp>
+        <p:nvGrpSpPr>
+          <p:cNvPr id="19" name="Groupe 18">
+            <a:extLst>
+              <a:ext uri="{FF2B5EF4-FFF2-40B4-BE49-F238E27FC236}">
+                <a16:creationId xmlns:a16="http://schemas.microsoft.com/office/drawing/2014/main" id="{B32077B7-68FF-8583-E5BA-6D4C6199B2FF}"/>
+              </a:ext>
+            </a:extLst>
+          </p:cNvPr>
+          <p:cNvGrpSpPr/>
+          <p:nvPr/>
+        </p:nvGrpSpPr>
+        <p:grpSpPr>
+          <a:xfrm>
+            <a:off x="152401" y="2624966"/>
+            <a:ext cx="2883995" cy="538782"/>
+            <a:chOff x="1621972" y="1405339"/>
+            <a:chExt cx="2883995" cy="538782"/>
+          </a:xfrm>
+        </p:grpSpPr>
+        <p:sp>
+          <p:nvSpPr>
+            <p:cNvPr id="20" name="Rectangle : coins arrondis 19">
+              <a:extLst>
+                <a:ext uri="{FF2B5EF4-FFF2-40B4-BE49-F238E27FC236}">
+                  <a16:creationId xmlns:a16="http://schemas.microsoft.com/office/drawing/2014/main" id="{3F06EF53-242C-6BF9-C239-E6386CD4EE98}"/>
+                </a:ext>
+              </a:extLst>
+            </p:cNvPr>
+            <p:cNvSpPr/>
+            <p:nvPr/>
+          </p:nvSpPr>
+          <p:spPr>
+            <a:xfrm>
+              <a:off x="1959429" y="1405339"/>
+              <a:ext cx="2546538" cy="522872"/>
+            </a:xfrm>
+            <a:prstGeom prst="roundRect">
+              <a:avLst>
+                <a:gd name="adj" fmla="val 50000"/>
+              </a:avLst>
+            </a:prstGeom>
+            <a:solidFill>
+              <a:srgbClr val="006A5A"/>
+            </a:solidFill>
+            <a:ln>
+              <a:noFill/>
+            </a:ln>
+          </p:spPr>
+          <p:style>
+            <a:lnRef idx="2">
+              <a:schemeClr val="accent1">
+                <a:shade val="15000"/>
+              </a:schemeClr>
+            </a:lnRef>
+            <a:fillRef idx="1">
+              <a:schemeClr val="accent1"/>
+            </a:fillRef>
+            <a:effectRef idx="0">
+              <a:schemeClr val="accent1"/>
+            </a:effectRef>
+            <a:fontRef idx="minor">
+              <a:schemeClr val="lt1"/>
+            </a:fontRef>
+          </p:style>
+          <p:txBody>
+            <a:bodyPr rtlCol="0" anchor="ctr"/>
+            <a:lstStyle/>
+            <a:p>
+              <a:pPr algn="ctr"/>
+              <a:r>
+                <a:rPr lang="fr-FR" sz="2400" b="1" dirty="0">
+                  <a:latin typeface="Gill Sans MT" panose="020B0502020104020203" pitchFamily="34" charset="0"/>
+                </a:rPr>
+                <a:t>Problématique</a:t>
+              </a:r>
+            </a:p>
+          </p:txBody>
+        </p:sp>
+        <p:sp>
+          <p:nvSpPr>
+            <p:cNvPr id="21" name="Ellipse 20">
+              <a:extLst>
+                <a:ext uri="{FF2B5EF4-FFF2-40B4-BE49-F238E27FC236}">
+                  <a16:creationId xmlns:a16="http://schemas.microsoft.com/office/drawing/2014/main" id="{FCDD2A58-1E7E-68A5-7E44-A3204A77B173}"/>
+                </a:ext>
+              </a:extLst>
+            </p:cNvPr>
+            <p:cNvSpPr/>
+            <p:nvPr/>
+          </p:nvSpPr>
+          <p:spPr>
+            <a:xfrm>
+              <a:off x="1621972" y="1421249"/>
+              <a:ext cx="522872" cy="522872"/>
+            </a:xfrm>
+            <a:prstGeom prst="ellipse">
+              <a:avLst/>
+            </a:prstGeom>
+            <a:solidFill>
+              <a:schemeClr val="accent2"/>
+            </a:solidFill>
+            <a:ln>
+              <a:noFill/>
+            </a:ln>
+          </p:spPr>
+          <p:style>
+            <a:lnRef idx="2">
+              <a:schemeClr val="accent1">
+                <a:shade val="15000"/>
+              </a:schemeClr>
+            </a:lnRef>
+            <a:fillRef idx="1">
+              <a:schemeClr val="accent1"/>
+            </a:fillRef>
+            <a:effectRef idx="0">
+              <a:schemeClr val="accent1"/>
+            </a:effectRef>
+            <a:fontRef idx="minor">
+              <a:schemeClr val="lt1"/>
+            </a:fontRef>
+          </p:style>
+          <p:txBody>
+            <a:bodyPr rtlCol="0" anchor="ctr"/>
+            <a:lstStyle/>
+            <a:p>
+              <a:pPr algn="ctr"/>
+              <a:endParaRPr lang="fr-FR"/>
+            </a:p>
+          </p:txBody>
+        </p:sp>
+      </p:grpSp>
+      <p:grpSp>
+        <p:nvGrpSpPr>
+          <p:cNvPr id="22" name="Groupe 21">
+            <a:extLst>
+              <a:ext uri="{FF2B5EF4-FFF2-40B4-BE49-F238E27FC236}">
+                <a16:creationId xmlns:a16="http://schemas.microsoft.com/office/drawing/2014/main" id="{D6D82661-F38D-D88D-F8AC-3A6EAB4450B0}"/>
+              </a:ext>
+            </a:extLst>
+          </p:cNvPr>
+          <p:cNvGrpSpPr/>
+          <p:nvPr/>
+        </p:nvGrpSpPr>
+        <p:grpSpPr>
+          <a:xfrm>
+            <a:off x="152401" y="3669997"/>
+            <a:ext cx="2024742" cy="538782"/>
+            <a:chOff x="1621972" y="1405339"/>
+            <a:chExt cx="2024742" cy="538782"/>
+          </a:xfrm>
+        </p:grpSpPr>
+        <p:sp>
+          <p:nvSpPr>
+            <p:cNvPr id="23" name="Rectangle : coins arrondis 22">
+              <a:extLst>
+                <a:ext uri="{FF2B5EF4-FFF2-40B4-BE49-F238E27FC236}">
+                  <a16:creationId xmlns:a16="http://schemas.microsoft.com/office/drawing/2014/main" id="{0B4B3CA1-25EE-0DBC-61A6-EACDC061F948}"/>
+                </a:ext>
+              </a:extLst>
+            </p:cNvPr>
+            <p:cNvSpPr/>
+            <p:nvPr/>
+          </p:nvSpPr>
+          <p:spPr>
+            <a:xfrm>
+              <a:off x="1959429" y="1405339"/>
+              <a:ext cx="1687285" cy="522872"/>
+            </a:xfrm>
+            <a:prstGeom prst="roundRect">
+              <a:avLst>
+                <a:gd name="adj" fmla="val 50000"/>
+              </a:avLst>
+            </a:prstGeom>
+            <a:solidFill>
+              <a:srgbClr val="006A5A"/>
+            </a:solidFill>
+            <a:ln>
+              <a:noFill/>
+            </a:ln>
+          </p:spPr>
+          <p:style>
+            <a:lnRef idx="2">
+              <a:schemeClr val="accent1">
+                <a:shade val="15000"/>
+              </a:schemeClr>
+            </a:lnRef>
+            <a:fillRef idx="1">
+              <a:schemeClr val="accent1"/>
+            </a:fillRef>
+            <a:effectRef idx="0">
+              <a:schemeClr val="accent1"/>
+            </a:effectRef>
+            <a:fontRef idx="minor">
+              <a:schemeClr val="lt1"/>
+            </a:fontRef>
+          </p:style>
+          <p:txBody>
+            <a:bodyPr rtlCol="0" anchor="ctr"/>
+            <a:lstStyle/>
+            <a:p>
+              <a:pPr algn="ctr"/>
+              <a:r>
+                <a:rPr lang="fr-FR" sz="2400" b="1" dirty="0">
+                  <a:latin typeface="Gill Sans MT" panose="020B0502020104020203" pitchFamily="34" charset="0"/>
+                </a:rPr>
+                <a:t>Objectifs</a:t>
+              </a:r>
+            </a:p>
+          </p:txBody>
+        </p:sp>
+        <p:sp>
+          <p:nvSpPr>
+            <p:cNvPr id="24" name="Ellipse 23">
+              <a:extLst>
+                <a:ext uri="{FF2B5EF4-FFF2-40B4-BE49-F238E27FC236}">
+                  <a16:creationId xmlns:a16="http://schemas.microsoft.com/office/drawing/2014/main" id="{14B93CAC-4DFB-F0BB-8646-C8C6109CC018}"/>
+                </a:ext>
+              </a:extLst>
+            </p:cNvPr>
+            <p:cNvSpPr/>
+            <p:nvPr/>
+          </p:nvSpPr>
+          <p:spPr>
+            <a:xfrm>
+              <a:off x="1621972" y="1421249"/>
+              <a:ext cx="522872" cy="522872"/>
+            </a:xfrm>
+            <a:prstGeom prst="ellipse">
+              <a:avLst/>
+            </a:prstGeom>
+            <a:solidFill>
+              <a:schemeClr val="accent2"/>
+            </a:solidFill>
+            <a:ln>
+              <a:noFill/>
+            </a:ln>
+          </p:spPr>
+          <p:style>
+            <a:lnRef idx="2">
+              <a:schemeClr val="accent1">
+                <a:shade val="15000"/>
+              </a:schemeClr>
+            </a:lnRef>
+            <a:fillRef idx="1">
+              <a:schemeClr val="accent1"/>
+            </a:fillRef>
+            <a:effectRef idx="0">
+              <a:schemeClr val="accent1"/>
+            </a:effectRef>
+            <a:fontRef idx="minor">
+              <a:schemeClr val="lt1"/>
+            </a:fontRef>
+          </p:style>
+          <p:txBody>
+            <a:bodyPr rtlCol="0" anchor="ctr"/>
+            <a:lstStyle/>
+            <a:p>
+              <a:pPr algn="ctr"/>
+              <a:endParaRPr lang="fr-FR"/>
+            </a:p>
+          </p:txBody>
+        </p:sp>
+      </p:grpSp>
+      <p:sp>
+        <p:nvSpPr>
+          <p:cNvPr id="25" name="ZoneTexte 24">
+            <a:extLst>
+              <a:ext uri="{FF2B5EF4-FFF2-40B4-BE49-F238E27FC236}">
+                <a16:creationId xmlns:a16="http://schemas.microsoft.com/office/drawing/2014/main" id="{5272EEDB-5531-D0B6-EBD6-2438CB98641A}"/>
+              </a:ext>
+            </a:extLst>
+          </p:cNvPr>
+          <p:cNvSpPr txBox="1"/>
+          <p:nvPr/>
+        </p:nvSpPr>
+        <p:spPr>
+          <a:xfrm>
+            <a:off x="1997528" y="3847080"/>
+            <a:ext cx="8392885" cy="367729"/>
+          </a:xfrm>
+          <a:prstGeom prst="rect">
+            <a:avLst/>
+          </a:prstGeom>
+          <a:noFill/>
+        </p:spPr>
+        <p:txBody>
+          <a:bodyPr wrap="square">
+            <a:spAutoFit/>
+          </a:bodyPr>
+          <a:lstStyle/>
+          <a:p>
+            <a:pPr lvl="1" algn="ctr">
+              <a:lnSpc>
+                <a:spcPts val="2143"/>
+              </a:lnSpc>
+              <a:spcBef>
+                <a:spcPts val="300"/>
+              </a:spcBef>
+              <a:spcAft>
+                <a:spcPts val="1029"/>
+              </a:spcAft>
+            </a:pPr>
+            <a:r>
+              <a:rPr lang="fr-FR" sz="2400" b="0" i="0" dirty="0">
+                <a:solidFill>
+                  <a:srgbClr val="404040"/>
+                </a:solidFill>
+                <a:effectLst/>
+                <a:latin typeface="Gill Sans MT" panose="020B0502020104020203" pitchFamily="34" charset="0"/>
+              </a:rPr>
+              <a:t>Modéliser le taux de consultations avec une approche spatiale.</a:t>
+            </a:r>
+          </a:p>
+        </p:txBody>
+      </p:sp>
+      <p:sp>
+        <p:nvSpPr>
+          <p:cNvPr id="28" name="Rectangle : coins arrondis 27">
+            <a:extLst>
+              <a:ext uri="{FF2B5EF4-FFF2-40B4-BE49-F238E27FC236}">
+                <a16:creationId xmlns:a16="http://schemas.microsoft.com/office/drawing/2014/main" id="{24C3065A-1C45-96EA-E252-8CF3DCA501CC}"/>
+              </a:ext>
+            </a:extLst>
+          </p:cNvPr>
+          <p:cNvSpPr/>
+          <p:nvPr/>
+        </p:nvSpPr>
+        <p:spPr>
+          <a:xfrm>
+            <a:off x="2177143" y="4354905"/>
+            <a:ext cx="8599713" cy="2209181"/>
+          </a:xfrm>
+          <a:prstGeom prst="roundRect">
+            <a:avLst>
+              <a:gd name="adj" fmla="val 25536"/>
+            </a:avLst>
+          </a:prstGeom>
+          <a:noFill/>
+          <a:ln w="38100">
+            <a:solidFill>
+              <a:srgbClr val="006A5A"/>
+            </a:solidFill>
+          </a:ln>
+        </p:spPr>
+        <p:style>
+          <a:lnRef idx="2">
+            <a:schemeClr val="accent1">
+              <a:shade val="15000"/>
+            </a:schemeClr>
+          </a:lnRef>
+          <a:fillRef idx="1">
+            <a:schemeClr val="accent1"/>
+          </a:fillRef>
+          <a:effectRef idx="0">
+            <a:schemeClr val="accent1"/>
+          </a:effectRef>
+          <a:fontRef idx="minor">
+            <a:schemeClr val="lt1"/>
+          </a:fontRef>
+        </p:style>
+        <p:txBody>
+          <a:bodyPr rtlCol="0" anchor="ctr"/>
+          <a:lstStyle/>
+          <a:p>
+            <a:pPr algn="ctr"/>
+            <a:endParaRPr lang="fr-FR"/>
+          </a:p>
+        </p:txBody>
+      </p:sp>
+      <p:sp>
+        <p:nvSpPr>
+          <p:cNvPr id="29" name="ZoneTexte 28">
+            <a:extLst>
+              <a:ext uri="{FF2B5EF4-FFF2-40B4-BE49-F238E27FC236}">
+                <a16:creationId xmlns:a16="http://schemas.microsoft.com/office/drawing/2014/main" id="{7C997150-358C-394F-6876-D61E7CFCA646}"/>
+              </a:ext>
+            </a:extLst>
+          </p:cNvPr>
+          <p:cNvSpPr txBox="1"/>
+          <p:nvPr/>
+        </p:nvSpPr>
+        <p:spPr>
+          <a:xfrm>
+            <a:off x="1894115" y="4559633"/>
+            <a:ext cx="8599712" cy="1799723"/>
+          </a:xfrm>
+          <a:prstGeom prst="rect">
+            <a:avLst/>
+          </a:prstGeom>
+          <a:noFill/>
+        </p:spPr>
+        <p:txBody>
+          <a:bodyPr wrap="square">
+            <a:spAutoFit/>
+          </a:bodyPr>
+          <a:lstStyle/>
+          <a:p>
+            <a:pPr marL="914400" lvl="1" indent="-457200" algn="just">
+              <a:lnSpc>
+                <a:spcPts val="2143"/>
+              </a:lnSpc>
+              <a:spcBef>
+                <a:spcPts val="300"/>
+              </a:spcBef>
+              <a:spcAft>
+                <a:spcPts val="1029"/>
+              </a:spcAft>
+              <a:buFont typeface="+mj-lt"/>
+              <a:buAutoNum type="arabicPeriod"/>
+            </a:pPr>
+            <a:r>
+              <a:rPr lang="fr-FR" sz="2400" dirty="0">
+                <a:solidFill>
+                  <a:srgbClr val="404040"/>
+                </a:solidFill>
+                <a:latin typeface="Gill Sans MT" panose="020B0502020104020203" pitchFamily="34" charset="0"/>
+              </a:rPr>
+              <a:t>Visualiser la répartition spatiale de ces taux en vue d’identifier les zones à fort et faible taux</a:t>
+            </a:r>
+          </a:p>
+          <a:p>
+            <a:pPr marL="914400" lvl="1" indent="-457200" algn="just">
+              <a:lnSpc>
+                <a:spcPts val="2143"/>
+              </a:lnSpc>
+              <a:spcBef>
+                <a:spcPts val="300"/>
+              </a:spcBef>
+              <a:spcAft>
+                <a:spcPts val="1029"/>
+              </a:spcAft>
+              <a:buFont typeface="+mj-lt"/>
+              <a:buAutoNum type="arabicPeriod"/>
+            </a:pPr>
+            <a:r>
+              <a:rPr lang="fr-FR" sz="2400" dirty="0">
+                <a:latin typeface="Gill Sans MT" panose="020B0502020104020203" pitchFamily="34" charset="0"/>
+              </a:rPr>
+              <a:t>Identifier les facteurs socio-économiques et démographiques qui influencent le taux de consultations</a:t>
+            </a:r>
+          </a:p>
+          <a:p>
+            <a:pPr marL="914400" lvl="1" indent="-457200" algn="just">
+              <a:lnSpc>
+                <a:spcPts val="2143"/>
+              </a:lnSpc>
+              <a:spcBef>
+                <a:spcPts val="300"/>
+              </a:spcBef>
+              <a:spcAft>
+                <a:spcPts val="1029"/>
+              </a:spcAft>
+              <a:buFont typeface="+mj-lt"/>
+              <a:buAutoNum type="arabicPeriod"/>
+            </a:pPr>
+            <a:r>
+              <a:rPr lang="fr-FR" sz="2400" b="0" i="0" dirty="0">
+                <a:solidFill>
+                  <a:srgbClr val="404040"/>
+                </a:solidFill>
+                <a:effectLst/>
+                <a:latin typeface="Gill Sans MT" panose="020B0502020104020203" pitchFamily="34" charset="0"/>
+              </a:rPr>
+              <a:t>Proposer des recommandations pour réduire les inégalités.</a:t>
+            </a:r>
+          </a:p>
+        </p:txBody>
+      </p:sp>
+    </p:spTree>
+    <p:extLst>
+      <p:ext uri="{BB962C8B-B14F-4D97-AF65-F5344CB8AC3E}">
+        <p14:creationId xmlns:p14="http://schemas.microsoft.com/office/powerpoint/2010/main" val="413827849"/>
+      </p:ext>
+    </p:extLst>
+  </p:cSld>
+  <p:clrMapOvr>
+    <a:masterClrMapping/>
+  </p:clrMapOvr>
+</p:sld>
+</file>
+
+<file path=ppt/slides/slide30.xml><?xml version="1.0" encoding="utf-8"?>
 <p:sld xmlns:a="http://schemas.openxmlformats.org/drawingml/2006/main" xmlns:r="http://schemas.openxmlformats.org/officeDocument/2006/relationships" xmlns:p="http://schemas.openxmlformats.org/presentationml/2006/main">
   <p:cSld>
     <p:spTree>
@@ -17666,7 +16924,7 @@
             <a:fld id="{F546B7B7-7D14-4795-A998-350CFB2BDD43}" type="slidenum">
               <a:rPr lang="fr-FR" smtClean="0"/>
               <a:pPr/>
-              <a:t>33</a:t>
+              <a:t>30</a:t>
             </a:fld>
             <a:endParaRPr lang="fr-FR"/>
           </a:p>
@@ -17685,7 +16943,7 @@
 </p:sld>
 </file>
 
-<file path=ppt/slides/slide34.xml><?xml version="1.0" encoding="utf-8"?>
+<file path=ppt/slides/slide31.xml><?xml version="1.0" encoding="utf-8"?>
 <p:sld xmlns:a="http://schemas.openxmlformats.org/drawingml/2006/main" xmlns:r="http://schemas.openxmlformats.org/officeDocument/2006/relationships" xmlns:p="http://schemas.openxmlformats.org/presentationml/2006/main">
   <p:cSld>
     <p:spTree>
@@ -17732,7 +16990,7 @@
             <a:fld id="{F546B7B7-7D14-4795-A998-350CFB2BDD43}" type="slidenum">
               <a:rPr lang="fr-FR" smtClean="0"/>
               <a:pPr/>
-              <a:t>34</a:t>
+              <a:t>31</a:t>
             </a:fld>
             <a:endParaRPr lang="fr-FR" dirty="0"/>
           </a:p>
@@ -18330,7 +17588,7 @@
 </p:sld>
 </file>
 
-<file path=ppt/slides/slide35.xml><?xml version="1.0" encoding="utf-8"?>
+<file path=ppt/slides/slide32.xml><?xml version="1.0" encoding="utf-8"?>
 <p:sld xmlns:a="http://schemas.openxmlformats.org/drawingml/2006/main" xmlns:r="http://schemas.openxmlformats.org/officeDocument/2006/relationships" xmlns:p="http://schemas.openxmlformats.org/presentationml/2006/main">
   <p:cSld>
     <p:spTree>
@@ -18477,7 +17735,7 @@
                 <a:latin typeface="Montserrat" panose="02000505000000020004" pitchFamily="2" charset="0"/>
               </a:rPr>
               <a:pPr algn="r"/>
-              <a:t>35</a:t>
+              <a:t>32</a:t>
             </a:fld>
             <a:endParaRPr lang="fr-FR" dirty="0">
               <a:solidFill>
@@ -20365,8 +19623,8 @@
         </p:nvSpPr>
         <p:spPr>
           <a:xfrm>
-            <a:off x="382483" y="3874108"/>
-            <a:ext cx="10818917" cy="2308324"/>
+            <a:off x="390648" y="3198167"/>
+            <a:ext cx="3446062" cy="461665"/>
           </a:xfrm>
           <a:prstGeom prst="rect">
             <a:avLst/>
@@ -20393,386 +19651,65 @@
               <a:latin typeface="Gill Sans MT" panose="020B0502020104020203" pitchFamily="34" charset="0"/>
             </a:endParaRPr>
           </a:p>
-          <a:p>
-            <a:pPr marL="800100" lvl="1" indent="-342900">
-              <a:buFont typeface="Wingdings" panose="05000000000000000000" pitchFamily="2" charset="2"/>
-              <a:buChar char="ü"/>
-            </a:pPr>
-            <a:r>
-              <a:rPr lang="fr-FR" sz="2400" b="1" dirty="0">
-                <a:latin typeface="Gill Sans MT" panose="020B0502020104020203" pitchFamily="34" charset="0"/>
-              </a:rPr>
-              <a:t>Basée sur la distance </a:t>
-            </a:r>
-            <a:r>
-              <a:rPr lang="fr-FR" sz="2400" dirty="0">
-                <a:latin typeface="Gill Sans MT" panose="020B0502020104020203" pitchFamily="34" charset="0"/>
-              </a:rPr>
-              <a:t>: Deux localités sont voisines si la distance entre elles est inférieure à un seuil prédéfini.</a:t>
-            </a:r>
-          </a:p>
-          <a:p>
-            <a:pPr marL="800100" lvl="1" indent="-342900">
-              <a:buFont typeface="Wingdings" panose="05000000000000000000" pitchFamily="2" charset="2"/>
-              <a:buChar char="ü"/>
-            </a:pPr>
-            <a:r>
-              <a:rPr lang="fr-FR" sz="2400" b="1" dirty="0">
-                <a:latin typeface="Gill Sans MT" panose="020B0502020104020203" pitchFamily="34" charset="0"/>
-              </a:rPr>
-              <a:t>Basée sur la contiguïté </a:t>
-            </a:r>
-            <a:r>
-              <a:rPr lang="fr-FR" sz="2400" dirty="0">
-                <a:latin typeface="Gill Sans MT" panose="020B0502020104020203" pitchFamily="34" charset="0"/>
-              </a:rPr>
-              <a:t>: On distingue par exemple la contiguïté </a:t>
-            </a:r>
-            <a:r>
-              <a:rPr lang="fr-FR" sz="2400" dirty="0" err="1">
-                <a:latin typeface="Gill Sans MT" panose="020B0502020104020203" pitchFamily="34" charset="0"/>
-              </a:rPr>
-              <a:t>Rook</a:t>
-            </a:r>
-            <a:r>
-              <a:rPr lang="fr-FR" sz="2400" dirty="0">
-                <a:latin typeface="Gill Sans MT" panose="020B0502020104020203" pitchFamily="34" charset="0"/>
-              </a:rPr>
-              <a:t> et la contiguïté Queen.</a:t>
-            </a:r>
-          </a:p>
-          <a:p>
-            <a:pPr marL="800100" lvl="1" indent="-342900">
-              <a:buFont typeface="Wingdings" panose="05000000000000000000" pitchFamily="2" charset="2"/>
-              <a:buChar char="ü"/>
-            </a:pPr>
-            <a:r>
-              <a:rPr lang="fr-FR" sz="2400" b="1" dirty="0">
-                <a:latin typeface="Gill Sans MT" panose="020B0502020104020203" pitchFamily="34" charset="0"/>
-              </a:rPr>
-              <a:t>Basée sur l’optimisation d’une trajectoire</a:t>
-            </a:r>
-            <a:endParaRPr lang="en-US" sz="2400" b="1" dirty="0">
-              <a:latin typeface="Gill Sans MT" panose="020B0502020104020203" pitchFamily="34" charset="0"/>
-            </a:endParaRPr>
-          </a:p>
         </p:txBody>
       </p:sp>
-      <p:grpSp>
-        <p:nvGrpSpPr>
-          <p:cNvPr id="11" name="Groupe 10">
-            <a:extLst>
-              <a:ext uri="{FF2B5EF4-FFF2-40B4-BE49-F238E27FC236}">
-                <a16:creationId xmlns:a16="http://schemas.microsoft.com/office/drawing/2014/main" id="{3A67ACA6-3011-7E10-2157-844DD05DB304}"/>
-              </a:ext>
-            </a:extLst>
-          </p:cNvPr>
-          <p:cNvGrpSpPr/>
-          <p:nvPr/>
-        </p:nvGrpSpPr>
-        <p:grpSpPr>
-          <a:xfrm>
-            <a:off x="247771" y="1283157"/>
-            <a:ext cx="11106029" cy="4913704"/>
-            <a:chOff x="102053" y="1362165"/>
-            <a:chExt cx="11106029" cy="4711809"/>
-          </a:xfrm>
-        </p:grpSpPr>
-        <p:sp>
-          <p:nvSpPr>
-            <p:cNvPr id="10" name="Rectangle : coins arrondis 9">
-              <a:extLst>
-                <a:ext uri="{FF2B5EF4-FFF2-40B4-BE49-F238E27FC236}">
-                  <a16:creationId xmlns:a16="http://schemas.microsoft.com/office/drawing/2014/main" id="{6BB401D5-D84D-D920-FA55-64F792B2DA24}"/>
-                </a:ext>
-              </a:extLst>
-            </p:cNvPr>
-            <p:cNvSpPr/>
-            <p:nvPr/>
-          </p:nvSpPr>
-          <p:spPr>
-            <a:xfrm>
-              <a:off x="119743" y="1362165"/>
-              <a:ext cx="11088339" cy="2241167"/>
-            </a:xfrm>
-            <a:prstGeom prst="roundRect">
-              <a:avLst/>
-            </a:prstGeom>
-            <a:noFill/>
-          </p:spPr>
-          <p:style>
-            <a:lnRef idx="2">
-              <a:schemeClr val="accent1">
-                <a:shade val="15000"/>
-              </a:schemeClr>
-            </a:lnRef>
-            <a:fillRef idx="1">
-              <a:schemeClr val="accent1"/>
-            </a:fillRef>
-            <a:effectRef idx="0">
-              <a:schemeClr val="accent1"/>
-            </a:effectRef>
-            <a:fontRef idx="minor">
-              <a:schemeClr val="lt1"/>
-            </a:fontRef>
-          </p:style>
-          <p:txBody>
-            <a:bodyPr rtlCol="0" anchor="ctr"/>
-            <a:lstStyle/>
-            <a:p>
-              <a:pPr algn="ctr"/>
-              <a:endParaRPr lang="fr-FR" dirty="0"/>
-            </a:p>
-          </p:txBody>
-        </p:sp>
-        <mc:AlternateContent xmlns:mc="http://schemas.openxmlformats.org/markup-compatibility/2006" xmlns:a14="http://schemas.microsoft.com/office/drawing/2010/main">
-          <mc:Choice Requires="a14">
-            <p:sp>
-              <p:nvSpPr>
-                <p:cNvPr id="6" name="ZoneTexte 5">
-                  <a:extLst>
-                    <a:ext uri="{FF2B5EF4-FFF2-40B4-BE49-F238E27FC236}">
-                      <a16:creationId xmlns:a16="http://schemas.microsoft.com/office/drawing/2014/main" id="{16044062-2647-3BDD-6E66-9E907B89CFA5}"/>
-                    </a:ext>
-                  </a:extLst>
-                </p:cNvPr>
-                <p:cNvSpPr txBox="1"/>
-                <p:nvPr/>
-              </p:nvSpPr>
-              <p:spPr>
-                <a:xfrm>
-                  <a:off x="244929" y="1672224"/>
-                  <a:ext cx="5834743" cy="1895262"/>
-                </a:xfrm>
-                <a:prstGeom prst="rect">
-                  <a:avLst/>
-                </a:prstGeom>
-                <a:noFill/>
-              </p:spPr>
-              <p:txBody>
-                <a:bodyPr wrap="square">
-                  <a:spAutoFit/>
-                </a:bodyPr>
-                <a:lstStyle/>
-                <a:p>
-                  <a:pPr marL="342900" indent="-342900">
-                    <a:buFont typeface="Arial" panose="020B0604020202020204" pitchFamily="34" charset="0"/>
-                    <a:buChar char="•"/>
-                  </a:pPr>
-                  <a:r>
-                    <a:rPr lang="fr-FR" sz="2400" dirty="0">
-                      <a:latin typeface="Gill Sans MT" panose="020B0502020104020203" pitchFamily="34" charset="0"/>
-                    </a:rPr>
-                    <a:t>Le </a:t>
-                  </a:r>
-                  <a:r>
-                    <a:rPr lang="fr-FR" sz="2400" b="1" dirty="0">
-                      <a:latin typeface="Gill Sans MT" panose="020B0502020104020203" pitchFamily="34" charset="0"/>
-                    </a:rPr>
-                    <a:t>taux de consultations</a:t>
-                  </a:r>
-                  <a:r>
-                    <a:rPr lang="fr-FR" sz="2400" dirty="0">
-                      <a:latin typeface="Gill Sans MT" panose="020B0502020104020203" pitchFamily="34" charset="0"/>
-                    </a:rPr>
-                    <a:t>  est le nombre moyen de consultations dans chaque commune :</a:t>
-                  </a:r>
-                </a:p>
-                <a:p>
-                  <a:pPr algn="ctr"/>
-                  <a14:m>
-                    <m:oMathPara xmlns:m="http://schemas.openxmlformats.org/officeDocument/2006/math">
-                      <m:oMathParaPr>
-                        <m:jc m:val="centerGroup"/>
-                      </m:oMathParaPr>
-                      <m:oMath xmlns:m="http://schemas.openxmlformats.org/officeDocument/2006/math">
-                        <m:sSub>
-                          <m:sSubPr>
-                            <m:ctrlPr>
-                              <a:rPr lang="en-US" sz="2400" i="1" smtClean="0">
-                                <a:latin typeface="Cambria Math" panose="02040503050406030204" pitchFamily="18" charset="0"/>
-                              </a:rPr>
-                            </m:ctrlPr>
-                          </m:sSubPr>
-                          <m:e>
-                            <m:r>
-                              <a:rPr lang="en-US" sz="2400" i="1" smtClean="0">
-                                <a:latin typeface="Cambria Math" panose="02040503050406030204" pitchFamily="18" charset="0"/>
-                                <a:ea typeface="Cambria Math" panose="02040503050406030204" pitchFamily="18" charset="0"/>
-                              </a:rPr>
-                              <m:t>𝜏</m:t>
-                            </m:r>
-                          </m:e>
-                          <m:sub>
-                            <m:r>
-                              <a:rPr lang="fr-FR" sz="2400" b="0" i="1" smtClean="0">
-                                <a:latin typeface="Cambria Math" panose="02040503050406030204" pitchFamily="18" charset="0"/>
-                              </a:rPr>
-                              <m:t>𝑖</m:t>
-                            </m:r>
-                          </m:sub>
-                        </m:sSub>
-                        <m:r>
-                          <a:rPr lang="fr-FR" sz="2400" b="0" i="1" smtClean="0">
-                            <a:latin typeface="Cambria Math" panose="02040503050406030204" pitchFamily="18" charset="0"/>
-                          </a:rPr>
-                          <m:t>=</m:t>
-                        </m:r>
-                        <m:f>
-                          <m:fPr>
-                            <m:ctrlPr>
-                              <a:rPr lang="fr-FR" sz="2400" b="0" i="1" smtClean="0">
-                                <a:latin typeface="Cambria Math" panose="02040503050406030204" pitchFamily="18" charset="0"/>
-                              </a:rPr>
-                            </m:ctrlPr>
-                          </m:fPr>
-                          <m:num>
-                            <m:sSub>
-                              <m:sSubPr>
-                                <m:ctrlPr>
-                                  <a:rPr lang="fr-FR" sz="2400" b="0" i="1" smtClean="0">
-                                    <a:latin typeface="Cambria Math" panose="02040503050406030204" pitchFamily="18" charset="0"/>
-                                  </a:rPr>
-                                </m:ctrlPr>
-                              </m:sSubPr>
-                              <m:e>
-                                <m:r>
-                                  <a:rPr lang="fr-FR" sz="2400" b="0" i="1" smtClean="0">
-                                    <a:latin typeface="Cambria Math" panose="02040503050406030204" pitchFamily="18" charset="0"/>
-                                  </a:rPr>
-                                  <m:t>𝑛</m:t>
-                                </m:r>
-                              </m:e>
-                              <m:sub>
-                                <m:r>
-                                  <a:rPr lang="fr-FR" sz="2400" b="0" i="1" smtClean="0">
-                                    <a:latin typeface="Cambria Math" panose="02040503050406030204" pitchFamily="18" charset="0"/>
-                                  </a:rPr>
-                                  <m:t>𝑖</m:t>
-                                </m:r>
-                              </m:sub>
-                            </m:sSub>
-                          </m:num>
-                          <m:den>
-                            <m:sSub>
-                              <m:sSubPr>
-                                <m:ctrlPr>
-                                  <a:rPr lang="fr-FR" sz="2400" b="0" i="1" smtClean="0">
-                                    <a:latin typeface="Cambria Math" panose="02040503050406030204" pitchFamily="18" charset="0"/>
-                                  </a:rPr>
-                                </m:ctrlPr>
-                              </m:sSubPr>
-                              <m:e>
-                                <m:r>
-                                  <a:rPr lang="fr-FR" sz="2400" b="0" i="1" smtClean="0">
-                                    <a:latin typeface="Cambria Math" panose="02040503050406030204" pitchFamily="18" charset="0"/>
-                                  </a:rPr>
-                                  <m:t>𝑃</m:t>
-                                </m:r>
-                              </m:e>
-                              <m:sub>
-                                <m:r>
-                                  <a:rPr lang="fr-FR" sz="2400" b="0" i="1" smtClean="0">
-                                    <a:latin typeface="Cambria Math" panose="02040503050406030204" pitchFamily="18" charset="0"/>
-                                  </a:rPr>
-                                  <m:t>𝑖</m:t>
-                                </m:r>
-                              </m:sub>
-                            </m:sSub>
-                          </m:den>
-                        </m:f>
-                      </m:oMath>
-                    </m:oMathPara>
-                  </a14:m>
-                  <a:endParaRPr lang="en-US" sz="2400" dirty="0">
+      <mc:AlternateContent xmlns:mc="http://schemas.openxmlformats.org/markup-compatibility/2006">
+        <mc:Choice xmlns:a14="http://schemas.microsoft.com/office/drawing/2010/main" Requires="a14">
+          <p:sp>
+            <p:nvSpPr>
+              <p:cNvPr id="6" name="ZoneTexte 5">
+                <a:extLst>
+                  <a:ext uri="{FF2B5EF4-FFF2-40B4-BE49-F238E27FC236}">
+                    <a16:creationId xmlns:a16="http://schemas.microsoft.com/office/drawing/2014/main" id="{16044062-2647-3BDD-6E66-9E907B89CFA5}"/>
+                  </a:ext>
+                </a:extLst>
+              </p:cNvPr>
+              <p:cNvSpPr txBox="1"/>
+              <p:nvPr/>
+            </p:nvSpPr>
+            <p:spPr>
+              <a:xfrm>
+                <a:off x="390647" y="1606501"/>
+                <a:ext cx="5834743" cy="1156598"/>
+              </a:xfrm>
+              <a:prstGeom prst="rect">
+                <a:avLst/>
+              </a:prstGeom>
+              <a:noFill/>
+            </p:spPr>
+            <p:txBody>
+              <a:bodyPr wrap="square">
+                <a:spAutoFit/>
+              </a:bodyPr>
+              <a:lstStyle/>
+              <a:p>
+                <a:pPr marL="342900" indent="-342900">
+                  <a:buFont typeface="Arial" panose="020B0604020202020204" pitchFamily="34" charset="0"/>
+                  <a:buChar char="•"/>
+                </a:pPr>
+                <a:r>
+                  <a:rPr lang="fr-FR" sz="2400" dirty="0">
                     <a:latin typeface="Gill Sans MT" panose="020B0502020104020203" pitchFamily="34" charset="0"/>
-                  </a:endParaRPr>
-                </a:p>
-              </p:txBody>
-            </p:sp>
-          </mc:Choice>
-          <mc:Fallback xmlns="">
-            <p:sp>
-              <p:nvSpPr>
-                <p:cNvPr id="6" name="ZoneTexte 5">
-                  <a:extLst>
-                    <a:ext uri="{FF2B5EF4-FFF2-40B4-BE49-F238E27FC236}">
-                      <a16:creationId xmlns:a16="http://schemas.microsoft.com/office/drawing/2014/main" id="{16044062-2647-3BDD-6E66-9E907B89CFA5}"/>
-                    </a:ext>
-                  </a:extLst>
-                </p:cNvPr>
-                <p:cNvSpPr txBox="1">
-                  <a:spLocks noRot="1" noChangeAspect="1" noMove="1" noResize="1" noEditPoints="1" noAdjustHandles="1" noChangeArrowheads="1" noChangeShapeType="1" noTextEdit="1"/>
-                </p:cNvSpPr>
-                <p:nvPr/>
-              </p:nvSpPr>
-              <p:spPr>
-                <a:xfrm>
-                  <a:off x="244929" y="1672224"/>
-                  <a:ext cx="5834743" cy="1895262"/>
-                </a:xfrm>
-                <a:prstGeom prst="rect">
-                  <a:avLst/>
-                </a:prstGeom>
-                <a:blipFill>
-                  <a:blip r:embed="rId4"/>
-                  <a:stretch>
-                    <a:fillRect l="-1358" t="-2469" r="-2821"/>
-                  </a:stretch>
-                </a:blipFill>
-              </p:spPr>
-              <p:txBody>
-                <a:bodyPr/>
-                <a:lstStyle/>
-                <a:p>
-                  <a:r>
-                    <a:rPr lang="fr-FR">
-                      <a:noFill/>
-                    </a:rPr>
-                    <a:t> </a:t>
-                  </a:r>
-                </a:p>
-              </p:txBody>
-            </p:sp>
-          </mc:Fallback>
-        </mc:AlternateContent>
-        <mc:AlternateContent xmlns:mc="http://schemas.openxmlformats.org/markup-compatibility/2006" xmlns:a14="http://schemas.microsoft.com/office/drawing/2010/main">
-          <mc:Choice Requires="a14">
-            <p:sp>
-              <p:nvSpPr>
-                <p:cNvPr id="9" name="ZoneTexte 8">
-                  <a:extLst>
-                    <a:ext uri="{FF2B5EF4-FFF2-40B4-BE49-F238E27FC236}">
-                      <a16:creationId xmlns:a16="http://schemas.microsoft.com/office/drawing/2014/main" id="{2C442562-28C8-D55B-3644-361E62740B73}"/>
-                    </a:ext>
-                  </a:extLst>
-                </p:cNvPr>
-                <p:cNvSpPr txBox="1"/>
-                <p:nvPr/>
-              </p:nvSpPr>
-              <p:spPr>
-                <a:xfrm>
-                  <a:off x="6173439" y="1672224"/>
-                  <a:ext cx="5034643" cy="1569660"/>
-                </a:xfrm>
-                <a:prstGeom prst="rect">
-                  <a:avLst/>
-                </a:prstGeom>
-                <a:noFill/>
-              </p:spPr>
-              <p:txBody>
-                <a:bodyPr wrap="square">
-                  <a:spAutoFit/>
-                </a:bodyPr>
-                <a:lstStyle/>
-                <a:p>
-                  <a:r>
-                    <a:rPr lang="fr-FR" sz="2400" dirty="0">
-                      <a:latin typeface="Gill Sans MT" panose="020B0502020104020203" pitchFamily="34" charset="0"/>
-                    </a:rPr>
-                    <a:t>Avec </a:t>
-                  </a:r>
-                  <a14:m>
+                  </a:rPr>
+                  <a:t>Le </a:t>
+                </a:r>
+                <a:r>
+                  <a:rPr lang="fr-FR" sz="2400" b="1" dirty="0">
+                    <a:latin typeface="Gill Sans MT" panose="020B0502020104020203" pitchFamily="34" charset="0"/>
+                  </a:rPr>
+                  <a:t>taux de consultations</a:t>
+                </a:r>
+                <a:endParaRPr lang="fr-FR" sz="2400" dirty="0">
+                  <a:latin typeface="Gill Sans MT" panose="020B0502020104020203" pitchFamily="34" charset="0"/>
+                </a:endParaRPr>
+              </a:p>
+              <a:p>
+                <a:pPr algn="ctr"/>
+                <a14:m>
+                  <m:oMathPara xmlns:m="http://schemas.openxmlformats.org/officeDocument/2006/math">
+                    <m:oMathParaPr>
+                      <m:jc m:val="centerGroup"/>
+                    </m:oMathParaPr>
                     <m:oMath xmlns:m="http://schemas.openxmlformats.org/officeDocument/2006/math">
                       <m:sSub>
                         <m:sSubPr>
@@ -20800,360 +19737,138 @@
                           </m:r>
                         </m:sub>
                       </m:sSub>
-                    </m:oMath>
-                  </a14:m>
-                  <a:r>
-                    <a:rPr lang="fr-FR" sz="2400" dirty="0">
-                      <a:latin typeface="Gill Sans MT" panose="020B0502020104020203" pitchFamily="34" charset="0"/>
-                    </a:rPr>
-                    <a:t> , </a:t>
-                  </a:r>
-                  <a14:m>
-                    <m:oMath xmlns:m="http://schemas.openxmlformats.org/officeDocument/2006/math">
-                      <m:sSub>
-                        <m:sSubPr>
+                      <m:r>
+                        <a:rPr lang="fr-FR" sz="2400" b="0" i="1" smtClean="0">
+                          <a:latin typeface="Cambria Math" panose="02040503050406030204" pitchFamily="18" charset="0"/>
+                        </a:rPr>
+                        <m:t>=</m:t>
+                      </m:r>
+                      <m:f>
+                        <m:fPr>
                           <m:ctrlPr>
-                            <a:rPr lang="fr-FR" sz="2400" i="1">
+                            <a:rPr lang="fr-FR" sz="2400" b="0" i="1" smtClean="0">
                               <a:latin typeface="Cambria Math" panose="02040503050406030204" pitchFamily="18" charset="0"/>
                             </a:rPr>
                           </m:ctrlPr>
-                        </m:sSubPr>
-                        <m:e>
-                          <m:r>
-                            <a:rPr lang="fr-FR" sz="2400" i="1">
-                              <a:latin typeface="Cambria Math" panose="02040503050406030204" pitchFamily="18" charset="0"/>
-                            </a:rPr>
-                            <m:t>𝑛</m:t>
-                          </m:r>
-                        </m:e>
-                        <m:sub>
-                          <m:r>
-                            <a:rPr lang="fr-FR" sz="2400" i="1">
-                              <a:latin typeface="Cambria Math" panose="02040503050406030204" pitchFamily="18" charset="0"/>
-                            </a:rPr>
-                            <m:t>𝑖</m:t>
-                          </m:r>
-                        </m:sub>
-                      </m:sSub>
+                        </m:fPr>
+                        <m:num>
+                          <m:sSub>
+                            <m:sSubPr>
+                              <m:ctrlPr>
+                                <a:rPr lang="fr-FR" sz="2400" b="0" i="1" smtClean="0">
+                                  <a:latin typeface="Cambria Math" panose="02040503050406030204" pitchFamily="18" charset="0"/>
+                                </a:rPr>
+                              </m:ctrlPr>
+                            </m:sSubPr>
+                            <m:e>
+                              <m:r>
+                                <a:rPr lang="fr-FR" sz="2400" b="0" i="1" smtClean="0">
+                                  <a:latin typeface="Cambria Math" panose="02040503050406030204" pitchFamily="18" charset="0"/>
+                                </a:rPr>
+                                <m:t>𝑛</m:t>
+                              </m:r>
+                            </m:e>
+                            <m:sub>
+                              <m:r>
+                                <a:rPr lang="fr-FR" sz="2400" b="0" i="1" smtClean="0">
+                                  <a:latin typeface="Cambria Math" panose="02040503050406030204" pitchFamily="18" charset="0"/>
+                                </a:rPr>
+                                <m:t>𝑖</m:t>
+                              </m:r>
+                            </m:sub>
+                          </m:sSub>
+                        </m:num>
+                        <m:den>
+                          <m:sSub>
+                            <m:sSubPr>
+                              <m:ctrlPr>
+                                <a:rPr lang="fr-FR" sz="2400" b="0" i="1" smtClean="0">
+                                  <a:latin typeface="Cambria Math" panose="02040503050406030204" pitchFamily="18" charset="0"/>
+                                </a:rPr>
+                              </m:ctrlPr>
+                            </m:sSubPr>
+                            <m:e>
+                              <m:r>
+                                <a:rPr lang="fr-FR" sz="2400" b="0" i="1" smtClean="0">
+                                  <a:latin typeface="Cambria Math" panose="02040503050406030204" pitchFamily="18" charset="0"/>
+                                </a:rPr>
+                                <m:t>𝑃</m:t>
+                              </m:r>
+                            </m:e>
+                            <m:sub>
+                              <m:r>
+                                <a:rPr lang="fr-FR" sz="2400" b="0" i="1" smtClean="0">
+                                  <a:latin typeface="Cambria Math" panose="02040503050406030204" pitchFamily="18" charset="0"/>
+                                </a:rPr>
+                                <m:t>𝑖</m:t>
+                              </m:r>
+                            </m:sub>
+                          </m:sSub>
+                        </m:den>
+                      </m:f>
                     </m:oMath>
-                  </a14:m>
-                  <a:r>
-                    <a:rPr lang="fr-FR" sz="2400" dirty="0">
-                      <a:latin typeface="Gill Sans MT" panose="020B0502020104020203" pitchFamily="34" charset="0"/>
-                    </a:rPr>
-                    <a:t> et </a:t>
-                  </a:r>
-                  <a14:m>
-                    <m:oMath xmlns:m="http://schemas.openxmlformats.org/officeDocument/2006/math">
-                      <m:sSub>
-                        <m:sSubPr>
-                          <m:ctrlPr>
-                            <a:rPr lang="fr-FR" sz="2400" i="1">
-                              <a:latin typeface="Cambria Math" panose="02040503050406030204" pitchFamily="18" charset="0"/>
-                            </a:rPr>
-                          </m:ctrlPr>
-                        </m:sSubPr>
-                        <m:e>
-                          <m:r>
-                            <a:rPr lang="fr-FR" sz="2400" i="1">
-                              <a:latin typeface="Cambria Math" panose="02040503050406030204" pitchFamily="18" charset="0"/>
-                            </a:rPr>
-                            <m:t>𝑃</m:t>
-                          </m:r>
-                        </m:e>
-                        <m:sub>
-                          <m:r>
-                            <a:rPr lang="fr-FR" sz="2400" i="1">
-                              <a:latin typeface="Cambria Math" panose="02040503050406030204" pitchFamily="18" charset="0"/>
-                            </a:rPr>
-                            <m:t>𝑖</m:t>
-                          </m:r>
-                        </m:sub>
-                      </m:sSub>
-                    </m:oMath>
-                  </a14:m>
-                  <a:r>
-                    <a:rPr lang="fr-FR" sz="2400" dirty="0">
-                      <a:latin typeface="Gill Sans MT" panose="020B0502020104020203" pitchFamily="34" charset="0"/>
-                    </a:rPr>
-                    <a:t>, respectivement le taux de consultations, le nombre de consultations et la population de la commune </a:t>
-                  </a:r>
-                  <a14:m>
-                    <m:oMath xmlns:m="http://schemas.openxmlformats.org/officeDocument/2006/math">
-                      <m:r>
-                        <a:rPr lang="fr-FR" sz="2400" i="1" dirty="0" smtClean="0">
-                          <a:latin typeface="Cambria Math" panose="02040503050406030204" pitchFamily="18" charset="0"/>
-                        </a:rPr>
-                        <m:t>𝑖</m:t>
-                      </m:r>
-                    </m:oMath>
-                  </a14:m>
-                  <a:r>
-                    <a:rPr lang="fr-FR" sz="2400" dirty="0">
-                      <a:latin typeface="Gill Sans MT" panose="020B0502020104020203" pitchFamily="34" charset="0"/>
-                    </a:rPr>
-                    <a:t>.</a:t>
-                  </a:r>
-                  <a:endParaRPr lang="en-US" sz="2400" dirty="0">
-                    <a:latin typeface="Gill Sans MT" panose="020B0502020104020203" pitchFamily="34" charset="0"/>
-                  </a:endParaRPr>
-                </a:p>
-              </p:txBody>
-            </p:sp>
-          </mc:Choice>
-          <mc:Fallback xmlns="">
-            <p:sp>
-              <p:nvSpPr>
-                <p:cNvPr id="9" name="ZoneTexte 8">
-                  <a:extLst>
-                    <a:ext uri="{FF2B5EF4-FFF2-40B4-BE49-F238E27FC236}">
-                      <a16:creationId xmlns:a16="http://schemas.microsoft.com/office/drawing/2014/main" id="{2C442562-28C8-D55B-3644-361E62740B73}"/>
-                    </a:ext>
-                  </a:extLst>
-                </p:cNvPr>
-                <p:cNvSpPr txBox="1">
-                  <a:spLocks noRot="1" noChangeAspect="1" noMove="1" noResize="1" noEditPoints="1" noAdjustHandles="1" noChangeArrowheads="1" noChangeShapeType="1" noTextEdit="1"/>
-                </p:cNvSpPr>
-                <p:nvPr/>
-              </p:nvSpPr>
-              <p:spPr>
-                <a:xfrm>
-                  <a:off x="6173439" y="1672224"/>
-                  <a:ext cx="5034643" cy="1569660"/>
-                </a:xfrm>
-                <a:prstGeom prst="rect">
-                  <a:avLst/>
-                </a:prstGeom>
-                <a:blipFill>
-                  <a:blip r:embed="rId5"/>
-                  <a:stretch>
-                    <a:fillRect l="-1937" t="-2985" b="-3731"/>
-                  </a:stretch>
-                </a:blipFill>
-              </p:spPr>
-              <p:txBody>
-                <a:bodyPr/>
-                <a:lstStyle/>
-                <a:p>
-                  <a:r>
-                    <a:rPr lang="fr-FR">
-                      <a:noFill/>
-                    </a:rPr>
-                    <a:t> </a:t>
-                  </a:r>
-                </a:p>
-              </p:txBody>
-            </p:sp>
-          </mc:Fallback>
-        </mc:AlternateContent>
-        <p:sp>
-          <p:nvSpPr>
-            <p:cNvPr id="12" name="Rectangle : coins arrondis 11">
-              <a:extLst>
-                <a:ext uri="{FF2B5EF4-FFF2-40B4-BE49-F238E27FC236}">
-                  <a16:creationId xmlns:a16="http://schemas.microsoft.com/office/drawing/2014/main" id="{51FECEE6-D937-2875-5E80-45020A8753EB}"/>
-                </a:ext>
-              </a:extLst>
-            </p:cNvPr>
-            <p:cNvSpPr/>
-            <p:nvPr/>
-          </p:nvSpPr>
-          <p:spPr>
-            <a:xfrm>
-              <a:off x="102053" y="3832807"/>
-              <a:ext cx="11088339" cy="2241167"/>
-            </a:xfrm>
-            <a:prstGeom prst="roundRect">
-              <a:avLst/>
-            </a:prstGeom>
-            <a:noFill/>
-          </p:spPr>
-          <p:style>
-            <a:lnRef idx="2">
-              <a:schemeClr val="accent1">
-                <a:shade val="15000"/>
-              </a:schemeClr>
-            </a:lnRef>
-            <a:fillRef idx="1">
-              <a:schemeClr val="accent1"/>
-            </a:fillRef>
-            <a:effectRef idx="0">
-              <a:schemeClr val="accent1"/>
-            </a:effectRef>
-            <a:fontRef idx="minor">
-              <a:schemeClr val="lt1"/>
-            </a:fontRef>
-          </p:style>
-          <p:txBody>
-            <a:bodyPr rtlCol="0" anchor="ctr"/>
-            <a:lstStyle/>
-            <a:p>
-              <a:pPr algn="ctr"/>
-              <a:endParaRPr lang="fr-FR" dirty="0"/>
-            </a:p>
-          </p:txBody>
-        </p:sp>
-      </p:grpSp>
-    </p:spTree>
-    <p:extLst>
-      <p:ext uri="{BB962C8B-B14F-4D97-AF65-F5344CB8AC3E}">
-        <p14:creationId xmlns:p14="http://schemas.microsoft.com/office/powerpoint/2010/main" val="1964435662"/>
-      </p:ext>
-    </p:extLst>
-  </p:cSld>
-  <p:clrMapOvr>
-    <a:masterClrMapping/>
-  </p:clrMapOvr>
-</p:sld>
-</file>
-
-<file path=ppt/slides/slide7.xml><?xml version="1.0" encoding="utf-8"?>
-<p:sld xmlns:a="http://schemas.openxmlformats.org/drawingml/2006/main" xmlns:r="http://schemas.openxmlformats.org/officeDocument/2006/relationships" xmlns:p="http://schemas.openxmlformats.org/presentationml/2006/main">
-  <p:cSld>
-    <p:spTree>
-      <p:nvGrpSpPr>
-        <p:cNvPr id="1" name="">
-          <a:extLst>
-            <a:ext uri="{FF2B5EF4-FFF2-40B4-BE49-F238E27FC236}">
-              <a16:creationId xmlns:a16="http://schemas.microsoft.com/office/drawing/2014/main" id="{C67557DB-E485-B1ED-5FD9-327415A607DF}"/>
-            </a:ext>
-          </a:extLst>
-        </p:cNvPr>
-        <p:cNvGrpSpPr/>
-        <p:nvPr/>
-      </p:nvGrpSpPr>
-      <p:grpSpPr>
-        <a:xfrm>
-          <a:off x="0" y="0"/>
-          <a:ext cx="0" cy="0"/>
-          <a:chOff x="0" y="0"/>
-          <a:chExt cx="0" cy="0"/>
-        </a:xfrm>
-      </p:grpSpPr>
-      <p:sp>
-        <p:nvSpPr>
-          <p:cNvPr id="3" name="Espace réservé du numéro de diapositive 2">
-            <a:extLst>
-              <a:ext uri="{FF2B5EF4-FFF2-40B4-BE49-F238E27FC236}">
-                <a16:creationId xmlns:a16="http://schemas.microsoft.com/office/drawing/2014/main" id="{CE4AAA5A-E668-F3E9-7981-CF3DB415D332}"/>
-              </a:ext>
-            </a:extLst>
-          </p:cNvPr>
-          <p:cNvSpPr>
-            <a:spLocks noGrp="1"/>
-          </p:cNvSpPr>
-          <p:nvPr>
-            <p:ph type="sldNum" sz="quarter" idx="4"/>
-          </p:nvPr>
-        </p:nvSpPr>
-        <p:spPr>
-          <a:xfrm>
-            <a:off x="8610600" y="6356350"/>
-            <a:ext cx="2743200" cy="365125"/>
-          </a:xfrm>
-        </p:spPr>
-        <p:txBody>
-          <a:bodyPr/>
-          <a:lstStyle/>
-          <a:p>
-            <a:fld id="{F546B7B7-7D14-4795-A998-350CFB2BDD43}" type="slidenum">
-              <a:rPr lang="fr-FR" smtClean="0"/>
-              <a:pPr/>
-              <a:t>7</a:t>
-            </a:fld>
-            <a:endParaRPr lang="fr-FR"/>
-          </a:p>
-        </p:txBody>
-      </p:sp>
-      <p:sp>
-        <p:nvSpPr>
-          <p:cNvPr id="2" name="ZoneTexte 1">
-            <a:extLst>
-              <a:ext uri="{FF2B5EF4-FFF2-40B4-BE49-F238E27FC236}">
-                <a16:creationId xmlns:a16="http://schemas.microsoft.com/office/drawing/2014/main" id="{7DB62A4C-01F7-8146-ADBE-E4040BDCC217}"/>
-              </a:ext>
-            </a:extLst>
-          </p:cNvPr>
-          <p:cNvSpPr txBox="1"/>
-          <p:nvPr/>
-        </p:nvSpPr>
-        <p:spPr>
-          <a:xfrm>
-            <a:off x="2" y="532969"/>
-            <a:ext cx="12191999" cy="646331"/>
-          </a:xfrm>
-          <a:prstGeom prst="rect">
-            <a:avLst/>
-          </a:prstGeom>
-          <a:solidFill>
-            <a:srgbClr val="006A5A"/>
-          </a:solidFill>
-        </p:spPr>
-        <p:txBody>
-          <a:bodyPr wrap="square" rtlCol="0">
-            <a:spAutoFit/>
-          </a:bodyPr>
-          <a:lstStyle/>
-          <a:p>
-            <a:r>
-              <a:rPr lang="fr-FR" sz="3600" b="1" dirty="0">
-                <a:solidFill>
-                  <a:schemeClr val="bg1"/>
-                </a:solidFill>
-                <a:latin typeface="Gill Sans MT" panose="020B0502020104020203" pitchFamily="34" charset="0"/>
-              </a:rPr>
-              <a:t>1.1. Cadre conceptuel de l’étude</a:t>
-            </a:r>
-          </a:p>
-        </p:txBody>
-      </p:sp>
-      <p:pic>
-        <p:nvPicPr>
-          <p:cNvPr id="4" name="Graphique 3" descr="Flèches de chevron">
-            <a:extLst>
-              <a:ext uri="{FF2B5EF4-FFF2-40B4-BE49-F238E27FC236}">
-                <a16:creationId xmlns:a16="http://schemas.microsoft.com/office/drawing/2014/main" id="{364AF47F-2B95-0F93-CE36-A0B2B11D4774}"/>
-              </a:ext>
-            </a:extLst>
-          </p:cNvPr>
-          <p:cNvPicPr>
-            <a:picLocks noChangeAspect="1"/>
-          </p:cNvPicPr>
-          <p:nvPr/>
-        </p:nvPicPr>
-        <p:blipFill>
-          <a:blip r:embed="rId2">
-            <a:extLst>
-              <a:ext uri="{28A0092B-C50C-407E-A947-70E740481C1C}">
-                <a14:useLocalDpi xmlns:a14="http://schemas.microsoft.com/office/drawing/2010/main" val="0"/>
-              </a:ext>
-              <a:ext uri="{96DAC541-7B7A-43D3-8B79-37D633B846F1}">
-                <asvg:svgBlip xmlns:asvg="http://schemas.microsoft.com/office/drawing/2016/SVG/main" r:embed="rId3"/>
-              </a:ext>
-            </a:extLst>
-          </a:blip>
-          <a:stretch>
-            <a:fillRect/>
-          </a:stretch>
-        </p:blipFill>
-        <p:spPr>
-          <a:xfrm>
-            <a:off x="11078692" y="266700"/>
-            <a:ext cx="1170459" cy="1170459"/>
-          </a:xfrm>
-          <a:prstGeom prst="rect">
-            <a:avLst/>
-          </a:prstGeom>
-        </p:spPr>
-      </p:pic>
-      <mc:AlternateContent xmlns:mc="http://schemas.openxmlformats.org/markup-compatibility/2006" xmlns:a14="http://schemas.microsoft.com/office/drawing/2010/main">
-        <mc:Choice Requires="a14">
+                  </m:oMathPara>
+                </a14:m>
+                <a:endParaRPr lang="en-US" sz="2400" dirty="0">
+                  <a:latin typeface="Gill Sans MT" panose="020B0502020104020203" pitchFamily="34" charset="0"/>
+                </a:endParaRPr>
+              </a:p>
+            </p:txBody>
+          </p:sp>
+        </mc:Choice>
+        <mc:Fallback>
           <p:sp>
             <p:nvSpPr>
-              <p:cNvPr id="5" name="ZoneTexte 4">
+              <p:cNvPr id="6" name="ZoneTexte 5">
                 <a:extLst>
                   <a:ext uri="{FF2B5EF4-FFF2-40B4-BE49-F238E27FC236}">
-                    <a16:creationId xmlns:a16="http://schemas.microsoft.com/office/drawing/2014/main" id="{9F81570F-F297-B13B-ABA1-DE1E4FC2354A}"/>
+                    <a16:creationId xmlns:a16="http://schemas.microsoft.com/office/drawing/2014/main" id="{16044062-2647-3BDD-6E66-9E907B89CFA5}"/>
+                  </a:ext>
+                </a:extLst>
+              </p:cNvPr>
+              <p:cNvSpPr txBox="1">
+                <a:spLocks noRot="1" noChangeAspect="1" noMove="1" noResize="1" noEditPoints="1" noAdjustHandles="1" noChangeArrowheads="1" noChangeShapeType="1" noTextEdit="1"/>
+              </p:cNvSpPr>
+              <p:nvPr/>
+            </p:nvSpPr>
+            <p:spPr>
+              <a:xfrm>
+                <a:off x="390647" y="1606501"/>
+                <a:ext cx="5834743" cy="1156598"/>
+              </a:xfrm>
+              <a:prstGeom prst="rect">
+                <a:avLst/>
+              </a:prstGeom>
+              <a:blipFill>
+                <a:blip r:embed="rId4"/>
+                <a:stretch>
+                  <a:fillRect l="-1358" t="-4233"/>
+                </a:stretch>
+              </a:blipFill>
+            </p:spPr>
+            <p:txBody>
+              <a:bodyPr/>
+              <a:lstStyle/>
+              <a:p>
+                <a:r>
+                  <a:rPr lang="fr-FR">
+                    <a:noFill/>
+                  </a:rPr>
+                  <a:t> </a:t>
+                </a:r>
+              </a:p>
+            </p:txBody>
+          </p:sp>
+        </mc:Fallback>
+      </mc:AlternateContent>
+      <mc:AlternateContent xmlns:mc="http://schemas.openxmlformats.org/markup-compatibility/2006">
+        <mc:Choice xmlns:a14="http://schemas.microsoft.com/office/drawing/2010/main" Requires="a14">
+          <p:sp>
+            <p:nvSpPr>
+              <p:cNvPr id="7" name="ZoneTexte 6">
+                <a:extLst>
+                  <a:ext uri="{FF2B5EF4-FFF2-40B4-BE49-F238E27FC236}">
+                    <a16:creationId xmlns:a16="http://schemas.microsoft.com/office/drawing/2014/main" id="{20C5E080-9BA5-0202-4544-2E5F62BBF121}"/>
                   </a:ext>
                 </a:extLst>
               </p:cNvPr>
@@ -21162,8 +19877,8 @@
             </p:nvSpPr>
             <p:spPr>
               <a:xfrm>
-                <a:off x="587829" y="2079171"/>
-                <a:ext cx="10308771" cy="3187539"/>
+                <a:off x="390647" y="4477319"/>
+                <a:ext cx="10308771" cy="1650708"/>
               </a:xfrm>
               <a:prstGeom prst="rect">
                 <a:avLst/>
@@ -21204,15 +19919,11 @@
                   </a:rPr>
                   <a:t> </a:t>
                 </a:r>
-                <a:r>
-                  <a:rPr lang="fr-FR" sz="2400" dirty="0">
-                    <a:latin typeface="Gill Sans MT" panose="020B0502020104020203" pitchFamily="34" charset="0"/>
-                  </a:rPr>
-                  <a:t>est une mesure de la distance entre deux points sur une sphère, basée sur leurs coordonnées géographiques :</a:t>
-                </a:r>
+                <a:endParaRPr lang="fr-FR" sz="2400" i="1" dirty="0">
+                  <a:latin typeface="Cambria Math" panose="02040503050406030204" pitchFamily="18" charset="0"/>
+                </a:endParaRPr>
               </a:p>
               <a:p>
-                <a:pPr algn="ctr"/>
                 <a14:m>
                   <m:oMathPara xmlns:m="http://schemas.openxmlformats.org/officeDocument/2006/math">
                     <m:oMathParaPr>
@@ -21611,260 +20322,16 @@
                   <a:latin typeface="Gill Sans MT" panose="020B0502020104020203" pitchFamily="34" charset="0"/>
                 </a:endParaRPr>
               </a:p>
-              <a:p>
-                <a:pPr marL="800100" lvl="1" indent="-342900" algn="just">
-                  <a:buFont typeface="Wingdings" panose="05000000000000000000" pitchFamily="2" charset="2"/>
-                  <a:buChar char="§"/>
-                </a:pPr>
-                <a14:m>
-                  <m:oMath xmlns:m="http://schemas.openxmlformats.org/officeDocument/2006/math">
-                    <m:r>
-                      <a:rPr lang="fr-FR" sz="2400">
-                        <a:latin typeface="Cambria Math" panose="02040503050406030204" pitchFamily="18" charset="0"/>
-                      </a:rPr>
-                      <m:t>𝑟</m:t>
-                    </m:r>
-                  </m:oMath>
-                </a14:m>
-                <a:r>
-                  <a:rPr lang="fr-FR" sz="2400" dirty="0">
-                    <a:latin typeface="Gill Sans MT" panose="020B0502020104020203" pitchFamily="34" charset="0"/>
-                  </a:rPr>
-                  <a:t> est le rayon de la terre (environ 6371 km).</a:t>
-                </a:r>
-              </a:p>
-              <a:p>
-                <a:pPr marL="800100" lvl="1" indent="-342900" algn="just">
-                  <a:buFont typeface="Wingdings" panose="05000000000000000000" pitchFamily="2" charset="2"/>
-                  <a:buChar char="§"/>
-                </a:pPr>
-                <a:r>
-                  <a:rPr lang="fr-FR" sz="2400" dirty="0">
-                    <a:latin typeface="Gill Sans MT" panose="020B0502020104020203" pitchFamily="34" charset="0"/>
-                  </a:rPr>
-                  <a:t> </a:t>
-                </a:r>
-                <a14:m>
-                  <m:oMath xmlns:m="http://schemas.openxmlformats.org/officeDocument/2006/math">
-                    <m:sSub>
-                      <m:sSubPr>
-                        <m:ctrlPr>
-                          <a:rPr lang="fr-FR" sz="2400" i="1" smtClean="0">
-                            <a:latin typeface="Cambria Math" panose="02040503050406030204" pitchFamily="18" charset="0"/>
-                          </a:rPr>
-                        </m:ctrlPr>
-                      </m:sSubPr>
-                      <m:e>
-                        <m:r>
-                          <a:rPr lang="fr-FR" sz="2400">
-                            <a:latin typeface="Cambria Math" panose="02040503050406030204" pitchFamily="18" charset="0"/>
-                          </a:rPr>
-                          <m:t>𝜑</m:t>
-                        </m:r>
-                      </m:e>
-                      <m:sub>
-                        <m:r>
-                          <a:rPr lang="fr-FR" sz="2400">
-                            <a:latin typeface="Cambria Math" panose="02040503050406030204" pitchFamily="18" charset="0"/>
-                          </a:rPr>
-                          <m:t>𝑖</m:t>
-                        </m:r>
-                      </m:sub>
-                    </m:sSub>
-                  </m:oMath>
-                </a14:m>
-                <a:r>
-                  <a:rPr lang="fr-FR" sz="2400" dirty="0">
-                    <a:latin typeface="Gill Sans MT" panose="020B0502020104020203" pitchFamily="34" charset="0"/>
-                  </a:rPr>
-                  <a:t> , </a:t>
-                </a:r>
-                <a14:m>
-                  <m:oMath xmlns:m="http://schemas.openxmlformats.org/officeDocument/2006/math">
-                    <m:sSub>
-                      <m:sSubPr>
-                        <m:ctrlPr>
-                          <a:rPr lang="fr-FR" sz="2400" i="1">
-                            <a:latin typeface="Cambria Math" panose="02040503050406030204" pitchFamily="18" charset="0"/>
-                          </a:rPr>
-                        </m:ctrlPr>
-                      </m:sSubPr>
-                      <m:e>
-                        <m:r>
-                          <a:rPr lang="fr-FR" sz="2400">
-                            <a:latin typeface="Cambria Math" panose="02040503050406030204" pitchFamily="18" charset="0"/>
-                          </a:rPr>
-                          <m:t>𝜑</m:t>
-                        </m:r>
-                      </m:e>
-                      <m:sub>
-                        <m:r>
-                          <a:rPr lang="fr-FR" sz="2400" b="0" i="1" smtClean="0">
-                            <a:latin typeface="Cambria Math" panose="02040503050406030204" pitchFamily="18" charset="0"/>
-                          </a:rPr>
-                          <m:t>𝑗</m:t>
-                        </m:r>
-                      </m:sub>
-                    </m:sSub>
-                  </m:oMath>
-                </a14:m>
-                <a:r>
-                  <a:rPr lang="fr-FR" sz="2400" dirty="0">
-                    <a:latin typeface="Gill Sans MT" panose="020B0502020104020203" pitchFamily="34" charset="0"/>
-                  </a:rPr>
-                  <a:t> sont les latitudes des points </a:t>
-                </a:r>
-                <a14:m>
-                  <m:oMath xmlns:m="http://schemas.openxmlformats.org/officeDocument/2006/math">
-                    <m:r>
-                      <a:rPr lang="fr-FR" sz="2400" b="0" i="1" smtClean="0">
-                        <a:latin typeface="Cambria Math" panose="02040503050406030204" pitchFamily="18" charset="0"/>
-                      </a:rPr>
-                      <m:t>𝑖</m:t>
-                    </m:r>
-                  </m:oMath>
-                </a14:m>
-                <a:r>
-                  <a:rPr lang="fr-FR" sz="2400" dirty="0">
-                    <a:latin typeface="Gill Sans MT" panose="020B0502020104020203" pitchFamily="34" charset="0"/>
-                  </a:rPr>
-                  <a:t> et </a:t>
-                </a:r>
-                <a14:m>
-                  <m:oMath xmlns:m="http://schemas.openxmlformats.org/officeDocument/2006/math">
-                    <m:r>
-                      <a:rPr lang="fr-FR" sz="2400" b="0" i="1" smtClean="0">
-                        <a:latin typeface="Cambria Math" panose="02040503050406030204" pitchFamily="18" charset="0"/>
-                      </a:rPr>
-                      <m:t>𝑗</m:t>
-                    </m:r>
-                  </m:oMath>
-                </a14:m>
-                <a:r>
-                  <a:rPr lang="fr-FR" sz="2400" dirty="0">
-                    <a:latin typeface="Gill Sans MT" panose="020B0502020104020203" pitchFamily="34" charset="0"/>
-                  </a:rPr>
-                  <a:t> (en radians).</a:t>
-                </a:r>
-              </a:p>
-              <a:p>
-                <a:pPr marL="800100" lvl="1" indent="-342900" algn="just">
-                  <a:buFont typeface="Wingdings" panose="05000000000000000000" pitchFamily="2" charset="2"/>
-                  <a:buChar char="§"/>
-                </a:pPr>
-                <a14:m>
-                  <m:oMath xmlns:m="http://schemas.openxmlformats.org/officeDocument/2006/math">
-                    <m:sSub>
-                      <m:sSubPr>
-                        <m:ctrlPr>
-                          <a:rPr lang="fr-FR" sz="2400" i="1" smtClean="0">
-                            <a:latin typeface="Cambria Math" panose="02040503050406030204" pitchFamily="18" charset="0"/>
-                          </a:rPr>
-                        </m:ctrlPr>
-                      </m:sSubPr>
-                      <m:e>
-                        <m:r>
-                          <a:rPr lang="fr-FR" sz="2400">
-                            <a:latin typeface="Cambria Math" panose="02040503050406030204" pitchFamily="18" charset="0"/>
-                          </a:rPr>
-                          <m:t>𝜆</m:t>
-                        </m:r>
-                      </m:e>
-                      <m:sub>
-                        <m:r>
-                          <a:rPr lang="fr-FR" sz="2400">
-                            <a:latin typeface="Cambria Math" panose="02040503050406030204" pitchFamily="18" charset="0"/>
-                          </a:rPr>
-                          <m:t>𝑖</m:t>
-                        </m:r>
-                      </m:sub>
-                    </m:sSub>
-                  </m:oMath>
-                </a14:m>
-                <a:r>
-                  <a:rPr lang="fr-FR" sz="2400" dirty="0">
-                    <a:latin typeface="Gill Sans MT" panose="020B0502020104020203" pitchFamily="34" charset="0"/>
-                  </a:rPr>
-                  <a:t>, </a:t>
-                </a:r>
-                <a14:m>
-                  <m:oMath xmlns:m="http://schemas.openxmlformats.org/officeDocument/2006/math">
-                    <m:sSub>
-                      <m:sSubPr>
-                        <m:ctrlPr>
-                          <a:rPr lang="fr-FR" sz="2400" i="1">
-                            <a:latin typeface="Cambria Math" panose="02040503050406030204" pitchFamily="18" charset="0"/>
-                          </a:rPr>
-                        </m:ctrlPr>
-                      </m:sSubPr>
-                      <m:e>
-                        <m:r>
-                          <a:rPr lang="fr-FR" sz="2400">
-                            <a:latin typeface="Cambria Math" panose="02040503050406030204" pitchFamily="18" charset="0"/>
-                          </a:rPr>
-                          <m:t>𝜆</m:t>
-                        </m:r>
-                      </m:e>
-                      <m:sub>
-                        <m:r>
-                          <a:rPr lang="fr-FR" sz="2400" b="0" i="1" smtClean="0">
-                            <a:latin typeface="Cambria Math" panose="02040503050406030204" pitchFamily="18" charset="0"/>
-                          </a:rPr>
-                          <m:t>𝑗</m:t>
-                        </m:r>
-                      </m:sub>
-                    </m:sSub>
-                  </m:oMath>
-                </a14:m>
-                <a:r>
-                  <a:rPr lang="fr-FR" sz="2400" dirty="0">
-                    <a:latin typeface="Gill Sans MT" panose="020B0502020104020203" pitchFamily="34" charset="0"/>
-                  </a:rPr>
-                  <a:t> : les longitudes des points </a:t>
-                </a:r>
-                <a14:m>
-                  <m:oMath xmlns:m="http://schemas.openxmlformats.org/officeDocument/2006/math">
-                    <m:r>
-                      <a:rPr lang="fr-FR" sz="2400" i="1">
-                        <a:latin typeface="Cambria Math" panose="02040503050406030204" pitchFamily="18" charset="0"/>
-                      </a:rPr>
-                      <m:t>𝑖</m:t>
-                    </m:r>
-                  </m:oMath>
-                </a14:m>
-                <a:r>
-                  <a:rPr lang="fr-FR" sz="2400" dirty="0">
-                    <a:latin typeface="Gill Sans MT" panose="020B0502020104020203" pitchFamily="34" charset="0"/>
-                  </a:rPr>
-                  <a:t> et </a:t>
-                </a:r>
-                <a14:m>
-                  <m:oMath xmlns:m="http://schemas.openxmlformats.org/officeDocument/2006/math">
-                    <m:r>
-                      <a:rPr lang="fr-FR" sz="2400" i="1">
-                        <a:latin typeface="Cambria Math" panose="02040503050406030204" pitchFamily="18" charset="0"/>
-                      </a:rPr>
-                      <m:t>𝑗</m:t>
-                    </m:r>
-                  </m:oMath>
-                </a14:m>
-                <a:r>
-                  <a:rPr lang="fr-FR" sz="2400" dirty="0">
-                    <a:latin typeface="Gill Sans MT" panose="020B0502020104020203" pitchFamily="34" charset="0"/>
-                  </a:rPr>
-                  <a:t> (en radians).</a:t>
-                </a:r>
-              </a:p>
             </p:txBody>
           </p:sp>
         </mc:Choice>
-        <mc:Fallback xmlns="">
+        <mc:Fallback>
           <p:sp>
             <p:nvSpPr>
-              <p:cNvPr id="5" name="ZoneTexte 4">
+              <p:cNvPr id="7" name="ZoneTexte 6">
                 <a:extLst>
                   <a:ext uri="{FF2B5EF4-FFF2-40B4-BE49-F238E27FC236}">
-                    <a16:creationId xmlns:a16="http://schemas.microsoft.com/office/drawing/2014/main" id="{9F81570F-F297-B13B-ABA1-DE1E4FC2354A}"/>
+                    <a16:creationId xmlns:a16="http://schemas.microsoft.com/office/drawing/2014/main" id="{20C5E080-9BA5-0202-4544-2E5F62BBF121}"/>
                   </a:ext>
                 </a:extLst>
               </p:cNvPr>
@@ -21875,16 +20342,16 @@
             </p:nvSpPr>
             <p:spPr>
               <a:xfrm>
-                <a:off x="587829" y="2079171"/>
-                <a:ext cx="10308771" cy="3187539"/>
+                <a:off x="390647" y="4477319"/>
+                <a:ext cx="10308771" cy="1650708"/>
               </a:xfrm>
               <a:prstGeom prst="rect">
                 <a:avLst/>
               </a:prstGeom>
               <a:blipFill>
-                <a:blip r:embed="rId4"/>
+                <a:blip r:embed="rId5"/>
                 <a:stretch>
-                  <a:fillRect l="-768" t="-1530" b="-2486"/>
+                  <a:fillRect l="-769" t="-2952"/>
                 </a:stretch>
               </a:blipFill>
             </p:spPr>
@@ -21903,57 +20370,10 @@
           </p:sp>
         </mc:Fallback>
       </mc:AlternateContent>
-      <p:sp>
-        <p:nvSpPr>
-          <p:cNvPr id="6" name="Rectangle : coins arrondis 5">
-            <a:extLst>
-              <a:ext uri="{FF2B5EF4-FFF2-40B4-BE49-F238E27FC236}">
-                <a16:creationId xmlns:a16="http://schemas.microsoft.com/office/drawing/2014/main" id="{76CA1956-751F-88BA-9706-A459333F12C0}"/>
-              </a:ext>
-            </a:extLst>
-          </p:cNvPr>
-          <p:cNvSpPr/>
-          <p:nvPr/>
-        </p:nvSpPr>
-        <p:spPr>
-          <a:xfrm>
-            <a:off x="194582" y="1413475"/>
-            <a:ext cx="11469339" cy="4518929"/>
-          </a:xfrm>
-          <a:prstGeom prst="roundRect">
-            <a:avLst/>
-          </a:prstGeom>
-          <a:noFill/>
-        </p:spPr>
-        <p:style>
-          <a:lnRef idx="2">
-            <a:schemeClr val="accent1">
-              <a:shade val="15000"/>
-            </a:schemeClr>
-          </a:lnRef>
-          <a:fillRef idx="1">
-            <a:schemeClr val="accent1"/>
-          </a:fillRef>
-          <a:effectRef idx="0">
-            <a:schemeClr val="accent1"/>
-          </a:effectRef>
-          <a:fontRef idx="minor">
-            <a:schemeClr val="lt1"/>
-          </a:fontRef>
-        </p:style>
-        <p:txBody>
-          <a:bodyPr rtlCol="0" anchor="ctr"/>
-          <a:lstStyle/>
-          <a:p>
-            <a:pPr algn="ctr"/>
-            <a:endParaRPr lang="fr-FR" dirty="0"/>
-          </a:p>
-        </p:txBody>
-      </p:sp>
     </p:spTree>
     <p:extLst>
       <p:ext uri="{BB962C8B-B14F-4D97-AF65-F5344CB8AC3E}">
-        <p14:creationId xmlns:p14="http://schemas.microsoft.com/office/powerpoint/2010/main" val="2150441019"/>
+        <p14:creationId xmlns:p14="http://schemas.microsoft.com/office/powerpoint/2010/main" val="1964435662"/>
       </p:ext>
     </p:extLst>
   </p:cSld>
@@ -21963,7 +20383,7 @@
 </p:sld>
 </file>
 
-<file path=ppt/slides/slide8.xml><?xml version="1.0" encoding="utf-8"?>
+<file path=ppt/slides/slide7.xml><?xml version="1.0" encoding="utf-8"?>
 <p:sld xmlns:a="http://schemas.openxmlformats.org/drawingml/2006/main" xmlns:r="http://schemas.openxmlformats.org/officeDocument/2006/relationships" xmlns:p="http://schemas.openxmlformats.org/presentationml/2006/main">
   <p:cSld>
     <p:spTree>
@@ -22015,7 +20435,7 @@
             <a:fld id="{F546B7B7-7D14-4795-A998-350CFB2BDD43}" type="slidenum">
               <a:rPr lang="fr-FR" smtClean="0"/>
               <a:pPr/>
-              <a:t>8</a:t>
+              <a:t>7</a:t>
             </a:fld>
             <a:endParaRPr lang="fr-FR"/>
           </a:p>
@@ -22058,25 +20478,7 @@
                 </a:solidFill>
                 <a:latin typeface="Gill Sans MT" panose="020B0502020104020203" pitchFamily="34" charset="0"/>
               </a:rPr>
-              <a:t>1.2. Revue de littérature (</a:t>
-            </a:r>
-            <a:r>
-              <a:rPr lang="fr-FR" sz="2400" b="1" dirty="0">
-                <a:solidFill>
-                  <a:srgbClr val="FF0000"/>
-                </a:solidFill>
-                <a:latin typeface="Gill Sans MT" panose="020B0502020104020203" pitchFamily="34" charset="0"/>
-              </a:rPr>
-              <a:t>Alex: réorganiser si possible sur 2 diapo</a:t>
-            </a:r>
-            <a:r>
-              <a:rPr lang="fr-FR" sz="3600" b="1" dirty="0">
-                <a:solidFill>
-                  <a:schemeClr val="bg1"/>
-                </a:solidFill>
-                <a:latin typeface="Gill Sans MT" panose="020B0502020104020203" pitchFamily="34" charset="0"/>
-              </a:rPr>
-              <a:t>)</a:t>
+              <a:t>1.2. Revue de littérature</a:t>
             </a:r>
           </a:p>
         </p:txBody>
@@ -22523,7 +20925,7 @@
 </p:sld>
 </file>
 
-<file path=ppt/slides/slide9.xml><?xml version="1.0" encoding="utf-8"?>
+<file path=ppt/slides/slide8.xml><?xml version="1.0" encoding="utf-8"?>
 <p:sld xmlns:a="http://schemas.openxmlformats.org/drawingml/2006/main" xmlns:r="http://schemas.openxmlformats.org/officeDocument/2006/relationships" xmlns:p="http://schemas.openxmlformats.org/presentationml/2006/main">
   <p:cSld>
     <p:spTree>
@@ -22575,7 +20977,7 @@
             <a:fld id="{F546B7B7-7D14-4795-A998-350CFB2BDD43}" type="slidenum">
               <a:rPr lang="fr-FR" smtClean="0"/>
               <a:pPr/>
-              <a:t>9</a:t>
+              <a:t>8</a:t>
             </a:fld>
             <a:endParaRPr lang="fr-FR"/>
           </a:p>
@@ -23048,6 +21450,66 @@
     <p:extLst>
       <p:ext uri="{BB962C8B-B14F-4D97-AF65-F5344CB8AC3E}">
         <p14:creationId xmlns:p14="http://schemas.microsoft.com/office/powerpoint/2010/main" val="1674074081"/>
+      </p:ext>
+    </p:extLst>
+  </p:cSld>
+  <p:clrMapOvr>
+    <a:masterClrMapping/>
+  </p:clrMapOvr>
+</p:sld>
+</file>
+
+<file path=ppt/slides/slide9.xml><?xml version="1.0" encoding="utf-8"?>
+<p:sld xmlns:a="http://schemas.openxmlformats.org/drawingml/2006/main" xmlns:r="http://schemas.openxmlformats.org/officeDocument/2006/relationships" xmlns:p="http://schemas.openxmlformats.org/presentationml/2006/main">
+  <p:cSld>
+    <p:spTree>
+      <p:nvGrpSpPr>
+        <p:cNvPr id="1" name=""/>
+        <p:cNvGrpSpPr/>
+        <p:nvPr/>
+      </p:nvGrpSpPr>
+      <p:grpSpPr>
+        <a:xfrm>
+          <a:off x="0" y="0"/>
+          <a:ext cx="0" cy="0"/>
+          <a:chOff x="0" y="0"/>
+          <a:chExt cx="0" cy="0"/>
+        </a:xfrm>
+      </p:grpSpPr>
+      <p:sp>
+        <p:nvSpPr>
+          <p:cNvPr id="2" name="Espace réservé du numéro de diapositive 1">
+            <a:extLst>
+              <a:ext uri="{FF2B5EF4-FFF2-40B4-BE49-F238E27FC236}">
+                <a16:creationId xmlns:a16="http://schemas.microsoft.com/office/drawing/2014/main" id="{E166AE0D-2FAB-3003-2BD1-E74A9391CFB5}"/>
+              </a:ext>
+            </a:extLst>
+          </p:cNvPr>
+          <p:cNvSpPr>
+            <a:spLocks noGrp="1"/>
+          </p:cNvSpPr>
+          <p:nvPr>
+            <p:ph type="sldNum" sz="quarter" idx="4"/>
+          </p:nvPr>
+        </p:nvSpPr>
+        <p:spPr/>
+        <p:txBody>
+          <a:bodyPr/>
+          <a:lstStyle/>
+          <a:p>
+            <a:fld id="{F546B7B7-7D14-4795-A998-350CFB2BDD43}" type="slidenum">
+              <a:rPr lang="fr-FR" smtClean="0"/>
+              <a:pPr/>
+              <a:t>9</a:t>
+            </a:fld>
+            <a:endParaRPr lang="fr-FR"/>
+          </a:p>
+        </p:txBody>
+      </p:sp>
+    </p:spTree>
+    <p:extLst>
+      <p:ext uri="{BB962C8B-B14F-4D97-AF65-F5344CB8AC3E}">
+        <p14:creationId xmlns:p14="http://schemas.microsoft.com/office/powerpoint/2010/main" val="1312687224"/>
       </p:ext>
     </p:extLst>
   </p:cSld>

--- a/Présentation/Soutenance_Groupe25.pptx
+++ b/Présentation/Soutenance_Groupe25.pptx
@@ -35,12 +35,12 @@
     <p:sldId id="305" r:id="rId23"/>
     <p:sldId id="269" r:id="rId24"/>
     <p:sldId id="270" r:id="rId25"/>
-    <p:sldId id="282" r:id="rId26"/>
-    <p:sldId id="283" r:id="rId27"/>
-    <p:sldId id="284" r:id="rId28"/>
-    <p:sldId id="298" r:id="rId29"/>
+    <p:sldId id="306" r:id="rId26"/>
+    <p:sldId id="307" r:id="rId27"/>
+    <p:sldId id="308" r:id="rId28"/>
+    <p:sldId id="309" r:id="rId29"/>
     <p:sldId id="285" r:id="rId30"/>
-    <p:sldId id="299" r:id="rId31"/>
+    <p:sldId id="310" r:id="rId31"/>
     <p:sldId id="272" r:id="rId32"/>
     <p:sldId id="271" r:id="rId33"/>
     <p:sldId id="297" r:id="rId34"/>
@@ -247,7 +247,7 @@
           <a:p>
             <a:fld id="{02EF5511-433E-438D-93BB-1E1EB804EB9E}" type="datetimeFigureOut">
               <a:rPr lang="fr-FR" smtClean="0"/>
-              <a:t>26/04/2025</a:t>
+              <a:t>27/04/2025</a:t>
             </a:fld>
             <a:endParaRPr lang="fr-FR"/>
           </a:p>
@@ -425,7 +425,7 @@
           <a:p>
             <a:fld id="{173019D8-EACC-4538-984E-33CCC42DAA4E}" type="datetimeFigureOut">
               <a:rPr lang="fr-FR" smtClean="0"/>
-              <a:t>26/04/2025</a:t>
+              <a:t>27/04/2025</a:t>
             </a:fld>
             <a:endParaRPr lang="fr-FR"/>
           </a:p>
@@ -1239,6 +1239,90 @@
           <a:bodyPr/>
           <a:lstStyle/>
           <a:p>
+            <a:endParaRPr lang="fr-FR" dirty="0"/>
+          </a:p>
+        </p:txBody>
+      </p:sp>
+      <p:sp>
+        <p:nvSpPr>
+          <p:cNvPr id="4" name="Espace réservé du numéro de diapositive 3"/>
+          <p:cNvSpPr>
+            <a:spLocks noGrp="1"/>
+          </p:cNvSpPr>
+          <p:nvPr>
+            <p:ph type="sldNum" sz="quarter" idx="5"/>
+          </p:nvPr>
+        </p:nvSpPr>
+        <p:spPr/>
+        <p:txBody>
+          <a:bodyPr/>
+          <a:lstStyle/>
+          <a:p>
+            <a:fld id="{45C44DBB-F87B-49EA-91FB-EDB78BBE8593}" type="slidenum">
+              <a:rPr lang="fr-FR" smtClean="0"/>
+              <a:t>26</a:t>
+            </a:fld>
+            <a:endParaRPr lang="fr-FR"/>
+          </a:p>
+        </p:txBody>
+      </p:sp>
+    </p:spTree>
+    <p:extLst>
+      <p:ext uri="{BB962C8B-B14F-4D97-AF65-F5344CB8AC3E}">
+        <p14:creationId xmlns:p14="http://schemas.microsoft.com/office/powerpoint/2010/main" val="2613062387"/>
+      </p:ext>
+    </p:extLst>
+  </p:cSld>
+  <p:clrMapOvr>
+    <a:masterClrMapping/>
+  </p:clrMapOvr>
+</p:notes>
+</file>
+
+<file path=ppt/notesSlides/notesSlide6.xml><?xml version="1.0" encoding="utf-8"?>
+<p:notes xmlns:a="http://schemas.openxmlformats.org/drawingml/2006/main" xmlns:r="http://schemas.openxmlformats.org/officeDocument/2006/relationships" xmlns:p="http://schemas.openxmlformats.org/presentationml/2006/main">
+  <p:cSld>
+    <p:spTree>
+      <p:nvGrpSpPr>
+        <p:cNvPr id="1" name=""/>
+        <p:cNvGrpSpPr/>
+        <p:nvPr/>
+      </p:nvGrpSpPr>
+      <p:grpSpPr>
+        <a:xfrm>
+          <a:off x="0" y="0"/>
+          <a:ext cx="0" cy="0"/>
+          <a:chOff x="0" y="0"/>
+          <a:chExt cx="0" cy="0"/>
+        </a:xfrm>
+      </p:grpSpPr>
+      <p:sp>
+        <p:nvSpPr>
+          <p:cNvPr id="2" name="Espace réservé de l'image des diapositives 1"/>
+          <p:cNvSpPr>
+            <a:spLocks noGrp="1" noRot="1" noChangeAspect="1"/>
+          </p:cNvSpPr>
+          <p:nvPr>
+            <p:ph type="sldImg"/>
+          </p:nvPr>
+        </p:nvSpPr>
+        <p:spPr/>
+      </p:sp>
+      <p:sp>
+        <p:nvSpPr>
+          <p:cNvPr id="3" name="Espace réservé des notes 2"/>
+          <p:cNvSpPr>
+            <a:spLocks noGrp="1"/>
+          </p:cNvSpPr>
+          <p:nvPr>
+            <p:ph type="body" idx="1"/>
+          </p:nvPr>
+        </p:nvSpPr>
+        <p:spPr/>
+        <p:txBody>
+          <a:bodyPr/>
+          <a:lstStyle/>
+          <a:p>
             <a:r>
               <a:rPr lang="fr-FR" dirty="0"/>
               <a:t>Nous insistons ici sur les </a:t>
@@ -1290,7 +1374,7 @@
 </p:notes>
 </file>
 
-<file path=ppt/notesSlides/notesSlide6.xml><?xml version="1.0" encoding="utf-8"?>
+<file path=ppt/notesSlides/notesSlide7.xml><?xml version="1.0" encoding="utf-8"?>
 <p:notes xmlns:a="http://schemas.openxmlformats.org/drawingml/2006/main" xmlns:r="http://schemas.openxmlformats.org/officeDocument/2006/relationships" xmlns:p="http://schemas.openxmlformats.org/presentationml/2006/main">
   <p:cSld>
     <p:spTree>
@@ -1542,7 +1626,7 @@
             <a:fld id="{B4BDA9CF-F2B2-41BE-8486-9C59032E0655}" type="datetime4">
               <a:rPr lang="fr-FR" smtClean="0"/>
               <a:pPr/>
-              <a:t>26 avril 2025</a:t>
+              <a:t>27 avril 2025</a:t>
             </a:fld>
             <a:endParaRPr lang="fr-FR" dirty="0"/>
           </a:p>
@@ -13236,7 +13320,7 @@
               <a:pPr/>
               <a:t>21</a:t>
             </a:fld>
-            <a:endParaRPr lang="fr-FR"/>
+            <a:endParaRPr lang="fr-FR" dirty="0"/>
           </a:p>
         </p:txBody>
       </p:sp>
@@ -13321,12 +13405,841 @@
           </a:prstGeom>
         </p:spPr>
       </p:pic>
+      <p:graphicFrame>
+        <p:nvGraphicFramePr>
+          <p:cNvPr id="6" name="Tableau 6">
+            <a:extLst>
+              <a:ext uri="{FF2B5EF4-FFF2-40B4-BE49-F238E27FC236}">
+                <a16:creationId xmlns:a16="http://schemas.microsoft.com/office/drawing/2014/main" id="{41163AAB-78A7-4168-9615-1CEFC22A6FD3}"/>
+              </a:ext>
+            </a:extLst>
+          </p:cNvPr>
+          <p:cNvGraphicFramePr>
+            <a:graphicFrameLocks noGrp="1"/>
+          </p:cNvGraphicFramePr>
+          <p:nvPr/>
+        </p:nvGraphicFramePr>
+        <p:xfrm>
+          <a:off x="6288621" y="2239949"/>
+          <a:ext cx="5667852" cy="2377440"/>
+        </p:xfrm>
+        <a:graphic>
+          <a:graphicData uri="http://schemas.openxmlformats.org/drawingml/2006/table">
+            <a:tbl>
+              <a:tblPr firstRow="1" bandRow="1">
+                <a:tableStyleId>{C083E6E3-FA7D-4D7B-A595-EF9225AFEA82}</a:tableStyleId>
+              </a:tblPr>
+              <a:tblGrid>
+                <a:gridCol w="1416963">
+                  <a:extLst>
+                    <a:ext uri="{9D8B030D-6E8A-4147-A177-3AD203B41FA5}">
+                      <a16:colId xmlns:a16="http://schemas.microsoft.com/office/drawing/2014/main" val="3779222157"/>
+                    </a:ext>
+                  </a:extLst>
+                </a:gridCol>
+                <a:gridCol w="1416963">
+                  <a:extLst>
+                    <a:ext uri="{9D8B030D-6E8A-4147-A177-3AD203B41FA5}">
+                      <a16:colId xmlns:a16="http://schemas.microsoft.com/office/drawing/2014/main" val="118586844"/>
+                    </a:ext>
+                  </a:extLst>
+                </a:gridCol>
+                <a:gridCol w="1416963">
+                  <a:extLst>
+                    <a:ext uri="{9D8B030D-6E8A-4147-A177-3AD203B41FA5}">
+                      <a16:colId xmlns:a16="http://schemas.microsoft.com/office/drawing/2014/main" val="907235389"/>
+                    </a:ext>
+                  </a:extLst>
+                </a:gridCol>
+                <a:gridCol w="1416963">
+                  <a:extLst>
+                    <a:ext uri="{9D8B030D-6E8A-4147-A177-3AD203B41FA5}">
+                      <a16:colId xmlns:a16="http://schemas.microsoft.com/office/drawing/2014/main" val="2776099443"/>
+                    </a:ext>
+                  </a:extLst>
+                </a:gridCol>
+              </a:tblGrid>
+              <a:tr h="370840">
+                <a:tc>
+                  <a:txBody>
+                    <a:bodyPr/>
+                    <a:lstStyle/>
+                    <a:p>
+                      <a:r>
+                        <a:rPr lang="fr-FR" sz="2000" dirty="0"/>
+                        <a:t>Statistique</a:t>
+                      </a:r>
+                      <a:endParaRPr lang="fr-FR" sz="2000" dirty="0">
+                        <a:latin typeface="Gill Sans MT" panose="020B0502020104020203" pitchFamily="34" charset="0"/>
+                      </a:endParaRPr>
+                    </a:p>
+                  </a:txBody>
+                  <a:tcPr/>
+                </a:tc>
+                <a:tc>
+                  <a:txBody>
+                    <a:bodyPr/>
+                    <a:lstStyle/>
+                    <a:p>
+                      <a:pPr algn="ctr"/>
+                      <a:r>
+                        <a:rPr lang="fr-FR" sz="2000" dirty="0"/>
+                        <a:t>Valeur</a:t>
+                      </a:r>
+                      <a:endParaRPr lang="fr-FR" sz="2000" dirty="0">
+                        <a:latin typeface="Gill Sans MT" panose="020B0502020104020203" pitchFamily="34" charset="0"/>
+                      </a:endParaRPr>
+                    </a:p>
+                  </a:txBody>
+                  <a:tcPr/>
+                </a:tc>
+                <a:tc>
+                  <a:txBody>
+                    <a:bodyPr/>
+                    <a:lstStyle/>
+                    <a:p>
+                      <a:pPr algn="ctr"/>
+                      <a:r>
+                        <a:rPr lang="fr-FR" sz="2000" dirty="0"/>
+                        <a:t>P-value</a:t>
+                      </a:r>
+                      <a:endParaRPr lang="fr-FR" sz="2000" dirty="0">
+                        <a:latin typeface="Gill Sans MT" panose="020B0502020104020203" pitchFamily="34" charset="0"/>
+                      </a:endParaRPr>
+                    </a:p>
+                  </a:txBody>
+                  <a:tcPr/>
+                </a:tc>
+                <a:tc>
+                  <a:txBody>
+                    <a:bodyPr/>
+                    <a:lstStyle/>
+                    <a:p>
+                      <a:pPr algn="ctr"/>
+                      <a:r>
+                        <a:rPr lang="fr-FR" sz="2000" dirty="0"/>
+                        <a:t>df</a:t>
+                      </a:r>
+                      <a:endParaRPr lang="fr-FR" sz="2000" dirty="0">
+                        <a:latin typeface="Gill Sans MT" panose="020B0502020104020203" pitchFamily="34" charset="0"/>
+                      </a:endParaRPr>
+                    </a:p>
+                  </a:txBody>
+                  <a:tcPr/>
+                </a:tc>
+                <a:extLst>
+                  <a:ext uri="{0D108BD9-81ED-4DB2-BD59-A6C34878D82A}">
+                    <a16:rowId xmlns:a16="http://schemas.microsoft.com/office/drawing/2014/main" val="461027112"/>
+                  </a:ext>
+                </a:extLst>
+              </a:tr>
+              <a:tr h="370840">
+                <a:tc>
+                  <a:txBody>
+                    <a:bodyPr/>
+                    <a:lstStyle/>
+                    <a:p>
+                      <a:r>
+                        <a:rPr lang="fr-FR" sz="2000" dirty="0" err="1"/>
+                        <a:t>RSerr</a:t>
+                      </a:r>
+                      <a:endParaRPr lang="fr-FR" sz="2000" dirty="0">
+                        <a:latin typeface="Gill Sans MT" panose="020B0502020104020203" pitchFamily="34" charset="0"/>
+                      </a:endParaRPr>
+                    </a:p>
+                  </a:txBody>
+                  <a:tcPr/>
+                </a:tc>
+                <a:tc>
+                  <a:txBody>
+                    <a:bodyPr/>
+                    <a:lstStyle/>
+                    <a:p>
+                      <a:pPr algn="ctr"/>
+                      <a:r>
+                        <a:rPr lang="fr-FR" sz="2000" dirty="0"/>
+                        <a:t>6643.03037</a:t>
+                      </a:r>
+                      <a:endParaRPr lang="fr-FR" sz="2000" dirty="0">
+                        <a:latin typeface="Gill Sans MT" panose="020B0502020104020203" pitchFamily="34" charset="0"/>
+                      </a:endParaRPr>
+                    </a:p>
+                  </a:txBody>
+                  <a:tcPr/>
+                </a:tc>
+                <a:tc>
+                  <a:txBody>
+                    <a:bodyPr/>
+                    <a:lstStyle/>
+                    <a:p>
+                      <a:pPr algn="ctr"/>
+                      <a:r>
+                        <a:rPr lang="fr-FR" sz="2000" dirty="0"/>
+                        <a:t>&lt; 2.2e-16</a:t>
+                      </a:r>
+                      <a:endParaRPr lang="fr-FR" sz="2000" dirty="0">
+                        <a:latin typeface="Gill Sans MT" panose="020B0502020104020203" pitchFamily="34" charset="0"/>
+                      </a:endParaRPr>
+                    </a:p>
+                  </a:txBody>
+                  <a:tcPr/>
+                </a:tc>
+                <a:tc>
+                  <a:txBody>
+                    <a:bodyPr/>
+                    <a:lstStyle/>
+                    <a:p>
+                      <a:pPr algn="ctr"/>
+                      <a:r>
+                        <a:rPr lang="fr-FR" sz="2000" dirty="0"/>
+                        <a:t>1</a:t>
+                      </a:r>
+                      <a:endParaRPr lang="fr-FR" sz="2000" dirty="0">
+                        <a:latin typeface="Gill Sans MT" panose="020B0502020104020203" pitchFamily="34" charset="0"/>
+                      </a:endParaRPr>
+                    </a:p>
+                  </a:txBody>
+                  <a:tcPr/>
+                </a:tc>
+                <a:extLst>
+                  <a:ext uri="{0D108BD9-81ED-4DB2-BD59-A6C34878D82A}">
+                    <a16:rowId xmlns:a16="http://schemas.microsoft.com/office/drawing/2014/main" val="151348923"/>
+                  </a:ext>
+                </a:extLst>
+              </a:tr>
+              <a:tr h="370840">
+                <a:tc>
+                  <a:txBody>
+                    <a:bodyPr/>
+                    <a:lstStyle/>
+                    <a:p>
+                      <a:r>
+                        <a:rPr lang="fr-FR" sz="2000" dirty="0" err="1"/>
+                        <a:t>RSlag</a:t>
+                      </a:r>
+                      <a:endParaRPr lang="fr-FR" sz="2000" dirty="0">
+                        <a:latin typeface="Gill Sans MT" panose="020B0502020104020203" pitchFamily="34" charset="0"/>
+                      </a:endParaRPr>
+                    </a:p>
+                  </a:txBody>
+                  <a:tcPr/>
+                </a:tc>
+                <a:tc>
+                  <a:txBody>
+                    <a:bodyPr/>
+                    <a:lstStyle/>
+                    <a:p>
+                      <a:pPr algn="ctr"/>
+                      <a:r>
+                        <a:rPr lang="fr-FR" sz="2000" dirty="0"/>
+                        <a:t>1356.47586</a:t>
+                      </a:r>
+                      <a:endParaRPr lang="fr-FR" sz="2000" dirty="0">
+                        <a:latin typeface="Gill Sans MT" panose="020B0502020104020203" pitchFamily="34" charset="0"/>
+                      </a:endParaRPr>
+                    </a:p>
+                  </a:txBody>
+                  <a:tcPr/>
+                </a:tc>
+                <a:tc>
+                  <a:txBody>
+                    <a:bodyPr/>
+                    <a:lstStyle/>
+                    <a:p>
+                      <a:pPr marL="0" marR="0" lvl="0" indent="0" algn="ctr" defTabSz="914400" rtl="0" eaLnBrk="1" fontAlgn="auto" latinLnBrk="0" hangingPunct="1">
+                        <a:lnSpc>
+                          <a:spcPct val="100000"/>
+                        </a:lnSpc>
+                        <a:spcBef>
+                          <a:spcPts val="0"/>
+                        </a:spcBef>
+                        <a:spcAft>
+                          <a:spcPts val="0"/>
+                        </a:spcAft>
+                        <a:buClrTx/>
+                        <a:buSzTx/>
+                        <a:buFontTx/>
+                        <a:buNone/>
+                        <a:tabLst/>
+                        <a:defRPr/>
+                      </a:pPr>
+                      <a:r>
+                        <a:rPr lang="fr-FR" sz="2000" dirty="0"/>
+                        <a:t>&lt; 2.2e-16</a:t>
+                      </a:r>
+                      <a:endParaRPr lang="fr-FR" sz="2000" dirty="0">
+                        <a:latin typeface="Gill Sans MT" panose="020B0502020104020203" pitchFamily="34" charset="0"/>
+                      </a:endParaRPr>
+                    </a:p>
+                  </a:txBody>
+                  <a:tcPr/>
+                </a:tc>
+                <a:tc>
+                  <a:txBody>
+                    <a:bodyPr/>
+                    <a:lstStyle/>
+                    <a:p>
+                      <a:pPr algn="ctr"/>
+                      <a:r>
+                        <a:rPr lang="fr-FR" sz="2000" dirty="0"/>
+                        <a:t>1</a:t>
+                      </a:r>
+                      <a:endParaRPr lang="fr-FR" sz="2000" dirty="0">
+                        <a:latin typeface="Gill Sans MT" panose="020B0502020104020203" pitchFamily="34" charset="0"/>
+                      </a:endParaRPr>
+                    </a:p>
+                  </a:txBody>
+                  <a:tcPr/>
+                </a:tc>
+                <a:extLst>
+                  <a:ext uri="{0D108BD9-81ED-4DB2-BD59-A6C34878D82A}">
+                    <a16:rowId xmlns:a16="http://schemas.microsoft.com/office/drawing/2014/main" val="220206527"/>
+                  </a:ext>
+                </a:extLst>
+              </a:tr>
+              <a:tr h="370840">
+                <a:tc>
+                  <a:txBody>
+                    <a:bodyPr/>
+                    <a:lstStyle/>
+                    <a:p>
+                      <a:r>
+                        <a:rPr lang="fr-FR" sz="2000" dirty="0" err="1"/>
+                        <a:t>adjRserr</a:t>
+                      </a:r>
+                      <a:endParaRPr lang="fr-FR" sz="2000" dirty="0">
+                        <a:latin typeface="Gill Sans MT" panose="020B0502020104020203" pitchFamily="34" charset="0"/>
+                      </a:endParaRPr>
+                    </a:p>
+                  </a:txBody>
+                  <a:tcPr/>
+                </a:tc>
+                <a:tc>
+                  <a:txBody>
+                    <a:bodyPr/>
+                    <a:lstStyle/>
+                    <a:p>
+                      <a:pPr algn="ctr"/>
+                      <a:r>
+                        <a:rPr lang="fr-FR" sz="2000" dirty="0"/>
+                        <a:t>5309.52308</a:t>
+                      </a:r>
+                      <a:endParaRPr lang="fr-FR" sz="2000" dirty="0">
+                        <a:latin typeface="Gill Sans MT" panose="020B0502020104020203" pitchFamily="34" charset="0"/>
+                      </a:endParaRPr>
+                    </a:p>
+                  </a:txBody>
+                  <a:tcPr/>
+                </a:tc>
+                <a:tc>
+                  <a:txBody>
+                    <a:bodyPr/>
+                    <a:lstStyle/>
+                    <a:p>
+                      <a:pPr marL="0" marR="0" lvl="0" indent="0" algn="ctr" defTabSz="914400" rtl="0" eaLnBrk="1" fontAlgn="auto" latinLnBrk="0" hangingPunct="1">
+                        <a:lnSpc>
+                          <a:spcPct val="100000"/>
+                        </a:lnSpc>
+                        <a:spcBef>
+                          <a:spcPts val="0"/>
+                        </a:spcBef>
+                        <a:spcAft>
+                          <a:spcPts val="0"/>
+                        </a:spcAft>
+                        <a:buClrTx/>
+                        <a:buSzTx/>
+                        <a:buFontTx/>
+                        <a:buNone/>
+                        <a:tabLst/>
+                        <a:defRPr/>
+                      </a:pPr>
+                      <a:r>
+                        <a:rPr lang="fr-FR" sz="2000" dirty="0"/>
+                        <a:t>&lt; 2.2e-16</a:t>
+                      </a:r>
+                      <a:endParaRPr lang="fr-FR" sz="2000" dirty="0">
+                        <a:latin typeface="Gill Sans MT" panose="020B0502020104020203" pitchFamily="34" charset="0"/>
+                      </a:endParaRPr>
+                    </a:p>
+                  </a:txBody>
+                  <a:tcPr/>
+                </a:tc>
+                <a:tc>
+                  <a:txBody>
+                    <a:bodyPr/>
+                    <a:lstStyle/>
+                    <a:p>
+                      <a:pPr algn="ctr"/>
+                      <a:r>
+                        <a:rPr lang="fr-FR" sz="2000" dirty="0"/>
+                        <a:t>1</a:t>
+                      </a:r>
+                      <a:endParaRPr lang="fr-FR" sz="2000" dirty="0">
+                        <a:latin typeface="Gill Sans MT" panose="020B0502020104020203" pitchFamily="34" charset="0"/>
+                      </a:endParaRPr>
+                    </a:p>
+                  </a:txBody>
+                  <a:tcPr/>
+                </a:tc>
+                <a:extLst>
+                  <a:ext uri="{0D108BD9-81ED-4DB2-BD59-A6C34878D82A}">
+                    <a16:rowId xmlns:a16="http://schemas.microsoft.com/office/drawing/2014/main" val="2413646511"/>
+                  </a:ext>
+                </a:extLst>
+              </a:tr>
+              <a:tr h="370840">
+                <a:tc>
+                  <a:txBody>
+                    <a:bodyPr/>
+                    <a:lstStyle/>
+                    <a:p>
+                      <a:r>
+                        <a:rPr lang="fr-FR" sz="2000" dirty="0" err="1"/>
+                        <a:t>adjRSlag</a:t>
+                      </a:r>
+                      <a:endParaRPr lang="fr-FR" sz="2000" dirty="0">
+                        <a:latin typeface="Gill Sans MT" panose="020B0502020104020203" pitchFamily="34" charset="0"/>
+                      </a:endParaRPr>
+                    </a:p>
+                  </a:txBody>
+                  <a:tcPr/>
+                </a:tc>
+                <a:tc>
+                  <a:txBody>
+                    <a:bodyPr/>
+                    <a:lstStyle/>
+                    <a:p>
+                      <a:pPr algn="ctr"/>
+                      <a:r>
+                        <a:rPr lang="fr-FR" sz="2000" dirty="0"/>
+                        <a:t>22.96857</a:t>
+                      </a:r>
+                      <a:endParaRPr lang="fr-FR" sz="2000" dirty="0">
+                        <a:latin typeface="Gill Sans MT" panose="020B0502020104020203" pitchFamily="34" charset="0"/>
+                      </a:endParaRPr>
+                    </a:p>
+                  </a:txBody>
+                  <a:tcPr/>
+                </a:tc>
+                <a:tc>
+                  <a:txBody>
+                    <a:bodyPr/>
+                    <a:lstStyle/>
+                    <a:p>
+                      <a:pPr algn="ctr"/>
+                      <a:r>
+                        <a:rPr lang="fr-FR" sz="2000" dirty="0"/>
+                        <a:t>1.647e-06</a:t>
+                      </a:r>
+                      <a:endParaRPr lang="fr-FR" sz="2000" dirty="0">
+                        <a:latin typeface="Gill Sans MT" panose="020B0502020104020203" pitchFamily="34" charset="0"/>
+                      </a:endParaRPr>
+                    </a:p>
+                  </a:txBody>
+                  <a:tcPr/>
+                </a:tc>
+                <a:tc>
+                  <a:txBody>
+                    <a:bodyPr/>
+                    <a:lstStyle/>
+                    <a:p>
+                      <a:pPr algn="ctr"/>
+                      <a:r>
+                        <a:rPr lang="fr-FR" sz="2000" dirty="0"/>
+                        <a:t>1</a:t>
+                      </a:r>
+                      <a:endParaRPr lang="fr-FR" sz="2000" dirty="0">
+                        <a:latin typeface="Gill Sans MT" panose="020B0502020104020203" pitchFamily="34" charset="0"/>
+                      </a:endParaRPr>
+                    </a:p>
+                  </a:txBody>
+                  <a:tcPr/>
+                </a:tc>
+                <a:extLst>
+                  <a:ext uri="{0D108BD9-81ED-4DB2-BD59-A6C34878D82A}">
+                    <a16:rowId xmlns:a16="http://schemas.microsoft.com/office/drawing/2014/main" val="1087405980"/>
+                  </a:ext>
+                </a:extLst>
+              </a:tr>
+              <a:tr h="370840">
+                <a:tc>
+                  <a:txBody>
+                    <a:bodyPr/>
+                    <a:lstStyle/>
+                    <a:p>
+                      <a:r>
+                        <a:rPr lang="fr-FR" sz="2000" dirty="0"/>
+                        <a:t>SARMA</a:t>
+                      </a:r>
+                      <a:endParaRPr lang="fr-FR" sz="2000" dirty="0">
+                        <a:latin typeface="Gill Sans MT" panose="020B0502020104020203" pitchFamily="34" charset="0"/>
+                      </a:endParaRPr>
+                    </a:p>
+                  </a:txBody>
+                  <a:tcPr/>
+                </a:tc>
+                <a:tc>
+                  <a:txBody>
+                    <a:bodyPr/>
+                    <a:lstStyle/>
+                    <a:p>
+                      <a:pPr algn="ctr"/>
+                      <a:r>
+                        <a:rPr lang="fr-FR" sz="2000" dirty="0"/>
+                        <a:t>6665.99894</a:t>
+                      </a:r>
+                      <a:endParaRPr lang="fr-FR" sz="2000" dirty="0">
+                        <a:latin typeface="Gill Sans MT" panose="020B0502020104020203" pitchFamily="34" charset="0"/>
+                      </a:endParaRPr>
+                    </a:p>
+                  </a:txBody>
+                  <a:tcPr/>
+                </a:tc>
+                <a:tc>
+                  <a:txBody>
+                    <a:bodyPr/>
+                    <a:lstStyle/>
+                    <a:p>
+                      <a:pPr marL="0" marR="0" lvl="0" indent="0" algn="ctr" defTabSz="914400" rtl="0" eaLnBrk="1" fontAlgn="auto" latinLnBrk="0" hangingPunct="1">
+                        <a:lnSpc>
+                          <a:spcPct val="100000"/>
+                        </a:lnSpc>
+                        <a:spcBef>
+                          <a:spcPts val="0"/>
+                        </a:spcBef>
+                        <a:spcAft>
+                          <a:spcPts val="0"/>
+                        </a:spcAft>
+                        <a:buClrTx/>
+                        <a:buSzTx/>
+                        <a:buFontTx/>
+                        <a:buNone/>
+                        <a:tabLst/>
+                        <a:defRPr/>
+                      </a:pPr>
+                      <a:r>
+                        <a:rPr lang="fr-FR" sz="2000" dirty="0"/>
+                        <a:t>&lt; 2.2e-16</a:t>
+                      </a:r>
+                      <a:endParaRPr lang="fr-FR" sz="2000" dirty="0">
+                        <a:latin typeface="Gill Sans MT" panose="020B0502020104020203" pitchFamily="34" charset="0"/>
+                      </a:endParaRPr>
+                    </a:p>
+                  </a:txBody>
+                  <a:tcPr/>
+                </a:tc>
+                <a:tc>
+                  <a:txBody>
+                    <a:bodyPr/>
+                    <a:lstStyle/>
+                    <a:p>
+                      <a:pPr algn="ctr"/>
+                      <a:r>
+                        <a:rPr lang="fr-FR" sz="2000" dirty="0"/>
+                        <a:t>2</a:t>
+                      </a:r>
+                      <a:endParaRPr lang="fr-FR" sz="2000" dirty="0">
+                        <a:latin typeface="Gill Sans MT" panose="020B0502020104020203" pitchFamily="34" charset="0"/>
+                      </a:endParaRPr>
+                    </a:p>
+                  </a:txBody>
+                  <a:tcPr/>
+                </a:tc>
+                <a:extLst>
+                  <a:ext uri="{0D108BD9-81ED-4DB2-BD59-A6C34878D82A}">
+                    <a16:rowId xmlns:a16="http://schemas.microsoft.com/office/drawing/2014/main" val="4224023318"/>
+                  </a:ext>
+                </a:extLst>
+              </a:tr>
+            </a:tbl>
+          </a:graphicData>
+        </a:graphic>
+      </p:graphicFrame>
+      <p:graphicFrame>
+        <p:nvGraphicFramePr>
+          <p:cNvPr id="18" name="Tableau 18">
+            <a:extLst>
+              <a:ext uri="{FF2B5EF4-FFF2-40B4-BE49-F238E27FC236}">
+                <a16:creationId xmlns:a16="http://schemas.microsoft.com/office/drawing/2014/main" id="{41081142-63E1-4FA2-915E-2AA29439753C}"/>
+              </a:ext>
+            </a:extLst>
+          </p:cNvPr>
+          <p:cNvGraphicFramePr>
+            <a:graphicFrameLocks noGrp="1"/>
+          </p:cNvGraphicFramePr>
+          <p:nvPr/>
+        </p:nvGraphicFramePr>
+        <p:xfrm>
+          <a:off x="314035" y="2501900"/>
+          <a:ext cx="4271819" cy="1981200"/>
+        </p:xfrm>
+        <a:graphic>
+          <a:graphicData uri="http://schemas.openxmlformats.org/drawingml/2006/table">
+            <a:tbl>
+              <a:tblPr bandRow="1">
+                <a:tableStyleId>{C083E6E3-FA7D-4D7B-A595-EF9225AFEA82}</a:tableStyleId>
+              </a:tblPr>
+              <a:tblGrid>
+                <a:gridCol w="2841867">
+                  <a:extLst>
+                    <a:ext uri="{9D8B030D-6E8A-4147-A177-3AD203B41FA5}">
+                      <a16:colId xmlns:a16="http://schemas.microsoft.com/office/drawing/2014/main" val="3515936695"/>
+                    </a:ext>
+                  </a:extLst>
+                </a:gridCol>
+                <a:gridCol w="1429952">
+                  <a:extLst>
+                    <a:ext uri="{9D8B030D-6E8A-4147-A177-3AD203B41FA5}">
+                      <a16:colId xmlns:a16="http://schemas.microsoft.com/office/drawing/2014/main" val="1368002904"/>
+                    </a:ext>
+                  </a:extLst>
+                </a:gridCol>
+              </a:tblGrid>
+              <a:tr h="370840">
+                <a:tc>
+                  <a:txBody>
+                    <a:bodyPr/>
+                    <a:lstStyle/>
+                    <a:p>
+                      <a:pPr algn="l"/>
+                      <a:r>
+                        <a:rPr lang="fr-FR" sz="2000" dirty="0" err="1">
+                          <a:latin typeface="Gill Sans MT" panose="020B0502020104020203" pitchFamily="34" charset="0"/>
+                        </a:rPr>
+                        <a:t>Observed</a:t>
+                      </a:r>
+                      <a:r>
+                        <a:rPr lang="fr-FR" sz="2000" dirty="0">
+                          <a:latin typeface="Gill Sans MT" panose="020B0502020104020203" pitchFamily="34" charset="0"/>
+                        </a:rPr>
+                        <a:t> Moran I</a:t>
+                      </a:r>
+                    </a:p>
+                  </a:txBody>
+                  <a:tcPr/>
+                </a:tc>
+                <a:tc>
+                  <a:txBody>
+                    <a:bodyPr/>
+                    <a:lstStyle/>
+                    <a:p>
+                      <a:pPr algn="ctr"/>
+                      <a:r>
+                        <a:rPr lang="fr-FR" sz="2000" dirty="0">
+                          <a:latin typeface="Gill Sans MT" panose="020B0502020104020203" pitchFamily="34" charset="0"/>
+                        </a:rPr>
+                        <a:t>0.1597993</a:t>
+                      </a:r>
+                    </a:p>
+                  </a:txBody>
+                  <a:tcPr/>
+                </a:tc>
+                <a:extLst>
+                  <a:ext uri="{0D108BD9-81ED-4DB2-BD59-A6C34878D82A}">
+                    <a16:rowId xmlns:a16="http://schemas.microsoft.com/office/drawing/2014/main" val="2893546417"/>
+                  </a:ext>
+                </a:extLst>
+              </a:tr>
+              <a:tr h="370840">
+                <a:tc>
+                  <a:txBody>
+                    <a:bodyPr/>
+                    <a:lstStyle/>
+                    <a:p>
+                      <a:pPr algn="l"/>
+                      <a:r>
+                        <a:rPr lang="fr-FR" sz="2000" dirty="0" err="1">
+                          <a:latin typeface="Gill Sans MT" panose="020B0502020104020203" pitchFamily="34" charset="0"/>
+                        </a:rPr>
+                        <a:t>Excpectation</a:t>
+                      </a:r>
+                      <a:endParaRPr lang="fr-FR" sz="2000" dirty="0">
+                        <a:latin typeface="Gill Sans MT" panose="020B0502020104020203" pitchFamily="34" charset="0"/>
+                      </a:endParaRPr>
+                    </a:p>
+                  </a:txBody>
+                  <a:tcPr/>
+                </a:tc>
+                <a:tc>
+                  <a:txBody>
+                    <a:bodyPr/>
+                    <a:lstStyle/>
+                    <a:p>
+                      <a:pPr algn="ctr"/>
+                      <a:r>
+                        <a:rPr lang="fr-FR" sz="2000" dirty="0">
+                          <a:latin typeface="Gill Sans MT" panose="020B0502020104020203" pitchFamily="34" charset="0"/>
+                        </a:rPr>
+                        <a:t>-0.0005762</a:t>
+                      </a:r>
+                    </a:p>
+                  </a:txBody>
+                  <a:tcPr/>
+                </a:tc>
+                <a:extLst>
+                  <a:ext uri="{0D108BD9-81ED-4DB2-BD59-A6C34878D82A}">
+                    <a16:rowId xmlns:a16="http://schemas.microsoft.com/office/drawing/2014/main" val="1269124689"/>
+                  </a:ext>
+                </a:extLst>
+              </a:tr>
+              <a:tr h="370840">
+                <a:tc>
+                  <a:txBody>
+                    <a:bodyPr/>
+                    <a:lstStyle/>
+                    <a:p>
+                      <a:pPr algn="l"/>
+                      <a:r>
+                        <a:rPr lang="fr-FR" sz="2000" dirty="0">
+                          <a:latin typeface="Gill Sans MT" panose="020B0502020104020203" pitchFamily="34" charset="0"/>
+                        </a:rPr>
+                        <a:t>Variance</a:t>
+                      </a:r>
+                    </a:p>
+                  </a:txBody>
+                  <a:tcPr/>
+                </a:tc>
+                <a:tc>
+                  <a:txBody>
+                    <a:bodyPr/>
+                    <a:lstStyle/>
+                    <a:p>
+                      <a:pPr algn="ctr"/>
+                      <a:r>
+                        <a:rPr lang="fr-FR" sz="2000" dirty="0">
+                          <a:latin typeface="Gill Sans MT" panose="020B0502020104020203" pitchFamily="34" charset="0"/>
+                        </a:rPr>
+                        <a:t>3.52e-06</a:t>
+                      </a:r>
+                    </a:p>
+                  </a:txBody>
+                  <a:tcPr/>
+                </a:tc>
+                <a:extLst>
+                  <a:ext uri="{0D108BD9-81ED-4DB2-BD59-A6C34878D82A}">
+                    <a16:rowId xmlns:a16="http://schemas.microsoft.com/office/drawing/2014/main" val="580035877"/>
+                  </a:ext>
+                </a:extLst>
+              </a:tr>
+              <a:tr h="370840">
+                <a:tc>
+                  <a:txBody>
+                    <a:bodyPr/>
+                    <a:lstStyle/>
+                    <a:p>
+                      <a:pPr algn="l"/>
+                      <a:r>
+                        <a:rPr lang="fr-FR" sz="2000" dirty="0" err="1">
+                          <a:latin typeface="Gill Sans MT" panose="020B0502020104020203" pitchFamily="34" charset="0"/>
+                        </a:rPr>
+                        <a:t>statistic</a:t>
+                      </a:r>
+                      <a:r>
+                        <a:rPr lang="fr-FR" sz="2000" dirty="0">
+                          <a:latin typeface="Gill Sans MT" panose="020B0502020104020203" pitchFamily="34" charset="0"/>
+                        </a:rPr>
+                        <a:t> standard </a:t>
+                      </a:r>
+                      <a:r>
+                        <a:rPr lang="fr-FR" sz="2000" dirty="0" err="1">
+                          <a:latin typeface="Gill Sans MT" panose="020B0502020104020203" pitchFamily="34" charset="0"/>
+                        </a:rPr>
+                        <a:t>deviate</a:t>
+                      </a:r>
+                      <a:endParaRPr lang="fr-FR" sz="2000" dirty="0">
+                        <a:latin typeface="Gill Sans MT" panose="020B0502020104020203" pitchFamily="34" charset="0"/>
+                      </a:endParaRPr>
+                    </a:p>
+                  </a:txBody>
+                  <a:tcPr/>
+                </a:tc>
+                <a:tc>
+                  <a:txBody>
+                    <a:bodyPr/>
+                    <a:lstStyle/>
+                    <a:p>
+                      <a:pPr algn="ctr"/>
+                      <a:r>
+                        <a:rPr lang="fr-FR" sz="2000" dirty="0">
+                          <a:latin typeface="Gill Sans MT" panose="020B0502020104020203" pitchFamily="34" charset="0"/>
+                        </a:rPr>
+                        <a:t>85.43473</a:t>
+                      </a:r>
+                    </a:p>
+                  </a:txBody>
+                  <a:tcPr/>
+                </a:tc>
+                <a:extLst>
+                  <a:ext uri="{0D108BD9-81ED-4DB2-BD59-A6C34878D82A}">
+                    <a16:rowId xmlns:a16="http://schemas.microsoft.com/office/drawing/2014/main" val="1245637835"/>
+                  </a:ext>
+                </a:extLst>
+              </a:tr>
+              <a:tr h="370840">
+                <a:tc>
+                  <a:txBody>
+                    <a:bodyPr/>
+                    <a:lstStyle/>
+                    <a:p>
+                      <a:pPr algn="l"/>
+                      <a:r>
+                        <a:rPr lang="fr-FR" sz="2000" dirty="0">
+                          <a:latin typeface="Gill Sans MT" panose="020B0502020104020203" pitchFamily="34" charset="0"/>
+                        </a:rPr>
+                        <a:t>p-value</a:t>
+                      </a:r>
+                    </a:p>
+                  </a:txBody>
+                  <a:tcPr/>
+                </a:tc>
+                <a:tc>
+                  <a:txBody>
+                    <a:bodyPr/>
+                    <a:lstStyle/>
+                    <a:p>
+                      <a:pPr marL="0" marR="0" lvl="0" indent="0" algn="ctr" defTabSz="914400" rtl="0" eaLnBrk="1" fontAlgn="auto" latinLnBrk="0" hangingPunct="1">
+                        <a:lnSpc>
+                          <a:spcPct val="100000"/>
+                        </a:lnSpc>
+                        <a:spcBef>
+                          <a:spcPts val="0"/>
+                        </a:spcBef>
+                        <a:spcAft>
+                          <a:spcPts val="0"/>
+                        </a:spcAft>
+                        <a:buClrTx/>
+                        <a:buSzTx/>
+                        <a:buFontTx/>
+                        <a:buNone/>
+                        <a:tabLst/>
+                        <a:defRPr/>
+                      </a:pPr>
+                      <a:r>
+                        <a:rPr lang="fr-FR" sz="2000" dirty="0">
+                          <a:latin typeface="Gill Sans MT" panose="020B0502020104020203" pitchFamily="34" charset="0"/>
+                        </a:rPr>
+                        <a:t>&lt; 2.2e-16</a:t>
+                      </a:r>
+                    </a:p>
+                  </a:txBody>
+                  <a:tcPr/>
+                </a:tc>
+                <a:extLst>
+                  <a:ext uri="{0D108BD9-81ED-4DB2-BD59-A6C34878D82A}">
+                    <a16:rowId xmlns:a16="http://schemas.microsoft.com/office/drawing/2014/main" val="2435526101"/>
+                  </a:ext>
+                </a:extLst>
+              </a:tr>
+            </a:tbl>
+          </a:graphicData>
+        </a:graphic>
+      </p:graphicFrame>
       <p:sp>
         <p:nvSpPr>
-          <p:cNvPr id="5" name="ZoneTexte 4">
+          <p:cNvPr id="20" name="ZoneTexte 19">
             <a:extLst>
               <a:ext uri="{FF2B5EF4-FFF2-40B4-BE49-F238E27FC236}">
-                <a16:creationId xmlns:a16="http://schemas.microsoft.com/office/drawing/2014/main" id="{704B0C7A-5B25-4AE4-8E8E-19A15F8207F7}"/>
+                <a16:creationId xmlns:a16="http://schemas.microsoft.com/office/drawing/2014/main" id="{911238F6-1579-4060-8C99-A4343358024F}"/>
               </a:ext>
             </a:extLst>
           </p:cNvPr>
@@ -13335,7 +14248,7 @@
         </p:nvSpPr>
         <p:spPr>
           <a:xfrm>
-            <a:off x="1289370" y="1743281"/>
+            <a:off x="1171607" y="1486792"/>
             <a:ext cx="2657680" cy="523220"/>
           </a:xfrm>
           <a:prstGeom prst="rect">
@@ -13358,72 +14271,61 @@
           </a:p>
         </p:txBody>
       </p:sp>
-      <p:pic>
-        <p:nvPicPr>
-          <p:cNvPr id="8" name="Image 7">
+      <p:sp>
+        <p:nvSpPr>
+          <p:cNvPr id="21" name="Rectangle 20">
             <a:extLst>
               <a:ext uri="{FF2B5EF4-FFF2-40B4-BE49-F238E27FC236}">
-                <a16:creationId xmlns:a16="http://schemas.microsoft.com/office/drawing/2014/main" id="{08FA61C8-F3E5-4D0E-8AC3-E41D36977808}"/>
+                <a16:creationId xmlns:a16="http://schemas.microsoft.com/office/drawing/2014/main" id="{E159F90B-4F07-43BC-93C2-B4DC697C30A3}"/>
               </a:ext>
             </a:extLst>
           </p:cNvPr>
-          <p:cNvPicPr>
-            <a:picLocks noChangeAspect="1"/>
-          </p:cNvPicPr>
+          <p:cNvSpPr/>
           <p:nvPr/>
-        </p:nvPicPr>
-        <p:blipFill>
-          <a:blip r:embed="rId4"/>
-          <a:stretch>
-            <a:fillRect/>
-          </a:stretch>
-        </p:blipFill>
+        </p:nvSpPr>
         <p:spPr>
           <a:xfrm>
-            <a:off x="1470782" y="2310037"/>
-            <a:ext cx="7842653" cy="1341457"/>
+            <a:off x="967676" y="1649725"/>
+            <a:ext cx="203931" cy="197353"/>
           </a:xfrm>
           <a:prstGeom prst="rect">
             <a:avLst/>
           </a:prstGeom>
+          <a:solidFill>
+            <a:srgbClr val="006A5A"/>
+          </a:solidFill>
         </p:spPr>
-      </p:pic>
-      <p:pic>
-        <p:nvPicPr>
-          <p:cNvPr id="10" name="Image 9">
+        <p:style>
+          <a:lnRef idx="2">
+            <a:schemeClr val="accent1">
+              <a:shade val="50000"/>
+            </a:schemeClr>
+          </a:lnRef>
+          <a:fillRef idx="1">
+            <a:schemeClr val="accent1"/>
+          </a:fillRef>
+          <a:effectRef idx="0">
+            <a:schemeClr val="accent1"/>
+          </a:effectRef>
+          <a:fontRef idx="minor">
+            <a:schemeClr val="lt1"/>
+          </a:fontRef>
+        </p:style>
+        <p:txBody>
+          <a:bodyPr rtlCol="0" anchor="ctr"/>
+          <a:lstStyle/>
+          <a:p>
+            <a:pPr algn="ctr"/>
+            <a:endParaRPr lang="fr-FR"/>
+          </a:p>
+        </p:txBody>
+      </p:sp>
+      <p:sp>
+        <p:nvSpPr>
+          <p:cNvPr id="22" name="ZoneTexte 21">
             <a:extLst>
               <a:ext uri="{FF2B5EF4-FFF2-40B4-BE49-F238E27FC236}">
-                <a16:creationId xmlns:a16="http://schemas.microsoft.com/office/drawing/2014/main" id="{C796B334-C348-4ACD-8FBD-AEDD7BFB61B0}"/>
-              </a:ext>
-            </a:extLst>
-          </p:cNvPr>
-          <p:cNvPicPr>
-            <a:picLocks noChangeAspect="1"/>
-          </p:cNvPicPr>
-          <p:nvPr/>
-        </p:nvPicPr>
-        <p:blipFill>
-          <a:blip r:embed="rId5"/>
-          <a:stretch>
-            <a:fillRect/>
-          </a:stretch>
-        </p:blipFill>
-        <p:spPr>
-          <a:xfrm>
-            <a:off x="5037970" y="4277697"/>
-            <a:ext cx="5226637" cy="2261215"/>
-          </a:xfrm>
-          <a:prstGeom prst="rect">
-            <a:avLst/>
-          </a:prstGeom>
-        </p:spPr>
-      </p:pic>
-      <p:sp>
-        <p:nvSpPr>
-          <p:cNvPr id="11" name="ZoneTexte 10">
-            <a:extLst>
-              <a:ext uri="{FF2B5EF4-FFF2-40B4-BE49-F238E27FC236}">
-                <a16:creationId xmlns:a16="http://schemas.microsoft.com/office/drawing/2014/main" id="{877CA3D4-7B64-4FB5-A37A-84CBA3A5AEEC}"/>
+                <a16:creationId xmlns:a16="http://schemas.microsoft.com/office/drawing/2014/main" id="{F1BB4949-2C07-4E69-9522-34E945CD7DA5}"/>
               </a:ext>
             </a:extLst>
           </p:cNvPr>
@@ -13432,7 +14334,7 @@
         </p:nvSpPr>
         <p:spPr>
           <a:xfrm>
-            <a:off x="1289369" y="4136365"/>
+            <a:off x="7271792" y="1480755"/>
             <a:ext cx="3748601" cy="523220"/>
           </a:xfrm>
           <a:prstGeom prst="rect">
@@ -13469,10 +14371,10 @@
       </p:sp>
       <p:sp>
         <p:nvSpPr>
-          <p:cNvPr id="12" name="Rectangle 11">
+          <p:cNvPr id="23" name="Rectangle 22">
             <a:extLst>
               <a:ext uri="{FF2B5EF4-FFF2-40B4-BE49-F238E27FC236}">
-                <a16:creationId xmlns:a16="http://schemas.microsoft.com/office/drawing/2014/main" id="{0CEA0246-CBE8-4B01-AE2A-041B3EB8346B}"/>
+                <a16:creationId xmlns:a16="http://schemas.microsoft.com/office/drawing/2014/main" id="{E32A2D87-8D60-415C-B094-94CEBED81669}"/>
               </a:ext>
             </a:extLst>
           </p:cNvPr>
@@ -13481,7 +14383,7 @@
         </p:nvSpPr>
         <p:spPr>
           <a:xfrm>
-            <a:off x="1085439" y="1906214"/>
+            <a:off x="7067861" y="1657385"/>
             <a:ext cx="203931" cy="197353"/>
           </a:xfrm>
           <a:prstGeom prst="rect">
@@ -13518,57 +14420,94 @@
       </p:sp>
       <p:sp>
         <p:nvSpPr>
-          <p:cNvPr id="13" name="Rectangle 12">
+          <p:cNvPr id="24" name="ZoneTexte 23">
             <a:extLst>
               <a:ext uri="{FF2B5EF4-FFF2-40B4-BE49-F238E27FC236}">
-                <a16:creationId xmlns:a16="http://schemas.microsoft.com/office/drawing/2014/main" id="{6668954D-80E0-460A-8E90-45E67C0C68D4}"/>
+                <a16:creationId xmlns:a16="http://schemas.microsoft.com/office/drawing/2014/main" id="{FFFF1E66-5868-4A32-A832-82DA800F3713}"/>
               </a:ext>
             </a:extLst>
           </p:cNvPr>
-          <p:cNvSpPr/>
+          <p:cNvSpPr txBox="1"/>
           <p:nvPr/>
         </p:nvSpPr>
         <p:spPr>
           <a:xfrm>
-            <a:off x="1085438" y="4312995"/>
-            <a:ext cx="203931" cy="197353"/>
+            <a:off x="422564" y="4959927"/>
+            <a:ext cx="4163290" cy="1015663"/>
           </a:xfrm>
           <a:prstGeom prst="rect">
             <a:avLst/>
           </a:prstGeom>
-          <a:solidFill>
-            <a:srgbClr val="006A5A"/>
-          </a:solidFill>
+          <a:noFill/>
         </p:spPr>
-        <p:style>
-          <a:lnRef idx="2">
-            <a:schemeClr val="accent1">
-              <a:shade val="50000"/>
-            </a:schemeClr>
-          </a:lnRef>
-          <a:fillRef idx="1">
-            <a:schemeClr val="accent1"/>
-          </a:fillRef>
-          <a:effectRef idx="0">
-            <a:schemeClr val="accent1"/>
-          </a:effectRef>
-          <a:fontRef idx="minor">
-            <a:schemeClr val="lt1"/>
-          </a:fontRef>
-        </p:style>
         <p:txBody>
-          <a:bodyPr rtlCol="0" anchor="ctr"/>
+          <a:bodyPr wrap="square" rtlCol="0">
+            <a:spAutoFit/>
+          </a:bodyPr>
           <a:lstStyle/>
           <a:p>
-            <a:pPr algn="ctr"/>
-            <a:endParaRPr lang="fr-FR"/>
+            <a:r>
+              <a:rPr lang="fr-FR" sz="2000" dirty="0">
+                <a:latin typeface="Gill Sans MT" panose="020B0502020104020203" pitchFamily="34" charset="0"/>
+              </a:rPr>
+              <a:t>L’indice de Moran </a:t>
+            </a:r>
+            <a:r>
+              <a:rPr lang="fr-FR" sz="2000" b="1" dirty="0">
+                <a:latin typeface="Gill Sans MT" panose="020B0502020104020203" pitchFamily="34" charset="0"/>
+              </a:rPr>
+              <a:t>I = 0.1598 &gt; 0 </a:t>
+            </a:r>
+            <a:r>
+              <a:rPr lang="fr-FR" sz="2000" dirty="0">
+                <a:latin typeface="Gill Sans MT" panose="020B0502020104020203" pitchFamily="34" charset="0"/>
+              </a:rPr>
+              <a:t>indique une autocorrélation spatiale positive</a:t>
+            </a:r>
+          </a:p>
+        </p:txBody>
+      </p:sp>
+      <p:sp>
+        <p:nvSpPr>
+          <p:cNvPr id="25" name="ZoneTexte 24">
+            <a:extLst>
+              <a:ext uri="{FF2B5EF4-FFF2-40B4-BE49-F238E27FC236}">
+                <a16:creationId xmlns:a16="http://schemas.microsoft.com/office/drawing/2014/main" id="{C4C38F74-2973-4959-95E8-A326DE8B430E}"/>
+              </a:ext>
+            </a:extLst>
+          </p:cNvPr>
+          <p:cNvSpPr txBox="1"/>
+          <p:nvPr/>
+        </p:nvSpPr>
+        <p:spPr>
+          <a:xfrm>
+            <a:off x="6288621" y="4959927"/>
+            <a:ext cx="5570870" cy="1015663"/>
+          </a:xfrm>
+          <a:prstGeom prst="rect">
+            <a:avLst/>
+          </a:prstGeom>
+          <a:noFill/>
+        </p:spPr>
+        <p:txBody>
+          <a:bodyPr wrap="square" rtlCol="0">
+            <a:spAutoFit/>
+          </a:bodyPr>
+          <a:lstStyle/>
+          <a:p>
+            <a:r>
+              <a:rPr lang="fr-FR" sz="2000" dirty="0">
+                <a:latin typeface="Gill Sans MT" panose="020B0502020104020203" pitchFamily="34" charset="0"/>
+              </a:rPr>
+              <a:t>L’ensemble des tests d’autocorrélation spatiale menés à partir des résidus du modèle MCO sont rejetés. </a:t>
+            </a:r>
           </a:p>
         </p:txBody>
       </p:sp>
     </p:spTree>
     <p:extLst>
       <p:ext uri="{BB962C8B-B14F-4D97-AF65-F5344CB8AC3E}">
-        <p14:creationId xmlns:p14="http://schemas.microsoft.com/office/powerpoint/2010/main" val="2916537731"/>
+        <p14:creationId xmlns:p14="http://schemas.microsoft.com/office/powerpoint/2010/main" val="1622649076"/>
       </p:ext>
     </p:extLst>
   </p:cSld>
@@ -13706,36 +14645,6 @@
           <a:xfrm>
             <a:off x="11078692" y="266700"/>
             <a:ext cx="1170459" cy="1170459"/>
-          </a:xfrm>
-          <a:prstGeom prst="rect">
-            <a:avLst/>
-          </a:prstGeom>
-        </p:spPr>
-      </p:pic>
-      <p:pic>
-        <p:nvPicPr>
-          <p:cNvPr id="6" name="Image 5">
-            <a:extLst>
-              <a:ext uri="{FF2B5EF4-FFF2-40B4-BE49-F238E27FC236}">
-                <a16:creationId xmlns:a16="http://schemas.microsoft.com/office/drawing/2014/main" id="{2AB6183B-8184-4CBD-84AD-63536C0BD4D0}"/>
-              </a:ext>
-            </a:extLst>
-          </p:cNvPr>
-          <p:cNvPicPr>
-            <a:picLocks noChangeAspect="1"/>
-          </p:cNvPicPr>
-          <p:nvPr/>
-        </p:nvPicPr>
-        <p:blipFill>
-          <a:blip r:embed="rId4"/>
-          <a:stretch>
-            <a:fillRect/>
-          </a:stretch>
-        </p:blipFill>
-        <p:spPr>
-          <a:xfrm>
-            <a:off x="3197112" y="1694988"/>
-            <a:ext cx="5473242" cy="3765098"/>
           </a:xfrm>
           <a:prstGeom prst="rect">
             <a:avLst/>
@@ -13791,10 +14700,394 @@
           </a:p>
         </p:txBody>
       </p:sp>
+      <p:graphicFrame>
+        <p:nvGraphicFramePr>
+          <p:cNvPr id="5" name="Tableau 7">
+            <a:extLst>
+              <a:ext uri="{FF2B5EF4-FFF2-40B4-BE49-F238E27FC236}">
+                <a16:creationId xmlns:a16="http://schemas.microsoft.com/office/drawing/2014/main" id="{E7C48B49-1EEC-46A5-9B82-D94A738B97EE}"/>
+              </a:ext>
+            </a:extLst>
+          </p:cNvPr>
+          <p:cNvGraphicFramePr>
+            <a:graphicFrameLocks noGrp="1"/>
+          </p:cNvGraphicFramePr>
+          <p:nvPr/>
+        </p:nvGraphicFramePr>
+        <p:xfrm>
+          <a:off x="3225223" y="1866900"/>
+          <a:ext cx="5627832" cy="3124200"/>
+        </p:xfrm>
+        <a:graphic>
+          <a:graphicData uri="http://schemas.openxmlformats.org/drawingml/2006/table">
+            <a:tbl>
+              <a:tblPr firstRow="1" bandRow="1">
+                <a:tableStyleId>{C083E6E3-FA7D-4D7B-A595-EF9225AFEA82}</a:tableStyleId>
+              </a:tblPr>
+              <a:tblGrid>
+                <a:gridCol w="1875944">
+                  <a:extLst>
+                    <a:ext uri="{9D8B030D-6E8A-4147-A177-3AD203B41FA5}">
+                      <a16:colId xmlns:a16="http://schemas.microsoft.com/office/drawing/2014/main" val="2514074644"/>
+                    </a:ext>
+                  </a:extLst>
+                </a:gridCol>
+                <a:gridCol w="1875944">
+                  <a:extLst>
+                    <a:ext uri="{9D8B030D-6E8A-4147-A177-3AD203B41FA5}">
+                      <a16:colId xmlns:a16="http://schemas.microsoft.com/office/drawing/2014/main" val="2552475894"/>
+                    </a:ext>
+                  </a:extLst>
+                </a:gridCol>
+                <a:gridCol w="1875944">
+                  <a:extLst>
+                    <a:ext uri="{9D8B030D-6E8A-4147-A177-3AD203B41FA5}">
+                      <a16:colId xmlns:a16="http://schemas.microsoft.com/office/drawing/2014/main" val="3269518569"/>
+                    </a:ext>
+                  </a:extLst>
+                </a:gridCol>
+              </a:tblGrid>
+              <a:tr h="520700">
+                <a:tc>
+                  <a:txBody>
+                    <a:bodyPr/>
+                    <a:lstStyle/>
+                    <a:p>
+                      <a:pPr algn="ctr"/>
+                      <a:r>
+                        <a:rPr lang="fr-FR" sz="2800" dirty="0">
+                          <a:latin typeface="Gill Sans MT" panose="020B0502020104020203" pitchFamily="34" charset="0"/>
+                        </a:rPr>
+                        <a:t>Model</a:t>
+                      </a:r>
+                    </a:p>
+                  </a:txBody>
+                  <a:tcPr/>
+                </a:tc>
+                <a:tc>
+                  <a:txBody>
+                    <a:bodyPr/>
+                    <a:lstStyle/>
+                    <a:p>
+                      <a:pPr algn="ctr"/>
+                      <a:r>
+                        <a:rPr lang="fr-FR" sz="2800" dirty="0">
+                          <a:latin typeface="Gill Sans MT" panose="020B0502020104020203" pitchFamily="34" charset="0"/>
+                        </a:rPr>
+                        <a:t>AIC</a:t>
+                      </a:r>
+                    </a:p>
+                  </a:txBody>
+                  <a:tcPr/>
+                </a:tc>
+                <a:tc>
+                  <a:txBody>
+                    <a:bodyPr/>
+                    <a:lstStyle/>
+                    <a:p>
+                      <a:pPr algn="ctr"/>
+                      <a:r>
+                        <a:rPr lang="fr-FR" sz="2800" dirty="0" err="1">
+                          <a:latin typeface="Gill Sans MT" panose="020B0502020104020203" pitchFamily="34" charset="0"/>
+                        </a:rPr>
+                        <a:t>LogLik</a:t>
+                      </a:r>
+                      <a:endParaRPr lang="fr-FR" sz="2800" dirty="0">
+                        <a:latin typeface="Gill Sans MT" panose="020B0502020104020203" pitchFamily="34" charset="0"/>
+                      </a:endParaRPr>
+                    </a:p>
+                  </a:txBody>
+                  <a:tcPr/>
+                </a:tc>
+                <a:extLst>
+                  <a:ext uri="{0D108BD9-81ED-4DB2-BD59-A6C34878D82A}">
+                    <a16:rowId xmlns:a16="http://schemas.microsoft.com/office/drawing/2014/main" val="2489175527"/>
+                  </a:ext>
+                </a:extLst>
+              </a:tr>
+              <a:tr h="520700">
+                <a:tc>
+                  <a:txBody>
+                    <a:bodyPr/>
+                    <a:lstStyle/>
+                    <a:p>
+                      <a:pPr algn="ctr"/>
+                      <a:r>
+                        <a:rPr lang="fr-FR" sz="2800" dirty="0">
+                          <a:latin typeface="Gill Sans MT" panose="020B0502020104020203" pitchFamily="34" charset="0"/>
+                        </a:rPr>
+                        <a:t>MCO</a:t>
+                      </a:r>
+                    </a:p>
+                  </a:txBody>
+                  <a:tcPr/>
+                </a:tc>
+                <a:tc>
+                  <a:txBody>
+                    <a:bodyPr/>
+                    <a:lstStyle/>
+                    <a:p>
+                      <a:pPr algn="ctr"/>
+                      <a:r>
+                        <a:rPr lang="fr-FR" sz="2800" dirty="0">
+                          <a:latin typeface="Gill Sans MT" panose="020B0502020104020203" pitchFamily="34" charset="0"/>
+                        </a:rPr>
+                        <a:t>1429.8742</a:t>
+                      </a:r>
+                    </a:p>
+                  </a:txBody>
+                  <a:tcPr/>
+                </a:tc>
+                <a:tc>
+                  <a:txBody>
+                    <a:bodyPr/>
+                    <a:lstStyle/>
+                    <a:p>
+                      <a:pPr algn="ctr"/>
+                      <a:r>
+                        <a:rPr lang="fr-FR" sz="2800" dirty="0">
+                          <a:latin typeface="Gill Sans MT" panose="020B0502020104020203" pitchFamily="34" charset="0"/>
+                        </a:rPr>
+                        <a:t>-704.93708</a:t>
+                      </a:r>
+                    </a:p>
+                  </a:txBody>
+                  <a:tcPr/>
+                </a:tc>
+                <a:extLst>
+                  <a:ext uri="{0D108BD9-81ED-4DB2-BD59-A6C34878D82A}">
+                    <a16:rowId xmlns:a16="http://schemas.microsoft.com/office/drawing/2014/main" val="2497708941"/>
+                  </a:ext>
+                </a:extLst>
+              </a:tr>
+              <a:tr h="520700">
+                <a:tc>
+                  <a:txBody>
+                    <a:bodyPr/>
+                    <a:lstStyle/>
+                    <a:p>
+                      <a:pPr algn="ctr"/>
+                      <a:r>
+                        <a:rPr lang="fr-FR" sz="2800" dirty="0">
+                          <a:latin typeface="Gill Sans MT" panose="020B0502020104020203" pitchFamily="34" charset="0"/>
+                        </a:rPr>
+                        <a:t>SEM</a:t>
+                      </a:r>
+                    </a:p>
+                  </a:txBody>
+                  <a:tcPr/>
+                </a:tc>
+                <a:tc>
+                  <a:txBody>
+                    <a:bodyPr/>
+                    <a:lstStyle/>
+                    <a:p>
+                      <a:pPr algn="ctr"/>
+                      <a:r>
+                        <a:rPr lang="fr-FR" sz="2800" dirty="0">
+                          <a:latin typeface="Gill Sans MT" panose="020B0502020104020203" pitchFamily="34" charset="0"/>
+                        </a:rPr>
+                        <a:t>422.1136</a:t>
+                      </a:r>
+                    </a:p>
+                  </a:txBody>
+                  <a:tcPr/>
+                </a:tc>
+                <a:tc>
+                  <a:txBody>
+                    <a:bodyPr/>
+                    <a:lstStyle/>
+                    <a:p>
+                      <a:pPr algn="ctr"/>
+                      <a:r>
+                        <a:rPr lang="fr-FR" sz="2800" dirty="0">
+                          <a:latin typeface="Gill Sans MT" panose="020B0502020104020203" pitchFamily="34" charset="0"/>
+                        </a:rPr>
+                        <a:t>-200.05679</a:t>
+                      </a:r>
+                    </a:p>
+                  </a:txBody>
+                  <a:tcPr/>
+                </a:tc>
+                <a:extLst>
+                  <a:ext uri="{0D108BD9-81ED-4DB2-BD59-A6C34878D82A}">
+                    <a16:rowId xmlns:a16="http://schemas.microsoft.com/office/drawing/2014/main" val="2509373316"/>
+                  </a:ext>
+                </a:extLst>
+              </a:tr>
+              <a:tr h="520700">
+                <a:tc>
+                  <a:txBody>
+                    <a:bodyPr/>
+                    <a:lstStyle/>
+                    <a:p>
+                      <a:pPr algn="ctr"/>
+                      <a:r>
+                        <a:rPr lang="fr-FR" sz="2800" dirty="0">
+                          <a:latin typeface="Gill Sans MT" panose="020B0502020104020203" pitchFamily="34" charset="0"/>
+                        </a:rPr>
+                        <a:t>SAR</a:t>
+                      </a:r>
+                    </a:p>
+                  </a:txBody>
+                  <a:tcPr/>
+                </a:tc>
+                <a:tc>
+                  <a:txBody>
+                    <a:bodyPr/>
+                    <a:lstStyle/>
+                    <a:p>
+                      <a:pPr algn="ctr"/>
+                      <a:r>
+                        <a:rPr lang="fr-FR" sz="2800" dirty="0">
+                          <a:latin typeface="Gill Sans MT" panose="020B0502020104020203" pitchFamily="34" charset="0"/>
+                        </a:rPr>
+                        <a:t>729.5523</a:t>
+                      </a:r>
+                    </a:p>
+                  </a:txBody>
+                  <a:tcPr/>
+                </a:tc>
+                <a:tc>
+                  <a:txBody>
+                    <a:bodyPr/>
+                    <a:lstStyle/>
+                    <a:p>
+                      <a:pPr algn="ctr"/>
+                      <a:r>
+                        <a:rPr lang="fr-FR" sz="2800" dirty="0">
+                          <a:latin typeface="Gill Sans MT" panose="020B0502020104020203" pitchFamily="34" charset="0"/>
+                        </a:rPr>
+                        <a:t>-353.77613</a:t>
+                      </a:r>
+                    </a:p>
+                  </a:txBody>
+                  <a:tcPr/>
+                </a:tc>
+                <a:extLst>
+                  <a:ext uri="{0D108BD9-81ED-4DB2-BD59-A6C34878D82A}">
+                    <a16:rowId xmlns:a16="http://schemas.microsoft.com/office/drawing/2014/main" val="265592906"/>
+                  </a:ext>
+                </a:extLst>
+              </a:tr>
+              <a:tr h="520700">
+                <a:tc>
+                  <a:txBody>
+                    <a:bodyPr/>
+                    <a:lstStyle/>
+                    <a:p>
+                      <a:pPr algn="ctr"/>
+                      <a:r>
+                        <a:rPr lang="fr-FR" sz="2800" dirty="0">
+                          <a:latin typeface="Gill Sans MT" panose="020B0502020104020203" pitchFamily="34" charset="0"/>
+                        </a:rPr>
+                        <a:t>SLX</a:t>
+                      </a:r>
+                    </a:p>
+                  </a:txBody>
+                  <a:tcPr/>
+                </a:tc>
+                <a:tc>
+                  <a:txBody>
+                    <a:bodyPr/>
+                    <a:lstStyle/>
+                    <a:p>
+                      <a:pPr algn="ctr"/>
+                      <a:r>
+                        <a:rPr lang="fr-FR" sz="2800" dirty="0">
+                          <a:latin typeface="Gill Sans MT" panose="020B0502020104020203" pitchFamily="34" charset="0"/>
+                        </a:rPr>
+                        <a:t>749.5969</a:t>
+                      </a:r>
+                    </a:p>
+                  </a:txBody>
+                  <a:tcPr/>
+                </a:tc>
+                <a:tc>
+                  <a:txBody>
+                    <a:bodyPr/>
+                    <a:lstStyle/>
+                    <a:p>
+                      <a:pPr algn="ctr"/>
+                      <a:r>
+                        <a:rPr lang="fr-FR" sz="2800" dirty="0">
+                          <a:latin typeface="Gill Sans MT" panose="020B0502020104020203" pitchFamily="34" charset="0"/>
+                        </a:rPr>
+                        <a:t>-356.79846</a:t>
+                      </a:r>
+                    </a:p>
+                  </a:txBody>
+                  <a:tcPr/>
+                </a:tc>
+                <a:extLst>
+                  <a:ext uri="{0D108BD9-81ED-4DB2-BD59-A6C34878D82A}">
+                    <a16:rowId xmlns:a16="http://schemas.microsoft.com/office/drawing/2014/main" val="803825188"/>
+                  </a:ext>
+                </a:extLst>
+              </a:tr>
+              <a:tr h="520700">
+                <a:tc>
+                  <a:txBody>
+                    <a:bodyPr/>
+                    <a:lstStyle/>
+                    <a:p>
+                      <a:pPr algn="ctr"/>
+                      <a:r>
+                        <a:rPr lang="fr-FR" sz="2800" dirty="0">
+                          <a:latin typeface="Gill Sans MT" panose="020B0502020104020203" pitchFamily="34" charset="0"/>
+                        </a:rPr>
+                        <a:t>SDM</a:t>
+                      </a:r>
+                    </a:p>
+                  </a:txBody>
+                  <a:tcPr/>
+                </a:tc>
+                <a:tc>
+                  <a:txBody>
+                    <a:bodyPr/>
+                    <a:lstStyle/>
+                    <a:p>
+                      <a:pPr algn="ctr"/>
+                      <a:r>
+                        <a:rPr lang="fr-FR" sz="2800" dirty="0">
+                          <a:latin typeface="Gill Sans MT" panose="020B0502020104020203" pitchFamily="34" charset="0"/>
+                        </a:rPr>
+                        <a:t>205.1882</a:t>
+                      </a:r>
+                    </a:p>
+                  </a:txBody>
+                  <a:tcPr/>
+                </a:tc>
+                <a:tc>
+                  <a:txBody>
+                    <a:bodyPr/>
+                    <a:lstStyle/>
+                    <a:p>
+                      <a:pPr algn="ctr"/>
+                      <a:r>
+                        <a:rPr lang="fr-FR" sz="2800" dirty="0">
+                          <a:latin typeface="Gill Sans MT" panose="020B0502020104020203" pitchFamily="34" charset="0"/>
+                        </a:rPr>
+                        <a:t>-83.59411</a:t>
+                      </a:r>
+                    </a:p>
+                  </a:txBody>
+                  <a:tcPr/>
+                </a:tc>
+                <a:extLst>
+                  <a:ext uri="{0D108BD9-81ED-4DB2-BD59-A6C34878D82A}">
+                    <a16:rowId xmlns:a16="http://schemas.microsoft.com/office/drawing/2014/main" val="3258615647"/>
+                  </a:ext>
+                </a:extLst>
+              </a:tr>
+            </a:tbl>
+          </a:graphicData>
+        </a:graphic>
+      </p:graphicFrame>
     </p:spTree>
     <p:extLst>
       <p:ext uri="{BB962C8B-B14F-4D97-AF65-F5344CB8AC3E}">
-        <p14:creationId xmlns:p14="http://schemas.microsoft.com/office/powerpoint/2010/main" val="3979927716"/>
+        <p14:creationId xmlns:p14="http://schemas.microsoft.com/office/powerpoint/2010/main" val="1600551046"/>
       </p:ext>
     </p:extLst>
   </p:cSld>
@@ -13894,7 +15187,7 @@
                 </a:solidFill>
                 <a:latin typeface="Gill Sans MT" panose="020B0502020104020203" pitchFamily="34" charset="0"/>
               </a:rPr>
-              <a:t>4.4. Résultats du modèle final</a:t>
+              <a:t>4.4. Résultats du modèle final(1/2)</a:t>
             </a:r>
           </a:p>
         </p:txBody>
@@ -13938,40 +15231,2759 @@
           </a:prstGeom>
         </p:spPr>
       </p:pic>
-      <p:pic>
-        <p:nvPicPr>
-          <p:cNvPr id="6" name="Image 5">
+      <p:graphicFrame>
+        <p:nvGraphicFramePr>
+          <p:cNvPr id="5" name="Tableau 6">
             <a:extLst>
               <a:ext uri="{FF2B5EF4-FFF2-40B4-BE49-F238E27FC236}">
-                <a16:creationId xmlns:a16="http://schemas.microsoft.com/office/drawing/2014/main" id="{D2AF2CAB-204D-446D-8D79-22F35F4C799C}"/>
+                <a16:creationId xmlns:a16="http://schemas.microsoft.com/office/drawing/2014/main" id="{D6EAFB14-C239-42F9-B946-39390A875EDB}"/>
               </a:ext>
             </a:extLst>
           </p:cNvPr>
-          <p:cNvPicPr>
-            <a:picLocks noChangeAspect="1"/>
-          </p:cNvPicPr>
-          <p:nvPr/>
-        </p:nvPicPr>
-        <p:blipFill>
-          <a:blip r:embed="rId4"/>
-          <a:stretch>
-            <a:fillRect/>
-          </a:stretch>
-        </p:blipFill>
-        <p:spPr>
-          <a:xfrm>
-            <a:off x="1145428" y="1517834"/>
-            <a:ext cx="9506439" cy="4807197"/>
-          </a:xfrm>
-          <a:prstGeom prst="rect">
-            <a:avLst/>
-          </a:prstGeom>
-        </p:spPr>
-      </p:pic>
+          <p:cNvGraphicFramePr>
+            <a:graphicFrameLocks noGrp="1"/>
+          </p:cNvGraphicFramePr>
+          <p:nvPr>
+            <p:extLst>
+              <p:ext uri="{D42A27DB-BD31-4B8C-83A1-F6EECF244321}">
+                <p14:modId xmlns:p14="http://schemas.microsoft.com/office/powerpoint/2010/main" val="2552453128"/>
+              </p:ext>
+            </p:extLst>
+          </p:nvPr>
+        </p:nvGraphicFramePr>
+        <p:xfrm>
+          <a:off x="1544782" y="1309254"/>
+          <a:ext cx="9116290" cy="5015776"/>
+        </p:xfrm>
+        <a:graphic>
+          <a:graphicData uri="http://schemas.openxmlformats.org/drawingml/2006/table">
+            <a:tbl>
+              <a:tblPr firstRow="1" bandRow="1">
+                <a:tableStyleId>{C083E6E3-FA7D-4D7B-A595-EF9225AFEA82}</a:tableStyleId>
+              </a:tblPr>
+              <a:tblGrid>
+                <a:gridCol w="4696446">
+                  <a:extLst>
+                    <a:ext uri="{9D8B030D-6E8A-4147-A177-3AD203B41FA5}">
+                      <a16:colId xmlns:a16="http://schemas.microsoft.com/office/drawing/2014/main" val="4058233838"/>
+                    </a:ext>
+                  </a:extLst>
+                </a:gridCol>
+                <a:gridCol w="1104961">
+                  <a:extLst>
+                    <a:ext uri="{9D8B030D-6E8A-4147-A177-3AD203B41FA5}">
+                      <a16:colId xmlns:a16="http://schemas.microsoft.com/office/drawing/2014/main" val="1279771122"/>
+                    </a:ext>
+                  </a:extLst>
+                </a:gridCol>
+                <a:gridCol w="1104961">
+                  <a:extLst>
+                    <a:ext uri="{9D8B030D-6E8A-4147-A177-3AD203B41FA5}">
+                      <a16:colId xmlns:a16="http://schemas.microsoft.com/office/drawing/2014/main" val="930768813"/>
+                    </a:ext>
+                  </a:extLst>
+                </a:gridCol>
+                <a:gridCol w="1104961">
+                  <a:extLst>
+                    <a:ext uri="{9D8B030D-6E8A-4147-A177-3AD203B41FA5}">
+                      <a16:colId xmlns:a16="http://schemas.microsoft.com/office/drawing/2014/main" val="1094455488"/>
+                    </a:ext>
+                  </a:extLst>
+                </a:gridCol>
+                <a:gridCol w="1104961">
+                  <a:extLst>
+                    <a:ext uri="{9D8B030D-6E8A-4147-A177-3AD203B41FA5}">
+                      <a16:colId xmlns:a16="http://schemas.microsoft.com/office/drawing/2014/main" val="748538119"/>
+                    </a:ext>
+                  </a:extLst>
+                </a:gridCol>
+              </a:tblGrid>
+              <a:tr h="313486">
+                <a:tc>
+                  <a:txBody>
+                    <a:bodyPr/>
+                    <a:lstStyle/>
+                    <a:p>
+                      <a:pPr>
+                        <a:lnSpc>
+                          <a:spcPct val="115000"/>
+                        </a:lnSpc>
+                        <a:spcAft>
+                          <a:spcPts val="1000"/>
+                        </a:spcAft>
+                      </a:pPr>
+                      <a:r>
+                        <a:rPr lang="en-US" sz="1600" dirty="0">
+                          <a:effectLst/>
+                          <a:latin typeface="Gill Sans MT" panose="020B0502020104020203" pitchFamily="34" charset="0"/>
+                          <a:ea typeface="MS Mincho" panose="02020609040205080304" pitchFamily="49" charset="-128"/>
+                          <a:cs typeface="Times New Roman" panose="02020603050405020304" pitchFamily="18" charset="0"/>
+                        </a:rPr>
+                        <a:t>Variable</a:t>
+                      </a:r>
+                      <a:endParaRPr lang="fr-FR" sz="1600" dirty="0">
+                        <a:effectLst/>
+                        <a:latin typeface="Gill Sans MT" panose="020B0502020104020203" pitchFamily="34" charset="0"/>
+                        <a:ea typeface="MS Mincho" panose="02020609040205080304" pitchFamily="49" charset="-128"/>
+                        <a:cs typeface="Times New Roman" panose="02020603050405020304" pitchFamily="18" charset="0"/>
+                      </a:endParaRPr>
+                    </a:p>
+                  </a:txBody>
+                  <a:tcPr marL="68580" marR="68580" marT="0" marB="0"/>
+                </a:tc>
+                <a:tc>
+                  <a:txBody>
+                    <a:bodyPr/>
+                    <a:lstStyle/>
+                    <a:p>
+                      <a:pPr algn="ctr">
+                        <a:lnSpc>
+                          <a:spcPct val="115000"/>
+                        </a:lnSpc>
+                        <a:spcAft>
+                          <a:spcPts val="1000"/>
+                        </a:spcAft>
+                      </a:pPr>
+                      <a:r>
+                        <a:rPr lang="en-US" sz="1600" dirty="0">
+                          <a:effectLst/>
+                          <a:latin typeface="Gill Sans MT" panose="020B0502020104020203" pitchFamily="34" charset="0"/>
+                          <a:ea typeface="MS Mincho" panose="02020609040205080304" pitchFamily="49" charset="-128"/>
+                          <a:cs typeface="Times New Roman" panose="02020603050405020304" pitchFamily="18" charset="0"/>
+                        </a:rPr>
+                        <a:t>Estimate</a:t>
+                      </a:r>
+                      <a:endParaRPr lang="fr-FR" sz="1600" dirty="0">
+                        <a:effectLst/>
+                        <a:latin typeface="Gill Sans MT" panose="020B0502020104020203" pitchFamily="34" charset="0"/>
+                        <a:ea typeface="MS Mincho" panose="02020609040205080304" pitchFamily="49" charset="-128"/>
+                        <a:cs typeface="Times New Roman" panose="02020603050405020304" pitchFamily="18" charset="0"/>
+                      </a:endParaRPr>
+                    </a:p>
+                  </a:txBody>
+                  <a:tcPr marL="68580" marR="68580" marT="0" marB="0"/>
+                </a:tc>
+                <a:tc>
+                  <a:txBody>
+                    <a:bodyPr/>
+                    <a:lstStyle/>
+                    <a:p>
+                      <a:pPr algn="ctr">
+                        <a:lnSpc>
+                          <a:spcPct val="115000"/>
+                        </a:lnSpc>
+                        <a:spcAft>
+                          <a:spcPts val="1000"/>
+                        </a:spcAft>
+                      </a:pPr>
+                      <a:r>
+                        <a:rPr lang="en-US" sz="1600">
+                          <a:effectLst/>
+                          <a:latin typeface="Gill Sans MT" panose="020B0502020104020203" pitchFamily="34" charset="0"/>
+                          <a:ea typeface="MS Mincho" panose="02020609040205080304" pitchFamily="49" charset="-128"/>
+                          <a:cs typeface="Times New Roman" panose="02020603050405020304" pitchFamily="18" charset="0"/>
+                        </a:rPr>
+                        <a:t>Std. Error</a:t>
+                      </a:r>
+                      <a:endParaRPr lang="fr-FR" sz="1600">
+                        <a:effectLst/>
+                        <a:latin typeface="Gill Sans MT" panose="020B0502020104020203" pitchFamily="34" charset="0"/>
+                        <a:ea typeface="MS Mincho" panose="02020609040205080304" pitchFamily="49" charset="-128"/>
+                        <a:cs typeface="Times New Roman" panose="02020603050405020304" pitchFamily="18" charset="0"/>
+                      </a:endParaRPr>
+                    </a:p>
+                  </a:txBody>
+                  <a:tcPr marL="68580" marR="68580" marT="0" marB="0"/>
+                </a:tc>
+                <a:tc>
+                  <a:txBody>
+                    <a:bodyPr/>
+                    <a:lstStyle/>
+                    <a:p>
+                      <a:pPr algn="ctr">
+                        <a:lnSpc>
+                          <a:spcPct val="115000"/>
+                        </a:lnSpc>
+                        <a:spcAft>
+                          <a:spcPts val="1000"/>
+                        </a:spcAft>
+                      </a:pPr>
+                      <a:r>
+                        <a:rPr lang="en-US" sz="1600" dirty="0">
+                          <a:effectLst/>
+                          <a:latin typeface="Gill Sans MT" panose="020B0502020104020203" pitchFamily="34" charset="0"/>
+                          <a:ea typeface="MS Mincho" panose="02020609040205080304" pitchFamily="49" charset="-128"/>
+                          <a:cs typeface="Times New Roman" panose="02020603050405020304" pitchFamily="18" charset="0"/>
+                        </a:rPr>
+                        <a:t>t value</a:t>
+                      </a:r>
+                      <a:endParaRPr lang="fr-FR" sz="1600" dirty="0">
+                        <a:effectLst/>
+                        <a:latin typeface="Gill Sans MT" panose="020B0502020104020203" pitchFamily="34" charset="0"/>
+                        <a:ea typeface="MS Mincho" panose="02020609040205080304" pitchFamily="49" charset="-128"/>
+                        <a:cs typeface="Times New Roman" panose="02020603050405020304" pitchFamily="18" charset="0"/>
+                      </a:endParaRPr>
+                    </a:p>
+                  </a:txBody>
+                  <a:tcPr marL="68580" marR="68580" marT="0" marB="0"/>
+                </a:tc>
+                <a:tc>
+                  <a:txBody>
+                    <a:bodyPr/>
+                    <a:lstStyle/>
+                    <a:p>
+                      <a:pPr algn="ctr">
+                        <a:lnSpc>
+                          <a:spcPct val="115000"/>
+                        </a:lnSpc>
+                        <a:spcAft>
+                          <a:spcPts val="1000"/>
+                        </a:spcAft>
+                      </a:pPr>
+                      <a:r>
+                        <a:rPr lang="en-US" sz="1600">
+                          <a:effectLst/>
+                          <a:latin typeface="Gill Sans MT" panose="020B0502020104020203" pitchFamily="34" charset="0"/>
+                          <a:ea typeface="MS Mincho" panose="02020609040205080304" pitchFamily="49" charset="-128"/>
+                          <a:cs typeface="Times New Roman" panose="02020603050405020304" pitchFamily="18" charset="0"/>
+                        </a:rPr>
+                        <a:t>Pr(&gt;|t|)</a:t>
+                      </a:r>
+                      <a:endParaRPr lang="fr-FR" sz="1600">
+                        <a:effectLst/>
+                        <a:latin typeface="Gill Sans MT" panose="020B0502020104020203" pitchFamily="34" charset="0"/>
+                        <a:ea typeface="MS Mincho" panose="02020609040205080304" pitchFamily="49" charset="-128"/>
+                        <a:cs typeface="Times New Roman" panose="02020603050405020304" pitchFamily="18" charset="0"/>
+                      </a:endParaRPr>
+                    </a:p>
+                  </a:txBody>
+                  <a:tcPr marL="68580" marR="68580" marT="0" marB="0"/>
+                </a:tc>
+                <a:extLst>
+                  <a:ext uri="{0D108BD9-81ED-4DB2-BD59-A6C34878D82A}">
+                    <a16:rowId xmlns:a16="http://schemas.microsoft.com/office/drawing/2014/main" val="1507252365"/>
+                  </a:ext>
+                </a:extLst>
+              </a:tr>
+              <a:tr h="313486">
+                <a:tc>
+                  <a:txBody>
+                    <a:bodyPr/>
+                    <a:lstStyle/>
+                    <a:p>
+                      <a:pPr>
+                        <a:lnSpc>
+                          <a:spcPct val="115000"/>
+                        </a:lnSpc>
+                        <a:spcAft>
+                          <a:spcPts val="1000"/>
+                        </a:spcAft>
+                      </a:pPr>
+                      <a:r>
+                        <a:rPr lang="en-US" sz="1600">
+                          <a:effectLst/>
+                          <a:latin typeface="Gill Sans MT" panose="020B0502020104020203" pitchFamily="34" charset="0"/>
+                          <a:ea typeface="MS Mincho" panose="02020609040205080304" pitchFamily="49" charset="-128"/>
+                          <a:cs typeface="Times New Roman" panose="02020603050405020304" pitchFamily="18" charset="0"/>
+                        </a:rPr>
+                        <a:t>(Intercept)</a:t>
+                      </a:r>
+                      <a:endParaRPr lang="fr-FR" sz="1600">
+                        <a:effectLst/>
+                        <a:latin typeface="Gill Sans MT" panose="020B0502020104020203" pitchFamily="34" charset="0"/>
+                        <a:ea typeface="MS Mincho" panose="02020609040205080304" pitchFamily="49" charset="-128"/>
+                        <a:cs typeface="Times New Roman" panose="02020603050405020304" pitchFamily="18" charset="0"/>
+                      </a:endParaRPr>
+                    </a:p>
+                  </a:txBody>
+                  <a:tcPr marL="68580" marR="68580" marT="0" marB="0"/>
+                </a:tc>
+                <a:tc>
+                  <a:txBody>
+                    <a:bodyPr/>
+                    <a:lstStyle/>
+                    <a:p>
+                      <a:pPr algn="ctr">
+                        <a:lnSpc>
+                          <a:spcPct val="115000"/>
+                        </a:lnSpc>
+                        <a:spcAft>
+                          <a:spcPts val="1000"/>
+                        </a:spcAft>
+                      </a:pPr>
+                      <a:r>
+                        <a:rPr lang="en-US" sz="1600" dirty="0">
+                          <a:effectLst/>
+                          <a:latin typeface="Gill Sans MT" panose="020B0502020104020203" pitchFamily="34" charset="0"/>
+                          <a:ea typeface="MS Mincho" panose="02020609040205080304" pitchFamily="49" charset="-128"/>
+                          <a:cs typeface="Times New Roman" panose="02020603050405020304" pitchFamily="18" charset="0"/>
+                        </a:rPr>
+                        <a:t>7.9121986</a:t>
+                      </a:r>
+                      <a:endParaRPr lang="fr-FR" sz="1600" dirty="0">
+                        <a:effectLst/>
+                        <a:latin typeface="Gill Sans MT" panose="020B0502020104020203" pitchFamily="34" charset="0"/>
+                        <a:ea typeface="MS Mincho" panose="02020609040205080304" pitchFamily="49" charset="-128"/>
+                        <a:cs typeface="Times New Roman" panose="02020603050405020304" pitchFamily="18" charset="0"/>
+                      </a:endParaRPr>
+                    </a:p>
+                  </a:txBody>
+                  <a:tcPr marL="68580" marR="68580" marT="0" marB="0"/>
+                </a:tc>
+                <a:tc>
+                  <a:txBody>
+                    <a:bodyPr/>
+                    <a:lstStyle/>
+                    <a:p>
+                      <a:pPr algn="ctr">
+                        <a:lnSpc>
+                          <a:spcPct val="115000"/>
+                        </a:lnSpc>
+                        <a:spcAft>
+                          <a:spcPts val="1000"/>
+                        </a:spcAft>
+                      </a:pPr>
+                      <a:r>
+                        <a:rPr lang="en-US" sz="1600">
+                          <a:effectLst/>
+                          <a:latin typeface="Gill Sans MT" panose="020B0502020104020203" pitchFamily="34" charset="0"/>
+                          <a:ea typeface="MS Mincho" panose="02020609040205080304" pitchFamily="49" charset="-128"/>
+                          <a:cs typeface="Times New Roman" panose="02020603050405020304" pitchFamily="18" charset="0"/>
+                        </a:rPr>
+                        <a:t>1.4026624</a:t>
+                      </a:r>
+                      <a:endParaRPr lang="fr-FR" sz="1600">
+                        <a:effectLst/>
+                        <a:latin typeface="Gill Sans MT" panose="020B0502020104020203" pitchFamily="34" charset="0"/>
+                        <a:ea typeface="MS Mincho" panose="02020609040205080304" pitchFamily="49" charset="-128"/>
+                        <a:cs typeface="Times New Roman" panose="02020603050405020304" pitchFamily="18" charset="0"/>
+                      </a:endParaRPr>
+                    </a:p>
+                  </a:txBody>
+                  <a:tcPr marL="68580" marR="68580" marT="0" marB="0"/>
+                </a:tc>
+                <a:tc>
+                  <a:txBody>
+                    <a:bodyPr/>
+                    <a:lstStyle/>
+                    <a:p>
+                      <a:pPr algn="ctr">
+                        <a:lnSpc>
+                          <a:spcPct val="115000"/>
+                        </a:lnSpc>
+                        <a:spcAft>
+                          <a:spcPts val="1000"/>
+                        </a:spcAft>
+                      </a:pPr>
+                      <a:r>
+                        <a:rPr lang="en-US" sz="1600">
+                          <a:effectLst/>
+                          <a:latin typeface="Gill Sans MT" panose="020B0502020104020203" pitchFamily="34" charset="0"/>
+                          <a:ea typeface="MS Mincho" panose="02020609040205080304" pitchFamily="49" charset="-128"/>
+                          <a:cs typeface="Times New Roman" panose="02020603050405020304" pitchFamily="18" charset="0"/>
+                        </a:rPr>
+                        <a:t>5.640843</a:t>
+                      </a:r>
+                      <a:endParaRPr lang="fr-FR" sz="1600">
+                        <a:effectLst/>
+                        <a:latin typeface="Gill Sans MT" panose="020B0502020104020203" pitchFamily="34" charset="0"/>
+                        <a:ea typeface="MS Mincho" panose="02020609040205080304" pitchFamily="49" charset="-128"/>
+                        <a:cs typeface="Times New Roman" panose="02020603050405020304" pitchFamily="18" charset="0"/>
+                      </a:endParaRPr>
+                    </a:p>
+                  </a:txBody>
+                  <a:tcPr marL="68580" marR="68580" marT="0" marB="0"/>
+                </a:tc>
+                <a:tc>
+                  <a:txBody>
+                    <a:bodyPr/>
+                    <a:lstStyle/>
+                    <a:p>
+                      <a:pPr algn="ctr">
+                        <a:lnSpc>
+                          <a:spcPct val="115000"/>
+                        </a:lnSpc>
+                        <a:spcAft>
+                          <a:spcPts val="1000"/>
+                        </a:spcAft>
+                      </a:pPr>
+                      <a:r>
+                        <a:rPr lang="en-US" sz="1600">
+                          <a:effectLst/>
+                          <a:latin typeface="Gill Sans MT" panose="020B0502020104020203" pitchFamily="34" charset="0"/>
+                          <a:ea typeface="MS Mincho" panose="02020609040205080304" pitchFamily="49" charset="-128"/>
+                          <a:cs typeface="Times New Roman" panose="02020603050405020304" pitchFamily="18" charset="0"/>
+                        </a:rPr>
+                        <a:t>1.692e-08</a:t>
+                      </a:r>
+                      <a:endParaRPr lang="fr-FR" sz="1600">
+                        <a:effectLst/>
+                        <a:latin typeface="Gill Sans MT" panose="020B0502020104020203" pitchFamily="34" charset="0"/>
+                        <a:ea typeface="MS Mincho" panose="02020609040205080304" pitchFamily="49" charset="-128"/>
+                        <a:cs typeface="Times New Roman" panose="02020603050405020304" pitchFamily="18" charset="0"/>
+                      </a:endParaRPr>
+                    </a:p>
+                  </a:txBody>
+                  <a:tcPr marL="68580" marR="68580" marT="0" marB="0"/>
+                </a:tc>
+                <a:extLst>
+                  <a:ext uri="{0D108BD9-81ED-4DB2-BD59-A6C34878D82A}">
+                    <a16:rowId xmlns:a16="http://schemas.microsoft.com/office/drawing/2014/main" val="4282681986"/>
+                  </a:ext>
+                </a:extLst>
+              </a:tr>
+              <a:tr h="313486">
+                <a:tc>
+                  <a:txBody>
+                    <a:bodyPr/>
+                    <a:lstStyle/>
+                    <a:p>
+                      <a:pPr>
+                        <a:lnSpc>
+                          <a:spcPct val="115000"/>
+                        </a:lnSpc>
+                        <a:spcAft>
+                          <a:spcPts val="1000"/>
+                        </a:spcAft>
+                      </a:pPr>
+                      <a:r>
+                        <a:rPr lang="en-US" sz="1600">
+                          <a:effectLst/>
+                          <a:latin typeface="Gill Sans MT" panose="020B0502020104020203" pitchFamily="34" charset="0"/>
+                          <a:ea typeface="MS Mincho" panose="02020609040205080304" pitchFamily="49" charset="-128"/>
+                          <a:cs typeface="Times New Roman" panose="02020603050405020304" pitchFamily="18" charset="0"/>
+                        </a:rPr>
+                        <a:t>pct_pop_25_64</a:t>
+                      </a:r>
+                      <a:endParaRPr lang="fr-FR" sz="1600">
+                        <a:effectLst/>
+                        <a:latin typeface="Gill Sans MT" panose="020B0502020104020203" pitchFamily="34" charset="0"/>
+                        <a:ea typeface="MS Mincho" panose="02020609040205080304" pitchFamily="49" charset="-128"/>
+                        <a:cs typeface="Times New Roman" panose="02020603050405020304" pitchFamily="18" charset="0"/>
+                      </a:endParaRPr>
+                    </a:p>
+                  </a:txBody>
+                  <a:tcPr marL="68580" marR="68580" marT="0" marB="0"/>
+                </a:tc>
+                <a:tc>
+                  <a:txBody>
+                    <a:bodyPr/>
+                    <a:lstStyle/>
+                    <a:p>
+                      <a:pPr algn="ctr">
+                        <a:lnSpc>
+                          <a:spcPct val="115000"/>
+                        </a:lnSpc>
+                        <a:spcAft>
+                          <a:spcPts val="1000"/>
+                        </a:spcAft>
+                      </a:pPr>
+                      <a:r>
+                        <a:rPr lang="en-US" sz="1600">
+                          <a:effectLst/>
+                          <a:latin typeface="Gill Sans MT" panose="020B0502020104020203" pitchFamily="34" charset="0"/>
+                          <a:ea typeface="MS Mincho" panose="02020609040205080304" pitchFamily="49" charset="-128"/>
+                          <a:cs typeface="Times New Roman" panose="02020603050405020304" pitchFamily="18" charset="0"/>
+                        </a:rPr>
+                        <a:t>-0.0136882</a:t>
+                      </a:r>
+                      <a:endParaRPr lang="fr-FR" sz="1600">
+                        <a:effectLst/>
+                        <a:latin typeface="Gill Sans MT" panose="020B0502020104020203" pitchFamily="34" charset="0"/>
+                        <a:ea typeface="MS Mincho" panose="02020609040205080304" pitchFamily="49" charset="-128"/>
+                        <a:cs typeface="Times New Roman" panose="02020603050405020304" pitchFamily="18" charset="0"/>
+                      </a:endParaRPr>
+                    </a:p>
+                  </a:txBody>
+                  <a:tcPr marL="68580" marR="68580" marT="0" marB="0"/>
+                </a:tc>
+                <a:tc>
+                  <a:txBody>
+                    <a:bodyPr/>
+                    <a:lstStyle/>
+                    <a:p>
+                      <a:pPr algn="ctr">
+                        <a:lnSpc>
+                          <a:spcPct val="115000"/>
+                        </a:lnSpc>
+                        <a:spcAft>
+                          <a:spcPts val="1000"/>
+                        </a:spcAft>
+                      </a:pPr>
+                      <a:r>
+                        <a:rPr lang="en-US" sz="1600">
+                          <a:effectLst/>
+                          <a:latin typeface="Gill Sans MT" panose="020B0502020104020203" pitchFamily="34" charset="0"/>
+                          <a:ea typeface="MS Mincho" panose="02020609040205080304" pitchFamily="49" charset="-128"/>
+                          <a:cs typeface="Times New Roman" panose="02020603050405020304" pitchFamily="18" charset="0"/>
+                        </a:rPr>
+                        <a:t>0.0021707</a:t>
+                      </a:r>
+                      <a:endParaRPr lang="fr-FR" sz="1600">
+                        <a:effectLst/>
+                        <a:latin typeface="Gill Sans MT" panose="020B0502020104020203" pitchFamily="34" charset="0"/>
+                        <a:ea typeface="MS Mincho" panose="02020609040205080304" pitchFamily="49" charset="-128"/>
+                        <a:cs typeface="Times New Roman" panose="02020603050405020304" pitchFamily="18" charset="0"/>
+                      </a:endParaRPr>
+                    </a:p>
+                  </a:txBody>
+                  <a:tcPr marL="68580" marR="68580" marT="0" marB="0"/>
+                </a:tc>
+                <a:tc>
+                  <a:txBody>
+                    <a:bodyPr/>
+                    <a:lstStyle/>
+                    <a:p>
+                      <a:pPr algn="ctr">
+                        <a:lnSpc>
+                          <a:spcPct val="115000"/>
+                        </a:lnSpc>
+                        <a:spcAft>
+                          <a:spcPts val="1000"/>
+                        </a:spcAft>
+                      </a:pPr>
+                      <a:r>
+                        <a:rPr lang="en-US" sz="1600">
+                          <a:effectLst/>
+                          <a:latin typeface="Gill Sans MT" panose="020B0502020104020203" pitchFamily="34" charset="0"/>
+                          <a:ea typeface="MS Mincho" panose="02020609040205080304" pitchFamily="49" charset="-128"/>
+                          <a:cs typeface="Times New Roman" panose="02020603050405020304" pitchFamily="18" charset="0"/>
+                        </a:rPr>
+                        <a:t>-6.305993</a:t>
+                      </a:r>
+                      <a:endParaRPr lang="fr-FR" sz="1600">
+                        <a:effectLst/>
+                        <a:latin typeface="Gill Sans MT" panose="020B0502020104020203" pitchFamily="34" charset="0"/>
+                        <a:ea typeface="MS Mincho" panose="02020609040205080304" pitchFamily="49" charset="-128"/>
+                        <a:cs typeface="Times New Roman" panose="02020603050405020304" pitchFamily="18" charset="0"/>
+                      </a:endParaRPr>
+                    </a:p>
+                  </a:txBody>
+                  <a:tcPr marL="68580" marR="68580" marT="0" marB="0"/>
+                </a:tc>
+                <a:tc>
+                  <a:txBody>
+                    <a:bodyPr/>
+                    <a:lstStyle/>
+                    <a:p>
+                      <a:pPr algn="ctr">
+                        <a:lnSpc>
+                          <a:spcPct val="115000"/>
+                        </a:lnSpc>
+                        <a:spcAft>
+                          <a:spcPts val="1000"/>
+                        </a:spcAft>
+                      </a:pPr>
+                      <a:r>
+                        <a:rPr lang="en-US" sz="1600">
+                          <a:effectLst/>
+                          <a:latin typeface="Gill Sans MT" panose="020B0502020104020203" pitchFamily="34" charset="0"/>
+                          <a:ea typeface="MS Mincho" panose="02020609040205080304" pitchFamily="49" charset="-128"/>
+                          <a:cs typeface="Times New Roman" panose="02020603050405020304" pitchFamily="18" charset="0"/>
+                        </a:rPr>
+                        <a:t>2.864e-10</a:t>
+                      </a:r>
+                      <a:endParaRPr lang="fr-FR" sz="1600">
+                        <a:effectLst/>
+                        <a:latin typeface="Gill Sans MT" panose="020B0502020104020203" pitchFamily="34" charset="0"/>
+                        <a:ea typeface="MS Mincho" panose="02020609040205080304" pitchFamily="49" charset="-128"/>
+                        <a:cs typeface="Times New Roman" panose="02020603050405020304" pitchFamily="18" charset="0"/>
+                      </a:endParaRPr>
+                    </a:p>
+                  </a:txBody>
+                  <a:tcPr marL="68580" marR="68580" marT="0" marB="0"/>
+                </a:tc>
+                <a:extLst>
+                  <a:ext uri="{0D108BD9-81ED-4DB2-BD59-A6C34878D82A}">
+                    <a16:rowId xmlns:a16="http://schemas.microsoft.com/office/drawing/2014/main" val="932466880"/>
+                  </a:ext>
+                </a:extLst>
+              </a:tr>
+              <a:tr h="313486">
+                <a:tc>
+                  <a:txBody>
+                    <a:bodyPr/>
+                    <a:lstStyle/>
+                    <a:p>
+                      <a:pPr>
+                        <a:lnSpc>
+                          <a:spcPct val="115000"/>
+                        </a:lnSpc>
+                        <a:spcAft>
+                          <a:spcPts val="1000"/>
+                        </a:spcAft>
+                      </a:pPr>
+                      <a:r>
+                        <a:rPr lang="en-US" sz="1600" dirty="0">
+                          <a:effectLst/>
+                          <a:latin typeface="Gill Sans MT" panose="020B0502020104020203" pitchFamily="34" charset="0"/>
+                          <a:ea typeface="MS Mincho" panose="02020609040205080304" pitchFamily="49" charset="-128"/>
+                          <a:cs typeface="Times New Roman" panose="02020603050405020304" pitchFamily="18" charset="0"/>
+                        </a:rPr>
+                        <a:t>pct_pop_65_plus</a:t>
+                      </a:r>
+                      <a:endParaRPr lang="fr-FR" sz="1600" dirty="0">
+                        <a:effectLst/>
+                        <a:latin typeface="Gill Sans MT" panose="020B0502020104020203" pitchFamily="34" charset="0"/>
+                        <a:ea typeface="MS Mincho" panose="02020609040205080304" pitchFamily="49" charset="-128"/>
+                        <a:cs typeface="Times New Roman" panose="02020603050405020304" pitchFamily="18" charset="0"/>
+                      </a:endParaRPr>
+                    </a:p>
+                  </a:txBody>
+                  <a:tcPr marL="68580" marR="68580" marT="0" marB="0"/>
+                </a:tc>
+                <a:tc>
+                  <a:txBody>
+                    <a:bodyPr/>
+                    <a:lstStyle/>
+                    <a:p>
+                      <a:pPr algn="ctr">
+                        <a:lnSpc>
+                          <a:spcPct val="115000"/>
+                        </a:lnSpc>
+                        <a:spcAft>
+                          <a:spcPts val="1000"/>
+                        </a:spcAft>
+                      </a:pPr>
+                      <a:r>
+                        <a:rPr lang="en-US" sz="1600" dirty="0">
+                          <a:effectLst/>
+                          <a:latin typeface="Gill Sans MT" panose="020B0502020104020203" pitchFamily="34" charset="0"/>
+                          <a:ea typeface="MS Mincho" panose="02020609040205080304" pitchFamily="49" charset="-128"/>
+                          <a:cs typeface="Times New Roman" panose="02020603050405020304" pitchFamily="18" charset="0"/>
+                        </a:rPr>
+                        <a:t>-0.0251166</a:t>
+                      </a:r>
+                      <a:endParaRPr lang="fr-FR" sz="1600" dirty="0">
+                        <a:effectLst/>
+                        <a:latin typeface="Gill Sans MT" panose="020B0502020104020203" pitchFamily="34" charset="0"/>
+                        <a:ea typeface="MS Mincho" panose="02020609040205080304" pitchFamily="49" charset="-128"/>
+                        <a:cs typeface="Times New Roman" panose="02020603050405020304" pitchFamily="18" charset="0"/>
+                      </a:endParaRPr>
+                    </a:p>
+                  </a:txBody>
+                  <a:tcPr marL="68580" marR="68580" marT="0" marB="0"/>
+                </a:tc>
+                <a:tc>
+                  <a:txBody>
+                    <a:bodyPr/>
+                    <a:lstStyle/>
+                    <a:p>
+                      <a:pPr algn="ctr">
+                        <a:lnSpc>
+                          <a:spcPct val="115000"/>
+                        </a:lnSpc>
+                        <a:spcAft>
+                          <a:spcPts val="1000"/>
+                        </a:spcAft>
+                      </a:pPr>
+                      <a:r>
+                        <a:rPr lang="en-US" sz="1600" dirty="0">
+                          <a:effectLst/>
+                          <a:latin typeface="Gill Sans MT" panose="020B0502020104020203" pitchFamily="34" charset="0"/>
+                          <a:ea typeface="MS Mincho" panose="02020609040205080304" pitchFamily="49" charset="-128"/>
+                          <a:cs typeface="Times New Roman" panose="02020603050405020304" pitchFamily="18" charset="0"/>
+                        </a:rPr>
+                        <a:t>0.0015417</a:t>
+                      </a:r>
+                      <a:endParaRPr lang="fr-FR" sz="1600" dirty="0">
+                        <a:effectLst/>
+                        <a:latin typeface="Gill Sans MT" panose="020B0502020104020203" pitchFamily="34" charset="0"/>
+                        <a:ea typeface="MS Mincho" panose="02020609040205080304" pitchFamily="49" charset="-128"/>
+                        <a:cs typeface="Times New Roman" panose="02020603050405020304" pitchFamily="18" charset="0"/>
+                      </a:endParaRPr>
+                    </a:p>
+                  </a:txBody>
+                  <a:tcPr marL="68580" marR="68580" marT="0" marB="0"/>
+                </a:tc>
+                <a:tc>
+                  <a:txBody>
+                    <a:bodyPr/>
+                    <a:lstStyle/>
+                    <a:p>
+                      <a:pPr algn="ctr">
+                        <a:lnSpc>
+                          <a:spcPct val="115000"/>
+                        </a:lnSpc>
+                        <a:spcAft>
+                          <a:spcPts val="1000"/>
+                        </a:spcAft>
+                      </a:pPr>
+                      <a:r>
+                        <a:rPr lang="en-US" sz="1600">
+                          <a:effectLst/>
+                          <a:latin typeface="Gill Sans MT" panose="020B0502020104020203" pitchFamily="34" charset="0"/>
+                          <a:ea typeface="MS Mincho" panose="02020609040205080304" pitchFamily="49" charset="-128"/>
+                          <a:cs typeface="Times New Roman" panose="02020603050405020304" pitchFamily="18" charset="0"/>
+                        </a:rPr>
+                        <a:t>-16.291218</a:t>
+                      </a:r>
+                      <a:endParaRPr lang="fr-FR" sz="1600">
+                        <a:effectLst/>
+                        <a:latin typeface="Gill Sans MT" panose="020B0502020104020203" pitchFamily="34" charset="0"/>
+                        <a:ea typeface="MS Mincho" panose="02020609040205080304" pitchFamily="49" charset="-128"/>
+                        <a:cs typeface="Times New Roman" panose="02020603050405020304" pitchFamily="18" charset="0"/>
+                      </a:endParaRPr>
+                    </a:p>
+                  </a:txBody>
+                  <a:tcPr marL="68580" marR="68580" marT="0" marB="0"/>
+                </a:tc>
+                <a:tc>
+                  <a:txBody>
+                    <a:bodyPr/>
+                    <a:lstStyle/>
+                    <a:p>
+                      <a:pPr algn="ctr">
+                        <a:lnSpc>
+                          <a:spcPct val="115000"/>
+                        </a:lnSpc>
+                        <a:spcAft>
+                          <a:spcPts val="1000"/>
+                        </a:spcAft>
+                      </a:pPr>
+                      <a:r>
+                        <a:rPr lang="en-US" sz="1600">
+                          <a:effectLst/>
+                          <a:latin typeface="Gill Sans MT" panose="020B0502020104020203" pitchFamily="34" charset="0"/>
+                          <a:ea typeface="MS Mincho" panose="02020609040205080304" pitchFamily="49" charset="-128"/>
+                          <a:cs typeface="Times New Roman" panose="02020603050405020304" pitchFamily="18" charset="0"/>
+                        </a:rPr>
+                        <a:t>&lt; 2.2e-16</a:t>
+                      </a:r>
+                      <a:endParaRPr lang="fr-FR" sz="1600">
+                        <a:effectLst/>
+                        <a:latin typeface="Gill Sans MT" panose="020B0502020104020203" pitchFamily="34" charset="0"/>
+                        <a:ea typeface="MS Mincho" panose="02020609040205080304" pitchFamily="49" charset="-128"/>
+                        <a:cs typeface="Times New Roman" panose="02020603050405020304" pitchFamily="18" charset="0"/>
+                      </a:endParaRPr>
+                    </a:p>
+                  </a:txBody>
+                  <a:tcPr marL="68580" marR="68580" marT="0" marB="0"/>
+                </a:tc>
+                <a:extLst>
+                  <a:ext uri="{0D108BD9-81ED-4DB2-BD59-A6C34878D82A}">
+                    <a16:rowId xmlns:a16="http://schemas.microsoft.com/office/drawing/2014/main" val="3860682075"/>
+                  </a:ext>
+                </a:extLst>
+              </a:tr>
+              <a:tr h="313486">
+                <a:tc>
+                  <a:txBody>
+                    <a:bodyPr/>
+                    <a:lstStyle/>
+                    <a:p>
+                      <a:pPr>
+                        <a:lnSpc>
+                          <a:spcPct val="115000"/>
+                        </a:lnSpc>
+                        <a:spcAft>
+                          <a:spcPts val="1000"/>
+                        </a:spcAft>
+                      </a:pPr>
+                      <a:r>
+                        <a:rPr lang="en-US" sz="1600" dirty="0" err="1">
+                          <a:effectLst/>
+                          <a:latin typeface="Gill Sans MT" panose="020B0502020104020203" pitchFamily="34" charset="0"/>
+                          <a:ea typeface="MS Mincho" panose="02020609040205080304" pitchFamily="49" charset="-128"/>
+                          <a:cs typeface="Times New Roman" panose="02020603050405020304" pitchFamily="18" charset="0"/>
+                        </a:rPr>
+                        <a:t>pct_union_libre</a:t>
+                      </a:r>
+                      <a:endParaRPr lang="fr-FR" sz="1600" dirty="0">
+                        <a:effectLst/>
+                        <a:latin typeface="Gill Sans MT" panose="020B0502020104020203" pitchFamily="34" charset="0"/>
+                        <a:ea typeface="MS Mincho" panose="02020609040205080304" pitchFamily="49" charset="-128"/>
+                        <a:cs typeface="Times New Roman" panose="02020603050405020304" pitchFamily="18" charset="0"/>
+                      </a:endParaRPr>
+                    </a:p>
+                  </a:txBody>
+                  <a:tcPr marL="68580" marR="68580" marT="0" marB="0"/>
+                </a:tc>
+                <a:tc>
+                  <a:txBody>
+                    <a:bodyPr/>
+                    <a:lstStyle/>
+                    <a:p>
+                      <a:pPr algn="ctr">
+                        <a:lnSpc>
+                          <a:spcPct val="115000"/>
+                        </a:lnSpc>
+                        <a:spcAft>
+                          <a:spcPts val="1000"/>
+                        </a:spcAft>
+                      </a:pPr>
+                      <a:r>
+                        <a:rPr lang="en-US" sz="1600">
+                          <a:effectLst/>
+                          <a:latin typeface="Gill Sans MT" panose="020B0502020104020203" pitchFamily="34" charset="0"/>
+                          <a:ea typeface="MS Mincho" panose="02020609040205080304" pitchFamily="49" charset="-128"/>
+                          <a:cs typeface="Times New Roman" panose="02020603050405020304" pitchFamily="18" charset="0"/>
+                        </a:rPr>
+                        <a:t>-0.0216354</a:t>
+                      </a:r>
+                      <a:endParaRPr lang="fr-FR" sz="1600">
+                        <a:effectLst/>
+                        <a:latin typeface="Gill Sans MT" panose="020B0502020104020203" pitchFamily="34" charset="0"/>
+                        <a:ea typeface="MS Mincho" panose="02020609040205080304" pitchFamily="49" charset="-128"/>
+                        <a:cs typeface="Times New Roman" panose="02020603050405020304" pitchFamily="18" charset="0"/>
+                      </a:endParaRPr>
+                    </a:p>
+                  </a:txBody>
+                  <a:tcPr marL="68580" marR="68580" marT="0" marB="0"/>
+                </a:tc>
+                <a:tc>
+                  <a:txBody>
+                    <a:bodyPr/>
+                    <a:lstStyle/>
+                    <a:p>
+                      <a:pPr algn="ctr">
+                        <a:lnSpc>
+                          <a:spcPct val="115000"/>
+                        </a:lnSpc>
+                        <a:spcAft>
+                          <a:spcPts val="1000"/>
+                        </a:spcAft>
+                      </a:pPr>
+                      <a:r>
+                        <a:rPr lang="en-US" sz="1600" dirty="0">
+                          <a:effectLst/>
+                          <a:latin typeface="Gill Sans MT" panose="020B0502020104020203" pitchFamily="34" charset="0"/>
+                          <a:ea typeface="MS Mincho" panose="02020609040205080304" pitchFamily="49" charset="-128"/>
+                          <a:cs typeface="Times New Roman" panose="02020603050405020304" pitchFamily="18" charset="0"/>
+                        </a:rPr>
+                        <a:t>0.003338</a:t>
+                      </a:r>
+                      <a:endParaRPr lang="fr-FR" sz="1600" dirty="0">
+                        <a:effectLst/>
+                        <a:latin typeface="Gill Sans MT" panose="020B0502020104020203" pitchFamily="34" charset="0"/>
+                        <a:ea typeface="MS Mincho" panose="02020609040205080304" pitchFamily="49" charset="-128"/>
+                        <a:cs typeface="Times New Roman" panose="02020603050405020304" pitchFamily="18" charset="0"/>
+                      </a:endParaRPr>
+                    </a:p>
+                  </a:txBody>
+                  <a:tcPr marL="68580" marR="68580" marT="0" marB="0"/>
+                </a:tc>
+                <a:tc>
+                  <a:txBody>
+                    <a:bodyPr/>
+                    <a:lstStyle/>
+                    <a:p>
+                      <a:pPr algn="ctr">
+                        <a:lnSpc>
+                          <a:spcPct val="115000"/>
+                        </a:lnSpc>
+                        <a:spcAft>
+                          <a:spcPts val="1000"/>
+                        </a:spcAft>
+                      </a:pPr>
+                      <a:r>
+                        <a:rPr lang="en-US" sz="1600" dirty="0">
+                          <a:effectLst/>
+                          <a:latin typeface="Gill Sans MT" panose="020B0502020104020203" pitchFamily="34" charset="0"/>
+                          <a:ea typeface="MS Mincho" panose="02020609040205080304" pitchFamily="49" charset="-128"/>
+                          <a:cs typeface="Times New Roman" panose="02020603050405020304" pitchFamily="18" charset="0"/>
+                        </a:rPr>
+                        <a:t>-6.481541</a:t>
+                      </a:r>
+                      <a:endParaRPr lang="fr-FR" sz="1600" dirty="0">
+                        <a:effectLst/>
+                        <a:latin typeface="Gill Sans MT" panose="020B0502020104020203" pitchFamily="34" charset="0"/>
+                        <a:ea typeface="MS Mincho" panose="02020609040205080304" pitchFamily="49" charset="-128"/>
+                        <a:cs typeface="Times New Roman" panose="02020603050405020304" pitchFamily="18" charset="0"/>
+                      </a:endParaRPr>
+                    </a:p>
+                  </a:txBody>
+                  <a:tcPr marL="68580" marR="68580" marT="0" marB="0"/>
+                </a:tc>
+                <a:tc>
+                  <a:txBody>
+                    <a:bodyPr/>
+                    <a:lstStyle/>
+                    <a:p>
+                      <a:pPr algn="ctr">
+                        <a:lnSpc>
+                          <a:spcPct val="115000"/>
+                        </a:lnSpc>
+                        <a:spcAft>
+                          <a:spcPts val="1000"/>
+                        </a:spcAft>
+                      </a:pPr>
+                      <a:r>
+                        <a:rPr lang="en-US" sz="1600">
+                          <a:effectLst/>
+                          <a:latin typeface="Gill Sans MT" panose="020B0502020104020203" pitchFamily="34" charset="0"/>
+                          <a:ea typeface="MS Mincho" panose="02020609040205080304" pitchFamily="49" charset="-128"/>
+                          <a:cs typeface="Times New Roman" panose="02020603050405020304" pitchFamily="18" charset="0"/>
+                        </a:rPr>
+                        <a:t>9.079e-11</a:t>
+                      </a:r>
+                      <a:endParaRPr lang="fr-FR" sz="1600">
+                        <a:effectLst/>
+                        <a:latin typeface="Gill Sans MT" panose="020B0502020104020203" pitchFamily="34" charset="0"/>
+                        <a:ea typeface="MS Mincho" panose="02020609040205080304" pitchFamily="49" charset="-128"/>
+                        <a:cs typeface="Times New Roman" panose="02020603050405020304" pitchFamily="18" charset="0"/>
+                      </a:endParaRPr>
+                    </a:p>
+                  </a:txBody>
+                  <a:tcPr marL="68580" marR="68580" marT="0" marB="0"/>
+                </a:tc>
+                <a:extLst>
+                  <a:ext uri="{0D108BD9-81ED-4DB2-BD59-A6C34878D82A}">
+                    <a16:rowId xmlns:a16="http://schemas.microsoft.com/office/drawing/2014/main" val="3747354943"/>
+                  </a:ext>
+                </a:extLst>
+              </a:tr>
+              <a:tr h="313486">
+                <a:tc>
+                  <a:txBody>
+                    <a:bodyPr/>
+                    <a:lstStyle/>
+                    <a:p>
+                      <a:pPr>
+                        <a:lnSpc>
+                          <a:spcPct val="115000"/>
+                        </a:lnSpc>
+                        <a:spcAft>
+                          <a:spcPts val="1000"/>
+                        </a:spcAft>
+                      </a:pPr>
+                      <a:r>
+                        <a:rPr lang="en-US" sz="1600">
+                          <a:effectLst/>
+                          <a:latin typeface="Gill Sans MT" panose="020B0502020104020203" pitchFamily="34" charset="0"/>
+                          <a:ea typeface="MS Mincho" panose="02020609040205080304" pitchFamily="49" charset="-128"/>
+                          <a:cs typeface="Times New Roman" panose="02020603050405020304" pitchFamily="18" charset="0"/>
+                        </a:rPr>
+                        <a:t>pct_ouvriers</a:t>
+                      </a:r>
+                      <a:endParaRPr lang="fr-FR" sz="1600">
+                        <a:effectLst/>
+                        <a:latin typeface="Gill Sans MT" panose="020B0502020104020203" pitchFamily="34" charset="0"/>
+                        <a:ea typeface="MS Mincho" panose="02020609040205080304" pitchFamily="49" charset="-128"/>
+                        <a:cs typeface="Times New Roman" panose="02020603050405020304" pitchFamily="18" charset="0"/>
+                      </a:endParaRPr>
+                    </a:p>
+                  </a:txBody>
+                  <a:tcPr marL="68580" marR="68580" marT="0" marB="0"/>
+                </a:tc>
+                <a:tc>
+                  <a:txBody>
+                    <a:bodyPr/>
+                    <a:lstStyle/>
+                    <a:p>
+                      <a:pPr algn="ctr">
+                        <a:lnSpc>
+                          <a:spcPct val="115000"/>
+                        </a:lnSpc>
+                        <a:spcAft>
+                          <a:spcPts val="1000"/>
+                        </a:spcAft>
+                      </a:pPr>
+                      <a:r>
+                        <a:rPr lang="en-US" sz="1600">
+                          <a:effectLst/>
+                          <a:latin typeface="Gill Sans MT" panose="020B0502020104020203" pitchFamily="34" charset="0"/>
+                          <a:ea typeface="MS Mincho" panose="02020609040205080304" pitchFamily="49" charset="-128"/>
+                          <a:cs typeface="Times New Roman" panose="02020603050405020304" pitchFamily="18" charset="0"/>
+                        </a:rPr>
+                        <a:t>-0.0110614</a:t>
+                      </a:r>
+                      <a:endParaRPr lang="fr-FR" sz="1600">
+                        <a:effectLst/>
+                        <a:latin typeface="Gill Sans MT" panose="020B0502020104020203" pitchFamily="34" charset="0"/>
+                        <a:ea typeface="MS Mincho" panose="02020609040205080304" pitchFamily="49" charset="-128"/>
+                        <a:cs typeface="Times New Roman" panose="02020603050405020304" pitchFamily="18" charset="0"/>
+                      </a:endParaRPr>
+                    </a:p>
+                  </a:txBody>
+                  <a:tcPr marL="68580" marR="68580" marT="0" marB="0"/>
+                </a:tc>
+                <a:tc>
+                  <a:txBody>
+                    <a:bodyPr/>
+                    <a:lstStyle/>
+                    <a:p>
+                      <a:pPr algn="ctr">
+                        <a:lnSpc>
+                          <a:spcPct val="115000"/>
+                        </a:lnSpc>
+                        <a:spcAft>
+                          <a:spcPts val="1000"/>
+                        </a:spcAft>
+                      </a:pPr>
+                      <a:r>
+                        <a:rPr lang="en-US" sz="1600">
+                          <a:effectLst/>
+                          <a:latin typeface="Gill Sans MT" panose="020B0502020104020203" pitchFamily="34" charset="0"/>
+                          <a:ea typeface="MS Mincho" panose="02020609040205080304" pitchFamily="49" charset="-128"/>
+                          <a:cs typeface="Times New Roman" panose="02020603050405020304" pitchFamily="18" charset="0"/>
+                        </a:rPr>
+                        <a:t>0.0019103</a:t>
+                      </a:r>
+                      <a:endParaRPr lang="fr-FR" sz="1600">
+                        <a:effectLst/>
+                        <a:latin typeface="Gill Sans MT" panose="020B0502020104020203" pitchFamily="34" charset="0"/>
+                        <a:ea typeface="MS Mincho" panose="02020609040205080304" pitchFamily="49" charset="-128"/>
+                        <a:cs typeface="Times New Roman" panose="02020603050405020304" pitchFamily="18" charset="0"/>
+                      </a:endParaRPr>
+                    </a:p>
+                  </a:txBody>
+                  <a:tcPr marL="68580" marR="68580" marT="0" marB="0"/>
+                </a:tc>
+                <a:tc>
+                  <a:txBody>
+                    <a:bodyPr/>
+                    <a:lstStyle/>
+                    <a:p>
+                      <a:pPr algn="ctr">
+                        <a:lnSpc>
+                          <a:spcPct val="115000"/>
+                        </a:lnSpc>
+                        <a:spcAft>
+                          <a:spcPts val="1000"/>
+                        </a:spcAft>
+                      </a:pPr>
+                      <a:r>
+                        <a:rPr lang="en-US" sz="1600" dirty="0">
+                          <a:effectLst/>
+                          <a:latin typeface="Gill Sans MT" panose="020B0502020104020203" pitchFamily="34" charset="0"/>
+                          <a:ea typeface="MS Mincho" panose="02020609040205080304" pitchFamily="49" charset="-128"/>
+                          <a:cs typeface="Times New Roman" panose="02020603050405020304" pitchFamily="18" charset="0"/>
+                        </a:rPr>
+                        <a:t>-5.790438</a:t>
+                      </a:r>
+                      <a:endParaRPr lang="fr-FR" sz="1600" dirty="0">
+                        <a:effectLst/>
+                        <a:latin typeface="Gill Sans MT" panose="020B0502020104020203" pitchFamily="34" charset="0"/>
+                        <a:ea typeface="MS Mincho" panose="02020609040205080304" pitchFamily="49" charset="-128"/>
+                        <a:cs typeface="Times New Roman" panose="02020603050405020304" pitchFamily="18" charset="0"/>
+                      </a:endParaRPr>
+                    </a:p>
+                  </a:txBody>
+                  <a:tcPr marL="68580" marR="68580" marT="0" marB="0"/>
+                </a:tc>
+                <a:tc>
+                  <a:txBody>
+                    <a:bodyPr/>
+                    <a:lstStyle/>
+                    <a:p>
+                      <a:pPr algn="ctr">
+                        <a:lnSpc>
+                          <a:spcPct val="115000"/>
+                        </a:lnSpc>
+                        <a:spcAft>
+                          <a:spcPts val="1000"/>
+                        </a:spcAft>
+                      </a:pPr>
+                      <a:r>
+                        <a:rPr lang="en-US" sz="1600">
+                          <a:effectLst/>
+                          <a:latin typeface="Gill Sans MT" panose="020B0502020104020203" pitchFamily="34" charset="0"/>
+                          <a:ea typeface="MS Mincho" panose="02020609040205080304" pitchFamily="49" charset="-128"/>
+                          <a:cs typeface="Times New Roman" panose="02020603050405020304" pitchFamily="18" charset="0"/>
+                        </a:rPr>
+                        <a:t>7.020e-09</a:t>
+                      </a:r>
+                      <a:endParaRPr lang="fr-FR" sz="1600">
+                        <a:effectLst/>
+                        <a:latin typeface="Gill Sans MT" panose="020B0502020104020203" pitchFamily="34" charset="0"/>
+                        <a:ea typeface="MS Mincho" panose="02020609040205080304" pitchFamily="49" charset="-128"/>
+                        <a:cs typeface="Times New Roman" panose="02020603050405020304" pitchFamily="18" charset="0"/>
+                      </a:endParaRPr>
+                    </a:p>
+                  </a:txBody>
+                  <a:tcPr marL="68580" marR="68580" marT="0" marB="0"/>
+                </a:tc>
+                <a:extLst>
+                  <a:ext uri="{0D108BD9-81ED-4DB2-BD59-A6C34878D82A}">
+                    <a16:rowId xmlns:a16="http://schemas.microsoft.com/office/drawing/2014/main" val="2139166984"/>
+                  </a:ext>
+                </a:extLst>
+              </a:tr>
+              <a:tr h="313486">
+                <a:tc>
+                  <a:txBody>
+                    <a:bodyPr/>
+                    <a:lstStyle/>
+                    <a:p>
+                      <a:pPr>
+                        <a:lnSpc>
+                          <a:spcPct val="115000"/>
+                        </a:lnSpc>
+                        <a:spcAft>
+                          <a:spcPts val="1000"/>
+                        </a:spcAft>
+                      </a:pPr>
+                      <a:r>
+                        <a:rPr lang="en-US" sz="1600" dirty="0" err="1">
+                          <a:effectLst/>
+                          <a:latin typeface="Gill Sans MT" panose="020B0502020104020203" pitchFamily="34" charset="0"/>
+                          <a:ea typeface="MS Mincho" panose="02020609040205080304" pitchFamily="49" charset="-128"/>
+                          <a:cs typeface="Times New Roman" panose="02020603050405020304" pitchFamily="18" charset="0"/>
+                        </a:rPr>
+                        <a:t>pct_sans_emploi</a:t>
+                      </a:r>
+                      <a:endParaRPr lang="fr-FR" sz="1600" dirty="0">
+                        <a:effectLst/>
+                        <a:latin typeface="Gill Sans MT" panose="020B0502020104020203" pitchFamily="34" charset="0"/>
+                        <a:ea typeface="MS Mincho" panose="02020609040205080304" pitchFamily="49" charset="-128"/>
+                        <a:cs typeface="Times New Roman" panose="02020603050405020304" pitchFamily="18" charset="0"/>
+                      </a:endParaRPr>
+                    </a:p>
+                  </a:txBody>
+                  <a:tcPr marL="68580" marR="68580" marT="0" marB="0"/>
+                </a:tc>
+                <a:tc>
+                  <a:txBody>
+                    <a:bodyPr/>
+                    <a:lstStyle/>
+                    <a:p>
+                      <a:pPr algn="ctr">
+                        <a:lnSpc>
+                          <a:spcPct val="115000"/>
+                        </a:lnSpc>
+                        <a:spcAft>
+                          <a:spcPts val="1000"/>
+                        </a:spcAft>
+                      </a:pPr>
+                      <a:r>
+                        <a:rPr lang="en-US" sz="1600">
+                          <a:effectLst/>
+                          <a:latin typeface="Gill Sans MT" panose="020B0502020104020203" pitchFamily="34" charset="0"/>
+                          <a:ea typeface="MS Mincho" panose="02020609040205080304" pitchFamily="49" charset="-128"/>
+                          <a:cs typeface="Times New Roman" panose="02020603050405020304" pitchFamily="18" charset="0"/>
+                        </a:rPr>
+                        <a:t>-0.0063356</a:t>
+                      </a:r>
+                      <a:endParaRPr lang="fr-FR" sz="1600">
+                        <a:effectLst/>
+                        <a:latin typeface="Gill Sans MT" panose="020B0502020104020203" pitchFamily="34" charset="0"/>
+                        <a:ea typeface="MS Mincho" panose="02020609040205080304" pitchFamily="49" charset="-128"/>
+                        <a:cs typeface="Times New Roman" panose="02020603050405020304" pitchFamily="18" charset="0"/>
+                      </a:endParaRPr>
+                    </a:p>
+                  </a:txBody>
+                  <a:tcPr marL="68580" marR="68580" marT="0" marB="0"/>
+                </a:tc>
+                <a:tc>
+                  <a:txBody>
+                    <a:bodyPr/>
+                    <a:lstStyle/>
+                    <a:p>
+                      <a:pPr algn="ctr">
+                        <a:lnSpc>
+                          <a:spcPct val="115000"/>
+                        </a:lnSpc>
+                        <a:spcAft>
+                          <a:spcPts val="1000"/>
+                        </a:spcAft>
+                      </a:pPr>
+                      <a:r>
+                        <a:rPr lang="en-US" sz="1600">
+                          <a:effectLst/>
+                          <a:latin typeface="Gill Sans MT" panose="020B0502020104020203" pitchFamily="34" charset="0"/>
+                          <a:ea typeface="MS Mincho" panose="02020609040205080304" pitchFamily="49" charset="-128"/>
+                          <a:cs typeface="Times New Roman" panose="02020603050405020304" pitchFamily="18" charset="0"/>
+                        </a:rPr>
+                        <a:t>0.0013535</a:t>
+                      </a:r>
+                      <a:endParaRPr lang="fr-FR" sz="1600">
+                        <a:effectLst/>
+                        <a:latin typeface="Gill Sans MT" panose="020B0502020104020203" pitchFamily="34" charset="0"/>
+                        <a:ea typeface="MS Mincho" panose="02020609040205080304" pitchFamily="49" charset="-128"/>
+                        <a:cs typeface="Times New Roman" panose="02020603050405020304" pitchFamily="18" charset="0"/>
+                      </a:endParaRPr>
+                    </a:p>
+                  </a:txBody>
+                  <a:tcPr marL="68580" marR="68580" marT="0" marB="0"/>
+                </a:tc>
+                <a:tc>
+                  <a:txBody>
+                    <a:bodyPr/>
+                    <a:lstStyle/>
+                    <a:p>
+                      <a:pPr algn="ctr">
+                        <a:lnSpc>
+                          <a:spcPct val="115000"/>
+                        </a:lnSpc>
+                        <a:spcAft>
+                          <a:spcPts val="1000"/>
+                        </a:spcAft>
+                      </a:pPr>
+                      <a:r>
+                        <a:rPr lang="en-US" sz="1600" dirty="0">
+                          <a:effectLst/>
+                          <a:latin typeface="Gill Sans MT" panose="020B0502020104020203" pitchFamily="34" charset="0"/>
+                          <a:ea typeface="MS Mincho" panose="02020609040205080304" pitchFamily="49" charset="-128"/>
+                          <a:cs typeface="Times New Roman" panose="02020603050405020304" pitchFamily="18" charset="0"/>
+                        </a:rPr>
+                        <a:t>-4.680834</a:t>
+                      </a:r>
+                      <a:endParaRPr lang="fr-FR" sz="1600" dirty="0">
+                        <a:effectLst/>
+                        <a:latin typeface="Gill Sans MT" panose="020B0502020104020203" pitchFamily="34" charset="0"/>
+                        <a:ea typeface="MS Mincho" panose="02020609040205080304" pitchFamily="49" charset="-128"/>
+                        <a:cs typeface="Times New Roman" panose="02020603050405020304" pitchFamily="18" charset="0"/>
+                      </a:endParaRPr>
+                    </a:p>
+                  </a:txBody>
+                  <a:tcPr marL="68580" marR="68580" marT="0" marB="0"/>
+                </a:tc>
+                <a:tc>
+                  <a:txBody>
+                    <a:bodyPr/>
+                    <a:lstStyle/>
+                    <a:p>
+                      <a:pPr algn="ctr">
+                        <a:lnSpc>
+                          <a:spcPct val="115000"/>
+                        </a:lnSpc>
+                        <a:spcAft>
+                          <a:spcPts val="1000"/>
+                        </a:spcAft>
+                      </a:pPr>
+                      <a:r>
+                        <a:rPr lang="en-US" sz="1600">
+                          <a:effectLst/>
+                          <a:latin typeface="Gill Sans MT" panose="020B0502020104020203" pitchFamily="34" charset="0"/>
+                          <a:ea typeface="MS Mincho" panose="02020609040205080304" pitchFamily="49" charset="-128"/>
+                          <a:cs typeface="Times New Roman" panose="02020603050405020304" pitchFamily="18" charset="0"/>
+                        </a:rPr>
+                        <a:t>2.857e-06</a:t>
+                      </a:r>
+                      <a:endParaRPr lang="fr-FR" sz="1600">
+                        <a:effectLst/>
+                        <a:latin typeface="Gill Sans MT" panose="020B0502020104020203" pitchFamily="34" charset="0"/>
+                        <a:ea typeface="MS Mincho" panose="02020609040205080304" pitchFamily="49" charset="-128"/>
+                        <a:cs typeface="Times New Roman" panose="02020603050405020304" pitchFamily="18" charset="0"/>
+                      </a:endParaRPr>
+                    </a:p>
+                  </a:txBody>
+                  <a:tcPr marL="68580" marR="68580" marT="0" marB="0"/>
+                </a:tc>
+                <a:extLst>
+                  <a:ext uri="{0D108BD9-81ED-4DB2-BD59-A6C34878D82A}">
+                    <a16:rowId xmlns:a16="http://schemas.microsoft.com/office/drawing/2014/main" val="1408835832"/>
+                  </a:ext>
+                </a:extLst>
+              </a:tr>
+              <a:tr h="313486">
+                <a:tc>
+                  <a:txBody>
+                    <a:bodyPr/>
+                    <a:lstStyle/>
+                    <a:p>
+                      <a:pPr>
+                        <a:lnSpc>
+                          <a:spcPct val="115000"/>
+                        </a:lnSpc>
+                        <a:spcAft>
+                          <a:spcPts val="1000"/>
+                        </a:spcAft>
+                      </a:pPr>
+                      <a:r>
+                        <a:rPr lang="en-US" sz="1600">
+                          <a:effectLst/>
+                          <a:latin typeface="Gill Sans MT" panose="020B0502020104020203" pitchFamily="34" charset="0"/>
+                          <a:ea typeface="MS Mincho" panose="02020609040205080304" pitchFamily="49" charset="-128"/>
+                          <a:cs typeface="Times New Roman" panose="02020603050405020304" pitchFamily="18" charset="0"/>
+                        </a:rPr>
+                        <a:t>pct_fam_3_enfants_plus</a:t>
+                      </a:r>
+                      <a:endParaRPr lang="fr-FR" sz="1600">
+                        <a:effectLst/>
+                        <a:latin typeface="Gill Sans MT" panose="020B0502020104020203" pitchFamily="34" charset="0"/>
+                        <a:ea typeface="MS Mincho" panose="02020609040205080304" pitchFamily="49" charset="-128"/>
+                        <a:cs typeface="Times New Roman" panose="02020603050405020304" pitchFamily="18" charset="0"/>
+                      </a:endParaRPr>
+                    </a:p>
+                  </a:txBody>
+                  <a:tcPr marL="68580" marR="68580" marT="0" marB="0"/>
+                </a:tc>
+                <a:tc>
+                  <a:txBody>
+                    <a:bodyPr/>
+                    <a:lstStyle/>
+                    <a:p>
+                      <a:pPr algn="ctr">
+                        <a:lnSpc>
+                          <a:spcPct val="115000"/>
+                        </a:lnSpc>
+                        <a:spcAft>
+                          <a:spcPts val="1000"/>
+                        </a:spcAft>
+                      </a:pPr>
+                      <a:r>
+                        <a:rPr lang="en-US" sz="1600">
+                          <a:effectLst/>
+                          <a:latin typeface="Gill Sans MT" panose="020B0502020104020203" pitchFamily="34" charset="0"/>
+                          <a:ea typeface="MS Mincho" panose="02020609040205080304" pitchFamily="49" charset="-128"/>
+                          <a:cs typeface="Times New Roman" panose="02020603050405020304" pitchFamily="18" charset="0"/>
+                        </a:rPr>
+                        <a:t>-0.0046316</a:t>
+                      </a:r>
+                      <a:endParaRPr lang="fr-FR" sz="1600">
+                        <a:effectLst/>
+                        <a:latin typeface="Gill Sans MT" panose="020B0502020104020203" pitchFamily="34" charset="0"/>
+                        <a:ea typeface="MS Mincho" panose="02020609040205080304" pitchFamily="49" charset="-128"/>
+                        <a:cs typeface="Times New Roman" panose="02020603050405020304" pitchFamily="18" charset="0"/>
+                      </a:endParaRPr>
+                    </a:p>
+                  </a:txBody>
+                  <a:tcPr marL="68580" marR="68580" marT="0" marB="0"/>
+                </a:tc>
+                <a:tc>
+                  <a:txBody>
+                    <a:bodyPr/>
+                    <a:lstStyle/>
+                    <a:p>
+                      <a:pPr algn="ctr">
+                        <a:lnSpc>
+                          <a:spcPct val="115000"/>
+                        </a:lnSpc>
+                        <a:spcAft>
+                          <a:spcPts val="1000"/>
+                        </a:spcAft>
+                      </a:pPr>
+                      <a:r>
+                        <a:rPr lang="en-US" sz="1600">
+                          <a:effectLst/>
+                          <a:latin typeface="Gill Sans MT" panose="020B0502020104020203" pitchFamily="34" charset="0"/>
+                          <a:ea typeface="MS Mincho" panose="02020609040205080304" pitchFamily="49" charset="-128"/>
+                          <a:cs typeface="Times New Roman" panose="02020603050405020304" pitchFamily="18" charset="0"/>
+                        </a:rPr>
+                        <a:t>0.0027472</a:t>
+                      </a:r>
+                      <a:endParaRPr lang="fr-FR" sz="1600">
+                        <a:effectLst/>
+                        <a:latin typeface="Gill Sans MT" panose="020B0502020104020203" pitchFamily="34" charset="0"/>
+                        <a:ea typeface="MS Mincho" panose="02020609040205080304" pitchFamily="49" charset="-128"/>
+                        <a:cs typeface="Times New Roman" panose="02020603050405020304" pitchFamily="18" charset="0"/>
+                      </a:endParaRPr>
+                    </a:p>
+                  </a:txBody>
+                  <a:tcPr marL="68580" marR="68580" marT="0" marB="0"/>
+                </a:tc>
+                <a:tc>
+                  <a:txBody>
+                    <a:bodyPr/>
+                    <a:lstStyle/>
+                    <a:p>
+                      <a:pPr algn="ctr">
+                        <a:lnSpc>
+                          <a:spcPct val="115000"/>
+                        </a:lnSpc>
+                        <a:spcAft>
+                          <a:spcPts val="1000"/>
+                        </a:spcAft>
+                      </a:pPr>
+                      <a:r>
+                        <a:rPr lang="en-US" sz="1600" dirty="0">
+                          <a:effectLst/>
+                          <a:latin typeface="Gill Sans MT" panose="020B0502020104020203" pitchFamily="34" charset="0"/>
+                          <a:ea typeface="MS Mincho" panose="02020609040205080304" pitchFamily="49" charset="-128"/>
+                          <a:cs typeface="Times New Roman" panose="02020603050405020304" pitchFamily="18" charset="0"/>
+                        </a:rPr>
+                        <a:t>-1.685924</a:t>
+                      </a:r>
+                      <a:endParaRPr lang="fr-FR" sz="1600" dirty="0">
+                        <a:effectLst/>
+                        <a:latin typeface="Gill Sans MT" panose="020B0502020104020203" pitchFamily="34" charset="0"/>
+                        <a:ea typeface="MS Mincho" panose="02020609040205080304" pitchFamily="49" charset="-128"/>
+                        <a:cs typeface="Times New Roman" panose="02020603050405020304" pitchFamily="18" charset="0"/>
+                      </a:endParaRPr>
+                    </a:p>
+                  </a:txBody>
+                  <a:tcPr marL="68580" marR="68580" marT="0" marB="0"/>
+                </a:tc>
+                <a:tc>
+                  <a:txBody>
+                    <a:bodyPr/>
+                    <a:lstStyle/>
+                    <a:p>
+                      <a:pPr algn="ctr">
+                        <a:lnSpc>
+                          <a:spcPct val="115000"/>
+                        </a:lnSpc>
+                        <a:spcAft>
+                          <a:spcPts val="1000"/>
+                        </a:spcAft>
+                      </a:pPr>
+                      <a:r>
+                        <a:rPr lang="en-US" sz="1600">
+                          <a:effectLst/>
+                          <a:latin typeface="Gill Sans MT" panose="020B0502020104020203" pitchFamily="34" charset="0"/>
+                          <a:ea typeface="MS Mincho" panose="02020609040205080304" pitchFamily="49" charset="-128"/>
+                          <a:cs typeface="Times New Roman" panose="02020603050405020304" pitchFamily="18" charset="0"/>
+                        </a:rPr>
+                        <a:t>0.0918104</a:t>
+                      </a:r>
+                      <a:endParaRPr lang="fr-FR" sz="1600">
+                        <a:effectLst/>
+                        <a:latin typeface="Gill Sans MT" panose="020B0502020104020203" pitchFamily="34" charset="0"/>
+                        <a:ea typeface="MS Mincho" panose="02020609040205080304" pitchFamily="49" charset="-128"/>
+                        <a:cs typeface="Times New Roman" panose="02020603050405020304" pitchFamily="18" charset="0"/>
+                      </a:endParaRPr>
+                    </a:p>
+                  </a:txBody>
+                  <a:tcPr marL="68580" marR="68580" marT="0" marB="0"/>
+                </a:tc>
+                <a:extLst>
+                  <a:ext uri="{0D108BD9-81ED-4DB2-BD59-A6C34878D82A}">
+                    <a16:rowId xmlns:a16="http://schemas.microsoft.com/office/drawing/2014/main" val="1379440414"/>
+                  </a:ext>
+                </a:extLst>
+              </a:tr>
+              <a:tr h="313486">
+                <a:tc>
+                  <a:txBody>
+                    <a:bodyPr/>
+                    <a:lstStyle/>
+                    <a:p>
+                      <a:pPr>
+                        <a:lnSpc>
+                          <a:spcPct val="115000"/>
+                        </a:lnSpc>
+                        <a:spcAft>
+                          <a:spcPts val="1000"/>
+                        </a:spcAft>
+                      </a:pPr>
+                      <a:r>
+                        <a:rPr lang="en-US" sz="1600" b="0" dirty="0" err="1">
+                          <a:solidFill>
+                            <a:schemeClr val="tx1"/>
+                          </a:solidFill>
+                          <a:effectLst/>
+                          <a:latin typeface="Gill Sans MT" panose="020B0502020104020203" pitchFamily="34" charset="0"/>
+                          <a:ea typeface="MS Mincho" panose="02020609040205080304" pitchFamily="49" charset="-128"/>
+                          <a:cs typeface="Times New Roman" panose="02020603050405020304" pitchFamily="18" charset="0"/>
+                        </a:rPr>
+                        <a:t>taux_de_natalite_annuel_moyen</a:t>
+                      </a:r>
+                      <a:endParaRPr lang="fr-FR" sz="1600" b="0" dirty="0">
+                        <a:solidFill>
+                          <a:schemeClr val="tx1"/>
+                        </a:solidFill>
+                        <a:effectLst/>
+                        <a:latin typeface="Gill Sans MT" panose="020B0502020104020203" pitchFamily="34" charset="0"/>
+                        <a:ea typeface="MS Mincho" panose="02020609040205080304" pitchFamily="49" charset="-128"/>
+                        <a:cs typeface="Times New Roman" panose="02020603050405020304" pitchFamily="18" charset="0"/>
+                      </a:endParaRPr>
+                    </a:p>
+                  </a:txBody>
+                  <a:tcPr marL="68580" marR="68580" marT="0" marB="0"/>
+                </a:tc>
+                <a:tc>
+                  <a:txBody>
+                    <a:bodyPr/>
+                    <a:lstStyle/>
+                    <a:p>
+                      <a:pPr algn="ctr">
+                        <a:lnSpc>
+                          <a:spcPct val="115000"/>
+                        </a:lnSpc>
+                        <a:spcAft>
+                          <a:spcPts val="1000"/>
+                        </a:spcAft>
+                      </a:pPr>
+                      <a:r>
+                        <a:rPr lang="en-US" sz="1600">
+                          <a:effectLst/>
+                          <a:latin typeface="Gill Sans MT" panose="020B0502020104020203" pitchFamily="34" charset="0"/>
+                          <a:ea typeface="MS Mincho" panose="02020609040205080304" pitchFamily="49" charset="-128"/>
+                          <a:cs typeface="Times New Roman" panose="02020603050405020304" pitchFamily="18" charset="0"/>
+                        </a:rPr>
+                        <a:t>0.0641966</a:t>
+                      </a:r>
+                      <a:endParaRPr lang="fr-FR" sz="1600">
+                        <a:effectLst/>
+                        <a:latin typeface="Gill Sans MT" panose="020B0502020104020203" pitchFamily="34" charset="0"/>
+                        <a:ea typeface="MS Mincho" panose="02020609040205080304" pitchFamily="49" charset="-128"/>
+                        <a:cs typeface="Times New Roman" panose="02020603050405020304" pitchFamily="18" charset="0"/>
+                      </a:endParaRPr>
+                    </a:p>
+                  </a:txBody>
+                  <a:tcPr marL="68580" marR="68580" marT="0" marB="0"/>
+                </a:tc>
+                <a:tc>
+                  <a:txBody>
+                    <a:bodyPr/>
+                    <a:lstStyle/>
+                    <a:p>
+                      <a:pPr algn="ctr">
+                        <a:lnSpc>
+                          <a:spcPct val="115000"/>
+                        </a:lnSpc>
+                        <a:spcAft>
+                          <a:spcPts val="1000"/>
+                        </a:spcAft>
+                      </a:pPr>
+                      <a:r>
+                        <a:rPr lang="en-US" sz="1600">
+                          <a:effectLst/>
+                          <a:latin typeface="Gill Sans MT" panose="020B0502020104020203" pitchFamily="34" charset="0"/>
+                          <a:ea typeface="MS Mincho" panose="02020609040205080304" pitchFamily="49" charset="-128"/>
+                          <a:cs typeface="Times New Roman" panose="02020603050405020304" pitchFamily="18" charset="0"/>
+                        </a:rPr>
+                        <a:t>0.0030226</a:t>
+                      </a:r>
+                      <a:endParaRPr lang="fr-FR" sz="1600">
+                        <a:effectLst/>
+                        <a:latin typeface="Gill Sans MT" panose="020B0502020104020203" pitchFamily="34" charset="0"/>
+                        <a:ea typeface="MS Mincho" panose="02020609040205080304" pitchFamily="49" charset="-128"/>
+                        <a:cs typeface="Times New Roman" panose="02020603050405020304" pitchFamily="18" charset="0"/>
+                      </a:endParaRPr>
+                    </a:p>
+                  </a:txBody>
+                  <a:tcPr marL="68580" marR="68580" marT="0" marB="0"/>
+                </a:tc>
+                <a:tc>
+                  <a:txBody>
+                    <a:bodyPr/>
+                    <a:lstStyle/>
+                    <a:p>
+                      <a:pPr algn="ctr">
+                        <a:lnSpc>
+                          <a:spcPct val="115000"/>
+                        </a:lnSpc>
+                        <a:spcAft>
+                          <a:spcPts val="1000"/>
+                        </a:spcAft>
+                      </a:pPr>
+                      <a:r>
+                        <a:rPr lang="en-US" sz="1600" dirty="0">
+                          <a:effectLst/>
+                          <a:latin typeface="Gill Sans MT" panose="020B0502020104020203" pitchFamily="34" charset="0"/>
+                          <a:ea typeface="MS Mincho" panose="02020609040205080304" pitchFamily="49" charset="-128"/>
+                          <a:cs typeface="Times New Roman" panose="02020603050405020304" pitchFamily="18" charset="0"/>
+                        </a:rPr>
+                        <a:t>21.23868</a:t>
+                      </a:r>
+                      <a:endParaRPr lang="fr-FR" sz="1600" dirty="0">
+                        <a:effectLst/>
+                        <a:latin typeface="Gill Sans MT" panose="020B0502020104020203" pitchFamily="34" charset="0"/>
+                        <a:ea typeface="MS Mincho" panose="02020609040205080304" pitchFamily="49" charset="-128"/>
+                        <a:cs typeface="Times New Roman" panose="02020603050405020304" pitchFamily="18" charset="0"/>
+                      </a:endParaRPr>
+                    </a:p>
+                  </a:txBody>
+                  <a:tcPr marL="68580" marR="68580" marT="0" marB="0"/>
+                </a:tc>
+                <a:tc>
+                  <a:txBody>
+                    <a:bodyPr/>
+                    <a:lstStyle/>
+                    <a:p>
+                      <a:pPr algn="ctr">
+                        <a:lnSpc>
+                          <a:spcPct val="115000"/>
+                        </a:lnSpc>
+                        <a:spcAft>
+                          <a:spcPts val="1000"/>
+                        </a:spcAft>
+                      </a:pPr>
+                      <a:r>
+                        <a:rPr lang="en-US" sz="1600">
+                          <a:effectLst/>
+                          <a:latin typeface="Gill Sans MT" panose="020B0502020104020203" pitchFamily="34" charset="0"/>
+                          <a:ea typeface="MS Mincho" panose="02020609040205080304" pitchFamily="49" charset="-128"/>
+                          <a:cs typeface="Times New Roman" panose="02020603050405020304" pitchFamily="18" charset="0"/>
+                        </a:rPr>
+                        <a:t>&lt; 2.2e-16</a:t>
+                      </a:r>
+                      <a:endParaRPr lang="fr-FR" sz="1600">
+                        <a:effectLst/>
+                        <a:latin typeface="Gill Sans MT" panose="020B0502020104020203" pitchFamily="34" charset="0"/>
+                        <a:ea typeface="MS Mincho" panose="02020609040205080304" pitchFamily="49" charset="-128"/>
+                        <a:cs typeface="Times New Roman" panose="02020603050405020304" pitchFamily="18" charset="0"/>
+                      </a:endParaRPr>
+                    </a:p>
+                  </a:txBody>
+                  <a:tcPr marL="68580" marR="68580" marT="0" marB="0"/>
+                </a:tc>
+                <a:extLst>
+                  <a:ext uri="{0D108BD9-81ED-4DB2-BD59-A6C34878D82A}">
+                    <a16:rowId xmlns:a16="http://schemas.microsoft.com/office/drawing/2014/main" val="830049012"/>
+                  </a:ext>
+                </a:extLst>
+              </a:tr>
+              <a:tr h="313486">
+                <a:tc>
+                  <a:txBody>
+                    <a:bodyPr/>
+                    <a:lstStyle/>
+                    <a:p>
+                      <a:pPr>
+                        <a:lnSpc>
+                          <a:spcPct val="115000"/>
+                        </a:lnSpc>
+                        <a:spcAft>
+                          <a:spcPts val="1000"/>
+                        </a:spcAft>
+                      </a:pPr>
+                      <a:r>
+                        <a:rPr lang="en-US" sz="1600">
+                          <a:effectLst/>
+                          <a:latin typeface="Gill Sans MT" panose="020B0502020104020203" pitchFamily="34" charset="0"/>
+                          <a:ea typeface="MS Mincho" panose="02020609040205080304" pitchFamily="49" charset="-128"/>
+                          <a:cs typeface="Times New Roman" panose="02020603050405020304" pitchFamily="18" charset="0"/>
+                        </a:rPr>
+                        <a:t>lag.pct_pop_25_64</a:t>
+                      </a:r>
+                      <a:endParaRPr lang="fr-FR" sz="1600">
+                        <a:effectLst/>
+                        <a:latin typeface="Gill Sans MT" panose="020B0502020104020203" pitchFamily="34" charset="0"/>
+                        <a:ea typeface="MS Mincho" panose="02020609040205080304" pitchFamily="49" charset="-128"/>
+                        <a:cs typeface="Times New Roman" panose="02020603050405020304" pitchFamily="18" charset="0"/>
+                      </a:endParaRPr>
+                    </a:p>
+                  </a:txBody>
+                  <a:tcPr marL="68580" marR="68580" marT="0" marB="0"/>
+                </a:tc>
+                <a:tc>
+                  <a:txBody>
+                    <a:bodyPr/>
+                    <a:lstStyle/>
+                    <a:p>
+                      <a:pPr algn="ctr">
+                        <a:lnSpc>
+                          <a:spcPct val="115000"/>
+                        </a:lnSpc>
+                        <a:spcAft>
+                          <a:spcPts val="1000"/>
+                        </a:spcAft>
+                      </a:pPr>
+                      <a:r>
+                        <a:rPr lang="en-US" sz="1600">
+                          <a:effectLst/>
+                          <a:latin typeface="Gill Sans MT" panose="020B0502020104020203" pitchFamily="34" charset="0"/>
+                          <a:ea typeface="MS Mincho" panose="02020609040205080304" pitchFamily="49" charset="-128"/>
+                          <a:cs typeface="Times New Roman" panose="02020603050405020304" pitchFamily="18" charset="0"/>
+                        </a:rPr>
+                        <a:t>-0.0919607</a:t>
+                      </a:r>
+                      <a:endParaRPr lang="fr-FR" sz="1600">
+                        <a:effectLst/>
+                        <a:latin typeface="Gill Sans MT" panose="020B0502020104020203" pitchFamily="34" charset="0"/>
+                        <a:ea typeface="MS Mincho" panose="02020609040205080304" pitchFamily="49" charset="-128"/>
+                        <a:cs typeface="Times New Roman" panose="02020603050405020304" pitchFamily="18" charset="0"/>
+                      </a:endParaRPr>
+                    </a:p>
+                  </a:txBody>
+                  <a:tcPr marL="68580" marR="68580" marT="0" marB="0"/>
+                </a:tc>
+                <a:tc>
+                  <a:txBody>
+                    <a:bodyPr/>
+                    <a:lstStyle/>
+                    <a:p>
+                      <a:pPr algn="ctr">
+                        <a:lnSpc>
+                          <a:spcPct val="115000"/>
+                        </a:lnSpc>
+                        <a:spcAft>
+                          <a:spcPts val="1000"/>
+                        </a:spcAft>
+                      </a:pPr>
+                      <a:r>
+                        <a:rPr lang="en-US" sz="1600">
+                          <a:effectLst/>
+                          <a:latin typeface="Gill Sans MT" panose="020B0502020104020203" pitchFamily="34" charset="0"/>
+                          <a:ea typeface="MS Mincho" panose="02020609040205080304" pitchFamily="49" charset="-128"/>
+                          <a:cs typeface="Times New Roman" panose="02020603050405020304" pitchFamily="18" charset="0"/>
+                        </a:rPr>
+                        <a:t>0.0200256</a:t>
+                      </a:r>
+                      <a:endParaRPr lang="fr-FR" sz="1600">
+                        <a:effectLst/>
+                        <a:latin typeface="Gill Sans MT" panose="020B0502020104020203" pitchFamily="34" charset="0"/>
+                        <a:ea typeface="MS Mincho" panose="02020609040205080304" pitchFamily="49" charset="-128"/>
+                        <a:cs typeface="Times New Roman" panose="02020603050405020304" pitchFamily="18" charset="0"/>
+                      </a:endParaRPr>
+                    </a:p>
+                  </a:txBody>
+                  <a:tcPr marL="68580" marR="68580" marT="0" marB="0"/>
+                </a:tc>
+                <a:tc>
+                  <a:txBody>
+                    <a:bodyPr/>
+                    <a:lstStyle/>
+                    <a:p>
+                      <a:pPr algn="ctr">
+                        <a:lnSpc>
+                          <a:spcPct val="115000"/>
+                        </a:lnSpc>
+                        <a:spcAft>
+                          <a:spcPts val="1000"/>
+                        </a:spcAft>
+                      </a:pPr>
+                      <a:r>
+                        <a:rPr lang="en-US" sz="1600">
+                          <a:effectLst/>
+                          <a:latin typeface="Gill Sans MT" panose="020B0502020104020203" pitchFamily="34" charset="0"/>
+                          <a:ea typeface="MS Mincho" panose="02020609040205080304" pitchFamily="49" charset="-128"/>
+                          <a:cs typeface="Times New Roman" panose="02020603050405020304" pitchFamily="18" charset="0"/>
+                        </a:rPr>
+                        <a:t>-4.592151</a:t>
+                      </a:r>
+                      <a:endParaRPr lang="fr-FR" sz="1600">
+                        <a:effectLst/>
+                        <a:latin typeface="Gill Sans MT" panose="020B0502020104020203" pitchFamily="34" charset="0"/>
+                        <a:ea typeface="MS Mincho" panose="02020609040205080304" pitchFamily="49" charset="-128"/>
+                        <a:cs typeface="Times New Roman" panose="02020603050405020304" pitchFamily="18" charset="0"/>
+                      </a:endParaRPr>
+                    </a:p>
+                  </a:txBody>
+                  <a:tcPr marL="68580" marR="68580" marT="0" marB="0"/>
+                </a:tc>
+                <a:tc>
+                  <a:txBody>
+                    <a:bodyPr/>
+                    <a:lstStyle/>
+                    <a:p>
+                      <a:pPr algn="ctr">
+                        <a:lnSpc>
+                          <a:spcPct val="115000"/>
+                        </a:lnSpc>
+                        <a:spcAft>
+                          <a:spcPts val="1000"/>
+                        </a:spcAft>
+                      </a:pPr>
+                      <a:r>
+                        <a:rPr lang="en-US" sz="1600" dirty="0">
+                          <a:effectLst/>
+                          <a:latin typeface="Gill Sans MT" panose="020B0502020104020203" pitchFamily="34" charset="0"/>
+                          <a:ea typeface="MS Mincho" panose="02020609040205080304" pitchFamily="49" charset="-128"/>
+                          <a:cs typeface="Times New Roman" panose="02020603050405020304" pitchFamily="18" charset="0"/>
+                        </a:rPr>
+                        <a:t>4.387e-06</a:t>
+                      </a:r>
+                      <a:endParaRPr lang="fr-FR" sz="1600" dirty="0">
+                        <a:effectLst/>
+                        <a:latin typeface="Gill Sans MT" panose="020B0502020104020203" pitchFamily="34" charset="0"/>
+                        <a:ea typeface="MS Mincho" panose="02020609040205080304" pitchFamily="49" charset="-128"/>
+                        <a:cs typeface="Times New Roman" panose="02020603050405020304" pitchFamily="18" charset="0"/>
+                      </a:endParaRPr>
+                    </a:p>
+                  </a:txBody>
+                  <a:tcPr marL="68580" marR="68580" marT="0" marB="0"/>
+                </a:tc>
+                <a:extLst>
+                  <a:ext uri="{0D108BD9-81ED-4DB2-BD59-A6C34878D82A}">
+                    <a16:rowId xmlns:a16="http://schemas.microsoft.com/office/drawing/2014/main" val="3945885517"/>
+                  </a:ext>
+                </a:extLst>
+              </a:tr>
+              <a:tr h="313486">
+                <a:tc>
+                  <a:txBody>
+                    <a:bodyPr/>
+                    <a:lstStyle/>
+                    <a:p>
+                      <a:pPr>
+                        <a:lnSpc>
+                          <a:spcPct val="115000"/>
+                        </a:lnSpc>
+                        <a:spcAft>
+                          <a:spcPts val="1000"/>
+                        </a:spcAft>
+                      </a:pPr>
+                      <a:r>
+                        <a:rPr lang="en-US" sz="1600" dirty="0">
+                          <a:effectLst/>
+                          <a:latin typeface="Gill Sans MT" panose="020B0502020104020203" pitchFamily="34" charset="0"/>
+                          <a:ea typeface="MS Mincho" panose="02020609040205080304" pitchFamily="49" charset="-128"/>
+                          <a:cs typeface="Times New Roman" panose="02020603050405020304" pitchFamily="18" charset="0"/>
+                        </a:rPr>
+                        <a:t>lag.pct_pop_65_plus</a:t>
+                      </a:r>
+                      <a:endParaRPr lang="fr-FR" sz="1600" dirty="0">
+                        <a:effectLst/>
+                        <a:latin typeface="Gill Sans MT" panose="020B0502020104020203" pitchFamily="34" charset="0"/>
+                        <a:ea typeface="MS Mincho" panose="02020609040205080304" pitchFamily="49" charset="-128"/>
+                        <a:cs typeface="Times New Roman" panose="02020603050405020304" pitchFamily="18" charset="0"/>
+                      </a:endParaRPr>
+                    </a:p>
+                  </a:txBody>
+                  <a:tcPr marL="68580" marR="68580" marT="0" marB="0"/>
+                </a:tc>
+                <a:tc>
+                  <a:txBody>
+                    <a:bodyPr/>
+                    <a:lstStyle/>
+                    <a:p>
+                      <a:pPr algn="ctr">
+                        <a:lnSpc>
+                          <a:spcPct val="115000"/>
+                        </a:lnSpc>
+                        <a:spcAft>
+                          <a:spcPts val="1000"/>
+                        </a:spcAft>
+                      </a:pPr>
+                      <a:r>
+                        <a:rPr lang="en-US" sz="1600" dirty="0">
+                          <a:effectLst/>
+                          <a:latin typeface="Gill Sans MT" panose="020B0502020104020203" pitchFamily="34" charset="0"/>
+                          <a:ea typeface="MS Mincho" panose="02020609040205080304" pitchFamily="49" charset="-128"/>
+                          <a:cs typeface="Times New Roman" panose="02020603050405020304" pitchFamily="18" charset="0"/>
+                        </a:rPr>
+                        <a:t>-0.0802855</a:t>
+                      </a:r>
+                      <a:endParaRPr lang="fr-FR" sz="1600" dirty="0">
+                        <a:effectLst/>
+                        <a:latin typeface="Gill Sans MT" panose="020B0502020104020203" pitchFamily="34" charset="0"/>
+                        <a:ea typeface="MS Mincho" panose="02020609040205080304" pitchFamily="49" charset="-128"/>
+                        <a:cs typeface="Times New Roman" panose="02020603050405020304" pitchFamily="18" charset="0"/>
+                      </a:endParaRPr>
+                    </a:p>
+                  </a:txBody>
+                  <a:tcPr marL="68580" marR="68580" marT="0" marB="0"/>
+                </a:tc>
+                <a:tc>
+                  <a:txBody>
+                    <a:bodyPr/>
+                    <a:lstStyle/>
+                    <a:p>
+                      <a:pPr algn="ctr">
+                        <a:lnSpc>
+                          <a:spcPct val="115000"/>
+                        </a:lnSpc>
+                        <a:spcAft>
+                          <a:spcPts val="1000"/>
+                        </a:spcAft>
+                      </a:pPr>
+                      <a:r>
+                        <a:rPr lang="en-US" sz="1600" dirty="0">
+                          <a:effectLst/>
+                          <a:latin typeface="Gill Sans MT" panose="020B0502020104020203" pitchFamily="34" charset="0"/>
+                          <a:ea typeface="MS Mincho" panose="02020609040205080304" pitchFamily="49" charset="-128"/>
+                          <a:cs typeface="Times New Roman" panose="02020603050405020304" pitchFamily="18" charset="0"/>
+                        </a:rPr>
+                        <a:t>0.0145221</a:t>
+                      </a:r>
+                      <a:endParaRPr lang="fr-FR" sz="1600" dirty="0">
+                        <a:effectLst/>
+                        <a:latin typeface="Gill Sans MT" panose="020B0502020104020203" pitchFamily="34" charset="0"/>
+                        <a:ea typeface="MS Mincho" panose="02020609040205080304" pitchFamily="49" charset="-128"/>
+                        <a:cs typeface="Times New Roman" panose="02020603050405020304" pitchFamily="18" charset="0"/>
+                      </a:endParaRPr>
+                    </a:p>
+                  </a:txBody>
+                  <a:tcPr marL="68580" marR="68580" marT="0" marB="0"/>
+                </a:tc>
+                <a:tc>
+                  <a:txBody>
+                    <a:bodyPr/>
+                    <a:lstStyle/>
+                    <a:p>
+                      <a:pPr algn="ctr">
+                        <a:lnSpc>
+                          <a:spcPct val="115000"/>
+                        </a:lnSpc>
+                        <a:spcAft>
+                          <a:spcPts val="1000"/>
+                        </a:spcAft>
+                      </a:pPr>
+                      <a:r>
+                        <a:rPr lang="en-US" sz="1600">
+                          <a:effectLst/>
+                          <a:latin typeface="Gill Sans MT" panose="020B0502020104020203" pitchFamily="34" charset="0"/>
+                          <a:ea typeface="MS Mincho" panose="02020609040205080304" pitchFamily="49" charset="-128"/>
+                          <a:cs typeface="Times New Roman" panose="02020603050405020304" pitchFamily="18" charset="0"/>
+                        </a:rPr>
+                        <a:t>-5.528498</a:t>
+                      </a:r>
+                      <a:endParaRPr lang="fr-FR" sz="1600">
+                        <a:effectLst/>
+                        <a:latin typeface="Gill Sans MT" panose="020B0502020104020203" pitchFamily="34" charset="0"/>
+                        <a:ea typeface="MS Mincho" panose="02020609040205080304" pitchFamily="49" charset="-128"/>
+                        <a:cs typeface="Times New Roman" panose="02020603050405020304" pitchFamily="18" charset="0"/>
+                      </a:endParaRPr>
+                    </a:p>
+                  </a:txBody>
+                  <a:tcPr marL="68580" marR="68580" marT="0" marB="0"/>
+                </a:tc>
+                <a:tc>
+                  <a:txBody>
+                    <a:bodyPr/>
+                    <a:lstStyle/>
+                    <a:p>
+                      <a:pPr algn="ctr">
+                        <a:lnSpc>
+                          <a:spcPct val="115000"/>
+                        </a:lnSpc>
+                        <a:spcAft>
+                          <a:spcPts val="1000"/>
+                        </a:spcAft>
+                      </a:pPr>
+                      <a:r>
+                        <a:rPr lang="en-US" sz="1600" dirty="0">
+                          <a:effectLst/>
+                          <a:latin typeface="Gill Sans MT" panose="020B0502020104020203" pitchFamily="34" charset="0"/>
+                          <a:ea typeface="MS Mincho" panose="02020609040205080304" pitchFamily="49" charset="-128"/>
+                          <a:cs typeface="Times New Roman" panose="02020603050405020304" pitchFamily="18" charset="0"/>
+                        </a:rPr>
+                        <a:t>3.230e-08</a:t>
+                      </a:r>
+                      <a:endParaRPr lang="fr-FR" sz="1600" dirty="0">
+                        <a:effectLst/>
+                        <a:latin typeface="Gill Sans MT" panose="020B0502020104020203" pitchFamily="34" charset="0"/>
+                        <a:ea typeface="MS Mincho" panose="02020609040205080304" pitchFamily="49" charset="-128"/>
+                        <a:cs typeface="Times New Roman" panose="02020603050405020304" pitchFamily="18" charset="0"/>
+                      </a:endParaRPr>
+                    </a:p>
+                  </a:txBody>
+                  <a:tcPr marL="68580" marR="68580" marT="0" marB="0"/>
+                </a:tc>
+                <a:extLst>
+                  <a:ext uri="{0D108BD9-81ED-4DB2-BD59-A6C34878D82A}">
+                    <a16:rowId xmlns:a16="http://schemas.microsoft.com/office/drawing/2014/main" val="3745327878"/>
+                  </a:ext>
+                </a:extLst>
+              </a:tr>
+              <a:tr h="313486">
+                <a:tc>
+                  <a:txBody>
+                    <a:bodyPr/>
+                    <a:lstStyle/>
+                    <a:p>
+                      <a:pPr>
+                        <a:lnSpc>
+                          <a:spcPct val="115000"/>
+                        </a:lnSpc>
+                        <a:spcAft>
+                          <a:spcPts val="1000"/>
+                        </a:spcAft>
+                      </a:pPr>
+                      <a:r>
+                        <a:rPr lang="en-US" sz="1600">
+                          <a:effectLst/>
+                          <a:latin typeface="Gill Sans MT" panose="020B0502020104020203" pitchFamily="34" charset="0"/>
+                          <a:ea typeface="MS Mincho" panose="02020609040205080304" pitchFamily="49" charset="-128"/>
+                          <a:cs typeface="Times New Roman" panose="02020603050405020304" pitchFamily="18" charset="0"/>
+                        </a:rPr>
+                        <a:t>lag.pct_union_libre</a:t>
+                      </a:r>
+                      <a:endParaRPr lang="fr-FR" sz="1600">
+                        <a:effectLst/>
+                        <a:latin typeface="Gill Sans MT" panose="020B0502020104020203" pitchFamily="34" charset="0"/>
+                        <a:ea typeface="MS Mincho" panose="02020609040205080304" pitchFamily="49" charset="-128"/>
+                        <a:cs typeface="Times New Roman" panose="02020603050405020304" pitchFamily="18" charset="0"/>
+                      </a:endParaRPr>
+                    </a:p>
+                  </a:txBody>
+                  <a:tcPr marL="68580" marR="68580" marT="0" marB="0"/>
+                </a:tc>
+                <a:tc>
+                  <a:txBody>
+                    <a:bodyPr/>
+                    <a:lstStyle/>
+                    <a:p>
+                      <a:pPr algn="ctr">
+                        <a:lnSpc>
+                          <a:spcPct val="115000"/>
+                        </a:lnSpc>
+                        <a:spcAft>
+                          <a:spcPts val="1000"/>
+                        </a:spcAft>
+                      </a:pPr>
+                      <a:r>
+                        <a:rPr lang="en-US" sz="1600">
+                          <a:effectLst/>
+                          <a:latin typeface="Gill Sans MT" panose="020B0502020104020203" pitchFamily="34" charset="0"/>
+                          <a:ea typeface="MS Mincho" panose="02020609040205080304" pitchFamily="49" charset="-128"/>
+                          <a:cs typeface="Times New Roman" panose="02020603050405020304" pitchFamily="18" charset="0"/>
+                        </a:rPr>
+                        <a:t>0.0334492</a:t>
+                      </a:r>
+                      <a:endParaRPr lang="fr-FR" sz="1600">
+                        <a:effectLst/>
+                        <a:latin typeface="Gill Sans MT" panose="020B0502020104020203" pitchFamily="34" charset="0"/>
+                        <a:ea typeface="MS Mincho" panose="02020609040205080304" pitchFamily="49" charset="-128"/>
+                        <a:cs typeface="Times New Roman" panose="02020603050405020304" pitchFamily="18" charset="0"/>
+                      </a:endParaRPr>
+                    </a:p>
+                  </a:txBody>
+                  <a:tcPr marL="68580" marR="68580" marT="0" marB="0"/>
+                </a:tc>
+                <a:tc>
+                  <a:txBody>
+                    <a:bodyPr/>
+                    <a:lstStyle/>
+                    <a:p>
+                      <a:pPr algn="ctr">
+                        <a:lnSpc>
+                          <a:spcPct val="115000"/>
+                        </a:lnSpc>
+                        <a:spcAft>
+                          <a:spcPts val="1000"/>
+                        </a:spcAft>
+                      </a:pPr>
+                      <a:r>
+                        <a:rPr lang="en-US" sz="1600">
+                          <a:effectLst/>
+                          <a:latin typeface="Gill Sans MT" panose="020B0502020104020203" pitchFamily="34" charset="0"/>
+                          <a:ea typeface="MS Mincho" panose="02020609040205080304" pitchFamily="49" charset="-128"/>
+                          <a:cs typeface="Times New Roman" panose="02020603050405020304" pitchFamily="18" charset="0"/>
+                        </a:rPr>
+                        <a:t>0.0181204</a:t>
+                      </a:r>
+                      <a:endParaRPr lang="fr-FR" sz="1600">
+                        <a:effectLst/>
+                        <a:latin typeface="Gill Sans MT" panose="020B0502020104020203" pitchFamily="34" charset="0"/>
+                        <a:ea typeface="MS Mincho" panose="02020609040205080304" pitchFamily="49" charset="-128"/>
+                        <a:cs typeface="Times New Roman" panose="02020603050405020304" pitchFamily="18" charset="0"/>
+                      </a:endParaRPr>
+                    </a:p>
+                  </a:txBody>
+                  <a:tcPr marL="68580" marR="68580" marT="0" marB="0"/>
+                </a:tc>
+                <a:tc>
+                  <a:txBody>
+                    <a:bodyPr/>
+                    <a:lstStyle/>
+                    <a:p>
+                      <a:pPr algn="ctr">
+                        <a:lnSpc>
+                          <a:spcPct val="115000"/>
+                        </a:lnSpc>
+                        <a:spcAft>
+                          <a:spcPts val="1000"/>
+                        </a:spcAft>
+                      </a:pPr>
+                      <a:r>
+                        <a:rPr lang="en-US" sz="1600">
+                          <a:effectLst/>
+                          <a:latin typeface="Gill Sans MT" panose="020B0502020104020203" pitchFamily="34" charset="0"/>
+                          <a:ea typeface="MS Mincho" panose="02020609040205080304" pitchFamily="49" charset="-128"/>
+                          <a:cs typeface="Times New Roman" panose="02020603050405020304" pitchFamily="18" charset="0"/>
+                        </a:rPr>
+                        <a:t>1.845939</a:t>
+                      </a:r>
+                      <a:endParaRPr lang="fr-FR" sz="1600">
+                        <a:effectLst/>
+                        <a:latin typeface="Gill Sans MT" panose="020B0502020104020203" pitchFamily="34" charset="0"/>
+                        <a:ea typeface="MS Mincho" panose="02020609040205080304" pitchFamily="49" charset="-128"/>
+                        <a:cs typeface="Times New Roman" panose="02020603050405020304" pitchFamily="18" charset="0"/>
+                      </a:endParaRPr>
+                    </a:p>
+                  </a:txBody>
+                  <a:tcPr marL="68580" marR="68580" marT="0" marB="0"/>
+                </a:tc>
+                <a:tc>
+                  <a:txBody>
+                    <a:bodyPr/>
+                    <a:lstStyle/>
+                    <a:p>
+                      <a:pPr algn="ctr">
+                        <a:lnSpc>
+                          <a:spcPct val="115000"/>
+                        </a:lnSpc>
+                        <a:spcAft>
+                          <a:spcPts val="1000"/>
+                        </a:spcAft>
+                      </a:pPr>
+                      <a:r>
+                        <a:rPr lang="en-US" sz="1600" dirty="0">
+                          <a:effectLst/>
+                          <a:latin typeface="Gill Sans MT" panose="020B0502020104020203" pitchFamily="34" charset="0"/>
+                          <a:ea typeface="MS Mincho" panose="02020609040205080304" pitchFamily="49" charset="-128"/>
+                          <a:cs typeface="Times New Roman" panose="02020603050405020304" pitchFamily="18" charset="0"/>
+                        </a:rPr>
+                        <a:t>0.0649011</a:t>
+                      </a:r>
+                      <a:endParaRPr lang="fr-FR" sz="1600" dirty="0">
+                        <a:effectLst/>
+                        <a:latin typeface="Gill Sans MT" panose="020B0502020104020203" pitchFamily="34" charset="0"/>
+                        <a:ea typeface="MS Mincho" panose="02020609040205080304" pitchFamily="49" charset="-128"/>
+                        <a:cs typeface="Times New Roman" panose="02020603050405020304" pitchFamily="18" charset="0"/>
+                      </a:endParaRPr>
+                    </a:p>
+                  </a:txBody>
+                  <a:tcPr marL="68580" marR="68580" marT="0" marB="0"/>
+                </a:tc>
+                <a:extLst>
+                  <a:ext uri="{0D108BD9-81ED-4DB2-BD59-A6C34878D82A}">
+                    <a16:rowId xmlns:a16="http://schemas.microsoft.com/office/drawing/2014/main" val="1134171893"/>
+                  </a:ext>
+                </a:extLst>
+              </a:tr>
+              <a:tr h="313486">
+                <a:tc>
+                  <a:txBody>
+                    <a:bodyPr/>
+                    <a:lstStyle/>
+                    <a:p>
+                      <a:pPr>
+                        <a:lnSpc>
+                          <a:spcPct val="115000"/>
+                        </a:lnSpc>
+                        <a:spcAft>
+                          <a:spcPts val="1000"/>
+                        </a:spcAft>
+                      </a:pPr>
+                      <a:r>
+                        <a:rPr lang="en-US" sz="1600">
+                          <a:effectLst/>
+                          <a:latin typeface="Gill Sans MT" panose="020B0502020104020203" pitchFamily="34" charset="0"/>
+                          <a:ea typeface="MS Mincho" panose="02020609040205080304" pitchFamily="49" charset="-128"/>
+                          <a:cs typeface="Times New Roman" panose="02020603050405020304" pitchFamily="18" charset="0"/>
+                        </a:rPr>
+                        <a:t>lag.pct_ouvriers</a:t>
+                      </a:r>
+                      <a:endParaRPr lang="fr-FR" sz="1600">
+                        <a:effectLst/>
+                        <a:latin typeface="Gill Sans MT" panose="020B0502020104020203" pitchFamily="34" charset="0"/>
+                        <a:ea typeface="MS Mincho" panose="02020609040205080304" pitchFamily="49" charset="-128"/>
+                        <a:cs typeface="Times New Roman" panose="02020603050405020304" pitchFamily="18" charset="0"/>
+                      </a:endParaRPr>
+                    </a:p>
+                  </a:txBody>
+                  <a:tcPr marL="68580" marR="68580" marT="0" marB="0"/>
+                </a:tc>
+                <a:tc>
+                  <a:txBody>
+                    <a:bodyPr/>
+                    <a:lstStyle/>
+                    <a:p>
+                      <a:pPr algn="ctr">
+                        <a:lnSpc>
+                          <a:spcPct val="115000"/>
+                        </a:lnSpc>
+                        <a:spcAft>
+                          <a:spcPts val="1000"/>
+                        </a:spcAft>
+                      </a:pPr>
+                      <a:r>
+                        <a:rPr lang="en-US" sz="1600">
+                          <a:effectLst/>
+                          <a:latin typeface="Gill Sans MT" panose="020B0502020104020203" pitchFamily="34" charset="0"/>
+                          <a:ea typeface="MS Mincho" panose="02020609040205080304" pitchFamily="49" charset="-128"/>
+                          <a:cs typeface="Times New Roman" panose="02020603050405020304" pitchFamily="18" charset="0"/>
+                        </a:rPr>
+                        <a:t>0.0320869</a:t>
+                      </a:r>
+                      <a:endParaRPr lang="fr-FR" sz="1600">
+                        <a:effectLst/>
+                        <a:latin typeface="Gill Sans MT" panose="020B0502020104020203" pitchFamily="34" charset="0"/>
+                        <a:ea typeface="MS Mincho" panose="02020609040205080304" pitchFamily="49" charset="-128"/>
+                        <a:cs typeface="Times New Roman" panose="02020603050405020304" pitchFamily="18" charset="0"/>
+                      </a:endParaRPr>
+                    </a:p>
+                  </a:txBody>
+                  <a:tcPr marL="68580" marR="68580" marT="0" marB="0"/>
+                </a:tc>
+                <a:tc>
+                  <a:txBody>
+                    <a:bodyPr/>
+                    <a:lstStyle/>
+                    <a:p>
+                      <a:pPr algn="ctr">
+                        <a:lnSpc>
+                          <a:spcPct val="115000"/>
+                        </a:lnSpc>
+                        <a:spcAft>
+                          <a:spcPts val="1000"/>
+                        </a:spcAft>
+                      </a:pPr>
+                      <a:r>
+                        <a:rPr lang="en-US" sz="1600">
+                          <a:effectLst/>
+                          <a:latin typeface="Gill Sans MT" panose="020B0502020104020203" pitchFamily="34" charset="0"/>
+                          <a:ea typeface="MS Mincho" panose="02020609040205080304" pitchFamily="49" charset="-128"/>
+                          <a:cs typeface="Times New Roman" panose="02020603050405020304" pitchFamily="18" charset="0"/>
+                        </a:rPr>
+                        <a:t>0.0089915</a:t>
+                      </a:r>
+                      <a:endParaRPr lang="fr-FR" sz="1600">
+                        <a:effectLst/>
+                        <a:latin typeface="Gill Sans MT" panose="020B0502020104020203" pitchFamily="34" charset="0"/>
+                        <a:ea typeface="MS Mincho" panose="02020609040205080304" pitchFamily="49" charset="-128"/>
+                        <a:cs typeface="Times New Roman" panose="02020603050405020304" pitchFamily="18" charset="0"/>
+                      </a:endParaRPr>
+                    </a:p>
+                  </a:txBody>
+                  <a:tcPr marL="68580" marR="68580" marT="0" marB="0"/>
+                </a:tc>
+                <a:tc>
+                  <a:txBody>
+                    <a:bodyPr/>
+                    <a:lstStyle/>
+                    <a:p>
+                      <a:pPr algn="ctr">
+                        <a:lnSpc>
+                          <a:spcPct val="115000"/>
+                        </a:lnSpc>
+                        <a:spcAft>
+                          <a:spcPts val="1000"/>
+                        </a:spcAft>
+                      </a:pPr>
+                      <a:r>
+                        <a:rPr lang="en-US" sz="1600">
+                          <a:effectLst/>
+                          <a:latin typeface="Gill Sans MT" panose="020B0502020104020203" pitchFamily="34" charset="0"/>
+                          <a:ea typeface="MS Mincho" panose="02020609040205080304" pitchFamily="49" charset="-128"/>
+                          <a:cs typeface="Times New Roman" panose="02020603050405020304" pitchFamily="18" charset="0"/>
+                        </a:rPr>
+                        <a:t>3.568581</a:t>
+                      </a:r>
+                      <a:endParaRPr lang="fr-FR" sz="1600">
+                        <a:effectLst/>
+                        <a:latin typeface="Gill Sans MT" panose="020B0502020104020203" pitchFamily="34" charset="0"/>
+                        <a:ea typeface="MS Mincho" panose="02020609040205080304" pitchFamily="49" charset="-128"/>
+                        <a:cs typeface="Times New Roman" panose="02020603050405020304" pitchFamily="18" charset="0"/>
+                      </a:endParaRPr>
+                    </a:p>
+                  </a:txBody>
+                  <a:tcPr marL="68580" marR="68580" marT="0" marB="0"/>
+                </a:tc>
+                <a:tc>
+                  <a:txBody>
+                    <a:bodyPr/>
+                    <a:lstStyle/>
+                    <a:p>
+                      <a:pPr algn="ctr">
+                        <a:lnSpc>
+                          <a:spcPct val="115000"/>
+                        </a:lnSpc>
+                        <a:spcAft>
+                          <a:spcPts val="1000"/>
+                        </a:spcAft>
+                      </a:pPr>
+                      <a:r>
+                        <a:rPr lang="en-US" sz="1600" dirty="0">
+                          <a:effectLst/>
+                          <a:latin typeface="Gill Sans MT" panose="020B0502020104020203" pitchFamily="34" charset="0"/>
+                          <a:ea typeface="MS Mincho" panose="02020609040205080304" pitchFamily="49" charset="-128"/>
+                          <a:cs typeface="Times New Roman" panose="02020603050405020304" pitchFamily="18" charset="0"/>
+                        </a:rPr>
+                        <a:t>0.0003589</a:t>
+                      </a:r>
+                      <a:endParaRPr lang="fr-FR" sz="1600" dirty="0">
+                        <a:effectLst/>
+                        <a:latin typeface="Gill Sans MT" panose="020B0502020104020203" pitchFamily="34" charset="0"/>
+                        <a:ea typeface="MS Mincho" panose="02020609040205080304" pitchFamily="49" charset="-128"/>
+                        <a:cs typeface="Times New Roman" panose="02020603050405020304" pitchFamily="18" charset="0"/>
+                      </a:endParaRPr>
+                    </a:p>
+                  </a:txBody>
+                  <a:tcPr marL="68580" marR="68580" marT="0" marB="0"/>
+                </a:tc>
+                <a:extLst>
+                  <a:ext uri="{0D108BD9-81ED-4DB2-BD59-A6C34878D82A}">
+                    <a16:rowId xmlns:a16="http://schemas.microsoft.com/office/drawing/2014/main" val="2855278930"/>
+                  </a:ext>
+                </a:extLst>
+              </a:tr>
+              <a:tr h="313486">
+                <a:tc>
+                  <a:txBody>
+                    <a:bodyPr/>
+                    <a:lstStyle/>
+                    <a:p>
+                      <a:pPr>
+                        <a:lnSpc>
+                          <a:spcPct val="115000"/>
+                        </a:lnSpc>
+                        <a:spcAft>
+                          <a:spcPts val="1000"/>
+                        </a:spcAft>
+                      </a:pPr>
+                      <a:r>
+                        <a:rPr lang="en-US" sz="1600">
+                          <a:effectLst/>
+                          <a:latin typeface="Gill Sans MT" panose="020B0502020104020203" pitchFamily="34" charset="0"/>
+                          <a:ea typeface="MS Mincho" panose="02020609040205080304" pitchFamily="49" charset="-128"/>
+                          <a:cs typeface="Times New Roman" panose="02020603050405020304" pitchFamily="18" charset="0"/>
+                        </a:rPr>
+                        <a:t>lag.pct_sans_emploi</a:t>
+                      </a:r>
+                      <a:endParaRPr lang="fr-FR" sz="1600">
+                        <a:effectLst/>
+                        <a:latin typeface="Gill Sans MT" panose="020B0502020104020203" pitchFamily="34" charset="0"/>
+                        <a:ea typeface="MS Mincho" panose="02020609040205080304" pitchFamily="49" charset="-128"/>
+                        <a:cs typeface="Times New Roman" panose="02020603050405020304" pitchFamily="18" charset="0"/>
+                      </a:endParaRPr>
+                    </a:p>
+                  </a:txBody>
+                  <a:tcPr marL="68580" marR="68580" marT="0" marB="0"/>
+                </a:tc>
+                <a:tc>
+                  <a:txBody>
+                    <a:bodyPr/>
+                    <a:lstStyle/>
+                    <a:p>
+                      <a:pPr algn="ctr">
+                        <a:lnSpc>
+                          <a:spcPct val="115000"/>
+                        </a:lnSpc>
+                        <a:spcAft>
+                          <a:spcPts val="1000"/>
+                        </a:spcAft>
+                      </a:pPr>
+                      <a:r>
+                        <a:rPr lang="en-US" sz="1600">
+                          <a:effectLst/>
+                          <a:latin typeface="Gill Sans MT" panose="020B0502020104020203" pitchFamily="34" charset="0"/>
+                          <a:ea typeface="MS Mincho" panose="02020609040205080304" pitchFamily="49" charset="-128"/>
+                          <a:cs typeface="Times New Roman" panose="02020603050405020304" pitchFamily="18" charset="0"/>
+                        </a:rPr>
+                        <a:t>0.0551488</a:t>
+                      </a:r>
+                      <a:endParaRPr lang="fr-FR" sz="1600">
+                        <a:effectLst/>
+                        <a:latin typeface="Gill Sans MT" panose="020B0502020104020203" pitchFamily="34" charset="0"/>
+                        <a:ea typeface="MS Mincho" panose="02020609040205080304" pitchFamily="49" charset="-128"/>
+                        <a:cs typeface="Times New Roman" panose="02020603050405020304" pitchFamily="18" charset="0"/>
+                      </a:endParaRPr>
+                    </a:p>
+                  </a:txBody>
+                  <a:tcPr marL="68580" marR="68580" marT="0" marB="0"/>
+                </a:tc>
+                <a:tc>
+                  <a:txBody>
+                    <a:bodyPr/>
+                    <a:lstStyle/>
+                    <a:p>
+                      <a:pPr algn="ctr">
+                        <a:lnSpc>
+                          <a:spcPct val="115000"/>
+                        </a:lnSpc>
+                        <a:spcAft>
+                          <a:spcPts val="1000"/>
+                        </a:spcAft>
+                      </a:pPr>
+                      <a:r>
+                        <a:rPr lang="en-US" sz="1600">
+                          <a:effectLst/>
+                          <a:latin typeface="Gill Sans MT" panose="020B0502020104020203" pitchFamily="34" charset="0"/>
+                          <a:ea typeface="MS Mincho" panose="02020609040205080304" pitchFamily="49" charset="-128"/>
+                          <a:cs typeface="Times New Roman" panose="02020603050405020304" pitchFamily="18" charset="0"/>
+                        </a:rPr>
+                        <a:t>0.0051154</a:t>
+                      </a:r>
+                      <a:endParaRPr lang="fr-FR" sz="1600">
+                        <a:effectLst/>
+                        <a:latin typeface="Gill Sans MT" panose="020B0502020104020203" pitchFamily="34" charset="0"/>
+                        <a:ea typeface="MS Mincho" panose="02020609040205080304" pitchFamily="49" charset="-128"/>
+                        <a:cs typeface="Times New Roman" panose="02020603050405020304" pitchFamily="18" charset="0"/>
+                      </a:endParaRPr>
+                    </a:p>
+                  </a:txBody>
+                  <a:tcPr marL="68580" marR="68580" marT="0" marB="0"/>
+                </a:tc>
+                <a:tc>
+                  <a:txBody>
+                    <a:bodyPr/>
+                    <a:lstStyle/>
+                    <a:p>
+                      <a:pPr algn="ctr">
+                        <a:lnSpc>
+                          <a:spcPct val="115000"/>
+                        </a:lnSpc>
+                        <a:spcAft>
+                          <a:spcPts val="1000"/>
+                        </a:spcAft>
+                      </a:pPr>
+                      <a:r>
+                        <a:rPr lang="en-US" sz="1600">
+                          <a:effectLst/>
+                          <a:latin typeface="Gill Sans MT" panose="020B0502020104020203" pitchFamily="34" charset="0"/>
+                          <a:ea typeface="MS Mincho" panose="02020609040205080304" pitchFamily="49" charset="-128"/>
+                          <a:cs typeface="Times New Roman" panose="02020603050405020304" pitchFamily="18" charset="0"/>
+                        </a:rPr>
+                        <a:t>10.78092</a:t>
+                      </a:r>
+                      <a:endParaRPr lang="fr-FR" sz="1600">
+                        <a:effectLst/>
+                        <a:latin typeface="Gill Sans MT" panose="020B0502020104020203" pitchFamily="34" charset="0"/>
+                        <a:ea typeface="MS Mincho" panose="02020609040205080304" pitchFamily="49" charset="-128"/>
+                        <a:cs typeface="Times New Roman" panose="02020603050405020304" pitchFamily="18" charset="0"/>
+                      </a:endParaRPr>
+                    </a:p>
+                  </a:txBody>
+                  <a:tcPr marL="68580" marR="68580" marT="0" marB="0"/>
+                </a:tc>
+                <a:tc>
+                  <a:txBody>
+                    <a:bodyPr/>
+                    <a:lstStyle/>
+                    <a:p>
+                      <a:pPr algn="ctr">
+                        <a:lnSpc>
+                          <a:spcPct val="115000"/>
+                        </a:lnSpc>
+                        <a:spcAft>
+                          <a:spcPts val="1000"/>
+                        </a:spcAft>
+                      </a:pPr>
+                      <a:r>
+                        <a:rPr lang="en-US" sz="1600" dirty="0">
+                          <a:effectLst/>
+                          <a:latin typeface="Gill Sans MT" panose="020B0502020104020203" pitchFamily="34" charset="0"/>
+                          <a:ea typeface="MS Mincho" panose="02020609040205080304" pitchFamily="49" charset="-128"/>
+                          <a:cs typeface="Times New Roman" panose="02020603050405020304" pitchFamily="18" charset="0"/>
+                        </a:rPr>
+                        <a:t>&lt; 2.2e-16</a:t>
+                      </a:r>
+                      <a:endParaRPr lang="fr-FR" sz="1600" dirty="0">
+                        <a:effectLst/>
+                        <a:latin typeface="Gill Sans MT" panose="020B0502020104020203" pitchFamily="34" charset="0"/>
+                        <a:ea typeface="MS Mincho" panose="02020609040205080304" pitchFamily="49" charset="-128"/>
+                        <a:cs typeface="Times New Roman" panose="02020603050405020304" pitchFamily="18" charset="0"/>
+                      </a:endParaRPr>
+                    </a:p>
+                  </a:txBody>
+                  <a:tcPr marL="68580" marR="68580" marT="0" marB="0"/>
+                </a:tc>
+                <a:extLst>
+                  <a:ext uri="{0D108BD9-81ED-4DB2-BD59-A6C34878D82A}">
+                    <a16:rowId xmlns:a16="http://schemas.microsoft.com/office/drawing/2014/main" val="78230506"/>
+                  </a:ext>
+                </a:extLst>
+              </a:tr>
+              <a:tr h="313486">
+                <a:tc>
+                  <a:txBody>
+                    <a:bodyPr/>
+                    <a:lstStyle/>
+                    <a:p>
+                      <a:pPr>
+                        <a:lnSpc>
+                          <a:spcPct val="115000"/>
+                        </a:lnSpc>
+                        <a:spcAft>
+                          <a:spcPts val="1000"/>
+                        </a:spcAft>
+                      </a:pPr>
+                      <a:r>
+                        <a:rPr lang="en-US" sz="1600">
+                          <a:effectLst/>
+                          <a:latin typeface="Gill Sans MT" panose="020B0502020104020203" pitchFamily="34" charset="0"/>
+                          <a:ea typeface="MS Mincho" panose="02020609040205080304" pitchFamily="49" charset="-128"/>
+                          <a:cs typeface="Times New Roman" panose="02020603050405020304" pitchFamily="18" charset="0"/>
+                        </a:rPr>
+                        <a:t>lag.pct_fam_3_enfants_plus</a:t>
+                      </a:r>
+                      <a:endParaRPr lang="fr-FR" sz="1600">
+                        <a:effectLst/>
+                        <a:latin typeface="Gill Sans MT" panose="020B0502020104020203" pitchFamily="34" charset="0"/>
+                        <a:ea typeface="MS Mincho" panose="02020609040205080304" pitchFamily="49" charset="-128"/>
+                        <a:cs typeface="Times New Roman" panose="02020603050405020304" pitchFamily="18" charset="0"/>
+                      </a:endParaRPr>
+                    </a:p>
+                  </a:txBody>
+                  <a:tcPr marL="68580" marR="68580" marT="0" marB="0"/>
+                </a:tc>
+                <a:tc>
+                  <a:txBody>
+                    <a:bodyPr/>
+                    <a:lstStyle/>
+                    <a:p>
+                      <a:pPr algn="ctr">
+                        <a:lnSpc>
+                          <a:spcPct val="115000"/>
+                        </a:lnSpc>
+                        <a:spcAft>
+                          <a:spcPts val="1000"/>
+                        </a:spcAft>
+                      </a:pPr>
+                      <a:r>
+                        <a:rPr lang="en-US" sz="1600">
+                          <a:effectLst/>
+                          <a:latin typeface="Gill Sans MT" panose="020B0502020104020203" pitchFamily="34" charset="0"/>
+                          <a:ea typeface="MS Mincho" panose="02020609040205080304" pitchFamily="49" charset="-128"/>
+                          <a:cs typeface="Times New Roman" panose="02020603050405020304" pitchFamily="18" charset="0"/>
+                        </a:rPr>
+                        <a:t>-0.103986</a:t>
+                      </a:r>
+                      <a:endParaRPr lang="fr-FR" sz="1600">
+                        <a:effectLst/>
+                        <a:latin typeface="Gill Sans MT" panose="020B0502020104020203" pitchFamily="34" charset="0"/>
+                        <a:ea typeface="MS Mincho" panose="02020609040205080304" pitchFamily="49" charset="-128"/>
+                        <a:cs typeface="Times New Roman" panose="02020603050405020304" pitchFamily="18" charset="0"/>
+                      </a:endParaRPr>
+                    </a:p>
+                  </a:txBody>
+                  <a:tcPr marL="68580" marR="68580" marT="0" marB="0"/>
+                </a:tc>
+                <a:tc>
+                  <a:txBody>
+                    <a:bodyPr/>
+                    <a:lstStyle/>
+                    <a:p>
+                      <a:pPr algn="ctr">
+                        <a:lnSpc>
+                          <a:spcPct val="115000"/>
+                        </a:lnSpc>
+                        <a:spcAft>
+                          <a:spcPts val="1000"/>
+                        </a:spcAft>
+                      </a:pPr>
+                      <a:r>
+                        <a:rPr lang="en-US" sz="1600">
+                          <a:effectLst/>
+                          <a:latin typeface="Gill Sans MT" panose="020B0502020104020203" pitchFamily="34" charset="0"/>
+                          <a:ea typeface="MS Mincho" panose="02020609040205080304" pitchFamily="49" charset="-128"/>
+                          <a:cs typeface="Times New Roman" panose="02020603050405020304" pitchFamily="18" charset="0"/>
+                        </a:rPr>
+                        <a:t>0.0184588</a:t>
+                      </a:r>
+                      <a:endParaRPr lang="fr-FR" sz="1600">
+                        <a:effectLst/>
+                        <a:latin typeface="Gill Sans MT" panose="020B0502020104020203" pitchFamily="34" charset="0"/>
+                        <a:ea typeface="MS Mincho" panose="02020609040205080304" pitchFamily="49" charset="-128"/>
+                        <a:cs typeface="Times New Roman" panose="02020603050405020304" pitchFamily="18" charset="0"/>
+                      </a:endParaRPr>
+                    </a:p>
+                  </a:txBody>
+                  <a:tcPr marL="68580" marR="68580" marT="0" marB="0"/>
+                </a:tc>
+                <a:tc>
+                  <a:txBody>
+                    <a:bodyPr/>
+                    <a:lstStyle/>
+                    <a:p>
+                      <a:pPr algn="ctr">
+                        <a:lnSpc>
+                          <a:spcPct val="115000"/>
+                        </a:lnSpc>
+                        <a:spcAft>
+                          <a:spcPts val="1000"/>
+                        </a:spcAft>
+                      </a:pPr>
+                      <a:r>
+                        <a:rPr lang="en-US" sz="1600">
+                          <a:effectLst/>
+                          <a:latin typeface="Gill Sans MT" panose="020B0502020104020203" pitchFamily="34" charset="0"/>
+                          <a:ea typeface="MS Mincho" panose="02020609040205080304" pitchFamily="49" charset="-128"/>
+                          <a:cs typeface="Times New Roman" panose="02020603050405020304" pitchFamily="18" charset="0"/>
+                        </a:rPr>
+                        <a:t>-5.633394</a:t>
+                      </a:r>
+                      <a:endParaRPr lang="fr-FR" sz="1600">
+                        <a:effectLst/>
+                        <a:latin typeface="Gill Sans MT" panose="020B0502020104020203" pitchFamily="34" charset="0"/>
+                        <a:ea typeface="MS Mincho" panose="02020609040205080304" pitchFamily="49" charset="-128"/>
+                        <a:cs typeface="Times New Roman" panose="02020603050405020304" pitchFamily="18" charset="0"/>
+                      </a:endParaRPr>
+                    </a:p>
+                  </a:txBody>
+                  <a:tcPr marL="68580" marR="68580" marT="0" marB="0"/>
+                </a:tc>
+                <a:tc>
+                  <a:txBody>
+                    <a:bodyPr/>
+                    <a:lstStyle/>
+                    <a:p>
+                      <a:pPr algn="ctr">
+                        <a:lnSpc>
+                          <a:spcPct val="115000"/>
+                        </a:lnSpc>
+                        <a:spcAft>
+                          <a:spcPts val="1000"/>
+                        </a:spcAft>
+                      </a:pPr>
+                      <a:r>
+                        <a:rPr lang="en-US" sz="1600" dirty="0">
+                          <a:effectLst/>
+                          <a:latin typeface="Gill Sans MT" panose="020B0502020104020203" pitchFamily="34" charset="0"/>
+                          <a:ea typeface="MS Mincho" panose="02020609040205080304" pitchFamily="49" charset="-128"/>
+                          <a:cs typeface="Times New Roman" panose="02020603050405020304" pitchFamily="18" charset="0"/>
+                        </a:rPr>
+                        <a:t>1.767e-08</a:t>
+                      </a:r>
+                      <a:endParaRPr lang="fr-FR" sz="1600" dirty="0">
+                        <a:effectLst/>
+                        <a:latin typeface="Gill Sans MT" panose="020B0502020104020203" pitchFamily="34" charset="0"/>
+                        <a:ea typeface="MS Mincho" panose="02020609040205080304" pitchFamily="49" charset="-128"/>
+                        <a:cs typeface="Times New Roman" panose="02020603050405020304" pitchFamily="18" charset="0"/>
+                      </a:endParaRPr>
+                    </a:p>
+                  </a:txBody>
+                  <a:tcPr marL="68580" marR="68580" marT="0" marB="0"/>
+                </a:tc>
+                <a:extLst>
+                  <a:ext uri="{0D108BD9-81ED-4DB2-BD59-A6C34878D82A}">
+                    <a16:rowId xmlns:a16="http://schemas.microsoft.com/office/drawing/2014/main" val="4195292262"/>
+                  </a:ext>
+                </a:extLst>
+              </a:tr>
+              <a:tr h="313486">
+                <a:tc>
+                  <a:txBody>
+                    <a:bodyPr/>
+                    <a:lstStyle/>
+                    <a:p>
+                      <a:pPr>
+                        <a:lnSpc>
+                          <a:spcPct val="115000"/>
+                        </a:lnSpc>
+                        <a:spcAft>
+                          <a:spcPts val="1000"/>
+                        </a:spcAft>
+                      </a:pPr>
+                      <a:r>
+                        <a:rPr lang="en-US" sz="1600" dirty="0" err="1">
+                          <a:effectLst/>
+                          <a:latin typeface="Gill Sans MT" panose="020B0502020104020203" pitchFamily="34" charset="0"/>
+                          <a:ea typeface="MS Mincho" panose="02020609040205080304" pitchFamily="49" charset="-128"/>
+                          <a:cs typeface="Times New Roman" panose="02020603050405020304" pitchFamily="18" charset="0"/>
+                        </a:rPr>
+                        <a:t>lag.taux_de_natalite_annuel_moyen</a:t>
+                      </a:r>
+                      <a:endParaRPr lang="fr-FR" sz="1600" dirty="0">
+                        <a:effectLst/>
+                        <a:latin typeface="Gill Sans MT" panose="020B0502020104020203" pitchFamily="34" charset="0"/>
+                        <a:ea typeface="MS Mincho" panose="02020609040205080304" pitchFamily="49" charset="-128"/>
+                        <a:cs typeface="Times New Roman" panose="02020603050405020304" pitchFamily="18" charset="0"/>
+                      </a:endParaRPr>
+                    </a:p>
+                  </a:txBody>
+                  <a:tcPr marL="68580" marR="68580" marT="0" marB="0"/>
+                </a:tc>
+                <a:tc>
+                  <a:txBody>
+                    <a:bodyPr/>
+                    <a:lstStyle/>
+                    <a:p>
+                      <a:pPr algn="ctr">
+                        <a:lnSpc>
+                          <a:spcPct val="115000"/>
+                        </a:lnSpc>
+                        <a:spcAft>
+                          <a:spcPts val="1000"/>
+                        </a:spcAft>
+                      </a:pPr>
+                      <a:r>
+                        <a:rPr lang="en-US" sz="1600">
+                          <a:effectLst/>
+                          <a:latin typeface="Gill Sans MT" panose="020B0502020104020203" pitchFamily="34" charset="0"/>
+                          <a:ea typeface="MS Mincho" panose="02020609040205080304" pitchFamily="49" charset="-128"/>
+                          <a:cs typeface="Times New Roman" panose="02020603050405020304" pitchFamily="18" charset="0"/>
+                        </a:rPr>
+                        <a:t>-0.1117246</a:t>
+                      </a:r>
+                      <a:endParaRPr lang="fr-FR" sz="1600">
+                        <a:effectLst/>
+                        <a:latin typeface="Gill Sans MT" panose="020B0502020104020203" pitchFamily="34" charset="0"/>
+                        <a:ea typeface="MS Mincho" panose="02020609040205080304" pitchFamily="49" charset="-128"/>
+                        <a:cs typeface="Times New Roman" panose="02020603050405020304" pitchFamily="18" charset="0"/>
+                      </a:endParaRPr>
+                    </a:p>
+                  </a:txBody>
+                  <a:tcPr marL="68580" marR="68580" marT="0" marB="0"/>
+                </a:tc>
+                <a:tc>
+                  <a:txBody>
+                    <a:bodyPr/>
+                    <a:lstStyle/>
+                    <a:p>
+                      <a:pPr algn="ctr">
+                        <a:lnSpc>
+                          <a:spcPct val="115000"/>
+                        </a:lnSpc>
+                        <a:spcAft>
+                          <a:spcPts val="1000"/>
+                        </a:spcAft>
+                      </a:pPr>
+                      <a:r>
+                        <a:rPr lang="en-US" sz="1600">
+                          <a:effectLst/>
+                          <a:latin typeface="Gill Sans MT" panose="020B0502020104020203" pitchFamily="34" charset="0"/>
+                          <a:ea typeface="MS Mincho" panose="02020609040205080304" pitchFamily="49" charset="-128"/>
+                          <a:cs typeface="Times New Roman" panose="02020603050405020304" pitchFamily="18" charset="0"/>
+                        </a:rPr>
+                        <a:t>0.0295648</a:t>
+                      </a:r>
+                      <a:endParaRPr lang="fr-FR" sz="1600">
+                        <a:effectLst/>
+                        <a:latin typeface="Gill Sans MT" panose="020B0502020104020203" pitchFamily="34" charset="0"/>
+                        <a:ea typeface="MS Mincho" panose="02020609040205080304" pitchFamily="49" charset="-128"/>
+                        <a:cs typeface="Times New Roman" panose="02020603050405020304" pitchFamily="18" charset="0"/>
+                      </a:endParaRPr>
+                    </a:p>
+                  </a:txBody>
+                  <a:tcPr marL="68580" marR="68580" marT="0" marB="0"/>
+                </a:tc>
+                <a:tc>
+                  <a:txBody>
+                    <a:bodyPr/>
+                    <a:lstStyle/>
+                    <a:p>
+                      <a:pPr algn="ctr">
+                        <a:lnSpc>
+                          <a:spcPct val="115000"/>
+                        </a:lnSpc>
+                        <a:spcAft>
+                          <a:spcPts val="1000"/>
+                        </a:spcAft>
+                      </a:pPr>
+                      <a:r>
+                        <a:rPr lang="en-US" sz="1600">
+                          <a:effectLst/>
+                          <a:latin typeface="Gill Sans MT" panose="020B0502020104020203" pitchFamily="34" charset="0"/>
+                          <a:ea typeface="MS Mincho" panose="02020609040205080304" pitchFamily="49" charset="-128"/>
+                          <a:cs typeface="Times New Roman" panose="02020603050405020304" pitchFamily="18" charset="0"/>
+                        </a:rPr>
+                        <a:t>-3.77898</a:t>
+                      </a:r>
+                      <a:endParaRPr lang="fr-FR" sz="1600">
+                        <a:effectLst/>
+                        <a:latin typeface="Gill Sans MT" panose="020B0502020104020203" pitchFamily="34" charset="0"/>
+                        <a:ea typeface="MS Mincho" panose="02020609040205080304" pitchFamily="49" charset="-128"/>
+                        <a:cs typeface="Times New Roman" panose="02020603050405020304" pitchFamily="18" charset="0"/>
+                      </a:endParaRPr>
+                    </a:p>
+                  </a:txBody>
+                  <a:tcPr marL="68580" marR="68580" marT="0" marB="0"/>
+                </a:tc>
+                <a:tc>
+                  <a:txBody>
+                    <a:bodyPr/>
+                    <a:lstStyle/>
+                    <a:p>
+                      <a:pPr algn="ctr">
+                        <a:lnSpc>
+                          <a:spcPct val="115000"/>
+                        </a:lnSpc>
+                        <a:spcAft>
+                          <a:spcPts val="1000"/>
+                        </a:spcAft>
+                      </a:pPr>
+                      <a:r>
+                        <a:rPr lang="en-US" sz="1600" dirty="0">
+                          <a:effectLst/>
+                          <a:latin typeface="Gill Sans MT" panose="020B0502020104020203" pitchFamily="34" charset="0"/>
+                          <a:ea typeface="MS Mincho" panose="02020609040205080304" pitchFamily="49" charset="-128"/>
+                          <a:cs typeface="Times New Roman" panose="02020603050405020304" pitchFamily="18" charset="0"/>
+                        </a:rPr>
+                        <a:t>0.0001575</a:t>
+                      </a:r>
+                      <a:endParaRPr lang="fr-FR" sz="1600" dirty="0">
+                        <a:effectLst/>
+                        <a:latin typeface="Gill Sans MT" panose="020B0502020104020203" pitchFamily="34" charset="0"/>
+                        <a:ea typeface="MS Mincho" panose="02020609040205080304" pitchFamily="49" charset="-128"/>
+                        <a:cs typeface="Times New Roman" panose="02020603050405020304" pitchFamily="18" charset="0"/>
+                      </a:endParaRPr>
+                    </a:p>
+                  </a:txBody>
+                  <a:tcPr marL="68580" marR="68580" marT="0" marB="0"/>
+                </a:tc>
+                <a:extLst>
+                  <a:ext uri="{0D108BD9-81ED-4DB2-BD59-A6C34878D82A}">
+                    <a16:rowId xmlns:a16="http://schemas.microsoft.com/office/drawing/2014/main" val="3119279071"/>
+                  </a:ext>
+                </a:extLst>
+              </a:tr>
+            </a:tbl>
+          </a:graphicData>
+        </a:graphic>
+      </p:graphicFrame>
     </p:spTree>
     <p:extLst>
       <p:ext uri="{BB962C8B-B14F-4D97-AF65-F5344CB8AC3E}">
-        <p14:creationId xmlns:p14="http://schemas.microsoft.com/office/powerpoint/2010/main" val="3452338476"/>
+        <p14:creationId xmlns:p14="http://schemas.microsoft.com/office/powerpoint/2010/main" val="1872024013"/>
       </p:ext>
     </p:extLst>
   </p:cSld>
@@ -14071,7 +18083,7 @@
                 </a:solidFill>
                 <a:latin typeface="Gill Sans MT" panose="020B0502020104020203" pitchFamily="34" charset="0"/>
               </a:rPr>
-              <a:t>4.4. Résultats du modèle final</a:t>
+              <a:t>4.4. Résultats du modèle final(2/2)</a:t>
             </a:r>
           </a:p>
         </p:txBody>
@@ -14109,36 +18121,6 @@
           <a:xfrm>
             <a:off x="11078692" y="266700"/>
             <a:ext cx="1170459" cy="1170459"/>
-          </a:xfrm>
-          <a:prstGeom prst="rect">
-            <a:avLst/>
-          </a:prstGeom>
-        </p:spPr>
-      </p:pic>
-      <p:pic>
-        <p:nvPicPr>
-          <p:cNvPr id="7" name="Image 6">
-            <a:extLst>
-              <a:ext uri="{FF2B5EF4-FFF2-40B4-BE49-F238E27FC236}">
-                <a16:creationId xmlns:a16="http://schemas.microsoft.com/office/drawing/2014/main" id="{85E00EB5-86B6-4B6D-81B2-AB61329BBD07}"/>
-              </a:ext>
-            </a:extLst>
-          </p:cNvPr>
-          <p:cNvPicPr>
-            <a:picLocks noChangeAspect="1"/>
-          </p:cNvPicPr>
-          <p:nvPr/>
-        </p:nvPicPr>
-        <p:blipFill>
-          <a:blip r:embed="rId4"/>
-          <a:stretch>
-            <a:fillRect/>
-          </a:stretch>
-        </p:blipFill>
-        <p:spPr>
-          <a:xfrm>
-            <a:off x="2074958" y="2153004"/>
-            <a:ext cx="7029571" cy="1754576"/>
           </a:xfrm>
           <a:prstGeom prst="rect">
             <a:avLst/>
@@ -14161,7 +18143,7 @@
             </p:nvSpPr>
             <p:spPr>
               <a:xfrm>
-                <a:off x="1170957" y="4238099"/>
+                <a:off x="1136321" y="4574851"/>
                 <a:ext cx="10387321" cy="1200329"/>
               </a:xfrm>
               <a:prstGeom prst="rect">
@@ -14197,7 +18179,7 @@
                   <a:rPr lang="fr-FR" sz="2400" dirty="0">
                     <a:latin typeface="Gill Sans MT" panose="020B0502020104020203" pitchFamily="34" charset="0"/>
                   </a:rPr>
-                  <a:t> du modèle SDM confirme l’existence d’un effet spatial significatif, indiquant une interdépendance dans le taux de consultations entre communes voisines</a:t>
+                  <a:t> estimé du modèle SDM confirme l’existence d’un effet spatial significatif, indiquant une interdépendance dans le taux de consultations entre communes voisines</a:t>
                 </a:r>
               </a:p>
             </p:txBody>
@@ -14220,14 +18202,14 @@
             </p:nvSpPr>
             <p:spPr>
               <a:xfrm>
-                <a:off x="1170957" y="4238099"/>
+                <a:off x="1136321" y="4574851"/>
                 <a:ext cx="10387321" cy="1200329"/>
               </a:xfrm>
               <a:prstGeom prst="rect">
                 <a:avLst/>
               </a:prstGeom>
               <a:blipFill>
-                <a:blip r:embed="rId5"/>
+                <a:blip r:embed="rId4"/>
                 <a:stretch>
                   <a:fillRect l="-880" t="-4061" r="-939" b="-10660"/>
                 </a:stretch>
@@ -14248,10 +18230,253 @@
           </p:sp>
         </mc:Fallback>
       </mc:AlternateContent>
+      <p:graphicFrame>
+        <p:nvGraphicFramePr>
+          <p:cNvPr id="9" name="Tableau 9">
+            <a:extLst>
+              <a:ext uri="{FF2B5EF4-FFF2-40B4-BE49-F238E27FC236}">
+                <a16:creationId xmlns:a16="http://schemas.microsoft.com/office/drawing/2014/main" id="{C2009E60-4C85-4C9F-A07C-82C45C27A2D4}"/>
+              </a:ext>
+            </a:extLst>
+          </p:cNvPr>
+          <p:cNvGraphicFramePr>
+            <a:graphicFrameLocks noGrp="1"/>
+          </p:cNvGraphicFramePr>
+          <p:nvPr/>
+        </p:nvGraphicFramePr>
+        <p:xfrm>
+          <a:off x="3088932" y="2107455"/>
+          <a:ext cx="6014136" cy="2072640"/>
+        </p:xfrm>
+        <a:graphic>
+          <a:graphicData uri="http://schemas.openxmlformats.org/drawingml/2006/table">
+            <a:tbl>
+              <a:tblPr bandRow="1">
+                <a:tableStyleId>{C083E6E3-FA7D-4D7B-A595-EF9225AFEA82}</a:tableStyleId>
+              </a:tblPr>
+              <a:tblGrid>
+                <a:gridCol w="4178409">
+                  <a:extLst>
+                    <a:ext uri="{9D8B030D-6E8A-4147-A177-3AD203B41FA5}">
+                      <a16:colId xmlns:a16="http://schemas.microsoft.com/office/drawing/2014/main" val="3589781340"/>
+                    </a:ext>
+                  </a:extLst>
+                </a:gridCol>
+                <a:gridCol w="1835727">
+                  <a:extLst>
+                    <a:ext uri="{9D8B030D-6E8A-4147-A177-3AD203B41FA5}">
+                      <a16:colId xmlns:a16="http://schemas.microsoft.com/office/drawing/2014/main" val="2502687889"/>
+                    </a:ext>
+                  </a:extLst>
+                </a:gridCol>
+              </a:tblGrid>
+              <a:tr h="370840">
+                <a:tc>
+                  <a:txBody>
+                    <a:bodyPr/>
+                    <a:lstStyle/>
+                    <a:p>
+                      <a:pPr algn="l"/>
+                      <a:r>
+                        <a:rPr lang="fr-FR" sz="2800" dirty="0">
+                          <a:latin typeface="Gill Sans MT" panose="020B0502020104020203" pitchFamily="34" charset="0"/>
+                        </a:rPr>
+                        <a:t>Rho</a:t>
+                      </a:r>
+                    </a:p>
+                  </a:txBody>
+                  <a:tcPr/>
+                </a:tc>
+                <a:tc>
+                  <a:txBody>
+                    <a:bodyPr/>
+                    <a:lstStyle/>
+                    <a:p>
+                      <a:pPr algn="ctr"/>
+                      <a:r>
+                        <a:rPr lang="fr-FR" sz="2800" dirty="0">
+                          <a:latin typeface="Gill Sans MT" panose="020B0502020104020203" pitchFamily="34" charset="0"/>
+                        </a:rPr>
+                        <a:t>0.9947686</a:t>
+                      </a:r>
+                    </a:p>
+                  </a:txBody>
+                  <a:tcPr/>
+                </a:tc>
+                <a:extLst>
+                  <a:ext uri="{0D108BD9-81ED-4DB2-BD59-A6C34878D82A}">
+                    <a16:rowId xmlns:a16="http://schemas.microsoft.com/office/drawing/2014/main" val="2353644177"/>
+                  </a:ext>
+                </a:extLst>
+              </a:tr>
+              <a:tr h="442262">
+                <a:tc>
+                  <a:txBody>
+                    <a:bodyPr/>
+                    <a:lstStyle/>
+                    <a:p>
+                      <a:pPr algn="l"/>
+                      <a:r>
+                        <a:rPr lang="fr-FR" sz="2800" dirty="0">
+                          <a:latin typeface="Gill Sans MT" panose="020B0502020104020203" pitchFamily="34" charset="0"/>
+                        </a:rPr>
+                        <a:t>LR test value</a:t>
+                      </a:r>
+                    </a:p>
+                  </a:txBody>
+                  <a:tcPr/>
+                </a:tc>
+                <a:tc>
+                  <a:txBody>
+                    <a:bodyPr/>
+                    <a:lstStyle/>
+                    <a:p>
+                      <a:pPr algn="ctr"/>
+                      <a:r>
+                        <a:rPr lang="fr-FR" sz="2800" dirty="0">
+                          <a:latin typeface="Gill Sans MT" panose="020B0502020104020203" pitchFamily="34" charset="0"/>
+                        </a:rPr>
+                        <a:t>555.0326</a:t>
+                      </a:r>
+                    </a:p>
+                  </a:txBody>
+                  <a:tcPr/>
+                </a:tc>
+                <a:extLst>
+                  <a:ext uri="{0D108BD9-81ED-4DB2-BD59-A6C34878D82A}">
+                    <a16:rowId xmlns:a16="http://schemas.microsoft.com/office/drawing/2014/main" val="1018985115"/>
+                  </a:ext>
+                </a:extLst>
+              </a:tr>
+              <a:tr h="370840">
+                <a:tc>
+                  <a:txBody>
+                    <a:bodyPr/>
+                    <a:lstStyle/>
+                    <a:p>
+                      <a:pPr algn="l"/>
+                      <a:r>
+                        <a:rPr lang="fr-FR" sz="2800" dirty="0">
+                          <a:latin typeface="Gill Sans MT" panose="020B0502020104020203" pitchFamily="34" charset="0"/>
+                        </a:rPr>
+                        <a:t>p-value</a:t>
+                      </a:r>
+                    </a:p>
+                  </a:txBody>
+                  <a:tcPr/>
+                </a:tc>
+                <a:tc>
+                  <a:txBody>
+                    <a:bodyPr/>
+                    <a:lstStyle/>
+                    <a:p>
+                      <a:pPr marL="0" marR="0" lvl="0" indent="0" algn="ctr" defTabSz="914400" rtl="0" eaLnBrk="1" fontAlgn="auto" latinLnBrk="0" hangingPunct="1">
+                        <a:lnSpc>
+                          <a:spcPct val="100000"/>
+                        </a:lnSpc>
+                        <a:spcBef>
+                          <a:spcPts val="0"/>
+                        </a:spcBef>
+                        <a:spcAft>
+                          <a:spcPts val="0"/>
+                        </a:spcAft>
+                        <a:buClrTx/>
+                        <a:buSzTx/>
+                        <a:buFontTx/>
+                        <a:buNone/>
+                        <a:tabLst/>
+                        <a:defRPr/>
+                      </a:pPr>
+                      <a:r>
+                        <a:rPr lang="fr-FR" sz="2800" dirty="0">
+                          <a:latin typeface="Gill Sans MT" panose="020B0502020104020203" pitchFamily="34" charset="0"/>
+                        </a:rPr>
+                        <a:t>&lt; 2.2e-16</a:t>
+                      </a:r>
+                    </a:p>
+                  </a:txBody>
+                  <a:tcPr/>
+                </a:tc>
+                <a:extLst>
+                  <a:ext uri="{0D108BD9-81ED-4DB2-BD59-A6C34878D82A}">
+                    <a16:rowId xmlns:a16="http://schemas.microsoft.com/office/drawing/2014/main" val="355930459"/>
+                  </a:ext>
+                </a:extLst>
+              </a:tr>
+              <a:tr h="370840">
+                <a:tc>
+                  <a:txBody>
+                    <a:bodyPr/>
+                    <a:lstStyle/>
+                    <a:p>
+                      <a:pPr algn="l"/>
+                      <a:r>
+                        <a:rPr lang="fr-FR" sz="2800" dirty="0" err="1">
+                          <a:latin typeface="Gill Sans MT" panose="020B0502020104020203" pitchFamily="34" charset="0"/>
+                        </a:rPr>
+                        <a:t>Asymptotic</a:t>
+                      </a:r>
+                      <a:r>
+                        <a:rPr lang="fr-FR" sz="2800" dirty="0">
+                          <a:latin typeface="Gill Sans MT" panose="020B0502020104020203" pitchFamily="34" charset="0"/>
+                        </a:rPr>
+                        <a:t> </a:t>
+                      </a:r>
+                      <a:r>
+                        <a:rPr lang="fr-FR" sz="2800" dirty="0" err="1">
+                          <a:latin typeface="Gill Sans MT" panose="020B0502020104020203" pitchFamily="34" charset="0"/>
+                        </a:rPr>
+                        <a:t>stantard</a:t>
+                      </a:r>
+                      <a:r>
+                        <a:rPr lang="fr-FR" sz="2800" dirty="0">
+                          <a:latin typeface="Gill Sans MT" panose="020B0502020104020203" pitchFamily="34" charset="0"/>
+                        </a:rPr>
+                        <a:t> </a:t>
+                      </a:r>
+                      <a:r>
+                        <a:rPr lang="fr-FR" sz="2800" dirty="0" err="1">
+                          <a:latin typeface="Gill Sans MT" panose="020B0502020104020203" pitchFamily="34" charset="0"/>
+                        </a:rPr>
+                        <a:t>error</a:t>
+                      </a:r>
+                      <a:endParaRPr lang="fr-FR" sz="2800" dirty="0">
+                        <a:latin typeface="Gill Sans MT" panose="020B0502020104020203" pitchFamily="34" charset="0"/>
+                      </a:endParaRPr>
+                    </a:p>
+                  </a:txBody>
+                  <a:tcPr/>
+                </a:tc>
+                <a:tc>
+                  <a:txBody>
+                    <a:bodyPr/>
+                    <a:lstStyle/>
+                    <a:p>
+                      <a:pPr algn="ctr"/>
+                      <a:r>
+                        <a:rPr lang="fr-FR" sz="2800" dirty="0">
+                          <a:latin typeface="Gill Sans MT" panose="020B0502020104020203" pitchFamily="34" charset="0"/>
+                        </a:rPr>
+                        <a:t>0.003269</a:t>
+                      </a:r>
+                    </a:p>
+                  </a:txBody>
+                  <a:tcPr/>
+                </a:tc>
+                <a:extLst>
+                  <a:ext uri="{0D108BD9-81ED-4DB2-BD59-A6C34878D82A}">
+                    <a16:rowId xmlns:a16="http://schemas.microsoft.com/office/drawing/2014/main" val="1630266566"/>
+                  </a:ext>
+                </a:extLst>
+              </a:tr>
+            </a:tbl>
+          </a:graphicData>
+        </a:graphic>
+      </p:graphicFrame>
     </p:spTree>
     <p:extLst>
       <p:ext uri="{BB962C8B-B14F-4D97-AF65-F5344CB8AC3E}">
-        <p14:creationId xmlns:p14="http://schemas.microsoft.com/office/powerpoint/2010/main" val="3022964590"/>
+        <p14:creationId xmlns:p14="http://schemas.microsoft.com/office/powerpoint/2010/main" val="2179920171"/>
       </p:ext>
     </p:extLst>
   </p:cSld>
@@ -14592,13 +18817,13 @@
           <p:nvPr/>
         </p:nvPicPr>
         <p:blipFill>
-          <a:blip r:embed="rId2">
+          <a:blip r:embed="rId3">
             <a:extLst>
               <a:ext uri="{28A0092B-C50C-407E-A947-70E740481C1C}">
                 <a14:useLocalDpi xmlns:a14="http://schemas.microsoft.com/office/drawing/2010/main" val="0"/>
               </a:ext>
               <a:ext uri="{96DAC541-7B7A-43D3-8B79-37D633B846F1}">
-                <asvg:svgBlip xmlns:asvg="http://schemas.microsoft.com/office/drawing/2016/SVG/main" r:embed="rId3"/>
+                <asvg:svgBlip xmlns:asvg="http://schemas.microsoft.com/office/drawing/2016/SVG/main" r:embed="rId4"/>
               </a:ext>
             </a:extLst>
           </a:blip>
@@ -14631,7 +18856,7 @@
           <p:nvPr/>
         </p:nvPicPr>
         <p:blipFill>
-          <a:blip r:embed="rId4"/>
+          <a:blip r:embed="rId5"/>
           <a:stretch>
             <a:fillRect/>
           </a:stretch>
@@ -14661,7 +18886,7 @@
           <p:nvPr/>
         </p:nvPicPr>
         <p:blipFill>
-          <a:blip r:embed="rId5"/>
+          <a:blip r:embed="rId6"/>
           <a:stretch>
             <a:fillRect/>
           </a:stretch>
@@ -14676,10 +18901,71 @@
           </a:prstGeom>
         </p:spPr>
       </p:pic>
+      <p:sp>
+        <p:nvSpPr>
+          <p:cNvPr id="5" name="ZoneTexte 4">
+            <a:extLst>
+              <a:ext uri="{FF2B5EF4-FFF2-40B4-BE49-F238E27FC236}">
+                <a16:creationId xmlns:a16="http://schemas.microsoft.com/office/drawing/2014/main" id="{50B9101C-0AE5-4556-A440-A5E8C844FFC8}"/>
+              </a:ext>
+            </a:extLst>
+          </p:cNvPr>
+          <p:cNvSpPr txBox="1"/>
+          <p:nvPr/>
+        </p:nvSpPr>
+        <p:spPr>
+          <a:xfrm>
+            <a:off x="2037652" y="5748889"/>
+            <a:ext cx="8528945" cy="923330"/>
+          </a:xfrm>
+          <a:prstGeom prst="rect">
+            <a:avLst/>
+          </a:prstGeom>
+          <a:noFill/>
+        </p:spPr>
+        <p:txBody>
+          <a:bodyPr wrap="square" rtlCol="0">
+            <a:spAutoFit/>
+          </a:bodyPr>
+          <a:lstStyle/>
+          <a:p>
+            <a:r>
+              <a:rPr lang="fr-FR" dirty="0">
+                <a:latin typeface="Gill Sans MT" panose="020B0502020104020203" pitchFamily="34" charset="0"/>
+              </a:rPr>
+              <a:t>Les taux de consultations observés et prédits présentent structure spatiale globalement similaire. Certaines zones, notamment au </a:t>
+            </a:r>
+            <a:r>
+              <a:rPr lang="fr-FR" b="1" dirty="0">
+                <a:latin typeface="Gill Sans MT" panose="020B0502020104020203" pitchFamily="34" charset="0"/>
+              </a:rPr>
+              <a:t>sud-est</a:t>
+            </a:r>
+            <a:r>
+              <a:rPr lang="fr-FR" dirty="0">
+                <a:latin typeface="Gill Sans MT" panose="020B0502020104020203" pitchFamily="34" charset="0"/>
+              </a:rPr>
+              <a:t> et au </a:t>
+            </a:r>
+            <a:r>
+              <a:rPr lang="fr-FR" b="1" dirty="0">
+                <a:latin typeface="Gill Sans MT" panose="020B0502020104020203" pitchFamily="34" charset="0"/>
+              </a:rPr>
+              <a:t>nord-oues</a:t>
+            </a:r>
+            <a:r>
+              <a:rPr lang="fr-FR" dirty="0">
+                <a:latin typeface="Gill Sans MT" panose="020B0502020104020203" pitchFamily="34" charset="0"/>
+              </a:rPr>
+              <a:t>t, mettent toutefois en évidence des divergences marquées entre les valeurs observées et prédites</a:t>
+            </a:r>
+          </a:p>
+        </p:txBody>
+      </p:sp>
     </p:spTree>
     <p:extLst>
       <p:ext uri="{BB962C8B-B14F-4D97-AF65-F5344CB8AC3E}">
-        <p14:creationId xmlns:p14="http://schemas.microsoft.com/office/powerpoint/2010/main" val="3381023947"/>
+        <p14:creationId xmlns:p14="http://schemas.microsoft.com/office/powerpoint/2010/main" val="951892530"/>
       </p:ext>
     </p:extLst>
   </p:cSld>
@@ -19653,8 +23939,8 @@
           </a:p>
         </p:txBody>
       </p:sp>
-      <mc:AlternateContent xmlns:mc="http://schemas.openxmlformats.org/markup-compatibility/2006">
-        <mc:Choice xmlns:a14="http://schemas.microsoft.com/office/drawing/2010/main" Requires="a14">
+      <mc:AlternateContent xmlns:mc="http://schemas.openxmlformats.org/markup-compatibility/2006" xmlns:a14="http://schemas.microsoft.com/office/drawing/2010/main">
+        <mc:Choice Requires="a14">
           <p:sp>
             <p:nvSpPr>
               <p:cNvPr id="6" name="ZoneTexte 5">
@@ -19816,7 +24102,7 @@
             </p:txBody>
           </p:sp>
         </mc:Choice>
-        <mc:Fallback>
+        <mc:Fallback xmlns="">
           <p:sp>
             <p:nvSpPr>
               <p:cNvPr id="6" name="ZoneTexte 5">
@@ -19861,8 +24147,8 @@
           </p:sp>
         </mc:Fallback>
       </mc:AlternateContent>
-      <mc:AlternateContent xmlns:mc="http://schemas.openxmlformats.org/markup-compatibility/2006">
-        <mc:Choice xmlns:a14="http://schemas.microsoft.com/office/drawing/2010/main" Requires="a14">
+      <mc:AlternateContent xmlns:mc="http://schemas.openxmlformats.org/markup-compatibility/2006" xmlns:a14="http://schemas.microsoft.com/office/drawing/2010/main">
+        <mc:Choice Requires="a14">
           <p:sp>
             <p:nvSpPr>
               <p:cNvPr id="7" name="ZoneTexte 6">
@@ -19924,6 +24210,7 @@
                 </a:endParaRPr>
               </a:p>
               <a:p>
+                <a:pPr/>
                 <a14:m>
                   <m:oMathPara xmlns:m="http://schemas.openxmlformats.org/officeDocument/2006/math">
                     <m:oMathParaPr>
@@ -20325,7 +24612,7 @@
             </p:txBody>
           </p:sp>
         </mc:Choice>
-        <mc:Fallback>
+        <mc:Fallback xmlns="">
           <p:sp>
             <p:nvSpPr>
               <p:cNvPr id="7" name="ZoneTexte 6">

--- a/Présentation/Soutenance_Groupe25.pptx
+++ b/Présentation/Soutenance_Groupe25.pptx
@@ -9,10 +9,10 @@
     <p:sldMasterId id="2147483672" r:id="rId5"/>
   </p:sldMasterIdLst>
   <p:notesMasterIdLst>
-    <p:notesMasterId r:id="rId38"/>
+    <p:notesMasterId r:id="rId36"/>
   </p:notesMasterIdLst>
   <p:handoutMasterIdLst>
-    <p:handoutMasterId r:id="rId39"/>
+    <p:handoutMasterId r:id="rId37"/>
   </p:handoutMasterIdLst>
   <p:sldIdLst>
     <p:sldId id="257" r:id="rId6"/>
@@ -21,32 +21,30 @@
     <p:sldId id="295" r:id="rId9"/>
     <p:sldId id="263" r:id="rId10"/>
     <p:sldId id="264" r:id="rId11"/>
-    <p:sldId id="275" r:id="rId12"/>
-    <p:sldId id="293" r:id="rId13"/>
-    <p:sldId id="265" r:id="rId14"/>
-    <p:sldId id="266" r:id="rId15"/>
-    <p:sldId id="277" r:id="rId16"/>
-    <p:sldId id="278" r:id="rId17"/>
-    <p:sldId id="267" r:id="rId18"/>
-    <p:sldId id="301" r:id="rId19"/>
-    <p:sldId id="302" r:id="rId20"/>
-    <p:sldId id="303" r:id="rId21"/>
-    <p:sldId id="304" r:id="rId22"/>
-    <p:sldId id="305" r:id="rId23"/>
-    <p:sldId id="269" r:id="rId24"/>
-    <p:sldId id="270" r:id="rId25"/>
-    <p:sldId id="306" r:id="rId26"/>
-    <p:sldId id="307" r:id="rId27"/>
-    <p:sldId id="308" r:id="rId28"/>
-    <p:sldId id="309" r:id="rId29"/>
-    <p:sldId id="285" r:id="rId30"/>
-    <p:sldId id="310" r:id="rId31"/>
-    <p:sldId id="272" r:id="rId32"/>
-    <p:sldId id="271" r:id="rId33"/>
-    <p:sldId id="297" r:id="rId34"/>
-    <p:sldId id="261" r:id="rId35"/>
-    <p:sldId id="273" r:id="rId36"/>
-    <p:sldId id="274" r:id="rId37"/>
+    <p:sldId id="311" r:id="rId12"/>
+    <p:sldId id="265" r:id="rId13"/>
+    <p:sldId id="266" r:id="rId14"/>
+    <p:sldId id="277" r:id="rId15"/>
+    <p:sldId id="278" r:id="rId16"/>
+    <p:sldId id="267" r:id="rId17"/>
+    <p:sldId id="301" r:id="rId18"/>
+    <p:sldId id="302" r:id="rId19"/>
+    <p:sldId id="303" r:id="rId20"/>
+    <p:sldId id="304" r:id="rId21"/>
+    <p:sldId id="269" r:id="rId22"/>
+    <p:sldId id="270" r:id="rId23"/>
+    <p:sldId id="306" r:id="rId24"/>
+    <p:sldId id="307" r:id="rId25"/>
+    <p:sldId id="308" r:id="rId26"/>
+    <p:sldId id="309" r:id="rId27"/>
+    <p:sldId id="285" r:id="rId28"/>
+    <p:sldId id="310" r:id="rId29"/>
+    <p:sldId id="272" r:id="rId30"/>
+    <p:sldId id="271" r:id="rId31"/>
+    <p:sldId id="297" r:id="rId32"/>
+    <p:sldId id="261" r:id="rId33"/>
+    <p:sldId id="273" r:id="rId34"/>
+    <p:sldId id="274" r:id="rId35"/>
   </p:sldIdLst>
   <p:sldSz cx="12192000" cy="6858000"/>
   <p:notesSz cx="6858000" cy="9144000"/>
@@ -151,6 +149,5079 @@
     </p:ext>
   </p:extLst>
 </p:presentation>
+</file>
+
+<file path=ppt/diagrams/colors1.xml><?xml version="1.0" encoding="utf-8"?>
+<dgm:colorsDef xmlns:dgm="http://schemas.openxmlformats.org/drawingml/2006/diagram" xmlns:a="http://schemas.openxmlformats.org/drawingml/2006/main" uniqueId="urn:microsoft.com/office/officeart/2005/8/colors/accent0_3">
+  <dgm:title val=""/>
+  <dgm:desc val=""/>
+  <dgm:catLst>
+    <dgm:cat type="mainScheme" pri="10300"/>
+  </dgm:catLst>
+  <dgm:styleLbl name="node0">
+    <dgm:fillClrLst meth="repeat">
+      <a:schemeClr val="dk2"/>
+    </dgm:fillClrLst>
+    <dgm:linClrLst meth="repeat">
+      <a:schemeClr val="lt2"/>
+    </dgm:linClrLst>
+    <dgm:effectClrLst/>
+    <dgm:txLinClrLst/>
+    <dgm:txFillClrLst/>
+    <dgm:txEffectClrLst/>
+  </dgm:styleLbl>
+  <dgm:styleLbl name="alignNode1">
+    <dgm:fillClrLst meth="repeat">
+      <a:schemeClr val="dk2"/>
+    </dgm:fillClrLst>
+    <dgm:linClrLst meth="repeat">
+      <a:schemeClr val="dk2"/>
+    </dgm:linClrLst>
+    <dgm:effectClrLst/>
+    <dgm:txLinClrLst/>
+    <dgm:txFillClrLst/>
+    <dgm:txEffectClrLst/>
+  </dgm:styleLbl>
+  <dgm:styleLbl name="node1">
+    <dgm:fillClrLst meth="repeat">
+      <a:schemeClr val="dk2"/>
+    </dgm:fillClrLst>
+    <dgm:linClrLst meth="repeat">
+      <a:schemeClr val="lt2"/>
+    </dgm:linClrLst>
+    <dgm:effectClrLst/>
+    <dgm:txLinClrLst/>
+    <dgm:txFillClrLst/>
+    <dgm:txEffectClrLst/>
+  </dgm:styleLbl>
+  <dgm:styleLbl name="lnNode1">
+    <dgm:fillClrLst meth="repeat">
+      <a:schemeClr val="dk2"/>
+    </dgm:fillClrLst>
+    <dgm:linClrLst meth="repeat">
+      <a:schemeClr val="lt2"/>
+    </dgm:linClrLst>
+    <dgm:effectClrLst/>
+    <dgm:txLinClrLst/>
+    <dgm:txFillClrLst/>
+    <dgm:txEffectClrLst/>
+  </dgm:styleLbl>
+  <dgm:styleLbl name="vennNode1">
+    <dgm:fillClrLst meth="repeat">
+      <a:schemeClr val="dk2">
+        <a:alpha val="50000"/>
+      </a:schemeClr>
+    </dgm:fillClrLst>
+    <dgm:linClrLst meth="repeat">
+      <a:schemeClr val="lt2"/>
+    </dgm:linClrLst>
+    <dgm:effectClrLst/>
+    <dgm:txLinClrLst/>
+    <dgm:txFillClrLst/>
+    <dgm:txEffectClrLst/>
+  </dgm:styleLbl>
+  <dgm:styleLbl name="node2">
+    <dgm:fillClrLst meth="repeat">
+      <a:schemeClr val="dk2"/>
+    </dgm:fillClrLst>
+    <dgm:linClrLst meth="repeat">
+      <a:schemeClr val="lt2"/>
+    </dgm:linClrLst>
+    <dgm:effectClrLst/>
+    <dgm:txLinClrLst/>
+    <dgm:txFillClrLst/>
+    <dgm:txEffectClrLst/>
+  </dgm:styleLbl>
+  <dgm:styleLbl name="node3">
+    <dgm:fillClrLst meth="repeat">
+      <a:schemeClr val="dk2"/>
+    </dgm:fillClrLst>
+    <dgm:linClrLst meth="repeat">
+      <a:schemeClr val="lt2"/>
+    </dgm:linClrLst>
+    <dgm:effectClrLst/>
+    <dgm:txLinClrLst/>
+    <dgm:txFillClrLst/>
+    <dgm:txEffectClrLst/>
+  </dgm:styleLbl>
+  <dgm:styleLbl name="node4">
+    <dgm:fillClrLst meth="repeat">
+      <a:schemeClr val="dk2"/>
+    </dgm:fillClrLst>
+    <dgm:linClrLst meth="repeat">
+      <a:schemeClr val="lt2"/>
+    </dgm:linClrLst>
+    <dgm:effectClrLst/>
+    <dgm:txLinClrLst/>
+    <dgm:txFillClrLst/>
+    <dgm:txEffectClrLst/>
+  </dgm:styleLbl>
+  <dgm:styleLbl name="fgImgPlace1">
+    <dgm:fillClrLst meth="repeat">
+      <a:schemeClr val="dk2">
+        <a:tint val="50000"/>
+      </a:schemeClr>
+    </dgm:fillClrLst>
+    <dgm:linClrLst meth="repeat">
+      <a:schemeClr val="lt2"/>
+    </dgm:linClrLst>
+    <dgm:effectClrLst/>
+    <dgm:txLinClrLst/>
+    <dgm:txFillClrLst meth="repeat">
+      <a:schemeClr val="lt2"/>
+    </dgm:txFillClrLst>
+    <dgm:txEffectClrLst/>
+  </dgm:styleLbl>
+  <dgm:styleLbl name="alignImgPlace1">
+    <dgm:fillClrLst meth="repeat">
+      <a:schemeClr val="dk2">
+        <a:tint val="50000"/>
+      </a:schemeClr>
+    </dgm:fillClrLst>
+    <dgm:linClrLst meth="repeat">
+      <a:schemeClr val="dk2">
+        <a:shade val="80000"/>
+      </a:schemeClr>
+    </dgm:linClrLst>
+    <dgm:effectClrLst/>
+    <dgm:txLinClrLst/>
+    <dgm:txFillClrLst meth="repeat">
+      <a:schemeClr val="lt2"/>
+    </dgm:txFillClrLst>
+    <dgm:txEffectClrLst/>
+  </dgm:styleLbl>
+  <dgm:styleLbl name="bgImgPlace1">
+    <dgm:fillClrLst meth="repeat">
+      <a:schemeClr val="dk2">
+        <a:tint val="50000"/>
+      </a:schemeClr>
+    </dgm:fillClrLst>
+    <dgm:linClrLst meth="repeat">
+      <a:schemeClr val="dk2">
+        <a:shade val="80000"/>
+      </a:schemeClr>
+    </dgm:linClrLst>
+    <dgm:effectClrLst/>
+    <dgm:txLinClrLst/>
+    <dgm:txFillClrLst meth="repeat">
+      <a:schemeClr val="lt2"/>
+    </dgm:txFillClrLst>
+    <dgm:txEffectClrLst/>
+  </dgm:styleLbl>
+  <dgm:styleLbl name="sibTrans2D1">
+    <dgm:fillClrLst meth="repeat">
+      <a:schemeClr val="dk2">
+        <a:tint val="60000"/>
+      </a:schemeClr>
+    </dgm:fillClrLst>
+    <dgm:linClrLst meth="repeat">
+      <a:schemeClr val="dk2">
+        <a:tint val="60000"/>
+      </a:schemeClr>
+    </dgm:linClrLst>
+    <dgm:effectClrLst/>
+    <dgm:txLinClrLst/>
+    <dgm:txFillClrLst/>
+    <dgm:txEffectClrLst/>
+  </dgm:styleLbl>
+  <dgm:styleLbl name="fgSibTrans2D1">
+    <dgm:fillClrLst meth="repeat">
+      <a:schemeClr val="dk2">
+        <a:tint val="60000"/>
+      </a:schemeClr>
+    </dgm:fillClrLst>
+    <dgm:linClrLst meth="repeat">
+      <a:schemeClr val="dk2">
+        <a:tint val="60000"/>
+      </a:schemeClr>
+    </dgm:linClrLst>
+    <dgm:effectClrLst/>
+    <dgm:txLinClrLst/>
+    <dgm:txFillClrLst/>
+    <dgm:txEffectClrLst/>
+  </dgm:styleLbl>
+  <dgm:styleLbl name="bgSibTrans2D1">
+    <dgm:fillClrLst meth="repeat">
+      <a:schemeClr val="dk2">
+        <a:tint val="60000"/>
+      </a:schemeClr>
+    </dgm:fillClrLst>
+    <dgm:linClrLst meth="repeat">
+      <a:schemeClr val="dk2">
+        <a:tint val="60000"/>
+      </a:schemeClr>
+    </dgm:linClrLst>
+    <dgm:effectClrLst/>
+    <dgm:txLinClrLst/>
+    <dgm:txFillClrLst/>
+    <dgm:txEffectClrLst/>
+  </dgm:styleLbl>
+  <dgm:styleLbl name="sibTrans1D1">
+    <dgm:fillClrLst meth="repeat">
+      <a:schemeClr val="dk2"/>
+    </dgm:fillClrLst>
+    <dgm:linClrLst meth="repeat">
+      <a:schemeClr val="dk2"/>
+    </dgm:linClrLst>
+    <dgm:effectClrLst/>
+    <dgm:txLinClrLst/>
+    <dgm:txFillClrLst meth="repeat">
+      <a:schemeClr val="lt2"/>
+    </dgm:txFillClrLst>
+    <dgm:txEffectClrLst/>
+  </dgm:styleLbl>
+  <dgm:styleLbl name="callout">
+    <dgm:fillClrLst meth="repeat">
+      <a:schemeClr val="dk2"/>
+    </dgm:fillClrLst>
+    <dgm:linClrLst meth="repeat">
+      <a:schemeClr val="dk2">
+        <a:tint val="50000"/>
+      </a:schemeClr>
+    </dgm:linClrLst>
+    <dgm:effectClrLst/>
+    <dgm:txLinClrLst/>
+    <dgm:txFillClrLst meth="repeat">
+      <a:schemeClr val="lt2"/>
+    </dgm:txFillClrLst>
+    <dgm:txEffectClrLst/>
+  </dgm:styleLbl>
+  <dgm:styleLbl name="asst0">
+    <dgm:fillClrLst meth="repeat">
+      <a:schemeClr val="dk2"/>
+    </dgm:fillClrLst>
+    <dgm:linClrLst meth="repeat">
+      <a:schemeClr val="lt2"/>
+    </dgm:linClrLst>
+    <dgm:effectClrLst/>
+    <dgm:txLinClrLst/>
+    <dgm:txFillClrLst/>
+    <dgm:txEffectClrLst/>
+  </dgm:styleLbl>
+  <dgm:styleLbl name="asst1">
+    <dgm:fillClrLst meth="repeat">
+      <a:schemeClr val="dk2"/>
+    </dgm:fillClrLst>
+    <dgm:linClrLst meth="repeat">
+      <a:schemeClr val="lt2"/>
+    </dgm:linClrLst>
+    <dgm:effectClrLst/>
+    <dgm:txLinClrLst/>
+    <dgm:txFillClrLst/>
+    <dgm:txEffectClrLst/>
+  </dgm:styleLbl>
+  <dgm:styleLbl name="asst2">
+    <dgm:fillClrLst meth="repeat">
+      <a:schemeClr val="dk2"/>
+    </dgm:fillClrLst>
+    <dgm:linClrLst meth="repeat">
+      <a:schemeClr val="lt2"/>
+    </dgm:linClrLst>
+    <dgm:effectClrLst/>
+    <dgm:txLinClrLst/>
+    <dgm:txFillClrLst/>
+    <dgm:txEffectClrLst/>
+  </dgm:styleLbl>
+  <dgm:styleLbl name="asst3">
+    <dgm:fillClrLst meth="repeat">
+      <a:schemeClr val="dk2"/>
+    </dgm:fillClrLst>
+    <dgm:linClrLst meth="repeat">
+      <a:schemeClr val="lt2"/>
+    </dgm:linClrLst>
+    <dgm:effectClrLst/>
+    <dgm:txLinClrLst/>
+    <dgm:txFillClrLst/>
+    <dgm:txEffectClrLst/>
+  </dgm:styleLbl>
+  <dgm:styleLbl name="asst4">
+    <dgm:fillClrLst meth="repeat">
+      <a:schemeClr val="dk2"/>
+    </dgm:fillClrLst>
+    <dgm:linClrLst meth="repeat">
+      <a:schemeClr val="lt2"/>
+    </dgm:linClrLst>
+    <dgm:effectClrLst/>
+    <dgm:txLinClrLst/>
+    <dgm:txFillClrLst/>
+    <dgm:txEffectClrLst/>
+  </dgm:styleLbl>
+  <dgm:styleLbl name="parChTrans2D1">
+    <dgm:fillClrLst meth="repeat">
+      <a:schemeClr val="dk2">
+        <a:tint val="60000"/>
+      </a:schemeClr>
+    </dgm:fillClrLst>
+    <dgm:linClrLst meth="repeat">
+      <a:schemeClr val="dk2">
+        <a:tint val="60000"/>
+      </a:schemeClr>
+    </dgm:linClrLst>
+    <dgm:effectClrLst/>
+    <dgm:txLinClrLst/>
+    <dgm:txFillClrLst meth="repeat">
+      <a:schemeClr val="lt2"/>
+    </dgm:txFillClrLst>
+    <dgm:txEffectClrLst/>
+  </dgm:styleLbl>
+  <dgm:styleLbl name="parChTrans2D2">
+    <dgm:fillClrLst meth="repeat">
+      <a:schemeClr val="dk2"/>
+    </dgm:fillClrLst>
+    <dgm:linClrLst meth="repeat">
+      <a:schemeClr val="dk2"/>
+    </dgm:linClrLst>
+    <dgm:effectClrLst/>
+    <dgm:txLinClrLst/>
+    <dgm:txFillClrLst meth="repeat">
+      <a:schemeClr val="lt2"/>
+    </dgm:txFillClrLst>
+    <dgm:txEffectClrLst/>
+  </dgm:styleLbl>
+  <dgm:styleLbl name="parChTrans2D3">
+    <dgm:fillClrLst meth="repeat">
+      <a:schemeClr val="dk2"/>
+    </dgm:fillClrLst>
+    <dgm:linClrLst meth="repeat">
+      <a:schemeClr val="dk2"/>
+    </dgm:linClrLst>
+    <dgm:effectClrLst/>
+    <dgm:txLinClrLst/>
+    <dgm:txFillClrLst meth="repeat">
+      <a:schemeClr val="lt2"/>
+    </dgm:txFillClrLst>
+    <dgm:txEffectClrLst/>
+  </dgm:styleLbl>
+  <dgm:styleLbl name="parChTrans2D4">
+    <dgm:fillClrLst meth="repeat">
+      <a:schemeClr val="dk2"/>
+    </dgm:fillClrLst>
+    <dgm:linClrLst meth="repeat">
+      <a:schemeClr val="dk2"/>
+    </dgm:linClrLst>
+    <dgm:effectClrLst/>
+    <dgm:txLinClrLst/>
+    <dgm:txFillClrLst meth="repeat">
+      <a:schemeClr val="lt2"/>
+    </dgm:txFillClrLst>
+    <dgm:txEffectClrLst/>
+  </dgm:styleLbl>
+  <dgm:styleLbl name="parChTrans1D1">
+    <dgm:fillClrLst meth="repeat">
+      <a:schemeClr val="dk2"/>
+    </dgm:fillClrLst>
+    <dgm:linClrLst meth="repeat">
+      <a:schemeClr val="dk2">
+        <a:shade val="60000"/>
+      </a:schemeClr>
+    </dgm:linClrLst>
+    <dgm:effectClrLst/>
+    <dgm:txLinClrLst/>
+    <dgm:txFillClrLst meth="repeat">
+      <a:schemeClr val="tx1"/>
+    </dgm:txFillClrLst>
+    <dgm:txEffectClrLst/>
+  </dgm:styleLbl>
+  <dgm:styleLbl name="parChTrans1D2">
+    <dgm:fillClrLst meth="repeat">
+      <a:schemeClr val="dk2"/>
+    </dgm:fillClrLst>
+    <dgm:linClrLst meth="repeat">
+      <a:schemeClr val="dk2">
+        <a:shade val="60000"/>
+      </a:schemeClr>
+    </dgm:linClrLst>
+    <dgm:effectClrLst/>
+    <dgm:txLinClrLst/>
+    <dgm:txFillClrLst meth="repeat">
+      <a:schemeClr val="tx1"/>
+    </dgm:txFillClrLst>
+    <dgm:txEffectClrLst/>
+  </dgm:styleLbl>
+  <dgm:styleLbl name="parChTrans1D3">
+    <dgm:fillClrLst meth="repeat">
+      <a:schemeClr val="dk2"/>
+    </dgm:fillClrLst>
+    <dgm:linClrLst meth="repeat">
+      <a:schemeClr val="dk2">
+        <a:shade val="80000"/>
+      </a:schemeClr>
+    </dgm:linClrLst>
+    <dgm:effectClrLst/>
+    <dgm:txLinClrLst/>
+    <dgm:txFillClrLst meth="repeat">
+      <a:schemeClr val="tx1"/>
+    </dgm:txFillClrLst>
+    <dgm:txEffectClrLst/>
+  </dgm:styleLbl>
+  <dgm:styleLbl name="parChTrans1D4">
+    <dgm:fillClrLst meth="repeat">
+      <a:schemeClr val="dk2"/>
+    </dgm:fillClrLst>
+    <dgm:linClrLst meth="repeat">
+      <a:schemeClr val="dk2">
+        <a:shade val="80000"/>
+      </a:schemeClr>
+    </dgm:linClrLst>
+    <dgm:effectClrLst/>
+    <dgm:txLinClrLst/>
+    <dgm:txFillClrLst meth="repeat">
+      <a:schemeClr val="tx1"/>
+    </dgm:txFillClrLst>
+    <dgm:txEffectClrLst/>
+  </dgm:styleLbl>
+  <dgm:styleLbl name="fgAcc1">
+    <dgm:fillClrLst meth="repeat">
+      <a:schemeClr val="lt2">
+        <a:alpha val="90000"/>
+      </a:schemeClr>
+    </dgm:fillClrLst>
+    <dgm:linClrLst meth="repeat">
+      <a:schemeClr val="dk2"/>
+    </dgm:linClrLst>
+    <dgm:effectClrLst/>
+    <dgm:txLinClrLst/>
+    <dgm:txFillClrLst meth="repeat">
+      <a:schemeClr val="dk1"/>
+    </dgm:txFillClrLst>
+    <dgm:txEffectClrLst/>
+  </dgm:styleLbl>
+  <dgm:styleLbl name="conFgAcc1">
+    <dgm:fillClrLst meth="repeat">
+      <a:schemeClr val="lt2">
+        <a:alpha val="90000"/>
+      </a:schemeClr>
+    </dgm:fillClrLst>
+    <dgm:linClrLst meth="repeat">
+      <a:schemeClr val="dk2"/>
+    </dgm:linClrLst>
+    <dgm:effectClrLst/>
+    <dgm:txLinClrLst/>
+    <dgm:txFillClrLst meth="repeat">
+      <a:schemeClr val="dk1"/>
+    </dgm:txFillClrLst>
+    <dgm:txEffectClrLst/>
+  </dgm:styleLbl>
+  <dgm:styleLbl name="alignAcc1">
+    <dgm:fillClrLst meth="repeat">
+      <a:schemeClr val="lt2">
+        <a:alpha val="90000"/>
+      </a:schemeClr>
+    </dgm:fillClrLst>
+    <dgm:linClrLst meth="repeat">
+      <a:schemeClr val="dk2"/>
+    </dgm:linClrLst>
+    <dgm:effectClrLst/>
+    <dgm:txLinClrLst/>
+    <dgm:txFillClrLst meth="repeat">
+      <a:schemeClr val="dk1"/>
+    </dgm:txFillClrLst>
+    <dgm:txEffectClrLst/>
+  </dgm:styleLbl>
+  <dgm:styleLbl name="trAlignAcc1">
+    <dgm:fillClrLst meth="repeat">
+      <a:schemeClr val="lt2">
+        <a:alpha val="40000"/>
+      </a:schemeClr>
+    </dgm:fillClrLst>
+    <dgm:linClrLst meth="repeat">
+      <a:schemeClr val="dk2"/>
+    </dgm:linClrLst>
+    <dgm:effectClrLst/>
+    <dgm:txLinClrLst/>
+    <dgm:txFillClrLst meth="repeat">
+      <a:schemeClr val="dk1"/>
+    </dgm:txFillClrLst>
+    <dgm:txEffectClrLst/>
+  </dgm:styleLbl>
+  <dgm:styleLbl name="bgAcc1">
+    <dgm:fillClrLst meth="repeat">
+      <a:schemeClr val="lt2">
+        <a:alpha val="90000"/>
+      </a:schemeClr>
+    </dgm:fillClrLst>
+    <dgm:linClrLst meth="repeat">
+      <a:schemeClr val="dk2"/>
+    </dgm:linClrLst>
+    <dgm:effectClrLst/>
+    <dgm:txLinClrLst/>
+    <dgm:txFillClrLst meth="repeat">
+      <a:schemeClr val="dk1"/>
+    </dgm:txFillClrLst>
+    <dgm:txEffectClrLst/>
+  </dgm:styleLbl>
+  <dgm:styleLbl name="solidFgAcc1">
+    <dgm:fillClrLst meth="repeat">
+      <a:schemeClr val="lt2"/>
+    </dgm:fillClrLst>
+    <dgm:linClrLst meth="repeat">
+      <a:schemeClr val="dk2"/>
+    </dgm:linClrLst>
+    <dgm:effectClrLst/>
+    <dgm:txLinClrLst/>
+    <dgm:txFillClrLst meth="repeat">
+      <a:schemeClr val="dk1"/>
+    </dgm:txFillClrLst>
+    <dgm:txEffectClrLst/>
+  </dgm:styleLbl>
+  <dgm:styleLbl name="solidAlignAcc1">
+    <dgm:fillClrLst meth="repeat">
+      <a:schemeClr val="lt2"/>
+    </dgm:fillClrLst>
+    <dgm:linClrLst meth="repeat">
+      <a:schemeClr val="dk2"/>
+    </dgm:linClrLst>
+    <dgm:effectClrLst/>
+    <dgm:txLinClrLst/>
+    <dgm:txFillClrLst meth="repeat">
+      <a:schemeClr val="dk1"/>
+    </dgm:txFillClrLst>
+    <dgm:txEffectClrLst/>
+  </dgm:styleLbl>
+  <dgm:styleLbl name="solidBgAcc1">
+    <dgm:fillClrLst meth="repeat">
+      <a:schemeClr val="lt2"/>
+    </dgm:fillClrLst>
+    <dgm:linClrLst meth="repeat">
+      <a:schemeClr val="dk2"/>
+    </dgm:linClrLst>
+    <dgm:effectClrLst/>
+    <dgm:txLinClrLst/>
+    <dgm:txFillClrLst meth="repeat">
+      <a:schemeClr val="dk1"/>
+    </dgm:txFillClrLst>
+    <dgm:txEffectClrLst/>
+  </dgm:styleLbl>
+  <dgm:styleLbl name="fgAccFollowNode1">
+    <dgm:fillClrLst meth="repeat">
+      <a:schemeClr val="dk2">
+        <a:alpha val="90000"/>
+        <a:tint val="40000"/>
+      </a:schemeClr>
+    </dgm:fillClrLst>
+    <dgm:linClrLst meth="repeat">
+      <a:schemeClr val="dk2">
+        <a:alpha val="90000"/>
+        <a:tint val="40000"/>
+      </a:schemeClr>
+    </dgm:linClrLst>
+    <dgm:effectClrLst/>
+    <dgm:txLinClrLst/>
+    <dgm:txFillClrLst meth="repeat">
+      <a:schemeClr val="dk1"/>
+    </dgm:txFillClrLst>
+    <dgm:txEffectClrLst/>
+  </dgm:styleLbl>
+  <dgm:styleLbl name="alignAccFollowNode1">
+    <dgm:fillClrLst meth="repeat">
+      <a:schemeClr val="dk2">
+        <a:alpha val="90000"/>
+        <a:tint val="40000"/>
+      </a:schemeClr>
+    </dgm:fillClrLst>
+    <dgm:linClrLst meth="repeat">
+      <a:schemeClr val="dk2">
+        <a:alpha val="90000"/>
+        <a:tint val="40000"/>
+      </a:schemeClr>
+    </dgm:linClrLst>
+    <dgm:effectClrLst/>
+    <dgm:txLinClrLst/>
+    <dgm:txFillClrLst meth="repeat">
+      <a:schemeClr val="dk1"/>
+    </dgm:txFillClrLst>
+    <dgm:txEffectClrLst/>
+  </dgm:styleLbl>
+  <dgm:styleLbl name="bgAccFollowNode1">
+    <dgm:fillClrLst meth="repeat">
+      <a:schemeClr val="dk2">
+        <a:alpha val="90000"/>
+        <a:tint val="40000"/>
+      </a:schemeClr>
+    </dgm:fillClrLst>
+    <dgm:linClrLst meth="repeat">
+      <a:schemeClr val="dk2">
+        <a:alpha val="90000"/>
+        <a:tint val="40000"/>
+      </a:schemeClr>
+    </dgm:linClrLst>
+    <dgm:effectClrLst/>
+    <dgm:txLinClrLst/>
+    <dgm:txFillClrLst meth="repeat">
+      <a:schemeClr val="dk1"/>
+    </dgm:txFillClrLst>
+    <dgm:txEffectClrLst/>
+  </dgm:styleLbl>
+  <dgm:styleLbl name="fgAcc0">
+    <dgm:fillClrLst meth="repeat">
+      <a:schemeClr val="lt2">
+        <a:alpha val="90000"/>
+      </a:schemeClr>
+    </dgm:fillClrLst>
+    <dgm:linClrLst meth="repeat">
+      <a:schemeClr val="dk2"/>
+    </dgm:linClrLst>
+    <dgm:effectClrLst/>
+    <dgm:txLinClrLst/>
+    <dgm:txFillClrLst meth="repeat">
+      <a:schemeClr val="dk1"/>
+    </dgm:txFillClrLst>
+    <dgm:txEffectClrLst/>
+  </dgm:styleLbl>
+  <dgm:styleLbl name="fgAcc2">
+    <dgm:fillClrLst meth="repeat">
+      <a:schemeClr val="lt2">
+        <a:alpha val="90000"/>
+      </a:schemeClr>
+    </dgm:fillClrLst>
+    <dgm:linClrLst meth="repeat">
+      <a:schemeClr val="dk2"/>
+    </dgm:linClrLst>
+    <dgm:effectClrLst/>
+    <dgm:txLinClrLst/>
+    <dgm:txFillClrLst meth="repeat">
+      <a:schemeClr val="dk1"/>
+    </dgm:txFillClrLst>
+    <dgm:txEffectClrLst/>
+  </dgm:styleLbl>
+  <dgm:styleLbl name="fgAcc3">
+    <dgm:fillClrLst meth="repeat">
+      <a:schemeClr val="lt2">
+        <a:alpha val="90000"/>
+      </a:schemeClr>
+    </dgm:fillClrLst>
+    <dgm:linClrLst meth="repeat">
+      <a:schemeClr val="dk2"/>
+    </dgm:linClrLst>
+    <dgm:effectClrLst/>
+    <dgm:txLinClrLst/>
+    <dgm:txFillClrLst meth="repeat">
+      <a:schemeClr val="dk1"/>
+    </dgm:txFillClrLst>
+    <dgm:txEffectClrLst/>
+  </dgm:styleLbl>
+  <dgm:styleLbl name="fgAcc4">
+    <dgm:fillClrLst meth="repeat">
+      <a:schemeClr val="lt2">
+        <a:alpha val="90000"/>
+      </a:schemeClr>
+    </dgm:fillClrLst>
+    <dgm:linClrLst meth="repeat">
+      <a:schemeClr val="dk2"/>
+    </dgm:linClrLst>
+    <dgm:effectClrLst/>
+    <dgm:txLinClrLst/>
+    <dgm:txFillClrLst meth="repeat">
+      <a:schemeClr val="dk1"/>
+    </dgm:txFillClrLst>
+    <dgm:txEffectClrLst/>
+  </dgm:styleLbl>
+  <dgm:styleLbl name="bgShp">
+    <dgm:fillClrLst meth="repeat">
+      <a:schemeClr val="dk2">
+        <a:tint val="40000"/>
+      </a:schemeClr>
+    </dgm:fillClrLst>
+    <dgm:linClrLst meth="repeat">
+      <a:schemeClr val="dk2"/>
+    </dgm:linClrLst>
+    <dgm:effectClrLst/>
+    <dgm:txLinClrLst/>
+    <dgm:txFillClrLst meth="repeat">
+      <a:schemeClr val="dk1"/>
+    </dgm:txFillClrLst>
+    <dgm:txEffectClrLst/>
+  </dgm:styleLbl>
+  <dgm:styleLbl name="dkBgShp">
+    <dgm:fillClrLst meth="repeat">
+      <a:schemeClr val="dk2">
+        <a:shade val="80000"/>
+      </a:schemeClr>
+    </dgm:fillClrLst>
+    <dgm:linClrLst meth="repeat">
+      <a:schemeClr val="dk2"/>
+    </dgm:linClrLst>
+    <dgm:effectClrLst/>
+    <dgm:txLinClrLst/>
+    <dgm:txFillClrLst meth="repeat">
+      <a:schemeClr val="lt1"/>
+    </dgm:txFillClrLst>
+    <dgm:txEffectClrLst/>
+  </dgm:styleLbl>
+  <dgm:styleLbl name="trBgShp">
+    <dgm:fillClrLst meth="repeat">
+      <a:schemeClr val="dk2">
+        <a:tint val="50000"/>
+        <a:alpha val="40000"/>
+      </a:schemeClr>
+    </dgm:fillClrLst>
+    <dgm:linClrLst meth="repeat">
+      <a:schemeClr val="dk2"/>
+    </dgm:linClrLst>
+    <dgm:effectClrLst/>
+    <dgm:txLinClrLst/>
+    <dgm:txFillClrLst meth="repeat">
+      <a:schemeClr val="lt1"/>
+    </dgm:txFillClrLst>
+    <dgm:txEffectClrLst/>
+  </dgm:styleLbl>
+  <dgm:styleLbl name="fgShp">
+    <dgm:fillClrLst meth="repeat">
+      <a:schemeClr val="dk2">
+        <a:tint val="60000"/>
+      </a:schemeClr>
+    </dgm:fillClrLst>
+    <dgm:linClrLst meth="repeat">
+      <a:schemeClr val="lt2"/>
+    </dgm:linClrLst>
+    <dgm:effectClrLst/>
+    <dgm:txLinClrLst/>
+    <dgm:txFillClrLst meth="repeat">
+      <a:schemeClr val="dk1"/>
+    </dgm:txFillClrLst>
+    <dgm:txEffectClrLst/>
+  </dgm:styleLbl>
+  <dgm:styleLbl name="revTx">
+    <dgm:fillClrLst meth="repeat">
+      <a:schemeClr val="lt2">
+        <a:alpha val="0"/>
+      </a:schemeClr>
+    </dgm:fillClrLst>
+    <dgm:linClrLst meth="repeat">
+      <a:schemeClr val="dk1">
+        <a:alpha val="0"/>
+      </a:schemeClr>
+    </dgm:linClrLst>
+    <dgm:effectClrLst/>
+    <dgm:txLinClrLst/>
+    <dgm:txFillClrLst meth="repeat">
+      <a:schemeClr val="tx1"/>
+    </dgm:txFillClrLst>
+    <dgm:txEffectClrLst/>
+  </dgm:styleLbl>
+</dgm:colorsDef>
+</file>
+
+<file path=ppt/diagrams/data1.xml><?xml version="1.0" encoding="utf-8"?>
+<dgm:dataModel xmlns:dgm="http://schemas.openxmlformats.org/drawingml/2006/diagram" xmlns:a="http://schemas.openxmlformats.org/drawingml/2006/main">
+  <dgm:ptLst>
+    <dgm:pt modelId="{77C59D43-B1D3-4903-AD92-7A518494E882}" type="doc">
+      <dgm:prSet loTypeId="urn:microsoft.com/office/officeart/2008/layout/NameandTitleOrganizationalChart" loCatId="hierarchy" qsTypeId="urn:microsoft.com/office/officeart/2005/8/quickstyle/simple1" qsCatId="simple" csTypeId="urn:microsoft.com/office/officeart/2005/8/colors/accent0_3" csCatId="mainScheme" phldr="1"/>
+      <dgm:spPr/>
+      <dgm:t>
+        <a:bodyPr/>
+        <a:lstStyle/>
+        <a:p>
+          <a:endParaRPr lang="fr-FR"/>
+        </a:p>
+      </dgm:t>
+    </dgm:pt>
+    <dgm:pt modelId="{0E940499-8913-4F10-9CD8-4E29070D6C7A}">
+      <dgm:prSet phldrT="[Text]" custT="1"/>
+      <dgm:spPr/>
+      <dgm:t>
+        <a:bodyPr/>
+        <a:lstStyle/>
+        <a:p>
+          <a:r>
+            <a:rPr lang="fr-FR" sz="1800" dirty="0">
+              <a:latin typeface="Gill Sans MT" panose="020B0502020104020203" pitchFamily="34" charset="0"/>
+            </a:rPr>
+            <a:t>RECOURS AUX SOINS</a:t>
+          </a:r>
+        </a:p>
+      </dgm:t>
+    </dgm:pt>
+    <dgm:pt modelId="{E0914F03-BE3A-418A-98C6-606238C16723}" type="parTrans" cxnId="{6FA7DAA3-7B76-4DEF-952E-E8E86D7EB3E8}">
+      <dgm:prSet/>
+      <dgm:spPr/>
+      <dgm:t>
+        <a:bodyPr/>
+        <a:lstStyle/>
+        <a:p>
+          <a:endParaRPr lang="fr-FR" sz="1100">
+            <a:latin typeface="Gill Sans MT" panose="020B0502020104020203" pitchFamily="34" charset="0"/>
+          </a:endParaRPr>
+        </a:p>
+      </dgm:t>
+    </dgm:pt>
+    <dgm:pt modelId="{AA4216D6-60A1-4928-B240-AFBD3AD4E419}" type="sibTrans" cxnId="{6FA7DAA3-7B76-4DEF-952E-E8E86D7EB3E8}">
+      <dgm:prSet custT="1"/>
+      <dgm:spPr>
+        <a:noFill/>
+        <a:ln>
+          <a:noFill/>
+        </a:ln>
+      </dgm:spPr>
+      <dgm:t>
+        <a:bodyPr/>
+        <a:lstStyle/>
+        <a:p>
+          <a:endParaRPr lang="fr-FR" sz="1100" dirty="0">
+            <a:latin typeface="Gill Sans MT" panose="020B0502020104020203" pitchFamily="34" charset="0"/>
+          </a:endParaRPr>
+        </a:p>
+      </dgm:t>
+    </dgm:pt>
+    <dgm:pt modelId="{F30E1AEC-B86D-402F-9383-B2C2CEA9D59A}">
+      <dgm:prSet phldrT="[Text]" custT="1"/>
+      <dgm:spPr/>
+      <dgm:t>
+        <a:bodyPr/>
+        <a:lstStyle/>
+        <a:p>
+          <a:r>
+            <a:rPr lang="fr-FR" sz="1100" b="1" dirty="0">
+              <a:latin typeface="Gill Sans MT" panose="020B0502020104020203" pitchFamily="34" charset="0"/>
+            </a:rPr>
+            <a:t>↑ 65-79 ans (chroniques)</a:t>
+          </a:r>
+          <a:br>
+            <a:rPr lang="fr-FR" sz="1100" b="1" dirty="0">
+              <a:latin typeface="Gill Sans MT" panose="020B0502020104020203" pitchFamily="34" charset="0"/>
+            </a:rPr>
+          </a:br>
+          <a:br>
+            <a:rPr lang="fr-FR" sz="1100" b="1" dirty="0">
+              <a:latin typeface="Gill Sans MT" panose="020B0502020104020203" pitchFamily="34" charset="0"/>
+            </a:rPr>
+          </a:br>
+          <a:r>
+            <a:rPr lang="fr-FR" sz="1100" b="1" dirty="0">
+              <a:latin typeface="Gill Sans MT" panose="020B0502020104020203" pitchFamily="34" charset="0"/>
+            </a:rPr>
+            <a:t>↓ 18-35 ans (sporadiques)</a:t>
+          </a:r>
+          <a:endParaRPr lang="fr-FR" sz="1100" dirty="0">
+            <a:latin typeface="Gill Sans MT" panose="020B0502020104020203" pitchFamily="34" charset="0"/>
+          </a:endParaRPr>
+        </a:p>
+      </dgm:t>
+    </dgm:pt>
+    <dgm:pt modelId="{98537AF9-E238-4C66-8F7C-D97AC50032A5}" type="parTrans" cxnId="{7D44575C-D5E0-4F06-B56A-58866E57E10A}">
+      <dgm:prSet/>
+      <dgm:spPr/>
+      <dgm:t>
+        <a:bodyPr/>
+        <a:lstStyle/>
+        <a:p>
+          <a:endParaRPr lang="fr-FR" sz="1100">
+            <a:latin typeface="Gill Sans MT" panose="020B0502020104020203" pitchFamily="34" charset="0"/>
+          </a:endParaRPr>
+        </a:p>
+      </dgm:t>
+    </dgm:pt>
+    <dgm:pt modelId="{55F9AA80-8E49-4971-87B8-3D4D97E77396}" type="sibTrans" cxnId="{7D44575C-D5E0-4F06-B56A-58866E57E10A}">
+      <dgm:prSet custT="1"/>
+      <dgm:spPr/>
+      <dgm:t>
+        <a:bodyPr/>
+        <a:lstStyle/>
+        <a:p>
+          <a:pPr algn="ctr"/>
+          <a:r>
+            <a:rPr lang="fr-FR" sz="1100" dirty="0">
+              <a:latin typeface="Gill Sans MT" panose="020B0502020104020203" pitchFamily="34" charset="0"/>
+            </a:rPr>
+            <a:t>Age</a:t>
+          </a:r>
+        </a:p>
+      </dgm:t>
+    </dgm:pt>
+    <dgm:pt modelId="{FDF8EDB3-2384-4128-B35B-B42D97D440E1}">
+      <dgm:prSet phldrT="[Text]" custT="1"/>
+      <dgm:spPr/>
+      <dgm:t>
+        <a:bodyPr/>
+        <a:lstStyle/>
+        <a:p>
+          <a:r>
+            <a:rPr lang="fr-FR" sz="1100" b="1" dirty="0">
+              <a:latin typeface="Gill Sans MT" panose="020B0502020104020203" pitchFamily="34" charset="0"/>
+            </a:rPr>
+            <a:t>↑ Revenus Elevés</a:t>
+          </a:r>
+          <a:br>
+            <a:rPr lang="fr-FR" sz="1100" b="1" dirty="0">
+              <a:latin typeface="Gill Sans MT" panose="020B0502020104020203" pitchFamily="34" charset="0"/>
+            </a:rPr>
+          </a:br>
+          <a:br>
+            <a:rPr lang="fr-FR" sz="1100" b="1" dirty="0">
+              <a:latin typeface="Gill Sans MT" panose="020B0502020104020203" pitchFamily="34" charset="0"/>
+            </a:rPr>
+          </a:br>
+          <a:r>
+            <a:rPr lang="fr-FR" sz="1100" b="1" dirty="0">
+              <a:latin typeface="Gill Sans MT" panose="020B0502020104020203" pitchFamily="34" charset="0"/>
+            </a:rPr>
+            <a:t>↓ Précarités (obstacles)</a:t>
+          </a:r>
+          <a:endParaRPr lang="fr-FR" sz="1100" dirty="0">
+            <a:latin typeface="Gill Sans MT" panose="020B0502020104020203" pitchFamily="34" charset="0"/>
+          </a:endParaRPr>
+        </a:p>
+      </dgm:t>
+    </dgm:pt>
+    <dgm:pt modelId="{A1C611FC-D2A1-41EF-A19C-8B65D8E6451E}" type="parTrans" cxnId="{5FA706B8-2B98-46AD-9F85-C62E177DE5A9}">
+      <dgm:prSet/>
+      <dgm:spPr/>
+      <dgm:t>
+        <a:bodyPr/>
+        <a:lstStyle/>
+        <a:p>
+          <a:endParaRPr lang="fr-FR" sz="1100">
+            <a:latin typeface="Gill Sans MT" panose="020B0502020104020203" pitchFamily="34" charset="0"/>
+          </a:endParaRPr>
+        </a:p>
+      </dgm:t>
+    </dgm:pt>
+    <dgm:pt modelId="{BAA45D4F-187F-4A02-9EB1-25E16E2A506F}" type="sibTrans" cxnId="{5FA706B8-2B98-46AD-9F85-C62E177DE5A9}">
+      <dgm:prSet custT="1"/>
+      <dgm:spPr/>
+      <dgm:t>
+        <a:bodyPr/>
+        <a:lstStyle/>
+        <a:p>
+          <a:pPr algn="ctr"/>
+          <a:r>
+            <a:rPr lang="fr-FR" sz="1100" dirty="0">
+              <a:latin typeface="Gill Sans MT" panose="020B0502020104020203" pitchFamily="34" charset="0"/>
+            </a:rPr>
+            <a:t>Statut Socio-Eco</a:t>
+          </a:r>
+        </a:p>
+      </dgm:t>
+    </dgm:pt>
+    <dgm:pt modelId="{CC1A4EBB-A5C7-4AFC-9CC2-2A465CA24435}">
+      <dgm:prSet phldrT="[Text]" custT="1"/>
+      <dgm:spPr/>
+      <dgm:t>
+        <a:bodyPr/>
+        <a:lstStyle/>
+        <a:p>
+          <a:r>
+            <a:rPr lang="fr-FR" sz="1100" b="1" dirty="0">
+              <a:latin typeface="Gill Sans MT" panose="020B0502020104020203" pitchFamily="34" charset="0"/>
+            </a:rPr>
+            <a:t>↑ Femmes (préventif)</a:t>
+          </a:r>
+          <a:br>
+            <a:rPr lang="fr-FR" sz="1100" b="1" dirty="0">
+              <a:latin typeface="Gill Sans MT" panose="020B0502020104020203" pitchFamily="34" charset="0"/>
+            </a:rPr>
+          </a:br>
+          <a:br>
+            <a:rPr lang="fr-FR" sz="1100" b="1" dirty="0">
+              <a:latin typeface="Gill Sans MT" panose="020B0502020104020203" pitchFamily="34" charset="0"/>
+            </a:rPr>
+          </a:br>
+          <a:r>
+            <a:rPr lang="fr-FR" sz="1100" b="1" dirty="0">
+              <a:latin typeface="Gill Sans MT" panose="020B0502020104020203" pitchFamily="34" charset="0"/>
+            </a:rPr>
+            <a:t>↓ Hommes (sous-utilisent)</a:t>
+          </a:r>
+          <a:endParaRPr lang="fr-FR" sz="1100" dirty="0">
+            <a:latin typeface="Gill Sans MT" panose="020B0502020104020203" pitchFamily="34" charset="0"/>
+          </a:endParaRPr>
+        </a:p>
+      </dgm:t>
+    </dgm:pt>
+    <dgm:pt modelId="{17C9C4C0-F2DF-4172-A207-AB8CF12D4C0B}" type="parTrans" cxnId="{AE10D6EE-CFDC-44EC-BD1B-65C23E42962C}">
+      <dgm:prSet/>
+      <dgm:spPr/>
+      <dgm:t>
+        <a:bodyPr/>
+        <a:lstStyle/>
+        <a:p>
+          <a:endParaRPr lang="fr-FR" sz="1100">
+            <a:latin typeface="Gill Sans MT" panose="020B0502020104020203" pitchFamily="34" charset="0"/>
+          </a:endParaRPr>
+        </a:p>
+      </dgm:t>
+    </dgm:pt>
+    <dgm:pt modelId="{A0BAFE3C-0A66-4C2D-99D8-752B9697D950}" type="sibTrans" cxnId="{AE10D6EE-CFDC-44EC-BD1B-65C23E42962C}">
+      <dgm:prSet custT="1"/>
+      <dgm:spPr/>
+      <dgm:t>
+        <a:bodyPr/>
+        <a:lstStyle/>
+        <a:p>
+          <a:pPr algn="ctr"/>
+          <a:r>
+            <a:rPr lang="fr-FR" sz="1100" dirty="0">
+              <a:latin typeface="Gill Sans MT" panose="020B0502020104020203" pitchFamily="34" charset="0"/>
+            </a:rPr>
+            <a:t>Sexe</a:t>
+          </a:r>
+        </a:p>
+      </dgm:t>
+    </dgm:pt>
+    <dgm:pt modelId="{81A5EA27-B2B7-47EE-ACDD-39B5E332E642}">
+      <dgm:prSet phldrT="[Text]" custT="1"/>
+      <dgm:spPr/>
+      <dgm:t>
+        <a:bodyPr/>
+        <a:lstStyle/>
+        <a:p>
+          <a:r>
+            <a:rPr lang="fr-FR" sz="1100" b="1" dirty="0">
+              <a:latin typeface="Gill Sans MT" panose="020B0502020104020203" pitchFamily="34" charset="0"/>
+            </a:rPr>
+            <a:t>↑ Zones urbaines (denses)</a:t>
+          </a:r>
+          <a:br>
+            <a:rPr lang="fr-FR" sz="1100" b="1" dirty="0">
+              <a:latin typeface="Gill Sans MT" panose="020B0502020104020203" pitchFamily="34" charset="0"/>
+            </a:rPr>
+          </a:br>
+          <a:br>
+            <a:rPr lang="fr-FR" sz="1100" b="1" dirty="0">
+              <a:latin typeface="Gill Sans MT" panose="020B0502020104020203" pitchFamily="34" charset="0"/>
+            </a:rPr>
+          </a:br>
+          <a:r>
+            <a:rPr lang="fr-FR" sz="1100" b="1" dirty="0">
+              <a:latin typeface="Gill Sans MT" panose="020B0502020104020203" pitchFamily="34" charset="0"/>
+            </a:rPr>
+            <a:t>↓ Zones rurales (déserts médicaux)</a:t>
+          </a:r>
+          <a:endParaRPr lang="fr-FR" sz="1100" dirty="0">
+            <a:latin typeface="Gill Sans MT" panose="020B0502020104020203" pitchFamily="34" charset="0"/>
+          </a:endParaRPr>
+        </a:p>
+      </dgm:t>
+    </dgm:pt>
+    <dgm:pt modelId="{CB2E5156-12B5-4385-A757-04996F9DFC5E}" type="parTrans" cxnId="{7E1B596D-A020-4372-8472-8C2E14883575}">
+      <dgm:prSet/>
+      <dgm:spPr/>
+      <dgm:t>
+        <a:bodyPr/>
+        <a:lstStyle/>
+        <a:p>
+          <a:endParaRPr lang="fr-FR" sz="1100">
+            <a:latin typeface="Gill Sans MT" panose="020B0502020104020203" pitchFamily="34" charset="0"/>
+          </a:endParaRPr>
+        </a:p>
+      </dgm:t>
+    </dgm:pt>
+    <dgm:pt modelId="{680E9176-C445-4F8E-ABF3-2D12DBA8CECB}" type="sibTrans" cxnId="{7E1B596D-A020-4372-8472-8C2E14883575}">
+      <dgm:prSet custT="1"/>
+      <dgm:spPr/>
+      <dgm:t>
+        <a:bodyPr/>
+        <a:lstStyle/>
+        <a:p>
+          <a:pPr algn="ctr"/>
+          <a:r>
+            <a:rPr lang="fr-FR" sz="1100" dirty="0">
+              <a:latin typeface="Gill Sans MT" panose="020B0502020104020203" pitchFamily="34" charset="0"/>
+            </a:rPr>
+            <a:t>Accès Géographique</a:t>
+          </a:r>
+        </a:p>
+      </dgm:t>
+    </dgm:pt>
+    <dgm:pt modelId="{BFB42C5D-8005-4B30-A5BB-91B20F1004CC}" type="asst">
+      <dgm:prSet phldrT="[Text]" custT="1"/>
+      <dgm:spPr/>
+      <dgm:t>
+        <a:bodyPr/>
+        <a:lstStyle/>
+        <a:p>
+          <a:r>
+            <a:rPr lang="fr-FR" sz="1100" b="1" dirty="0">
+              <a:latin typeface="Gill Sans MT" panose="020B0502020104020203" pitchFamily="34" charset="0"/>
+            </a:rPr>
+            <a:t>↑ Négative</a:t>
+          </a:r>
+          <a:br>
+            <a:rPr lang="fr-FR" sz="1100" b="1" dirty="0">
+              <a:latin typeface="Gill Sans MT" panose="020B0502020104020203" pitchFamily="34" charset="0"/>
+            </a:rPr>
+          </a:br>
+          <a:br>
+            <a:rPr lang="fr-FR" sz="1100" b="1" dirty="0">
+              <a:latin typeface="Gill Sans MT" panose="020B0502020104020203" pitchFamily="34" charset="0"/>
+            </a:rPr>
+          </a:br>
+          <a:r>
+            <a:rPr lang="fr-FR" sz="1100" b="1" dirty="0">
+              <a:latin typeface="Gill Sans MT" panose="020B0502020104020203" pitchFamily="34" charset="0"/>
+            </a:rPr>
+            <a:t>↓ Positive</a:t>
+          </a:r>
+          <a:endParaRPr lang="fr-FR" sz="1100" dirty="0"/>
+        </a:p>
+      </dgm:t>
+    </dgm:pt>
+    <dgm:pt modelId="{C493EF0C-8B70-4122-90FC-2722A8835924}" type="parTrans" cxnId="{D5DE2036-2FF9-45BF-BD70-A097DEE05075}">
+      <dgm:prSet/>
+      <dgm:spPr/>
+      <dgm:t>
+        <a:bodyPr/>
+        <a:lstStyle/>
+        <a:p>
+          <a:endParaRPr lang="fr-FR"/>
+        </a:p>
+      </dgm:t>
+    </dgm:pt>
+    <dgm:pt modelId="{E6031182-11D4-4E44-9B1D-A4225113FE28}" type="sibTrans" cxnId="{D5DE2036-2FF9-45BF-BD70-A097DEE05075}">
+      <dgm:prSet/>
+      <dgm:spPr/>
+      <dgm:t>
+        <a:bodyPr/>
+        <a:lstStyle/>
+        <a:p>
+          <a:pPr algn="ctr"/>
+          <a:r>
+            <a:rPr lang="fr-FR" dirty="0">
+              <a:latin typeface="Gill Sans MT" panose="020B0502020104020203" pitchFamily="34" charset="0"/>
+            </a:rPr>
+            <a:t>Perception de la santé</a:t>
+          </a:r>
+        </a:p>
+      </dgm:t>
+    </dgm:pt>
+    <dgm:pt modelId="{DD8B84B5-C27B-4A14-B5F5-B5942D5E3EA9}" type="pres">
+      <dgm:prSet presAssocID="{77C59D43-B1D3-4903-AD92-7A518494E882}" presName="hierChild1" presStyleCnt="0">
+        <dgm:presLayoutVars>
+          <dgm:orgChart val="1"/>
+          <dgm:chPref val="1"/>
+          <dgm:dir/>
+          <dgm:animOne val="branch"/>
+          <dgm:animLvl val="lvl"/>
+          <dgm:resizeHandles/>
+        </dgm:presLayoutVars>
+      </dgm:prSet>
+      <dgm:spPr/>
+    </dgm:pt>
+    <dgm:pt modelId="{627B8021-F1C7-42D8-AD85-325D1CF74694}" type="pres">
+      <dgm:prSet presAssocID="{0E940499-8913-4F10-9CD8-4E29070D6C7A}" presName="hierRoot1" presStyleCnt="0">
+        <dgm:presLayoutVars>
+          <dgm:hierBranch val="init"/>
+        </dgm:presLayoutVars>
+      </dgm:prSet>
+      <dgm:spPr/>
+    </dgm:pt>
+    <dgm:pt modelId="{69F559DD-77D4-4C3D-A6A2-244FF30F8F27}" type="pres">
+      <dgm:prSet presAssocID="{0E940499-8913-4F10-9CD8-4E29070D6C7A}" presName="rootComposite1" presStyleCnt="0"/>
+      <dgm:spPr/>
+    </dgm:pt>
+    <dgm:pt modelId="{ABDCA29E-CE18-441C-8F56-CEC42804163E}" type="pres">
+      <dgm:prSet presAssocID="{0E940499-8913-4F10-9CD8-4E29070D6C7A}" presName="rootText1" presStyleLbl="node0" presStyleIdx="0" presStyleCnt="1">
+        <dgm:presLayoutVars>
+          <dgm:chMax/>
+          <dgm:chPref val="3"/>
+        </dgm:presLayoutVars>
+      </dgm:prSet>
+      <dgm:spPr/>
+    </dgm:pt>
+    <dgm:pt modelId="{9ADD0247-70CB-4D70-93AE-36E1EDE9B9A8}" type="pres">
+      <dgm:prSet presAssocID="{0E940499-8913-4F10-9CD8-4E29070D6C7A}" presName="titleText1" presStyleLbl="fgAcc0" presStyleIdx="0" presStyleCnt="1" custLinFactNeighborX="14518" custLinFactNeighborY="21334">
+        <dgm:presLayoutVars>
+          <dgm:chMax val="0"/>
+          <dgm:chPref val="0"/>
+        </dgm:presLayoutVars>
+      </dgm:prSet>
+      <dgm:spPr/>
+    </dgm:pt>
+    <dgm:pt modelId="{9A46C449-6B62-45CC-B8BC-D28C47B2CDCC}" type="pres">
+      <dgm:prSet presAssocID="{0E940499-8913-4F10-9CD8-4E29070D6C7A}" presName="rootConnector1" presStyleLbl="node1" presStyleIdx="0" presStyleCnt="4"/>
+      <dgm:spPr/>
+    </dgm:pt>
+    <dgm:pt modelId="{8FD1FEFE-ED62-4547-9C29-20A21B9DAE8D}" type="pres">
+      <dgm:prSet presAssocID="{0E940499-8913-4F10-9CD8-4E29070D6C7A}" presName="hierChild2" presStyleCnt="0"/>
+      <dgm:spPr/>
+    </dgm:pt>
+    <dgm:pt modelId="{3DD9D4D6-940F-4BB0-9613-35A956D67D0B}" type="pres">
+      <dgm:prSet presAssocID="{98537AF9-E238-4C66-8F7C-D97AC50032A5}" presName="Name37" presStyleLbl="parChTrans1D2" presStyleIdx="0" presStyleCnt="4"/>
+      <dgm:spPr/>
+    </dgm:pt>
+    <dgm:pt modelId="{06D03520-CB1D-4544-83C4-E36B5B8578D8}" type="pres">
+      <dgm:prSet presAssocID="{F30E1AEC-B86D-402F-9383-B2C2CEA9D59A}" presName="hierRoot2" presStyleCnt="0">
+        <dgm:presLayoutVars>
+          <dgm:hierBranch val="init"/>
+        </dgm:presLayoutVars>
+      </dgm:prSet>
+      <dgm:spPr/>
+    </dgm:pt>
+    <dgm:pt modelId="{039514DD-DEC1-4E0E-BB7E-1D57FBDA8C4D}" type="pres">
+      <dgm:prSet presAssocID="{F30E1AEC-B86D-402F-9383-B2C2CEA9D59A}" presName="rootComposite" presStyleCnt="0"/>
+      <dgm:spPr/>
+    </dgm:pt>
+    <dgm:pt modelId="{BDD2DE81-D07F-484F-961E-38E5C95F5D54}" type="pres">
+      <dgm:prSet presAssocID="{F30E1AEC-B86D-402F-9383-B2C2CEA9D59A}" presName="rootText" presStyleLbl="node1" presStyleIdx="0" presStyleCnt="4" custScaleX="113844" custScaleY="140841">
+        <dgm:presLayoutVars>
+          <dgm:chMax/>
+          <dgm:chPref val="3"/>
+        </dgm:presLayoutVars>
+      </dgm:prSet>
+      <dgm:spPr/>
+    </dgm:pt>
+    <dgm:pt modelId="{EB73548C-7AE5-4B06-85AE-EBA1DB090AD4}" type="pres">
+      <dgm:prSet presAssocID="{F30E1AEC-B86D-402F-9383-B2C2CEA9D59A}" presName="titleText2" presStyleLbl="fgAcc1" presStyleIdx="0" presStyleCnt="4" custLinFactNeighborX="-4181" custLinFactNeighborY="81755">
+        <dgm:presLayoutVars>
+          <dgm:chMax val="0"/>
+          <dgm:chPref val="0"/>
+        </dgm:presLayoutVars>
+      </dgm:prSet>
+      <dgm:spPr/>
+    </dgm:pt>
+    <dgm:pt modelId="{A4A61170-4B68-4203-8563-FB4DDE2CE0A0}" type="pres">
+      <dgm:prSet presAssocID="{F30E1AEC-B86D-402F-9383-B2C2CEA9D59A}" presName="rootConnector" presStyleLbl="node2" presStyleIdx="0" presStyleCnt="0"/>
+      <dgm:spPr/>
+    </dgm:pt>
+    <dgm:pt modelId="{03AEF608-8C54-4F77-A053-73B28586BBFD}" type="pres">
+      <dgm:prSet presAssocID="{F30E1AEC-B86D-402F-9383-B2C2CEA9D59A}" presName="hierChild4" presStyleCnt="0"/>
+      <dgm:spPr/>
+    </dgm:pt>
+    <dgm:pt modelId="{4E26EB5A-29D7-438A-9166-97D8BBDFA4A2}" type="pres">
+      <dgm:prSet presAssocID="{F30E1AEC-B86D-402F-9383-B2C2CEA9D59A}" presName="hierChild5" presStyleCnt="0"/>
+      <dgm:spPr/>
+    </dgm:pt>
+    <dgm:pt modelId="{50B865DF-5D84-4C4E-A515-093139DB7081}" type="pres">
+      <dgm:prSet presAssocID="{A1C611FC-D2A1-41EF-A19C-8B65D8E6451E}" presName="Name37" presStyleLbl="parChTrans1D2" presStyleIdx="1" presStyleCnt="4"/>
+      <dgm:spPr/>
+    </dgm:pt>
+    <dgm:pt modelId="{A2CDEE94-EF7F-4A24-B9FD-4FA6B39A6CCC}" type="pres">
+      <dgm:prSet presAssocID="{FDF8EDB3-2384-4128-B35B-B42D97D440E1}" presName="hierRoot2" presStyleCnt="0">
+        <dgm:presLayoutVars>
+          <dgm:hierBranch val="init"/>
+        </dgm:presLayoutVars>
+      </dgm:prSet>
+      <dgm:spPr/>
+    </dgm:pt>
+    <dgm:pt modelId="{78E2F148-EF7B-4BFC-9ACA-6EF17101FC2E}" type="pres">
+      <dgm:prSet presAssocID="{FDF8EDB3-2384-4128-B35B-B42D97D440E1}" presName="rootComposite" presStyleCnt="0"/>
+      <dgm:spPr/>
+    </dgm:pt>
+    <dgm:pt modelId="{2373B881-9F7A-4D31-8CA7-C9F47C7E0CAA}" type="pres">
+      <dgm:prSet presAssocID="{FDF8EDB3-2384-4128-B35B-B42D97D440E1}" presName="rootText" presStyleLbl="node1" presStyleIdx="1" presStyleCnt="4" custScaleX="127187" custScaleY="137383">
+        <dgm:presLayoutVars>
+          <dgm:chMax/>
+          <dgm:chPref val="3"/>
+        </dgm:presLayoutVars>
+      </dgm:prSet>
+      <dgm:spPr/>
+    </dgm:pt>
+    <dgm:pt modelId="{99D4BADF-3E2D-4967-8622-57EF488432BC}" type="pres">
+      <dgm:prSet presAssocID="{FDF8EDB3-2384-4128-B35B-B42D97D440E1}" presName="titleText2" presStyleLbl="fgAcc1" presStyleIdx="1" presStyleCnt="4" custLinFactNeighborX="-4692" custLinFactNeighborY="77925">
+        <dgm:presLayoutVars>
+          <dgm:chMax val="0"/>
+          <dgm:chPref val="0"/>
+        </dgm:presLayoutVars>
+      </dgm:prSet>
+      <dgm:spPr/>
+    </dgm:pt>
+    <dgm:pt modelId="{9AC8E97A-FB94-40D4-B84F-BD974B523AAF}" type="pres">
+      <dgm:prSet presAssocID="{FDF8EDB3-2384-4128-B35B-B42D97D440E1}" presName="rootConnector" presStyleLbl="node2" presStyleIdx="0" presStyleCnt="0"/>
+      <dgm:spPr/>
+    </dgm:pt>
+    <dgm:pt modelId="{5EFB0F4A-D190-40C5-9A83-BA6E7D1DD7E7}" type="pres">
+      <dgm:prSet presAssocID="{FDF8EDB3-2384-4128-B35B-B42D97D440E1}" presName="hierChild4" presStyleCnt="0"/>
+      <dgm:spPr/>
+    </dgm:pt>
+    <dgm:pt modelId="{20366057-D6B3-41A9-9EC3-2FD29140E1D3}" type="pres">
+      <dgm:prSet presAssocID="{FDF8EDB3-2384-4128-B35B-B42D97D440E1}" presName="hierChild5" presStyleCnt="0"/>
+      <dgm:spPr/>
+    </dgm:pt>
+    <dgm:pt modelId="{30F7F9FF-42C7-4CDC-AA28-79919C84CF44}" type="pres">
+      <dgm:prSet presAssocID="{C493EF0C-8B70-4122-90FC-2722A8835924}" presName="Name96" presStyleLbl="parChTrans1D3" presStyleIdx="0" presStyleCnt="1"/>
+      <dgm:spPr/>
+    </dgm:pt>
+    <dgm:pt modelId="{ED92ED0E-4510-416A-BA25-BF7FCF725E3E}" type="pres">
+      <dgm:prSet presAssocID="{BFB42C5D-8005-4B30-A5BB-91B20F1004CC}" presName="hierRoot3" presStyleCnt="0">
+        <dgm:presLayoutVars>
+          <dgm:hierBranch val="init"/>
+        </dgm:presLayoutVars>
+      </dgm:prSet>
+      <dgm:spPr/>
+    </dgm:pt>
+    <dgm:pt modelId="{B1E70B8C-4455-469D-AC32-DAB6E36A94E4}" type="pres">
+      <dgm:prSet presAssocID="{BFB42C5D-8005-4B30-A5BB-91B20F1004CC}" presName="rootComposite3" presStyleCnt="0"/>
+      <dgm:spPr/>
+    </dgm:pt>
+    <dgm:pt modelId="{95D8CEB6-D825-4BE2-8DB3-2898369F7E60}" type="pres">
+      <dgm:prSet presAssocID="{BFB42C5D-8005-4B30-A5BB-91B20F1004CC}" presName="rootText3" presStyleLbl="asst1" presStyleIdx="0" presStyleCnt="1" custScaleX="127187" custScaleY="137383">
+        <dgm:presLayoutVars>
+          <dgm:chPref val="3"/>
+        </dgm:presLayoutVars>
+      </dgm:prSet>
+      <dgm:spPr/>
+    </dgm:pt>
+    <dgm:pt modelId="{4701DF5A-7A5F-4972-9A7C-79CB737F8DAA}" type="pres">
+      <dgm:prSet presAssocID="{BFB42C5D-8005-4B30-A5BB-91B20F1004CC}" presName="titleText3" presStyleLbl="fgAcc2" presStyleIdx="0" presStyleCnt="1">
+        <dgm:presLayoutVars>
+          <dgm:chMax val="0"/>
+          <dgm:chPref val="0"/>
+        </dgm:presLayoutVars>
+      </dgm:prSet>
+      <dgm:spPr/>
+    </dgm:pt>
+    <dgm:pt modelId="{FD3B30D5-60CB-48FE-9D03-5CCC4EA500C7}" type="pres">
+      <dgm:prSet presAssocID="{BFB42C5D-8005-4B30-A5BB-91B20F1004CC}" presName="rootConnector3" presStyleLbl="asst2" presStyleIdx="0" presStyleCnt="0"/>
+      <dgm:spPr/>
+    </dgm:pt>
+    <dgm:pt modelId="{EE5458D5-A708-41BA-8F02-B883469F668B}" type="pres">
+      <dgm:prSet presAssocID="{BFB42C5D-8005-4B30-A5BB-91B20F1004CC}" presName="hierChild6" presStyleCnt="0"/>
+      <dgm:spPr/>
+    </dgm:pt>
+    <dgm:pt modelId="{D534410A-6C83-4A75-B3CE-B23E3B2C6633}" type="pres">
+      <dgm:prSet presAssocID="{BFB42C5D-8005-4B30-A5BB-91B20F1004CC}" presName="hierChild7" presStyleCnt="0"/>
+      <dgm:spPr/>
+    </dgm:pt>
+    <dgm:pt modelId="{17A041A4-2A72-427E-82B4-8BD6FF863646}" type="pres">
+      <dgm:prSet presAssocID="{17C9C4C0-F2DF-4172-A207-AB8CF12D4C0B}" presName="Name37" presStyleLbl="parChTrans1D2" presStyleIdx="2" presStyleCnt="4"/>
+      <dgm:spPr/>
+    </dgm:pt>
+    <dgm:pt modelId="{63BF1A0F-BB63-46DD-913D-08C1FED6241F}" type="pres">
+      <dgm:prSet presAssocID="{CC1A4EBB-A5C7-4AFC-9CC2-2A465CA24435}" presName="hierRoot2" presStyleCnt="0">
+        <dgm:presLayoutVars>
+          <dgm:hierBranch val="init"/>
+        </dgm:presLayoutVars>
+      </dgm:prSet>
+      <dgm:spPr/>
+    </dgm:pt>
+    <dgm:pt modelId="{F5418F90-9FC1-42CF-9668-931AC83AE8B5}" type="pres">
+      <dgm:prSet presAssocID="{CC1A4EBB-A5C7-4AFC-9CC2-2A465CA24435}" presName="rootComposite" presStyleCnt="0"/>
+      <dgm:spPr/>
+    </dgm:pt>
+    <dgm:pt modelId="{E1A2814E-00AF-45FA-A764-DAAD560BFCBE}" type="pres">
+      <dgm:prSet presAssocID="{CC1A4EBB-A5C7-4AFC-9CC2-2A465CA24435}" presName="rootText" presStyleLbl="node1" presStyleIdx="2" presStyleCnt="4" custScaleX="109575" custScaleY="134478">
+        <dgm:presLayoutVars>
+          <dgm:chMax/>
+          <dgm:chPref val="3"/>
+        </dgm:presLayoutVars>
+      </dgm:prSet>
+      <dgm:spPr/>
+    </dgm:pt>
+    <dgm:pt modelId="{1F8D5F11-8910-46E1-B068-44E45FF3E6FF}" type="pres">
+      <dgm:prSet presAssocID="{CC1A4EBB-A5C7-4AFC-9CC2-2A465CA24435}" presName="titleText2" presStyleLbl="fgAcc1" presStyleIdx="2" presStyleCnt="4" custLinFactNeighborX="-10007" custLinFactNeighborY="82282">
+        <dgm:presLayoutVars>
+          <dgm:chMax val="0"/>
+          <dgm:chPref val="0"/>
+        </dgm:presLayoutVars>
+      </dgm:prSet>
+      <dgm:spPr/>
+    </dgm:pt>
+    <dgm:pt modelId="{145F4D65-DC37-4AE3-9BA9-A7B5B8D350DF}" type="pres">
+      <dgm:prSet presAssocID="{CC1A4EBB-A5C7-4AFC-9CC2-2A465CA24435}" presName="rootConnector" presStyleLbl="node2" presStyleIdx="0" presStyleCnt="0"/>
+      <dgm:spPr/>
+    </dgm:pt>
+    <dgm:pt modelId="{2A71A4D5-9B72-421E-9B6E-EB78A1BBE4B1}" type="pres">
+      <dgm:prSet presAssocID="{CC1A4EBB-A5C7-4AFC-9CC2-2A465CA24435}" presName="hierChild4" presStyleCnt="0"/>
+      <dgm:spPr/>
+    </dgm:pt>
+    <dgm:pt modelId="{337697E0-27AE-417C-B3E4-70E3D0D4C181}" type="pres">
+      <dgm:prSet presAssocID="{CC1A4EBB-A5C7-4AFC-9CC2-2A465CA24435}" presName="hierChild5" presStyleCnt="0"/>
+      <dgm:spPr/>
+    </dgm:pt>
+    <dgm:pt modelId="{C874307D-377B-44BE-A3D6-31858804619E}" type="pres">
+      <dgm:prSet presAssocID="{CB2E5156-12B5-4385-A757-04996F9DFC5E}" presName="Name37" presStyleLbl="parChTrans1D2" presStyleIdx="3" presStyleCnt="4"/>
+      <dgm:spPr/>
+    </dgm:pt>
+    <dgm:pt modelId="{71959E1F-44EF-44DC-8185-861FC5981A34}" type="pres">
+      <dgm:prSet presAssocID="{81A5EA27-B2B7-47EE-ACDD-39B5E332E642}" presName="hierRoot2" presStyleCnt="0">
+        <dgm:presLayoutVars>
+          <dgm:hierBranch val="init"/>
+        </dgm:presLayoutVars>
+      </dgm:prSet>
+      <dgm:spPr/>
+    </dgm:pt>
+    <dgm:pt modelId="{1A762C78-A9E8-4112-A5B4-F4E479A7344F}" type="pres">
+      <dgm:prSet presAssocID="{81A5EA27-B2B7-47EE-ACDD-39B5E332E642}" presName="rootComposite" presStyleCnt="0"/>
+      <dgm:spPr/>
+    </dgm:pt>
+    <dgm:pt modelId="{CFEFEC0D-446F-499C-8192-A96275E4D758}" type="pres">
+      <dgm:prSet presAssocID="{81A5EA27-B2B7-47EE-ACDD-39B5E332E642}" presName="rootText" presStyleLbl="node1" presStyleIdx="3" presStyleCnt="4" custScaleX="115680" custScaleY="133521">
+        <dgm:presLayoutVars>
+          <dgm:chMax/>
+          <dgm:chPref val="3"/>
+        </dgm:presLayoutVars>
+      </dgm:prSet>
+      <dgm:spPr/>
+    </dgm:pt>
+    <dgm:pt modelId="{0E752C1A-A122-4566-B257-E4AEEFE31CAB}" type="pres">
+      <dgm:prSet presAssocID="{81A5EA27-B2B7-47EE-ACDD-39B5E332E642}" presName="titleText2" presStyleLbl="fgAcc1" presStyleIdx="3" presStyleCnt="4" custLinFactNeighborX="-13171" custLinFactNeighborY="83718">
+        <dgm:presLayoutVars>
+          <dgm:chMax val="0"/>
+          <dgm:chPref val="0"/>
+        </dgm:presLayoutVars>
+      </dgm:prSet>
+      <dgm:spPr/>
+    </dgm:pt>
+    <dgm:pt modelId="{83366F2D-07D3-40C0-B170-1261A6537C06}" type="pres">
+      <dgm:prSet presAssocID="{81A5EA27-B2B7-47EE-ACDD-39B5E332E642}" presName="rootConnector" presStyleLbl="node2" presStyleIdx="0" presStyleCnt="0"/>
+      <dgm:spPr/>
+    </dgm:pt>
+    <dgm:pt modelId="{2D5EBD27-A3C9-4809-BB64-555CCC246F7F}" type="pres">
+      <dgm:prSet presAssocID="{81A5EA27-B2B7-47EE-ACDD-39B5E332E642}" presName="hierChild4" presStyleCnt="0"/>
+      <dgm:spPr/>
+    </dgm:pt>
+    <dgm:pt modelId="{3C0F1BFA-2995-4BDC-8978-FFAA54DCC6CD}" type="pres">
+      <dgm:prSet presAssocID="{81A5EA27-B2B7-47EE-ACDD-39B5E332E642}" presName="hierChild5" presStyleCnt="0"/>
+      <dgm:spPr/>
+    </dgm:pt>
+    <dgm:pt modelId="{73C9C004-6F86-45CF-ADA1-44F46B6E113E}" type="pres">
+      <dgm:prSet presAssocID="{0E940499-8913-4F10-9CD8-4E29070D6C7A}" presName="hierChild3" presStyleCnt="0"/>
+      <dgm:spPr/>
+    </dgm:pt>
+  </dgm:ptLst>
+  <dgm:cxnLst>
+    <dgm:cxn modelId="{A726EB04-D98B-4CAF-B4A8-BE3086A06E35}" type="presOf" srcId="{CB2E5156-12B5-4385-A757-04996F9DFC5E}" destId="{C874307D-377B-44BE-A3D6-31858804619E}" srcOrd="0" destOrd="0" presId="urn:microsoft.com/office/officeart/2008/layout/NameandTitleOrganizationalChart"/>
+    <dgm:cxn modelId="{5D71940E-5D14-4B0B-8725-8D58CB518A0C}" type="presOf" srcId="{81A5EA27-B2B7-47EE-ACDD-39B5E332E642}" destId="{CFEFEC0D-446F-499C-8192-A96275E4D758}" srcOrd="0" destOrd="0" presId="urn:microsoft.com/office/officeart/2008/layout/NameandTitleOrganizationalChart"/>
+    <dgm:cxn modelId="{D5DE2036-2FF9-45BF-BD70-A097DEE05075}" srcId="{FDF8EDB3-2384-4128-B35B-B42D97D440E1}" destId="{BFB42C5D-8005-4B30-A5BB-91B20F1004CC}" srcOrd="0" destOrd="0" parTransId="{C493EF0C-8B70-4122-90FC-2722A8835924}" sibTransId="{E6031182-11D4-4E44-9B1D-A4225113FE28}"/>
+    <dgm:cxn modelId="{46774838-7FE9-4CF2-BF6B-70D612D35C18}" type="presOf" srcId="{C493EF0C-8B70-4122-90FC-2722A8835924}" destId="{30F7F9FF-42C7-4CDC-AA28-79919C84CF44}" srcOrd="0" destOrd="0" presId="urn:microsoft.com/office/officeart/2008/layout/NameandTitleOrganizationalChart"/>
+    <dgm:cxn modelId="{7D44575C-D5E0-4F06-B56A-58866E57E10A}" srcId="{0E940499-8913-4F10-9CD8-4E29070D6C7A}" destId="{F30E1AEC-B86D-402F-9383-B2C2CEA9D59A}" srcOrd="0" destOrd="0" parTransId="{98537AF9-E238-4C66-8F7C-D97AC50032A5}" sibTransId="{55F9AA80-8E49-4971-87B8-3D4D97E77396}"/>
+    <dgm:cxn modelId="{D129806C-313E-4DAC-9015-3E7C3DE111F1}" type="presOf" srcId="{680E9176-C445-4F8E-ABF3-2D12DBA8CECB}" destId="{0E752C1A-A122-4566-B257-E4AEEFE31CAB}" srcOrd="0" destOrd="0" presId="urn:microsoft.com/office/officeart/2008/layout/NameandTitleOrganizationalChart"/>
+    <dgm:cxn modelId="{7E1B596D-A020-4372-8472-8C2E14883575}" srcId="{0E940499-8913-4F10-9CD8-4E29070D6C7A}" destId="{81A5EA27-B2B7-47EE-ACDD-39B5E332E642}" srcOrd="3" destOrd="0" parTransId="{CB2E5156-12B5-4385-A757-04996F9DFC5E}" sibTransId="{680E9176-C445-4F8E-ABF3-2D12DBA8CECB}"/>
+    <dgm:cxn modelId="{41B3F24D-0507-463F-A1AC-89D198E03A82}" type="presOf" srcId="{E6031182-11D4-4E44-9B1D-A4225113FE28}" destId="{4701DF5A-7A5F-4972-9A7C-79CB737F8DAA}" srcOrd="0" destOrd="0" presId="urn:microsoft.com/office/officeart/2008/layout/NameandTitleOrganizationalChart"/>
+    <dgm:cxn modelId="{E07F0370-9645-4957-9782-3BE372390444}" type="presOf" srcId="{A0BAFE3C-0A66-4C2D-99D8-752B9697D950}" destId="{1F8D5F11-8910-46E1-B068-44E45FF3E6FF}" srcOrd="0" destOrd="0" presId="urn:microsoft.com/office/officeart/2008/layout/NameandTitleOrganizationalChart"/>
+    <dgm:cxn modelId="{90AB6F53-3AC9-4F70-974E-1F41263CDC75}" type="presOf" srcId="{55F9AA80-8E49-4971-87B8-3D4D97E77396}" destId="{EB73548C-7AE5-4B06-85AE-EBA1DB090AD4}" srcOrd="0" destOrd="0" presId="urn:microsoft.com/office/officeart/2008/layout/NameandTitleOrganizationalChart"/>
+    <dgm:cxn modelId="{8E680855-30A6-4758-82A7-BA7BCC4D6774}" type="presOf" srcId="{AA4216D6-60A1-4928-B240-AFBD3AD4E419}" destId="{9ADD0247-70CB-4D70-93AE-36E1EDE9B9A8}" srcOrd="0" destOrd="0" presId="urn:microsoft.com/office/officeart/2008/layout/NameandTitleOrganizationalChart"/>
+    <dgm:cxn modelId="{31A1227E-DD1E-439D-83EB-D3E2773813E8}" type="presOf" srcId="{0E940499-8913-4F10-9CD8-4E29070D6C7A}" destId="{9A46C449-6B62-45CC-B8BC-D28C47B2CDCC}" srcOrd="1" destOrd="0" presId="urn:microsoft.com/office/officeart/2008/layout/NameandTitleOrganizationalChart"/>
+    <dgm:cxn modelId="{8DF3E586-E8DE-4011-A3D3-1F41C795F685}" type="presOf" srcId="{CC1A4EBB-A5C7-4AFC-9CC2-2A465CA24435}" destId="{E1A2814E-00AF-45FA-A764-DAAD560BFCBE}" srcOrd="0" destOrd="0" presId="urn:microsoft.com/office/officeart/2008/layout/NameandTitleOrganizationalChart"/>
+    <dgm:cxn modelId="{7EBC208B-C18F-49C1-98BD-E4C4C25A7430}" type="presOf" srcId="{FDF8EDB3-2384-4128-B35B-B42D97D440E1}" destId="{9AC8E97A-FB94-40D4-B84F-BD974B523AAF}" srcOrd="1" destOrd="0" presId="urn:microsoft.com/office/officeart/2008/layout/NameandTitleOrganizationalChart"/>
+    <dgm:cxn modelId="{541F7597-B4FF-4013-82E8-4C1E4C433590}" type="presOf" srcId="{A1C611FC-D2A1-41EF-A19C-8B65D8E6451E}" destId="{50B865DF-5D84-4C4E-A515-093139DB7081}" srcOrd="0" destOrd="0" presId="urn:microsoft.com/office/officeart/2008/layout/NameandTitleOrganizationalChart"/>
+    <dgm:cxn modelId="{25D2999C-4B91-41E6-A362-9674B72F24D3}" type="presOf" srcId="{81A5EA27-B2B7-47EE-ACDD-39B5E332E642}" destId="{83366F2D-07D3-40C0-B170-1261A6537C06}" srcOrd="1" destOrd="0" presId="urn:microsoft.com/office/officeart/2008/layout/NameandTitleOrganizationalChart"/>
+    <dgm:cxn modelId="{653A78A0-59BE-41DE-A00E-8B55535217D9}" type="presOf" srcId="{98537AF9-E238-4C66-8F7C-D97AC50032A5}" destId="{3DD9D4D6-940F-4BB0-9613-35A956D67D0B}" srcOrd="0" destOrd="0" presId="urn:microsoft.com/office/officeart/2008/layout/NameandTitleOrganizationalChart"/>
+    <dgm:cxn modelId="{6FA7DAA3-7B76-4DEF-952E-E8E86D7EB3E8}" srcId="{77C59D43-B1D3-4903-AD92-7A518494E882}" destId="{0E940499-8913-4F10-9CD8-4E29070D6C7A}" srcOrd="0" destOrd="0" parTransId="{E0914F03-BE3A-418A-98C6-606238C16723}" sibTransId="{AA4216D6-60A1-4928-B240-AFBD3AD4E419}"/>
+    <dgm:cxn modelId="{80635CA5-28D9-4C4F-BFF0-59EDD78D2ACD}" type="presOf" srcId="{FDF8EDB3-2384-4128-B35B-B42D97D440E1}" destId="{2373B881-9F7A-4D31-8CA7-C9F47C7E0CAA}" srcOrd="0" destOrd="0" presId="urn:microsoft.com/office/officeart/2008/layout/NameandTitleOrganizationalChart"/>
+    <dgm:cxn modelId="{9B5AE5B0-F112-4AE4-B5FC-450133F544E1}" type="presOf" srcId="{F30E1AEC-B86D-402F-9383-B2C2CEA9D59A}" destId="{BDD2DE81-D07F-484F-961E-38E5C95F5D54}" srcOrd="0" destOrd="0" presId="urn:microsoft.com/office/officeart/2008/layout/NameandTitleOrganizationalChart"/>
+    <dgm:cxn modelId="{5FA706B8-2B98-46AD-9F85-C62E177DE5A9}" srcId="{0E940499-8913-4F10-9CD8-4E29070D6C7A}" destId="{FDF8EDB3-2384-4128-B35B-B42D97D440E1}" srcOrd="1" destOrd="0" parTransId="{A1C611FC-D2A1-41EF-A19C-8B65D8E6451E}" sibTransId="{BAA45D4F-187F-4A02-9EB1-25E16E2A506F}"/>
+    <dgm:cxn modelId="{BE1571C7-7259-4FF0-80C3-BC13D077E440}" type="presOf" srcId="{0E940499-8913-4F10-9CD8-4E29070D6C7A}" destId="{ABDCA29E-CE18-441C-8F56-CEC42804163E}" srcOrd="0" destOrd="0" presId="urn:microsoft.com/office/officeart/2008/layout/NameandTitleOrganizationalChart"/>
+    <dgm:cxn modelId="{8DF688CD-6E34-41B9-AD20-0C7AAE8AE97F}" type="presOf" srcId="{BAA45D4F-187F-4A02-9EB1-25E16E2A506F}" destId="{99D4BADF-3E2D-4967-8622-57EF488432BC}" srcOrd="0" destOrd="0" presId="urn:microsoft.com/office/officeart/2008/layout/NameandTitleOrganizationalChart"/>
+    <dgm:cxn modelId="{391E4DE3-E981-4211-B09C-8E9D19CA7B6F}" type="presOf" srcId="{77C59D43-B1D3-4903-AD92-7A518494E882}" destId="{DD8B84B5-C27B-4A14-B5F5-B5942D5E3EA9}" srcOrd="0" destOrd="0" presId="urn:microsoft.com/office/officeart/2008/layout/NameandTitleOrganizationalChart"/>
+    <dgm:cxn modelId="{ED8300E6-55C0-4A84-B004-D8ACC35D3EFD}" type="presOf" srcId="{BFB42C5D-8005-4B30-A5BB-91B20F1004CC}" destId="{FD3B30D5-60CB-48FE-9D03-5CCC4EA500C7}" srcOrd="1" destOrd="0" presId="urn:microsoft.com/office/officeart/2008/layout/NameandTitleOrganizationalChart"/>
+    <dgm:cxn modelId="{FDAA21E7-C78A-41EE-BC49-6CD9BEDA6043}" type="presOf" srcId="{F30E1AEC-B86D-402F-9383-B2C2CEA9D59A}" destId="{A4A61170-4B68-4203-8563-FB4DDE2CE0A0}" srcOrd="1" destOrd="0" presId="urn:microsoft.com/office/officeart/2008/layout/NameandTitleOrganizationalChart"/>
+    <dgm:cxn modelId="{546F3DEA-872A-4F1F-96A7-D2DE2A20657D}" type="presOf" srcId="{CC1A4EBB-A5C7-4AFC-9CC2-2A465CA24435}" destId="{145F4D65-DC37-4AE3-9BA9-A7B5B8D350DF}" srcOrd="1" destOrd="0" presId="urn:microsoft.com/office/officeart/2008/layout/NameandTitleOrganizationalChart"/>
+    <dgm:cxn modelId="{C8D9E4EB-C4AF-46F8-AFC6-449F4929394B}" type="presOf" srcId="{17C9C4C0-F2DF-4172-A207-AB8CF12D4C0B}" destId="{17A041A4-2A72-427E-82B4-8BD6FF863646}" srcOrd="0" destOrd="0" presId="urn:microsoft.com/office/officeart/2008/layout/NameandTitleOrganizationalChart"/>
+    <dgm:cxn modelId="{AE10D6EE-CFDC-44EC-BD1B-65C23E42962C}" srcId="{0E940499-8913-4F10-9CD8-4E29070D6C7A}" destId="{CC1A4EBB-A5C7-4AFC-9CC2-2A465CA24435}" srcOrd="2" destOrd="0" parTransId="{17C9C4C0-F2DF-4172-A207-AB8CF12D4C0B}" sibTransId="{A0BAFE3C-0A66-4C2D-99D8-752B9697D950}"/>
+    <dgm:cxn modelId="{8D65CEF9-5DE2-4CB2-B1E4-7FF385F13A5D}" type="presOf" srcId="{BFB42C5D-8005-4B30-A5BB-91B20F1004CC}" destId="{95D8CEB6-D825-4BE2-8DB3-2898369F7E60}" srcOrd="0" destOrd="0" presId="urn:microsoft.com/office/officeart/2008/layout/NameandTitleOrganizationalChart"/>
+    <dgm:cxn modelId="{5A1AB420-27E2-4F6F-B678-37121F8E37C3}" type="presParOf" srcId="{DD8B84B5-C27B-4A14-B5F5-B5942D5E3EA9}" destId="{627B8021-F1C7-42D8-AD85-325D1CF74694}" srcOrd="0" destOrd="0" presId="urn:microsoft.com/office/officeart/2008/layout/NameandTitleOrganizationalChart"/>
+    <dgm:cxn modelId="{84D33554-A756-4766-B8D1-261E6E29D0B3}" type="presParOf" srcId="{627B8021-F1C7-42D8-AD85-325D1CF74694}" destId="{69F559DD-77D4-4C3D-A6A2-244FF30F8F27}" srcOrd="0" destOrd="0" presId="urn:microsoft.com/office/officeart/2008/layout/NameandTitleOrganizationalChart"/>
+    <dgm:cxn modelId="{47E1C88A-A8DC-4FF6-860D-191F913E3CF5}" type="presParOf" srcId="{69F559DD-77D4-4C3D-A6A2-244FF30F8F27}" destId="{ABDCA29E-CE18-441C-8F56-CEC42804163E}" srcOrd="0" destOrd="0" presId="urn:microsoft.com/office/officeart/2008/layout/NameandTitleOrganizationalChart"/>
+    <dgm:cxn modelId="{D0189F7F-78C2-456F-980A-AE9F797A919B}" type="presParOf" srcId="{69F559DD-77D4-4C3D-A6A2-244FF30F8F27}" destId="{9ADD0247-70CB-4D70-93AE-36E1EDE9B9A8}" srcOrd="1" destOrd="0" presId="urn:microsoft.com/office/officeart/2008/layout/NameandTitleOrganizationalChart"/>
+    <dgm:cxn modelId="{302F56CE-25D3-44A3-A14E-0BEFF05ECB0B}" type="presParOf" srcId="{69F559DD-77D4-4C3D-A6A2-244FF30F8F27}" destId="{9A46C449-6B62-45CC-B8BC-D28C47B2CDCC}" srcOrd="2" destOrd="0" presId="urn:microsoft.com/office/officeart/2008/layout/NameandTitleOrganizationalChart"/>
+    <dgm:cxn modelId="{119E47DA-80D3-428D-BED6-EB6AD529C562}" type="presParOf" srcId="{627B8021-F1C7-42D8-AD85-325D1CF74694}" destId="{8FD1FEFE-ED62-4547-9C29-20A21B9DAE8D}" srcOrd="1" destOrd="0" presId="urn:microsoft.com/office/officeart/2008/layout/NameandTitleOrganizationalChart"/>
+    <dgm:cxn modelId="{CD175AE0-60D9-4029-A047-3530DC63DC11}" type="presParOf" srcId="{8FD1FEFE-ED62-4547-9C29-20A21B9DAE8D}" destId="{3DD9D4D6-940F-4BB0-9613-35A956D67D0B}" srcOrd="0" destOrd="0" presId="urn:microsoft.com/office/officeart/2008/layout/NameandTitleOrganizationalChart"/>
+    <dgm:cxn modelId="{5AAFCC08-6B8D-453B-B4BA-62CC53E32CDD}" type="presParOf" srcId="{8FD1FEFE-ED62-4547-9C29-20A21B9DAE8D}" destId="{06D03520-CB1D-4544-83C4-E36B5B8578D8}" srcOrd="1" destOrd="0" presId="urn:microsoft.com/office/officeart/2008/layout/NameandTitleOrganizationalChart"/>
+    <dgm:cxn modelId="{ABBA3AE0-6A63-4D83-B300-CEC264583F35}" type="presParOf" srcId="{06D03520-CB1D-4544-83C4-E36B5B8578D8}" destId="{039514DD-DEC1-4E0E-BB7E-1D57FBDA8C4D}" srcOrd="0" destOrd="0" presId="urn:microsoft.com/office/officeart/2008/layout/NameandTitleOrganizationalChart"/>
+    <dgm:cxn modelId="{8DCFF7C6-A96B-402A-99B7-4F86229786AE}" type="presParOf" srcId="{039514DD-DEC1-4E0E-BB7E-1D57FBDA8C4D}" destId="{BDD2DE81-D07F-484F-961E-38E5C95F5D54}" srcOrd="0" destOrd="0" presId="urn:microsoft.com/office/officeart/2008/layout/NameandTitleOrganizationalChart"/>
+    <dgm:cxn modelId="{0CC7A99F-B606-426E-8E43-F90D8BFFCEB0}" type="presParOf" srcId="{039514DD-DEC1-4E0E-BB7E-1D57FBDA8C4D}" destId="{EB73548C-7AE5-4B06-85AE-EBA1DB090AD4}" srcOrd="1" destOrd="0" presId="urn:microsoft.com/office/officeart/2008/layout/NameandTitleOrganizationalChart"/>
+    <dgm:cxn modelId="{2666CC75-C606-48F7-BECC-8BBED883EF77}" type="presParOf" srcId="{039514DD-DEC1-4E0E-BB7E-1D57FBDA8C4D}" destId="{A4A61170-4B68-4203-8563-FB4DDE2CE0A0}" srcOrd="2" destOrd="0" presId="urn:microsoft.com/office/officeart/2008/layout/NameandTitleOrganizationalChart"/>
+    <dgm:cxn modelId="{5EFB7427-C5FD-4A5A-9B68-FF716F3164BA}" type="presParOf" srcId="{06D03520-CB1D-4544-83C4-E36B5B8578D8}" destId="{03AEF608-8C54-4F77-A053-73B28586BBFD}" srcOrd="1" destOrd="0" presId="urn:microsoft.com/office/officeart/2008/layout/NameandTitleOrganizationalChart"/>
+    <dgm:cxn modelId="{EBA9D986-DF3C-4197-8B11-C23B229CA37F}" type="presParOf" srcId="{06D03520-CB1D-4544-83C4-E36B5B8578D8}" destId="{4E26EB5A-29D7-438A-9166-97D8BBDFA4A2}" srcOrd="2" destOrd="0" presId="urn:microsoft.com/office/officeart/2008/layout/NameandTitleOrganizationalChart"/>
+    <dgm:cxn modelId="{EE3D2476-D485-451B-A00A-7BB6027FE647}" type="presParOf" srcId="{8FD1FEFE-ED62-4547-9C29-20A21B9DAE8D}" destId="{50B865DF-5D84-4C4E-A515-093139DB7081}" srcOrd="2" destOrd="0" presId="urn:microsoft.com/office/officeart/2008/layout/NameandTitleOrganizationalChart"/>
+    <dgm:cxn modelId="{E81DE56F-A9B1-4AD0-9351-A27878D6DF0F}" type="presParOf" srcId="{8FD1FEFE-ED62-4547-9C29-20A21B9DAE8D}" destId="{A2CDEE94-EF7F-4A24-B9FD-4FA6B39A6CCC}" srcOrd="3" destOrd="0" presId="urn:microsoft.com/office/officeart/2008/layout/NameandTitleOrganizationalChart"/>
+    <dgm:cxn modelId="{2D82E4FF-6934-4BE4-9A9B-60644DF3A953}" type="presParOf" srcId="{A2CDEE94-EF7F-4A24-B9FD-4FA6B39A6CCC}" destId="{78E2F148-EF7B-4BFC-9ACA-6EF17101FC2E}" srcOrd="0" destOrd="0" presId="urn:microsoft.com/office/officeart/2008/layout/NameandTitleOrganizationalChart"/>
+    <dgm:cxn modelId="{754250D6-7431-4C36-9989-D67297FC7B48}" type="presParOf" srcId="{78E2F148-EF7B-4BFC-9ACA-6EF17101FC2E}" destId="{2373B881-9F7A-4D31-8CA7-C9F47C7E0CAA}" srcOrd="0" destOrd="0" presId="urn:microsoft.com/office/officeart/2008/layout/NameandTitleOrganizationalChart"/>
+    <dgm:cxn modelId="{E8AB0206-3153-4460-8A81-35AA7340FBD0}" type="presParOf" srcId="{78E2F148-EF7B-4BFC-9ACA-6EF17101FC2E}" destId="{99D4BADF-3E2D-4967-8622-57EF488432BC}" srcOrd="1" destOrd="0" presId="urn:microsoft.com/office/officeart/2008/layout/NameandTitleOrganizationalChart"/>
+    <dgm:cxn modelId="{31542443-56A2-4E5E-AB96-C1E91B1E3919}" type="presParOf" srcId="{78E2F148-EF7B-4BFC-9ACA-6EF17101FC2E}" destId="{9AC8E97A-FB94-40D4-B84F-BD974B523AAF}" srcOrd="2" destOrd="0" presId="urn:microsoft.com/office/officeart/2008/layout/NameandTitleOrganizationalChart"/>
+    <dgm:cxn modelId="{A0BBA6FF-CF7F-4D81-81C2-7BD46BAE46AD}" type="presParOf" srcId="{A2CDEE94-EF7F-4A24-B9FD-4FA6B39A6CCC}" destId="{5EFB0F4A-D190-40C5-9A83-BA6E7D1DD7E7}" srcOrd="1" destOrd="0" presId="urn:microsoft.com/office/officeart/2008/layout/NameandTitleOrganizationalChart"/>
+    <dgm:cxn modelId="{146EFFAF-7B84-4BD8-8B1C-0DCD43D7CE63}" type="presParOf" srcId="{A2CDEE94-EF7F-4A24-B9FD-4FA6B39A6CCC}" destId="{20366057-D6B3-41A9-9EC3-2FD29140E1D3}" srcOrd="2" destOrd="0" presId="urn:microsoft.com/office/officeart/2008/layout/NameandTitleOrganizationalChart"/>
+    <dgm:cxn modelId="{A7D48A61-E3B1-4B58-845B-FED524B61A6D}" type="presParOf" srcId="{20366057-D6B3-41A9-9EC3-2FD29140E1D3}" destId="{30F7F9FF-42C7-4CDC-AA28-79919C84CF44}" srcOrd="0" destOrd="0" presId="urn:microsoft.com/office/officeart/2008/layout/NameandTitleOrganizationalChart"/>
+    <dgm:cxn modelId="{6B592B18-9F55-421E-BAE9-99F08FDFAAFF}" type="presParOf" srcId="{20366057-D6B3-41A9-9EC3-2FD29140E1D3}" destId="{ED92ED0E-4510-416A-BA25-BF7FCF725E3E}" srcOrd="1" destOrd="0" presId="urn:microsoft.com/office/officeart/2008/layout/NameandTitleOrganizationalChart"/>
+    <dgm:cxn modelId="{B7B37A68-C50A-4B65-90F2-19C72C6BB27D}" type="presParOf" srcId="{ED92ED0E-4510-416A-BA25-BF7FCF725E3E}" destId="{B1E70B8C-4455-469D-AC32-DAB6E36A94E4}" srcOrd="0" destOrd="0" presId="urn:microsoft.com/office/officeart/2008/layout/NameandTitleOrganizationalChart"/>
+    <dgm:cxn modelId="{438924E6-E338-4F12-8E8C-1E91C6BEB342}" type="presParOf" srcId="{B1E70B8C-4455-469D-AC32-DAB6E36A94E4}" destId="{95D8CEB6-D825-4BE2-8DB3-2898369F7E60}" srcOrd="0" destOrd="0" presId="urn:microsoft.com/office/officeart/2008/layout/NameandTitleOrganizationalChart"/>
+    <dgm:cxn modelId="{65E7EECF-D69C-4D7F-A9E0-958F89E448A9}" type="presParOf" srcId="{B1E70B8C-4455-469D-AC32-DAB6E36A94E4}" destId="{4701DF5A-7A5F-4972-9A7C-79CB737F8DAA}" srcOrd="1" destOrd="0" presId="urn:microsoft.com/office/officeart/2008/layout/NameandTitleOrganizationalChart"/>
+    <dgm:cxn modelId="{97A3431B-051D-4175-8C37-BD94BF698E1D}" type="presParOf" srcId="{B1E70B8C-4455-469D-AC32-DAB6E36A94E4}" destId="{FD3B30D5-60CB-48FE-9D03-5CCC4EA500C7}" srcOrd="2" destOrd="0" presId="urn:microsoft.com/office/officeart/2008/layout/NameandTitleOrganizationalChart"/>
+    <dgm:cxn modelId="{E824A82E-0A8D-4B69-9358-0DF724299072}" type="presParOf" srcId="{ED92ED0E-4510-416A-BA25-BF7FCF725E3E}" destId="{EE5458D5-A708-41BA-8F02-B883469F668B}" srcOrd="1" destOrd="0" presId="urn:microsoft.com/office/officeart/2008/layout/NameandTitleOrganizationalChart"/>
+    <dgm:cxn modelId="{0E9A1B27-7A5A-459E-9D24-CE5E7EF55FD4}" type="presParOf" srcId="{ED92ED0E-4510-416A-BA25-BF7FCF725E3E}" destId="{D534410A-6C83-4A75-B3CE-B23E3B2C6633}" srcOrd="2" destOrd="0" presId="urn:microsoft.com/office/officeart/2008/layout/NameandTitleOrganizationalChart"/>
+    <dgm:cxn modelId="{B3CEB082-B86F-4692-899E-F3C0AF5B4FF1}" type="presParOf" srcId="{8FD1FEFE-ED62-4547-9C29-20A21B9DAE8D}" destId="{17A041A4-2A72-427E-82B4-8BD6FF863646}" srcOrd="4" destOrd="0" presId="urn:microsoft.com/office/officeart/2008/layout/NameandTitleOrganizationalChart"/>
+    <dgm:cxn modelId="{9C2AED8F-CD19-4A44-9059-B3D4CB52B34C}" type="presParOf" srcId="{8FD1FEFE-ED62-4547-9C29-20A21B9DAE8D}" destId="{63BF1A0F-BB63-46DD-913D-08C1FED6241F}" srcOrd="5" destOrd="0" presId="urn:microsoft.com/office/officeart/2008/layout/NameandTitleOrganizationalChart"/>
+    <dgm:cxn modelId="{ECD4B180-675C-4DA0-A232-F04A2A08E846}" type="presParOf" srcId="{63BF1A0F-BB63-46DD-913D-08C1FED6241F}" destId="{F5418F90-9FC1-42CF-9668-931AC83AE8B5}" srcOrd="0" destOrd="0" presId="urn:microsoft.com/office/officeart/2008/layout/NameandTitleOrganizationalChart"/>
+    <dgm:cxn modelId="{FC645283-4F83-4E6A-A6E5-3E1D4B5D0595}" type="presParOf" srcId="{F5418F90-9FC1-42CF-9668-931AC83AE8B5}" destId="{E1A2814E-00AF-45FA-A764-DAAD560BFCBE}" srcOrd="0" destOrd="0" presId="urn:microsoft.com/office/officeart/2008/layout/NameandTitleOrganizationalChart"/>
+    <dgm:cxn modelId="{98212AD3-5232-4488-9E0A-30C66F4F7545}" type="presParOf" srcId="{F5418F90-9FC1-42CF-9668-931AC83AE8B5}" destId="{1F8D5F11-8910-46E1-B068-44E45FF3E6FF}" srcOrd="1" destOrd="0" presId="urn:microsoft.com/office/officeart/2008/layout/NameandTitleOrganizationalChart"/>
+    <dgm:cxn modelId="{534D8946-3B99-4397-97C7-3AA84206E993}" type="presParOf" srcId="{F5418F90-9FC1-42CF-9668-931AC83AE8B5}" destId="{145F4D65-DC37-4AE3-9BA9-A7B5B8D350DF}" srcOrd="2" destOrd="0" presId="urn:microsoft.com/office/officeart/2008/layout/NameandTitleOrganizationalChart"/>
+    <dgm:cxn modelId="{135B6B0B-7446-4D72-B0D8-798272B0E545}" type="presParOf" srcId="{63BF1A0F-BB63-46DD-913D-08C1FED6241F}" destId="{2A71A4D5-9B72-421E-9B6E-EB78A1BBE4B1}" srcOrd="1" destOrd="0" presId="urn:microsoft.com/office/officeart/2008/layout/NameandTitleOrganizationalChart"/>
+    <dgm:cxn modelId="{A01A82A7-D5BC-42B6-B60E-7819045DF0B0}" type="presParOf" srcId="{63BF1A0F-BB63-46DD-913D-08C1FED6241F}" destId="{337697E0-27AE-417C-B3E4-70E3D0D4C181}" srcOrd="2" destOrd="0" presId="urn:microsoft.com/office/officeart/2008/layout/NameandTitleOrganizationalChart"/>
+    <dgm:cxn modelId="{0EA9C03A-15AA-46D2-A27C-55ADC8B7E676}" type="presParOf" srcId="{8FD1FEFE-ED62-4547-9C29-20A21B9DAE8D}" destId="{C874307D-377B-44BE-A3D6-31858804619E}" srcOrd="6" destOrd="0" presId="urn:microsoft.com/office/officeart/2008/layout/NameandTitleOrganizationalChart"/>
+    <dgm:cxn modelId="{3768DDA8-1FDD-4E1A-A93D-BBADA0C4240A}" type="presParOf" srcId="{8FD1FEFE-ED62-4547-9C29-20A21B9DAE8D}" destId="{71959E1F-44EF-44DC-8185-861FC5981A34}" srcOrd="7" destOrd="0" presId="urn:microsoft.com/office/officeart/2008/layout/NameandTitleOrganizationalChart"/>
+    <dgm:cxn modelId="{F37BF84B-0F55-4B58-A79F-3EE5DA4DFCE4}" type="presParOf" srcId="{71959E1F-44EF-44DC-8185-861FC5981A34}" destId="{1A762C78-A9E8-4112-A5B4-F4E479A7344F}" srcOrd="0" destOrd="0" presId="urn:microsoft.com/office/officeart/2008/layout/NameandTitleOrganizationalChart"/>
+    <dgm:cxn modelId="{DE1CC3B8-F590-4168-9C74-30D55B5D0B4F}" type="presParOf" srcId="{1A762C78-A9E8-4112-A5B4-F4E479A7344F}" destId="{CFEFEC0D-446F-499C-8192-A96275E4D758}" srcOrd="0" destOrd="0" presId="urn:microsoft.com/office/officeart/2008/layout/NameandTitleOrganizationalChart"/>
+    <dgm:cxn modelId="{7CF151A1-62C2-4361-A45C-FE5C627333E9}" type="presParOf" srcId="{1A762C78-A9E8-4112-A5B4-F4E479A7344F}" destId="{0E752C1A-A122-4566-B257-E4AEEFE31CAB}" srcOrd="1" destOrd="0" presId="urn:microsoft.com/office/officeart/2008/layout/NameandTitleOrganizationalChart"/>
+    <dgm:cxn modelId="{5782033F-D2C0-4323-9EFD-384D85F5491C}" type="presParOf" srcId="{1A762C78-A9E8-4112-A5B4-F4E479A7344F}" destId="{83366F2D-07D3-40C0-B170-1261A6537C06}" srcOrd="2" destOrd="0" presId="urn:microsoft.com/office/officeart/2008/layout/NameandTitleOrganizationalChart"/>
+    <dgm:cxn modelId="{141AC32E-B9C3-41CD-B7F7-4B9C4AB88E2E}" type="presParOf" srcId="{71959E1F-44EF-44DC-8185-861FC5981A34}" destId="{2D5EBD27-A3C9-4809-BB64-555CCC246F7F}" srcOrd="1" destOrd="0" presId="urn:microsoft.com/office/officeart/2008/layout/NameandTitleOrganizationalChart"/>
+    <dgm:cxn modelId="{F5722DD2-5F6C-49BE-A2B4-3D7DB3CF1C00}" type="presParOf" srcId="{71959E1F-44EF-44DC-8185-861FC5981A34}" destId="{3C0F1BFA-2995-4BDC-8978-FFAA54DCC6CD}" srcOrd="2" destOrd="0" presId="urn:microsoft.com/office/officeart/2008/layout/NameandTitleOrganizationalChart"/>
+    <dgm:cxn modelId="{C46B93F9-7A0F-47C5-B05C-68220CDCF299}" type="presParOf" srcId="{627B8021-F1C7-42D8-AD85-325D1CF74694}" destId="{73C9C004-6F86-45CF-ADA1-44F46B6E113E}" srcOrd="2" destOrd="0" presId="urn:microsoft.com/office/officeart/2008/layout/NameandTitleOrganizationalChart"/>
+  </dgm:cxnLst>
+  <dgm:bg/>
+  <dgm:whole/>
+  <dgm:extLst>
+    <a:ext uri="http://schemas.microsoft.com/office/drawing/2008/diagram">
+      <dsp:dataModelExt xmlns:dsp="http://schemas.microsoft.com/office/drawing/2008/diagram" relId="rId9" minVer="http://schemas.openxmlformats.org/drawingml/2006/diagram"/>
+    </a:ext>
+    <a:ext uri="{C62137D5-CB1D-491B-B009-E17868A290BF}">
+      <dgm14:recolorImg xmlns:dgm14="http://schemas.microsoft.com/office/drawing/2010/diagram" val="1"/>
+    </a:ext>
+  </dgm:extLst>
+</dgm:dataModel>
+</file>
+
+<file path=ppt/diagrams/drawing1.xml><?xml version="1.0" encoding="utf-8"?>
+<dsp:drawing xmlns:dgm="http://schemas.openxmlformats.org/drawingml/2006/diagram" xmlns:dsp="http://schemas.microsoft.com/office/drawing/2008/diagram" xmlns:a="http://schemas.openxmlformats.org/drawingml/2006/main">
+  <dsp:spTree>
+    <dsp:nvGrpSpPr>
+      <dsp:cNvPr id="0" name=""/>
+      <dsp:cNvGrpSpPr/>
+    </dsp:nvGrpSpPr>
+    <dsp:grpSpPr/>
+    <dsp:sp modelId="{C874307D-377B-44BE-A3D6-31858804619E}">
+      <dsp:nvSpPr>
+        <dsp:cNvPr id="0" name=""/>
+        <dsp:cNvSpPr/>
+      </dsp:nvSpPr>
+      <dsp:spPr>
+        <a:xfrm>
+          <a:off x="5089105" y="1182013"/>
+          <a:ext cx="4062571" cy="553391"/>
+        </a:xfrm>
+        <a:custGeom>
+          <a:avLst/>
+          <a:gdLst/>
+          <a:ahLst/>
+          <a:cxnLst/>
+          <a:rect l="0" t="0" r="0" b="0"/>
+          <a:pathLst>
+            <a:path>
+              <a:moveTo>
+                <a:pt x="0" y="0"/>
+              </a:moveTo>
+              <a:lnTo>
+                <a:pt x="0" y="329906"/>
+              </a:lnTo>
+              <a:lnTo>
+                <a:pt x="4062571" y="329906"/>
+              </a:lnTo>
+              <a:lnTo>
+                <a:pt x="4062571" y="553391"/>
+              </a:lnTo>
+            </a:path>
+          </a:pathLst>
+        </a:custGeom>
+        <a:noFill/>
+        <a:ln w="12700" cap="flat" cmpd="sng" algn="ctr">
+          <a:solidFill>
+            <a:schemeClr val="dk2">
+              <a:shade val="60000"/>
+              <a:hueOff val="0"/>
+              <a:satOff val="0"/>
+              <a:lumOff val="0"/>
+              <a:alphaOff val="0"/>
+            </a:schemeClr>
+          </a:solidFill>
+          <a:prstDash val="solid"/>
+          <a:miter lim="800000"/>
+        </a:ln>
+        <a:effectLst/>
+      </dsp:spPr>
+      <dsp:style>
+        <a:lnRef idx="2">
+          <a:scrgbClr r="0" g="0" b="0"/>
+        </a:lnRef>
+        <a:fillRef idx="0">
+          <a:scrgbClr r="0" g="0" b="0"/>
+        </a:fillRef>
+        <a:effectRef idx="0">
+          <a:scrgbClr r="0" g="0" b="0"/>
+        </a:effectRef>
+        <a:fontRef idx="minor"/>
+      </dsp:style>
+    </dsp:sp>
+    <dsp:sp modelId="{17A041A4-2A72-427E-82B4-8BD6FF863646}">
+      <dsp:nvSpPr>
+        <dsp:cNvPr id="0" name=""/>
+        <dsp:cNvSpPr/>
+      </dsp:nvSpPr>
+      <dsp:spPr>
+        <a:xfrm>
+          <a:off x="5089105" y="1182013"/>
+          <a:ext cx="1435687" cy="553391"/>
+        </a:xfrm>
+        <a:custGeom>
+          <a:avLst/>
+          <a:gdLst/>
+          <a:ahLst/>
+          <a:cxnLst/>
+          <a:rect l="0" t="0" r="0" b="0"/>
+          <a:pathLst>
+            <a:path>
+              <a:moveTo>
+                <a:pt x="0" y="0"/>
+              </a:moveTo>
+              <a:lnTo>
+                <a:pt x="0" y="329906"/>
+              </a:lnTo>
+              <a:lnTo>
+                <a:pt x="1435687" y="329906"/>
+              </a:lnTo>
+              <a:lnTo>
+                <a:pt x="1435687" y="553391"/>
+              </a:lnTo>
+            </a:path>
+          </a:pathLst>
+        </a:custGeom>
+        <a:noFill/>
+        <a:ln w="12700" cap="flat" cmpd="sng" algn="ctr">
+          <a:solidFill>
+            <a:schemeClr val="dk2">
+              <a:shade val="60000"/>
+              <a:hueOff val="0"/>
+              <a:satOff val="0"/>
+              <a:lumOff val="0"/>
+              <a:alphaOff val="0"/>
+            </a:schemeClr>
+          </a:solidFill>
+          <a:prstDash val="solid"/>
+          <a:miter lim="800000"/>
+        </a:ln>
+        <a:effectLst/>
+      </dsp:spPr>
+      <dsp:style>
+        <a:lnRef idx="2">
+          <a:scrgbClr r="0" g="0" b="0"/>
+        </a:lnRef>
+        <a:fillRef idx="0">
+          <a:scrgbClr r="0" g="0" b="0"/>
+        </a:fillRef>
+        <a:effectRef idx="0">
+          <a:scrgbClr r="0" g="0" b="0"/>
+        </a:effectRef>
+        <a:fontRef idx="minor"/>
+      </dsp:style>
+    </dsp:sp>
+    <dsp:sp modelId="{30F7F9FF-42C7-4CDC-AA28-79919C84CF44}">
+      <dsp:nvSpPr>
+        <dsp:cNvPr id="0" name=""/>
+        <dsp:cNvSpPr/>
+      </dsp:nvSpPr>
+      <dsp:spPr>
+        <a:xfrm>
+          <a:off x="3664416" y="3051249"/>
+          <a:ext cx="223484" cy="1104892"/>
+        </a:xfrm>
+        <a:custGeom>
+          <a:avLst/>
+          <a:gdLst/>
+          <a:ahLst/>
+          <a:cxnLst/>
+          <a:rect l="0" t="0" r="0" b="0"/>
+          <a:pathLst>
+            <a:path>
+              <a:moveTo>
+                <a:pt x="223484" y="0"/>
+              </a:moveTo>
+              <a:lnTo>
+                <a:pt x="223484" y="1104892"/>
+              </a:lnTo>
+              <a:lnTo>
+                <a:pt x="0" y="1104892"/>
+              </a:lnTo>
+            </a:path>
+          </a:pathLst>
+        </a:custGeom>
+        <a:noFill/>
+        <a:ln w="12700" cap="flat" cmpd="sng" algn="ctr">
+          <a:solidFill>
+            <a:schemeClr val="dk2">
+              <a:shade val="80000"/>
+              <a:hueOff val="0"/>
+              <a:satOff val="0"/>
+              <a:lumOff val="0"/>
+              <a:alphaOff val="0"/>
+            </a:schemeClr>
+          </a:solidFill>
+          <a:prstDash val="solid"/>
+          <a:miter lim="800000"/>
+        </a:ln>
+        <a:effectLst/>
+      </dsp:spPr>
+      <dsp:style>
+        <a:lnRef idx="2">
+          <a:scrgbClr r="0" g="0" b="0"/>
+        </a:lnRef>
+        <a:fillRef idx="0">
+          <a:scrgbClr r="0" g="0" b="0"/>
+        </a:fillRef>
+        <a:effectRef idx="0">
+          <a:scrgbClr r="0" g="0" b="0"/>
+        </a:effectRef>
+        <a:fontRef idx="minor"/>
+      </dsp:style>
+    </dsp:sp>
+    <dsp:sp modelId="{50B865DF-5D84-4C4E-A515-093139DB7081}">
+      <dsp:nvSpPr>
+        <dsp:cNvPr id="0" name=""/>
+        <dsp:cNvSpPr/>
+      </dsp:nvSpPr>
+      <dsp:spPr>
+        <a:xfrm>
+          <a:off x="3887900" y="1182013"/>
+          <a:ext cx="1201204" cy="553391"/>
+        </a:xfrm>
+        <a:custGeom>
+          <a:avLst/>
+          <a:gdLst/>
+          <a:ahLst/>
+          <a:cxnLst/>
+          <a:rect l="0" t="0" r="0" b="0"/>
+          <a:pathLst>
+            <a:path>
+              <a:moveTo>
+                <a:pt x="1201204" y="0"/>
+              </a:moveTo>
+              <a:lnTo>
+                <a:pt x="1201204" y="329906"/>
+              </a:lnTo>
+              <a:lnTo>
+                <a:pt x="0" y="329906"/>
+              </a:lnTo>
+              <a:lnTo>
+                <a:pt x="0" y="553391"/>
+              </a:lnTo>
+            </a:path>
+          </a:pathLst>
+        </a:custGeom>
+        <a:noFill/>
+        <a:ln w="12700" cap="flat" cmpd="sng" algn="ctr">
+          <a:solidFill>
+            <a:schemeClr val="dk2">
+              <a:shade val="60000"/>
+              <a:hueOff val="0"/>
+              <a:satOff val="0"/>
+              <a:lumOff val="0"/>
+              <a:alphaOff val="0"/>
+            </a:schemeClr>
+          </a:solidFill>
+          <a:prstDash val="solid"/>
+          <a:miter lim="800000"/>
+        </a:ln>
+        <a:effectLst/>
+      </dsp:spPr>
+      <dsp:style>
+        <a:lnRef idx="2">
+          <a:scrgbClr r="0" g="0" b="0"/>
+        </a:lnRef>
+        <a:fillRef idx="0">
+          <a:scrgbClr r="0" g="0" b="0"/>
+        </a:fillRef>
+        <a:effectRef idx="0">
+          <a:scrgbClr r="0" g="0" b="0"/>
+        </a:effectRef>
+        <a:fontRef idx="minor"/>
+      </dsp:style>
+    </dsp:sp>
+    <dsp:sp modelId="{3DD9D4D6-940F-4BB0-9613-35A956D67D0B}">
+      <dsp:nvSpPr>
+        <dsp:cNvPr id="0" name=""/>
+        <dsp:cNvSpPr/>
+      </dsp:nvSpPr>
+      <dsp:spPr>
+        <a:xfrm>
+          <a:off x="1154583" y="1182013"/>
+          <a:ext cx="3934522" cy="553391"/>
+        </a:xfrm>
+        <a:custGeom>
+          <a:avLst/>
+          <a:gdLst/>
+          <a:ahLst/>
+          <a:cxnLst/>
+          <a:rect l="0" t="0" r="0" b="0"/>
+          <a:pathLst>
+            <a:path>
+              <a:moveTo>
+                <a:pt x="3934522" y="0"/>
+              </a:moveTo>
+              <a:lnTo>
+                <a:pt x="3934522" y="329906"/>
+              </a:lnTo>
+              <a:lnTo>
+                <a:pt x="0" y="329906"/>
+              </a:lnTo>
+              <a:lnTo>
+                <a:pt x="0" y="553391"/>
+              </a:lnTo>
+            </a:path>
+          </a:pathLst>
+        </a:custGeom>
+        <a:noFill/>
+        <a:ln w="12700" cap="flat" cmpd="sng" algn="ctr">
+          <a:solidFill>
+            <a:schemeClr val="dk2">
+              <a:shade val="60000"/>
+              <a:hueOff val="0"/>
+              <a:satOff val="0"/>
+              <a:lumOff val="0"/>
+              <a:alphaOff val="0"/>
+            </a:schemeClr>
+          </a:solidFill>
+          <a:prstDash val="solid"/>
+          <a:miter lim="800000"/>
+        </a:ln>
+        <a:effectLst/>
+      </dsp:spPr>
+      <dsp:style>
+        <a:lnRef idx="2">
+          <a:scrgbClr r="0" g="0" b="0"/>
+        </a:lnRef>
+        <a:fillRef idx="0">
+          <a:scrgbClr r="0" g="0" b="0"/>
+        </a:fillRef>
+        <a:effectRef idx="0">
+          <a:scrgbClr r="0" g="0" b="0"/>
+        </a:effectRef>
+        <a:fontRef idx="minor"/>
+      </dsp:style>
+    </dsp:sp>
+    <dsp:sp modelId="{ABDCA29E-CE18-441C-8F56-CEC42804163E}">
+      <dsp:nvSpPr>
+        <dsp:cNvPr id="0" name=""/>
+        <dsp:cNvSpPr/>
+      </dsp:nvSpPr>
+      <dsp:spPr>
+        <a:xfrm>
+          <a:off x="4164158" y="224220"/>
+          <a:ext cx="1849893" cy="957792"/>
+        </a:xfrm>
+        <a:prstGeom prst="rect">
+          <a:avLst/>
+        </a:prstGeom>
+        <a:solidFill>
+          <a:schemeClr val="dk2">
+            <a:hueOff val="0"/>
+            <a:satOff val="0"/>
+            <a:lumOff val="0"/>
+            <a:alphaOff val="0"/>
+          </a:schemeClr>
+        </a:solidFill>
+        <a:ln w="12700" cap="flat" cmpd="sng" algn="ctr">
+          <a:solidFill>
+            <a:schemeClr val="lt2">
+              <a:hueOff val="0"/>
+              <a:satOff val="0"/>
+              <a:lumOff val="0"/>
+              <a:alphaOff val="0"/>
+            </a:schemeClr>
+          </a:solidFill>
+          <a:prstDash val="solid"/>
+          <a:miter lim="800000"/>
+        </a:ln>
+        <a:effectLst/>
+      </dsp:spPr>
+      <dsp:style>
+        <a:lnRef idx="2">
+          <a:scrgbClr r="0" g="0" b="0"/>
+        </a:lnRef>
+        <a:fillRef idx="1">
+          <a:scrgbClr r="0" g="0" b="0"/>
+        </a:fillRef>
+        <a:effectRef idx="0">
+          <a:scrgbClr r="0" g="0" b="0"/>
+        </a:effectRef>
+        <a:fontRef idx="minor">
+          <a:schemeClr val="lt1"/>
+        </a:fontRef>
+      </dsp:style>
+      <dsp:txBody>
+        <a:bodyPr spcFirstLastPara="0" vert="horz" wrap="square" lIns="11430" tIns="11430" rIns="11430" bIns="135155" numCol="1" spcCol="1270" anchor="ctr" anchorCtr="0">
+          <a:noAutofit/>
+        </a:bodyPr>
+        <a:lstStyle/>
+        <a:p>
+          <a:pPr marL="0" lvl="0" indent="0" algn="ctr" defTabSz="800100">
+            <a:lnSpc>
+              <a:spcPct val="90000"/>
+            </a:lnSpc>
+            <a:spcBef>
+              <a:spcPct val="0"/>
+            </a:spcBef>
+            <a:spcAft>
+              <a:spcPct val="35000"/>
+            </a:spcAft>
+            <a:buNone/>
+          </a:pPr>
+          <a:r>
+            <a:rPr lang="fr-FR" sz="1800" kern="1200" dirty="0">
+              <a:latin typeface="Gill Sans MT" panose="020B0502020104020203" pitchFamily="34" charset="0"/>
+            </a:rPr>
+            <a:t>RECOURS AUX SOINS</a:t>
+          </a:r>
+        </a:p>
+      </dsp:txBody>
+      <dsp:txXfrm>
+        <a:off x="4164158" y="224220"/>
+        <a:ext cx="1849893" cy="957792"/>
+      </dsp:txXfrm>
+    </dsp:sp>
+    <dsp:sp modelId="{9ADD0247-70CB-4D70-93AE-36E1EDE9B9A8}">
+      <dsp:nvSpPr>
+        <dsp:cNvPr id="0" name=""/>
+        <dsp:cNvSpPr/>
+      </dsp:nvSpPr>
+      <dsp:spPr>
+        <a:xfrm>
+          <a:off x="4775848" y="1037282"/>
+          <a:ext cx="1664903" cy="319264"/>
+        </a:xfrm>
+        <a:prstGeom prst="rect">
+          <a:avLst/>
+        </a:prstGeom>
+        <a:noFill/>
+        <a:ln w="12700" cap="flat" cmpd="sng" algn="ctr">
+          <a:noFill/>
+          <a:prstDash val="solid"/>
+          <a:miter lim="800000"/>
+        </a:ln>
+        <a:effectLst/>
+      </dsp:spPr>
+      <dsp:style>
+        <a:lnRef idx="2">
+          <a:scrgbClr r="0" g="0" b="0"/>
+        </a:lnRef>
+        <a:fillRef idx="1">
+          <a:scrgbClr r="0" g="0" b="0"/>
+        </a:fillRef>
+        <a:effectRef idx="0">
+          <a:scrgbClr r="0" g="0" b="0"/>
+        </a:effectRef>
+        <a:fontRef idx="minor"/>
+      </dsp:style>
+      <dsp:txBody>
+        <a:bodyPr spcFirstLastPara="0" vert="horz" wrap="square" lIns="27940" tIns="6985" rIns="27940" bIns="6985" numCol="1" spcCol="1270" anchor="ctr" anchorCtr="0">
+          <a:noAutofit/>
+        </a:bodyPr>
+        <a:lstStyle/>
+        <a:p>
+          <a:pPr marL="0" lvl="0" indent="0" algn="r" defTabSz="488950">
+            <a:lnSpc>
+              <a:spcPct val="90000"/>
+            </a:lnSpc>
+            <a:spcBef>
+              <a:spcPct val="0"/>
+            </a:spcBef>
+            <a:spcAft>
+              <a:spcPct val="35000"/>
+            </a:spcAft>
+            <a:buNone/>
+          </a:pPr>
+          <a:endParaRPr lang="fr-FR" sz="1100" kern="1200" dirty="0">
+            <a:latin typeface="Gill Sans MT" panose="020B0502020104020203" pitchFamily="34" charset="0"/>
+          </a:endParaRPr>
+        </a:p>
+      </dsp:txBody>
+      <dsp:txXfrm>
+        <a:off x="4775848" y="1037282"/>
+        <a:ext cx="1664903" cy="319264"/>
+      </dsp:txXfrm>
+    </dsp:sp>
+    <dsp:sp modelId="{BDD2DE81-D07F-484F-961E-38E5C95F5D54}">
+      <dsp:nvSpPr>
+        <dsp:cNvPr id="0" name=""/>
+        <dsp:cNvSpPr/>
+      </dsp:nvSpPr>
+      <dsp:spPr>
+        <a:xfrm>
+          <a:off x="101587" y="1735404"/>
+          <a:ext cx="2105992" cy="1348964"/>
+        </a:xfrm>
+        <a:prstGeom prst="rect">
+          <a:avLst/>
+        </a:prstGeom>
+        <a:solidFill>
+          <a:schemeClr val="dk2">
+            <a:hueOff val="0"/>
+            <a:satOff val="0"/>
+            <a:lumOff val="0"/>
+            <a:alphaOff val="0"/>
+          </a:schemeClr>
+        </a:solidFill>
+        <a:ln w="12700" cap="flat" cmpd="sng" algn="ctr">
+          <a:solidFill>
+            <a:schemeClr val="lt2">
+              <a:hueOff val="0"/>
+              <a:satOff val="0"/>
+              <a:lumOff val="0"/>
+              <a:alphaOff val="0"/>
+            </a:schemeClr>
+          </a:solidFill>
+          <a:prstDash val="solid"/>
+          <a:miter lim="800000"/>
+        </a:ln>
+        <a:effectLst/>
+      </dsp:spPr>
+      <dsp:style>
+        <a:lnRef idx="2">
+          <a:scrgbClr r="0" g="0" b="0"/>
+        </a:lnRef>
+        <a:fillRef idx="1">
+          <a:scrgbClr r="0" g="0" b="0"/>
+        </a:fillRef>
+        <a:effectRef idx="0">
+          <a:scrgbClr r="0" g="0" b="0"/>
+        </a:effectRef>
+        <a:fontRef idx="minor">
+          <a:schemeClr val="lt1"/>
+        </a:fontRef>
+      </dsp:style>
+      <dsp:txBody>
+        <a:bodyPr spcFirstLastPara="0" vert="horz" wrap="square" lIns="6985" tIns="6985" rIns="6985" bIns="135155" numCol="1" spcCol="1270" anchor="ctr" anchorCtr="0">
+          <a:noAutofit/>
+        </a:bodyPr>
+        <a:lstStyle/>
+        <a:p>
+          <a:pPr marL="0" lvl="0" indent="0" algn="ctr" defTabSz="488950">
+            <a:lnSpc>
+              <a:spcPct val="90000"/>
+            </a:lnSpc>
+            <a:spcBef>
+              <a:spcPct val="0"/>
+            </a:spcBef>
+            <a:spcAft>
+              <a:spcPct val="35000"/>
+            </a:spcAft>
+            <a:buNone/>
+          </a:pPr>
+          <a:r>
+            <a:rPr lang="fr-FR" sz="1100" b="1" kern="1200" dirty="0">
+              <a:latin typeface="Gill Sans MT" panose="020B0502020104020203" pitchFamily="34" charset="0"/>
+            </a:rPr>
+            <a:t>↑ 65-79 ans (chroniques)</a:t>
+          </a:r>
+          <a:br>
+            <a:rPr lang="fr-FR" sz="1100" b="1" kern="1200" dirty="0">
+              <a:latin typeface="Gill Sans MT" panose="020B0502020104020203" pitchFamily="34" charset="0"/>
+            </a:rPr>
+          </a:br>
+          <a:br>
+            <a:rPr lang="fr-FR" sz="1100" b="1" kern="1200" dirty="0">
+              <a:latin typeface="Gill Sans MT" panose="020B0502020104020203" pitchFamily="34" charset="0"/>
+            </a:rPr>
+          </a:br>
+          <a:r>
+            <a:rPr lang="fr-FR" sz="1100" b="1" kern="1200" dirty="0">
+              <a:latin typeface="Gill Sans MT" panose="020B0502020104020203" pitchFamily="34" charset="0"/>
+            </a:rPr>
+            <a:t>↓ 18-35 ans (sporadiques)</a:t>
+          </a:r>
+          <a:endParaRPr lang="fr-FR" sz="1100" kern="1200" dirty="0">
+            <a:latin typeface="Gill Sans MT" panose="020B0502020104020203" pitchFamily="34" charset="0"/>
+          </a:endParaRPr>
+        </a:p>
+      </dsp:txBody>
+      <dsp:txXfrm>
+        <a:off x="101587" y="1735404"/>
+        <a:ext cx="2105992" cy="1348964"/>
+      </dsp:txXfrm>
+    </dsp:sp>
+    <dsp:sp modelId="{EB73548C-7AE5-4B06-85AE-EBA1DB090AD4}">
+      <dsp:nvSpPr>
+        <dsp:cNvPr id="0" name=""/>
+        <dsp:cNvSpPr/>
+      </dsp:nvSpPr>
+      <dsp:spPr>
+        <a:xfrm>
+          <a:off x="530005" y="2936955"/>
+          <a:ext cx="1664903" cy="319264"/>
+        </a:xfrm>
+        <a:prstGeom prst="rect">
+          <a:avLst/>
+        </a:prstGeom>
+        <a:solidFill>
+          <a:schemeClr val="lt2">
+            <a:alpha val="90000"/>
+            <a:hueOff val="0"/>
+            <a:satOff val="0"/>
+            <a:lumOff val="0"/>
+            <a:alphaOff val="0"/>
+          </a:schemeClr>
+        </a:solidFill>
+        <a:ln w="12700" cap="flat" cmpd="sng" algn="ctr">
+          <a:solidFill>
+            <a:schemeClr val="dk2">
+              <a:hueOff val="0"/>
+              <a:satOff val="0"/>
+              <a:lumOff val="0"/>
+              <a:alphaOff val="0"/>
+            </a:schemeClr>
+          </a:solidFill>
+          <a:prstDash val="solid"/>
+          <a:miter lim="800000"/>
+        </a:ln>
+        <a:effectLst/>
+      </dsp:spPr>
+      <dsp:style>
+        <a:lnRef idx="2">
+          <a:scrgbClr r="0" g="0" b="0"/>
+        </a:lnRef>
+        <a:fillRef idx="1">
+          <a:scrgbClr r="0" g="0" b="0"/>
+        </a:fillRef>
+        <a:effectRef idx="0">
+          <a:scrgbClr r="0" g="0" b="0"/>
+        </a:effectRef>
+        <a:fontRef idx="minor"/>
+      </dsp:style>
+      <dsp:txBody>
+        <a:bodyPr spcFirstLastPara="0" vert="horz" wrap="square" lIns="27940" tIns="6985" rIns="27940" bIns="6985" numCol="1" spcCol="1270" anchor="ctr" anchorCtr="0">
+          <a:noAutofit/>
+        </a:bodyPr>
+        <a:lstStyle/>
+        <a:p>
+          <a:pPr marL="0" lvl="0" indent="0" algn="ctr" defTabSz="488950">
+            <a:lnSpc>
+              <a:spcPct val="90000"/>
+            </a:lnSpc>
+            <a:spcBef>
+              <a:spcPct val="0"/>
+            </a:spcBef>
+            <a:spcAft>
+              <a:spcPct val="35000"/>
+            </a:spcAft>
+            <a:buNone/>
+          </a:pPr>
+          <a:r>
+            <a:rPr lang="fr-FR" sz="1100" kern="1200" dirty="0">
+              <a:latin typeface="Gill Sans MT" panose="020B0502020104020203" pitchFamily="34" charset="0"/>
+            </a:rPr>
+            <a:t>Age</a:t>
+          </a:r>
+        </a:p>
+      </dsp:txBody>
+      <dsp:txXfrm>
+        <a:off x="530005" y="2936955"/>
+        <a:ext cx="1664903" cy="319264"/>
+      </dsp:txXfrm>
+    </dsp:sp>
+    <dsp:sp modelId="{2373B881-9F7A-4D31-8CA7-C9F47C7E0CAA}">
+      <dsp:nvSpPr>
+        <dsp:cNvPr id="0" name=""/>
+        <dsp:cNvSpPr/>
+      </dsp:nvSpPr>
+      <dsp:spPr>
+        <a:xfrm>
+          <a:off x="2711489" y="1735404"/>
+          <a:ext cx="2352823" cy="1315844"/>
+        </a:xfrm>
+        <a:prstGeom prst="rect">
+          <a:avLst/>
+        </a:prstGeom>
+        <a:solidFill>
+          <a:schemeClr val="dk2">
+            <a:hueOff val="0"/>
+            <a:satOff val="0"/>
+            <a:lumOff val="0"/>
+            <a:alphaOff val="0"/>
+          </a:schemeClr>
+        </a:solidFill>
+        <a:ln w="12700" cap="flat" cmpd="sng" algn="ctr">
+          <a:solidFill>
+            <a:schemeClr val="lt2">
+              <a:hueOff val="0"/>
+              <a:satOff val="0"/>
+              <a:lumOff val="0"/>
+              <a:alphaOff val="0"/>
+            </a:schemeClr>
+          </a:solidFill>
+          <a:prstDash val="solid"/>
+          <a:miter lim="800000"/>
+        </a:ln>
+        <a:effectLst/>
+      </dsp:spPr>
+      <dsp:style>
+        <a:lnRef idx="2">
+          <a:scrgbClr r="0" g="0" b="0"/>
+        </a:lnRef>
+        <a:fillRef idx="1">
+          <a:scrgbClr r="0" g="0" b="0"/>
+        </a:fillRef>
+        <a:effectRef idx="0">
+          <a:scrgbClr r="0" g="0" b="0"/>
+        </a:effectRef>
+        <a:fontRef idx="minor">
+          <a:schemeClr val="lt1"/>
+        </a:fontRef>
+      </dsp:style>
+      <dsp:txBody>
+        <a:bodyPr spcFirstLastPara="0" vert="horz" wrap="square" lIns="6985" tIns="6985" rIns="6985" bIns="135155" numCol="1" spcCol="1270" anchor="ctr" anchorCtr="0">
+          <a:noAutofit/>
+        </a:bodyPr>
+        <a:lstStyle/>
+        <a:p>
+          <a:pPr marL="0" lvl="0" indent="0" algn="ctr" defTabSz="488950">
+            <a:lnSpc>
+              <a:spcPct val="90000"/>
+            </a:lnSpc>
+            <a:spcBef>
+              <a:spcPct val="0"/>
+            </a:spcBef>
+            <a:spcAft>
+              <a:spcPct val="35000"/>
+            </a:spcAft>
+            <a:buNone/>
+          </a:pPr>
+          <a:r>
+            <a:rPr lang="fr-FR" sz="1100" b="1" kern="1200" dirty="0">
+              <a:latin typeface="Gill Sans MT" panose="020B0502020104020203" pitchFamily="34" charset="0"/>
+            </a:rPr>
+            <a:t>↑ Revenus Elevés</a:t>
+          </a:r>
+          <a:br>
+            <a:rPr lang="fr-FR" sz="1100" b="1" kern="1200" dirty="0">
+              <a:latin typeface="Gill Sans MT" panose="020B0502020104020203" pitchFamily="34" charset="0"/>
+            </a:rPr>
+          </a:br>
+          <a:br>
+            <a:rPr lang="fr-FR" sz="1100" b="1" kern="1200" dirty="0">
+              <a:latin typeface="Gill Sans MT" panose="020B0502020104020203" pitchFamily="34" charset="0"/>
+            </a:rPr>
+          </a:br>
+          <a:r>
+            <a:rPr lang="fr-FR" sz="1100" b="1" kern="1200" dirty="0">
+              <a:latin typeface="Gill Sans MT" panose="020B0502020104020203" pitchFamily="34" charset="0"/>
+            </a:rPr>
+            <a:t>↓ Précarités (obstacles)</a:t>
+          </a:r>
+          <a:endParaRPr lang="fr-FR" sz="1100" kern="1200" dirty="0">
+            <a:latin typeface="Gill Sans MT" panose="020B0502020104020203" pitchFamily="34" charset="0"/>
+          </a:endParaRPr>
+        </a:p>
+      </dsp:txBody>
+      <dsp:txXfrm>
+        <a:off x="2711489" y="1735404"/>
+        <a:ext cx="2352823" cy="1315844"/>
+      </dsp:txXfrm>
+    </dsp:sp>
+    <dsp:sp modelId="{99D4BADF-3E2D-4967-8622-57EF488432BC}">
+      <dsp:nvSpPr>
+        <dsp:cNvPr id="0" name=""/>
+        <dsp:cNvSpPr/>
+      </dsp:nvSpPr>
+      <dsp:spPr>
+        <a:xfrm>
+          <a:off x="3254815" y="2908167"/>
+          <a:ext cx="1664903" cy="319264"/>
+        </a:xfrm>
+        <a:prstGeom prst="rect">
+          <a:avLst/>
+        </a:prstGeom>
+        <a:solidFill>
+          <a:schemeClr val="lt2">
+            <a:alpha val="90000"/>
+            <a:hueOff val="0"/>
+            <a:satOff val="0"/>
+            <a:lumOff val="0"/>
+            <a:alphaOff val="0"/>
+          </a:schemeClr>
+        </a:solidFill>
+        <a:ln w="12700" cap="flat" cmpd="sng" algn="ctr">
+          <a:solidFill>
+            <a:schemeClr val="dk2">
+              <a:hueOff val="0"/>
+              <a:satOff val="0"/>
+              <a:lumOff val="0"/>
+              <a:alphaOff val="0"/>
+            </a:schemeClr>
+          </a:solidFill>
+          <a:prstDash val="solid"/>
+          <a:miter lim="800000"/>
+        </a:ln>
+        <a:effectLst/>
+      </dsp:spPr>
+      <dsp:style>
+        <a:lnRef idx="2">
+          <a:scrgbClr r="0" g="0" b="0"/>
+        </a:lnRef>
+        <a:fillRef idx="1">
+          <a:scrgbClr r="0" g="0" b="0"/>
+        </a:fillRef>
+        <a:effectRef idx="0">
+          <a:scrgbClr r="0" g="0" b="0"/>
+        </a:effectRef>
+        <a:fontRef idx="minor"/>
+      </dsp:style>
+      <dsp:txBody>
+        <a:bodyPr spcFirstLastPara="0" vert="horz" wrap="square" lIns="27940" tIns="6985" rIns="27940" bIns="6985" numCol="1" spcCol="1270" anchor="ctr" anchorCtr="0">
+          <a:noAutofit/>
+        </a:bodyPr>
+        <a:lstStyle/>
+        <a:p>
+          <a:pPr marL="0" lvl="0" indent="0" algn="ctr" defTabSz="488950">
+            <a:lnSpc>
+              <a:spcPct val="90000"/>
+            </a:lnSpc>
+            <a:spcBef>
+              <a:spcPct val="0"/>
+            </a:spcBef>
+            <a:spcAft>
+              <a:spcPct val="35000"/>
+            </a:spcAft>
+            <a:buNone/>
+          </a:pPr>
+          <a:r>
+            <a:rPr lang="fr-FR" sz="1100" kern="1200" dirty="0">
+              <a:latin typeface="Gill Sans MT" panose="020B0502020104020203" pitchFamily="34" charset="0"/>
+            </a:rPr>
+            <a:t>Statut Socio-Eco</a:t>
+          </a:r>
+        </a:p>
+      </dsp:txBody>
+      <dsp:txXfrm>
+        <a:off x="3254815" y="2908167"/>
+        <a:ext cx="1664903" cy="319264"/>
+      </dsp:txXfrm>
+    </dsp:sp>
+    <dsp:sp modelId="{95D8CEB6-D825-4BE2-8DB3-2898369F7E60}">
+      <dsp:nvSpPr>
+        <dsp:cNvPr id="0" name=""/>
+        <dsp:cNvSpPr/>
+      </dsp:nvSpPr>
+      <dsp:spPr>
+        <a:xfrm>
+          <a:off x="1311592" y="3498218"/>
+          <a:ext cx="2352823" cy="1315844"/>
+        </a:xfrm>
+        <a:prstGeom prst="rect">
+          <a:avLst/>
+        </a:prstGeom>
+        <a:solidFill>
+          <a:schemeClr val="dk2">
+            <a:hueOff val="0"/>
+            <a:satOff val="0"/>
+            <a:lumOff val="0"/>
+            <a:alphaOff val="0"/>
+          </a:schemeClr>
+        </a:solidFill>
+        <a:ln w="12700" cap="flat" cmpd="sng" algn="ctr">
+          <a:solidFill>
+            <a:schemeClr val="lt2">
+              <a:hueOff val="0"/>
+              <a:satOff val="0"/>
+              <a:lumOff val="0"/>
+              <a:alphaOff val="0"/>
+            </a:schemeClr>
+          </a:solidFill>
+          <a:prstDash val="solid"/>
+          <a:miter lim="800000"/>
+        </a:ln>
+        <a:effectLst/>
+      </dsp:spPr>
+      <dsp:style>
+        <a:lnRef idx="2">
+          <a:scrgbClr r="0" g="0" b="0"/>
+        </a:lnRef>
+        <a:fillRef idx="1">
+          <a:scrgbClr r="0" g="0" b="0"/>
+        </a:fillRef>
+        <a:effectRef idx="0">
+          <a:scrgbClr r="0" g="0" b="0"/>
+        </a:effectRef>
+        <a:fontRef idx="minor">
+          <a:schemeClr val="lt1"/>
+        </a:fontRef>
+      </dsp:style>
+      <dsp:txBody>
+        <a:bodyPr spcFirstLastPara="0" vert="horz" wrap="square" lIns="6985" tIns="6985" rIns="6985" bIns="135155" numCol="1" spcCol="1270" anchor="ctr" anchorCtr="0">
+          <a:noAutofit/>
+        </a:bodyPr>
+        <a:lstStyle/>
+        <a:p>
+          <a:pPr marL="0" lvl="0" indent="0" algn="ctr" defTabSz="488950">
+            <a:lnSpc>
+              <a:spcPct val="90000"/>
+            </a:lnSpc>
+            <a:spcBef>
+              <a:spcPct val="0"/>
+            </a:spcBef>
+            <a:spcAft>
+              <a:spcPct val="35000"/>
+            </a:spcAft>
+            <a:buNone/>
+          </a:pPr>
+          <a:r>
+            <a:rPr lang="fr-FR" sz="1100" b="1" kern="1200" dirty="0">
+              <a:latin typeface="Gill Sans MT" panose="020B0502020104020203" pitchFamily="34" charset="0"/>
+            </a:rPr>
+            <a:t>↑ Négative</a:t>
+          </a:r>
+          <a:br>
+            <a:rPr lang="fr-FR" sz="1100" b="1" kern="1200" dirty="0">
+              <a:latin typeface="Gill Sans MT" panose="020B0502020104020203" pitchFamily="34" charset="0"/>
+            </a:rPr>
+          </a:br>
+          <a:br>
+            <a:rPr lang="fr-FR" sz="1100" b="1" kern="1200" dirty="0">
+              <a:latin typeface="Gill Sans MT" panose="020B0502020104020203" pitchFamily="34" charset="0"/>
+            </a:rPr>
+          </a:br>
+          <a:r>
+            <a:rPr lang="fr-FR" sz="1100" b="1" kern="1200" dirty="0">
+              <a:latin typeface="Gill Sans MT" panose="020B0502020104020203" pitchFamily="34" charset="0"/>
+            </a:rPr>
+            <a:t>↓ Positive</a:t>
+          </a:r>
+          <a:endParaRPr lang="fr-FR" sz="1100" kern="1200" dirty="0"/>
+        </a:p>
+      </dsp:txBody>
+      <dsp:txXfrm>
+        <a:off x="1311592" y="3498218"/>
+        <a:ext cx="2352823" cy="1315844"/>
+      </dsp:txXfrm>
+    </dsp:sp>
+    <dsp:sp modelId="{4701DF5A-7A5F-4972-9A7C-79CB737F8DAA}">
+      <dsp:nvSpPr>
+        <dsp:cNvPr id="0" name=""/>
+        <dsp:cNvSpPr/>
+      </dsp:nvSpPr>
+      <dsp:spPr>
+        <a:xfrm>
+          <a:off x="1933036" y="4422194"/>
+          <a:ext cx="1664903" cy="319264"/>
+        </a:xfrm>
+        <a:prstGeom prst="rect">
+          <a:avLst/>
+        </a:prstGeom>
+        <a:solidFill>
+          <a:schemeClr val="lt2">
+            <a:alpha val="90000"/>
+            <a:hueOff val="0"/>
+            <a:satOff val="0"/>
+            <a:lumOff val="0"/>
+            <a:alphaOff val="0"/>
+          </a:schemeClr>
+        </a:solidFill>
+        <a:ln w="12700" cap="flat" cmpd="sng" algn="ctr">
+          <a:solidFill>
+            <a:schemeClr val="dk2">
+              <a:hueOff val="0"/>
+              <a:satOff val="0"/>
+              <a:lumOff val="0"/>
+              <a:alphaOff val="0"/>
+            </a:schemeClr>
+          </a:solidFill>
+          <a:prstDash val="solid"/>
+          <a:miter lim="800000"/>
+        </a:ln>
+        <a:effectLst/>
+      </dsp:spPr>
+      <dsp:style>
+        <a:lnRef idx="2">
+          <a:scrgbClr r="0" g="0" b="0"/>
+        </a:lnRef>
+        <a:fillRef idx="1">
+          <a:scrgbClr r="0" g="0" b="0"/>
+        </a:fillRef>
+        <a:effectRef idx="0">
+          <a:scrgbClr r="0" g="0" b="0"/>
+        </a:effectRef>
+        <a:fontRef idx="minor"/>
+      </dsp:style>
+      <dsp:txBody>
+        <a:bodyPr spcFirstLastPara="0" vert="horz" wrap="square" lIns="35560" tIns="8890" rIns="35560" bIns="8890" numCol="1" spcCol="1270" anchor="ctr" anchorCtr="0">
+          <a:noAutofit/>
+        </a:bodyPr>
+        <a:lstStyle/>
+        <a:p>
+          <a:pPr marL="0" lvl="0" indent="0" algn="ctr" defTabSz="622300">
+            <a:lnSpc>
+              <a:spcPct val="90000"/>
+            </a:lnSpc>
+            <a:spcBef>
+              <a:spcPct val="0"/>
+            </a:spcBef>
+            <a:spcAft>
+              <a:spcPct val="35000"/>
+            </a:spcAft>
+            <a:buNone/>
+          </a:pPr>
+          <a:r>
+            <a:rPr lang="fr-FR" sz="1400" kern="1200" dirty="0">
+              <a:latin typeface="Gill Sans MT" panose="020B0502020104020203" pitchFamily="34" charset="0"/>
+            </a:rPr>
+            <a:t>Perception de la santé</a:t>
+          </a:r>
+        </a:p>
+      </dsp:txBody>
+      <dsp:txXfrm>
+        <a:off x="1933036" y="4422194"/>
+        <a:ext cx="1664903" cy="319264"/>
+      </dsp:txXfrm>
+    </dsp:sp>
+    <dsp:sp modelId="{E1A2814E-00AF-45FA-A764-DAAD560BFCBE}">
+      <dsp:nvSpPr>
+        <dsp:cNvPr id="0" name=""/>
+        <dsp:cNvSpPr/>
+      </dsp:nvSpPr>
+      <dsp:spPr>
+        <a:xfrm>
+          <a:off x="5511282" y="1735404"/>
+          <a:ext cx="2027020" cy="1288020"/>
+        </a:xfrm>
+        <a:prstGeom prst="rect">
+          <a:avLst/>
+        </a:prstGeom>
+        <a:solidFill>
+          <a:schemeClr val="dk2">
+            <a:hueOff val="0"/>
+            <a:satOff val="0"/>
+            <a:lumOff val="0"/>
+            <a:alphaOff val="0"/>
+          </a:schemeClr>
+        </a:solidFill>
+        <a:ln w="12700" cap="flat" cmpd="sng" algn="ctr">
+          <a:solidFill>
+            <a:schemeClr val="lt2">
+              <a:hueOff val="0"/>
+              <a:satOff val="0"/>
+              <a:lumOff val="0"/>
+              <a:alphaOff val="0"/>
+            </a:schemeClr>
+          </a:solidFill>
+          <a:prstDash val="solid"/>
+          <a:miter lim="800000"/>
+        </a:ln>
+        <a:effectLst/>
+      </dsp:spPr>
+      <dsp:style>
+        <a:lnRef idx="2">
+          <a:scrgbClr r="0" g="0" b="0"/>
+        </a:lnRef>
+        <a:fillRef idx="1">
+          <a:scrgbClr r="0" g="0" b="0"/>
+        </a:fillRef>
+        <a:effectRef idx="0">
+          <a:scrgbClr r="0" g="0" b="0"/>
+        </a:effectRef>
+        <a:fontRef idx="minor">
+          <a:schemeClr val="lt1"/>
+        </a:fontRef>
+      </dsp:style>
+      <dsp:txBody>
+        <a:bodyPr spcFirstLastPara="0" vert="horz" wrap="square" lIns="6985" tIns="6985" rIns="6985" bIns="135155" numCol="1" spcCol="1270" anchor="ctr" anchorCtr="0">
+          <a:noAutofit/>
+        </a:bodyPr>
+        <a:lstStyle/>
+        <a:p>
+          <a:pPr marL="0" lvl="0" indent="0" algn="ctr" defTabSz="488950">
+            <a:lnSpc>
+              <a:spcPct val="90000"/>
+            </a:lnSpc>
+            <a:spcBef>
+              <a:spcPct val="0"/>
+            </a:spcBef>
+            <a:spcAft>
+              <a:spcPct val="35000"/>
+            </a:spcAft>
+            <a:buNone/>
+          </a:pPr>
+          <a:r>
+            <a:rPr lang="fr-FR" sz="1100" b="1" kern="1200" dirty="0">
+              <a:latin typeface="Gill Sans MT" panose="020B0502020104020203" pitchFamily="34" charset="0"/>
+            </a:rPr>
+            <a:t>↑ Femmes (préventif)</a:t>
+          </a:r>
+          <a:br>
+            <a:rPr lang="fr-FR" sz="1100" b="1" kern="1200" dirty="0">
+              <a:latin typeface="Gill Sans MT" panose="020B0502020104020203" pitchFamily="34" charset="0"/>
+            </a:rPr>
+          </a:br>
+          <a:br>
+            <a:rPr lang="fr-FR" sz="1100" b="1" kern="1200" dirty="0">
+              <a:latin typeface="Gill Sans MT" panose="020B0502020104020203" pitchFamily="34" charset="0"/>
+            </a:rPr>
+          </a:br>
+          <a:r>
+            <a:rPr lang="fr-FR" sz="1100" b="1" kern="1200" dirty="0">
+              <a:latin typeface="Gill Sans MT" panose="020B0502020104020203" pitchFamily="34" charset="0"/>
+            </a:rPr>
+            <a:t>↓ Hommes (sous-utilisent)</a:t>
+          </a:r>
+          <a:endParaRPr lang="fr-FR" sz="1100" kern="1200" dirty="0">
+            <a:latin typeface="Gill Sans MT" panose="020B0502020104020203" pitchFamily="34" charset="0"/>
+          </a:endParaRPr>
+        </a:p>
+      </dsp:txBody>
+      <dsp:txXfrm>
+        <a:off x="5511282" y="1735404"/>
+        <a:ext cx="2027020" cy="1288020"/>
+      </dsp:txXfrm>
+    </dsp:sp>
+    <dsp:sp modelId="{1F8D5F11-8910-46E1-B068-44E45FF3E6FF}">
+      <dsp:nvSpPr>
+        <dsp:cNvPr id="0" name=""/>
+        <dsp:cNvSpPr/>
+      </dsp:nvSpPr>
+      <dsp:spPr>
+        <a:xfrm>
+          <a:off x="5803218" y="2908165"/>
+          <a:ext cx="1664903" cy="319264"/>
+        </a:xfrm>
+        <a:prstGeom prst="rect">
+          <a:avLst/>
+        </a:prstGeom>
+        <a:solidFill>
+          <a:schemeClr val="lt2">
+            <a:alpha val="90000"/>
+            <a:hueOff val="0"/>
+            <a:satOff val="0"/>
+            <a:lumOff val="0"/>
+            <a:alphaOff val="0"/>
+          </a:schemeClr>
+        </a:solidFill>
+        <a:ln w="12700" cap="flat" cmpd="sng" algn="ctr">
+          <a:solidFill>
+            <a:schemeClr val="dk2">
+              <a:hueOff val="0"/>
+              <a:satOff val="0"/>
+              <a:lumOff val="0"/>
+              <a:alphaOff val="0"/>
+            </a:schemeClr>
+          </a:solidFill>
+          <a:prstDash val="solid"/>
+          <a:miter lim="800000"/>
+        </a:ln>
+        <a:effectLst/>
+      </dsp:spPr>
+      <dsp:style>
+        <a:lnRef idx="2">
+          <a:scrgbClr r="0" g="0" b="0"/>
+        </a:lnRef>
+        <a:fillRef idx="1">
+          <a:scrgbClr r="0" g="0" b="0"/>
+        </a:fillRef>
+        <a:effectRef idx="0">
+          <a:scrgbClr r="0" g="0" b="0"/>
+        </a:effectRef>
+        <a:fontRef idx="minor"/>
+      </dsp:style>
+      <dsp:txBody>
+        <a:bodyPr spcFirstLastPara="0" vert="horz" wrap="square" lIns="27940" tIns="6985" rIns="27940" bIns="6985" numCol="1" spcCol="1270" anchor="ctr" anchorCtr="0">
+          <a:noAutofit/>
+        </a:bodyPr>
+        <a:lstStyle/>
+        <a:p>
+          <a:pPr marL="0" lvl="0" indent="0" algn="ctr" defTabSz="488950">
+            <a:lnSpc>
+              <a:spcPct val="90000"/>
+            </a:lnSpc>
+            <a:spcBef>
+              <a:spcPct val="0"/>
+            </a:spcBef>
+            <a:spcAft>
+              <a:spcPct val="35000"/>
+            </a:spcAft>
+            <a:buNone/>
+          </a:pPr>
+          <a:r>
+            <a:rPr lang="fr-FR" sz="1100" kern="1200" dirty="0">
+              <a:latin typeface="Gill Sans MT" panose="020B0502020104020203" pitchFamily="34" charset="0"/>
+            </a:rPr>
+            <a:t>Sexe</a:t>
+          </a:r>
+        </a:p>
+      </dsp:txBody>
+      <dsp:txXfrm>
+        <a:off x="5803218" y="2908165"/>
+        <a:ext cx="1664903" cy="319264"/>
+      </dsp:txXfrm>
+    </dsp:sp>
+    <dsp:sp modelId="{CFEFEC0D-446F-499C-8192-A96275E4D758}">
+      <dsp:nvSpPr>
+        <dsp:cNvPr id="0" name=""/>
+        <dsp:cNvSpPr/>
+      </dsp:nvSpPr>
+      <dsp:spPr>
+        <a:xfrm>
+          <a:off x="8081698" y="1735404"/>
+          <a:ext cx="2139956" cy="1278854"/>
+        </a:xfrm>
+        <a:prstGeom prst="rect">
+          <a:avLst/>
+        </a:prstGeom>
+        <a:solidFill>
+          <a:schemeClr val="dk2">
+            <a:hueOff val="0"/>
+            <a:satOff val="0"/>
+            <a:lumOff val="0"/>
+            <a:alphaOff val="0"/>
+          </a:schemeClr>
+        </a:solidFill>
+        <a:ln w="12700" cap="flat" cmpd="sng" algn="ctr">
+          <a:solidFill>
+            <a:schemeClr val="lt2">
+              <a:hueOff val="0"/>
+              <a:satOff val="0"/>
+              <a:lumOff val="0"/>
+              <a:alphaOff val="0"/>
+            </a:schemeClr>
+          </a:solidFill>
+          <a:prstDash val="solid"/>
+          <a:miter lim="800000"/>
+        </a:ln>
+        <a:effectLst/>
+      </dsp:spPr>
+      <dsp:style>
+        <a:lnRef idx="2">
+          <a:scrgbClr r="0" g="0" b="0"/>
+        </a:lnRef>
+        <a:fillRef idx="1">
+          <a:scrgbClr r="0" g="0" b="0"/>
+        </a:fillRef>
+        <a:effectRef idx="0">
+          <a:scrgbClr r="0" g="0" b="0"/>
+        </a:effectRef>
+        <a:fontRef idx="minor">
+          <a:schemeClr val="lt1"/>
+        </a:fontRef>
+      </dsp:style>
+      <dsp:txBody>
+        <a:bodyPr spcFirstLastPara="0" vert="horz" wrap="square" lIns="6985" tIns="6985" rIns="6985" bIns="135155" numCol="1" spcCol="1270" anchor="ctr" anchorCtr="0">
+          <a:noAutofit/>
+        </a:bodyPr>
+        <a:lstStyle/>
+        <a:p>
+          <a:pPr marL="0" lvl="0" indent="0" algn="ctr" defTabSz="488950">
+            <a:lnSpc>
+              <a:spcPct val="90000"/>
+            </a:lnSpc>
+            <a:spcBef>
+              <a:spcPct val="0"/>
+            </a:spcBef>
+            <a:spcAft>
+              <a:spcPct val="35000"/>
+            </a:spcAft>
+            <a:buNone/>
+          </a:pPr>
+          <a:r>
+            <a:rPr lang="fr-FR" sz="1100" b="1" kern="1200" dirty="0">
+              <a:latin typeface="Gill Sans MT" panose="020B0502020104020203" pitchFamily="34" charset="0"/>
+            </a:rPr>
+            <a:t>↑ Zones urbaines (denses)</a:t>
+          </a:r>
+          <a:br>
+            <a:rPr lang="fr-FR" sz="1100" b="1" kern="1200" dirty="0">
+              <a:latin typeface="Gill Sans MT" panose="020B0502020104020203" pitchFamily="34" charset="0"/>
+            </a:rPr>
+          </a:br>
+          <a:br>
+            <a:rPr lang="fr-FR" sz="1100" b="1" kern="1200" dirty="0">
+              <a:latin typeface="Gill Sans MT" panose="020B0502020104020203" pitchFamily="34" charset="0"/>
+            </a:rPr>
+          </a:br>
+          <a:r>
+            <a:rPr lang="fr-FR" sz="1100" b="1" kern="1200" dirty="0">
+              <a:latin typeface="Gill Sans MT" panose="020B0502020104020203" pitchFamily="34" charset="0"/>
+            </a:rPr>
+            <a:t>↓ Zones rurales (déserts médicaux)</a:t>
+          </a:r>
+          <a:endParaRPr lang="fr-FR" sz="1100" kern="1200" dirty="0">
+            <a:latin typeface="Gill Sans MT" panose="020B0502020104020203" pitchFamily="34" charset="0"/>
+          </a:endParaRPr>
+        </a:p>
+      </dsp:txBody>
+      <dsp:txXfrm>
+        <a:off x="8081698" y="1735404"/>
+        <a:ext cx="2139956" cy="1278854"/>
+      </dsp:txXfrm>
+    </dsp:sp>
+    <dsp:sp modelId="{0E752C1A-A122-4566-B257-E4AEEFE31CAB}">
+      <dsp:nvSpPr>
+        <dsp:cNvPr id="0" name=""/>
+        <dsp:cNvSpPr/>
+      </dsp:nvSpPr>
+      <dsp:spPr>
+        <a:xfrm>
+          <a:off x="8377424" y="2908167"/>
+          <a:ext cx="1664903" cy="319264"/>
+        </a:xfrm>
+        <a:prstGeom prst="rect">
+          <a:avLst/>
+        </a:prstGeom>
+        <a:solidFill>
+          <a:schemeClr val="lt2">
+            <a:alpha val="90000"/>
+            <a:hueOff val="0"/>
+            <a:satOff val="0"/>
+            <a:lumOff val="0"/>
+            <a:alphaOff val="0"/>
+          </a:schemeClr>
+        </a:solidFill>
+        <a:ln w="12700" cap="flat" cmpd="sng" algn="ctr">
+          <a:solidFill>
+            <a:schemeClr val="dk2">
+              <a:hueOff val="0"/>
+              <a:satOff val="0"/>
+              <a:lumOff val="0"/>
+              <a:alphaOff val="0"/>
+            </a:schemeClr>
+          </a:solidFill>
+          <a:prstDash val="solid"/>
+          <a:miter lim="800000"/>
+        </a:ln>
+        <a:effectLst/>
+      </dsp:spPr>
+      <dsp:style>
+        <a:lnRef idx="2">
+          <a:scrgbClr r="0" g="0" b="0"/>
+        </a:lnRef>
+        <a:fillRef idx="1">
+          <a:scrgbClr r="0" g="0" b="0"/>
+        </a:fillRef>
+        <a:effectRef idx="0">
+          <a:scrgbClr r="0" g="0" b="0"/>
+        </a:effectRef>
+        <a:fontRef idx="minor"/>
+      </dsp:style>
+      <dsp:txBody>
+        <a:bodyPr spcFirstLastPara="0" vert="horz" wrap="square" lIns="27940" tIns="6985" rIns="27940" bIns="6985" numCol="1" spcCol="1270" anchor="ctr" anchorCtr="0">
+          <a:noAutofit/>
+        </a:bodyPr>
+        <a:lstStyle/>
+        <a:p>
+          <a:pPr marL="0" lvl="0" indent="0" algn="ctr" defTabSz="488950">
+            <a:lnSpc>
+              <a:spcPct val="90000"/>
+            </a:lnSpc>
+            <a:spcBef>
+              <a:spcPct val="0"/>
+            </a:spcBef>
+            <a:spcAft>
+              <a:spcPct val="35000"/>
+            </a:spcAft>
+            <a:buNone/>
+          </a:pPr>
+          <a:r>
+            <a:rPr lang="fr-FR" sz="1100" kern="1200" dirty="0">
+              <a:latin typeface="Gill Sans MT" panose="020B0502020104020203" pitchFamily="34" charset="0"/>
+            </a:rPr>
+            <a:t>Accès Géographique</a:t>
+          </a:r>
+        </a:p>
+      </dsp:txBody>
+      <dsp:txXfrm>
+        <a:off x="8377424" y="2908167"/>
+        <a:ext cx="1664903" cy="319264"/>
+      </dsp:txXfrm>
+    </dsp:sp>
+  </dsp:spTree>
+</dsp:drawing>
+</file>
+
+<file path=ppt/diagrams/layout1.xml><?xml version="1.0" encoding="utf-8"?>
+<dgm:layoutDef xmlns:dgm="http://schemas.openxmlformats.org/drawingml/2006/diagram" xmlns:a="http://schemas.openxmlformats.org/drawingml/2006/main" uniqueId="urn:microsoft.com/office/officeart/2008/layout/NameandTitleOrganizationalChart">
+  <dgm:title val=""/>
+  <dgm:desc val=""/>
+  <dgm:catLst>
+    <dgm:cat type="hierarchy" pri="1250"/>
+  </dgm:catLst>
+  <dgm:sampData>
+    <dgm:dataModel>
+      <dgm:ptLst>
+        <dgm:pt modelId="0" type="doc"/>
+        <dgm:pt modelId="1">
+          <dgm:prSet phldr="1"/>
+        </dgm:pt>
+        <dgm:pt modelId="2" type="asst">
+          <dgm:prSet phldr="1"/>
+        </dgm:pt>
+        <dgm:pt modelId="3">
+          <dgm:prSet phldr="1"/>
+        </dgm:pt>
+        <dgm:pt modelId="4">
+          <dgm:prSet phldr="1"/>
+        </dgm:pt>
+        <dgm:pt modelId="5">
+          <dgm:prSet phldr="1"/>
+        </dgm:pt>
+      </dgm:ptLst>
+      <dgm:cxnLst>
+        <dgm:cxn modelId="5" srcId="0" destId="1" srcOrd="0" destOrd="0"/>
+        <dgm:cxn modelId="6" srcId="1" destId="2" srcOrd="0" destOrd="0"/>
+        <dgm:cxn modelId="7" srcId="1" destId="3" srcOrd="1" destOrd="0"/>
+        <dgm:cxn modelId="8" srcId="1" destId="4" srcOrd="2" destOrd="0"/>
+        <dgm:cxn modelId="9" srcId="1" destId="5" srcOrd="3" destOrd="0"/>
+      </dgm:cxnLst>
+      <dgm:bg/>
+      <dgm:whole/>
+    </dgm:dataModel>
+  </dgm:sampData>
+  <dgm:styleData>
+    <dgm:dataModel>
+      <dgm:ptLst>
+        <dgm:pt modelId="0" type="doc"/>
+        <dgm:pt modelId="1"/>
+        <dgm:pt modelId="12"/>
+        <dgm:pt modelId="13"/>
+      </dgm:ptLst>
+      <dgm:cxnLst>
+        <dgm:cxn modelId="2" srcId="0" destId="1" srcOrd="0" destOrd="0"/>
+        <dgm:cxn modelId="16" srcId="1" destId="12" srcOrd="1" destOrd="0"/>
+        <dgm:cxn modelId="17" srcId="1" destId="13" srcOrd="2" destOrd="0"/>
+      </dgm:cxnLst>
+      <dgm:bg/>
+      <dgm:whole/>
+    </dgm:dataModel>
+  </dgm:styleData>
+  <dgm:clrData>
+    <dgm:dataModel>
+      <dgm:ptLst>
+        <dgm:pt modelId="0" type="doc"/>
+        <dgm:pt modelId="1"/>
+        <dgm:pt modelId="11" type="asst"/>
+        <dgm:pt modelId="12"/>
+        <dgm:pt modelId="13"/>
+        <dgm:pt modelId="14"/>
+      </dgm:ptLst>
+      <dgm:cxnLst>
+        <dgm:cxn modelId="2" srcId="0" destId="1" srcOrd="0" destOrd="0"/>
+        <dgm:cxn modelId="15" srcId="1" destId="11" srcOrd="0" destOrd="0"/>
+        <dgm:cxn modelId="16" srcId="1" destId="12" srcOrd="1" destOrd="0"/>
+        <dgm:cxn modelId="17" srcId="1" destId="13" srcOrd="2" destOrd="0"/>
+        <dgm:cxn modelId="18" srcId="1" destId="14" srcOrd="2" destOrd="0"/>
+      </dgm:cxnLst>
+      <dgm:bg/>
+      <dgm:whole/>
+    </dgm:dataModel>
+  </dgm:clrData>
+  <dgm:layoutNode name="hierChild1">
+    <dgm:varLst>
+      <dgm:orgChart val="1"/>
+      <dgm:chPref val="1"/>
+      <dgm:dir/>
+      <dgm:animOne val="branch"/>
+      <dgm:animLvl val="lvl"/>
+      <dgm:resizeHandles/>
+    </dgm:varLst>
+    <dgm:choose name="Name0">
+      <dgm:if name="Name1" func="var" arg="dir" op="equ" val="norm">
+        <dgm:alg type="hierChild">
+          <dgm:param type="linDir" val="fromL"/>
+        </dgm:alg>
+      </dgm:if>
+      <dgm:else name="Name2">
+        <dgm:alg type="hierChild">
+          <dgm:param type="linDir" val="fromR"/>
+        </dgm:alg>
+      </dgm:else>
+    </dgm:choose>
+    <dgm:shape xmlns:r="http://schemas.openxmlformats.org/officeDocument/2006/relationships" r:blip="">
+      <dgm:adjLst/>
+    </dgm:shape>
+    <dgm:presOf/>
+    <dgm:constrLst>
+      <dgm:constr type="w" for="des" forName="rootComposite1" refType="w" fact="10"/>
+      <dgm:constr type="h" for="des" forName="rootComposite1" refType="w" refFor="des" refForName="rootComposite1" fact="0.5"/>
+      <dgm:constr type="w" for="des" forName="rootComposite" refType="w" fact="10"/>
+      <dgm:constr type="h" for="des" forName="rootComposite" refType="w" refFor="des" refForName="rootComposite1" fact="0.5"/>
+      <dgm:constr type="w" for="des" forName="rootComposite3" refType="w" fact="10"/>
+      <dgm:constr type="h" for="des" forName="rootComposite3" refType="w" refFor="des" refForName="rootComposite1" fact="0.5"/>
+      <dgm:constr type="primFontSz" for="des" ptType="node" op="equ"/>
+      <dgm:constr type="sp" for="des" op="equ"/>
+      <dgm:constr type="sp" for="des" forName="hierRoot1" refType="w" refFor="des" refForName="rootComposite1" fact="0.21"/>
+      <dgm:constr type="sp" for="des" forName="hierRoot2" refType="sp" refFor="des" refForName="hierRoot1"/>
+      <dgm:constr type="sp" for="des" forName="hierRoot3" refType="sp" refFor="des" refForName="hierRoot1"/>
+      <dgm:constr type="sibSp" refType="w" refFor="des" refForName="rootComposite1" fact="0.21"/>
+      <dgm:constr type="sibSp" for="des" forName="hierChild2" refType="sibSp"/>
+      <dgm:constr type="sibSp" for="des" forName="hierChild3" refType="sibSp"/>
+      <dgm:constr type="sibSp" for="des" forName="hierChild4" refType="sibSp"/>
+      <dgm:constr type="sibSp" for="des" forName="hierChild5" refType="sibSp"/>
+      <dgm:constr type="sibSp" for="des" forName="hierChild6" refType="sibSp"/>
+      <dgm:constr type="sibSp" for="des" forName="hierChild7" refType="sibSp"/>
+      <dgm:constr type="secSibSp" refType="w" refFor="des" refForName="rootComposite1" fact="0.21"/>
+      <dgm:constr type="secSibSp" for="des" forName="hierChild2" refType="secSibSp"/>
+      <dgm:constr type="secSibSp" for="des" forName="hierChild3" refType="secSibSp"/>
+      <dgm:constr type="secSibSp" for="des" forName="hierChild4" refType="secSibSp"/>
+      <dgm:constr type="secSibSp" for="des" forName="hierChild5" refType="secSibSp"/>
+      <dgm:constr type="secSibSp" for="des" forName="hierChild6" refType="secSibSp"/>
+      <dgm:constr type="secSibSp" for="des" forName="hierChild7" refType="secSibSp"/>
+    </dgm:constrLst>
+    <dgm:ruleLst/>
+    <dgm:forEach name="Name3" axis="ch">
+      <dgm:forEach name="Name4" axis="self" ptType="node">
+        <dgm:layoutNode name="hierRoot1">
+          <dgm:varLst>
+            <dgm:hierBranch val="init"/>
+          </dgm:varLst>
+          <dgm:choose name="Name5">
+            <dgm:if name="Name6" func="var" arg="hierBranch" op="equ" val="l">
+              <dgm:choose name="Name7">
+                <dgm:if name="Name8" axis="ch" ptType="asst" func="cnt" op="gte" val="1">
+                  <dgm:alg type="hierRoot">
+                    <dgm:param type="hierAlign" val="tR"/>
+                  </dgm:alg>
+                  <dgm:constrLst>
+                    <dgm:constr type="alignOff" val="0.65"/>
+                  </dgm:constrLst>
+                </dgm:if>
+                <dgm:else name="Name9">
+                  <dgm:alg type="hierRoot">
+                    <dgm:param type="hierAlign" val="tR"/>
+                  </dgm:alg>
+                  <dgm:constrLst>
+                    <dgm:constr type="alignOff" val="0.25"/>
+                  </dgm:constrLst>
+                </dgm:else>
+              </dgm:choose>
+            </dgm:if>
+            <dgm:if name="Name10" func="var" arg="hierBranch" op="equ" val="r">
+              <dgm:choose name="Name11">
+                <dgm:if name="Name12" axis="ch" ptType="asst" func="cnt" op="gte" val="1">
+                  <dgm:alg type="hierRoot">
+                    <dgm:param type="hierAlign" val="tL"/>
+                  </dgm:alg>
+                  <dgm:constrLst>
+                    <dgm:constr type="alignOff" val="0.65"/>
+                  </dgm:constrLst>
+                </dgm:if>
+                <dgm:else name="Name13">
+                  <dgm:alg type="hierRoot">
+                    <dgm:param type="hierAlign" val="tL"/>
+                  </dgm:alg>
+                  <dgm:constrLst>
+                    <dgm:constr type="alignOff" val="0.25"/>
+                  </dgm:constrLst>
+                </dgm:else>
+              </dgm:choose>
+            </dgm:if>
+            <dgm:if name="Name14" func="var" arg="hierBranch" op="equ" val="hang">
+              <dgm:alg type="hierRoot"/>
+              <dgm:constrLst>
+                <dgm:constr type="alignOff" val="0.65"/>
+              </dgm:constrLst>
+            </dgm:if>
+            <dgm:else name="Name15">
+              <dgm:alg type="hierRoot"/>
+              <dgm:constrLst>
+                <dgm:constr type="alignOff"/>
+                <dgm:constr type="bendDist" for="des" ptType="parTrans" refType="sp" fact="0.5"/>
+              </dgm:constrLst>
+            </dgm:else>
+          </dgm:choose>
+          <dgm:shape xmlns:r="http://schemas.openxmlformats.org/officeDocument/2006/relationships" r:blip="">
+            <dgm:adjLst/>
+          </dgm:shape>
+          <dgm:presOf/>
+          <dgm:ruleLst/>
+          <dgm:layoutNode name="rootComposite1">
+            <dgm:alg type="composite"/>
+            <dgm:shape xmlns:r="http://schemas.openxmlformats.org/officeDocument/2006/relationships" r:blip="">
+              <dgm:adjLst/>
+            </dgm:shape>
+            <dgm:presOf axis="self" ptType="node" cnt="1"/>
+            <dgm:choose name="Name16">
+              <dgm:if name="Name17" func="var" arg="hierBranch" op="equ" val="init">
+                <dgm:constrLst>
+                  <dgm:constr type="l" for="ch" forName="rootText1"/>
+                  <dgm:constr type="t" for="ch" forName="rootText1"/>
+                  <dgm:constr type="w" for="ch" forName="rootText1" refType="w"/>
+                  <dgm:constr type="h" for="ch" forName="rootText1" refType="h" fact="0.9"/>
+                  <dgm:constr type="l" for="ch" forName="titleText1" refType="w" fact="0.2"/>
+                  <dgm:constr type="t" for="ch" forName="titleText1" refType="h" fact="0.7"/>
+                  <dgm:constr type="w" for="ch" forName="titleText1" refType="w" fact="0.9"/>
+                  <dgm:constr type="h" for="ch" forName="titleText1" refType="h" fact="0.3"/>
+                  <dgm:constr type="primFontSz" for="des" forName="titleText1" refType="primFontSz" refFor="des" refForName="rootText1" op="lte"/>
+                  <dgm:constr type="l" for="ch" forName="rootConnector1"/>
+                  <dgm:constr type="t" for="ch" forName="rootConnector1"/>
+                  <dgm:constr type="w" for="ch" forName="rootConnector1" refType="w" refFor="ch" refForName="rootText1" fact="0.2"/>
+                  <dgm:constr type="h" for="ch" forName="rootConnector1" refType="h" refFor="ch" refForName="rootText1"/>
+                </dgm:constrLst>
+              </dgm:if>
+              <dgm:if name="Name18" func="var" arg="hierBranch" op="equ" val="l">
+                <dgm:constrLst>
+                  <dgm:constr type="l" for="ch" forName="rootText1"/>
+                  <dgm:constr type="t" for="ch" forName="rootText1"/>
+                  <dgm:constr type="w" for="ch" forName="rootText1" refType="w"/>
+                  <dgm:constr type="h" for="ch" forName="rootText1" refType="h" fact="0.9"/>
+                  <dgm:constr type="l" for="ch" forName="titleText1" refType="w" fact="0.2"/>
+                  <dgm:constr type="t" for="ch" forName="titleText1" refType="h" fact="0.7"/>
+                  <dgm:constr type="w" for="ch" forName="titleText1" refType="w" fact="0.9"/>
+                  <dgm:constr type="h" for="ch" forName="titleText1" refType="h" fact="0.3"/>
+                  <dgm:constr type="primFontSz" for="des" forName="titleText1" refType="primFontSz" refFor="des" refForName="rootText1" op="lte"/>
+                  <dgm:constr type="r" for="ch" forName="rootConnector1" refType="w"/>
+                  <dgm:constr type="t" for="ch" forName="rootConnector1"/>
+                  <dgm:constr type="w" for="ch" forName="rootConnector1" refType="w" refFor="ch" refForName="rootText1" fact="0.2"/>
+                  <dgm:constr type="h" for="ch" forName="rootConnector1" refType="h" refFor="ch" refForName="rootText1"/>
+                </dgm:constrLst>
+              </dgm:if>
+              <dgm:if name="Name19" func="var" arg="hierBranch" op="equ" val="r">
+                <dgm:constrLst>
+                  <dgm:constr type="l" for="ch" forName="rootText1"/>
+                  <dgm:constr type="t" for="ch" forName="rootText1"/>
+                  <dgm:constr type="w" for="ch" forName="rootText1" refType="w"/>
+                  <dgm:constr type="h" for="ch" forName="rootText1" refType="h" fact="0.9"/>
+                  <dgm:constr type="l" for="ch" forName="titleText1" refType="w" fact="0.2"/>
+                  <dgm:constr type="t" for="ch" forName="titleText1" refType="h" fact="0.7"/>
+                  <dgm:constr type="w" for="ch" forName="titleText1" refType="w" fact="0.9"/>
+                  <dgm:constr type="h" for="ch" forName="titleText1" refType="h" fact="0.3"/>
+                  <dgm:constr type="primFontSz" for="des" forName="titleText1" refType="primFontSz" refFor="des" refForName="rootText1" op="lte"/>
+                  <dgm:constr type="l" for="ch" forName="rootConnector1"/>
+                  <dgm:constr type="t" for="ch" forName="rootConnector1"/>
+                  <dgm:constr type="w" for="ch" forName="rootConnector1" refType="w" refFor="ch" refForName="rootText1" fact="0.2"/>
+                  <dgm:constr type="h" for="ch" forName="rootConnector1" refType="h" refFor="ch" refForName="rootText1"/>
+                </dgm:constrLst>
+              </dgm:if>
+              <dgm:else name="Name20">
+                <dgm:constrLst>
+                  <dgm:constr type="l" for="ch" forName="rootText1"/>
+                  <dgm:constr type="t" for="ch" forName="rootText1"/>
+                  <dgm:constr type="w" for="ch" forName="rootText1" refType="w"/>
+                  <dgm:constr type="h" for="ch" forName="rootText1" refType="h" fact="0.9"/>
+                  <dgm:constr type="l" for="ch" forName="titleText1" refType="w" fact="0.2"/>
+                  <dgm:constr type="t" for="ch" forName="titleText1" refType="h" fact="0.7"/>
+                  <dgm:constr type="w" for="ch" forName="titleText1" refType="w" fact="0.9"/>
+                  <dgm:constr type="h" for="ch" forName="titleText1" refType="h" fact="0.3"/>
+                  <dgm:constr type="primFontSz" for="des" forName="titleText1" refType="primFontSz" refFor="des" refForName="rootText1" op="lte"/>
+                  <dgm:constr type="r" for="ch" forName="rootConnector1" refType="w"/>
+                  <dgm:constr type="t" for="ch" forName="rootConnector1"/>
+                  <dgm:constr type="w" for="ch" forName="rootConnector1" refType="w" refFor="ch" refForName="rootText1" fact="0.2"/>
+                  <dgm:constr type="h" for="ch" forName="rootConnector1" refType="h" refFor="ch" refForName="rootText1"/>
+                </dgm:constrLst>
+              </dgm:else>
+            </dgm:choose>
+            <dgm:ruleLst/>
+            <dgm:layoutNode name="rootText1" styleLbl="node0">
+              <dgm:varLst>
+                <dgm:chMax/>
+                <dgm:chPref val="3"/>
+              </dgm:varLst>
+              <dgm:alg type="tx"/>
+              <dgm:shape xmlns:r="http://schemas.openxmlformats.org/officeDocument/2006/relationships" type="rect" r:blip="">
+                <dgm:adjLst/>
+              </dgm:shape>
+              <dgm:presOf axis="self" ptType="node" cnt="1"/>
+              <dgm:constrLst>
+                <dgm:constr type="primFontSz" val="65"/>
+                <dgm:constr type="lMarg" refType="primFontSz" fact="0.05"/>
+                <dgm:constr type="rMarg" refType="primFontSz" fact="0.05"/>
+                <dgm:constr type="tMarg" refType="primFontSz" fact="0.05"/>
+                <dgm:constr type="bMarg" refType="h" fact="0.4"/>
+              </dgm:constrLst>
+              <dgm:ruleLst>
+                <dgm:rule type="primFontSz" val="5" fact="NaN" max="NaN"/>
+              </dgm:ruleLst>
+            </dgm:layoutNode>
+            <dgm:layoutNode name="titleText1" styleLbl="fgAcc0">
+              <dgm:varLst>
+                <dgm:chMax val="0"/>
+                <dgm:chPref val="0"/>
+              </dgm:varLst>
+              <dgm:alg type="tx">
+                <dgm:param type="parTxLTRAlign" val="r"/>
+              </dgm:alg>
+              <dgm:shape xmlns:r="http://schemas.openxmlformats.org/officeDocument/2006/relationships" type="rect" r:blip="">
+                <dgm:adjLst/>
+              </dgm:shape>
+              <dgm:presOf axis="followSib" ptType="sibTrans" hideLastTrans="0" cnt="1"/>
+              <dgm:constrLst>
+                <dgm:constr type="primFontSz" val="65"/>
+                <dgm:constr type="lMarg" refType="primFontSz" fact="0.2"/>
+                <dgm:constr type="rMarg" refType="primFontSz" fact="0.2"/>
+                <dgm:constr type="tMarg" refType="primFontSz" fact="0.05"/>
+                <dgm:constr type="bMarg" refType="primFontSz" fact="0.05"/>
+              </dgm:constrLst>
+              <dgm:ruleLst>
+                <dgm:rule type="primFontSz" val="5" fact="NaN" max="NaN"/>
+              </dgm:ruleLst>
+            </dgm:layoutNode>
+            <dgm:layoutNode name="rootConnector1" moveWith="rootText1">
+              <dgm:alg type="sp"/>
+              <dgm:shape xmlns:r="http://schemas.openxmlformats.org/officeDocument/2006/relationships" type="rect" r:blip="" hideGeom="1">
+                <dgm:adjLst/>
+              </dgm:shape>
+              <dgm:presOf axis="self" ptType="node" cnt="1"/>
+              <dgm:constrLst/>
+              <dgm:ruleLst/>
+            </dgm:layoutNode>
+          </dgm:layoutNode>
+          <dgm:layoutNode name="hierChild2">
+            <dgm:choose name="Name21">
+              <dgm:if name="Name22" func="var" arg="hierBranch" op="equ" val="l">
+                <dgm:alg type="hierChild">
+                  <dgm:param type="chAlign" val="r"/>
+                  <dgm:param type="linDir" val="fromT"/>
+                </dgm:alg>
+              </dgm:if>
+              <dgm:if name="Name23" func="var" arg="hierBranch" op="equ" val="r">
+                <dgm:alg type="hierChild">
+                  <dgm:param type="chAlign" val="l"/>
+                  <dgm:param type="linDir" val="fromT"/>
+                </dgm:alg>
+              </dgm:if>
+              <dgm:if name="Name24" func="var" arg="hierBranch" op="equ" val="hang">
+                <dgm:choose name="Name25">
+                  <dgm:if name="Name26" func="var" arg="dir" op="equ" val="norm">
+                    <dgm:alg type="hierChild">
+                      <dgm:param type="chAlign" val="l"/>
+                      <dgm:param type="linDir" val="fromL"/>
+                      <dgm:param type="secChAlign" val="t"/>
+                      <dgm:param type="secLinDir" val="fromT"/>
+                    </dgm:alg>
+                  </dgm:if>
+                  <dgm:else name="Name27">
+                    <dgm:alg type="hierChild">
+                      <dgm:param type="chAlign" val="l"/>
+                      <dgm:param type="linDir" val="fromR"/>
+                      <dgm:param type="secChAlign" val="t"/>
+                      <dgm:param type="secLinDir" val="fromT"/>
+                    </dgm:alg>
+                  </dgm:else>
+                </dgm:choose>
+              </dgm:if>
+              <dgm:else name="Name28">
+                <dgm:choose name="Name29">
+                  <dgm:if name="Name30" func="var" arg="dir" op="equ" val="norm">
+                    <dgm:alg type="hierChild"/>
+                  </dgm:if>
+                  <dgm:else name="Name31">
+                    <dgm:alg type="hierChild">
+                      <dgm:param type="linDir" val="fromR"/>
+                    </dgm:alg>
+                  </dgm:else>
+                </dgm:choose>
+              </dgm:else>
+            </dgm:choose>
+            <dgm:shape xmlns:r="http://schemas.openxmlformats.org/officeDocument/2006/relationships" r:blip="">
+              <dgm:adjLst/>
+            </dgm:shape>
+            <dgm:presOf/>
+            <dgm:constrLst/>
+            <dgm:ruleLst/>
+            <dgm:forEach name="rep2a" axis="ch" ptType="nonAsst">
+              <dgm:forEach name="Name32" axis="precedSib" ptType="parTrans" st="-1" cnt="1">
+                <dgm:choose name="Name33">
+                  <dgm:if name="Name34" func="var" arg="hierBranch" op="equ" val="std">
+                    <dgm:layoutNode name="Name35">
+                      <dgm:alg type="conn">
+                        <dgm:param type="connRout" val="bend"/>
+                        <dgm:param type="dim" val="1D"/>
+                        <dgm:param type="endSty" val="noArr"/>
+                        <dgm:param type="begPts" val="bCtr"/>
+                        <dgm:param type="endPts" val="tCtr"/>
+                        <dgm:param type="bendPt" val="end"/>
+                      </dgm:alg>
+                      <dgm:shape xmlns:r="http://schemas.openxmlformats.org/officeDocument/2006/relationships" type="conn" r:blip="" zOrderOff="-99999">
+                        <dgm:adjLst/>
+                      </dgm:shape>
+                      <dgm:presOf axis="self"/>
+                      <dgm:constrLst>
+                        <dgm:constr type="begPad"/>
+                        <dgm:constr type="endPad"/>
+                      </dgm:constrLst>
+                      <dgm:ruleLst/>
+                    </dgm:layoutNode>
+                  </dgm:if>
+                  <dgm:if name="Name36" func="var" arg="hierBranch" op="equ" val="init">
+                    <dgm:layoutNode name="Name37">
+                      <dgm:choose name="Name38">
+                        <dgm:if name="Name39" axis="self" func="depth" op="lte" val="2">
+                          <dgm:alg type="conn">
+                            <dgm:param type="connRout" val="bend"/>
+                            <dgm:param type="dim" val="1D"/>
+                            <dgm:param type="endSty" val="noArr"/>
+                            <dgm:param type="begPts" val="bCtr"/>
+                            <dgm:param type="endPts" val="tCtr"/>
+                            <dgm:param type="bendPt" val="end"/>
+                          </dgm:alg>
+                        </dgm:if>
+                        <dgm:else name="Name40">
+                          <dgm:alg type="conn">
+                            <dgm:param type="connRout" val="bend"/>
+                            <dgm:param type="dim" val="1D"/>
+                            <dgm:param type="endSty" val="noArr"/>
+                            <dgm:param type="begPts" val="bCtr"/>
+                            <dgm:param type="endPts" val="tCtr"/>
+                            <dgm:param type="bendPt" val="end"/>
+                          </dgm:alg>
+                        </dgm:else>
+                      </dgm:choose>
+                      <dgm:shape xmlns:r="http://schemas.openxmlformats.org/officeDocument/2006/relationships" type="conn" r:blip="" zOrderOff="-99999">
+                        <dgm:adjLst/>
+                      </dgm:shape>
+                      <dgm:presOf axis="self"/>
+                      <dgm:constrLst>
+                        <dgm:constr type="begPad"/>
+                        <dgm:constr type="endPad"/>
+                      </dgm:constrLst>
+                      <dgm:ruleLst/>
+                    </dgm:layoutNode>
+                  </dgm:if>
+                  <dgm:if name="Name41" func="var" arg="hierBranch" op="equ" val="hang">
+                    <dgm:layoutNode name="Name42">
+                      <dgm:alg type="conn">
+                        <dgm:param type="connRout" val="bend"/>
+                        <dgm:param type="dim" val="1D"/>
+                        <dgm:param type="endSty" val="noArr"/>
+                        <dgm:param type="begPts" val="bCtr"/>
+                        <dgm:param type="endPts" val="midL midR"/>
+                      </dgm:alg>
+                      <dgm:shape xmlns:r="http://schemas.openxmlformats.org/officeDocument/2006/relationships" type="conn" r:blip="" zOrderOff="-99999">
+                        <dgm:adjLst/>
+                      </dgm:shape>
+                      <dgm:presOf axis="self"/>
+                      <dgm:constrLst>
+                        <dgm:constr type="begPad"/>
+                        <dgm:constr type="endPad"/>
+                      </dgm:constrLst>
+                      <dgm:ruleLst/>
+                    </dgm:layoutNode>
+                  </dgm:if>
+                  <dgm:else name="Name43">
+                    <dgm:layoutNode name="Name44">
+                      <dgm:choose name="Name45">
+                        <dgm:if name="Name46" axis="self" func="depth" op="lte" val="2">
+                          <dgm:choose name="Name47">
+                            <dgm:if name="Name48" axis="par ch" ptType="node asst" func="cnt" op="gte" val="1">
+                              <dgm:alg type="conn">
+                                <dgm:param type="connRout" val="bend"/>
+                                <dgm:param type="dim" val="1D"/>
+                                <dgm:param type="endSty" val="noArr"/>
+                                <dgm:param type="begPts" val="bCtr"/>
+                                <dgm:param type="endPts" val="midL midR"/>
+                              </dgm:alg>
+                            </dgm:if>
+                            <dgm:else name="Name49">
+                              <dgm:alg type="conn">
+                                <dgm:param type="connRout" val="bend"/>
+                                <dgm:param type="dim" val="1D"/>
+                                <dgm:param type="endSty" val="noArr"/>
+                                <dgm:param type="begPts" val="bCtr"/>
+                                <dgm:param type="endPts" val="midL midR"/>
+                                <dgm:param type="srcNode" val="rootConnector1"/>
+                              </dgm:alg>
+                            </dgm:else>
+                          </dgm:choose>
+                        </dgm:if>
+                        <dgm:else name="Name50">
+                          <dgm:choose name="Name51">
+                            <dgm:if name="Name52" axis="par ch" ptType="node asst" func="cnt" op="gte" val="1">
+                              <dgm:alg type="conn">
+                                <dgm:param type="connRout" val="bend"/>
+                                <dgm:param type="dim" val="1D"/>
+                                <dgm:param type="endSty" val="noArr"/>
+                                <dgm:param type="begPts" val="bCtr"/>
+                                <dgm:param type="endPts" val="midL midR"/>
+                              </dgm:alg>
+                            </dgm:if>
+                            <dgm:else name="Name53">
+                              <dgm:alg type="conn">
+                                <dgm:param type="connRout" val="bend"/>
+                                <dgm:param type="dim" val="1D"/>
+                                <dgm:param type="endSty" val="noArr"/>
+                                <dgm:param type="begPts" val="bCtr"/>
+                                <dgm:param type="endPts" val="midL midR"/>
+                                <dgm:param type="srcNode" val="rootConnector"/>
+                              </dgm:alg>
+                            </dgm:else>
+                          </dgm:choose>
+                        </dgm:else>
+                      </dgm:choose>
+                      <dgm:shape xmlns:r="http://schemas.openxmlformats.org/officeDocument/2006/relationships" type="conn" r:blip="" zOrderOff="-99999">
+                        <dgm:adjLst/>
+                      </dgm:shape>
+                      <dgm:presOf axis="self"/>
+                      <dgm:constrLst>
+                        <dgm:constr type="begPad"/>
+                        <dgm:constr type="endPad"/>
+                      </dgm:constrLst>
+                      <dgm:ruleLst/>
+                    </dgm:layoutNode>
+                  </dgm:else>
+                </dgm:choose>
+              </dgm:forEach>
+              <dgm:layoutNode name="hierRoot2">
+                <dgm:varLst>
+                  <dgm:hierBranch val="init"/>
+                </dgm:varLst>
+                <dgm:choose name="Name54">
+                  <dgm:if name="Name55" func="var" arg="hierBranch" op="equ" val="l">
+                    <dgm:choose name="Name56">
+                      <dgm:if name="Name57" axis="ch" ptType="asst" func="cnt" op="gte" val="1">
+                        <dgm:alg type="hierRoot">
+                          <dgm:param type="hierAlign" val="tR"/>
+                        </dgm:alg>
+                        <dgm:shape xmlns:r="http://schemas.openxmlformats.org/officeDocument/2006/relationships" r:blip="">
+                          <dgm:adjLst/>
+                        </dgm:shape>
+                        <dgm:presOf/>
+                        <dgm:constrLst>
+                          <dgm:constr type="alignOff" val="0.65"/>
+                        </dgm:constrLst>
+                      </dgm:if>
+                      <dgm:else name="Name58">
+                        <dgm:alg type="hierRoot">
+                          <dgm:param type="hierAlign" val="tR"/>
+                        </dgm:alg>
+                        <dgm:shape xmlns:r="http://schemas.openxmlformats.org/officeDocument/2006/relationships" r:blip="">
+                          <dgm:adjLst/>
+                        </dgm:shape>
+                        <dgm:presOf/>
+                        <dgm:constrLst>
+                          <dgm:constr type="alignOff" val="0.25"/>
+                        </dgm:constrLst>
+                      </dgm:else>
+                    </dgm:choose>
+                  </dgm:if>
+                  <dgm:if name="Name59" func="var" arg="hierBranch" op="equ" val="r">
+                    <dgm:choose name="Name60">
+                      <dgm:if name="Name61" axis="ch" ptType="asst" func="cnt" op="gte" val="1">
+                        <dgm:alg type="hierRoot">
+                          <dgm:param type="hierAlign" val="tL"/>
+                        </dgm:alg>
+                        <dgm:shape xmlns:r="http://schemas.openxmlformats.org/officeDocument/2006/relationships" r:blip="">
+                          <dgm:adjLst/>
+                        </dgm:shape>
+                        <dgm:presOf/>
+                        <dgm:constrLst>
+                          <dgm:constr type="alignOff" val="0.65"/>
+                        </dgm:constrLst>
+                      </dgm:if>
+                      <dgm:else name="Name62">
+                        <dgm:alg type="hierRoot">
+                          <dgm:param type="hierAlign" val="tL"/>
+                        </dgm:alg>
+                        <dgm:shape xmlns:r="http://schemas.openxmlformats.org/officeDocument/2006/relationships" r:blip="">
+                          <dgm:adjLst/>
+                        </dgm:shape>
+                        <dgm:presOf/>
+                        <dgm:constrLst>
+                          <dgm:constr type="alignOff" val="0.25"/>
+                        </dgm:constrLst>
+                      </dgm:else>
+                    </dgm:choose>
+                  </dgm:if>
+                  <dgm:if name="Name63" func="var" arg="hierBranch" op="equ" val="std">
+                    <dgm:alg type="hierRoot"/>
+                    <dgm:shape xmlns:r="http://schemas.openxmlformats.org/officeDocument/2006/relationships" r:blip="">
+                      <dgm:adjLst/>
+                    </dgm:shape>
+                    <dgm:presOf/>
+                    <dgm:constrLst>
+                      <dgm:constr type="alignOff"/>
+                      <dgm:constr type="bendDist" for="des" ptType="parTrans" refType="sp" fact="0.5"/>
+                    </dgm:constrLst>
+                  </dgm:if>
+                  <dgm:if name="Name64" func="var" arg="hierBranch" op="equ" val="init">
+                    <dgm:alg type="hierRoot"/>
+                    <dgm:shape xmlns:r="http://schemas.openxmlformats.org/officeDocument/2006/relationships" r:blip="">
+                      <dgm:adjLst/>
+                    </dgm:shape>
+                    <dgm:presOf/>
+                    <dgm:constrLst>
+                      <dgm:constr type="alignOff"/>
+                      <dgm:constr type="bendDist" for="des" ptType="parTrans" refType="sp" fact="0.5"/>
+                    </dgm:constrLst>
+                  </dgm:if>
+                  <dgm:else name="Name65">
+                    <dgm:alg type="hierRoot"/>
+                    <dgm:shape xmlns:r="http://schemas.openxmlformats.org/officeDocument/2006/relationships" r:blip="">
+                      <dgm:adjLst/>
+                    </dgm:shape>
+                    <dgm:presOf/>
+                    <dgm:constrLst>
+                      <dgm:constr type="alignOff" val="0.65"/>
+                    </dgm:constrLst>
+                  </dgm:else>
+                </dgm:choose>
+                <dgm:ruleLst/>
+                <dgm:layoutNode name="rootComposite">
+                  <dgm:alg type="composite"/>
+                  <dgm:shape xmlns:r="http://schemas.openxmlformats.org/officeDocument/2006/relationships" r:blip="">
+                    <dgm:adjLst/>
+                  </dgm:shape>
+                  <dgm:presOf axis="self" ptType="node" cnt="1"/>
+                  <dgm:choose name="Name66">
+                    <dgm:if name="Name67" func="var" arg="hierBranch" op="equ" val="init">
+                      <dgm:constrLst>
+                        <dgm:constr type="l" for="ch" forName="rootText"/>
+                        <dgm:constr type="t" for="ch" forName="rootText"/>
+                        <dgm:constr type="w" for="ch" forName="rootText" refType="w"/>
+                        <dgm:constr type="h" for="ch" forName="rootText" refType="h" fact="0.9"/>
+                        <dgm:constr type="l" for="ch" forName="titleText2" refType="w" fact="0.2"/>
+                        <dgm:constr type="t" for="ch" forName="titleText2" refType="h" fact="0.7"/>
+                        <dgm:constr type="w" for="ch" forName="titleText2" refType="w" fact="0.9"/>
+                        <dgm:constr type="h" for="ch" forName="titleText2" refType="h" fact="0.3"/>
+                        <dgm:constr type="primFontSz" for="des" forName="titleText2" refType="primFontSz" refFor="des" refForName="rootText1" op="lte"/>
+                        <dgm:constr type="l" for="ch" forName="rootConnector"/>
+                        <dgm:constr type="t" for="ch" forName="rootConnector"/>
+                        <dgm:constr type="w" for="ch" forName="rootConnector" refType="w" refFor="ch" refForName="rootText" fact="0.2"/>
+                        <dgm:constr type="h" for="ch" forName="rootConnector" refType="h" refFor="ch" refForName="rootText"/>
+                      </dgm:constrLst>
+                    </dgm:if>
+                    <dgm:if name="Name68" func="var" arg="hierBranch" op="equ" val="l">
+                      <dgm:constrLst>
+                        <dgm:constr type="l" for="ch" forName="rootText"/>
+                        <dgm:constr type="t" for="ch" forName="rootText"/>
+                        <dgm:constr type="w" for="ch" forName="rootText" refType="w"/>
+                        <dgm:constr type="h" for="ch" forName="rootText" refType="h" fact="0.9"/>
+                        <dgm:constr type="l" for="ch" forName="titleText2" refType="w" fact="0.2"/>
+                        <dgm:constr type="t" for="ch" forName="titleText2" refType="h" fact="0.7"/>
+                        <dgm:constr type="w" for="ch" forName="titleText2" refType="w" fact="0.9"/>
+                        <dgm:constr type="h" for="ch" forName="titleText2" refType="h" fact="0.3"/>
+                        <dgm:constr type="primFontSz" for="des" forName="titleText2" refType="primFontSz" refFor="des" refForName="rootText1" op="lte"/>
+                        <dgm:constr type="r" for="ch" forName="rootConnector" refType="w"/>
+                        <dgm:constr type="t" for="ch" forName="rootConnector"/>
+                        <dgm:constr type="w" for="ch" forName="rootConnector" refType="w" refFor="ch" refForName="rootText" fact="0.2"/>
+                        <dgm:constr type="h" for="ch" forName="rootConnector" refType="h" refFor="ch" refForName="rootText"/>
+                      </dgm:constrLst>
+                    </dgm:if>
+                    <dgm:if name="Name69" func="var" arg="hierBranch" op="equ" val="r">
+                      <dgm:constrLst>
+                        <dgm:constr type="l" for="ch" forName="rootText"/>
+                        <dgm:constr type="t" for="ch" forName="rootText"/>
+                        <dgm:constr type="w" for="ch" forName="rootText" refType="w"/>
+                        <dgm:constr type="h" for="ch" forName="rootText" refType="h" fact="0.9"/>
+                        <dgm:constr type="l" for="ch" forName="titleText2" refType="w" fact="0.2"/>
+                        <dgm:constr type="t" for="ch" forName="titleText2" refType="h" fact="0.7"/>
+                        <dgm:constr type="w" for="ch" forName="titleText2" refType="w" fact="0.9"/>
+                        <dgm:constr type="h" for="ch" forName="titleText2" refType="h" fact="0.3"/>
+                        <dgm:constr type="primFontSz" for="des" forName="titleText2" refType="primFontSz" refFor="des" refForName="rootText1" op="lte"/>
+                        <dgm:constr type="l" for="ch" forName="rootConnector"/>
+                        <dgm:constr type="t" for="ch" forName="rootConnector"/>
+                        <dgm:constr type="w" for="ch" forName="rootConnector" refType="w" refFor="ch" refForName="rootText" fact="0.2"/>
+                        <dgm:constr type="h" for="ch" forName="rootConnector" refType="h" refFor="ch" refForName="rootText"/>
+                      </dgm:constrLst>
+                    </dgm:if>
+                    <dgm:else name="Name70">
+                      <dgm:constrLst>
+                        <dgm:constr type="l" for="ch" forName="rootText"/>
+                        <dgm:constr type="t" for="ch" forName="rootText"/>
+                        <dgm:constr type="w" for="ch" forName="rootText" refType="w"/>
+                        <dgm:constr type="h" for="ch" forName="rootText" refType="h" fact="0.9"/>
+                        <dgm:constr type="l" for="ch" forName="titleText2" refType="w" fact="0.2"/>
+                        <dgm:constr type="t" for="ch" forName="titleText2" refType="h" fact="0.7"/>
+                        <dgm:constr type="w" for="ch" forName="titleText2" refType="w" fact="0.9"/>
+                        <dgm:constr type="h" for="ch" forName="titleText2" refType="h" fact="0.3"/>
+                        <dgm:constr type="primFontSz" for="des" forName="titleText2" refType="primFontSz" refFor="des" refForName="rootText1" op="lte"/>
+                        <dgm:constr type="r" for="ch" forName="rootConnector" refType="w"/>
+                        <dgm:constr type="t" for="ch" forName="rootConnector"/>
+                        <dgm:constr type="w" for="ch" forName="rootConnector" refType="w" refFor="ch" refForName="rootText" fact="0.2"/>
+                        <dgm:constr type="h" for="ch" forName="rootConnector" refType="h" refFor="ch" refForName="rootText"/>
+                      </dgm:constrLst>
+                    </dgm:else>
+                  </dgm:choose>
+                  <dgm:ruleLst/>
+                  <dgm:layoutNode name="rootText" styleLbl="node1">
+                    <dgm:varLst>
+                      <dgm:chMax/>
+                      <dgm:chPref val="3"/>
+                    </dgm:varLst>
+                    <dgm:alg type="tx"/>
+                    <dgm:shape xmlns:r="http://schemas.openxmlformats.org/officeDocument/2006/relationships" type="rect" r:blip="">
+                      <dgm:adjLst/>
+                    </dgm:shape>
+                    <dgm:presOf axis="self" ptType="node" cnt="1"/>
+                    <dgm:constrLst>
+                      <dgm:constr type="primFontSz" val="65"/>
+                      <dgm:constr type="lMarg" refType="primFontSz" fact="0.05"/>
+                      <dgm:constr type="rMarg" refType="primFontSz" fact="0.05"/>
+                      <dgm:constr type="tMarg" refType="primFontSz" fact="0.05"/>
+                      <dgm:constr type="bMarg" refType="h" fact="0.4"/>
+                    </dgm:constrLst>
+                    <dgm:ruleLst>
+                      <dgm:rule type="primFontSz" val="5" fact="NaN" max="NaN"/>
+                    </dgm:ruleLst>
+                  </dgm:layoutNode>
+                  <dgm:layoutNode name="titleText2" styleLbl="fgAcc1">
+                    <dgm:varLst>
+                      <dgm:chMax val="0"/>
+                      <dgm:chPref val="0"/>
+                    </dgm:varLst>
+                    <dgm:alg type="tx">
+                      <dgm:param type="parTxLTRAlign" val="r"/>
+                    </dgm:alg>
+                    <dgm:shape xmlns:r="http://schemas.openxmlformats.org/officeDocument/2006/relationships" type="rect" r:blip="">
+                      <dgm:adjLst/>
+                    </dgm:shape>
+                    <dgm:presOf axis="followSib" ptType="sibTrans" hideLastTrans="0" cnt="1"/>
+                    <dgm:constrLst>
+                      <dgm:constr type="primFontSz" val="65"/>
+                      <dgm:constr type="lMarg" refType="primFontSz" fact="0.2"/>
+                      <dgm:constr type="rMarg" refType="primFontSz" fact="0.2"/>
+                      <dgm:constr type="tMarg" refType="primFontSz" fact="0.05"/>
+                      <dgm:constr type="bMarg" refType="primFontSz" fact="0.05"/>
+                    </dgm:constrLst>
+                    <dgm:ruleLst>
+                      <dgm:rule type="primFontSz" val="5" fact="NaN" max="NaN"/>
+                    </dgm:ruleLst>
+                  </dgm:layoutNode>
+                  <dgm:layoutNode name="rootConnector" moveWith="rootText">
+                    <dgm:alg type="sp"/>
+                    <dgm:shape xmlns:r="http://schemas.openxmlformats.org/officeDocument/2006/relationships" type="rect" r:blip="" hideGeom="1">
+                      <dgm:adjLst/>
+                    </dgm:shape>
+                    <dgm:presOf axis="self" ptType="node" cnt="1"/>
+                    <dgm:constrLst/>
+                    <dgm:ruleLst/>
+                  </dgm:layoutNode>
+                </dgm:layoutNode>
+                <dgm:layoutNode name="hierChild4">
+                  <dgm:choose name="Name71">
+                    <dgm:if name="Name72" func="var" arg="hierBranch" op="equ" val="l">
+                      <dgm:alg type="hierChild">
+                        <dgm:param type="chAlign" val="r"/>
+                        <dgm:param type="linDir" val="fromT"/>
+                      </dgm:alg>
+                    </dgm:if>
+                    <dgm:if name="Name73" func="var" arg="hierBranch" op="equ" val="r">
+                      <dgm:alg type="hierChild">
+                        <dgm:param type="chAlign" val="l"/>
+                        <dgm:param type="linDir" val="fromT"/>
+                      </dgm:alg>
+                    </dgm:if>
+                    <dgm:if name="Name74" func="var" arg="hierBranch" op="equ" val="hang">
+                      <dgm:choose name="Name75">
+                        <dgm:if name="Name76" func="var" arg="dir" op="equ" val="norm">
+                          <dgm:alg type="hierChild">
+                            <dgm:param type="chAlign" val="l"/>
+                            <dgm:param type="linDir" val="fromL"/>
+                            <dgm:param type="secChAlign" val="t"/>
+                            <dgm:param type="secLinDir" val="fromT"/>
+                          </dgm:alg>
+                        </dgm:if>
+                        <dgm:else name="Name77">
+                          <dgm:alg type="hierChild">
+                            <dgm:param type="chAlign" val="l"/>
+                            <dgm:param type="linDir" val="fromR"/>
+                            <dgm:param type="secChAlign" val="t"/>
+                            <dgm:param type="secLinDir" val="fromT"/>
+                          </dgm:alg>
+                        </dgm:else>
+                      </dgm:choose>
+                    </dgm:if>
+                    <dgm:if name="Name78" func="var" arg="hierBranch" op="equ" val="std">
+                      <dgm:choose name="Name79">
+                        <dgm:if name="Name80" func="var" arg="dir" op="equ" val="norm">
+                          <dgm:alg type="hierChild"/>
+                        </dgm:if>
+                        <dgm:else name="Name81">
+                          <dgm:alg type="hierChild">
+                            <dgm:param type="linDir" val="fromR"/>
+                          </dgm:alg>
+                        </dgm:else>
+                      </dgm:choose>
+                    </dgm:if>
+                    <dgm:if name="Name82" func="var" arg="hierBranch" op="equ" val="init">
+                      <dgm:choose name="Name83">
+                        <dgm:if name="Name84" func="var" arg="dir" op="equ" val="norm">
+                          <dgm:alg type="hierChild"/>
+                        </dgm:if>
+                        <dgm:else name="Name85">
+                          <dgm:alg type="hierChild">
+                            <dgm:param type="linDir" val="fromR"/>
+                          </dgm:alg>
+                        </dgm:else>
+                      </dgm:choose>
+                    </dgm:if>
+                    <dgm:else name="Name86"/>
+                  </dgm:choose>
+                  <dgm:shape xmlns:r="http://schemas.openxmlformats.org/officeDocument/2006/relationships" r:blip="">
+                    <dgm:adjLst/>
+                  </dgm:shape>
+                  <dgm:presOf/>
+                  <dgm:constrLst/>
+                  <dgm:ruleLst/>
+                  <dgm:forEach name="Name87" ref="rep2a"/>
+                </dgm:layoutNode>
+                <dgm:layoutNode name="hierChild5">
+                  <dgm:choose name="Name88">
+                    <dgm:if name="Name89" func="var" arg="dir" op="equ" val="norm">
+                      <dgm:alg type="hierChild">
+                        <dgm:param type="chAlign" val="l"/>
+                        <dgm:param type="linDir" val="fromL"/>
+                        <dgm:param type="secChAlign" val="t"/>
+                        <dgm:param type="secLinDir" val="fromT"/>
+                      </dgm:alg>
+                    </dgm:if>
+                    <dgm:else name="Name90">
+                      <dgm:alg type="hierChild">
+                        <dgm:param type="chAlign" val="l"/>
+                        <dgm:param type="linDir" val="fromR"/>
+                        <dgm:param type="secChAlign" val="t"/>
+                        <dgm:param type="secLinDir" val="fromT"/>
+                      </dgm:alg>
+                    </dgm:else>
+                  </dgm:choose>
+                  <dgm:shape xmlns:r="http://schemas.openxmlformats.org/officeDocument/2006/relationships" r:blip="">
+                    <dgm:adjLst/>
+                  </dgm:shape>
+                  <dgm:presOf/>
+                  <dgm:constrLst/>
+                  <dgm:ruleLst/>
+                  <dgm:forEach name="Name91" ref="rep2b"/>
+                </dgm:layoutNode>
+              </dgm:layoutNode>
+            </dgm:forEach>
+          </dgm:layoutNode>
+          <dgm:layoutNode name="hierChild3">
+            <dgm:choose name="Name92">
+              <dgm:if name="Name93" func="var" arg="dir" op="equ" val="norm">
+                <dgm:alg type="hierChild">
+                  <dgm:param type="chAlign" val="l"/>
+                  <dgm:param type="linDir" val="fromL"/>
+                  <dgm:param type="secChAlign" val="t"/>
+                  <dgm:param type="secLinDir" val="fromT"/>
+                </dgm:alg>
+              </dgm:if>
+              <dgm:else name="Name94">
+                <dgm:alg type="hierChild">
+                  <dgm:param type="chAlign" val="l"/>
+                  <dgm:param type="linDir" val="fromR"/>
+                  <dgm:param type="secChAlign" val="t"/>
+                  <dgm:param type="secLinDir" val="fromT"/>
+                </dgm:alg>
+              </dgm:else>
+            </dgm:choose>
+            <dgm:shape xmlns:r="http://schemas.openxmlformats.org/officeDocument/2006/relationships" r:blip="">
+              <dgm:adjLst/>
+            </dgm:shape>
+            <dgm:presOf/>
+            <dgm:constrLst/>
+            <dgm:ruleLst/>
+            <dgm:forEach name="rep2b" axis="ch" ptType="asst">
+              <dgm:forEach name="Name95" axis="precedSib" ptType="parTrans" st="-1" cnt="1">
+                <dgm:layoutNode name="Name96">
+                  <dgm:alg type="conn">
+                    <dgm:param type="connRout" val="bend"/>
+                    <dgm:param type="dim" val="1D"/>
+                    <dgm:param type="endSty" val="noArr"/>
+                    <dgm:param type="begPts" val="bCtr"/>
+                    <dgm:param type="endPts" val="midL midR"/>
+                  </dgm:alg>
+                  <dgm:shape xmlns:r="http://schemas.openxmlformats.org/officeDocument/2006/relationships" type="conn" r:blip="" zOrderOff="-99999">
+                    <dgm:adjLst/>
+                  </dgm:shape>
+                  <dgm:presOf axis="self"/>
+                  <dgm:constrLst>
+                    <dgm:constr type="begPad"/>
+                    <dgm:constr type="endPad"/>
+                  </dgm:constrLst>
+                  <dgm:ruleLst/>
+                </dgm:layoutNode>
+              </dgm:forEach>
+              <dgm:layoutNode name="hierRoot3">
+                <dgm:varLst>
+                  <dgm:hierBranch val="init"/>
+                </dgm:varLst>
+                <dgm:choose name="Name97">
+                  <dgm:if name="Name98" func="var" arg="hierBranch" op="equ" val="l">
+                    <dgm:alg type="hierRoot">
+                      <dgm:param type="hierAlign" val="tR"/>
+                    </dgm:alg>
+                    <dgm:shape xmlns:r="http://schemas.openxmlformats.org/officeDocument/2006/relationships" r:blip="">
+                      <dgm:adjLst/>
+                    </dgm:shape>
+                    <dgm:presOf/>
+                    <dgm:constrLst>
+                      <dgm:constr type="alignOff" val="0.65"/>
+                    </dgm:constrLst>
+                  </dgm:if>
+                  <dgm:if name="Name99" func="var" arg="hierBranch" op="equ" val="r">
+                    <dgm:alg type="hierRoot">
+                      <dgm:param type="hierAlign" val="tL"/>
+                    </dgm:alg>
+                    <dgm:shape xmlns:r="http://schemas.openxmlformats.org/officeDocument/2006/relationships" r:blip="">
+                      <dgm:adjLst/>
+                    </dgm:shape>
+                    <dgm:presOf/>
+                    <dgm:constrLst>
+                      <dgm:constr type="alignOff" val="0.65"/>
+                    </dgm:constrLst>
+                  </dgm:if>
+                  <dgm:if name="Name100" func="var" arg="hierBranch" op="equ" val="hang">
+                    <dgm:alg type="hierRoot"/>
+                    <dgm:shape xmlns:r="http://schemas.openxmlformats.org/officeDocument/2006/relationships" r:blip="">
+                      <dgm:adjLst/>
+                    </dgm:shape>
+                    <dgm:presOf/>
+                    <dgm:constrLst>
+                      <dgm:constr type="alignOff" val="0.65"/>
+                    </dgm:constrLst>
+                  </dgm:if>
+                  <dgm:if name="Name101" func="var" arg="hierBranch" op="equ" val="std">
+                    <dgm:alg type="hierRoot"/>
+                    <dgm:shape xmlns:r="http://schemas.openxmlformats.org/officeDocument/2006/relationships" r:blip="">
+                      <dgm:adjLst/>
+                    </dgm:shape>
+                    <dgm:presOf/>
+                    <dgm:constrLst>
+                      <dgm:constr type="alignOff"/>
+                      <dgm:constr type="bendDist" for="des" ptType="parTrans" refType="sp" fact="0.5"/>
+                    </dgm:constrLst>
+                  </dgm:if>
+                  <dgm:if name="Name102" func="var" arg="hierBranch" op="equ" val="init">
+                    <dgm:alg type="hierRoot"/>
+                    <dgm:shape xmlns:r="http://schemas.openxmlformats.org/officeDocument/2006/relationships" r:blip="">
+                      <dgm:adjLst/>
+                    </dgm:shape>
+                    <dgm:presOf/>
+                    <dgm:constrLst>
+                      <dgm:constr type="alignOff"/>
+                      <dgm:constr type="bendDist" for="des" ptType="parTrans" refType="sp" fact="0.5"/>
+                    </dgm:constrLst>
+                  </dgm:if>
+                  <dgm:else name="Name103"/>
+                </dgm:choose>
+                <dgm:ruleLst/>
+                <dgm:layoutNode name="rootComposite3">
+                  <dgm:alg type="composite"/>
+                  <dgm:shape xmlns:r="http://schemas.openxmlformats.org/officeDocument/2006/relationships" r:blip="">
+                    <dgm:adjLst/>
+                  </dgm:shape>
+                  <dgm:presOf axis="self" ptType="node" cnt="1"/>
+                  <dgm:choose name="Name104">
+                    <dgm:if name="Name105" func="var" arg="hierBranch" op="equ" val="init">
+                      <dgm:constrLst>
+                        <dgm:constr type="l" for="ch" forName="rootText3"/>
+                        <dgm:constr type="t" for="ch" forName="rootText3"/>
+                        <dgm:constr type="w" for="ch" forName="rootText3" refType="w"/>
+                        <dgm:constr type="h" for="ch" forName="rootText3" refType="h" fact="0.9"/>
+                        <dgm:constr type="l" for="ch" forName="titleText3" refType="w" fact="0.2"/>
+                        <dgm:constr type="t" for="ch" forName="titleText3" refType="h" fact="0.7"/>
+                        <dgm:constr type="w" for="ch" forName="titleText3" refType="w" fact="0.9"/>
+                        <dgm:constr type="h" for="ch" forName="titleText3" refType="h" fact="0.3"/>
+                        <dgm:constr type="primFontSz" for="des" forName="titleText3" refType="primFontSz" refFor="des" refForName="rootText3" op="lte"/>
+                        <dgm:constr type="l" for="ch" forName="rootConnector3"/>
+                        <dgm:constr type="t" for="ch" forName="rootConnector3"/>
+                        <dgm:constr type="w" for="ch" forName="rootConnector3" refType="w" refFor="ch" refForName="rootText3" fact="0.2"/>
+                        <dgm:constr type="h" for="ch" forName="rootConnector3" refType="h" refFor="ch" refForName="rootText3"/>
+                      </dgm:constrLst>
+                    </dgm:if>
+                    <dgm:if name="Name106" func="var" arg="hierBranch" op="equ" val="l">
+                      <dgm:constrLst>
+                        <dgm:constr type="l" for="ch" forName="rootText3"/>
+                        <dgm:constr type="t" for="ch" forName="rootText3"/>
+                        <dgm:constr type="w" for="ch" forName="rootText3" refType="w"/>
+                        <dgm:constr type="h" for="ch" forName="rootText3" refType="h" fact="0.9"/>
+                        <dgm:constr type="l" for="ch" forName="titleText3" refType="w" fact="0.2"/>
+                        <dgm:constr type="t" for="ch" forName="titleText3" refType="h" fact="0.7"/>
+                        <dgm:constr type="w" for="ch" forName="titleText3" refType="w" fact="0.9"/>
+                        <dgm:constr type="h" for="ch" forName="titleText3" refType="h" fact="0.3"/>
+                        <dgm:constr type="primFontSz" for="des" forName="titleText3" refType="primFontSz" refFor="des" refForName="rootText3" op="lte"/>
+                        <dgm:constr type="r" for="ch" forName="rootConnector3" refType="w"/>
+                        <dgm:constr type="t" for="ch" forName="rootConnector3"/>
+                        <dgm:constr type="w" for="ch" forName="rootConnector3" refType="w" refFor="ch" refForName="rootText3" fact="0.2"/>
+                        <dgm:constr type="h" for="ch" forName="rootConnector3" refType="h" refFor="ch" refForName="rootText3"/>
+                      </dgm:constrLst>
+                    </dgm:if>
+                    <dgm:if name="Name107" func="var" arg="hierBranch" op="equ" val="r">
+                      <dgm:constrLst>
+                        <dgm:constr type="l" for="ch" forName="rootText3"/>
+                        <dgm:constr type="t" for="ch" forName="rootText3"/>
+                        <dgm:constr type="w" for="ch" forName="rootText3" refType="w"/>
+                        <dgm:constr type="h" for="ch" forName="rootText3" refType="h" fact="0.9"/>
+                        <dgm:constr type="l" for="ch" forName="titleText3" refType="w" fact="0.2"/>
+                        <dgm:constr type="t" for="ch" forName="titleText3" refType="h" fact="0.7"/>
+                        <dgm:constr type="w" for="ch" forName="titleText3" refType="w" fact="0.9"/>
+                        <dgm:constr type="h" for="ch" forName="titleText3" refType="h" fact="0.3"/>
+                        <dgm:constr type="primFontSz" for="des" forName="titleText3" refType="primFontSz" refFor="des" refForName="rootText3" op="lte"/>
+                        <dgm:constr type="l" for="ch" forName="rootConnector3"/>
+                        <dgm:constr type="t" for="ch" forName="rootConnector3"/>
+                        <dgm:constr type="w" for="ch" forName="rootConnector3" refType="w" refFor="ch" refForName="rootText3" fact="0.2"/>
+                        <dgm:constr type="h" for="ch" forName="rootConnector3" refType="h" refFor="ch" refForName="rootText3"/>
+                      </dgm:constrLst>
+                    </dgm:if>
+                    <dgm:else name="Name108">
+                      <dgm:constrLst>
+                        <dgm:constr type="l" for="ch" forName="rootText3"/>
+                        <dgm:constr type="t" for="ch" forName="rootText3"/>
+                        <dgm:constr type="w" for="ch" forName="rootText3" refType="w"/>
+                        <dgm:constr type="h" for="ch" forName="rootText3" refType="h" fact="0.9"/>
+                        <dgm:constr type="l" for="ch" forName="titleText3" refType="w" fact="0.2"/>
+                        <dgm:constr type="t" for="ch" forName="titleText3" refType="h" fact="0.7"/>
+                        <dgm:constr type="w" for="ch" forName="titleText3" refType="w" fact="0.9"/>
+                        <dgm:constr type="h" for="ch" forName="titleText3" refType="h" fact="0.3"/>
+                        <dgm:constr type="primFontSz" for="des" forName="titleText3" refType="primFontSz" refFor="des" refForName="rootText3" op="lte"/>
+                        <dgm:constr type="r" for="ch" forName="rootConnector3" refType="w"/>
+                        <dgm:constr type="t" for="ch" forName="rootConnector3"/>
+                        <dgm:constr type="w" for="ch" forName="rootConnector3" refType="w" refFor="ch" refForName="rootText3" fact="0.2"/>
+                        <dgm:constr type="h" for="ch" forName="rootConnector3" refType="h" refFor="ch" refForName="rootText3"/>
+                      </dgm:constrLst>
+                    </dgm:else>
+                  </dgm:choose>
+                  <dgm:ruleLst/>
+                  <dgm:layoutNode name="rootText3" styleLbl="asst1">
+                    <dgm:varLst>
+                      <dgm:chPref val="3"/>
+                    </dgm:varLst>
+                    <dgm:alg type="tx"/>
+                    <dgm:shape xmlns:r="http://schemas.openxmlformats.org/officeDocument/2006/relationships" type="rect" r:blip="">
+                      <dgm:adjLst/>
+                    </dgm:shape>
+                    <dgm:presOf axis="self" ptType="node" cnt="1"/>
+                    <dgm:constrLst>
+                      <dgm:constr type="primFontSz" val="65"/>
+                      <dgm:constr type="lMarg" refType="primFontSz" fact="0.05"/>
+                      <dgm:constr type="rMarg" refType="primFontSz" fact="0.05"/>
+                      <dgm:constr type="tMarg" refType="primFontSz" fact="0.05"/>
+                      <dgm:constr type="bMarg" refType="h" fact="0.4"/>
+                    </dgm:constrLst>
+                    <dgm:ruleLst>
+                      <dgm:rule type="primFontSz" val="5" fact="NaN" max="NaN"/>
+                    </dgm:ruleLst>
+                  </dgm:layoutNode>
+                  <dgm:layoutNode name="titleText3" styleLbl="fgAcc2">
+                    <dgm:varLst>
+                      <dgm:chMax val="0"/>
+                      <dgm:chPref val="0"/>
+                    </dgm:varLst>
+                    <dgm:alg type="tx">
+                      <dgm:param type="parTxLTRAlign" val="r"/>
+                    </dgm:alg>
+                    <dgm:shape xmlns:r="http://schemas.openxmlformats.org/officeDocument/2006/relationships" type="rect" r:blip="">
+                      <dgm:adjLst/>
+                    </dgm:shape>
+                    <dgm:presOf axis="followSib" ptType="sibTrans" hideLastTrans="0" cnt="1"/>
+                    <dgm:constrLst>
+                      <dgm:constr type="primFontSz" val="65"/>
+                      <dgm:constr type="lMarg" refType="primFontSz" fact="0.2"/>
+                      <dgm:constr type="rMarg" refType="primFontSz" fact="0.2"/>
+                      <dgm:constr type="tMarg" refType="primFontSz" fact="0.05"/>
+                      <dgm:constr type="bMarg" refType="primFontSz" fact="0.05"/>
+                    </dgm:constrLst>
+                    <dgm:ruleLst>
+                      <dgm:rule type="primFontSz" val="5" fact="NaN" max="NaN"/>
+                    </dgm:ruleLst>
+                  </dgm:layoutNode>
+                  <dgm:layoutNode name="rootConnector3" moveWith="rootText1">
+                    <dgm:alg type="sp"/>
+                    <dgm:shape xmlns:r="http://schemas.openxmlformats.org/officeDocument/2006/relationships" type="rect" r:blip="" hideGeom="1">
+                      <dgm:adjLst/>
+                    </dgm:shape>
+                    <dgm:presOf axis="self" ptType="node" cnt="1"/>
+                    <dgm:constrLst/>
+                    <dgm:ruleLst/>
+                  </dgm:layoutNode>
+                </dgm:layoutNode>
+                <dgm:layoutNode name="hierChild6">
+                  <dgm:choose name="Name109">
+                    <dgm:if name="Name110" func="var" arg="hierBranch" op="equ" val="l">
+                      <dgm:alg type="hierChild">
+                        <dgm:param type="chAlign" val="r"/>
+                        <dgm:param type="linDir" val="fromT"/>
+                      </dgm:alg>
+                    </dgm:if>
+                    <dgm:if name="Name111" func="var" arg="hierBranch" op="equ" val="r">
+                      <dgm:alg type="hierChild">
+                        <dgm:param type="chAlign" val="l"/>
+                        <dgm:param type="linDir" val="fromT"/>
+                      </dgm:alg>
+                    </dgm:if>
+                    <dgm:if name="Name112" func="var" arg="hierBranch" op="equ" val="hang">
+                      <dgm:choose name="Name113">
+                        <dgm:if name="Name114" func="var" arg="dir" op="equ" val="norm">
+                          <dgm:alg type="hierChild">
+                            <dgm:param type="chAlign" val="l"/>
+                            <dgm:param type="linDir" val="fromL"/>
+                            <dgm:param type="secChAlign" val="t"/>
+                            <dgm:param type="secLinDir" val="fromT"/>
+                          </dgm:alg>
+                        </dgm:if>
+                        <dgm:else name="Name115">
+                          <dgm:alg type="hierChild">
+                            <dgm:param type="chAlign" val="l"/>
+                            <dgm:param type="linDir" val="fromR"/>
+                            <dgm:param type="secChAlign" val="t"/>
+                            <dgm:param type="secLinDir" val="fromT"/>
+                          </dgm:alg>
+                        </dgm:else>
+                      </dgm:choose>
+                    </dgm:if>
+                    <dgm:if name="Name116" func="var" arg="hierBranch" op="equ" val="std">
+                      <dgm:choose name="Name117">
+                        <dgm:if name="Name118" func="var" arg="dir" op="equ" val="norm">
+                          <dgm:alg type="hierChild"/>
+                        </dgm:if>
+                        <dgm:else name="Name119">
+                          <dgm:alg type="hierChild">
+                            <dgm:param type="linDir" val="fromR"/>
+                          </dgm:alg>
+                        </dgm:else>
+                      </dgm:choose>
+                    </dgm:if>
+                    <dgm:if name="Name120" func="var" arg="hierBranch" op="equ" val="init">
+                      <dgm:alg type="hierChild"/>
+                    </dgm:if>
+                    <dgm:else name="Name121"/>
+                  </dgm:choose>
+                  <dgm:shape xmlns:r="http://schemas.openxmlformats.org/officeDocument/2006/relationships" r:blip="">
+                    <dgm:adjLst/>
+                  </dgm:shape>
+                  <dgm:presOf/>
+                  <dgm:constrLst/>
+                  <dgm:ruleLst/>
+                  <dgm:forEach name="Name122" ref="rep2a"/>
+                </dgm:layoutNode>
+                <dgm:layoutNode name="hierChild7">
+                  <dgm:choose name="Name123">
+                    <dgm:if name="Name124" func="var" arg="dir" op="equ" val="norm">
+                      <dgm:alg type="hierChild">
+                        <dgm:param type="chAlign" val="l"/>
+                        <dgm:param type="linDir" val="fromL"/>
+                        <dgm:param type="secChAlign" val="t"/>
+                        <dgm:param type="secLinDir" val="fromT"/>
+                      </dgm:alg>
+                    </dgm:if>
+                    <dgm:else name="Name125">
+                      <dgm:alg type="hierChild">
+                        <dgm:param type="chAlign" val="l"/>
+                        <dgm:param type="linDir" val="fromR"/>
+                        <dgm:param type="secChAlign" val="t"/>
+                        <dgm:param type="secLinDir" val="fromT"/>
+                      </dgm:alg>
+                    </dgm:else>
+                  </dgm:choose>
+                  <dgm:shape xmlns:r="http://schemas.openxmlformats.org/officeDocument/2006/relationships" r:blip="">
+                    <dgm:adjLst/>
+                  </dgm:shape>
+                  <dgm:presOf/>
+                  <dgm:constrLst/>
+                  <dgm:ruleLst/>
+                  <dgm:forEach name="Name126" ref="rep2b"/>
+                </dgm:layoutNode>
+              </dgm:layoutNode>
+            </dgm:forEach>
+          </dgm:layoutNode>
+        </dgm:layoutNode>
+      </dgm:forEach>
+    </dgm:forEach>
+  </dgm:layoutNode>
+</dgm:layoutDef>
+</file>
+
+<file path=ppt/diagrams/quickStyle1.xml><?xml version="1.0" encoding="utf-8"?>
+<dgm:styleDef xmlns:dgm="http://schemas.openxmlformats.org/drawingml/2006/diagram" xmlns:a="http://schemas.openxmlformats.org/drawingml/2006/main" uniqueId="urn:microsoft.com/office/officeart/2005/8/quickstyle/simple1">
+  <dgm:title val=""/>
+  <dgm:desc val=""/>
+  <dgm:catLst>
+    <dgm:cat type="simple" pri="10100"/>
+  </dgm:catLst>
+  <dgm:scene3d>
+    <a:camera prst="orthographicFront"/>
+    <a:lightRig rig="threePt" dir="t"/>
+  </dgm:scene3d>
+  <dgm:styleLbl name="node0">
+    <dgm:scene3d>
+      <a:camera prst="orthographicFront"/>
+      <a:lightRig rig="threePt" dir="t"/>
+    </dgm:scene3d>
+    <dgm:sp3d/>
+    <dgm:txPr/>
+    <dgm:style>
+      <a:lnRef idx="2">
+        <a:scrgbClr r="0" g="0" b="0"/>
+      </a:lnRef>
+      <a:fillRef idx="1">
+        <a:scrgbClr r="0" g="0" b="0"/>
+      </a:fillRef>
+      <a:effectRef idx="0">
+        <a:scrgbClr r="0" g="0" b="0"/>
+      </a:effectRef>
+      <a:fontRef idx="minor">
+        <a:schemeClr val="lt1"/>
+      </a:fontRef>
+    </dgm:style>
+  </dgm:styleLbl>
+  <dgm:styleLbl name="lnNode1">
+    <dgm:scene3d>
+      <a:camera prst="orthographicFront"/>
+      <a:lightRig rig="threePt" dir="t"/>
+    </dgm:scene3d>
+    <dgm:sp3d/>
+    <dgm:txPr/>
+    <dgm:style>
+      <a:lnRef idx="2">
+        <a:scrgbClr r="0" g="0" b="0"/>
+      </a:lnRef>
+      <a:fillRef idx="1">
+        <a:scrgbClr r="0" g="0" b="0"/>
+      </a:fillRef>
+      <a:effectRef idx="0">
+        <a:scrgbClr r="0" g="0" b="0"/>
+      </a:effectRef>
+      <a:fontRef idx="minor">
+        <a:schemeClr val="lt1"/>
+      </a:fontRef>
+    </dgm:style>
+  </dgm:styleLbl>
+  <dgm:styleLbl name="vennNode1">
+    <dgm:scene3d>
+      <a:camera prst="orthographicFront"/>
+      <a:lightRig rig="threePt" dir="t"/>
+    </dgm:scene3d>
+    <dgm:sp3d/>
+    <dgm:txPr/>
+    <dgm:style>
+      <a:lnRef idx="2">
+        <a:scrgbClr r="0" g="0" b="0"/>
+      </a:lnRef>
+      <a:fillRef idx="1">
+        <a:scrgbClr r="0" g="0" b="0"/>
+      </a:fillRef>
+      <a:effectRef idx="0">
+        <a:scrgbClr r="0" g="0" b="0"/>
+      </a:effectRef>
+      <a:fontRef idx="minor">
+        <a:schemeClr val="tx1"/>
+      </a:fontRef>
+    </dgm:style>
+  </dgm:styleLbl>
+  <dgm:styleLbl name="alignNode1">
+    <dgm:scene3d>
+      <a:camera prst="orthographicFront"/>
+      <a:lightRig rig="threePt" dir="t"/>
+    </dgm:scene3d>
+    <dgm:sp3d/>
+    <dgm:txPr/>
+    <dgm:style>
+      <a:lnRef idx="2">
+        <a:scrgbClr r="0" g="0" b="0"/>
+      </a:lnRef>
+      <a:fillRef idx="1">
+        <a:scrgbClr r="0" g="0" b="0"/>
+      </a:fillRef>
+      <a:effectRef idx="0">
+        <a:scrgbClr r="0" g="0" b="0"/>
+      </a:effectRef>
+      <a:fontRef idx="minor">
+        <a:schemeClr val="lt1"/>
+      </a:fontRef>
+    </dgm:style>
+  </dgm:styleLbl>
+  <dgm:styleLbl name="node1">
+    <dgm:scene3d>
+      <a:camera prst="orthographicFront"/>
+      <a:lightRig rig="threePt" dir="t"/>
+    </dgm:scene3d>
+    <dgm:sp3d/>
+    <dgm:txPr/>
+    <dgm:style>
+      <a:lnRef idx="2">
+        <a:scrgbClr r="0" g="0" b="0"/>
+      </a:lnRef>
+      <a:fillRef idx="1">
+        <a:scrgbClr r="0" g="0" b="0"/>
+      </a:fillRef>
+      <a:effectRef idx="0">
+        <a:scrgbClr r="0" g="0" b="0"/>
+      </a:effectRef>
+      <a:fontRef idx="minor">
+        <a:schemeClr val="lt1"/>
+      </a:fontRef>
+    </dgm:style>
+  </dgm:styleLbl>
+  <dgm:styleLbl name="node2">
+    <dgm:scene3d>
+      <a:camera prst="orthographicFront"/>
+      <a:lightRig rig="threePt" dir="t"/>
+    </dgm:scene3d>
+    <dgm:sp3d/>
+    <dgm:txPr/>
+    <dgm:style>
+      <a:lnRef idx="2">
+        <a:scrgbClr r="0" g="0" b="0"/>
+      </a:lnRef>
+      <a:fillRef idx="1">
+        <a:scrgbClr r="0" g="0" b="0"/>
+      </a:fillRef>
+      <a:effectRef idx="0">
+        <a:scrgbClr r="0" g="0" b="0"/>
+      </a:effectRef>
+      <a:fontRef idx="minor">
+        <a:schemeClr val="lt1"/>
+      </a:fontRef>
+    </dgm:style>
+  </dgm:styleLbl>
+  <dgm:styleLbl name="node3">
+    <dgm:scene3d>
+      <a:camera prst="orthographicFront"/>
+      <a:lightRig rig="threePt" dir="t"/>
+    </dgm:scene3d>
+    <dgm:sp3d/>
+    <dgm:txPr/>
+    <dgm:style>
+      <a:lnRef idx="2">
+        <a:scrgbClr r="0" g="0" b="0"/>
+      </a:lnRef>
+      <a:fillRef idx="1">
+        <a:scrgbClr r="0" g="0" b="0"/>
+      </a:fillRef>
+      <a:effectRef idx="0">
+        <a:scrgbClr r="0" g="0" b="0"/>
+      </a:effectRef>
+      <a:fontRef idx="minor">
+        <a:schemeClr val="lt1"/>
+      </a:fontRef>
+    </dgm:style>
+  </dgm:styleLbl>
+  <dgm:styleLbl name="node4">
+    <dgm:scene3d>
+      <a:camera prst="orthographicFront"/>
+      <a:lightRig rig="threePt" dir="t"/>
+    </dgm:scene3d>
+    <dgm:sp3d/>
+    <dgm:txPr/>
+    <dgm:style>
+      <a:lnRef idx="2">
+        <a:scrgbClr r="0" g="0" b="0"/>
+      </a:lnRef>
+      <a:fillRef idx="1">
+        <a:scrgbClr r="0" g="0" b="0"/>
+      </a:fillRef>
+      <a:effectRef idx="0">
+        <a:scrgbClr r="0" g="0" b="0"/>
+      </a:effectRef>
+      <a:fontRef idx="minor">
+        <a:schemeClr val="lt1"/>
+      </a:fontRef>
+    </dgm:style>
+  </dgm:styleLbl>
+  <dgm:styleLbl name="fgImgPlace1">
+    <dgm:scene3d>
+      <a:camera prst="orthographicFront"/>
+      <a:lightRig rig="threePt" dir="t"/>
+    </dgm:scene3d>
+    <dgm:sp3d/>
+    <dgm:txPr/>
+    <dgm:style>
+      <a:lnRef idx="2">
+        <a:scrgbClr r="0" g="0" b="0"/>
+      </a:lnRef>
+      <a:fillRef idx="1">
+        <a:scrgbClr r="0" g="0" b="0"/>
+      </a:fillRef>
+      <a:effectRef idx="0">
+        <a:scrgbClr r="0" g="0" b="0"/>
+      </a:effectRef>
+      <a:fontRef idx="minor"/>
+    </dgm:style>
+  </dgm:styleLbl>
+  <dgm:styleLbl name="alignImgPlace1">
+    <dgm:scene3d>
+      <a:camera prst="orthographicFront"/>
+      <a:lightRig rig="threePt" dir="t"/>
+    </dgm:scene3d>
+    <dgm:sp3d/>
+    <dgm:txPr/>
+    <dgm:style>
+      <a:lnRef idx="2">
+        <a:scrgbClr r="0" g="0" b="0"/>
+      </a:lnRef>
+      <a:fillRef idx="1">
+        <a:scrgbClr r="0" g="0" b="0"/>
+      </a:fillRef>
+      <a:effectRef idx="0">
+        <a:scrgbClr r="0" g="0" b="0"/>
+      </a:effectRef>
+      <a:fontRef idx="minor"/>
+    </dgm:style>
+  </dgm:styleLbl>
+  <dgm:styleLbl name="bgImgPlace1">
+    <dgm:scene3d>
+      <a:camera prst="orthographicFront"/>
+      <a:lightRig rig="threePt" dir="t"/>
+    </dgm:scene3d>
+    <dgm:sp3d/>
+    <dgm:txPr/>
+    <dgm:style>
+      <a:lnRef idx="2">
+        <a:scrgbClr r="0" g="0" b="0"/>
+      </a:lnRef>
+      <a:fillRef idx="1">
+        <a:scrgbClr r="0" g="0" b="0"/>
+      </a:fillRef>
+      <a:effectRef idx="0">
+        <a:scrgbClr r="0" g="0" b="0"/>
+      </a:effectRef>
+      <a:fontRef idx="minor"/>
+    </dgm:style>
+  </dgm:styleLbl>
+  <dgm:styleLbl name="sibTrans2D1">
+    <dgm:scene3d>
+      <a:camera prst="orthographicFront"/>
+      <a:lightRig rig="threePt" dir="t"/>
+    </dgm:scene3d>
+    <dgm:sp3d/>
+    <dgm:txPr/>
+    <dgm:style>
+      <a:lnRef idx="0">
+        <a:scrgbClr r="0" g="0" b="0"/>
+      </a:lnRef>
+      <a:fillRef idx="1">
+        <a:scrgbClr r="0" g="0" b="0"/>
+      </a:fillRef>
+      <a:effectRef idx="0">
+        <a:scrgbClr r="0" g="0" b="0"/>
+      </a:effectRef>
+      <a:fontRef idx="minor">
+        <a:schemeClr val="lt1"/>
+      </a:fontRef>
+    </dgm:style>
+  </dgm:styleLbl>
+  <dgm:styleLbl name="fgSibTrans2D1">
+    <dgm:scene3d>
+      <a:camera prst="orthographicFront"/>
+      <a:lightRig rig="threePt" dir="t"/>
+    </dgm:scene3d>
+    <dgm:sp3d/>
+    <dgm:txPr/>
+    <dgm:style>
+      <a:lnRef idx="0">
+        <a:scrgbClr r="0" g="0" b="0"/>
+      </a:lnRef>
+      <a:fillRef idx="1">
+        <a:scrgbClr r="0" g="0" b="0"/>
+      </a:fillRef>
+      <a:effectRef idx="0">
+        <a:scrgbClr r="0" g="0" b="0"/>
+      </a:effectRef>
+      <a:fontRef idx="minor">
+        <a:schemeClr val="lt1"/>
+      </a:fontRef>
+    </dgm:style>
+  </dgm:styleLbl>
+  <dgm:styleLbl name="bgSibTrans2D1">
+    <dgm:scene3d>
+      <a:camera prst="orthographicFront"/>
+      <a:lightRig rig="threePt" dir="t"/>
+    </dgm:scene3d>
+    <dgm:sp3d/>
+    <dgm:txPr/>
+    <dgm:style>
+      <a:lnRef idx="0">
+        <a:scrgbClr r="0" g="0" b="0"/>
+      </a:lnRef>
+      <a:fillRef idx="1">
+        <a:scrgbClr r="0" g="0" b="0"/>
+      </a:fillRef>
+      <a:effectRef idx="0">
+        <a:scrgbClr r="0" g="0" b="0"/>
+      </a:effectRef>
+      <a:fontRef idx="minor">
+        <a:schemeClr val="lt1"/>
+      </a:fontRef>
+    </dgm:style>
+  </dgm:styleLbl>
+  <dgm:styleLbl name="sibTrans1D1">
+    <dgm:scene3d>
+      <a:camera prst="orthographicFront"/>
+      <a:lightRig rig="threePt" dir="t"/>
+    </dgm:scene3d>
+    <dgm:sp3d/>
+    <dgm:txPr/>
+    <dgm:style>
+      <a:lnRef idx="1">
+        <a:scrgbClr r="0" g="0" b="0"/>
+      </a:lnRef>
+      <a:fillRef idx="0">
+        <a:scrgbClr r="0" g="0" b="0"/>
+      </a:fillRef>
+      <a:effectRef idx="0">
+        <a:scrgbClr r="0" g="0" b="0"/>
+      </a:effectRef>
+      <a:fontRef idx="minor"/>
+    </dgm:style>
+  </dgm:styleLbl>
+  <dgm:styleLbl name="callout">
+    <dgm:scene3d>
+      <a:camera prst="orthographicFront"/>
+      <a:lightRig rig="threePt" dir="t"/>
+    </dgm:scene3d>
+    <dgm:sp3d/>
+    <dgm:txPr/>
+    <dgm:style>
+      <a:lnRef idx="2">
+        <a:scrgbClr r="0" g="0" b="0"/>
+      </a:lnRef>
+      <a:fillRef idx="1">
+        <a:scrgbClr r="0" g="0" b="0"/>
+      </a:fillRef>
+      <a:effectRef idx="0">
+        <a:scrgbClr r="0" g="0" b="0"/>
+      </a:effectRef>
+      <a:fontRef idx="minor"/>
+    </dgm:style>
+  </dgm:styleLbl>
+  <dgm:styleLbl name="asst0">
+    <dgm:scene3d>
+      <a:camera prst="orthographicFront"/>
+      <a:lightRig rig="threePt" dir="t"/>
+    </dgm:scene3d>
+    <dgm:sp3d/>
+    <dgm:txPr/>
+    <dgm:style>
+      <a:lnRef idx="2">
+        <a:scrgbClr r="0" g="0" b="0"/>
+      </a:lnRef>
+      <a:fillRef idx="1">
+        <a:scrgbClr r="0" g="0" b="0"/>
+      </a:fillRef>
+      <a:effectRef idx="0">
+        <a:scrgbClr r="0" g="0" b="0"/>
+      </a:effectRef>
+      <a:fontRef idx="minor">
+        <a:schemeClr val="lt1"/>
+      </a:fontRef>
+    </dgm:style>
+  </dgm:styleLbl>
+  <dgm:styleLbl name="asst1">
+    <dgm:scene3d>
+      <a:camera prst="orthographicFront"/>
+      <a:lightRig rig="threePt" dir="t"/>
+    </dgm:scene3d>
+    <dgm:sp3d/>
+    <dgm:txPr/>
+    <dgm:style>
+      <a:lnRef idx="2">
+        <a:scrgbClr r="0" g="0" b="0"/>
+      </a:lnRef>
+      <a:fillRef idx="1">
+        <a:scrgbClr r="0" g="0" b="0"/>
+      </a:fillRef>
+      <a:effectRef idx="0">
+        <a:scrgbClr r="0" g="0" b="0"/>
+      </a:effectRef>
+      <a:fontRef idx="minor">
+        <a:schemeClr val="lt1"/>
+      </a:fontRef>
+    </dgm:style>
+  </dgm:styleLbl>
+  <dgm:styleLbl name="asst2">
+    <dgm:scene3d>
+      <a:camera prst="orthographicFront"/>
+      <a:lightRig rig="threePt" dir="t"/>
+    </dgm:scene3d>
+    <dgm:sp3d/>
+    <dgm:txPr/>
+    <dgm:style>
+      <a:lnRef idx="2">
+        <a:scrgbClr r="0" g="0" b="0"/>
+      </a:lnRef>
+      <a:fillRef idx="1">
+        <a:scrgbClr r="0" g="0" b="0"/>
+      </a:fillRef>
+      <a:effectRef idx="0">
+        <a:scrgbClr r="0" g="0" b="0"/>
+      </a:effectRef>
+      <a:fontRef idx="minor">
+        <a:schemeClr val="lt1"/>
+      </a:fontRef>
+    </dgm:style>
+  </dgm:styleLbl>
+  <dgm:styleLbl name="asst3">
+    <dgm:scene3d>
+      <a:camera prst="orthographicFront"/>
+      <a:lightRig rig="threePt" dir="t"/>
+    </dgm:scene3d>
+    <dgm:sp3d/>
+    <dgm:txPr/>
+    <dgm:style>
+      <a:lnRef idx="2">
+        <a:scrgbClr r="0" g="0" b="0"/>
+      </a:lnRef>
+      <a:fillRef idx="1">
+        <a:scrgbClr r="0" g="0" b="0"/>
+      </a:fillRef>
+      <a:effectRef idx="0">
+        <a:scrgbClr r="0" g="0" b="0"/>
+      </a:effectRef>
+      <a:fontRef idx="minor">
+        <a:schemeClr val="lt1"/>
+      </a:fontRef>
+    </dgm:style>
+  </dgm:styleLbl>
+  <dgm:styleLbl name="asst4">
+    <dgm:scene3d>
+      <a:camera prst="orthographicFront"/>
+      <a:lightRig rig="threePt" dir="t"/>
+    </dgm:scene3d>
+    <dgm:sp3d/>
+    <dgm:txPr/>
+    <dgm:style>
+      <a:lnRef idx="2">
+        <a:scrgbClr r="0" g="0" b="0"/>
+      </a:lnRef>
+      <a:fillRef idx="1">
+        <a:scrgbClr r="0" g="0" b="0"/>
+      </a:fillRef>
+      <a:effectRef idx="0">
+        <a:scrgbClr r="0" g="0" b="0"/>
+      </a:effectRef>
+      <a:fontRef idx="minor">
+        <a:schemeClr val="lt1"/>
+      </a:fontRef>
+    </dgm:style>
+  </dgm:styleLbl>
+  <dgm:styleLbl name="parChTrans2D1">
+    <dgm:scene3d>
+      <a:camera prst="orthographicFront"/>
+      <a:lightRig rig="threePt" dir="t"/>
+    </dgm:scene3d>
+    <dgm:sp3d/>
+    <dgm:txPr/>
+    <dgm:style>
+      <a:lnRef idx="2">
+        <a:scrgbClr r="0" g="0" b="0"/>
+      </a:lnRef>
+      <a:fillRef idx="1">
+        <a:scrgbClr r="0" g="0" b="0"/>
+      </a:fillRef>
+      <a:effectRef idx="0">
+        <a:scrgbClr r="0" g="0" b="0"/>
+      </a:effectRef>
+      <a:fontRef idx="minor">
+        <a:schemeClr val="lt1"/>
+      </a:fontRef>
+    </dgm:style>
+  </dgm:styleLbl>
+  <dgm:styleLbl name="parChTrans2D2">
+    <dgm:scene3d>
+      <a:camera prst="orthographicFront"/>
+      <a:lightRig rig="threePt" dir="t"/>
+    </dgm:scene3d>
+    <dgm:sp3d/>
+    <dgm:txPr/>
+    <dgm:style>
+      <a:lnRef idx="2">
+        <a:scrgbClr r="0" g="0" b="0"/>
+      </a:lnRef>
+      <a:fillRef idx="1">
+        <a:scrgbClr r="0" g="0" b="0"/>
+      </a:fillRef>
+      <a:effectRef idx="0">
+        <a:scrgbClr r="0" g="0" b="0"/>
+      </a:effectRef>
+      <a:fontRef idx="minor">
+        <a:schemeClr val="lt1"/>
+      </a:fontRef>
+    </dgm:style>
+  </dgm:styleLbl>
+  <dgm:styleLbl name="parChTrans2D3">
+    <dgm:scene3d>
+      <a:camera prst="orthographicFront"/>
+      <a:lightRig rig="threePt" dir="t"/>
+    </dgm:scene3d>
+    <dgm:sp3d/>
+    <dgm:txPr/>
+    <dgm:style>
+      <a:lnRef idx="2">
+        <a:scrgbClr r="0" g="0" b="0"/>
+      </a:lnRef>
+      <a:fillRef idx="1">
+        <a:scrgbClr r="0" g="0" b="0"/>
+      </a:fillRef>
+      <a:effectRef idx="0">
+        <a:scrgbClr r="0" g="0" b="0"/>
+      </a:effectRef>
+      <a:fontRef idx="minor">
+        <a:schemeClr val="lt1"/>
+      </a:fontRef>
+    </dgm:style>
+  </dgm:styleLbl>
+  <dgm:styleLbl name="parChTrans2D4">
+    <dgm:scene3d>
+      <a:camera prst="orthographicFront"/>
+      <a:lightRig rig="threePt" dir="t"/>
+    </dgm:scene3d>
+    <dgm:sp3d/>
+    <dgm:txPr/>
+    <dgm:style>
+      <a:lnRef idx="2">
+        <a:scrgbClr r="0" g="0" b="0"/>
+      </a:lnRef>
+      <a:fillRef idx="1">
+        <a:scrgbClr r="0" g="0" b="0"/>
+      </a:fillRef>
+      <a:effectRef idx="0">
+        <a:scrgbClr r="0" g="0" b="0"/>
+      </a:effectRef>
+      <a:fontRef idx="minor">
+        <a:schemeClr val="lt1"/>
+      </a:fontRef>
+    </dgm:style>
+  </dgm:styleLbl>
+  <dgm:styleLbl name="parChTrans1D1">
+    <dgm:scene3d>
+      <a:camera prst="orthographicFront"/>
+      <a:lightRig rig="threePt" dir="t"/>
+    </dgm:scene3d>
+    <dgm:sp3d/>
+    <dgm:txPr/>
+    <dgm:style>
+      <a:lnRef idx="2">
+        <a:scrgbClr r="0" g="0" b="0"/>
+      </a:lnRef>
+      <a:fillRef idx="0">
+        <a:scrgbClr r="0" g="0" b="0"/>
+      </a:fillRef>
+      <a:effectRef idx="0">
+        <a:scrgbClr r="0" g="0" b="0"/>
+      </a:effectRef>
+      <a:fontRef idx="minor"/>
+    </dgm:style>
+  </dgm:styleLbl>
+  <dgm:styleLbl name="parChTrans1D2">
+    <dgm:scene3d>
+      <a:camera prst="orthographicFront"/>
+      <a:lightRig rig="threePt" dir="t"/>
+    </dgm:scene3d>
+    <dgm:sp3d/>
+    <dgm:txPr/>
+    <dgm:style>
+      <a:lnRef idx="2">
+        <a:scrgbClr r="0" g="0" b="0"/>
+      </a:lnRef>
+      <a:fillRef idx="0">
+        <a:scrgbClr r="0" g="0" b="0"/>
+      </a:fillRef>
+      <a:effectRef idx="0">
+        <a:scrgbClr r="0" g="0" b="0"/>
+      </a:effectRef>
+      <a:fontRef idx="minor"/>
+    </dgm:style>
+  </dgm:styleLbl>
+  <dgm:styleLbl name="parChTrans1D3">
+    <dgm:scene3d>
+      <a:camera prst="orthographicFront"/>
+      <a:lightRig rig="threePt" dir="t"/>
+    </dgm:scene3d>
+    <dgm:sp3d/>
+    <dgm:txPr/>
+    <dgm:style>
+      <a:lnRef idx="2">
+        <a:scrgbClr r="0" g="0" b="0"/>
+      </a:lnRef>
+      <a:fillRef idx="0">
+        <a:scrgbClr r="0" g="0" b="0"/>
+      </a:fillRef>
+      <a:effectRef idx="0">
+        <a:scrgbClr r="0" g="0" b="0"/>
+      </a:effectRef>
+      <a:fontRef idx="minor"/>
+    </dgm:style>
+  </dgm:styleLbl>
+  <dgm:styleLbl name="parChTrans1D4">
+    <dgm:scene3d>
+      <a:camera prst="orthographicFront"/>
+      <a:lightRig rig="threePt" dir="t"/>
+    </dgm:scene3d>
+    <dgm:sp3d/>
+    <dgm:txPr/>
+    <dgm:style>
+      <a:lnRef idx="2">
+        <a:scrgbClr r="0" g="0" b="0"/>
+      </a:lnRef>
+      <a:fillRef idx="0">
+        <a:scrgbClr r="0" g="0" b="0"/>
+      </a:fillRef>
+      <a:effectRef idx="0">
+        <a:scrgbClr r="0" g="0" b="0"/>
+      </a:effectRef>
+      <a:fontRef idx="minor"/>
+    </dgm:style>
+  </dgm:styleLbl>
+  <dgm:styleLbl name="fgAcc1">
+    <dgm:scene3d>
+      <a:camera prst="orthographicFront"/>
+      <a:lightRig rig="threePt" dir="t"/>
+    </dgm:scene3d>
+    <dgm:sp3d/>
+    <dgm:txPr/>
+    <dgm:style>
+      <a:lnRef idx="2">
+        <a:scrgbClr r="0" g="0" b="0"/>
+      </a:lnRef>
+      <a:fillRef idx="1">
+        <a:scrgbClr r="0" g="0" b="0"/>
+      </a:fillRef>
+      <a:effectRef idx="0">
+        <a:scrgbClr r="0" g="0" b="0"/>
+      </a:effectRef>
+      <a:fontRef idx="minor"/>
+    </dgm:style>
+  </dgm:styleLbl>
+  <dgm:styleLbl name="conFgAcc1">
+    <dgm:scene3d>
+      <a:camera prst="orthographicFront"/>
+      <a:lightRig rig="threePt" dir="t"/>
+    </dgm:scene3d>
+    <dgm:sp3d/>
+    <dgm:txPr/>
+    <dgm:style>
+      <a:lnRef idx="2">
+        <a:scrgbClr r="0" g="0" b="0"/>
+      </a:lnRef>
+      <a:fillRef idx="1">
+        <a:scrgbClr r="0" g="0" b="0"/>
+      </a:fillRef>
+      <a:effectRef idx="0">
+        <a:scrgbClr r="0" g="0" b="0"/>
+      </a:effectRef>
+      <a:fontRef idx="minor"/>
+    </dgm:style>
+  </dgm:styleLbl>
+  <dgm:styleLbl name="alignAcc1">
+    <dgm:scene3d>
+      <a:camera prst="orthographicFront"/>
+      <a:lightRig rig="threePt" dir="t"/>
+    </dgm:scene3d>
+    <dgm:sp3d/>
+    <dgm:txPr/>
+    <dgm:style>
+      <a:lnRef idx="2">
+        <a:scrgbClr r="0" g="0" b="0"/>
+      </a:lnRef>
+      <a:fillRef idx="1">
+        <a:scrgbClr r="0" g="0" b="0"/>
+      </a:fillRef>
+      <a:effectRef idx="0">
+        <a:scrgbClr r="0" g="0" b="0"/>
+      </a:effectRef>
+      <a:fontRef idx="minor"/>
+    </dgm:style>
+  </dgm:styleLbl>
+  <dgm:styleLbl name="trAlignAcc1">
+    <dgm:scene3d>
+      <a:camera prst="orthographicFront"/>
+      <a:lightRig rig="threePt" dir="t"/>
+    </dgm:scene3d>
+    <dgm:sp3d/>
+    <dgm:txPr/>
+    <dgm:style>
+      <a:lnRef idx="1">
+        <a:scrgbClr r="0" g="0" b="0"/>
+      </a:lnRef>
+      <a:fillRef idx="1">
+        <a:scrgbClr r="0" g="0" b="0"/>
+      </a:fillRef>
+      <a:effectRef idx="0">
+        <a:scrgbClr r="0" g="0" b="0"/>
+      </a:effectRef>
+      <a:fontRef idx="minor"/>
+    </dgm:style>
+  </dgm:styleLbl>
+  <dgm:styleLbl name="bgAcc1">
+    <dgm:scene3d>
+      <a:camera prst="orthographicFront"/>
+      <a:lightRig rig="threePt" dir="t"/>
+    </dgm:scene3d>
+    <dgm:sp3d/>
+    <dgm:txPr/>
+    <dgm:style>
+      <a:lnRef idx="2">
+        <a:scrgbClr r="0" g="0" b="0"/>
+      </a:lnRef>
+      <a:fillRef idx="1">
+        <a:scrgbClr r="0" g="0" b="0"/>
+      </a:fillRef>
+      <a:effectRef idx="0">
+        <a:scrgbClr r="0" g="0" b="0"/>
+      </a:effectRef>
+      <a:fontRef idx="minor"/>
+    </dgm:style>
+  </dgm:styleLbl>
+  <dgm:styleLbl name="solidFgAcc1">
+    <dgm:scene3d>
+      <a:camera prst="orthographicFront"/>
+      <a:lightRig rig="threePt" dir="t"/>
+    </dgm:scene3d>
+    <dgm:sp3d/>
+    <dgm:txPr/>
+    <dgm:style>
+      <a:lnRef idx="2">
+        <a:scrgbClr r="0" g="0" b="0"/>
+      </a:lnRef>
+      <a:fillRef idx="1">
+        <a:scrgbClr r="0" g="0" b="0"/>
+      </a:fillRef>
+      <a:effectRef idx="0">
+        <a:scrgbClr r="0" g="0" b="0"/>
+      </a:effectRef>
+      <a:fontRef idx="minor"/>
+    </dgm:style>
+  </dgm:styleLbl>
+  <dgm:styleLbl name="solidAlignAcc1">
+    <dgm:scene3d>
+      <a:camera prst="orthographicFront"/>
+      <a:lightRig rig="threePt" dir="t"/>
+    </dgm:scene3d>
+    <dgm:sp3d/>
+    <dgm:txPr/>
+    <dgm:style>
+      <a:lnRef idx="2">
+        <a:scrgbClr r="0" g="0" b="0"/>
+      </a:lnRef>
+      <a:fillRef idx="1">
+        <a:scrgbClr r="0" g="0" b="0"/>
+      </a:fillRef>
+      <a:effectRef idx="0">
+        <a:scrgbClr r="0" g="0" b="0"/>
+      </a:effectRef>
+      <a:fontRef idx="minor"/>
+    </dgm:style>
+  </dgm:styleLbl>
+  <dgm:styleLbl name="solidBgAcc1">
+    <dgm:scene3d>
+      <a:camera prst="orthographicFront"/>
+      <a:lightRig rig="threePt" dir="t"/>
+    </dgm:scene3d>
+    <dgm:sp3d/>
+    <dgm:txPr/>
+    <dgm:style>
+      <a:lnRef idx="2">
+        <a:scrgbClr r="0" g="0" b="0"/>
+      </a:lnRef>
+      <a:fillRef idx="1">
+        <a:scrgbClr r="0" g="0" b="0"/>
+      </a:fillRef>
+      <a:effectRef idx="0">
+        <a:scrgbClr r="0" g="0" b="0"/>
+      </a:effectRef>
+      <a:fontRef idx="minor"/>
+    </dgm:style>
+  </dgm:styleLbl>
+  <dgm:styleLbl name="fgAccFollowNode1">
+    <dgm:scene3d>
+      <a:camera prst="orthographicFront"/>
+      <a:lightRig rig="threePt" dir="t"/>
+    </dgm:scene3d>
+    <dgm:sp3d/>
+    <dgm:txPr/>
+    <dgm:style>
+      <a:lnRef idx="2">
+        <a:scrgbClr r="0" g="0" b="0"/>
+      </a:lnRef>
+      <a:fillRef idx="1">
+        <a:scrgbClr r="0" g="0" b="0"/>
+      </a:fillRef>
+      <a:effectRef idx="0">
+        <a:scrgbClr r="0" g="0" b="0"/>
+      </a:effectRef>
+      <a:fontRef idx="minor"/>
+    </dgm:style>
+  </dgm:styleLbl>
+  <dgm:styleLbl name="alignAccFollowNode1">
+    <dgm:scene3d>
+      <a:camera prst="orthographicFront"/>
+      <a:lightRig rig="threePt" dir="t"/>
+    </dgm:scene3d>
+    <dgm:sp3d/>
+    <dgm:txPr/>
+    <dgm:style>
+      <a:lnRef idx="2">
+        <a:scrgbClr r="0" g="0" b="0"/>
+      </a:lnRef>
+      <a:fillRef idx="1">
+        <a:scrgbClr r="0" g="0" b="0"/>
+      </a:fillRef>
+      <a:effectRef idx="0">
+        <a:scrgbClr r="0" g="0" b="0"/>
+      </a:effectRef>
+      <a:fontRef idx="minor"/>
+    </dgm:style>
+  </dgm:styleLbl>
+  <dgm:styleLbl name="bgAccFollowNode1">
+    <dgm:scene3d>
+      <a:camera prst="orthographicFront"/>
+      <a:lightRig rig="threePt" dir="t"/>
+    </dgm:scene3d>
+    <dgm:sp3d/>
+    <dgm:txPr/>
+    <dgm:style>
+      <a:lnRef idx="2">
+        <a:scrgbClr r="0" g="0" b="0"/>
+      </a:lnRef>
+      <a:fillRef idx="1">
+        <a:scrgbClr r="0" g="0" b="0"/>
+      </a:fillRef>
+      <a:effectRef idx="0">
+        <a:scrgbClr r="0" g="0" b="0"/>
+      </a:effectRef>
+      <a:fontRef idx="minor"/>
+    </dgm:style>
+  </dgm:styleLbl>
+  <dgm:styleLbl name="fgAcc0">
+    <dgm:scene3d>
+      <a:camera prst="orthographicFront"/>
+      <a:lightRig rig="threePt" dir="t"/>
+    </dgm:scene3d>
+    <dgm:sp3d/>
+    <dgm:txPr/>
+    <dgm:style>
+      <a:lnRef idx="2">
+        <a:scrgbClr r="0" g="0" b="0"/>
+      </a:lnRef>
+      <a:fillRef idx="1">
+        <a:scrgbClr r="0" g="0" b="0"/>
+      </a:fillRef>
+      <a:effectRef idx="0">
+        <a:scrgbClr r="0" g="0" b="0"/>
+      </a:effectRef>
+      <a:fontRef idx="minor"/>
+    </dgm:style>
+  </dgm:styleLbl>
+  <dgm:styleLbl name="fgAcc2">
+    <dgm:scene3d>
+      <a:camera prst="orthographicFront"/>
+      <a:lightRig rig="threePt" dir="t"/>
+    </dgm:scene3d>
+    <dgm:sp3d/>
+    <dgm:txPr/>
+    <dgm:style>
+      <a:lnRef idx="2">
+        <a:scrgbClr r="0" g="0" b="0"/>
+      </a:lnRef>
+      <a:fillRef idx="1">
+        <a:scrgbClr r="0" g="0" b="0"/>
+      </a:fillRef>
+      <a:effectRef idx="0">
+        <a:scrgbClr r="0" g="0" b="0"/>
+      </a:effectRef>
+      <a:fontRef idx="minor"/>
+    </dgm:style>
+  </dgm:styleLbl>
+  <dgm:styleLbl name="fgAcc3">
+    <dgm:scene3d>
+      <a:camera prst="orthographicFront"/>
+      <a:lightRig rig="threePt" dir="t"/>
+    </dgm:scene3d>
+    <dgm:sp3d/>
+    <dgm:txPr/>
+    <dgm:style>
+      <a:lnRef idx="2">
+        <a:scrgbClr r="0" g="0" b="0"/>
+      </a:lnRef>
+      <a:fillRef idx="1">
+        <a:scrgbClr r="0" g="0" b="0"/>
+      </a:fillRef>
+      <a:effectRef idx="0">
+        <a:scrgbClr r="0" g="0" b="0"/>
+      </a:effectRef>
+      <a:fontRef idx="minor"/>
+    </dgm:style>
+  </dgm:styleLbl>
+  <dgm:styleLbl name="fgAcc4">
+    <dgm:scene3d>
+      <a:camera prst="orthographicFront"/>
+      <a:lightRig rig="threePt" dir="t"/>
+    </dgm:scene3d>
+    <dgm:sp3d/>
+    <dgm:txPr/>
+    <dgm:style>
+      <a:lnRef idx="2">
+        <a:scrgbClr r="0" g="0" b="0"/>
+      </a:lnRef>
+      <a:fillRef idx="1">
+        <a:scrgbClr r="0" g="0" b="0"/>
+      </a:fillRef>
+      <a:effectRef idx="0">
+        <a:scrgbClr r="0" g="0" b="0"/>
+      </a:effectRef>
+      <a:fontRef idx="minor"/>
+    </dgm:style>
+  </dgm:styleLbl>
+  <dgm:styleLbl name="bgShp">
+    <dgm:scene3d>
+      <a:camera prst="orthographicFront"/>
+      <a:lightRig rig="threePt" dir="t"/>
+    </dgm:scene3d>
+    <dgm:sp3d/>
+    <dgm:txPr/>
+    <dgm:style>
+      <a:lnRef idx="0">
+        <a:scrgbClr r="0" g="0" b="0"/>
+      </a:lnRef>
+      <a:fillRef idx="1">
+        <a:scrgbClr r="0" g="0" b="0"/>
+      </a:fillRef>
+      <a:effectRef idx="0">
+        <a:scrgbClr r="0" g="0" b="0"/>
+      </a:effectRef>
+      <a:fontRef idx="minor"/>
+    </dgm:style>
+  </dgm:styleLbl>
+  <dgm:styleLbl name="dkBgShp">
+    <dgm:scene3d>
+      <a:camera prst="orthographicFront"/>
+      <a:lightRig rig="threePt" dir="t"/>
+    </dgm:scene3d>
+    <dgm:sp3d/>
+    <dgm:txPr/>
+    <dgm:style>
+      <a:lnRef idx="0">
+        <a:scrgbClr r="0" g="0" b="0"/>
+      </a:lnRef>
+      <a:fillRef idx="1">
+        <a:scrgbClr r="0" g="0" b="0"/>
+      </a:fillRef>
+      <a:effectRef idx="0">
+        <a:scrgbClr r="0" g="0" b="0"/>
+      </a:effectRef>
+      <a:fontRef idx="minor"/>
+    </dgm:style>
+  </dgm:styleLbl>
+  <dgm:styleLbl name="trBgShp">
+    <dgm:scene3d>
+      <a:camera prst="orthographicFront"/>
+      <a:lightRig rig="threePt" dir="t"/>
+    </dgm:scene3d>
+    <dgm:sp3d/>
+    <dgm:txPr/>
+    <dgm:style>
+      <a:lnRef idx="0">
+        <a:scrgbClr r="0" g="0" b="0"/>
+      </a:lnRef>
+      <a:fillRef idx="1">
+        <a:scrgbClr r="0" g="0" b="0"/>
+      </a:fillRef>
+      <a:effectRef idx="0">
+        <a:scrgbClr r="0" g="0" b="0"/>
+      </a:effectRef>
+      <a:fontRef idx="minor"/>
+    </dgm:style>
+  </dgm:styleLbl>
+  <dgm:styleLbl name="fgShp">
+    <dgm:scene3d>
+      <a:camera prst="orthographicFront"/>
+      <a:lightRig rig="threePt" dir="t"/>
+    </dgm:scene3d>
+    <dgm:sp3d/>
+    <dgm:txPr/>
+    <dgm:style>
+      <a:lnRef idx="2">
+        <a:scrgbClr r="0" g="0" b="0"/>
+      </a:lnRef>
+      <a:fillRef idx="1">
+        <a:scrgbClr r="0" g="0" b="0"/>
+      </a:fillRef>
+      <a:effectRef idx="0">
+        <a:scrgbClr r="0" g="0" b="0"/>
+      </a:effectRef>
+      <a:fontRef idx="minor"/>
+    </dgm:style>
+  </dgm:styleLbl>
+  <dgm:styleLbl name="revTx">
+    <dgm:scene3d>
+      <a:camera prst="orthographicFront"/>
+      <a:lightRig rig="threePt" dir="t"/>
+    </dgm:scene3d>
+    <dgm:sp3d/>
+    <dgm:txPr/>
+    <dgm:style>
+      <a:lnRef idx="0">
+        <a:scrgbClr r="0" g="0" b="0"/>
+      </a:lnRef>
+      <a:fillRef idx="0">
+        <a:scrgbClr r="0" g="0" b="0"/>
+      </a:fillRef>
+      <a:effectRef idx="0">
+        <a:scrgbClr r="0" g="0" b="0"/>
+      </a:effectRef>
+      <a:fontRef idx="minor"/>
+    </dgm:style>
+  </dgm:styleLbl>
+</dgm:styleDef>
 </file>
 
 <file path=ppt/handoutMasters/handoutMaster1.xml><?xml version="1.0" encoding="utf-8"?>
@@ -325,7 +5396,7 @@
           <a:p>
             <a:fld id="{EE097A57-0322-46FF-8CE5-DBA4BCCC1C9B}" type="slidenum">
               <a:rPr lang="fr-FR" smtClean="0"/>
-              <a:t>‹N°›</a:t>
+              <a:t>‹#›</a:t>
             </a:fld>
             <a:endParaRPr lang="fr-FR"/>
           </a:p>
@@ -583,7 +5654,7 @@
           <a:p>
             <a:fld id="{45C44DBB-F87B-49EA-91FB-EDB78BBE8593}" type="slidenum">
               <a:rPr lang="fr-FR" smtClean="0"/>
-              <a:t>‹N°›</a:t>
+              <a:t>‹#›</a:t>
             </a:fld>
             <a:endParaRPr lang="fr-FR"/>
           </a:p>
@@ -796,6 +5867,90 @@
       </p:grpSpPr>
       <p:sp>
         <p:nvSpPr>
+          <p:cNvPr id="2" name="Slide Image Placeholder 1"/>
+          <p:cNvSpPr>
+            <a:spLocks noGrp="1" noRot="1" noChangeAspect="1"/>
+          </p:cNvSpPr>
+          <p:nvPr>
+            <p:ph type="sldImg"/>
+          </p:nvPr>
+        </p:nvSpPr>
+        <p:spPr/>
+      </p:sp>
+      <p:sp>
+        <p:nvSpPr>
+          <p:cNvPr id="3" name="Notes Placeholder 2"/>
+          <p:cNvSpPr>
+            <a:spLocks noGrp="1"/>
+          </p:cNvSpPr>
+          <p:nvPr>
+            <p:ph type="body" idx="1"/>
+          </p:nvPr>
+        </p:nvSpPr>
+        <p:spPr/>
+        <p:txBody>
+          <a:bodyPr/>
+          <a:lstStyle/>
+          <a:p>
+            <a:endParaRPr lang="fr-FR" dirty="0"/>
+          </a:p>
+        </p:txBody>
+      </p:sp>
+      <p:sp>
+        <p:nvSpPr>
+          <p:cNvPr id="4" name="Slide Number Placeholder 3"/>
+          <p:cNvSpPr>
+            <a:spLocks noGrp="1"/>
+          </p:cNvSpPr>
+          <p:nvPr>
+            <p:ph type="sldNum" sz="quarter" idx="5"/>
+          </p:nvPr>
+        </p:nvSpPr>
+        <p:spPr/>
+        <p:txBody>
+          <a:bodyPr/>
+          <a:lstStyle/>
+          <a:p>
+            <a:fld id="{45C44DBB-F87B-49EA-91FB-EDB78BBE8593}" type="slidenum">
+              <a:rPr lang="fr-FR" smtClean="0"/>
+              <a:t>7</a:t>
+            </a:fld>
+            <a:endParaRPr lang="fr-FR"/>
+          </a:p>
+        </p:txBody>
+      </p:sp>
+    </p:spTree>
+    <p:extLst>
+      <p:ext uri="{BB962C8B-B14F-4D97-AF65-F5344CB8AC3E}">
+        <p14:creationId xmlns:p14="http://schemas.microsoft.com/office/powerpoint/2010/main" val="3778314713"/>
+      </p:ext>
+    </p:extLst>
+  </p:cSld>
+  <p:clrMapOvr>
+    <a:masterClrMapping/>
+  </p:clrMapOvr>
+</p:notes>
+</file>
+
+<file path=ppt/notesSlides/notesSlide3.xml><?xml version="1.0" encoding="utf-8"?>
+<p:notes xmlns:a="http://schemas.openxmlformats.org/drawingml/2006/main" xmlns:r="http://schemas.openxmlformats.org/officeDocument/2006/relationships" xmlns:p="http://schemas.openxmlformats.org/presentationml/2006/main">
+  <p:cSld>
+    <p:spTree>
+      <p:nvGrpSpPr>
+        <p:cNvPr id="1" name=""/>
+        <p:cNvGrpSpPr/>
+        <p:nvPr/>
+      </p:nvGrpSpPr>
+      <p:grpSpPr>
+        <a:xfrm>
+          <a:off x="0" y="0"/>
+          <a:ext cx="0" cy="0"/>
+          <a:chOff x="0" y="0"/>
+          <a:chExt cx="0" cy="0"/>
+        </a:xfrm>
+      </p:grpSpPr>
+      <p:sp>
+        <p:nvSpPr>
           <p:cNvPr id="2" name="Espace réservé de l'image des diapositives 1"/>
           <p:cNvSpPr>
             <a:spLocks noGrp="1" noRot="1" noChangeAspect="1"/>
@@ -906,7 +6061,7 @@
           <a:p>
             <a:fld id="{45C44DBB-F87B-49EA-91FB-EDB78BBE8593}" type="slidenum">
               <a:rPr lang="fr-FR" smtClean="0"/>
-              <a:t>10</a:t>
+              <a:t>9</a:t>
             </a:fld>
             <a:endParaRPr lang="fr-FR"/>
           </a:p>
@@ -925,7 +6080,7 @@
 </p:notes>
 </file>
 
-<file path=ppt/notesSlides/notesSlide3.xml><?xml version="1.0" encoding="utf-8"?>
+<file path=ppt/notesSlides/notesSlide4.xml><?xml version="1.0" encoding="utf-8"?>
 <p:notes xmlns:a="http://schemas.openxmlformats.org/drawingml/2006/main" xmlns:r="http://schemas.openxmlformats.org/officeDocument/2006/relationships" xmlns:p="http://schemas.openxmlformats.org/presentationml/2006/main">
   <p:cSld>
     <p:spTree>
@@ -1042,7 +6197,7 @@
           <a:p>
             <a:fld id="{45C44DBB-F87B-49EA-91FB-EDB78BBE8593}" type="slidenum">
               <a:rPr lang="fr-FR" smtClean="0"/>
-              <a:t>11</a:t>
+              <a:t>10</a:t>
             </a:fld>
             <a:endParaRPr lang="fr-FR"/>
           </a:p>
@@ -1061,7 +6216,91 @@
 </p:notes>
 </file>
 
-<file path=ppt/notesSlides/notesSlide4.xml><?xml version="1.0" encoding="utf-8"?>
+<file path=ppt/notesSlides/notesSlide5.xml><?xml version="1.0" encoding="utf-8"?>
+<p:notes xmlns:a="http://schemas.openxmlformats.org/drawingml/2006/main" xmlns:r="http://schemas.openxmlformats.org/officeDocument/2006/relationships" xmlns:p="http://schemas.openxmlformats.org/presentationml/2006/main">
+  <p:cSld>
+    <p:spTree>
+      <p:nvGrpSpPr>
+        <p:cNvPr id="1" name=""/>
+        <p:cNvGrpSpPr/>
+        <p:nvPr/>
+      </p:nvGrpSpPr>
+      <p:grpSpPr>
+        <a:xfrm>
+          <a:off x="0" y="0"/>
+          <a:ext cx="0" cy="0"/>
+          <a:chOff x="0" y="0"/>
+          <a:chExt cx="0" cy="0"/>
+        </a:xfrm>
+      </p:grpSpPr>
+      <p:sp>
+        <p:nvSpPr>
+          <p:cNvPr id="2" name="Slide Image Placeholder 1"/>
+          <p:cNvSpPr>
+            <a:spLocks noGrp="1" noRot="1" noChangeAspect="1"/>
+          </p:cNvSpPr>
+          <p:nvPr>
+            <p:ph type="sldImg"/>
+          </p:nvPr>
+        </p:nvSpPr>
+        <p:spPr/>
+      </p:sp>
+      <p:sp>
+        <p:nvSpPr>
+          <p:cNvPr id="3" name="Notes Placeholder 2"/>
+          <p:cNvSpPr>
+            <a:spLocks noGrp="1"/>
+          </p:cNvSpPr>
+          <p:nvPr>
+            <p:ph type="body" idx="1"/>
+          </p:nvPr>
+        </p:nvSpPr>
+        <p:spPr/>
+        <p:txBody>
+          <a:bodyPr/>
+          <a:lstStyle/>
+          <a:p>
+            <a:endParaRPr lang="fr-FR" dirty="0"/>
+          </a:p>
+        </p:txBody>
+      </p:sp>
+      <p:sp>
+        <p:nvSpPr>
+          <p:cNvPr id="4" name="Slide Number Placeholder 3"/>
+          <p:cNvSpPr>
+            <a:spLocks noGrp="1"/>
+          </p:cNvSpPr>
+          <p:nvPr>
+            <p:ph type="sldNum" sz="quarter" idx="5"/>
+          </p:nvPr>
+        </p:nvSpPr>
+        <p:spPr/>
+        <p:txBody>
+          <a:bodyPr/>
+          <a:lstStyle/>
+          <a:p>
+            <a:fld id="{45C44DBB-F87B-49EA-91FB-EDB78BBE8593}" type="slidenum">
+              <a:rPr lang="fr-FR" smtClean="0"/>
+              <a:t>16</a:t>
+            </a:fld>
+            <a:endParaRPr lang="fr-FR"/>
+          </a:p>
+        </p:txBody>
+      </p:sp>
+    </p:spTree>
+    <p:extLst>
+      <p:ext uri="{BB962C8B-B14F-4D97-AF65-F5344CB8AC3E}">
+        <p14:creationId xmlns:p14="http://schemas.microsoft.com/office/powerpoint/2010/main" val="991168377"/>
+      </p:ext>
+    </p:extLst>
+  </p:cSld>
+  <p:clrMapOvr>
+    <a:masterClrMapping/>
+  </p:clrMapOvr>
+</p:notes>
+</file>
+
+<file path=ppt/notesSlides/notesSlide6.xml><?xml version="1.0" encoding="utf-8"?>
 <p:notes xmlns:a="http://schemas.openxmlformats.org/drawingml/2006/main" xmlns:r="http://schemas.openxmlformats.org/officeDocument/2006/relationships" xmlns:p="http://schemas.openxmlformats.org/presentationml/2006/main">
   <p:cSld>
     <p:spTree>
@@ -1176,7 +6415,7 @@
           <a:p>
             <a:fld id="{45C44DBB-F87B-49EA-91FB-EDB78BBE8593}" type="slidenum">
               <a:rPr lang="fr-FR" smtClean="0"/>
-              <a:t>20</a:t>
+              <a:t>18</a:t>
             </a:fld>
             <a:endParaRPr lang="fr-FR"/>
           </a:p>
@@ -1195,7 +6434,7 @@
 </p:notes>
 </file>
 
-<file path=ppt/notesSlides/notesSlide5.xml><?xml version="1.0" encoding="utf-8"?>
+<file path=ppt/notesSlides/notesSlide7.xml><?xml version="1.0" encoding="utf-8"?>
 <p:notes xmlns:a="http://schemas.openxmlformats.org/drawingml/2006/main" xmlns:r="http://schemas.openxmlformats.org/officeDocument/2006/relationships" xmlns:p="http://schemas.openxmlformats.org/presentationml/2006/main">
   <p:cSld>
     <p:spTree>
@@ -1260,7 +6499,7 @@
           <a:p>
             <a:fld id="{45C44DBB-F87B-49EA-91FB-EDB78BBE8593}" type="slidenum">
               <a:rPr lang="fr-FR" smtClean="0"/>
-              <a:t>26</a:t>
+              <a:t>24</a:t>
             </a:fld>
             <a:endParaRPr lang="fr-FR"/>
           </a:p>
@@ -1279,7 +6518,7 @@
 </p:notes>
 </file>
 
-<file path=ppt/notesSlides/notesSlide6.xml><?xml version="1.0" encoding="utf-8"?>
+<file path=ppt/notesSlides/notesSlide8.xml><?xml version="1.0" encoding="utf-8"?>
 <p:notes xmlns:a="http://schemas.openxmlformats.org/drawingml/2006/main" xmlns:r="http://schemas.openxmlformats.org/officeDocument/2006/relationships" xmlns:p="http://schemas.openxmlformats.org/presentationml/2006/main">
   <p:cSld>
     <p:spTree>
@@ -1355,7 +6594,7 @@
           <a:p>
             <a:fld id="{45C44DBB-F87B-49EA-91FB-EDB78BBE8593}" type="slidenum">
               <a:rPr lang="fr-FR" smtClean="0"/>
-              <a:t>28</a:t>
+              <a:t>26</a:t>
             </a:fld>
             <a:endParaRPr lang="fr-FR"/>
           </a:p>
@@ -1374,7 +6613,7 @@
 </p:notes>
 </file>
 
-<file path=ppt/notesSlides/notesSlide7.xml><?xml version="1.0" encoding="utf-8"?>
+<file path=ppt/notesSlides/notesSlide9.xml><?xml version="1.0" encoding="utf-8"?>
 <p:notes xmlns:a="http://schemas.openxmlformats.org/drawingml/2006/main" xmlns:r="http://schemas.openxmlformats.org/officeDocument/2006/relationships" xmlns:p="http://schemas.openxmlformats.org/presentationml/2006/main">
   <p:cSld>
     <p:spTree>
@@ -1466,7 +6705,7 @@
           <a:p>
             <a:fld id="{45C44DBB-F87B-49EA-91FB-EDB78BBE8593}" type="slidenum">
               <a:rPr lang="fr-FR" smtClean="0"/>
-              <a:t>29</a:t>
+              <a:t>27</a:t>
             </a:fld>
             <a:endParaRPr lang="fr-FR"/>
           </a:p>
@@ -1703,7 +6942,7 @@
             <a:fld id="{F546B7B7-7D14-4795-A998-350CFB2BDD43}" type="slidenum">
               <a:rPr lang="fr-FR" smtClean="0"/>
               <a:pPr/>
-              <a:t>‹N°›</a:t>
+              <a:t>‹#›</a:t>
             </a:fld>
             <a:endParaRPr lang="fr-FR"/>
           </a:p>
@@ -1800,7 +7039,7 @@
           <a:p>
             <a:fld id="{F546B7B7-7D14-4795-A998-350CFB2BDD43}" type="slidenum">
               <a:rPr lang="fr-FR" smtClean="0"/>
-              <a:t>‹N°›</a:t>
+              <a:t>‹#›</a:t>
             </a:fld>
             <a:endParaRPr lang="fr-FR"/>
           </a:p>
@@ -1969,7 +7208,7 @@
             <a:fld id="{F546B7B7-7D14-4795-A998-350CFB2BDD43}" type="slidenum">
               <a:rPr lang="fr-FR" smtClean="0"/>
               <a:pPr/>
-              <a:t>‹N°›</a:t>
+              <a:t>‹#›</a:t>
             </a:fld>
             <a:endParaRPr lang="fr-FR"/>
           </a:p>
@@ -2095,7 +7334,7 @@
             <a:fld id="{F546B7B7-7D14-4795-A998-350CFB2BDD43}" type="slidenum">
               <a:rPr lang="fr-FR" smtClean="0"/>
               <a:pPr/>
-              <a:t>‹N°›</a:t>
+              <a:t>‹#›</a:t>
             </a:fld>
             <a:endParaRPr lang="fr-FR"/>
           </a:p>
@@ -2455,7 +7694,7 @@
             <a:fld id="{F546B7B7-7D14-4795-A998-350CFB2BDD43}" type="slidenum">
               <a:rPr lang="fr-FR" smtClean="0"/>
               <a:pPr/>
-              <a:t>‹N°›</a:t>
+              <a:t>‹#›</a:t>
             </a:fld>
             <a:endParaRPr lang="fr-FR"/>
           </a:p>
@@ -2815,7 +8054,7 @@
             <a:fld id="{F546B7B7-7D14-4795-A998-350CFB2BDD43}" type="slidenum">
               <a:rPr lang="fr-FR" smtClean="0"/>
               <a:pPr/>
-              <a:t>‹N°›</a:t>
+              <a:t>‹#›</a:t>
             </a:fld>
             <a:endParaRPr lang="fr-FR"/>
           </a:p>
@@ -3175,7 +8414,7 @@
             <a:fld id="{F546B7B7-7D14-4795-A998-350CFB2BDD43}" type="slidenum">
               <a:rPr lang="fr-FR" smtClean="0"/>
               <a:pPr/>
-              <a:t>‹N°›</a:t>
+              <a:t>‹#›</a:t>
             </a:fld>
             <a:endParaRPr lang="fr-FR"/>
           </a:p>
@@ -3530,7 +8769,7 @@
             <a:fld id="{F546B7B7-7D14-4795-A998-350CFB2BDD43}" type="slidenum">
               <a:rPr lang="fr-FR" smtClean="0"/>
               <a:pPr/>
-              <a:t>‹N°›</a:t>
+              <a:t>‹#›</a:t>
             </a:fld>
             <a:endParaRPr lang="fr-FR"/>
           </a:p>
@@ -3885,7 +9124,7 @@
             <a:fld id="{F546B7B7-7D14-4795-A998-350CFB2BDD43}" type="slidenum">
               <a:rPr lang="fr-FR" smtClean="0"/>
               <a:pPr/>
-              <a:t>‹N°›</a:t>
+              <a:t>‹#›</a:t>
             </a:fld>
             <a:endParaRPr lang="fr-FR"/>
           </a:p>
@@ -4542,7 +9781,7 @@
             <a:fld id="{F546B7B7-7D14-4795-A998-350CFB2BDD43}" type="slidenum">
               <a:rPr lang="fr-FR" smtClean="0"/>
               <a:pPr/>
-              <a:t>‹N°›</a:t>
+              <a:t>‹#›</a:t>
             </a:fld>
             <a:endParaRPr lang="fr-FR"/>
           </a:p>
@@ -5098,7 +10337,7 @@
             <a:fld id="{F546B7B7-7D14-4795-A998-350CFB2BDD43}" type="slidenum">
               <a:rPr lang="fr-FR" smtClean="0"/>
               <a:pPr/>
-              <a:t>‹N°›</a:t>
+              <a:t>‹#›</a:t>
             </a:fld>
             <a:endParaRPr lang="fr-FR"/>
           </a:p>
@@ -5880,7 +11119,7 @@
             <a:fld id="{F546B7B7-7D14-4795-A998-350CFB2BDD43}" type="slidenum">
               <a:rPr lang="fr-FR" smtClean="0"/>
               <a:pPr/>
-              <a:t>‹N°›</a:t>
+              <a:t>‹#›</a:t>
             </a:fld>
             <a:endParaRPr lang="fr-FR"/>
           </a:p>
@@ -7002,7 +12241,7 @@
             <a:fld id="{F546B7B7-7D14-4795-A998-350CFB2BDD43}" type="slidenum">
               <a:rPr lang="fr-FR" smtClean="0"/>
               <a:pPr/>
-              <a:t>‹N°›</a:t>
+              <a:t>‹#›</a:t>
             </a:fld>
             <a:endParaRPr lang="fr-FR"/>
           </a:p>
@@ -7719,323 +12958,6 @@
   <p:cSld>
     <p:spTree>
       <p:nvGrpSpPr>
-        <p:cNvPr id="1" name=""/>
-        <p:cNvGrpSpPr/>
-        <p:nvPr/>
-      </p:nvGrpSpPr>
-      <p:grpSpPr>
-        <a:xfrm>
-          <a:off x="0" y="0"/>
-          <a:ext cx="0" cy="0"/>
-          <a:chOff x="0" y="0"/>
-          <a:chExt cx="0" cy="0"/>
-        </a:xfrm>
-      </p:grpSpPr>
-      <p:sp>
-        <p:nvSpPr>
-          <p:cNvPr id="2" name="Espace réservé du numéro de diapositive 1">
-            <a:extLst>
-              <a:ext uri="{FF2B5EF4-FFF2-40B4-BE49-F238E27FC236}">
-                <a16:creationId xmlns:a16="http://schemas.microsoft.com/office/drawing/2014/main" id="{3C9AC15D-D109-9768-8977-CF168595D874}"/>
-              </a:ext>
-            </a:extLst>
-          </p:cNvPr>
-          <p:cNvSpPr>
-            <a:spLocks noGrp="1"/>
-          </p:cNvSpPr>
-          <p:nvPr>
-            <p:ph type="sldNum" sz="quarter" idx="4"/>
-          </p:nvPr>
-        </p:nvSpPr>
-        <p:spPr/>
-        <p:txBody>
-          <a:bodyPr/>
-          <a:lstStyle/>
-          <a:p>
-            <a:fld id="{F546B7B7-7D14-4795-A998-350CFB2BDD43}" type="slidenum">
-              <a:rPr lang="fr-FR" smtClean="0"/>
-              <a:pPr/>
-              <a:t>10</a:t>
-            </a:fld>
-            <a:endParaRPr lang="fr-FR"/>
-          </a:p>
-        </p:txBody>
-      </p:sp>
-      <p:sp>
-        <p:nvSpPr>
-          <p:cNvPr id="3" name="ZoneTexte 2">
-            <a:extLst>
-              <a:ext uri="{FF2B5EF4-FFF2-40B4-BE49-F238E27FC236}">
-                <a16:creationId xmlns:a16="http://schemas.microsoft.com/office/drawing/2014/main" id="{ABD51FAC-0FBC-21FF-D03C-FE7F761AA6BC}"/>
-              </a:ext>
-            </a:extLst>
-          </p:cNvPr>
-          <p:cNvSpPr txBox="1"/>
-          <p:nvPr/>
-        </p:nvSpPr>
-        <p:spPr>
-          <a:xfrm>
-            <a:off x="2" y="532969"/>
-            <a:ext cx="12191999" cy="646331"/>
-          </a:xfrm>
-          <a:prstGeom prst="rect">
-            <a:avLst/>
-          </a:prstGeom>
-          <a:solidFill>
-            <a:srgbClr val="006A5A"/>
-          </a:solidFill>
-        </p:spPr>
-        <p:txBody>
-          <a:bodyPr wrap="square" rtlCol="0">
-            <a:spAutoFit/>
-          </a:bodyPr>
-          <a:lstStyle/>
-          <a:p>
-            <a:r>
-              <a:rPr lang="fr-FR" sz="3600" b="1" dirty="0">
-                <a:solidFill>
-                  <a:schemeClr val="bg1"/>
-                </a:solidFill>
-                <a:latin typeface="Gill Sans MT" panose="020B0502020104020203" pitchFamily="34" charset="0"/>
-              </a:rPr>
-              <a:t>2.1. Données</a:t>
-            </a:r>
-          </a:p>
-        </p:txBody>
-      </p:sp>
-      <p:pic>
-        <p:nvPicPr>
-          <p:cNvPr id="4" name="Graphique 3" descr="Flèches de chevron">
-            <a:extLst>
-              <a:ext uri="{FF2B5EF4-FFF2-40B4-BE49-F238E27FC236}">
-                <a16:creationId xmlns:a16="http://schemas.microsoft.com/office/drawing/2014/main" id="{D71963C9-5194-2A25-334D-CD10B379A8C4}"/>
-              </a:ext>
-            </a:extLst>
-          </p:cNvPr>
-          <p:cNvPicPr>
-            <a:picLocks noChangeAspect="1"/>
-          </p:cNvPicPr>
-          <p:nvPr/>
-        </p:nvPicPr>
-        <p:blipFill>
-          <a:blip r:embed="rId3">
-            <a:extLst>
-              <a:ext uri="{28A0092B-C50C-407E-A947-70E740481C1C}">
-                <a14:useLocalDpi xmlns:a14="http://schemas.microsoft.com/office/drawing/2010/main" val="0"/>
-              </a:ext>
-              <a:ext uri="{96DAC541-7B7A-43D3-8B79-37D633B846F1}">
-                <asvg:svgBlip xmlns:asvg="http://schemas.microsoft.com/office/drawing/2016/SVG/main" r:embed="rId4"/>
-              </a:ext>
-            </a:extLst>
-          </a:blip>
-          <a:stretch>
-            <a:fillRect/>
-          </a:stretch>
-        </p:blipFill>
-        <p:spPr>
-          <a:xfrm>
-            <a:off x="11078692" y="266700"/>
-            <a:ext cx="1170459" cy="1170459"/>
-          </a:xfrm>
-          <a:prstGeom prst="rect">
-            <a:avLst/>
-          </a:prstGeom>
-        </p:spPr>
-      </p:pic>
-      <p:sp>
-        <p:nvSpPr>
-          <p:cNvPr id="7" name="ZoneTexte 6">
-            <a:extLst>
-              <a:ext uri="{FF2B5EF4-FFF2-40B4-BE49-F238E27FC236}">
-                <a16:creationId xmlns:a16="http://schemas.microsoft.com/office/drawing/2014/main" id="{421C1F28-D4E2-D3EB-6C7B-89AB2B80A085}"/>
-              </a:ext>
-            </a:extLst>
-          </p:cNvPr>
-          <p:cNvSpPr txBox="1"/>
-          <p:nvPr/>
-        </p:nvSpPr>
-        <p:spPr>
-          <a:xfrm>
-            <a:off x="152400" y="1859340"/>
-            <a:ext cx="11310257" cy="3905236"/>
-          </a:xfrm>
-          <a:prstGeom prst="rect">
-            <a:avLst/>
-          </a:prstGeom>
-          <a:noFill/>
-        </p:spPr>
-        <p:txBody>
-          <a:bodyPr wrap="square">
-            <a:spAutoFit/>
-          </a:bodyPr>
-          <a:lstStyle/>
-          <a:p>
-            <a:pPr marL="342900" indent="-342900" algn="just">
-              <a:lnSpc>
-                <a:spcPct val="150000"/>
-              </a:lnSpc>
-              <a:buFont typeface="Arial" panose="020B0604020202020204" pitchFamily="34" charset="0"/>
-              <a:buChar char="•"/>
-            </a:pPr>
-            <a:r>
-              <a:rPr lang="fr-FR" sz="2400" dirty="0">
-                <a:latin typeface="Gill Sans MT" panose="020B0502020104020203" pitchFamily="34" charset="0"/>
-              </a:rPr>
-              <a:t>D</a:t>
-            </a:r>
-            <a:r>
-              <a:rPr lang="fr-FR" sz="2400" dirty="0">
-                <a:solidFill>
-                  <a:schemeClr val="tx1"/>
-                </a:solidFill>
-                <a:latin typeface="Gill Sans MT" panose="020B0502020104020203" pitchFamily="34" charset="0"/>
-              </a:rPr>
-              <a:t>onnées couvrant </a:t>
-            </a:r>
-            <a:r>
-              <a:rPr lang="fr-FR" sz="2400" b="1" i="1" dirty="0">
-                <a:solidFill>
-                  <a:schemeClr val="tx1"/>
-                </a:solidFill>
-                <a:latin typeface="Gill Sans MT" panose="020B0502020104020203" pitchFamily="34" charset="0"/>
-              </a:rPr>
-              <a:t>3273</a:t>
-            </a:r>
-            <a:r>
-              <a:rPr lang="fr-FR" sz="2400" dirty="0">
-                <a:solidFill>
-                  <a:schemeClr val="tx1"/>
-                </a:solidFill>
-                <a:latin typeface="Gill Sans MT" panose="020B0502020104020203" pitchFamily="34" charset="0"/>
-              </a:rPr>
-              <a:t> communes françaises sur l’année </a:t>
-            </a:r>
-            <a:r>
-              <a:rPr lang="fr-FR" sz="2400" b="1" i="1" dirty="0">
-                <a:solidFill>
-                  <a:schemeClr val="tx1"/>
-                </a:solidFill>
-                <a:latin typeface="Gill Sans MT" panose="020B0502020104020203" pitchFamily="34" charset="0"/>
-              </a:rPr>
-              <a:t>2019</a:t>
-            </a:r>
-            <a:r>
-              <a:rPr lang="fr-FR" sz="2400" dirty="0">
-                <a:solidFill>
-                  <a:schemeClr val="tx1"/>
-                </a:solidFill>
-                <a:latin typeface="Gill Sans MT" panose="020B0502020104020203" pitchFamily="34" charset="0"/>
-              </a:rPr>
-              <a:t>, issue principalement du Système National des Données de Santé (SNDS).</a:t>
-            </a:r>
-          </a:p>
-          <a:p>
-            <a:pPr marL="342900" indent="-342900" algn="just">
-              <a:lnSpc>
-                <a:spcPct val="150000"/>
-              </a:lnSpc>
-              <a:buFont typeface="Arial" panose="020B0604020202020204" pitchFamily="34" charset="0"/>
-              <a:buChar char="•"/>
-            </a:pPr>
-            <a:r>
-              <a:rPr lang="fr-FR" sz="2400" dirty="0">
-                <a:latin typeface="Gill Sans MT" panose="020B0502020104020203" pitchFamily="34" charset="0"/>
-              </a:rPr>
-              <a:t>Données </a:t>
-            </a:r>
-            <a:r>
-              <a:rPr lang="fr-FR" sz="2400" dirty="0">
-                <a:solidFill>
-                  <a:schemeClr val="tx1"/>
-                </a:solidFill>
-                <a:latin typeface="Gill Sans MT" panose="020B0502020104020203" pitchFamily="34" charset="0"/>
-              </a:rPr>
-              <a:t>enrichie</a:t>
-            </a:r>
-            <a:r>
-              <a:rPr lang="fr-FR" sz="2400" dirty="0">
-                <a:latin typeface="Gill Sans MT" panose="020B0502020104020203" pitchFamily="34" charset="0"/>
-              </a:rPr>
-              <a:t>s</a:t>
-            </a:r>
-            <a:r>
-              <a:rPr lang="fr-FR" sz="2400" dirty="0">
-                <a:solidFill>
-                  <a:schemeClr val="tx1"/>
-                </a:solidFill>
-                <a:latin typeface="Gill Sans MT" panose="020B0502020104020203" pitchFamily="34" charset="0"/>
-              </a:rPr>
-              <a:t> par des sources socio-économiques et géographiques.</a:t>
-            </a:r>
-          </a:p>
-          <a:p>
-            <a:pPr marL="342900" indent="-342900" algn="just">
-              <a:lnSpc>
-                <a:spcPct val="150000"/>
-              </a:lnSpc>
-              <a:buFont typeface="Arial" panose="020B0604020202020204" pitchFamily="34" charset="0"/>
-              <a:buChar char="•"/>
-            </a:pPr>
-            <a:r>
-              <a:rPr lang="fr-FR" sz="2400" dirty="0">
-                <a:latin typeface="Gill Sans MT" panose="020B0502020104020203" pitchFamily="34" charset="0"/>
-              </a:rPr>
-              <a:t>D</a:t>
-            </a:r>
-            <a:r>
-              <a:rPr lang="fr-FR" sz="2400" dirty="0">
-                <a:solidFill>
-                  <a:schemeClr val="tx1"/>
-                </a:solidFill>
-                <a:latin typeface="Gill Sans MT" panose="020B0502020104020203" pitchFamily="34" charset="0"/>
-              </a:rPr>
-              <a:t>onnées agrégées à l’échelle communale.</a:t>
-            </a:r>
-          </a:p>
-          <a:p>
-            <a:pPr marL="342900" indent="-342900" algn="just">
-              <a:lnSpc>
-                <a:spcPct val="150000"/>
-              </a:lnSpc>
-              <a:buFont typeface="Arial" panose="020B0604020202020204" pitchFamily="34" charset="0"/>
-              <a:buChar char="•"/>
-            </a:pPr>
-            <a:r>
-              <a:rPr lang="fr-FR" sz="2400" dirty="0">
-                <a:latin typeface="Gill Sans MT" panose="020B0502020104020203" pitchFamily="34" charset="0"/>
-              </a:rPr>
-              <a:t>Traitements </a:t>
-            </a:r>
-            <a:r>
-              <a:rPr lang="fr-FR" sz="2400" dirty="0">
-                <a:solidFill>
-                  <a:schemeClr val="tx1"/>
-                </a:solidFill>
-                <a:latin typeface="Gill Sans MT" panose="020B0502020104020203" pitchFamily="34" charset="0"/>
-              </a:rPr>
-              <a:t>initiaux : nettoyage, traitement des valeurs manquantes ou incorrectes, création de variables spatiales et transformation de certaines variables pour améliorer leur interprétabilité. </a:t>
-            </a:r>
-          </a:p>
-        </p:txBody>
-      </p:sp>
-    </p:spTree>
-    <p:extLst>
-      <p:ext uri="{BB962C8B-B14F-4D97-AF65-F5344CB8AC3E}">
-        <p14:creationId xmlns:p14="http://schemas.microsoft.com/office/powerpoint/2010/main" val="4153329176"/>
-      </p:ext>
-    </p:extLst>
-  </p:cSld>
-  <p:clrMapOvr>
-    <a:masterClrMapping/>
-  </p:clrMapOvr>
-</p:sld>
-</file>
-
-<file path=ppt/slides/slide11.xml><?xml version="1.0" encoding="utf-8"?>
-<p:sld xmlns:a="http://schemas.openxmlformats.org/drawingml/2006/main" xmlns:r="http://schemas.openxmlformats.org/officeDocument/2006/relationships" xmlns:p="http://schemas.openxmlformats.org/presentationml/2006/main">
-  <p:cSld>
-    <p:spTree>
-      <p:nvGrpSpPr>
         <p:cNvPr id="1" name="">
           <a:extLst>
             <a:ext uri="{FF2B5EF4-FFF2-40B4-BE49-F238E27FC236}">
@@ -8083,7 +13005,7 @@
             <a:fld id="{F546B7B7-7D14-4795-A998-350CFB2BDD43}" type="slidenum">
               <a:rPr lang="fr-FR" smtClean="0"/>
               <a:pPr/>
-              <a:t>11</a:t>
+              <a:t>10</a:t>
             </a:fld>
             <a:endParaRPr lang="fr-FR" dirty="0"/>
           </a:p>
@@ -9046,7 +13968,7 @@
 </p:sld>
 </file>
 
-<file path=ppt/slides/slide12.xml><?xml version="1.0" encoding="utf-8"?>
+<file path=ppt/slides/slide11.xml><?xml version="1.0" encoding="utf-8"?>
 <p:sld xmlns:a="http://schemas.openxmlformats.org/drawingml/2006/main" xmlns:r="http://schemas.openxmlformats.org/officeDocument/2006/relationships" xmlns:p="http://schemas.openxmlformats.org/presentationml/2006/main">
   <p:cSld>
     <p:spTree>
@@ -9093,7 +14015,7 @@
             <a:fld id="{F546B7B7-7D14-4795-A998-350CFB2BDD43}" type="slidenum">
               <a:rPr lang="fr-FR" smtClean="0"/>
               <a:pPr/>
-              <a:t>12</a:t>
+              <a:t>11</a:t>
             </a:fld>
             <a:endParaRPr lang="fr-FR"/>
           </a:p>
@@ -10573,7 +15495,7 @@
 </p:sld>
 </file>
 
-<file path=ppt/slides/slide13.xml><?xml version="1.0" encoding="utf-8"?>
+<file path=ppt/slides/slide12.xml><?xml version="1.0" encoding="utf-8"?>
 <p:sld xmlns:a="http://schemas.openxmlformats.org/drawingml/2006/main" xmlns:r="http://schemas.openxmlformats.org/officeDocument/2006/relationships" xmlns:p="http://schemas.openxmlformats.org/presentationml/2006/main">
   <p:cSld>
     <p:spTree>
@@ -10614,7 +15536,7 @@
             <a:fld id="{F546B7B7-7D14-4795-A998-350CFB2BDD43}" type="slidenum">
               <a:rPr lang="fr-FR" smtClean="0"/>
               <a:pPr/>
-              <a:t>13</a:t>
+              <a:t>12</a:t>
             </a:fld>
             <a:endParaRPr lang="fr-FR"/>
           </a:p>
@@ -10633,7 +15555,7 @@
 </p:sld>
 </file>
 
-<file path=ppt/slides/slide14.xml><?xml version="1.0" encoding="utf-8"?>
+<file path=ppt/slides/slide13.xml><?xml version="1.0" encoding="utf-8"?>
 <p:sld xmlns:a="http://schemas.openxmlformats.org/drawingml/2006/main" xmlns:r="http://schemas.openxmlformats.org/officeDocument/2006/relationships" xmlns:p="http://schemas.openxmlformats.org/presentationml/2006/main">
   <p:cSld>
     <p:spTree>
@@ -10674,7 +15596,7 @@
             <a:fld id="{F546B7B7-7D14-4795-A998-350CFB2BDD43}" type="slidenum">
               <a:rPr lang="fr-FR" smtClean="0"/>
               <a:pPr/>
-              <a:t>14</a:t>
+              <a:t>13</a:t>
             </a:fld>
             <a:endParaRPr lang="fr-FR"/>
           </a:p>
@@ -10867,6 +15789,7 @@
                 <a:solidFill>
                   <a:schemeClr val="bg1"/>
                 </a:solidFill>
+                <a:latin typeface="Gill Sans MT" panose="020B0502020104020203" pitchFamily="34" charset="0"/>
               </a:rPr>
               <a:t>Population assez homogène en matière d’âge.</a:t>
             </a:r>
@@ -10880,6 +15803,7 @@
               <a:solidFill>
                 <a:schemeClr val="bg1"/>
               </a:solidFill>
+              <a:latin typeface="Gill Sans MT" panose="020B0502020104020203" pitchFamily="34" charset="0"/>
             </a:endParaRPr>
           </a:p>
           <a:p>
@@ -10892,6 +15816,7 @@
                 <a:solidFill>
                   <a:schemeClr val="bg1"/>
                 </a:solidFill>
+                <a:latin typeface="Gill Sans MT" panose="020B0502020104020203" pitchFamily="34" charset="0"/>
               </a:rPr>
               <a:t>Beaucoup de jeunes (&lt;= forte natalité)</a:t>
             </a:r>
@@ -10905,6 +15830,7 @@
               <a:solidFill>
                 <a:schemeClr val="bg1"/>
               </a:solidFill>
+              <a:latin typeface="Gill Sans MT" panose="020B0502020104020203" pitchFamily="34" charset="0"/>
             </a:endParaRPr>
           </a:p>
           <a:p>
@@ -10917,6 +15843,7 @@
                 <a:solidFill>
                   <a:schemeClr val="bg1"/>
                 </a:solidFill>
+                <a:latin typeface="Gill Sans MT" panose="020B0502020104020203" pitchFamily="34" charset="0"/>
               </a:rPr>
               <a:t>Population active plus grande, mais elle diminue progressivement avec l’âge à cause de la mortalité naturelle.</a:t>
             </a:r>
@@ -10930,6 +15857,7 @@
               <a:solidFill>
                 <a:schemeClr val="bg1"/>
               </a:solidFill>
+              <a:latin typeface="Gill Sans MT" panose="020B0502020104020203" pitchFamily="34" charset="0"/>
             </a:endParaRPr>
           </a:p>
           <a:p>
@@ -10942,6 +15870,7 @@
                 <a:solidFill>
                   <a:schemeClr val="bg1"/>
                 </a:solidFill>
+                <a:latin typeface="Gill Sans MT" panose="020B0502020104020203" pitchFamily="34" charset="0"/>
               </a:rPr>
               <a:t>Les femmes vivent plus longtemps que les hommes</a:t>
             </a:r>
@@ -10949,6 +15878,7 @@
               <a:solidFill>
                 <a:schemeClr val="bg1"/>
               </a:solidFill>
+              <a:latin typeface="Gill Sans MT" panose="020B0502020104020203" pitchFamily="34" charset="0"/>
             </a:endParaRPr>
           </a:p>
         </p:txBody>
@@ -11015,7 +15945,7 @@
 </p:sld>
 </file>
 
-<file path=ppt/slides/slide15.xml><?xml version="1.0" encoding="utf-8"?>
+<file path=ppt/slides/slide14.xml><?xml version="1.0" encoding="utf-8"?>
 <p:sld xmlns:a="http://schemas.openxmlformats.org/drawingml/2006/main" xmlns:r="http://schemas.openxmlformats.org/officeDocument/2006/relationships" xmlns:p="http://schemas.openxmlformats.org/presentationml/2006/main">
   <p:cSld>
     <p:spTree>
@@ -11062,7 +15992,7 @@
             <a:fld id="{F546B7B7-7D14-4795-A998-350CFB2BDD43}" type="slidenum">
               <a:rPr lang="fr-FR" smtClean="0"/>
               <a:pPr/>
-              <a:t>15</a:t>
+              <a:t>14</a:t>
             </a:fld>
             <a:endParaRPr lang="fr-FR"/>
           </a:p>
@@ -11291,10 +16221,14 @@
           <a:p>
             <a:pPr algn="just"/>
             <a:r>
-              <a:rPr lang="fr-FR" sz="2400" dirty="0"/>
+              <a:rPr lang="fr-FR" sz="2400" dirty="0">
+                <a:latin typeface="Gill Sans MT" panose="020B0502020104020203" pitchFamily="34" charset="0"/>
+              </a:rPr>
               <a:t>Effet taille</a:t>
             </a:r>
-            <a:endParaRPr lang="en-US" sz="2400" dirty="0"/>
+            <a:endParaRPr lang="en-US" sz="2400" dirty="0">
+              <a:latin typeface="Gill Sans MT" panose="020B0502020104020203" pitchFamily="34" charset="0"/>
+            </a:endParaRPr>
           </a:p>
         </p:txBody>
       </p:sp>
@@ -11364,7 +16298,7 @@
                 <a:solidFill>
                   <a:schemeClr val="bg1"/>
                 </a:solidFill>
-                <a:latin typeface="DeepSeek-CJK-patch"/>
+                <a:latin typeface="Gill Sans MT" panose="020B0502020104020203" pitchFamily="34" charset="0"/>
               </a:rPr>
               <a:t>Forte a</a:t>
             </a:r>
@@ -11374,7 +16308,7 @@
                   <a:schemeClr val="bg1"/>
                 </a:solidFill>
                 <a:effectLst/>
-                <a:latin typeface="DeepSeek-CJK-patch"/>
+                <a:latin typeface="Gill Sans MT" panose="020B0502020104020203" pitchFamily="34" charset="0"/>
               </a:rPr>
               <a:t>symétrie à droite (moyenne = 19 130 </a:t>
             </a:r>
@@ -11384,7 +16318,7 @@
                   <a:schemeClr val="bg1"/>
                 </a:solidFill>
                 <a:effectLst/>
-                <a:latin typeface="DeepSeek-CJK-patch"/>
+                <a:latin typeface="Gill Sans MT" panose="020B0502020104020203" pitchFamily="34" charset="0"/>
               </a:rPr>
               <a:t>vs</a:t>
             </a:r>
@@ -11394,7 +16328,7 @@
                   <a:schemeClr val="bg1"/>
                 </a:solidFill>
                 <a:effectLst/>
-                <a:latin typeface="DeepSeek-CJK-patch"/>
+                <a:latin typeface="Gill Sans MT" panose="020B0502020104020203" pitchFamily="34" charset="0"/>
               </a:rPr>
               <a:t> médiane = 9 127) </a:t>
             </a:r>
@@ -11468,6 +16402,7 @@
                 <a:solidFill>
                   <a:schemeClr val="bg1"/>
                 </a:solidFill>
+                <a:latin typeface="Gill Sans MT" panose="020B0502020104020203" pitchFamily="34" charset="0"/>
               </a:rPr>
               <a:t>Valeurs extrêmes tirant la distribution vers le haut</a:t>
             </a:r>
@@ -11475,6 +16410,7 @@
               <a:solidFill>
                 <a:schemeClr val="bg1"/>
               </a:solidFill>
+              <a:latin typeface="Gill Sans MT" panose="020B0502020104020203" pitchFamily="34" charset="0"/>
             </a:endParaRPr>
           </a:p>
         </p:txBody>
@@ -11546,6 +16482,7 @@
                 <a:solidFill>
                   <a:schemeClr val="bg1"/>
                 </a:solidFill>
+                <a:latin typeface="Gill Sans MT" panose="020B0502020104020203" pitchFamily="34" charset="0"/>
               </a:rPr>
               <a:t>Ecart considérable entre les consultations par an (min = 1 037 et max = 76 5833)</a:t>
             </a:r>
@@ -11553,6 +16490,7 @@
               <a:solidFill>
                 <a:schemeClr val="bg1"/>
               </a:solidFill>
+              <a:latin typeface="Gill Sans MT" panose="020B0502020104020203" pitchFamily="34" charset="0"/>
             </a:endParaRPr>
           </a:p>
         </p:txBody>
@@ -11754,6 +16692,7 @@
                 <a:solidFill>
                   <a:schemeClr val="bg1"/>
                 </a:solidFill>
+                <a:latin typeface="Gill Sans MT" panose="020B0502020104020203" pitchFamily="34" charset="0"/>
               </a:rPr>
               <a:t>Distribution, centrée autour de la moyenne, légèrement asymétrique à droite (quelques zones à taux de consultation très élevé).</a:t>
             </a:r>
@@ -11761,6 +16700,7 @@
               <a:solidFill>
                 <a:schemeClr val="bg1"/>
               </a:solidFill>
+              <a:latin typeface="Gill Sans MT" panose="020B0502020104020203" pitchFamily="34" charset="0"/>
             </a:endParaRPr>
           </a:p>
         </p:txBody>
@@ -11778,7 +16718,7 @@
 </p:sld>
 </file>
 
-<file path=ppt/slides/slide16.xml><?xml version="1.0" encoding="utf-8"?>
+<file path=ppt/slides/slide15.xml><?xml version="1.0" encoding="utf-8"?>
 <p:sld xmlns:a="http://schemas.openxmlformats.org/drawingml/2006/main" xmlns:r="http://schemas.openxmlformats.org/officeDocument/2006/relationships" xmlns:p="http://schemas.openxmlformats.org/presentationml/2006/main">
   <p:cSld>
     <p:spTree>
@@ -11825,7 +16765,7 @@
             <a:fld id="{F546B7B7-7D14-4795-A998-350CFB2BDD43}" type="slidenum">
               <a:rPr lang="fr-FR" smtClean="0"/>
               <a:pPr/>
-              <a:t>16</a:t>
+              <a:t>15</a:t>
             </a:fld>
             <a:endParaRPr lang="fr-FR"/>
           </a:p>
@@ -12053,6 +16993,7 @@
                 <a:solidFill>
                   <a:schemeClr val="bg1"/>
                 </a:solidFill>
+                <a:latin typeface="Gill Sans MT" panose="020B0502020104020203" pitchFamily="34" charset="0"/>
               </a:rPr>
               <a:t>Les consultations augmentent avec le taux de natalité et la part des familles avec des enfants jeunes, mais évolue en sens inverse de la part des familles sans enfants et du taux de mortalité.</a:t>
             </a:r>
@@ -12060,6 +17001,7 @@
               <a:solidFill>
                 <a:schemeClr val="bg1"/>
               </a:solidFill>
+              <a:latin typeface="Gill Sans MT" panose="020B0502020104020203" pitchFamily="34" charset="0"/>
             </a:endParaRPr>
           </a:p>
         </p:txBody>
@@ -12077,7 +17019,7 @@
 </p:sld>
 </file>
 
-<file path=ppt/slides/slide17.xml><?xml version="1.0" encoding="utf-8"?>
+<file path=ppt/slides/slide16.xml><?xml version="1.0" encoding="utf-8"?>
 <p:sld xmlns:a="http://schemas.openxmlformats.org/drawingml/2006/main" xmlns:r="http://schemas.openxmlformats.org/officeDocument/2006/relationships" xmlns:p="http://schemas.openxmlformats.org/presentationml/2006/main">
   <p:cSld>
     <p:spTree>
@@ -12124,7 +17066,7 @@
             <a:fld id="{F546B7B7-7D14-4795-A998-350CFB2BDD43}" type="slidenum">
               <a:rPr lang="fr-FR" smtClean="0"/>
               <a:pPr/>
-              <a:t>17</a:t>
+              <a:t>16</a:t>
             </a:fld>
             <a:endParaRPr lang="fr-FR"/>
           </a:p>
@@ -12187,13 +17129,13 @@
           <p:nvPr/>
         </p:nvPicPr>
         <p:blipFill>
-          <a:blip r:embed="rId2">
+          <a:blip r:embed="rId3">
             <a:extLst>
               <a:ext uri="{28A0092B-C50C-407E-A947-70E740481C1C}">
                 <a14:useLocalDpi xmlns:a14="http://schemas.microsoft.com/office/drawing/2010/main" val="0"/>
               </a:ext>
               <a:ext uri="{96DAC541-7B7A-43D3-8B79-37D633B846F1}">
-                <asvg:svgBlip xmlns:asvg="http://schemas.microsoft.com/office/drawing/2016/SVG/main" r:embed="rId3"/>
+                <asvg:svgBlip xmlns:asvg="http://schemas.microsoft.com/office/drawing/2016/SVG/main" r:embed="rId4"/>
               </a:ext>
             </a:extLst>
           </a:blip>
@@ -12226,7 +17168,7 @@
           <p:nvPr/>
         </p:nvPicPr>
         <p:blipFill>
-          <a:blip r:embed="rId4">
+          <a:blip r:embed="rId5">
             <a:extLst>
               <a:ext uri="{28A0092B-C50C-407E-A947-70E740481C1C}">
                 <a14:useLocalDpi xmlns:a14="http://schemas.microsoft.com/office/drawing/2010/main" val="0"/>
@@ -12239,133 +17181,14 @@
         </p:blipFill>
         <p:spPr>
           <a:xfrm>
-            <a:off x="5558096" y="1783483"/>
-            <a:ext cx="6105007" cy="4226543"/>
+            <a:off x="6496052" y="1571209"/>
+            <a:ext cx="4857748" cy="3363056"/>
           </a:xfrm>
           <a:prstGeom prst="rect">
             <a:avLst/>
           </a:prstGeom>
         </p:spPr>
       </p:pic>
-      <p:sp>
-        <p:nvSpPr>
-          <p:cNvPr id="5" name="ZoneTexte 4">
-            <a:extLst>
-              <a:ext uri="{FF2B5EF4-FFF2-40B4-BE49-F238E27FC236}">
-                <a16:creationId xmlns:a16="http://schemas.microsoft.com/office/drawing/2014/main" id="{9912AF2E-7928-9F06-8444-90D702511281}"/>
-              </a:ext>
-            </a:extLst>
-          </p:cNvPr>
-          <p:cNvSpPr txBox="1"/>
-          <p:nvPr/>
-        </p:nvSpPr>
-        <p:spPr>
-          <a:xfrm>
-            <a:off x="179408" y="1637811"/>
-            <a:ext cx="4971326" cy="4077117"/>
-          </a:xfrm>
-          <a:prstGeom prst="snip2DiagRect">
-            <a:avLst/>
-          </a:prstGeom>
-          <a:gradFill>
-            <a:gsLst>
-              <a:gs pos="86000">
-                <a:srgbClr val="56959F"/>
-              </a:gs>
-              <a:gs pos="20000">
-                <a:srgbClr val="008A76"/>
-              </a:gs>
-              <a:gs pos="100000">
-                <a:schemeClr val="accent1">
-                  <a:lumMod val="45000"/>
-                  <a:lumOff val="55000"/>
-                </a:schemeClr>
-              </a:gs>
-              <a:gs pos="0">
-                <a:schemeClr val="accent1">
-                  <a:lumMod val="45000"/>
-                  <a:lumOff val="55000"/>
-                </a:schemeClr>
-              </a:gs>
-              <a:gs pos="100000">
-                <a:schemeClr val="accent1">
-                  <a:lumMod val="30000"/>
-                  <a:lumOff val="70000"/>
-                </a:schemeClr>
-              </a:gs>
-            </a:gsLst>
-            <a:lin ang="5400000" scaled="1"/>
-          </a:gradFill>
-          <a:ln>
-            <a:solidFill>
-              <a:srgbClr val="006A5A"/>
-            </a:solidFill>
-          </a:ln>
-        </p:spPr>
-        <p:txBody>
-          <a:bodyPr wrap="square">
-            <a:spAutoFit/>
-          </a:bodyPr>
-          <a:lstStyle/>
-          <a:p>
-            <a:pPr algn="just"/>
-            <a:endParaRPr lang="fr-FR" sz="2400" dirty="0">
-              <a:solidFill>
-                <a:schemeClr val="bg1"/>
-              </a:solidFill>
-            </a:endParaRPr>
-          </a:p>
-          <a:p>
-            <a:pPr algn="ctr"/>
-            <a:r>
-              <a:rPr lang="fr-FR" sz="2400" b="1" u="sng" dirty="0">
-                <a:solidFill>
-                  <a:schemeClr val="bg1"/>
-                </a:solidFill>
-              </a:rPr>
-              <a:t>Diagramme de Moran </a:t>
-            </a:r>
-          </a:p>
-          <a:p>
-            <a:pPr algn="just"/>
-            <a:endParaRPr lang="fr-FR" sz="2400" dirty="0">
-              <a:solidFill>
-                <a:schemeClr val="bg1"/>
-              </a:solidFill>
-            </a:endParaRPr>
-          </a:p>
-          <a:p>
-            <a:pPr algn="just"/>
-            <a:r>
-              <a:rPr lang="fr-FR" sz="2400" dirty="0">
-                <a:solidFill>
-                  <a:schemeClr val="bg1"/>
-                </a:solidFill>
-              </a:rPr>
-              <a:t>Autocorrélation spatiale positive des taux de consultations</a:t>
-            </a:r>
-          </a:p>
-          <a:p>
-            <a:pPr algn="ctr"/>
-            <a:endParaRPr lang="fr-FR" sz="2400" dirty="0">
-              <a:solidFill>
-                <a:schemeClr val="bg1"/>
-              </a:solidFill>
-            </a:endParaRPr>
-          </a:p>
-          <a:p>
-            <a:pPr algn="just"/>
-            <a:r>
-              <a:rPr lang="fr-FR" sz="2400" dirty="0">
-                <a:solidFill>
-                  <a:schemeClr val="bg1"/>
-                </a:solidFill>
-              </a:rPr>
-              <a:t>Regroupements de communes à taux élevés (High-High) ou faibles (Low-Low).</a:t>
-            </a:r>
-          </a:p>
-        </p:txBody>
-      </p:sp>
       <p:sp>
         <p:nvSpPr>
           <p:cNvPr id="8" name="Est égal à 7">
@@ -12422,6 +17245,164 @@
           </a:p>
         </p:txBody>
       </p:sp>
+      <p:pic>
+        <p:nvPicPr>
+          <p:cNvPr id="9" name="Image 7">
+            <a:extLst>
+              <a:ext uri="{FF2B5EF4-FFF2-40B4-BE49-F238E27FC236}">
+                <a16:creationId xmlns:a16="http://schemas.microsoft.com/office/drawing/2014/main" id="{B71D3D41-63EF-45DD-A41B-0D96429B1B0B}"/>
+              </a:ext>
+            </a:extLst>
+          </p:cNvPr>
+          <p:cNvPicPr>
+            <a:picLocks noChangeAspect="1"/>
+          </p:cNvPicPr>
+          <p:nvPr/>
+        </p:nvPicPr>
+        <p:blipFill>
+          <a:blip r:embed="rId6">
+            <a:extLst>
+              <a:ext uri="{28A0092B-C50C-407E-A947-70E740481C1C}">
+                <a14:useLocalDpi xmlns:a14="http://schemas.microsoft.com/office/drawing/2010/main" val="0"/>
+              </a:ext>
+            </a:extLst>
+          </a:blip>
+          <a:stretch>
+            <a:fillRect/>
+          </a:stretch>
+        </p:blipFill>
+        <p:spPr>
+          <a:xfrm>
+            <a:off x="376799" y="1393954"/>
+            <a:ext cx="4857748" cy="3717566"/>
+          </a:xfrm>
+          <a:prstGeom prst="rect">
+            <a:avLst/>
+          </a:prstGeom>
+        </p:spPr>
+      </p:pic>
+      <p:sp>
+        <p:nvSpPr>
+          <p:cNvPr id="11" name="Rectangle : coins arrondis 11">
+            <a:extLst>
+              <a:ext uri="{FF2B5EF4-FFF2-40B4-BE49-F238E27FC236}">
+                <a16:creationId xmlns:a16="http://schemas.microsoft.com/office/drawing/2014/main" id="{FF1B1DD5-82F3-4307-900C-93026CE0C189}"/>
+              </a:ext>
+            </a:extLst>
+          </p:cNvPr>
+          <p:cNvSpPr/>
+          <p:nvPr/>
+        </p:nvSpPr>
+        <p:spPr>
+          <a:xfrm>
+            <a:off x="184628" y="5412584"/>
+            <a:ext cx="4960883" cy="830635"/>
+          </a:xfrm>
+          <a:prstGeom prst="roundRect">
+            <a:avLst>
+              <a:gd name="adj" fmla="val 48010"/>
+            </a:avLst>
+          </a:prstGeom>
+          <a:solidFill>
+            <a:schemeClr val="accent6">
+              <a:lumMod val="50000"/>
+            </a:schemeClr>
+          </a:solidFill>
+          <a:ln>
+            <a:noFill/>
+          </a:ln>
+        </p:spPr>
+        <p:style>
+          <a:lnRef idx="2">
+            <a:schemeClr val="accent1">
+              <a:shade val="15000"/>
+            </a:schemeClr>
+          </a:lnRef>
+          <a:fillRef idx="1">
+            <a:schemeClr val="accent1"/>
+          </a:fillRef>
+          <a:effectRef idx="0">
+            <a:schemeClr val="accent1"/>
+          </a:effectRef>
+          <a:fontRef idx="minor">
+            <a:schemeClr val="lt1"/>
+          </a:fontRef>
+        </p:style>
+        <p:txBody>
+          <a:bodyPr rtlCol="0" anchor="ctr"/>
+          <a:lstStyle/>
+          <a:p>
+            <a:pPr algn="ctr"/>
+            <a:r>
+              <a:rPr lang="fr-FR" sz="1200" dirty="0">
+                <a:latin typeface="Gill Sans MT" panose="020B0502020104020203" pitchFamily="34" charset="0"/>
+              </a:rPr>
+              <a:t>La plupart des communes sont des communes de haut taux entourées par celle ayant des taux élevées ou soit à taux faibles entourées de taux élevées</a:t>
+            </a:r>
+          </a:p>
+        </p:txBody>
+      </p:sp>
+      <p:sp>
+        <p:nvSpPr>
+          <p:cNvPr id="12" name="Rectangle : coins arrondis 11">
+            <a:extLst>
+              <a:ext uri="{FF2B5EF4-FFF2-40B4-BE49-F238E27FC236}">
+                <a16:creationId xmlns:a16="http://schemas.microsoft.com/office/drawing/2014/main" id="{280B9EF0-841B-484D-A7B2-D925A3546349}"/>
+              </a:ext>
+            </a:extLst>
+          </p:cNvPr>
+          <p:cNvSpPr/>
+          <p:nvPr/>
+        </p:nvSpPr>
+        <p:spPr>
+          <a:xfrm>
+            <a:off x="6392917" y="5412584"/>
+            <a:ext cx="4960883" cy="830635"/>
+          </a:xfrm>
+          <a:prstGeom prst="roundRect">
+            <a:avLst>
+              <a:gd name="adj" fmla="val 48010"/>
+            </a:avLst>
+          </a:prstGeom>
+          <a:solidFill>
+            <a:schemeClr val="accent6">
+              <a:lumMod val="50000"/>
+            </a:schemeClr>
+          </a:solidFill>
+          <a:ln>
+            <a:noFill/>
+          </a:ln>
+        </p:spPr>
+        <p:style>
+          <a:lnRef idx="2">
+            <a:schemeClr val="accent1">
+              <a:shade val="15000"/>
+            </a:schemeClr>
+          </a:lnRef>
+          <a:fillRef idx="1">
+            <a:schemeClr val="accent1"/>
+          </a:fillRef>
+          <a:effectRef idx="0">
+            <a:schemeClr val="accent1"/>
+          </a:effectRef>
+          <a:fontRef idx="minor">
+            <a:schemeClr val="lt1"/>
+          </a:fontRef>
+        </p:style>
+        <p:txBody>
+          <a:bodyPr rtlCol="0" anchor="ctr"/>
+          <a:lstStyle/>
+          <a:p>
+            <a:pPr algn="ctr"/>
+            <a:r>
+              <a:rPr lang="fr-FR" sz="1200" dirty="0">
+                <a:latin typeface="Gill Sans MT" panose="020B0502020104020203" pitchFamily="34" charset="0"/>
+              </a:rPr>
+              <a:t>Par exemple Saint Jacques de la Lande est à taux élevées et a pour voisins des communes à taux faibles.  </a:t>
+            </a:r>
+          </a:p>
+        </p:txBody>
+      </p:sp>
     </p:spTree>
     <p:extLst>
       <p:ext uri="{BB962C8B-B14F-4D97-AF65-F5344CB8AC3E}">
@@ -12435,300 +17416,7 @@
 </p:sld>
 </file>
 
-<file path=ppt/slides/slide18.xml><?xml version="1.0" encoding="utf-8"?>
-<p:sld xmlns:a="http://schemas.openxmlformats.org/drawingml/2006/main" xmlns:r="http://schemas.openxmlformats.org/officeDocument/2006/relationships" xmlns:p="http://schemas.openxmlformats.org/presentationml/2006/main">
-  <p:cSld>
-    <p:spTree>
-      <p:nvGrpSpPr>
-        <p:cNvPr id="1" name="">
-          <a:extLst>
-            <a:ext uri="{FF2B5EF4-FFF2-40B4-BE49-F238E27FC236}">
-              <a16:creationId xmlns:a16="http://schemas.microsoft.com/office/drawing/2014/main" id="{905C0218-4730-E7FC-389E-E2DFB35D845C}"/>
-            </a:ext>
-          </a:extLst>
-        </p:cNvPr>
-        <p:cNvGrpSpPr/>
-        <p:nvPr/>
-      </p:nvGrpSpPr>
-      <p:grpSpPr>
-        <a:xfrm>
-          <a:off x="0" y="0"/>
-          <a:ext cx="0" cy="0"/>
-          <a:chOff x="0" y="0"/>
-          <a:chExt cx="0" cy="0"/>
-        </a:xfrm>
-      </p:grpSpPr>
-      <p:sp>
-        <p:nvSpPr>
-          <p:cNvPr id="2" name="Espace réservé du numéro de diapositive 1">
-            <a:extLst>
-              <a:ext uri="{FF2B5EF4-FFF2-40B4-BE49-F238E27FC236}">
-                <a16:creationId xmlns:a16="http://schemas.microsoft.com/office/drawing/2014/main" id="{BA0CA7D5-9545-5F30-1B00-C339B55C4A5A}"/>
-              </a:ext>
-            </a:extLst>
-          </p:cNvPr>
-          <p:cNvSpPr>
-            <a:spLocks noGrp="1"/>
-          </p:cNvSpPr>
-          <p:nvPr>
-            <p:ph type="sldNum" sz="quarter" idx="4"/>
-          </p:nvPr>
-        </p:nvSpPr>
-        <p:spPr/>
-        <p:txBody>
-          <a:bodyPr/>
-          <a:lstStyle/>
-          <a:p>
-            <a:fld id="{F546B7B7-7D14-4795-A998-350CFB2BDD43}" type="slidenum">
-              <a:rPr lang="fr-FR" smtClean="0"/>
-              <a:pPr/>
-              <a:t>18</a:t>
-            </a:fld>
-            <a:endParaRPr lang="fr-FR"/>
-          </a:p>
-        </p:txBody>
-      </p:sp>
-      <p:sp>
-        <p:nvSpPr>
-          <p:cNvPr id="3" name="ZoneTexte 2">
-            <a:extLst>
-              <a:ext uri="{FF2B5EF4-FFF2-40B4-BE49-F238E27FC236}">
-                <a16:creationId xmlns:a16="http://schemas.microsoft.com/office/drawing/2014/main" id="{0744BEE0-ACF6-7AA0-7C96-ACBDE12D1D38}"/>
-              </a:ext>
-            </a:extLst>
-          </p:cNvPr>
-          <p:cNvSpPr txBox="1"/>
-          <p:nvPr/>
-        </p:nvSpPr>
-        <p:spPr>
-          <a:xfrm>
-            <a:off x="2" y="532969"/>
-            <a:ext cx="12191999" cy="646331"/>
-          </a:xfrm>
-          <a:prstGeom prst="rect">
-            <a:avLst/>
-          </a:prstGeom>
-          <a:solidFill>
-            <a:srgbClr val="006A5A"/>
-          </a:solidFill>
-        </p:spPr>
-        <p:txBody>
-          <a:bodyPr wrap="square" rtlCol="0">
-            <a:spAutoFit/>
-          </a:bodyPr>
-          <a:lstStyle/>
-          <a:p>
-            <a:r>
-              <a:rPr lang="fr-FR" sz="3600" b="1" dirty="0">
-                <a:solidFill>
-                  <a:schemeClr val="bg1"/>
-                </a:solidFill>
-                <a:latin typeface="Gill Sans MT" panose="020B0502020104020203" pitchFamily="34" charset="0"/>
-              </a:rPr>
-              <a:t>3.4. Analyse spatiale</a:t>
-            </a:r>
-          </a:p>
-        </p:txBody>
-      </p:sp>
-      <p:pic>
-        <p:nvPicPr>
-          <p:cNvPr id="4" name="Graphique 3" descr="Flèches de chevron">
-            <a:extLst>
-              <a:ext uri="{FF2B5EF4-FFF2-40B4-BE49-F238E27FC236}">
-                <a16:creationId xmlns:a16="http://schemas.microsoft.com/office/drawing/2014/main" id="{494D4D24-E698-F55E-9951-D464D56B12C0}"/>
-              </a:ext>
-            </a:extLst>
-          </p:cNvPr>
-          <p:cNvPicPr>
-            <a:picLocks noChangeAspect="1"/>
-          </p:cNvPicPr>
-          <p:nvPr/>
-        </p:nvPicPr>
-        <p:blipFill>
-          <a:blip r:embed="rId2">
-            <a:extLst>
-              <a:ext uri="{28A0092B-C50C-407E-A947-70E740481C1C}">
-                <a14:useLocalDpi xmlns:a14="http://schemas.microsoft.com/office/drawing/2010/main" val="0"/>
-              </a:ext>
-              <a:ext uri="{96DAC541-7B7A-43D3-8B79-37D633B846F1}">
-                <asvg:svgBlip xmlns:asvg="http://schemas.microsoft.com/office/drawing/2016/SVG/main" r:embed="rId3"/>
-              </a:ext>
-            </a:extLst>
-          </a:blip>
-          <a:stretch>
-            <a:fillRect/>
-          </a:stretch>
-        </p:blipFill>
-        <p:spPr>
-          <a:xfrm>
-            <a:off x="11078692" y="266700"/>
-            <a:ext cx="1170459" cy="1170459"/>
-          </a:xfrm>
-          <a:prstGeom prst="rect">
-            <a:avLst/>
-          </a:prstGeom>
-        </p:spPr>
-      </p:pic>
-      <p:pic>
-        <p:nvPicPr>
-          <p:cNvPr id="8" name="Image 7">
-            <a:extLst>
-              <a:ext uri="{FF2B5EF4-FFF2-40B4-BE49-F238E27FC236}">
-                <a16:creationId xmlns:a16="http://schemas.microsoft.com/office/drawing/2014/main" id="{A4506E19-AFB1-D647-C157-3C009B0B76E9}"/>
-              </a:ext>
-            </a:extLst>
-          </p:cNvPr>
-          <p:cNvPicPr>
-            <a:picLocks noChangeAspect="1"/>
-          </p:cNvPicPr>
-          <p:nvPr/>
-        </p:nvPicPr>
-        <p:blipFill>
-          <a:blip r:embed="rId4">
-            <a:extLst>
-              <a:ext uri="{28A0092B-C50C-407E-A947-70E740481C1C}">
-                <a14:useLocalDpi xmlns:a14="http://schemas.microsoft.com/office/drawing/2010/main" val="0"/>
-              </a:ext>
-            </a:extLst>
-          </a:blip>
-          <a:stretch>
-            <a:fillRect/>
-          </a:stretch>
-        </p:blipFill>
-        <p:spPr>
-          <a:xfrm>
-            <a:off x="5505853" y="1437159"/>
-            <a:ext cx="6386141" cy="4887224"/>
-          </a:xfrm>
-          <a:prstGeom prst="rect">
-            <a:avLst/>
-          </a:prstGeom>
-        </p:spPr>
-      </p:pic>
-      <p:sp>
-        <p:nvSpPr>
-          <p:cNvPr id="5" name="ZoneTexte 4">
-            <a:extLst>
-              <a:ext uri="{FF2B5EF4-FFF2-40B4-BE49-F238E27FC236}">
-                <a16:creationId xmlns:a16="http://schemas.microsoft.com/office/drawing/2014/main" id="{13B2C0AE-A2A3-8663-6EAF-C726A47FCB31}"/>
-              </a:ext>
-            </a:extLst>
-          </p:cNvPr>
-          <p:cNvSpPr txBox="1"/>
-          <p:nvPr/>
-        </p:nvSpPr>
-        <p:spPr>
-          <a:xfrm>
-            <a:off x="179408" y="1637811"/>
-            <a:ext cx="4971326" cy="4517886"/>
-          </a:xfrm>
-          <a:prstGeom prst="snip2DiagRect">
-            <a:avLst/>
-          </a:prstGeom>
-          <a:solidFill>
-            <a:schemeClr val="accent6">
-              <a:lumMod val="20000"/>
-              <a:lumOff val="80000"/>
-            </a:schemeClr>
-          </a:solidFill>
-          <a:ln>
-            <a:solidFill>
-              <a:srgbClr val="006A5A"/>
-            </a:solidFill>
-          </a:ln>
-        </p:spPr>
-        <p:txBody>
-          <a:bodyPr wrap="square">
-            <a:spAutoFit/>
-          </a:bodyPr>
-          <a:lstStyle/>
-          <a:p>
-            <a:pPr algn="ctr"/>
-            <a:r>
-              <a:rPr lang="fr-FR" sz="2400" b="1" u="sng" dirty="0"/>
-              <a:t>Analyse LISA</a:t>
-            </a:r>
-          </a:p>
-          <a:p>
-            <a:pPr algn="just"/>
-            <a:endParaRPr lang="fr-FR" sz="2400" dirty="0"/>
-          </a:p>
-          <a:p>
-            <a:pPr algn="just"/>
-            <a:r>
-              <a:rPr lang="fr-FR" sz="2400" b="1" dirty="0">
-                <a:solidFill>
-                  <a:srgbClr val="C00000"/>
-                </a:solidFill>
-              </a:rPr>
-              <a:t>La majorité des communes appartiennent au cluster HH</a:t>
-            </a:r>
-            <a:r>
-              <a:rPr lang="fr-FR" sz="2400" dirty="0">
-                <a:solidFill>
-                  <a:schemeClr val="bg1"/>
-                </a:solidFill>
-              </a:rPr>
-              <a:t>, </a:t>
-            </a:r>
-            <a:r>
-              <a:rPr lang="fr-FR" sz="2400" dirty="0"/>
-              <a:t>suivi du </a:t>
-            </a:r>
-            <a:r>
-              <a:rPr lang="fr-FR" sz="2400" b="1" dirty="0">
-                <a:solidFill>
-                  <a:srgbClr val="006A5A"/>
-                </a:solidFill>
-              </a:rPr>
-              <a:t>cluster LH</a:t>
-            </a:r>
-            <a:r>
-              <a:rPr lang="fr-FR" sz="2400" dirty="0"/>
-              <a:t>, indiquant des </a:t>
-            </a:r>
-            <a:r>
-              <a:rPr lang="fr-FR" sz="2400" dirty="0">
-                <a:solidFill>
-                  <a:srgbClr val="C00000"/>
-                </a:solidFill>
-              </a:rPr>
-              <a:t>zones à taux élevés entourées de communes également à taux élevés</a:t>
-            </a:r>
-            <a:r>
-              <a:rPr lang="fr-FR" sz="2400" dirty="0"/>
-              <a:t>, ou à </a:t>
-            </a:r>
-            <a:r>
-              <a:rPr lang="fr-FR" sz="2400" dirty="0">
-                <a:solidFill>
-                  <a:srgbClr val="006A5A"/>
-                </a:solidFill>
-              </a:rPr>
-              <a:t>taux bas proches de zones à taux élevés.</a:t>
-            </a:r>
-            <a:endParaRPr lang="fr-FR" sz="2400" dirty="0">
-              <a:solidFill>
-                <a:schemeClr val="bg1"/>
-              </a:solidFill>
-            </a:endParaRPr>
-          </a:p>
-        </p:txBody>
-      </p:sp>
-    </p:spTree>
-    <p:extLst>
-      <p:ext uri="{BB962C8B-B14F-4D97-AF65-F5344CB8AC3E}">
-        <p14:creationId xmlns:p14="http://schemas.microsoft.com/office/powerpoint/2010/main" val="998645017"/>
-      </p:ext>
-    </p:extLst>
-  </p:cSld>
-  <p:clrMapOvr>
-    <a:masterClrMapping/>
-  </p:clrMapOvr>
-</p:sld>
-</file>
-
-<file path=ppt/slides/slide19.xml><?xml version="1.0" encoding="utf-8"?>
+<file path=ppt/slides/slide17.xml><?xml version="1.0" encoding="utf-8"?>
 <p:sld xmlns:a="http://schemas.openxmlformats.org/drawingml/2006/main" xmlns:r="http://schemas.openxmlformats.org/officeDocument/2006/relationships" xmlns:p="http://schemas.openxmlformats.org/presentationml/2006/main">
   <p:cSld>
     <p:spTree>
@@ -12769,7 +17457,7 @@
             <a:fld id="{F546B7B7-7D14-4795-A998-350CFB2BDD43}" type="slidenum">
               <a:rPr lang="fr-FR" smtClean="0"/>
               <a:pPr/>
-              <a:t>19</a:t>
+              <a:t>17</a:t>
             </a:fld>
             <a:endParaRPr lang="fr-FR"/>
           </a:p>
@@ -12788,67 +17476,7 @@
 </p:sld>
 </file>
 
-<file path=ppt/slides/slide2.xml><?xml version="1.0" encoding="utf-8"?>
-<p:sld xmlns:a="http://schemas.openxmlformats.org/drawingml/2006/main" xmlns:r="http://schemas.openxmlformats.org/officeDocument/2006/relationships" xmlns:p="http://schemas.openxmlformats.org/presentationml/2006/main">
-  <p:cSld>
-    <p:spTree>
-      <p:nvGrpSpPr>
-        <p:cNvPr id="1" name=""/>
-        <p:cNvGrpSpPr/>
-        <p:nvPr/>
-      </p:nvGrpSpPr>
-      <p:grpSpPr>
-        <a:xfrm>
-          <a:off x="0" y="0"/>
-          <a:ext cx="0" cy="0"/>
-          <a:chOff x="0" y="0"/>
-          <a:chExt cx="0" cy="0"/>
-        </a:xfrm>
-      </p:grpSpPr>
-      <p:sp>
-        <p:nvSpPr>
-          <p:cNvPr id="4" name="Espace réservé du numéro de diapositive 3">
-            <a:extLst>
-              <a:ext uri="{FF2B5EF4-FFF2-40B4-BE49-F238E27FC236}">
-                <a16:creationId xmlns:a16="http://schemas.microsoft.com/office/drawing/2014/main" id="{0BDA0677-C19B-D077-2572-F5A403C2CE4E}"/>
-              </a:ext>
-            </a:extLst>
-          </p:cNvPr>
-          <p:cNvSpPr>
-            <a:spLocks noGrp="1"/>
-          </p:cNvSpPr>
-          <p:nvPr>
-            <p:ph type="sldNum" sz="quarter" idx="4"/>
-          </p:nvPr>
-        </p:nvSpPr>
-        <p:spPr/>
-        <p:txBody>
-          <a:bodyPr/>
-          <a:lstStyle/>
-          <a:p>
-            <a:fld id="{F546B7B7-7D14-4795-A998-350CFB2BDD43}" type="slidenum">
-              <a:rPr lang="fr-FR" smtClean="0"/>
-              <a:pPr/>
-              <a:t>2</a:t>
-            </a:fld>
-            <a:endParaRPr lang="fr-FR"/>
-          </a:p>
-        </p:txBody>
-      </p:sp>
-    </p:spTree>
-    <p:extLst>
-      <p:ext uri="{BB962C8B-B14F-4D97-AF65-F5344CB8AC3E}">
-        <p14:creationId xmlns:p14="http://schemas.microsoft.com/office/powerpoint/2010/main" val="81490865"/>
-      </p:ext>
-    </p:extLst>
-  </p:cSld>
-  <p:clrMapOvr>
-    <a:masterClrMapping/>
-  </p:clrMapOvr>
-</p:sld>
-</file>
-
-<file path=ppt/slides/slide20.xml><?xml version="1.0" encoding="utf-8"?>
+<file path=ppt/slides/slide18.xml><?xml version="1.0" encoding="utf-8"?>
 <p:sld xmlns:a="http://schemas.openxmlformats.org/drawingml/2006/main" xmlns:r="http://schemas.openxmlformats.org/officeDocument/2006/relationships" xmlns:p="http://schemas.openxmlformats.org/presentationml/2006/main">
   <p:cSld>
     <p:spTree>
@@ -12895,7 +17523,7 @@
             <a:fld id="{F546B7B7-7D14-4795-A998-350CFB2BDD43}" type="slidenum">
               <a:rPr lang="fr-FR" smtClean="0"/>
               <a:pPr/>
-              <a:t>20</a:t>
+              <a:t>18</a:t>
             </a:fld>
             <a:endParaRPr lang="fr-FR"/>
           </a:p>
@@ -13271,7 +17899,7 @@
 </p:sld>
 </file>
 
-<file path=ppt/slides/slide21.xml><?xml version="1.0" encoding="utf-8"?>
+<file path=ppt/slides/slide19.xml><?xml version="1.0" encoding="utf-8"?>
 <p:sld xmlns:a="http://schemas.openxmlformats.org/drawingml/2006/main" xmlns:r="http://schemas.openxmlformats.org/officeDocument/2006/relationships" xmlns:p="http://schemas.openxmlformats.org/presentationml/2006/main">
   <p:cSld>
     <p:spTree>
@@ -13318,7 +17946,7 @@
             <a:fld id="{F546B7B7-7D14-4795-A998-350CFB2BDD43}" type="slidenum">
               <a:rPr lang="fr-FR" smtClean="0"/>
               <a:pPr/>
-              <a:t>21</a:t>
+              <a:t>19</a:t>
             </a:fld>
             <a:endParaRPr lang="fr-FR" dirty="0"/>
           </a:p>
@@ -14517,7 +19145,67 @@
 </p:sld>
 </file>
 
-<file path=ppt/slides/slide22.xml><?xml version="1.0" encoding="utf-8"?>
+<file path=ppt/slides/slide2.xml><?xml version="1.0" encoding="utf-8"?>
+<p:sld xmlns:a="http://schemas.openxmlformats.org/drawingml/2006/main" xmlns:r="http://schemas.openxmlformats.org/officeDocument/2006/relationships" xmlns:p="http://schemas.openxmlformats.org/presentationml/2006/main">
+  <p:cSld>
+    <p:spTree>
+      <p:nvGrpSpPr>
+        <p:cNvPr id="1" name=""/>
+        <p:cNvGrpSpPr/>
+        <p:nvPr/>
+      </p:nvGrpSpPr>
+      <p:grpSpPr>
+        <a:xfrm>
+          <a:off x="0" y="0"/>
+          <a:ext cx="0" cy="0"/>
+          <a:chOff x="0" y="0"/>
+          <a:chExt cx="0" cy="0"/>
+        </a:xfrm>
+      </p:grpSpPr>
+      <p:sp>
+        <p:nvSpPr>
+          <p:cNvPr id="4" name="Espace réservé du numéro de diapositive 3">
+            <a:extLst>
+              <a:ext uri="{FF2B5EF4-FFF2-40B4-BE49-F238E27FC236}">
+                <a16:creationId xmlns:a16="http://schemas.microsoft.com/office/drawing/2014/main" id="{0BDA0677-C19B-D077-2572-F5A403C2CE4E}"/>
+              </a:ext>
+            </a:extLst>
+          </p:cNvPr>
+          <p:cNvSpPr>
+            <a:spLocks noGrp="1"/>
+          </p:cNvSpPr>
+          <p:nvPr>
+            <p:ph type="sldNum" sz="quarter" idx="4"/>
+          </p:nvPr>
+        </p:nvSpPr>
+        <p:spPr/>
+        <p:txBody>
+          <a:bodyPr/>
+          <a:lstStyle/>
+          <a:p>
+            <a:fld id="{F546B7B7-7D14-4795-A998-350CFB2BDD43}" type="slidenum">
+              <a:rPr lang="fr-FR" smtClean="0"/>
+              <a:pPr/>
+              <a:t>2</a:t>
+            </a:fld>
+            <a:endParaRPr lang="fr-FR"/>
+          </a:p>
+        </p:txBody>
+      </p:sp>
+    </p:spTree>
+    <p:extLst>
+      <p:ext uri="{BB962C8B-B14F-4D97-AF65-F5344CB8AC3E}">
+        <p14:creationId xmlns:p14="http://schemas.microsoft.com/office/powerpoint/2010/main" val="81490865"/>
+      </p:ext>
+    </p:extLst>
+  </p:cSld>
+  <p:clrMapOvr>
+    <a:masterClrMapping/>
+  </p:clrMapOvr>
+</p:sld>
+</file>
+
+<file path=ppt/slides/slide20.xml><?xml version="1.0" encoding="utf-8"?>
 <p:sld xmlns:a="http://schemas.openxmlformats.org/drawingml/2006/main" xmlns:r="http://schemas.openxmlformats.org/officeDocument/2006/relationships" xmlns:p="http://schemas.openxmlformats.org/presentationml/2006/main">
   <p:cSld>
     <p:spTree>
@@ -14564,7 +19252,7 @@
             <a:fld id="{F546B7B7-7D14-4795-A998-350CFB2BDD43}" type="slidenum">
               <a:rPr lang="fr-FR" smtClean="0"/>
               <a:pPr/>
-              <a:t>22</a:t>
+              <a:t>20</a:t>
             </a:fld>
             <a:endParaRPr lang="fr-FR"/>
           </a:p>
@@ -15097,7 +19785,7 @@
 </p:sld>
 </file>
 
-<file path=ppt/slides/slide23.xml><?xml version="1.0" encoding="utf-8"?>
+<file path=ppt/slides/slide21.xml><?xml version="1.0" encoding="utf-8"?>
 <p:sld xmlns:a="http://schemas.openxmlformats.org/drawingml/2006/main" xmlns:r="http://schemas.openxmlformats.org/officeDocument/2006/relationships" xmlns:p="http://schemas.openxmlformats.org/presentationml/2006/main">
   <p:cSld>
     <p:spTree>
@@ -15144,7 +19832,7 @@
             <a:fld id="{F546B7B7-7D14-4795-A998-350CFB2BDD43}" type="slidenum">
               <a:rPr lang="fr-FR" smtClean="0"/>
               <a:pPr/>
-              <a:t>23</a:t>
+              <a:t>21</a:t>
             </a:fld>
             <a:endParaRPr lang="fr-FR"/>
           </a:p>
@@ -17993,7 +22681,7 @@
 </p:sld>
 </file>
 
-<file path=ppt/slides/slide24.xml><?xml version="1.0" encoding="utf-8"?>
+<file path=ppt/slides/slide22.xml><?xml version="1.0" encoding="utf-8"?>
 <p:sld xmlns:a="http://schemas.openxmlformats.org/drawingml/2006/main" xmlns:r="http://schemas.openxmlformats.org/officeDocument/2006/relationships" xmlns:p="http://schemas.openxmlformats.org/presentationml/2006/main">
   <p:cSld>
     <p:spTree>
@@ -18040,7 +22728,7 @@
             <a:fld id="{F546B7B7-7D14-4795-A998-350CFB2BDD43}" type="slidenum">
               <a:rPr lang="fr-FR" smtClean="0"/>
               <a:pPr/>
-              <a:t>24</a:t>
+              <a:t>22</a:t>
             </a:fld>
             <a:endParaRPr lang="fr-FR"/>
           </a:p>
@@ -18486,7 +23174,7 @@
 </p:sld>
 </file>
 
-<file path=ppt/slides/slide25.xml><?xml version="1.0" encoding="utf-8"?>
+<file path=ppt/slides/slide23.xml><?xml version="1.0" encoding="utf-8"?>
 <p:sld xmlns:a="http://schemas.openxmlformats.org/drawingml/2006/main" xmlns:r="http://schemas.openxmlformats.org/officeDocument/2006/relationships" xmlns:p="http://schemas.openxmlformats.org/presentationml/2006/main">
   <p:cSld>
     <p:spTree>
@@ -18533,7 +23221,7 @@
             <a:fld id="{F546B7B7-7D14-4795-A998-350CFB2BDD43}" type="slidenum">
               <a:rPr lang="fr-FR" smtClean="0"/>
               <a:pPr/>
-              <a:t>25</a:t>
+              <a:t>23</a:t>
             </a:fld>
             <a:endParaRPr lang="fr-FR"/>
           </a:p>
@@ -18707,7 +23395,7 @@
 </p:sld>
 </file>
 
-<file path=ppt/slides/slide26.xml><?xml version="1.0" encoding="utf-8"?>
+<file path=ppt/slides/slide24.xml><?xml version="1.0" encoding="utf-8"?>
 <p:sld xmlns:a="http://schemas.openxmlformats.org/drawingml/2006/main" xmlns:r="http://schemas.openxmlformats.org/officeDocument/2006/relationships" xmlns:p="http://schemas.openxmlformats.org/presentationml/2006/main">
   <p:cSld>
     <p:spTree>
@@ -18754,7 +23442,7 @@
             <a:fld id="{F546B7B7-7D14-4795-A998-350CFB2BDD43}" type="slidenum">
               <a:rPr lang="fr-FR" smtClean="0"/>
               <a:pPr/>
-              <a:t>26</a:t>
+              <a:t>24</a:t>
             </a:fld>
             <a:endParaRPr lang="fr-FR"/>
           </a:p>
@@ -18975,7 +23663,7 @@
 </p:sld>
 </file>
 
-<file path=ppt/slides/slide27.xml><?xml version="1.0" encoding="utf-8"?>
+<file path=ppt/slides/slide25.xml><?xml version="1.0" encoding="utf-8"?>
 <p:sld xmlns:a="http://schemas.openxmlformats.org/drawingml/2006/main" xmlns:r="http://schemas.openxmlformats.org/officeDocument/2006/relationships" xmlns:p="http://schemas.openxmlformats.org/presentationml/2006/main">
   <p:cSld>
     <p:spTree>
@@ -19016,7 +23704,7 @@
             <a:fld id="{F546B7B7-7D14-4795-A998-350CFB2BDD43}" type="slidenum">
               <a:rPr lang="fr-FR" smtClean="0"/>
               <a:pPr/>
-              <a:t>27</a:t>
+              <a:t>25</a:t>
             </a:fld>
             <a:endParaRPr lang="fr-FR"/>
           </a:p>
@@ -19035,7 +23723,7 @@
 </p:sld>
 </file>
 
-<file path=ppt/slides/slide28.xml><?xml version="1.0" encoding="utf-8"?>
+<file path=ppt/slides/slide26.xml><?xml version="1.0" encoding="utf-8"?>
 <p:sld xmlns:a="http://schemas.openxmlformats.org/drawingml/2006/main" xmlns:r="http://schemas.openxmlformats.org/officeDocument/2006/relationships" xmlns:p="http://schemas.openxmlformats.org/presentationml/2006/main">
   <p:cSld>
     <p:spTree>
@@ -19087,7 +23775,7 @@
             <a:fld id="{F546B7B7-7D14-4795-A998-350CFB2BDD43}" type="slidenum">
               <a:rPr lang="fr-FR" smtClean="0"/>
               <a:pPr/>
-              <a:t>28</a:t>
+              <a:t>26</a:t>
             </a:fld>
             <a:endParaRPr lang="fr-FR" dirty="0"/>
           </a:p>
@@ -19626,7 +24314,7 @@
 </p:sld>
 </file>
 
-<file path=ppt/slides/slide29.xml><?xml version="1.0" encoding="utf-8"?>
+<file path=ppt/slides/slide27.xml><?xml version="1.0" encoding="utf-8"?>
 <p:sld xmlns:a="http://schemas.openxmlformats.org/drawingml/2006/main" xmlns:r="http://schemas.openxmlformats.org/officeDocument/2006/relationships" xmlns:p="http://schemas.openxmlformats.org/presentationml/2006/main">
   <p:cSld>
     <p:spTree>
@@ -19678,7 +24366,7 @@
             <a:fld id="{F546B7B7-7D14-4795-A998-350CFB2BDD43}" type="slidenum">
               <a:rPr lang="fr-FR" smtClean="0"/>
               <a:pPr/>
-              <a:t>29</a:t>
+              <a:t>27</a:t>
             </a:fld>
             <a:endParaRPr lang="fr-FR" dirty="0"/>
           </a:p>
@@ -20292,6 +24980,711 @@
     <p:extLst>
       <p:ext uri="{BB962C8B-B14F-4D97-AF65-F5344CB8AC3E}">
         <p14:creationId xmlns:p14="http://schemas.microsoft.com/office/powerpoint/2010/main" val="2748232547"/>
+      </p:ext>
+    </p:extLst>
+  </p:cSld>
+  <p:clrMapOvr>
+    <a:masterClrMapping/>
+  </p:clrMapOvr>
+</p:sld>
+</file>
+
+<file path=ppt/slides/slide28.xml><?xml version="1.0" encoding="utf-8"?>
+<p:sld xmlns:a="http://schemas.openxmlformats.org/drawingml/2006/main" xmlns:r="http://schemas.openxmlformats.org/officeDocument/2006/relationships" xmlns:p="http://schemas.openxmlformats.org/presentationml/2006/main">
+  <p:cSld>
+    <p:spTree>
+      <p:nvGrpSpPr>
+        <p:cNvPr id="1" name=""/>
+        <p:cNvGrpSpPr/>
+        <p:nvPr/>
+      </p:nvGrpSpPr>
+      <p:grpSpPr>
+        <a:xfrm>
+          <a:off x="0" y="0"/>
+          <a:ext cx="0" cy="0"/>
+          <a:chOff x="0" y="0"/>
+          <a:chExt cx="0" cy="0"/>
+        </a:xfrm>
+      </p:grpSpPr>
+      <p:sp>
+        <p:nvSpPr>
+          <p:cNvPr id="2" name="Espace réservé du numéro de diapositive 1">
+            <a:extLst>
+              <a:ext uri="{FF2B5EF4-FFF2-40B4-BE49-F238E27FC236}">
+                <a16:creationId xmlns:a16="http://schemas.microsoft.com/office/drawing/2014/main" id="{C6774523-1B01-5B97-0F0B-BF284CC498C9}"/>
+              </a:ext>
+            </a:extLst>
+          </p:cNvPr>
+          <p:cNvSpPr>
+            <a:spLocks noGrp="1"/>
+          </p:cNvSpPr>
+          <p:nvPr>
+            <p:ph type="sldNum" sz="quarter" idx="4"/>
+          </p:nvPr>
+        </p:nvSpPr>
+        <p:spPr/>
+        <p:txBody>
+          <a:bodyPr/>
+          <a:lstStyle/>
+          <a:p>
+            <a:fld id="{F546B7B7-7D14-4795-A998-350CFB2BDD43}" type="slidenum">
+              <a:rPr lang="fr-FR" smtClean="0"/>
+              <a:pPr/>
+              <a:t>28</a:t>
+            </a:fld>
+            <a:endParaRPr lang="fr-FR"/>
+          </a:p>
+        </p:txBody>
+      </p:sp>
+    </p:spTree>
+    <p:extLst>
+      <p:ext uri="{BB962C8B-B14F-4D97-AF65-F5344CB8AC3E}">
+        <p14:creationId xmlns:p14="http://schemas.microsoft.com/office/powerpoint/2010/main" val="499719419"/>
+      </p:ext>
+    </p:extLst>
+  </p:cSld>
+  <p:clrMapOvr>
+    <a:masterClrMapping/>
+  </p:clrMapOvr>
+</p:sld>
+</file>
+
+<file path=ppt/slides/slide29.xml><?xml version="1.0" encoding="utf-8"?>
+<p:sld xmlns:a="http://schemas.openxmlformats.org/drawingml/2006/main" xmlns:r="http://schemas.openxmlformats.org/officeDocument/2006/relationships" xmlns:p="http://schemas.openxmlformats.org/presentationml/2006/main">
+  <p:cSld>
+    <p:spTree>
+      <p:nvGrpSpPr>
+        <p:cNvPr id="1" name="">
+          <a:extLst>
+            <a:ext uri="{FF2B5EF4-FFF2-40B4-BE49-F238E27FC236}">
+              <a16:creationId xmlns:a16="http://schemas.microsoft.com/office/drawing/2014/main" id="{9658799F-B625-DA42-E33E-CAA5585B1433}"/>
+            </a:ext>
+          </a:extLst>
+        </p:cNvPr>
+        <p:cNvGrpSpPr/>
+        <p:nvPr/>
+      </p:nvGrpSpPr>
+      <p:grpSpPr>
+        <a:xfrm>
+          <a:off x="0" y="0"/>
+          <a:ext cx="0" cy="0"/>
+          <a:chOff x="0" y="0"/>
+          <a:chExt cx="0" cy="0"/>
+        </a:xfrm>
+      </p:grpSpPr>
+      <p:sp>
+        <p:nvSpPr>
+          <p:cNvPr id="2" name="Espace réservé du numéro de diapositive 1">
+            <a:extLst>
+              <a:ext uri="{FF2B5EF4-FFF2-40B4-BE49-F238E27FC236}">
+                <a16:creationId xmlns:a16="http://schemas.microsoft.com/office/drawing/2014/main" id="{8F636E6D-2DFC-B1D8-B6A5-5D16D9A7B834}"/>
+              </a:ext>
+            </a:extLst>
+          </p:cNvPr>
+          <p:cNvSpPr>
+            <a:spLocks noGrp="1"/>
+          </p:cNvSpPr>
+          <p:nvPr>
+            <p:ph type="sldNum" sz="quarter" idx="4"/>
+          </p:nvPr>
+        </p:nvSpPr>
+        <p:spPr/>
+        <p:txBody>
+          <a:bodyPr/>
+          <a:lstStyle/>
+          <a:p>
+            <a:fld id="{F546B7B7-7D14-4795-A998-350CFB2BDD43}" type="slidenum">
+              <a:rPr lang="fr-FR" smtClean="0"/>
+              <a:pPr/>
+              <a:t>29</a:t>
+            </a:fld>
+            <a:endParaRPr lang="fr-FR" dirty="0"/>
+          </a:p>
+        </p:txBody>
+      </p:sp>
+      <p:sp>
+        <p:nvSpPr>
+          <p:cNvPr id="3" name="ZoneTexte 2">
+            <a:extLst>
+              <a:ext uri="{FF2B5EF4-FFF2-40B4-BE49-F238E27FC236}">
+                <a16:creationId xmlns:a16="http://schemas.microsoft.com/office/drawing/2014/main" id="{CE5A935D-6C97-6D69-D581-24F8704F08B1}"/>
+              </a:ext>
+            </a:extLst>
+          </p:cNvPr>
+          <p:cNvSpPr txBox="1"/>
+          <p:nvPr/>
+        </p:nvSpPr>
+        <p:spPr>
+          <a:xfrm>
+            <a:off x="2" y="532969"/>
+            <a:ext cx="12191999" cy="646331"/>
+          </a:xfrm>
+          <a:prstGeom prst="rect">
+            <a:avLst/>
+          </a:prstGeom>
+          <a:solidFill>
+            <a:srgbClr val="006A5A"/>
+          </a:solidFill>
+        </p:spPr>
+        <p:txBody>
+          <a:bodyPr wrap="square" rtlCol="0">
+            <a:spAutoFit/>
+          </a:bodyPr>
+          <a:lstStyle/>
+          <a:p>
+            <a:r>
+              <a:rPr lang="fr-FR" sz="3600" b="1" dirty="0">
+                <a:solidFill>
+                  <a:schemeClr val="bg1"/>
+                </a:solidFill>
+                <a:latin typeface="Gill Sans MT" panose="020B0502020104020203" pitchFamily="34" charset="0"/>
+              </a:rPr>
+              <a:t>Conclusion</a:t>
+            </a:r>
+          </a:p>
+        </p:txBody>
+      </p:sp>
+      <p:pic>
+        <p:nvPicPr>
+          <p:cNvPr id="4" name="Graphique 3" descr="Flèches de chevron">
+            <a:extLst>
+              <a:ext uri="{FF2B5EF4-FFF2-40B4-BE49-F238E27FC236}">
+                <a16:creationId xmlns:a16="http://schemas.microsoft.com/office/drawing/2014/main" id="{5656D646-2ADE-3673-AEFA-DA2A546191F0}"/>
+              </a:ext>
+            </a:extLst>
+          </p:cNvPr>
+          <p:cNvPicPr>
+            <a:picLocks noChangeAspect="1"/>
+          </p:cNvPicPr>
+          <p:nvPr/>
+        </p:nvPicPr>
+        <p:blipFill>
+          <a:blip r:embed="rId2">
+            <a:extLst>
+              <a:ext uri="{28A0092B-C50C-407E-A947-70E740481C1C}">
+                <a14:useLocalDpi xmlns:a14="http://schemas.microsoft.com/office/drawing/2010/main" val="0"/>
+              </a:ext>
+              <a:ext uri="{96DAC541-7B7A-43D3-8B79-37D633B846F1}">
+                <asvg:svgBlip xmlns:asvg="http://schemas.microsoft.com/office/drawing/2016/SVG/main" r:embed="rId3"/>
+              </a:ext>
+            </a:extLst>
+          </a:blip>
+          <a:stretch>
+            <a:fillRect/>
+          </a:stretch>
+        </p:blipFill>
+        <p:spPr>
+          <a:xfrm>
+            <a:off x="11078692" y="266700"/>
+            <a:ext cx="1170459" cy="1170459"/>
+          </a:xfrm>
+          <a:prstGeom prst="rect">
+            <a:avLst/>
+          </a:prstGeom>
+        </p:spPr>
+      </p:pic>
+      <p:sp>
+        <p:nvSpPr>
+          <p:cNvPr id="8" name="ZoneTexte 7">
+            <a:extLst>
+              <a:ext uri="{FF2B5EF4-FFF2-40B4-BE49-F238E27FC236}">
+                <a16:creationId xmlns:a16="http://schemas.microsoft.com/office/drawing/2014/main" id="{571F1102-DC3C-873A-C117-FAC24511C7FB}"/>
+              </a:ext>
+            </a:extLst>
+          </p:cNvPr>
+          <p:cNvSpPr txBox="1"/>
+          <p:nvPr/>
+        </p:nvSpPr>
+        <p:spPr>
+          <a:xfrm>
+            <a:off x="393771" y="1865699"/>
+            <a:ext cx="11262201" cy="2677656"/>
+          </a:xfrm>
+          <a:prstGeom prst="rect">
+            <a:avLst/>
+          </a:prstGeom>
+          <a:noFill/>
+        </p:spPr>
+        <p:txBody>
+          <a:bodyPr wrap="square">
+            <a:spAutoFit/>
+          </a:bodyPr>
+          <a:lstStyle/>
+          <a:p>
+            <a:pPr marL="342900" indent="-342900" algn="just">
+              <a:buFont typeface="Arial" panose="020B0604020202020204" pitchFamily="34" charset="0"/>
+              <a:buChar char="•"/>
+            </a:pPr>
+            <a:r>
+              <a:rPr lang="fr-FR" sz="2400" dirty="0">
+                <a:latin typeface="Gill Sans MT" panose="020B0502020104020203" pitchFamily="34" charset="0"/>
+              </a:rPr>
+              <a:t>L’accès aux soins n’est </a:t>
+            </a:r>
+            <a:r>
+              <a:rPr lang="fr-FR" sz="2400" b="1" dirty="0">
+                <a:latin typeface="Gill Sans MT" panose="020B0502020104020203" pitchFamily="34" charset="0"/>
+              </a:rPr>
+              <a:t>ni homogène</a:t>
+            </a:r>
+            <a:r>
+              <a:rPr lang="fr-FR" sz="2400" dirty="0">
+                <a:latin typeface="Gill Sans MT" panose="020B0502020104020203" pitchFamily="34" charset="0"/>
+              </a:rPr>
+              <a:t>, ni purement médical : il est </a:t>
+            </a:r>
+            <a:r>
+              <a:rPr lang="fr-FR" sz="2400" b="1" dirty="0">
+                <a:latin typeface="Gill Sans MT" panose="020B0502020104020203" pitchFamily="34" charset="0"/>
+              </a:rPr>
+              <a:t>territorial, social et humain</a:t>
+            </a:r>
+            <a:r>
+              <a:rPr lang="fr-FR" sz="2400" dirty="0">
+                <a:latin typeface="Gill Sans MT" panose="020B0502020104020203" pitchFamily="34" charset="0"/>
+              </a:rPr>
+              <a:t>.</a:t>
+            </a:r>
+          </a:p>
+          <a:p>
+            <a:pPr marL="342900" indent="-342900" algn="just">
+              <a:buFont typeface="Arial" panose="020B0604020202020204" pitchFamily="34" charset="0"/>
+              <a:buChar char="•"/>
+            </a:pPr>
+            <a:r>
+              <a:rPr lang="fr-FR" sz="2400" dirty="0">
+                <a:latin typeface="Gill Sans MT" panose="020B0502020104020203" pitchFamily="34" charset="0"/>
+              </a:rPr>
+              <a:t>Les </a:t>
+            </a:r>
+            <a:r>
+              <a:rPr lang="fr-FR" sz="2400" b="1" dirty="0">
+                <a:latin typeface="Gill Sans MT" panose="020B0502020104020203" pitchFamily="34" charset="0"/>
+              </a:rPr>
+              <a:t>modèles spatiaux</a:t>
+            </a:r>
+            <a:r>
+              <a:rPr lang="fr-FR" sz="2400" dirty="0">
+                <a:latin typeface="Gill Sans MT" panose="020B0502020104020203" pitchFamily="34" charset="0"/>
+              </a:rPr>
+              <a:t> révèlent des </a:t>
+            </a:r>
+            <a:r>
+              <a:rPr lang="fr-FR" sz="2400" b="1" dirty="0">
+                <a:latin typeface="Gill Sans MT" panose="020B0502020104020203" pitchFamily="34" charset="0"/>
+              </a:rPr>
+              <a:t>effets de voisinage significatifs</a:t>
+            </a:r>
+            <a:r>
+              <a:rPr lang="fr-FR" sz="2400" dirty="0">
+                <a:latin typeface="Gill Sans MT" panose="020B0502020104020203" pitchFamily="34" charset="0"/>
+              </a:rPr>
+              <a:t> : une commune est influencée par ses voisines.</a:t>
+            </a:r>
+          </a:p>
+          <a:p>
+            <a:pPr marL="342900" indent="-342900" algn="just">
+              <a:buFont typeface="Arial" panose="020B0604020202020204" pitchFamily="34" charset="0"/>
+              <a:buChar char="•"/>
+            </a:pPr>
+            <a:r>
+              <a:rPr lang="fr-FR" sz="2400" dirty="0">
+                <a:latin typeface="Gill Sans MT" panose="020B0502020104020203" pitchFamily="34" charset="0"/>
+              </a:rPr>
+              <a:t>Certaines relations contre-intuitives (ex. : population âgée vs. consultations) montrent la </a:t>
+            </a:r>
+            <a:r>
+              <a:rPr lang="fr-FR" sz="2400" b="1" dirty="0">
+                <a:latin typeface="Gill Sans MT" panose="020B0502020104020203" pitchFamily="34" charset="0"/>
+              </a:rPr>
+              <a:t>complexité des comportements de recours aux soins</a:t>
+            </a:r>
+            <a:r>
+              <a:rPr lang="fr-FR" sz="2400" dirty="0">
+                <a:latin typeface="Gill Sans MT" panose="020B0502020104020203" pitchFamily="34" charset="0"/>
+              </a:rPr>
+              <a:t>.</a:t>
+            </a:r>
+          </a:p>
+          <a:p>
+            <a:pPr marL="342900" indent="-342900" algn="just">
+              <a:buFont typeface="Arial" panose="020B0604020202020204" pitchFamily="34" charset="0"/>
+              <a:buChar char="•"/>
+            </a:pPr>
+            <a:r>
+              <a:rPr lang="fr-FR" sz="2400" dirty="0">
+                <a:latin typeface="Gill Sans MT" panose="020B0502020104020203" pitchFamily="34" charset="0"/>
+              </a:rPr>
+              <a:t>Les résultats appellent à une </a:t>
+            </a:r>
+            <a:r>
+              <a:rPr lang="fr-FR" sz="2400" b="1" dirty="0">
+                <a:latin typeface="Gill Sans MT" panose="020B0502020104020203" pitchFamily="34" charset="0"/>
+              </a:rPr>
+              <a:t>planification territorialisée des politiques de santé</a:t>
+            </a:r>
+            <a:r>
+              <a:rPr lang="fr-FR" sz="2400" dirty="0">
+                <a:latin typeface="Gill Sans MT" panose="020B0502020104020203" pitchFamily="34" charset="0"/>
+              </a:rPr>
+              <a:t>.</a:t>
+            </a:r>
+          </a:p>
+        </p:txBody>
+      </p:sp>
+      <p:grpSp>
+        <p:nvGrpSpPr>
+          <p:cNvPr id="9" name="Groupe 8">
+            <a:extLst>
+              <a:ext uri="{FF2B5EF4-FFF2-40B4-BE49-F238E27FC236}">
+                <a16:creationId xmlns:a16="http://schemas.microsoft.com/office/drawing/2014/main" id="{A58E000D-C02A-9D9D-C441-2ED0FE4560C3}"/>
+              </a:ext>
+            </a:extLst>
+          </p:cNvPr>
+          <p:cNvGrpSpPr/>
+          <p:nvPr/>
+        </p:nvGrpSpPr>
+        <p:grpSpPr>
+          <a:xfrm>
+            <a:off x="0" y="1322851"/>
+            <a:ext cx="3289720" cy="538782"/>
+            <a:chOff x="1621973" y="1405339"/>
+            <a:chExt cx="2819244" cy="538782"/>
+          </a:xfrm>
+        </p:grpSpPr>
+        <p:sp>
+          <p:nvSpPr>
+            <p:cNvPr id="10" name="Rectangle : coins arrondis 9">
+              <a:extLst>
+                <a:ext uri="{FF2B5EF4-FFF2-40B4-BE49-F238E27FC236}">
+                  <a16:creationId xmlns:a16="http://schemas.microsoft.com/office/drawing/2014/main" id="{8F40F72E-7BEB-8605-0DD7-18BF7B784468}"/>
+                </a:ext>
+              </a:extLst>
+            </p:cNvPr>
+            <p:cNvSpPr/>
+            <p:nvPr/>
+          </p:nvSpPr>
+          <p:spPr>
+            <a:xfrm>
+              <a:off x="1959429" y="1405339"/>
+              <a:ext cx="2481788" cy="522872"/>
+            </a:xfrm>
+            <a:prstGeom prst="roundRect">
+              <a:avLst>
+                <a:gd name="adj" fmla="val 50000"/>
+              </a:avLst>
+            </a:prstGeom>
+            <a:solidFill>
+              <a:srgbClr val="006A5A"/>
+            </a:solidFill>
+            <a:ln>
+              <a:noFill/>
+            </a:ln>
+          </p:spPr>
+          <p:style>
+            <a:lnRef idx="2">
+              <a:schemeClr val="accent1">
+                <a:shade val="15000"/>
+              </a:schemeClr>
+            </a:lnRef>
+            <a:fillRef idx="1">
+              <a:schemeClr val="accent1"/>
+            </a:fillRef>
+            <a:effectRef idx="0">
+              <a:schemeClr val="accent1"/>
+            </a:effectRef>
+            <a:fontRef idx="minor">
+              <a:schemeClr val="lt1"/>
+            </a:fontRef>
+          </p:style>
+          <p:txBody>
+            <a:bodyPr rtlCol="0" anchor="ctr"/>
+            <a:lstStyle/>
+            <a:p>
+              <a:pPr algn="ctr"/>
+              <a:r>
+                <a:rPr lang="fr-FR" sz="2400" b="1" dirty="0">
+                  <a:latin typeface="Gill Sans MT" panose="020B0502020104020203" pitchFamily="34" charset="0"/>
+                </a:rPr>
+                <a:t>Points essentiels</a:t>
+              </a:r>
+            </a:p>
+          </p:txBody>
+        </p:sp>
+        <p:sp>
+          <p:nvSpPr>
+            <p:cNvPr id="11" name="Ellipse 10">
+              <a:extLst>
+                <a:ext uri="{FF2B5EF4-FFF2-40B4-BE49-F238E27FC236}">
+                  <a16:creationId xmlns:a16="http://schemas.microsoft.com/office/drawing/2014/main" id="{FA774F9F-FC06-6B60-423C-CE40E7D78333}"/>
+                </a:ext>
+              </a:extLst>
+            </p:cNvPr>
+            <p:cNvSpPr/>
+            <p:nvPr/>
+          </p:nvSpPr>
+          <p:spPr>
+            <a:xfrm>
+              <a:off x="1621973" y="1421249"/>
+              <a:ext cx="448093" cy="522872"/>
+            </a:xfrm>
+            <a:prstGeom prst="ellipse">
+              <a:avLst/>
+            </a:prstGeom>
+            <a:solidFill>
+              <a:schemeClr val="accent2"/>
+            </a:solidFill>
+            <a:ln>
+              <a:noFill/>
+            </a:ln>
+          </p:spPr>
+          <p:style>
+            <a:lnRef idx="2">
+              <a:schemeClr val="accent1">
+                <a:shade val="15000"/>
+              </a:schemeClr>
+            </a:lnRef>
+            <a:fillRef idx="1">
+              <a:schemeClr val="accent1"/>
+            </a:fillRef>
+            <a:effectRef idx="0">
+              <a:schemeClr val="accent1"/>
+            </a:effectRef>
+            <a:fontRef idx="minor">
+              <a:schemeClr val="lt1"/>
+            </a:fontRef>
+          </p:style>
+          <p:txBody>
+            <a:bodyPr rtlCol="0" anchor="ctr"/>
+            <a:lstStyle/>
+            <a:p>
+              <a:pPr algn="ctr"/>
+              <a:r>
+                <a:rPr lang="fr-FR" sz="2400" dirty="0">
+                  <a:latin typeface="Montserrat" panose="02000505000000020004" pitchFamily="2" charset="0"/>
+                </a:rPr>
+                <a:t>1</a:t>
+              </a:r>
+            </a:p>
+          </p:txBody>
+        </p:sp>
+      </p:grpSp>
+      <p:grpSp>
+        <p:nvGrpSpPr>
+          <p:cNvPr id="12" name="Groupe 11">
+            <a:extLst>
+              <a:ext uri="{FF2B5EF4-FFF2-40B4-BE49-F238E27FC236}">
+                <a16:creationId xmlns:a16="http://schemas.microsoft.com/office/drawing/2014/main" id="{35C03003-5A72-C632-A412-FB0184F68375}"/>
+              </a:ext>
+            </a:extLst>
+          </p:cNvPr>
+          <p:cNvGrpSpPr/>
+          <p:nvPr/>
+        </p:nvGrpSpPr>
+        <p:grpSpPr>
+          <a:xfrm>
+            <a:off x="0" y="4794575"/>
+            <a:ext cx="3289720" cy="538782"/>
+            <a:chOff x="1621973" y="1405339"/>
+            <a:chExt cx="2819244" cy="538782"/>
+          </a:xfrm>
+        </p:grpSpPr>
+        <p:sp>
+          <p:nvSpPr>
+            <p:cNvPr id="13" name="Rectangle : coins arrondis 12">
+              <a:extLst>
+                <a:ext uri="{FF2B5EF4-FFF2-40B4-BE49-F238E27FC236}">
+                  <a16:creationId xmlns:a16="http://schemas.microsoft.com/office/drawing/2014/main" id="{DAC740C1-4002-7B15-DAC0-1B1AAE8EAE72}"/>
+                </a:ext>
+              </a:extLst>
+            </p:cNvPr>
+            <p:cNvSpPr/>
+            <p:nvPr/>
+          </p:nvSpPr>
+          <p:spPr>
+            <a:xfrm>
+              <a:off x="1959429" y="1405339"/>
+              <a:ext cx="2481788" cy="522872"/>
+            </a:xfrm>
+            <a:prstGeom prst="roundRect">
+              <a:avLst>
+                <a:gd name="adj" fmla="val 50000"/>
+              </a:avLst>
+            </a:prstGeom>
+            <a:solidFill>
+              <a:srgbClr val="006A5A"/>
+            </a:solidFill>
+            <a:ln>
+              <a:noFill/>
+            </a:ln>
+          </p:spPr>
+          <p:style>
+            <a:lnRef idx="2">
+              <a:schemeClr val="accent1">
+                <a:shade val="15000"/>
+              </a:schemeClr>
+            </a:lnRef>
+            <a:fillRef idx="1">
+              <a:schemeClr val="accent1"/>
+            </a:fillRef>
+            <a:effectRef idx="0">
+              <a:schemeClr val="accent1"/>
+            </a:effectRef>
+            <a:fontRef idx="minor">
+              <a:schemeClr val="lt1"/>
+            </a:fontRef>
+          </p:style>
+          <p:txBody>
+            <a:bodyPr rtlCol="0" anchor="ctr"/>
+            <a:lstStyle/>
+            <a:p>
+              <a:pPr algn="ctr"/>
+              <a:r>
+                <a:rPr lang="fr-FR" sz="2400" b="1" dirty="0">
+                  <a:latin typeface="Gill Sans MT" panose="020B0502020104020203" pitchFamily="34" charset="0"/>
+                </a:rPr>
+                <a:t>Message final</a:t>
+              </a:r>
+            </a:p>
+          </p:txBody>
+        </p:sp>
+        <p:sp>
+          <p:nvSpPr>
+            <p:cNvPr id="14" name="Ellipse 13">
+              <a:extLst>
+                <a:ext uri="{FF2B5EF4-FFF2-40B4-BE49-F238E27FC236}">
+                  <a16:creationId xmlns:a16="http://schemas.microsoft.com/office/drawing/2014/main" id="{9031F2D3-6695-472D-6687-C880B300DB89}"/>
+                </a:ext>
+              </a:extLst>
+            </p:cNvPr>
+            <p:cNvSpPr/>
+            <p:nvPr/>
+          </p:nvSpPr>
+          <p:spPr>
+            <a:xfrm>
+              <a:off x="1621973" y="1421249"/>
+              <a:ext cx="448093" cy="522872"/>
+            </a:xfrm>
+            <a:prstGeom prst="ellipse">
+              <a:avLst/>
+            </a:prstGeom>
+            <a:solidFill>
+              <a:schemeClr val="accent2"/>
+            </a:solidFill>
+            <a:ln>
+              <a:noFill/>
+            </a:ln>
+          </p:spPr>
+          <p:style>
+            <a:lnRef idx="2">
+              <a:schemeClr val="accent1">
+                <a:shade val="15000"/>
+              </a:schemeClr>
+            </a:lnRef>
+            <a:fillRef idx="1">
+              <a:schemeClr val="accent1"/>
+            </a:fillRef>
+            <a:effectRef idx="0">
+              <a:schemeClr val="accent1"/>
+            </a:effectRef>
+            <a:fontRef idx="minor">
+              <a:schemeClr val="lt1"/>
+            </a:fontRef>
+          </p:style>
+          <p:txBody>
+            <a:bodyPr rtlCol="0" anchor="ctr"/>
+            <a:lstStyle/>
+            <a:p>
+              <a:pPr algn="ctr"/>
+              <a:r>
+                <a:rPr lang="fr-FR" sz="2400" dirty="0">
+                  <a:latin typeface="Montserrat" panose="02000505000000020004" pitchFamily="2" charset="0"/>
+                </a:rPr>
+                <a:t>2</a:t>
+              </a:r>
+            </a:p>
+          </p:txBody>
+        </p:sp>
+      </p:grpSp>
+      <p:sp>
+        <p:nvSpPr>
+          <p:cNvPr id="16" name="ZoneTexte 15">
+            <a:extLst>
+              <a:ext uri="{FF2B5EF4-FFF2-40B4-BE49-F238E27FC236}">
+                <a16:creationId xmlns:a16="http://schemas.microsoft.com/office/drawing/2014/main" id="{0B5FFF4B-CA5A-A757-4B17-454A154B0D43}"/>
+              </a:ext>
+            </a:extLst>
+          </p:cNvPr>
+          <p:cNvSpPr txBox="1"/>
+          <p:nvPr/>
+        </p:nvSpPr>
+        <p:spPr>
+          <a:xfrm>
+            <a:off x="522871" y="5342319"/>
+            <a:ext cx="11133101" cy="830997"/>
+          </a:xfrm>
+          <a:prstGeom prst="rect">
+            <a:avLst/>
+          </a:prstGeom>
+          <a:noFill/>
+        </p:spPr>
+        <p:txBody>
+          <a:bodyPr wrap="square">
+            <a:spAutoFit/>
+          </a:bodyPr>
+          <a:lstStyle/>
+          <a:p>
+            <a:pPr algn="just"/>
+            <a:r>
+              <a:rPr lang="fr-FR" sz="2400" dirty="0">
+                <a:latin typeface="Gill Sans MT" panose="020B0502020104020203" pitchFamily="34" charset="0"/>
+              </a:rPr>
+              <a:t>Derrière chaque donnée de consultation, il y a une </a:t>
+            </a:r>
+            <a:r>
+              <a:rPr lang="fr-FR" sz="2400" b="1" dirty="0">
+                <a:latin typeface="Gill Sans MT" panose="020B0502020104020203" pitchFamily="34" charset="0"/>
+              </a:rPr>
+              <a:t>réalité sociale</a:t>
+            </a:r>
+            <a:r>
+              <a:rPr lang="fr-FR" sz="2400" dirty="0">
+                <a:latin typeface="Gill Sans MT" panose="020B0502020104020203" pitchFamily="34" charset="0"/>
+              </a:rPr>
+              <a:t>, un </a:t>
+            </a:r>
+            <a:r>
+              <a:rPr lang="fr-FR" sz="2400" b="1" dirty="0">
+                <a:latin typeface="Gill Sans MT" panose="020B0502020104020203" pitchFamily="34" charset="0"/>
+              </a:rPr>
+              <a:t>contexte territorial</a:t>
+            </a:r>
+            <a:r>
+              <a:rPr lang="fr-FR" sz="2400" dirty="0">
+                <a:latin typeface="Gill Sans MT" panose="020B0502020104020203" pitchFamily="34" charset="0"/>
+              </a:rPr>
+              <a:t> et des </a:t>
+            </a:r>
+            <a:r>
+              <a:rPr lang="fr-FR" sz="2400" b="1" dirty="0">
+                <a:latin typeface="Gill Sans MT" panose="020B0502020104020203" pitchFamily="34" charset="0"/>
+              </a:rPr>
+              <a:t>besoins humains à entendre</a:t>
+            </a:r>
+            <a:r>
+              <a:rPr lang="fr-FR" sz="2400" dirty="0">
+                <a:latin typeface="Gill Sans MT" panose="020B0502020104020203" pitchFamily="34" charset="0"/>
+              </a:rPr>
+              <a:t>.</a:t>
+            </a:r>
+            <a:endParaRPr lang="fr-FR" sz="2400" dirty="0"/>
+          </a:p>
+        </p:txBody>
+      </p:sp>
+    </p:spTree>
+    <p:extLst>
+      <p:ext uri="{BB962C8B-B14F-4D97-AF65-F5344CB8AC3E}">
+        <p14:creationId xmlns:p14="http://schemas.microsoft.com/office/powerpoint/2010/main" val="1770795297"/>
       </p:ext>
     </p:extLst>
   </p:cSld>
@@ -21191,711 +26584,6 @@
           <p:cNvPr id="2" name="Espace réservé du numéro de diapositive 1">
             <a:extLst>
               <a:ext uri="{FF2B5EF4-FFF2-40B4-BE49-F238E27FC236}">
-                <a16:creationId xmlns:a16="http://schemas.microsoft.com/office/drawing/2014/main" id="{C6774523-1B01-5B97-0F0B-BF284CC498C9}"/>
-              </a:ext>
-            </a:extLst>
-          </p:cNvPr>
-          <p:cNvSpPr>
-            <a:spLocks noGrp="1"/>
-          </p:cNvSpPr>
-          <p:nvPr>
-            <p:ph type="sldNum" sz="quarter" idx="4"/>
-          </p:nvPr>
-        </p:nvSpPr>
-        <p:spPr/>
-        <p:txBody>
-          <a:bodyPr/>
-          <a:lstStyle/>
-          <a:p>
-            <a:fld id="{F546B7B7-7D14-4795-A998-350CFB2BDD43}" type="slidenum">
-              <a:rPr lang="fr-FR" smtClean="0"/>
-              <a:pPr/>
-              <a:t>30</a:t>
-            </a:fld>
-            <a:endParaRPr lang="fr-FR"/>
-          </a:p>
-        </p:txBody>
-      </p:sp>
-    </p:spTree>
-    <p:extLst>
-      <p:ext uri="{BB962C8B-B14F-4D97-AF65-F5344CB8AC3E}">
-        <p14:creationId xmlns:p14="http://schemas.microsoft.com/office/powerpoint/2010/main" val="499719419"/>
-      </p:ext>
-    </p:extLst>
-  </p:cSld>
-  <p:clrMapOvr>
-    <a:masterClrMapping/>
-  </p:clrMapOvr>
-</p:sld>
-</file>
-
-<file path=ppt/slides/slide31.xml><?xml version="1.0" encoding="utf-8"?>
-<p:sld xmlns:a="http://schemas.openxmlformats.org/drawingml/2006/main" xmlns:r="http://schemas.openxmlformats.org/officeDocument/2006/relationships" xmlns:p="http://schemas.openxmlformats.org/presentationml/2006/main">
-  <p:cSld>
-    <p:spTree>
-      <p:nvGrpSpPr>
-        <p:cNvPr id="1" name="">
-          <a:extLst>
-            <a:ext uri="{FF2B5EF4-FFF2-40B4-BE49-F238E27FC236}">
-              <a16:creationId xmlns:a16="http://schemas.microsoft.com/office/drawing/2014/main" id="{9658799F-B625-DA42-E33E-CAA5585B1433}"/>
-            </a:ext>
-          </a:extLst>
-        </p:cNvPr>
-        <p:cNvGrpSpPr/>
-        <p:nvPr/>
-      </p:nvGrpSpPr>
-      <p:grpSpPr>
-        <a:xfrm>
-          <a:off x="0" y="0"/>
-          <a:ext cx="0" cy="0"/>
-          <a:chOff x="0" y="0"/>
-          <a:chExt cx="0" cy="0"/>
-        </a:xfrm>
-      </p:grpSpPr>
-      <p:sp>
-        <p:nvSpPr>
-          <p:cNvPr id="2" name="Espace réservé du numéro de diapositive 1">
-            <a:extLst>
-              <a:ext uri="{FF2B5EF4-FFF2-40B4-BE49-F238E27FC236}">
-                <a16:creationId xmlns:a16="http://schemas.microsoft.com/office/drawing/2014/main" id="{8F636E6D-2DFC-B1D8-B6A5-5D16D9A7B834}"/>
-              </a:ext>
-            </a:extLst>
-          </p:cNvPr>
-          <p:cNvSpPr>
-            <a:spLocks noGrp="1"/>
-          </p:cNvSpPr>
-          <p:nvPr>
-            <p:ph type="sldNum" sz="quarter" idx="4"/>
-          </p:nvPr>
-        </p:nvSpPr>
-        <p:spPr/>
-        <p:txBody>
-          <a:bodyPr/>
-          <a:lstStyle/>
-          <a:p>
-            <a:fld id="{F546B7B7-7D14-4795-A998-350CFB2BDD43}" type="slidenum">
-              <a:rPr lang="fr-FR" smtClean="0"/>
-              <a:pPr/>
-              <a:t>31</a:t>
-            </a:fld>
-            <a:endParaRPr lang="fr-FR" dirty="0"/>
-          </a:p>
-        </p:txBody>
-      </p:sp>
-      <p:sp>
-        <p:nvSpPr>
-          <p:cNvPr id="3" name="ZoneTexte 2">
-            <a:extLst>
-              <a:ext uri="{FF2B5EF4-FFF2-40B4-BE49-F238E27FC236}">
-                <a16:creationId xmlns:a16="http://schemas.microsoft.com/office/drawing/2014/main" id="{CE5A935D-6C97-6D69-D581-24F8704F08B1}"/>
-              </a:ext>
-            </a:extLst>
-          </p:cNvPr>
-          <p:cNvSpPr txBox="1"/>
-          <p:nvPr/>
-        </p:nvSpPr>
-        <p:spPr>
-          <a:xfrm>
-            <a:off x="2" y="532969"/>
-            <a:ext cx="12191999" cy="646331"/>
-          </a:xfrm>
-          <a:prstGeom prst="rect">
-            <a:avLst/>
-          </a:prstGeom>
-          <a:solidFill>
-            <a:srgbClr val="006A5A"/>
-          </a:solidFill>
-        </p:spPr>
-        <p:txBody>
-          <a:bodyPr wrap="square" rtlCol="0">
-            <a:spAutoFit/>
-          </a:bodyPr>
-          <a:lstStyle/>
-          <a:p>
-            <a:r>
-              <a:rPr lang="fr-FR" sz="3600" b="1" dirty="0">
-                <a:solidFill>
-                  <a:schemeClr val="bg1"/>
-                </a:solidFill>
-                <a:latin typeface="Gill Sans MT" panose="020B0502020104020203" pitchFamily="34" charset="0"/>
-              </a:rPr>
-              <a:t>Conclusion</a:t>
-            </a:r>
-          </a:p>
-        </p:txBody>
-      </p:sp>
-      <p:pic>
-        <p:nvPicPr>
-          <p:cNvPr id="4" name="Graphique 3" descr="Flèches de chevron">
-            <a:extLst>
-              <a:ext uri="{FF2B5EF4-FFF2-40B4-BE49-F238E27FC236}">
-                <a16:creationId xmlns:a16="http://schemas.microsoft.com/office/drawing/2014/main" id="{5656D646-2ADE-3673-AEFA-DA2A546191F0}"/>
-              </a:ext>
-            </a:extLst>
-          </p:cNvPr>
-          <p:cNvPicPr>
-            <a:picLocks noChangeAspect="1"/>
-          </p:cNvPicPr>
-          <p:nvPr/>
-        </p:nvPicPr>
-        <p:blipFill>
-          <a:blip r:embed="rId2">
-            <a:extLst>
-              <a:ext uri="{28A0092B-C50C-407E-A947-70E740481C1C}">
-                <a14:useLocalDpi xmlns:a14="http://schemas.microsoft.com/office/drawing/2010/main" val="0"/>
-              </a:ext>
-              <a:ext uri="{96DAC541-7B7A-43D3-8B79-37D633B846F1}">
-                <asvg:svgBlip xmlns:asvg="http://schemas.microsoft.com/office/drawing/2016/SVG/main" r:embed="rId3"/>
-              </a:ext>
-            </a:extLst>
-          </a:blip>
-          <a:stretch>
-            <a:fillRect/>
-          </a:stretch>
-        </p:blipFill>
-        <p:spPr>
-          <a:xfrm>
-            <a:off x="11078692" y="266700"/>
-            <a:ext cx="1170459" cy="1170459"/>
-          </a:xfrm>
-          <a:prstGeom prst="rect">
-            <a:avLst/>
-          </a:prstGeom>
-        </p:spPr>
-      </p:pic>
-      <p:sp>
-        <p:nvSpPr>
-          <p:cNvPr id="8" name="ZoneTexte 7">
-            <a:extLst>
-              <a:ext uri="{FF2B5EF4-FFF2-40B4-BE49-F238E27FC236}">
-                <a16:creationId xmlns:a16="http://schemas.microsoft.com/office/drawing/2014/main" id="{571F1102-DC3C-873A-C117-FAC24511C7FB}"/>
-              </a:ext>
-            </a:extLst>
-          </p:cNvPr>
-          <p:cNvSpPr txBox="1"/>
-          <p:nvPr/>
-        </p:nvSpPr>
-        <p:spPr>
-          <a:xfrm>
-            <a:off x="393771" y="1865699"/>
-            <a:ext cx="11262201" cy="2677656"/>
-          </a:xfrm>
-          <a:prstGeom prst="rect">
-            <a:avLst/>
-          </a:prstGeom>
-          <a:noFill/>
-        </p:spPr>
-        <p:txBody>
-          <a:bodyPr wrap="square">
-            <a:spAutoFit/>
-          </a:bodyPr>
-          <a:lstStyle/>
-          <a:p>
-            <a:pPr marL="342900" indent="-342900" algn="just">
-              <a:buFont typeface="Arial" panose="020B0604020202020204" pitchFamily="34" charset="0"/>
-              <a:buChar char="•"/>
-            </a:pPr>
-            <a:r>
-              <a:rPr lang="fr-FR" sz="2400" dirty="0">
-                <a:latin typeface="Gill Sans MT" panose="020B0502020104020203" pitchFamily="34" charset="0"/>
-              </a:rPr>
-              <a:t>L’accès aux soins n’est </a:t>
-            </a:r>
-            <a:r>
-              <a:rPr lang="fr-FR" sz="2400" b="1" dirty="0">
-                <a:latin typeface="Gill Sans MT" panose="020B0502020104020203" pitchFamily="34" charset="0"/>
-              </a:rPr>
-              <a:t>ni homogène</a:t>
-            </a:r>
-            <a:r>
-              <a:rPr lang="fr-FR" sz="2400" dirty="0">
-                <a:latin typeface="Gill Sans MT" panose="020B0502020104020203" pitchFamily="34" charset="0"/>
-              </a:rPr>
-              <a:t>, ni purement médical : il est </a:t>
-            </a:r>
-            <a:r>
-              <a:rPr lang="fr-FR" sz="2400" b="1" dirty="0">
-                <a:latin typeface="Gill Sans MT" panose="020B0502020104020203" pitchFamily="34" charset="0"/>
-              </a:rPr>
-              <a:t>territorial, social et humain</a:t>
-            </a:r>
-            <a:r>
-              <a:rPr lang="fr-FR" sz="2400" dirty="0">
-                <a:latin typeface="Gill Sans MT" panose="020B0502020104020203" pitchFamily="34" charset="0"/>
-              </a:rPr>
-              <a:t>.</a:t>
-            </a:r>
-          </a:p>
-          <a:p>
-            <a:pPr marL="342900" indent="-342900" algn="just">
-              <a:buFont typeface="Arial" panose="020B0604020202020204" pitchFamily="34" charset="0"/>
-              <a:buChar char="•"/>
-            </a:pPr>
-            <a:r>
-              <a:rPr lang="fr-FR" sz="2400" dirty="0">
-                <a:latin typeface="Gill Sans MT" panose="020B0502020104020203" pitchFamily="34" charset="0"/>
-              </a:rPr>
-              <a:t>Les </a:t>
-            </a:r>
-            <a:r>
-              <a:rPr lang="fr-FR" sz="2400" b="1" dirty="0">
-                <a:latin typeface="Gill Sans MT" panose="020B0502020104020203" pitchFamily="34" charset="0"/>
-              </a:rPr>
-              <a:t>modèles spatiaux</a:t>
-            </a:r>
-            <a:r>
-              <a:rPr lang="fr-FR" sz="2400" dirty="0">
-                <a:latin typeface="Gill Sans MT" panose="020B0502020104020203" pitchFamily="34" charset="0"/>
-              </a:rPr>
-              <a:t> révèlent des </a:t>
-            </a:r>
-            <a:r>
-              <a:rPr lang="fr-FR" sz="2400" b="1" dirty="0">
-                <a:latin typeface="Gill Sans MT" panose="020B0502020104020203" pitchFamily="34" charset="0"/>
-              </a:rPr>
-              <a:t>effets de voisinage significatifs</a:t>
-            </a:r>
-            <a:r>
-              <a:rPr lang="fr-FR" sz="2400" dirty="0">
-                <a:latin typeface="Gill Sans MT" panose="020B0502020104020203" pitchFamily="34" charset="0"/>
-              </a:rPr>
-              <a:t> : une commune est influencée par ses voisines.</a:t>
-            </a:r>
-          </a:p>
-          <a:p>
-            <a:pPr marL="342900" indent="-342900" algn="just">
-              <a:buFont typeface="Arial" panose="020B0604020202020204" pitchFamily="34" charset="0"/>
-              <a:buChar char="•"/>
-            </a:pPr>
-            <a:r>
-              <a:rPr lang="fr-FR" sz="2400" dirty="0">
-                <a:latin typeface="Gill Sans MT" panose="020B0502020104020203" pitchFamily="34" charset="0"/>
-              </a:rPr>
-              <a:t>Certaines relations contre-intuitives (ex. : population âgée vs. consultations) montrent la </a:t>
-            </a:r>
-            <a:r>
-              <a:rPr lang="fr-FR" sz="2400" b="1" dirty="0">
-                <a:latin typeface="Gill Sans MT" panose="020B0502020104020203" pitchFamily="34" charset="0"/>
-              </a:rPr>
-              <a:t>complexité des comportements de recours aux soins</a:t>
-            </a:r>
-            <a:r>
-              <a:rPr lang="fr-FR" sz="2400" dirty="0">
-                <a:latin typeface="Gill Sans MT" panose="020B0502020104020203" pitchFamily="34" charset="0"/>
-              </a:rPr>
-              <a:t>.</a:t>
-            </a:r>
-          </a:p>
-          <a:p>
-            <a:pPr marL="342900" indent="-342900" algn="just">
-              <a:buFont typeface="Arial" panose="020B0604020202020204" pitchFamily="34" charset="0"/>
-              <a:buChar char="•"/>
-            </a:pPr>
-            <a:r>
-              <a:rPr lang="fr-FR" sz="2400" dirty="0">
-                <a:latin typeface="Gill Sans MT" panose="020B0502020104020203" pitchFamily="34" charset="0"/>
-              </a:rPr>
-              <a:t>Les résultats appellent à une </a:t>
-            </a:r>
-            <a:r>
-              <a:rPr lang="fr-FR" sz="2400" b="1" dirty="0">
-                <a:latin typeface="Gill Sans MT" panose="020B0502020104020203" pitchFamily="34" charset="0"/>
-              </a:rPr>
-              <a:t>planification territorialisée des politiques de santé</a:t>
-            </a:r>
-            <a:r>
-              <a:rPr lang="fr-FR" sz="2400" dirty="0">
-                <a:latin typeface="Gill Sans MT" panose="020B0502020104020203" pitchFamily="34" charset="0"/>
-              </a:rPr>
-              <a:t>.</a:t>
-            </a:r>
-          </a:p>
-        </p:txBody>
-      </p:sp>
-      <p:grpSp>
-        <p:nvGrpSpPr>
-          <p:cNvPr id="9" name="Groupe 8">
-            <a:extLst>
-              <a:ext uri="{FF2B5EF4-FFF2-40B4-BE49-F238E27FC236}">
-                <a16:creationId xmlns:a16="http://schemas.microsoft.com/office/drawing/2014/main" id="{A58E000D-C02A-9D9D-C441-2ED0FE4560C3}"/>
-              </a:ext>
-            </a:extLst>
-          </p:cNvPr>
-          <p:cNvGrpSpPr/>
-          <p:nvPr/>
-        </p:nvGrpSpPr>
-        <p:grpSpPr>
-          <a:xfrm>
-            <a:off x="0" y="1322851"/>
-            <a:ext cx="3289720" cy="538782"/>
-            <a:chOff x="1621973" y="1405339"/>
-            <a:chExt cx="2819244" cy="538782"/>
-          </a:xfrm>
-        </p:grpSpPr>
-        <p:sp>
-          <p:nvSpPr>
-            <p:cNvPr id="10" name="Rectangle : coins arrondis 9">
-              <a:extLst>
-                <a:ext uri="{FF2B5EF4-FFF2-40B4-BE49-F238E27FC236}">
-                  <a16:creationId xmlns:a16="http://schemas.microsoft.com/office/drawing/2014/main" id="{8F40F72E-7BEB-8605-0DD7-18BF7B784468}"/>
-                </a:ext>
-              </a:extLst>
-            </p:cNvPr>
-            <p:cNvSpPr/>
-            <p:nvPr/>
-          </p:nvSpPr>
-          <p:spPr>
-            <a:xfrm>
-              <a:off x="1959429" y="1405339"/>
-              <a:ext cx="2481788" cy="522872"/>
-            </a:xfrm>
-            <a:prstGeom prst="roundRect">
-              <a:avLst>
-                <a:gd name="adj" fmla="val 50000"/>
-              </a:avLst>
-            </a:prstGeom>
-            <a:solidFill>
-              <a:srgbClr val="006A5A"/>
-            </a:solidFill>
-            <a:ln>
-              <a:noFill/>
-            </a:ln>
-          </p:spPr>
-          <p:style>
-            <a:lnRef idx="2">
-              <a:schemeClr val="accent1">
-                <a:shade val="15000"/>
-              </a:schemeClr>
-            </a:lnRef>
-            <a:fillRef idx="1">
-              <a:schemeClr val="accent1"/>
-            </a:fillRef>
-            <a:effectRef idx="0">
-              <a:schemeClr val="accent1"/>
-            </a:effectRef>
-            <a:fontRef idx="minor">
-              <a:schemeClr val="lt1"/>
-            </a:fontRef>
-          </p:style>
-          <p:txBody>
-            <a:bodyPr rtlCol="0" anchor="ctr"/>
-            <a:lstStyle/>
-            <a:p>
-              <a:pPr algn="ctr"/>
-              <a:r>
-                <a:rPr lang="fr-FR" sz="2400" b="1" dirty="0">
-                  <a:latin typeface="Gill Sans MT" panose="020B0502020104020203" pitchFamily="34" charset="0"/>
-                </a:rPr>
-                <a:t>Points essentiels</a:t>
-              </a:r>
-            </a:p>
-          </p:txBody>
-        </p:sp>
-        <p:sp>
-          <p:nvSpPr>
-            <p:cNvPr id="11" name="Ellipse 10">
-              <a:extLst>
-                <a:ext uri="{FF2B5EF4-FFF2-40B4-BE49-F238E27FC236}">
-                  <a16:creationId xmlns:a16="http://schemas.microsoft.com/office/drawing/2014/main" id="{FA774F9F-FC06-6B60-423C-CE40E7D78333}"/>
-                </a:ext>
-              </a:extLst>
-            </p:cNvPr>
-            <p:cNvSpPr/>
-            <p:nvPr/>
-          </p:nvSpPr>
-          <p:spPr>
-            <a:xfrm>
-              <a:off x="1621973" y="1421249"/>
-              <a:ext cx="448093" cy="522872"/>
-            </a:xfrm>
-            <a:prstGeom prst="ellipse">
-              <a:avLst/>
-            </a:prstGeom>
-            <a:solidFill>
-              <a:schemeClr val="accent2"/>
-            </a:solidFill>
-            <a:ln>
-              <a:noFill/>
-            </a:ln>
-          </p:spPr>
-          <p:style>
-            <a:lnRef idx="2">
-              <a:schemeClr val="accent1">
-                <a:shade val="15000"/>
-              </a:schemeClr>
-            </a:lnRef>
-            <a:fillRef idx="1">
-              <a:schemeClr val="accent1"/>
-            </a:fillRef>
-            <a:effectRef idx="0">
-              <a:schemeClr val="accent1"/>
-            </a:effectRef>
-            <a:fontRef idx="minor">
-              <a:schemeClr val="lt1"/>
-            </a:fontRef>
-          </p:style>
-          <p:txBody>
-            <a:bodyPr rtlCol="0" anchor="ctr"/>
-            <a:lstStyle/>
-            <a:p>
-              <a:pPr algn="ctr"/>
-              <a:r>
-                <a:rPr lang="fr-FR" sz="2400" dirty="0">
-                  <a:latin typeface="Montserrat" panose="02000505000000020004" pitchFamily="2" charset="0"/>
-                </a:rPr>
-                <a:t>1</a:t>
-              </a:r>
-            </a:p>
-          </p:txBody>
-        </p:sp>
-      </p:grpSp>
-      <p:grpSp>
-        <p:nvGrpSpPr>
-          <p:cNvPr id="12" name="Groupe 11">
-            <a:extLst>
-              <a:ext uri="{FF2B5EF4-FFF2-40B4-BE49-F238E27FC236}">
-                <a16:creationId xmlns:a16="http://schemas.microsoft.com/office/drawing/2014/main" id="{35C03003-5A72-C632-A412-FB0184F68375}"/>
-              </a:ext>
-            </a:extLst>
-          </p:cNvPr>
-          <p:cNvGrpSpPr/>
-          <p:nvPr/>
-        </p:nvGrpSpPr>
-        <p:grpSpPr>
-          <a:xfrm>
-            <a:off x="0" y="4794575"/>
-            <a:ext cx="3289720" cy="538782"/>
-            <a:chOff x="1621973" y="1405339"/>
-            <a:chExt cx="2819244" cy="538782"/>
-          </a:xfrm>
-        </p:grpSpPr>
-        <p:sp>
-          <p:nvSpPr>
-            <p:cNvPr id="13" name="Rectangle : coins arrondis 12">
-              <a:extLst>
-                <a:ext uri="{FF2B5EF4-FFF2-40B4-BE49-F238E27FC236}">
-                  <a16:creationId xmlns:a16="http://schemas.microsoft.com/office/drawing/2014/main" id="{DAC740C1-4002-7B15-DAC0-1B1AAE8EAE72}"/>
-                </a:ext>
-              </a:extLst>
-            </p:cNvPr>
-            <p:cNvSpPr/>
-            <p:nvPr/>
-          </p:nvSpPr>
-          <p:spPr>
-            <a:xfrm>
-              <a:off x="1959429" y="1405339"/>
-              <a:ext cx="2481788" cy="522872"/>
-            </a:xfrm>
-            <a:prstGeom prst="roundRect">
-              <a:avLst>
-                <a:gd name="adj" fmla="val 50000"/>
-              </a:avLst>
-            </a:prstGeom>
-            <a:solidFill>
-              <a:srgbClr val="006A5A"/>
-            </a:solidFill>
-            <a:ln>
-              <a:noFill/>
-            </a:ln>
-          </p:spPr>
-          <p:style>
-            <a:lnRef idx="2">
-              <a:schemeClr val="accent1">
-                <a:shade val="15000"/>
-              </a:schemeClr>
-            </a:lnRef>
-            <a:fillRef idx="1">
-              <a:schemeClr val="accent1"/>
-            </a:fillRef>
-            <a:effectRef idx="0">
-              <a:schemeClr val="accent1"/>
-            </a:effectRef>
-            <a:fontRef idx="minor">
-              <a:schemeClr val="lt1"/>
-            </a:fontRef>
-          </p:style>
-          <p:txBody>
-            <a:bodyPr rtlCol="0" anchor="ctr"/>
-            <a:lstStyle/>
-            <a:p>
-              <a:pPr algn="ctr"/>
-              <a:r>
-                <a:rPr lang="fr-FR" sz="2400" b="1" dirty="0">
-                  <a:latin typeface="Gill Sans MT" panose="020B0502020104020203" pitchFamily="34" charset="0"/>
-                </a:rPr>
-                <a:t>Message final</a:t>
-              </a:r>
-            </a:p>
-          </p:txBody>
-        </p:sp>
-        <p:sp>
-          <p:nvSpPr>
-            <p:cNvPr id="14" name="Ellipse 13">
-              <a:extLst>
-                <a:ext uri="{FF2B5EF4-FFF2-40B4-BE49-F238E27FC236}">
-                  <a16:creationId xmlns:a16="http://schemas.microsoft.com/office/drawing/2014/main" id="{9031F2D3-6695-472D-6687-C880B300DB89}"/>
-                </a:ext>
-              </a:extLst>
-            </p:cNvPr>
-            <p:cNvSpPr/>
-            <p:nvPr/>
-          </p:nvSpPr>
-          <p:spPr>
-            <a:xfrm>
-              <a:off x="1621973" y="1421249"/>
-              <a:ext cx="448093" cy="522872"/>
-            </a:xfrm>
-            <a:prstGeom prst="ellipse">
-              <a:avLst/>
-            </a:prstGeom>
-            <a:solidFill>
-              <a:schemeClr val="accent2"/>
-            </a:solidFill>
-            <a:ln>
-              <a:noFill/>
-            </a:ln>
-          </p:spPr>
-          <p:style>
-            <a:lnRef idx="2">
-              <a:schemeClr val="accent1">
-                <a:shade val="15000"/>
-              </a:schemeClr>
-            </a:lnRef>
-            <a:fillRef idx="1">
-              <a:schemeClr val="accent1"/>
-            </a:fillRef>
-            <a:effectRef idx="0">
-              <a:schemeClr val="accent1"/>
-            </a:effectRef>
-            <a:fontRef idx="minor">
-              <a:schemeClr val="lt1"/>
-            </a:fontRef>
-          </p:style>
-          <p:txBody>
-            <a:bodyPr rtlCol="0" anchor="ctr"/>
-            <a:lstStyle/>
-            <a:p>
-              <a:pPr algn="ctr"/>
-              <a:r>
-                <a:rPr lang="fr-FR" sz="2400" dirty="0">
-                  <a:latin typeface="Montserrat" panose="02000505000000020004" pitchFamily="2" charset="0"/>
-                </a:rPr>
-                <a:t>2</a:t>
-              </a:r>
-            </a:p>
-          </p:txBody>
-        </p:sp>
-      </p:grpSp>
-      <p:sp>
-        <p:nvSpPr>
-          <p:cNvPr id="16" name="ZoneTexte 15">
-            <a:extLst>
-              <a:ext uri="{FF2B5EF4-FFF2-40B4-BE49-F238E27FC236}">
-                <a16:creationId xmlns:a16="http://schemas.microsoft.com/office/drawing/2014/main" id="{0B5FFF4B-CA5A-A757-4B17-454A154B0D43}"/>
-              </a:ext>
-            </a:extLst>
-          </p:cNvPr>
-          <p:cNvSpPr txBox="1"/>
-          <p:nvPr/>
-        </p:nvSpPr>
-        <p:spPr>
-          <a:xfrm>
-            <a:off x="522871" y="5342319"/>
-            <a:ext cx="11133101" cy="830997"/>
-          </a:xfrm>
-          <a:prstGeom prst="rect">
-            <a:avLst/>
-          </a:prstGeom>
-          <a:noFill/>
-        </p:spPr>
-        <p:txBody>
-          <a:bodyPr wrap="square">
-            <a:spAutoFit/>
-          </a:bodyPr>
-          <a:lstStyle/>
-          <a:p>
-            <a:pPr algn="just"/>
-            <a:r>
-              <a:rPr lang="fr-FR" sz="2400" dirty="0">
-                <a:latin typeface="Gill Sans MT" panose="020B0502020104020203" pitchFamily="34" charset="0"/>
-              </a:rPr>
-              <a:t>Derrière chaque donnée de consultation, il y a une </a:t>
-            </a:r>
-            <a:r>
-              <a:rPr lang="fr-FR" sz="2400" b="1" dirty="0">
-                <a:latin typeface="Gill Sans MT" panose="020B0502020104020203" pitchFamily="34" charset="0"/>
-              </a:rPr>
-              <a:t>réalité sociale</a:t>
-            </a:r>
-            <a:r>
-              <a:rPr lang="fr-FR" sz="2400" dirty="0">
-                <a:latin typeface="Gill Sans MT" panose="020B0502020104020203" pitchFamily="34" charset="0"/>
-              </a:rPr>
-              <a:t>, un </a:t>
-            </a:r>
-            <a:r>
-              <a:rPr lang="fr-FR" sz="2400" b="1" dirty="0">
-                <a:latin typeface="Gill Sans MT" panose="020B0502020104020203" pitchFamily="34" charset="0"/>
-              </a:rPr>
-              <a:t>contexte territorial</a:t>
-            </a:r>
-            <a:r>
-              <a:rPr lang="fr-FR" sz="2400" dirty="0">
-                <a:latin typeface="Gill Sans MT" panose="020B0502020104020203" pitchFamily="34" charset="0"/>
-              </a:rPr>
-              <a:t> et des </a:t>
-            </a:r>
-            <a:r>
-              <a:rPr lang="fr-FR" sz="2400" b="1" dirty="0">
-                <a:latin typeface="Gill Sans MT" panose="020B0502020104020203" pitchFamily="34" charset="0"/>
-              </a:rPr>
-              <a:t>besoins humains à entendre</a:t>
-            </a:r>
-            <a:r>
-              <a:rPr lang="fr-FR" sz="2400" dirty="0">
-                <a:latin typeface="Gill Sans MT" panose="020B0502020104020203" pitchFamily="34" charset="0"/>
-              </a:rPr>
-              <a:t>.</a:t>
-            </a:r>
-            <a:endParaRPr lang="fr-FR" sz="2400" dirty="0"/>
-          </a:p>
-        </p:txBody>
-      </p:sp>
-    </p:spTree>
-    <p:extLst>
-      <p:ext uri="{BB962C8B-B14F-4D97-AF65-F5344CB8AC3E}">
-        <p14:creationId xmlns:p14="http://schemas.microsoft.com/office/powerpoint/2010/main" val="1770795297"/>
-      </p:ext>
-    </p:extLst>
-  </p:cSld>
-  <p:clrMapOvr>
-    <a:masterClrMapping/>
-  </p:clrMapOvr>
-</p:sld>
-</file>
-
-<file path=ppt/slides/slide32.xml><?xml version="1.0" encoding="utf-8"?>
-<p:sld xmlns:a="http://schemas.openxmlformats.org/drawingml/2006/main" xmlns:r="http://schemas.openxmlformats.org/officeDocument/2006/relationships" xmlns:p="http://schemas.openxmlformats.org/presentationml/2006/main">
-  <p:cSld>
-    <p:spTree>
-      <p:nvGrpSpPr>
-        <p:cNvPr id="1" name=""/>
-        <p:cNvGrpSpPr/>
-        <p:nvPr/>
-      </p:nvGrpSpPr>
-      <p:grpSpPr>
-        <a:xfrm>
-          <a:off x="0" y="0"/>
-          <a:ext cx="0" cy="0"/>
-          <a:chOff x="0" y="0"/>
-          <a:chExt cx="0" cy="0"/>
-        </a:xfrm>
-      </p:grpSpPr>
-      <p:sp>
-        <p:nvSpPr>
-          <p:cNvPr id="2" name="Espace réservé du numéro de diapositive 1">
-            <a:extLst>
-              <a:ext uri="{FF2B5EF4-FFF2-40B4-BE49-F238E27FC236}">
                 <a16:creationId xmlns:a16="http://schemas.microsoft.com/office/drawing/2014/main" id="{D3EBC552-5039-AD2A-33FE-AAF3F6AA0B9C}"/>
               </a:ext>
             </a:extLst>
@@ -22021,7 +26709,7 @@
                 <a:latin typeface="Montserrat" panose="02000505000000020004" pitchFamily="2" charset="0"/>
               </a:rPr>
               <a:pPr algn="r"/>
-              <a:t>32</a:t>
+              <a:t>30</a:t>
             </a:fld>
             <a:endParaRPr lang="fr-FR" dirty="0">
               <a:solidFill>
@@ -24785,13 +29473,13 @@
           <p:nvPr/>
         </p:nvPicPr>
         <p:blipFill>
-          <a:blip r:embed="rId2">
+          <a:blip r:embed="rId3">
             <a:extLst>
               <a:ext uri="{28A0092B-C50C-407E-A947-70E740481C1C}">
                 <a14:useLocalDpi xmlns:a14="http://schemas.microsoft.com/office/drawing/2010/main" val="0"/>
               </a:ext>
               <a:ext uri="{96DAC541-7B7A-43D3-8B79-37D633B846F1}">
-                <asvg:svgBlip xmlns:asvg="http://schemas.microsoft.com/office/drawing/2016/SVG/main" r:embed="rId3"/>
+                <asvg:svgBlip xmlns:asvg="http://schemas.microsoft.com/office/drawing/2016/SVG/main" r:embed="rId4"/>
               </a:ext>
             </a:extLst>
           </a:blip>
@@ -24809,344 +29497,6 @@
           </a:prstGeom>
         </p:spPr>
       </p:pic>
-      <p:sp>
-        <p:nvSpPr>
-          <p:cNvPr id="6" name="ZoneTexte 5">
-            <a:extLst>
-              <a:ext uri="{FF2B5EF4-FFF2-40B4-BE49-F238E27FC236}">
-                <a16:creationId xmlns:a16="http://schemas.microsoft.com/office/drawing/2014/main" id="{32DE9D35-86E6-8037-6D4A-D1034D2D0BEF}"/>
-              </a:ext>
-            </a:extLst>
-          </p:cNvPr>
-          <p:cNvSpPr txBox="1"/>
-          <p:nvPr/>
-        </p:nvSpPr>
-        <p:spPr>
-          <a:xfrm>
-            <a:off x="0" y="2276736"/>
-            <a:ext cx="12191999" cy="4235583"/>
-          </a:xfrm>
-          <a:prstGeom prst="rect">
-            <a:avLst/>
-          </a:prstGeom>
-          <a:noFill/>
-        </p:spPr>
-        <p:txBody>
-          <a:bodyPr wrap="square">
-            <a:spAutoFit/>
-          </a:bodyPr>
-          <a:lstStyle/>
-          <a:p>
-            <a:pPr marL="457200" indent="-457200" algn="l">
-              <a:lnSpc>
-                <a:spcPts val="2143"/>
-              </a:lnSpc>
-              <a:spcBef>
-                <a:spcPts val="1372"/>
-              </a:spcBef>
-              <a:spcAft>
-                <a:spcPts val="1029"/>
-              </a:spcAft>
-              <a:buFont typeface="Wingdings" panose="05000000000000000000" pitchFamily="2" charset="2"/>
-              <a:buChar char="§"/>
-            </a:pPr>
-            <a:r>
-              <a:rPr lang="fr-FR" sz="2400" b="1" i="0" dirty="0">
-                <a:solidFill>
-                  <a:srgbClr val="404040"/>
-                </a:solidFill>
-                <a:effectLst/>
-              </a:rPr>
-              <a:t>Facteurs démographiques</a:t>
-            </a:r>
-            <a:endParaRPr lang="fr-FR" sz="2400" b="0" i="0" dirty="0">
-              <a:solidFill>
-                <a:srgbClr val="404040"/>
-              </a:solidFill>
-              <a:effectLst/>
-            </a:endParaRPr>
-          </a:p>
-          <a:p>
-            <a:pPr marL="800100" lvl="1" indent="-342900">
-              <a:lnSpc>
-                <a:spcPts val="2143"/>
-              </a:lnSpc>
-              <a:spcBef>
-                <a:spcPts val="1029"/>
-              </a:spcBef>
-              <a:spcAft>
-                <a:spcPts val="1029"/>
-              </a:spcAft>
-              <a:buFont typeface="Wingdings" panose="05000000000000000000" pitchFamily="2" charset="2"/>
-              <a:buChar char="ü"/>
-            </a:pPr>
-            <a:r>
-              <a:rPr lang="fr-FR" sz="2400" b="1" i="0" dirty="0">
-                <a:solidFill>
-                  <a:srgbClr val="404040"/>
-                </a:solidFill>
-                <a:effectLst/>
-              </a:rPr>
-              <a:t>Âge</a:t>
-            </a:r>
-            <a:r>
-              <a:rPr lang="fr-FR" sz="2400" b="0" i="0" dirty="0">
-                <a:solidFill>
-                  <a:srgbClr val="404040"/>
-                </a:solidFill>
-                <a:effectLst/>
-              </a:rPr>
-              <a:t> (</a:t>
-            </a:r>
-            <a:r>
-              <a:rPr lang="fr-FR" sz="2400" dirty="0"/>
-              <a:t>Ministère de la Santé et des Services sociaux Québec, 2014</a:t>
-            </a:r>
-            <a:r>
-              <a:rPr lang="fr-FR" sz="2400" b="0" i="0" dirty="0">
-                <a:solidFill>
-                  <a:srgbClr val="404040"/>
-                </a:solidFill>
-                <a:effectLst/>
-              </a:rPr>
-              <a:t>) :</a:t>
-            </a:r>
-            <a:br>
-              <a:rPr lang="fr-FR" sz="2400" b="0" i="0" dirty="0">
-                <a:solidFill>
-                  <a:srgbClr val="404040"/>
-                </a:solidFill>
-                <a:effectLst/>
-              </a:rPr>
-            </a:br>
-            <a:r>
-              <a:rPr lang="fr-FR" sz="2400" b="0" i="0" dirty="0">
-                <a:solidFill>
-                  <a:srgbClr val="404040"/>
-                </a:solidFill>
-                <a:effectLst/>
-              </a:rPr>
-              <a:t>↗ Consultation fréquente chez les 65-79 ans (maladies chroniques).</a:t>
-            </a:r>
-            <a:br>
-              <a:rPr lang="fr-FR" sz="2400" b="0" i="0" dirty="0">
-                <a:solidFill>
-                  <a:srgbClr val="404040"/>
-                </a:solidFill>
-                <a:effectLst/>
-              </a:rPr>
-            </a:br>
-            <a:r>
-              <a:rPr lang="fr-FR" sz="2400" b="0" i="0" dirty="0">
-                <a:solidFill>
-                  <a:srgbClr val="404040"/>
-                </a:solidFill>
-                <a:effectLst/>
-              </a:rPr>
-              <a:t>↘ Jeunes adultes (18-35 ans) : recours sporadique.</a:t>
-            </a:r>
-          </a:p>
-          <a:p>
-            <a:pPr marL="800100" lvl="1" indent="-342900">
-              <a:lnSpc>
-                <a:spcPts val="2143"/>
-              </a:lnSpc>
-              <a:spcBef>
-                <a:spcPts val="300"/>
-              </a:spcBef>
-              <a:spcAft>
-                <a:spcPts val="1029"/>
-              </a:spcAft>
-              <a:buFont typeface="Wingdings" panose="05000000000000000000" pitchFamily="2" charset="2"/>
-              <a:buChar char="ü"/>
-            </a:pPr>
-            <a:r>
-              <a:rPr lang="fr-FR" sz="2400" b="1" i="0" dirty="0">
-                <a:solidFill>
-                  <a:srgbClr val="404040"/>
-                </a:solidFill>
-                <a:effectLst/>
-              </a:rPr>
-              <a:t>Sexe</a:t>
-            </a:r>
-            <a:r>
-              <a:rPr lang="fr-FR" sz="2400" b="0" i="0" dirty="0">
-                <a:solidFill>
-                  <a:srgbClr val="404040"/>
-                </a:solidFill>
-                <a:effectLst/>
-              </a:rPr>
-              <a:t> (</a:t>
-            </a:r>
-            <a:r>
-              <a:rPr lang="fr-FR" sz="2400" dirty="0"/>
-              <a:t>Office fédéral de la santé publique, 2024</a:t>
-            </a:r>
-            <a:r>
-              <a:rPr lang="fr-FR" sz="2400" b="0" i="0" dirty="0">
-                <a:solidFill>
-                  <a:srgbClr val="404040"/>
-                </a:solidFill>
-                <a:effectLst/>
-              </a:rPr>
-              <a:t>) :</a:t>
-            </a:r>
-            <a:br>
-              <a:rPr lang="fr-FR" sz="2400" b="0" i="0" dirty="0">
-                <a:solidFill>
-                  <a:srgbClr val="404040"/>
-                </a:solidFill>
-                <a:effectLst/>
-              </a:rPr>
-            </a:br>
-            <a:r>
-              <a:rPr lang="fr-FR" sz="2400" b="0" i="0" dirty="0">
-                <a:solidFill>
-                  <a:srgbClr val="404040"/>
-                </a:solidFill>
-                <a:effectLst/>
-              </a:rPr>
-              <a:t>↗ Femmes consultent davantage (santé reproductive, prévention).</a:t>
-            </a:r>
-            <a:br>
-              <a:rPr lang="fr-FR" sz="2400" b="0" i="0" dirty="0">
-                <a:solidFill>
-                  <a:srgbClr val="404040"/>
-                </a:solidFill>
-                <a:effectLst/>
-              </a:rPr>
-            </a:br>
-            <a:r>
-              <a:rPr lang="fr-FR" sz="2400" b="0" i="0" dirty="0">
-                <a:solidFill>
-                  <a:srgbClr val="404040"/>
-                </a:solidFill>
-                <a:effectLst/>
-              </a:rPr>
-              <a:t>↘ Hommes sous-utilisent les services (diagnostics tardifs).</a:t>
-            </a:r>
-            <a:endParaRPr lang="fr-FR" sz="2400" dirty="0">
-              <a:solidFill>
-                <a:srgbClr val="404040"/>
-              </a:solidFill>
-            </a:endParaRPr>
-          </a:p>
-          <a:p>
-            <a:pPr algn="l">
-              <a:lnSpc>
-                <a:spcPts val="2143"/>
-              </a:lnSpc>
-              <a:spcBef>
-                <a:spcPts val="300"/>
-              </a:spcBef>
-              <a:spcAft>
-                <a:spcPts val="1029"/>
-              </a:spcAft>
-            </a:pPr>
-            <a:endParaRPr lang="fr-FR" sz="2400" dirty="0">
-              <a:solidFill>
-                <a:srgbClr val="404040"/>
-              </a:solidFill>
-            </a:endParaRPr>
-          </a:p>
-          <a:p>
-            <a:pPr marL="457200" indent="-457200" algn="l">
-              <a:lnSpc>
-                <a:spcPts val="2143"/>
-              </a:lnSpc>
-              <a:spcBef>
-                <a:spcPts val="1372"/>
-              </a:spcBef>
-              <a:spcAft>
-                <a:spcPts val="1029"/>
-              </a:spcAft>
-              <a:buFont typeface="Wingdings" panose="05000000000000000000" pitchFamily="2" charset="2"/>
-              <a:buChar char="§"/>
-            </a:pPr>
-            <a:r>
-              <a:rPr lang="fr-FR" sz="2400" b="1" i="0" dirty="0">
-                <a:solidFill>
-                  <a:srgbClr val="404040"/>
-                </a:solidFill>
-                <a:effectLst/>
-                <a:latin typeface="DeepSeek-CJK-patch"/>
-              </a:rPr>
-              <a:t>Statut socio-économique </a:t>
-            </a:r>
-            <a:r>
-              <a:rPr lang="fr-FR" sz="2400" i="0" dirty="0">
-                <a:solidFill>
-                  <a:srgbClr val="404040"/>
-                </a:solidFill>
-                <a:effectLst/>
-                <a:latin typeface="DeepSeek-CJK-patch"/>
-              </a:rPr>
-              <a:t>(</a:t>
-            </a:r>
-            <a:r>
-              <a:rPr lang="fr-FR" sz="2400" dirty="0"/>
-              <a:t>BVS Santé, 2023)</a:t>
-            </a:r>
-            <a:br>
-              <a:rPr lang="fr-FR" sz="2400" b="0" i="0" dirty="0">
-                <a:solidFill>
-                  <a:srgbClr val="404040"/>
-                </a:solidFill>
-                <a:effectLst/>
-                <a:latin typeface="DeepSeek-CJK-patch"/>
-              </a:rPr>
-            </a:br>
-            <a:r>
-              <a:rPr lang="fr-FR" sz="2400" b="0" i="0" dirty="0">
-                <a:solidFill>
-                  <a:srgbClr val="404040"/>
-                </a:solidFill>
-                <a:effectLst/>
-                <a:latin typeface="DeepSeek-CJK-patch"/>
-              </a:rPr>
-              <a:t>↗ Revenus élevés = meilleur accès (couverture sociale).</a:t>
-            </a:r>
-            <a:br>
-              <a:rPr lang="fr-FR" sz="2400" b="0" i="0" dirty="0">
-                <a:solidFill>
-                  <a:srgbClr val="404040"/>
-                </a:solidFill>
-                <a:effectLst/>
-                <a:latin typeface="DeepSeek-CJK-patch"/>
-              </a:rPr>
-            </a:br>
-            <a:r>
-              <a:rPr lang="fr-FR" sz="2400" b="0" i="0" dirty="0">
-                <a:solidFill>
-                  <a:srgbClr val="404040"/>
-                </a:solidFill>
-                <a:effectLst/>
-                <a:latin typeface="DeepSeek-CJK-patch"/>
-              </a:rPr>
-              <a:t>↘ Précarité = obstacles financiers/culturels.</a:t>
-            </a:r>
-            <a:br>
-              <a:rPr lang="fr-FR" sz="2400" b="0" i="0" dirty="0">
-                <a:solidFill>
-                  <a:srgbClr val="404040"/>
-                </a:solidFill>
-                <a:effectLst/>
-                <a:latin typeface="DeepSeek-CJK-patch"/>
-              </a:rPr>
-            </a:br>
-            <a:r>
-              <a:rPr lang="fr-FR" sz="2400" b="0" i="0" dirty="0">
-                <a:solidFill>
-                  <a:srgbClr val="404040"/>
-                </a:solidFill>
-                <a:effectLst/>
-                <a:latin typeface="DeepSeek-CJK-patch"/>
-              </a:rPr>
-              <a:t>↗ Niveau d’éducation élevé = recours préventif accru.</a:t>
-            </a:r>
-          </a:p>
-        </p:txBody>
-      </p:sp>
       <p:sp>
         <p:nvSpPr>
           <p:cNvPr id="7" name="ZoneTexte 6">
@@ -25199,10 +29549,77 @@
           </a:p>
         </p:txBody>
       </p:sp>
+      <p:graphicFrame>
+        <p:nvGraphicFramePr>
+          <p:cNvPr id="9" name="Diagram 8">
+            <a:extLst>
+              <a:ext uri="{FF2B5EF4-FFF2-40B4-BE49-F238E27FC236}">
+                <a16:creationId xmlns:a16="http://schemas.microsoft.com/office/drawing/2014/main" id="{A13B4CA0-C84A-4D2C-A8B4-632F6B9BE12F}"/>
+              </a:ext>
+            </a:extLst>
+          </p:cNvPr>
+          <p:cNvGraphicFramePr/>
+          <p:nvPr/>
+        </p:nvGraphicFramePr>
+        <p:xfrm>
+          <a:off x="838200" y="1553016"/>
+          <a:ext cx="10363200" cy="5038284"/>
+        </p:xfrm>
+        <a:graphic>
+          <a:graphicData uri="http://schemas.openxmlformats.org/drawingml/2006/diagram">
+            <dgm:relIds xmlns:dgm="http://schemas.openxmlformats.org/drawingml/2006/diagram" xmlns:r="http://schemas.openxmlformats.org/officeDocument/2006/relationships" r:dm="rId5" r:lo="rId6" r:qs="rId7" r:cs="rId8"/>
+          </a:graphicData>
+        </a:graphic>
+      </p:graphicFrame>
+      <p:sp>
+        <p:nvSpPr>
+          <p:cNvPr id="12" name="TextBox 11">
+            <a:extLst>
+              <a:ext uri="{FF2B5EF4-FFF2-40B4-BE49-F238E27FC236}">
+                <a16:creationId xmlns:a16="http://schemas.microsoft.com/office/drawing/2014/main" id="{7D171D18-1D36-4581-A069-C462A253FFF1}"/>
+              </a:ext>
+            </a:extLst>
+          </p:cNvPr>
+          <p:cNvSpPr txBox="1"/>
+          <p:nvPr/>
+        </p:nvSpPr>
+        <p:spPr>
+          <a:xfrm>
+            <a:off x="5867400" y="4981818"/>
+            <a:ext cx="3886200" cy="923330"/>
+          </a:xfrm>
+          <a:prstGeom prst="rect">
+            <a:avLst/>
+          </a:prstGeom>
+          <a:noFill/>
+        </p:spPr>
+        <p:txBody>
+          <a:bodyPr wrap="square" rtlCol="0">
+            <a:spAutoFit/>
+          </a:bodyPr>
+          <a:lstStyle/>
+          <a:p>
+            <a:pPr marL="285750" indent="-285750">
+              <a:buFont typeface="Arial" panose="020B0604020202020204" pitchFamily="34" charset="0"/>
+              <a:buChar char="•"/>
+            </a:pPr>
+            <a:r>
+              <a:rPr lang="fr-FR" dirty="0">
+                <a:solidFill>
+                  <a:srgbClr val="404040"/>
+                </a:solidFill>
+                <a:latin typeface="Gill Sans MT" panose="020B0502020104020203" pitchFamily="34" charset="0"/>
+              </a:rPr>
+              <a:t>3,1 % des Français renoncent (8× plus chez les pauvres en zones sous-dotées).</a:t>
+            </a:r>
+            <a:endParaRPr lang="fr-FR" dirty="0"/>
+          </a:p>
+        </p:txBody>
+      </p:sp>
     </p:spTree>
     <p:extLst>
       <p:ext uri="{BB962C8B-B14F-4D97-AF65-F5344CB8AC3E}">
-        <p14:creationId xmlns:p14="http://schemas.microsoft.com/office/powerpoint/2010/main" val="3735440625"/>
+        <p14:creationId xmlns:p14="http://schemas.microsoft.com/office/powerpoint/2010/main" val="3836383049"/>
       </p:ext>
     </p:extLst>
   </p:cSld>
@@ -25213,540 +29630,6 @@
 </file>
 
 <file path=ppt/slides/slide8.xml><?xml version="1.0" encoding="utf-8"?>
-<p:sld xmlns:a="http://schemas.openxmlformats.org/drawingml/2006/main" xmlns:r="http://schemas.openxmlformats.org/officeDocument/2006/relationships" xmlns:p="http://schemas.openxmlformats.org/presentationml/2006/main">
-  <p:cSld>
-    <p:spTree>
-      <p:nvGrpSpPr>
-        <p:cNvPr id="1" name="">
-          <a:extLst>
-            <a:ext uri="{FF2B5EF4-FFF2-40B4-BE49-F238E27FC236}">
-              <a16:creationId xmlns:a16="http://schemas.microsoft.com/office/drawing/2014/main" id="{5900AD3D-343A-C379-EDB0-F2C8E19E28E1}"/>
-            </a:ext>
-          </a:extLst>
-        </p:cNvPr>
-        <p:cNvGrpSpPr/>
-        <p:nvPr/>
-      </p:nvGrpSpPr>
-      <p:grpSpPr>
-        <a:xfrm>
-          <a:off x="0" y="0"/>
-          <a:ext cx="0" cy="0"/>
-          <a:chOff x="0" y="0"/>
-          <a:chExt cx="0" cy="0"/>
-        </a:xfrm>
-      </p:grpSpPr>
-      <p:sp>
-        <p:nvSpPr>
-          <p:cNvPr id="3" name="Espace réservé du numéro de diapositive 2">
-            <a:extLst>
-              <a:ext uri="{FF2B5EF4-FFF2-40B4-BE49-F238E27FC236}">
-                <a16:creationId xmlns:a16="http://schemas.microsoft.com/office/drawing/2014/main" id="{CCFB11F8-ACFC-836C-4375-31E29B73C366}"/>
-              </a:ext>
-            </a:extLst>
-          </p:cNvPr>
-          <p:cNvSpPr>
-            <a:spLocks noGrp="1"/>
-          </p:cNvSpPr>
-          <p:nvPr>
-            <p:ph type="sldNum" sz="quarter" idx="4"/>
-          </p:nvPr>
-        </p:nvSpPr>
-        <p:spPr>
-          <a:xfrm>
-            <a:off x="8610600" y="6356350"/>
-            <a:ext cx="2743200" cy="365125"/>
-          </a:xfrm>
-        </p:spPr>
-        <p:txBody>
-          <a:bodyPr/>
-          <a:lstStyle/>
-          <a:p>
-            <a:fld id="{F546B7B7-7D14-4795-A998-350CFB2BDD43}" type="slidenum">
-              <a:rPr lang="fr-FR" smtClean="0"/>
-              <a:pPr/>
-              <a:t>8</a:t>
-            </a:fld>
-            <a:endParaRPr lang="fr-FR"/>
-          </a:p>
-        </p:txBody>
-      </p:sp>
-      <p:sp>
-        <p:nvSpPr>
-          <p:cNvPr id="2" name="ZoneTexte 1">
-            <a:extLst>
-              <a:ext uri="{FF2B5EF4-FFF2-40B4-BE49-F238E27FC236}">
-                <a16:creationId xmlns:a16="http://schemas.microsoft.com/office/drawing/2014/main" id="{1C98E2B9-A4CA-A865-4233-15D3C187F1F7}"/>
-              </a:ext>
-            </a:extLst>
-          </p:cNvPr>
-          <p:cNvSpPr txBox="1"/>
-          <p:nvPr/>
-        </p:nvSpPr>
-        <p:spPr>
-          <a:xfrm>
-            <a:off x="2" y="532969"/>
-            <a:ext cx="12191999" cy="646331"/>
-          </a:xfrm>
-          <a:prstGeom prst="rect">
-            <a:avLst/>
-          </a:prstGeom>
-          <a:solidFill>
-            <a:srgbClr val="006A5A"/>
-          </a:solidFill>
-        </p:spPr>
-        <p:txBody>
-          <a:bodyPr wrap="square" rtlCol="0">
-            <a:spAutoFit/>
-          </a:bodyPr>
-          <a:lstStyle/>
-          <a:p>
-            <a:r>
-              <a:rPr lang="fr-FR" sz="3600" b="1" dirty="0">
-                <a:solidFill>
-                  <a:schemeClr val="bg1"/>
-                </a:solidFill>
-                <a:latin typeface="Gill Sans MT" panose="020B0502020104020203" pitchFamily="34" charset="0"/>
-              </a:rPr>
-              <a:t>1.2. Revue de littérature</a:t>
-            </a:r>
-          </a:p>
-        </p:txBody>
-      </p:sp>
-      <p:pic>
-        <p:nvPicPr>
-          <p:cNvPr id="4" name="Graphique 3" descr="Flèches de chevron">
-            <a:extLst>
-              <a:ext uri="{FF2B5EF4-FFF2-40B4-BE49-F238E27FC236}">
-                <a16:creationId xmlns:a16="http://schemas.microsoft.com/office/drawing/2014/main" id="{AB73524E-1DA0-D3E7-AEEC-E55EB1E9DCD9}"/>
-              </a:ext>
-            </a:extLst>
-          </p:cNvPr>
-          <p:cNvPicPr>
-            <a:picLocks noChangeAspect="1"/>
-          </p:cNvPicPr>
-          <p:nvPr/>
-        </p:nvPicPr>
-        <p:blipFill>
-          <a:blip r:embed="rId2">
-            <a:extLst>
-              <a:ext uri="{28A0092B-C50C-407E-A947-70E740481C1C}">
-                <a14:useLocalDpi xmlns:a14="http://schemas.microsoft.com/office/drawing/2010/main" val="0"/>
-              </a:ext>
-              <a:ext uri="{96DAC541-7B7A-43D3-8B79-37D633B846F1}">
-                <asvg:svgBlip xmlns:asvg="http://schemas.microsoft.com/office/drawing/2016/SVG/main" r:embed="rId3"/>
-              </a:ext>
-            </a:extLst>
-          </a:blip>
-          <a:stretch>
-            <a:fillRect/>
-          </a:stretch>
-        </p:blipFill>
-        <p:spPr>
-          <a:xfrm>
-            <a:off x="11078692" y="266700"/>
-            <a:ext cx="1170459" cy="1170459"/>
-          </a:xfrm>
-          <a:prstGeom prst="rect">
-            <a:avLst/>
-          </a:prstGeom>
-        </p:spPr>
-      </p:pic>
-      <p:sp>
-        <p:nvSpPr>
-          <p:cNvPr id="7" name="ZoneTexte 6">
-            <a:extLst>
-              <a:ext uri="{FF2B5EF4-FFF2-40B4-BE49-F238E27FC236}">
-                <a16:creationId xmlns:a16="http://schemas.microsoft.com/office/drawing/2014/main" id="{F65E87B2-1646-2D2B-B06A-82C9C68AE0F6}"/>
-              </a:ext>
-            </a:extLst>
-          </p:cNvPr>
-          <p:cNvSpPr txBox="1"/>
-          <p:nvPr/>
-        </p:nvSpPr>
-        <p:spPr>
-          <a:xfrm>
-            <a:off x="0" y="1437159"/>
-            <a:ext cx="12192000" cy="375552"/>
-          </a:xfrm>
-          <a:prstGeom prst="rect">
-            <a:avLst/>
-          </a:prstGeom>
-          <a:solidFill>
-            <a:srgbClr val="006A5A"/>
-          </a:solidFill>
-        </p:spPr>
-        <p:txBody>
-          <a:bodyPr wrap="square">
-            <a:spAutoFit/>
-          </a:bodyPr>
-          <a:lstStyle/>
-          <a:p>
-            <a:pPr algn="ctr">
-              <a:lnSpc>
-                <a:spcPts val="2143"/>
-              </a:lnSpc>
-              <a:spcBef>
-                <a:spcPts val="1372"/>
-              </a:spcBef>
-              <a:spcAft>
-                <a:spcPts val="1029"/>
-              </a:spcAft>
-            </a:pPr>
-            <a:r>
-              <a:rPr lang="fr-FR" sz="2400" b="1" dirty="0">
-                <a:solidFill>
-                  <a:schemeClr val="bg1"/>
-                </a:solidFill>
-              </a:rPr>
-              <a:t>Principaux déterminants des consultations médicales</a:t>
-            </a:r>
-          </a:p>
-        </p:txBody>
-      </p:sp>
-      <p:sp>
-        <p:nvSpPr>
-          <p:cNvPr id="11" name="ZoneTexte 10">
-            <a:extLst>
-              <a:ext uri="{FF2B5EF4-FFF2-40B4-BE49-F238E27FC236}">
-                <a16:creationId xmlns:a16="http://schemas.microsoft.com/office/drawing/2014/main" id="{3D32B540-2C92-2D78-5A95-A4AC0AF32766}"/>
-              </a:ext>
-            </a:extLst>
-          </p:cNvPr>
-          <p:cNvSpPr txBox="1"/>
-          <p:nvPr/>
-        </p:nvSpPr>
-        <p:spPr>
-          <a:xfrm>
-            <a:off x="0" y="2269359"/>
-            <a:ext cx="12191999" cy="4120167"/>
-          </a:xfrm>
-          <a:prstGeom prst="rect">
-            <a:avLst/>
-          </a:prstGeom>
-          <a:noFill/>
-        </p:spPr>
-        <p:txBody>
-          <a:bodyPr wrap="square">
-            <a:spAutoFit/>
-          </a:bodyPr>
-          <a:lstStyle/>
-          <a:p>
-            <a:pPr marL="342900" indent="-342900" algn="l">
-              <a:lnSpc>
-                <a:spcPts val="2143"/>
-              </a:lnSpc>
-              <a:spcBef>
-                <a:spcPts val="1372"/>
-              </a:spcBef>
-              <a:spcAft>
-                <a:spcPts val="1029"/>
-              </a:spcAft>
-              <a:buFont typeface="Wingdings" panose="05000000000000000000" pitchFamily="2" charset="2"/>
-              <a:buChar char="§"/>
-            </a:pPr>
-            <a:r>
-              <a:rPr lang="fr-FR" sz="2400" b="1" i="0" dirty="0">
-                <a:solidFill>
-                  <a:srgbClr val="404040"/>
-                </a:solidFill>
-                <a:effectLst/>
-                <a:latin typeface="DeepSeek-CJK-patch"/>
-              </a:rPr>
-              <a:t>Accès géographique</a:t>
-            </a:r>
-            <a:endParaRPr lang="fr-FR" sz="2400" b="0" i="0" dirty="0">
-              <a:solidFill>
-                <a:srgbClr val="404040"/>
-              </a:solidFill>
-              <a:effectLst/>
-              <a:latin typeface="DeepSeek-CJK-patch"/>
-            </a:endParaRPr>
-          </a:p>
-          <a:p>
-            <a:pPr marL="800100" lvl="1" indent="-342900">
-              <a:lnSpc>
-                <a:spcPts val="2143"/>
-              </a:lnSpc>
-              <a:spcBef>
-                <a:spcPts val="1029"/>
-              </a:spcBef>
-              <a:spcAft>
-                <a:spcPts val="1029"/>
-              </a:spcAft>
-              <a:buFont typeface="Wingdings" panose="05000000000000000000" pitchFamily="2" charset="2"/>
-              <a:buChar char="ü"/>
-            </a:pPr>
-            <a:r>
-              <a:rPr lang="fr-FR" sz="2400" b="1" i="0" dirty="0">
-                <a:solidFill>
-                  <a:srgbClr val="404040"/>
-                </a:solidFill>
-                <a:effectLst/>
-                <a:latin typeface="DeepSeek-CJK-patch"/>
-              </a:rPr>
-              <a:t>Densité médicale</a:t>
-            </a:r>
-            <a:r>
-              <a:rPr lang="fr-FR" sz="2400" b="0" i="0" dirty="0">
-                <a:solidFill>
-                  <a:srgbClr val="404040"/>
-                </a:solidFill>
-                <a:effectLst/>
-                <a:latin typeface="DeepSeek-CJK-patch"/>
-              </a:rPr>
-              <a:t> (</a:t>
-            </a:r>
-            <a:r>
-              <a:rPr lang="fr-FR" sz="2400" dirty="0" err="1"/>
-              <a:t>Irdes</a:t>
-            </a:r>
-            <a:r>
-              <a:rPr lang="fr-FR" sz="2400" dirty="0"/>
-              <a:t>, 2020) </a:t>
-            </a:r>
-            <a:r>
-              <a:rPr lang="fr-FR" sz="2400" b="0" i="0" dirty="0">
-                <a:solidFill>
-                  <a:srgbClr val="404040"/>
-                </a:solidFill>
-                <a:effectLst/>
-                <a:latin typeface="DeepSeek-CJK-patch"/>
-              </a:rPr>
-              <a:t>:</a:t>
-            </a:r>
-            <a:br>
-              <a:rPr lang="fr-FR" sz="2400" b="0" i="0" dirty="0">
-                <a:solidFill>
-                  <a:srgbClr val="404040"/>
-                </a:solidFill>
-                <a:effectLst/>
-                <a:latin typeface="DeepSeek-CJK-patch"/>
-              </a:rPr>
-            </a:br>
-            <a:r>
-              <a:rPr lang="fr-FR" sz="2400" b="0" i="0" dirty="0">
-                <a:solidFill>
-                  <a:srgbClr val="404040"/>
-                </a:solidFill>
-                <a:effectLst/>
-                <a:latin typeface="DeepSeek-CJK-patch"/>
-              </a:rPr>
-              <a:t>↗ Zones urbaines = accès facilité.</a:t>
-            </a:r>
-            <a:br>
-              <a:rPr lang="fr-FR" sz="2400" b="0" i="0" dirty="0">
-                <a:solidFill>
-                  <a:srgbClr val="404040"/>
-                </a:solidFill>
-                <a:effectLst/>
-                <a:latin typeface="DeepSeek-CJK-patch"/>
-              </a:rPr>
-            </a:br>
-            <a:r>
-              <a:rPr lang="fr-FR" sz="2400" b="0" i="0" dirty="0">
-                <a:solidFill>
-                  <a:srgbClr val="404040"/>
-                </a:solidFill>
-                <a:effectLst/>
-                <a:latin typeface="DeepSeek-CJK-patch"/>
-              </a:rPr>
-              <a:t>↘ Zones rurales = déserts médicaux (distance, délais).</a:t>
-            </a:r>
-          </a:p>
-          <a:p>
-            <a:pPr marL="800100" lvl="1" indent="-342900">
-              <a:lnSpc>
-                <a:spcPts val="2143"/>
-              </a:lnSpc>
-              <a:spcBef>
-                <a:spcPts val="300"/>
-              </a:spcBef>
-              <a:spcAft>
-                <a:spcPts val="1029"/>
-              </a:spcAft>
-              <a:buFont typeface="Wingdings" panose="05000000000000000000" pitchFamily="2" charset="2"/>
-              <a:buChar char="ü"/>
-            </a:pPr>
-            <a:r>
-              <a:rPr lang="fr-FR" sz="2400" b="1" i="0" dirty="0">
-                <a:solidFill>
-                  <a:srgbClr val="404040"/>
-                </a:solidFill>
-                <a:effectLst/>
-                <a:latin typeface="DeepSeek-CJK-patch"/>
-              </a:rPr>
-              <a:t>Renoncement aux soins</a:t>
-            </a:r>
-            <a:r>
-              <a:rPr lang="fr-FR" sz="2400" b="0" i="0" dirty="0">
-                <a:solidFill>
-                  <a:srgbClr val="404040"/>
-                </a:solidFill>
-                <a:effectLst/>
-                <a:latin typeface="DeepSeek-CJK-patch"/>
-              </a:rPr>
-              <a:t> (</a:t>
-            </a:r>
-            <a:r>
-              <a:rPr lang="fr-FR" sz="2400" dirty="0"/>
-              <a:t>Ministère des Solidarités et de la Santé, 2021) :</a:t>
-            </a:r>
-            <a:br>
-              <a:rPr lang="fr-FR" sz="2400" b="0" i="0" dirty="0">
-                <a:solidFill>
-                  <a:srgbClr val="404040"/>
-                </a:solidFill>
-                <a:effectLst/>
-                <a:latin typeface="DeepSeek-CJK-patch"/>
-              </a:rPr>
-            </a:br>
-            <a:r>
-              <a:rPr lang="fr-FR" sz="2400" b="0" i="0" dirty="0">
-                <a:solidFill>
-                  <a:srgbClr val="404040"/>
-                </a:solidFill>
-                <a:effectLst/>
-                <a:latin typeface="DeepSeek-CJK-patch"/>
-              </a:rPr>
-              <a:t>3,1 % des Français renoncent (8× plus chez les pauv